--- a/CentRes.pptx
+++ b/CentRes.pptx
@@ -5,10 +5,10 @@
     <p:sldMasterId id="2147483648" r:id="rId4"/>
   </p:sldMasterIdLst>
   <p:notesMasterIdLst>
-    <p:notesMasterId r:id="rId25"/>
+    <p:notesMasterId r:id="rId24"/>
   </p:notesMasterIdLst>
   <p:handoutMasterIdLst>
-    <p:handoutMasterId r:id="rId26"/>
+    <p:handoutMasterId r:id="rId25"/>
   </p:handoutMasterIdLst>
   <p:sldIdLst>
     <p:sldId id="2448" r:id="rId5"/>
@@ -20,17 +20,16 @@
     <p:sldId id="2450" r:id="rId11"/>
     <p:sldId id="2466" r:id="rId12"/>
     <p:sldId id="2465" r:id="rId13"/>
-    <p:sldId id="2475" r:id="rId14"/>
-    <p:sldId id="2467" r:id="rId15"/>
-    <p:sldId id="2457" r:id="rId16"/>
-    <p:sldId id="2474" r:id="rId17"/>
-    <p:sldId id="2456" r:id="rId18"/>
-    <p:sldId id="2468" r:id="rId19"/>
-    <p:sldId id="2470" r:id="rId20"/>
-    <p:sldId id="2473" r:id="rId21"/>
-    <p:sldId id="2471" r:id="rId22"/>
-    <p:sldId id="2472" r:id="rId23"/>
-    <p:sldId id="2436" r:id="rId24"/>
+    <p:sldId id="2467" r:id="rId14"/>
+    <p:sldId id="2457" r:id="rId15"/>
+    <p:sldId id="2474" r:id="rId16"/>
+    <p:sldId id="2456" r:id="rId17"/>
+    <p:sldId id="2468" r:id="rId18"/>
+    <p:sldId id="2470" r:id="rId19"/>
+    <p:sldId id="2473" r:id="rId20"/>
+    <p:sldId id="2471" r:id="rId21"/>
+    <p:sldId id="2472" r:id="rId22"/>
+    <p:sldId id="2436" r:id="rId23"/>
   </p:sldIdLst>
   <p:sldSz cx="12192000" cy="6858000"/>
   <p:notesSz cx="6858000" cy="9144000"/>
@@ -927,7 +926,7 @@
           <a:p>
             <a:fld id="{228B34ED-4CDD-41C9-90F7-D768D5559A6F}" type="slidenum">
               <a:rPr lang="en-US" smtClean="0"/>
-              <a:t>14</a:t>
+              <a:t>13</a:t>
             </a:fld>
             <a:endParaRPr lang="en-US" dirty="0"/>
           </a:p>
@@ -1011,7 +1010,7 @@
           <a:p>
             <a:fld id="{228B34ED-4CDD-41C9-90F7-D768D5559A6F}" type="slidenum">
               <a:rPr lang="en-US" smtClean="0"/>
-              <a:t>15</a:t>
+              <a:t>14</a:t>
             </a:fld>
             <a:endParaRPr lang="en-US" dirty="0"/>
           </a:p>
@@ -1095,7 +1094,7 @@
           <a:p>
             <a:fld id="{228B34ED-4CDD-41C9-90F7-D768D5559A6F}" type="slidenum">
               <a:rPr lang="en-US" smtClean="0"/>
-              <a:t>16</a:t>
+              <a:t>15</a:t>
             </a:fld>
             <a:endParaRPr lang="en-US" dirty="0"/>
           </a:p>
@@ -1179,7 +1178,7 @@
           <a:p>
             <a:fld id="{228B34ED-4CDD-41C9-90F7-D768D5559A6F}" type="slidenum">
               <a:rPr lang="en-US" smtClean="0"/>
-              <a:t>17</a:t>
+              <a:t>16</a:t>
             </a:fld>
             <a:endParaRPr lang="en-US" dirty="0"/>
           </a:p>
@@ -5747,14 +5746,6 @@
 <file path=ppt/slides/slide10.xml><?xml version="1.0" encoding="utf-8"?>
 <p:sld xmlns:a="http://schemas.openxmlformats.org/drawingml/2006/main" xmlns:r="http://schemas.openxmlformats.org/officeDocument/2006/relationships" xmlns:p="http://schemas.openxmlformats.org/presentationml/2006/main">
   <p:cSld>
-    <p:bg>
-      <p:bgPr>
-        <a:solidFill>
-          <a:schemeClr val="bg1"/>
-        </a:solidFill>
-        <a:effectLst/>
-      </p:bgPr>
-    </p:bg>
     <p:spTree>
       <p:nvGrpSpPr>
         <p:cNvPr id="1" name=""/>
@@ -5769,12 +5760,47 @@
           <a:chExt cx="0" cy="0"/>
         </a:xfrm>
       </p:grpSpPr>
+      <p:sp>
+        <p:nvSpPr>
+          <p:cNvPr id="3" name="Title 2">
+            <a:extLst>
+              <a:ext uri="{FF2B5EF4-FFF2-40B4-BE49-F238E27FC236}">
+                <a16:creationId xmlns:a16="http://schemas.microsoft.com/office/drawing/2014/main" id="{1D24B42B-925B-494C-A986-BD85E8117E1E}"/>
+              </a:ext>
+            </a:extLst>
+          </p:cNvPr>
+          <p:cNvSpPr>
+            <a:spLocks noGrp="1"/>
+          </p:cNvSpPr>
+          <p:nvPr>
+            <p:ph type="title"/>
+          </p:nvPr>
+        </p:nvSpPr>
+        <p:spPr>
+          <a:xfrm>
+            <a:off x="6227184" y="142613"/>
+            <a:ext cx="5766033" cy="1231302"/>
+          </a:xfrm>
+        </p:spPr>
+        <p:txBody>
+          <a:bodyPr>
+            <a:normAutofit/>
+          </a:bodyPr>
+          <a:lstStyle/>
+          <a:p>
+            <a:r>
+              <a:rPr lang="en-US" sz="3600" dirty="0"/>
+              <a:t>Requirement Specifications</a:t>
+            </a:r>
+          </a:p>
+        </p:txBody>
+      </p:sp>
       <p:pic>
         <p:nvPicPr>
-          <p:cNvPr id="8" name="Picture Placeholder 7" descr="close up of computer code">
-            <a:extLst>
-              <a:ext uri="{FF2B5EF4-FFF2-40B4-BE49-F238E27FC236}">
-                <a16:creationId xmlns:a16="http://schemas.microsoft.com/office/drawing/2014/main" id="{1D5DB266-C804-437C-AED7-3D057820D244}"/>
+          <p:cNvPr id="13" name="Picture Placeholder 12" descr="close up of computer on top of table against a brick wall">
+            <a:extLst>
+              <a:ext uri="{FF2B5EF4-FFF2-40B4-BE49-F238E27FC236}">
+                <a16:creationId xmlns:a16="http://schemas.microsoft.com/office/drawing/2014/main" id="{90BB9493-60B4-4B89-89CE-E1F8BF6C4D12}"/>
               </a:ext>
             </a:extLst>
           </p:cNvPr>
@@ -5782,12 +5808,11 @@
             <a:picLocks noGrp="1" noChangeAspect="1"/>
           </p:cNvPicPr>
           <p:nvPr>
-            <p:ph type="pic" sz="quarter" idx="10"/>
+            <p:ph type="pic" sz="quarter" idx="13"/>
           </p:nvPr>
         </p:nvPicPr>
         <p:blipFill rotWithShape="1">
-          <a:blip r:embed="rId2">
-            <a:alphaModFix amt="35000"/>
+          <a:blip r:embed="rId2" cstate="email">
             <a:extLst>
               <a:ext uri="{BEBA8EAE-BF5A-486C-A8C5-ECC9F3942E4B}">
                 <a14:imgProps xmlns:a14="http://schemas.microsoft.com/office/drawing/2010/main">
@@ -5798,387 +5823,126 @@
                   </a14:imgLayer>
                 </a14:imgProps>
               </a:ext>
+              <a:ext uri="{28A0092B-C50C-407E-A947-70E740481C1C}">
+                <a14:useLocalDpi xmlns:a14="http://schemas.microsoft.com/office/drawing/2010/main"/>
+              </a:ext>
             </a:extLst>
           </a:blip>
-          <a:srcRect t="7813" b="7813"/>
+          <a:srcRect l="20370" r="20370"/>
           <a:stretch/>
         </p:blipFill>
         <p:spPr/>
       </p:pic>
       <p:sp>
         <p:nvSpPr>
-          <p:cNvPr id="5" name="Title 4">
-            <a:extLst>
-              <a:ext uri="{FF2B5EF4-FFF2-40B4-BE49-F238E27FC236}">
-                <a16:creationId xmlns:a16="http://schemas.microsoft.com/office/drawing/2014/main" id="{14AB6F96-E5E8-4B40-A18C-2D078D1C2D4F}"/>
-              </a:ext>
-            </a:extLst>
-          </p:cNvPr>
-          <p:cNvSpPr>
-            <a:spLocks noGrp="1"/>
-          </p:cNvSpPr>
-          <p:nvPr>
-            <p:ph type="title"/>
-          </p:nvPr>
-        </p:nvSpPr>
-        <p:spPr>
-          <a:xfrm>
-            <a:off x="1586917" y="1493240"/>
-            <a:ext cx="9018165" cy="4655890"/>
-          </a:xfrm>
-        </p:spPr>
-        <p:txBody>
-          <a:bodyPr>
-            <a:normAutofit/>
-          </a:bodyPr>
-          <a:lstStyle/>
-          <a:p>
-            <a:pPr marL="914400" marR="0" lvl="2"/>
-            <a:br>
-              <a:rPr lang="en-US" sz="1400" dirty="0">
-                <a:solidFill>
-                  <a:schemeClr val="tx1"/>
-                </a:solidFill>
-                <a:effectLst/>
-                <a:latin typeface="+mn-lt"/>
-                <a:ea typeface="Yu Mincho" panose="02020400000000000000" pitchFamily="18" charset="-128"/>
-                <a:cs typeface="Times New Roman" panose="02020603050405020304" pitchFamily="18" charset="0"/>
-              </a:rPr>
-            </a:br>
-            <a:r>
-              <a:rPr lang="en-US" sz="1400" b="1" dirty="0">
-                <a:solidFill>
-                  <a:schemeClr val="tx1"/>
-                </a:solidFill>
-                <a:effectLst/>
-                <a:latin typeface="+mn-lt"/>
-                <a:ea typeface="Calibri" panose="020F0502020204030204" pitchFamily="34" charset="0"/>
-                <a:cs typeface="Times New Roman" panose="02020603050405020304" pitchFamily="18" charset="0"/>
-              </a:rPr>
-              <a:t>Actor:</a:t>
-            </a:r>
-            <a:r>
-              <a:rPr lang="en-US" sz="1400" dirty="0">
-                <a:solidFill>
-                  <a:schemeClr val="tx1"/>
-                </a:solidFill>
-                <a:effectLst/>
-                <a:latin typeface="+mn-lt"/>
-                <a:ea typeface="Calibri" panose="020F0502020204030204" pitchFamily="34" charset="0"/>
-                <a:cs typeface="Times New Roman" panose="02020603050405020304" pitchFamily="18" charset="0"/>
-              </a:rPr>
-              <a:t> Host</a:t>
-            </a:r>
-            <a:br>
-              <a:rPr lang="en-US" sz="1400" dirty="0">
-                <a:solidFill>
-                  <a:schemeClr val="tx1"/>
-                </a:solidFill>
-                <a:effectLst/>
-                <a:latin typeface="+mn-lt"/>
-                <a:ea typeface="Yu Mincho" panose="02020400000000000000" pitchFamily="18" charset="-128"/>
-                <a:cs typeface="Times New Roman" panose="02020603050405020304" pitchFamily="18" charset="0"/>
-              </a:rPr>
-            </a:br>
-            <a:r>
-              <a:rPr lang="en-US" sz="1400" dirty="0">
-                <a:solidFill>
-                  <a:schemeClr val="tx1"/>
-                </a:solidFill>
-                <a:effectLst/>
-                <a:latin typeface="+mn-lt"/>
-                <a:ea typeface="Calibri" panose="020F0502020204030204" pitchFamily="34" charset="0"/>
-                <a:cs typeface="Times New Roman" panose="02020603050405020304" pitchFamily="18" charset="0"/>
-              </a:rPr>
-              <a:t>Basic Use Case Description:</a:t>
-            </a:r>
-            <a:br>
-              <a:rPr lang="en-US" sz="1400" dirty="0">
-                <a:solidFill>
-                  <a:schemeClr val="tx1"/>
-                </a:solidFill>
-                <a:effectLst/>
-                <a:latin typeface="+mn-lt"/>
-                <a:ea typeface="Yu Mincho" panose="02020400000000000000" pitchFamily="18" charset="-128"/>
-                <a:cs typeface="Times New Roman" panose="02020603050405020304" pitchFamily="18" charset="0"/>
-              </a:rPr>
-            </a:br>
-            <a:r>
-              <a:rPr lang="en-US" sz="1400" dirty="0">
-                <a:solidFill>
-                  <a:schemeClr val="tx1"/>
-                </a:solidFill>
-                <a:effectLst/>
-                <a:latin typeface="+mn-lt"/>
-                <a:ea typeface="Yu Mincho" panose="02020400000000000000" pitchFamily="18" charset="-128"/>
-                <a:cs typeface="Times New Roman" panose="02020603050405020304" pitchFamily="18" charset="0"/>
-              </a:rPr>
-              <a:t>	</a:t>
-            </a:r>
-            <a:r>
-              <a:rPr lang="en-US" sz="1400" dirty="0">
-                <a:solidFill>
-                  <a:schemeClr val="tx1"/>
-                </a:solidFill>
-                <a:effectLst/>
-                <a:latin typeface="+mn-lt"/>
-                <a:ea typeface="Times New Roman" panose="02020603050405020304" pitchFamily="18" charset="0"/>
-              </a:rPr>
-              <a:t>Host can manage table availability.</a:t>
-            </a:r>
-            <a:br>
-              <a:rPr lang="en-US" sz="1400" dirty="0">
-                <a:solidFill>
-                  <a:schemeClr val="tx1"/>
-                </a:solidFill>
-                <a:effectLst/>
-                <a:latin typeface="+mn-lt"/>
-                <a:ea typeface="Times New Roman" panose="02020603050405020304" pitchFamily="18" charset="0"/>
-              </a:rPr>
-            </a:br>
-            <a:r>
-              <a:rPr lang="en-US" sz="1400" dirty="0">
-                <a:solidFill>
-                  <a:schemeClr val="tx1"/>
-                </a:solidFill>
-                <a:effectLst/>
-                <a:latin typeface="+mn-lt"/>
-                <a:ea typeface="Times New Roman" panose="02020603050405020304" pitchFamily="18" charset="0"/>
-              </a:rPr>
-              <a:t>	Host can assign tables to servers.</a:t>
-            </a:r>
-            <a:br>
-              <a:rPr lang="en-US" sz="1400" dirty="0">
-                <a:solidFill>
-                  <a:schemeClr val="tx1"/>
-                </a:solidFill>
-                <a:effectLst/>
-                <a:latin typeface="+mn-lt"/>
-                <a:ea typeface="Times New Roman" panose="02020603050405020304" pitchFamily="18" charset="0"/>
-              </a:rPr>
-            </a:br>
-            <a:br>
-              <a:rPr lang="en-US" sz="1400" dirty="0">
-                <a:solidFill>
-                  <a:schemeClr val="tx1"/>
-                </a:solidFill>
-                <a:effectLst/>
-                <a:latin typeface="+mn-lt"/>
-                <a:ea typeface="Times New Roman" panose="02020603050405020304" pitchFamily="18" charset="0"/>
-              </a:rPr>
-            </a:br>
-            <a:br>
-              <a:rPr lang="en-US" sz="1400" dirty="0">
-                <a:solidFill>
-                  <a:schemeClr val="tx1"/>
-                </a:solidFill>
-                <a:effectLst/>
-                <a:latin typeface="+mn-lt"/>
-                <a:ea typeface="Times New Roman" panose="02020603050405020304" pitchFamily="18" charset="0"/>
-              </a:rPr>
-            </a:br>
-            <a:br>
-              <a:rPr lang="en-US" sz="1400" dirty="0">
-                <a:solidFill>
-                  <a:schemeClr val="tx1"/>
-                </a:solidFill>
-                <a:effectLst/>
-                <a:latin typeface="+mn-lt"/>
-                <a:ea typeface="Times New Roman" panose="02020603050405020304" pitchFamily="18" charset="0"/>
-              </a:rPr>
-            </a:br>
-            <a:br>
-              <a:rPr lang="en-US" sz="1400" dirty="0">
-                <a:solidFill>
-                  <a:schemeClr val="tx1"/>
-                </a:solidFill>
-                <a:effectLst/>
-                <a:latin typeface="+mn-lt"/>
-                <a:ea typeface="Times New Roman" panose="02020603050405020304" pitchFamily="18" charset="0"/>
-              </a:rPr>
-            </a:br>
-            <a:r>
-              <a:rPr lang="en-US" sz="1400" b="1" dirty="0">
-                <a:solidFill>
-                  <a:schemeClr val="tx1"/>
-                </a:solidFill>
-                <a:effectLst/>
-                <a:latin typeface="+mn-lt"/>
-                <a:ea typeface="Times New Roman" panose="02020603050405020304" pitchFamily="18" charset="0"/>
-              </a:rPr>
-              <a:t>Actor:</a:t>
-            </a:r>
-            <a:r>
-              <a:rPr lang="en-US" sz="1400" dirty="0">
-                <a:solidFill>
-                  <a:schemeClr val="tx1"/>
-                </a:solidFill>
-                <a:effectLst/>
-                <a:latin typeface="+mn-lt"/>
-                <a:ea typeface="Times New Roman" panose="02020603050405020304" pitchFamily="18" charset="0"/>
-              </a:rPr>
-              <a:t> Manager</a:t>
-            </a:r>
-            <a:br>
-              <a:rPr lang="en-US" sz="1400" dirty="0">
-                <a:solidFill>
-                  <a:schemeClr val="tx1"/>
-                </a:solidFill>
-                <a:effectLst/>
-                <a:latin typeface="+mn-lt"/>
-                <a:ea typeface="Times New Roman" panose="02020603050405020304" pitchFamily="18" charset="0"/>
-              </a:rPr>
-            </a:br>
-            <a:r>
-              <a:rPr lang="en-US" sz="1400" b="1" dirty="0">
-                <a:solidFill>
-                  <a:schemeClr val="tx1"/>
-                </a:solidFill>
-                <a:effectLst/>
-                <a:latin typeface="+mn-lt"/>
-                <a:ea typeface="Times New Roman" panose="02020603050405020304" pitchFamily="18" charset="0"/>
-              </a:rPr>
-              <a:t>Basic Use Case Description:</a:t>
-            </a:r>
-            <a:br>
-              <a:rPr lang="en-US" sz="1400" dirty="0">
-                <a:solidFill>
-                  <a:schemeClr val="tx1"/>
-                </a:solidFill>
-                <a:effectLst/>
-                <a:latin typeface="+mn-lt"/>
-                <a:ea typeface="Times New Roman" panose="02020603050405020304" pitchFamily="18" charset="0"/>
-              </a:rPr>
-            </a:br>
-            <a:r>
-              <a:rPr lang="en-US" sz="1400" dirty="0">
-                <a:solidFill>
-                  <a:schemeClr val="tx1"/>
-                </a:solidFill>
-                <a:effectLst/>
-                <a:latin typeface="+mn-lt"/>
-                <a:ea typeface="Times New Roman" panose="02020603050405020304" pitchFamily="18" charset="0"/>
-              </a:rPr>
-              <a:t>	Manager can edit orders.</a:t>
-            </a:r>
-            <a:br>
-              <a:rPr lang="en-US" sz="1400" dirty="0">
-                <a:solidFill>
-                  <a:schemeClr val="tx1"/>
-                </a:solidFill>
-                <a:effectLst/>
-                <a:latin typeface="+mn-lt"/>
-                <a:ea typeface="Times New Roman" panose="02020603050405020304" pitchFamily="18" charset="0"/>
-              </a:rPr>
-            </a:br>
-            <a:r>
-              <a:rPr lang="en-US" sz="1400" dirty="0">
-                <a:solidFill>
-                  <a:schemeClr val="tx1"/>
-                </a:solidFill>
-                <a:effectLst/>
-                <a:latin typeface="+mn-lt"/>
-                <a:ea typeface="Times New Roman" panose="02020603050405020304" pitchFamily="18" charset="0"/>
-              </a:rPr>
-              <a:t>	Manager can alter bill.</a:t>
-            </a:r>
-            <a:br>
-              <a:rPr lang="en-US" sz="1400" dirty="0">
-                <a:solidFill>
-                  <a:schemeClr val="tx1"/>
-                </a:solidFill>
-                <a:effectLst/>
-                <a:latin typeface="+mn-lt"/>
-                <a:ea typeface="Times New Roman" panose="02020603050405020304" pitchFamily="18" charset="0"/>
-              </a:rPr>
-            </a:br>
-            <a:r>
-              <a:rPr lang="en-US" sz="1400" dirty="0">
-                <a:solidFill>
-                  <a:schemeClr val="tx1"/>
-                </a:solidFill>
-                <a:effectLst/>
-                <a:latin typeface="+mn-lt"/>
-                <a:ea typeface="Times New Roman" panose="02020603050405020304" pitchFamily="18" charset="0"/>
-              </a:rPr>
-              <a:t>	Manager can view overall wait times for all orders.</a:t>
-            </a:r>
-            <a:br>
-              <a:rPr lang="en-US" sz="1400" dirty="0">
-                <a:solidFill>
-                  <a:schemeClr val="tx1"/>
-                </a:solidFill>
-                <a:effectLst/>
-                <a:latin typeface="+mn-lt"/>
-                <a:ea typeface="Times New Roman" panose="02020603050405020304" pitchFamily="18" charset="0"/>
-              </a:rPr>
-            </a:br>
-            <a:r>
-              <a:rPr lang="en-US" sz="1400" dirty="0">
-                <a:solidFill>
-                  <a:schemeClr val="tx1"/>
-                </a:solidFill>
-                <a:effectLst/>
-                <a:latin typeface="+mn-lt"/>
-                <a:ea typeface="Times New Roman" panose="02020603050405020304" pitchFamily="18" charset="0"/>
-              </a:rPr>
-              <a:t>	Manager can view time stamps on orders.</a:t>
-            </a:r>
-            <a:br>
-              <a:rPr lang="en-US" sz="1200" dirty="0">
-                <a:effectLst/>
-                <a:latin typeface="Times New Roman" panose="02020603050405020304" pitchFamily="18" charset="0"/>
-                <a:ea typeface="Times New Roman" panose="02020603050405020304" pitchFamily="18" charset="0"/>
-              </a:rPr>
-            </a:br>
-            <a:endParaRPr lang="en-US" sz="1400" dirty="0">
-              <a:solidFill>
-                <a:schemeClr val="tx1"/>
-              </a:solidFill>
-              <a:effectLst/>
-              <a:latin typeface="+mn-lt"/>
-              <a:ea typeface="Times New Roman" panose="02020603050405020304" pitchFamily="18" charset="0"/>
-            </a:endParaRPr>
-          </a:p>
-        </p:txBody>
-      </p:sp>
-      <p:sp>
-        <p:nvSpPr>
-          <p:cNvPr id="2" name="Text Placeholder 1">
-            <a:extLst>
-              <a:ext uri="{FF2B5EF4-FFF2-40B4-BE49-F238E27FC236}">
-                <a16:creationId xmlns:a16="http://schemas.microsoft.com/office/drawing/2014/main" id="{DAF72BBC-FC90-4B63-96CA-ABED853DBAD0}"/>
-              </a:ext>
-            </a:extLst>
-          </p:cNvPr>
-          <p:cNvSpPr>
-            <a:spLocks noGrp="1"/>
-          </p:cNvSpPr>
-          <p:nvPr>
-            <p:ph type="body" sz="quarter" idx="11"/>
-          </p:nvPr>
-        </p:nvSpPr>
-        <p:spPr>
-          <a:xfrm>
-            <a:off x="1478756" y="201336"/>
-            <a:ext cx="9234488" cy="897622"/>
+          <p:cNvPr id="5" name="Text Placeholder 4">
+            <a:extLst>
+              <a:ext uri="{FF2B5EF4-FFF2-40B4-BE49-F238E27FC236}">
+                <a16:creationId xmlns:a16="http://schemas.microsoft.com/office/drawing/2014/main" id="{AF9B872F-6332-408E-9135-B871F0C90C00}"/>
+              </a:ext>
+            </a:extLst>
+          </p:cNvPr>
+          <p:cNvSpPr>
+            <a:spLocks noGrp="1"/>
+          </p:cNvSpPr>
+          <p:nvPr>
+            <p:ph type="body" idx="1"/>
+          </p:nvPr>
+        </p:nvSpPr>
+        <p:spPr>
+          <a:xfrm>
+            <a:off x="5766032" y="1518408"/>
+            <a:ext cx="6096000" cy="4882392"/>
           </a:xfrm>
         </p:spPr>
         <p:txBody>
           <a:bodyPr/>
           <a:lstStyle/>
           <a:p>
-            <a:r>
-              <a:rPr lang="en-US" sz="3600" spc="100" dirty="0"/>
-              <a:t>Use Case</a:t>
-            </a:r>
+            <a:pPr algn="l"/>
+            <a:r>
+              <a:rPr lang="en-US" u="sng" spc="0" dirty="0"/>
+              <a:t>Business requirements:</a:t>
+            </a:r>
+          </a:p>
+          <a:p>
+            <a:pPr algn="l"/>
+            <a:r>
+              <a:rPr lang="en-US" spc="0" dirty="0"/>
+              <a:t>Must have-</a:t>
+            </a:r>
+          </a:p>
+          <a:p>
+            <a:pPr algn="l"/>
+            <a:r>
+              <a:rPr lang="en-US" spc="0" dirty="0"/>
+              <a:t>Should have-</a:t>
+            </a:r>
+          </a:p>
+          <a:p>
+            <a:pPr algn="l"/>
+            <a:endParaRPr lang="en-US" spc="0" dirty="0"/>
+          </a:p>
+          <a:p>
+            <a:pPr algn="l"/>
+            <a:r>
+              <a:rPr lang="en-US" u="sng" spc="0" dirty="0"/>
+              <a:t>User Requirements:</a:t>
+            </a:r>
+          </a:p>
+          <a:p>
+            <a:pPr algn="l"/>
+            <a:r>
+              <a:rPr lang="en-US" spc="0" dirty="0"/>
+              <a:t>Must Have- </a:t>
+            </a:r>
+          </a:p>
+          <a:p>
+            <a:pPr algn="l"/>
+            <a:r>
+              <a:rPr lang="en-US" spc="0" dirty="0"/>
+              <a:t>Should Have-</a:t>
+            </a:r>
+          </a:p>
+          <a:p>
+            <a:pPr algn="l"/>
+            <a:endParaRPr lang="en-US" spc="0" dirty="0"/>
+          </a:p>
+        </p:txBody>
+      </p:sp>
+      <p:sp>
+        <p:nvSpPr>
+          <p:cNvPr id="2" name="Slide Number Placeholder 1">
+            <a:extLst>
+              <a:ext uri="{FF2B5EF4-FFF2-40B4-BE49-F238E27FC236}">
+                <a16:creationId xmlns:a16="http://schemas.microsoft.com/office/drawing/2014/main" id="{948DD8A0-BD53-4DBF-949B-0D64D12DADA9}"/>
+              </a:ext>
+            </a:extLst>
+          </p:cNvPr>
+          <p:cNvSpPr>
+            <a:spLocks noGrp="1"/>
+          </p:cNvSpPr>
+          <p:nvPr>
+            <p:ph type="sldNum" sz="quarter" idx="12"/>
+          </p:nvPr>
+        </p:nvSpPr>
+        <p:spPr/>
+        <p:txBody>
+          <a:bodyPr/>
+          <a:lstStyle/>
+          <a:p>
+            <a:fld id="{8C2E478F-E849-4A8C-AF1F-CBCC78A7CBFA}" type="slidenum">
+              <a:rPr lang="en-US" smtClean="0"/>
+              <a:t>10</a:t>
+            </a:fld>
+            <a:endParaRPr lang="en-US" dirty="0"/>
           </a:p>
         </p:txBody>
       </p:sp>
     </p:spTree>
     <p:extLst>
       <p:ext uri="{BB962C8B-B14F-4D97-AF65-F5344CB8AC3E}">
-        <p14:creationId xmlns:p14="http://schemas.microsoft.com/office/powerpoint/2010/main" val="3616996509"/>
+        <p14:creationId xmlns:p14="http://schemas.microsoft.com/office/powerpoint/2010/main" val="2692241771"/>
       </p:ext>
     </p:extLst>
   </p:cSld>
@@ -6304,54 +6068,10 @@
           <a:bodyPr/>
           <a:lstStyle/>
           <a:p>
-            <a:pPr algn="l"/>
-            <a:r>
-              <a:rPr lang="en-US" u="sng" spc="0" dirty="0"/>
-              <a:t>Business requirements:</a:t>
-            </a:r>
-          </a:p>
-          <a:p>
-            <a:pPr algn="l"/>
             <a:r>
               <a:rPr lang="en-US" spc="0" dirty="0"/>
-              <a:t>Must have-</a:t>
-            </a:r>
-          </a:p>
-          <a:p>
-            <a:pPr algn="l"/>
-            <a:r>
-              <a:rPr lang="en-US" spc="0" dirty="0"/>
-              <a:t>Should have-</a:t>
-            </a:r>
-          </a:p>
-          <a:p>
-            <a:pPr algn="l"/>
-            <a:endParaRPr lang="en-US" spc="0" dirty="0"/>
-          </a:p>
-          <a:p>
-            <a:pPr algn="l"/>
-            <a:r>
-              <a:rPr lang="en-US" u="sng" spc="0" dirty="0"/>
-              <a:t>User Requirements:</a:t>
-            </a:r>
-          </a:p>
-          <a:p>
-            <a:pPr algn="l"/>
-            <a:r>
-              <a:rPr lang="en-US" spc="0" dirty="0"/>
-              <a:t>Must Have- </a:t>
-            </a:r>
-          </a:p>
-          <a:p>
-            <a:pPr algn="l"/>
-            <a:r>
-              <a:rPr lang="en-US" spc="0" dirty="0"/>
-              <a:t>Should Have-</a:t>
-            </a:r>
-          </a:p>
-          <a:p>
-            <a:pPr algn="l"/>
-            <a:endParaRPr lang="en-US" spc="0" dirty="0"/>
+              <a:t>LOOKING AHEAD</a:t>
+            </a:r>
           </a:p>
         </p:txBody>
       </p:sp>
@@ -6387,7 +6107,7 @@
     </p:spTree>
     <p:extLst>
       <p:ext uri="{BB962C8B-B14F-4D97-AF65-F5344CB8AC3E}">
-        <p14:creationId xmlns:p14="http://schemas.microsoft.com/office/powerpoint/2010/main" val="2692241771"/>
+        <p14:creationId xmlns:p14="http://schemas.microsoft.com/office/powerpoint/2010/main" val="3164405530"/>
       </p:ext>
     </p:extLst>
   </p:cSld>
@@ -6552,7 +6272,7 @@
     </p:spTree>
     <p:extLst>
       <p:ext uri="{BB962C8B-B14F-4D97-AF65-F5344CB8AC3E}">
-        <p14:creationId xmlns:p14="http://schemas.microsoft.com/office/powerpoint/2010/main" val="3164405530"/>
+        <p14:creationId xmlns:p14="http://schemas.microsoft.com/office/powerpoint/2010/main" val="3800372191"/>
       </p:ext>
     </p:extLst>
   </p:cSld>
@@ -6563,171 +6283,6 @@
 </file>
 
 <file path=ppt/slides/slide13.xml><?xml version="1.0" encoding="utf-8"?>
-<p:sld xmlns:a="http://schemas.openxmlformats.org/drawingml/2006/main" xmlns:r="http://schemas.openxmlformats.org/officeDocument/2006/relationships" xmlns:p="http://schemas.openxmlformats.org/presentationml/2006/main">
-  <p:cSld>
-    <p:spTree>
-      <p:nvGrpSpPr>
-        <p:cNvPr id="1" name=""/>
-        <p:cNvGrpSpPr/>
-        <p:nvPr/>
-      </p:nvGrpSpPr>
-      <p:grpSpPr>
-        <a:xfrm>
-          <a:off x="0" y="0"/>
-          <a:ext cx="0" cy="0"/>
-          <a:chOff x="0" y="0"/>
-          <a:chExt cx="0" cy="0"/>
-        </a:xfrm>
-      </p:grpSpPr>
-      <p:sp>
-        <p:nvSpPr>
-          <p:cNvPr id="3" name="Title 2">
-            <a:extLst>
-              <a:ext uri="{FF2B5EF4-FFF2-40B4-BE49-F238E27FC236}">
-                <a16:creationId xmlns:a16="http://schemas.microsoft.com/office/drawing/2014/main" id="{1D24B42B-925B-494C-A986-BD85E8117E1E}"/>
-              </a:ext>
-            </a:extLst>
-          </p:cNvPr>
-          <p:cNvSpPr>
-            <a:spLocks noGrp="1"/>
-          </p:cNvSpPr>
-          <p:nvPr>
-            <p:ph type="title"/>
-          </p:nvPr>
-        </p:nvSpPr>
-        <p:spPr>
-          <a:xfrm>
-            <a:off x="6227184" y="142613"/>
-            <a:ext cx="5766033" cy="1231302"/>
-          </a:xfrm>
-        </p:spPr>
-        <p:txBody>
-          <a:bodyPr>
-            <a:normAutofit/>
-          </a:bodyPr>
-          <a:lstStyle/>
-          <a:p>
-            <a:r>
-              <a:rPr lang="en-US" sz="3600" dirty="0"/>
-              <a:t>Requirement Specifications</a:t>
-            </a:r>
-          </a:p>
-        </p:txBody>
-      </p:sp>
-      <p:pic>
-        <p:nvPicPr>
-          <p:cNvPr id="13" name="Picture Placeholder 12" descr="close up of computer on top of table against a brick wall">
-            <a:extLst>
-              <a:ext uri="{FF2B5EF4-FFF2-40B4-BE49-F238E27FC236}">
-                <a16:creationId xmlns:a16="http://schemas.microsoft.com/office/drawing/2014/main" id="{90BB9493-60B4-4B89-89CE-E1F8BF6C4D12}"/>
-              </a:ext>
-            </a:extLst>
-          </p:cNvPr>
-          <p:cNvPicPr>
-            <a:picLocks noGrp="1" noChangeAspect="1"/>
-          </p:cNvPicPr>
-          <p:nvPr>
-            <p:ph type="pic" sz="quarter" idx="13"/>
-          </p:nvPr>
-        </p:nvPicPr>
-        <p:blipFill rotWithShape="1">
-          <a:blip r:embed="rId2" cstate="email">
-            <a:extLst>
-              <a:ext uri="{BEBA8EAE-BF5A-486C-A8C5-ECC9F3942E4B}">
-                <a14:imgProps xmlns:a14="http://schemas.microsoft.com/office/drawing/2010/main">
-                  <a14:imgLayer r:embed="rId3">
-                    <a14:imgEffect>
-                      <a14:saturation sat="0"/>
-                    </a14:imgEffect>
-                  </a14:imgLayer>
-                </a14:imgProps>
-              </a:ext>
-              <a:ext uri="{28A0092B-C50C-407E-A947-70E740481C1C}">
-                <a14:useLocalDpi xmlns:a14="http://schemas.microsoft.com/office/drawing/2010/main"/>
-              </a:ext>
-            </a:extLst>
-          </a:blip>
-          <a:srcRect l="20370" r="20370"/>
-          <a:stretch/>
-        </p:blipFill>
-        <p:spPr/>
-      </p:pic>
-      <p:sp>
-        <p:nvSpPr>
-          <p:cNvPr id="5" name="Text Placeholder 4">
-            <a:extLst>
-              <a:ext uri="{FF2B5EF4-FFF2-40B4-BE49-F238E27FC236}">
-                <a16:creationId xmlns:a16="http://schemas.microsoft.com/office/drawing/2014/main" id="{AF9B872F-6332-408E-9135-B871F0C90C00}"/>
-              </a:ext>
-            </a:extLst>
-          </p:cNvPr>
-          <p:cNvSpPr>
-            <a:spLocks noGrp="1"/>
-          </p:cNvSpPr>
-          <p:nvPr>
-            <p:ph type="body" idx="1"/>
-          </p:nvPr>
-        </p:nvSpPr>
-        <p:spPr>
-          <a:xfrm>
-            <a:off x="5766032" y="1518408"/>
-            <a:ext cx="6096000" cy="4882392"/>
-          </a:xfrm>
-        </p:spPr>
-        <p:txBody>
-          <a:bodyPr/>
-          <a:lstStyle/>
-          <a:p>
-            <a:r>
-              <a:rPr lang="en-US" spc="0" dirty="0"/>
-              <a:t>LOOKING AHEAD</a:t>
-            </a:r>
-          </a:p>
-        </p:txBody>
-      </p:sp>
-      <p:sp>
-        <p:nvSpPr>
-          <p:cNvPr id="2" name="Slide Number Placeholder 1">
-            <a:extLst>
-              <a:ext uri="{FF2B5EF4-FFF2-40B4-BE49-F238E27FC236}">
-                <a16:creationId xmlns:a16="http://schemas.microsoft.com/office/drawing/2014/main" id="{948DD8A0-BD53-4DBF-949B-0D64D12DADA9}"/>
-              </a:ext>
-            </a:extLst>
-          </p:cNvPr>
-          <p:cNvSpPr>
-            <a:spLocks noGrp="1"/>
-          </p:cNvSpPr>
-          <p:nvPr>
-            <p:ph type="sldNum" sz="quarter" idx="12"/>
-          </p:nvPr>
-        </p:nvSpPr>
-        <p:spPr/>
-        <p:txBody>
-          <a:bodyPr/>
-          <a:lstStyle/>
-          <a:p>
-            <a:fld id="{8C2E478F-E849-4A8C-AF1F-CBCC78A7CBFA}" type="slidenum">
-              <a:rPr lang="en-US" smtClean="0"/>
-              <a:t>13</a:t>
-            </a:fld>
-            <a:endParaRPr lang="en-US" dirty="0"/>
-          </a:p>
-        </p:txBody>
-      </p:sp>
-    </p:spTree>
-    <p:extLst>
-      <p:ext uri="{BB962C8B-B14F-4D97-AF65-F5344CB8AC3E}">
-        <p14:creationId xmlns:p14="http://schemas.microsoft.com/office/powerpoint/2010/main" val="3800372191"/>
-      </p:ext>
-    </p:extLst>
-  </p:cSld>
-  <p:clrMapOvr>
-    <a:masterClrMapping/>
-  </p:clrMapOvr>
-</p:sld>
-</file>
-
-<file path=ppt/slides/slide14.xml><?xml version="1.0" encoding="utf-8"?>
 <p:sld xmlns:a="http://schemas.openxmlformats.org/drawingml/2006/main" xmlns:r="http://schemas.openxmlformats.org/officeDocument/2006/relationships" xmlns:p="http://schemas.openxmlformats.org/presentationml/2006/main">
   <p:cSld>
     <p:spTree>
@@ -7199,7 +6754,7 @@
           <a:p>
             <a:fld id="{8C2E478F-E849-4A8C-AF1F-CBCC78A7CBFA}" type="slidenum">
               <a:rPr lang="en-US" smtClean="0"/>
-              <a:t>14</a:t>
+              <a:t>13</a:t>
             </a:fld>
             <a:endParaRPr lang="en-US" dirty="0"/>
           </a:p>
@@ -7218,7 +6773,7 @@
 </p:sld>
 </file>
 
-<file path=ppt/slides/slide15.xml><?xml version="1.0" encoding="utf-8"?>
+<file path=ppt/slides/slide14.xml><?xml version="1.0" encoding="utf-8"?>
 <p:sld xmlns:a="http://schemas.openxmlformats.org/drawingml/2006/main" xmlns:r="http://schemas.openxmlformats.org/officeDocument/2006/relationships" xmlns:p="http://schemas.openxmlformats.org/presentationml/2006/main">
   <p:cSld>
     <p:spTree>
@@ -7438,7 +6993,7 @@
           <a:p>
             <a:fld id="{8C2E478F-E849-4A8C-AF1F-CBCC78A7CBFA}" type="slidenum">
               <a:rPr lang="en-US" smtClean="0"/>
-              <a:t>15</a:t>
+              <a:t>14</a:t>
             </a:fld>
             <a:endParaRPr lang="en-US" dirty="0"/>
           </a:p>
@@ -7457,7 +7012,7 @@
 </p:sld>
 </file>
 
-<file path=ppt/slides/slide16.xml><?xml version="1.0" encoding="utf-8"?>
+<file path=ppt/slides/slide15.xml><?xml version="1.0" encoding="utf-8"?>
 <p:sld xmlns:a="http://schemas.openxmlformats.org/drawingml/2006/main" xmlns:r="http://schemas.openxmlformats.org/officeDocument/2006/relationships" xmlns:p="http://schemas.openxmlformats.org/presentationml/2006/main">
   <p:cSld>
     <p:spTree>
@@ -7925,7 +7480,7 @@
           <a:p>
             <a:fld id="{8C2E478F-E849-4A8C-AF1F-CBCC78A7CBFA}" type="slidenum">
               <a:rPr lang="en-US" smtClean="0"/>
-              <a:t>16</a:t>
+              <a:t>15</a:t>
             </a:fld>
             <a:endParaRPr lang="en-US" dirty="0"/>
           </a:p>
@@ -7944,7 +7499,7 @@
 </p:sld>
 </file>
 
-<file path=ppt/slides/slide17.xml><?xml version="1.0" encoding="utf-8"?>
+<file path=ppt/slides/slide16.xml><?xml version="1.0" encoding="utf-8"?>
 <p:sld xmlns:a="http://schemas.openxmlformats.org/drawingml/2006/main" xmlns:r="http://schemas.openxmlformats.org/officeDocument/2006/relationships" xmlns:p="http://schemas.openxmlformats.org/presentationml/2006/main">
   <p:cSld>
     <p:spTree>
@@ -8415,7 +7970,7 @@
           <a:p>
             <a:fld id="{8C2E478F-E849-4A8C-AF1F-CBCC78A7CBFA}" type="slidenum">
               <a:rPr lang="en-US" smtClean="0"/>
-              <a:t>17</a:t>
+              <a:t>16</a:t>
             </a:fld>
             <a:endParaRPr lang="en-US" dirty="0"/>
           </a:p>
@@ -8425,6 +7980,173 @@
     <p:extLst>
       <p:ext uri="{BB962C8B-B14F-4D97-AF65-F5344CB8AC3E}">
         <p14:creationId xmlns:p14="http://schemas.microsoft.com/office/powerpoint/2010/main" val="692636852"/>
+      </p:ext>
+    </p:extLst>
+  </p:cSld>
+  <p:clrMapOvr>
+    <a:masterClrMapping/>
+  </p:clrMapOvr>
+</p:sld>
+</file>
+
+<file path=ppt/slides/slide17.xml><?xml version="1.0" encoding="utf-8"?>
+<p:sld xmlns:a="http://schemas.openxmlformats.org/drawingml/2006/main" xmlns:r="http://schemas.openxmlformats.org/officeDocument/2006/relationships" xmlns:p="http://schemas.openxmlformats.org/presentationml/2006/main">
+  <p:cSld>
+    <p:spTree>
+      <p:nvGrpSpPr>
+        <p:cNvPr id="1" name=""/>
+        <p:cNvGrpSpPr/>
+        <p:nvPr/>
+      </p:nvGrpSpPr>
+      <p:grpSpPr>
+        <a:xfrm>
+          <a:off x="0" y="0"/>
+          <a:ext cx="0" cy="0"/>
+          <a:chOff x="0" y="0"/>
+          <a:chExt cx="0" cy="0"/>
+        </a:xfrm>
+      </p:grpSpPr>
+      <p:sp>
+        <p:nvSpPr>
+          <p:cNvPr id="3" name="Title 2">
+            <a:extLst>
+              <a:ext uri="{FF2B5EF4-FFF2-40B4-BE49-F238E27FC236}">
+                <a16:creationId xmlns:a16="http://schemas.microsoft.com/office/drawing/2014/main" id="{1D24B42B-925B-494C-A986-BD85E8117E1E}"/>
+              </a:ext>
+            </a:extLst>
+          </p:cNvPr>
+          <p:cNvSpPr>
+            <a:spLocks noGrp="1"/>
+          </p:cNvSpPr>
+          <p:nvPr>
+            <p:ph type="title"/>
+          </p:nvPr>
+        </p:nvSpPr>
+        <p:spPr>
+          <a:xfrm>
+            <a:off x="6258991" y="151788"/>
+            <a:ext cx="5251450" cy="975869"/>
+          </a:xfrm>
+        </p:spPr>
+        <p:txBody>
+          <a:bodyPr>
+            <a:normAutofit/>
+          </a:bodyPr>
+          <a:lstStyle/>
+          <a:p>
+            <a:r>
+              <a:rPr lang="en-US" sz="2800" dirty="0"/>
+              <a:t>Achievements and challenges</a:t>
+            </a:r>
+          </a:p>
+        </p:txBody>
+      </p:sp>
+      <p:pic>
+        <p:nvPicPr>
+          <p:cNvPr id="8" name="Picture Placeholder 7" descr="close up of computer code">
+            <a:extLst>
+              <a:ext uri="{FF2B5EF4-FFF2-40B4-BE49-F238E27FC236}">
+                <a16:creationId xmlns:a16="http://schemas.microsoft.com/office/drawing/2014/main" id="{A596BF19-CC58-4709-B5D6-3FC378FDC7BA}"/>
+              </a:ext>
+            </a:extLst>
+          </p:cNvPr>
+          <p:cNvPicPr>
+            <a:picLocks noGrp="1" noChangeAspect="1"/>
+          </p:cNvPicPr>
+          <p:nvPr>
+            <p:ph type="pic" sz="quarter" idx="13"/>
+          </p:nvPr>
+        </p:nvPicPr>
+        <p:blipFill rotWithShape="1">
+          <a:blip r:embed="rId2">
+            <a:extLst>
+              <a:ext uri="{BEBA8EAE-BF5A-486C-A8C5-ECC9F3942E4B}">
+                <a14:imgProps xmlns:a14="http://schemas.microsoft.com/office/drawing/2010/main">
+                  <a14:imgLayer r:embed="rId3">
+                    <a14:imgEffect>
+                      <a14:saturation sat="0"/>
+                    </a14:imgEffect>
+                  </a14:imgLayer>
+                </a14:imgProps>
+              </a:ext>
+            </a:extLst>
+          </a:blip>
+          <a:srcRect l="20370" r="20370"/>
+          <a:stretch/>
+        </p:blipFill>
+        <p:spPr>
+          <a:xfrm>
+            <a:off x="0" y="-9922"/>
+            <a:ext cx="6096000" cy="6867922"/>
+          </a:xfrm>
+        </p:spPr>
+      </p:pic>
+      <p:sp>
+        <p:nvSpPr>
+          <p:cNvPr id="2" name="Text Placeholder 1">
+            <a:extLst>
+              <a:ext uri="{FF2B5EF4-FFF2-40B4-BE49-F238E27FC236}">
+                <a16:creationId xmlns:a16="http://schemas.microsoft.com/office/drawing/2014/main" id="{B156CAF1-214F-4566-9B0D-DACA1063E8C8}"/>
+              </a:ext>
+            </a:extLst>
+          </p:cNvPr>
+          <p:cNvSpPr>
+            <a:spLocks noGrp="1"/>
+          </p:cNvSpPr>
+          <p:nvPr>
+            <p:ph type="body" idx="1"/>
+          </p:nvPr>
+        </p:nvSpPr>
+        <p:spPr>
+          <a:xfrm>
+            <a:off x="5897218" y="1375873"/>
+            <a:ext cx="6095999" cy="5233911"/>
+          </a:xfrm>
+        </p:spPr>
+        <p:txBody>
+          <a:bodyPr/>
+          <a:lstStyle/>
+          <a:p>
+            <a:pPr algn="l"/>
+            <a:endParaRPr lang="en-US" sz="1600" spc="0" dirty="0">
+              <a:cs typeface="Arial" panose="020B0604020202020204" pitchFamily="34" charset="0"/>
+            </a:endParaRPr>
+          </a:p>
+        </p:txBody>
+      </p:sp>
+      <p:sp>
+        <p:nvSpPr>
+          <p:cNvPr id="6" name="Slide Number Placeholder 5">
+            <a:extLst>
+              <a:ext uri="{FF2B5EF4-FFF2-40B4-BE49-F238E27FC236}">
+                <a16:creationId xmlns:a16="http://schemas.microsoft.com/office/drawing/2014/main" id="{FC6A5C12-E784-444E-B868-DE2AE85742BB}"/>
+              </a:ext>
+            </a:extLst>
+          </p:cNvPr>
+          <p:cNvSpPr>
+            <a:spLocks noGrp="1"/>
+          </p:cNvSpPr>
+          <p:nvPr>
+            <p:ph type="sldNum" sz="quarter" idx="12"/>
+          </p:nvPr>
+        </p:nvSpPr>
+        <p:spPr/>
+        <p:txBody>
+          <a:bodyPr/>
+          <a:lstStyle/>
+          <a:p>
+            <a:fld id="{8C2E478F-E849-4A8C-AF1F-CBCC78A7CBFA}" type="slidenum">
+              <a:rPr lang="en-US" smtClean="0"/>
+              <a:t>17</a:t>
+            </a:fld>
+            <a:endParaRPr lang="en-US" dirty="0"/>
+          </a:p>
+        </p:txBody>
+      </p:sp>
+    </p:spTree>
+    <p:extLst>
+      <p:ext uri="{BB962C8B-B14F-4D97-AF65-F5344CB8AC3E}">
+        <p14:creationId xmlns:p14="http://schemas.microsoft.com/office/powerpoint/2010/main" val="2918897839"/>
       </p:ext>
     </p:extLst>
   </p:cSld>
@@ -8469,8 +8191,8 @@
         </p:nvSpPr>
         <p:spPr>
           <a:xfrm>
-            <a:off x="6258991" y="151788"/>
-            <a:ext cx="5251450" cy="975869"/>
+            <a:off x="6243087" y="58128"/>
+            <a:ext cx="5569486" cy="741763"/>
           </a:xfrm>
         </p:spPr>
         <p:txBody>
@@ -8481,7 +8203,7 @@
           <a:p>
             <a:r>
               <a:rPr lang="en-US" sz="2800" dirty="0"/>
-              <a:t>Achievements and challenges</a:t>
+              <a:t>Future Development Plan</a:t>
             </a:r>
           </a:p>
         </p:txBody>
@@ -8544,8 +8266,8 @@
         </p:nvSpPr>
         <p:spPr>
           <a:xfrm>
-            <a:off x="5897218" y="1375873"/>
-            <a:ext cx="6095999" cy="5233911"/>
+            <a:off x="5897218" y="956345"/>
+            <a:ext cx="6095999" cy="5653439"/>
           </a:xfrm>
         </p:spPr>
         <p:txBody>
@@ -8583,173 +8305,6 @@
             <a:fld id="{8C2E478F-E849-4A8C-AF1F-CBCC78A7CBFA}" type="slidenum">
               <a:rPr lang="en-US" smtClean="0"/>
               <a:t>18</a:t>
-            </a:fld>
-            <a:endParaRPr lang="en-US" dirty="0"/>
-          </a:p>
-        </p:txBody>
-      </p:sp>
-    </p:spTree>
-    <p:extLst>
-      <p:ext uri="{BB962C8B-B14F-4D97-AF65-F5344CB8AC3E}">
-        <p14:creationId xmlns:p14="http://schemas.microsoft.com/office/powerpoint/2010/main" val="2918897839"/>
-      </p:ext>
-    </p:extLst>
-  </p:cSld>
-  <p:clrMapOvr>
-    <a:masterClrMapping/>
-  </p:clrMapOvr>
-</p:sld>
-</file>
-
-<file path=ppt/slides/slide19.xml><?xml version="1.0" encoding="utf-8"?>
-<p:sld xmlns:a="http://schemas.openxmlformats.org/drawingml/2006/main" xmlns:r="http://schemas.openxmlformats.org/officeDocument/2006/relationships" xmlns:p="http://schemas.openxmlformats.org/presentationml/2006/main">
-  <p:cSld>
-    <p:spTree>
-      <p:nvGrpSpPr>
-        <p:cNvPr id="1" name=""/>
-        <p:cNvGrpSpPr/>
-        <p:nvPr/>
-      </p:nvGrpSpPr>
-      <p:grpSpPr>
-        <a:xfrm>
-          <a:off x="0" y="0"/>
-          <a:ext cx="0" cy="0"/>
-          <a:chOff x="0" y="0"/>
-          <a:chExt cx="0" cy="0"/>
-        </a:xfrm>
-      </p:grpSpPr>
-      <p:sp>
-        <p:nvSpPr>
-          <p:cNvPr id="3" name="Title 2">
-            <a:extLst>
-              <a:ext uri="{FF2B5EF4-FFF2-40B4-BE49-F238E27FC236}">
-                <a16:creationId xmlns:a16="http://schemas.microsoft.com/office/drawing/2014/main" id="{1D24B42B-925B-494C-A986-BD85E8117E1E}"/>
-              </a:ext>
-            </a:extLst>
-          </p:cNvPr>
-          <p:cNvSpPr>
-            <a:spLocks noGrp="1"/>
-          </p:cNvSpPr>
-          <p:nvPr>
-            <p:ph type="title"/>
-          </p:nvPr>
-        </p:nvSpPr>
-        <p:spPr>
-          <a:xfrm>
-            <a:off x="6243087" y="58128"/>
-            <a:ext cx="5569486" cy="741763"/>
-          </a:xfrm>
-        </p:spPr>
-        <p:txBody>
-          <a:bodyPr>
-            <a:normAutofit/>
-          </a:bodyPr>
-          <a:lstStyle/>
-          <a:p>
-            <a:r>
-              <a:rPr lang="en-US" sz="2800" dirty="0"/>
-              <a:t>Future Development Plan</a:t>
-            </a:r>
-          </a:p>
-        </p:txBody>
-      </p:sp>
-      <p:pic>
-        <p:nvPicPr>
-          <p:cNvPr id="8" name="Picture Placeholder 7" descr="close up of computer code">
-            <a:extLst>
-              <a:ext uri="{FF2B5EF4-FFF2-40B4-BE49-F238E27FC236}">
-                <a16:creationId xmlns:a16="http://schemas.microsoft.com/office/drawing/2014/main" id="{A596BF19-CC58-4709-B5D6-3FC378FDC7BA}"/>
-              </a:ext>
-            </a:extLst>
-          </p:cNvPr>
-          <p:cNvPicPr>
-            <a:picLocks noGrp="1" noChangeAspect="1"/>
-          </p:cNvPicPr>
-          <p:nvPr>
-            <p:ph type="pic" sz="quarter" idx="13"/>
-          </p:nvPr>
-        </p:nvPicPr>
-        <p:blipFill rotWithShape="1">
-          <a:blip r:embed="rId2">
-            <a:extLst>
-              <a:ext uri="{BEBA8EAE-BF5A-486C-A8C5-ECC9F3942E4B}">
-                <a14:imgProps xmlns:a14="http://schemas.microsoft.com/office/drawing/2010/main">
-                  <a14:imgLayer r:embed="rId3">
-                    <a14:imgEffect>
-                      <a14:saturation sat="0"/>
-                    </a14:imgEffect>
-                  </a14:imgLayer>
-                </a14:imgProps>
-              </a:ext>
-            </a:extLst>
-          </a:blip>
-          <a:srcRect l="20370" r="20370"/>
-          <a:stretch/>
-        </p:blipFill>
-        <p:spPr>
-          <a:xfrm>
-            <a:off x="0" y="-9922"/>
-            <a:ext cx="6096000" cy="6867922"/>
-          </a:xfrm>
-        </p:spPr>
-      </p:pic>
-      <p:sp>
-        <p:nvSpPr>
-          <p:cNvPr id="2" name="Text Placeholder 1">
-            <a:extLst>
-              <a:ext uri="{FF2B5EF4-FFF2-40B4-BE49-F238E27FC236}">
-                <a16:creationId xmlns:a16="http://schemas.microsoft.com/office/drawing/2014/main" id="{B156CAF1-214F-4566-9B0D-DACA1063E8C8}"/>
-              </a:ext>
-            </a:extLst>
-          </p:cNvPr>
-          <p:cNvSpPr>
-            <a:spLocks noGrp="1"/>
-          </p:cNvSpPr>
-          <p:nvPr>
-            <p:ph type="body" idx="1"/>
-          </p:nvPr>
-        </p:nvSpPr>
-        <p:spPr>
-          <a:xfrm>
-            <a:off x="5897218" y="956345"/>
-            <a:ext cx="6095999" cy="5653439"/>
-          </a:xfrm>
-        </p:spPr>
-        <p:txBody>
-          <a:bodyPr/>
-          <a:lstStyle/>
-          <a:p>
-            <a:pPr algn="l"/>
-            <a:endParaRPr lang="en-US" sz="1600" spc="0" dirty="0">
-              <a:cs typeface="Arial" panose="020B0604020202020204" pitchFamily="34" charset="0"/>
-            </a:endParaRPr>
-          </a:p>
-        </p:txBody>
-      </p:sp>
-      <p:sp>
-        <p:nvSpPr>
-          <p:cNvPr id="6" name="Slide Number Placeholder 5">
-            <a:extLst>
-              <a:ext uri="{FF2B5EF4-FFF2-40B4-BE49-F238E27FC236}">
-                <a16:creationId xmlns:a16="http://schemas.microsoft.com/office/drawing/2014/main" id="{FC6A5C12-E784-444E-B868-DE2AE85742BB}"/>
-              </a:ext>
-            </a:extLst>
-          </p:cNvPr>
-          <p:cNvSpPr>
-            <a:spLocks noGrp="1"/>
-          </p:cNvSpPr>
-          <p:nvPr>
-            <p:ph type="sldNum" sz="quarter" idx="12"/>
-          </p:nvPr>
-        </p:nvSpPr>
-        <p:spPr/>
-        <p:txBody>
-          <a:bodyPr/>
-          <a:lstStyle/>
-          <a:p>
-            <a:fld id="{8C2E478F-E849-4A8C-AF1F-CBCC78A7CBFA}" type="slidenum">
-              <a:rPr lang="en-US" smtClean="0"/>
-              <a:t>19</a:t>
             </a:fld>
             <a:endParaRPr lang="en-US" dirty="0"/>
           </a:p>
@@ -8768,249 +8323,7 @@
 </p:sld>
 </file>
 
-<file path=ppt/slides/slide2.xml><?xml version="1.0" encoding="utf-8"?>
-<p:sld xmlns:a="http://schemas.openxmlformats.org/drawingml/2006/main" xmlns:r="http://schemas.openxmlformats.org/officeDocument/2006/relationships" xmlns:p="http://schemas.openxmlformats.org/presentationml/2006/main">
-  <p:cSld>
-    <p:spTree>
-      <p:nvGrpSpPr>
-        <p:cNvPr id="1" name=""/>
-        <p:cNvGrpSpPr/>
-        <p:nvPr/>
-      </p:nvGrpSpPr>
-      <p:grpSpPr>
-        <a:xfrm>
-          <a:off x="0" y="0"/>
-          <a:ext cx="0" cy="0"/>
-          <a:chOff x="0" y="0"/>
-          <a:chExt cx="0" cy="0"/>
-        </a:xfrm>
-      </p:grpSpPr>
-      <p:sp>
-        <p:nvSpPr>
-          <p:cNvPr id="2" name="Title 1">
-            <a:extLst>
-              <a:ext uri="{FF2B5EF4-FFF2-40B4-BE49-F238E27FC236}">
-                <a16:creationId xmlns:a16="http://schemas.microsoft.com/office/drawing/2014/main" id="{BE3A87B3-0A27-4EE9-979E-B69581E476F0}"/>
-              </a:ext>
-            </a:extLst>
-          </p:cNvPr>
-          <p:cNvSpPr>
-            <a:spLocks noGrp="1"/>
-          </p:cNvSpPr>
-          <p:nvPr>
-            <p:ph type="title"/>
-          </p:nvPr>
-        </p:nvSpPr>
-        <p:spPr>
-          <a:xfrm>
-            <a:off x="6862588" y="24572"/>
-            <a:ext cx="4846320" cy="1210613"/>
-          </a:xfrm>
-        </p:spPr>
-        <p:txBody>
-          <a:bodyPr/>
-          <a:lstStyle/>
-          <a:p>
-            <a:r>
-              <a:rPr lang="en-US" dirty="0"/>
-              <a:t>Contents</a:t>
-            </a:r>
-          </a:p>
-        </p:txBody>
-      </p:sp>
-      <p:pic>
-        <p:nvPicPr>
-          <p:cNvPr id="8" name="Picture Placeholder 7" descr="group of people at a conference table">
-            <a:extLst>
-              <a:ext uri="{FF2B5EF4-FFF2-40B4-BE49-F238E27FC236}">
-                <a16:creationId xmlns:a16="http://schemas.microsoft.com/office/drawing/2014/main" id="{BB76F5AB-0940-46E1-85F9-6A870D7D04C9}"/>
-              </a:ext>
-            </a:extLst>
-          </p:cNvPr>
-          <p:cNvPicPr>
-            <a:picLocks noGrp="1" noChangeAspect="1"/>
-          </p:cNvPicPr>
-          <p:nvPr>
-            <p:ph type="pic" sz="quarter" idx="13"/>
-          </p:nvPr>
-        </p:nvPicPr>
-        <p:blipFill rotWithShape="1">
-          <a:blip r:embed="rId2">
-            <a:extLst>
-              <a:ext uri="{BEBA8EAE-BF5A-486C-A8C5-ECC9F3942E4B}">
-                <a14:imgProps xmlns:a14="http://schemas.microsoft.com/office/drawing/2010/main">
-                  <a14:imgLayer r:embed="rId3">
-                    <a14:imgEffect>
-                      <a14:saturation sat="0"/>
-                    </a14:imgEffect>
-                  </a14:imgLayer>
-                </a14:imgProps>
-              </a:ext>
-            </a:extLst>
-          </a:blip>
-          <a:srcRect l="20370" r="20370"/>
-          <a:stretch/>
-        </p:blipFill>
-        <p:spPr/>
-      </p:pic>
-      <p:sp>
-        <p:nvSpPr>
-          <p:cNvPr id="6" name="Text Placeholder 5">
-            <a:extLst>
-              <a:ext uri="{FF2B5EF4-FFF2-40B4-BE49-F238E27FC236}">
-                <a16:creationId xmlns:a16="http://schemas.microsoft.com/office/drawing/2014/main" id="{F3C89A40-EEAA-43AB-9A3A-B2CFDE450F1B}"/>
-              </a:ext>
-            </a:extLst>
-          </p:cNvPr>
-          <p:cNvSpPr>
-            <a:spLocks noGrp="1"/>
-          </p:cNvSpPr>
-          <p:nvPr>
-            <p:ph type="body" sz="quarter" idx="15"/>
-          </p:nvPr>
-        </p:nvSpPr>
-        <p:spPr>
-          <a:xfrm>
-            <a:off x="6862588" y="1387135"/>
-            <a:ext cx="4908655" cy="4552192"/>
-          </a:xfrm>
-        </p:spPr>
-        <p:txBody>
-          <a:bodyPr/>
-          <a:lstStyle/>
-          <a:p>
-            <a:pPr marL="285750" indent="-285750">
-              <a:buFont typeface="Arial" panose="020B0604020202020204" pitchFamily="34" charset="0"/>
-              <a:buChar char="•"/>
-            </a:pPr>
-            <a:r>
-              <a:rPr lang="en-US" spc="0" dirty="0"/>
-              <a:t>Team Introduction</a:t>
-            </a:r>
-          </a:p>
-          <a:p>
-            <a:pPr marL="285750" indent="-285750">
-              <a:buFont typeface="Arial" panose="020B0604020202020204" pitchFamily="34" charset="0"/>
-              <a:buChar char="•"/>
-            </a:pPr>
-            <a:r>
-              <a:rPr lang="en-US" spc="0" dirty="0"/>
-              <a:t>Team Collaboration and Project Management</a:t>
-            </a:r>
-          </a:p>
-          <a:p>
-            <a:pPr marL="285750" indent="-285750">
-              <a:buFont typeface="Arial" panose="020B0604020202020204" pitchFamily="34" charset="0"/>
-              <a:buChar char="•"/>
-            </a:pPr>
-            <a:r>
-              <a:rPr lang="en-US" spc="0" dirty="0"/>
-              <a:t>Project Overview and descriptions</a:t>
-            </a:r>
-          </a:p>
-          <a:p>
-            <a:pPr marL="285750" indent="-285750">
-              <a:buFont typeface="Arial" panose="020B0604020202020204" pitchFamily="34" charset="0"/>
-              <a:buChar char="•"/>
-            </a:pPr>
-            <a:r>
-              <a:rPr lang="en-US" spc="0" dirty="0"/>
-              <a:t>Project Features and User Stories</a:t>
-            </a:r>
-          </a:p>
-          <a:p>
-            <a:pPr marL="285750" indent="-285750">
-              <a:buFont typeface="Arial" panose="020B0604020202020204" pitchFamily="34" charset="0"/>
-              <a:buChar char="•"/>
-            </a:pPr>
-            <a:r>
-              <a:rPr lang="en-US" spc="0" dirty="0"/>
-              <a:t>Requirements Specifications</a:t>
-            </a:r>
-          </a:p>
-          <a:p>
-            <a:pPr marL="285750" indent="-285750">
-              <a:buFont typeface="Arial" panose="020B0604020202020204" pitchFamily="34" charset="0"/>
-              <a:buChar char="•"/>
-            </a:pPr>
-            <a:r>
-              <a:rPr lang="en-US" spc="0" dirty="0"/>
-              <a:t>High Level Design</a:t>
-            </a:r>
-          </a:p>
-          <a:p>
-            <a:pPr marL="285750" indent="-285750">
-              <a:buFont typeface="Arial" panose="020B0604020202020204" pitchFamily="34" charset="0"/>
-              <a:buChar char="•"/>
-            </a:pPr>
-            <a:r>
-              <a:rPr lang="en-US" spc="0" dirty="0"/>
-              <a:t>Achievements and Challenges</a:t>
-            </a:r>
-          </a:p>
-          <a:p>
-            <a:pPr marL="285750" indent="-285750">
-              <a:buFont typeface="Arial" panose="020B0604020202020204" pitchFamily="34" charset="0"/>
-              <a:buChar char="•"/>
-            </a:pPr>
-            <a:r>
-              <a:rPr lang="en-US" spc="0" dirty="0"/>
-              <a:t>Future Development Plan and Q&amp;A</a:t>
-            </a:r>
-          </a:p>
-          <a:p>
-            <a:pPr marL="285750" indent="-285750">
-              <a:buFont typeface="Arial" panose="020B0604020202020204" pitchFamily="34" charset="0"/>
-              <a:buChar char="•"/>
-            </a:pPr>
-            <a:endParaRPr lang="en-US" dirty="0"/>
-          </a:p>
-        </p:txBody>
-      </p:sp>
-      <p:sp>
-        <p:nvSpPr>
-          <p:cNvPr id="7" name="Slide Number Placeholder 6">
-            <a:extLst>
-              <a:ext uri="{FF2B5EF4-FFF2-40B4-BE49-F238E27FC236}">
-                <a16:creationId xmlns:a16="http://schemas.microsoft.com/office/drawing/2014/main" id="{F29F8048-1E86-48F4-B246-D2F8C54B7EB1}"/>
-              </a:ext>
-            </a:extLst>
-          </p:cNvPr>
-          <p:cNvSpPr>
-            <a:spLocks noGrp="1"/>
-          </p:cNvSpPr>
-          <p:nvPr>
-            <p:ph type="sldNum" sz="quarter" idx="12"/>
-          </p:nvPr>
-        </p:nvSpPr>
-        <p:spPr/>
-        <p:txBody>
-          <a:bodyPr/>
-          <a:lstStyle/>
-          <a:p>
-            <a:fld id="{8C2E478F-E849-4A8C-AF1F-CBCC78A7CBFA}" type="slidenum">
-              <a:rPr lang="en-US" smtClean="0"/>
-              <a:pPr/>
-              <a:t>2</a:t>
-            </a:fld>
-            <a:endParaRPr lang="en-US" dirty="0"/>
-          </a:p>
-        </p:txBody>
-      </p:sp>
-    </p:spTree>
-    <p:extLst>
-      <p:ext uri="{BB962C8B-B14F-4D97-AF65-F5344CB8AC3E}">
-        <p14:creationId xmlns:p14="http://schemas.microsoft.com/office/powerpoint/2010/main" val="1649098948"/>
-      </p:ext>
-    </p:extLst>
-  </p:cSld>
-  <p:clrMapOvr>
-    <a:masterClrMapping/>
-  </p:clrMapOvr>
-</p:sld>
-</file>
-
-<file path=ppt/slides/slide20.xml><?xml version="1.0" encoding="utf-8"?>
+<file path=ppt/slides/slide19.xml><?xml version="1.0" encoding="utf-8"?>
 <p:sld xmlns:a="http://schemas.openxmlformats.org/drawingml/2006/main" xmlns:r="http://schemas.openxmlformats.org/officeDocument/2006/relationships" xmlns:p="http://schemas.openxmlformats.org/presentationml/2006/main">
   <p:cSld>
     <p:bg>
@@ -9150,6 +8463,248 @@
     <p:extLst>
       <p:ext uri="{BB962C8B-B14F-4D97-AF65-F5344CB8AC3E}">
         <p14:creationId xmlns:p14="http://schemas.microsoft.com/office/powerpoint/2010/main" val="927727573"/>
+      </p:ext>
+    </p:extLst>
+  </p:cSld>
+  <p:clrMapOvr>
+    <a:masterClrMapping/>
+  </p:clrMapOvr>
+</p:sld>
+</file>
+
+<file path=ppt/slides/slide2.xml><?xml version="1.0" encoding="utf-8"?>
+<p:sld xmlns:a="http://schemas.openxmlformats.org/drawingml/2006/main" xmlns:r="http://schemas.openxmlformats.org/officeDocument/2006/relationships" xmlns:p="http://schemas.openxmlformats.org/presentationml/2006/main">
+  <p:cSld>
+    <p:spTree>
+      <p:nvGrpSpPr>
+        <p:cNvPr id="1" name=""/>
+        <p:cNvGrpSpPr/>
+        <p:nvPr/>
+      </p:nvGrpSpPr>
+      <p:grpSpPr>
+        <a:xfrm>
+          <a:off x="0" y="0"/>
+          <a:ext cx="0" cy="0"/>
+          <a:chOff x="0" y="0"/>
+          <a:chExt cx="0" cy="0"/>
+        </a:xfrm>
+      </p:grpSpPr>
+      <p:sp>
+        <p:nvSpPr>
+          <p:cNvPr id="2" name="Title 1">
+            <a:extLst>
+              <a:ext uri="{FF2B5EF4-FFF2-40B4-BE49-F238E27FC236}">
+                <a16:creationId xmlns:a16="http://schemas.microsoft.com/office/drawing/2014/main" id="{BE3A87B3-0A27-4EE9-979E-B69581E476F0}"/>
+              </a:ext>
+            </a:extLst>
+          </p:cNvPr>
+          <p:cNvSpPr>
+            <a:spLocks noGrp="1"/>
+          </p:cNvSpPr>
+          <p:nvPr>
+            <p:ph type="title"/>
+          </p:nvPr>
+        </p:nvSpPr>
+        <p:spPr>
+          <a:xfrm>
+            <a:off x="6862588" y="24572"/>
+            <a:ext cx="4846320" cy="1210613"/>
+          </a:xfrm>
+        </p:spPr>
+        <p:txBody>
+          <a:bodyPr/>
+          <a:lstStyle/>
+          <a:p>
+            <a:r>
+              <a:rPr lang="en-US" dirty="0"/>
+              <a:t>Contents</a:t>
+            </a:r>
+          </a:p>
+        </p:txBody>
+      </p:sp>
+      <p:pic>
+        <p:nvPicPr>
+          <p:cNvPr id="8" name="Picture Placeholder 7" descr="group of people at a conference table">
+            <a:extLst>
+              <a:ext uri="{FF2B5EF4-FFF2-40B4-BE49-F238E27FC236}">
+                <a16:creationId xmlns:a16="http://schemas.microsoft.com/office/drawing/2014/main" id="{BB76F5AB-0940-46E1-85F9-6A870D7D04C9}"/>
+              </a:ext>
+            </a:extLst>
+          </p:cNvPr>
+          <p:cNvPicPr>
+            <a:picLocks noGrp="1" noChangeAspect="1"/>
+          </p:cNvPicPr>
+          <p:nvPr>
+            <p:ph type="pic" sz="quarter" idx="13"/>
+          </p:nvPr>
+        </p:nvPicPr>
+        <p:blipFill rotWithShape="1">
+          <a:blip r:embed="rId2">
+            <a:extLst>
+              <a:ext uri="{BEBA8EAE-BF5A-486C-A8C5-ECC9F3942E4B}">
+                <a14:imgProps xmlns:a14="http://schemas.microsoft.com/office/drawing/2010/main">
+                  <a14:imgLayer r:embed="rId3">
+                    <a14:imgEffect>
+                      <a14:saturation sat="0"/>
+                    </a14:imgEffect>
+                  </a14:imgLayer>
+                </a14:imgProps>
+              </a:ext>
+            </a:extLst>
+          </a:blip>
+          <a:srcRect l="20370" r="20370"/>
+          <a:stretch/>
+        </p:blipFill>
+        <p:spPr/>
+      </p:pic>
+      <p:sp>
+        <p:nvSpPr>
+          <p:cNvPr id="6" name="Text Placeholder 5">
+            <a:extLst>
+              <a:ext uri="{FF2B5EF4-FFF2-40B4-BE49-F238E27FC236}">
+                <a16:creationId xmlns:a16="http://schemas.microsoft.com/office/drawing/2014/main" id="{F3C89A40-EEAA-43AB-9A3A-B2CFDE450F1B}"/>
+              </a:ext>
+            </a:extLst>
+          </p:cNvPr>
+          <p:cNvSpPr>
+            <a:spLocks noGrp="1"/>
+          </p:cNvSpPr>
+          <p:nvPr>
+            <p:ph type="body" sz="quarter" idx="15"/>
+          </p:nvPr>
+        </p:nvSpPr>
+        <p:spPr>
+          <a:xfrm>
+            <a:off x="6862588" y="1387135"/>
+            <a:ext cx="4908655" cy="4552192"/>
+          </a:xfrm>
+        </p:spPr>
+        <p:txBody>
+          <a:bodyPr/>
+          <a:lstStyle/>
+          <a:p>
+            <a:pPr marL="285750" indent="-285750">
+              <a:buFont typeface="Arial" panose="020B0604020202020204" pitchFamily="34" charset="0"/>
+              <a:buChar char="•"/>
+            </a:pPr>
+            <a:r>
+              <a:rPr lang="en-US" spc="0" dirty="0"/>
+              <a:t>Team Introduction</a:t>
+            </a:r>
+          </a:p>
+          <a:p>
+            <a:pPr marL="285750" indent="-285750">
+              <a:buFont typeface="Arial" panose="020B0604020202020204" pitchFamily="34" charset="0"/>
+              <a:buChar char="•"/>
+            </a:pPr>
+            <a:r>
+              <a:rPr lang="en-US" spc="0" dirty="0"/>
+              <a:t>Team Collaboration and Project Management</a:t>
+            </a:r>
+          </a:p>
+          <a:p>
+            <a:pPr marL="285750" indent="-285750">
+              <a:buFont typeface="Arial" panose="020B0604020202020204" pitchFamily="34" charset="0"/>
+              <a:buChar char="•"/>
+            </a:pPr>
+            <a:r>
+              <a:rPr lang="en-US" spc="0" dirty="0"/>
+              <a:t>Project Overview and descriptions</a:t>
+            </a:r>
+          </a:p>
+          <a:p>
+            <a:pPr marL="285750" indent="-285750">
+              <a:buFont typeface="Arial" panose="020B0604020202020204" pitchFamily="34" charset="0"/>
+              <a:buChar char="•"/>
+            </a:pPr>
+            <a:r>
+              <a:rPr lang="en-US" spc="0" dirty="0"/>
+              <a:t>Project Features and User Stories</a:t>
+            </a:r>
+          </a:p>
+          <a:p>
+            <a:pPr marL="285750" indent="-285750">
+              <a:buFont typeface="Arial" panose="020B0604020202020204" pitchFamily="34" charset="0"/>
+              <a:buChar char="•"/>
+            </a:pPr>
+            <a:r>
+              <a:rPr lang="en-US" spc="0" dirty="0"/>
+              <a:t>Requirements Specifications</a:t>
+            </a:r>
+          </a:p>
+          <a:p>
+            <a:pPr marL="285750" indent="-285750">
+              <a:buFont typeface="Arial" panose="020B0604020202020204" pitchFamily="34" charset="0"/>
+              <a:buChar char="•"/>
+            </a:pPr>
+            <a:r>
+              <a:rPr lang="en-US" spc="0" dirty="0"/>
+              <a:t>High Level Design</a:t>
+            </a:r>
+          </a:p>
+          <a:p>
+            <a:pPr marL="285750" indent="-285750">
+              <a:buFont typeface="Arial" panose="020B0604020202020204" pitchFamily="34" charset="0"/>
+              <a:buChar char="•"/>
+            </a:pPr>
+            <a:r>
+              <a:rPr lang="en-US" spc="0" dirty="0"/>
+              <a:t>Achievements and Challenges</a:t>
+            </a:r>
+          </a:p>
+          <a:p>
+            <a:pPr marL="285750" indent="-285750">
+              <a:buFont typeface="Arial" panose="020B0604020202020204" pitchFamily="34" charset="0"/>
+              <a:buChar char="•"/>
+            </a:pPr>
+            <a:r>
+              <a:rPr lang="en-US" spc="0" dirty="0"/>
+              <a:t>Future Development Plan and Q&amp;A</a:t>
+            </a:r>
+          </a:p>
+          <a:p>
+            <a:pPr marL="285750" indent="-285750">
+              <a:buFont typeface="Arial" panose="020B0604020202020204" pitchFamily="34" charset="0"/>
+              <a:buChar char="•"/>
+            </a:pPr>
+            <a:endParaRPr lang="en-US" dirty="0"/>
+          </a:p>
+        </p:txBody>
+      </p:sp>
+      <p:sp>
+        <p:nvSpPr>
+          <p:cNvPr id="7" name="Slide Number Placeholder 6">
+            <a:extLst>
+              <a:ext uri="{FF2B5EF4-FFF2-40B4-BE49-F238E27FC236}">
+                <a16:creationId xmlns:a16="http://schemas.microsoft.com/office/drawing/2014/main" id="{F29F8048-1E86-48F4-B246-D2F8C54B7EB1}"/>
+              </a:ext>
+            </a:extLst>
+          </p:cNvPr>
+          <p:cNvSpPr>
+            <a:spLocks noGrp="1"/>
+          </p:cNvSpPr>
+          <p:nvPr>
+            <p:ph type="sldNum" sz="quarter" idx="12"/>
+          </p:nvPr>
+        </p:nvSpPr>
+        <p:spPr/>
+        <p:txBody>
+          <a:bodyPr/>
+          <a:lstStyle/>
+          <a:p>
+            <a:fld id="{8C2E478F-E849-4A8C-AF1F-CBCC78A7CBFA}" type="slidenum">
+              <a:rPr lang="en-US" smtClean="0"/>
+              <a:pPr/>
+              <a:t>2</a:t>
+            </a:fld>
+            <a:endParaRPr lang="en-US" dirty="0"/>
+          </a:p>
+        </p:txBody>
+      </p:sp>
+    </p:spTree>
+    <p:extLst>
+      <p:ext uri="{BB962C8B-B14F-4D97-AF65-F5344CB8AC3E}">
+        <p14:creationId xmlns:p14="http://schemas.microsoft.com/office/powerpoint/2010/main" val="1649098948"/>
       </p:ext>
     </p:extLst>
   </p:cSld>
@@ -10474,7 +10029,7 @@
                 <a:ea typeface="Calibri" panose="020F0502020204030204" pitchFamily="34" charset="0"/>
                 <a:cs typeface="Times New Roman" panose="02020603050405020304" pitchFamily="18" charset="0"/>
               </a:rPr>
-              <a:t>As a server, I want to place an order in my device and send it directly to the    kitchen.</a:t>
+              <a:t>As a server, I want to place an order in my device and send it directly to the kitchen.</a:t>
             </a:r>
             <a:br>
               <a:rPr lang="en-US" sz="1400" dirty="0">
@@ -10629,14 +10184,6 @@
 <file path=ppt/slides/slide9.xml><?xml version="1.0" encoding="utf-8"?>
 <p:sld xmlns:a="http://schemas.openxmlformats.org/drawingml/2006/main" xmlns:r="http://schemas.openxmlformats.org/officeDocument/2006/relationships" xmlns:p="http://schemas.openxmlformats.org/presentationml/2006/main">
   <p:cSld>
-    <p:bg>
-      <p:bgPr>
-        <a:solidFill>
-          <a:schemeClr val="bg1"/>
-        </a:solidFill>
-        <a:effectLst/>
-      </p:bgPr>
-    </p:bg>
     <p:spTree>
       <p:nvGrpSpPr>
         <p:cNvPr id="1" name=""/>
@@ -10685,7 +10232,12 @@
           <a:srcRect t="7813" b="7813"/>
           <a:stretch/>
         </p:blipFill>
-        <p:spPr/>
+        <p:spPr>
+          <a:xfrm>
+            <a:off x="0" y="0"/>
+            <a:ext cx="12192000" cy="6858000"/>
+          </a:xfrm>
+        </p:spPr>
       </p:pic>
       <p:sp>
         <p:nvSpPr>
@@ -10705,13 +10257,13 @@
         </p:nvSpPr>
         <p:spPr>
           <a:xfrm>
-            <a:off x="1586917" y="1493240"/>
-            <a:ext cx="9018165" cy="4655890"/>
+            <a:off x="719940" y="1661686"/>
+            <a:ext cx="4521818" cy="4655890"/>
           </a:xfrm>
         </p:spPr>
         <p:txBody>
           <a:bodyPr>
-            <a:normAutofit/>
+            <a:normAutofit fontScale="90000"/>
           </a:bodyPr>
           <a:lstStyle/>
           <a:p>
@@ -10727,14 +10279,13 @@
               </a:spcAft>
             </a:pPr>
             <a:br>
-              <a:rPr lang="en-US" sz="1400" dirty="0">
+              <a:rPr lang="en-US" sz="1200" b="1" dirty="0">
                 <a:solidFill>
                   <a:schemeClr val="tx1"/>
                 </a:solidFill>
                 <a:effectLst/>
-                <a:latin typeface="+mn-lt"/>
-                <a:ea typeface="Yu Mincho" panose="02020400000000000000" pitchFamily="18" charset="-128"/>
-                <a:cs typeface="Times New Roman" panose="02020603050405020304" pitchFamily="18" charset="0"/>
+                <a:latin typeface="Times New Roman" panose="02020603050405020304" pitchFamily="18" charset="0"/>
+                <a:ea typeface="Times New Roman" panose="02020603050405020304" pitchFamily="18" charset="0"/>
               </a:rPr>
             </a:br>
             <a:r>
@@ -10799,7 +10350,7 @@
                 <a:latin typeface="+mn-lt"/>
                 <a:ea typeface="Times New Roman" panose="02020603050405020304" pitchFamily="18" charset="0"/>
               </a:rPr>
-              <a:t>	Server reserves available table for the customer.</a:t>
+              <a:t>Server reserves available table for the customer.</a:t>
             </a:r>
             <a:br>
               <a:rPr lang="en-US" sz="1400" dirty="0">
@@ -10820,7 +10371,7 @@
                 <a:latin typeface="+mn-lt"/>
                 <a:ea typeface="Times New Roman" panose="02020603050405020304" pitchFamily="18" charset="0"/>
               </a:rPr>
-              <a:t>	Server sends order to the kitchen.</a:t>
+              <a:t>Server sends order to the kitchen.</a:t>
             </a:r>
             <a:br>
               <a:rPr lang="en-US" sz="1400" dirty="0">
@@ -10841,7 +10392,49 @@
                 <a:latin typeface="+mn-lt"/>
                 <a:ea typeface="Times New Roman" panose="02020603050405020304" pitchFamily="18" charset="0"/>
               </a:rPr>
-              <a:t>	Server gets notification of order completion and marks the order complete.  after order is served 	to the customer. </a:t>
+              <a:t>Server gets notification of order completion</a:t>
+            </a:r>
+            <a:br>
+              <a:rPr lang="en-US" sz="1400" dirty="0">
+                <a:solidFill>
+                  <a:schemeClr val="tx1"/>
+                </a:solidFill>
+                <a:effectLst/>
+                <a:latin typeface="+mn-lt"/>
+                <a:ea typeface="Times New Roman" panose="02020603050405020304" pitchFamily="18" charset="0"/>
+              </a:rPr>
+            </a:br>
+            <a:r>
+              <a:rPr lang="en-US" sz="1400" dirty="0">
+                <a:solidFill>
+                  <a:schemeClr val="tx1"/>
+                </a:solidFill>
+                <a:effectLst/>
+                <a:latin typeface="+mn-lt"/>
+                <a:ea typeface="Times New Roman" panose="02020603050405020304" pitchFamily="18" charset="0"/>
+              </a:rPr>
+              <a:t>and marks the order complete after order is </a:t>
+            </a:r>
+            <a:br>
+              <a:rPr lang="en-US" sz="1400" dirty="0">
+                <a:solidFill>
+                  <a:schemeClr val="tx1"/>
+                </a:solidFill>
+                <a:effectLst/>
+                <a:latin typeface="+mn-lt"/>
+                <a:ea typeface="Times New Roman" panose="02020603050405020304" pitchFamily="18" charset="0"/>
+              </a:rPr>
+            </a:br>
+            <a:r>
+              <a:rPr lang="en-US" sz="1400" dirty="0">
+                <a:solidFill>
+                  <a:schemeClr val="tx1"/>
+                </a:solidFill>
+                <a:effectLst/>
+                <a:latin typeface="+mn-lt"/>
+                <a:ea typeface="Times New Roman" panose="02020603050405020304" pitchFamily="18" charset="0"/>
+              </a:rPr>
+              <a:t>served to the customer. </a:t>
             </a:r>
             <a:br>
               <a:rPr lang="en-US" sz="1400" dirty="0">
@@ -10870,19 +10463,34 @@
                 </a:solidFill>
                 <a:effectLst/>
                 <a:latin typeface="+mn-lt"/>
-                <a:ea typeface="Times New Roman" panose="02020603050405020304" pitchFamily="18" charset="0"/>
+                <a:ea typeface="Calibri" panose="020F0502020204030204" pitchFamily="34" charset="0"/>
+                <a:cs typeface="Times New Roman" panose="02020603050405020304" pitchFamily="18" charset="0"/>
               </a:rPr>
             </a:br>
-            <a:br>
+            <a:r>
+              <a:rPr lang="en-US" sz="1400" b="1" dirty="0">
+                <a:solidFill>
+                  <a:schemeClr val="tx1"/>
+                </a:solidFill>
+                <a:effectLst/>
+                <a:latin typeface="+mn-lt"/>
+                <a:ea typeface="Calibri" panose="020F0502020204030204" pitchFamily="34" charset="0"/>
+                <a:cs typeface="Times New Roman" panose="02020603050405020304" pitchFamily="18" charset="0"/>
+              </a:rPr>
+              <a:t>Actor:</a:t>
+            </a:r>
+            <a:r>
               <a:rPr lang="en-US" sz="1400" dirty="0">
                 <a:solidFill>
                   <a:schemeClr val="tx1"/>
                 </a:solidFill>
                 <a:effectLst/>
                 <a:latin typeface="+mn-lt"/>
-                <a:ea typeface="Times New Roman" panose="02020603050405020304" pitchFamily="18" charset="0"/>
+                <a:ea typeface="Calibri" panose="020F0502020204030204" pitchFamily="34" charset="0"/>
+                <a:cs typeface="Times New Roman" panose="02020603050405020304" pitchFamily="18" charset="0"/>
               </a:rPr>
-            </a:br>
+              <a:t> Line Cook </a:t>
+            </a:r>
             <a:br>
               <a:rPr lang="en-US" sz="1400" dirty="0">
                 <a:solidFill>
@@ -10904,19 +10512,7 @@
                 <a:ea typeface="Calibri" panose="020F0502020204030204" pitchFamily="34" charset="0"/>
                 <a:cs typeface="Times New Roman" panose="02020603050405020304" pitchFamily="18" charset="0"/>
               </a:rPr>
-              <a:t>Actor:</a:t>
-            </a:r>
-            <a:r>
-              <a:rPr lang="en-US" sz="1400" dirty="0">
-                <a:solidFill>
-                  <a:schemeClr val="tx1"/>
-                </a:solidFill>
-                <a:effectLst/>
-                <a:latin typeface="+mn-lt"/>
-                <a:ea typeface="Calibri" panose="020F0502020204030204" pitchFamily="34" charset="0"/>
-                <a:cs typeface="Times New Roman" panose="02020603050405020304" pitchFamily="18" charset="0"/>
-              </a:rPr>
-              <a:t> Line Cook </a:t>
+              <a:t>Basic Use Case Description:</a:t>
             </a:r>
             <a:br>
               <a:rPr lang="en-US" sz="1400" dirty="0">
@@ -10930,41 +10526,6 @@
               </a:rPr>
             </a:br>
             <a:r>
-              <a:rPr lang="en-US" sz="1400" b="1" dirty="0">
-                <a:solidFill>
-                  <a:schemeClr val="tx1"/>
-                </a:solidFill>
-                <a:effectLst/>
-                <a:latin typeface="+mn-lt"/>
-                <a:ea typeface="Calibri" panose="020F0502020204030204" pitchFamily="34" charset="0"/>
-                <a:cs typeface="Times New Roman" panose="02020603050405020304" pitchFamily="18" charset="0"/>
-              </a:rPr>
-              <a:t>Basic Use Case Description:</a:t>
-            </a:r>
-            <a:br>
-              <a:rPr lang="en-US" sz="1400" dirty="0">
-                <a:solidFill>
-                  <a:schemeClr val="tx1"/>
-                </a:solidFill>
-                <a:effectLst/>
-                <a:latin typeface="+mn-lt"/>
-                <a:ea typeface="Yu Mincho" panose="02020400000000000000" pitchFamily="18" charset="-128"/>
-                <a:cs typeface="Times New Roman" panose="02020603050405020304" pitchFamily="18" charset="0"/>
-              </a:rPr>
-            </a:br>
-            <a:r>
-              <a:rPr lang="en-US" sz="1400" dirty="0">
-                <a:solidFill>
-                  <a:schemeClr val="tx1"/>
-                </a:solidFill>
-                <a:effectLst/>
-                <a:latin typeface="+mn-lt"/>
-                <a:ea typeface="Yu Mincho" panose="02020400000000000000" pitchFamily="18" charset="-128"/>
-                <a:cs typeface="Times New Roman" panose="02020603050405020304" pitchFamily="18" charset="0"/>
-              </a:rPr>
-              <a:t>	</a:t>
-            </a:r>
-            <a:r>
               <a:rPr lang="en-US" sz="1400" dirty="0">
                 <a:solidFill>
                   <a:schemeClr val="tx1"/>
@@ -10994,7 +10555,7 @@
                 <a:latin typeface="+mn-lt"/>
                 <a:ea typeface="Times New Roman" panose="02020603050405020304" pitchFamily="18" charset="0"/>
               </a:rPr>
-              <a:t>	Line cooks check off individual items within order.</a:t>
+              <a:t>Line cooks check off individual items within order.</a:t>
             </a:r>
             <a:br>
               <a:rPr lang="en-US" sz="1400" dirty="0">
@@ -11015,61 +10576,402 @@
                 <a:latin typeface="+mn-lt"/>
                 <a:ea typeface="Times New Roman" panose="02020603050405020304" pitchFamily="18" charset="0"/>
               </a:rPr>
-              <a:t>	</a:t>
-            </a:r>
-            <a:r>
-              <a:rPr lang="en-US" sz="1400" dirty="0">
+              <a:t>Line cooks mark the order ready after all items within the order are prepared.</a:t>
+            </a:r>
+            <a:br>
+              <a:rPr lang="en-US" sz="1000" dirty="0">
+                <a:effectLst/>
+                <a:latin typeface="Times New Roman" panose="02020603050405020304" pitchFamily="18" charset="0"/>
+                <a:ea typeface="Times New Roman" panose="02020603050405020304" pitchFamily="18" charset="0"/>
+              </a:rPr>
+            </a:br>
+            <a:br>
+              <a:rPr lang="en-US" sz="1000" dirty="0">
+                <a:effectLst/>
+                <a:latin typeface="Calibri" panose="020F0502020204030204" pitchFamily="34" charset="0"/>
+                <a:ea typeface="Yu Mincho" panose="02020400000000000000" pitchFamily="18" charset="-128"/>
+                <a:cs typeface="Times New Roman" panose="02020603050405020304" pitchFamily="18" charset="0"/>
+              </a:rPr>
+            </a:br>
+            <a:r>
+              <a:rPr lang="en-US" sz="1000" dirty="0">
+                <a:effectLst/>
+                <a:latin typeface="Times New Roman" panose="02020603050405020304" pitchFamily="18" charset="0"/>
+                <a:ea typeface="Calibri" panose="020F0502020204030204" pitchFamily="34" charset="0"/>
+                <a:cs typeface="Times New Roman" panose="02020603050405020304" pitchFamily="18" charset="0"/>
+              </a:rPr>
+              <a:t> </a:t>
+            </a:r>
+            <a:br>
+              <a:rPr lang="en-US" sz="800" dirty="0">
+                <a:effectLst/>
+                <a:latin typeface="Calibri" panose="020F0502020204030204" pitchFamily="34" charset="0"/>
+                <a:ea typeface="Yu Mincho" panose="02020400000000000000" pitchFamily="18" charset="-128"/>
+                <a:cs typeface="Times New Roman" panose="02020603050405020304" pitchFamily="18" charset="0"/>
+              </a:rPr>
+            </a:br>
+            <a:endParaRPr lang="en-US" sz="800" dirty="0">
+              <a:effectLst/>
+              <a:latin typeface="Times New Roman" panose="02020603050405020304" pitchFamily="18" charset="0"/>
+              <a:ea typeface="Times New Roman" panose="02020603050405020304" pitchFamily="18" charset="0"/>
+            </a:endParaRPr>
+          </a:p>
+        </p:txBody>
+      </p:sp>
+      <p:sp>
+        <p:nvSpPr>
+          <p:cNvPr id="2" name="Text Placeholder 1">
+            <a:extLst>
+              <a:ext uri="{FF2B5EF4-FFF2-40B4-BE49-F238E27FC236}">
+                <a16:creationId xmlns:a16="http://schemas.microsoft.com/office/drawing/2014/main" id="{DAF72BBC-FC90-4B63-96CA-ABED853DBAD0}"/>
+              </a:ext>
+            </a:extLst>
+          </p:cNvPr>
+          <p:cNvSpPr>
+            <a:spLocks noGrp="1"/>
+          </p:cNvSpPr>
+          <p:nvPr>
+            <p:ph type="body" sz="quarter" idx="11"/>
+          </p:nvPr>
+        </p:nvSpPr>
+        <p:spPr>
+          <a:xfrm>
+            <a:off x="1439124" y="594590"/>
+            <a:ext cx="9234488" cy="897622"/>
+          </a:xfrm>
+        </p:spPr>
+        <p:txBody>
+          <a:bodyPr/>
+          <a:lstStyle/>
+          <a:p>
+            <a:r>
+              <a:rPr lang="en-US" sz="3600" spc="100" dirty="0"/>
+              <a:t>Use Case</a:t>
+            </a:r>
+          </a:p>
+        </p:txBody>
+      </p:sp>
+      <p:sp>
+        <p:nvSpPr>
+          <p:cNvPr id="7" name="Title 4">
+            <a:extLst>
+              <a:ext uri="{FF2B5EF4-FFF2-40B4-BE49-F238E27FC236}">
+                <a16:creationId xmlns:a16="http://schemas.microsoft.com/office/drawing/2014/main" id="{83FE275C-4F61-F349-D635-66C97E72ED83}"/>
+              </a:ext>
+            </a:extLst>
+          </p:cNvPr>
+          <p:cNvSpPr txBox="1">
+            <a:spLocks/>
+          </p:cNvSpPr>
+          <p:nvPr/>
+        </p:nvSpPr>
+        <p:spPr>
+          <a:xfrm>
+            <a:off x="6950244" y="1661686"/>
+            <a:ext cx="4521818" cy="4655890"/>
+          </a:xfrm>
+          <a:prstGeom prst="rect">
+            <a:avLst/>
+          </a:prstGeom>
+          <a:gradFill flip="none" rotWithShape="1">
+            <a:gsLst>
+              <a:gs pos="0">
+                <a:schemeClr val="accent5"/>
+              </a:gs>
+              <a:gs pos="100000">
+                <a:schemeClr val="accent2">
+                  <a:lumMod val="97000"/>
+                  <a:lumOff val="3000"/>
+                </a:schemeClr>
+              </a:gs>
+              <a:gs pos="50000">
+                <a:schemeClr val="accent1"/>
+              </a:gs>
+            </a:gsLst>
+            <a:lin ang="10800000" scaled="1"/>
+            <a:tileRect/>
+          </a:gradFill>
+        </p:spPr>
+        <p:txBody>
+          <a:bodyPr vert="horz" lIns="91440" tIns="45720" rIns="91440" bIns="45720" rtlCol="0" anchor="ctr">
+            <a:normAutofit/>
+          </a:bodyPr>
+          <a:lstStyle>
+            <a:lvl1pPr algn="ctr" defTabSz="914400" rtl="0" eaLnBrk="1" latinLnBrk="0" hangingPunct="1">
+              <a:lnSpc>
+                <a:spcPct val="100000"/>
+              </a:lnSpc>
+              <a:spcBef>
+                <a:spcPct val="0"/>
+              </a:spcBef>
+              <a:buNone/>
+              <a:defRPr sz="1400" kern="1200" cap="all" spc="300" baseline="0">
                 <a:solidFill>
                   <a:schemeClr val="tx1"/>
                 </a:solidFill>
-                <a:effectLst/>
                 <a:latin typeface="+mn-lt"/>
+                <a:ea typeface="+mj-ea"/>
+                <a:cs typeface="+mj-cs"/>
+              </a:defRPr>
+            </a:lvl1pPr>
+          </a:lstStyle>
+          <a:p>
+            <a:pPr marL="914400" lvl="2">
+              <a:lnSpc>
+                <a:spcPct val="107000"/>
+              </a:lnSpc>
+            </a:pPr>
+            <a:r>
+              <a:rPr lang="en-US" sz="1400" b="1" kern="0" dirty="0">
+                <a:latin typeface="Calibri" panose="020F0502020204030204" pitchFamily="34" charset="0"/>
                 <a:ea typeface="Yu Mincho" panose="02020400000000000000" pitchFamily="18" charset="-128"/>
                 <a:cs typeface="Times New Roman" panose="02020603050405020304" pitchFamily="18" charset="0"/>
               </a:rPr>
-              <a:t>Line cooks mark the order ready after all items within the order are prepared.</a:t>
-            </a:r>
-            <a:endParaRPr lang="en-US" sz="1400" dirty="0">
+              <a:t>Actor</a:t>
+            </a:r>
+            <a:r>
+              <a:rPr lang="en-US" sz="1400" kern="0" dirty="0">
+                <a:latin typeface="Calibri" panose="020F0502020204030204" pitchFamily="34" charset="0"/>
+                <a:ea typeface="Yu Mincho" panose="02020400000000000000" pitchFamily="18" charset="-128"/>
+                <a:cs typeface="Times New Roman" panose="02020603050405020304" pitchFamily="18" charset="0"/>
+              </a:rPr>
+              <a:t>: Host</a:t>
+            </a:r>
+          </a:p>
+          <a:p>
+            <a:pPr marL="914400" lvl="2">
+              <a:lnSpc>
+                <a:spcPct val="107000"/>
+              </a:lnSpc>
+            </a:pPr>
+            <a:r>
+              <a:rPr lang="en-US" sz="1400" b="1" kern="0" dirty="0">
+                <a:latin typeface="Calibri" panose="020F0502020204030204" pitchFamily="34" charset="0"/>
+                <a:ea typeface="Yu Mincho" panose="02020400000000000000" pitchFamily="18" charset="-128"/>
+                <a:cs typeface="Times New Roman" panose="02020603050405020304" pitchFamily="18" charset="0"/>
+              </a:rPr>
+              <a:t>Basic Use Case Description:</a:t>
+            </a:r>
+          </a:p>
+          <a:p>
+            <a:pPr marL="914400" lvl="2">
+              <a:lnSpc>
+                <a:spcPct val="107000"/>
+              </a:lnSpc>
+            </a:pPr>
+            <a:r>
+              <a:rPr lang="en-US" sz="1400" kern="0" dirty="0">
+                <a:latin typeface="Calibri" panose="020F0502020204030204" pitchFamily="34" charset="0"/>
+                <a:ea typeface="Yu Mincho" panose="02020400000000000000" pitchFamily="18" charset="-128"/>
+                <a:cs typeface="Times New Roman" panose="02020603050405020304" pitchFamily="18" charset="0"/>
+              </a:rPr>
+              <a:t>Host can manage table availability.</a:t>
+            </a:r>
+          </a:p>
+          <a:p>
+            <a:pPr marL="914400" lvl="2">
+              <a:lnSpc>
+                <a:spcPct val="107000"/>
+              </a:lnSpc>
+            </a:pPr>
+            <a:r>
+              <a:rPr lang="en-US" sz="1400" kern="0" dirty="0">
+                <a:latin typeface="Calibri" panose="020F0502020204030204" pitchFamily="34" charset="0"/>
+                <a:ea typeface="Yu Mincho" panose="02020400000000000000" pitchFamily="18" charset="-128"/>
+                <a:cs typeface="Times New Roman" panose="02020603050405020304" pitchFamily="18" charset="0"/>
+              </a:rPr>
+              <a:t>Host can assign tables to servers.</a:t>
+            </a:r>
+          </a:p>
+          <a:p>
+            <a:pPr marL="914400" lvl="2">
+              <a:lnSpc>
+                <a:spcPct val="107000"/>
+              </a:lnSpc>
+            </a:pPr>
+            <a:endParaRPr lang="en-US" sz="1400" kern="0" dirty="0">
+              <a:latin typeface="Calibri" panose="020F0502020204030204" pitchFamily="34" charset="0"/>
+              <a:ea typeface="Yu Mincho" panose="02020400000000000000" pitchFamily="18" charset="-128"/>
+              <a:cs typeface="Times New Roman" panose="02020603050405020304" pitchFamily="18" charset="0"/>
+            </a:endParaRPr>
+          </a:p>
+          <a:p>
+            <a:pPr marL="914400" lvl="2">
+              <a:lnSpc>
+                <a:spcPct val="107000"/>
+              </a:lnSpc>
+            </a:pPr>
+            <a:endParaRPr lang="en-US" sz="1400" kern="0" dirty="0">
+              <a:latin typeface="Calibri" panose="020F0502020204030204" pitchFamily="34" charset="0"/>
+              <a:ea typeface="Yu Mincho" panose="02020400000000000000" pitchFamily="18" charset="-128"/>
+              <a:cs typeface="Times New Roman" panose="02020603050405020304" pitchFamily="18" charset="0"/>
+            </a:endParaRPr>
+          </a:p>
+          <a:p>
+            <a:pPr marL="914400" lvl="2">
+              <a:lnSpc>
+                <a:spcPct val="107000"/>
+              </a:lnSpc>
+            </a:pPr>
+            <a:r>
+              <a:rPr lang="en-US" sz="1400" b="1" kern="0" dirty="0">
+                <a:latin typeface="Calibri" panose="020F0502020204030204" pitchFamily="34" charset="0"/>
+                <a:ea typeface="Yu Mincho" panose="02020400000000000000" pitchFamily="18" charset="-128"/>
+                <a:cs typeface="Times New Roman" panose="02020603050405020304" pitchFamily="18" charset="0"/>
+              </a:rPr>
+              <a:t>Actor</a:t>
+            </a:r>
+            <a:r>
+              <a:rPr lang="en-US" sz="1400" kern="0" dirty="0">
+                <a:latin typeface="Calibri" panose="020F0502020204030204" pitchFamily="34" charset="0"/>
+                <a:ea typeface="Yu Mincho" panose="02020400000000000000" pitchFamily="18" charset="-128"/>
+                <a:cs typeface="Times New Roman" panose="02020603050405020304" pitchFamily="18" charset="0"/>
+              </a:rPr>
+              <a:t>: Manager</a:t>
+            </a:r>
+          </a:p>
+          <a:p>
+            <a:pPr marL="914400" lvl="2">
+              <a:lnSpc>
+                <a:spcPct val="107000"/>
+              </a:lnSpc>
+            </a:pPr>
+            <a:r>
+              <a:rPr lang="en-US" sz="1400" b="1" kern="0" dirty="0">
+                <a:latin typeface="Calibri" panose="020F0502020204030204" pitchFamily="34" charset="0"/>
+                <a:ea typeface="Yu Mincho" panose="02020400000000000000" pitchFamily="18" charset="-128"/>
+                <a:cs typeface="Times New Roman" panose="02020603050405020304" pitchFamily="18" charset="0"/>
+              </a:rPr>
+              <a:t>Basic Use Case Description</a:t>
+            </a:r>
+            <a:r>
+              <a:rPr lang="en-US" sz="1400" kern="0" dirty="0">
+                <a:latin typeface="Calibri" panose="020F0502020204030204" pitchFamily="34" charset="0"/>
+                <a:ea typeface="Yu Mincho" panose="02020400000000000000" pitchFamily="18" charset="-128"/>
+                <a:cs typeface="Times New Roman" panose="02020603050405020304" pitchFamily="18" charset="0"/>
+              </a:rPr>
+              <a:t>:</a:t>
+            </a:r>
+          </a:p>
+          <a:p>
+            <a:pPr marL="914400" lvl="2">
+              <a:lnSpc>
+                <a:spcPct val="107000"/>
+              </a:lnSpc>
+            </a:pPr>
+            <a:r>
+              <a:rPr lang="en-US" sz="1400" kern="0" dirty="0">
+                <a:latin typeface="Calibri" panose="020F0502020204030204" pitchFamily="34" charset="0"/>
+                <a:ea typeface="Yu Mincho" panose="02020400000000000000" pitchFamily="18" charset="-128"/>
+                <a:cs typeface="Times New Roman" panose="02020603050405020304" pitchFamily="18" charset="0"/>
+              </a:rPr>
+              <a:t>Manager can edit orders.</a:t>
+            </a:r>
+          </a:p>
+          <a:p>
+            <a:pPr marL="914400" lvl="2">
+              <a:lnSpc>
+                <a:spcPct val="107000"/>
+              </a:lnSpc>
+            </a:pPr>
+            <a:r>
+              <a:rPr lang="en-US" sz="1400" kern="0" dirty="0">
+                <a:latin typeface="Calibri" panose="020F0502020204030204" pitchFamily="34" charset="0"/>
+                <a:ea typeface="Yu Mincho" panose="02020400000000000000" pitchFamily="18" charset="-128"/>
+                <a:cs typeface="Times New Roman" panose="02020603050405020304" pitchFamily="18" charset="0"/>
+              </a:rPr>
+              <a:t>Manager can alter bill.</a:t>
+            </a:r>
+          </a:p>
+          <a:p>
+            <a:pPr marL="914400" lvl="2">
+              <a:lnSpc>
+                <a:spcPct val="107000"/>
+              </a:lnSpc>
+            </a:pPr>
+            <a:r>
+              <a:rPr lang="en-US" sz="1400" kern="0" dirty="0">
+                <a:latin typeface="Calibri" panose="020F0502020204030204" pitchFamily="34" charset="0"/>
+                <a:ea typeface="Yu Mincho" panose="02020400000000000000" pitchFamily="18" charset="-128"/>
+                <a:cs typeface="Times New Roman" panose="02020603050405020304" pitchFamily="18" charset="0"/>
+              </a:rPr>
+              <a:t>Manager can view overall wait times</a:t>
+            </a:r>
+          </a:p>
+          <a:p>
+            <a:pPr marL="914400" lvl="2">
+              <a:lnSpc>
+                <a:spcPct val="107000"/>
+              </a:lnSpc>
+            </a:pPr>
+            <a:r>
+              <a:rPr lang="en-US" sz="1400" kern="0" dirty="0">
+                <a:latin typeface="Calibri" panose="020F0502020204030204" pitchFamily="34" charset="0"/>
+                <a:ea typeface="Yu Mincho" panose="02020400000000000000" pitchFamily="18" charset="-128"/>
+                <a:cs typeface="Times New Roman" panose="02020603050405020304" pitchFamily="18" charset="0"/>
+              </a:rPr>
+              <a:t>for all orders.</a:t>
+            </a:r>
+          </a:p>
+          <a:p>
+            <a:pPr marL="914400" lvl="2">
+              <a:lnSpc>
+                <a:spcPct val="107000"/>
+              </a:lnSpc>
+            </a:pPr>
+            <a:r>
+              <a:rPr lang="en-US" sz="1400" kern="0" dirty="0">
+                <a:latin typeface="Calibri" panose="020F0502020204030204" pitchFamily="34" charset="0"/>
+                <a:ea typeface="Yu Mincho" panose="02020400000000000000" pitchFamily="18" charset="-128"/>
+                <a:cs typeface="Times New Roman" panose="02020603050405020304" pitchFamily="18" charset="0"/>
+              </a:rPr>
+              <a:t>Manager can view time stamps on orders.</a:t>
+            </a:r>
+          </a:p>
+          <a:p>
+            <a:pPr marL="914400" lvl="2">
+              <a:lnSpc>
+                <a:spcPct val="107000"/>
+              </a:lnSpc>
+            </a:pPr>
+            <a:br>
+              <a:rPr lang="en-US" sz="1000" kern="0" dirty="0">
+                <a:solidFill>
+                  <a:sysClr val="windowText" lastClr="000000"/>
+                </a:solidFill>
+                <a:latin typeface="Calibri" panose="020F0502020204030204" pitchFamily="34" charset="0"/>
+                <a:ea typeface="Yu Mincho" panose="02020400000000000000" pitchFamily="18" charset="-128"/>
+                <a:cs typeface="Times New Roman" panose="02020603050405020304" pitchFamily="18" charset="0"/>
+              </a:rPr>
+            </a:br>
+            <a:r>
+              <a:rPr lang="en-US" sz="1000" kern="0" dirty="0">
+                <a:solidFill>
+                  <a:sysClr val="windowText" lastClr="000000"/>
+                </a:solidFill>
+                <a:latin typeface="Times New Roman" panose="02020603050405020304" pitchFamily="18" charset="0"/>
+                <a:ea typeface="Calibri" panose="020F0502020204030204" pitchFamily="34" charset="0"/>
+                <a:cs typeface="Times New Roman" panose="02020603050405020304" pitchFamily="18" charset="0"/>
+              </a:rPr>
+              <a:t> </a:t>
+            </a:r>
+            <a:br>
+              <a:rPr lang="en-US" sz="800" kern="0" dirty="0">
+                <a:solidFill>
+                  <a:sysClr val="windowText" lastClr="000000"/>
+                </a:solidFill>
+                <a:latin typeface="Calibri" panose="020F0502020204030204" pitchFamily="34" charset="0"/>
+                <a:ea typeface="Yu Mincho" panose="02020400000000000000" pitchFamily="18" charset="-128"/>
+                <a:cs typeface="Times New Roman" panose="02020603050405020304" pitchFamily="18" charset="0"/>
+              </a:rPr>
+            </a:br>
+            <a:endParaRPr lang="en-US" sz="800" kern="0" dirty="0">
               <a:solidFill>
-                <a:schemeClr val="tx1"/>
+                <a:sysClr val="windowText" lastClr="000000"/>
               </a:solidFill>
-              <a:effectLst/>
-              <a:latin typeface="+mn-lt"/>
+              <a:latin typeface="Times New Roman" panose="02020603050405020304" pitchFamily="18" charset="0"/>
               <a:ea typeface="Times New Roman" panose="02020603050405020304" pitchFamily="18" charset="0"/>
             </a:endParaRPr>
-          </a:p>
-        </p:txBody>
-      </p:sp>
-      <p:sp>
-        <p:nvSpPr>
-          <p:cNvPr id="2" name="Text Placeholder 1">
-            <a:extLst>
-              <a:ext uri="{FF2B5EF4-FFF2-40B4-BE49-F238E27FC236}">
-                <a16:creationId xmlns:a16="http://schemas.microsoft.com/office/drawing/2014/main" id="{DAF72BBC-FC90-4B63-96CA-ABED853DBAD0}"/>
-              </a:ext>
-            </a:extLst>
-          </p:cNvPr>
-          <p:cNvSpPr>
-            <a:spLocks noGrp="1"/>
-          </p:cNvSpPr>
-          <p:nvPr>
-            <p:ph type="body" sz="quarter" idx="11"/>
-          </p:nvPr>
-        </p:nvSpPr>
-        <p:spPr>
-          <a:xfrm>
-            <a:off x="1478756" y="201336"/>
-            <a:ext cx="9234488" cy="897622"/>
-          </a:xfrm>
-        </p:spPr>
-        <p:txBody>
-          <a:bodyPr/>
-          <a:lstStyle/>
-          <a:p>
-            <a:r>
-              <a:rPr lang="en-US" sz="3600" spc="100" dirty="0"/>
-              <a:t>Use Case</a:t>
-            </a:r>
           </a:p>
         </p:txBody>
       </p:sp>
@@ -12193,21 +12095,21 @@
 </file>
 
 <file path=customXml/item2.xml><?xml version="1.0" encoding="utf-8"?>
+<?mso-contentType ?>
+<FormTemplates xmlns="http://schemas.microsoft.com/sharepoint/v3/contenttype/forms">
+  <Display>DocumentLibraryForm</Display>
+  <Edit>DocumentLibraryForm</Edit>
+  <New>DocumentLibraryForm</New>
+</FormTemplates>
+</file>
+
+<file path=customXml/item3.xml><?xml version="1.0" encoding="utf-8"?>
 <p:properties xmlns:p="http://schemas.microsoft.com/office/2006/metadata/properties" xmlns:xsi="http://www.w3.org/2001/XMLSchema-instance" xmlns:pc="http://schemas.microsoft.com/office/infopath/2007/PartnerControls">
   <documentManagement>
     <Status xmlns="71af3243-3dd4-4a8d-8c0d-dd76da1f02a5">Not started</Status>
     <MediaServiceKeyPoints xmlns="71af3243-3dd4-4a8d-8c0d-dd76da1f02a5" xsi:nil="true"/>
   </documentManagement>
 </p:properties>
-</file>
-
-<file path=customXml/item3.xml><?xml version="1.0" encoding="utf-8"?>
-<?mso-contentType ?>
-<FormTemplates xmlns="http://schemas.microsoft.com/sharepoint/v3/contenttype/forms">
-  <Display>DocumentLibraryForm</Display>
-  <Edit>DocumentLibraryForm</Edit>
-  <New>DocumentLibraryForm</New>
-</FormTemplates>
 </file>
 
 <file path=customXml/itemProps1.xml><?xml version="1.0" encoding="utf-8"?>
@@ -12230,6 +12132,14 @@
 </file>
 
 <file path=customXml/itemProps2.xml><?xml version="1.0" encoding="utf-8"?>
+<ds:datastoreItem xmlns:ds="http://schemas.openxmlformats.org/officeDocument/2006/customXml" ds:itemID="{1B7E2D32-4FDD-4266-880C-17595B801432}">
+  <ds:schemaRefs>
+    <ds:schemaRef ds:uri="http://schemas.microsoft.com/sharepoint/v3/contenttype/forms"/>
+  </ds:schemaRefs>
+</ds:datastoreItem>
+</file>
+
+<file path=customXml/itemProps3.xml><?xml version="1.0" encoding="utf-8"?>
 <ds:datastoreItem xmlns:ds="http://schemas.openxmlformats.org/officeDocument/2006/customXml" ds:itemID="{E3D9F223-918A-45AF-9B53-56AB9E5E2182}">
   <ds:schemaRefs>
     <ds:schemaRef ds:uri="http://schemas.microsoft.com/office/2006/metadata/properties"/>
@@ -12237,12 +12147,4 @@
     <ds:schemaRef ds:uri="71af3243-3dd4-4a8d-8c0d-dd76da1f02a5"/>
   </ds:schemaRefs>
 </ds:datastoreItem>
-</file>
-
-<file path=customXml/itemProps3.xml><?xml version="1.0" encoding="utf-8"?>
-<ds:datastoreItem xmlns:ds="http://schemas.openxmlformats.org/officeDocument/2006/customXml" ds:itemID="{1B7E2D32-4FDD-4266-880C-17595B801432}">
-  <ds:schemaRefs>
-    <ds:schemaRef ds:uri="http://schemas.microsoft.com/sharepoint/v3/contenttype/forms"/>
-  </ds:schemaRefs>
-</ds:datastoreItem>
 </file>
--- a/CentRes.pptx
+++ b/CentRes.pptx
@@ -249,7 +249,7 @@
           <a:p>
             <a:fld id="{966D5B4E-BF3E-3B45-A4BA-D6C3B92870D7}" type="datetimeFigureOut">
               <a:rPr lang="en-US" smtClean="0"/>
-              <a:t>11/8/2022</a:t>
+              <a:t>11/9/2022</a:t>
             </a:fld>
             <a:endParaRPr lang="en-US" dirty="0"/>
           </a:p>
@@ -426,7 +426,7 @@
           <a:p>
             <a:fld id="{F5A8621B-8C8E-49BA-8772-41D0FE75A082}" type="datetimeFigureOut">
               <a:rPr lang="en-US" smtClean="0"/>
-              <a:t>11/8/2022</a:t>
+              <a:t>11/9/2022</a:t>
             </a:fld>
             <a:endParaRPr lang="en-US" dirty="0"/>
           </a:p>
@@ -8108,6 +8108,87 @@
           <a:lstStyle/>
           <a:p>
             <a:pPr algn="l"/>
+            <a:r>
+              <a:rPr lang="en-US" sz="1600" u="sng" spc="0" dirty="0">
+                <a:cs typeface="Arial" panose="020B0604020202020204" pitchFamily="34" charset="0"/>
+              </a:rPr>
+              <a:t>Achievements:</a:t>
+            </a:r>
+          </a:p>
+          <a:p>
+            <a:pPr marL="285750" indent="-285750" algn="l">
+              <a:buFont typeface="Arial" panose="020B0604020202020204" pitchFamily="34" charset="0"/>
+              <a:buChar char="•"/>
+            </a:pPr>
+            <a:r>
+              <a:rPr lang="en-US" spc="0" dirty="0">
+                <a:cs typeface="Arial" panose="020B0604020202020204" pitchFamily="34" charset="0"/>
+              </a:rPr>
+              <a:t>Successfully hosted sprint meetings with all members present weekly and participating</a:t>
+            </a:r>
+          </a:p>
+          <a:p>
+            <a:pPr marL="285750" indent="-285750" algn="l">
+              <a:buFont typeface="Arial" panose="020B0604020202020204" pitchFamily="34" charset="0"/>
+              <a:buChar char="•"/>
+            </a:pPr>
+            <a:endParaRPr lang="en-US" spc="0" dirty="0">
+              <a:cs typeface="Arial" panose="020B0604020202020204" pitchFamily="34" charset="0"/>
+            </a:endParaRPr>
+          </a:p>
+          <a:p>
+            <a:pPr marL="285750" indent="-285750" algn="l">
+              <a:buFont typeface="Arial" panose="020B0604020202020204" pitchFamily="34" charset="0"/>
+              <a:buChar char="•"/>
+            </a:pPr>
+            <a:endParaRPr lang="en-US" spc="0" dirty="0">
+              <a:cs typeface="Arial" panose="020B0604020202020204" pitchFamily="34" charset="0"/>
+            </a:endParaRPr>
+          </a:p>
+          <a:p>
+            <a:pPr algn="l"/>
+            <a:endParaRPr lang="en-US" spc="0" dirty="0">
+              <a:cs typeface="Arial" panose="020B0604020202020204" pitchFamily="34" charset="0"/>
+            </a:endParaRPr>
+          </a:p>
+          <a:p>
+            <a:pPr algn="l"/>
+            <a:endParaRPr lang="en-US" spc="0" dirty="0">
+              <a:cs typeface="Arial" panose="020B0604020202020204" pitchFamily="34" charset="0"/>
+            </a:endParaRPr>
+          </a:p>
+          <a:p>
+            <a:pPr algn="l"/>
+            <a:endParaRPr lang="en-US" spc="0" dirty="0">
+              <a:cs typeface="Arial" panose="020B0604020202020204" pitchFamily="34" charset="0"/>
+            </a:endParaRPr>
+          </a:p>
+          <a:p>
+            <a:pPr algn="l"/>
+            <a:r>
+              <a:rPr lang="en-US" sz="1600" u="sng" spc="0" dirty="0">
+                <a:cs typeface="Arial" panose="020B0604020202020204" pitchFamily="34" charset="0"/>
+              </a:rPr>
+              <a:t>Challenges:</a:t>
+            </a:r>
+          </a:p>
+          <a:p>
+            <a:pPr marL="285750" indent="-285750" algn="l">
+              <a:buFont typeface="Arial" panose="020B0604020202020204" pitchFamily="34" charset="0"/>
+              <a:buChar char="•"/>
+            </a:pPr>
+            <a:r>
+              <a:rPr lang="en-US" spc="0" dirty="0">
+                <a:cs typeface="Arial" panose="020B0604020202020204" pitchFamily="34" charset="0"/>
+              </a:rPr>
+              <a:t>Microsoft word formatting for SRS document </a:t>
+            </a:r>
+          </a:p>
+          <a:p>
+            <a:pPr marL="285750" indent="-285750" algn="l">
+              <a:buFont typeface="Arial" panose="020B0604020202020204" pitchFamily="34" charset="0"/>
+              <a:buChar char="•"/>
+            </a:pPr>
             <a:endParaRPr lang="en-US" sz="1600" spc="0" dirty="0">
               <a:cs typeface="Arial" panose="020B0604020202020204" pitchFamily="34" charset="0"/>
             </a:endParaRPr>
@@ -8267,14 +8348,29 @@
         <p:spPr>
           <a:xfrm>
             <a:off x="5897218" y="956345"/>
-            <a:ext cx="6095999" cy="5653439"/>
+            <a:ext cx="6095999" cy="5578679"/>
           </a:xfrm>
         </p:spPr>
         <p:txBody>
           <a:bodyPr/>
           <a:lstStyle/>
           <a:p>
-            <a:pPr algn="l"/>
+            <a:pPr marL="285750" indent="-285750" algn="l">
+              <a:buFont typeface="Arial" panose="020B0604020202020204" pitchFamily="34" charset="0"/>
+              <a:buChar char="•"/>
+            </a:pPr>
+            <a:r>
+              <a:rPr lang="en-US" sz="1600" spc="0" dirty="0">
+                <a:cs typeface="Arial" panose="020B0604020202020204" pitchFamily="34" charset="0"/>
+              </a:rPr>
+              <a:t>Create a Mobile application version to give restaurant owners the option to use either a web application or mobile application based </a:t>
+            </a:r>
+            <a:r>
+              <a:rPr lang="en-US" sz="1600" spc="0">
+                <a:cs typeface="Arial" panose="020B0604020202020204" pitchFamily="34" charset="0"/>
+              </a:rPr>
+              <a:t>on their needs. </a:t>
+            </a:r>
             <a:endParaRPr lang="en-US" sz="1600" spc="0" dirty="0">
               <a:cs typeface="Arial" panose="020B0604020202020204" pitchFamily="34" charset="0"/>
             </a:endParaRPr>
@@ -12095,21 +12191,21 @@
 </file>
 
 <file path=customXml/item2.xml><?xml version="1.0" encoding="utf-8"?>
+<p:properties xmlns:p="http://schemas.microsoft.com/office/2006/metadata/properties" xmlns:xsi="http://www.w3.org/2001/XMLSchema-instance" xmlns:pc="http://schemas.microsoft.com/office/infopath/2007/PartnerControls">
+  <documentManagement>
+    <Status xmlns="71af3243-3dd4-4a8d-8c0d-dd76da1f02a5">Not started</Status>
+    <MediaServiceKeyPoints xmlns="71af3243-3dd4-4a8d-8c0d-dd76da1f02a5" xsi:nil="true"/>
+  </documentManagement>
+</p:properties>
+</file>
+
+<file path=customXml/item3.xml><?xml version="1.0" encoding="utf-8"?>
 <?mso-contentType ?>
 <FormTemplates xmlns="http://schemas.microsoft.com/sharepoint/v3/contenttype/forms">
   <Display>DocumentLibraryForm</Display>
   <Edit>DocumentLibraryForm</Edit>
   <New>DocumentLibraryForm</New>
 </FormTemplates>
-</file>
-
-<file path=customXml/item3.xml><?xml version="1.0" encoding="utf-8"?>
-<p:properties xmlns:p="http://schemas.microsoft.com/office/2006/metadata/properties" xmlns:xsi="http://www.w3.org/2001/XMLSchema-instance" xmlns:pc="http://schemas.microsoft.com/office/infopath/2007/PartnerControls">
-  <documentManagement>
-    <Status xmlns="71af3243-3dd4-4a8d-8c0d-dd76da1f02a5">Not started</Status>
-    <MediaServiceKeyPoints xmlns="71af3243-3dd4-4a8d-8c0d-dd76da1f02a5" xsi:nil="true"/>
-  </documentManagement>
-</p:properties>
 </file>
 
 <file path=customXml/itemProps1.xml><?xml version="1.0" encoding="utf-8"?>
@@ -12132,14 +12228,6 @@
 </file>
 
 <file path=customXml/itemProps2.xml><?xml version="1.0" encoding="utf-8"?>
-<ds:datastoreItem xmlns:ds="http://schemas.openxmlformats.org/officeDocument/2006/customXml" ds:itemID="{1B7E2D32-4FDD-4266-880C-17595B801432}">
-  <ds:schemaRefs>
-    <ds:schemaRef ds:uri="http://schemas.microsoft.com/sharepoint/v3/contenttype/forms"/>
-  </ds:schemaRefs>
-</ds:datastoreItem>
-</file>
-
-<file path=customXml/itemProps3.xml><?xml version="1.0" encoding="utf-8"?>
 <ds:datastoreItem xmlns:ds="http://schemas.openxmlformats.org/officeDocument/2006/customXml" ds:itemID="{E3D9F223-918A-45AF-9B53-56AB9E5E2182}">
   <ds:schemaRefs>
     <ds:schemaRef ds:uri="http://schemas.microsoft.com/office/2006/metadata/properties"/>
@@ -12147,4 +12235,12 @@
     <ds:schemaRef ds:uri="71af3243-3dd4-4a8d-8c0d-dd76da1f02a5"/>
   </ds:schemaRefs>
 </ds:datastoreItem>
+</file>
+
+<file path=customXml/itemProps3.xml><?xml version="1.0" encoding="utf-8"?>
+<ds:datastoreItem xmlns:ds="http://schemas.openxmlformats.org/officeDocument/2006/customXml" ds:itemID="{1B7E2D32-4FDD-4266-880C-17595B801432}">
+  <ds:schemaRefs>
+    <ds:schemaRef ds:uri="http://schemas.microsoft.com/sharepoint/v3/contenttype/forms"/>
+  </ds:schemaRefs>
+</ds:datastoreItem>
 </file>
--- a/CentRes.pptx
+++ b/CentRes.pptx
@@ -6400,7 +6400,7 @@
         </p:spPr>
         <p:txBody>
           <a:bodyPr>
-            <a:normAutofit/>
+            <a:normAutofit fontScale="92500" lnSpcReduction="10000"/>
           </a:bodyPr>
           <a:lstStyle/>
           <a:p>
@@ -6673,6 +6673,42 @@
               <a:defRPr/>
             </a:pPr>
             <a:r>
+              <a:rPr kumimoji="0" lang="en-US" sz="1600" b="0" i="0" strike="noStrike" kern="1200" cap="none" normalizeH="0" noProof="0" dirty="0">
+                <a:ln>
+                  <a:noFill/>
+                </a:ln>
+                <a:solidFill>
+                  <a:schemeClr val="tx1"/>
+                </a:solidFill>
+                <a:effectLst/>
+                <a:uLnTx/>
+                <a:uFillTx/>
+                <a:latin typeface="+mn-lt"/>
+                <a:ea typeface="+mn-ea"/>
+                <a:cs typeface="Biome Light" panose="020B0303030204020804" pitchFamily="34" charset="0"/>
+              </a:rPr>
+              <a:t>Network: </a:t>
+            </a:r>
+          </a:p>
+          <a:p>
+            <a:pPr marL="0" marR="0" lvl="0" indent="0" algn="l" defTabSz="914400" rtl="0" eaLnBrk="1" fontAlgn="auto" latinLnBrk="0" hangingPunct="1">
+              <a:lnSpc>
+                <a:spcPct val="100000"/>
+              </a:lnSpc>
+              <a:spcBef>
+                <a:spcPts val="1000"/>
+              </a:spcBef>
+              <a:spcAft>
+                <a:spcPts val="0"/>
+              </a:spcAft>
+              <a:buClrTx/>
+              <a:buSzTx/>
+              <a:buFont typeface="Arial" panose="020B0604020202020204" pitchFamily="34" charset="0"/>
+              <a:buNone/>
+              <a:tabLst/>
+              <a:defRPr/>
+            </a:pPr>
+            <a:r>
               <a:rPr kumimoji="0" lang="en-US" sz="1600" b="0" i="0" u="none" strike="noStrike" kern="1200" cap="none" normalizeH="0" noProof="0" dirty="0">
                 <a:ln>
                   <a:noFill/>
@@ -6687,11 +6723,742 @@
                 <a:ea typeface="+mn-ea"/>
                 <a:cs typeface="Biome Light" panose="020B0303030204020804" pitchFamily="34" charset="0"/>
               </a:rPr>
-              <a:t>We finished the consolidation project</a:t>
+              <a:t>    Switch, Cabling, CAT6, Universal Power Supply (UPS)</a:t>
             </a:r>
           </a:p>
           <a:p>
             <a:pPr marL="0" marR="0" lvl="0" indent="0" algn="l" defTabSz="914400" rtl="0" eaLnBrk="1" fontAlgn="auto" latinLnBrk="0" hangingPunct="1">
+              <a:lnSpc>
+                <a:spcPct val="100000"/>
+              </a:lnSpc>
+              <a:spcBef>
+                <a:spcPts val="1000"/>
+              </a:spcBef>
+              <a:spcAft>
+                <a:spcPts val="0"/>
+              </a:spcAft>
+              <a:buClrTx/>
+              <a:buSzTx/>
+              <a:buFont typeface="Arial" panose="020B0604020202020204" pitchFamily="34" charset="0"/>
+              <a:buNone/>
+              <a:tabLst/>
+              <a:defRPr/>
+            </a:pPr>
+            <a:r>
+              <a:rPr lang="en-US" dirty="0">
+                <a:cs typeface="Biome Light" panose="020B0303030204020804" pitchFamily="34" charset="0"/>
+              </a:rPr>
+              <a:t>Tablet: </a:t>
+            </a:r>
+          </a:p>
+          <a:p>
+            <a:pPr marL="0" marR="0" lvl="0" indent="0" algn="l" defTabSz="914400" rtl="0" eaLnBrk="1" fontAlgn="auto" latinLnBrk="0" hangingPunct="1">
+              <a:lnSpc>
+                <a:spcPct val="100000"/>
+              </a:lnSpc>
+              <a:spcBef>
+                <a:spcPts val="1000"/>
+              </a:spcBef>
+              <a:spcAft>
+                <a:spcPts val="0"/>
+              </a:spcAft>
+              <a:buClrTx/>
+              <a:buSzTx/>
+              <a:buFont typeface="Arial" panose="020B0604020202020204" pitchFamily="34" charset="0"/>
+              <a:buNone/>
+              <a:tabLst/>
+              <a:defRPr/>
+            </a:pPr>
+            <a:r>
+              <a:rPr lang="en-US" dirty="0">
+                <a:cs typeface="Biome Light" panose="020B0303030204020804" pitchFamily="34" charset="0"/>
+              </a:rPr>
+              <a:t>    IOS, Android, or any OS that has web browser capability</a:t>
+            </a:r>
+          </a:p>
+          <a:p>
+            <a:pPr marL="0" marR="0" lvl="0" indent="0" algn="l" defTabSz="914400" rtl="0" eaLnBrk="1" fontAlgn="auto" latinLnBrk="0" hangingPunct="1">
+              <a:lnSpc>
+                <a:spcPct val="100000"/>
+              </a:lnSpc>
+              <a:spcBef>
+                <a:spcPts val="1000"/>
+              </a:spcBef>
+              <a:spcAft>
+                <a:spcPts val="0"/>
+              </a:spcAft>
+              <a:buClrTx/>
+              <a:buSzTx/>
+              <a:buFont typeface="Arial" panose="020B0604020202020204" pitchFamily="34" charset="0"/>
+              <a:buNone/>
+              <a:tabLst/>
+              <a:defRPr/>
+            </a:pPr>
+            <a:r>
+              <a:rPr lang="en-US" dirty="0">
+                <a:cs typeface="Biome Light" panose="020B0303030204020804" pitchFamily="34" charset="0"/>
+              </a:rPr>
+              <a:t>Printer: </a:t>
+            </a:r>
+          </a:p>
+          <a:p>
+            <a:pPr marL="0" marR="0" lvl="0" indent="0" algn="l" defTabSz="914400" rtl="0" eaLnBrk="1" fontAlgn="auto" latinLnBrk="0" hangingPunct="1">
+              <a:lnSpc>
+                <a:spcPct val="100000"/>
+              </a:lnSpc>
+              <a:spcBef>
+                <a:spcPts val="1000"/>
+              </a:spcBef>
+              <a:spcAft>
+                <a:spcPts val="0"/>
+              </a:spcAft>
+              <a:buClrTx/>
+              <a:buSzTx/>
+              <a:buFont typeface="Arial" panose="020B0604020202020204" pitchFamily="34" charset="0"/>
+              <a:buNone/>
+              <a:tabLst/>
+              <a:defRPr/>
+            </a:pPr>
+            <a:r>
+              <a:rPr lang="en-US" dirty="0">
+                <a:cs typeface="Biome Light" panose="020B0303030204020804" pitchFamily="34" charset="0"/>
+              </a:rPr>
+              <a:t>    Customer bills, server shift report, manager daily monetary report</a:t>
+            </a:r>
+            <a:endParaRPr kumimoji="0" lang="en-US" sz="1600" b="0" i="0" u="none" strike="noStrike" kern="1200" cap="none" normalizeH="0" noProof="0" dirty="0">
+              <a:ln>
+                <a:noFill/>
+              </a:ln>
+              <a:solidFill>
+                <a:schemeClr val="tx1"/>
+              </a:solidFill>
+              <a:effectLst/>
+              <a:uLnTx/>
+              <a:uFillTx/>
+              <a:latin typeface="+mn-lt"/>
+              <a:ea typeface="+mn-ea"/>
+              <a:cs typeface="Biome Light" panose="020B0303030204020804" pitchFamily="34" charset="0"/>
+            </a:endParaRPr>
+          </a:p>
+          <a:p>
+            <a:pPr marL="0" indent="0">
+              <a:buNone/>
+            </a:pPr>
+            <a:endParaRPr lang="en-US" b="1" dirty="0"/>
+          </a:p>
+        </p:txBody>
+      </p:sp>
+      <p:sp>
+        <p:nvSpPr>
+          <p:cNvPr id="16" name="Slide Number Placeholder 15">
+            <a:extLst>
+              <a:ext uri="{FF2B5EF4-FFF2-40B4-BE49-F238E27FC236}">
+                <a16:creationId xmlns:a16="http://schemas.microsoft.com/office/drawing/2014/main" id="{7FA57D11-A25F-4772-8E50-DDB68BE8CB69}"/>
+              </a:ext>
+            </a:extLst>
+          </p:cNvPr>
+          <p:cNvSpPr>
+            <a:spLocks noGrp="1"/>
+          </p:cNvSpPr>
+          <p:nvPr>
+            <p:ph type="sldNum" sz="quarter" idx="4"/>
+          </p:nvPr>
+        </p:nvSpPr>
+        <p:spPr/>
+        <p:txBody>
+          <a:bodyPr/>
+          <a:lstStyle/>
+          <a:p>
+            <a:fld id="{8C2E478F-E849-4A8C-AF1F-CBCC78A7CBFA}" type="slidenum">
+              <a:rPr lang="en-US" smtClean="0"/>
+              <a:t>13</a:t>
+            </a:fld>
+            <a:endParaRPr lang="en-US" dirty="0"/>
+          </a:p>
+        </p:txBody>
+      </p:sp>
+    </p:spTree>
+    <p:extLst>
+      <p:ext uri="{BB962C8B-B14F-4D97-AF65-F5344CB8AC3E}">
+        <p14:creationId xmlns:p14="http://schemas.microsoft.com/office/powerpoint/2010/main" val="3516891798"/>
+      </p:ext>
+    </p:extLst>
+  </p:cSld>
+  <p:clrMapOvr>
+    <a:masterClrMapping/>
+  </p:clrMapOvr>
+</p:sld>
+</file>
+
+<file path=ppt/slides/slide14.xml><?xml version="1.0" encoding="utf-8"?>
+<p:sld xmlns:a="http://schemas.openxmlformats.org/drawingml/2006/main" xmlns:r="http://schemas.openxmlformats.org/officeDocument/2006/relationships" xmlns:p="http://schemas.openxmlformats.org/presentationml/2006/main">
+  <p:cSld>
+    <p:spTree>
+      <p:nvGrpSpPr>
+        <p:cNvPr id="1" name=""/>
+        <p:cNvGrpSpPr/>
+        <p:nvPr/>
+      </p:nvGrpSpPr>
+      <p:grpSpPr>
+        <a:xfrm>
+          <a:off x="0" y="0"/>
+          <a:ext cx="0" cy="0"/>
+          <a:chOff x="0" y="0"/>
+          <a:chExt cx="0" cy="0"/>
+        </a:xfrm>
+      </p:grpSpPr>
+      <p:sp>
+        <p:nvSpPr>
+          <p:cNvPr id="2" name="Title 1">
+            <a:extLst>
+              <a:ext uri="{FF2B5EF4-FFF2-40B4-BE49-F238E27FC236}">
+                <a16:creationId xmlns:a16="http://schemas.microsoft.com/office/drawing/2014/main" id="{12CC3376-5069-4C7B-BE6B-A3776D1B47BA}"/>
+              </a:ext>
+            </a:extLst>
+          </p:cNvPr>
+          <p:cNvSpPr>
+            <a:spLocks noGrp="1"/>
+          </p:cNvSpPr>
+          <p:nvPr>
+            <p:ph type="title"/>
+          </p:nvPr>
+        </p:nvSpPr>
+        <p:spPr>
+          <a:xfrm>
+            <a:off x="6095999" y="35082"/>
+            <a:ext cx="5897218" cy="884238"/>
+          </a:xfrm>
+        </p:spPr>
+        <p:txBody>
+          <a:bodyPr/>
+          <a:lstStyle/>
+          <a:p>
+            <a:r>
+              <a:rPr lang="en-US" dirty="0"/>
+              <a:t>High Level Design</a:t>
+            </a:r>
+          </a:p>
+        </p:txBody>
+      </p:sp>
+      <p:pic>
+        <p:nvPicPr>
+          <p:cNvPr id="6" name="Picture Placeholder 5" descr="person staring at blueprints on a brick wall">
+            <a:extLst>
+              <a:ext uri="{FF2B5EF4-FFF2-40B4-BE49-F238E27FC236}">
+                <a16:creationId xmlns:a16="http://schemas.microsoft.com/office/drawing/2014/main" id="{C07C315A-7CD1-432C-92FA-6B62159B56CA}"/>
+              </a:ext>
+            </a:extLst>
+          </p:cNvPr>
+          <p:cNvPicPr>
+            <a:picLocks noGrp="1" noChangeAspect="1"/>
+          </p:cNvPicPr>
+          <p:nvPr>
+            <p:ph type="pic" sz="quarter" idx="14"/>
+          </p:nvPr>
+        </p:nvPicPr>
+        <p:blipFill rotWithShape="1">
+          <a:blip r:embed="rId3">
+            <a:extLst>
+              <a:ext uri="{BEBA8EAE-BF5A-486C-A8C5-ECC9F3942E4B}">
+                <a14:imgProps xmlns:a14="http://schemas.microsoft.com/office/drawing/2010/main">
+                  <a14:imgLayer r:embed="rId4">
+                    <a14:imgEffect>
+                      <a14:saturation sat="0"/>
+                    </a14:imgEffect>
+                  </a14:imgLayer>
+                </a14:imgProps>
+              </a:ext>
+            </a:extLst>
+          </a:blip>
+          <a:srcRect l="23552" t="1" r="23880" b="327"/>
+          <a:stretch/>
+        </p:blipFill>
+        <p:spPr>
+          <a:xfrm>
+            <a:off x="0" y="0"/>
+            <a:ext cx="5416550" cy="6858000"/>
+          </a:xfrm>
+        </p:spPr>
+      </p:pic>
+      <p:sp>
+        <p:nvSpPr>
+          <p:cNvPr id="14" name="Content Placeholder 13">
+            <a:extLst>
+              <a:ext uri="{FF2B5EF4-FFF2-40B4-BE49-F238E27FC236}">
+                <a16:creationId xmlns:a16="http://schemas.microsoft.com/office/drawing/2014/main" id="{79248A72-A597-48DF-A270-3389F5D209C0}"/>
+              </a:ext>
+            </a:extLst>
+          </p:cNvPr>
+          <p:cNvSpPr>
+            <a:spLocks noGrp="1"/>
+          </p:cNvSpPr>
+          <p:nvPr>
+            <p:ph idx="1"/>
+          </p:nvPr>
+        </p:nvSpPr>
+        <p:spPr>
+          <a:xfrm>
+            <a:off x="6096000" y="919320"/>
+            <a:ext cx="5690532" cy="4949971"/>
+          </a:xfrm>
+        </p:spPr>
+        <p:txBody>
+          <a:bodyPr>
+            <a:normAutofit/>
+          </a:bodyPr>
+          <a:lstStyle/>
+          <a:p>
+            <a:pPr marL="0" marR="0" lvl="0" indent="0" algn="l" defTabSz="914400" rtl="0" eaLnBrk="1" fontAlgn="auto" latinLnBrk="0" hangingPunct="1">
+              <a:lnSpc>
+                <a:spcPct val="100000"/>
+              </a:lnSpc>
+              <a:spcBef>
+                <a:spcPts val="1000"/>
+              </a:spcBef>
+              <a:spcAft>
+                <a:spcPts val="0"/>
+              </a:spcAft>
+              <a:buClrTx/>
+              <a:buSzTx/>
+              <a:buFont typeface="Arial" panose="020B0604020202020204" pitchFamily="34" charset="0"/>
+              <a:buNone/>
+              <a:tabLst/>
+              <a:defRPr/>
+            </a:pPr>
+            <a:r>
+              <a:rPr kumimoji="0" lang="en-US" sz="2000" b="0" i="0" u="sng" strike="noStrike" kern="1200" cap="none" normalizeH="0" noProof="0" dirty="0">
+                <a:ln>
+                  <a:noFill/>
+                </a:ln>
+                <a:solidFill>
+                  <a:schemeClr val="tx1"/>
+                </a:solidFill>
+                <a:effectLst/>
+                <a:uLnTx/>
+                <a:uFillTx/>
+                <a:latin typeface="+mn-lt"/>
+                <a:ea typeface="+mn-ea"/>
+                <a:cs typeface="Biome Light" panose="020B0303030204020804" pitchFamily="34" charset="0"/>
+              </a:rPr>
+              <a:t>User Interface</a:t>
+            </a:r>
+          </a:p>
+          <a:p>
+            <a:pPr marL="0" marR="0" lvl="0" indent="0" algn="l" defTabSz="914400" rtl="0" eaLnBrk="1" fontAlgn="auto" latinLnBrk="0" hangingPunct="1">
+              <a:lnSpc>
+                <a:spcPct val="100000"/>
+              </a:lnSpc>
+              <a:spcBef>
+                <a:spcPts val="1000"/>
+              </a:spcBef>
+              <a:spcAft>
+                <a:spcPts val="0"/>
+              </a:spcAft>
+              <a:buClrTx/>
+              <a:buSzTx/>
+              <a:buFont typeface="Arial" panose="020B0604020202020204" pitchFamily="34" charset="0"/>
+              <a:buNone/>
+              <a:tabLst/>
+              <a:defRPr/>
+            </a:pPr>
+            <a:r>
+              <a:rPr kumimoji="0" lang="en-US" sz="1600" b="0" i="0" u="none" strike="noStrike" kern="1200" cap="none" normalizeH="0" noProof="0" dirty="0">
+                <a:ln>
+                  <a:noFill/>
+                </a:ln>
+                <a:solidFill>
+                  <a:schemeClr val="tx1"/>
+                </a:solidFill>
+                <a:effectLst/>
+                <a:uLnTx/>
+                <a:uFillTx/>
+                <a:latin typeface="+mn-lt"/>
+                <a:ea typeface="+mn-ea"/>
+                <a:cs typeface="Biome Light" panose="020B0303030204020804" pitchFamily="34" charset="0"/>
+              </a:rPr>
+              <a:t>Profits are up in the last quarter by 3%</a:t>
+            </a:r>
+          </a:p>
+          <a:p>
+            <a:pPr marL="0" indent="0">
+              <a:buNone/>
+            </a:pPr>
+            <a:endParaRPr lang="en-US" b="1" dirty="0"/>
+          </a:p>
+        </p:txBody>
+      </p:sp>
+      <p:sp>
+        <p:nvSpPr>
+          <p:cNvPr id="16" name="Slide Number Placeholder 15">
+            <a:extLst>
+              <a:ext uri="{FF2B5EF4-FFF2-40B4-BE49-F238E27FC236}">
+                <a16:creationId xmlns:a16="http://schemas.microsoft.com/office/drawing/2014/main" id="{7FA57D11-A25F-4772-8E50-DDB68BE8CB69}"/>
+              </a:ext>
+            </a:extLst>
+          </p:cNvPr>
+          <p:cNvSpPr>
+            <a:spLocks noGrp="1"/>
+          </p:cNvSpPr>
+          <p:nvPr>
+            <p:ph type="sldNum" sz="quarter" idx="4"/>
+          </p:nvPr>
+        </p:nvSpPr>
+        <p:spPr/>
+        <p:txBody>
+          <a:bodyPr/>
+          <a:lstStyle/>
+          <a:p>
+            <a:fld id="{8C2E478F-E849-4A8C-AF1F-CBCC78A7CBFA}" type="slidenum">
+              <a:rPr lang="en-US" smtClean="0"/>
+              <a:t>14</a:t>
+            </a:fld>
+            <a:endParaRPr lang="en-US" dirty="0"/>
+          </a:p>
+        </p:txBody>
+      </p:sp>
+    </p:spTree>
+    <p:extLst>
+      <p:ext uri="{BB962C8B-B14F-4D97-AF65-F5344CB8AC3E}">
+        <p14:creationId xmlns:p14="http://schemas.microsoft.com/office/powerpoint/2010/main" val="1690341182"/>
+      </p:ext>
+    </p:extLst>
+  </p:cSld>
+  <p:clrMapOvr>
+    <a:masterClrMapping/>
+  </p:clrMapOvr>
+</p:sld>
+</file>
+
+<file path=ppt/slides/slide15.xml><?xml version="1.0" encoding="utf-8"?>
+<p:sld xmlns:a="http://schemas.openxmlformats.org/drawingml/2006/main" xmlns:r="http://schemas.openxmlformats.org/officeDocument/2006/relationships" xmlns:p="http://schemas.openxmlformats.org/presentationml/2006/main">
+  <p:cSld>
+    <p:spTree>
+      <p:nvGrpSpPr>
+        <p:cNvPr id="1" name=""/>
+        <p:cNvGrpSpPr/>
+        <p:nvPr/>
+      </p:nvGrpSpPr>
+      <p:grpSpPr>
+        <a:xfrm>
+          <a:off x="0" y="0"/>
+          <a:ext cx="0" cy="0"/>
+          <a:chOff x="0" y="0"/>
+          <a:chExt cx="0" cy="0"/>
+        </a:xfrm>
+      </p:grpSpPr>
+      <p:sp>
+        <p:nvSpPr>
+          <p:cNvPr id="2" name="Title 1">
+            <a:extLst>
+              <a:ext uri="{FF2B5EF4-FFF2-40B4-BE49-F238E27FC236}">
+                <a16:creationId xmlns:a16="http://schemas.microsoft.com/office/drawing/2014/main" id="{12CC3376-5069-4C7B-BE6B-A3776D1B47BA}"/>
+              </a:ext>
+            </a:extLst>
+          </p:cNvPr>
+          <p:cNvSpPr>
+            <a:spLocks noGrp="1"/>
+          </p:cNvSpPr>
+          <p:nvPr>
+            <p:ph type="title"/>
+          </p:nvPr>
+        </p:nvSpPr>
+        <p:spPr>
+          <a:xfrm>
+            <a:off x="6096000" y="0"/>
+            <a:ext cx="5816368" cy="599012"/>
+          </a:xfrm>
+        </p:spPr>
+        <p:txBody>
+          <a:bodyPr/>
+          <a:lstStyle/>
+          <a:p>
+            <a:r>
+              <a:rPr lang="en-US" u="sng" dirty="0"/>
+              <a:t>High Level Design</a:t>
+            </a:r>
+          </a:p>
+        </p:txBody>
+      </p:sp>
+      <p:pic>
+        <p:nvPicPr>
+          <p:cNvPr id="6" name="Picture Placeholder 5" descr="person staring at blueprints on a brick wall">
+            <a:extLst>
+              <a:ext uri="{FF2B5EF4-FFF2-40B4-BE49-F238E27FC236}">
+                <a16:creationId xmlns:a16="http://schemas.microsoft.com/office/drawing/2014/main" id="{C07C315A-7CD1-432C-92FA-6B62159B56CA}"/>
+              </a:ext>
+            </a:extLst>
+          </p:cNvPr>
+          <p:cNvPicPr>
+            <a:picLocks noGrp="1" noChangeAspect="1"/>
+          </p:cNvPicPr>
+          <p:nvPr>
+            <p:ph type="pic" sz="quarter" idx="14"/>
+          </p:nvPr>
+        </p:nvPicPr>
+        <p:blipFill rotWithShape="1">
+          <a:blip r:embed="rId3">
+            <a:extLst>
+              <a:ext uri="{BEBA8EAE-BF5A-486C-A8C5-ECC9F3942E4B}">
+                <a14:imgProps xmlns:a14="http://schemas.microsoft.com/office/drawing/2010/main">
+                  <a14:imgLayer r:embed="rId4">
+                    <a14:imgEffect>
+                      <a14:saturation sat="0"/>
+                    </a14:imgEffect>
+                  </a14:imgLayer>
+                </a14:imgProps>
+              </a:ext>
+            </a:extLst>
+          </a:blip>
+          <a:srcRect l="23552" t="1" r="23880" b="327"/>
+          <a:stretch/>
+        </p:blipFill>
+        <p:spPr>
+          <a:xfrm>
+            <a:off x="0" y="0"/>
+            <a:ext cx="5416550" cy="6858000"/>
+          </a:xfrm>
+        </p:spPr>
+      </p:pic>
+      <p:sp>
+        <p:nvSpPr>
+          <p:cNvPr id="14" name="Content Placeholder 13">
+            <a:extLst>
+              <a:ext uri="{FF2B5EF4-FFF2-40B4-BE49-F238E27FC236}">
+                <a16:creationId xmlns:a16="http://schemas.microsoft.com/office/drawing/2014/main" id="{79248A72-A597-48DF-A270-3389F5D209C0}"/>
+              </a:ext>
+            </a:extLst>
+          </p:cNvPr>
+          <p:cNvSpPr>
+            <a:spLocks noGrp="1"/>
+          </p:cNvSpPr>
+          <p:nvPr>
+            <p:ph idx="1"/>
+          </p:nvPr>
+        </p:nvSpPr>
+        <p:spPr>
+          <a:xfrm>
+            <a:off x="6096000" y="763398"/>
+            <a:ext cx="5690532" cy="5318620"/>
+          </a:xfrm>
+        </p:spPr>
+        <p:txBody>
+          <a:bodyPr>
+            <a:normAutofit/>
+          </a:bodyPr>
+          <a:lstStyle/>
+          <a:p>
+            <a:pPr marL="0" marR="0" lvl="0" indent="0" defTabSz="914400" rtl="0" eaLnBrk="1" fontAlgn="auto" latinLnBrk="0" hangingPunct="1">
+              <a:lnSpc>
+                <a:spcPct val="100000"/>
+              </a:lnSpc>
+              <a:spcBef>
+                <a:spcPts val="1000"/>
+              </a:spcBef>
+              <a:spcAft>
+                <a:spcPts val="0"/>
+              </a:spcAft>
+              <a:buClrTx/>
+              <a:buSzTx/>
+              <a:buFont typeface="Arial" panose="020B0604020202020204" pitchFamily="34" charset="0"/>
+              <a:buNone/>
+              <a:tabLst/>
+              <a:defRPr/>
+            </a:pPr>
+            <a:r>
+              <a:rPr kumimoji="0" lang="en-US" sz="2000" b="0" i="0" u="sng" strike="noStrike" kern="1200" cap="none" normalizeH="0" noProof="0" dirty="0">
+                <a:ln>
+                  <a:noFill/>
+                </a:ln>
+                <a:solidFill>
+                  <a:schemeClr val="tx1"/>
+                </a:solidFill>
+                <a:effectLst/>
+                <a:uLnTx/>
+                <a:uFillTx/>
+                <a:latin typeface="+mn-lt"/>
+                <a:ea typeface="+mn-ea"/>
+                <a:cs typeface="Biome Light" panose="020B0303030204020804" pitchFamily="34" charset="0"/>
+              </a:rPr>
+              <a:t>Architecture</a:t>
+            </a:r>
+          </a:p>
+          <a:p>
+            <a:pPr marL="0" marR="0" lvl="0" indent="0" defTabSz="914400" rtl="0" eaLnBrk="1" fontAlgn="auto" latinLnBrk="0" hangingPunct="1">
+              <a:lnSpc>
+                <a:spcPct val="100000"/>
+              </a:lnSpc>
+              <a:spcBef>
+                <a:spcPts val="1000"/>
+              </a:spcBef>
+              <a:spcAft>
+                <a:spcPts val="0"/>
+              </a:spcAft>
+              <a:buClrTx/>
+              <a:buSzTx/>
+              <a:buFont typeface="Arial" panose="020B0604020202020204" pitchFamily="34" charset="0"/>
+              <a:buNone/>
+              <a:tabLst/>
+              <a:defRPr/>
+            </a:pPr>
+            <a:r>
+              <a:rPr kumimoji="0" lang="en-US" sz="1600" b="0" i="0" u="none" strike="noStrike" kern="1200" cap="none" normalizeH="0" noProof="0" dirty="0">
+                <a:ln>
+                  <a:noFill/>
+                </a:ln>
+                <a:solidFill>
+                  <a:schemeClr val="tx1"/>
+                </a:solidFill>
+                <a:effectLst/>
+                <a:uLnTx/>
+                <a:uFillTx/>
+                <a:latin typeface="+mn-lt"/>
+                <a:ea typeface="+mn-ea"/>
+                <a:cs typeface="Biome Light" panose="020B0303030204020804" pitchFamily="34" charset="0"/>
+              </a:rPr>
+              <a:t>Event-driven:</a:t>
+            </a:r>
+          </a:p>
+          <a:p>
+            <a:pPr marL="0" marR="0" lvl="0" indent="0" defTabSz="914400" rtl="0" eaLnBrk="1" fontAlgn="auto" latinLnBrk="0" hangingPunct="1">
+              <a:lnSpc>
+                <a:spcPct val="100000"/>
+              </a:lnSpc>
+              <a:spcBef>
+                <a:spcPts val="1000"/>
+              </a:spcBef>
+              <a:spcAft>
+                <a:spcPts val="0"/>
+              </a:spcAft>
+              <a:buClrTx/>
+              <a:buSzTx/>
+              <a:buFont typeface="Arial" panose="020B0604020202020204" pitchFamily="34" charset="0"/>
+              <a:buNone/>
+              <a:tabLst/>
+              <a:defRPr/>
+            </a:pPr>
+            <a:r>
+              <a:rPr kumimoji="0" lang="en-US" sz="1600" b="0" i="0" u="none" strike="noStrike" kern="1200" cap="none" normalizeH="0" noProof="0" dirty="0">
+                <a:ln>
+                  <a:noFill/>
+                </a:ln>
+                <a:solidFill>
+                  <a:schemeClr val="tx1"/>
+                </a:solidFill>
+                <a:effectLst/>
+                <a:uLnTx/>
+                <a:uFillTx/>
+                <a:latin typeface="+mn-lt"/>
+                <a:ea typeface="+mn-ea"/>
+                <a:cs typeface="Biome Light" panose="020B0303030204020804" pitchFamily="34" charset="0"/>
+              </a:rPr>
+              <a:t>    CentRes will utilize time stamps for orders in and </a:t>
+            </a:r>
+            <a:r>
+              <a:rPr lang="en-US" dirty="0">
+                <a:cs typeface="Biome Light" panose="020B0303030204020804" pitchFamily="34" charset="0"/>
+              </a:rPr>
+              <a:t>orders out. </a:t>
+            </a:r>
+          </a:p>
+          <a:p>
+            <a:pPr marL="0" marR="0" lvl="0" indent="0" defTabSz="914400" rtl="0" eaLnBrk="1" fontAlgn="auto" latinLnBrk="0" hangingPunct="1">
+              <a:lnSpc>
+                <a:spcPct val="100000"/>
+              </a:lnSpc>
+              <a:spcBef>
+                <a:spcPts val="1000"/>
+              </a:spcBef>
+              <a:spcAft>
+                <a:spcPts val="0"/>
+              </a:spcAft>
+              <a:buClrTx/>
+              <a:buSzTx/>
+              <a:buFont typeface="Arial" panose="020B0604020202020204" pitchFamily="34" charset="0"/>
+              <a:buNone/>
+              <a:tabLst/>
+              <a:defRPr/>
+            </a:pPr>
+            <a:endParaRPr lang="en-US" dirty="0">
+              <a:cs typeface="Biome Light" panose="020B0303030204020804" pitchFamily="34" charset="0"/>
+            </a:endParaRPr>
+          </a:p>
+          <a:p>
+            <a:pPr marL="0" marR="0" lvl="0" indent="0" defTabSz="914400" rtl="0" eaLnBrk="1" fontAlgn="auto" latinLnBrk="0" hangingPunct="1">
+              <a:lnSpc>
+                <a:spcPct val="100000"/>
+              </a:lnSpc>
+              <a:spcBef>
+                <a:spcPts val="1000"/>
+              </a:spcBef>
+              <a:spcAft>
+                <a:spcPts val="0"/>
+              </a:spcAft>
+              <a:buClrTx/>
+              <a:buSzTx/>
+              <a:buFont typeface="Arial" panose="020B0604020202020204" pitchFamily="34" charset="0"/>
+              <a:buNone/>
+              <a:tabLst/>
+              <a:defRPr/>
+            </a:pPr>
+            <a:r>
+              <a:rPr kumimoji="0" lang="en-US" sz="1600" b="0" i="0" u="none" strike="noStrike" kern="1200" cap="none" normalizeH="0" noProof="0" dirty="0">
+                <a:ln>
+                  <a:noFill/>
+                </a:ln>
+                <a:solidFill>
+                  <a:schemeClr val="tx1"/>
+                </a:solidFill>
+                <a:effectLst/>
+                <a:uLnTx/>
+                <a:uFillTx/>
+                <a:latin typeface="+mn-lt"/>
+                <a:ea typeface="+mn-ea"/>
+                <a:cs typeface="Biome Light" panose="020B0303030204020804" pitchFamily="34" charset="0"/>
+              </a:rPr>
+              <a:t>Data-centric:</a:t>
+            </a:r>
+          </a:p>
+          <a:p>
+            <a:pPr marL="0" marR="0" lvl="0" indent="0" defTabSz="914400" rtl="0" eaLnBrk="1" fontAlgn="auto" latinLnBrk="0" hangingPunct="1">
+              <a:lnSpc>
+                <a:spcPct val="100000"/>
+              </a:lnSpc>
+              <a:spcBef>
+                <a:spcPts val="1000"/>
+              </a:spcBef>
+              <a:spcAft>
+                <a:spcPts val="0"/>
+              </a:spcAft>
+              <a:buClrTx/>
+              <a:buSzTx/>
+              <a:buFont typeface="Arial" panose="020B0604020202020204" pitchFamily="34" charset="0"/>
+              <a:buNone/>
+              <a:tabLst/>
+              <a:defRPr/>
+            </a:pPr>
+            <a:r>
+              <a:rPr lang="en-US" dirty="0">
+                <a:cs typeface="Biome Light" panose="020B0303030204020804" pitchFamily="34" charset="0"/>
+              </a:rPr>
+              <a:t>    Utilizes a database to track menu items, prices and inventory</a:t>
+            </a:r>
+            <a:endParaRPr kumimoji="0" lang="en-US" sz="1600" b="0" i="0" u="none" strike="noStrike" kern="1200" cap="none" normalizeH="0" noProof="0" dirty="0">
+              <a:ln>
+                <a:noFill/>
+              </a:ln>
+              <a:solidFill>
+                <a:schemeClr val="tx1"/>
+              </a:solidFill>
+              <a:effectLst/>
+              <a:uLnTx/>
+              <a:uFillTx/>
+              <a:latin typeface="+mn-lt"/>
+              <a:ea typeface="+mn-ea"/>
+              <a:cs typeface="Biome Light" panose="020B0303030204020804" pitchFamily="34" charset="0"/>
+            </a:endParaRPr>
+          </a:p>
+          <a:p>
+            <a:pPr marL="0" marR="0" lvl="0" indent="0" defTabSz="914400" rtl="0" eaLnBrk="1" fontAlgn="auto" latinLnBrk="0" hangingPunct="1">
               <a:lnSpc>
                 <a:spcPct val="100000"/>
               </a:lnSpc>
@@ -6724,174 +7491,7 @@
             </a:endParaRPr>
           </a:p>
           <a:p>
-            <a:pPr marL="0" indent="0">
-              <a:buNone/>
-            </a:pPr>
-            <a:endParaRPr lang="en-US" b="1" dirty="0"/>
-          </a:p>
-        </p:txBody>
-      </p:sp>
-      <p:sp>
-        <p:nvSpPr>
-          <p:cNvPr id="16" name="Slide Number Placeholder 15">
-            <a:extLst>
-              <a:ext uri="{FF2B5EF4-FFF2-40B4-BE49-F238E27FC236}">
-                <a16:creationId xmlns:a16="http://schemas.microsoft.com/office/drawing/2014/main" id="{7FA57D11-A25F-4772-8E50-DDB68BE8CB69}"/>
-              </a:ext>
-            </a:extLst>
-          </p:cNvPr>
-          <p:cNvSpPr>
-            <a:spLocks noGrp="1"/>
-          </p:cNvSpPr>
-          <p:nvPr>
-            <p:ph type="sldNum" sz="quarter" idx="4"/>
-          </p:nvPr>
-        </p:nvSpPr>
-        <p:spPr/>
-        <p:txBody>
-          <a:bodyPr/>
-          <a:lstStyle/>
-          <a:p>
-            <a:fld id="{8C2E478F-E849-4A8C-AF1F-CBCC78A7CBFA}" type="slidenum">
-              <a:rPr lang="en-US" smtClean="0"/>
-              <a:t>13</a:t>
-            </a:fld>
-            <a:endParaRPr lang="en-US" dirty="0"/>
-          </a:p>
-        </p:txBody>
-      </p:sp>
-    </p:spTree>
-    <p:extLst>
-      <p:ext uri="{BB962C8B-B14F-4D97-AF65-F5344CB8AC3E}">
-        <p14:creationId xmlns:p14="http://schemas.microsoft.com/office/powerpoint/2010/main" val="3516891798"/>
-      </p:ext>
-    </p:extLst>
-  </p:cSld>
-  <p:clrMapOvr>
-    <a:masterClrMapping/>
-  </p:clrMapOvr>
-</p:sld>
-</file>
-
-<file path=ppt/slides/slide14.xml><?xml version="1.0" encoding="utf-8"?>
-<p:sld xmlns:a="http://schemas.openxmlformats.org/drawingml/2006/main" xmlns:r="http://schemas.openxmlformats.org/officeDocument/2006/relationships" xmlns:p="http://schemas.openxmlformats.org/presentationml/2006/main">
-  <p:cSld>
-    <p:spTree>
-      <p:nvGrpSpPr>
-        <p:cNvPr id="1" name=""/>
-        <p:cNvGrpSpPr/>
-        <p:nvPr/>
-      </p:nvGrpSpPr>
-      <p:grpSpPr>
-        <a:xfrm>
-          <a:off x="0" y="0"/>
-          <a:ext cx="0" cy="0"/>
-          <a:chOff x="0" y="0"/>
-          <a:chExt cx="0" cy="0"/>
-        </a:xfrm>
-      </p:grpSpPr>
-      <p:sp>
-        <p:nvSpPr>
-          <p:cNvPr id="2" name="Title 1">
-            <a:extLst>
-              <a:ext uri="{FF2B5EF4-FFF2-40B4-BE49-F238E27FC236}">
-                <a16:creationId xmlns:a16="http://schemas.microsoft.com/office/drawing/2014/main" id="{12CC3376-5069-4C7B-BE6B-A3776D1B47BA}"/>
-              </a:ext>
-            </a:extLst>
-          </p:cNvPr>
-          <p:cNvSpPr>
-            <a:spLocks noGrp="1"/>
-          </p:cNvSpPr>
-          <p:nvPr>
-            <p:ph type="title"/>
-          </p:nvPr>
-        </p:nvSpPr>
-        <p:spPr>
-          <a:xfrm>
-            <a:off x="6095999" y="35082"/>
-            <a:ext cx="5897218" cy="884238"/>
-          </a:xfrm>
-        </p:spPr>
-        <p:txBody>
-          <a:bodyPr/>
-          <a:lstStyle/>
-          <a:p>
-            <a:r>
-              <a:rPr lang="en-US" dirty="0"/>
-              <a:t>High Level Design</a:t>
-            </a:r>
-          </a:p>
-        </p:txBody>
-      </p:sp>
-      <p:pic>
-        <p:nvPicPr>
-          <p:cNvPr id="6" name="Picture Placeholder 5" descr="person staring at blueprints on a brick wall">
-            <a:extLst>
-              <a:ext uri="{FF2B5EF4-FFF2-40B4-BE49-F238E27FC236}">
-                <a16:creationId xmlns:a16="http://schemas.microsoft.com/office/drawing/2014/main" id="{C07C315A-7CD1-432C-92FA-6B62159B56CA}"/>
-              </a:ext>
-            </a:extLst>
-          </p:cNvPr>
-          <p:cNvPicPr>
-            <a:picLocks noGrp="1" noChangeAspect="1"/>
-          </p:cNvPicPr>
-          <p:nvPr>
-            <p:ph type="pic" sz="quarter" idx="14"/>
-          </p:nvPr>
-        </p:nvPicPr>
-        <p:blipFill rotWithShape="1">
-          <a:blip r:embed="rId3">
-            <a:extLst>
-              <a:ext uri="{BEBA8EAE-BF5A-486C-A8C5-ECC9F3942E4B}">
-                <a14:imgProps xmlns:a14="http://schemas.microsoft.com/office/drawing/2010/main">
-                  <a14:imgLayer r:embed="rId4">
-                    <a14:imgEffect>
-                      <a14:saturation sat="0"/>
-                    </a14:imgEffect>
-                  </a14:imgLayer>
-                </a14:imgProps>
-              </a:ext>
-            </a:extLst>
-          </a:blip>
-          <a:srcRect l="23552" t="1" r="23880" b="327"/>
-          <a:stretch/>
-        </p:blipFill>
-        <p:spPr>
-          <a:xfrm>
-            <a:off x="0" y="0"/>
-            <a:ext cx="5416550" cy="6858000"/>
-          </a:xfrm>
-        </p:spPr>
-      </p:pic>
-      <p:sp>
-        <p:nvSpPr>
-          <p:cNvPr id="14" name="Content Placeholder 13">
-            <a:extLst>
-              <a:ext uri="{FF2B5EF4-FFF2-40B4-BE49-F238E27FC236}">
-                <a16:creationId xmlns:a16="http://schemas.microsoft.com/office/drawing/2014/main" id="{79248A72-A597-48DF-A270-3389F5D209C0}"/>
-              </a:ext>
-            </a:extLst>
-          </p:cNvPr>
-          <p:cNvSpPr>
-            <a:spLocks noGrp="1"/>
-          </p:cNvSpPr>
-          <p:nvPr>
-            <p:ph idx="1"/>
-          </p:nvPr>
-        </p:nvSpPr>
-        <p:spPr>
-          <a:xfrm>
-            <a:off x="6096000" y="919320"/>
-            <a:ext cx="5690532" cy="4949971"/>
-          </a:xfrm>
-        </p:spPr>
-        <p:txBody>
-          <a:bodyPr>
-            <a:normAutofit/>
-          </a:bodyPr>
-          <a:lstStyle/>
-          <a:p>
-            <a:pPr marL="0" marR="0" lvl="0" indent="0" algn="l" defTabSz="914400" rtl="0" eaLnBrk="1" fontAlgn="auto" latinLnBrk="0" hangingPunct="1">
+            <a:pPr marL="0" marR="0" lvl="0" indent="0" defTabSz="914400" rtl="0" eaLnBrk="1" fontAlgn="auto" latinLnBrk="0" hangingPunct="1">
               <a:lnSpc>
                 <a:spcPct val="100000"/>
               </a:lnSpc>
@@ -6923,465 +7523,11 @@
                 <a:ea typeface="+mn-ea"/>
                 <a:cs typeface="Biome Light" panose="020B0303030204020804" pitchFamily="34" charset="0"/>
               </a:rPr>
-              <a:t>User Interface</a:t>
-            </a:r>
-          </a:p>
-          <a:p>
-            <a:pPr marL="0" marR="0" lvl="0" indent="0" algn="l" defTabSz="914400" rtl="0" eaLnBrk="1" fontAlgn="auto" latinLnBrk="0" hangingPunct="1">
-              <a:lnSpc>
-                <a:spcPct val="100000"/>
-              </a:lnSpc>
-              <a:spcBef>
-                <a:spcPts val="1000"/>
-              </a:spcBef>
-              <a:spcAft>
-                <a:spcPts val="0"/>
-              </a:spcAft>
-              <a:buClrTx/>
-              <a:buSzTx/>
-              <a:buFont typeface="Arial" panose="020B0604020202020204" pitchFamily="34" charset="0"/>
-              <a:buNone/>
-              <a:tabLst/>
-              <a:defRPr/>
-            </a:pPr>
-            <a:r>
-              <a:rPr kumimoji="0" lang="en-US" sz="1600" b="0" i="0" u="none" strike="noStrike" kern="1200" cap="none" normalizeH="0" noProof="0" dirty="0">
-                <a:ln>
-                  <a:noFill/>
-                </a:ln>
-                <a:solidFill>
-                  <a:schemeClr val="tx1"/>
-                </a:solidFill>
-                <a:effectLst/>
-                <a:uLnTx/>
-                <a:uFillTx/>
-                <a:latin typeface="+mn-lt"/>
-                <a:ea typeface="+mn-ea"/>
-                <a:cs typeface="Biome Light" panose="020B0303030204020804" pitchFamily="34" charset="0"/>
-              </a:rPr>
-              <a:t>Profits are up in the last quarter by 3%</a:t>
-            </a:r>
-          </a:p>
-          <a:p>
-            <a:pPr marL="0" indent="0">
-              <a:buNone/>
-            </a:pPr>
-            <a:endParaRPr lang="en-US" b="1" dirty="0"/>
-          </a:p>
-        </p:txBody>
-      </p:sp>
-      <p:sp>
-        <p:nvSpPr>
-          <p:cNvPr id="16" name="Slide Number Placeholder 15">
-            <a:extLst>
-              <a:ext uri="{FF2B5EF4-FFF2-40B4-BE49-F238E27FC236}">
-                <a16:creationId xmlns:a16="http://schemas.microsoft.com/office/drawing/2014/main" id="{7FA57D11-A25F-4772-8E50-DDB68BE8CB69}"/>
-              </a:ext>
-            </a:extLst>
-          </p:cNvPr>
-          <p:cNvSpPr>
-            <a:spLocks noGrp="1"/>
-          </p:cNvSpPr>
-          <p:nvPr>
-            <p:ph type="sldNum" sz="quarter" idx="4"/>
-          </p:nvPr>
-        </p:nvSpPr>
-        <p:spPr/>
-        <p:txBody>
-          <a:bodyPr/>
-          <a:lstStyle/>
-          <a:p>
-            <a:fld id="{8C2E478F-E849-4A8C-AF1F-CBCC78A7CBFA}" type="slidenum">
-              <a:rPr lang="en-US" smtClean="0"/>
-              <a:t>14</a:t>
-            </a:fld>
-            <a:endParaRPr lang="en-US" dirty="0"/>
-          </a:p>
-        </p:txBody>
-      </p:sp>
-    </p:spTree>
-    <p:extLst>
-      <p:ext uri="{BB962C8B-B14F-4D97-AF65-F5344CB8AC3E}">
-        <p14:creationId xmlns:p14="http://schemas.microsoft.com/office/powerpoint/2010/main" val="1690341182"/>
-      </p:ext>
-    </p:extLst>
-  </p:cSld>
-  <p:clrMapOvr>
-    <a:masterClrMapping/>
-  </p:clrMapOvr>
-</p:sld>
-</file>
-
-<file path=ppt/slides/slide15.xml><?xml version="1.0" encoding="utf-8"?>
-<p:sld xmlns:a="http://schemas.openxmlformats.org/drawingml/2006/main" xmlns:r="http://schemas.openxmlformats.org/officeDocument/2006/relationships" xmlns:p="http://schemas.openxmlformats.org/presentationml/2006/main">
-  <p:cSld>
-    <p:spTree>
-      <p:nvGrpSpPr>
-        <p:cNvPr id="1" name=""/>
-        <p:cNvGrpSpPr/>
-        <p:nvPr/>
-      </p:nvGrpSpPr>
-      <p:grpSpPr>
-        <a:xfrm>
-          <a:off x="0" y="0"/>
-          <a:ext cx="0" cy="0"/>
-          <a:chOff x="0" y="0"/>
-          <a:chExt cx="0" cy="0"/>
-        </a:xfrm>
-      </p:grpSpPr>
-      <p:sp>
-        <p:nvSpPr>
-          <p:cNvPr id="2" name="Title 1">
-            <a:extLst>
-              <a:ext uri="{FF2B5EF4-FFF2-40B4-BE49-F238E27FC236}">
-                <a16:creationId xmlns:a16="http://schemas.microsoft.com/office/drawing/2014/main" id="{12CC3376-5069-4C7B-BE6B-A3776D1B47BA}"/>
-              </a:ext>
-            </a:extLst>
-          </p:cNvPr>
-          <p:cNvSpPr>
-            <a:spLocks noGrp="1"/>
-          </p:cNvSpPr>
-          <p:nvPr>
-            <p:ph type="title"/>
-          </p:nvPr>
-        </p:nvSpPr>
-        <p:spPr>
-          <a:xfrm>
-            <a:off x="6095999" y="35082"/>
-            <a:ext cx="5897218" cy="884238"/>
-          </a:xfrm>
-        </p:spPr>
-        <p:txBody>
-          <a:bodyPr/>
-          <a:lstStyle/>
-          <a:p>
-            <a:r>
-              <a:rPr lang="en-US" dirty="0"/>
-              <a:t>High Level Design</a:t>
-            </a:r>
-          </a:p>
-        </p:txBody>
-      </p:sp>
-      <p:pic>
-        <p:nvPicPr>
-          <p:cNvPr id="6" name="Picture Placeholder 5" descr="person staring at blueprints on a brick wall">
-            <a:extLst>
-              <a:ext uri="{FF2B5EF4-FFF2-40B4-BE49-F238E27FC236}">
-                <a16:creationId xmlns:a16="http://schemas.microsoft.com/office/drawing/2014/main" id="{C07C315A-7CD1-432C-92FA-6B62159B56CA}"/>
-              </a:ext>
-            </a:extLst>
-          </p:cNvPr>
-          <p:cNvPicPr>
-            <a:picLocks noGrp="1" noChangeAspect="1"/>
-          </p:cNvPicPr>
-          <p:nvPr>
-            <p:ph type="pic" sz="quarter" idx="14"/>
-          </p:nvPr>
-        </p:nvPicPr>
-        <p:blipFill rotWithShape="1">
-          <a:blip r:embed="rId3">
-            <a:extLst>
-              <a:ext uri="{BEBA8EAE-BF5A-486C-A8C5-ECC9F3942E4B}">
-                <a14:imgProps xmlns:a14="http://schemas.microsoft.com/office/drawing/2010/main">
-                  <a14:imgLayer r:embed="rId4">
-                    <a14:imgEffect>
-                      <a14:saturation sat="0"/>
-                    </a14:imgEffect>
-                  </a14:imgLayer>
-                </a14:imgProps>
-              </a:ext>
-            </a:extLst>
-          </a:blip>
-          <a:srcRect l="23552" t="1" r="23880" b="327"/>
-          <a:stretch/>
-        </p:blipFill>
-        <p:spPr>
-          <a:xfrm>
-            <a:off x="0" y="0"/>
-            <a:ext cx="5416550" cy="6858000"/>
-          </a:xfrm>
-        </p:spPr>
-      </p:pic>
-      <p:sp>
-        <p:nvSpPr>
-          <p:cNvPr id="14" name="Content Placeholder 13">
-            <a:extLst>
-              <a:ext uri="{FF2B5EF4-FFF2-40B4-BE49-F238E27FC236}">
-                <a16:creationId xmlns:a16="http://schemas.microsoft.com/office/drawing/2014/main" id="{79248A72-A597-48DF-A270-3389F5D209C0}"/>
-              </a:ext>
-            </a:extLst>
-          </p:cNvPr>
-          <p:cNvSpPr>
-            <a:spLocks noGrp="1"/>
-          </p:cNvSpPr>
-          <p:nvPr>
-            <p:ph idx="1"/>
-          </p:nvPr>
-        </p:nvSpPr>
-        <p:spPr>
-          <a:xfrm>
-            <a:off x="6096000" y="919320"/>
-            <a:ext cx="5690532" cy="4949971"/>
-          </a:xfrm>
-        </p:spPr>
-        <p:txBody>
-          <a:bodyPr>
-            <a:normAutofit/>
-          </a:bodyPr>
-          <a:lstStyle/>
-          <a:p>
-            <a:pPr marL="0" marR="0" lvl="0" indent="0" algn="l" defTabSz="914400" rtl="0" eaLnBrk="1" fontAlgn="auto" latinLnBrk="0" hangingPunct="1">
-              <a:lnSpc>
-                <a:spcPct val="100000"/>
-              </a:lnSpc>
-              <a:spcBef>
-                <a:spcPts val="1000"/>
-              </a:spcBef>
-              <a:spcAft>
-                <a:spcPts val="0"/>
-              </a:spcAft>
-              <a:buClrTx/>
-              <a:buSzTx/>
-              <a:buFont typeface="Arial" panose="020B0604020202020204" pitchFamily="34" charset="0"/>
-              <a:buNone/>
-              <a:tabLst/>
-              <a:defRPr/>
-            </a:pPr>
-            <a:r>
-              <a:rPr kumimoji="0" lang="en-US" sz="2000" b="0" i="0" u="none" strike="noStrike" kern="1200" cap="none" normalizeH="0" noProof="0" dirty="0">
-                <a:ln>
-                  <a:noFill/>
-                </a:ln>
-                <a:solidFill>
-                  <a:schemeClr val="tx1"/>
-                </a:solidFill>
-                <a:effectLst/>
-                <a:uLnTx/>
-                <a:uFillTx/>
-                <a:latin typeface="+mn-lt"/>
-                <a:ea typeface="+mn-ea"/>
-                <a:cs typeface="Biome Light" panose="020B0303030204020804" pitchFamily="34" charset="0"/>
-              </a:rPr>
-              <a:t>Architecture</a:t>
-            </a:r>
-          </a:p>
-          <a:p>
-            <a:pPr marL="0" marR="0" lvl="0" indent="0" algn="l" defTabSz="914400" rtl="0" eaLnBrk="1" fontAlgn="auto" latinLnBrk="0" hangingPunct="1">
-              <a:lnSpc>
-                <a:spcPct val="100000"/>
-              </a:lnSpc>
-              <a:spcBef>
-                <a:spcPts val="1000"/>
-              </a:spcBef>
-              <a:spcAft>
-                <a:spcPts val="0"/>
-              </a:spcAft>
-              <a:buClrTx/>
-              <a:buSzTx/>
-              <a:buFont typeface="Arial" panose="020B0604020202020204" pitchFamily="34" charset="0"/>
-              <a:buNone/>
-              <a:tabLst/>
-              <a:defRPr/>
-            </a:pPr>
-            <a:r>
-              <a:rPr kumimoji="0" lang="en-US" sz="1600" b="0" i="0" u="none" strike="noStrike" kern="1200" cap="none" normalizeH="0" noProof="0" dirty="0">
-                <a:ln>
-                  <a:noFill/>
-                </a:ln>
-                <a:solidFill>
-                  <a:schemeClr val="tx1"/>
-                </a:solidFill>
-                <a:effectLst/>
-                <a:uLnTx/>
-                <a:uFillTx/>
-                <a:latin typeface="+mn-lt"/>
-                <a:ea typeface="+mn-ea"/>
-                <a:cs typeface="Biome Light" panose="020B0303030204020804" pitchFamily="34" charset="0"/>
-              </a:rPr>
-              <a:t>Profits are up in the last quarter by 3%</a:t>
-            </a:r>
-          </a:p>
-          <a:p>
-            <a:pPr marL="0" marR="0" lvl="0" indent="0" algn="l" defTabSz="914400" rtl="0" eaLnBrk="1" fontAlgn="auto" latinLnBrk="0" hangingPunct="1">
-              <a:lnSpc>
-                <a:spcPct val="100000"/>
-              </a:lnSpc>
-              <a:spcBef>
-                <a:spcPts val="1000"/>
-              </a:spcBef>
-              <a:spcAft>
-                <a:spcPts val="0"/>
-              </a:spcAft>
-              <a:buClrTx/>
-              <a:buSzTx/>
-              <a:buFont typeface="Arial" panose="020B0604020202020204" pitchFamily="34" charset="0"/>
-              <a:buNone/>
-              <a:tabLst/>
-              <a:defRPr/>
-            </a:pPr>
-            <a:endParaRPr kumimoji="0" lang="en-US" sz="1600" b="0" i="0" u="none" strike="noStrike" kern="1200" cap="none" normalizeH="0" noProof="0" dirty="0">
-              <a:ln>
-                <a:noFill/>
-              </a:ln>
-              <a:solidFill>
-                <a:schemeClr val="tx1"/>
-              </a:solidFill>
-              <a:effectLst/>
-              <a:uLnTx/>
-              <a:uFillTx/>
-              <a:latin typeface="+mn-lt"/>
-              <a:ea typeface="+mn-ea"/>
-              <a:cs typeface="Biome Light" panose="020B0303030204020804" pitchFamily="34" charset="0"/>
-            </a:endParaRPr>
-          </a:p>
-          <a:p>
-            <a:pPr marL="0" marR="0" lvl="0" indent="0" algn="l" defTabSz="914400" rtl="0" eaLnBrk="1" fontAlgn="auto" latinLnBrk="0" hangingPunct="1">
-              <a:lnSpc>
-                <a:spcPct val="100000"/>
-              </a:lnSpc>
-              <a:spcBef>
-                <a:spcPts val="1000"/>
-              </a:spcBef>
-              <a:spcAft>
-                <a:spcPts val="0"/>
-              </a:spcAft>
-              <a:buClrTx/>
-              <a:buSzTx/>
-              <a:buFont typeface="Arial" panose="020B0604020202020204" pitchFamily="34" charset="0"/>
-              <a:buNone/>
-              <a:tabLst/>
-              <a:defRPr/>
-            </a:pPr>
-            <a:endParaRPr kumimoji="0" lang="en-US" sz="1600" b="0" i="0" u="none" strike="noStrike" kern="1200" cap="none" normalizeH="0" noProof="0" dirty="0">
-              <a:ln>
-                <a:noFill/>
-              </a:ln>
-              <a:solidFill>
-                <a:schemeClr val="tx1"/>
-              </a:solidFill>
-              <a:effectLst/>
-              <a:uLnTx/>
-              <a:uFillTx/>
-              <a:latin typeface="+mn-lt"/>
-              <a:ea typeface="+mn-ea"/>
-              <a:cs typeface="Biome Light" panose="020B0303030204020804" pitchFamily="34" charset="0"/>
-            </a:endParaRPr>
-          </a:p>
-          <a:p>
-            <a:pPr marL="0" marR="0" lvl="0" indent="0" algn="l" defTabSz="914400" rtl="0" eaLnBrk="1" fontAlgn="auto" latinLnBrk="0" hangingPunct="1">
-              <a:lnSpc>
-                <a:spcPct val="100000"/>
-              </a:lnSpc>
-              <a:spcBef>
-                <a:spcPts val="1000"/>
-              </a:spcBef>
-              <a:spcAft>
-                <a:spcPts val="0"/>
-              </a:spcAft>
-              <a:buClrTx/>
-              <a:buSzTx/>
-              <a:buFont typeface="Arial" panose="020B0604020202020204" pitchFamily="34" charset="0"/>
-              <a:buNone/>
-              <a:tabLst/>
-              <a:defRPr/>
-            </a:pPr>
-            <a:endParaRPr lang="en-US" dirty="0">
-              <a:cs typeface="Biome Light" panose="020B0303030204020804" pitchFamily="34" charset="0"/>
-            </a:endParaRPr>
-          </a:p>
-          <a:p>
-            <a:pPr marL="0" marR="0" lvl="0" indent="0" algn="l" defTabSz="914400" rtl="0" eaLnBrk="1" fontAlgn="auto" latinLnBrk="0" hangingPunct="1">
-              <a:lnSpc>
-                <a:spcPct val="100000"/>
-              </a:lnSpc>
-              <a:spcBef>
-                <a:spcPts val="1000"/>
-              </a:spcBef>
-              <a:spcAft>
-                <a:spcPts val="0"/>
-              </a:spcAft>
-              <a:buClrTx/>
-              <a:buSzTx/>
-              <a:buFont typeface="Arial" panose="020B0604020202020204" pitchFamily="34" charset="0"/>
-              <a:buNone/>
-              <a:tabLst/>
-              <a:defRPr/>
-            </a:pPr>
-            <a:endParaRPr lang="en-US" dirty="0">
-              <a:cs typeface="Biome Light" panose="020B0303030204020804" pitchFamily="34" charset="0"/>
-            </a:endParaRPr>
-          </a:p>
-          <a:p>
-            <a:pPr marL="0" marR="0" lvl="0" indent="0" algn="l" defTabSz="914400" rtl="0" eaLnBrk="1" fontAlgn="auto" latinLnBrk="0" hangingPunct="1">
-              <a:lnSpc>
-                <a:spcPct val="100000"/>
-              </a:lnSpc>
-              <a:spcBef>
-                <a:spcPts val="1000"/>
-              </a:spcBef>
-              <a:spcAft>
-                <a:spcPts val="0"/>
-              </a:spcAft>
-              <a:buClrTx/>
-              <a:buSzTx/>
-              <a:buFont typeface="Arial" panose="020B0604020202020204" pitchFamily="34" charset="0"/>
-              <a:buNone/>
-              <a:tabLst/>
-              <a:defRPr/>
-            </a:pPr>
-            <a:endParaRPr kumimoji="0" lang="en-US" sz="1600" b="0" i="0" u="none" strike="noStrike" kern="1200" cap="none" normalizeH="0" noProof="0" dirty="0">
-              <a:ln>
-                <a:noFill/>
-              </a:ln>
-              <a:solidFill>
-                <a:schemeClr val="tx1"/>
-              </a:solidFill>
-              <a:effectLst/>
-              <a:uLnTx/>
-              <a:uFillTx/>
-              <a:latin typeface="+mn-lt"/>
-              <a:ea typeface="+mn-ea"/>
-              <a:cs typeface="Biome Light" panose="020B0303030204020804" pitchFamily="34" charset="0"/>
-            </a:endParaRPr>
-          </a:p>
-          <a:p>
-            <a:pPr marL="0" marR="0" lvl="0" indent="0" algn="l" defTabSz="914400" rtl="0" eaLnBrk="1" fontAlgn="auto" latinLnBrk="0" hangingPunct="1">
-              <a:lnSpc>
-                <a:spcPct val="100000"/>
-              </a:lnSpc>
-              <a:spcBef>
-                <a:spcPts val="1000"/>
-              </a:spcBef>
-              <a:spcAft>
-                <a:spcPts val="0"/>
-              </a:spcAft>
-              <a:buClrTx/>
-              <a:buSzTx/>
-              <a:buFont typeface="Arial" panose="020B0604020202020204" pitchFamily="34" charset="0"/>
-              <a:buNone/>
-              <a:tabLst/>
-              <a:defRPr/>
-            </a:pPr>
-            <a:r>
-              <a:rPr kumimoji="0" lang="en-US" sz="2000" b="0" i="0" u="none" strike="noStrike" kern="1200" cap="none" normalizeH="0" noProof="0" dirty="0">
-                <a:ln>
-                  <a:noFill/>
-                </a:ln>
-                <a:solidFill>
-                  <a:schemeClr val="tx1"/>
-                </a:solidFill>
-                <a:effectLst/>
-                <a:uLnTx/>
-                <a:uFillTx/>
-                <a:latin typeface="+mn-lt"/>
-                <a:ea typeface="+mn-ea"/>
-                <a:cs typeface="Biome Light" panose="020B0303030204020804" pitchFamily="34" charset="0"/>
-              </a:rPr>
               <a:t>Database</a:t>
             </a:r>
           </a:p>
           <a:p>
-            <a:pPr marL="0" marR="0" lvl="0" indent="0" algn="l" defTabSz="914400" rtl="0" eaLnBrk="1" fontAlgn="auto" latinLnBrk="0" hangingPunct="1">
+            <a:pPr marL="0" marR="0" lvl="0" indent="0" defTabSz="914400" rtl="0" eaLnBrk="1" fontAlgn="auto" latinLnBrk="0" hangingPunct="1">
               <a:lnSpc>
                 <a:spcPct val="100000"/>
               </a:lnSpc>
@@ -9300,40 +9446,6 @@
           <a:chExt cx="0" cy="0"/>
         </a:xfrm>
       </p:grpSpPr>
-      <p:sp>
-        <p:nvSpPr>
-          <p:cNvPr id="8" name="Title 7">
-            <a:extLst>
-              <a:ext uri="{FF2B5EF4-FFF2-40B4-BE49-F238E27FC236}">
-                <a16:creationId xmlns:a16="http://schemas.microsoft.com/office/drawing/2014/main" id="{103950CF-5BF2-4FB0-A36C-48C194F39E12}"/>
-              </a:ext>
-            </a:extLst>
-          </p:cNvPr>
-          <p:cNvSpPr>
-            <a:spLocks noGrp="1"/>
-          </p:cNvSpPr>
-          <p:nvPr>
-            <p:ph type="title"/>
-          </p:nvPr>
-        </p:nvSpPr>
-        <p:spPr>
-          <a:xfrm>
-            <a:off x="6096000" y="144089"/>
-            <a:ext cx="5897218" cy="753220"/>
-          </a:xfrm>
-        </p:spPr>
-        <p:txBody>
-          <a:bodyPr/>
-          <a:lstStyle/>
-          <a:p>
-            <a:pPr algn="ctr"/>
-            <a:r>
-              <a:rPr lang="en-US" sz="2800" dirty="0"/>
-              <a:t>Project Overview</a:t>
-            </a:r>
-          </a:p>
-        </p:txBody>
-      </p:sp>
       <p:pic>
         <p:nvPicPr>
           <p:cNvPr id="5" name="Picture Placeholder 4" descr="table with various people working on their laptops">
@@ -9392,7 +9504,7 @@
         </p:nvSpPr>
         <p:spPr>
           <a:xfrm>
-            <a:off x="6336334" y="1681983"/>
+            <a:off x="6336334" y="1552549"/>
             <a:ext cx="5416550" cy="4557919"/>
           </a:xfrm>
         </p:spPr>
@@ -9405,10 +9517,7 @@
             <a:pPr marL="0" indent="0">
               <a:buNone/>
             </a:pPr>
-            <a:r>
-              <a:rPr lang="en-US" dirty="0"/>
-              <a:t>CentRes is a software for small restaurant owners that helps their employees streamline the order process and manage tables easily. The main goal of CentRes is restaurant centralization. </a:t>
-            </a:r>
+            <a:endParaRPr lang="en-US" dirty="0"/>
           </a:p>
           <a:p>
             <a:pPr marL="0" indent="0">
@@ -9416,7 +9525,22 @@
             </a:pPr>
             <a:r>
               <a:rPr lang="en-US" dirty="0"/>
-              <a:t>Servers will have an easy-to-read display that keeps track of things such as menu items, prices, order times and order status. Chefs will have access to real time order data and will have the ability to provide status updates to servers. Hosts can manage the restaurant flow via table assignments and can view server availability. Managers have the ability to update the menu, edit orders, alter the bill, view wait times and more!</a:t>
+              <a:t>CentRes is a software for small restaurant owners that helps their employees streamline the order process and manage tables easily. The main goal of CentRes is restaurant centralization. </a:t>
+            </a:r>
+          </a:p>
+          <a:p>
+            <a:pPr marL="0" indent="0">
+              <a:buNone/>
+            </a:pPr>
+            <a:endParaRPr lang="en-US" dirty="0"/>
+          </a:p>
+          <a:p>
+            <a:pPr marL="0" indent="0">
+              <a:buNone/>
+            </a:pPr>
+            <a:r>
+              <a:rPr lang="en-US" dirty="0"/>
+              <a:t>CentRes allows employees to easily interact with customers’ orders and reduces miscommunication. Customer wait times are reduced by transmitting orders directly to the kitchen. </a:t>
             </a:r>
           </a:p>
         </p:txBody>
@@ -9468,8 +9592,8 @@
         </p:nvSpPr>
         <p:spPr>
           <a:xfrm>
-            <a:off x="7032929" y="897309"/>
-            <a:ext cx="4023360" cy="464871"/>
+            <a:off x="6336335" y="346229"/>
+            <a:ext cx="5212934" cy="976544"/>
           </a:xfrm>
         </p:spPr>
         <p:txBody>
@@ -9477,8 +9601,10 @@
           <a:lstStyle/>
           <a:p>
             <a:r>
-              <a:rPr lang="en-US" spc="0" dirty="0"/>
-              <a:t>Get to know more about our software</a:t>
+              <a:rPr lang="en-US" sz="3600" spc="100" dirty="0">
+                <a:latin typeface="+mj-lt"/>
+              </a:rPr>
+              <a:t>Project Overview</a:t>
             </a:r>
           </a:p>
         </p:txBody>
@@ -9513,40 +9639,6 @@
           <a:chExt cx="0" cy="0"/>
         </a:xfrm>
       </p:grpSpPr>
-      <p:sp>
-        <p:nvSpPr>
-          <p:cNvPr id="8" name="Title 7">
-            <a:extLst>
-              <a:ext uri="{FF2B5EF4-FFF2-40B4-BE49-F238E27FC236}">
-                <a16:creationId xmlns:a16="http://schemas.microsoft.com/office/drawing/2014/main" id="{103950CF-5BF2-4FB0-A36C-48C194F39E12}"/>
-              </a:ext>
-            </a:extLst>
-          </p:cNvPr>
-          <p:cNvSpPr>
-            <a:spLocks noGrp="1"/>
-          </p:cNvSpPr>
-          <p:nvPr>
-            <p:ph type="title"/>
-          </p:nvPr>
-        </p:nvSpPr>
-        <p:spPr>
-          <a:xfrm>
-            <a:off x="6096000" y="56057"/>
-            <a:ext cx="5897218" cy="753220"/>
-          </a:xfrm>
-        </p:spPr>
-        <p:txBody>
-          <a:bodyPr/>
-          <a:lstStyle/>
-          <a:p>
-            <a:pPr algn="ctr"/>
-            <a:r>
-              <a:rPr lang="en-US" sz="2800" dirty="0"/>
-              <a:t>Project Description</a:t>
-            </a:r>
-          </a:p>
-        </p:txBody>
-      </p:sp>
       <p:pic>
         <p:nvPicPr>
           <p:cNvPr id="5" name="Picture Placeholder 4" descr="table with various people working on their laptops">
@@ -9618,9 +9710,15 @@
             <a:pPr marL="0" indent="0">
               <a:buNone/>
             </a:pPr>
+            <a:endParaRPr lang="en-US" dirty="0"/>
+          </a:p>
+          <a:p>
+            <a:pPr marL="0" indent="0">
+              <a:buNone/>
+            </a:pPr>
             <a:r>
               <a:rPr lang="en-US" dirty="0"/>
-              <a:t>TEXT HERE</a:t>
+              <a:t>Servers will have an easy-to-read display that keeps track of things such as menu items, prices, order times and order status. Chefs will have access to real time order data and will have the ability to provide status updates to servers. Hosts can manage the restaurant flow via table assignments and can view server availability. Managers have the ability to update the menu, edit orders, alter the bill, view wait times and more!</a:t>
             </a:r>
           </a:p>
         </p:txBody>
@@ -9656,10 +9754,10 @@
       </p:sp>
       <p:sp>
         <p:nvSpPr>
-          <p:cNvPr id="3" name="Text Placeholder 2">
-            <a:extLst>
-              <a:ext uri="{FF2B5EF4-FFF2-40B4-BE49-F238E27FC236}">
-                <a16:creationId xmlns:a16="http://schemas.microsoft.com/office/drawing/2014/main" id="{DBF5275B-C1F9-0732-D4B5-3FCC925E2164}"/>
+          <p:cNvPr id="7" name="Text Placeholder 2">
+            <a:extLst>
+              <a:ext uri="{FF2B5EF4-FFF2-40B4-BE49-F238E27FC236}">
+                <a16:creationId xmlns:a16="http://schemas.microsoft.com/office/drawing/2014/main" id="{CFDA9269-055C-5772-E8B6-BACBFA0AB992}"/>
               </a:ext>
             </a:extLst>
           </p:cNvPr>
@@ -9672,15 +9770,20 @@
         </p:nvSpPr>
         <p:spPr>
           <a:xfrm>
-            <a:off x="7032929" y="1024845"/>
-            <a:ext cx="4023360" cy="464871"/>
+            <a:off x="6336334" y="390618"/>
+            <a:ext cx="5416550" cy="994299"/>
           </a:xfrm>
         </p:spPr>
         <p:txBody>
           <a:bodyPr/>
           <a:lstStyle/>
           <a:p>
-            <a:endParaRPr lang="en-US" spc="0" dirty="0"/>
+            <a:r>
+              <a:rPr lang="en-US" sz="3600" spc="100" dirty="0">
+                <a:latin typeface="+mj-lt"/>
+              </a:rPr>
+              <a:t>Project Description</a:t>
+            </a:r>
           </a:p>
         </p:txBody>
       </p:sp>
@@ -10354,16 +10457,16 @@
         <p:spPr>
           <a:xfrm>
             <a:off x="719940" y="1661686"/>
-            <a:ext cx="4521818" cy="4655890"/>
+            <a:ext cx="4860250" cy="4655890"/>
           </a:xfrm>
         </p:spPr>
         <p:txBody>
           <a:bodyPr>
-            <a:normAutofit fontScale="90000"/>
+            <a:normAutofit/>
           </a:bodyPr>
           <a:lstStyle/>
           <a:p>
-            <a:pPr marL="914400" marR="0" lvl="2">
+            <a:pPr marL="914400" marR="0" lvl="2" algn="l">
               <a:lnSpc>
                 <a:spcPct val="107000"/>
               </a:lnSpc>
@@ -10732,7 +10835,7 @@
         </p:nvSpPr>
         <p:spPr>
           <a:xfrm>
-            <a:off x="1439124" y="594590"/>
+            <a:off x="1246178" y="672451"/>
             <a:ext cx="9234488" cy="897622"/>
           </a:xfrm>
         </p:spPr>
@@ -10763,8 +10866,8 @@
         </p:nvSpPr>
         <p:spPr>
           <a:xfrm>
-            <a:off x="6950244" y="1661686"/>
-            <a:ext cx="4521818" cy="4655890"/>
+            <a:off x="6300130" y="1661686"/>
+            <a:ext cx="5171930" cy="4655890"/>
           </a:xfrm>
           <a:prstGeom prst="rect">
             <a:avLst/>
@@ -12191,21 +12294,21 @@
 </file>
 
 <file path=customXml/item2.xml><?xml version="1.0" encoding="utf-8"?>
+<?mso-contentType ?>
+<FormTemplates xmlns="http://schemas.microsoft.com/sharepoint/v3/contenttype/forms">
+  <Display>DocumentLibraryForm</Display>
+  <Edit>DocumentLibraryForm</Edit>
+  <New>DocumentLibraryForm</New>
+</FormTemplates>
+</file>
+
+<file path=customXml/item3.xml><?xml version="1.0" encoding="utf-8"?>
 <p:properties xmlns:p="http://schemas.microsoft.com/office/2006/metadata/properties" xmlns:xsi="http://www.w3.org/2001/XMLSchema-instance" xmlns:pc="http://schemas.microsoft.com/office/infopath/2007/PartnerControls">
   <documentManagement>
     <Status xmlns="71af3243-3dd4-4a8d-8c0d-dd76da1f02a5">Not started</Status>
     <MediaServiceKeyPoints xmlns="71af3243-3dd4-4a8d-8c0d-dd76da1f02a5" xsi:nil="true"/>
   </documentManagement>
 </p:properties>
-</file>
-
-<file path=customXml/item3.xml><?xml version="1.0" encoding="utf-8"?>
-<?mso-contentType ?>
-<FormTemplates xmlns="http://schemas.microsoft.com/sharepoint/v3/contenttype/forms">
-  <Display>DocumentLibraryForm</Display>
-  <Edit>DocumentLibraryForm</Edit>
-  <New>DocumentLibraryForm</New>
-</FormTemplates>
 </file>
 
 <file path=customXml/itemProps1.xml><?xml version="1.0" encoding="utf-8"?>
@@ -12228,6 +12331,14 @@
 </file>
 
 <file path=customXml/itemProps2.xml><?xml version="1.0" encoding="utf-8"?>
+<ds:datastoreItem xmlns:ds="http://schemas.openxmlformats.org/officeDocument/2006/customXml" ds:itemID="{1B7E2D32-4FDD-4266-880C-17595B801432}">
+  <ds:schemaRefs>
+    <ds:schemaRef ds:uri="http://schemas.microsoft.com/sharepoint/v3/contenttype/forms"/>
+  </ds:schemaRefs>
+</ds:datastoreItem>
+</file>
+
+<file path=customXml/itemProps3.xml><?xml version="1.0" encoding="utf-8"?>
 <ds:datastoreItem xmlns:ds="http://schemas.openxmlformats.org/officeDocument/2006/customXml" ds:itemID="{E3D9F223-918A-45AF-9B53-56AB9E5E2182}">
   <ds:schemaRefs>
     <ds:schemaRef ds:uri="http://schemas.microsoft.com/office/2006/metadata/properties"/>
@@ -12235,12 +12346,4 @@
     <ds:schemaRef ds:uri="71af3243-3dd4-4a8d-8c0d-dd76da1f02a5"/>
   </ds:schemaRefs>
 </ds:datastoreItem>
-</file>
-
-<file path=customXml/itemProps3.xml><?xml version="1.0" encoding="utf-8"?>
-<ds:datastoreItem xmlns:ds="http://schemas.openxmlformats.org/officeDocument/2006/customXml" ds:itemID="{1B7E2D32-4FDD-4266-880C-17595B801432}">
-  <ds:schemaRefs>
-    <ds:schemaRef ds:uri="http://schemas.microsoft.com/sharepoint/v3/contenttype/forms"/>
-  </ds:schemaRefs>
-</ds:datastoreItem>
 </file>
--- a/CentRes.pptx
+++ b/CentRes.pptx
@@ -249,7 +249,7 @@
           <a:p>
             <a:fld id="{966D5B4E-BF3E-3B45-A4BA-D6C3B92870D7}" type="datetimeFigureOut">
               <a:rPr lang="en-US" smtClean="0"/>
-              <a:t>11/9/2022</a:t>
+              <a:t>11/10/2022</a:t>
             </a:fld>
             <a:endParaRPr lang="en-US" dirty="0"/>
           </a:p>
@@ -426,7 +426,7 @@
           <a:p>
             <a:fld id="{F5A8621B-8C8E-49BA-8772-41D0FE75A082}" type="datetimeFigureOut">
               <a:rPr lang="en-US" smtClean="0"/>
-              <a:t>11/9/2022</a:t>
+              <a:t>11/10/2022</a:t>
             </a:fld>
             <a:endParaRPr lang="en-US" dirty="0"/>
           </a:p>
@@ -7545,21 +7545,12 @@
               <a:defRPr/>
             </a:pPr>
             <a:r>
-              <a:rPr kumimoji="0" lang="en-US" sz="1600" b="0" i="0" u="none" strike="noStrike" kern="1200" cap="none" normalizeH="0" noProof="0" dirty="0">
-                <a:ln>
-                  <a:noFill/>
-                </a:ln>
-                <a:solidFill>
-                  <a:schemeClr val="tx1"/>
-                </a:solidFill>
+              <a:rPr lang="en-US" sz="1600" dirty="0">
                 <a:effectLst/>
-                <a:uLnTx/>
-                <a:uFillTx/>
-                <a:latin typeface="+mn-lt"/>
-                <a:ea typeface="+mn-ea"/>
-                <a:cs typeface="Biome Light" panose="020B0303030204020804" pitchFamily="34" charset="0"/>
+                <a:ea typeface="Yu Mincho" panose="02020400000000000000" pitchFamily="18" charset="-128"/>
+                <a:cs typeface="Times New Roman" panose="02020603050405020304" pitchFamily="18" charset="0"/>
               </a:rPr>
-              <a:t>Customer satisfaction increased from 70 to 80%</a:t>
+              <a:t>CentRes will be using a MySQL relational database to store employee information and communicate information related to sales transactions and product inventory.  MySQL can help the restaurant to keep tracking the inventory. See what foods are selling more and which foods are selling less, and this can help to optimize the menu and minimize waste.</a:t>
             </a:r>
           </a:p>
           <a:p>
@@ -8278,9 +8269,24 @@
               <a:buFont typeface="Arial" panose="020B0604020202020204" pitchFamily="34" charset="0"/>
               <a:buChar char="•"/>
             </a:pPr>
-            <a:endParaRPr lang="en-US" spc="0" dirty="0">
-              <a:cs typeface="Arial" panose="020B0604020202020204" pitchFamily="34" charset="0"/>
-            </a:endParaRPr>
+            <a:r>
+              <a:rPr lang="en-US" spc="0" dirty="0">
+                <a:cs typeface="Arial" panose="020B0604020202020204" pitchFamily="34" charset="0"/>
+              </a:rPr>
+              <a:t>Individual team members feel more satisfied with their roles which gives them extra motivation to perform.</a:t>
+            </a:r>
+          </a:p>
+          <a:p>
+            <a:pPr marL="285750" indent="-285750" algn="l">
+              <a:buFont typeface="Arial" panose="020B0604020202020204" pitchFamily="34" charset="0"/>
+              <a:buChar char="•"/>
+            </a:pPr>
+            <a:r>
+              <a:rPr lang="en-US" spc="0" dirty="0">
+                <a:cs typeface="Arial" panose="020B0604020202020204" pitchFamily="34" charset="0"/>
+              </a:rPr>
+              <a:t>tasks are completed on time and in full.</a:t>
+            </a:r>
           </a:p>
           <a:p>
             <a:pPr marL="285750" indent="-285750" algn="l">
@@ -8292,7 +8298,10 @@
             </a:endParaRPr>
           </a:p>
           <a:p>
-            <a:pPr algn="l"/>
+            <a:pPr marL="285750" indent="-285750" algn="l">
+              <a:buFont typeface="Arial" panose="020B0604020202020204" pitchFamily="34" charset="0"/>
+              <a:buChar char="•"/>
+            </a:pPr>
             <a:endParaRPr lang="en-US" spc="0" dirty="0">
               <a:cs typeface="Arial" panose="020B0604020202020204" pitchFamily="34" charset="0"/>
             </a:endParaRPr>
@@ -8509,14 +8518,26 @@
               <a:rPr lang="en-US" sz="1600" spc="0" dirty="0">
                 <a:cs typeface="Arial" panose="020B0604020202020204" pitchFamily="34" charset="0"/>
               </a:rPr>
-              <a:t>Create a Mobile application version to give restaurant owners the option to use either a web application or mobile application based </a:t>
-            </a:r>
-            <a:r>
-              <a:rPr lang="en-US" sz="1600" spc="0">
+              <a:t>Create a Mobile application version to give restaurant owners the option to use either a web application or mobile application based on their needs. </a:t>
+            </a:r>
+          </a:p>
+          <a:p>
+            <a:pPr marL="285750" indent="-285750" algn="l">
+              <a:buFont typeface="Arial" panose="020B0604020202020204" pitchFamily="34" charset="0"/>
+              <a:buChar char="•"/>
+            </a:pPr>
+            <a:r>
+              <a:rPr lang="en-US" sz="1600" spc="0" dirty="0">
                 <a:cs typeface="Arial" panose="020B0604020202020204" pitchFamily="34" charset="0"/>
               </a:rPr>
-              <a:t>on their needs. </a:t>
-            </a:r>
+              <a:t>add online reservation for customers .</a:t>
+            </a:r>
+          </a:p>
+          <a:p>
+            <a:pPr marL="285750" indent="-285750" algn="l">
+              <a:buFont typeface="Arial" panose="020B0604020202020204" pitchFamily="34" charset="0"/>
+              <a:buChar char="•"/>
+            </a:pPr>
             <a:endParaRPr lang="en-US" sz="1600" spc="0" dirty="0">
               <a:cs typeface="Arial" panose="020B0604020202020204" pitchFamily="34" charset="0"/>
             </a:endParaRPr>
@@ -12294,21 +12315,21 @@
 </file>
 
 <file path=customXml/item2.xml><?xml version="1.0" encoding="utf-8"?>
+<p:properties xmlns:p="http://schemas.microsoft.com/office/2006/metadata/properties" xmlns:xsi="http://www.w3.org/2001/XMLSchema-instance" xmlns:pc="http://schemas.microsoft.com/office/infopath/2007/PartnerControls">
+  <documentManagement>
+    <Status xmlns="71af3243-3dd4-4a8d-8c0d-dd76da1f02a5">Not started</Status>
+    <MediaServiceKeyPoints xmlns="71af3243-3dd4-4a8d-8c0d-dd76da1f02a5" xsi:nil="true"/>
+  </documentManagement>
+</p:properties>
+</file>
+
+<file path=customXml/item3.xml><?xml version="1.0" encoding="utf-8"?>
 <?mso-contentType ?>
 <FormTemplates xmlns="http://schemas.microsoft.com/sharepoint/v3/contenttype/forms">
   <Display>DocumentLibraryForm</Display>
   <Edit>DocumentLibraryForm</Edit>
   <New>DocumentLibraryForm</New>
 </FormTemplates>
-</file>
-
-<file path=customXml/item3.xml><?xml version="1.0" encoding="utf-8"?>
-<p:properties xmlns:p="http://schemas.microsoft.com/office/2006/metadata/properties" xmlns:xsi="http://www.w3.org/2001/XMLSchema-instance" xmlns:pc="http://schemas.microsoft.com/office/infopath/2007/PartnerControls">
-  <documentManagement>
-    <Status xmlns="71af3243-3dd4-4a8d-8c0d-dd76da1f02a5">Not started</Status>
-    <MediaServiceKeyPoints xmlns="71af3243-3dd4-4a8d-8c0d-dd76da1f02a5" xsi:nil="true"/>
-  </documentManagement>
-</p:properties>
 </file>
 
 <file path=customXml/itemProps1.xml><?xml version="1.0" encoding="utf-8"?>
@@ -12331,14 +12352,6 @@
 </file>
 
 <file path=customXml/itemProps2.xml><?xml version="1.0" encoding="utf-8"?>
-<ds:datastoreItem xmlns:ds="http://schemas.openxmlformats.org/officeDocument/2006/customXml" ds:itemID="{1B7E2D32-4FDD-4266-880C-17595B801432}">
-  <ds:schemaRefs>
-    <ds:schemaRef ds:uri="http://schemas.microsoft.com/sharepoint/v3/contenttype/forms"/>
-  </ds:schemaRefs>
-</ds:datastoreItem>
-</file>
-
-<file path=customXml/itemProps3.xml><?xml version="1.0" encoding="utf-8"?>
 <ds:datastoreItem xmlns:ds="http://schemas.openxmlformats.org/officeDocument/2006/customXml" ds:itemID="{E3D9F223-918A-45AF-9B53-56AB9E5E2182}">
   <ds:schemaRefs>
     <ds:schemaRef ds:uri="http://schemas.microsoft.com/office/2006/metadata/properties"/>
@@ -12346,4 +12359,12 @@
     <ds:schemaRef ds:uri="71af3243-3dd4-4a8d-8c0d-dd76da1f02a5"/>
   </ds:schemaRefs>
 </ds:datastoreItem>
+</file>
+
+<file path=customXml/itemProps3.xml><?xml version="1.0" encoding="utf-8"?>
+<ds:datastoreItem xmlns:ds="http://schemas.openxmlformats.org/officeDocument/2006/customXml" ds:itemID="{1B7E2D32-4FDD-4266-880C-17595B801432}">
+  <ds:schemaRefs>
+    <ds:schemaRef ds:uri="http://schemas.microsoft.com/sharepoint/v3/contenttype/forms"/>
+  </ds:schemaRefs>
+</ds:datastoreItem>
 </file>
--- a/CentRes.pptx
+++ b/CentRes.pptx
@@ -5,10 +5,10 @@
     <p:sldMasterId id="2147483648" r:id="rId4"/>
   </p:sldMasterIdLst>
   <p:notesMasterIdLst>
-    <p:notesMasterId r:id="rId24"/>
+    <p:notesMasterId r:id="rId25"/>
   </p:notesMasterIdLst>
   <p:handoutMasterIdLst>
-    <p:handoutMasterId r:id="rId25"/>
+    <p:handoutMasterId r:id="rId26"/>
   </p:handoutMasterIdLst>
   <p:sldIdLst>
     <p:sldId id="2448" r:id="rId5"/>
@@ -23,13 +23,14 @@
     <p:sldId id="2467" r:id="rId14"/>
     <p:sldId id="2457" r:id="rId15"/>
     <p:sldId id="2474" r:id="rId16"/>
-    <p:sldId id="2456" r:id="rId17"/>
-    <p:sldId id="2468" r:id="rId18"/>
-    <p:sldId id="2470" r:id="rId19"/>
-    <p:sldId id="2473" r:id="rId20"/>
-    <p:sldId id="2471" r:id="rId21"/>
-    <p:sldId id="2472" r:id="rId22"/>
-    <p:sldId id="2436" r:id="rId23"/>
+    <p:sldId id="2475" r:id="rId17"/>
+    <p:sldId id="2456" r:id="rId18"/>
+    <p:sldId id="2468" r:id="rId19"/>
+    <p:sldId id="2470" r:id="rId20"/>
+    <p:sldId id="2473" r:id="rId21"/>
+    <p:sldId id="2471" r:id="rId22"/>
+    <p:sldId id="2472" r:id="rId23"/>
+    <p:sldId id="2436" r:id="rId24"/>
   </p:sldIdLst>
   <p:sldSz cx="12192000" cy="6858000"/>
   <p:notesSz cx="6858000" cy="9144000"/>
@@ -926,7 +927,7 @@
           <a:p>
             <a:fld id="{228B34ED-4CDD-41C9-90F7-D768D5559A6F}" type="slidenum">
               <a:rPr lang="en-US" smtClean="0"/>
-              <a:t>13</a:t>
+              <a:t>14</a:t>
             </a:fld>
             <a:endParaRPr lang="en-US" dirty="0"/>
           </a:p>
@@ -1010,7 +1011,7 @@
           <a:p>
             <a:fld id="{228B34ED-4CDD-41C9-90F7-D768D5559A6F}" type="slidenum">
               <a:rPr lang="en-US" smtClean="0"/>
-              <a:t>14</a:t>
+              <a:t>15</a:t>
             </a:fld>
             <a:endParaRPr lang="en-US" dirty="0"/>
           </a:p>
@@ -1094,7 +1095,7 @@
           <a:p>
             <a:fld id="{228B34ED-4CDD-41C9-90F7-D768D5559A6F}" type="slidenum">
               <a:rPr lang="en-US" smtClean="0"/>
-              <a:t>15</a:t>
+              <a:t>16</a:t>
             </a:fld>
             <a:endParaRPr lang="en-US" dirty="0"/>
           </a:p>
@@ -1178,7 +1179,7 @@
           <a:p>
             <a:fld id="{228B34ED-4CDD-41C9-90F7-D768D5559A6F}" type="slidenum">
               <a:rPr lang="en-US" smtClean="0"/>
-              <a:t>16</a:t>
+              <a:t>17</a:t>
             </a:fld>
             <a:endParaRPr lang="en-US" dirty="0"/>
           </a:p>
@@ -6068,10 +6069,142 @@
           <a:bodyPr/>
           <a:lstStyle/>
           <a:p>
-            <a:r>
-              <a:rPr lang="en-US" spc="0" dirty="0"/>
-              <a:t>LOOKING AHEAD</a:t>
-            </a:r>
+            <a:pPr algn="l"/>
+            <a:r>
+              <a:rPr lang="en-US" sz="1200" b="1" u="sng" spc="0" dirty="0">
+                <a:cs typeface="Arial" panose="020B0604020202020204" pitchFamily="34" charset="0"/>
+              </a:rPr>
+              <a:t>Functional requirements</a:t>
+            </a:r>
+          </a:p>
+          <a:p>
+            <a:pPr marL="285750" indent="-285750" algn="l">
+              <a:buFont typeface="Arial" panose="020B0604020202020204" pitchFamily="34" charset="0"/>
+              <a:buChar char="•"/>
+            </a:pPr>
+            <a:r>
+              <a:rPr lang="en-US" sz="1200" spc="0" dirty="0">
+                <a:cs typeface="Arial" panose="020B0604020202020204" pitchFamily="34" charset="0"/>
+              </a:rPr>
+              <a:t>Must:</a:t>
+            </a:r>
+          </a:p>
+          <a:p>
+            <a:pPr algn="l"/>
+            <a:r>
+              <a:rPr lang="en-US" sz="1200" spc="0" dirty="0">
+                <a:cs typeface="Arial" panose="020B0604020202020204" pitchFamily="34" charset="0"/>
+              </a:rPr>
+              <a:t>	-</a:t>
+            </a:r>
+            <a:r>
+              <a:rPr lang="en-US" sz="1200" cap="none" spc="0" dirty="0">
+                <a:cs typeface="Arial" panose="020B0604020202020204" pitchFamily="34" charset="0"/>
+              </a:rPr>
+              <a:t>Display menu when requested</a:t>
+            </a:r>
+          </a:p>
+          <a:p>
+            <a:pPr algn="l"/>
+            <a:r>
+              <a:rPr lang="en-US" sz="1200" cap="none" spc="0" dirty="0">
+                <a:cs typeface="Arial" panose="020B0604020202020204" pitchFamily="34" charset="0"/>
+              </a:rPr>
+              <a:t>	-Display orders, bill, wait times,  and time stamps when requested</a:t>
+            </a:r>
+          </a:p>
+          <a:p>
+            <a:pPr algn="l"/>
+            <a:r>
+              <a:rPr lang="en-US" sz="1200" cap="none" spc="0" dirty="0">
+                <a:cs typeface="Arial" panose="020B0604020202020204" pitchFamily="34" charset="0"/>
+              </a:rPr>
+              <a:t>	-Allow user to login  when successfully entering in user and password</a:t>
+            </a:r>
+            <a:endParaRPr lang="en-US" sz="1200" spc="0" dirty="0">
+              <a:cs typeface="Arial" panose="020B0604020202020204" pitchFamily="34" charset="0"/>
+            </a:endParaRPr>
+          </a:p>
+          <a:p>
+            <a:pPr marL="285750" indent="-285750" algn="l">
+              <a:buFont typeface="Arial" panose="020B0604020202020204" pitchFamily="34" charset="0"/>
+              <a:buChar char="•"/>
+            </a:pPr>
+            <a:r>
+              <a:rPr lang="en-US" sz="1200" spc="0" dirty="0">
+                <a:cs typeface="Arial" panose="020B0604020202020204" pitchFamily="34" charset="0"/>
+              </a:rPr>
+              <a:t>Should:</a:t>
+            </a:r>
+          </a:p>
+          <a:p>
+            <a:pPr algn="l"/>
+            <a:r>
+              <a:rPr lang="en-US" sz="1200" spc="0" dirty="0">
+                <a:cs typeface="Arial" panose="020B0604020202020204" pitchFamily="34" charset="0"/>
+              </a:rPr>
+              <a:t>	-</a:t>
+            </a:r>
+            <a:r>
+              <a:rPr lang="en-US" sz="1200" cap="none" spc="0" dirty="0">
+                <a:cs typeface="Arial" panose="020B0604020202020204" pitchFamily="34" charset="0"/>
+              </a:rPr>
+              <a:t>Use 2fa for manager login to secure admin privileges (two factor authentication)</a:t>
+            </a:r>
+          </a:p>
+          <a:p>
+            <a:pPr algn="l"/>
+            <a:r>
+              <a:rPr lang="en-US" sz="1200" cap="none" spc="0" dirty="0">
+                <a:cs typeface="Arial" panose="020B0604020202020204" pitchFamily="34" charset="0"/>
+              </a:rPr>
+              <a:t>	-Keep track of volume over time to create a predictive model for future use</a:t>
+            </a:r>
+          </a:p>
+          <a:p>
+            <a:pPr algn="l"/>
+            <a:r>
+              <a:rPr lang="en-US" sz="1200" cap="none" spc="0" dirty="0">
+                <a:cs typeface="Arial" panose="020B0604020202020204" pitchFamily="34" charset="0"/>
+              </a:rPr>
+              <a:t>	- Require user log back in after tablet/device is idle for more than 60 seconds</a:t>
+            </a:r>
+          </a:p>
+          <a:p>
+            <a:pPr marL="285750" indent="-285750" algn="l">
+              <a:buFont typeface="Arial" panose="020B0604020202020204" pitchFamily="34" charset="0"/>
+              <a:buChar char="•"/>
+            </a:pPr>
+            <a:r>
+              <a:rPr lang="en-US" sz="1200" spc="0" dirty="0">
+                <a:cs typeface="Arial" panose="020B0604020202020204" pitchFamily="34" charset="0"/>
+              </a:rPr>
+              <a:t>Could:</a:t>
+            </a:r>
+          </a:p>
+          <a:p>
+            <a:pPr algn="l"/>
+            <a:r>
+              <a:rPr lang="en-US" sz="1200" spc="0" dirty="0">
+                <a:cs typeface="Arial" panose="020B0604020202020204" pitchFamily="34" charset="0"/>
+              </a:rPr>
+              <a:t>	-</a:t>
+            </a:r>
+            <a:r>
+              <a:rPr lang="en-US" sz="1200" cap="none" spc="0" dirty="0">
+                <a:cs typeface="Arial" panose="020B0604020202020204" pitchFamily="34" charset="0"/>
+              </a:rPr>
+              <a:t>Customer rewards program</a:t>
+            </a:r>
+          </a:p>
+          <a:p>
+            <a:pPr algn="l"/>
+            <a:endParaRPr lang="en-US" sz="1200" cap="none" spc="0" dirty="0">
+              <a:cs typeface="Arial" panose="020B0604020202020204" pitchFamily="34" charset="0"/>
+            </a:endParaRPr>
+          </a:p>
+          <a:p>
+            <a:endParaRPr lang="en-US" sz="1200" spc="0" dirty="0"/>
           </a:p>
         </p:txBody>
       </p:sp>
@@ -6233,10 +6366,127 @@
           <a:bodyPr/>
           <a:lstStyle/>
           <a:p>
-            <a:r>
-              <a:rPr lang="en-US" spc="0" dirty="0"/>
-              <a:t>LOOKING AHEAD</a:t>
-            </a:r>
+            <a:pPr algn="l"/>
+            <a:r>
+              <a:rPr lang="en-US" sz="1200" b="1" u="sng" spc="0" dirty="0">
+                <a:cs typeface="Arial" panose="020B0604020202020204" pitchFamily="34" charset="0"/>
+              </a:rPr>
+              <a:t>NON-Functional requirements</a:t>
+            </a:r>
+          </a:p>
+          <a:p>
+            <a:pPr marL="285750" indent="-285750" algn="l">
+              <a:buFont typeface="Arial" panose="020B0604020202020204" pitchFamily="34" charset="0"/>
+              <a:buChar char="•"/>
+            </a:pPr>
+            <a:r>
+              <a:rPr lang="en-US" sz="1200" spc="0" dirty="0">
+                <a:cs typeface="Arial" panose="020B0604020202020204" pitchFamily="34" charset="0"/>
+              </a:rPr>
+              <a:t>Must:</a:t>
+            </a:r>
+          </a:p>
+          <a:p>
+            <a:pPr algn="l"/>
+            <a:r>
+              <a:rPr lang="en-US" sz="1200" spc="0" dirty="0">
+                <a:cs typeface="Arial" panose="020B0604020202020204" pitchFamily="34" charset="0"/>
+              </a:rPr>
+              <a:t>	-</a:t>
+            </a:r>
+            <a:r>
+              <a:rPr lang="en-US" sz="1200" cap="none" spc="0" dirty="0">
+                <a:cs typeface="Arial" panose="020B0604020202020204" pitchFamily="34" charset="0"/>
+              </a:rPr>
+              <a:t>Database should update in a timely manner to keep communication between 	users accurate	-Display orders, bill, wait times,  and time stamps when requested</a:t>
+            </a:r>
+          </a:p>
+          <a:p>
+            <a:pPr algn="l"/>
+            <a:r>
+              <a:rPr lang="en-US" sz="1200" cap="none" spc="0" dirty="0">
+                <a:cs typeface="Arial" panose="020B0604020202020204" pitchFamily="34" charset="0"/>
+              </a:rPr>
+              <a:t>	-Password must meet defined password criteria</a:t>
+            </a:r>
+          </a:p>
+          <a:p>
+            <a:pPr algn="l"/>
+            <a:r>
+              <a:rPr lang="en-US" sz="1200" cap="none" spc="0" dirty="0">
+                <a:cs typeface="Arial" panose="020B0604020202020204" pitchFamily="34" charset="0"/>
+              </a:rPr>
+              <a:t>	-Must not allow fault input to a field</a:t>
+            </a:r>
+          </a:p>
+          <a:p>
+            <a:pPr algn="l"/>
+            <a:r>
+              <a:rPr lang="en-US" sz="1200" cap="none" spc="0" dirty="0">
+                <a:cs typeface="Arial" panose="020B0604020202020204" pitchFamily="34" charset="0"/>
+              </a:rPr>
+              <a:t>	-Users must only be able to access what they have permission to see</a:t>
+            </a:r>
+          </a:p>
+          <a:p>
+            <a:pPr algn="l"/>
+            <a:r>
+              <a:rPr lang="en-US" sz="1200" cap="none" spc="0" dirty="0">
+                <a:cs typeface="Arial" panose="020B0604020202020204" pitchFamily="34" charset="0"/>
+              </a:rPr>
+              <a:t>	-The system should support enough logged in users at any given time to satisfy 	the restaurants requirements for access frequency</a:t>
+            </a:r>
+          </a:p>
+          <a:p>
+            <a:pPr marL="285750" indent="-285750" algn="l">
+              <a:buFont typeface="Arial" panose="020B0604020202020204" pitchFamily="34" charset="0"/>
+              <a:buChar char="•"/>
+            </a:pPr>
+            <a:r>
+              <a:rPr lang="en-US" sz="1200" spc="0" dirty="0">
+                <a:cs typeface="Arial" panose="020B0604020202020204" pitchFamily="34" charset="0"/>
+              </a:rPr>
+              <a:t>Should:</a:t>
+            </a:r>
+          </a:p>
+          <a:p>
+            <a:pPr algn="l"/>
+            <a:r>
+              <a:rPr lang="en-US" sz="1200" spc="0" dirty="0">
+                <a:cs typeface="Arial" panose="020B0604020202020204" pitchFamily="34" charset="0"/>
+              </a:rPr>
+              <a:t>	-</a:t>
+            </a:r>
+            <a:r>
+              <a:rPr lang="en-US" sz="1200" cap="none" spc="0" dirty="0">
+                <a:cs typeface="Arial" panose="020B0604020202020204" pitchFamily="34" charset="0"/>
+              </a:rPr>
+              <a:t>Can scale the restaurant table display volume and placement based on 	remodeling and rearrangement)</a:t>
+            </a:r>
+          </a:p>
+          <a:p>
+            <a:pPr algn="l"/>
+            <a:r>
+              <a:rPr lang="en-US" sz="1200" cap="none" spc="0" dirty="0">
+                <a:cs typeface="Arial" panose="020B0604020202020204" pitchFamily="34" charset="0"/>
+              </a:rPr>
+              <a:t>	-Use of local database for efficiency and external/cloud-based database for long 	term data collection for aggregation	</a:t>
+            </a:r>
+          </a:p>
+          <a:p>
+            <a:pPr algn="l"/>
+            <a:r>
+              <a:rPr lang="en-US" sz="1200" cap="none" spc="0" dirty="0">
+                <a:cs typeface="Arial" panose="020B0604020202020204" pitchFamily="34" charset="0"/>
+              </a:rPr>
+              <a:t>	- Keep track of each table as an object with data attributes such as item orders 	per seat, bill cost, wait time</a:t>
+            </a:r>
+          </a:p>
+          <a:p>
+            <a:pPr algn="l"/>
+            <a:endParaRPr lang="en-US" sz="1400" spc="0" dirty="0">
+              <a:cs typeface="Arial" panose="020B0604020202020204" pitchFamily="34" charset="0"/>
+            </a:endParaRPr>
           </a:p>
         </p:txBody>
       </p:sp>
@@ -6283,6 +6533,213 @@
 </file>
 
 <file path=ppt/slides/slide13.xml><?xml version="1.0" encoding="utf-8"?>
+<p:sld xmlns:a="http://schemas.openxmlformats.org/drawingml/2006/main" xmlns:r="http://schemas.openxmlformats.org/officeDocument/2006/relationships" xmlns:p="http://schemas.openxmlformats.org/presentationml/2006/main">
+  <p:cSld>
+    <p:spTree>
+      <p:nvGrpSpPr>
+        <p:cNvPr id="1" name=""/>
+        <p:cNvGrpSpPr/>
+        <p:nvPr/>
+      </p:nvGrpSpPr>
+      <p:grpSpPr>
+        <a:xfrm>
+          <a:off x="0" y="0"/>
+          <a:ext cx="0" cy="0"/>
+          <a:chOff x="0" y="0"/>
+          <a:chExt cx="0" cy="0"/>
+        </a:xfrm>
+      </p:grpSpPr>
+      <p:sp>
+        <p:nvSpPr>
+          <p:cNvPr id="3" name="Title 2">
+            <a:extLst>
+              <a:ext uri="{FF2B5EF4-FFF2-40B4-BE49-F238E27FC236}">
+                <a16:creationId xmlns:a16="http://schemas.microsoft.com/office/drawing/2014/main" id="{1D24B42B-925B-494C-A986-BD85E8117E1E}"/>
+              </a:ext>
+            </a:extLst>
+          </p:cNvPr>
+          <p:cNvSpPr>
+            <a:spLocks noGrp="1"/>
+          </p:cNvSpPr>
+          <p:nvPr>
+            <p:ph type="title"/>
+          </p:nvPr>
+        </p:nvSpPr>
+        <p:spPr>
+          <a:xfrm>
+            <a:off x="6227184" y="142613"/>
+            <a:ext cx="5766033" cy="1231302"/>
+          </a:xfrm>
+        </p:spPr>
+        <p:txBody>
+          <a:bodyPr>
+            <a:normAutofit/>
+          </a:bodyPr>
+          <a:lstStyle/>
+          <a:p>
+            <a:r>
+              <a:rPr lang="en-US" sz="3600" dirty="0"/>
+              <a:t>Requirement Specifications</a:t>
+            </a:r>
+          </a:p>
+        </p:txBody>
+      </p:sp>
+      <p:pic>
+        <p:nvPicPr>
+          <p:cNvPr id="13" name="Picture Placeholder 12" descr="close up of computer on top of table against a brick wall">
+            <a:extLst>
+              <a:ext uri="{FF2B5EF4-FFF2-40B4-BE49-F238E27FC236}">
+                <a16:creationId xmlns:a16="http://schemas.microsoft.com/office/drawing/2014/main" id="{90BB9493-60B4-4B89-89CE-E1F8BF6C4D12}"/>
+              </a:ext>
+            </a:extLst>
+          </p:cNvPr>
+          <p:cNvPicPr>
+            <a:picLocks noGrp="1" noChangeAspect="1"/>
+          </p:cNvPicPr>
+          <p:nvPr>
+            <p:ph type="pic" sz="quarter" idx="13"/>
+          </p:nvPr>
+        </p:nvPicPr>
+        <p:blipFill rotWithShape="1">
+          <a:blip r:embed="rId2" cstate="email">
+            <a:extLst>
+              <a:ext uri="{BEBA8EAE-BF5A-486C-A8C5-ECC9F3942E4B}">
+                <a14:imgProps xmlns:a14="http://schemas.microsoft.com/office/drawing/2010/main">
+                  <a14:imgLayer r:embed="rId3">
+                    <a14:imgEffect>
+                      <a14:saturation sat="0"/>
+                    </a14:imgEffect>
+                  </a14:imgLayer>
+                </a14:imgProps>
+              </a:ext>
+              <a:ext uri="{28A0092B-C50C-407E-A947-70E740481C1C}">
+                <a14:useLocalDpi xmlns:a14="http://schemas.microsoft.com/office/drawing/2010/main"/>
+              </a:ext>
+            </a:extLst>
+          </a:blip>
+          <a:srcRect l="20370" r="20370"/>
+          <a:stretch/>
+        </p:blipFill>
+        <p:spPr/>
+      </p:pic>
+      <p:sp>
+        <p:nvSpPr>
+          <p:cNvPr id="5" name="Text Placeholder 4">
+            <a:extLst>
+              <a:ext uri="{FF2B5EF4-FFF2-40B4-BE49-F238E27FC236}">
+                <a16:creationId xmlns:a16="http://schemas.microsoft.com/office/drawing/2014/main" id="{AF9B872F-6332-408E-9135-B871F0C90C00}"/>
+              </a:ext>
+            </a:extLst>
+          </p:cNvPr>
+          <p:cNvSpPr>
+            <a:spLocks noGrp="1"/>
+          </p:cNvSpPr>
+          <p:nvPr>
+            <p:ph type="body" idx="1"/>
+          </p:nvPr>
+        </p:nvSpPr>
+        <p:spPr>
+          <a:xfrm>
+            <a:off x="5766032" y="1518408"/>
+            <a:ext cx="6096000" cy="4882392"/>
+          </a:xfrm>
+        </p:spPr>
+        <p:txBody>
+          <a:bodyPr/>
+          <a:lstStyle/>
+          <a:p>
+            <a:pPr algn="l"/>
+            <a:r>
+              <a:rPr lang="en-US" sz="1200" b="1" u="sng" spc="0" dirty="0">
+                <a:cs typeface="Arial" panose="020B0604020202020204" pitchFamily="34" charset="0"/>
+              </a:rPr>
+              <a:t>NON-Functional requirements (continued)</a:t>
+            </a:r>
+          </a:p>
+          <a:p>
+            <a:pPr marL="285750" indent="-285750" algn="l">
+              <a:buFont typeface="Arial" panose="020B0604020202020204" pitchFamily="34" charset="0"/>
+              <a:buChar char="•"/>
+            </a:pPr>
+            <a:r>
+              <a:rPr lang="en-US" sz="1200" spc="0" dirty="0">
+                <a:cs typeface="Arial" panose="020B0604020202020204" pitchFamily="34" charset="0"/>
+              </a:rPr>
+              <a:t>Could:</a:t>
+            </a:r>
+            <a:endParaRPr lang="en-US" sz="1200" cap="none" spc="0" dirty="0">
+              <a:cs typeface="Arial" panose="020B0604020202020204" pitchFamily="34" charset="0"/>
+            </a:endParaRPr>
+          </a:p>
+          <a:p>
+            <a:pPr algn="l"/>
+            <a:r>
+              <a:rPr lang="en-US" sz="1200" cap="none" spc="0" dirty="0">
+                <a:cs typeface="Arial" panose="020B0604020202020204" pitchFamily="34" charset="0"/>
+              </a:rPr>
+              <a:t>	-Use a third-party security/authentication system to avoid unwanted 	manipulation</a:t>
+            </a:r>
+          </a:p>
+          <a:p>
+            <a:pPr algn="l"/>
+            <a:r>
+              <a:rPr lang="en-US" sz="1400" spc="0" dirty="0">
+                <a:cs typeface="Arial" panose="020B0604020202020204" pitchFamily="34" charset="0"/>
+              </a:rPr>
+              <a:t>	- </a:t>
+            </a:r>
+            <a:r>
+              <a:rPr lang="en-US" sz="1200" cap="none" spc="0" dirty="0">
+                <a:cs typeface="Arial" panose="020B0604020202020204" pitchFamily="34" charset="0"/>
+              </a:rPr>
+              <a:t>Implement customer rewards program with customer email</a:t>
+            </a:r>
+          </a:p>
+        </p:txBody>
+      </p:sp>
+      <p:sp>
+        <p:nvSpPr>
+          <p:cNvPr id="2" name="Slide Number Placeholder 1">
+            <a:extLst>
+              <a:ext uri="{FF2B5EF4-FFF2-40B4-BE49-F238E27FC236}">
+                <a16:creationId xmlns:a16="http://schemas.microsoft.com/office/drawing/2014/main" id="{948DD8A0-BD53-4DBF-949B-0D64D12DADA9}"/>
+              </a:ext>
+            </a:extLst>
+          </p:cNvPr>
+          <p:cNvSpPr>
+            <a:spLocks noGrp="1"/>
+          </p:cNvSpPr>
+          <p:nvPr>
+            <p:ph type="sldNum" sz="quarter" idx="12"/>
+          </p:nvPr>
+        </p:nvSpPr>
+        <p:spPr/>
+        <p:txBody>
+          <a:bodyPr/>
+          <a:lstStyle/>
+          <a:p>
+            <a:fld id="{8C2E478F-E849-4A8C-AF1F-CBCC78A7CBFA}" type="slidenum">
+              <a:rPr lang="en-US" smtClean="0"/>
+              <a:t>13</a:t>
+            </a:fld>
+            <a:endParaRPr lang="en-US" dirty="0"/>
+          </a:p>
+        </p:txBody>
+      </p:sp>
+    </p:spTree>
+    <p:extLst>
+      <p:ext uri="{BB962C8B-B14F-4D97-AF65-F5344CB8AC3E}">
+        <p14:creationId xmlns:p14="http://schemas.microsoft.com/office/powerpoint/2010/main" val="2280711133"/>
+      </p:ext>
+    </p:extLst>
+  </p:cSld>
+  <p:clrMapOvr>
+    <a:masterClrMapping/>
+  </p:clrMapOvr>
+</p:sld>
+</file>
+
+<file path=ppt/slides/slide14.xml><?xml version="1.0" encoding="utf-8"?>
 <p:sld xmlns:a="http://schemas.openxmlformats.org/drawingml/2006/main" xmlns:r="http://schemas.openxmlformats.org/officeDocument/2006/relationships" xmlns:p="http://schemas.openxmlformats.org/presentationml/2006/main">
   <p:cSld>
     <p:spTree>
@@ -6871,7 +7328,7 @@
           <a:p>
             <a:fld id="{8C2E478F-E849-4A8C-AF1F-CBCC78A7CBFA}" type="slidenum">
               <a:rPr lang="en-US" smtClean="0"/>
-              <a:t>13</a:t>
+              <a:t>14</a:t>
             </a:fld>
             <a:endParaRPr lang="en-US" dirty="0"/>
           </a:p>
@@ -6890,7 +7347,7 @@
 </p:sld>
 </file>
 
-<file path=ppt/slides/slide14.xml><?xml version="1.0" encoding="utf-8"?>
+<file path=ppt/slides/slide15.xml><?xml version="1.0" encoding="utf-8"?>
 <p:sld xmlns:a="http://schemas.openxmlformats.org/drawingml/2006/main" xmlns:r="http://schemas.openxmlformats.org/officeDocument/2006/relationships" xmlns:p="http://schemas.openxmlformats.org/presentationml/2006/main">
   <p:cSld>
     <p:spTree>
@@ -7110,7 +7567,7 @@
           <a:p>
             <a:fld id="{8C2E478F-E849-4A8C-AF1F-CBCC78A7CBFA}" type="slidenum">
               <a:rPr lang="en-US" smtClean="0"/>
-              <a:t>14</a:t>
+              <a:t>15</a:t>
             </a:fld>
             <a:endParaRPr lang="en-US" dirty="0"/>
           </a:p>
@@ -7129,7 +7586,7 @@
 </p:sld>
 </file>
 
-<file path=ppt/slides/slide15.xml><?xml version="1.0" encoding="utf-8"?>
+<file path=ppt/slides/slide16.xml><?xml version="1.0" encoding="utf-8"?>
 <p:sld xmlns:a="http://schemas.openxmlformats.org/drawingml/2006/main" xmlns:r="http://schemas.openxmlformats.org/officeDocument/2006/relationships" xmlns:p="http://schemas.openxmlformats.org/presentationml/2006/main">
   <p:cSld>
     <p:spTree>
@@ -7617,7 +8074,7 @@
           <a:p>
             <a:fld id="{8C2E478F-E849-4A8C-AF1F-CBCC78A7CBFA}" type="slidenum">
               <a:rPr lang="en-US" smtClean="0"/>
-              <a:t>15</a:t>
+              <a:t>16</a:t>
             </a:fld>
             <a:endParaRPr lang="en-US" dirty="0"/>
           </a:p>
@@ -7636,7 +8093,7 @@
 </p:sld>
 </file>
 
-<file path=ppt/slides/slide16.xml><?xml version="1.0" encoding="utf-8"?>
+<file path=ppt/slides/slide17.xml><?xml version="1.0" encoding="utf-8"?>
 <p:sld xmlns:a="http://schemas.openxmlformats.org/drawingml/2006/main" xmlns:r="http://schemas.openxmlformats.org/officeDocument/2006/relationships" xmlns:p="http://schemas.openxmlformats.org/presentationml/2006/main">
   <p:cSld>
     <p:spTree>
@@ -8107,7 +8564,7 @@
           <a:p>
             <a:fld id="{8C2E478F-E849-4A8C-AF1F-CBCC78A7CBFA}" type="slidenum">
               <a:rPr lang="en-US" smtClean="0"/>
-              <a:t>16</a:t>
+              <a:t>17</a:t>
             </a:fld>
             <a:endParaRPr lang="en-US" dirty="0"/>
           </a:p>
@@ -8117,272 +8574,6 @@
     <p:extLst>
       <p:ext uri="{BB962C8B-B14F-4D97-AF65-F5344CB8AC3E}">
         <p14:creationId xmlns:p14="http://schemas.microsoft.com/office/powerpoint/2010/main" val="692636852"/>
-      </p:ext>
-    </p:extLst>
-  </p:cSld>
-  <p:clrMapOvr>
-    <a:masterClrMapping/>
-  </p:clrMapOvr>
-</p:sld>
-</file>
-
-<file path=ppt/slides/slide17.xml><?xml version="1.0" encoding="utf-8"?>
-<p:sld xmlns:a="http://schemas.openxmlformats.org/drawingml/2006/main" xmlns:r="http://schemas.openxmlformats.org/officeDocument/2006/relationships" xmlns:p="http://schemas.openxmlformats.org/presentationml/2006/main">
-  <p:cSld>
-    <p:spTree>
-      <p:nvGrpSpPr>
-        <p:cNvPr id="1" name=""/>
-        <p:cNvGrpSpPr/>
-        <p:nvPr/>
-      </p:nvGrpSpPr>
-      <p:grpSpPr>
-        <a:xfrm>
-          <a:off x="0" y="0"/>
-          <a:ext cx="0" cy="0"/>
-          <a:chOff x="0" y="0"/>
-          <a:chExt cx="0" cy="0"/>
-        </a:xfrm>
-      </p:grpSpPr>
-      <p:sp>
-        <p:nvSpPr>
-          <p:cNvPr id="3" name="Title 2">
-            <a:extLst>
-              <a:ext uri="{FF2B5EF4-FFF2-40B4-BE49-F238E27FC236}">
-                <a16:creationId xmlns:a16="http://schemas.microsoft.com/office/drawing/2014/main" id="{1D24B42B-925B-494C-A986-BD85E8117E1E}"/>
-              </a:ext>
-            </a:extLst>
-          </p:cNvPr>
-          <p:cNvSpPr>
-            <a:spLocks noGrp="1"/>
-          </p:cNvSpPr>
-          <p:nvPr>
-            <p:ph type="title"/>
-          </p:nvPr>
-        </p:nvSpPr>
-        <p:spPr>
-          <a:xfrm>
-            <a:off x="6258991" y="151788"/>
-            <a:ext cx="5251450" cy="975869"/>
-          </a:xfrm>
-        </p:spPr>
-        <p:txBody>
-          <a:bodyPr>
-            <a:normAutofit/>
-          </a:bodyPr>
-          <a:lstStyle/>
-          <a:p>
-            <a:r>
-              <a:rPr lang="en-US" sz="2800" dirty="0"/>
-              <a:t>Achievements and challenges</a:t>
-            </a:r>
-          </a:p>
-        </p:txBody>
-      </p:sp>
-      <p:pic>
-        <p:nvPicPr>
-          <p:cNvPr id="8" name="Picture Placeholder 7" descr="close up of computer code">
-            <a:extLst>
-              <a:ext uri="{FF2B5EF4-FFF2-40B4-BE49-F238E27FC236}">
-                <a16:creationId xmlns:a16="http://schemas.microsoft.com/office/drawing/2014/main" id="{A596BF19-CC58-4709-B5D6-3FC378FDC7BA}"/>
-              </a:ext>
-            </a:extLst>
-          </p:cNvPr>
-          <p:cNvPicPr>
-            <a:picLocks noGrp="1" noChangeAspect="1"/>
-          </p:cNvPicPr>
-          <p:nvPr>
-            <p:ph type="pic" sz="quarter" idx="13"/>
-          </p:nvPr>
-        </p:nvPicPr>
-        <p:blipFill rotWithShape="1">
-          <a:blip r:embed="rId2">
-            <a:extLst>
-              <a:ext uri="{BEBA8EAE-BF5A-486C-A8C5-ECC9F3942E4B}">
-                <a14:imgProps xmlns:a14="http://schemas.microsoft.com/office/drawing/2010/main">
-                  <a14:imgLayer r:embed="rId3">
-                    <a14:imgEffect>
-                      <a14:saturation sat="0"/>
-                    </a14:imgEffect>
-                  </a14:imgLayer>
-                </a14:imgProps>
-              </a:ext>
-            </a:extLst>
-          </a:blip>
-          <a:srcRect l="20370" r="20370"/>
-          <a:stretch/>
-        </p:blipFill>
-        <p:spPr>
-          <a:xfrm>
-            <a:off x="0" y="-9922"/>
-            <a:ext cx="6096000" cy="6867922"/>
-          </a:xfrm>
-        </p:spPr>
-      </p:pic>
-      <p:sp>
-        <p:nvSpPr>
-          <p:cNvPr id="2" name="Text Placeholder 1">
-            <a:extLst>
-              <a:ext uri="{FF2B5EF4-FFF2-40B4-BE49-F238E27FC236}">
-                <a16:creationId xmlns:a16="http://schemas.microsoft.com/office/drawing/2014/main" id="{B156CAF1-214F-4566-9B0D-DACA1063E8C8}"/>
-              </a:ext>
-            </a:extLst>
-          </p:cNvPr>
-          <p:cNvSpPr>
-            <a:spLocks noGrp="1"/>
-          </p:cNvSpPr>
-          <p:nvPr>
-            <p:ph type="body" idx="1"/>
-          </p:nvPr>
-        </p:nvSpPr>
-        <p:spPr>
-          <a:xfrm>
-            <a:off x="5897218" y="1375873"/>
-            <a:ext cx="6095999" cy="5233911"/>
-          </a:xfrm>
-        </p:spPr>
-        <p:txBody>
-          <a:bodyPr/>
-          <a:lstStyle/>
-          <a:p>
-            <a:pPr algn="l"/>
-            <a:r>
-              <a:rPr lang="en-US" sz="1600" u="sng" spc="0" dirty="0">
-                <a:cs typeface="Arial" panose="020B0604020202020204" pitchFamily="34" charset="0"/>
-              </a:rPr>
-              <a:t>Achievements:</a:t>
-            </a:r>
-          </a:p>
-          <a:p>
-            <a:pPr marL="285750" indent="-285750" algn="l">
-              <a:buFont typeface="Arial" panose="020B0604020202020204" pitchFamily="34" charset="0"/>
-              <a:buChar char="•"/>
-            </a:pPr>
-            <a:r>
-              <a:rPr lang="en-US" spc="0" dirty="0">
-                <a:cs typeface="Arial" panose="020B0604020202020204" pitchFamily="34" charset="0"/>
-              </a:rPr>
-              <a:t>Successfully hosted sprint meetings with all members present weekly and participating</a:t>
-            </a:r>
-          </a:p>
-          <a:p>
-            <a:pPr marL="285750" indent="-285750" algn="l">
-              <a:buFont typeface="Arial" panose="020B0604020202020204" pitchFamily="34" charset="0"/>
-              <a:buChar char="•"/>
-            </a:pPr>
-            <a:r>
-              <a:rPr lang="en-US" spc="0" dirty="0">
-                <a:cs typeface="Arial" panose="020B0604020202020204" pitchFamily="34" charset="0"/>
-              </a:rPr>
-              <a:t>Individual team members feel more satisfied with their roles which gives them extra motivation to perform.</a:t>
-            </a:r>
-          </a:p>
-          <a:p>
-            <a:pPr marL="285750" indent="-285750" algn="l">
-              <a:buFont typeface="Arial" panose="020B0604020202020204" pitchFamily="34" charset="0"/>
-              <a:buChar char="•"/>
-            </a:pPr>
-            <a:r>
-              <a:rPr lang="en-US" spc="0" dirty="0">
-                <a:cs typeface="Arial" panose="020B0604020202020204" pitchFamily="34" charset="0"/>
-              </a:rPr>
-              <a:t>tasks are completed on time and in full.</a:t>
-            </a:r>
-          </a:p>
-          <a:p>
-            <a:pPr marL="285750" indent="-285750" algn="l">
-              <a:buFont typeface="Arial" panose="020B0604020202020204" pitchFamily="34" charset="0"/>
-              <a:buChar char="•"/>
-            </a:pPr>
-            <a:endParaRPr lang="en-US" spc="0" dirty="0">
-              <a:cs typeface="Arial" panose="020B0604020202020204" pitchFamily="34" charset="0"/>
-            </a:endParaRPr>
-          </a:p>
-          <a:p>
-            <a:pPr marL="285750" indent="-285750" algn="l">
-              <a:buFont typeface="Arial" panose="020B0604020202020204" pitchFamily="34" charset="0"/>
-              <a:buChar char="•"/>
-            </a:pPr>
-            <a:endParaRPr lang="en-US" spc="0" dirty="0">
-              <a:cs typeface="Arial" panose="020B0604020202020204" pitchFamily="34" charset="0"/>
-            </a:endParaRPr>
-          </a:p>
-          <a:p>
-            <a:pPr algn="l"/>
-            <a:endParaRPr lang="en-US" spc="0" dirty="0">
-              <a:cs typeface="Arial" panose="020B0604020202020204" pitchFamily="34" charset="0"/>
-            </a:endParaRPr>
-          </a:p>
-          <a:p>
-            <a:pPr algn="l"/>
-            <a:endParaRPr lang="en-US" spc="0" dirty="0">
-              <a:cs typeface="Arial" panose="020B0604020202020204" pitchFamily="34" charset="0"/>
-            </a:endParaRPr>
-          </a:p>
-          <a:p>
-            <a:pPr algn="l"/>
-            <a:r>
-              <a:rPr lang="en-US" sz="1600" u="sng" spc="0" dirty="0">
-                <a:cs typeface="Arial" panose="020B0604020202020204" pitchFamily="34" charset="0"/>
-              </a:rPr>
-              <a:t>Challenges:</a:t>
-            </a:r>
-          </a:p>
-          <a:p>
-            <a:pPr marL="285750" indent="-285750" algn="l">
-              <a:buFont typeface="Arial" panose="020B0604020202020204" pitchFamily="34" charset="0"/>
-              <a:buChar char="•"/>
-            </a:pPr>
-            <a:r>
-              <a:rPr lang="en-US" spc="0" dirty="0">
-                <a:cs typeface="Arial" panose="020B0604020202020204" pitchFamily="34" charset="0"/>
-              </a:rPr>
-              <a:t>Microsoft word formatting for SRS document </a:t>
-            </a:r>
-          </a:p>
-          <a:p>
-            <a:pPr marL="285750" indent="-285750" algn="l">
-              <a:buFont typeface="Arial" panose="020B0604020202020204" pitchFamily="34" charset="0"/>
-              <a:buChar char="•"/>
-            </a:pPr>
-            <a:endParaRPr lang="en-US" sz="1600" spc="0" dirty="0">
-              <a:cs typeface="Arial" panose="020B0604020202020204" pitchFamily="34" charset="0"/>
-            </a:endParaRPr>
-          </a:p>
-        </p:txBody>
-      </p:sp>
-      <p:sp>
-        <p:nvSpPr>
-          <p:cNvPr id="6" name="Slide Number Placeholder 5">
-            <a:extLst>
-              <a:ext uri="{FF2B5EF4-FFF2-40B4-BE49-F238E27FC236}">
-                <a16:creationId xmlns:a16="http://schemas.microsoft.com/office/drawing/2014/main" id="{FC6A5C12-E784-444E-B868-DE2AE85742BB}"/>
-              </a:ext>
-            </a:extLst>
-          </p:cNvPr>
-          <p:cNvSpPr>
-            <a:spLocks noGrp="1"/>
-          </p:cNvSpPr>
-          <p:nvPr>
-            <p:ph type="sldNum" sz="quarter" idx="12"/>
-          </p:nvPr>
-        </p:nvSpPr>
-        <p:spPr/>
-        <p:txBody>
-          <a:bodyPr/>
-          <a:lstStyle/>
-          <a:p>
-            <a:fld id="{8C2E478F-E849-4A8C-AF1F-CBCC78A7CBFA}" type="slidenum">
-              <a:rPr lang="en-US" smtClean="0"/>
-              <a:t>17</a:t>
-            </a:fld>
-            <a:endParaRPr lang="en-US" dirty="0"/>
-          </a:p>
-        </p:txBody>
-      </p:sp>
-    </p:spTree>
-    <p:extLst>
-      <p:ext uri="{BB962C8B-B14F-4D97-AF65-F5344CB8AC3E}">
-        <p14:creationId xmlns:p14="http://schemas.microsoft.com/office/powerpoint/2010/main" val="2918897839"/>
       </p:ext>
     </p:extLst>
   </p:cSld>
@@ -8427,8 +8618,8 @@
         </p:nvSpPr>
         <p:spPr>
           <a:xfrm>
-            <a:off x="6243087" y="58128"/>
-            <a:ext cx="5569486" cy="741763"/>
+            <a:off x="6258991" y="151788"/>
+            <a:ext cx="5251450" cy="975869"/>
           </a:xfrm>
         </p:spPr>
         <p:txBody>
@@ -8439,7 +8630,7 @@
           <a:p>
             <a:r>
               <a:rPr lang="en-US" sz="2800" dirty="0"/>
-              <a:t>Future Development Plan</a:t>
+              <a:t>Achievements and challenges</a:t>
             </a:r>
           </a:p>
         </p:txBody>
@@ -8502,23 +8693,32 @@
         </p:nvSpPr>
         <p:spPr>
           <a:xfrm>
-            <a:off x="5897218" y="956345"/>
-            <a:ext cx="6095999" cy="5578679"/>
+            <a:off x="5897218" y="1375873"/>
+            <a:ext cx="6095999" cy="5233911"/>
           </a:xfrm>
         </p:spPr>
         <p:txBody>
           <a:bodyPr/>
           <a:lstStyle/>
+          <a:p>
+            <a:pPr algn="l"/>
+            <a:r>
+              <a:rPr lang="en-US" sz="1600" u="sng" spc="0" dirty="0">
+                <a:cs typeface="Arial" panose="020B0604020202020204" pitchFamily="34" charset="0"/>
+              </a:rPr>
+              <a:t>Achievements:</a:t>
+            </a:r>
+          </a:p>
           <a:p>
             <a:pPr marL="285750" indent="-285750" algn="l">
               <a:buFont typeface="Arial" panose="020B0604020202020204" pitchFamily="34" charset="0"/>
               <a:buChar char="•"/>
             </a:pPr>
             <a:r>
-              <a:rPr lang="en-US" sz="1600" spc="0" dirty="0">
+              <a:rPr lang="en-US" spc="0" dirty="0">
                 <a:cs typeface="Arial" panose="020B0604020202020204" pitchFamily="34" charset="0"/>
               </a:rPr>
-              <a:t>Create a Mobile application version to give restaurant owners the option to use either a web application or mobile application based on their needs. </a:t>
+              <a:t>Successfully hosted sprint meetings with all members present weekly and participating</a:t>
             </a:r>
           </a:p>
           <a:p>
@@ -8527,10 +8727,73 @@
               <a:buChar char="•"/>
             </a:pPr>
             <a:r>
-              <a:rPr lang="en-US" sz="1600" spc="0" dirty="0">
+              <a:rPr lang="en-US" spc="0" dirty="0">
                 <a:cs typeface="Arial" panose="020B0604020202020204" pitchFamily="34" charset="0"/>
               </a:rPr>
-              <a:t>add online reservation for customers .</a:t>
+              <a:t>Individual team members feel more satisfied with their roles which gives them extra motivation to perform.</a:t>
+            </a:r>
+          </a:p>
+          <a:p>
+            <a:pPr marL="285750" indent="-285750" algn="l">
+              <a:buFont typeface="Arial" panose="020B0604020202020204" pitchFamily="34" charset="0"/>
+              <a:buChar char="•"/>
+            </a:pPr>
+            <a:r>
+              <a:rPr lang="en-US" spc="0" dirty="0">
+                <a:cs typeface="Arial" panose="020B0604020202020204" pitchFamily="34" charset="0"/>
+              </a:rPr>
+              <a:t>tasks are completed on time and in full.</a:t>
+            </a:r>
+          </a:p>
+          <a:p>
+            <a:pPr marL="285750" indent="-285750" algn="l">
+              <a:buFont typeface="Arial" panose="020B0604020202020204" pitchFamily="34" charset="0"/>
+              <a:buChar char="•"/>
+            </a:pPr>
+            <a:endParaRPr lang="en-US" spc="0" dirty="0">
+              <a:cs typeface="Arial" panose="020B0604020202020204" pitchFamily="34" charset="0"/>
+            </a:endParaRPr>
+          </a:p>
+          <a:p>
+            <a:pPr marL="285750" indent="-285750" algn="l">
+              <a:buFont typeface="Arial" panose="020B0604020202020204" pitchFamily="34" charset="0"/>
+              <a:buChar char="•"/>
+            </a:pPr>
+            <a:endParaRPr lang="en-US" spc="0" dirty="0">
+              <a:cs typeface="Arial" panose="020B0604020202020204" pitchFamily="34" charset="0"/>
+            </a:endParaRPr>
+          </a:p>
+          <a:p>
+            <a:pPr algn="l"/>
+            <a:endParaRPr lang="en-US" spc="0" dirty="0">
+              <a:cs typeface="Arial" panose="020B0604020202020204" pitchFamily="34" charset="0"/>
+            </a:endParaRPr>
+          </a:p>
+          <a:p>
+            <a:pPr algn="l"/>
+            <a:endParaRPr lang="en-US" spc="0" dirty="0">
+              <a:cs typeface="Arial" panose="020B0604020202020204" pitchFamily="34" charset="0"/>
+            </a:endParaRPr>
+          </a:p>
+          <a:p>
+            <a:pPr algn="l"/>
+            <a:r>
+              <a:rPr lang="en-US" sz="1600" u="sng" spc="0" dirty="0">
+                <a:cs typeface="Arial" panose="020B0604020202020204" pitchFamily="34" charset="0"/>
+              </a:rPr>
+              <a:t>Challenges:</a:t>
+            </a:r>
+          </a:p>
+          <a:p>
+            <a:pPr marL="285750" indent="-285750" algn="l">
+              <a:buFont typeface="Arial" panose="020B0604020202020204" pitchFamily="34" charset="0"/>
+              <a:buChar char="•"/>
+            </a:pPr>
+            <a:r>
+              <a:rPr lang="en-US" spc="0" dirty="0">
+                <a:cs typeface="Arial" panose="020B0604020202020204" pitchFamily="34" charset="0"/>
+              </a:rPr>
+              <a:t>Microsoft word formatting for SRS document </a:t>
             </a:r>
           </a:p>
           <a:p>
@@ -8568,6 +8831,200 @@
             <a:fld id="{8C2E478F-E849-4A8C-AF1F-CBCC78A7CBFA}" type="slidenum">
               <a:rPr lang="en-US" smtClean="0"/>
               <a:t>18</a:t>
+            </a:fld>
+            <a:endParaRPr lang="en-US" dirty="0"/>
+          </a:p>
+        </p:txBody>
+      </p:sp>
+    </p:spTree>
+    <p:extLst>
+      <p:ext uri="{BB962C8B-B14F-4D97-AF65-F5344CB8AC3E}">
+        <p14:creationId xmlns:p14="http://schemas.microsoft.com/office/powerpoint/2010/main" val="2918897839"/>
+      </p:ext>
+    </p:extLst>
+  </p:cSld>
+  <p:clrMapOvr>
+    <a:masterClrMapping/>
+  </p:clrMapOvr>
+</p:sld>
+</file>
+
+<file path=ppt/slides/slide19.xml><?xml version="1.0" encoding="utf-8"?>
+<p:sld xmlns:a="http://schemas.openxmlformats.org/drawingml/2006/main" xmlns:r="http://schemas.openxmlformats.org/officeDocument/2006/relationships" xmlns:p="http://schemas.openxmlformats.org/presentationml/2006/main">
+  <p:cSld>
+    <p:spTree>
+      <p:nvGrpSpPr>
+        <p:cNvPr id="1" name=""/>
+        <p:cNvGrpSpPr/>
+        <p:nvPr/>
+      </p:nvGrpSpPr>
+      <p:grpSpPr>
+        <a:xfrm>
+          <a:off x="0" y="0"/>
+          <a:ext cx="0" cy="0"/>
+          <a:chOff x="0" y="0"/>
+          <a:chExt cx="0" cy="0"/>
+        </a:xfrm>
+      </p:grpSpPr>
+      <p:sp>
+        <p:nvSpPr>
+          <p:cNvPr id="3" name="Title 2">
+            <a:extLst>
+              <a:ext uri="{FF2B5EF4-FFF2-40B4-BE49-F238E27FC236}">
+                <a16:creationId xmlns:a16="http://schemas.microsoft.com/office/drawing/2014/main" id="{1D24B42B-925B-494C-A986-BD85E8117E1E}"/>
+              </a:ext>
+            </a:extLst>
+          </p:cNvPr>
+          <p:cNvSpPr>
+            <a:spLocks noGrp="1"/>
+          </p:cNvSpPr>
+          <p:nvPr>
+            <p:ph type="title"/>
+          </p:nvPr>
+        </p:nvSpPr>
+        <p:spPr>
+          <a:xfrm>
+            <a:off x="6243087" y="58128"/>
+            <a:ext cx="5569486" cy="741763"/>
+          </a:xfrm>
+        </p:spPr>
+        <p:txBody>
+          <a:bodyPr>
+            <a:normAutofit/>
+          </a:bodyPr>
+          <a:lstStyle/>
+          <a:p>
+            <a:r>
+              <a:rPr lang="en-US" sz="2800" dirty="0"/>
+              <a:t>Future Development Plan</a:t>
+            </a:r>
+          </a:p>
+        </p:txBody>
+      </p:sp>
+      <p:pic>
+        <p:nvPicPr>
+          <p:cNvPr id="8" name="Picture Placeholder 7" descr="close up of computer code">
+            <a:extLst>
+              <a:ext uri="{FF2B5EF4-FFF2-40B4-BE49-F238E27FC236}">
+                <a16:creationId xmlns:a16="http://schemas.microsoft.com/office/drawing/2014/main" id="{A596BF19-CC58-4709-B5D6-3FC378FDC7BA}"/>
+              </a:ext>
+            </a:extLst>
+          </p:cNvPr>
+          <p:cNvPicPr>
+            <a:picLocks noGrp="1" noChangeAspect="1"/>
+          </p:cNvPicPr>
+          <p:nvPr>
+            <p:ph type="pic" sz="quarter" idx="13"/>
+          </p:nvPr>
+        </p:nvPicPr>
+        <p:blipFill rotWithShape="1">
+          <a:blip r:embed="rId2">
+            <a:extLst>
+              <a:ext uri="{BEBA8EAE-BF5A-486C-A8C5-ECC9F3942E4B}">
+                <a14:imgProps xmlns:a14="http://schemas.microsoft.com/office/drawing/2010/main">
+                  <a14:imgLayer r:embed="rId3">
+                    <a14:imgEffect>
+                      <a14:saturation sat="0"/>
+                    </a14:imgEffect>
+                  </a14:imgLayer>
+                </a14:imgProps>
+              </a:ext>
+            </a:extLst>
+          </a:blip>
+          <a:srcRect l="20370" r="20370"/>
+          <a:stretch/>
+        </p:blipFill>
+        <p:spPr>
+          <a:xfrm>
+            <a:off x="0" y="-9922"/>
+            <a:ext cx="6096000" cy="6867922"/>
+          </a:xfrm>
+        </p:spPr>
+      </p:pic>
+      <p:sp>
+        <p:nvSpPr>
+          <p:cNvPr id="2" name="Text Placeholder 1">
+            <a:extLst>
+              <a:ext uri="{FF2B5EF4-FFF2-40B4-BE49-F238E27FC236}">
+                <a16:creationId xmlns:a16="http://schemas.microsoft.com/office/drawing/2014/main" id="{B156CAF1-214F-4566-9B0D-DACA1063E8C8}"/>
+              </a:ext>
+            </a:extLst>
+          </p:cNvPr>
+          <p:cNvSpPr>
+            <a:spLocks noGrp="1"/>
+          </p:cNvSpPr>
+          <p:nvPr>
+            <p:ph type="body" idx="1"/>
+          </p:nvPr>
+        </p:nvSpPr>
+        <p:spPr>
+          <a:xfrm>
+            <a:off x="5897218" y="956345"/>
+            <a:ext cx="6095999" cy="5578679"/>
+          </a:xfrm>
+        </p:spPr>
+        <p:txBody>
+          <a:bodyPr/>
+          <a:lstStyle/>
+          <a:p>
+            <a:pPr marL="285750" indent="-285750" algn="l">
+              <a:buFont typeface="Arial" panose="020B0604020202020204" pitchFamily="34" charset="0"/>
+              <a:buChar char="•"/>
+            </a:pPr>
+            <a:r>
+              <a:rPr lang="en-US" sz="1600" spc="0" dirty="0">
+                <a:cs typeface="Arial" panose="020B0604020202020204" pitchFamily="34" charset="0"/>
+              </a:rPr>
+              <a:t>Create a Mobile application version to give restaurant owners the option to use either a web application or mobile application based on their needs. </a:t>
+            </a:r>
+          </a:p>
+          <a:p>
+            <a:pPr marL="285750" indent="-285750" algn="l">
+              <a:buFont typeface="Arial" panose="020B0604020202020204" pitchFamily="34" charset="0"/>
+              <a:buChar char="•"/>
+            </a:pPr>
+            <a:r>
+              <a:rPr lang="en-US" sz="1600" spc="0" dirty="0">
+                <a:cs typeface="Arial" panose="020B0604020202020204" pitchFamily="34" charset="0"/>
+              </a:rPr>
+              <a:t>add online reservation for customers .</a:t>
+            </a:r>
+          </a:p>
+          <a:p>
+            <a:pPr marL="285750" indent="-285750" algn="l">
+              <a:buFont typeface="Arial" panose="020B0604020202020204" pitchFamily="34" charset="0"/>
+              <a:buChar char="•"/>
+            </a:pPr>
+            <a:endParaRPr lang="en-US" sz="1600" spc="0" dirty="0">
+              <a:cs typeface="Arial" panose="020B0604020202020204" pitchFamily="34" charset="0"/>
+            </a:endParaRPr>
+          </a:p>
+        </p:txBody>
+      </p:sp>
+      <p:sp>
+        <p:nvSpPr>
+          <p:cNvPr id="6" name="Slide Number Placeholder 5">
+            <a:extLst>
+              <a:ext uri="{FF2B5EF4-FFF2-40B4-BE49-F238E27FC236}">
+                <a16:creationId xmlns:a16="http://schemas.microsoft.com/office/drawing/2014/main" id="{FC6A5C12-E784-444E-B868-DE2AE85742BB}"/>
+              </a:ext>
+            </a:extLst>
+          </p:cNvPr>
+          <p:cNvSpPr>
+            <a:spLocks noGrp="1"/>
+          </p:cNvSpPr>
+          <p:nvPr>
+            <p:ph type="sldNum" sz="quarter" idx="12"/>
+          </p:nvPr>
+        </p:nvSpPr>
+        <p:spPr/>
+        <p:txBody>
+          <a:bodyPr/>
+          <a:lstStyle/>
+          <a:p>
+            <a:fld id="{8C2E478F-E849-4A8C-AF1F-CBCC78A7CBFA}" type="slidenum">
+              <a:rPr lang="en-US" smtClean="0"/>
+              <a:t>19</a:t>
             </a:fld>
             <a:endParaRPr lang="en-US" dirty="0"/>
           </a:p>
@@ -8586,7 +9043,249 @@
 </p:sld>
 </file>
 
-<file path=ppt/slides/slide19.xml><?xml version="1.0" encoding="utf-8"?>
+<file path=ppt/slides/slide2.xml><?xml version="1.0" encoding="utf-8"?>
+<p:sld xmlns:a="http://schemas.openxmlformats.org/drawingml/2006/main" xmlns:r="http://schemas.openxmlformats.org/officeDocument/2006/relationships" xmlns:p="http://schemas.openxmlformats.org/presentationml/2006/main">
+  <p:cSld>
+    <p:spTree>
+      <p:nvGrpSpPr>
+        <p:cNvPr id="1" name=""/>
+        <p:cNvGrpSpPr/>
+        <p:nvPr/>
+      </p:nvGrpSpPr>
+      <p:grpSpPr>
+        <a:xfrm>
+          <a:off x="0" y="0"/>
+          <a:ext cx="0" cy="0"/>
+          <a:chOff x="0" y="0"/>
+          <a:chExt cx="0" cy="0"/>
+        </a:xfrm>
+      </p:grpSpPr>
+      <p:sp>
+        <p:nvSpPr>
+          <p:cNvPr id="2" name="Title 1">
+            <a:extLst>
+              <a:ext uri="{FF2B5EF4-FFF2-40B4-BE49-F238E27FC236}">
+                <a16:creationId xmlns:a16="http://schemas.microsoft.com/office/drawing/2014/main" id="{BE3A87B3-0A27-4EE9-979E-B69581E476F0}"/>
+              </a:ext>
+            </a:extLst>
+          </p:cNvPr>
+          <p:cNvSpPr>
+            <a:spLocks noGrp="1"/>
+          </p:cNvSpPr>
+          <p:nvPr>
+            <p:ph type="title"/>
+          </p:nvPr>
+        </p:nvSpPr>
+        <p:spPr>
+          <a:xfrm>
+            <a:off x="6862588" y="24572"/>
+            <a:ext cx="4846320" cy="1210613"/>
+          </a:xfrm>
+        </p:spPr>
+        <p:txBody>
+          <a:bodyPr/>
+          <a:lstStyle/>
+          <a:p>
+            <a:r>
+              <a:rPr lang="en-US" dirty="0"/>
+              <a:t>Contents</a:t>
+            </a:r>
+          </a:p>
+        </p:txBody>
+      </p:sp>
+      <p:pic>
+        <p:nvPicPr>
+          <p:cNvPr id="8" name="Picture Placeholder 7" descr="group of people at a conference table">
+            <a:extLst>
+              <a:ext uri="{FF2B5EF4-FFF2-40B4-BE49-F238E27FC236}">
+                <a16:creationId xmlns:a16="http://schemas.microsoft.com/office/drawing/2014/main" id="{BB76F5AB-0940-46E1-85F9-6A870D7D04C9}"/>
+              </a:ext>
+            </a:extLst>
+          </p:cNvPr>
+          <p:cNvPicPr>
+            <a:picLocks noGrp="1" noChangeAspect="1"/>
+          </p:cNvPicPr>
+          <p:nvPr>
+            <p:ph type="pic" sz="quarter" idx="13"/>
+          </p:nvPr>
+        </p:nvPicPr>
+        <p:blipFill rotWithShape="1">
+          <a:blip r:embed="rId2">
+            <a:extLst>
+              <a:ext uri="{BEBA8EAE-BF5A-486C-A8C5-ECC9F3942E4B}">
+                <a14:imgProps xmlns:a14="http://schemas.microsoft.com/office/drawing/2010/main">
+                  <a14:imgLayer r:embed="rId3">
+                    <a14:imgEffect>
+                      <a14:saturation sat="0"/>
+                    </a14:imgEffect>
+                  </a14:imgLayer>
+                </a14:imgProps>
+              </a:ext>
+            </a:extLst>
+          </a:blip>
+          <a:srcRect l="20370" r="20370"/>
+          <a:stretch/>
+        </p:blipFill>
+        <p:spPr/>
+      </p:pic>
+      <p:sp>
+        <p:nvSpPr>
+          <p:cNvPr id="6" name="Text Placeholder 5">
+            <a:extLst>
+              <a:ext uri="{FF2B5EF4-FFF2-40B4-BE49-F238E27FC236}">
+                <a16:creationId xmlns:a16="http://schemas.microsoft.com/office/drawing/2014/main" id="{F3C89A40-EEAA-43AB-9A3A-B2CFDE450F1B}"/>
+              </a:ext>
+            </a:extLst>
+          </p:cNvPr>
+          <p:cNvSpPr>
+            <a:spLocks noGrp="1"/>
+          </p:cNvSpPr>
+          <p:nvPr>
+            <p:ph type="body" sz="quarter" idx="15"/>
+          </p:nvPr>
+        </p:nvSpPr>
+        <p:spPr>
+          <a:xfrm>
+            <a:off x="6862588" y="1387135"/>
+            <a:ext cx="4908655" cy="4552192"/>
+          </a:xfrm>
+        </p:spPr>
+        <p:txBody>
+          <a:bodyPr/>
+          <a:lstStyle/>
+          <a:p>
+            <a:pPr marL="285750" indent="-285750">
+              <a:buFont typeface="Arial" panose="020B0604020202020204" pitchFamily="34" charset="0"/>
+              <a:buChar char="•"/>
+            </a:pPr>
+            <a:r>
+              <a:rPr lang="en-US" spc="0" dirty="0"/>
+              <a:t>Team Introduction</a:t>
+            </a:r>
+          </a:p>
+          <a:p>
+            <a:pPr marL="285750" indent="-285750">
+              <a:buFont typeface="Arial" panose="020B0604020202020204" pitchFamily="34" charset="0"/>
+              <a:buChar char="•"/>
+            </a:pPr>
+            <a:r>
+              <a:rPr lang="en-US" spc="0" dirty="0"/>
+              <a:t>Team Collaboration and Project Management</a:t>
+            </a:r>
+          </a:p>
+          <a:p>
+            <a:pPr marL="285750" indent="-285750">
+              <a:buFont typeface="Arial" panose="020B0604020202020204" pitchFamily="34" charset="0"/>
+              <a:buChar char="•"/>
+            </a:pPr>
+            <a:r>
+              <a:rPr lang="en-US" spc="0" dirty="0"/>
+              <a:t>Project Overview and descriptions</a:t>
+            </a:r>
+          </a:p>
+          <a:p>
+            <a:pPr marL="285750" indent="-285750">
+              <a:buFont typeface="Arial" panose="020B0604020202020204" pitchFamily="34" charset="0"/>
+              <a:buChar char="•"/>
+            </a:pPr>
+            <a:r>
+              <a:rPr lang="en-US" spc="0" dirty="0"/>
+              <a:t>Project Features and User Stories</a:t>
+            </a:r>
+          </a:p>
+          <a:p>
+            <a:pPr marL="285750" indent="-285750">
+              <a:buFont typeface="Arial" panose="020B0604020202020204" pitchFamily="34" charset="0"/>
+              <a:buChar char="•"/>
+            </a:pPr>
+            <a:r>
+              <a:rPr lang="en-US" spc="0" dirty="0"/>
+              <a:t>Requirements Specifications</a:t>
+            </a:r>
+          </a:p>
+          <a:p>
+            <a:pPr marL="285750" indent="-285750">
+              <a:buFont typeface="Arial" panose="020B0604020202020204" pitchFamily="34" charset="0"/>
+              <a:buChar char="•"/>
+            </a:pPr>
+            <a:r>
+              <a:rPr lang="en-US" spc="0" dirty="0"/>
+              <a:t>High Level Design</a:t>
+            </a:r>
+          </a:p>
+          <a:p>
+            <a:pPr marL="285750" indent="-285750">
+              <a:buFont typeface="Arial" panose="020B0604020202020204" pitchFamily="34" charset="0"/>
+              <a:buChar char="•"/>
+            </a:pPr>
+            <a:r>
+              <a:rPr lang="en-US" spc="0" dirty="0"/>
+              <a:t>Achievements and Challenges</a:t>
+            </a:r>
+          </a:p>
+          <a:p>
+            <a:pPr marL="285750" indent="-285750">
+              <a:buFont typeface="Arial" panose="020B0604020202020204" pitchFamily="34" charset="0"/>
+              <a:buChar char="•"/>
+            </a:pPr>
+            <a:r>
+              <a:rPr lang="en-US" spc="0" dirty="0"/>
+              <a:t>Future Development Plan and Q&amp;A</a:t>
+            </a:r>
+          </a:p>
+          <a:p>
+            <a:pPr marL="285750" indent="-285750">
+              <a:buFont typeface="Arial" panose="020B0604020202020204" pitchFamily="34" charset="0"/>
+              <a:buChar char="•"/>
+            </a:pPr>
+            <a:endParaRPr lang="en-US" dirty="0"/>
+          </a:p>
+        </p:txBody>
+      </p:sp>
+      <p:sp>
+        <p:nvSpPr>
+          <p:cNvPr id="7" name="Slide Number Placeholder 6">
+            <a:extLst>
+              <a:ext uri="{FF2B5EF4-FFF2-40B4-BE49-F238E27FC236}">
+                <a16:creationId xmlns:a16="http://schemas.microsoft.com/office/drawing/2014/main" id="{F29F8048-1E86-48F4-B246-D2F8C54B7EB1}"/>
+              </a:ext>
+            </a:extLst>
+          </p:cNvPr>
+          <p:cNvSpPr>
+            <a:spLocks noGrp="1"/>
+          </p:cNvSpPr>
+          <p:nvPr>
+            <p:ph type="sldNum" sz="quarter" idx="12"/>
+          </p:nvPr>
+        </p:nvSpPr>
+        <p:spPr/>
+        <p:txBody>
+          <a:bodyPr/>
+          <a:lstStyle/>
+          <a:p>
+            <a:fld id="{8C2E478F-E849-4A8C-AF1F-CBCC78A7CBFA}" type="slidenum">
+              <a:rPr lang="en-US" smtClean="0"/>
+              <a:pPr/>
+              <a:t>2</a:t>
+            </a:fld>
+            <a:endParaRPr lang="en-US" dirty="0"/>
+          </a:p>
+        </p:txBody>
+      </p:sp>
+    </p:spTree>
+    <p:extLst>
+      <p:ext uri="{BB962C8B-B14F-4D97-AF65-F5344CB8AC3E}">
+        <p14:creationId xmlns:p14="http://schemas.microsoft.com/office/powerpoint/2010/main" val="1649098948"/>
+      </p:ext>
+    </p:extLst>
+  </p:cSld>
+  <p:clrMapOvr>
+    <a:masterClrMapping/>
+  </p:clrMapOvr>
+</p:sld>
+</file>
+
+<file path=ppt/slides/slide20.xml><?xml version="1.0" encoding="utf-8"?>
 <p:sld xmlns:a="http://schemas.openxmlformats.org/drawingml/2006/main" xmlns:r="http://schemas.openxmlformats.org/officeDocument/2006/relationships" xmlns:p="http://schemas.openxmlformats.org/presentationml/2006/main">
   <p:cSld>
     <p:bg>
@@ -8726,248 +9425,6 @@
     <p:extLst>
       <p:ext uri="{BB962C8B-B14F-4D97-AF65-F5344CB8AC3E}">
         <p14:creationId xmlns:p14="http://schemas.microsoft.com/office/powerpoint/2010/main" val="927727573"/>
-      </p:ext>
-    </p:extLst>
-  </p:cSld>
-  <p:clrMapOvr>
-    <a:masterClrMapping/>
-  </p:clrMapOvr>
-</p:sld>
-</file>
-
-<file path=ppt/slides/slide2.xml><?xml version="1.0" encoding="utf-8"?>
-<p:sld xmlns:a="http://schemas.openxmlformats.org/drawingml/2006/main" xmlns:r="http://schemas.openxmlformats.org/officeDocument/2006/relationships" xmlns:p="http://schemas.openxmlformats.org/presentationml/2006/main">
-  <p:cSld>
-    <p:spTree>
-      <p:nvGrpSpPr>
-        <p:cNvPr id="1" name=""/>
-        <p:cNvGrpSpPr/>
-        <p:nvPr/>
-      </p:nvGrpSpPr>
-      <p:grpSpPr>
-        <a:xfrm>
-          <a:off x="0" y="0"/>
-          <a:ext cx="0" cy="0"/>
-          <a:chOff x="0" y="0"/>
-          <a:chExt cx="0" cy="0"/>
-        </a:xfrm>
-      </p:grpSpPr>
-      <p:sp>
-        <p:nvSpPr>
-          <p:cNvPr id="2" name="Title 1">
-            <a:extLst>
-              <a:ext uri="{FF2B5EF4-FFF2-40B4-BE49-F238E27FC236}">
-                <a16:creationId xmlns:a16="http://schemas.microsoft.com/office/drawing/2014/main" id="{BE3A87B3-0A27-4EE9-979E-B69581E476F0}"/>
-              </a:ext>
-            </a:extLst>
-          </p:cNvPr>
-          <p:cNvSpPr>
-            <a:spLocks noGrp="1"/>
-          </p:cNvSpPr>
-          <p:nvPr>
-            <p:ph type="title"/>
-          </p:nvPr>
-        </p:nvSpPr>
-        <p:spPr>
-          <a:xfrm>
-            <a:off x="6862588" y="24572"/>
-            <a:ext cx="4846320" cy="1210613"/>
-          </a:xfrm>
-        </p:spPr>
-        <p:txBody>
-          <a:bodyPr/>
-          <a:lstStyle/>
-          <a:p>
-            <a:r>
-              <a:rPr lang="en-US" dirty="0"/>
-              <a:t>Contents</a:t>
-            </a:r>
-          </a:p>
-        </p:txBody>
-      </p:sp>
-      <p:pic>
-        <p:nvPicPr>
-          <p:cNvPr id="8" name="Picture Placeholder 7" descr="group of people at a conference table">
-            <a:extLst>
-              <a:ext uri="{FF2B5EF4-FFF2-40B4-BE49-F238E27FC236}">
-                <a16:creationId xmlns:a16="http://schemas.microsoft.com/office/drawing/2014/main" id="{BB76F5AB-0940-46E1-85F9-6A870D7D04C9}"/>
-              </a:ext>
-            </a:extLst>
-          </p:cNvPr>
-          <p:cNvPicPr>
-            <a:picLocks noGrp="1" noChangeAspect="1"/>
-          </p:cNvPicPr>
-          <p:nvPr>
-            <p:ph type="pic" sz="quarter" idx="13"/>
-          </p:nvPr>
-        </p:nvPicPr>
-        <p:blipFill rotWithShape="1">
-          <a:blip r:embed="rId2">
-            <a:extLst>
-              <a:ext uri="{BEBA8EAE-BF5A-486C-A8C5-ECC9F3942E4B}">
-                <a14:imgProps xmlns:a14="http://schemas.microsoft.com/office/drawing/2010/main">
-                  <a14:imgLayer r:embed="rId3">
-                    <a14:imgEffect>
-                      <a14:saturation sat="0"/>
-                    </a14:imgEffect>
-                  </a14:imgLayer>
-                </a14:imgProps>
-              </a:ext>
-            </a:extLst>
-          </a:blip>
-          <a:srcRect l="20370" r="20370"/>
-          <a:stretch/>
-        </p:blipFill>
-        <p:spPr/>
-      </p:pic>
-      <p:sp>
-        <p:nvSpPr>
-          <p:cNvPr id="6" name="Text Placeholder 5">
-            <a:extLst>
-              <a:ext uri="{FF2B5EF4-FFF2-40B4-BE49-F238E27FC236}">
-                <a16:creationId xmlns:a16="http://schemas.microsoft.com/office/drawing/2014/main" id="{F3C89A40-EEAA-43AB-9A3A-B2CFDE450F1B}"/>
-              </a:ext>
-            </a:extLst>
-          </p:cNvPr>
-          <p:cNvSpPr>
-            <a:spLocks noGrp="1"/>
-          </p:cNvSpPr>
-          <p:nvPr>
-            <p:ph type="body" sz="quarter" idx="15"/>
-          </p:nvPr>
-        </p:nvSpPr>
-        <p:spPr>
-          <a:xfrm>
-            <a:off x="6862588" y="1387135"/>
-            <a:ext cx="4908655" cy="4552192"/>
-          </a:xfrm>
-        </p:spPr>
-        <p:txBody>
-          <a:bodyPr/>
-          <a:lstStyle/>
-          <a:p>
-            <a:pPr marL="285750" indent="-285750">
-              <a:buFont typeface="Arial" panose="020B0604020202020204" pitchFamily="34" charset="0"/>
-              <a:buChar char="•"/>
-            </a:pPr>
-            <a:r>
-              <a:rPr lang="en-US" spc="0" dirty="0"/>
-              <a:t>Team Introduction</a:t>
-            </a:r>
-          </a:p>
-          <a:p>
-            <a:pPr marL="285750" indent="-285750">
-              <a:buFont typeface="Arial" panose="020B0604020202020204" pitchFamily="34" charset="0"/>
-              <a:buChar char="•"/>
-            </a:pPr>
-            <a:r>
-              <a:rPr lang="en-US" spc="0" dirty="0"/>
-              <a:t>Team Collaboration and Project Management</a:t>
-            </a:r>
-          </a:p>
-          <a:p>
-            <a:pPr marL="285750" indent="-285750">
-              <a:buFont typeface="Arial" panose="020B0604020202020204" pitchFamily="34" charset="0"/>
-              <a:buChar char="•"/>
-            </a:pPr>
-            <a:r>
-              <a:rPr lang="en-US" spc="0" dirty="0"/>
-              <a:t>Project Overview and descriptions</a:t>
-            </a:r>
-          </a:p>
-          <a:p>
-            <a:pPr marL="285750" indent="-285750">
-              <a:buFont typeface="Arial" panose="020B0604020202020204" pitchFamily="34" charset="0"/>
-              <a:buChar char="•"/>
-            </a:pPr>
-            <a:r>
-              <a:rPr lang="en-US" spc="0" dirty="0"/>
-              <a:t>Project Features and User Stories</a:t>
-            </a:r>
-          </a:p>
-          <a:p>
-            <a:pPr marL="285750" indent="-285750">
-              <a:buFont typeface="Arial" panose="020B0604020202020204" pitchFamily="34" charset="0"/>
-              <a:buChar char="•"/>
-            </a:pPr>
-            <a:r>
-              <a:rPr lang="en-US" spc="0" dirty="0"/>
-              <a:t>Requirements Specifications</a:t>
-            </a:r>
-          </a:p>
-          <a:p>
-            <a:pPr marL="285750" indent="-285750">
-              <a:buFont typeface="Arial" panose="020B0604020202020204" pitchFamily="34" charset="0"/>
-              <a:buChar char="•"/>
-            </a:pPr>
-            <a:r>
-              <a:rPr lang="en-US" spc="0" dirty="0"/>
-              <a:t>High Level Design</a:t>
-            </a:r>
-          </a:p>
-          <a:p>
-            <a:pPr marL="285750" indent="-285750">
-              <a:buFont typeface="Arial" panose="020B0604020202020204" pitchFamily="34" charset="0"/>
-              <a:buChar char="•"/>
-            </a:pPr>
-            <a:r>
-              <a:rPr lang="en-US" spc="0" dirty="0"/>
-              <a:t>Achievements and Challenges</a:t>
-            </a:r>
-          </a:p>
-          <a:p>
-            <a:pPr marL="285750" indent="-285750">
-              <a:buFont typeface="Arial" panose="020B0604020202020204" pitchFamily="34" charset="0"/>
-              <a:buChar char="•"/>
-            </a:pPr>
-            <a:r>
-              <a:rPr lang="en-US" spc="0" dirty="0"/>
-              <a:t>Future Development Plan and Q&amp;A</a:t>
-            </a:r>
-          </a:p>
-          <a:p>
-            <a:pPr marL="285750" indent="-285750">
-              <a:buFont typeface="Arial" panose="020B0604020202020204" pitchFamily="34" charset="0"/>
-              <a:buChar char="•"/>
-            </a:pPr>
-            <a:endParaRPr lang="en-US" dirty="0"/>
-          </a:p>
-        </p:txBody>
-      </p:sp>
-      <p:sp>
-        <p:nvSpPr>
-          <p:cNvPr id="7" name="Slide Number Placeholder 6">
-            <a:extLst>
-              <a:ext uri="{FF2B5EF4-FFF2-40B4-BE49-F238E27FC236}">
-                <a16:creationId xmlns:a16="http://schemas.microsoft.com/office/drawing/2014/main" id="{F29F8048-1E86-48F4-B246-D2F8C54B7EB1}"/>
-              </a:ext>
-            </a:extLst>
-          </p:cNvPr>
-          <p:cNvSpPr>
-            <a:spLocks noGrp="1"/>
-          </p:cNvSpPr>
-          <p:nvPr>
-            <p:ph type="sldNum" sz="quarter" idx="12"/>
-          </p:nvPr>
-        </p:nvSpPr>
-        <p:spPr/>
-        <p:txBody>
-          <a:bodyPr/>
-          <a:lstStyle/>
-          <a:p>
-            <a:fld id="{8C2E478F-E849-4A8C-AF1F-CBCC78A7CBFA}" type="slidenum">
-              <a:rPr lang="en-US" smtClean="0"/>
-              <a:pPr/>
-              <a:t>2</a:t>
-            </a:fld>
-            <a:endParaRPr lang="en-US" dirty="0"/>
-          </a:p>
-        </p:txBody>
-      </p:sp>
-    </p:spTree>
-    <p:extLst>
-      <p:ext uri="{BB962C8B-B14F-4D97-AF65-F5344CB8AC3E}">
-        <p14:creationId xmlns:p14="http://schemas.microsoft.com/office/powerpoint/2010/main" val="1649098948"/>
       </p:ext>
     </p:extLst>
   </p:cSld>
@@ -12315,21 +12772,21 @@
 </file>
 
 <file path=customXml/item2.xml><?xml version="1.0" encoding="utf-8"?>
+<?mso-contentType ?>
+<FormTemplates xmlns="http://schemas.microsoft.com/sharepoint/v3/contenttype/forms">
+  <Display>DocumentLibraryForm</Display>
+  <Edit>DocumentLibraryForm</Edit>
+  <New>DocumentLibraryForm</New>
+</FormTemplates>
+</file>
+
+<file path=customXml/item3.xml><?xml version="1.0" encoding="utf-8"?>
 <p:properties xmlns:p="http://schemas.microsoft.com/office/2006/metadata/properties" xmlns:xsi="http://www.w3.org/2001/XMLSchema-instance" xmlns:pc="http://schemas.microsoft.com/office/infopath/2007/PartnerControls">
   <documentManagement>
     <Status xmlns="71af3243-3dd4-4a8d-8c0d-dd76da1f02a5">Not started</Status>
     <MediaServiceKeyPoints xmlns="71af3243-3dd4-4a8d-8c0d-dd76da1f02a5" xsi:nil="true"/>
   </documentManagement>
 </p:properties>
-</file>
-
-<file path=customXml/item3.xml><?xml version="1.0" encoding="utf-8"?>
-<?mso-contentType ?>
-<FormTemplates xmlns="http://schemas.microsoft.com/sharepoint/v3/contenttype/forms">
-  <Display>DocumentLibraryForm</Display>
-  <Edit>DocumentLibraryForm</Edit>
-  <New>DocumentLibraryForm</New>
-</FormTemplates>
 </file>
 
 <file path=customXml/itemProps1.xml><?xml version="1.0" encoding="utf-8"?>
@@ -12352,6 +12809,14 @@
 </file>
 
 <file path=customXml/itemProps2.xml><?xml version="1.0" encoding="utf-8"?>
+<ds:datastoreItem xmlns:ds="http://schemas.openxmlformats.org/officeDocument/2006/customXml" ds:itemID="{1B7E2D32-4FDD-4266-880C-17595B801432}">
+  <ds:schemaRefs>
+    <ds:schemaRef ds:uri="http://schemas.microsoft.com/sharepoint/v3/contenttype/forms"/>
+  </ds:schemaRefs>
+</ds:datastoreItem>
+</file>
+
+<file path=customXml/itemProps3.xml><?xml version="1.0" encoding="utf-8"?>
 <ds:datastoreItem xmlns:ds="http://schemas.openxmlformats.org/officeDocument/2006/customXml" ds:itemID="{E3D9F223-918A-45AF-9B53-56AB9E5E2182}">
   <ds:schemaRefs>
     <ds:schemaRef ds:uri="http://schemas.microsoft.com/office/2006/metadata/properties"/>
@@ -12359,12 +12824,4 @@
     <ds:schemaRef ds:uri="71af3243-3dd4-4a8d-8c0d-dd76da1f02a5"/>
   </ds:schemaRefs>
 </ds:datastoreItem>
-</file>
-
-<file path=customXml/itemProps3.xml><?xml version="1.0" encoding="utf-8"?>
-<ds:datastoreItem xmlns:ds="http://schemas.openxmlformats.org/officeDocument/2006/customXml" ds:itemID="{1B7E2D32-4FDD-4266-880C-17595B801432}">
-  <ds:schemaRefs>
-    <ds:schemaRef ds:uri="http://schemas.microsoft.com/sharepoint/v3/contenttype/forms"/>
-  </ds:schemaRefs>
-</ds:datastoreItem>
 </file>
--- a/CentRes.pptx
+++ b/CentRes.pptx
@@ -131,7 +131,7 @@
   </p:defaultTextStyle>
   <p:extLst>
     <p:ext uri="{EFAFB233-063F-42B5-8137-9DF3F51BA10A}">
-      <p15:sldGuideLst xmlns:p15="http://schemas.microsoft.com/office/powerpoint/2012/main">
+      <p15:sldGuideLst xmlns:p15="http://schemas.microsoft.com/office/powerpoint/2012/main" xmlns="">
         <p15:guide id="1" orient="horz" pos="1992" userDrawn="1">
           <p15:clr>
             <a:srgbClr val="A4A3A4"/>
@@ -150,7 +150,7 @@
       </p15:sldGuideLst>
     </p:ext>
     <p:ext uri="{2D200454-40CA-4A62-9FC3-DE9A4176ACB9}">
-      <p15:notesGuideLst xmlns:p15="http://schemas.microsoft.com/office/powerpoint/2012/main"/>
+      <p15:notesGuideLst xmlns:p15="http://schemas.microsoft.com/office/powerpoint/2012/main" xmlns=""/>
     </p:ext>
   </p:extLst>
 </p:presentation>
@@ -183,7 +183,7 @@
           <p:cNvPr id="2" name="Header Placeholder 1">
             <a:extLst>
               <a:ext uri="{FF2B5EF4-FFF2-40B4-BE49-F238E27FC236}">
-                <a16:creationId xmlns:a16="http://schemas.microsoft.com/office/drawing/2014/main" id="{0F97DFCF-F890-A143-9133-C8B65C9B01EF}"/>
+                <a16:creationId xmlns:a16="http://schemas.microsoft.com/office/drawing/2014/main" xmlns="" id="{0F97DFCF-F890-A143-9133-C8B65C9B01EF}"/>
               </a:ext>
             </a:extLst>
           </p:cNvPr>
@@ -220,7 +220,7 @@
           <p:cNvPr id="3" name="Date Placeholder 2">
             <a:extLst>
               <a:ext uri="{FF2B5EF4-FFF2-40B4-BE49-F238E27FC236}">
-                <a16:creationId xmlns:a16="http://schemas.microsoft.com/office/drawing/2014/main" id="{EFE2C281-2434-D94F-B4BD-BA3CD4DB8440}"/>
+                <a16:creationId xmlns:a16="http://schemas.microsoft.com/office/drawing/2014/main" xmlns="" id="{EFE2C281-2434-D94F-B4BD-BA3CD4DB8440}"/>
               </a:ext>
             </a:extLst>
           </p:cNvPr>
@@ -250,6 +250,7 @@
           <a:p>
             <a:fld id="{966D5B4E-BF3E-3B45-A4BA-D6C3B92870D7}" type="datetimeFigureOut">
               <a:rPr lang="en-US" smtClean="0"/>
+              <a:pPr/>
               <a:t>11/10/2022</a:t>
             </a:fld>
             <a:endParaRPr lang="en-US" dirty="0"/>
@@ -261,7 +262,7 @@
           <p:cNvPr id="4" name="Footer Placeholder 3">
             <a:extLst>
               <a:ext uri="{FF2B5EF4-FFF2-40B4-BE49-F238E27FC236}">
-                <a16:creationId xmlns:a16="http://schemas.microsoft.com/office/drawing/2014/main" id="{5C17CBFA-633D-5540-AFAA-BE1F495EC62F}"/>
+                <a16:creationId xmlns:a16="http://schemas.microsoft.com/office/drawing/2014/main" xmlns="" id="{5C17CBFA-633D-5540-AFAA-BE1F495EC62F}"/>
               </a:ext>
             </a:extLst>
           </p:cNvPr>
@@ -298,7 +299,7 @@
           <p:cNvPr id="5" name="Slide Number Placeholder 4">
             <a:extLst>
               <a:ext uri="{FF2B5EF4-FFF2-40B4-BE49-F238E27FC236}">
-                <a16:creationId xmlns:a16="http://schemas.microsoft.com/office/drawing/2014/main" id="{826B5631-D714-AD41-853B-A883ADC344D5}"/>
+                <a16:creationId xmlns:a16="http://schemas.microsoft.com/office/drawing/2014/main" xmlns="" id="{826B5631-D714-AD41-853B-A883ADC344D5}"/>
               </a:ext>
             </a:extLst>
           </p:cNvPr>
@@ -328,6 +329,7 @@
           <a:p>
             <a:fld id="{465AE8BC-2AB3-9E4C-9797-2A6F8A74C74E}" type="slidenum">
               <a:rPr lang="en-US" smtClean="0"/>
+              <a:pPr/>
               <a:t>‹#›</a:t>
             </a:fld>
             <a:endParaRPr lang="en-US" dirty="0"/>
@@ -337,7 +339,7 @@
     </p:spTree>
     <p:extLst>
       <p:ext uri="{BB962C8B-B14F-4D97-AF65-F5344CB8AC3E}">
-        <p14:creationId xmlns:p14="http://schemas.microsoft.com/office/powerpoint/2010/main" val="4273987054"/>
+        <p14:creationId xmlns:p14="http://schemas.microsoft.com/office/powerpoint/2010/main" xmlns="" val="4273987054"/>
       </p:ext>
     </p:extLst>
   </p:cSld>
@@ -427,6 +429,7 @@
           <a:p>
             <a:fld id="{F5A8621B-8C8E-49BA-8772-41D0FE75A082}" type="datetimeFigureOut">
               <a:rPr lang="en-US" smtClean="0"/>
+              <a:pPr/>
               <a:t>11/10/2022</a:t>
             </a:fld>
             <a:endParaRPr lang="en-US" dirty="0"/>
@@ -585,6 +588,7 @@
           <a:p>
             <a:fld id="{228B34ED-4CDD-41C9-90F7-D768D5559A6F}" type="slidenum">
               <a:rPr lang="en-US" smtClean="0"/>
+              <a:pPr/>
               <a:t>‹#›</a:t>
             </a:fld>
             <a:endParaRPr lang="en-US" dirty="0"/>
@@ -594,7 +598,7 @@
     </p:spTree>
     <p:extLst>
       <p:ext uri="{BB962C8B-B14F-4D97-AF65-F5344CB8AC3E}">
-        <p14:creationId xmlns:p14="http://schemas.microsoft.com/office/powerpoint/2010/main" val="4225970632"/>
+        <p14:creationId xmlns:p14="http://schemas.microsoft.com/office/powerpoint/2010/main" xmlns="" val="4225970632"/>
       </p:ext>
     </p:extLst>
   </p:cSld>
@@ -759,6 +763,7 @@
           <a:p>
             <a:fld id="{228B34ED-4CDD-41C9-90F7-D768D5559A6F}" type="slidenum">
               <a:rPr lang="en-US" smtClean="0"/>
+              <a:pPr/>
               <a:t>5</a:t>
             </a:fld>
             <a:endParaRPr lang="en-US" dirty="0"/>
@@ -768,7 +773,7 @@
     </p:spTree>
     <p:extLst>
       <p:ext uri="{BB962C8B-B14F-4D97-AF65-F5344CB8AC3E}">
-        <p14:creationId xmlns:p14="http://schemas.microsoft.com/office/powerpoint/2010/main" val="1632949142"/>
+        <p14:creationId xmlns:p14="http://schemas.microsoft.com/office/powerpoint/2010/main" xmlns="" val="1632949142"/>
       </p:ext>
     </p:extLst>
   </p:cSld>
@@ -843,6 +848,7 @@
           <a:p>
             <a:fld id="{228B34ED-4CDD-41C9-90F7-D768D5559A6F}" type="slidenum">
               <a:rPr lang="en-US" smtClean="0"/>
+              <a:pPr/>
               <a:t>6</a:t>
             </a:fld>
             <a:endParaRPr lang="en-US" dirty="0"/>
@@ -852,7 +858,7 @@
     </p:spTree>
     <p:extLst>
       <p:ext uri="{BB962C8B-B14F-4D97-AF65-F5344CB8AC3E}">
-        <p14:creationId xmlns:p14="http://schemas.microsoft.com/office/powerpoint/2010/main" val="444968136"/>
+        <p14:creationId xmlns:p14="http://schemas.microsoft.com/office/powerpoint/2010/main" xmlns="" val="444968136"/>
       </p:ext>
     </p:extLst>
   </p:cSld>
@@ -927,6 +933,7 @@
           <a:p>
             <a:fld id="{228B34ED-4CDD-41C9-90F7-D768D5559A6F}" type="slidenum">
               <a:rPr lang="en-US" smtClean="0"/>
+              <a:pPr/>
               <a:t>14</a:t>
             </a:fld>
             <a:endParaRPr lang="en-US" dirty="0"/>
@@ -936,7 +943,7 @@
     </p:spTree>
     <p:extLst>
       <p:ext uri="{BB962C8B-B14F-4D97-AF65-F5344CB8AC3E}">
-        <p14:creationId xmlns:p14="http://schemas.microsoft.com/office/powerpoint/2010/main" val="1632949142"/>
+        <p14:creationId xmlns:p14="http://schemas.microsoft.com/office/powerpoint/2010/main" xmlns="" val="1632949142"/>
       </p:ext>
     </p:extLst>
   </p:cSld>
@@ -1011,6 +1018,7 @@
           <a:p>
             <a:fld id="{228B34ED-4CDD-41C9-90F7-D768D5559A6F}" type="slidenum">
               <a:rPr lang="en-US" smtClean="0"/>
+              <a:pPr/>
               <a:t>15</a:t>
             </a:fld>
             <a:endParaRPr lang="en-US" dirty="0"/>
@@ -1020,7 +1028,7 @@
     </p:spTree>
     <p:extLst>
       <p:ext uri="{BB962C8B-B14F-4D97-AF65-F5344CB8AC3E}">
-        <p14:creationId xmlns:p14="http://schemas.microsoft.com/office/powerpoint/2010/main" val="2477358710"/>
+        <p14:creationId xmlns:p14="http://schemas.microsoft.com/office/powerpoint/2010/main" xmlns="" val="2477358710"/>
       </p:ext>
     </p:extLst>
   </p:cSld>
@@ -1095,6 +1103,7 @@
           <a:p>
             <a:fld id="{228B34ED-4CDD-41C9-90F7-D768D5559A6F}" type="slidenum">
               <a:rPr lang="en-US" smtClean="0"/>
+              <a:pPr/>
               <a:t>16</a:t>
             </a:fld>
             <a:endParaRPr lang="en-US" dirty="0"/>
@@ -1104,7 +1113,7 @@
     </p:spTree>
     <p:extLst>
       <p:ext uri="{BB962C8B-B14F-4D97-AF65-F5344CB8AC3E}">
-        <p14:creationId xmlns:p14="http://schemas.microsoft.com/office/powerpoint/2010/main" val="1852594838"/>
+        <p14:creationId xmlns:p14="http://schemas.microsoft.com/office/powerpoint/2010/main" xmlns="" val="1852594838"/>
       </p:ext>
     </p:extLst>
   </p:cSld>
@@ -1179,6 +1188,7 @@
           <a:p>
             <a:fld id="{228B34ED-4CDD-41C9-90F7-D768D5559A6F}" type="slidenum">
               <a:rPr lang="en-US" smtClean="0"/>
+              <a:pPr/>
               <a:t>17</a:t>
             </a:fld>
             <a:endParaRPr lang="en-US" dirty="0"/>
@@ -1188,7 +1198,7 @@
     </p:spTree>
     <p:extLst>
       <p:ext uri="{BB962C8B-B14F-4D97-AF65-F5344CB8AC3E}">
-        <p14:creationId xmlns:p14="http://schemas.microsoft.com/office/powerpoint/2010/main" val="3809423074"/>
+        <p14:creationId xmlns:p14="http://schemas.microsoft.com/office/powerpoint/2010/main" xmlns="" val="3809423074"/>
       </p:ext>
     </p:extLst>
   </p:cSld>
@@ -1225,7 +1235,7 @@
           <p:cNvPr id="3" name="Picture Placeholder 2">
             <a:extLst>
               <a:ext uri="{FF2B5EF4-FFF2-40B4-BE49-F238E27FC236}">
-                <a16:creationId xmlns:a16="http://schemas.microsoft.com/office/drawing/2014/main" id="{DE635FD8-712D-4EE2-A5B6-3DD8DE9C25E9}"/>
+                <a16:creationId xmlns:a16="http://schemas.microsoft.com/office/drawing/2014/main" xmlns="" id="{DE635FD8-712D-4EE2-A5B6-3DD8DE9C25E9}"/>
               </a:ext>
             </a:extLst>
           </p:cNvPr>
@@ -1264,7 +1274,7 @@
           <p:cNvPr id="14" name="Text Placeholder 13">
             <a:extLst>
               <a:ext uri="{FF2B5EF4-FFF2-40B4-BE49-F238E27FC236}">
-                <a16:creationId xmlns:a16="http://schemas.microsoft.com/office/drawing/2014/main" id="{F80209DF-C4D9-43B8-AA05-F53619153042}"/>
+                <a16:creationId xmlns:a16="http://schemas.microsoft.com/office/drawing/2014/main" xmlns="" id="{F80209DF-C4D9-43B8-AA05-F53619153042}"/>
               </a:ext>
             </a:extLst>
           </p:cNvPr>
@@ -1313,7 +1323,7 @@
           <p:cNvPr id="7" name="Text Placeholder 6">
             <a:extLst>
               <a:ext uri="{FF2B5EF4-FFF2-40B4-BE49-F238E27FC236}">
-                <a16:creationId xmlns:a16="http://schemas.microsoft.com/office/drawing/2014/main" id="{758235C5-25B1-4243-9762-4AAD3C08E8BE}"/>
+                <a16:creationId xmlns:a16="http://schemas.microsoft.com/office/drawing/2014/main" xmlns="" id="{758235C5-25B1-4243-9762-4AAD3C08E8BE}"/>
               </a:ext>
             </a:extLst>
           </p:cNvPr>
@@ -1371,7 +1381,7 @@
           <p:cNvPr id="2" name="Title 1">
             <a:extLst>
               <a:ext uri="{FF2B5EF4-FFF2-40B4-BE49-F238E27FC236}">
-                <a16:creationId xmlns:a16="http://schemas.microsoft.com/office/drawing/2014/main" id="{298B2C6E-DB6F-4476-8E95-9F6EC79392FD}"/>
+                <a16:creationId xmlns:a16="http://schemas.microsoft.com/office/drawing/2014/main" xmlns="" id="{298B2C6E-DB6F-4476-8E95-9F6EC79392FD}"/>
               </a:ext>
             </a:extLst>
           </p:cNvPr>
@@ -1414,7 +1424,7 @@
     </p:spTree>
     <p:extLst>
       <p:ext uri="{BB962C8B-B14F-4D97-AF65-F5344CB8AC3E}">
-        <p14:creationId xmlns:p14="http://schemas.microsoft.com/office/powerpoint/2010/main" val="3182303122"/>
+        <p14:creationId xmlns:p14="http://schemas.microsoft.com/office/powerpoint/2010/main" xmlns="" val="3182303122"/>
       </p:ext>
     </p:extLst>
   </p:cSld>
@@ -1446,7 +1456,7 @@
           <p:cNvPr id="9" name="Picture Placeholder 8">
             <a:extLst>
               <a:ext uri="{FF2B5EF4-FFF2-40B4-BE49-F238E27FC236}">
-                <a16:creationId xmlns:a16="http://schemas.microsoft.com/office/drawing/2014/main" id="{186FE9B2-6286-484B-8943-95EE0B6B0267}"/>
+                <a16:creationId xmlns:a16="http://schemas.microsoft.com/office/drawing/2014/main" xmlns="" id="{186FE9B2-6286-484B-8943-95EE0B6B0267}"/>
               </a:ext>
             </a:extLst>
           </p:cNvPr>
@@ -1486,7 +1496,7 @@
           <p:cNvPr id="11" name="Slide Number Placeholder 5">
             <a:extLst>
               <a:ext uri="{FF2B5EF4-FFF2-40B4-BE49-F238E27FC236}">
-                <a16:creationId xmlns:a16="http://schemas.microsoft.com/office/drawing/2014/main" id="{7D4E8708-8565-4A5B-9D9E-1D4F40EAF909}"/>
+                <a16:creationId xmlns:a16="http://schemas.microsoft.com/office/drawing/2014/main" xmlns="" id="{7D4E8708-8565-4A5B-9D9E-1D4F40EAF909}"/>
               </a:ext>
             </a:extLst>
           </p:cNvPr>
@@ -1522,6 +1532,7 @@
           <a:p>
             <a:fld id="{8C2E478F-E849-4A8C-AF1F-CBCC78A7CBFA}" type="slidenum">
               <a:rPr lang="en-US" smtClean="0"/>
+              <a:pPr/>
               <a:t>‹#›</a:t>
             </a:fld>
             <a:endParaRPr lang="en-US" dirty="0"/>
@@ -1533,7 +1544,7 @@
           <p:cNvPr id="16" name="Content Placeholder 8">
             <a:extLst>
               <a:ext uri="{FF2B5EF4-FFF2-40B4-BE49-F238E27FC236}">
-                <a16:creationId xmlns:a16="http://schemas.microsoft.com/office/drawing/2014/main" id="{42436126-0370-4532-A8AD-D20897982AD2}"/>
+                <a16:creationId xmlns:a16="http://schemas.microsoft.com/office/drawing/2014/main" xmlns="" id="{42436126-0370-4532-A8AD-D20897982AD2}"/>
               </a:ext>
             </a:extLst>
           </p:cNvPr>
@@ -1586,7 +1597,7 @@
           <p:cNvPr id="17" name="Slide Number Placeholder 70">
             <a:extLst>
               <a:ext uri="{FF2B5EF4-FFF2-40B4-BE49-F238E27FC236}">
-                <a16:creationId xmlns:a16="http://schemas.microsoft.com/office/drawing/2014/main" id="{AEC105AD-E933-4969-B038-0ABD6F013167}"/>
+                <a16:creationId xmlns:a16="http://schemas.microsoft.com/office/drawing/2014/main" xmlns="" id="{AEC105AD-E933-4969-B038-0ABD6F013167}"/>
               </a:ext>
             </a:extLst>
           </p:cNvPr>
@@ -1718,7 +1729,7 @@
           <p:cNvPr id="7" name="Title 1">
             <a:extLst>
               <a:ext uri="{FF2B5EF4-FFF2-40B4-BE49-F238E27FC236}">
-                <a16:creationId xmlns:a16="http://schemas.microsoft.com/office/drawing/2014/main" id="{76CDEBF2-B5C9-4887-B717-81C3D1A73CA9}"/>
+                <a16:creationId xmlns:a16="http://schemas.microsoft.com/office/drawing/2014/main" xmlns="" id="{76CDEBF2-B5C9-4887-B717-81C3D1A73CA9}"/>
               </a:ext>
             </a:extLst>
           </p:cNvPr>
@@ -1768,10 +1779,10 @@
           <p:cNvPr id="2" name="Rectangle 1">
             <a:extLst>
               <a:ext uri="{FF2B5EF4-FFF2-40B4-BE49-F238E27FC236}">
-                <a16:creationId xmlns:a16="http://schemas.microsoft.com/office/drawing/2014/main" id="{016A7FA3-8C13-4E5A-88C4-4357C8ACD73E}"/>
+                <a16:creationId xmlns:a16="http://schemas.microsoft.com/office/drawing/2014/main" xmlns="" id="{016A7FA3-8C13-4E5A-88C4-4357C8ACD73E}"/>
               </a:ext>
               <a:ext uri="{C183D7F6-B498-43B3-948B-1728B52AA6E4}">
-                <adec:decorative xmlns:adec="http://schemas.microsoft.com/office/drawing/2017/decorative" val="1"/>
+                <adec:decorative xmlns:adec="http://schemas.microsoft.com/office/drawing/2017/decorative" xmlns="" val="1"/>
               </a:ext>
             </a:extLst>
           </p:cNvPr>
@@ -1836,7 +1847,7 @@
     </p:spTree>
     <p:extLst>
       <p:ext uri="{BB962C8B-B14F-4D97-AF65-F5344CB8AC3E}">
-        <p14:creationId xmlns:p14="http://schemas.microsoft.com/office/powerpoint/2010/main" val="3713196804"/>
+        <p14:creationId xmlns:p14="http://schemas.microsoft.com/office/powerpoint/2010/main" xmlns="" val="3713196804"/>
       </p:ext>
     </p:extLst>
   </p:cSld>
@@ -1873,7 +1884,7 @@
           <p:cNvPr id="3" name="Picture Placeholder 2">
             <a:extLst>
               <a:ext uri="{FF2B5EF4-FFF2-40B4-BE49-F238E27FC236}">
-                <a16:creationId xmlns:a16="http://schemas.microsoft.com/office/drawing/2014/main" id="{DE635FD8-712D-4EE2-A5B6-3DD8DE9C25E9}"/>
+                <a16:creationId xmlns:a16="http://schemas.microsoft.com/office/drawing/2014/main" xmlns="" id="{DE635FD8-712D-4EE2-A5B6-3DD8DE9C25E9}"/>
               </a:ext>
             </a:extLst>
           </p:cNvPr>
@@ -1912,7 +1923,7 @@
           <p:cNvPr id="6" name="Title 5">
             <a:extLst>
               <a:ext uri="{FF2B5EF4-FFF2-40B4-BE49-F238E27FC236}">
-                <a16:creationId xmlns:a16="http://schemas.microsoft.com/office/drawing/2014/main" id="{D9074D0F-754F-4F2C-A410-F222D2D2346E}"/>
+                <a16:creationId xmlns:a16="http://schemas.microsoft.com/office/drawing/2014/main" xmlns="" id="{D9074D0F-754F-4F2C-A410-F222D2D2346E}"/>
               </a:ext>
             </a:extLst>
           </p:cNvPr>
@@ -1948,7 +1959,7 @@
           <p:cNvPr id="14" name="Text Placeholder 13">
             <a:extLst>
               <a:ext uri="{FF2B5EF4-FFF2-40B4-BE49-F238E27FC236}">
-                <a16:creationId xmlns:a16="http://schemas.microsoft.com/office/drawing/2014/main" id="{F80209DF-C4D9-43B8-AA05-F53619153042}"/>
+                <a16:creationId xmlns:a16="http://schemas.microsoft.com/office/drawing/2014/main" xmlns="" id="{F80209DF-C4D9-43B8-AA05-F53619153042}"/>
               </a:ext>
             </a:extLst>
           </p:cNvPr>
@@ -2015,7 +2026,7 @@
           <p:cNvPr id="31" name="Text Placeholder 13">
             <a:extLst>
               <a:ext uri="{FF2B5EF4-FFF2-40B4-BE49-F238E27FC236}">
-                <a16:creationId xmlns:a16="http://schemas.microsoft.com/office/drawing/2014/main" id="{1D89734B-03E0-4ADE-8F62-C819F3E976D5}"/>
+                <a16:creationId xmlns:a16="http://schemas.microsoft.com/office/drawing/2014/main" xmlns="" id="{1D89734B-03E0-4ADE-8F62-C819F3E976D5}"/>
               </a:ext>
             </a:extLst>
           </p:cNvPr>
@@ -2064,7 +2075,7 @@
           <p:cNvPr id="32" name="Text Placeholder 13">
             <a:extLst>
               <a:ext uri="{FF2B5EF4-FFF2-40B4-BE49-F238E27FC236}">
-                <a16:creationId xmlns:a16="http://schemas.microsoft.com/office/drawing/2014/main" id="{85971F4D-8B59-4B3E-9169-64E0EF1BA85F}"/>
+                <a16:creationId xmlns:a16="http://schemas.microsoft.com/office/drawing/2014/main" xmlns="" id="{85971F4D-8B59-4B3E-9169-64E0EF1BA85F}"/>
               </a:ext>
             </a:extLst>
           </p:cNvPr>
@@ -2113,7 +2124,7 @@
           <p:cNvPr id="33" name="Text Placeholder 13">
             <a:extLst>
               <a:ext uri="{FF2B5EF4-FFF2-40B4-BE49-F238E27FC236}">
-                <a16:creationId xmlns:a16="http://schemas.microsoft.com/office/drawing/2014/main" id="{90B19777-E2ED-419C-B486-857117FD081B}"/>
+                <a16:creationId xmlns:a16="http://schemas.microsoft.com/office/drawing/2014/main" xmlns="" id="{90B19777-E2ED-419C-B486-857117FD081B}"/>
               </a:ext>
             </a:extLst>
           </p:cNvPr>
@@ -2162,7 +2173,7 @@
           <p:cNvPr id="34" name="Online Image Placeholder 33">
             <a:extLst>
               <a:ext uri="{FF2B5EF4-FFF2-40B4-BE49-F238E27FC236}">
-                <a16:creationId xmlns:a16="http://schemas.microsoft.com/office/drawing/2014/main" id="{1A58EB44-F532-4998-B316-61C738C37BF5}"/>
+                <a16:creationId xmlns:a16="http://schemas.microsoft.com/office/drawing/2014/main" xmlns="" id="{1A58EB44-F532-4998-B316-61C738C37BF5}"/>
               </a:ext>
             </a:extLst>
           </p:cNvPr>
@@ -2202,7 +2213,7 @@
           <p:cNvPr id="35" name="Online Image Placeholder 33">
             <a:extLst>
               <a:ext uri="{FF2B5EF4-FFF2-40B4-BE49-F238E27FC236}">
-                <a16:creationId xmlns:a16="http://schemas.microsoft.com/office/drawing/2014/main" id="{33763C3C-3545-40BD-9B2C-DC4C0E4CE819}"/>
+                <a16:creationId xmlns:a16="http://schemas.microsoft.com/office/drawing/2014/main" xmlns="" id="{33763C3C-3545-40BD-9B2C-DC4C0E4CE819}"/>
               </a:ext>
             </a:extLst>
           </p:cNvPr>
@@ -2242,7 +2253,7 @@
           <p:cNvPr id="36" name="Online Image Placeholder 33">
             <a:extLst>
               <a:ext uri="{FF2B5EF4-FFF2-40B4-BE49-F238E27FC236}">
-                <a16:creationId xmlns:a16="http://schemas.microsoft.com/office/drawing/2014/main" id="{1C5D3777-17F3-4225-8C52-2EF1DB4FD54A}"/>
+                <a16:creationId xmlns:a16="http://schemas.microsoft.com/office/drawing/2014/main" xmlns="" id="{1C5D3777-17F3-4225-8C52-2EF1DB4FD54A}"/>
               </a:ext>
             </a:extLst>
           </p:cNvPr>
@@ -2280,7 +2291,7 @@
     </p:spTree>
     <p:extLst>
       <p:ext uri="{BB962C8B-B14F-4D97-AF65-F5344CB8AC3E}">
-        <p14:creationId xmlns:p14="http://schemas.microsoft.com/office/powerpoint/2010/main" val="3173740392"/>
+        <p14:creationId xmlns:p14="http://schemas.microsoft.com/office/powerpoint/2010/main" xmlns="" val="3173740392"/>
       </p:ext>
     </p:extLst>
   </p:cSld>
@@ -2312,7 +2323,7 @@
           <p:cNvPr id="11" name="Picture Placeholder 10">
             <a:extLst>
               <a:ext uri="{FF2B5EF4-FFF2-40B4-BE49-F238E27FC236}">
-                <a16:creationId xmlns:a16="http://schemas.microsoft.com/office/drawing/2014/main" id="{912AA41C-A030-4521-8130-6A8E4543F277}"/>
+                <a16:creationId xmlns:a16="http://schemas.microsoft.com/office/drawing/2014/main" xmlns="" id="{912AA41C-A030-4521-8130-6A8E4543F277}"/>
               </a:ext>
             </a:extLst>
           </p:cNvPr>
@@ -2355,7 +2366,7 @@
           <p:cNvPr id="2" name="Title 1">
             <a:extLst>
               <a:ext uri="{FF2B5EF4-FFF2-40B4-BE49-F238E27FC236}">
-                <a16:creationId xmlns:a16="http://schemas.microsoft.com/office/drawing/2014/main" id="{7C83D428-B974-43F4-9246-0A2EECA11A5B}"/>
+                <a16:creationId xmlns:a16="http://schemas.microsoft.com/office/drawing/2014/main" xmlns="" id="{7C83D428-B974-43F4-9246-0A2EECA11A5B}"/>
               </a:ext>
             </a:extLst>
           </p:cNvPr>
@@ -2400,7 +2411,7 @@
           <p:cNvPr id="5" name="Footer Placeholder 4">
             <a:extLst>
               <a:ext uri="{FF2B5EF4-FFF2-40B4-BE49-F238E27FC236}">
-                <a16:creationId xmlns:a16="http://schemas.microsoft.com/office/drawing/2014/main" id="{BC79732E-D749-40DD-8365-05028518765D}"/>
+                <a16:creationId xmlns:a16="http://schemas.microsoft.com/office/drawing/2014/main" xmlns="" id="{BC79732E-D749-40DD-8365-05028518765D}"/>
               </a:ext>
             </a:extLst>
           </p:cNvPr>
@@ -2428,7 +2439,7 @@
           <p:cNvPr id="6" name="Slide Number Placeholder 5">
             <a:extLst>
               <a:ext uri="{FF2B5EF4-FFF2-40B4-BE49-F238E27FC236}">
-                <a16:creationId xmlns:a16="http://schemas.microsoft.com/office/drawing/2014/main" id="{88F55E23-C4CC-4E9B-80F4-C4BEA6E2DD84}"/>
+                <a16:creationId xmlns:a16="http://schemas.microsoft.com/office/drawing/2014/main" xmlns="" id="{88F55E23-C4CC-4E9B-80F4-C4BEA6E2DD84}"/>
               </a:ext>
             </a:extLst>
           </p:cNvPr>
@@ -2446,6 +2457,7 @@
           <a:p>
             <a:fld id="{8C2E478F-E849-4A8C-AF1F-CBCC78A7CBFA}" type="slidenum">
               <a:rPr lang="en-US" smtClean="0"/>
+              <a:pPr/>
               <a:t>‹#›</a:t>
             </a:fld>
             <a:endParaRPr lang="en-US" dirty="0"/>
@@ -2457,7 +2469,7 @@
           <p:cNvPr id="13" name="Text Placeholder 12">
             <a:extLst>
               <a:ext uri="{FF2B5EF4-FFF2-40B4-BE49-F238E27FC236}">
-                <a16:creationId xmlns:a16="http://schemas.microsoft.com/office/drawing/2014/main" id="{9D00A38D-CFE8-4333-B9D2-D3E7EACA4F0E}"/>
+                <a16:creationId xmlns:a16="http://schemas.microsoft.com/office/drawing/2014/main" xmlns="" id="{9D00A38D-CFE8-4333-B9D2-D3E7EACA4F0E}"/>
               </a:ext>
             </a:extLst>
           </p:cNvPr>
@@ -2498,10 +2510,10 @@
           <p:cNvPr id="3" name="Rectangle 2">
             <a:extLst>
               <a:ext uri="{FF2B5EF4-FFF2-40B4-BE49-F238E27FC236}">
-                <a16:creationId xmlns:a16="http://schemas.microsoft.com/office/drawing/2014/main" id="{1AA8588E-221D-4931-A290-C5C4184435AD}"/>
+                <a16:creationId xmlns:a16="http://schemas.microsoft.com/office/drawing/2014/main" xmlns="" id="{1AA8588E-221D-4931-A290-C5C4184435AD}"/>
               </a:ext>
               <a:ext uri="{C183D7F6-B498-43B3-948B-1728B52AA6E4}">
-                <adec:decorative xmlns:adec="http://schemas.microsoft.com/office/drawing/2017/decorative" val="1"/>
+                <adec:decorative xmlns:adec="http://schemas.microsoft.com/office/drawing/2017/decorative" xmlns="" val="1"/>
               </a:ext>
             </a:extLst>
           </p:cNvPr>
@@ -2568,7 +2580,7 @@
     </p:spTree>
     <p:extLst>
       <p:ext uri="{BB962C8B-B14F-4D97-AF65-F5344CB8AC3E}">
-        <p14:creationId xmlns:p14="http://schemas.microsoft.com/office/powerpoint/2010/main" val="1629115292"/>
+        <p14:creationId xmlns:p14="http://schemas.microsoft.com/office/powerpoint/2010/main" xmlns="" val="1629115292"/>
       </p:ext>
     </p:extLst>
   </p:cSld>
@@ -2600,7 +2612,7 @@
           <p:cNvPr id="20" name="Text Placeholder 19">
             <a:extLst>
               <a:ext uri="{FF2B5EF4-FFF2-40B4-BE49-F238E27FC236}">
-                <a16:creationId xmlns:a16="http://schemas.microsoft.com/office/drawing/2014/main" id="{E5539E44-E270-49B4-8B0A-07870325AA91}"/>
+                <a16:creationId xmlns:a16="http://schemas.microsoft.com/office/drawing/2014/main" xmlns="" id="{E5539E44-E270-49B4-8B0A-07870325AA91}"/>
               </a:ext>
             </a:extLst>
           </p:cNvPr>
@@ -2690,7 +2702,7 @@
           <p:cNvPr id="9" name="Picture Placeholder 8">
             <a:extLst>
               <a:ext uri="{FF2B5EF4-FFF2-40B4-BE49-F238E27FC236}">
-                <a16:creationId xmlns:a16="http://schemas.microsoft.com/office/drawing/2014/main" id="{186FE9B2-6286-484B-8943-95EE0B6B0267}"/>
+                <a16:creationId xmlns:a16="http://schemas.microsoft.com/office/drawing/2014/main" xmlns="" id="{186FE9B2-6286-484B-8943-95EE0B6B0267}"/>
               </a:ext>
             </a:extLst>
           </p:cNvPr>
@@ -2730,7 +2742,7 @@
           <p:cNvPr id="11" name="Slide Number Placeholder 5">
             <a:extLst>
               <a:ext uri="{FF2B5EF4-FFF2-40B4-BE49-F238E27FC236}">
-                <a16:creationId xmlns:a16="http://schemas.microsoft.com/office/drawing/2014/main" id="{7D4E8708-8565-4A5B-9D9E-1D4F40EAF909}"/>
+                <a16:creationId xmlns:a16="http://schemas.microsoft.com/office/drawing/2014/main" xmlns="" id="{7D4E8708-8565-4A5B-9D9E-1D4F40EAF909}"/>
               </a:ext>
             </a:extLst>
           </p:cNvPr>
@@ -2766,6 +2778,7 @@
           <a:p>
             <a:fld id="{8C2E478F-E849-4A8C-AF1F-CBCC78A7CBFA}" type="slidenum">
               <a:rPr lang="en-US" smtClean="0"/>
+              <a:pPr/>
               <a:t>‹#›</a:t>
             </a:fld>
             <a:endParaRPr lang="en-US" dirty="0"/>
@@ -2777,7 +2790,7 @@
           <p:cNvPr id="16" name="Content Placeholder 8">
             <a:extLst>
               <a:ext uri="{FF2B5EF4-FFF2-40B4-BE49-F238E27FC236}">
-                <a16:creationId xmlns:a16="http://schemas.microsoft.com/office/drawing/2014/main" id="{42436126-0370-4532-A8AD-D20897982AD2}"/>
+                <a16:creationId xmlns:a16="http://schemas.microsoft.com/office/drawing/2014/main" xmlns="" id="{42436126-0370-4532-A8AD-D20897982AD2}"/>
               </a:ext>
             </a:extLst>
           </p:cNvPr>
@@ -2830,7 +2843,7 @@
           <p:cNvPr id="17" name="Slide Number Placeholder 70">
             <a:extLst>
               <a:ext uri="{FF2B5EF4-FFF2-40B4-BE49-F238E27FC236}">
-                <a16:creationId xmlns:a16="http://schemas.microsoft.com/office/drawing/2014/main" id="{AEC105AD-E933-4969-B038-0ABD6F013167}"/>
+                <a16:creationId xmlns:a16="http://schemas.microsoft.com/office/drawing/2014/main" xmlns="" id="{AEC105AD-E933-4969-B038-0ABD6F013167}"/>
               </a:ext>
             </a:extLst>
           </p:cNvPr>
@@ -2962,7 +2975,7 @@
           <p:cNvPr id="2" name="Title 1">
             <a:extLst>
               <a:ext uri="{FF2B5EF4-FFF2-40B4-BE49-F238E27FC236}">
-                <a16:creationId xmlns:a16="http://schemas.microsoft.com/office/drawing/2014/main" id="{3CB0E4A3-5566-43FE-A59F-2C4F4FE7F32A}"/>
+                <a16:creationId xmlns:a16="http://schemas.microsoft.com/office/drawing/2014/main" xmlns="" id="{3CB0E4A3-5566-43FE-A59F-2C4F4FE7F32A}"/>
               </a:ext>
             </a:extLst>
           </p:cNvPr>
@@ -3010,7 +3023,7 @@
     </p:spTree>
     <p:extLst>
       <p:ext uri="{BB962C8B-B14F-4D97-AF65-F5344CB8AC3E}">
-        <p14:creationId xmlns:p14="http://schemas.microsoft.com/office/powerpoint/2010/main" val="1247832795"/>
+        <p14:creationId xmlns:p14="http://schemas.microsoft.com/office/powerpoint/2010/main" xmlns="" val="1247832795"/>
       </p:ext>
     </p:extLst>
   </p:cSld>
@@ -3042,7 +3055,7 @@
           <p:cNvPr id="11" name="Picture Placeholder 10">
             <a:extLst>
               <a:ext uri="{FF2B5EF4-FFF2-40B4-BE49-F238E27FC236}">
-                <a16:creationId xmlns:a16="http://schemas.microsoft.com/office/drawing/2014/main" id="{912AA41C-A030-4521-8130-6A8E4543F277}"/>
+                <a16:creationId xmlns:a16="http://schemas.microsoft.com/office/drawing/2014/main" xmlns="" id="{912AA41C-A030-4521-8130-6A8E4543F277}"/>
               </a:ext>
             </a:extLst>
           </p:cNvPr>
@@ -3156,7 +3169,7 @@
           <p:cNvPr id="8" name="Title 1">
             <a:extLst>
               <a:ext uri="{FF2B5EF4-FFF2-40B4-BE49-F238E27FC236}">
-                <a16:creationId xmlns:a16="http://schemas.microsoft.com/office/drawing/2014/main" id="{AABA725B-4BCB-1D48-9C5D-46706B18719E}"/>
+                <a16:creationId xmlns:a16="http://schemas.microsoft.com/office/drawing/2014/main" xmlns="" id="{AABA725B-4BCB-1D48-9C5D-46706B18719E}"/>
               </a:ext>
             </a:extLst>
           </p:cNvPr>
@@ -3193,7 +3206,7 @@
           <p:cNvPr id="3" name="Text Placeholder 2">
             <a:extLst>
               <a:ext uri="{FF2B5EF4-FFF2-40B4-BE49-F238E27FC236}">
-                <a16:creationId xmlns:a16="http://schemas.microsoft.com/office/drawing/2014/main" id="{893C356F-E483-4AFD-856C-13BB8E8A5605}"/>
+                <a16:creationId xmlns:a16="http://schemas.microsoft.com/office/drawing/2014/main" xmlns="" id="{893C356F-E483-4AFD-856C-13BB8E8A5605}"/>
               </a:ext>
             </a:extLst>
           </p:cNvPr>
@@ -3339,7 +3352,7 @@
           <p:cNvPr id="5" name="Footer Placeholder 4">
             <a:extLst>
               <a:ext uri="{FF2B5EF4-FFF2-40B4-BE49-F238E27FC236}">
-                <a16:creationId xmlns:a16="http://schemas.microsoft.com/office/drawing/2014/main" id="{BC79732E-D749-40DD-8365-05028518765D}"/>
+                <a16:creationId xmlns:a16="http://schemas.microsoft.com/office/drawing/2014/main" xmlns="" id="{BC79732E-D749-40DD-8365-05028518765D}"/>
               </a:ext>
             </a:extLst>
           </p:cNvPr>
@@ -3367,7 +3380,7 @@
           <p:cNvPr id="6" name="Slide Number Placeholder 5">
             <a:extLst>
               <a:ext uri="{FF2B5EF4-FFF2-40B4-BE49-F238E27FC236}">
-                <a16:creationId xmlns:a16="http://schemas.microsoft.com/office/drawing/2014/main" id="{88F55E23-C4CC-4E9B-80F4-C4BEA6E2DD84}"/>
+                <a16:creationId xmlns:a16="http://schemas.microsoft.com/office/drawing/2014/main" xmlns="" id="{88F55E23-C4CC-4E9B-80F4-C4BEA6E2DD84}"/>
               </a:ext>
             </a:extLst>
           </p:cNvPr>
@@ -3385,6 +3398,7 @@
           <a:p>
             <a:fld id="{8C2E478F-E849-4A8C-AF1F-CBCC78A7CBFA}" type="slidenum">
               <a:rPr lang="en-US" smtClean="0"/>
+              <a:pPr/>
               <a:t>‹#›</a:t>
             </a:fld>
             <a:endParaRPr lang="en-US" dirty="0"/>
@@ -3394,7 +3408,7 @@
     </p:spTree>
     <p:extLst>
       <p:ext uri="{BB962C8B-B14F-4D97-AF65-F5344CB8AC3E}">
-        <p14:creationId xmlns:p14="http://schemas.microsoft.com/office/powerpoint/2010/main" val="52890133"/>
+        <p14:creationId xmlns:p14="http://schemas.microsoft.com/office/powerpoint/2010/main" xmlns="" val="52890133"/>
       </p:ext>
     </p:extLst>
   </p:cSld>
@@ -3426,7 +3440,7 @@
           <p:cNvPr id="2" name="Title 1">
             <a:extLst>
               <a:ext uri="{FF2B5EF4-FFF2-40B4-BE49-F238E27FC236}">
-                <a16:creationId xmlns:a16="http://schemas.microsoft.com/office/drawing/2014/main" id="{004074E6-E39E-4D19-B91F-8E84F37CBF3C}"/>
+                <a16:creationId xmlns:a16="http://schemas.microsoft.com/office/drawing/2014/main" xmlns="" id="{004074E6-E39E-4D19-B91F-8E84F37CBF3C}"/>
               </a:ext>
             </a:extLst>
           </p:cNvPr>
@@ -3465,7 +3479,7 @@
           <p:cNvPr id="3" name="Content Placeholder 2">
             <a:extLst>
               <a:ext uri="{FF2B5EF4-FFF2-40B4-BE49-F238E27FC236}">
-                <a16:creationId xmlns:a16="http://schemas.microsoft.com/office/drawing/2014/main" id="{607D1B16-7058-45AD-9B19-E19CAF96683B}"/>
+                <a16:creationId xmlns:a16="http://schemas.microsoft.com/office/drawing/2014/main" xmlns="" id="{607D1B16-7058-45AD-9B19-E19CAF96683B}"/>
               </a:ext>
             </a:extLst>
           </p:cNvPr>
@@ -3576,7 +3590,7 @@
           <p:cNvPr id="59" name="Slide Number Placeholder 5">
             <a:extLst>
               <a:ext uri="{FF2B5EF4-FFF2-40B4-BE49-F238E27FC236}">
-                <a16:creationId xmlns:a16="http://schemas.microsoft.com/office/drawing/2014/main" id="{3DEB48E0-328C-45EE-A8BD-90E6AB261082}"/>
+                <a16:creationId xmlns:a16="http://schemas.microsoft.com/office/drawing/2014/main" xmlns="" id="{3DEB48E0-328C-45EE-A8BD-90E6AB261082}"/>
               </a:ext>
             </a:extLst>
           </p:cNvPr>
@@ -3614,6 +3628,7 @@
           <a:p>
             <a:fld id="{8C2E478F-E849-4A8C-AF1F-CBCC78A7CBFA}" type="slidenum">
               <a:rPr lang="en-US" smtClean="0"/>
+              <a:pPr/>
               <a:t>‹#›</a:t>
             </a:fld>
             <a:endParaRPr lang="en-US" dirty="0"/>
@@ -3625,7 +3640,7 @@
           <p:cNvPr id="5" name="Picture Placeholder 4">
             <a:extLst>
               <a:ext uri="{FF2B5EF4-FFF2-40B4-BE49-F238E27FC236}">
-                <a16:creationId xmlns:a16="http://schemas.microsoft.com/office/drawing/2014/main" id="{D7CA175D-816E-4F70-96CC-8A1FD0EB16CE}"/>
+                <a16:creationId xmlns:a16="http://schemas.microsoft.com/office/drawing/2014/main" xmlns="" id="{D7CA175D-816E-4F70-96CC-8A1FD0EB16CE}"/>
               </a:ext>
             </a:extLst>
           </p:cNvPr>
@@ -3661,7 +3676,7 @@
           <p:cNvPr id="9" name="Picture Placeholder 4">
             <a:extLst>
               <a:ext uri="{FF2B5EF4-FFF2-40B4-BE49-F238E27FC236}">
-                <a16:creationId xmlns:a16="http://schemas.microsoft.com/office/drawing/2014/main" id="{323519C8-24DE-471D-85A9-7A8AFACEC456}"/>
+                <a16:creationId xmlns:a16="http://schemas.microsoft.com/office/drawing/2014/main" xmlns="" id="{323519C8-24DE-471D-85A9-7A8AFACEC456}"/>
               </a:ext>
             </a:extLst>
           </p:cNvPr>
@@ -3697,7 +3712,7 @@
           <p:cNvPr id="10" name="Picture Placeholder 4">
             <a:extLst>
               <a:ext uri="{FF2B5EF4-FFF2-40B4-BE49-F238E27FC236}">
-                <a16:creationId xmlns:a16="http://schemas.microsoft.com/office/drawing/2014/main" id="{547F0F1E-7AF5-4B76-928C-7B28010C4F93}"/>
+                <a16:creationId xmlns:a16="http://schemas.microsoft.com/office/drawing/2014/main" xmlns="" id="{547F0F1E-7AF5-4B76-928C-7B28010C4F93}"/>
               </a:ext>
             </a:extLst>
           </p:cNvPr>
@@ -3733,7 +3748,7 @@
           <p:cNvPr id="11" name="Picture Placeholder 4">
             <a:extLst>
               <a:ext uri="{FF2B5EF4-FFF2-40B4-BE49-F238E27FC236}">
-                <a16:creationId xmlns:a16="http://schemas.microsoft.com/office/drawing/2014/main" id="{063D0E8E-9491-4AF0-918D-A0B782C5FD68}"/>
+                <a16:creationId xmlns:a16="http://schemas.microsoft.com/office/drawing/2014/main" xmlns="" id="{063D0E8E-9491-4AF0-918D-A0B782C5FD68}"/>
               </a:ext>
             </a:extLst>
           </p:cNvPr>
@@ -3769,7 +3784,7 @@
           <p:cNvPr id="12" name="Picture Placeholder 4">
             <a:extLst>
               <a:ext uri="{FF2B5EF4-FFF2-40B4-BE49-F238E27FC236}">
-                <a16:creationId xmlns:a16="http://schemas.microsoft.com/office/drawing/2014/main" id="{042F54CB-9200-4D74-968A-0A3E5871D9E5}"/>
+                <a16:creationId xmlns:a16="http://schemas.microsoft.com/office/drawing/2014/main" xmlns="" id="{042F54CB-9200-4D74-968A-0A3E5871D9E5}"/>
               </a:ext>
             </a:extLst>
           </p:cNvPr>
@@ -3805,7 +3820,7 @@
           <p:cNvPr id="13" name="Picture Placeholder 4">
             <a:extLst>
               <a:ext uri="{FF2B5EF4-FFF2-40B4-BE49-F238E27FC236}">
-                <a16:creationId xmlns:a16="http://schemas.microsoft.com/office/drawing/2014/main" id="{1D925119-27E3-496E-86BC-23416F94FB61}"/>
+                <a16:creationId xmlns:a16="http://schemas.microsoft.com/office/drawing/2014/main" xmlns="" id="{1D925119-27E3-496E-86BC-23416F94FB61}"/>
               </a:ext>
             </a:extLst>
           </p:cNvPr>
@@ -3841,10 +3856,10 @@
           <p:cNvPr id="4" name="Rectangle 3">
             <a:extLst>
               <a:ext uri="{FF2B5EF4-FFF2-40B4-BE49-F238E27FC236}">
-                <a16:creationId xmlns:a16="http://schemas.microsoft.com/office/drawing/2014/main" id="{9DF93AF7-D4DC-42B5-8A4F-B5F3ABBB031F}"/>
+                <a16:creationId xmlns:a16="http://schemas.microsoft.com/office/drawing/2014/main" xmlns="" id="{9DF93AF7-D4DC-42B5-8A4F-B5F3ABBB031F}"/>
               </a:ext>
               <a:ext uri="{C183D7F6-B498-43B3-948B-1728B52AA6E4}">
-                <adec:decorative xmlns:adec="http://schemas.microsoft.com/office/drawing/2017/decorative" val="1"/>
+                <adec:decorative xmlns:adec="http://schemas.microsoft.com/office/drawing/2017/decorative" xmlns="" val="1"/>
               </a:ext>
             </a:extLst>
           </p:cNvPr>
@@ -3911,7 +3926,7 @@
     </p:spTree>
     <p:extLst>
       <p:ext uri="{BB962C8B-B14F-4D97-AF65-F5344CB8AC3E}">
-        <p14:creationId xmlns:p14="http://schemas.microsoft.com/office/powerpoint/2010/main" val="1753968095"/>
+        <p14:creationId xmlns:p14="http://schemas.microsoft.com/office/powerpoint/2010/main" xmlns="" val="1753968095"/>
       </p:ext>
     </p:extLst>
   </p:cSld>
@@ -3920,7 +3935,7 @@
   </p:clrMapOvr>
   <p:extLst>
     <p:ext uri="{DCECCB84-F9BA-43D5-87BE-67443E8EF086}">
-      <p15:sldGuideLst xmlns:p15="http://schemas.microsoft.com/office/powerpoint/2012/main">
+      <p15:sldGuideLst xmlns:p15="http://schemas.microsoft.com/office/powerpoint/2012/main" xmlns="">
         <p15:guide id="1" orient="horz" pos="2160" userDrawn="1">
           <p15:clr>
             <a:srgbClr val="FBAE40"/>
@@ -3959,7 +3974,7 @@
           <p:cNvPr id="2" name="Title 1">
             <a:extLst>
               <a:ext uri="{FF2B5EF4-FFF2-40B4-BE49-F238E27FC236}">
-                <a16:creationId xmlns:a16="http://schemas.microsoft.com/office/drawing/2014/main" id="{53345D17-D652-4766-B11C-2E8D8390D957}"/>
+                <a16:creationId xmlns:a16="http://schemas.microsoft.com/office/drawing/2014/main" xmlns="" id="{53345D17-D652-4766-B11C-2E8D8390D957}"/>
               </a:ext>
             </a:extLst>
           </p:cNvPr>
@@ -3999,7 +4014,7 @@
           <p:cNvPr id="3" name="Footer Placeholder 2">
             <a:extLst>
               <a:ext uri="{FF2B5EF4-FFF2-40B4-BE49-F238E27FC236}">
-                <a16:creationId xmlns:a16="http://schemas.microsoft.com/office/drawing/2014/main" id="{6BC7A58C-70BA-43E5-BD90-83ADB63B0C00}"/>
+                <a16:creationId xmlns:a16="http://schemas.microsoft.com/office/drawing/2014/main" xmlns="" id="{6BC7A58C-70BA-43E5-BD90-83ADB63B0C00}"/>
               </a:ext>
             </a:extLst>
           </p:cNvPr>
@@ -4027,7 +4042,7 @@
           <p:cNvPr id="4" name="Slide Number Placeholder 3">
             <a:extLst>
               <a:ext uri="{FF2B5EF4-FFF2-40B4-BE49-F238E27FC236}">
-                <a16:creationId xmlns:a16="http://schemas.microsoft.com/office/drawing/2014/main" id="{0F8A60B7-2499-42C6-8A74-ACDAE245746D}"/>
+                <a16:creationId xmlns:a16="http://schemas.microsoft.com/office/drawing/2014/main" xmlns="" id="{0F8A60B7-2499-42C6-8A74-ACDAE245746D}"/>
               </a:ext>
             </a:extLst>
           </p:cNvPr>
@@ -4045,6 +4060,7 @@
           <a:p>
             <a:fld id="{8C2E478F-E849-4A8C-AF1F-CBCC78A7CBFA}" type="slidenum">
               <a:rPr lang="en-US" smtClean="0"/>
+              <a:pPr/>
               <a:t>‹#›</a:t>
             </a:fld>
             <a:endParaRPr lang="en-US" dirty="0"/>
@@ -4054,7 +4070,7 @@
     </p:spTree>
     <p:extLst>
       <p:ext uri="{BB962C8B-B14F-4D97-AF65-F5344CB8AC3E}">
-        <p14:creationId xmlns:p14="http://schemas.microsoft.com/office/powerpoint/2010/main" val="3452634009"/>
+        <p14:creationId xmlns:p14="http://schemas.microsoft.com/office/powerpoint/2010/main" xmlns="" val="3452634009"/>
       </p:ext>
     </p:extLst>
   </p:cSld>
@@ -4091,7 +4107,7 @@
           <p:cNvPr id="3" name="Picture Placeholder 2">
             <a:extLst>
               <a:ext uri="{FF2B5EF4-FFF2-40B4-BE49-F238E27FC236}">
-                <a16:creationId xmlns:a16="http://schemas.microsoft.com/office/drawing/2014/main" id="{DE635FD8-712D-4EE2-A5B6-3DD8DE9C25E9}"/>
+                <a16:creationId xmlns:a16="http://schemas.microsoft.com/office/drawing/2014/main" xmlns="" id="{DE635FD8-712D-4EE2-A5B6-3DD8DE9C25E9}"/>
               </a:ext>
             </a:extLst>
           </p:cNvPr>
@@ -4130,7 +4146,7 @@
           <p:cNvPr id="2" name="Title 1">
             <a:extLst>
               <a:ext uri="{FF2B5EF4-FFF2-40B4-BE49-F238E27FC236}">
-                <a16:creationId xmlns:a16="http://schemas.microsoft.com/office/drawing/2014/main" id="{4C179BAC-E989-4203-B9B4-66280365481B}"/>
+                <a16:creationId xmlns:a16="http://schemas.microsoft.com/office/drawing/2014/main" xmlns="" id="{4C179BAC-E989-4203-B9B4-66280365481B}"/>
               </a:ext>
             </a:extLst>
           </p:cNvPr>
@@ -4190,7 +4206,7 @@
           <p:cNvPr id="7" name="Text Placeholder 6">
             <a:extLst>
               <a:ext uri="{FF2B5EF4-FFF2-40B4-BE49-F238E27FC236}">
-                <a16:creationId xmlns:a16="http://schemas.microsoft.com/office/drawing/2014/main" id="{60CCC81E-A013-4315-AD13-97BA3AA95596}"/>
+                <a16:creationId xmlns:a16="http://schemas.microsoft.com/office/drawing/2014/main" xmlns="" id="{60CCC81E-A013-4315-AD13-97BA3AA95596}"/>
               </a:ext>
             </a:extLst>
           </p:cNvPr>
@@ -4229,7 +4245,7 @@
     </p:spTree>
     <p:extLst>
       <p:ext uri="{BB962C8B-B14F-4D97-AF65-F5344CB8AC3E}">
-        <p14:creationId xmlns:p14="http://schemas.microsoft.com/office/powerpoint/2010/main" val="79555376"/>
+        <p14:creationId xmlns:p14="http://schemas.microsoft.com/office/powerpoint/2010/main" xmlns="" val="79555376"/>
       </p:ext>
     </p:extLst>
   </p:cSld>
@@ -4261,7 +4277,7 @@
           <p:cNvPr id="17" name="Title 2">
             <a:extLst>
               <a:ext uri="{FF2B5EF4-FFF2-40B4-BE49-F238E27FC236}">
-                <a16:creationId xmlns:a16="http://schemas.microsoft.com/office/drawing/2014/main" id="{0EF11611-8537-47CC-87AC-2E25428B72BA}"/>
+                <a16:creationId xmlns:a16="http://schemas.microsoft.com/office/drawing/2014/main" xmlns="" id="{0EF11611-8537-47CC-87AC-2E25428B72BA}"/>
               </a:ext>
             </a:extLst>
           </p:cNvPr>
@@ -4298,7 +4314,7 @@
           <p:cNvPr id="19" name="Picture Placeholder 17">
             <a:extLst>
               <a:ext uri="{FF2B5EF4-FFF2-40B4-BE49-F238E27FC236}">
-                <a16:creationId xmlns:a16="http://schemas.microsoft.com/office/drawing/2014/main" id="{D1A63A52-1E65-414B-BBC3-D31F515791AC}"/>
+                <a16:creationId xmlns:a16="http://schemas.microsoft.com/office/drawing/2014/main" xmlns="" id="{D1A63A52-1E65-414B-BBC3-D31F515791AC}"/>
               </a:ext>
             </a:extLst>
           </p:cNvPr>
@@ -4334,7 +4350,7 @@
           <p:cNvPr id="18" name="Picture Placeholder 17">
             <a:extLst>
               <a:ext uri="{FF2B5EF4-FFF2-40B4-BE49-F238E27FC236}">
-                <a16:creationId xmlns:a16="http://schemas.microsoft.com/office/drawing/2014/main" id="{ED7E0E1A-1E64-4A9A-9C8B-69486BD1123B}"/>
+                <a16:creationId xmlns:a16="http://schemas.microsoft.com/office/drawing/2014/main" xmlns="" id="{ED7E0E1A-1E64-4A9A-9C8B-69486BD1123B}"/>
               </a:ext>
             </a:extLst>
           </p:cNvPr>
@@ -4370,7 +4386,7 @@
           <p:cNvPr id="10" name="Text Placeholder 3">
             <a:extLst>
               <a:ext uri="{FF2B5EF4-FFF2-40B4-BE49-F238E27FC236}">
-                <a16:creationId xmlns:a16="http://schemas.microsoft.com/office/drawing/2014/main" id="{1E462965-19D7-4A65-B394-9AE76A5B4805}"/>
+                <a16:creationId xmlns:a16="http://schemas.microsoft.com/office/drawing/2014/main" xmlns="" id="{1E462965-19D7-4A65-B394-9AE76A5B4805}"/>
               </a:ext>
             </a:extLst>
           </p:cNvPr>
@@ -4415,7 +4431,7 @@
           <p:cNvPr id="11" name="Content Placeholder 4">
             <a:extLst>
               <a:ext uri="{FF2B5EF4-FFF2-40B4-BE49-F238E27FC236}">
-                <a16:creationId xmlns:a16="http://schemas.microsoft.com/office/drawing/2014/main" id="{FAEC14D1-0BEA-4D9A-9D96-A56B6A9B07AC}"/>
+                <a16:creationId xmlns:a16="http://schemas.microsoft.com/office/drawing/2014/main" xmlns="" id="{FAEC14D1-0BEA-4D9A-9D96-A56B6A9B07AC}"/>
               </a:ext>
             </a:extLst>
           </p:cNvPr>
@@ -4461,7 +4477,7 @@
           <p:cNvPr id="12" name="Text Placeholder 5">
             <a:extLst>
               <a:ext uri="{FF2B5EF4-FFF2-40B4-BE49-F238E27FC236}">
-                <a16:creationId xmlns:a16="http://schemas.microsoft.com/office/drawing/2014/main" id="{1507BB47-1AB4-42F2-99FF-453A0622B815}"/>
+                <a16:creationId xmlns:a16="http://schemas.microsoft.com/office/drawing/2014/main" xmlns="" id="{1507BB47-1AB4-42F2-99FF-453A0622B815}"/>
               </a:ext>
             </a:extLst>
           </p:cNvPr>
@@ -4506,7 +4522,7 @@
           <p:cNvPr id="14" name="Content Placeholder 6">
             <a:extLst>
               <a:ext uri="{FF2B5EF4-FFF2-40B4-BE49-F238E27FC236}">
-                <a16:creationId xmlns:a16="http://schemas.microsoft.com/office/drawing/2014/main" id="{438D6EEA-A0DB-4B5F-8F41-A9C1F2C094C0}"/>
+                <a16:creationId xmlns:a16="http://schemas.microsoft.com/office/drawing/2014/main" xmlns="" id="{438D6EEA-A0DB-4B5F-8F41-A9C1F2C094C0}"/>
               </a:ext>
             </a:extLst>
           </p:cNvPr>
@@ -4552,7 +4568,7 @@
           <p:cNvPr id="20" name="Slide Number Placeholder 5">
             <a:extLst>
               <a:ext uri="{FF2B5EF4-FFF2-40B4-BE49-F238E27FC236}">
-                <a16:creationId xmlns:a16="http://schemas.microsoft.com/office/drawing/2014/main" id="{A4909F59-7529-454A-A1EF-3CC1EADEFC1F}"/>
+                <a16:creationId xmlns:a16="http://schemas.microsoft.com/office/drawing/2014/main" xmlns="" id="{A4909F59-7529-454A-A1EF-3CC1EADEFC1F}"/>
               </a:ext>
             </a:extLst>
           </p:cNvPr>
@@ -4577,6 +4593,7 @@
           <a:p>
             <a:fld id="{8C2E478F-E849-4A8C-AF1F-CBCC78A7CBFA}" type="slidenum">
               <a:rPr lang="en-US" smtClean="0"/>
+              <a:pPr/>
               <a:t>‹#›</a:t>
             </a:fld>
             <a:endParaRPr lang="en-US" dirty="0"/>
@@ -4586,7 +4603,7 @@
     </p:spTree>
     <p:extLst>
       <p:ext uri="{BB962C8B-B14F-4D97-AF65-F5344CB8AC3E}">
-        <p14:creationId xmlns:p14="http://schemas.microsoft.com/office/powerpoint/2010/main" val="1270834507"/>
+        <p14:creationId xmlns:p14="http://schemas.microsoft.com/office/powerpoint/2010/main" xmlns="" val="1270834507"/>
       </p:ext>
     </p:extLst>
   </p:cSld>
@@ -4618,7 +4635,7 @@
           <p:cNvPr id="22" name="Title 2">
             <a:extLst>
               <a:ext uri="{FF2B5EF4-FFF2-40B4-BE49-F238E27FC236}">
-                <a16:creationId xmlns:a16="http://schemas.microsoft.com/office/drawing/2014/main" id="{6186F91B-547E-43BC-9BCE-04619DAAFEC2}"/>
+                <a16:creationId xmlns:a16="http://schemas.microsoft.com/office/drawing/2014/main" xmlns="" id="{6186F91B-547E-43BC-9BCE-04619DAAFEC2}"/>
               </a:ext>
             </a:extLst>
           </p:cNvPr>
@@ -4655,7 +4672,7 @@
           <p:cNvPr id="28" name="Text Placeholder 27">
             <a:extLst>
               <a:ext uri="{FF2B5EF4-FFF2-40B4-BE49-F238E27FC236}">
-                <a16:creationId xmlns:a16="http://schemas.microsoft.com/office/drawing/2014/main" id="{D635DFA1-45D2-4EFE-8BB2-BE966346691E}"/>
+                <a16:creationId xmlns:a16="http://schemas.microsoft.com/office/drawing/2014/main" xmlns="" id="{D635DFA1-45D2-4EFE-8BB2-BE966346691E}"/>
               </a:ext>
             </a:extLst>
           </p:cNvPr>
@@ -4745,7 +4762,7 @@
           <p:cNvPr id="24" name="Picture Placeholder 23">
             <a:extLst>
               <a:ext uri="{FF2B5EF4-FFF2-40B4-BE49-F238E27FC236}">
-                <a16:creationId xmlns:a16="http://schemas.microsoft.com/office/drawing/2014/main" id="{2F2918FE-A84E-4303-AEF3-4FD66CDD733E}"/>
+                <a16:creationId xmlns:a16="http://schemas.microsoft.com/office/drawing/2014/main" xmlns="" id="{2F2918FE-A84E-4303-AEF3-4FD66CDD733E}"/>
               </a:ext>
             </a:extLst>
           </p:cNvPr>
@@ -4781,7 +4798,7 @@
           <p:cNvPr id="25" name="Picture Placeholder 23">
             <a:extLst>
               <a:ext uri="{FF2B5EF4-FFF2-40B4-BE49-F238E27FC236}">
-                <a16:creationId xmlns:a16="http://schemas.microsoft.com/office/drawing/2014/main" id="{E2401025-9BC9-4BDD-97DA-CA763CF846BB}"/>
+                <a16:creationId xmlns:a16="http://schemas.microsoft.com/office/drawing/2014/main" xmlns="" id="{E2401025-9BC9-4BDD-97DA-CA763CF846BB}"/>
               </a:ext>
             </a:extLst>
           </p:cNvPr>
@@ -4817,7 +4834,7 @@
           <p:cNvPr id="26" name="Picture Placeholder 23">
             <a:extLst>
               <a:ext uri="{FF2B5EF4-FFF2-40B4-BE49-F238E27FC236}">
-                <a16:creationId xmlns:a16="http://schemas.microsoft.com/office/drawing/2014/main" id="{B7C4AAB6-897A-4ABD-AD50-2D86B197E914}"/>
+                <a16:creationId xmlns:a16="http://schemas.microsoft.com/office/drawing/2014/main" xmlns="" id="{B7C4AAB6-897A-4ABD-AD50-2D86B197E914}"/>
               </a:ext>
             </a:extLst>
           </p:cNvPr>
@@ -4853,7 +4870,7 @@
           <p:cNvPr id="29" name="Text Placeholder 27">
             <a:extLst>
               <a:ext uri="{FF2B5EF4-FFF2-40B4-BE49-F238E27FC236}">
-                <a16:creationId xmlns:a16="http://schemas.microsoft.com/office/drawing/2014/main" id="{790D65EC-6EB4-4594-91E9-5C3DE7C3BA89}"/>
+                <a16:creationId xmlns:a16="http://schemas.microsoft.com/office/drawing/2014/main" xmlns="" id="{790D65EC-6EB4-4594-91E9-5C3DE7C3BA89}"/>
               </a:ext>
             </a:extLst>
           </p:cNvPr>
@@ -4943,7 +4960,7 @@
           <p:cNvPr id="30" name="Text Placeholder 27">
             <a:extLst>
               <a:ext uri="{FF2B5EF4-FFF2-40B4-BE49-F238E27FC236}">
-                <a16:creationId xmlns:a16="http://schemas.microsoft.com/office/drawing/2014/main" id="{611CF730-D055-47C2-A626-299F429D41B2}"/>
+                <a16:creationId xmlns:a16="http://schemas.microsoft.com/office/drawing/2014/main" xmlns="" id="{611CF730-D055-47C2-A626-299F429D41B2}"/>
               </a:ext>
             </a:extLst>
           </p:cNvPr>
@@ -5033,7 +5050,7 @@
           <p:cNvPr id="31" name="Slide Number Placeholder 5">
             <a:extLst>
               <a:ext uri="{FF2B5EF4-FFF2-40B4-BE49-F238E27FC236}">
-                <a16:creationId xmlns:a16="http://schemas.microsoft.com/office/drawing/2014/main" id="{F09E06A6-BFDD-42BD-BA69-2CD3BEF0F73D}"/>
+                <a16:creationId xmlns:a16="http://schemas.microsoft.com/office/drawing/2014/main" xmlns="" id="{F09E06A6-BFDD-42BD-BA69-2CD3BEF0F73D}"/>
               </a:ext>
             </a:extLst>
           </p:cNvPr>
@@ -5058,6 +5075,7 @@
           <a:p>
             <a:fld id="{8C2E478F-E849-4A8C-AF1F-CBCC78A7CBFA}" type="slidenum">
               <a:rPr lang="en-US" smtClean="0"/>
+              <a:pPr/>
               <a:t>‹#›</a:t>
             </a:fld>
             <a:endParaRPr lang="en-US" dirty="0"/>
@@ -5067,7 +5085,7 @@
     </p:spTree>
     <p:extLst>
       <p:ext uri="{BB962C8B-B14F-4D97-AF65-F5344CB8AC3E}">
-        <p14:creationId xmlns:p14="http://schemas.microsoft.com/office/powerpoint/2010/main" val="4145592085"/>
+        <p14:creationId xmlns:p14="http://schemas.microsoft.com/office/powerpoint/2010/main" xmlns="" val="4145592085"/>
       </p:ext>
     </p:extLst>
   </p:cSld>
@@ -5104,7 +5122,7 @@
           <p:cNvPr id="2" name="Title Placeholder 1">
             <a:extLst>
               <a:ext uri="{FF2B5EF4-FFF2-40B4-BE49-F238E27FC236}">
-                <a16:creationId xmlns:a16="http://schemas.microsoft.com/office/drawing/2014/main" id="{9305F96C-D634-4A69-95EC-3D002BD68752}"/>
+                <a16:creationId xmlns:a16="http://schemas.microsoft.com/office/drawing/2014/main" xmlns="" id="{9305F96C-D634-4A69-95EC-3D002BD68752}"/>
               </a:ext>
             </a:extLst>
           </p:cNvPr>
@@ -5143,7 +5161,7 @@
           <p:cNvPr id="3" name="Text Placeholder 2">
             <a:extLst>
               <a:ext uri="{FF2B5EF4-FFF2-40B4-BE49-F238E27FC236}">
-                <a16:creationId xmlns:a16="http://schemas.microsoft.com/office/drawing/2014/main" id="{37757E98-D0FB-43E3-98BC-711F6A2F5372}"/>
+                <a16:creationId xmlns:a16="http://schemas.microsoft.com/office/drawing/2014/main" xmlns="" id="{37757E98-D0FB-43E3-98BC-711F6A2F5372}"/>
               </a:ext>
             </a:extLst>
           </p:cNvPr>
@@ -5211,7 +5229,7 @@
           <p:cNvPr id="5" name="Footer Placeholder 4">
             <a:extLst>
               <a:ext uri="{FF2B5EF4-FFF2-40B4-BE49-F238E27FC236}">
-                <a16:creationId xmlns:a16="http://schemas.microsoft.com/office/drawing/2014/main" id="{BFA65B72-2E86-4BA3-94F2-3ADFA40B7AEE}"/>
+                <a16:creationId xmlns:a16="http://schemas.microsoft.com/office/drawing/2014/main" xmlns="" id="{BFA65B72-2E86-4BA3-94F2-3ADFA40B7AEE}"/>
               </a:ext>
             </a:extLst>
           </p:cNvPr>
@@ -5257,7 +5275,7 @@
           <p:cNvPr id="6" name="Slide Number Placeholder 5">
             <a:extLst>
               <a:ext uri="{FF2B5EF4-FFF2-40B4-BE49-F238E27FC236}">
-                <a16:creationId xmlns:a16="http://schemas.microsoft.com/office/drawing/2014/main" id="{73C1F3FD-3DB9-46B7-85E1-E8B8878A4012}"/>
+                <a16:creationId xmlns:a16="http://schemas.microsoft.com/office/drawing/2014/main" xmlns="" id="{73C1F3FD-3DB9-46B7-85E1-E8B8878A4012}"/>
               </a:ext>
             </a:extLst>
           </p:cNvPr>
@@ -5293,6 +5311,7 @@
           <a:p>
             <a:fld id="{8C2E478F-E849-4A8C-AF1F-CBCC78A7CBFA}" type="slidenum">
               <a:rPr lang="en-US" smtClean="0"/>
+              <a:pPr/>
               <a:t>‹#›</a:t>
             </a:fld>
             <a:endParaRPr lang="en-US" dirty="0"/>
@@ -5302,7 +5321,7 @@
     </p:spTree>
     <p:extLst>
       <p:ext uri="{BB962C8B-B14F-4D97-AF65-F5344CB8AC3E}">
-        <p14:creationId xmlns:p14="http://schemas.microsoft.com/office/powerpoint/2010/main" val="692820"/>
+        <p14:creationId xmlns:p14="http://schemas.microsoft.com/office/powerpoint/2010/main" xmlns="" val="692820"/>
       </p:ext>
     </p:extLst>
   </p:cSld>
@@ -5634,7 +5653,7 @@
           <p:cNvPr id="8" name="Picture Placeholder 7" descr="abstract image">
             <a:extLst>
               <a:ext uri="{FF2B5EF4-FFF2-40B4-BE49-F238E27FC236}">
-                <a16:creationId xmlns:a16="http://schemas.microsoft.com/office/drawing/2014/main" id="{9AB29DBC-55D3-49D9-BB44-4936739C4B57}"/>
+                <a16:creationId xmlns:a16="http://schemas.microsoft.com/office/drawing/2014/main" xmlns="" id="{9AB29DBC-55D3-49D9-BB44-4936739C4B57}"/>
               </a:ext>
             </a:extLst>
           </p:cNvPr>
@@ -5650,7 +5669,7 @@
             <a:alphaModFix amt="52000"/>
             <a:extLst>
               <a:ext uri="{BEBA8EAE-BF5A-486C-A8C5-ECC9F3942E4B}">
-                <a14:imgProps xmlns:a14="http://schemas.microsoft.com/office/drawing/2010/main">
+                <a14:imgProps xmlns:a14="http://schemas.microsoft.com/office/drawing/2010/main" xmlns="">
                   <a14:imgLayer r:embed="rId3">
                     <a14:imgEffect>
                       <a14:saturation sat="0"/>
@@ -5670,7 +5689,7 @@
           <p:cNvPr id="9" name="Title 8">
             <a:extLst>
               <a:ext uri="{FF2B5EF4-FFF2-40B4-BE49-F238E27FC236}">
-                <a16:creationId xmlns:a16="http://schemas.microsoft.com/office/drawing/2014/main" id="{79DC1498-E692-42BA-B69F-6D37E6CFACA0}"/>
+                <a16:creationId xmlns:a16="http://schemas.microsoft.com/office/drawing/2014/main" xmlns="" id="{79DC1498-E692-42BA-B69F-6D37E6CFACA0}"/>
               </a:ext>
             </a:extLst>
           </p:cNvPr>
@@ -5703,7 +5722,7 @@
           <p:cNvPr id="7" name="Text Placeholder 6">
             <a:extLst>
               <a:ext uri="{FF2B5EF4-FFF2-40B4-BE49-F238E27FC236}">
-                <a16:creationId xmlns:a16="http://schemas.microsoft.com/office/drawing/2014/main" id="{5D865526-EC39-4780-A2A8-274A80A5C19B}"/>
+                <a16:creationId xmlns:a16="http://schemas.microsoft.com/office/drawing/2014/main" xmlns="" id="{5D865526-EC39-4780-A2A8-274A80A5C19B}"/>
               </a:ext>
             </a:extLst>
           </p:cNvPr>
@@ -5734,7 +5753,7 @@
     </p:spTree>
     <p:extLst>
       <p:ext uri="{BB962C8B-B14F-4D97-AF65-F5344CB8AC3E}">
-        <p14:creationId xmlns:p14="http://schemas.microsoft.com/office/powerpoint/2010/main" val="3927832306"/>
+        <p14:creationId xmlns:p14="http://schemas.microsoft.com/office/powerpoint/2010/main" xmlns="" val="3927832306"/>
       </p:ext>
     </p:extLst>
   </p:cSld>
@@ -5766,7 +5785,7 @@
           <p:cNvPr id="3" name="Title 2">
             <a:extLst>
               <a:ext uri="{FF2B5EF4-FFF2-40B4-BE49-F238E27FC236}">
-                <a16:creationId xmlns:a16="http://schemas.microsoft.com/office/drawing/2014/main" id="{1D24B42B-925B-494C-A986-BD85E8117E1E}"/>
+                <a16:creationId xmlns:a16="http://schemas.microsoft.com/office/drawing/2014/main" xmlns="" id="{1D24B42B-925B-494C-A986-BD85E8117E1E}"/>
               </a:ext>
             </a:extLst>
           </p:cNvPr>
@@ -5801,7 +5820,7 @@
           <p:cNvPr id="13" name="Picture Placeholder 12" descr="close up of computer on top of table against a brick wall">
             <a:extLst>
               <a:ext uri="{FF2B5EF4-FFF2-40B4-BE49-F238E27FC236}">
-                <a16:creationId xmlns:a16="http://schemas.microsoft.com/office/drawing/2014/main" id="{90BB9493-60B4-4B89-89CE-E1F8BF6C4D12}"/>
+                <a16:creationId xmlns:a16="http://schemas.microsoft.com/office/drawing/2014/main" xmlns="" id="{90BB9493-60B4-4B89-89CE-E1F8BF6C4D12}"/>
               </a:ext>
             </a:extLst>
           </p:cNvPr>
@@ -5816,7 +5835,7 @@
           <a:blip r:embed="rId2" cstate="email">
             <a:extLst>
               <a:ext uri="{BEBA8EAE-BF5A-486C-A8C5-ECC9F3942E4B}">
-                <a14:imgProps xmlns:a14="http://schemas.microsoft.com/office/drawing/2010/main">
+                <a14:imgProps xmlns:a14="http://schemas.microsoft.com/office/drawing/2010/main" xmlns="">
                   <a14:imgLayer r:embed="rId3">
                     <a14:imgEffect>
                       <a14:saturation sat="0"/>
@@ -5825,7 +5844,7 @@
                 </a14:imgProps>
               </a:ext>
               <a:ext uri="{28A0092B-C50C-407E-A947-70E740481C1C}">
-                <a14:useLocalDpi xmlns:a14="http://schemas.microsoft.com/office/drawing/2010/main"/>
+                <a14:useLocalDpi xmlns:a14="http://schemas.microsoft.com/office/drawing/2010/main" xmlns=""/>
               </a:ext>
             </a:extLst>
           </a:blip>
@@ -5839,7 +5858,7 @@
           <p:cNvPr id="5" name="Text Placeholder 4">
             <a:extLst>
               <a:ext uri="{FF2B5EF4-FFF2-40B4-BE49-F238E27FC236}">
-                <a16:creationId xmlns:a16="http://schemas.microsoft.com/office/drawing/2014/main" id="{AF9B872F-6332-408E-9135-B871F0C90C00}"/>
+                <a16:creationId xmlns:a16="http://schemas.microsoft.com/office/drawing/2014/main" xmlns="" id="{AF9B872F-6332-408E-9135-B871F0C90C00}"/>
               </a:ext>
             </a:extLst>
           </p:cNvPr>
@@ -5852,8 +5871,8 @@
         </p:nvSpPr>
         <p:spPr>
           <a:xfrm>
-            <a:off x="5766032" y="1518408"/>
-            <a:ext cx="6096000" cy="4882392"/>
+            <a:off x="5707038" y="1651820"/>
+            <a:ext cx="6096000" cy="4886631"/>
           </a:xfrm>
         </p:spPr>
         <p:txBody>
@@ -5862,53 +5881,209 @@
           <a:p>
             <a:pPr algn="l"/>
             <a:r>
-              <a:rPr lang="en-US" u="sng" spc="0" dirty="0"/>
-              <a:t>Business requirements:</a:t>
+              <a:rPr lang="en-US" sz="1200" u="sng" spc="0" dirty="0"/>
+              <a:t>Business </a:t>
+            </a:r>
+            <a:r>
+              <a:rPr lang="en-US" sz="1200" u="sng" spc="0" dirty="0" smtClean="0"/>
+              <a:t>requirements:</a:t>
+            </a:r>
+          </a:p>
+          <a:p>
+            <a:pPr algn="l">
+              <a:buFont typeface="Arial" pitchFamily="34" charset="0"/>
+              <a:buChar char="•"/>
+            </a:pPr>
+            <a:r>
+              <a:rPr lang="en-US" sz="1200" spc="0" dirty="0" smtClean="0"/>
+              <a:t>       Must:</a:t>
             </a:r>
           </a:p>
           <a:p>
             <a:pPr algn="l"/>
             <a:r>
-              <a:rPr lang="en-US" spc="0" dirty="0"/>
-              <a:t>Must have-</a:t>
+              <a:rPr lang="en-US" sz="1200" cap="none" spc="0" dirty="0" smtClean="0"/>
+              <a:t>	- </a:t>
+            </a:r>
+            <a:r>
+              <a:rPr lang="en-US" sz="1200" cap="none" spc="0" dirty="0" smtClean="0"/>
+              <a:t>System </a:t>
+            </a:r>
+            <a:r>
+              <a:rPr lang="en-US" sz="1200" cap="none" spc="0" dirty="0" smtClean="0"/>
+              <a:t>must be available on both IOS and </a:t>
+            </a:r>
+            <a:r>
+              <a:rPr lang="en-US" sz="1200" cap="none" spc="0" dirty="0" smtClean="0"/>
+              <a:t>Android</a:t>
             </a:r>
           </a:p>
           <a:p>
             <a:pPr algn="l"/>
             <a:r>
-              <a:rPr lang="en-US" spc="0" dirty="0"/>
-              <a:t>Should have-</a:t>
-            </a:r>
+              <a:rPr lang="en-US" sz="1200" cap="none" spc="0" dirty="0" smtClean="0"/>
+              <a:t>	</a:t>
+            </a:r>
+            <a:r>
+              <a:rPr lang="en-US" sz="1200" cap="none" spc="0" dirty="0" smtClean="0"/>
+              <a:t>- Effectively manage tables and </a:t>
+            </a:r>
+            <a:r>
+              <a:rPr lang="en-US" sz="1200" cap="none" spc="0" dirty="0" smtClean="0"/>
+              <a:t>orders</a:t>
+            </a:r>
+          </a:p>
+          <a:p>
+            <a:pPr algn="l"/>
+            <a:r>
+              <a:rPr lang="en-US" sz="1200" cap="none" spc="0" dirty="0" smtClean="0"/>
+              <a:t>	</a:t>
+            </a:r>
+            <a:r>
+              <a:rPr lang="en-US" sz="1200" cap="none" spc="0" dirty="0" smtClean="0"/>
+              <a:t>- Weekly efficiency reports are </a:t>
+            </a:r>
+            <a:r>
+              <a:rPr lang="en-US" sz="1200" cap="none" spc="0" dirty="0" smtClean="0"/>
+              <a:t>generated</a:t>
+            </a:r>
+          </a:p>
+          <a:p>
+            <a:pPr algn="l"/>
+            <a:r>
+              <a:rPr lang="en-US" sz="1200" cap="none" spc="0" dirty="0" smtClean="0"/>
+              <a:t>	</a:t>
+            </a:r>
+            <a:r>
+              <a:rPr lang="en-US" sz="1200" cap="none" spc="0" dirty="0" smtClean="0"/>
+              <a:t>- Provide real-time business metrics to track sales, operations, and </a:t>
+            </a:r>
+            <a:r>
+              <a:rPr lang="en-US" sz="1200" cap="none" spc="0" dirty="0" smtClean="0"/>
+              <a:t>	customer </a:t>
+            </a:r>
+            <a:r>
+              <a:rPr lang="en-US" sz="1200" cap="none" spc="0" dirty="0" smtClean="0"/>
+              <a:t>service performance. </a:t>
+            </a:r>
+            <a:endParaRPr lang="en-US" sz="1200" cap="none" spc="0" dirty="0" smtClean="0"/>
+          </a:p>
+          <a:p>
+            <a:pPr algn="l">
+              <a:buFont typeface="Arial" pitchFamily="34" charset="0"/>
+              <a:buChar char="•"/>
+            </a:pPr>
+            <a:r>
+              <a:rPr lang="en-US" sz="1200" spc="0" dirty="0" smtClean="0"/>
+              <a:t>        Should:</a:t>
+            </a:r>
+          </a:p>
+          <a:p>
+            <a:pPr algn="l"/>
+            <a:r>
+              <a:rPr lang="en-US" sz="1200" cap="none" spc="0" dirty="0" smtClean="0"/>
+              <a:t>	- Keep long term data in a cloud or off-site server database with a </a:t>
+            </a:r>
+            <a:r>
+              <a:rPr lang="en-US" sz="1200" cap="none" spc="0" dirty="0" smtClean="0"/>
+              <a:t>data 	storage </a:t>
+            </a:r>
+            <a:r>
+              <a:rPr lang="en-US" sz="1200" cap="none" spc="0" dirty="0" smtClean="0"/>
+              <a:t>model allowing for frequent input of data but </a:t>
+            </a:r>
+            <a:r>
+              <a:rPr lang="en-US" sz="1200" cap="none" spc="0" dirty="0" smtClean="0"/>
+              <a:t>infrequent </a:t>
+            </a:r>
+            <a:r>
+              <a:rPr lang="en-US" sz="1200" cap="none" spc="0" dirty="0" smtClean="0"/>
+              <a:t>querying of </a:t>
+            </a:r>
+            <a:r>
+              <a:rPr lang="en-US" sz="1200" cap="none" spc="0" dirty="0" smtClean="0"/>
+              <a:t>	that </a:t>
+            </a:r>
+            <a:r>
+              <a:rPr lang="en-US" sz="1200" cap="none" spc="0" dirty="0" smtClean="0"/>
+              <a:t>data (AWS)</a:t>
+            </a:r>
+            <a:endParaRPr lang="en-US" sz="1200" cap="none" spc="0" dirty="0"/>
+          </a:p>
+          <a:p>
+            <a:pPr algn="l"/>
+            <a:r>
+              <a:rPr lang="en-US" sz="1200" u="sng" spc="0" dirty="0"/>
+              <a:t>User Requirements:</a:t>
+            </a:r>
+          </a:p>
+          <a:p>
+            <a:pPr algn="l">
+              <a:buFont typeface="Arial" pitchFamily="34" charset="0"/>
+              <a:buChar char="•"/>
+            </a:pPr>
+            <a:r>
+              <a:rPr lang="en-US" sz="1200" spc="0" dirty="0" smtClean="0"/>
+              <a:t>        Must:</a:t>
+            </a:r>
+          </a:p>
+          <a:p>
+            <a:pPr algn="l"/>
+            <a:r>
+              <a:rPr lang="en-US" sz="1200" cap="none" spc="0" dirty="0" smtClean="0"/>
+              <a:t>	- Manager can edit orders, alter bill, overview of wait times, view time stamps in </a:t>
+            </a:r>
+            <a:r>
+              <a:rPr lang="en-US" sz="1200" cap="none" spc="0" dirty="0" smtClean="0"/>
+              <a:t>	order</a:t>
+            </a:r>
+          </a:p>
+          <a:p>
+            <a:pPr algn="l"/>
+            <a:r>
+              <a:rPr lang="en-US" sz="1200" cap="none" spc="0" dirty="0" smtClean="0"/>
+              <a:t>	</a:t>
+            </a:r>
+            <a:r>
+              <a:rPr lang="en-US" sz="1200" cap="none" spc="0" dirty="0" smtClean="0"/>
+              <a:t>- Chef can view orders, time stamps for orders, and mark as </a:t>
+            </a:r>
+            <a:r>
+              <a:rPr lang="en-US" sz="1200" cap="none" spc="0" dirty="0" smtClean="0"/>
+              <a:t>ready</a:t>
+            </a:r>
+          </a:p>
+          <a:p>
+            <a:pPr algn="l"/>
+            <a:r>
+              <a:rPr lang="en-US" sz="1200" cap="none" spc="0" dirty="0" smtClean="0"/>
+              <a:t>	</a:t>
+            </a:r>
+            <a:r>
+              <a:rPr lang="en-US" sz="1200" cap="none" spc="0" dirty="0" smtClean="0"/>
+              <a:t>- Waiter can view orders, view tables, time stamp for orders, alter bill, view </a:t>
+            </a:r>
+            <a:r>
+              <a:rPr lang="en-US" sz="1200" cap="none" spc="0" dirty="0" smtClean="0"/>
+              <a:t>	menu</a:t>
+            </a:r>
+            <a:endParaRPr lang="en-US" sz="1800" cap="none" spc="0" dirty="0"/>
+          </a:p>
+          <a:p>
+            <a:pPr algn="l">
+              <a:buFont typeface="Arial" pitchFamily="34" charset="0"/>
+              <a:buChar char="•"/>
+            </a:pPr>
+            <a:r>
+              <a:rPr lang="en-US" sz="1200" spc="0" dirty="0" smtClean="0"/>
+              <a:t>        Should:</a:t>
+            </a:r>
+            <a:endParaRPr lang="en-US" sz="1200" spc="0" dirty="0"/>
           </a:p>
           <a:p>
             <a:pPr algn="l"/>
             <a:endParaRPr lang="en-US" spc="0" dirty="0"/>
           </a:p>
-          <a:p>
-            <a:pPr algn="l"/>
-            <a:r>
-              <a:rPr lang="en-US" u="sng" spc="0" dirty="0"/>
-              <a:t>User Requirements:</a:t>
-            </a:r>
-          </a:p>
-          <a:p>
-            <a:pPr algn="l"/>
-            <a:r>
-              <a:rPr lang="en-US" spc="0" dirty="0"/>
-              <a:t>Must Have- </a:t>
-            </a:r>
-          </a:p>
-          <a:p>
-            <a:pPr algn="l"/>
-            <a:r>
-              <a:rPr lang="en-US" spc="0" dirty="0"/>
-              <a:t>Should Have-</a:t>
-            </a:r>
-          </a:p>
-          <a:p>
-            <a:pPr algn="l"/>
-            <a:endParaRPr lang="en-US" spc="0" dirty="0"/>
-          </a:p>
         </p:txBody>
       </p:sp>
       <p:sp>
@@ -5916,7 +6091,7 @@
           <p:cNvPr id="2" name="Slide Number Placeholder 1">
             <a:extLst>
               <a:ext uri="{FF2B5EF4-FFF2-40B4-BE49-F238E27FC236}">
-                <a16:creationId xmlns:a16="http://schemas.microsoft.com/office/drawing/2014/main" id="{948DD8A0-BD53-4DBF-949B-0D64D12DADA9}"/>
+                <a16:creationId xmlns:a16="http://schemas.microsoft.com/office/drawing/2014/main" xmlns="" id="{948DD8A0-BD53-4DBF-949B-0D64D12DADA9}"/>
               </a:ext>
             </a:extLst>
           </p:cNvPr>
@@ -5934,6 +6109,7 @@
           <a:p>
             <a:fld id="{8C2E478F-E849-4A8C-AF1F-CBCC78A7CBFA}" type="slidenum">
               <a:rPr lang="en-US" smtClean="0"/>
+              <a:pPr/>
               <a:t>10</a:t>
             </a:fld>
             <a:endParaRPr lang="en-US" dirty="0"/>
@@ -5943,7 +6119,7 @@
     </p:spTree>
     <p:extLst>
       <p:ext uri="{BB962C8B-B14F-4D97-AF65-F5344CB8AC3E}">
-        <p14:creationId xmlns:p14="http://schemas.microsoft.com/office/powerpoint/2010/main" val="2692241771"/>
+        <p14:creationId xmlns:p14="http://schemas.microsoft.com/office/powerpoint/2010/main" xmlns="" val="2692241771"/>
       </p:ext>
     </p:extLst>
   </p:cSld>
@@ -5975,7 +6151,7 @@
           <p:cNvPr id="3" name="Title 2">
             <a:extLst>
               <a:ext uri="{FF2B5EF4-FFF2-40B4-BE49-F238E27FC236}">
-                <a16:creationId xmlns:a16="http://schemas.microsoft.com/office/drawing/2014/main" id="{1D24B42B-925B-494C-A986-BD85E8117E1E}"/>
+                <a16:creationId xmlns:a16="http://schemas.microsoft.com/office/drawing/2014/main" xmlns="" id="{1D24B42B-925B-494C-A986-BD85E8117E1E}"/>
               </a:ext>
             </a:extLst>
           </p:cNvPr>
@@ -6010,7 +6186,7 @@
           <p:cNvPr id="13" name="Picture Placeholder 12" descr="close up of computer on top of table against a brick wall">
             <a:extLst>
               <a:ext uri="{FF2B5EF4-FFF2-40B4-BE49-F238E27FC236}">
-                <a16:creationId xmlns:a16="http://schemas.microsoft.com/office/drawing/2014/main" id="{90BB9493-60B4-4B89-89CE-E1F8BF6C4D12}"/>
+                <a16:creationId xmlns:a16="http://schemas.microsoft.com/office/drawing/2014/main" xmlns="" id="{90BB9493-60B4-4B89-89CE-E1F8BF6C4D12}"/>
               </a:ext>
             </a:extLst>
           </p:cNvPr>
@@ -6025,7 +6201,7 @@
           <a:blip r:embed="rId2" cstate="email">
             <a:extLst>
               <a:ext uri="{BEBA8EAE-BF5A-486C-A8C5-ECC9F3942E4B}">
-                <a14:imgProps xmlns:a14="http://schemas.microsoft.com/office/drawing/2010/main">
+                <a14:imgProps xmlns:a14="http://schemas.microsoft.com/office/drawing/2010/main" xmlns="">
                   <a14:imgLayer r:embed="rId3">
                     <a14:imgEffect>
                       <a14:saturation sat="0"/>
@@ -6034,7 +6210,7 @@
                 </a14:imgProps>
               </a:ext>
               <a:ext uri="{28A0092B-C50C-407E-A947-70E740481C1C}">
-                <a14:useLocalDpi xmlns:a14="http://schemas.microsoft.com/office/drawing/2010/main"/>
+                <a14:useLocalDpi xmlns:a14="http://schemas.microsoft.com/office/drawing/2010/main" xmlns=""/>
               </a:ext>
             </a:extLst>
           </a:blip>
@@ -6048,7 +6224,7 @@
           <p:cNvPr id="5" name="Text Placeholder 4">
             <a:extLst>
               <a:ext uri="{FF2B5EF4-FFF2-40B4-BE49-F238E27FC236}">
-                <a16:creationId xmlns:a16="http://schemas.microsoft.com/office/drawing/2014/main" id="{AF9B872F-6332-408E-9135-B871F0C90C00}"/>
+                <a16:creationId xmlns:a16="http://schemas.microsoft.com/office/drawing/2014/main" xmlns="" id="{AF9B872F-6332-408E-9135-B871F0C90C00}"/>
               </a:ext>
             </a:extLst>
           </p:cNvPr>
@@ -6061,7 +6237,7 @@
         </p:nvSpPr>
         <p:spPr>
           <a:xfrm>
-            <a:off x="5766032" y="1518408"/>
+            <a:off x="5697206" y="1656060"/>
             <a:ext cx="6096000" cy="4882392"/>
           </a:xfrm>
         </p:spPr>
@@ -6149,7 +6325,19 @@
               <a:rPr lang="en-US" sz="1200" cap="none" spc="0" dirty="0">
                 <a:cs typeface="Arial" panose="020B0604020202020204" pitchFamily="34" charset="0"/>
               </a:rPr>
-              <a:t>Use 2fa for manager login to secure admin privileges (two factor authentication)</a:t>
+              <a:t>Use 2fa for manager login to secure admin privileges (two factor </a:t>
+            </a:r>
+            <a:r>
+              <a:rPr lang="en-US" sz="1200" cap="none" spc="0" dirty="0" smtClean="0">
+                <a:cs typeface="Arial" panose="020B0604020202020204" pitchFamily="34" charset="0"/>
+              </a:rPr>
+              <a:t>	authentication</a:t>
+            </a:r>
+            <a:r>
+              <a:rPr lang="en-US" sz="1200" cap="none" spc="0" dirty="0">
+                <a:cs typeface="Arial" panose="020B0604020202020204" pitchFamily="34" charset="0"/>
+              </a:rPr>
+              <a:t>)</a:t>
             </a:r>
           </a:p>
           <a:p>
@@ -6213,7 +6401,7 @@
           <p:cNvPr id="2" name="Slide Number Placeholder 1">
             <a:extLst>
               <a:ext uri="{FF2B5EF4-FFF2-40B4-BE49-F238E27FC236}">
-                <a16:creationId xmlns:a16="http://schemas.microsoft.com/office/drawing/2014/main" id="{948DD8A0-BD53-4DBF-949B-0D64D12DADA9}"/>
+                <a16:creationId xmlns:a16="http://schemas.microsoft.com/office/drawing/2014/main" xmlns="" id="{948DD8A0-BD53-4DBF-949B-0D64D12DADA9}"/>
               </a:ext>
             </a:extLst>
           </p:cNvPr>
@@ -6231,6 +6419,7 @@
           <a:p>
             <a:fld id="{8C2E478F-E849-4A8C-AF1F-CBCC78A7CBFA}" type="slidenum">
               <a:rPr lang="en-US" smtClean="0"/>
+              <a:pPr/>
               <a:t>11</a:t>
             </a:fld>
             <a:endParaRPr lang="en-US" dirty="0"/>
@@ -6240,7 +6429,7 @@
     </p:spTree>
     <p:extLst>
       <p:ext uri="{BB962C8B-B14F-4D97-AF65-F5344CB8AC3E}">
-        <p14:creationId xmlns:p14="http://schemas.microsoft.com/office/powerpoint/2010/main" val="3164405530"/>
+        <p14:creationId xmlns:p14="http://schemas.microsoft.com/office/powerpoint/2010/main" xmlns="" val="3164405530"/>
       </p:ext>
     </p:extLst>
   </p:cSld>
@@ -6272,7 +6461,7 @@
           <p:cNvPr id="3" name="Title 2">
             <a:extLst>
               <a:ext uri="{FF2B5EF4-FFF2-40B4-BE49-F238E27FC236}">
-                <a16:creationId xmlns:a16="http://schemas.microsoft.com/office/drawing/2014/main" id="{1D24B42B-925B-494C-A986-BD85E8117E1E}"/>
+                <a16:creationId xmlns:a16="http://schemas.microsoft.com/office/drawing/2014/main" xmlns="" id="{1D24B42B-925B-494C-A986-BD85E8117E1E}"/>
               </a:ext>
             </a:extLst>
           </p:cNvPr>
@@ -6307,7 +6496,7 @@
           <p:cNvPr id="13" name="Picture Placeholder 12" descr="close up of computer on top of table against a brick wall">
             <a:extLst>
               <a:ext uri="{FF2B5EF4-FFF2-40B4-BE49-F238E27FC236}">
-                <a16:creationId xmlns:a16="http://schemas.microsoft.com/office/drawing/2014/main" id="{90BB9493-60B4-4B89-89CE-E1F8BF6C4D12}"/>
+                <a16:creationId xmlns:a16="http://schemas.microsoft.com/office/drawing/2014/main" xmlns="" id="{90BB9493-60B4-4B89-89CE-E1F8BF6C4D12}"/>
               </a:ext>
             </a:extLst>
           </p:cNvPr>
@@ -6322,7 +6511,7 @@
           <a:blip r:embed="rId2" cstate="email">
             <a:extLst>
               <a:ext uri="{BEBA8EAE-BF5A-486C-A8C5-ECC9F3942E4B}">
-                <a14:imgProps xmlns:a14="http://schemas.microsoft.com/office/drawing/2010/main">
+                <a14:imgProps xmlns:a14="http://schemas.microsoft.com/office/drawing/2010/main" xmlns="">
                   <a14:imgLayer r:embed="rId3">
                     <a14:imgEffect>
                       <a14:saturation sat="0"/>
@@ -6331,7 +6520,7 @@
                 </a14:imgProps>
               </a:ext>
               <a:ext uri="{28A0092B-C50C-407E-A947-70E740481C1C}">
-                <a14:useLocalDpi xmlns:a14="http://schemas.microsoft.com/office/drawing/2010/main"/>
+                <a14:useLocalDpi xmlns:a14="http://schemas.microsoft.com/office/drawing/2010/main" xmlns=""/>
               </a:ext>
             </a:extLst>
           </a:blip>
@@ -6345,7 +6534,7 @@
           <p:cNvPr id="5" name="Text Placeholder 4">
             <a:extLst>
               <a:ext uri="{FF2B5EF4-FFF2-40B4-BE49-F238E27FC236}">
-                <a16:creationId xmlns:a16="http://schemas.microsoft.com/office/drawing/2014/main" id="{AF9B872F-6332-408E-9135-B871F0C90C00}"/>
+                <a16:creationId xmlns:a16="http://schemas.microsoft.com/office/drawing/2014/main" xmlns="" id="{AF9B872F-6332-408E-9135-B871F0C90C00}"/>
               </a:ext>
             </a:extLst>
           </p:cNvPr>
@@ -6495,7 +6684,7 @@
           <p:cNvPr id="2" name="Slide Number Placeholder 1">
             <a:extLst>
               <a:ext uri="{FF2B5EF4-FFF2-40B4-BE49-F238E27FC236}">
-                <a16:creationId xmlns:a16="http://schemas.microsoft.com/office/drawing/2014/main" id="{948DD8A0-BD53-4DBF-949B-0D64D12DADA9}"/>
+                <a16:creationId xmlns:a16="http://schemas.microsoft.com/office/drawing/2014/main" xmlns="" id="{948DD8A0-BD53-4DBF-949B-0D64D12DADA9}"/>
               </a:ext>
             </a:extLst>
           </p:cNvPr>
@@ -6513,6 +6702,7 @@
           <a:p>
             <a:fld id="{8C2E478F-E849-4A8C-AF1F-CBCC78A7CBFA}" type="slidenum">
               <a:rPr lang="en-US" smtClean="0"/>
+              <a:pPr/>
               <a:t>12</a:t>
             </a:fld>
             <a:endParaRPr lang="en-US" dirty="0"/>
@@ -6522,7 +6712,7 @@
     </p:spTree>
     <p:extLst>
       <p:ext uri="{BB962C8B-B14F-4D97-AF65-F5344CB8AC3E}">
-        <p14:creationId xmlns:p14="http://schemas.microsoft.com/office/powerpoint/2010/main" val="3800372191"/>
+        <p14:creationId xmlns:p14="http://schemas.microsoft.com/office/powerpoint/2010/main" xmlns="" val="3800372191"/>
       </p:ext>
     </p:extLst>
   </p:cSld>
@@ -6554,7 +6744,7 @@
           <p:cNvPr id="3" name="Title 2">
             <a:extLst>
               <a:ext uri="{FF2B5EF4-FFF2-40B4-BE49-F238E27FC236}">
-                <a16:creationId xmlns:a16="http://schemas.microsoft.com/office/drawing/2014/main" id="{1D24B42B-925B-494C-A986-BD85E8117E1E}"/>
+                <a16:creationId xmlns:a16="http://schemas.microsoft.com/office/drawing/2014/main" xmlns="" id="{1D24B42B-925B-494C-A986-BD85E8117E1E}"/>
               </a:ext>
             </a:extLst>
           </p:cNvPr>
@@ -6589,7 +6779,7 @@
           <p:cNvPr id="13" name="Picture Placeholder 12" descr="close up of computer on top of table against a brick wall">
             <a:extLst>
               <a:ext uri="{FF2B5EF4-FFF2-40B4-BE49-F238E27FC236}">
-                <a16:creationId xmlns:a16="http://schemas.microsoft.com/office/drawing/2014/main" id="{90BB9493-60B4-4B89-89CE-E1F8BF6C4D12}"/>
+                <a16:creationId xmlns:a16="http://schemas.microsoft.com/office/drawing/2014/main" xmlns="" id="{90BB9493-60B4-4B89-89CE-E1F8BF6C4D12}"/>
               </a:ext>
             </a:extLst>
           </p:cNvPr>
@@ -6604,7 +6794,7 @@
           <a:blip r:embed="rId2" cstate="email">
             <a:extLst>
               <a:ext uri="{BEBA8EAE-BF5A-486C-A8C5-ECC9F3942E4B}">
-                <a14:imgProps xmlns:a14="http://schemas.microsoft.com/office/drawing/2010/main">
+                <a14:imgProps xmlns:a14="http://schemas.microsoft.com/office/drawing/2010/main" xmlns="">
                   <a14:imgLayer r:embed="rId3">
                     <a14:imgEffect>
                       <a14:saturation sat="0"/>
@@ -6613,7 +6803,7 @@
                 </a14:imgProps>
               </a:ext>
               <a:ext uri="{28A0092B-C50C-407E-A947-70E740481C1C}">
-                <a14:useLocalDpi xmlns:a14="http://schemas.microsoft.com/office/drawing/2010/main"/>
+                <a14:useLocalDpi xmlns:a14="http://schemas.microsoft.com/office/drawing/2010/main" xmlns=""/>
               </a:ext>
             </a:extLst>
           </a:blip>
@@ -6627,7 +6817,7 @@
           <p:cNvPr id="5" name="Text Placeholder 4">
             <a:extLst>
               <a:ext uri="{FF2B5EF4-FFF2-40B4-BE49-F238E27FC236}">
-                <a16:creationId xmlns:a16="http://schemas.microsoft.com/office/drawing/2014/main" id="{AF9B872F-6332-408E-9135-B871F0C90C00}"/>
+                <a16:creationId xmlns:a16="http://schemas.microsoft.com/office/drawing/2014/main" xmlns="" id="{AF9B872F-6332-408E-9135-B871F0C90C00}"/>
               </a:ext>
             </a:extLst>
           </p:cNvPr>
@@ -6702,7 +6892,7 @@
           <p:cNvPr id="2" name="Slide Number Placeholder 1">
             <a:extLst>
               <a:ext uri="{FF2B5EF4-FFF2-40B4-BE49-F238E27FC236}">
-                <a16:creationId xmlns:a16="http://schemas.microsoft.com/office/drawing/2014/main" id="{948DD8A0-BD53-4DBF-949B-0D64D12DADA9}"/>
+                <a16:creationId xmlns:a16="http://schemas.microsoft.com/office/drawing/2014/main" xmlns="" id="{948DD8A0-BD53-4DBF-949B-0D64D12DADA9}"/>
               </a:ext>
             </a:extLst>
           </p:cNvPr>
@@ -6720,6 +6910,7 @@
           <a:p>
             <a:fld id="{8C2E478F-E849-4A8C-AF1F-CBCC78A7CBFA}" type="slidenum">
               <a:rPr lang="en-US" smtClean="0"/>
+              <a:pPr/>
               <a:t>13</a:t>
             </a:fld>
             <a:endParaRPr lang="en-US" dirty="0"/>
@@ -6729,7 +6920,7 @@
     </p:spTree>
     <p:extLst>
       <p:ext uri="{BB962C8B-B14F-4D97-AF65-F5344CB8AC3E}">
-        <p14:creationId xmlns:p14="http://schemas.microsoft.com/office/powerpoint/2010/main" val="2280711133"/>
+        <p14:creationId xmlns:p14="http://schemas.microsoft.com/office/powerpoint/2010/main" xmlns="" val="2280711133"/>
       </p:ext>
     </p:extLst>
   </p:cSld>
@@ -6761,7 +6952,7 @@
           <p:cNvPr id="2" name="Title 1">
             <a:extLst>
               <a:ext uri="{FF2B5EF4-FFF2-40B4-BE49-F238E27FC236}">
-                <a16:creationId xmlns:a16="http://schemas.microsoft.com/office/drawing/2014/main" id="{12CC3376-5069-4C7B-BE6B-A3776D1B47BA}"/>
+                <a16:creationId xmlns:a16="http://schemas.microsoft.com/office/drawing/2014/main" xmlns="" id="{12CC3376-5069-4C7B-BE6B-A3776D1B47BA}"/>
               </a:ext>
             </a:extLst>
           </p:cNvPr>
@@ -6798,7 +6989,7 @@
           <p:cNvPr id="6" name="Picture Placeholder 5" descr="person staring at blueprints on a brick wall">
             <a:extLst>
               <a:ext uri="{FF2B5EF4-FFF2-40B4-BE49-F238E27FC236}">
-                <a16:creationId xmlns:a16="http://schemas.microsoft.com/office/drawing/2014/main" id="{C07C315A-7CD1-432C-92FA-6B62159B56CA}"/>
+                <a16:creationId xmlns:a16="http://schemas.microsoft.com/office/drawing/2014/main" xmlns="" id="{C07C315A-7CD1-432C-92FA-6B62159B56CA}"/>
               </a:ext>
             </a:extLst>
           </p:cNvPr>
@@ -6813,7 +7004,7 @@
           <a:blip r:embed="rId3">
             <a:extLst>
               <a:ext uri="{BEBA8EAE-BF5A-486C-A8C5-ECC9F3942E4B}">
-                <a14:imgProps xmlns:a14="http://schemas.microsoft.com/office/drawing/2010/main">
+                <a14:imgProps xmlns:a14="http://schemas.microsoft.com/office/drawing/2010/main" xmlns="">
                   <a14:imgLayer r:embed="rId4">
                     <a14:imgEffect>
                       <a14:saturation sat="0"/>
@@ -6838,7 +7029,7 @@
           <p:cNvPr id="14" name="Content Placeholder 13">
             <a:extLst>
               <a:ext uri="{FF2B5EF4-FFF2-40B4-BE49-F238E27FC236}">
-                <a16:creationId xmlns:a16="http://schemas.microsoft.com/office/drawing/2014/main" id="{79248A72-A597-48DF-A270-3389F5D209C0}"/>
+                <a16:creationId xmlns:a16="http://schemas.microsoft.com/office/drawing/2014/main" xmlns="" id="{79248A72-A597-48DF-A270-3389F5D209C0}"/>
               </a:ext>
             </a:extLst>
           </p:cNvPr>
@@ -7310,7 +7501,7 @@
           <p:cNvPr id="16" name="Slide Number Placeholder 15">
             <a:extLst>
               <a:ext uri="{FF2B5EF4-FFF2-40B4-BE49-F238E27FC236}">
-                <a16:creationId xmlns:a16="http://schemas.microsoft.com/office/drawing/2014/main" id="{7FA57D11-A25F-4772-8E50-DDB68BE8CB69}"/>
+                <a16:creationId xmlns:a16="http://schemas.microsoft.com/office/drawing/2014/main" xmlns="" id="{7FA57D11-A25F-4772-8E50-DDB68BE8CB69}"/>
               </a:ext>
             </a:extLst>
           </p:cNvPr>
@@ -7328,6 +7519,7 @@
           <a:p>
             <a:fld id="{8C2E478F-E849-4A8C-AF1F-CBCC78A7CBFA}" type="slidenum">
               <a:rPr lang="en-US" smtClean="0"/>
+              <a:pPr/>
               <a:t>14</a:t>
             </a:fld>
             <a:endParaRPr lang="en-US" dirty="0"/>
@@ -7337,7 +7529,7 @@
     </p:spTree>
     <p:extLst>
       <p:ext uri="{BB962C8B-B14F-4D97-AF65-F5344CB8AC3E}">
-        <p14:creationId xmlns:p14="http://schemas.microsoft.com/office/powerpoint/2010/main" val="3516891798"/>
+        <p14:creationId xmlns:p14="http://schemas.microsoft.com/office/powerpoint/2010/main" xmlns="" val="3516891798"/>
       </p:ext>
     </p:extLst>
   </p:cSld>
@@ -7369,7 +7561,7 @@
           <p:cNvPr id="2" name="Title 1">
             <a:extLst>
               <a:ext uri="{FF2B5EF4-FFF2-40B4-BE49-F238E27FC236}">
-                <a16:creationId xmlns:a16="http://schemas.microsoft.com/office/drawing/2014/main" id="{12CC3376-5069-4C7B-BE6B-A3776D1B47BA}"/>
+                <a16:creationId xmlns:a16="http://schemas.microsoft.com/office/drawing/2014/main" xmlns="" id="{12CC3376-5069-4C7B-BE6B-A3776D1B47BA}"/>
               </a:ext>
             </a:extLst>
           </p:cNvPr>
@@ -7402,7 +7594,7 @@
           <p:cNvPr id="6" name="Picture Placeholder 5" descr="person staring at blueprints on a brick wall">
             <a:extLst>
               <a:ext uri="{FF2B5EF4-FFF2-40B4-BE49-F238E27FC236}">
-                <a16:creationId xmlns:a16="http://schemas.microsoft.com/office/drawing/2014/main" id="{C07C315A-7CD1-432C-92FA-6B62159B56CA}"/>
+                <a16:creationId xmlns:a16="http://schemas.microsoft.com/office/drawing/2014/main" xmlns="" id="{C07C315A-7CD1-432C-92FA-6B62159B56CA}"/>
               </a:ext>
             </a:extLst>
           </p:cNvPr>
@@ -7417,7 +7609,7 @@
           <a:blip r:embed="rId3">
             <a:extLst>
               <a:ext uri="{BEBA8EAE-BF5A-486C-A8C5-ECC9F3942E4B}">
-                <a14:imgProps xmlns:a14="http://schemas.microsoft.com/office/drawing/2010/main">
+                <a14:imgProps xmlns:a14="http://schemas.microsoft.com/office/drawing/2010/main" xmlns="">
                   <a14:imgLayer r:embed="rId4">
                     <a14:imgEffect>
                       <a14:saturation sat="0"/>
@@ -7442,7 +7634,7 @@
           <p:cNvPr id="14" name="Content Placeholder 13">
             <a:extLst>
               <a:ext uri="{FF2B5EF4-FFF2-40B4-BE49-F238E27FC236}">
-                <a16:creationId xmlns:a16="http://schemas.microsoft.com/office/drawing/2014/main" id="{79248A72-A597-48DF-A270-3389F5D209C0}"/>
+                <a16:creationId xmlns:a16="http://schemas.microsoft.com/office/drawing/2014/main" xmlns="" id="{79248A72-A597-48DF-A270-3389F5D209C0}"/>
               </a:ext>
             </a:extLst>
           </p:cNvPr>
@@ -7549,7 +7741,7 @@
           <p:cNvPr id="16" name="Slide Number Placeholder 15">
             <a:extLst>
               <a:ext uri="{FF2B5EF4-FFF2-40B4-BE49-F238E27FC236}">
-                <a16:creationId xmlns:a16="http://schemas.microsoft.com/office/drawing/2014/main" id="{7FA57D11-A25F-4772-8E50-DDB68BE8CB69}"/>
+                <a16:creationId xmlns:a16="http://schemas.microsoft.com/office/drawing/2014/main" xmlns="" id="{7FA57D11-A25F-4772-8E50-DDB68BE8CB69}"/>
               </a:ext>
             </a:extLst>
           </p:cNvPr>
@@ -7567,6 +7759,7 @@
           <a:p>
             <a:fld id="{8C2E478F-E849-4A8C-AF1F-CBCC78A7CBFA}" type="slidenum">
               <a:rPr lang="en-US" smtClean="0"/>
+              <a:pPr/>
               <a:t>15</a:t>
             </a:fld>
             <a:endParaRPr lang="en-US" dirty="0"/>
@@ -7576,7 +7769,7 @@
     </p:spTree>
     <p:extLst>
       <p:ext uri="{BB962C8B-B14F-4D97-AF65-F5344CB8AC3E}">
-        <p14:creationId xmlns:p14="http://schemas.microsoft.com/office/powerpoint/2010/main" val="1690341182"/>
+        <p14:creationId xmlns:p14="http://schemas.microsoft.com/office/powerpoint/2010/main" xmlns="" val="1690341182"/>
       </p:ext>
     </p:extLst>
   </p:cSld>
@@ -7608,7 +7801,7 @@
           <p:cNvPr id="2" name="Title 1">
             <a:extLst>
               <a:ext uri="{FF2B5EF4-FFF2-40B4-BE49-F238E27FC236}">
-                <a16:creationId xmlns:a16="http://schemas.microsoft.com/office/drawing/2014/main" id="{12CC3376-5069-4C7B-BE6B-A3776D1B47BA}"/>
+                <a16:creationId xmlns:a16="http://schemas.microsoft.com/office/drawing/2014/main" xmlns="" id="{12CC3376-5069-4C7B-BE6B-A3776D1B47BA}"/>
               </a:ext>
             </a:extLst>
           </p:cNvPr>
@@ -7641,7 +7834,7 @@
           <p:cNvPr id="6" name="Picture Placeholder 5" descr="person staring at blueprints on a brick wall">
             <a:extLst>
               <a:ext uri="{FF2B5EF4-FFF2-40B4-BE49-F238E27FC236}">
-                <a16:creationId xmlns:a16="http://schemas.microsoft.com/office/drawing/2014/main" id="{C07C315A-7CD1-432C-92FA-6B62159B56CA}"/>
+                <a16:creationId xmlns:a16="http://schemas.microsoft.com/office/drawing/2014/main" xmlns="" id="{C07C315A-7CD1-432C-92FA-6B62159B56CA}"/>
               </a:ext>
             </a:extLst>
           </p:cNvPr>
@@ -7656,7 +7849,7 @@
           <a:blip r:embed="rId3">
             <a:extLst>
               <a:ext uri="{BEBA8EAE-BF5A-486C-A8C5-ECC9F3942E4B}">
-                <a14:imgProps xmlns:a14="http://schemas.microsoft.com/office/drawing/2010/main">
+                <a14:imgProps xmlns:a14="http://schemas.microsoft.com/office/drawing/2010/main" xmlns="">
                   <a14:imgLayer r:embed="rId4">
                     <a14:imgEffect>
                       <a14:saturation sat="0"/>
@@ -7681,7 +7874,7 @@
           <p:cNvPr id="14" name="Content Placeholder 13">
             <a:extLst>
               <a:ext uri="{FF2B5EF4-FFF2-40B4-BE49-F238E27FC236}">
-                <a16:creationId xmlns:a16="http://schemas.microsoft.com/office/drawing/2014/main" id="{79248A72-A597-48DF-A270-3389F5D209C0}"/>
+                <a16:creationId xmlns:a16="http://schemas.microsoft.com/office/drawing/2014/main" xmlns="" id="{79248A72-A597-48DF-A270-3389F5D209C0}"/>
               </a:ext>
             </a:extLst>
           </p:cNvPr>
@@ -8056,7 +8249,7 @@
           <p:cNvPr id="16" name="Slide Number Placeholder 15">
             <a:extLst>
               <a:ext uri="{FF2B5EF4-FFF2-40B4-BE49-F238E27FC236}">
-                <a16:creationId xmlns:a16="http://schemas.microsoft.com/office/drawing/2014/main" id="{7FA57D11-A25F-4772-8E50-DDB68BE8CB69}"/>
+                <a16:creationId xmlns:a16="http://schemas.microsoft.com/office/drawing/2014/main" xmlns="" id="{7FA57D11-A25F-4772-8E50-DDB68BE8CB69}"/>
               </a:ext>
             </a:extLst>
           </p:cNvPr>
@@ -8074,6 +8267,7 @@
           <a:p>
             <a:fld id="{8C2E478F-E849-4A8C-AF1F-CBCC78A7CBFA}" type="slidenum">
               <a:rPr lang="en-US" smtClean="0"/>
+              <a:pPr/>
               <a:t>16</a:t>
             </a:fld>
             <a:endParaRPr lang="en-US" dirty="0"/>
@@ -8083,7 +8277,7 @@
     </p:spTree>
     <p:extLst>
       <p:ext uri="{BB962C8B-B14F-4D97-AF65-F5344CB8AC3E}">
-        <p14:creationId xmlns:p14="http://schemas.microsoft.com/office/powerpoint/2010/main" val="2107433842"/>
+        <p14:creationId xmlns:p14="http://schemas.microsoft.com/office/powerpoint/2010/main" xmlns="" val="2107433842"/>
       </p:ext>
     </p:extLst>
   </p:cSld>
@@ -8115,7 +8309,7 @@
           <p:cNvPr id="2" name="Title 1">
             <a:extLst>
               <a:ext uri="{FF2B5EF4-FFF2-40B4-BE49-F238E27FC236}">
-                <a16:creationId xmlns:a16="http://schemas.microsoft.com/office/drawing/2014/main" id="{12CC3376-5069-4C7B-BE6B-A3776D1B47BA}"/>
+                <a16:creationId xmlns:a16="http://schemas.microsoft.com/office/drawing/2014/main" xmlns="" id="{12CC3376-5069-4C7B-BE6B-A3776D1B47BA}"/>
               </a:ext>
             </a:extLst>
           </p:cNvPr>
@@ -8148,7 +8342,7 @@
           <p:cNvPr id="6" name="Picture Placeholder 5" descr="person staring at blueprints on a brick wall">
             <a:extLst>
               <a:ext uri="{FF2B5EF4-FFF2-40B4-BE49-F238E27FC236}">
-                <a16:creationId xmlns:a16="http://schemas.microsoft.com/office/drawing/2014/main" id="{C07C315A-7CD1-432C-92FA-6B62159B56CA}"/>
+                <a16:creationId xmlns:a16="http://schemas.microsoft.com/office/drawing/2014/main" xmlns="" id="{C07C315A-7CD1-432C-92FA-6B62159B56CA}"/>
               </a:ext>
             </a:extLst>
           </p:cNvPr>
@@ -8163,7 +8357,7 @@
           <a:blip r:embed="rId3">
             <a:extLst>
               <a:ext uri="{BEBA8EAE-BF5A-486C-A8C5-ECC9F3942E4B}">
-                <a14:imgProps xmlns:a14="http://schemas.microsoft.com/office/drawing/2010/main">
+                <a14:imgProps xmlns:a14="http://schemas.microsoft.com/office/drawing/2010/main" xmlns="">
                   <a14:imgLayer r:embed="rId4">
                     <a14:imgEffect>
                       <a14:saturation sat="0"/>
@@ -8188,7 +8382,7 @@
           <p:cNvPr id="14" name="Content Placeholder 13">
             <a:extLst>
               <a:ext uri="{FF2B5EF4-FFF2-40B4-BE49-F238E27FC236}">
-                <a16:creationId xmlns:a16="http://schemas.microsoft.com/office/drawing/2014/main" id="{79248A72-A597-48DF-A270-3389F5D209C0}"/>
+                <a16:creationId xmlns:a16="http://schemas.microsoft.com/office/drawing/2014/main" xmlns="" id="{79248A72-A597-48DF-A270-3389F5D209C0}"/>
               </a:ext>
             </a:extLst>
           </p:cNvPr>
@@ -8201,7 +8395,7 @@
         </p:nvSpPr>
         <p:spPr>
           <a:xfrm>
-            <a:off x="6096000" y="919320"/>
+            <a:off x="6086167" y="673514"/>
             <a:ext cx="5690532" cy="4949971"/>
           </a:xfrm>
         </p:spPr>
@@ -8244,42 +8438,6 @@
                 <a:cs typeface="Biome Light" panose="020B0303030204020804" pitchFamily="34" charset="0"/>
               </a:rPr>
               <a:t>Class Diagram</a:t>
-            </a:r>
-          </a:p>
-          <a:p>
-            <a:pPr marL="0" marR="0" lvl="0" indent="0" algn="l" defTabSz="914400" rtl="0" eaLnBrk="1" fontAlgn="auto" latinLnBrk="0" hangingPunct="1">
-              <a:lnSpc>
-                <a:spcPct val="100000"/>
-              </a:lnSpc>
-              <a:spcBef>
-                <a:spcPts val="1000"/>
-              </a:spcBef>
-              <a:spcAft>
-                <a:spcPts val="0"/>
-              </a:spcAft>
-              <a:buClrTx/>
-              <a:buSzTx/>
-              <a:buFont typeface="Arial" panose="020B0604020202020204" pitchFamily="34" charset="0"/>
-              <a:buNone/>
-              <a:tabLst/>
-              <a:defRPr/>
-            </a:pPr>
-            <a:r>
-              <a:rPr kumimoji="0" lang="en-US" sz="1600" b="0" i="0" u="none" strike="noStrike" kern="1200" cap="none" normalizeH="0" noProof="0" dirty="0">
-                <a:ln>
-                  <a:noFill/>
-                </a:ln>
-                <a:solidFill>
-                  <a:schemeClr val="tx1"/>
-                </a:solidFill>
-                <a:effectLst/>
-                <a:uLnTx/>
-                <a:uFillTx/>
-                <a:latin typeface="+mn-lt"/>
-                <a:ea typeface="+mn-ea"/>
-                <a:cs typeface="Biome Light" panose="020B0303030204020804" pitchFamily="34" charset="0"/>
-              </a:rPr>
-              <a:t>Profits are up in the last quarter by 3%</a:t>
             </a:r>
           </a:p>
           <a:p>
@@ -8443,11 +8601,39 @@
               <a:tabLst/>
               <a:defRPr/>
             </a:pPr>
+            <a:endParaRPr lang="en-US" sz="2000" dirty="0" smtClean="0">
+              <a:cs typeface="Biome Light" panose="020B0303030204020804" pitchFamily="34" charset="0"/>
+            </a:endParaRPr>
+          </a:p>
+          <a:p>
+            <a:pPr marL="0" marR="0" lvl="0" indent="0" algn="l" defTabSz="914400" rtl="0" eaLnBrk="1" fontAlgn="auto" latinLnBrk="0" hangingPunct="1">
+              <a:lnSpc>
+                <a:spcPct val="100000"/>
+              </a:lnSpc>
+              <a:spcBef>
+                <a:spcPts val="1000"/>
+              </a:spcBef>
+              <a:spcAft>
+                <a:spcPts val="0"/>
+              </a:spcAft>
+              <a:buClrTx/>
+              <a:buSzTx/>
+              <a:buFont typeface="Arial" panose="020B0604020202020204" pitchFamily="34" charset="0"/>
+              <a:buNone/>
+              <a:tabLst/>
+              <a:defRPr/>
+            </a:pPr>
+            <a:r>
+              <a:rPr lang="en-US" sz="2000" dirty="0" smtClean="0">
+                <a:cs typeface="Biome Light" panose="020B0303030204020804" pitchFamily="34" charset="0"/>
+              </a:rPr>
+              <a:t>Data </a:t>
+            </a:r>
             <a:r>
               <a:rPr lang="en-US" sz="2000" dirty="0">
                 <a:cs typeface="Biome Light" panose="020B0303030204020804" pitchFamily="34" charset="0"/>
               </a:rPr>
-              <a:t>Data Flow Diagram</a:t>
+              <a:t>Flow Diagram</a:t>
             </a:r>
             <a:endParaRPr kumimoji="0" lang="en-US" sz="2000" b="0" i="0" u="none" strike="noStrike" kern="1200" cap="none" normalizeH="0" noProof="0" dirty="0">
               <a:ln>
@@ -8546,7 +8732,7 @@
           <p:cNvPr id="16" name="Slide Number Placeholder 15">
             <a:extLst>
               <a:ext uri="{FF2B5EF4-FFF2-40B4-BE49-F238E27FC236}">
-                <a16:creationId xmlns:a16="http://schemas.microsoft.com/office/drawing/2014/main" id="{7FA57D11-A25F-4772-8E50-DDB68BE8CB69}"/>
+                <a16:creationId xmlns:a16="http://schemas.microsoft.com/office/drawing/2014/main" xmlns="" id="{7FA57D11-A25F-4772-8E50-DDB68BE8CB69}"/>
               </a:ext>
             </a:extLst>
           </p:cNvPr>
@@ -8564,16 +8750,50 @@
           <a:p>
             <a:fld id="{8C2E478F-E849-4A8C-AF1F-CBCC78A7CBFA}" type="slidenum">
               <a:rPr lang="en-US" smtClean="0"/>
+              <a:pPr/>
               <a:t>17</a:t>
             </a:fld>
             <a:endParaRPr lang="en-US" dirty="0"/>
           </a:p>
         </p:txBody>
       </p:sp>
+      <p:pic>
+        <p:nvPicPr>
+          <p:cNvPr id="7" name="Picture 6"/>
+          <p:cNvPicPr/>
+          <p:nvPr/>
+        </p:nvPicPr>
+        <p:blipFill>
+          <a:blip r:embed="rId5">
+            <a:extLst>
+              <a:ext uri="{28A0092B-C50C-407E-A947-70E740481C1C}">
+                <a14:useLocalDpi xmlns="" xmlns:wpc="http://schemas.microsoft.com/office/word/2010/wordprocessingCanvas" xmlns:cx="http://schemas.microsoft.com/office/drawing/2014/chartex" xmlns:cx1="http://schemas.microsoft.com/office/drawing/2015/9/8/chartex" xmlns:cx2="http://schemas.microsoft.com/office/drawing/2015/10/21/chartex" xmlns:cx3="http://schemas.microsoft.com/office/drawing/2016/5/9/chartex" xmlns:cx4="http://schemas.microsoft.com/office/drawing/2016/5/10/chartex" xmlns:cx5="http://schemas.microsoft.com/office/drawing/2016/5/11/chartex" xmlns:cx6="http://schemas.microsoft.com/office/drawing/2016/5/12/chartex" xmlns:cx7="http://schemas.microsoft.com/office/drawing/2016/5/13/chartex" xmlns:cx8="http://schemas.microsoft.com/office/drawing/2016/5/14/chartex" xmlns:mc="http://schemas.openxmlformats.org/markup-compatibility/2006" xmlns:aink="http://schemas.microsoft.com/office/drawing/2016/ink" xmlns:am3d="http://schemas.microsoft.com/office/drawing/2017/model3d" xmlns:o="urn:schemas-microsoft-com:office:office" xmlns:oel="http://schemas.microsoft.com/office/2019/extlst" xmlns:m="http://schemas.openxmlformats.org/officeDocument/2006/math" xmlns:v="urn:schemas-microsoft-com:vml" xmlns:wp14="http://schemas.microsoft.com/office/word/2010/wordprocessingDrawing" xmlns:wp="http://schemas.openxmlformats.org/drawingml/2006/wordprocessingDrawing" xmlns:w10="urn:schemas-microsoft-com:office:word" xmlns:w="http://schemas.openxmlformats.org/wordprocessingml/2006/main" xmlns:w14="http://schemas.microsoft.com/office/word/2010/wordml" xmlns:w15="http://schemas.microsoft.com/office/word/2012/wordml" xmlns:w16cex="http://schemas.microsoft.com/office/word/2018/wordml/cex" xmlns:w16cid="http://schemas.microsoft.com/office/word/2016/wordml/cid" xmlns:w16="http://schemas.microsoft.com/office/word/2018/wordml" xmlns:w16sdtdh="http://schemas.microsoft.com/office/word/2020/wordml/sdtdatahash" xmlns:w16se="http://schemas.microsoft.com/office/word/2015/wordml/symex" xmlns:wpg="http://schemas.microsoft.com/office/word/2010/wordprocessingGroup" xmlns:wpi="http://schemas.microsoft.com/office/word/2010/wordprocessingInk" xmlns:wne="http://schemas.microsoft.com/office/word/2006/wordml" xmlns:wps="http://schemas.microsoft.com/office/word/2010/wordprocessingShape" xmlns:a14="http://schemas.microsoft.com/office/drawing/2010/main" xmlns:pic="http://schemas.openxmlformats.org/drawingml/2006/picture" xmlns:lc="http://schemas.openxmlformats.org/drawingml/2006/lockedCanvas" val="0"/>
+              </a:ext>
+            </a:extLst>
+          </a:blip>
+          <a:srcRect/>
+          <a:stretch>
+            <a:fillRect/>
+          </a:stretch>
+        </p:blipFill>
+        <p:spPr bwMode="auto">
+          <a:xfrm>
+            <a:off x="6657692" y="1061679"/>
+            <a:ext cx="3813664" cy="2182967"/>
+          </a:xfrm>
+          <a:prstGeom prst="rect">
+            <a:avLst/>
+          </a:prstGeom>
+          <a:noFill/>
+          <a:ln>
+            <a:noFill/>
+          </a:ln>
+        </p:spPr>
+      </p:pic>
     </p:spTree>
     <p:extLst>
       <p:ext uri="{BB962C8B-B14F-4D97-AF65-F5344CB8AC3E}">
-        <p14:creationId xmlns:p14="http://schemas.microsoft.com/office/powerpoint/2010/main" val="692636852"/>
+        <p14:creationId xmlns:p14="http://schemas.microsoft.com/office/powerpoint/2010/main" xmlns="" val="692636852"/>
       </p:ext>
     </p:extLst>
   </p:cSld>
@@ -8605,7 +8825,7 @@
           <p:cNvPr id="3" name="Title 2">
             <a:extLst>
               <a:ext uri="{FF2B5EF4-FFF2-40B4-BE49-F238E27FC236}">
-                <a16:creationId xmlns:a16="http://schemas.microsoft.com/office/drawing/2014/main" id="{1D24B42B-925B-494C-A986-BD85E8117E1E}"/>
+                <a16:creationId xmlns:a16="http://schemas.microsoft.com/office/drawing/2014/main" xmlns="" id="{1D24B42B-925B-494C-A986-BD85E8117E1E}"/>
               </a:ext>
             </a:extLst>
           </p:cNvPr>
@@ -8640,7 +8860,7 @@
           <p:cNvPr id="8" name="Picture Placeholder 7" descr="close up of computer code">
             <a:extLst>
               <a:ext uri="{FF2B5EF4-FFF2-40B4-BE49-F238E27FC236}">
-                <a16:creationId xmlns:a16="http://schemas.microsoft.com/office/drawing/2014/main" id="{A596BF19-CC58-4709-B5D6-3FC378FDC7BA}"/>
+                <a16:creationId xmlns:a16="http://schemas.microsoft.com/office/drawing/2014/main" xmlns="" id="{A596BF19-CC58-4709-B5D6-3FC378FDC7BA}"/>
               </a:ext>
             </a:extLst>
           </p:cNvPr>
@@ -8655,7 +8875,7 @@
           <a:blip r:embed="rId2">
             <a:extLst>
               <a:ext uri="{BEBA8EAE-BF5A-486C-A8C5-ECC9F3942E4B}">
-                <a14:imgProps xmlns:a14="http://schemas.microsoft.com/office/drawing/2010/main">
+                <a14:imgProps xmlns:a14="http://schemas.microsoft.com/office/drawing/2010/main" xmlns="">
                   <a14:imgLayer r:embed="rId3">
                     <a14:imgEffect>
                       <a14:saturation sat="0"/>
@@ -8680,7 +8900,7 @@
           <p:cNvPr id="2" name="Text Placeholder 1">
             <a:extLst>
               <a:ext uri="{FF2B5EF4-FFF2-40B4-BE49-F238E27FC236}">
-                <a16:creationId xmlns:a16="http://schemas.microsoft.com/office/drawing/2014/main" id="{B156CAF1-214F-4566-9B0D-DACA1063E8C8}"/>
+                <a16:creationId xmlns:a16="http://schemas.microsoft.com/office/drawing/2014/main" xmlns="" id="{B156CAF1-214F-4566-9B0D-DACA1063E8C8}"/>
               </a:ext>
             </a:extLst>
           </p:cNvPr>
@@ -8812,7 +9032,7 @@
           <p:cNvPr id="6" name="Slide Number Placeholder 5">
             <a:extLst>
               <a:ext uri="{FF2B5EF4-FFF2-40B4-BE49-F238E27FC236}">
-                <a16:creationId xmlns:a16="http://schemas.microsoft.com/office/drawing/2014/main" id="{FC6A5C12-E784-444E-B868-DE2AE85742BB}"/>
+                <a16:creationId xmlns:a16="http://schemas.microsoft.com/office/drawing/2014/main" xmlns="" id="{FC6A5C12-E784-444E-B868-DE2AE85742BB}"/>
               </a:ext>
             </a:extLst>
           </p:cNvPr>
@@ -8830,6 +9050,7 @@
           <a:p>
             <a:fld id="{8C2E478F-E849-4A8C-AF1F-CBCC78A7CBFA}" type="slidenum">
               <a:rPr lang="en-US" smtClean="0"/>
+              <a:pPr/>
               <a:t>18</a:t>
             </a:fld>
             <a:endParaRPr lang="en-US" dirty="0"/>
@@ -8839,7 +9060,7 @@
     </p:spTree>
     <p:extLst>
       <p:ext uri="{BB962C8B-B14F-4D97-AF65-F5344CB8AC3E}">
-        <p14:creationId xmlns:p14="http://schemas.microsoft.com/office/powerpoint/2010/main" val="2918897839"/>
+        <p14:creationId xmlns:p14="http://schemas.microsoft.com/office/powerpoint/2010/main" xmlns="" val="2918897839"/>
       </p:ext>
     </p:extLst>
   </p:cSld>
@@ -8871,7 +9092,7 @@
           <p:cNvPr id="3" name="Title 2">
             <a:extLst>
               <a:ext uri="{FF2B5EF4-FFF2-40B4-BE49-F238E27FC236}">
-                <a16:creationId xmlns:a16="http://schemas.microsoft.com/office/drawing/2014/main" id="{1D24B42B-925B-494C-A986-BD85E8117E1E}"/>
+                <a16:creationId xmlns:a16="http://schemas.microsoft.com/office/drawing/2014/main" xmlns="" id="{1D24B42B-925B-494C-A986-BD85E8117E1E}"/>
               </a:ext>
             </a:extLst>
           </p:cNvPr>
@@ -8906,7 +9127,7 @@
           <p:cNvPr id="8" name="Picture Placeholder 7" descr="close up of computer code">
             <a:extLst>
               <a:ext uri="{FF2B5EF4-FFF2-40B4-BE49-F238E27FC236}">
-                <a16:creationId xmlns:a16="http://schemas.microsoft.com/office/drawing/2014/main" id="{A596BF19-CC58-4709-B5D6-3FC378FDC7BA}"/>
+                <a16:creationId xmlns:a16="http://schemas.microsoft.com/office/drawing/2014/main" xmlns="" id="{A596BF19-CC58-4709-B5D6-3FC378FDC7BA}"/>
               </a:ext>
             </a:extLst>
           </p:cNvPr>
@@ -8921,7 +9142,7 @@
           <a:blip r:embed="rId2">
             <a:extLst>
               <a:ext uri="{BEBA8EAE-BF5A-486C-A8C5-ECC9F3942E4B}">
-                <a14:imgProps xmlns:a14="http://schemas.microsoft.com/office/drawing/2010/main">
+                <a14:imgProps xmlns:a14="http://schemas.microsoft.com/office/drawing/2010/main" xmlns="">
                   <a14:imgLayer r:embed="rId3">
                     <a14:imgEffect>
                       <a14:saturation sat="0"/>
@@ -8946,7 +9167,7 @@
           <p:cNvPr id="2" name="Text Placeholder 1">
             <a:extLst>
               <a:ext uri="{FF2B5EF4-FFF2-40B4-BE49-F238E27FC236}">
-                <a16:creationId xmlns:a16="http://schemas.microsoft.com/office/drawing/2014/main" id="{B156CAF1-214F-4566-9B0D-DACA1063E8C8}"/>
+                <a16:creationId xmlns:a16="http://schemas.microsoft.com/office/drawing/2014/main" xmlns="" id="{B156CAF1-214F-4566-9B0D-DACA1063E8C8}"/>
               </a:ext>
             </a:extLst>
           </p:cNvPr>
@@ -9006,7 +9227,7 @@
           <p:cNvPr id="6" name="Slide Number Placeholder 5">
             <a:extLst>
               <a:ext uri="{FF2B5EF4-FFF2-40B4-BE49-F238E27FC236}">
-                <a16:creationId xmlns:a16="http://schemas.microsoft.com/office/drawing/2014/main" id="{FC6A5C12-E784-444E-B868-DE2AE85742BB}"/>
+                <a16:creationId xmlns:a16="http://schemas.microsoft.com/office/drawing/2014/main" xmlns="" id="{FC6A5C12-E784-444E-B868-DE2AE85742BB}"/>
               </a:ext>
             </a:extLst>
           </p:cNvPr>
@@ -9024,6 +9245,7 @@
           <a:p>
             <a:fld id="{8C2E478F-E849-4A8C-AF1F-CBCC78A7CBFA}" type="slidenum">
               <a:rPr lang="en-US" smtClean="0"/>
+              <a:pPr/>
               <a:t>19</a:t>
             </a:fld>
             <a:endParaRPr lang="en-US" dirty="0"/>
@@ -9033,7 +9255,7 @@
     </p:spTree>
     <p:extLst>
       <p:ext uri="{BB962C8B-B14F-4D97-AF65-F5344CB8AC3E}">
-        <p14:creationId xmlns:p14="http://schemas.microsoft.com/office/powerpoint/2010/main" val="3853358220"/>
+        <p14:creationId xmlns:p14="http://schemas.microsoft.com/office/powerpoint/2010/main" xmlns="" val="3853358220"/>
       </p:ext>
     </p:extLst>
   </p:cSld>
@@ -9065,7 +9287,7 @@
           <p:cNvPr id="2" name="Title 1">
             <a:extLst>
               <a:ext uri="{FF2B5EF4-FFF2-40B4-BE49-F238E27FC236}">
-                <a16:creationId xmlns:a16="http://schemas.microsoft.com/office/drawing/2014/main" id="{BE3A87B3-0A27-4EE9-979E-B69581E476F0}"/>
+                <a16:creationId xmlns:a16="http://schemas.microsoft.com/office/drawing/2014/main" xmlns="" id="{BE3A87B3-0A27-4EE9-979E-B69581E476F0}"/>
               </a:ext>
             </a:extLst>
           </p:cNvPr>
@@ -9098,7 +9320,7 @@
           <p:cNvPr id="8" name="Picture Placeholder 7" descr="group of people at a conference table">
             <a:extLst>
               <a:ext uri="{FF2B5EF4-FFF2-40B4-BE49-F238E27FC236}">
-                <a16:creationId xmlns:a16="http://schemas.microsoft.com/office/drawing/2014/main" id="{BB76F5AB-0940-46E1-85F9-6A870D7D04C9}"/>
+                <a16:creationId xmlns:a16="http://schemas.microsoft.com/office/drawing/2014/main" xmlns="" id="{BB76F5AB-0940-46E1-85F9-6A870D7D04C9}"/>
               </a:ext>
             </a:extLst>
           </p:cNvPr>
@@ -9113,7 +9335,7 @@
           <a:blip r:embed="rId2">
             <a:extLst>
               <a:ext uri="{BEBA8EAE-BF5A-486C-A8C5-ECC9F3942E4B}">
-                <a14:imgProps xmlns:a14="http://schemas.microsoft.com/office/drawing/2010/main">
+                <a14:imgProps xmlns:a14="http://schemas.microsoft.com/office/drawing/2010/main" xmlns="">
                   <a14:imgLayer r:embed="rId3">
                     <a14:imgEffect>
                       <a14:saturation sat="0"/>
@@ -9133,7 +9355,7 @@
           <p:cNvPr id="6" name="Text Placeholder 5">
             <a:extLst>
               <a:ext uri="{FF2B5EF4-FFF2-40B4-BE49-F238E27FC236}">
-                <a16:creationId xmlns:a16="http://schemas.microsoft.com/office/drawing/2014/main" id="{F3C89A40-EEAA-43AB-9A3A-B2CFDE450F1B}"/>
+                <a16:creationId xmlns:a16="http://schemas.microsoft.com/office/drawing/2014/main" xmlns="" id="{F3C89A40-EEAA-43AB-9A3A-B2CFDE450F1B}"/>
               </a:ext>
             </a:extLst>
           </p:cNvPr>
@@ -9247,7 +9469,7 @@
           <p:cNvPr id="7" name="Slide Number Placeholder 6">
             <a:extLst>
               <a:ext uri="{FF2B5EF4-FFF2-40B4-BE49-F238E27FC236}">
-                <a16:creationId xmlns:a16="http://schemas.microsoft.com/office/drawing/2014/main" id="{F29F8048-1E86-48F4-B246-D2F8C54B7EB1}"/>
+                <a16:creationId xmlns:a16="http://schemas.microsoft.com/office/drawing/2014/main" xmlns="" id="{F29F8048-1E86-48F4-B246-D2F8C54B7EB1}"/>
               </a:ext>
             </a:extLst>
           </p:cNvPr>
@@ -9275,7 +9497,7 @@
     </p:spTree>
     <p:extLst>
       <p:ext uri="{BB962C8B-B14F-4D97-AF65-F5344CB8AC3E}">
-        <p14:creationId xmlns:p14="http://schemas.microsoft.com/office/powerpoint/2010/main" val="1649098948"/>
+        <p14:creationId xmlns:p14="http://schemas.microsoft.com/office/powerpoint/2010/main" xmlns="" val="1649098948"/>
       </p:ext>
     </p:extLst>
   </p:cSld>
@@ -9315,7 +9537,7 @@
           <p:cNvPr id="40" name="Picture Placeholder 7" descr="abstract image">
             <a:extLst>
               <a:ext uri="{FF2B5EF4-FFF2-40B4-BE49-F238E27FC236}">
-                <a16:creationId xmlns:a16="http://schemas.microsoft.com/office/drawing/2014/main" id="{D5C5EA1B-F06D-4AD1-B526-89C2DF772232}"/>
+                <a16:creationId xmlns:a16="http://schemas.microsoft.com/office/drawing/2014/main" xmlns="" id="{D5C5EA1B-F06D-4AD1-B526-89C2DF772232}"/>
               </a:ext>
             </a:extLst>
           </p:cNvPr>
@@ -9329,7 +9551,7 @@
             <a:alphaModFix amt="52000"/>
             <a:extLst>
               <a:ext uri="{BEBA8EAE-BF5A-486C-A8C5-ECC9F3942E4B}">
-                <a14:imgProps xmlns:a14="http://schemas.microsoft.com/office/drawing/2010/main">
+                <a14:imgProps xmlns:a14="http://schemas.microsoft.com/office/drawing/2010/main" xmlns="">
                   <a14:imgLayer r:embed="rId3">
                     <a14:imgEffect>
                       <a14:saturation sat="0"/>
@@ -9358,7 +9580,7 @@
           <p:cNvPr id="6" name="Title 5">
             <a:extLst>
               <a:ext uri="{FF2B5EF4-FFF2-40B4-BE49-F238E27FC236}">
-                <a16:creationId xmlns:a16="http://schemas.microsoft.com/office/drawing/2014/main" id="{4F7706BE-EF2E-459C-8778-01DDD354C634}"/>
+                <a16:creationId xmlns:a16="http://schemas.microsoft.com/office/drawing/2014/main" xmlns="" id="{4F7706BE-EF2E-459C-8778-01DDD354C634}"/>
               </a:ext>
             </a:extLst>
           </p:cNvPr>
@@ -9393,7 +9615,7 @@
           <p:cNvPr id="3" name="Text Placeholder 2">
             <a:extLst>
               <a:ext uri="{FF2B5EF4-FFF2-40B4-BE49-F238E27FC236}">
-                <a16:creationId xmlns:a16="http://schemas.microsoft.com/office/drawing/2014/main" id="{C747C414-85D9-40D6-9BB3-5AF68A84F413}"/>
+                <a16:creationId xmlns:a16="http://schemas.microsoft.com/office/drawing/2014/main" xmlns="" id="{C747C414-85D9-40D6-9BB3-5AF68A84F413}"/>
               </a:ext>
             </a:extLst>
           </p:cNvPr>
@@ -9424,7 +9646,7 @@
     </p:spTree>
     <p:extLst>
       <p:ext uri="{BB962C8B-B14F-4D97-AF65-F5344CB8AC3E}">
-        <p14:creationId xmlns:p14="http://schemas.microsoft.com/office/powerpoint/2010/main" val="927727573"/>
+        <p14:creationId xmlns:p14="http://schemas.microsoft.com/office/powerpoint/2010/main" xmlns="" val="927727573"/>
       </p:ext>
     </p:extLst>
   </p:cSld>
@@ -9464,7 +9686,7 @@
           <p:cNvPr id="8" name="Picture Placeholder 7" descr="close up of computer code">
             <a:extLst>
               <a:ext uri="{FF2B5EF4-FFF2-40B4-BE49-F238E27FC236}">
-                <a16:creationId xmlns:a16="http://schemas.microsoft.com/office/drawing/2014/main" id="{1D5DB266-C804-437C-AED7-3D057820D244}"/>
+                <a16:creationId xmlns:a16="http://schemas.microsoft.com/office/drawing/2014/main" xmlns="" id="{1D5DB266-C804-437C-AED7-3D057820D244}"/>
               </a:ext>
             </a:extLst>
           </p:cNvPr>
@@ -9480,7 +9702,7 @@
             <a:alphaModFix amt="35000"/>
             <a:extLst>
               <a:ext uri="{BEBA8EAE-BF5A-486C-A8C5-ECC9F3942E4B}">
-                <a14:imgProps xmlns:a14="http://schemas.microsoft.com/office/drawing/2010/main">
+                <a14:imgProps xmlns:a14="http://schemas.microsoft.com/office/drawing/2010/main" xmlns="">
                   <a14:imgLayer r:embed="rId3">
                     <a14:imgEffect>
                       <a14:saturation sat="0"/>
@@ -9500,7 +9722,7 @@
           <p:cNvPr id="5" name="Title 4">
             <a:extLst>
               <a:ext uri="{FF2B5EF4-FFF2-40B4-BE49-F238E27FC236}">
-                <a16:creationId xmlns:a16="http://schemas.microsoft.com/office/drawing/2014/main" id="{14AB6F96-E5E8-4B40-A18C-2D078D1C2D4F}"/>
+                <a16:creationId xmlns:a16="http://schemas.microsoft.com/office/drawing/2014/main" xmlns="" id="{14AB6F96-E5E8-4B40-A18C-2D078D1C2D4F}"/>
               </a:ext>
             </a:extLst>
           </p:cNvPr>
@@ -9570,7 +9792,7 @@
           <p:cNvPr id="3" name="TextBox 2">
             <a:extLst>
               <a:ext uri="{FF2B5EF4-FFF2-40B4-BE49-F238E27FC236}">
-                <a16:creationId xmlns:a16="http://schemas.microsoft.com/office/drawing/2014/main" id="{00B88F18-6EAE-7043-9C4E-EFA02E006C10}"/>
+                <a16:creationId xmlns:a16="http://schemas.microsoft.com/office/drawing/2014/main" xmlns="" id="{00B88F18-6EAE-7043-9C4E-EFA02E006C10}"/>
               </a:ext>
             </a:extLst>
           </p:cNvPr>
@@ -9604,7 +9826,7 @@
     </p:spTree>
     <p:extLst>
       <p:ext uri="{BB962C8B-B14F-4D97-AF65-F5344CB8AC3E}">
-        <p14:creationId xmlns:p14="http://schemas.microsoft.com/office/powerpoint/2010/main" val="3499033097"/>
+        <p14:creationId xmlns:p14="http://schemas.microsoft.com/office/powerpoint/2010/main" xmlns="" val="3499033097"/>
       </p:ext>
     </p:extLst>
   </p:cSld>
@@ -9636,7 +9858,7 @@
           <p:cNvPr id="3" name="Title 2">
             <a:extLst>
               <a:ext uri="{FF2B5EF4-FFF2-40B4-BE49-F238E27FC236}">
-                <a16:creationId xmlns:a16="http://schemas.microsoft.com/office/drawing/2014/main" id="{1D24B42B-925B-494C-A986-BD85E8117E1E}"/>
+                <a16:creationId xmlns:a16="http://schemas.microsoft.com/office/drawing/2014/main" xmlns="" id="{1D24B42B-925B-494C-A986-BD85E8117E1E}"/>
               </a:ext>
             </a:extLst>
           </p:cNvPr>
@@ -9671,7 +9893,7 @@
           <p:cNvPr id="8" name="Picture Placeholder 7" descr="close up of computer code">
             <a:extLst>
               <a:ext uri="{FF2B5EF4-FFF2-40B4-BE49-F238E27FC236}">
-                <a16:creationId xmlns:a16="http://schemas.microsoft.com/office/drawing/2014/main" id="{A596BF19-CC58-4709-B5D6-3FC378FDC7BA}"/>
+                <a16:creationId xmlns:a16="http://schemas.microsoft.com/office/drawing/2014/main" xmlns="" id="{A596BF19-CC58-4709-B5D6-3FC378FDC7BA}"/>
               </a:ext>
             </a:extLst>
           </p:cNvPr>
@@ -9686,7 +9908,7 @@
           <a:blip r:embed="rId2">
             <a:extLst>
               <a:ext uri="{BEBA8EAE-BF5A-486C-A8C5-ECC9F3942E4B}">
-                <a14:imgProps xmlns:a14="http://schemas.microsoft.com/office/drawing/2010/main">
+                <a14:imgProps xmlns:a14="http://schemas.microsoft.com/office/drawing/2010/main" xmlns="">
                   <a14:imgLayer r:embed="rId3">
                     <a14:imgEffect>
                       <a14:saturation sat="0"/>
@@ -9711,7 +9933,7 @@
           <p:cNvPr id="2" name="Text Placeholder 1">
             <a:extLst>
               <a:ext uri="{FF2B5EF4-FFF2-40B4-BE49-F238E27FC236}">
-                <a16:creationId xmlns:a16="http://schemas.microsoft.com/office/drawing/2014/main" id="{B156CAF1-214F-4566-9B0D-DACA1063E8C8}"/>
+                <a16:creationId xmlns:a16="http://schemas.microsoft.com/office/drawing/2014/main" xmlns="" id="{B156CAF1-214F-4566-9B0D-DACA1063E8C8}"/>
               </a:ext>
             </a:extLst>
           </p:cNvPr>
@@ -9870,7 +10092,7 @@
           <p:cNvPr id="6" name="Slide Number Placeholder 5">
             <a:extLst>
               <a:ext uri="{FF2B5EF4-FFF2-40B4-BE49-F238E27FC236}">
-                <a16:creationId xmlns:a16="http://schemas.microsoft.com/office/drawing/2014/main" id="{FC6A5C12-E784-444E-B868-DE2AE85742BB}"/>
+                <a16:creationId xmlns:a16="http://schemas.microsoft.com/office/drawing/2014/main" xmlns="" id="{FC6A5C12-E784-444E-B868-DE2AE85742BB}"/>
               </a:ext>
             </a:extLst>
           </p:cNvPr>
@@ -9888,6 +10110,7 @@
           <a:p>
             <a:fld id="{8C2E478F-E849-4A8C-AF1F-CBCC78A7CBFA}" type="slidenum">
               <a:rPr lang="en-US" smtClean="0"/>
+              <a:pPr/>
               <a:t>4</a:t>
             </a:fld>
             <a:endParaRPr lang="en-US" dirty="0"/>
@@ -9897,7 +10120,7 @@
     </p:spTree>
     <p:extLst>
       <p:ext uri="{BB962C8B-B14F-4D97-AF65-F5344CB8AC3E}">
-        <p14:creationId xmlns:p14="http://schemas.microsoft.com/office/powerpoint/2010/main" val="2944765398"/>
+        <p14:creationId xmlns:p14="http://schemas.microsoft.com/office/powerpoint/2010/main" xmlns="" val="2944765398"/>
       </p:ext>
     </p:extLst>
   </p:cSld>
@@ -9929,7 +10152,7 @@
           <p:cNvPr id="5" name="Picture Placeholder 4" descr="table with various people working on their laptops">
             <a:extLst>
               <a:ext uri="{FF2B5EF4-FFF2-40B4-BE49-F238E27FC236}">
-                <a16:creationId xmlns:a16="http://schemas.microsoft.com/office/drawing/2014/main" id="{A0280051-D7F1-4438-B815-F0FF4906D141}"/>
+                <a16:creationId xmlns:a16="http://schemas.microsoft.com/office/drawing/2014/main" xmlns="" id="{A0280051-D7F1-4438-B815-F0FF4906D141}"/>
               </a:ext>
             </a:extLst>
           </p:cNvPr>
@@ -9944,7 +10167,7 @@
           <a:blip r:embed="rId3" cstate="email">
             <a:extLst>
               <a:ext uri="{BEBA8EAE-BF5A-486C-A8C5-ECC9F3942E4B}">
-                <a14:imgProps xmlns:a14="http://schemas.microsoft.com/office/drawing/2010/main">
+                <a14:imgProps xmlns:a14="http://schemas.microsoft.com/office/drawing/2010/main" xmlns="">
                   <a14:imgLayer r:embed="rId4">
                     <a14:imgEffect>
                       <a14:saturation sat="0"/>
@@ -9953,7 +10176,7 @@
                 </a14:imgProps>
               </a:ext>
               <a:ext uri="{28A0092B-C50C-407E-A947-70E740481C1C}">
-                <a14:useLocalDpi xmlns:a14="http://schemas.microsoft.com/office/drawing/2010/main"/>
+                <a14:useLocalDpi xmlns:a14="http://schemas.microsoft.com/office/drawing/2010/main" xmlns=""/>
               </a:ext>
             </a:extLst>
           </a:blip>
@@ -9969,7 +10192,7 @@
           <p:cNvPr id="9" name="Content Placeholder 8">
             <a:extLst>
               <a:ext uri="{FF2B5EF4-FFF2-40B4-BE49-F238E27FC236}">
-                <a16:creationId xmlns:a16="http://schemas.microsoft.com/office/drawing/2014/main" id="{256319DF-036A-473B-95D3-C5F6FF849FD4}"/>
+                <a16:creationId xmlns:a16="http://schemas.microsoft.com/office/drawing/2014/main" xmlns="" id="{256319DF-036A-473B-95D3-C5F6FF849FD4}"/>
               </a:ext>
             </a:extLst>
           </p:cNvPr>
@@ -10028,7 +10251,7 @@
           <p:cNvPr id="4" name="Slide Number Placeholder 3">
             <a:extLst>
               <a:ext uri="{FF2B5EF4-FFF2-40B4-BE49-F238E27FC236}">
-                <a16:creationId xmlns:a16="http://schemas.microsoft.com/office/drawing/2014/main" id="{A4BADA18-8F0E-4249-A144-6CB8259BA65B}"/>
+                <a16:creationId xmlns:a16="http://schemas.microsoft.com/office/drawing/2014/main" xmlns="" id="{A4BADA18-8F0E-4249-A144-6CB8259BA65B}"/>
               </a:ext>
             </a:extLst>
           </p:cNvPr>
@@ -10046,6 +10269,7 @@
           <a:p>
             <a:fld id="{8C2E478F-E849-4A8C-AF1F-CBCC78A7CBFA}" type="slidenum">
               <a:rPr lang="en-US" smtClean="0"/>
+              <a:pPr/>
               <a:t>5</a:t>
             </a:fld>
             <a:endParaRPr lang="en-US" dirty="0"/>
@@ -10057,7 +10281,7 @@
           <p:cNvPr id="3" name="Text Placeholder 2">
             <a:extLst>
               <a:ext uri="{FF2B5EF4-FFF2-40B4-BE49-F238E27FC236}">
-                <a16:creationId xmlns:a16="http://schemas.microsoft.com/office/drawing/2014/main" id="{DBF5275B-C1F9-0732-D4B5-3FCC925E2164}"/>
+                <a16:creationId xmlns:a16="http://schemas.microsoft.com/office/drawing/2014/main" xmlns="" id="{DBF5275B-C1F9-0732-D4B5-3FCC925E2164}"/>
               </a:ext>
             </a:extLst>
           </p:cNvPr>
@@ -10090,7 +10314,7 @@
     </p:spTree>
     <p:extLst>
       <p:ext uri="{BB962C8B-B14F-4D97-AF65-F5344CB8AC3E}">
-        <p14:creationId xmlns:p14="http://schemas.microsoft.com/office/powerpoint/2010/main" val="1325373587"/>
+        <p14:creationId xmlns:p14="http://schemas.microsoft.com/office/powerpoint/2010/main" xmlns="" val="1325373587"/>
       </p:ext>
     </p:extLst>
   </p:cSld>
@@ -10122,7 +10346,7 @@
           <p:cNvPr id="5" name="Picture Placeholder 4" descr="table with various people working on their laptops">
             <a:extLst>
               <a:ext uri="{FF2B5EF4-FFF2-40B4-BE49-F238E27FC236}">
-                <a16:creationId xmlns:a16="http://schemas.microsoft.com/office/drawing/2014/main" id="{A0280051-D7F1-4438-B815-F0FF4906D141}"/>
+                <a16:creationId xmlns:a16="http://schemas.microsoft.com/office/drawing/2014/main" xmlns="" id="{A0280051-D7F1-4438-B815-F0FF4906D141}"/>
               </a:ext>
             </a:extLst>
           </p:cNvPr>
@@ -10137,7 +10361,7 @@
           <a:blip r:embed="rId3" cstate="email">
             <a:extLst>
               <a:ext uri="{BEBA8EAE-BF5A-486C-A8C5-ECC9F3942E4B}">
-                <a14:imgProps xmlns:a14="http://schemas.microsoft.com/office/drawing/2010/main">
+                <a14:imgProps xmlns:a14="http://schemas.microsoft.com/office/drawing/2010/main" xmlns="">
                   <a14:imgLayer r:embed="rId4">
                     <a14:imgEffect>
                       <a14:saturation sat="0"/>
@@ -10146,7 +10370,7 @@
                 </a14:imgProps>
               </a:ext>
               <a:ext uri="{28A0092B-C50C-407E-A947-70E740481C1C}">
-                <a14:useLocalDpi xmlns:a14="http://schemas.microsoft.com/office/drawing/2010/main"/>
+                <a14:useLocalDpi xmlns:a14="http://schemas.microsoft.com/office/drawing/2010/main" xmlns=""/>
               </a:ext>
             </a:extLst>
           </a:blip>
@@ -10162,7 +10386,7 @@
           <p:cNvPr id="9" name="Content Placeholder 8">
             <a:extLst>
               <a:ext uri="{FF2B5EF4-FFF2-40B4-BE49-F238E27FC236}">
-                <a16:creationId xmlns:a16="http://schemas.microsoft.com/office/drawing/2014/main" id="{256319DF-036A-473B-95D3-C5F6FF849FD4}"/>
+                <a16:creationId xmlns:a16="http://schemas.microsoft.com/office/drawing/2014/main" xmlns="" id="{256319DF-036A-473B-95D3-C5F6FF849FD4}"/>
               </a:ext>
             </a:extLst>
           </p:cNvPr>
@@ -10206,7 +10430,7 @@
           <p:cNvPr id="4" name="Slide Number Placeholder 3">
             <a:extLst>
               <a:ext uri="{FF2B5EF4-FFF2-40B4-BE49-F238E27FC236}">
-                <a16:creationId xmlns:a16="http://schemas.microsoft.com/office/drawing/2014/main" id="{A4BADA18-8F0E-4249-A144-6CB8259BA65B}"/>
+                <a16:creationId xmlns:a16="http://schemas.microsoft.com/office/drawing/2014/main" xmlns="" id="{A4BADA18-8F0E-4249-A144-6CB8259BA65B}"/>
               </a:ext>
             </a:extLst>
           </p:cNvPr>
@@ -10224,6 +10448,7 @@
           <a:p>
             <a:fld id="{8C2E478F-E849-4A8C-AF1F-CBCC78A7CBFA}" type="slidenum">
               <a:rPr lang="en-US" smtClean="0"/>
+              <a:pPr/>
               <a:t>6</a:t>
             </a:fld>
             <a:endParaRPr lang="en-US" dirty="0"/>
@@ -10235,7 +10460,7 @@
           <p:cNvPr id="7" name="Text Placeholder 2">
             <a:extLst>
               <a:ext uri="{FF2B5EF4-FFF2-40B4-BE49-F238E27FC236}">
-                <a16:creationId xmlns:a16="http://schemas.microsoft.com/office/drawing/2014/main" id="{CFDA9269-055C-5772-E8B6-BACBFA0AB992}"/>
+                <a16:creationId xmlns:a16="http://schemas.microsoft.com/office/drawing/2014/main" xmlns="" id="{CFDA9269-055C-5772-E8B6-BACBFA0AB992}"/>
               </a:ext>
             </a:extLst>
           </p:cNvPr>
@@ -10268,7 +10493,7 @@
     </p:spTree>
     <p:extLst>
       <p:ext uri="{BB962C8B-B14F-4D97-AF65-F5344CB8AC3E}">
-        <p14:creationId xmlns:p14="http://schemas.microsoft.com/office/powerpoint/2010/main" val="2758995049"/>
+        <p14:creationId xmlns:p14="http://schemas.microsoft.com/office/powerpoint/2010/main" xmlns="" val="2758995049"/>
       </p:ext>
     </p:extLst>
   </p:cSld>
@@ -10308,7 +10533,7 @@
           <p:cNvPr id="8" name="Picture Placeholder 7" descr="close up of computer code">
             <a:extLst>
               <a:ext uri="{FF2B5EF4-FFF2-40B4-BE49-F238E27FC236}">
-                <a16:creationId xmlns:a16="http://schemas.microsoft.com/office/drawing/2014/main" id="{1D5DB266-C804-437C-AED7-3D057820D244}"/>
+                <a16:creationId xmlns:a16="http://schemas.microsoft.com/office/drawing/2014/main" xmlns="" id="{1D5DB266-C804-437C-AED7-3D057820D244}"/>
               </a:ext>
             </a:extLst>
           </p:cNvPr>
@@ -10324,7 +10549,7 @@
             <a:alphaModFix amt="35000"/>
             <a:extLst>
               <a:ext uri="{BEBA8EAE-BF5A-486C-A8C5-ECC9F3942E4B}">
-                <a14:imgProps xmlns:a14="http://schemas.microsoft.com/office/drawing/2010/main">
+                <a14:imgProps xmlns:a14="http://schemas.microsoft.com/office/drawing/2010/main" xmlns="">
                   <a14:imgLayer r:embed="rId3">
                     <a14:imgEffect>
                       <a14:saturation sat="0"/>
@@ -10344,7 +10569,7 @@
           <p:cNvPr id="5" name="Title 4">
             <a:extLst>
               <a:ext uri="{FF2B5EF4-FFF2-40B4-BE49-F238E27FC236}">
-                <a16:creationId xmlns:a16="http://schemas.microsoft.com/office/drawing/2014/main" id="{14AB6F96-E5E8-4B40-A18C-2D078D1C2D4F}"/>
+                <a16:creationId xmlns:a16="http://schemas.microsoft.com/office/drawing/2014/main" xmlns="" id="{14AB6F96-E5E8-4B40-A18C-2D078D1C2D4F}"/>
               </a:ext>
             </a:extLst>
           </p:cNvPr>
@@ -10401,6 +10626,18 @@
                 <a:cs typeface="Times New Roman" panose="02020603050405020304" pitchFamily="18" charset="0"/>
               </a:rPr>
             </a:br>
+            <a:r>
+              <a:rPr lang="en-US" dirty="0">
+                <a:solidFill>
+                  <a:schemeClr val="tx1"/>
+                </a:solidFill>
+                <a:effectLst/>
+                <a:latin typeface="+mn-lt"/>
+                <a:ea typeface="Yu Mincho" panose="02020400000000000000" pitchFamily="18" charset="-128"/>
+                <a:cs typeface="Times New Roman" panose="02020603050405020304" pitchFamily="18" charset="0"/>
+              </a:rPr>
+              <a:t/>
+            </a:r>
             <a:br>
               <a:rPr lang="en-US" dirty="0">
                 <a:solidFill>
@@ -10435,6 +10672,18 @@
                 <a:cs typeface="Times New Roman" panose="02020603050405020304" pitchFamily="18" charset="0"/>
               </a:rPr>
             </a:br>
+            <a:r>
+              <a:rPr lang="en-US" dirty="0">
+                <a:solidFill>
+                  <a:schemeClr val="tx1"/>
+                </a:solidFill>
+                <a:effectLst/>
+                <a:latin typeface="+mn-lt"/>
+                <a:ea typeface="Yu Mincho" panose="02020400000000000000" pitchFamily="18" charset="-128"/>
+                <a:cs typeface="Times New Roman" panose="02020603050405020304" pitchFamily="18" charset="0"/>
+              </a:rPr>
+              <a:t/>
+            </a:r>
             <a:br>
               <a:rPr lang="en-US" dirty="0">
                 <a:solidFill>
@@ -10469,6 +10718,18 @@
                 <a:cs typeface="Times New Roman" panose="02020603050405020304" pitchFamily="18" charset="0"/>
               </a:rPr>
             </a:br>
+            <a:r>
+              <a:rPr lang="en-US" dirty="0">
+                <a:solidFill>
+                  <a:schemeClr val="tx1"/>
+                </a:solidFill>
+                <a:effectLst/>
+                <a:latin typeface="+mn-lt"/>
+                <a:ea typeface="Yu Mincho" panose="02020400000000000000" pitchFamily="18" charset="-128"/>
+                <a:cs typeface="Times New Roman" panose="02020603050405020304" pitchFamily="18" charset="0"/>
+              </a:rPr>
+              <a:t/>
+            </a:r>
             <a:br>
               <a:rPr lang="en-US" dirty="0">
                 <a:solidFill>
@@ -10509,7 +10770,7 @@
           <p:cNvPr id="2" name="Text Placeholder 1">
             <a:extLst>
               <a:ext uri="{FF2B5EF4-FFF2-40B4-BE49-F238E27FC236}">
-                <a16:creationId xmlns:a16="http://schemas.microsoft.com/office/drawing/2014/main" id="{DAF72BBC-FC90-4B63-96CA-ABED853DBAD0}"/>
+                <a16:creationId xmlns:a16="http://schemas.microsoft.com/office/drawing/2014/main" xmlns="" id="{DAF72BBC-FC90-4B63-96CA-ABED853DBAD0}"/>
               </a:ext>
             </a:extLst>
           </p:cNvPr>
@@ -10540,7 +10801,7 @@
     </p:spTree>
     <p:extLst>
       <p:ext uri="{BB962C8B-B14F-4D97-AF65-F5344CB8AC3E}">
-        <p14:creationId xmlns:p14="http://schemas.microsoft.com/office/powerpoint/2010/main" val="839779156"/>
+        <p14:creationId xmlns:p14="http://schemas.microsoft.com/office/powerpoint/2010/main" xmlns="" val="839779156"/>
       </p:ext>
     </p:extLst>
   </p:cSld>
@@ -10580,7 +10841,7 @@
           <p:cNvPr id="8" name="Picture Placeholder 7" descr="close up of computer code">
             <a:extLst>
               <a:ext uri="{FF2B5EF4-FFF2-40B4-BE49-F238E27FC236}">
-                <a16:creationId xmlns:a16="http://schemas.microsoft.com/office/drawing/2014/main" id="{1D5DB266-C804-437C-AED7-3D057820D244}"/>
+                <a16:creationId xmlns:a16="http://schemas.microsoft.com/office/drawing/2014/main" xmlns="" id="{1D5DB266-C804-437C-AED7-3D057820D244}"/>
               </a:ext>
             </a:extLst>
           </p:cNvPr>
@@ -10596,7 +10857,7 @@
             <a:alphaModFix amt="35000"/>
             <a:extLst>
               <a:ext uri="{BEBA8EAE-BF5A-486C-A8C5-ECC9F3942E4B}">
-                <a14:imgProps xmlns:a14="http://schemas.microsoft.com/office/drawing/2010/main">
+                <a14:imgProps xmlns:a14="http://schemas.microsoft.com/office/drawing/2010/main" xmlns="">
                   <a14:imgLayer r:embed="rId3">
                     <a14:imgEffect>
                       <a14:saturation sat="0"/>
@@ -10616,7 +10877,7 @@
           <p:cNvPr id="5" name="Title 4">
             <a:extLst>
               <a:ext uri="{FF2B5EF4-FFF2-40B4-BE49-F238E27FC236}">
-                <a16:creationId xmlns:a16="http://schemas.microsoft.com/office/drawing/2014/main" id="{14AB6F96-E5E8-4B40-A18C-2D078D1C2D4F}"/>
+                <a16:creationId xmlns:a16="http://schemas.microsoft.com/office/drawing/2014/main" xmlns="" id="{14AB6F96-E5E8-4B40-A18C-2D078D1C2D4F}"/>
               </a:ext>
             </a:extLst>
           </p:cNvPr>
@@ -10662,6 +10923,18 @@
               </a:rPr>
               <a:t>As a server, I want to only see available tables so I can reserve it for the customer.</a:t>
             </a:r>
+            <a:r>
+              <a:rPr lang="en-US" sz="1400" dirty="0">
+                <a:solidFill>
+                  <a:schemeClr val="tx1"/>
+                </a:solidFill>
+                <a:effectLst/>
+                <a:latin typeface="+mn-lt"/>
+                <a:ea typeface="Yu Mincho" panose="02020400000000000000" pitchFamily="18" charset="-128"/>
+                <a:cs typeface="Times New Roman" panose="02020603050405020304" pitchFamily="18" charset="0"/>
+              </a:rPr>
+              <a:t/>
+            </a:r>
             <a:br>
               <a:rPr lang="en-US" sz="1400" dirty="0">
                 <a:solidFill>
@@ -10685,6 +10958,18 @@
               </a:rPr>
               <a:t> </a:t>
             </a:r>
+            <a:r>
+              <a:rPr lang="en-US" sz="1400" dirty="0">
+                <a:solidFill>
+                  <a:schemeClr val="tx1"/>
+                </a:solidFill>
+                <a:effectLst/>
+                <a:latin typeface="+mn-lt"/>
+                <a:ea typeface="Yu Mincho" panose="02020400000000000000" pitchFamily="18" charset="-128"/>
+                <a:cs typeface="Times New Roman" panose="02020603050405020304" pitchFamily="18" charset="0"/>
+              </a:rPr>
+              <a:t/>
+            </a:r>
             <a:br>
               <a:rPr lang="en-US" sz="1400" dirty="0">
                 <a:solidFill>
@@ -10708,6 +10993,18 @@
               </a:rPr>
               <a:t>As a server, I want to place an order in my device and send it directly to the kitchen.</a:t>
             </a:r>
+            <a:r>
+              <a:rPr lang="en-US" sz="1400" dirty="0">
+                <a:solidFill>
+                  <a:schemeClr val="tx1"/>
+                </a:solidFill>
+                <a:effectLst/>
+                <a:latin typeface="+mn-lt"/>
+                <a:ea typeface="Yu Mincho" panose="02020400000000000000" pitchFamily="18" charset="-128"/>
+                <a:cs typeface="Times New Roman" panose="02020603050405020304" pitchFamily="18" charset="0"/>
+              </a:rPr>
+              <a:t/>
+            </a:r>
             <a:br>
               <a:rPr lang="en-US" sz="1400" dirty="0">
                 <a:solidFill>
@@ -10731,6 +11028,18 @@
               </a:rPr>
               <a:t> </a:t>
             </a:r>
+            <a:r>
+              <a:rPr lang="en-US" sz="1400" dirty="0">
+                <a:solidFill>
+                  <a:schemeClr val="tx1"/>
+                </a:solidFill>
+                <a:effectLst/>
+                <a:latin typeface="+mn-lt"/>
+                <a:ea typeface="Yu Mincho" panose="02020400000000000000" pitchFamily="18" charset="-128"/>
+                <a:cs typeface="Times New Roman" panose="02020603050405020304" pitchFamily="18" charset="0"/>
+              </a:rPr>
+              <a:t/>
+            </a:r>
             <a:br>
               <a:rPr lang="en-US" sz="1400" dirty="0">
                 <a:solidFill>
@@ -10754,6 +11063,18 @@
               </a:rPr>
               <a:t>As a line cook, I want to receive notification for every new order and can mark it ready after preparation.</a:t>
             </a:r>
+            <a:r>
+              <a:rPr lang="en-US" sz="1400" dirty="0">
+                <a:solidFill>
+                  <a:schemeClr val="tx1"/>
+                </a:solidFill>
+                <a:effectLst/>
+                <a:latin typeface="+mn-lt"/>
+                <a:ea typeface="Yu Mincho" panose="02020400000000000000" pitchFamily="18" charset="-128"/>
+                <a:cs typeface="Times New Roman" panose="02020603050405020304" pitchFamily="18" charset="0"/>
+              </a:rPr>
+              <a:t/>
+            </a:r>
             <a:br>
               <a:rPr lang="en-US" sz="1400" dirty="0">
                 <a:solidFill>
@@ -10777,6 +11098,18 @@
               </a:rPr>
               <a:t> </a:t>
             </a:r>
+            <a:r>
+              <a:rPr lang="en-US" sz="1400" dirty="0">
+                <a:solidFill>
+                  <a:schemeClr val="tx1"/>
+                </a:solidFill>
+                <a:effectLst/>
+                <a:latin typeface="+mn-lt"/>
+                <a:ea typeface="Yu Mincho" panose="02020400000000000000" pitchFamily="18" charset="-128"/>
+                <a:cs typeface="Times New Roman" panose="02020603050405020304" pitchFamily="18" charset="0"/>
+              </a:rPr>
+              <a:t/>
+            </a:r>
             <a:br>
               <a:rPr lang="en-US" sz="1400" dirty="0">
                 <a:solidFill>
@@ -10817,7 +11150,7 @@
           <p:cNvPr id="2" name="Text Placeholder 1">
             <a:extLst>
               <a:ext uri="{FF2B5EF4-FFF2-40B4-BE49-F238E27FC236}">
-                <a16:creationId xmlns:a16="http://schemas.microsoft.com/office/drawing/2014/main" id="{DAF72BBC-FC90-4B63-96CA-ABED853DBAD0}"/>
+                <a16:creationId xmlns:a16="http://schemas.microsoft.com/office/drawing/2014/main" xmlns="" id="{DAF72BBC-FC90-4B63-96CA-ABED853DBAD0}"/>
               </a:ext>
             </a:extLst>
           </p:cNvPr>
@@ -10848,7 +11181,7 @@
     </p:spTree>
     <p:extLst>
       <p:ext uri="{BB962C8B-B14F-4D97-AF65-F5344CB8AC3E}">
-        <p14:creationId xmlns:p14="http://schemas.microsoft.com/office/powerpoint/2010/main" val="809929743"/>
+        <p14:creationId xmlns:p14="http://schemas.microsoft.com/office/powerpoint/2010/main" xmlns="" val="809929743"/>
       </p:ext>
     </p:extLst>
   </p:cSld>
@@ -10880,7 +11213,7 @@
           <p:cNvPr id="8" name="Picture Placeholder 7" descr="close up of computer code">
             <a:extLst>
               <a:ext uri="{FF2B5EF4-FFF2-40B4-BE49-F238E27FC236}">
-                <a16:creationId xmlns:a16="http://schemas.microsoft.com/office/drawing/2014/main" id="{1D5DB266-C804-437C-AED7-3D057820D244}"/>
+                <a16:creationId xmlns:a16="http://schemas.microsoft.com/office/drawing/2014/main" xmlns="" id="{1D5DB266-C804-437C-AED7-3D057820D244}"/>
               </a:ext>
             </a:extLst>
           </p:cNvPr>
@@ -10896,7 +11229,7 @@
             <a:alphaModFix amt="35000"/>
             <a:extLst>
               <a:ext uri="{BEBA8EAE-BF5A-486C-A8C5-ECC9F3942E4B}">
-                <a14:imgProps xmlns:a14="http://schemas.microsoft.com/office/drawing/2010/main">
+                <a14:imgProps xmlns:a14="http://schemas.microsoft.com/office/drawing/2010/main" xmlns="">
                   <a14:imgLayer r:embed="rId3">
                     <a14:imgEffect>
                       <a14:saturation sat="0"/>
@@ -10921,7 +11254,7 @@
           <p:cNvPr id="5" name="Title 4">
             <a:extLst>
               <a:ext uri="{FF2B5EF4-FFF2-40B4-BE49-F238E27FC236}">
-                <a16:creationId xmlns:a16="http://schemas.microsoft.com/office/drawing/2014/main" id="{14AB6F96-E5E8-4B40-A18C-2D078D1C2D4F}"/>
+                <a16:creationId xmlns:a16="http://schemas.microsoft.com/office/drawing/2014/main" xmlns="" id="{14AB6F96-E5E8-4B40-A18C-2D078D1C2D4F}"/>
               </a:ext>
             </a:extLst>
           </p:cNvPr>
@@ -10955,6 +11288,17 @@
                 <a:spcPts val="0"/>
               </a:spcAft>
             </a:pPr>
+            <a:r>
+              <a:rPr lang="en-US" sz="1200" b="1" dirty="0">
+                <a:solidFill>
+                  <a:schemeClr val="tx1"/>
+                </a:solidFill>
+                <a:effectLst/>
+                <a:latin typeface="Times New Roman" panose="02020603050405020304" pitchFamily="18" charset="0"/>
+                <a:ea typeface="Times New Roman" panose="02020603050405020304" pitchFamily="18" charset="0"/>
+              </a:rPr>
+              <a:t/>
+            </a:r>
             <a:br>
               <a:rPr lang="en-US" sz="1200" b="1" dirty="0">
                 <a:solidFill>
@@ -11008,6 +11352,17 @@
               </a:rPr>
               <a:t>Basic Use Case Description: </a:t>
             </a:r>
+            <a:r>
+              <a:rPr lang="en-US" sz="1400" dirty="0">
+                <a:solidFill>
+                  <a:schemeClr val="tx1"/>
+                </a:solidFill>
+                <a:effectLst/>
+                <a:latin typeface="+mn-lt"/>
+                <a:ea typeface="Times New Roman" panose="02020603050405020304" pitchFamily="18" charset="0"/>
+              </a:rPr>
+              <a:t/>
+            </a:r>
             <a:br>
               <a:rPr lang="en-US" sz="1400" dirty="0">
                 <a:solidFill>
@@ -11123,6 +11478,17 @@
                 <a:ea typeface="Times New Roman" panose="02020603050405020304" pitchFamily="18" charset="0"/>
               </a:rPr>
             </a:br>
+            <a:r>
+              <a:rPr lang="en-US" sz="1400" dirty="0">
+                <a:solidFill>
+                  <a:schemeClr val="tx1"/>
+                </a:solidFill>
+                <a:effectLst/>
+                <a:latin typeface="+mn-lt"/>
+                <a:ea typeface="Times New Roman" panose="02020603050405020304" pitchFamily="18" charset="0"/>
+              </a:rPr>
+              <a:t/>
+            </a:r>
             <a:br>
               <a:rPr lang="en-US" sz="1400" dirty="0">
                 <a:solidFill>
@@ -11133,6 +11499,18 @@
                 <a:ea typeface="Times New Roman" panose="02020603050405020304" pitchFamily="18" charset="0"/>
               </a:rPr>
             </a:br>
+            <a:r>
+              <a:rPr lang="en-US" sz="1400" dirty="0">
+                <a:solidFill>
+                  <a:schemeClr val="tx1"/>
+                </a:solidFill>
+                <a:effectLst/>
+                <a:latin typeface="+mn-lt"/>
+                <a:ea typeface="Calibri" panose="020F0502020204030204" pitchFamily="34" charset="0"/>
+                <a:cs typeface="Times New Roman" panose="02020603050405020304" pitchFamily="18" charset="0"/>
+              </a:rPr>
+              <a:t/>
+            </a:r>
             <a:br>
               <a:rPr lang="en-US" sz="1400" dirty="0">
                 <a:solidFill>
@@ -11168,6 +11546,18 @@
               </a:rPr>
               <a:t> Line Cook </a:t>
             </a:r>
+            <a:r>
+              <a:rPr lang="en-US" sz="1400" dirty="0">
+                <a:solidFill>
+                  <a:schemeClr val="tx1"/>
+                </a:solidFill>
+                <a:effectLst/>
+                <a:latin typeface="+mn-lt"/>
+                <a:ea typeface="Yu Mincho" panose="02020400000000000000" pitchFamily="18" charset="-128"/>
+                <a:cs typeface="Times New Roman" panose="02020603050405020304" pitchFamily="18" charset="0"/>
+              </a:rPr>
+              <a:t/>
+            </a:r>
             <a:br>
               <a:rPr lang="en-US" sz="1400" dirty="0">
                 <a:solidFill>
@@ -11191,6 +11581,18 @@
               </a:rPr>
               <a:t>Basic Use Case Description:</a:t>
             </a:r>
+            <a:r>
+              <a:rPr lang="en-US" sz="1400" dirty="0">
+                <a:solidFill>
+                  <a:schemeClr val="tx1"/>
+                </a:solidFill>
+                <a:effectLst/>
+                <a:latin typeface="+mn-lt"/>
+                <a:ea typeface="Yu Mincho" panose="02020400000000000000" pitchFamily="18" charset="-128"/>
+                <a:cs typeface="Times New Roman" panose="02020603050405020304" pitchFamily="18" charset="0"/>
+              </a:rPr>
+              <a:t/>
+            </a:r>
             <a:br>
               <a:rPr lang="en-US" sz="1400" dirty="0">
                 <a:solidFill>
@@ -11255,6 +11657,14 @@
               </a:rPr>
               <a:t>Line cooks mark the order ready after all items within the order are prepared.</a:t>
             </a:r>
+            <a:r>
+              <a:rPr lang="en-US" sz="1000" dirty="0">
+                <a:effectLst/>
+                <a:latin typeface="Times New Roman" panose="02020603050405020304" pitchFamily="18" charset="0"/>
+                <a:ea typeface="Times New Roman" panose="02020603050405020304" pitchFamily="18" charset="0"/>
+              </a:rPr>
+              <a:t/>
+            </a:r>
             <a:br>
               <a:rPr lang="en-US" sz="1000" dirty="0">
                 <a:effectLst/>
@@ -11262,6 +11672,15 @@
                 <a:ea typeface="Times New Roman" panose="02020603050405020304" pitchFamily="18" charset="0"/>
               </a:rPr>
             </a:br>
+            <a:r>
+              <a:rPr lang="en-US" sz="1000" dirty="0">
+                <a:effectLst/>
+                <a:latin typeface="Calibri" panose="020F0502020204030204" pitchFamily="34" charset="0"/>
+                <a:ea typeface="Yu Mincho" panose="02020400000000000000" pitchFamily="18" charset="-128"/>
+                <a:cs typeface="Times New Roman" panose="02020603050405020304" pitchFamily="18" charset="0"/>
+              </a:rPr>
+              <a:t/>
+            </a:r>
             <a:br>
               <a:rPr lang="en-US" sz="1000" dirty="0">
                 <a:effectLst/>
@@ -11279,6 +11698,15 @@
               </a:rPr>
               <a:t> </a:t>
             </a:r>
+            <a:r>
+              <a:rPr lang="en-US" sz="800" dirty="0">
+                <a:effectLst/>
+                <a:latin typeface="Calibri" panose="020F0502020204030204" pitchFamily="34" charset="0"/>
+                <a:ea typeface="Yu Mincho" panose="02020400000000000000" pitchFamily="18" charset="-128"/>
+                <a:cs typeface="Times New Roman" panose="02020603050405020304" pitchFamily="18" charset="0"/>
+              </a:rPr>
+              <a:t/>
+            </a:r>
             <a:br>
               <a:rPr lang="en-US" sz="800" dirty="0">
                 <a:effectLst/>
@@ -11300,7 +11728,7 @@
           <p:cNvPr id="2" name="Text Placeholder 1">
             <a:extLst>
               <a:ext uri="{FF2B5EF4-FFF2-40B4-BE49-F238E27FC236}">
-                <a16:creationId xmlns:a16="http://schemas.microsoft.com/office/drawing/2014/main" id="{DAF72BBC-FC90-4B63-96CA-ABED853DBAD0}"/>
+                <a16:creationId xmlns:a16="http://schemas.microsoft.com/office/drawing/2014/main" xmlns="" id="{DAF72BBC-FC90-4B63-96CA-ABED853DBAD0}"/>
               </a:ext>
             </a:extLst>
           </p:cNvPr>
@@ -11333,7 +11761,7 @@
           <p:cNvPr id="7" name="Title 4">
             <a:extLst>
               <a:ext uri="{FF2B5EF4-FFF2-40B4-BE49-F238E27FC236}">
-                <a16:creationId xmlns:a16="http://schemas.microsoft.com/office/drawing/2014/main" id="{83FE275C-4F61-F349-D635-66C97E72ED83}"/>
+                <a16:creationId xmlns:a16="http://schemas.microsoft.com/office/drawing/2014/main" xmlns="" id="{83FE275C-4F61-F349-D635-66C97E72ED83}"/>
               </a:ext>
             </a:extLst>
           </p:cNvPr>
@@ -11611,6 +12039,17 @@
                 <a:spcPct val="107000"/>
               </a:lnSpc>
             </a:pPr>
+            <a:r>
+              <a:rPr lang="en-US" sz="1000" kern="0" dirty="0">
+                <a:solidFill>
+                  <a:sysClr val="windowText" lastClr="000000"/>
+                </a:solidFill>
+                <a:latin typeface="Calibri" panose="020F0502020204030204" pitchFamily="34" charset="0"/>
+                <a:ea typeface="Yu Mincho" panose="02020400000000000000" pitchFamily="18" charset="-128"/>
+                <a:cs typeface="Times New Roman" panose="02020603050405020304" pitchFamily="18" charset="0"/>
+              </a:rPr>
+              <a:t/>
+            </a:r>
             <a:br>
               <a:rPr lang="en-US" sz="1000" kern="0" dirty="0">
                 <a:solidFill>
@@ -11632,6 +12071,17 @@
               </a:rPr>
               <a:t> </a:t>
             </a:r>
+            <a:r>
+              <a:rPr lang="en-US" sz="800" kern="0" dirty="0">
+                <a:solidFill>
+                  <a:sysClr val="windowText" lastClr="000000"/>
+                </a:solidFill>
+                <a:latin typeface="Calibri" panose="020F0502020204030204" pitchFamily="34" charset="0"/>
+                <a:ea typeface="Yu Mincho" panose="02020400000000000000" pitchFamily="18" charset="-128"/>
+                <a:cs typeface="Times New Roman" panose="02020603050405020304" pitchFamily="18" charset="0"/>
+              </a:rPr>
+              <a:t/>
+            </a:r>
             <a:br>
               <a:rPr lang="en-US" sz="800" kern="0" dirty="0">
                 <a:solidFill>
@@ -11655,7 +12105,7 @@
     </p:spTree>
     <p:extLst>
       <p:ext uri="{BB962C8B-B14F-4D97-AF65-F5344CB8AC3E}">
-        <p14:creationId xmlns:p14="http://schemas.microsoft.com/office/powerpoint/2010/main" val="2573921310"/>
+        <p14:creationId xmlns:p14="http://schemas.microsoft.com/office/powerpoint/2010/main" xmlns="" val="2573921310"/>
       </p:ext>
     </p:extLst>
   </p:cSld>
@@ -11708,7 +12158,7 @@
     </a:clrScheme>
     <a:fontScheme name="Office">
       <a:majorFont>
-        <a:latin typeface="Calibri Light" panose="020F0302020204030204"/>
+        <a:latin typeface="Calibri Light"/>
         <a:ea typeface=""/>
         <a:cs typeface=""/>
         <a:font script="Jpan" typeface="游ゴシック Light"/>
@@ -11760,7 +12210,7 @@
         <a:font script="Tfng" typeface="Ebrima"/>
       </a:majorFont>
       <a:minorFont>
-        <a:latin typeface="Calibri" panose="020F0502020204030204"/>
+        <a:latin typeface="Calibri"/>
         <a:ea typeface=""/>
         <a:cs typeface=""/>
         <a:font script="Jpan" typeface="游ゴシック"/>
@@ -11954,7 +12404,7 @@
   <a:extraClrSchemeLst/>
   <a:extLst>
     <a:ext uri="{05A4C25C-085E-4340-85A3-A5531E510DB2}">
-      <thm15:themeFamily xmlns:thm15="http://schemas.microsoft.com/office/thememl/2012/main" name="Tech presentation_Win32_LW_v2.potx" id="{3AEEB70B-72AA-432B-B699-7833EBF4B1FE}" vid="{14A49A59-25D4-4203-BE02-DE6939C7C5F6}"/>
+      <thm15:themeFamily xmlns:thm15="http://schemas.microsoft.com/office/thememl/2012/main" xmlns="" name="Tech presentation_Win32_LW_v2.potx" id="{3AEEB70B-72AA-432B-B699-7833EBF4B1FE}" vid="{14A49A59-25D4-4203-BE02-DE6939C7C5F6}"/>
     </a:ext>
   </a:extLst>
 </a:theme>
@@ -12003,7 +12453,7 @@
     </a:clrScheme>
     <a:fontScheme name="Office">
       <a:majorFont>
-        <a:latin typeface="Calibri Light" panose="020F0302020204030204"/>
+        <a:latin typeface="Calibri Light"/>
         <a:ea typeface=""/>
         <a:cs typeface=""/>
         <a:font script="Jpan" typeface="游ゴシック Light"/>
@@ -12055,7 +12505,7 @@
         <a:font script="Tfng" typeface="Ebrima"/>
       </a:majorFont>
       <a:minorFont>
-        <a:latin typeface="Calibri" panose="020F0502020204030204"/>
+        <a:latin typeface="Calibri"/>
         <a:ea typeface=""/>
         <a:cs typeface=""/>
         <a:font script="Jpan" typeface="游ゴシック"/>
@@ -12249,7 +12699,7 @@
   <a:extraClrSchemeLst/>
   <a:extLst>
     <a:ext uri="{05A4C25C-085E-4340-85A3-A5531E510DB2}">
-      <thm15:themeFamily xmlns:thm15="http://schemas.microsoft.com/office/thememl/2012/main" name="Office Theme" id="{62F939B6-93AF-4DB8-9C6B-D6C7DFDC589F}" vid="{4A3C46E8-61CC-4603-A589-7422A47A8E4A}"/>
+      <thm15:themeFamily xmlns:thm15="http://schemas.microsoft.com/office/thememl/2012/main" xmlns="" name="Office Theme" id="{62F939B6-93AF-4DB8-9C6B-D6C7DFDC589F}" vid="{4A3C46E8-61CC-4603-A589-7422A47A8E4A}"/>
     </a:ext>
   </a:extLst>
 </a:theme>
@@ -12298,7 +12748,7 @@
     </a:clrScheme>
     <a:fontScheme name="Office">
       <a:majorFont>
-        <a:latin typeface="Calibri Light" panose="020F0302020204030204"/>
+        <a:latin typeface="Calibri Light"/>
         <a:ea typeface=""/>
         <a:cs typeface=""/>
         <a:font script="Jpan" typeface="游ゴシック Light"/>
@@ -12350,7 +12800,7 @@
         <a:font script="Tfng" typeface="Ebrima"/>
       </a:majorFont>
       <a:minorFont>
-        <a:latin typeface="Calibri" panose="020F0502020204030204"/>
+        <a:latin typeface="Calibri"/>
         <a:ea typeface=""/>
         <a:cs typeface=""/>
         <a:font script="Jpan" typeface="游ゴシック"/>
@@ -12544,13 +12994,31 @@
   <a:extraClrSchemeLst/>
   <a:extLst>
     <a:ext uri="{05A4C25C-085E-4340-85A3-A5531E510DB2}">
-      <thm15:themeFamily xmlns:thm15="http://schemas.microsoft.com/office/thememl/2012/main" name="Office Theme" id="{62F939B6-93AF-4DB8-9C6B-D6C7DFDC589F}" vid="{4A3C46E8-61CC-4603-A589-7422A47A8E4A}"/>
+      <thm15:themeFamily xmlns:thm15="http://schemas.microsoft.com/office/thememl/2012/main" xmlns="" name="Office Theme" id="{62F939B6-93AF-4DB8-9C6B-D6C7DFDC589F}" vid="{4A3C46E8-61CC-4603-A589-7422A47A8E4A}"/>
     </a:ext>
   </a:extLst>
 </a:theme>
 </file>
 
 <file path=customXml/item1.xml><?xml version="1.0" encoding="utf-8"?>
+<p:properties xmlns:p="http://schemas.microsoft.com/office/2006/metadata/properties" xmlns:xsi="http://www.w3.org/2001/XMLSchema-instance" xmlns:pc="http://schemas.microsoft.com/office/infopath/2007/PartnerControls">
+  <documentManagement>
+    <Status xmlns="71af3243-3dd4-4a8d-8c0d-dd76da1f02a5">Not started</Status>
+    <MediaServiceKeyPoints xmlns="71af3243-3dd4-4a8d-8c0d-dd76da1f02a5" xsi:nil="true"/>
+  </documentManagement>
+</p:properties>
+</file>
+
+<file path=customXml/item2.xml><?xml version="1.0" encoding="utf-8"?>
+<?mso-contentType ?>
+<FormTemplates xmlns="http://schemas.microsoft.com/sharepoint/v3/contenttype/forms">
+  <Display>DocumentLibraryForm</Display>
+  <Edit>DocumentLibraryForm</Edit>
+  <New>DocumentLibraryForm</New>
+</FormTemplates>
+</file>
+
+<file path=customXml/item3.xml><?xml version="1.0" encoding="utf-8"?>
 <ct:contentTypeSchema xmlns:ct="http://schemas.microsoft.com/office/2006/metadata/contentType" xmlns:ma="http://schemas.microsoft.com/office/2006/metadata/properties/metaAttributes" ct:_="" ma:_="" ma:contentTypeName="Document" ma:contentTypeID="0x01010079F111ED35F8CC479449609E8A0923A6" ma:contentTypeVersion="12" ma:contentTypeDescription="Create a new document." ma:contentTypeScope="" ma:versionID="426e97fa315356fffbdcd9876fe988c2">
   <xsd:schema xmlns:xsd="http://www.w3.org/2001/XMLSchema" xmlns:xs="http://www.w3.org/2001/XMLSchema" xmlns:p="http://schemas.microsoft.com/office/2006/metadata/properties" xmlns:ns2="71af3243-3dd4-4a8d-8c0d-dd76da1f02a5" xmlns:ns3="16c05727-aa75-4e4a-9b5f-8a80a1165891" targetNamespace="http://schemas.microsoft.com/office/2006/metadata/properties" ma:root="true" ma:fieldsID="14b8f0def80e6d70ce3def20c90759ae" ns2:_="" ns3:_="">
     <xsd:import namespace="71af3243-3dd4-4a8d-8c0d-dd76da1f02a5"/>
@@ -12771,25 +13239,25 @@
 </ct:contentTypeSchema>
 </file>
 
-<file path=customXml/item2.xml><?xml version="1.0" encoding="utf-8"?>
-<?mso-contentType ?>
-<FormTemplates xmlns="http://schemas.microsoft.com/sharepoint/v3/contenttype/forms">
-  <Display>DocumentLibraryForm</Display>
-  <Edit>DocumentLibraryForm</Edit>
-  <New>DocumentLibraryForm</New>
-</FormTemplates>
+<file path=customXml/itemProps1.xml><?xml version="1.0" encoding="utf-8"?>
+<ds:datastoreItem xmlns:ds="http://schemas.openxmlformats.org/officeDocument/2006/customXml" ds:itemID="{E3D9F223-918A-45AF-9B53-56AB9E5E2182}">
+  <ds:schemaRefs>
+    <ds:schemaRef ds:uri="http://schemas.microsoft.com/office/2006/metadata/properties"/>
+    <ds:schemaRef ds:uri="http://schemas.microsoft.com/office/infopath/2007/PartnerControls"/>
+    <ds:schemaRef ds:uri="71af3243-3dd4-4a8d-8c0d-dd76da1f02a5"/>
+  </ds:schemaRefs>
+</ds:datastoreItem>
 </file>
 
-<file path=customXml/item3.xml><?xml version="1.0" encoding="utf-8"?>
-<p:properties xmlns:p="http://schemas.microsoft.com/office/2006/metadata/properties" xmlns:xsi="http://www.w3.org/2001/XMLSchema-instance" xmlns:pc="http://schemas.microsoft.com/office/infopath/2007/PartnerControls">
-  <documentManagement>
-    <Status xmlns="71af3243-3dd4-4a8d-8c0d-dd76da1f02a5">Not started</Status>
-    <MediaServiceKeyPoints xmlns="71af3243-3dd4-4a8d-8c0d-dd76da1f02a5" xsi:nil="true"/>
-  </documentManagement>
-</p:properties>
+<file path=customXml/itemProps2.xml><?xml version="1.0" encoding="utf-8"?>
+<ds:datastoreItem xmlns:ds="http://schemas.openxmlformats.org/officeDocument/2006/customXml" ds:itemID="{1B7E2D32-4FDD-4266-880C-17595B801432}">
+  <ds:schemaRefs>
+    <ds:schemaRef ds:uri="http://schemas.microsoft.com/sharepoint/v3/contenttype/forms"/>
+  </ds:schemaRefs>
+</ds:datastoreItem>
 </file>
 
-<file path=customXml/itemProps1.xml><?xml version="1.0" encoding="utf-8"?>
+<file path=customXml/itemProps3.xml><?xml version="1.0" encoding="utf-8"?>
 <ds:datastoreItem xmlns:ds="http://schemas.openxmlformats.org/officeDocument/2006/customXml" ds:itemID="{55BB9993-D5F9-46FA-B2E5-80E3632E9820}">
   <ds:schemaRefs>
     <ds:schemaRef ds:uri="http://schemas.microsoft.com/office/2006/metadata/contentType"/>
@@ -12806,22 +13274,4 @@
     <ds:schemaRef ds:uri="http://schemas.microsoft.com/internal/obd"/>
   </ds:schemaRefs>
 </ds:datastoreItem>
-</file>
-
-<file path=customXml/itemProps2.xml><?xml version="1.0" encoding="utf-8"?>
-<ds:datastoreItem xmlns:ds="http://schemas.openxmlformats.org/officeDocument/2006/customXml" ds:itemID="{1B7E2D32-4FDD-4266-880C-17595B801432}">
-  <ds:schemaRefs>
-    <ds:schemaRef ds:uri="http://schemas.microsoft.com/sharepoint/v3/contenttype/forms"/>
-  </ds:schemaRefs>
-</ds:datastoreItem>
-</file>
-
-<file path=customXml/itemProps3.xml><?xml version="1.0" encoding="utf-8"?>
-<ds:datastoreItem xmlns:ds="http://schemas.openxmlformats.org/officeDocument/2006/customXml" ds:itemID="{E3D9F223-918A-45AF-9B53-56AB9E5E2182}">
-  <ds:schemaRefs>
-    <ds:schemaRef ds:uri="http://schemas.microsoft.com/office/2006/metadata/properties"/>
-    <ds:schemaRef ds:uri="http://schemas.microsoft.com/office/infopath/2007/PartnerControls"/>
-    <ds:schemaRef ds:uri="71af3243-3dd4-4a8d-8c0d-dd76da1f02a5"/>
-  </ds:schemaRefs>
-</ds:datastoreItem>
 </file>
--- a/CentRes.pptx
+++ b/CentRes.pptx
@@ -131,7 +131,7 @@
   </p:defaultTextStyle>
   <p:extLst>
     <p:ext uri="{EFAFB233-063F-42B5-8137-9DF3F51BA10A}">
-      <p15:sldGuideLst xmlns:p15="http://schemas.microsoft.com/office/powerpoint/2012/main" xmlns="">
+      <p15:sldGuideLst xmlns:p15="http://schemas.microsoft.com/office/powerpoint/2012/main">
         <p15:guide id="1" orient="horz" pos="1992" userDrawn="1">
           <p15:clr>
             <a:srgbClr val="A4A3A4"/>
@@ -150,7 +150,7 @@
       </p15:sldGuideLst>
     </p:ext>
     <p:ext uri="{2D200454-40CA-4A62-9FC3-DE9A4176ACB9}">
-      <p15:notesGuideLst xmlns:p15="http://schemas.microsoft.com/office/powerpoint/2012/main" xmlns=""/>
+      <p15:notesGuideLst xmlns:p15="http://schemas.microsoft.com/office/powerpoint/2012/main"/>
     </p:ext>
   </p:extLst>
 </p:presentation>
@@ -183,7 +183,7 @@
           <p:cNvPr id="2" name="Header Placeholder 1">
             <a:extLst>
               <a:ext uri="{FF2B5EF4-FFF2-40B4-BE49-F238E27FC236}">
-                <a16:creationId xmlns:a16="http://schemas.microsoft.com/office/drawing/2014/main" xmlns="" id="{0F97DFCF-F890-A143-9133-C8B65C9B01EF}"/>
+                <a16:creationId xmlns:a16="http://schemas.microsoft.com/office/drawing/2014/main" id="{0F97DFCF-F890-A143-9133-C8B65C9B01EF}"/>
               </a:ext>
             </a:extLst>
           </p:cNvPr>
@@ -220,7 +220,7 @@
           <p:cNvPr id="3" name="Date Placeholder 2">
             <a:extLst>
               <a:ext uri="{FF2B5EF4-FFF2-40B4-BE49-F238E27FC236}">
-                <a16:creationId xmlns:a16="http://schemas.microsoft.com/office/drawing/2014/main" xmlns="" id="{EFE2C281-2434-D94F-B4BD-BA3CD4DB8440}"/>
+                <a16:creationId xmlns:a16="http://schemas.microsoft.com/office/drawing/2014/main" id="{EFE2C281-2434-D94F-B4BD-BA3CD4DB8440}"/>
               </a:ext>
             </a:extLst>
           </p:cNvPr>
@@ -262,7 +262,7 @@
           <p:cNvPr id="4" name="Footer Placeholder 3">
             <a:extLst>
               <a:ext uri="{FF2B5EF4-FFF2-40B4-BE49-F238E27FC236}">
-                <a16:creationId xmlns:a16="http://schemas.microsoft.com/office/drawing/2014/main" xmlns="" id="{5C17CBFA-633D-5540-AFAA-BE1F495EC62F}"/>
+                <a16:creationId xmlns:a16="http://schemas.microsoft.com/office/drawing/2014/main" id="{5C17CBFA-633D-5540-AFAA-BE1F495EC62F}"/>
               </a:ext>
             </a:extLst>
           </p:cNvPr>
@@ -299,7 +299,7 @@
           <p:cNvPr id="5" name="Slide Number Placeholder 4">
             <a:extLst>
               <a:ext uri="{FF2B5EF4-FFF2-40B4-BE49-F238E27FC236}">
-                <a16:creationId xmlns:a16="http://schemas.microsoft.com/office/drawing/2014/main" xmlns="" id="{826B5631-D714-AD41-853B-A883ADC344D5}"/>
+                <a16:creationId xmlns:a16="http://schemas.microsoft.com/office/drawing/2014/main" id="{826B5631-D714-AD41-853B-A883ADC344D5}"/>
               </a:ext>
             </a:extLst>
           </p:cNvPr>
@@ -339,7 +339,7 @@
     </p:spTree>
     <p:extLst>
       <p:ext uri="{BB962C8B-B14F-4D97-AF65-F5344CB8AC3E}">
-        <p14:creationId xmlns:p14="http://schemas.microsoft.com/office/powerpoint/2010/main" xmlns="" val="4273987054"/>
+        <p14:creationId xmlns:p14="http://schemas.microsoft.com/office/powerpoint/2010/main" val="4273987054"/>
       </p:ext>
     </p:extLst>
   </p:cSld>
@@ -598,7 +598,7 @@
     </p:spTree>
     <p:extLst>
       <p:ext uri="{BB962C8B-B14F-4D97-AF65-F5344CB8AC3E}">
-        <p14:creationId xmlns:p14="http://schemas.microsoft.com/office/powerpoint/2010/main" xmlns="" val="4225970632"/>
+        <p14:creationId xmlns:p14="http://schemas.microsoft.com/office/powerpoint/2010/main" val="4225970632"/>
       </p:ext>
     </p:extLst>
   </p:cSld>
@@ -773,7 +773,7 @@
     </p:spTree>
     <p:extLst>
       <p:ext uri="{BB962C8B-B14F-4D97-AF65-F5344CB8AC3E}">
-        <p14:creationId xmlns:p14="http://schemas.microsoft.com/office/powerpoint/2010/main" xmlns="" val="1632949142"/>
+        <p14:creationId xmlns:p14="http://schemas.microsoft.com/office/powerpoint/2010/main" val="1632949142"/>
       </p:ext>
     </p:extLst>
   </p:cSld>
@@ -858,7 +858,7 @@
     </p:spTree>
     <p:extLst>
       <p:ext uri="{BB962C8B-B14F-4D97-AF65-F5344CB8AC3E}">
-        <p14:creationId xmlns:p14="http://schemas.microsoft.com/office/powerpoint/2010/main" xmlns="" val="444968136"/>
+        <p14:creationId xmlns:p14="http://schemas.microsoft.com/office/powerpoint/2010/main" val="444968136"/>
       </p:ext>
     </p:extLst>
   </p:cSld>
@@ -943,7 +943,7 @@
     </p:spTree>
     <p:extLst>
       <p:ext uri="{BB962C8B-B14F-4D97-AF65-F5344CB8AC3E}">
-        <p14:creationId xmlns:p14="http://schemas.microsoft.com/office/powerpoint/2010/main" xmlns="" val="1632949142"/>
+        <p14:creationId xmlns:p14="http://schemas.microsoft.com/office/powerpoint/2010/main" val="1632949142"/>
       </p:ext>
     </p:extLst>
   </p:cSld>
@@ -1028,7 +1028,7 @@
     </p:spTree>
     <p:extLst>
       <p:ext uri="{BB962C8B-B14F-4D97-AF65-F5344CB8AC3E}">
-        <p14:creationId xmlns:p14="http://schemas.microsoft.com/office/powerpoint/2010/main" xmlns="" val="2477358710"/>
+        <p14:creationId xmlns:p14="http://schemas.microsoft.com/office/powerpoint/2010/main" val="2477358710"/>
       </p:ext>
     </p:extLst>
   </p:cSld>
@@ -1113,7 +1113,7 @@
     </p:spTree>
     <p:extLst>
       <p:ext uri="{BB962C8B-B14F-4D97-AF65-F5344CB8AC3E}">
-        <p14:creationId xmlns:p14="http://schemas.microsoft.com/office/powerpoint/2010/main" xmlns="" val="1852594838"/>
+        <p14:creationId xmlns:p14="http://schemas.microsoft.com/office/powerpoint/2010/main" val="1852594838"/>
       </p:ext>
     </p:extLst>
   </p:cSld>
@@ -1198,7 +1198,7 @@
     </p:spTree>
     <p:extLst>
       <p:ext uri="{BB962C8B-B14F-4D97-AF65-F5344CB8AC3E}">
-        <p14:creationId xmlns:p14="http://schemas.microsoft.com/office/powerpoint/2010/main" xmlns="" val="3809423074"/>
+        <p14:creationId xmlns:p14="http://schemas.microsoft.com/office/powerpoint/2010/main" val="3809423074"/>
       </p:ext>
     </p:extLst>
   </p:cSld>
@@ -1235,7 +1235,7 @@
           <p:cNvPr id="3" name="Picture Placeholder 2">
             <a:extLst>
               <a:ext uri="{FF2B5EF4-FFF2-40B4-BE49-F238E27FC236}">
-                <a16:creationId xmlns:a16="http://schemas.microsoft.com/office/drawing/2014/main" xmlns="" id="{DE635FD8-712D-4EE2-A5B6-3DD8DE9C25E9}"/>
+                <a16:creationId xmlns:a16="http://schemas.microsoft.com/office/drawing/2014/main" id="{DE635FD8-712D-4EE2-A5B6-3DD8DE9C25E9}"/>
               </a:ext>
             </a:extLst>
           </p:cNvPr>
@@ -1274,7 +1274,7 @@
           <p:cNvPr id="14" name="Text Placeholder 13">
             <a:extLst>
               <a:ext uri="{FF2B5EF4-FFF2-40B4-BE49-F238E27FC236}">
-                <a16:creationId xmlns:a16="http://schemas.microsoft.com/office/drawing/2014/main" xmlns="" id="{F80209DF-C4D9-43B8-AA05-F53619153042}"/>
+                <a16:creationId xmlns:a16="http://schemas.microsoft.com/office/drawing/2014/main" id="{F80209DF-C4D9-43B8-AA05-F53619153042}"/>
               </a:ext>
             </a:extLst>
           </p:cNvPr>
@@ -1323,7 +1323,7 @@
           <p:cNvPr id="7" name="Text Placeholder 6">
             <a:extLst>
               <a:ext uri="{FF2B5EF4-FFF2-40B4-BE49-F238E27FC236}">
-                <a16:creationId xmlns:a16="http://schemas.microsoft.com/office/drawing/2014/main" xmlns="" id="{758235C5-25B1-4243-9762-4AAD3C08E8BE}"/>
+                <a16:creationId xmlns:a16="http://schemas.microsoft.com/office/drawing/2014/main" id="{758235C5-25B1-4243-9762-4AAD3C08E8BE}"/>
               </a:ext>
             </a:extLst>
           </p:cNvPr>
@@ -1381,7 +1381,7 @@
           <p:cNvPr id="2" name="Title 1">
             <a:extLst>
               <a:ext uri="{FF2B5EF4-FFF2-40B4-BE49-F238E27FC236}">
-                <a16:creationId xmlns:a16="http://schemas.microsoft.com/office/drawing/2014/main" xmlns="" id="{298B2C6E-DB6F-4476-8E95-9F6EC79392FD}"/>
+                <a16:creationId xmlns:a16="http://schemas.microsoft.com/office/drawing/2014/main" id="{298B2C6E-DB6F-4476-8E95-9F6EC79392FD}"/>
               </a:ext>
             </a:extLst>
           </p:cNvPr>
@@ -1424,7 +1424,7 @@
     </p:spTree>
     <p:extLst>
       <p:ext uri="{BB962C8B-B14F-4D97-AF65-F5344CB8AC3E}">
-        <p14:creationId xmlns:p14="http://schemas.microsoft.com/office/powerpoint/2010/main" xmlns="" val="3182303122"/>
+        <p14:creationId xmlns:p14="http://schemas.microsoft.com/office/powerpoint/2010/main" val="3182303122"/>
       </p:ext>
     </p:extLst>
   </p:cSld>
@@ -1456,7 +1456,7 @@
           <p:cNvPr id="9" name="Picture Placeholder 8">
             <a:extLst>
               <a:ext uri="{FF2B5EF4-FFF2-40B4-BE49-F238E27FC236}">
-                <a16:creationId xmlns:a16="http://schemas.microsoft.com/office/drawing/2014/main" xmlns="" id="{186FE9B2-6286-484B-8943-95EE0B6B0267}"/>
+                <a16:creationId xmlns:a16="http://schemas.microsoft.com/office/drawing/2014/main" id="{186FE9B2-6286-484B-8943-95EE0B6B0267}"/>
               </a:ext>
             </a:extLst>
           </p:cNvPr>
@@ -1496,7 +1496,7 @@
           <p:cNvPr id="11" name="Slide Number Placeholder 5">
             <a:extLst>
               <a:ext uri="{FF2B5EF4-FFF2-40B4-BE49-F238E27FC236}">
-                <a16:creationId xmlns:a16="http://schemas.microsoft.com/office/drawing/2014/main" xmlns="" id="{7D4E8708-8565-4A5B-9D9E-1D4F40EAF909}"/>
+                <a16:creationId xmlns:a16="http://schemas.microsoft.com/office/drawing/2014/main" id="{7D4E8708-8565-4A5B-9D9E-1D4F40EAF909}"/>
               </a:ext>
             </a:extLst>
           </p:cNvPr>
@@ -1544,7 +1544,7 @@
           <p:cNvPr id="16" name="Content Placeholder 8">
             <a:extLst>
               <a:ext uri="{FF2B5EF4-FFF2-40B4-BE49-F238E27FC236}">
-                <a16:creationId xmlns:a16="http://schemas.microsoft.com/office/drawing/2014/main" xmlns="" id="{42436126-0370-4532-A8AD-D20897982AD2}"/>
+                <a16:creationId xmlns:a16="http://schemas.microsoft.com/office/drawing/2014/main" id="{42436126-0370-4532-A8AD-D20897982AD2}"/>
               </a:ext>
             </a:extLst>
           </p:cNvPr>
@@ -1597,7 +1597,7 @@
           <p:cNvPr id="17" name="Slide Number Placeholder 70">
             <a:extLst>
               <a:ext uri="{FF2B5EF4-FFF2-40B4-BE49-F238E27FC236}">
-                <a16:creationId xmlns:a16="http://schemas.microsoft.com/office/drawing/2014/main" xmlns="" id="{AEC105AD-E933-4969-B038-0ABD6F013167}"/>
+                <a16:creationId xmlns:a16="http://schemas.microsoft.com/office/drawing/2014/main" id="{AEC105AD-E933-4969-B038-0ABD6F013167}"/>
               </a:ext>
             </a:extLst>
           </p:cNvPr>
@@ -1729,7 +1729,7 @@
           <p:cNvPr id="7" name="Title 1">
             <a:extLst>
               <a:ext uri="{FF2B5EF4-FFF2-40B4-BE49-F238E27FC236}">
-                <a16:creationId xmlns:a16="http://schemas.microsoft.com/office/drawing/2014/main" xmlns="" id="{76CDEBF2-B5C9-4887-B717-81C3D1A73CA9}"/>
+                <a16:creationId xmlns:a16="http://schemas.microsoft.com/office/drawing/2014/main" id="{76CDEBF2-B5C9-4887-B717-81C3D1A73CA9}"/>
               </a:ext>
             </a:extLst>
           </p:cNvPr>
@@ -1779,10 +1779,10 @@
           <p:cNvPr id="2" name="Rectangle 1">
             <a:extLst>
               <a:ext uri="{FF2B5EF4-FFF2-40B4-BE49-F238E27FC236}">
-                <a16:creationId xmlns:a16="http://schemas.microsoft.com/office/drawing/2014/main" xmlns="" id="{016A7FA3-8C13-4E5A-88C4-4357C8ACD73E}"/>
+                <a16:creationId xmlns:a16="http://schemas.microsoft.com/office/drawing/2014/main" id="{016A7FA3-8C13-4E5A-88C4-4357C8ACD73E}"/>
               </a:ext>
               <a:ext uri="{C183D7F6-B498-43B3-948B-1728B52AA6E4}">
-                <adec:decorative xmlns:adec="http://schemas.microsoft.com/office/drawing/2017/decorative" xmlns="" val="1"/>
+                <adec:decorative xmlns:adec="http://schemas.microsoft.com/office/drawing/2017/decorative" val="1"/>
               </a:ext>
             </a:extLst>
           </p:cNvPr>
@@ -1847,7 +1847,7 @@
     </p:spTree>
     <p:extLst>
       <p:ext uri="{BB962C8B-B14F-4D97-AF65-F5344CB8AC3E}">
-        <p14:creationId xmlns:p14="http://schemas.microsoft.com/office/powerpoint/2010/main" xmlns="" val="3713196804"/>
+        <p14:creationId xmlns:p14="http://schemas.microsoft.com/office/powerpoint/2010/main" val="3713196804"/>
       </p:ext>
     </p:extLst>
   </p:cSld>
@@ -1884,7 +1884,7 @@
           <p:cNvPr id="3" name="Picture Placeholder 2">
             <a:extLst>
               <a:ext uri="{FF2B5EF4-FFF2-40B4-BE49-F238E27FC236}">
-                <a16:creationId xmlns:a16="http://schemas.microsoft.com/office/drawing/2014/main" xmlns="" id="{DE635FD8-712D-4EE2-A5B6-3DD8DE9C25E9}"/>
+                <a16:creationId xmlns:a16="http://schemas.microsoft.com/office/drawing/2014/main" id="{DE635FD8-712D-4EE2-A5B6-3DD8DE9C25E9}"/>
               </a:ext>
             </a:extLst>
           </p:cNvPr>
@@ -1923,7 +1923,7 @@
           <p:cNvPr id="6" name="Title 5">
             <a:extLst>
               <a:ext uri="{FF2B5EF4-FFF2-40B4-BE49-F238E27FC236}">
-                <a16:creationId xmlns:a16="http://schemas.microsoft.com/office/drawing/2014/main" xmlns="" id="{D9074D0F-754F-4F2C-A410-F222D2D2346E}"/>
+                <a16:creationId xmlns:a16="http://schemas.microsoft.com/office/drawing/2014/main" id="{D9074D0F-754F-4F2C-A410-F222D2D2346E}"/>
               </a:ext>
             </a:extLst>
           </p:cNvPr>
@@ -1959,7 +1959,7 @@
           <p:cNvPr id="14" name="Text Placeholder 13">
             <a:extLst>
               <a:ext uri="{FF2B5EF4-FFF2-40B4-BE49-F238E27FC236}">
-                <a16:creationId xmlns:a16="http://schemas.microsoft.com/office/drawing/2014/main" xmlns="" id="{F80209DF-C4D9-43B8-AA05-F53619153042}"/>
+                <a16:creationId xmlns:a16="http://schemas.microsoft.com/office/drawing/2014/main" id="{F80209DF-C4D9-43B8-AA05-F53619153042}"/>
               </a:ext>
             </a:extLst>
           </p:cNvPr>
@@ -2026,7 +2026,7 @@
           <p:cNvPr id="31" name="Text Placeholder 13">
             <a:extLst>
               <a:ext uri="{FF2B5EF4-FFF2-40B4-BE49-F238E27FC236}">
-                <a16:creationId xmlns:a16="http://schemas.microsoft.com/office/drawing/2014/main" xmlns="" id="{1D89734B-03E0-4ADE-8F62-C819F3E976D5}"/>
+                <a16:creationId xmlns:a16="http://schemas.microsoft.com/office/drawing/2014/main" id="{1D89734B-03E0-4ADE-8F62-C819F3E976D5}"/>
               </a:ext>
             </a:extLst>
           </p:cNvPr>
@@ -2075,7 +2075,7 @@
           <p:cNvPr id="32" name="Text Placeholder 13">
             <a:extLst>
               <a:ext uri="{FF2B5EF4-FFF2-40B4-BE49-F238E27FC236}">
-                <a16:creationId xmlns:a16="http://schemas.microsoft.com/office/drawing/2014/main" xmlns="" id="{85971F4D-8B59-4B3E-9169-64E0EF1BA85F}"/>
+                <a16:creationId xmlns:a16="http://schemas.microsoft.com/office/drawing/2014/main" id="{85971F4D-8B59-4B3E-9169-64E0EF1BA85F}"/>
               </a:ext>
             </a:extLst>
           </p:cNvPr>
@@ -2124,7 +2124,7 @@
           <p:cNvPr id="33" name="Text Placeholder 13">
             <a:extLst>
               <a:ext uri="{FF2B5EF4-FFF2-40B4-BE49-F238E27FC236}">
-                <a16:creationId xmlns:a16="http://schemas.microsoft.com/office/drawing/2014/main" xmlns="" id="{90B19777-E2ED-419C-B486-857117FD081B}"/>
+                <a16:creationId xmlns:a16="http://schemas.microsoft.com/office/drawing/2014/main" id="{90B19777-E2ED-419C-B486-857117FD081B}"/>
               </a:ext>
             </a:extLst>
           </p:cNvPr>
@@ -2173,7 +2173,7 @@
           <p:cNvPr id="34" name="Online Image Placeholder 33">
             <a:extLst>
               <a:ext uri="{FF2B5EF4-FFF2-40B4-BE49-F238E27FC236}">
-                <a16:creationId xmlns:a16="http://schemas.microsoft.com/office/drawing/2014/main" xmlns="" id="{1A58EB44-F532-4998-B316-61C738C37BF5}"/>
+                <a16:creationId xmlns:a16="http://schemas.microsoft.com/office/drawing/2014/main" id="{1A58EB44-F532-4998-B316-61C738C37BF5}"/>
               </a:ext>
             </a:extLst>
           </p:cNvPr>
@@ -2213,7 +2213,7 @@
           <p:cNvPr id="35" name="Online Image Placeholder 33">
             <a:extLst>
               <a:ext uri="{FF2B5EF4-FFF2-40B4-BE49-F238E27FC236}">
-                <a16:creationId xmlns:a16="http://schemas.microsoft.com/office/drawing/2014/main" xmlns="" id="{33763C3C-3545-40BD-9B2C-DC4C0E4CE819}"/>
+                <a16:creationId xmlns:a16="http://schemas.microsoft.com/office/drawing/2014/main" id="{33763C3C-3545-40BD-9B2C-DC4C0E4CE819}"/>
               </a:ext>
             </a:extLst>
           </p:cNvPr>
@@ -2253,7 +2253,7 @@
           <p:cNvPr id="36" name="Online Image Placeholder 33">
             <a:extLst>
               <a:ext uri="{FF2B5EF4-FFF2-40B4-BE49-F238E27FC236}">
-                <a16:creationId xmlns:a16="http://schemas.microsoft.com/office/drawing/2014/main" xmlns="" id="{1C5D3777-17F3-4225-8C52-2EF1DB4FD54A}"/>
+                <a16:creationId xmlns:a16="http://schemas.microsoft.com/office/drawing/2014/main" id="{1C5D3777-17F3-4225-8C52-2EF1DB4FD54A}"/>
               </a:ext>
             </a:extLst>
           </p:cNvPr>
@@ -2291,7 +2291,7 @@
     </p:spTree>
     <p:extLst>
       <p:ext uri="{BB962C8B-B14F-4D97-AF65-F5344CB8AC3E}">
-        <p14:creationId xmlns:p14="http://schemas.microsoft.com/office/powerpoint/2010/main" xmlns="" val="3173740392"/>
+        <p14:creationId xmlns:p14="http://schemas.microsoft.com/office/powerpoint/2010/main" val="3173740392"/>
       </p:ext>
     </p:extLst>
   </p:cSld>
@@ -2323,7 +2323,7 @@
           <p:cNvPr id="11" name="Picture Placeholder 10">
             <a:extLst>
               <a:ext uri="{FF2B5EF4-FFF2-40B4-BE49-F238E27FC236}">
-                <a16:creationId xmlns:a16="http://schemas.microsoft.com/office/drawing/2014/main" xmlns="" id="{912AA41C-A030-4521-8130-6A8E4543F277}"/>
+                <a16:creationId xmlns:a16="http://schemas.microsoft.com/office/drawing/2014/main" id="{912AA41C-A030-4521-8130-6A8E4543F277}"/>
               </a:ext>
             </a:extLst>
           </p:cNvPr>
@@ -2366,7 +2366,7 @@
           <p:cNvPr id="2" name="Title 1">
             <a:extLst>
               <a:ext uri="{FF2B5EF4-FFF2-40B4-BE49-F238E27FC236}">
-                <a16:creationId xmlns:a16="http://schemas.microsoft.com/office/drawing/2014/main" xmlns="" id="{7C83D428-B974-43F4-9246-0A2EECA11A5B}"/>
+                <a16:creationId xmlns:a16="http://schemas.microsoft.com/office/drawing/2014/main" id="{7C83D428-B974-43F4-9246-0A2EECA11A5B}"/>
               </a:ext>
             </a:extLst>
           </p:cNvPr>
@@ -2411,7 +2411,7 @@
           <p:cNvPr id="5" name="Footer Placeholder 4">
             <a:extLst>
               <a:ext uri="{FF2B5EF4-FFF2-40B4-BE49-F238E27FC236}">
-                <a16:creationId xmlns:a16="http://schemas.microsoft.com/office/drawing/2014/main" xmlns="" id="{BC79732E-D749-40DD-8365-05028518765D}"/>
+                <a16:creationId xmlns:a16="http://schemas.microsoft.com/office/drawing/2014/main" id="{BC79732E-D749-40DD-8365-05028518765D}"/>
               </a:ext>
             </a:extLst>
           </p:cNvPr>
@@ -2439,7 +2439,7 @@
           <p:cNvPr id="6" name="Slide Number Placeholder 5">
             <a:extLst>
               <a:ext uri="{FF2B5EF4-FFF2-40B4-BE49-F238E27FC236}">
-                <a16:creationId xmlns:a16="http://schemas.microsoft.com/office/drawing/2014/main" xmlns="" id="{88F55E23-C4CC-4E9B-80F4-C4BEA6E2DD84}"/>
+                <a16:creationId xmlns:a16="http://schemas.microsoft.com/office/drawing/2014/main" id="{88F55E23-C4CC-4E9B-80F4-C4BEA6E2DD84}"/>
               </a:ext>
             </a:extLst>
           </p:cNvPr>
@@ -2469,7 +2469,7 @@
           <p:cNvPr id="13" name="Text Placeholder 12">
             <a:extLst>
               <a:ext uri="{FF2B5EF4-FFF2-40B4-BE49-F238E27FC236}">
-                <a16:creationId xmlns:a16="http://schemas.microsoft.com/office/drawing/2014/main" xmlns="" id="{9D00A38D-CFE8-4333-B9D2-D3E7EACA4F0E}"/>
+                <a16:creationId xmlns:a16="http://schemas.microsoft.com/office/drawing/2014/main" id="{9D00A38D-CFE8-4333-B9D2-D3E7EACA4F0E}"/>
               </a:ext>
             </a:extLst>
           </p:cNvPr>
@@ -2510,10 +2510,10 @@
           <p:cNvPr id="3" name="Rectangle 2">
             <a:extLst>
               <a:ext uri="{FF2B5EF4-FFF2-40B4-BE49-F238E27FC236}">
-                <a16:creationId xmlns:a16="http://schemas.microsoft.com/office/drawing/2014/main" xmlns="" id="{1AA8588E-221D-4931-A290-C5C4184435AD}"/>
+                <a16:creationId xmlns:a16="http://schemas.microsoft.com/office/drawing/2014/main" id="{1AA8588E-221D-4931-A290-C5C4184435AD}"/>
               </a:ext>
               <a:ext uri="{C183D7F6-B498-43B3-948B-1728B52AA6E4}">
-                <adec:decorative xmlns:adec="http://schemas.microsoft.com/office/drawing/2017/decorative" xmlns="" val="1"/>
+                <adec:decorative xmlns:adec="http://schemas.microsoft.com/office/drawing/2017/decorative" val="1"/>
               </a:ext>
             </a:extLst>
           </p:cNvPr>
@@ -2580,7 +2580,7 @@
     </p:spTree>
     <p:extLst>
       <p:ext uri="{BB962C8B-B14F-4D97-AF65-F5344CB8AC3E}">
-        <p14:creationId xmlns:p14="http://schemas.microsoft.com/office/powerpoint/2010/main" xmlns="" val="1629115292"/>
+        <p14:creationId xmlns:p14="http://schemas.microsoft.com/office/powerpoint/2010/main" val="1629115292"/>
       </p:ext>
     </p:extLst>
   </p:cSld>
@@ -2612,7 +2612,7 @@
           <p:cNvPr id="20" name="Text Placeholder 19">
             <a:extLst>
               <a:ext uri="{FF2B5EF4-FFF2-40B4-BE49-F238E27FC236}">
-                <a16:creationId xmlns:a16="http://schemas.microsoft.com/office/drawing/2014/main" xmlns="" id="{E5539E44-E270-49B4-8B0A-07870325AA91}"/>
+                <a16:creationId xmlns:a16="http://schemas.microsoft.com/office/drawing/2014/main" id="{E5539E44-E270-49B4-8B0A-07870325AA91}"/>
               </a:ext>
             </a:extLst>
           </p:cNvPr>
@@ -2702,7 +2702,7 @@
           <p:cNvPr id="9" name="Picture Placeholder 8">
             <a:extLst>
               <a:ext uri="{FF2B5EF4-FFF2-40B4-BE49-F238E27FC236}">
-                <a16:creationId xmlns:a16="http://schemas.microsoft.com/office/drawing/2014/main" xmlns="" id="{186FE9B2-6286-484B-8943-95EE0B6B0267}"/>
+                <a16:creationId xmlns:a16="http://schemas.microsoft.com/office/drawing/2014/main" id="{186FE9B2-6286-484B-8943-95EE0B6B0267}"/>
               </a:ext>
             </a:extLst>
           </p:cNvPr>
@@ -2742,7 +2742,7 @@
           <p:cNvPr id="11" name="Slide Number Placeholder 5">
             <a:extLst>
               <a:ext uri="{FF2B5EF4-FFF2-40B4-BE49-F238E27FC236}">
-                <a16:creationId xmlns:a16="http://schemas.microsoft.com/office/drawing/2014/main" xmlns="" id="{7D4E8708-8565-4A5B-9D9E-1D4F40EAF909}"/>
+                <a16:creationId xmlns:a16="http://schemas.microsoft.com/office/drawing/2014/main" id="{7D4E8708-8565-4A5B-9D9E-1D4F40EAF909}"/>
               </a:ext>
             </a:extLst>
           </p:cNvPr>
@@ -2790,7 +2790,7 @@
           <p:cNvPr id="16" name="Content Placeholder 8">
             <a:extLst>
               <a:ext uri="{FF2B5EF4-FFF2-40B4-BE49-F238E27FC236}">
-                <a16:creationId xmlns:a16="http://schemas.microsoft.com/office/drawing/2014/main" xmlns="" id="{42436126-0370-4532-A8AD-D20897982AD2}"/>
+                <a16:creationId xmlns:a16="http://schemas.microsoft.com/office/drawing/2014/main" id="{42436126-0370-4532-A8AD-D20897982AD2}"/>
               </a:ext>
             </a:extLst>
           </p:cNvPr>
@@ -2843,7 +2843,7 @@
           <p:cNvPr id="17" name="Slide Number Placeholder 70">
             <a:extLst>
               <a:ext uri="{FF2B5EF4-FFF2-40B4-BE49-F238E27FC236}">
-                <a16:creationId xmlns:a16="http://schemas.microsoft.com/office/drawing/2014/main" xmlns="" id="{AEC105AD-E933-4969-B038-0ABD6F013167}"/>
+                <a16:creationId xmlns:a16="http://schemas.microsoft.com/office/drawing/2014/main" id="{AEC105AD-E933-4969-B038-0ABD6F013167}"/>
               </a:ext>
             </a:extLst>
           </p:cNvPr>
@@ -2975,7 +2975,7 @@
           <p:cNvPr id="2" name="Title 1">
             <a:extLst>
               <a:ext uri="{FF2B5EF4-FFF2-40B4-BE49-F238E27FC236}">
-                <a16:creationId xmlns:a16="http://schemas.microsoft.com/office/drawing/2014/main" xmlns="" id="{3CB0E4A3-5566-43FE-A59F-2C4F4FE7F32A}"/>
+                <a16:creationId xmlns:a16="http://schemas.microsoft.com/office/drawing/2014/main" id="{3CB0E4A3-5566-43FE-A59F-2C4F4FE7F32A}"/>
               </a:ext>
             </a:extLst>
           </p:cNvPr>
@@ -3023,7 +3023,7 @@
     </p:spTree>
     <p:extLst>
       <p:ext uri="{BB962C8B-B14F-4D97-AF65-F5344CB8AC3E}">
-        <p14:creationId xmlns:p14="http://schemas.microsoft.com/office/powerpoint/2010/main" xmlns="" val="1247832795"/>
+        <p14:creationId xmlns:p14="http://schemas.microsoft.com/office/powerpoint/2010/main" val="1247832795"/>
       </p:ext>
     </p:extLst>
   </p:cSld>
@@ -3055,7 +3055,7 @@
           <p:cNvPr id="11" name="Picture Placeholder 10">
             <a:extLst>
               <a:ext uri="{FF2B5EF4-FFF2-40B4-BE49-F238E27FC236}">
-                <a16:creationId xmlns:a16="http://schemas.microsoft.com/office/drawing/2014/main" xmlns="" id="{912AA41C-A030-4521-8130-6A8E4543F277}"/>
+                <a16:creationId xmlns:a16="http://schemas.microsoft.com/office/drawing/2014/main" id="{912AA41C-A030-4521-8130-6A8E4543F277}"/>
               </a:ext>
             </a:extLst>
           </p:cNvPr>
@@ -3169,7 +3169,7 @@
           <p:cNvPr id="8" name="Title 1">
             <a:extLst>
               <a:ext uri="{FF2B5EF4-FFF2-40B4-BE49-F238E27FC236}">
-                <a16:creationId xmlns:a16="http://schemas.microsoft.com/office/drawing/2014/main" xmlns="" id="{AABA725B-4BCB-1D48-9C5D-46706B18719E}"/>
+                <a16:creationId xmlns:a16="http://schemas.microsoft.com/office/drawing/2014/main" id="{AABA725B-4BCB-1D48-9C5D-46706B18719E}"/>
               </a:ext>
             </a:extLst>
           </p:cNvPr>
@@ -3206,7 +3206,7 @@
           <p:cNvPr id="3" name="Text Placeholder 2">
             <a:extLst>
               <a:ext uri="{FF2B5EF4-FFF2-40B4-BE49-F238E27FC236}">
-                <a16:creationId xmlns:a16="http://schemas.microsoft.com/office/drawing/2014/main" xmlns="" id="{893C356F-E483-4AFD-856C-13BB8E8A5605}"/>
+                <a16:creationId xmlns:a16="http://schemas.microsoft.com/office/drawing/2014/main" id="{893C356F-E483-4AFD-856C-13BB8E8A5605}"/>
               </a:ext>
             </a:extLst>
           </p:cNvPr>
@@ -3352,7 +3352,7 @@
           <p:cNvPr id="5" name="Footer Placeholder 4">
             <a:extLst>
               <a:ext uri="{FF2B5EF4-FFF2-40B4-BE49-F238E27FC236}">
-                <a16:creationId xmlns:a16="http://schemas.microsoft.com/office/drawing/2014/main" xmlns="" id="{BC79732E-D749-40DD-8365-05028518765D}"/>
+                <a16:creationId xmlns:a16="http://schemas.microsoft.com/office/drawing/2014/main" id="{BC79732E-D749-40DD-8365-05028518765D}"/>
               </a:ext>
             </a:extLst>
           </p:cNvPr>
@@ -3380,7 +3380,7 @@
           <p:cNvPr id="6" name="Slide Number Placeholder 5">
             <a:extLst>
               <a:ext uri="{FF2B5EF4-FFF2-40B4-BE49-F238E27FC236}">
-                <a16:creationId xmlns:a16="http://schemas.microsoft.com/office/drawing/2014/main" xmlns="" id="{88F55E23-C4CC-4E9B-80F4-C4BEA6E2DD84}"/>
+                <a16:creationId xmlns:a16="http://schemas.microsoft.com/office/drawing/2014/main" id="{88F55E23-C4CC-4E9B-80F4-C4BEA6E2DD84}"/>
               </a:ext>
             </a:extLst>
           </p:cNvPr>
@@ -3408,7 +3408,7 @@
     </p:spTree>
     <p:extLst>
       <p:ext uri="{BB962C8B-B14F-4D97-AF65-F5344CB8AC3E}">
-        <p14:creationId xmlns:p14="http://schemas.microsoft.com/office/powerpoint/2010/main" xmlns="" val="52890133"/>
+        <p14:creationId xmlns:p14="http://schemas.microsoft.com/office/powerpoint/2010/main" val="52890133"/>
       </p:ext>
     </p:extLst>
   </p:cSld>
@@ -3440,7 +3440,7 @@
           <p:cNvPr id="2" name="Title 1">
             <a:extLst>
               <a:ext uri="{FF2B5EF4-FFF2-40B4-BE49-F238E27FC236}">
-                <a16:creationId xmlns:a16="http://schemas.microsoft.com/office/drawing/2014/main" xmlns="" id="{004074E6-E39E-4D19-B91F-8E84F37CBF3C}"/>
+                <a16:creationId xmlns:a16="http://schemas.microsoft.com/office/drawing/2014/main" id="{004074E6-E39E-4D19-B91F-8E84F37CBF3C}"/>
               </a:ext>
             </a:extLst>
           </p:cNvPr>
@@ -3479,7 +3479,7 @@
           <p:cNvPr id="3" name="Content Placeholder 2">
             <a:extLst>
               <a:ext uri="{FF2B5EF4-FFF2-40B4-BE49-F238E27FC236}">
-                <a16:creationId xmlns:a16="http://schemas.microsoft.com/office/drawing/2014/main" xmlns="" id="{607D1B16-7058-45AD-9B19-E19CAF96683B}"/>
+                <a16:creationId xmlns:a16="http://schemas.microsoft.com/office/drawing/2014/main" id="{607D1B16-7058-45AD-9B19-E19CAF96683B}"/>
               </a:ext>
             </a:extLst>
           </p:cNvPr>
@@ -3590,7 +3590,7 @@
           <p:cNvPr id="59" name="Slide Number Placeholder 5">
             <a:extLst>
               <a:ext uri="{FF2B5EF4-FFF2-40B4-BE49-F238E27FC236}">
-                <a16:creationId xmlns:a16="http://schemas.microsoft.com/office/drawing/2014/main" xmlns="" id="{3DEB48E0-328C-45EE-A8BD-90E6AB261082}"/>
+                <a16:creationId xmlns:a16="http://schemas.microsoft.com/office/drawing/2014/main" id="{3DEB48E0-328C-45EE-A8BD-90E6AB261082}"/>
               </a:ext>
             </a:extLst>
           </p:cNvPr>
@@ -3640,7 +3640,7 @@
           <p:cNvPr id="5" name="Picture Placeholder 4">
             <a:extLst>
               <a:ext uri="{FF2B5EF4-FFF2-40B4-BE49-F238E27FC236}">
-                <a16:creationId xmlns:a16="http://schemas.microsoft.com/office/drawing/2014/main" xmlns="" id="{D7CA175D-816E-4F70-96CC-8A1FD0EB16CE}"/>
+                <a16:creationId xmlns:a16="http://schemas.microsoft.com/office/drawing/2014/main" id="{D7CA175D-816E-4F70-96CC-8A1FD0EB16CE}"/>
               </a:ext>
             </a:extLst>
           </p:cNvPr>
@@ -3676,7 +3676,7 @@
           <p:cNvPr id="9" name="Picture Placeholder 4">
             <a:extLst>
               <a:ext uri="{FF2B5EF4-FFF2-40B4-BE49-F238E27FC236}">
-                <a16:creationId xmlns:a16="http://schemas.microsoft.com/office/drawing/2014/main" xmlns="" id="{323519C8-24DE-471D-85A9-7A8AFACEC456}"/>
+                <a16:creationId xmlns:a16="http://schemas.microsoft.com/office/drawing/2014/main" id="{323519C8-24DE-471D-85A9-7A8AFACEC456}"/>
               </a:ext>
             </a:extLst>
           </p:cNvPr>
@@ -3712,7 +3712,7 @@
           <p:cNvPr id="10" name="Picture Placeholder 4">
             <a:extLst>
               <a:ext uri="{FF2B5EF4-FFF2-40B4-BE49-F238E27FC236}">
-                <a16:creationId xmlns:a16="http://schemas.microsoft.com/office/drawing/2014/main" xmlns="" id="{547F0F1E-7AF5-4B76-928C-7B28010C4F93}"/>
+                <a16:creationId xmlns:a16="http://schemas.microsoft.com/office/drawing/2014/main" id="{547F0F1E-7AF5-4B76-928C-7B28010C4F93}"/>
               </a:ext>
             </a:extLst>
           </p:cNvPr>
@@ -3748,7 +3748,7 @@
           <p:cNvPr id="11" name="Picture Placeholder 4">
             <a:extLst>
               <a:ext uri="{FF2B5EF4-FFF2-40B4-BE49-F238E27FC236}">
-                <a16:creationId xmlns:a16="http://schemas.microsoft.com/office/drawing/2014/main" xmlns="" id="{063D0E8E-9491-4AF0-918D-A0B782C5FD68}"/>
+                <a16:creationId xmlns:a16="http://schemas.microsoft.com/office/drawing/2014/main" id="{063D0E8E-9491-4AF0-918D-A0B782C5FD68}"/>
               </a:ext>
             </a:extLst>
           </p:cNvPr>
@@ -3784,7 +3784,7 @@
           <p:cNvPr id="12" name="Picture Placeholder 4">
             <a:extLst>
               <a:ext uri="{FF2B5EF4-FFF2-40B4-BE49-F238E27FC236}">
-                <a16:creationId xmlns:a16="http://schemas.microsoft.com/office/drawing/2014/main" xmlns="" id="{042F54CB-9200-4D74-968A-0A3E5871D9E5}"/>
+                <a16:creationId xmlns:a16="http://schemas.microsoft.com/office/drawing/2014/main" id="{042F54CB-9200-4D74-968A-0A3E5871D9E5}"/>
               </a:ext>
             </a:extLst>
           </p:cNvPr>
@@ -3820,7 +3820,7 @@
           <p:cNvPr id="13" name="Picture Placeholder 4">
             <a:extLst>
               <a:ext uri="{FF2B5EF4-FFF2-40B4-BE49-F238E27FC236}">
-                <a16:creationId xmlns:a16="http://schemas.microsoft.com/office/drawing/2014/main" xmlns="" id="{1D925119-27E3-496E-86BC-23416F94FB61}"/>
+                <a16:creationId xmlns:a16="http://schemas.microsoft.com/office/drawing/2014/main" id="{1D925119-27E3-496E-86BC-23416F94FB61}"/>
               </a:ext>
             </a:extLst>
           </p:cNvPr>
@@ -3856,10 +3856,10 @@
           <p:cNvPr id="4" name="Rectangle 3">
             <a:extLst>
               <a:ext uri="{FF2B5EF4-FFF2-40B4-BE49-F238E27FC236}">
-                <a16:creationId xmlns:a16="http://schemas.microsoft.com/office/drawing/2014/main" xmlns="" id="{9DF93AF7-D4DC-42B5-8A4F-B5F3ABBB031F}"/>
+                <a16:creationId xmlns:a16="http://schemas.microsoft.com/office/drawing/2014/main" id="{9DF93AF7-D4DC-42B5-8A4F-B5F3ABBB031F}"/>
               </a:ext>
               <a:ext uri="{C183D7F6-B498-43B3-948B-1728B52AA6E4}">
-                <adec:decorative xmlns:adec="http://schemas.microsoft.com/office/drawing/2017/decorative" xmlns="" val="1"/>
+                <adec:decorative xmlns:adec="http://schemas.microsoft.com/office/drawing/2017/decorative" val="1"/>
               </a:ext>
             </a:extLst>
           </p:cNvPr>
@@ -3926,7 +3926,7 @@
     </p:spTree>
     <p:extLst>
       <p:ext uri="{BB962C8B-B14F-4D97-AF65-F5344CB8AC3E}">
-        <p14:creationId xmlns:p14="http://schemas.microsoft.com/office/powerpoint/2010/main" xmlns="" val="1753968095"/>
+        <p14:creationId xmlns:p14="http://schemas.microsoft.com/office/powerpoint/2010/main" val="1753968095"/>
       </p:ext>
     </p:extLst>
   </p:cSld>
@@ -3935,7 +3935,7 @@
   </p:clrMapOvr>
   <p:extLst>
     <p:ext uri="{DCECCB84-F9BA-43D5-87BE-67443E8EF086}">
-      <p15:sldGuideLst xmlns:p15="http://schemas.microsoft.com/office/powerpoint/2012/main" xmlns="">
+      <p15:sldGuideLst xmlns:p15="http://schemas.microsoft.com/office/powerpoint/2012/main">
         <p15:guide id="1" orient="horz" pos="2160" userDrawn="1">
           <p15:clr>
             <a:srgbClr val="FBAE40"/>
@@ -3974,7 +3974,7 @@
           <p:cNvPr id="2" name="Title 1">
             <a:extLst>
               <a:ext uri="{FF2B5EF4-FFF2-40B4-BE49-F238E27FC236}">
-                <a16:creationId xmlns:a16="http://schemas.microsoft.com/office/drawing/2014/main" xmlns="" id="{53345D17-D652-4766-B11C-2E8D8390D957}"/>
+                <a16:creationId xmlns:a16="http://schemas.microsoft.com/office/drawing/2014/main" id="{53345D17-D652-4766-B11C-2E8D8390D957}"/>
               </a:ext>
             </a:extLst>
           </p:cNvPr>
@@ -4014,7 +4014,7 @@
           <p:cNvPr id="3" name="Footer Placeholder 2">
             <a:extLst>
               <a:ext uri="{FF2B5EF4-FFF2-40B4-BE49-F238E27FC236}">
-                <a16:creationId xmlns:a16="http://schemas.microsoft.com/office/drawing/2014/main" xmlns="" id="{6BC7A58C-70BA-43E5-BD90-83ADB63B0C00}"/>
+                <a16:creationId xmlns:a16="http://schemas.microsoft.com/office/drawing/2014/main" id="{6BC7A58C-70BA-43E5-BD90-83ADB63B0C00}"/>
               </a:ext>
             </a:extLst>
           </p:cNvPr>
@@ -4042,7 +4042,7 @@
           <p:cNvPr id="4" name="Slide Number Placeholder 3">
             <a:extLst>
               <a:ext uri="{FF2B5EF4-FFF2-40B4-BE49-F238E27FC236}">
-                <a16:creationId xmlns:a16="http://schemas.microsoft.com/office/drawing/2014/main" xmlns="" id="{0F8A60B7-2499-42C6-8A74-ACDAE245746D}"/>
+                <a16:creationId xmlns:a16="http://schemas.microsoft.com/office/drawing/2014/main" id="{0F8A60B7-2499-42C6-8A74-ACDAE245746D}"/>
               </a:ext>
             </a:extLst>
           </p:cNvPr>
@@ -4070,7 +4070,7 @@
     </p:spTree>
     <p:extLst>
       <p:ext uri="{BB962C8B-B14F-4D97-AF65-F5344CB8AC3E}">
-        <p14:creationId xmlns:p14="http://schemas.microsoft.com/office/powerpoint/2010/main" xmlns="" val="3452634009"/>
+        <p14:creationId xmlns:p14="http://schemas.microsoft.com/office/powerpoint/2010/main" val="3452634009"/>
       </p:ext>
     </p:extLst>
   </p:cSld>
@@ -4107,7 +4107,7 @@
           <p:cNvPr id="3" name="Picture Placeholder 2">
             <a:extLst>
               <a:ext uri="{FF2B5EF4-FFF2-40B4-BE49-F238E27FC236}">
-                <a16:creationId xmlns:a16="http://schemas.microsoft.com/office/drawing/2014/main" xmlns="" id="{DE635FD8-712D-4EE2-A5B6-3DD8DE9C25E9}"/>
+                <a16:creationId xmlns:a16="http://schemas.microsoft.com/office/drawing/2014/main" id="{DE635FD8-712D-4EE2-A5B6-3DD8DE9C25E9}"/>
               </a:ext>
             </a:extLst>
           </p:cNvPr>
@@ -4146,7 +4146,7 @@
           <p:cNvPr id="2" name="Title 1">
             <a:extLst>
               <a:ext uri="{FF2B5EF4-FFF2-40B4-BE49-F238E27FC236}">
-                <a16:creationId xmlns:a16="http://schemas.microsoft.com/office/drawing/2014/main" xmlns="" id="{4C179BAC-E989-4203-B9B4-66280365481B}"/>
+                <a16:creationId xmlns:a16="http://schemas.microsoft.com/office/drawing/2014/main" id="{4C179BAC-E989-4203-B9B4-66280365481B}"/>
               </a:ext>
             </a:extLst>
           </p:cNvPr>
@@ -4206,7 +4206,7 @@
           <p:cNvPr id="7" name="Text Placeholder 6">
             <a:extLst>
               <a:ext uri="{FF2B5EF4-FFF2-40B4-BE49-F238E27FC236}">
-                <a16:creationId xmlns:a16="http://schemas.microsoft.com/office/drawing/2014/main" xmlns="" id="{60CCC81E-A013-4315-AD13-97BA3AA95596}"/>
+                <a16:creationId xmlns:a16="http://schemas.microsoft.com/office/drawing/2014/main" id="{60CCC81E-A013-4315-AD13-97BA3AA95596}"/>
               </a:ext>
             </a:extLst>
           </p:cNvPr>
@@ -4245,7 +4245,7 @@
     </p:spTree>
     <p:extLst>
       <p:ext uri="{BB962C8B-B14F-4D97-AF65-F5344CB8AC3E}">
-        <p14:creationId xmlns:p14="http://schemas.microsoft.com/office/powerpoint/2010/main" xmlns="" val="79555376"/>
+        <p14:creationId xmlns:p14="http://schemas.microsoft.com/office/powerpoint/2010/main" val="79555376"/>
       </p:ext>
     </p:extLst>
   </p:cSld>
@@ -4277,7 +4277,7 @@
           <p:cNvPr id="17" name="Title 2">
             <a:extLst>
               <a:ext uri="{FF2B5EF4-FFF2-40B4-BE49-F238E27FC236}">
-                <a16:creationId xmlns:a16="http://schemas.microsoft.com/office/drawing/2014/main" xmlns="" id="{0EF11611-8537-47CC-87AC-2E25428B72BA}"/>
+                <a16:creationId xmlns:a16="http://schemas.microsoft.com/office/drawing/2014/main" id="{0EF11611-8537-47CC-87AC-2E25428B72BA}"/>
               </a:ext>
             </a:extLst>
           </p:cNvPr>
@@ -4314,7 +4314,7 @@
           <p:cNvPr id="19" name="Picture Placeholder 17">
             <a:extLst>
               <a:ext uri="{FF2B5EF4-FFF2-40B4-BE49-F238E27FC236}">
-                <a16:creationId xmlns:a16="http://schemas.microsoft.com/office/drawing/2014/main" xmlns="" id="{D1A63A52-1E65-414B-BBC3-D31F515791AC}"/>
+                <a16:creationId xmlns:a16="http://schemas.microsoft.com/office/drawing/2014/main" id="{D1A63A52-1E65-414B-BBC3-D31F515791AC}"/>
               </a:ext>
             </a:extLst>
           </p:cNvPr>
@@ -4350,7 +4350,7 @@
           <p:cNvPr id="18" name="Picture Placeholder 17">
             <a:extLst>
               <a:ext uri="{FF2B5EF4-FFF2-40B4-BE49-F238E27FC236}">
-                <a16:creationId xmlns:a16="http://schemas.microsoft.com/office/drawing/2014/main" xmlns="" id="{ED7E0E1A-1E64-4A9A-9C8B-69486BD1123B}"/>
+                <a16:creationId xmlns:a16="http://schemas.microsoft.com/office/drawing/2014/main" id="{ED7E0E1A-1E64-4A9A-9C8B-69486BD1123B}"/>
               </a:ext>
             </a:extLst>
           </p:cNvPr>
@@ -4386,7 +4386,7 @@
           <p:cNvPr id="10" name="Text Placeholder 3">
             <a:extLst>
               <a:ext uri="{FF2B5EF4-FFF2-40B4-BE49-F238E27FC236}">
-                <a16:creationId xmlns:a16="http://schemas.microsoft.com/office/drawing/2014/main" xmlns="" id="{1E462965-19D7-4A65-B394-9AE76A5B4805}"/>
+                <a16:creationId xmlns:a16="http://schemas.microsoft.com/office/drawing/2014/main" id="{1E462965-19D7-4A65-B394-9AE76A5B4805}"/>
               </a:ext>
             </a:extLst>
           </p:cNvPr>
@@ -4431,7 +4431,7 @@
           <p:cNvPr id="11" name="Content Placeholder 4">
             <a:extLst>
               <a:ext uri="{FF2B5EF4-FFF2-40B4-BE49-F238E27FC236}">
-                <a16:creationId xmlns:a16="http://schemas.microsoft.com/office/drawing/2014/main" xmlns="" id="{FAEC14D1-0BEA-4D9A-9D96-A56B6A9B07AC}"/>
+                <a16:creationId xmlns:a16="http://schemas.microsoft.com/office/drawing/2014/main" id="{FAEC14D1-0BEA-4D9A-9D96-A56B6A9B07AC}"/>
               </a:ext>
             </a:extLst>
           </p:cNvPr>
@@ -4477,7 +4477,7 @@
           <p:cNvPr id="12" name="Text Placeholder 5">
             <a:extLst>
               <a:ext uri="{FF2B5EF4-FFF2-40B4-BE49-F238E27FC236}">
-                <a16:creationId xmlns:a16="http://schemas.microsoft.com/office/drawing/2014/main" xmlns="" id="{1507BB47-1AB4-42F2-99FF-453A0622B815}"/>
+                <a16:creationId xmlns:a16="http://schemas.microsoft.com/office/drawing/2014/main" id="{1507BB47-1AB4-42F2-99FF-453A0622B815}"/>
               </a:ext>
             </a:extLst>
           </p:cNvPr>
@@ -4522,7 +4522,7 @@
           <p:cNvPr id="14" name="Content Placeholder 6">
             <a:extLst>
               <a:ext uri="{FF2B5EF4-FFF2-40B4-BE49-F238E27FC236}">
-                <a16:creationId xmlns:a16="http://schemas.microsoft.com/office/drawing/2014/main" xmlns="" id="{438D6EEA-A0DB-4B5F-8F41-A9C1F2C094C0}"/>
+                <a16:creationId xmlns:a16="http://schemas.microsoft.com/office/drawing/2014/main" id="{438D6EEA-A0DB-4B5F-8F41-A9C1F2C094C0}"/>
               </a:ext>
             </a:extLst>
           </p:cNvPr>
@@ -4568,7 +4568,7 @@
           <p:cNvPr id="20" name="Slide Number Placeholder 5">
             <a:extLst>
               <a:ext uri="{FF2B5EF4-FFF2-40B4-BE49-F238E27FC236}">
-                <a16:creationId xmlns:a16="http://schemas.microsoft.com/office/drawing/2014/main" xmlns="" id="{A4909F59-7529-454A-A1EF-3CC1EADEFC1F}"/>
+                <a16:creationId xmlns:a16="http://schemas.microsoft.com/office/drawing/2014/main" id="{A4909F59-7529-454A-A1EF-3CC1EADEFC1F}"/>
               </a:ext>
             </a:extLst>
           </p:cNvPr>
@@ -4603,7 +4603,7 @@
     </p:spTree>
     <p:extLst>
       <p:ext uri="{BB962C8B-B14F-4D97-AF65-F5344CB8AC3E}">
-        <p14:creationId xmlns:p14="http://schemas.microsoft.com/office/powerpoint/2010/main" xmlns="" val="1270834507"/>
+        <p14:creationId xmlns:p14="http://schemas.microsoft.com/office/powerpoint/2010/main" val="1270834507"/>
       </p:ext>
     </p:extLst>
   </p:cSld>
@@ -4635,7 +4635,7 @@
           <p:cNvPr id="22" name="Title 2">
             <a:extLst>
               <a:ext uri="{FF2B5EF4-FFF2-40B4-BE49-F238E27FC236}">
-                <a16:creationId xmlns:a16="http://schemas.microsoft.com/office/drawing/2014/main" xmlns="" id="{6186F91B-547E-43BC-9BCE-04619DAAFEC2}"/>
+                <a16:creationId xmlns:a16="http://schemas.microsoft.com/office/drawing/2014/main" id="{6186F91B-547E-43BC-9BCE-04619DAAFEC2}"/>
               </a:ext>
             </a:extLst>
           </p:cNvPr>
@@ -4672,7 +4672,7 @@
           <p:cNvPr id="28" name="Text Placeholder 27">
             <a:extLst>
               <a:ext uri="{FF2B5EF4-FFF2-40B4-BE49-F238E27FC236}">
-                <a16:creationId xmlns:a16="http://schemas.microsoft.com/office/drawing/2014/main" xmlns="" id="{D635DFA1-45D2-4EFE-8BB2-BE966346691E}"/>
+                <a16:creationId xmlns:a16="http://schemas.microsoft.com/office/drawing/2014/main" id="{D635DFA1-45D2-4EFE-8BB2-BE966346691E}"/>
               </a:ext>
             </a:extLst>
           </p:cNvPr>
@@ -4762,7 +4762,7 @@
           <p:cNvPr id="24" name="Picture Placeholder 23">
             <a:extLst>
               <a:ext uri="{FF2B5EF4-FFF2-40B4-BE49-F238E27FC236}">
-                <a16:creationId xmlns:a16="http://schemas.microsoft.com/office/drawing/2014/main" xmlns="" id="{2F2918FE-A84E-4303-AEF3-4FD66CDD733E}"/>
+                <a16:creationId xmlns:a16="http://schemas.microsoft.com/office/drawing/2014/main" id="{2F2918FE-A84E-4303-AEF3-4FD66CDD733E}"/>
               </a:ext>
             </a:extLst>
           </p:cNvPr>
@@ -4798,7 +4798,7 @@
           <p:cNvPr id="25" name="Picture Placeholder 23">
             <a:extLst>
               <a:ext uri="{FF2B5EF4-FFF2-40B4-BE49-F238E27FC236}">
-                <a16:creationId xmlns:a16="http://schemas.microsoft.com/office/drawing/2014/main" xmlns="" id="{E2401025-9BC9-4BDD-97DA-CA763CF846BB}"/>
+                <a16:creationId xmlns:a16="http://schemas.microsoft.com/office/drawing/2014/main" id="{E2401025-9BC9-4BDD-97DA-CA763CF846BB}"/>
               </a:ext>
             </a:extLst>
           </p:cNvPr>
@@ -4834,7 +4834,7 @@
           <p:cNvPr id="26" name="Picture Placeholder 23">
             <a:extLst>
               <a:ext uri="{FF2B5EF4-FFF2-40B4-BE49-F238E27FC236}">
-                <a16:creationId xmlns:a16="http://schemas.microsoft.com/office/drawing/2014/main" xmlns="" id="{B7C4AAB6-897A-4ABD-AD50-2D86B197E914}"/>
+                <a16:creationId xmlns:a16="http://schemas.microsoft.com/office/drawing/2014/main" id="{B7C4AAB6-897A-4ABD-AD50-2D86B197E914}"/>
               </a:ext>
             </a:extLst>
           </p:cNvPr>
@@ -4870,7 +4870,7 @@
           <p:cNvPr id="29" name="Text Placeholder 27">
             <a:extLst>
               <a:ext uri="{FF2B5EF4-FFF2-40B4-BE49-F238E27FC236}">
-                <a16:creationId xmlns:a16="http://schemas.microsoft.com/office/drawing/2014/main" xmlns="" id="{790D65EC-6EB4-4594-91E9-5C3DE7C3BA89}"/>
+                <a16:creationId xmlns:a16="http://schemas.microsoft.com/office/drawing/2014/main" id="{790D65EC-6EB4-4594-91E9-5C3DE7C3BA89}"/>
               </a:ext>
             </a:extLst>
           </p:cNvPr>
@@ -4960,7 +4960,7 @@
           <p:cNvPr id="30" name="Text Placeholder 27">
             <a:extLst>
               <a:ext uri="{FF2B5EF4-FFF2-40B4-BE49-F238E27FC236}">
-                <a16:creationId xmlns:a16="http://schemas.microsoft.com/office/drawing/2014/main" xmlns="" id="{611CF730-D055-47C2-A626-299F429D41B2}"/>
+                <a16:creationId xmlns:a16="http://schemas.microsoft.com/office/drawing/2014/main" id="{611CF730-D055-47C2-A626-299F429D41B2}"/>
               </a:ext>
             </a:extLst>
           </p:cNvPr>
@@ -5050,7 +5050,7 @@
           <p:cNvPr id="31" name="Slide Number Placeholder 5">
             <a:extLst>
               <a:ext uri="{FF2B5EF4-FFF2-40B4-BE49-F238E27FC236}">
-                <a16:creationId xmlns:a16="http://schemas.microsoft.com/office/drawing/2014/main" xmlns="" id="{F09E06A6-BFDD-42BD-BA69-2CD3BEF0F73D}"/>
+                <a16:creationId xmlns:a16="http://schemas.microsoft.com/office/drawing/2014/main" id="{F09E06A6-BFDD-42BD-BA69-2CD3BEF0F73D}"/>
               </a:ext>
             </a:extLst>
           </p:cNvPr>
@@ -5085,7 +5085,7 @@
     </p:spTree>
     <p:extLst>
       <p:ext uri="{BB962C8B-B14F-4D97-AF65-F5344CB8AC3E}">
-        <p14:creationId xmlns:p14="http://schemas.microsoft.com/office/powerpoint/2010/main" xmlns="" val="4145592085"/>
+        <p14:creationId xmlns:p14="http://schemas.microsoft.com/office/powerpoint/2010/main" val="4145592085"/>
       </p:ext>
     </p:extLst>
   </p:cSld>
@@ -5122,7 +5122,7 @@
           <p:cNvPr id="2" name="Title Placeholder 1">
             <a:extLst>
               <a:ext uri="{FF2B5EF4-FFF2-40B4-BE49-F238E27FC236}">
-                <a16:creationId xmlns:a16="http://schemas.microsoft.com/office/drawing/2014/main" xmlns="" id="{9305F96C-D634-4A69-95EC-3D002BD68752}"/>
+                <a16:creationId xmlns:a16="http://schemas.microsoft.com/office/drawing/2014/main" id="{9305F96C-D634-4A69-95EC-3D002BD68752}"/>
               </a:ext>
             </a:extLst>
           </p:cNvPr>
@@ -5161,7 +5161,7 @@
           <p:cNvPr id="3" name="Text Placeholder 2">
             <a:extLst>
               <a:ext uri="{FF2B5EF4-FFF2-40B4-BE49-F238E27FC236}">
-                <a16:creationId xmlns:a16="http://schemas.microsoft.com/office/drawing/2014/main" xmlns="" id="{37757E98-D0FB-43E3-98BC-711F6A2F5372}"/>
+                <a16:creationId xmlns:a16="http://schemas.microsoft.com/office/drawing/2014/main" id="{37757E98-D0FB-43E3-98BC-711F6A2F5372}"/>
               </a:ext>
             </a:extLst>
           </p:cNvPr>
@@ -5229,7 +5229,7 @@
           <p:cNvPr id="5" name="Footer Placeholder 4">
             <a:extLst>
               <a:ext uri="{FF2B5EF4-FFF2-40B4-BE49-F238E27FC236}">
-                <a16:creationId xmlns:a16="http://schemas.microsoft.com/office/drawing/2014/main" xmlns="" id="{BFA65B72-2E86-4BA3-94F2-3ADFA40B7AEE}"/>
+                <a16:creationId xmlns:a16="http://schemas.microsoft.com/office/drawing/2014/main" id="{BFA65B72-2E86-4BA3-94F2-3ADFA40B7AEE}"/>
               </a:ext>
             </a:extLst>
           </p:cNvPr>
@@ -5275,7 +5275,7 @@
           <p:cNvPr id="6" name="Slide Number Placeholder 5">
             <a:extLst>
               <a:ext uri="{FF2B5EF4-FFF2-40B4-BE49-F238E27FC236}">
-                <a16:creationId xmlns:a16="http://schemas.microsoft.com/office/drawing/2014/main" xmlns="" id="{73C1F3FD-3DB9-46B7-85E1-E8B8878A4012}"/>
+                <a16:creationId xmlns:a16="http://schemas.microsoft.com/office/drawing/2014/main" id="{73C1F3FD-3DB9-46B7-85E1-E8B8878A4012}"/>
               </a:ext>
             </a:extLst>
           </p:cNvPr>
@@ -5321,7 +5321,7 @@
     </p:spTree>
     <p:extLst>
       <p:ext uri="{BB962C8B-B14F-4D97-AF65-F5344CB8AC3E}">
-        <p14:creationId xmlns:p14="http://schemas.microsoft.com/office/powerpoint/2010/main" xmlns="" val="692820"/>
+        <p14:creationId xmlns:p14="http://schemas.microsoft.com/office/powerpoint/2010/main" val="692820"/>
       </p:ext>
     </p:extLst>
   </p:cSld>
@@ -5653,7 +5653,7 @@
           <p:cNvPr id="8" name="Picture Placeholder 7" descr="abstract image">
             <a:extLst>
               <a:ext uri="{FF2B5EF4-FFF2-40B4-BE49-F238E27FC236}">
-                <a16:creationId xmlns:a16="http://schemas.microsoft.com/office/drawing/2014/main" xmlns="" id="{9AB29DBC-55D3-49D9-BB44-4936739C4B57}"/>
+                <a16:creationId xmlns:a16="http://schemas.microsoft.com/office/drawing/2014/main" id="{9AB29DBC-55D3-49D9-BB44-4936739C4B57}"/>
               </a:ext>
             </a:extLst>
           </p:cNvPr>
@@ -5669,7 +5669,7 @@
             <a:alphaModFix amt="52000"/>
             <a:extLst>
               <a:ext uri="{BEBA8EAE-BF5A-486C-A8C5-ECC9F3942E4B}">
-                <a14:imgProps xmlns:a14="http://schemas.microsoft.com/office/drawing/2010/main" xmlns="">
+                <a14:imgProps xmlns:a14="http://schemas.microsoft.com/office/drawing/2010/main">
                   <a14:imgLayer r:embed="rId3">
                     <a14:imgEffect>
                       <a14:saturation sat="0"/>
@@ -5689,7 +5689,7 @@
           <p:cNvPr id="9" name="Title 8">
             <a:extLst>
               <a:ext uri="{FF2B5EF4-FFF2-40B4-BE49-F238E27FC236}">
-                <a16:creationId xmlns:a16="http://schemas.microsoft.com/office/drawing/2014/main" xmlns="" id="{79DC1498-E692-42BA-B69F-6D37E6CFACA0}"/>
+                <a16:creationId xmlns:a16="http://schemas.microsoft.com/office/drawing/2014/main" id="{79DC1498-E692-42BA-B69F-6D37E6CFACA0}"/>
               </a:ext>
             </a:extLst>
           </p:cNvPr>
@@ -5722,7 +5722,7 @@
           <p:cNvPr id="7" name="Text Placeholder 6">
             <a:extLst>
               <a:ext uri="{FF2B5EF4-FFF2-40B4-BE49-F238E27FC236}">
-                <a16:creationId xmlns:a16="http://schemas.microsoft.com/office/drawing/2014/main" xmlns="" id="{5D865526-EC39-4780-A2A8-274A80A5C19B}"/>
+                <a16:creationId xmlns:a16="http://schemas.microsoft.com/office/drawing/2014/main" id="{5D865526-EC39-4780-A2A8-274A80A5C19B}"/>
               </a:ext>
             </a:extLst>
           </p:cNvPr>
@@ -5753,7 +5753,7 @@
     </p:spTree>
     <p:extLst>
       <p:ext uri="{BB962C8B-B14F-4D97-AF65-F5344CB8AC3E}">
-        <p14:creationId xmlns:p14="http://schemas.microsoft.com/office/powerpoint/2010/main" xmlns="" val="3927832306"/>
+        <p14:creationId xmlns:p14="http://schemas.microsoft.com/office/powerpoint/2010/main" val="3927832306"/>
       </p:ext>
     </p:extLst>
   </p:cSld>
@@ -5785,7 +5785,7 @@
           <p:cNvPr id="3" name="Title 2">
             <a:extLst>
               <a:ext uri="{FF2B5EF4-FFF2-40B4-BE49-F238E27FC236}">
-                <a16:creationId xmlns:a16="http://schemas.microsoft.com/office/drawing/2014/main" xmlns="" id="{1D24B42B-925B-494C-A986-BD85E8117E1E}"/>
+                <a16:creationId xmlns:a16="http://schemas.microsoft.com/office/drawing/2014/main" id="{1D24B42B-925B-494C-A986-BD85E8117E1E}"/>
               </a:ext>
             </a:extLst>
           </p:cNvPr>
@@ -5820,7 +5820,7 @@
           <p:cNvPr id="13" name="Picture Placeholder 12" descr="close up of computer on top of table against a brick wall">
             <a:extLst>
               <a:ext uri="{FF2B5EF4-FFF2-40B4-BE49-F238E27FC236}">
-                <a16:creationId xmlns:a16="http://schemas.microsoft.com/office/drawing/2014/main" xmlns="" id="{90BB9493-60B4-4B89-89CE-E1F8BF6C4D12}"/>
+                <a16:creationId xmlns:a16="http://schemas.microsoft.com/office/drawing/2014/main" id="{90BB9493-60B4-4B89-89CE-E1F8BF6C4D12}"/>
               </a:ext>
             </a:extLst>
           </p:cNvPr>
@@ -5835,7 +5835,7 @@
           <a:blip r:embed="rId2" cstate="email">
             <a:extLst>
               <a:ext uri="{BEBA8EAE-BF5A-486C-A8C5-ECC9F3942E4B}">
-                <a14:imgProps xmlns:a14="http://schemas.microsoft.com/office/drawing/2010/main" xmlns="">
+                <a14:imgProps xmlns:a14="http://schemas.microsoft.com/office/drawing/2010/main">
                   <a14:imgLayer r:embed="rId3">
                     <a14:imgEffect>
                       <a14:saturation sat="0"/>
@@ -5844,7 +5844,7 @@
                 </a14:imgProps>
               </a:ext>
               <a:ext uri="{28A0092B-C50C-407E-A947-70E740481C1C}">
-                <a14:useLocalDpi xmlns:a14="http://schemas.microsoft.com/office/drawing/2010/main" xmlns=""/>
+                <a14:useLocalDpi xmlns:a14="http://schemas.microsoft.com/office/drawing/2010/main"/>
               </a:ext>
             </a:extLst>
           </a:blip>
@@ -5858,7 +5858,7 @@
           <p:cNvPr id="5" name="Text Placeholder 4">
             <a:extLst>
               <a:ext uri="{FF2B5EF4-FFF2-40B4-BE49-F238E27FC236}">
-                <a16:creationId xmlns:a16="http://schemas.microsoft.com/office/drawing/2014/main" xmlns="" id="{AF9B872F-6332-408E-9135-B871F0C90C00}"/>
+                <a16:creationId xmlns:a16="http://schemas.microsoft.com/office/drawing/2014/main" id="{AF9B872F-6332-408E-9135-B871F0C90C00}"/>
               </a:ext>
             </a:extLst>
           </p:cNvPr>
@@ -5882,11 +5882,7 @@
             <a:pPr algn="l"/>
             <a:r>
               <a:rPr lang="en-US" sz="1200" u="sng" spc="0" dirty="0"/>
-              <a:t>Business </a:t>
-            </a:r>
-            <a:r>
-              <a:rPr lang="en-US" sz="1200" u="sng" spc="0" dirty="0" smtClean="0"/>
-              <a:t>requirements:</a:t>
+              <a:t>Business requirements:</a:t>
             </a:r>
           </a:p>
           <a:p>
@@ -5895,78 +5891,37 @@
               <a:buChar char="•"/>
             </a:pPr>
             <a:r>
-              <a:rPr lang="en-US" sz="1200" spc="0" dirty="0" smtClean="0"/>
+              <a:rPr lang="en-US" sz="1200" spc="0" dirty="0"/>
               <a:t>       Must:</a:t>
             </a:r>
           </a:p>
           <a:p>
             <a:pPr algn="l"/>
             <a:r>
-              <a:rPr lang="en-US" sz="1200" cap="none" spc="0" dirty="0" smtClean="0"/>
-              <a:t>	- </a:t>
-            </a:r>
-            <a:r>
-              <a:rPr lang="en-US" sz="1200" cap="none" spc="0" dirty="0" smtClean="0"/>
-              <a:t>System </a:t>
-            </a:r>
-            <a:r>
-              <a:rPr lang="en-US" sz="1200" cap="none" spc="0" dirty="0" smtClean="0"/>
-              <a:t>must be available on both IOS and </a:t>
-            </a:r>
-            <a:r>
-              <a:rPr lang="en-US" sz="1200" cap="none" spc="0" dirty="0" smtClean="0"/>
-              <a:t>Android</a:t>
+              <a:rPr lang="en-US" sz="1200" cap="none" spc="0" dirty="0"/>
+              <a:t>	- System must be available on both IOS and Android</a:t>
             </a:r>
           </a:p>
           <a:p>
             <a:pPr algn="l"/>
             <a:r>
-              <a:rPr lang="en-US" sz="1200" cap="none" spc="0" dirty="0" smtClean="0"/>
-              <a:t>	</a:t>
-            </a:r>
-            <a:r>
-              <a:rPr lang="en-US" sz="1200" cap="none" spc="0" dirty="0" smtClean="0"/>
-              <a:t>- Effectively manage tables and </a:t>
-            </a:r>
-            <a:r>
-              <a:rPr lang="en-US" sz="1200" cap="none" spc="0" dirty="0" smtClean="0"/>
-              <a:t>orders</a:t>
+              <a:rPr lang="en-US" sz="1200" cap="none" spc="0" dirty="0"/>
+              <a:t>	- Effectively manage tables and orders</a:t>
             </a:r>
           </a:p>
           <a:p>
             <a:pPr algn="l"/>
             <a:r>
-              <a:rPr lang="en-US" sz="1200" cap="none" spc="0" dirty="0" smtClean="0"/>
-              <a:t>	</a:t>
-            </a:r>
-            <a:r>
-              <a:rPr lang="en-US" sz="1200" cap="none" spc="0" dirty="0" smtClean="0"/>
-              <a:t>- Weekly efficiency reports are </a:t>
-            </a:r>
-            <a:r>
-              <a:rPr lang="en-US" sz="1200" cap="none" spc="0" dirty="0" smtClean="0"/>
-              <a:t>generated</a:t>
+              <a:rPr lang="en-US" sz="1200" cap="none" spc="0" dirty="0"/>
+              <a:t>	- Weekly efficiency reports are generated</a:t>
             </a:r>
           </a:p>
           <a:p>
             <a:pPr algn="l"/>
             <a:r>
-              <a:rPr lang="en-US" sz="1200" cap="none" spc="0" dirty="0" smtClean="0"/>
-              <a:t>	</a:t>
-            </a:r>
-            <a:r>
-              <a:rPr lang="en-US" sz="1200" cap="none" spc="0" dirty="0" smtClean="0"/>
-              <a:t>- Provide real-time business metrics to track sales, operations, and </a:t>
-            </a:r>
-            <a:r>
-              <a:rPr lang="en-US" sz="1200" cap="none" spc="0" dirty="0" smtClean="0"/>
-              <a:t>	customer </a:t>
-            </a:r>
-            <a:r>
-              <a:rPr lang="en-US" sz="1200" cap="none" spc="0" dirty="0" smtClean="0"/>
-              <a:t>service performance. </a:t>
-            </a:r>
-            <a:endParaRPr lang="en-US" sz="1200" cap="none" spc="0" dirty="0" smtClean="0"/>
+              <a:rPr lang="en-US" sz="1200" cap="none" spc="0" dirty="0"/>
+              <a:t>	- Provide real-time business metrics to track sales, operations, and 	customer service performance. </a:t>
+            </a:r>
           </a:p>
           <a:p>
             <a:pPr algn="l">
@@ -5974,41 +5929,16 @@
               <a:buChar char="•"/>
             </a:pPr>
             <a:r>
-              <a:rPr lang="en-US" sz="1200" spc="0" dirty="0" smtClean="0"/>
+              <a:rPr lang="en-US" sz="1200" spc="0" dirty="0"/>
               <a:t>        Should:</a:t>
             </a:r>
           </a:p>
           <a:p>
             <a:pPr algn="l"/>
             <a:r>
-              <a:rPr lang="en-US" sz="1200" cap="none" spc="0" dirty="0" smtClean="0"/>
-              <a:t>	- Keep long term data in a cloud or off-site server database with a </a:t>
-            </a:r>
-            <a:r>
-              <a:rPr lang="en-US" sz="1200" cap="none" spc="0" dirty="0" smtClean="0"/>
-              <a:t>data 	storage </a:t>
-            </a:r>
-            <a:r>
-              <a:rPr lang="en-US" sz="1200" cap="none" spc="0" dirty="0" smtClean="0"/>
-              <a:t>model allowing for frequent input of data but </a:t>
-            </a:r>
-            <a:r>
-              <a:rPr lang="en-US" sz="1200" cap="none" spc="0" dirty="0" smtClean="0"/>
-              <a:t>infrequent </a:t>
-            </a:r>
-            <a:r>
-              <a:rPr lang="en-US" sz="1200" cap="none" spc="0" dirty="0" smtClean="0"/>
-              <a:t>querying of </a:t>
-            </a:r>
-            <a:r>
-              <a:rPr lang="en-US" sz="1200" cap="none" spc="0" dirty="0" smtClean="0"/>
-              <a:t>	that </a:t>
-            </a:r>
-            <a:r>
-              <a:rPr lang="en-US" sz="1200" cap="none" spc="0" dirty="0" smtClean="0"/>
-              <a:t>data (AWS)</a:t>
-            </a:r>
-            <a:endParaRPr lang="en-US" sz="1200" cap="none" spc="0" dirty="0"/>
+              <a:rPr lang="en-US" sz="1200" cap="none" spc="0" dirty="0"/>
+              <a:t>	- Keep long term data in a cloud or off-site server database with a data 	storage model allowing for frequent input of data but infrequent querying of 	that data (AWS)</a:t>
+            </a:r>
           </a:p>
           <a:p>
             <a:pPr algn="l"/>
@@ -6023,49 +5953,29 @@
               <a:buChar char="•"/>
             </a:pPr>
             <a:r>
-              <a:rPr lang="en-US" sz="1200" spc="0" dirty="0" smtClean="0"/>
+              <a:rPr lang="en-US" sz="1200" spc="0" dirty="0"/>
               <a:t>        Must:</a:t>
             </a:r>
           </a:p>
           <a:p>
             <a:pPr algn="l"/>
             <a:r>
-              <a:rPr lang="en-US" sz="1200" cap="none" spc="0" dirty="0" smtClean="0"/>
-              <a:t>	- Manager can edit orders, alter bill, overview of wait times, view time stamps in </a:t>
-            </a:r>
-            <a:r>
-              <a:rPr lang="en-US" sz="1200" cap="none" spc="0" dirty="0" smtClean="0"/>
-              <a:t>	order</a:t>
+              <a:rPr lang="en-US" sz="1200" cap="none" spc="0" dirty="0"/>
+              <a:t>	- Manager can edit orders, alter bill, overview of wait times, view time stamps in 	order</a:t>
             </a:r>
           </a:p>
           <a:p>
             <a:pPr algn="l"/>
             <a:r>
-              <a:rPr lang="en-US" sz="1200" cap="none" spc="0" dirty="0" smtClean="0"/>
-              <a:t>	</a:t>
-            </a:r>
-            <a:r>
-              <a:rPr lang="en-US" sz="1200" cap="none" spc="0" dirty="0" smtClean="0"/>
-              <a:t>- Chef can view orders, time stamps for orders, and mark as </a:t>
-            </a:r>
-            <a:r>
-              <a:rPr lang="en-US" sz="1200" cap="none" spc="0" dirty="0" smtClean="0"/>
-              <a:t>ready</a:t>
+              <a:rPr lang="en-US" sz="1200" cap="none" spc="0" dirty="0"/>
+              <a:t>	- Chef can view orders, time stamps for orders, and mark as ready</a:t>
             </a:r>
           </a:p>
           <a:p>
             <a:pPr algn="l"/>
             <a:r>
-              <a:rPr lang="en-US" sz="1200" cap="none" spc="0" dirty="0" smtClean="0"/>
-              <a:t>	</a:t>
-            </a:r>
-            <a:r>
-              <a:rPr lang="en-US" sz="1200" cap="none" spc="0" dirty="0" smtClean="0"/>
-              <a:t>- Waiter can view orders, view tables, time stamp for orders, alter bill, view </a:t>
-            </a:r>
-            <a:r>
-              <a:rPr lang="en-US" sz="1200" cap="none" spc="0" dirty="0" smtClean="0"/>
-              <a:t>	menu</a:t>
+              <a:rPr lang="en-US" sz="1200" cap="none" spc="0" dirty="0"/>
+              <a:t>	- Waiter can view orders, view tables, time stamp for orders, alter bill, view 	menu</a:t>
             </a:r>
             <a:endParaRPr lang="en-US" sz="1800" cap="none" spc="0" dirty="0"/>
           </a:p>
@@ -6075,10 +5985,9 @@
               <a:buChar char="•"/>
             </a:pPr>
             <a:r>
-              <a:rPr lang="en-US" sz="1200" spc="0" dirty="0" smtClean="0"/>
+              <a:rPr lang="en-US" sz="1200" spc="0" dirty="0"/>
               <a:t>        Should:</a:t>
             </a:r>
-            <a:endParaRPr lang="en-US" sz="1200" spc="0" dirty="0"/>
           </a:p>
           <a:p>
             <a:pPr algn="l"/>
@@ -6091,7 +6000,7 @@
           <p:cNvPr id="2" name="Slide Number Placeholder 1">
             <a:extLst>
               <a:ext uri="{FF2B5EF4-FFF2-40B4-BE49-F238E27FC236}">
-                <a16:creationId xmlns:a16="http://schemas.microsoft.com/office/drawing/2014/main" xmlns="" id="{948DD8A0-BD53-4DBF-949B-0D64D12DADA9}"/>
+                <a16:creationId xmlns:a16="http://schemas.microsoft.com/office/drawing/2014/main" id="{948DD8A0-BD53-4DBF-949B-0D64D12DADA9}"/>
               </a:ext>
             </a:extLst>
           </p:cNvPr>
@@ -6119,7 +6028,7 @@
     </p:spTree>
     <p:extLst>
       <p:ext uri="{BB962C8B-B14F-4D97-AF65-F5344CB8AC3E}">
-        <p14:creationId xmlns:p14="http://schemas.microsoft.com/office/powerpoint/2010/main" xmlns="" val="2692241771"/>
+        <p14:creationId xmlns:p14="http://schemas.microsoft.com/office/powerpoint/2010/main" val="2692241771"/>
       </p:ext>
     </p:extLst>
   </p:cSld>
@@ -6151,7 +6060,7 @@
           <p:cNvPr id="3" name="Title 2">
             <a:extLst>
               <a:ext uri="{FF2B5EF4-FFF2-40B4-BE49-F238E27FC236}">
-                <a16:creationId xmlns:a16="http://schemas.microsoft.com/office/drawing/2014/main" xmlns="" id="{1D24B42B-925B-494C-A986-BD85E8117E1E}"/>
+                <a16:creationId xmlns:a16="http://schemas.microsoft.com/office/drawing/2014/main" id="{1D24B42B-925B-494C-A986-BD85E8117E1E}"/>
               </a:ext>
             </a:extLst>
           </p:cNvPr>
@@ -6186,7 +6095,7 @@
           <p:cNvPr id="13" name="Picture Placeholder 12" descr="close up of computer on top of table against a brick wall">
             <a:extLst>
               <a:ext uri="{FF2B5EF4-FFF2-40B4-BE49-F238E27FC236}">
-                <a16:creationId xmlns:a16="http://schemas.microsoft.com/office/drawing/2014/main" xmlns="" id="{90BB9493-60B4-4B89-89CE-E1F8BF6C4D12}"/>
+                <a16:creationId xmlns:a16="http://schemas.microsoft.com/office/drawing/2014/main" id="{90BB9493-60B4-4B89-89CE-E1F8BF6C4D12}"/>
               </a:ext>
             </a:extLst>
           </p:cNvPr>
@@ -6201,7 +6110,7 @@
           <a:blip r:embed="rId2" cstate="email">
             <a:extLst>
               <a:ext uri="{BEBA8EAE-BF5A-486C-A8C5-ECC9F3942E4B}">
-                <a14:imgProps xmlns:a14="http://schemas.microsoft.com/office/drawing/2010/main" xmlns="">
+                <a14:imgProps xmlns:a14="http://schemas.microsoft.com/office/drawing/2010/main">
                   <a14:imgLayer r:embed="rId3">
                     <a14:imgEffect>
                       <a14:saturation sat="0"/>
@@ -6210,7 +6119,7 @@
                 </a14:imgProps>
               </a:ext>
               <a:ext uri="{28A0092B-C50C-407E-A947-70E740481C1C}">
-                <a14:useLocalDpi xmlns:a14="http://schemas.microsoft.com/office/drawing/2010/main" xmlns=""/>
+                <a14:useLocalDpi xmlns:a14="http://schemas.microsoft.com/office/drawing/2010/main"/>
               </a:ext>
             </a:extLst>
           </a:blip>
@@ -6224,7 +6133,7 @@
           <p:cNvPr id="5" name="Text Placeholder 4">
             <a:extLst>
               <a:ext uri="{FF2B5EF4-FFF2-40B4-BE49-F238E27FC236}">
-                <a16:creationId xmlns:a16="http://schemas.microsoft.com/office/drawing/2014/main" xmlns="" id="{AF9B872F-6332-408E-9135-B871F0C90C00}"/>
+                <a16:creationId xmlns:a16="http://schemas.microsoft.com/office/drawing/2014/main" id="{AF9B872F-6332-408E-9135-B871F0C90C00}"/>
               </a:ext>
             </a:extLst>
           </p:cNvPr>
@@ -6325,19 +6234,7 @@
               <a:rPr lang="en-US" sz="1200" cap="none" spc="0" dirty="0">
                 <a:cs typeface="Arial" panose="020B0604020202020204" pitchFamily="34" charset="0"/>
               </a:rPr>
-              <a:t>Use 2fa for manager login to secure admin privileges (two factor </a:t>
-            </a:r>
-            <a:r>
-              <a:rPr lang="en-US" sz="1200" cap="none" spc="0" dirty="0" smtClean="0">
-                <a:cs typeface="Arial" panose="020B0604020202020204" pitchFamily="34" charset="0"/>
-              </a:rPr>
-              <a:t>	authentication</a:t>
-            </a:r>
-            <a:r>
-              <a:rPr lang="en-US" sz="1200" cap="none" spc="0" dirty="0">
-                <a:cs typeface="Arial" panose="020B0604020202020204" pitchFamily="34" charset="0"/>
-              </a:rPr>
-              <a:t>)</a:t>
+              <a:t>Use 2fa for manager login to secure admin privileges (two factor 	authentication)</a:t>
             </a:r>
           </a:p>
           <a:p>
@@ -6401,7 +6298,7 @@
           <p:cNvPr id="2" name="Slide Number Placeholder 1">
             <a:extLst>
               <a:ext uri="{FF2B5EF4-FFF2-40B4-BE49-F238E27FC236}">
-                <a16:creationId xmlns:a16="http://schemas.microsoft.com/office/drawing/2014/main" xmlns="" id="{948DD8A0-BD53-4DBF-949B-0D64D12DADA9}"/>
+                <a16:creationId xmlns:a16="http://schemas.microsoft.com/office/drawing/2014/main" id="{948DD8A0-BD53-4DBF-949B-0D64D12DADA9}"/>
               </a:ext>
             </a:extLst>
           </p:cNvPr>
@@ -6429,7 +6326,7 @@
     </p:spTree>
     <p:extLst>
       <p:ext uri="{BB962C8B-B14F-4D97-AF65-F5344CB8AC3E}">
-        <p14:creationId xmlns:p14="http://schemas.microsoft.com/office/powerpoint/2010/main" xmlns="" val="3164405530"/>
+        <p14:creationId xmlns:p14="http://schemas.microsoft.com/office/powerpoint/2010/main" val="3164405530"/>
       </p:ext>
     </p:extLst>
   </p:cSld>
@@ -6461,7 +6358,7 @@
           <p:cNvPr id="3" name="Title 2">
             <a:extLst>
               <a:ext uri="{FF2B5EF4-FFF2-40B4-BE49-F238E27FC236}">
-                <a16:creationId xmlns:a16="http://schemas.microsoft.com/office/drawing/2014/main" xmlns="" id="{1D24B42B-925B-494C-A986-BD85E8117E1E}"/>
+                <a16:creationId xmlns:a16="http://schemas.microsoft.com/office/drawing/2014/main" id="{1D24B42B-925B-494C-A986-BD85E8117E1E}"/>
               </a:ext>
             </a:extLst>
           </p:cNvPr>
@@ -6496,7 +6393,7 @@
           <p:cNvPr id="13" name="Picture Placeholder 12" descr="close up of computer on top of table against a brick wall">
             <a:extLst>
               <a:ext uri="{FF2B5EF4-FFF2-40B4-BE49-F238E27FC236}">
-                <a16:creationId xmlns:a16="http://schemas.microsoft.com/office/drawing/2014/main" xmlns="" id="{90BB9493-60B4-4B89-89CE-E1F8BF6C4D12}"/>
+                <a16:creationId xmlns:a16="http://schemas.microsoft.com/office/drawing/2014/main" id="{90BB9493-60B4-4B89-89CE-E1F8BF6C4D12}"/>
               </a:ext>
             </a:extLst>
           </p:cNvPr>
@@ -6511,7 +6408,7 @@
           <a:blip r:embed="rId2" cstate="email">
             <a:extLst>
               <a:ext uri="{BEBA8EAE-BF5A-486C-A8C5-ECC9F3942E4B}">
-                <a14:imgProps xmlns:a14="http://schemas.microsoft.com/office/drawing/2010/main" xmlns="">
+                <a14:imgProps xmlns:a14="http://schemas.microsoft.com/office/drawing/2010/main">
                   <a14:imgLayer r:embed="rId3">
                     <a14:imgEffect>
                       <a14:saturation sat="0"/>
@@ -6520,7 +6417,7 @@
                 </a14:imgProps>
               </a:ext>
               <a:ext uri="{28A0092B-C50C-407E-A947-70E740481C1C}">
-                <a14:useLocalDpi xmlns:a14="http://schemas.microsoft.com/office/drawing/2010/main" xmlns=""/>
+                <a14:useLocalDpi xmlns:a14="http://schemas.microsoft.com/office/drawing/2010/main"/>
               </a:ext>
             </a:extLst>
           </a:blip>
@@ -6534,7 +6431,7 @@
           <p:cNvPr id="5" name="Text Placeholder 4">
             <a:extLst>
               <a:ext uri="{FF2B5EF4-FFF2-40B4-BE49-F238E27FC236}">
-                <a16:creationId xmlns:a16="http://schemas.microsoft.com/office/drawing/2014/main" xmlns="" id="{AF9B872F-6332-408E-9135-B871F0C90C00}"/>
+                <a16:creationId xmlns:a16="http://schemas.microsoft.com/office/drawing/2014/main" id="{AF9B872F-6332-408E-9135-B871F0C90C00}"/>
               </a:ext>
             </a:extLst>
           </p:cNvPr>
@@ -6684,7 +6581,7 @@
           <p:cNvPr id="2" name="Slide Number Placeholder 1">
             <a:extLst>
               <a:ext uri="{FF2B5EF4-FFF2-40B4-BE49-F238E27FC236}">
-                <a16:creationId xmlns:a16="http://schemas.microsoft.com/office/drawing/2014/main" xmlns="" id="{948DD8A0-BD53-4DBF-949B-0D64D12DADA9}"/>
+                <a16:creationId xmlns:a16="http://schemas.microsoft.com/office/drawing/2014/main" id="{948DD8A0-BD53-4DBF-949B-0D64D12DADA9}"/>
               </a:ext>
             </a:extLst>
           </p:cNvPr>
@@ -6712,7 +6609,7 @@
     </p:spTree>
     <p:extLst>
       <p:ext uri="{BB962C8B-B14F-4D97-AF65-F5344CB8AC3E}">
-        <p14:creationId xmlns:p14="http://schemas.microsoft.com/office/powerpoint/2010/main" xmlns="" val="3800372191"/>
+        <p14:creationId xmlns:p14="http://schemas.microsoft.com/office/powerpoint/2010/main" val="3800372191"/>
       </p:ext>
     </p:extLst>
   </p:cSld>
@@ -6744,7 +6641,7 @@
           <p:cNvPr id="3" name="Title 2">
             <a:extLst>
               <a:ext uri="{FF2B5EF4-FFF2-40B4-BE49-F238E27FC236}">
-                <a16:creationId xmlns:a16="http://schemas.microsoft.com/office/drawing/2014/main" xmlns="" id="{1D24B42B-925B-494C-A986-BD85E8117E1E}"/>
+                <a16:creationId xmlns:a16="http://schemas.microsoft.com/office/drawing/2014/main" id="{1D24B42B-925B-494C-A986-BD85E8117E1E}"/>
               </a:ext>
             </a:extLst>
           </p:cNvPr>
@@ -6779,7 +6676,7 @@
           <p:cNvPr id="13" name="Picture Placeholder 12" descr="close up of computer on top of table against a brick wall">
             <a:extLst>
               <a:ext uri="{FF2B5EF4-FFF2-40B4-BE49-F238E27FC236}">
-                <a16:creationId xmlns:a16="http://schemas.microsoft.com/office/drawing/2014/main" xmlns="" id="{90BB9493-60B4-4B89-89CE-E1F8BF6C4D12}"/>
+                <a16:creationId xmlns:a16="http://schemas.microsoft.com/office/drawing/2014/main" id="{90BB9493-60B4-4B89-89CE-E1F8BF6C4D12}"/>
               </a:ext>
             </a:extLst>
           </p:cNvPr>
@@ -6794,7 +6691,7 @@
           <a:blip r:embed="rId2" cstate="email">
             <a:extLst>
               <a:ext uri="{BEBA8EAE-BF5A-486C-A8C5-ECC9F3942E4B}">
-                <a14:imgProps xmlns:a14="http://schemas.microsoft.com/office/drawing/2010/main" xmlns="">
+                <a14:imgProps xmlns:a14="http://schemas.microsoft.com/office/drawing/2010/main">
                   <a14:imgLayer r:embed="rId3">
                     <a14:imgEffect>
                       <a14:saturation sat="0"/>
@@ -6803,7 +6700,7 @@
                 </a14:imgProps>
               </a:ext>
               <a:ext uri="{28A0092B-C50C-407E-A947-70E740481C1C}">
-                <a14:useLocalDpi xmlns:a14="http://schemas.microsoft.com/office/drawing/2010/main" xmlns=""/>
+                <a14:useLocalDpi xmlns:a14="http://schemas.microsoft.com/office/drawing/2010/main"/>
               </a:ext>
             </a:extLst>
           </a:blip>
@@ -6817,7 +6714,7 @@
           <p:cNvPr id="5" name="Text Placeholder 4">
             <a:extLst>
               <a:ext uri="{FF2B5EF4-FFF2-40B4-BE49-F238E27FC236}">
-                <a16:creationId xmlns:a16="http://schemas.microsoft.com/office/drawing/2014/main" xmlns="" id="{AF9B872F-6332-408E-9135-B871F0C90C00}"/>
+                <a16:creationId xmlns:a16="http://schemas.microsoft.com/office/drawing/2014/main" id="{AF9B872F-6332-408E-9135-B871F0C90C00}"/>
               </a:ext>
             </a:extLst>
           </p:cNvPr>
@@ -6892,7 +6789,7 @@
           <p:cNvPr id="2" name="Slide Number Placeholder 1">
             <a:extLst>
               <a:ext uri="{FF2B5EF4-FFF2-40B4-BE49-F238E27FC236}">
-                <a16:creationId xmlns:a16="http://schemas.microsoft.com/office/drawing/2014/main" xmlns="" id="{948DD8A0-BD53-4DBF-949B-0D64D12DADA9}"/>
+                <a16:creationId xmlns:a16="http://schemas.microsoft.com/office/drawing/2014/main" id="{948DD8A0-BD53-4DBF-949B-0D64D12DADA9}"/>
               </a:ext>
             </a:extLst>
           </p:cNvPr>
@@ -6920,7 +6817,7 @@
     </p:spTree>
     <p:extLst>
       <p:ext uri="{BB962C8B-B14F-4D97-AF65-F5344CB8AC3E}">
-        <p14:creationId xmlns:p14="http://schemas.microsoft.com/office/powerpoint/2010/main" xmlns="" val="2280711133"/>
+        <p14:creationId xmlns:p14="http://schemas.microsoft.com/office/powerpoint/2010/main" val="2280711133"/>
       </p:ext>
     </p:extLst>
   </p:cSld>
@@ -6952,7 +6849,7 @@
           <p:cNvPr id="2" name="Title 1">
             <a:extLst>
               <a:ext uri="{FF2B5EF4-FFF2-40B4-BE49-F238E27FC236}">
-                <a16:creationId xmlns:a16="http://schemas.microsoft.com/office/drawing/2014/main" xmlns="" id="{12CC3376-5069-4C7B-BE6B-A3776D1B47BA}"/>
+                <a16:creationId xmlns:a16="http://schemas.microsoft.com/office/drawing/2014/main" id="{12CC3376-5069-4C7B-BE6B-A3776D1B47BA}"/>
               </a:ext>
             </a:extLst>
           </p:cNvPr>
@@ -6989,7 +6886,7 @@
           <p:cNvPr id="6" name="Picture Placeholder 5" descr="person staring at blueprints on a brick wall">
             <a:extLst>
               <a:ext uri="{FF2B5EF4-FFF2-40B4-BE49-F238E27FC236}">
-                <a16:creationId xmlns:a16="http://schemas.microsoft.com/office/drawing/2014/main" xmlns="" id="{C07C315A-7CD1-432C-92FA-6B62159B56CA}"/>
+                <a16:creationId xmlns:a16="http://schemas.microsoft.com/office/drawing/2014/main" id="{C07C315A-7CD1-432C-92FA-6B62159B56CA}"/>
               </a:ext>
             </a:extLst>
           </p:cNvPr>
@@ -7004,7 +6901,7 @@
           <a:blip r:embed="rId3">
             <a:extLst>
               <a:ext uri="{BEBA8EAE-BF5A-486C-A8C5-ECC9F3942E4B}">
-                <a14:imgProps xmlns:a14="http://schemas.microsoft.com/office/drawing/2010/main" xmlns="">
+                <a14:imgProps xmlns:a14="http://schemas.microsoft.com/office/drawing/2010/main">
                   <a14:imgLayer r:embed="rId4">
                     <a14:imgEffect>
                       <a14:saturation sat="0"/>
@@ -7029,7 +6926,7 @@
           <p:cNvPr id="14" name="Content Placeholder 13">
             <a:extLst>
               <a:ext uri="{FF2B5EF4-FFF2-40B4-BE49-F238E27FC236}">
-                <a16:creationId xmlns:a16="http://schemas.microsoft.com/office/drawing/2014/main" xmlns="" id="{79248A72-A597-48DF-A270-3389F5D209C0}"/>
+                <a16:creationId xmlns:a16="http://schemas.microsoft.com/office/drawing/2014/main" id="{79248A72-A597-48DF-A270-3389F5D209C0}"/>
               </a:ext>
             </a:extLst>
           </p:cNvPr>
@@ -7048,7 +6945,7 @@
         </p:spPr>
         <p:txBody>
           <a:bodyPr>
-            <a:normAutofit fontScale="92500" lnSpcReduction="10000"/>
+            <a:normAutofit fontScale="77500" lnSpcReduction="20000"/>
           </a:bodyPr>
           <a:lstStyle/>
           <a:p>
@@ -7120,7 +7017,223 @@
                 <a:ea typeface="+mn-ea"/>
                 <a:cs typeface="Biome Light" panose="020B0303030204020804" pitchFamily="34" charset="0"/>
               </a:rPr>
-              <a:t>Profits are up in the last quarter by 3%</a:t>
+              <a:t>Data Security:</a:t>
+            </a:r>
+          </a:p>
+          <a:p>
+            <a:pPr marL="0" marR="0" lvl="0" indent="0" algn="l" defTabSz="914400" rtl="0" eaLnBrk="1" fontAlgn="auto" latinLnBrk="0" hangingPunct="1">
+              <a:lnSpc>
+                <a:spcPct val="100000"/>
+              </a:lnSpc>
+              <a:spcBef>
+                <a:spcPts val="1000"/>
+              </a:spcBef>
+              <a:spcAft>
+                <a:spcPts val="0"/>
+              </a:spcAft>
+              <a:buClrTx/>
+              <a:buSzTx/>
+              <a:buFont typeface="Arial" panose="020B0604020202020204" pitchFamily="34" charset="0"/>
+              <a:buNone/>
+              <a:tabLst/>
+              <a:defRPr/>
+            </a:pPr>
+            <a:r>
+              <a:rPr kumimoji="0" lang="en-US" sz="1600" b="0" i="0" u="none" strike="noStrike" kern="1200" cap="none" normalizeH="0" noProof="0" dirty="0">
+                <a:ln>
+                  <a:noFill/>
+                </a:ln>
+                <a:solidFill>
+                  <a:schemeClr val="tx1"/>
+                </a:solidFill>
+                <a:effectLst/>
+                <a:uLnTx/>
+                <a:uFillTx/>
+                <a:latin typeface="+mn-lt"/>
+                <a:ea typeface="+mn-ea"/>
+                <a:cs typeface="Biome Light" panose="020B0303030204020804" pitchFamily="34" charset="0"/>
+              </a:rPr>
+              <a:t>  Ensure that the cloud service encrypts all stored data(Data in rest).</a:t>
+            </a:r>
+          </a:p>
+          <a:p>
+            <a:pPr marL="0" marR="0" lvl="0" indent="0" algn="l" defTabSz="914400" rtl="0" eaLnBrk="1" fontAlgn="auto" latinLnBrk="0" hangingPunct="1">
+              <a:lnSpc>
+                <a:spcPct val="100000"/>
+              </a:lnSpc>
+              <a:spcBef>
+                <a:spcPts val="1000"/>
+              </a:spcBef>
+              <a:spcAft>
+                <a:spcPts val="0"/>
+              </a:spcAft>
+              <a:buClrTx/>
+              <a:buSzTx/>
+              <a:buFont typeface="Arial" panose="020B0604020202020204" pitchFamily="34" charset="0"/>
+              <a:buNone/>
+              <a:tabLst/>
+              <a:defRPr/>
+            </a:pPr>
+            <a:r>
+              <a:rPr kumimoji="0" lang="en-US" sz="1600" b="0" i="0" u="none" strike="noStrike" kern="1200" cap="none" normalizeH="0" noProof="0" dirty="0">
+                <a:ln>
+                  <a:noFill/>
+                </a:ln>
+                <a:solidFill>
+                  <a:schemeClr val="tx1"/>
+                </a:solidFill>
+                <a:effectLst/>
+                <a:uLnTx/>
+                <a:uFillTx/>
+                <a:latin typeface="+mn-lt"/>
+                <a:ea typeface="+mn-ea"/>
+                <a:cs typeface="Biome Light" panose="020B0303030204020804" pitchFamily="34" charset="0"/>
+              </a:rPr>
+              <a:t>  Control access to viewable data using least privileged access determined by user roles (Data in use). </a:t>
+            </a:r>
+          </a:p>
+          <a:p>
+            <a:pPr marL="0" marR="0" lvl="0" indent="0" algn="l" defTabSz="914400" rtl="0" eaLnBrk="1" fontAlgn="auto" latinLnBrk="0" hangingPunct="1">
+              <a:lnSpc>
+                <a:spcPct val="100000"/>
+              </a:lnSpc>
+              <a:spcBef>
+                <a:spcPts val="1000"/>
+              </a:spcBef>
+              <a:spcAft>
+                <a:spcPts val="0"/>
+              </a:spcAft>
+              <a:buClrTx/>
+              <a:buSzTx/>
+              <a:buFont typeface="Arial" panose="020B0604020202020204" pitchFamily="34" charset="0"/>
+              <a:buNone/>
+              <a:tabLst/>
+              <a:defRPr/>
+            </a:pPr>
+            <a:r>
+              <a:rPr kumimoji="0" lang="en-US" sz="1600" b="0" i="0" u="none" strike="noStrike" kern="1200" cap="none" normalizeH="0" noProof="0" dirty="0">
+                <a:ln>
+                  <a:noFill/>
+                </a:ln>
+                <a:solidFill>
+                  <a:schemeClr val="tx1"/>
+                </a:solidFill>
+                <a:effectLst/>
+                <a:uLnTx/>
+                <a:uFillTx/>
+                <a:latin typeface="+mn-lt"/>
+                <a:ea typeface="+mn-ea"/>
+                <a:cs typeface="Biome Light" panose="020B0303030204020804" pitchFamily="34" charset="0"/>
+              </a:rPr>
+              <a:t>  Usage of a cloud VPN to protect trafficked data (Data in transit)</a:t>
+            </a:r>
+          </a:p>
+          <a:p>
+            <a:pPr marL="0" marR="0" lvl="0" indent="0" algn="l" defTabSz="914400" rtl="0" eaLnBrk="1" fontAlgn="auto" latinLnBrk="0" hangingPunct="1">
+              <a:lnSpc>
+                <a:spcPct val="100000"/>
+              </a:lnSpc>
+              <a:spcBef>
+                <a:spcPts val="1000"/>
+              </a:spcBef>
+              <a:spcAft>
+                <a:spcPts val="0"/>
+              </a:spcAft>
+              <a:buClrTx/>
+              <a:buSzTx/>
+              <a:buFont typeface="Arial" panose="020B0604020202020204" pitchFamily="34" charset="0"/>
+              <a:buNone/>
+              <a:tabLst/>
+              <a:defRPr/>
+            </a:pPr>
+            <a:r>
+              <a:rPr kumimoji="0" lang="en-US" sz="1600" b="0" i="0" u="none" strike="noStrike" kern="1200" cap="none" normalizeH="0" noProof="0" dirty="0">
+                <a:ln>
+                  <a:noFill/>
+                </a:ln>
+                <a:solidFill>
+                  <a:schemeClr val="tx1"/>
+                </a:solidFill>
+                <a:effectLst/>
+                <a:uLnTx/>
+                <a:uFillTx/>
+                <a:latin typeface="+mn-lt"/>
+                <a:ea typeface="+mn-ea"/>
+                <a:cs typeface="Biome Light" panose="020B0303030204020804" pitchFamily="34" charset="0"/>
+              </a:rPr>
+              <a:t>Network Security:</a:t>
+            </a:r>
+          </a:p>
+          <a:p>
+            <a:pPr marL="0" marR="0" lvl="0" indent="0" algn="l" defTabSz="914400" rtl="0" eaLnBrk="1" fontAlgn="auto" latinLnBrk="0" hangingPunct="1">
+              <a:lnSpc>
+                <a:spcPct val="100000"/>
+              </a:lnSpc>
+              <a:spcBef>
+                <a:spcPts val="1000"/>
+              </a:spcBef>
+              <a:spcAft>
+                <a:spcPts val="0"/>
+              </a:spcAft>
+              <a:buClrTx/>
+              <a:buSzTx/>
+              <a:buFont typeface="Arial" panose="020B0604020202020204" pitchFamily="34" charset="0"/>
+              <a:buNone/>
+              <a:tabLst/>
+              <a:defRPr/>
+            </a:pPr>
+            <a:r>
+              <a:rPr kumimoji="0" lang="en-US" sz="1600" b="0" i="0" u="none" strike="noStrike" kern="1200" cap="none" normalizeH="0" noProof="0" dirty="0">
+                <a:ln>
+                  <a:noFill/>
+                </a:ln>
+                <a:solidFill>
+                  <a:schemeClr val="tx1"/>
+                </a:solidFill>
+                <a:effectLst/>
+                <a:uLnTx/>
+                <a:uFillTx/>
+                <a:latin typeface="+mn-lt"/>
+                <a:ea typeface="+mn-ea"/>
+                <a:cs typeface="Biome Light" panose="020B0303030204020804" pitchFamily="34" charset="0"/>
+              </a:rPr>
+              <a:t>   Firewall rules to allow employee only access the application  </a:t>
+            </a:r>
+          </a:p>
+          <a:p>
+            <a:pPr marL="0" marR="0" lvl="0" indent="0" algn="l" defTabSz="914400" rtl="0" eaLnBrk="1" fontAlgn="auto" latinLnBrk="0" hangingPunct="1">
+              <a:lnSpc>
+                <a:spcPct val="100000"/>
+              </a:lnSpc>
+              <a:spcBef>
+                <a:spcPts val="1000"/>
+              </a:spcBef>
+              <a:spcAft>
+                <a:spcPts val="0"/>
+              </a:spcAft>
+              <a:buClrTx/>
+              <a:buSzTx/>
+              <a:buFont typeface="Arial" panose="020B0604020202020204" pitchFamily="34" charset="0"/>
+              <a:buNone/>
+              <a:tabLst/>
+              <a:defRPr/>
+            </a:pPr>
+            <a:r>
+              <a:rPr kumimoji="0" lang="en-US" sz="1600" b="0" i="0" u="none" strike="noStrike" kern="1200" cap="none" normalizeH="0" noProof="0" dirty="0">
+                <a:ln>
+                  <a:noFill/>
+                </a:ln>
+                <a:solidFill>
+                  <a:schemeClr val="tx1"/>
+                </a:solidFill>
+                <a:effectLst/>
+                <a:uLnTx/>
+                <a:uFillTx/>
+                <a:latin typeface="+mn-lt"/>
+                <a:ea typeface="+mn-ea"/>
+                <a:cs typeface="Biome Light" panose="020B0303030204020804" pitchFamily="34" charset="0"/>
+              </a:rPr>
+              <a:t>   Ensure access to website is limited to only tcp port 443 </a:t>
             </a:r>
           </a:p>
           <a:p>
@@ -7174,9 +7287,924 @@
               <a:tabLst/>
               <a:defRPr/>
             </a:pPr>
+            <a:r>
+              <a:rPr kumimoji="0" lang="en-US" sz="2000" b="0" i="0" u="sng" strike="noStrike" kern="1200" cap="none" normalizeH="0" noProof="0" dirty="0">
+                <a:ln>
+                  <a:noFill/>
+                </a:ln>
+                <a:solidFill>
+                  <a:schemeClr val="tx1"/>
+                </a:solidFill>
+                <a:effectLst/>
+                <a:uLnTx/>
+                <a:uFillTx/>
+                <a:latin typeface="+mn-lt"/>
+                <a:ea typeface="+mn-ea"/>
+                <a:cs typeface="Biome Light" panose="020B0303030204020804" pitchFamily="34" charset="0"/>
+              </a:rPr>
+              <a:t>Hardware</a:t>
+            </a:r>
+          </a:p>
+          <a:p>
+            <a:pPr marL="0" marR="0" lvl="0" indent="0" algn="l" defTabSz="914400" rtl="0" eaLnBrk="1" fontAlgn="auto" latinLnBrk="0" hangingPunct="1">
+              <a:lnSpc>
+                <a:spcPct val="100000"/>
+              </a:lnSpc>
+              <a:spcBef>
+                <a:spcPts val="1000"/>
+              </a:spcBef>
+              <a:spcAft>
+                <a:spcPts val="0"/>
+              </a:spcAft>
+              <a:buClrTx/>
+              <a:buSzTx/>
+              <a:buFont typeface="Arial" panose="020B0604020202020204" pitchFamily="34" charset="0"/>
+              <a:buNone/>
+              <a:tabLst/>
+              <a:defRPr/>
+            </a:pPr>
+            <a:r>
+              <a:rPr kumimoji="0" lang="en-US" sz="1600" b="0" i="0" strike="noStrike" kern="1200" cap="none" normalizeH="0" noProof="0" dirty="0">
+                <a:ln>
+                  <a:noFill/>
+                </a:ln>
+                <a:solidFill>
+                  <a:schemeClr val="tx1"/>
+                </a:solidFill>
+                <a:effectLst/>
+                <a:uLnTx/>
+                <a:uFillTx/>
+                <a:latin typeface="+mn-lt"/>
+                <a:ea typeface="+mn-ea"/>
+                <a:cs typeface="Biome Light" panose="020B0303030204020804" pitchFamily="34" charset="0"/>
+              </a:rPr>
+              <a:t>Network: </a:t>
+            </a:r>
+          </a:p>
+          <a:p>
+            <a:pPr marL="0" marR="0" lvl="0" indent="0" algn="l" defTabSz="914400" rtl="0" eaLnBrk="1" fontAlgn="auto" latinLnBrk="0" hangingPunct="1">
+              <a:lnSpc>
+                <a:spcPct val="100000"/>
+              </a:lnSpc>
+              <a:spcBef>
+                <a:spcPts val="1000"/>
+              </a:spcBef>
+              <a:spcAft>
+                <a:spcPts val="0"/>
+              </a:spcAft>
+              <a:buClrTx/>
+              <a:buSzTx/>
+              <a:buFont typeface="Arial" panose="020B0604020202020204" pitchFamily="34" charset="0"/>
+              <a:buNone/>
+              <a:tabLst/>
+              <a:defRPr/>
+            </a:pPr>
+            <a:r>
+              <a:rPr kumimoji="0" lang="en-US" sz="1600" b="0" i="0" u="none" strike="noStrike" kern="1200" cap="none" normalizeH="0" noProof="0" dirty="0">
+                <a:ln>
+                  <a:noFill/>
+                </a:ln>
+                <a:solidFill>
+                  <a:schemeClr val="tx1"/>
+                </a:solidFill>
+                <a:effectLst/>
+                <a:uLnTx/>
+                <a:uFillTx/>
+                <a:latin typeface="+mn-lt"/>
+                <a:ea typeface="+mn-ea"/>
+                <a:cs typeface="Biome Light" panose="020B0303030204020804" pitchFamily="34" charset="0"/>
+              </a:rPr>
+              <a:t>    Switch, Cabling, CAT6, Universal Power Supply (UPS)</a:t>
+            </a:r>
+          </a:p>
+          <a:p>
+            <a:pPr marL="0" marR="0" lvl="0" indent="0" algn="l" defTabSz="914400" rtl="0" eaLnBrk="1" fontAlgn="auto" latinLnBrk="0" hangingPunct="1">
+              <a:lnSpc>
+                <a:spcPct val="100000"/>
+              </a:lnSpc>
+              <a:spcBef>
+                <a:spcPts val="1000"/>
+              </a:spcBef>
+              <a:spcAft>
+                <a:spcPts val="0"/>
+              </a:spcAft>
+              <a:buClrTx/>
+              <a:buSzTx/>
+              <a:buFont typeface="Arial" panose="020B0604020202020204" pitchFamily="34" charset="0"/>
+              <a:buNone/>
+              <a:tabLst/>
+              <a:defRPr/>
+            </a:pPr>
+            <a:r>
+              <a:rPr lang="en-US" dirty="0">
+                <a:cs typeface="Biome Light" panose="020B0303030204020804" pitchFamily="34" charset="0"/>
+              </a:rPr>
+              <a:t>Tablet: </a:t>
+            </a:r>
+          </a:p>
+          <a:p>
+            <a:pPr marL="0" marR="0" lvl="0" indent="0" algn="l" defTabSz="914400" rtl="0" eaLnBrk="1" fontAlgn="auto" latinLnBrk="0" hangingPunct="1">
+              <a:lnSpc>
+                <a:spcPct val="100000"/>
+              </a:lnSpc>
+              <a:spcBef>
+                <a:spcPts val="1000"/>
+              </a:spcBef>
+              <a:spcAft>
+                <a:spcPts val="0"/>
+              </a:spcAft>
+              <a:buClrTx/>
+              <a:buSzTx/>
+              <a:buFont typeface="Arial" panose="020B0604020202020204" pitchFamily="34" charset="0"/>
+              <a:buNone/>
+              <a:tabLst/>
+              <a:defRPr/>
+            </a:pPr>
+            <a:r>
+              <a:rPr lang="en-US" dirty="0">
+                <a:cs typeface="Biome Light" panose="020B0303030204020804" pitchFamily="34" charset="0"/>
+              </a:rPr>
+              <a:t>    IOS, Android, or any OS that has web browser capability</a:t>
+            </a:r>
+          </a:p>
+          <a:p>
+            <a:pPr marL="0" marR="0" lvl="0" indent="0" algn="l" defTabSz="914400" rtl="0" eaLnBrk="1" fontAlgn="auto" latinLnBrk="0" hangingPunct="1">
+              <a:lnSpc>
+                <a:spcPct val="100000"/>
+              </a:lnSpc>
+              <a:spcBef>
+                <a:spcPts val="1000"/>
+              </a:spcBef>
+              <a:spcAft>
+                <a:spcPts val="0"/>
+              </a:spcAft>
+              <a:buClrTx/>
+              <a:buSzTx/>
+              <a:buFont typeface="Arial" panose="020B0604020202020204" pitchFamily="34" charset="0"/>
+              <a:buNone/>
+              <a:tabLst/>
+              <a:defRPr/>
+            </a:pPr>
+            <a:r>
+              <a:rPr lang="en-US" dirty="0">
+                <a:cs typeface="Biome Light" panose="020B0303030204020804" pitchFamily="34" charset="0"/>
+              </a:rPr>
+              <a:t>Printer: </a:t>
+            </a:r>
+          </a:p>
+          <a:p>
+            <a:pPr marL="0" marR="0" lvl="0" indent="0" algn="l" defTabSz="914400" rtl="0" eaLnBrk="1" fontAlgn="auto" latinLnBrk="0" hangingPunct="1">
+              <a:lnSpc>
+                <a:spcPct val="100000"/>
+              </a:lnSpc>
+              <a:spcBef>
+                <a:spcPts val="1000"/>
+              </a:spcBef>
+              <a:spcAft>
+                <a:spcPts val="0"/>
+              </a:spcAft>
+              <a:buClrTx/>
+              <a:buSzTx/>
+              <a:buFont typeface="Arial" panose="020B0604020202020204" pitchFamily="34" charset="0"/>
+              <a:buNone/>
+              <a:tabLst/>
+              <a:defRPr/>
+            </a:pPr>
+            <a:r>
+              <a:rPr lang="en-US" dirty="0">
+                <a:cs typeface="Biome Light" panose="020B0303030204020804" pitchFamily="34" charset="0"/>
+              </a:rPr>
+              <a:t>    Customer bills, server shift report, manager daily monetary report</a:t>
+            </a:r>
+            <a:endParaRPr kumimoji="0" lang="en-US" sz="1600" b="0" i="0" u="none" strike="noStrike" kern="1200" cap="none" normalizeH="0" noProof="0" dirty="0">
+              <a:ln>
+                <a:noFill/>
+              </a:ln>
+              <a:solidFill>
+                <a:schemeClr val="tx1"/>
+              </a:solidFill>
+              <a:effectLst/>
+              <a:uLnTx/>
+              <a:uFillTx/>
+              <a:latin typeface="+mn-lt"/>
+              <a:ea typeface="+mn-ea"/>
+              <a:cs typeface="Biome Light" panose="020B0303030204020804" pitchFamily="34" charset="0"/>
+            </a:endParaRPr>
+          </a:p>
+          <a:p>
+            <a:pPr marL="0" indent="0">
+              <a:buNone/>
+            </a:pPr>
+            <a:endParaRPr lang="en-US" b="1" dirty="0"/>
+          </a:p>
+        </p:txBody>
+      </p:sp>
+      <p:sp>
+        <p:nvSpPr>
+          <p:cNvPr id="16" name="Slide Number Placeholder 15">
+            <a:extLst>
+              <a:ext uri="{FF2B5EF4-FFF2-40B4-BE49-F238E27FC236}">
+                <a16:creationId xmlns:a16="http://schemas.microsoft.com/office/drawing/2014/main" id="{7FA57D11-A25F-4772-8E50-DDB68BE8CB69}"/>
+              </a:ext>
+            </a:extLst>
+          </p:cNvPr>
+          <p:cNvSpPr>
+            <a:spLocks noGrp="1"/>
+          </p:cNvSpPr>
+          <p:nvPr>
+            <p:ph type="sldNum" sz="quarter" idx="4"/>
+          </p:nvPr>
+        </p:nvSpPr>
+        <p:spPr/>
+        <p:txBody>
+          <a:bodyPr/>
+          <a:lstStyle/>
+          <a:p>
+            <a:fld id="{8C2E478F-E849-4A8C-AF1F-CBCC78A7CBFA}" type="slidenum">
+              <a:rPr lang="en-US" smtClean="0"/>
+              <a:pPr/>
+              <a:t>14</a:t>
+            </a:fld>
+            <a:endParaRPr lang="en-US" dirty="0"/>
+          </a:p>
+        </p:txBody>
+      </p:sp>
+    </p:spTree>
+    <p:extLst>
+      <p:ext uri="{BB962C8B-B14F-4D97-AF65-F5344CB8AC3E}">
+        <p14:creationId xmlns:p14="http://schemas.microsoft.com/office/powerpoint/2010/main" val="3516891798"/>
+      </p:ext>
+    </p:extLst>
+  </p:cSld>
+  <p:clrMapOvr>
+    <a:masterClrMapping/>
+  </p:clrMapOvr>
+</p:sld>
+</file>
+
+<file path=ppt/slides/slide15.xml><?xml version="1.0" encoding="utf-8"?>
+<p:sld xmlns:a="http://schemas.openxmlformats.org/drawingml/2006/main" xmlns:r="http://schemas.openxmlformats.org/officeDocument/2006/relationships" xmlns:p="http://schemas.openxmlformats.org/presentationml/2006/main">
+  <p:cSld>
+    <p:spTree>
+      <p:nvGrpSpPr>
+        <p:cNvPr id="1" name=""/>
+        <p:cNvGrpSpPr/>
+        <p:nvPr/>
+      </p:nvGrpSpPr>
+      <p:grpSpPr>
+        <a:xfrm>
+          <a:off x="0" y="0"/>
+          <a:ext cx="0" cy="0"/>
+          <a:chOff x="0" y="0"/>
+          <a:chExt cx="0" cy="0"/>
+        </a:xfrm>
+      </p:grpSpPr>
+      <p:sp>
+        <p:nvSpPr>
+          <p:cNvPr id="2" name="Title 1">
+            <a:extLst>
+              <a:ext uri="{FF2B5EF4-FFF2-40B4-BE49-F238E27FC236}">
+                <a16:creationId xmlns:a16="http://schemas.microsoft.com/office/drawing/2014/main" id="{12CC3376-5069-4C7B-BE6B-A3776D1B47BA}"/>
+              </a:ext>
+            </a:extLst>
+          </p:cNvPr>
+          <p:cNvSpPr>
+            <a:spLocks noGrp="1"/>
+          </p:cNvSpPr>
+          <p:nvPr>
+            <p:ph type="title"/>
+          </p:nvPr>
+        </p:nvSpPr>
+        <p:spPr>
+          <a:xfrm>
+            <a:off x="6095999" y="35082"/>
+            <a:ext cx="5897218" cy="884238"/>
+          </a:xfrm>
+        </p:spPr>
+        <p:txBody>
+          <a:bodyPr/>
+          <a:lstStyle/>
+          <a:p>
+            <a:r>
+              <a:rPr lang="en-US" dirty="0"/>
+              <a:t>High Level Design</a:t>
+            </a:r>
+          </a:p>
+        </p:txBody>
+      </p:sp>
+      <p:pic>
+        <p:nvPicPr>
+          <p:cNvPr id="6" name="Picture Placeholder 5" descr="person staring at blueprints on a brick wall">
+            <a:extLst>
+              <a:ext uri="{FF2B5EF4-FFF2-40B4-BE49-F238E27FC236}">
+                <a16:creationId xmlns:a16="http://schemas.microsoft.com/office/drawing/2014/main" id="{C07C315A-7CD1-432C-92FA-6B62159B56CA}"/>
+              </a:ext>
+            </a:extLst>
+          </p:cNvPr>
+          <p:cNvPicPr>
+            <a:picLocks noGrp="1" noChangeAspect="1"/>
+          </p:cNvPicPr>
+          <p:nvPr>
+            <p:ph type="pic" sz="quarter" idx="14"/>
+          </p:nvPr>
+        </p:nvPicPr>
+        <p:blipFill rotWithShape="1">
+          <a:blip r:embed="rId3">
+            <a:extLst>
+              <a:ext uri="{BEBA8EAE-BF5A-486C-A8C5-ECC9F3942E4B}">
+                <a14:imgProps xmlns:a14="http://schemas.microsoft.com/office/drawing/2010/main">
+                  <a14:imgLayer r:embed="rId4">
+                    <a14:imgEffect>
+                      <a14:saturation sat="0"/>
+                    </a14:imgEffect>
+                  </a14:imgLayer>
+                </a14:imgProps>
+              </a:ext>
+            </a:extLst>
+          </a:blip>
+          <a:srcRect l="23552" t="1" r="23880" b="327"/>
+          <a:stretch/>
+        </p:blipFill>
+        <p:spPr>
+          <a:xfrm>
+            <a:off x="0" y="0"/>
+            <a:ext cx="5416550" cy="6858000"/>
+          </a:xfrm>
+        </p:spPr>
+      </p:pic>
+      <p:sp>
+        <p:nvSpPr>
+          <p:cNvPr id="14" name="Content Placeholder 13">
+            <a:extLst>
+              <a:ext uri="{FF2B5EF4-FFF2-40B4-BE49-F238E27FC236}">
+                <a16:creationId xmlns:a16="http://schemas.microsoft.com/office/drawing/2014/main" id="{79248A72-A597-48DF-A270-3389F5D209C0}"/>
+              </a:ext>
+            </a:extLst>
+          </p:cNvPr>
+          <p:cNvSpPr>
+            <a:spLocks noGrp="1"/>
+          </p:cNvSpPr>
+          <p:nvPr>
+            <p:ph idx="1"/>
+          </p:nvPr>
+        </p:nvSpPr>
+        <p:spPr>
+          <a:xfrm>
+            <a:off x="6096000" y="919320"/>
+            <a:ext cx="5690532" cy="4949971"/>
+          </a:xfrm>
+        </p:spPr>
+        <p:txBody>
+          <a:bodyPr>
+            <a:normAutofit/>
+          </a:bodyPr>
+          <a:lstStyle/>
+          <a:p>
+            <a:pPr marL="0" marR="0" lvl="0" indent="0" algn="l" defTabSz="914400" rtl="0" eaLnBrk="1" fontAlgn="auto" latinLnBrk="0" hangingPunct="1">
+              <a:lnSpc>
+                <a:spcPct val="100000"/>
+              </a:lnSpc>
+              <a:spcBef>
+                <a:spcPts val="1000"/>
+              </a:spcBef>
+              <a:spcAft>
+                <a:spcPts val="0"/>
+              </a:spcAft>
+              <a:buClrTx/>
+              <a:buSzTx/>
+              <a:buFont typeface="Arial" panose="020B0604020202020204" pitchFamily="34" charset="0"/>
+              <a:buNone/>
+              <a:tabLst/>
+              <a:defRPr/>
+            </a:pPr>
+            <a:r>
+              <a:rPr kumimoji="0" lang="en-US" sz="2000" b="0" i="0" u="sng" strike="noStrike" kern="1200" cap="none" normalizeH="0" noProof="0" dirty="0">
+                <a:ln>
+                  <a:noFill/>
+                </a:ln>
+                <a:solidFill>
+                  <a:schemeClr val="tx1"/>
+                </a:solidFill>
+                <a:effectLst/>
+                <a:uLnTx/>
+                <a:uFillTx/>
+                <a:latin typeface="+mn-lt"/>
+                <a:ea typeface="+mn-ea"/>
+                <a:cs typeface="Biome Light" panose="020B0303030204020804" pitchFamily="34" charset="0"/>
+              </a:rPr>
+              <a:t>User Interface</a:t>
+            </a:r>
+          </a:p>
+          <a:p>
+            <a:pPr marL="0" marR="0" lvl="0" indent="0" algn="l" defTabSz="914400" rtl="0" eaLnBrk="1" fontAlgn="auto" latinLnBrk="0" hangingPunct="1">
+              <a:lnSpc>
+                <a:spcPct val="100000"/>
+              </a:lnSpc>
+              <a:spcBef>
+                <a:spcPts val="1000"/>
+              </a:spcBef>
+              <a:spcAft>
+                <a:spcPts val="0"/>
+              </a:spcAft>
+              <a:buClrTx/>
+              <a:buSzTx/>
+              <a:buFont typeface="Arial" panose="020B0604020202020204" pitchFamily="34" charset="0"/>
+              <a:buNone/>
+              <a:tabLst/>
+              <a:defRPr/>
+            </a:pPr>
+            <a:r>
+              <a:rPr kumimoji="0" lang="en-US" sz="1600" b="0" i="0" u="none" strike="noStrike" kern="1200" cap="none" normalizeH="0" noProof="0" dirty="0">
+                <a:ln>
+                  <a:noFill/>
+                </a:ln>
+                <a:solidFill>
+                  <a:schemeClr val="tx1"/>
+                </a:solidFill>
+                <a:effectLst/>
+                <a:uLnTx/>
+                <a:uFillTx/>
+                <a:latin typeface="+mn-lt"/>
+                <a:ea typeface="+mn-ea"/>
+                <a:cs typeface="Biome Light" panose="020B0303030204020804" pitchFamily="34" charset="0"/>
+              </a:rPr>
+              <a:t>Profits are up in the last quarter by 3%</a:t>
+            </a:r>
+          </a:p>
+          <a:p>
+            <a:pPr marL="0" indent="0">
+              <a:buNone/>
+            </a:pPr>
+            <a:endParaRPr lang="en-US" b="1" dirty="0"/>
+          </a:p>
+        </p:txBody>
+      </p:sp>
+      <p:sp>
+        <p:nvSpPr>
+          <p:cNvPr id="16" name="Slide Number Placeholder 15">
+            <a:extLst>
+              <a:ext uri="{FF2B5EF4-FFF2-40B4-BE49-F238E27FC236}">
+                <a16:creationId xmlns:a16="http://schemas.microsoft.com/office/drawing/2014/main" id="{7FA57D11-A25F-4772-8E50-DDB68BE8CB69}"/>
+              </a:ext>
+            </a:extLst>
+          </p:cNvPr>
+          <p:cNvSpPr>
+            <a:spLocks noGrp="1"/>
+          </p:cNvSpPr>
+          <p:nvPr>
+            <p:ph type="sldNum" sz="quarter" idx="4"/>
+          </p:nvPr>
+        </p:nvSpPr>
+        <p:spPr/>
+        <p:txBody>
+          <a:bodyPr/>
+          <a:lstStyle/>
+          <a:p>
+            <a:fld id="{8C2E478F-E849-4A8C-AF1F-CBCC78A7CBFA}" type="slidenum">
+              <a:rPr lang="en-US" smtClean="0"/>
+              <a:pPr/>
+              <a:t>15</a:t>
+            </a:fld>
+            <a:endParaRPr lang="en-US" dirty="0"/>
+          </a:p>
+        </p:txBody>
+      </p:sp>
+    </p:spTree>
+    <p:extLst>
+      <p:ext uri="{BB962C8B-B14F-4D97-AF65-F5344CB8AC3E}">
+        <p14:creationId xmlns:p14="http://schemas.microsoft.com/office/powerpoint/2010/main" val="1690341182"/>
+      </p:ext>
+    </p:extLst>
+  </p:cSld>
+  <p:clrMapOvr>
+    <a:masterClrMapping/>
+  </p:clrMapOvr>
+</p:sld>
+</file>
+
+<file path=ppt/slides/slide16.xml><?xml version="1.0" encoding="utf-8"?>
+<p:sld xmlns:a="http://schemas.openxmlformats.org/drawingml/2006/main" xmlns:r="http://schemas.openxmlformats.org/officeDocument/2006/relationships" xmlns:p="http://schemas.openxmlformats.org/presentationml/2006/main">
+  <p:cSld>
+    <p:spTree>
+      <p:nvGrpSpPr>
+        <p:cNvPr id="1" name=""/>
+        <p:cNvGrpSpPr/>
+        <p:nvPr/>
+      </p:nvGrpSpPr>
+      <p:grpSpPr>
+        <a:xfrm>
+          <a:off x="0" y="0"/>
+          <a:ext cx="0" cy="0"/>
+          <a:chOff x="0" y="0"/>
+          <a:chExt cx="0" cy="0"/>
+        </a:xfrm>
+      </p:grpSpPr>
+      <p:sp>
+        <p:nvSpPr>
+          <p:cNvPr id="2" name="Title 1">
+            <a:extLst>
+              <a:ext uri="{FF2B5EF4-FFF2-40B4-BE49-F238E27FC236}">
+                <a16:creationId xmlns:a16="http://schemas.microsoft.com/office/drawing/2014/main" id="{12CC3376-5069-4C7B-BE6B-A3776D1B47BA}"/>
+              </a:ext>
+            </a:extLst>
+          </p:cNvPr>
+          <p:cNvSpPr>
+            <a:spLocks noGrp="1"/>
+          </p:cNvSpPr>
+          <p:nvPr>
+            <p:ph type="title"/>
+          </p:nvPr>
+        </p:nvSpPr>
+        <p:spPr>
+          <a:xfrm>
+            <a:off x="6096000" y="0"/>
+            <a:ext cx="5816368" cy="599012"/>
+          </a:xfrm>
+        </p:spPr>
+        <p:txBody>
+          <a:bodyPr/>
+          <a:lstStyle/>
+          <a:p>
+            <a:r>
+              <a:rPr lang="en-US" u="sng" dirty="0"/>
+              <a:t>High Level Design</a:t>
+            </a:r>
+          </a:p>
+        </p:txBody>
+      </p:sp>
+      <p:pic>
+        <p:nvPicPr>
+          <p:cNvPr id="6" name="Picture Placeholder 5" descr="person staring at blueprints on a brick wall">
+            <a:extLst>
+              <a:ext uri="{FF2B5EF4-FFF2-40B4-BE49-F238E27FC236}">
+                <a16:creationId xmlns:a16="http://schemas.microsoft.com/office/drawing/2014/main" id="{C07C315A-7CD1-432C-92FA-6B62159B56CA}"/>
+              </a:ext>
+            </a:extLst>
+          </p:cNvPr>
+          <p:cNvPicPr>
+            <a:picLocks noGrp="1" noChangeAspect="1"/>
+          </p:cNvPicPr>
+          <p:nvPr>
+            <p:ph type="pic" sz="quarter" idx="14"/>
+          </p:nvPr>
+        </p:nvPicPr>
+        <p:blipFill rotWithShape="1">
+          <a:blip r:embed="rId3">
+            <a:extLst>
+              <a:ext uri="{BEBA8EAE-BF5A-486C-A8C5-ECC9F3942E4B}">
+                <a14:imgProps xmlns:a14="http://schemas.microsoft.com/office/drawing/2010/main">
+                  <a14:imgLayer r:embed="rId4">
+                    <a14:imgEffect>
+                      <a14:saturation sat="0"/>
+                    </a14:imgEffect>
+                  </a14:imgLayer>
+                </a14:imgProps>
+              </a:ext>
+            </a:extLst>
+          </a:blip>
+          <a:srcRect l="23552" t="1" r="23880" b="327"/>
+          <a:stretch/>
+        </p:blipFill>
+        <p:spPr>
+          <a:xfrm>
+            <a:off x="0" y="0"/>
+            <a:ext cx="5416550" cy="6858000"/>
+          </a:xfrm>
+        </p:spPr>
+      </p:pic>
+      <p:sp>
+        <p:nvSpPr>
+          <p:cNvPr id="14" name="Content Placeholder 13">
+            <a:extLst>
+              <a:ext uri="{FF2B5EF4-FFF2-40B4-BE49-F238E27FC236}">
+                <a16:creationId xmlns:a16="http://schemas.microsoft.com/office/drawing/2014/main" id="{79248A72-A597-48DF-A270-3389F5D209C0}"/>
+              </a:ext>
+            </a:extLst>
+          </p:cNvPr>
+          <p:cNvSpPr>
+            <a:spLocks noGrp="1"/>
+          </p:cNvSpPr>
+          <p:nvPr>
+            <p:ph idx="1"/>
+          </p:nvPr>
+        </p:nvSpPr>
+        <p:spPr>
+          <a:xfrm>
+            <a:off x="6096000" y="763398"/>
+            <a:ext cx="5690532" cy="5318620"/>
+          </a:xfrm>
+        </p:spPr>
+        <p:txBody>
+          <a:bodyPr>
+            <a:normAutofit/>
+          </a:bodyPr>
+          <a:lstStyle/>
+          <a:p>
+            <a:pPr marL="0" marR="0" lvl="0" indent="0" defTabSz="914400" rtl="0" eaLnBrk="1" fontAlgn="auto" latinLnBrk="0" hangingPunct="1">
+              <a:lnSpc>
+                <a:spcPct val="100000"/>
+              </a:lnSpc>
+              <a:spcBef>
+                <a:spcPts val="1000"/>
+              </a:spcBef>
+              <a:spcAft>
+                <a:spcPts val="0"/>
+              </a:spcAft>
+              <a:buClrTx/>
+              <a:buSzTx/>
+              <a:buFont typeface="Arial" panose="020B0604020202020204" pitchFamily="34" charset="0"/>
+              <a:buNone/>
+              <a:tabLst/>
+              <a:defRPr/>
+            </a:pPr>
+            <a:r>
+              <a:rPr kumimoji="0" lang="en-US" sz="2000" b="0" i="0" u="sng" strike="noStrike" kern="1200" cap="none" normalizeH="0" noProof="0" dirty="0">
+                <a:ln>
+                  <a:noFill/>
+                </a:ln>
+                <a:solidFill>
+                  <a:schemeClr val="tx1"/>
+                </a:solidFill>
+                <a:effectLst/>
+                <a:uLnTx/>
+                <a:uFillTx/>
+                <a:latin typeface="+mn-lt"/>
+                <a:ea typeface="+mn-ea"/>
+                <a:cs typeface="Biome Light" panose="020B0303030204020804" pitchFamily="34" charset="0"/>
+              </a:rPr>
+              <a:t>Architecture</a:t>
+            </a:r>
+          </a:p>
+          <a:p>
+            <a:pPr marL="0" marR="0" lvl="0" indent="0" defTabSz="914400" rtl="0" eaLnBrk="1" fontAlgn="auto" latinLnBrk="0" hangingPunct="1">
+              <a:lnSpc>
+                <a:spcPct val="100000"/>
+              </a:lnSpc>
+              <a:spcBef>
+                <a:spcPts val="1000"/>
+              </a:spcBef>
+              <a:spcAft>
+                <a:spcPts val="0"/>
+              </a:spcAft>
+              <a:buClrTx/>
+              <a:buSzTx/>
+              <a:buFont typeface="Arial" panose="020B0604020202020204" pitchFamily="34" charset="0"/>
+              <a:buNone/>
+              <a:tabLst/>
+              <a:defRPr/>
+            </a:pPr>
+            <a:r>
+              <a:rPr kumimoji="0" lang="en-US" sz="1600" b="0" i="0" u="none" strike="noStrike" kern="1200" cap="none" normalizeH="0" noProof="0" dirty="0">
+                <a:ln>
+                  <a:noFill/>
+                </a:ln>
+                <a:solidFill>
+                  <a:schemeClr val="tx1"/>
+                </a:solidFill>
+                <a:effectLst/>
+                <a:uLnTx/>
+                <a:uFillTx/>
+                <a:latin typeface="+mn-lt"/>
+                <a:ea typeface="+mn-ea"/>
+                <a:cs typeface="Biome Light" panose="020B0303030204020804" pitchFamily="34" charset="0"/>
+              </a:rPr>
+              <a:t>Event-driven:</a:t>
+            </a:r>
+          </a:p>
+          <a:p>
+            <a:pPr marL="0" marR="0" lvl="0" indent="0" defTabSz="914400" rtl="0" eaLnBrk="1" fontAlgn="auto" latinLnBrk="0" hangingPunct="1">
+              <a:lnSpc>
+                <a:spcPct val="100000"/>
+              </a:lnSpc>
+              <a:spcBef>
+                <a:spcPts val="1000"/>
+              </a:spcBef>
+              <a:spcAft>
+                <a:spcPts val="0"/>
+              </a:spcAft>
+              <a:buClrTx/>
+              <a:buSzTx/>
+              <a:buFont typeface="Arial" panose="020B0604020202020204" pitchFamily="34" charset="0"/>
+              <a:buNone/>
+              <a:tabLst/>
+              <a:defRPr/>
+            </a:pPr>
+            <a:r>
+              <a:rPr kumimoji="0" lang="en-US" sz="1600" b="0" i="0" u="none" strike="noStrike" kern="1200" cap="none" normalizeH="0" noProof="0" dirty="0">
+                <a:ln>
+                  <a:noFill/>
+                </a:ln>
+                <a:solidFill>
+                  <a:schemeClr val="tx1"/>
+                </a:solidFill>
+                <a:effectLst/>
+                <a:uLnTx/>
+                <a:uFillTx/>
+                <a:latin typeface="+mn-lt"/>
+                <a:ea typeface="+mn-ea"/>
+                <a:cs typeface="Biome Light" panose="020B0303030204020804" pitchFamily="34" charset="0"/>
+              </a:rPr>
+              <a:t>    CentRes will utilize time stamps for orders in and </a:t>
+            </a:r>
+            <a:r>
+              <a:rPr lang="en-US" dirty="0">
+                <a:cs typeface="Biome Light" panose="020B0303030204020804" pitchFamily="34" charset="0"/>
+              </a:rPr>
+              <a:t>orders out. </a:t>
+            </a:r>
+          </a:p>
+          <a:p>
+            <a:pPr marL="0" marR="0" lvl="0" indent="0" defTabSz="914400" rtl="0" eaLnBrk="1" fontAlgn="auto" latinLnBrk="0" hangingPunct="1">
+              <a:lnSpc>
+                <a:spcPct val="100000"/>
+              </a:lnSpc>
+              <a:spcBef>
+                <a:spcPts val="1000"/>
+              </a:spcBef>
+              <a:spcAft>
+                <a:spcPts val="0"/>
+              </a:spcAft>
+              <a:buClrTx/>
+              <a:buSzTx/>
+              <a:buFont typeface="Arial" panose="020B0604020202020204" pitchFamily="34" charset="0"/>
+              <a:buNone/>
+              <a:tabLst/>
+              <a:defRPr/>
+            </a:pPr>
             <a:endParaRPr lang="en-US" dirty="0">
               <a:cs typeface="Biome Light" panose="020B0303030204020804" pitchFamily="34" charset="0"/>
             </a:endParaRPr>
+          </a:p>
+          <a:p>
+            <a:pPr marL="0" marR="0" lvl="0" indent="0" defTabSz="914400" rtl="0" eaLnBrk="1" fontAlgn="auto" latinLnBrk="0" hangingPunct="1">
+              <a:lnSpc>
+                <a:spcPct val="100000"/>
+              </a:lnSpc>
+              <a:spcBef>
+                <a:spcPts val="1000"/>
+              </a:spcBef>
+              <a:spcAft>
+                <a:spcPts val="0"/>
+              </a:spcAft>
+              <a:buClrTx/>
+              <a:buSzTx/>
+              <a:buFont typeface="Arial" panose="020B0604020202020204" pitchFamily="34" charset="0"/>
+              <a:buNone/>
+              <a:tabLst/>
+              <a:defRPr/>
+            </a:pPr>
+            <a:r>
+              <a:rPr kumimoji="0" lang="en-US" sz="1600" b="0" i="0" u="none" strike="noStrike" kern="1200" cap="none" normalizeH="0" noProof="0" dirty="0">
+                <a:ln>
+                  <a:noFill/>
+                </a:ln>
+                <a:solidFill>
+                  <a:schemeClr val="tx1"/>
+                </a:solidFill>
+                <a:effectLst/>
+                <a:uLnTx/>
+                <a:uFillTx/>
+                <a:latin typeface="+mn-lt"/>
+                <a:ea typeface="+mn-ea"/>
+                <a:cs typeface="Biome Light" panose="020B0303030204020804" pitchFamily="34" charset="0"/>
+              </a:rPr>
+              <a:t>Data-centric:</a:t>
+            </a:r>
+          </a:p>
+          <a:p>
+            <a:pPr marL="0" marR="0" lvl="0" indent="0" defTabSz="914400" rtl="0" eaLnBrk="1" fontAlgn="auto" latinLnBrk="0" hangingPunct="1">
+              <a:lnSpc>
+                <a:spcPct val="100000"/>
+              </a:lnSpc>
+              <a:spcBef>
+                <a:spcPts val="1000"/>
+              </a:spcBef>
+              <a:spcAft>
+                <a:spcPts val="0"/>
+              </a:spcAft>
+              <a:buClrTx/>
+              <a:buSzTx/>
+              <a:buFont typeface="Arial" panose="020B0604020202020204" pitchFamily="34" charset="0"/>
+              <a:buNone/>
+              <a:tabLst/>
+              <a:defRPr/>
+            </a:pPr>
+            <a:r>
+              <a:rPr lang="en-US" dirty="0">
+                <a:cs typeface="Biome Light" panose="020B0303030204020804" pitchFamily="34" charset="0"/>
+              </a:rPr>
+              <a:t>    Utilizes a database to track menu items, prices and inventory</a:t>
+            </a:r>
+            <a:endParaRPr kumimoji="0" lang="en-US" sz="1600" b="0" i="0" u="none" strike="noStrike" kern="1200" cap="none" normalizeH="0" noProof="0" dirty="0">
+              <a:ln>
+                <a:noFill/>
+              </a:ln>
+              <a:solidFill>
+                <a:schemeClr val="tx1"/>
+              </a:solidFill>
+              <a:effectLst/>
+              <a:uLnTx/>
+              <a:uFillTx/>
+              <a:latin typeface="+mn-lt"/>
+              <a:ea typeface="+mn-ea"/>
+              <a:cs typeface="Biome Light" panose="020B0303030204020804" pitchFamily="34" charset="0"/>
+            </a:endParaRPr>
+          </a:p>
+          <a:p>
+            <a:pPr marL="0" marR="0" lvl="0" indent="0" defTabSz="914400" rtl="0" eaLnBrk="1" fontAlgn="auto" latinLnBrk="0" hangingPunct="1">
+              <a:lnSpc>
+                <a:spcPct val="100000"/>
+              </a:lnSpc>
+              <a:spcBef>
+                <a:spcPts val="1000"/>
+              </a:spcBef>
+              <a:spcAft>
+                <a:spcPts val="0"/>
+              </a:spcAft>
+              <a:buClrTx/>
+              <a:buSzTx/>
+              <a:buFont typeface="Arial" panose="020B0604020202020204" pitchFamily="34" charset="0"/>
+              <a:buNone/>
+              <a:tabLst/>
+              <a:defRPr/>
+            </a:pPr>
+            <a:endParaRPr kumimoji="0" lang="en-US" sz="1600" b="0" i="0" u="none" strike="noStrike" kern="1200" cap="none" normalizeH="0" noProof="0" dirty="0">
+              <a:ln>
+                <a:noFill/>
+              </a:ln>
+              <a:solidFill>
+                <a:schemeClr val="tx1"/>
+              </a:solidFill>
+              <a:effectLst/>
+              <a:uLnTx/>
+              <a:uFillTx/>
+              <a:latin typeface="+mn-lt"/>
+              <a:ea typeface="+mn-ea"/>
+              <a:cs typeface="Biome Light" panose="020B0303030204020804" pitchFamily="34" charset="0"/>
+            </a:endParaRPr>
+          </a:p>
+          <a:p>
+            <a:pPr marL="0" marR="0" lvl="0" indent="0" defTabSz="914400" rtl="0" eaLnBrk="1" fontAlgn="auto" latinLnBrk="0" hangingPunct="1">
+              <a:lnSpc>
+                <a:spcPct val="100000"/>
+              </a:lnSpc>
+              <a:spcBef>
+                <a:spcPts val="1000"/>
+              </a:spcBef>
+              <a:spcAft>
+                <a:spcPts val="0"/>
+              </a:spcAft>
+              <a:buClrTx/>
+              <a:buSzTx/>
+              <a:buFont typeface="Arial" panose="020B0604020202020204" pitchFamily="34" charset="0"/>
+              <a:buNone/>
+              <a:tabLst/>
+              <a:defRPr/>
+            </a:pPr>
+            <a:r>
+              <a:rPr kumimoji="0" lang="en-US" sz="2000" b="0" i="0" u="sng" strike="noStrike" kern="1200" cap="none" normalizeH="0" noProof="0" dirty="0">
+                <a:ln>
+                  <a:noFill/>
+                </a:ln>
+                <a:solidFill>
+                  <a:schemeClr val="tx1"/>
+                </a:solidFill>
+                <a:effectLst/>
+                <a:uLnTx/>
+                <a:uFillTx/>
+                <a:latin typeface="+mn-lt"/>
+                <a:ea typeface="+mn-ea"/>
+                <a:cs typeface="Biome Light" panose="020B0303030204020804" pitchFamily="34" charset="0"/>
+              </a:rPr>
+              <a:t>Database</a:t>
+            </a:r>
+          </a:p>
+          <a:p>
+            <a:pPr marL="0" marR="0" lvl="0" indent="0" defTabSz="914400" rtl="0" eaLnBrk="1" fontAlgn="auto" latinLnBrk="0" hangingPunct="1">
+              <a:lnSpc>
+                <a:spcPct val="100000"/>
+              </a:lnSpc>
+              <a:spcBef>
+                <a:spcPts val="1000"/>
+              </a:spcBef>
+              <a:spcAft>
+                <a:spcPts val="0"/>
+              </a:spcAft>
+              <a:buClrTx/>
+              <a:buSzTx/>
+              <a:buFont typeface="Arial" panose="020B0604020202020204" pitchFamily="34" charset="0"/>
+              <a:buNone/>
+              <a:tabLst/>
+              <a:defRPr/>
+            </a:pPr>
+            <a:r>
+              <a:rPr lang="en-US" sz="1600" dirty="0">
+                <a:effectLst/>
+                <a:ea typeface="Yu Mincho" panose="02020400000000000000" pitchFamily="18" charset="-128"/>
+                <a:cs typeface="Times New Roman" panose="02020603050405020304" pitchFamily="18" charset="0"/>
+              </a:rPr>
+              <a:t>CentRes will be using a MySQL relational database to store employee information and communicate information related to sales transactions and product inventory.  MySQL can help the restaurant to keep tracking the inventory. See what foods are selling more and which foods are selling less, and this can help to optimize the menu and minimize waste.</a:t>
+            </a:r>
           </a:p>
           <a:p>
             <a:pPr marL="0" marR="0" lvl="0" indent="0" algn="l" defTabSz="914400" rtl="0" eaLnBrk="1" fontAlgn="auto" latinLnBrk="0" hangingPunct="1">
@@ -7212,6 +8240,174 @@
             </a:endParaRPr>
           </a:p>
           <a:p>
+            <a:pPr marL="0" indent="0">
+              <a:buNone/>
+            </a:pPr>
+            <a:endParaRPr lang="en-US" b="1" dirty="0"/>
+          </a:p>
+        </p:txBody>
+      </p:sp>
+      <p:sp>
+        <p:nvSpPr>
+          <p:cNvPr id="16" name="Slide Number Placeholder 15">
+            <a:extLst>
+              <a:ext uri="{FF2B5EF4-FFF2-40B4-BE49-F238E27FC236}">
+                <a16:creationId xmlns:a16="http://schemas.microsoft.com/office/drawing/2014/main" id="{7FA57D11-A25F-4772-8E50-DDB68BE8CB69}"/>
+              </a:ext>
+            </a:extLst>
+          </p:cNvPr>
+          <p:cNvSpPr>
+            <a:spLocks noGrp="1"/>
+          </p:cNvSpPr>
+          <p:nvPr>
+            <p:ph type="sldNum" sz="quarter" idx="4"/>
+          </p:nvPr>
+        </p:nvSpPr>
+        <p:spPr/>
+        <p:txBody>
+          <a:bodyPr/>
+          <a:lstStyle/>
+          <a:p>
+            <a:fld id="{8C2E478F-E849-4A8C-AF1F-CBCC78A7CBFA}" type="slidenum">
+              <a:rPr lang="en-US" smtClean="0"/>
+              <a:pPr/>
+              <a:t>16</a:t>
+            </a:fld>
+            <a:endParaRPr lang="en-US" dirty="0"/>
+          </a:p>
+        </p:txBody>
+      </p:sp>
+    </p:spTree>
+    <p:extLst>
+      <p:ext uri="{BB962C8B-B14F-4D97-AF65-F5344CB8AC3E}">
+        <p14:creationId xmlns:p14="http://schemas.microsoft.com/office/powerpoint/2010/main" val="2107433842"/>
+      </p:ext>
+    </p:extLst>
+  </p:cSld>
+  <p:clrMapOvr>
+    <a:masterClrMapping/>
+  </p:clrMapOvr>
+</p:sld>
+</file>
+
+<file path=ppt/slides/slide17.xml><?xml version="1.0" encoding="utf-8"?>
+<p:sld xmlns:a="http://schemas.openxmlformats.org/drawingml/2006/main" xmlns:r="http://schemas.openxmlformats.org/officeDocument/2006/relationships" xmlns:p="http://schemas.openxmlformats.org/presentationml/2006/main">
+  <p:cSld>
+    <p:spTree>
+      <p:nvGrpSpPr>
+        <p:cNvPr id="1" name=""/>
+        <p:cNvGrpSpPr/>
+        <p:nvPr/>
+      </p:nvGrpSpPr>
+      <p:grpSpPr>
+        <a:xfrm>
+          <a:off x="0" y="0"/>
+          <a:ext cx="0" cy="0"/>
+          <a:chOff x="0" y="0"/>
+          <a:chExt cx="0" cy="0"/>
+        </a:xfrm>
+      </p:grpSpPr>
+      <p:sp>
+        <p:nvSpPr>
+          <p:cNvPr id="2" name="Title 1">
+            <a:extLst>
+              <a:ext uri="{FF2B5EF4-FFF2-40B4-BE49-F238E27FC236}">
+                <a16:creationId xmlns:a16="http://schemas.microsoft.com/office/drawing/2014/main" id="{12CC3376-5069-4C7B-BE6B-A3776D1B47BA}"/>
+              </a:ext>
+            </a:extLst>
+          </p:cNvPr>
+          <p:cNvSpPr>
+            <a:spLocks noGrp="1"/>
+          </p:cNvSpPr>
+          <p:nvPr>
+            <p:ph type="title"/>
+          </p:nvPr>
+        </p:nvSpPr>
+        <p:spPr>
+          <a:xfrm>
+            <a:off x="6095999" y="35082"/>
+            <a:ext cx="5897218" cy="884238"/>
+          </a:xfrm>
+        </p:spPr>
+        <p:txBody>
+          <a:bodyPr/>
+          <a:lstStyle/>
+          <a:p>
+            <a:r>
+              <a:rPr lang="en-US" dirty="0"/>
+              <a:t>High Level Design</a:t>
+            </a:r>
+          </a:p>
+        </p:txBody>
+      </p:sp>
+      <p:pic>
+        <p:nvPicPr>
+          <p:cNvPr id="6" name="Picture Placeholder 5" descr="person staring at blueprints on a brick wall">
+            <a:extLst>
+              <a:ext uri="{FF2B5EF4-FFF2-40B4-BE49-F238E27FC236}">
+                <a16:creationId xmlns:a16="http://schemas.microsoft.com/office/drawing/2014/main" id="{C07C315A-7CD1-432C-92FA-6B62159B56CA}"/>
+              </a:ext>
+            </a:extLst>
+          </p:cNvPr>
+          <p:cNvPicPr>
+            <a:picLocks noGrp="1" noChangeAspect="1"/>
+          </p:cNvPicPr>
+          <p:nvPr>
+            <p:ph type="pic" sz="quarter" idx="14"/>
+          </p:nvPr>
+        </p:nvPicPr>
+        <p:blipFill rotWithShape="1">
+          <a:blip r:embed="rId3">
+            <a:extLst>
+              <a:ext uri="{BEBA8EAE-BF5A-486C-A8C5-ECC9F3942E4B}">
+                <a14:imgProps xmlns:a14="http://schemas.microsoft.com/office/drawing/2010/main">
+                  <a14:imgLayer r:embed="rId4">
+                    <a14:imgEffect>
+                      <a14:saturation sat="0"/>
+                    </a14:imgEffect>
+                  </a14:imgLayer>
+                </a14:imgProps>
+              </a:ext>
+            </a:extLst>
+          </a:blip>
+          <a:srcRect l="23552" t="1" r="23880" b="327"/>
+          <a:stretch/>
+        </p:blipFill>
+        <p:spPr>
+          <a:xfrm>
+            <a:off x="0" y="0"/>
+            <a:ext cx="5416550" cy="6858000"/>
+          </a:xfrm>
+        </p:spPr>
+      </p:pic>
+      <p:sp>
+        <p:nvSpPr>
+          <p:cNvPr id="14" name="Content Placeholder 13">
+            <a:extLst>
+              <a:ext uri="{FF2B5EF4-FFF2-40B4-BE49-F238E27FC236}">
+                <a16:creationId xmlns:a16="http://schemas.microsoft.com/office/drawing/2014/main" id="{79248A72-A597-48DF-A270-3389F5D209C0}"/>
+              </a:ext>
+            </a:extLst>
+          </p:cNvPr>
+          <p:cNvSpPr>
+            <a:spLocks noGrp="1"/>
+          </p:cNvSpPr>
+          <p:nvPr>
+            <p:ph idx="1"/>
+          </p:nvPr>
+        </p:nvSpPr>
+        <p:spPr>
+          <a:xfrm>
+            <a:off x="6086167" y="673514"/>
+            <a:ext cx="5690532" cy="4949971"/>
+          </a:xfrm>
+        </p:spPr>
+        <p:txBody>
+          <a:bodyPr>
+            <a:normAutofit/>
+          </a:bodyPr>
+          <a:lstStyle/>
+          <a:p>
             <a:pPr marL="0" marR="0" lvl="0" indent="0" algn="l" defTabSz="914400" rtl="0" eaLnBrk="1" fontAlgn="auto" latinLnBrk="0" hangingPunct="1">
               <a:lnSpc>
                 <a:spcPct val="100000"/>
@@ -7229,9 +8425,23 @@
               <a:tabLst/>
               <a:defRPr/>
             </a:pPr>
-            <a:endParaRPr lang="en-US" dirty="0">
-              <a:cs typeface="Biome Light" panose="020B0303030204020804" pitchFamily="34" charset="0"/>
-            </a:endParaRPr>
+            <a:r>
+              <a:rPr kumimoji="0" lang="en-US" sz="2000" b="0" i="0" u="none" strike="noStrike" kern="1200" cap="none" normalizeH="0" noProof="0" dirty="0">
+                <a:ln>
+                  <a:noFill/>
+                </a:ln>
+                <a:solidFill>
+                  <a:schemeClr val="tx1"/>
+                </a:solidFill>
+                <a:effectLst/>
+                <a:uLnTx/>
+                <a:uFillTx/>
+                <a:latin typeface="+mn-lt"/>
+                <a:ea typeface="+mn-ea"/>
+                <a:cs typeface="Biome Light" panose="020B0303030204020804" pitchFamily="34" charset="0"/>
+              </a:rPr>
+              <a:t>Class Diagram</a:t>
+            </a:r>
           </a:p>
           <a:p>
             <a:pPr marL="0" marR="0" lvl="0" indent="0" algn="l" defTabSz="914400" rtl="0" eaLnBrk="1" fontAlgn="auto" latinLnBrk="0" hangingPunct="1">
@@ -7284,195 +8494,6 @@
               <a:tabLst/>
               <a:defRPr/>
             </a:pPr>
-            <a:r>
-              <a:rPr kumimoji="0" lang="en-US" sz="2000" b="0" i="0" u="sng" strike="noStrike" kern="1200" cap="none" normalizeH="0" noProof="0" dirty="0">
-                <a:ln>
-                  <a:noFill/>
-                </a:ln>
-                <a:solidFill>
-                  <a:schemeClr val="tx1"/>
-                </a:solidFill>
-                <a:effectLst/>
-                <a:uLnTx/>
-                <a:uFillTx/>
-                <a:latin typeface="+mn-lt"/>
-                <a:ea typeface="+mn-ea"/>
-                <a:cs typeface="Biome Light" panose="020B0303030204020804" pitchFamily="34" charset="0"/>
-              </a:rPr>
-              <a:t>Hardware</a:t>
-            </a:r>
-          </a:p>
-          <a:p>
-            <a:pPr marL="0" marR="0" lvl="0" indent="0" algn="l" defTabSz="914400" rtl="0" eaLnBrk="1" fontAlgn="auto" latinLnBrk="0" hangingPunct="1">
-              <a:lnSpc>
-                <a:spcPct val="100000"/>
-              </a:lnSpc>
-              <a:spcBef>
-                <a:spcPts val="1000"/>
-              </a:spcBef>
-              <a:spcAft>
-                <a:spcPts val="0"/>
-              </a:spcAft>
-              <a:buClrTx/>
-              <a:buSzTx/>
-              <a:buFont typeface="Arial" panose="020B0604020202020204" pitchFamily="34" charset="0"/>
-              <a:buNone/>
-              <a:tabLst/>
-              <a:defRPr/>
-            </a:pPr>
-            <a:r>
-              <a:rPr kumimoji="0" lang="en-US" sz="1600" b="0" i="0" strike="noStrike" kern="1200" cap="none" normalizeH="0" noProof="0" dirty="0">
-                <a:ln>
-                  <a:noFill/>
-                </a:ln>
-                <a:solidFill>
-                  <a:schemeClr val="tx1"/>
-                </a:solidFill>
-                <a:effectLst/>
-                <a:uLnTx/>
-                <a:uFillTx/>
-                <a:latin typeface="+mn-lt"/>
-                <a:ea typeface="+mn-ea"/>
-                <a:cs typeface="Biome Light" panose="020B0303030204020804" pitchFamily="34" charset="0"/>
-              </a:rPr>
-              <a:t>Network: </a:t>
-            </a:r>
-          </a:p>
-          <a:p>
-            <a:pPr marL="0" marR="0" lvl="0" indent="0" algn="l" defTabSz="914400" rtl="0" eaLnBrk="1" fontAlgn="auto" latinLnBrk="0" hangingPunct="1">
-              <a:lnSpc>
-                <a:spcPct val="100000"/>
-              </a:lnSpc>
-              <a:spcBef>
-                <a:spcPts val="1000"/>
-              </a:spcBef>
-              <a:spcAft>
-                <a:spcPts val="0"/>
-              </a:spcAft>
-              <a:buClrTx/>
-              <a:buSzTx/>
-              <a:buFont typeface="Arial" panose="020B0604020202020204" pitchFamily="34" charset="0"/>
-              <a:buNone/>
-              <a:tabLst/>
-              <a:defRPr/>
-            </a:pPr>
-            <a:r>
-              <a:rPr kumimoji="0" lang="en-US" sz="1600" b="0" i="0" u="none" strike="noStrike" kern="1200" cap="none" normalizeH="0" noProof="0" dirty="0">
-                <a:ln>
-                  <a:noFill/>
-                </a:ln>
-                <a:solidFill>
-                  <a:schemeClr val="tx1"/>
-                </a:solidFill>
-                <a:effectLst/>
-                <a:uLnTx/>
-                <a:uFillTx/>
-                <a:latin typeface="+mn-lt"/>
-                <a:ea typeface="+mn-ea"/>
-                <a:cs typeface="Biome Light" panose="020B0303030204020804" pitchFamily="34" charset="0"/>
-              </a:rPr>
-              <a:t>    Switch, Cabling, CAT6, Universal Power Supply (UPS)</a:t>
-            </a:r>
-          </a:p>
-          <a:p>
-            <a:pPr marL="0" marR="0" lvl="0" indent="0" algn="l" defTabSz="914400" rtl="0" eaLnBrk="1" fontAlgn="auto" latinLnBrk="0" hangingPunct="1">
-              <a:lnSpc>
-                <a:spcPct val="100000"/>
-              </a:lnSpc>
-              <a:spcBef>
-                <a:spcPts val="1000"/>
-              </a:spcBef>
-              <a:spcAft>
-                <a:spcPts val="0"/>
-              </a:spcAft>
-              <a:buClrTx/>
-              <a:buSzTx/>
-              <a:buFont typeface="Arial" panose="020B0604020202020204" pitchFamily="34" charset="0"/>
-              <a:buNone/>
-              <a:tabLst/>
-              <a:defRPr/>
-            </a:pPr>
-            <a:r>
-              <a:rPr lang="en-US" dirty="0">
-                <a:cs typeface="Biome Light" panose="020B0303030204020804" pitchFamily="34" charset="0"/>
-              </a:rPr>
-              <a:t>Tablet: </a:t>
-            </a:r>
-          </a:p>
-          <a:p>
-            <a:pPr marL="0" marR="0" lvl="0" indent="0" algn="l" defTabSz="914400" rtl="0" eaLnBrk="1" fontAlgn="auto" latinLnBrk="0" hangingPunct="1">
-              <a:lnSpc>
-                <a:spcPct val="100000"/>
-              </a:lnSpc>
-              <a:spcBef>
-                <a:spcPts val="1000"/>
-              </a:spcBef>
-              <a:spcAft>
-                <a:spcPts val="0"/>
-              </a:spcAft>
-              <a:buClrTx/>
-              <a:buSzTx/>
-              <a:buFont typeface="Arial" panose="020B0604020202020204" pitchFamily="34" charset="0"/>
-              <a:buNone/>
-              <a:tabLst/>
-              <a:defRPr/>
-            </a:pPr>
-            <a:r>
-              <a:rPr lang="en-US" dirty="0">
-                <a:cs typeface="Biome Light" panose="020B0303030204020804" pitchFamily="34" charset="0"/>
-              </a:rPr>
-              <a:t>    IOS, Android, or any OS that has web browser capability</a:t>
-            </a:r>
-          </a:p>
-          <a:p>
-            <a:pPr marL="0" marR="0" lvl="0" indent="0" algn="l" defTabSz="914400" rtl="0" eaLnBrk="1" fontAlgn="auto" latinLnBrk="0" hangingPunct="1">
-              <a:lnSpc>
-                <a:spcPct val="100000"/>
-              </a:lnSpc>
-              <a:spcBef>
-                <a:spcPts val="1000"/>
-              </a:spcBef>
-              <a:spcAft>
-                <a:spcPts val="0"/>
-              </a:spcAft>
-              <a:buClrTx/>
-              <a:buSzTx/>
-              <a:buFont typeface="Arial" panose="020B0604020202020204" pitchFamily="34" charset="0"/>
-              <a:buNone/>
-              <a:tabLst/>
-              <a:defRPr/>
-            </a:pPr>
-            <a:r>
-              <a:rPr lang="en-US" dirty="0">
-                <a:cs typeface="Biome Light" panose="020B0303030204020804" pitchFamily="34" charset="0"/>
-              </a:rPr>
-              <a:t>Printer: </a:t>
-            </a:r>
-          </a:p>
-          <a:p>
-            <a:pPr marL="0" marR="0" lvl="0" indent="0" algn="l" defTabSz="914400" rtl="0" eaLnBrk="1" fontAlgn="auto" latinLnBrk="0" hangingPunct="1">
-              <a:lnSpc>
-                <a:spcPct val="100000"/>
-              </a:lnSpc>
-              <a:spcBef>
-                <a:spcPts val="1000"/>
-              </a:spcBef>
-              <a:spcAft>
-                <a:spcPts val="0"/>
-              </a:spcAft>
-              <a:buClrTx/>
-              <a:buSzTx/>
-              <a:buFont typeface="Arial" panose="020B0604020202020204" pitchFamily="34" charset="0"/>
-              <a:buNone/>
-              <a:tabLst/>
-              <a:defRPr/>
-            </a:pPr>
-            <a:r>
-              <a:rPr lang="en-US" dirty="0">
-                <a:cs typeface="Biome Light" panose="020B0303030204020804" pitchFamily="34" charset="0"/>
-              </a:rPr>
-              <a:t>    Customer bills, server shift report, manager daily monetary report</a:t>
-            </a:r>
             <a:endParaRPr kumimoji="0" lang="en-US" sz="1600" b="0" i="0" u="none" strike="noStrike" kern="1200" cap="none" normalizeH="0" noProof="0" dirty="0">
               <a:ln>
                 <a:noFill/>
@@ -7489,529 +8510,7 @@
             </a:endParaRPr>
           </a:p>
           <a:p>
-            <a:pPr marL="0" indent="0">
-              <a:buNone/>
-            </a:pPr>
-            <a:endParaRPr lang="en-US" b="1" dirty="0"/>
-          </a:p>
-        </p:txBody>
-      </p:sp>
-      <p:sp>
-        <p:nvSpPr>
-          <p:cNvPr id="16" name="Slide Number Placeholder 15">
-            <a:extLst>
-              <a:ext uri="{FF2B5EF4-FFF2-40B4-BE49-F238E27FC236}">
-                <a16:creationId xmlns:a16="http://schemas.microsoft.com/office/drawing/2014/main" xmlns="" id="{7FA57D11-A25F-4772-8E50-DDB68BE8CB69}"/>
-              </a:ext>
-            </a:extLst>
-          </p:cNvPr>
-          <p:cNvSpPr>
-            <a:spLocks noGrp="1"/>
-          </p:cNvSpPr>
-          <p:nvPr>
-            <p:ph type="sldNum" sz="quarter" idx="4"/>
-          </p:nvPr>
-        </p:nvSpPr>
-        <p:spPr/>
-        <p:txBody>
-          <a:bodyPr/>
-          <a:lstStyle/>
-          <a:p>
-            <a:fld id="{8C2E478F-E849-4A8C-AF1F-CBCC78A7CBFA}" type="slidenum">
-              <a:rPr lang="en-US" smtClean="0"/>
-              <a:pPr/>
-              <a:t>14</a:t>
-            </a:fld>
-            <a:endParaRPr lang="en-US" dirty="0"/>
-          </a:p>
-        </p:txBody>
-      </p:sp>
-    </p:spTree>
-    <p:extLst>
-      <p:ext uri="{BB962C8B-B14F-4D97-AF65-F5344CB8AC3E}">
-        <p14:creationId xmlns:p14="http://schemas.microsoft.com/office/powerpoint/2010/main" xmlns="" val="3516891798"/>
-      </p:ext>
-    </p:extLst>
-  </p:cSld>
-  <p:clrMapOvr>
-    <a:masterClrMapping/>
-  </p:clrMapOvr>
-</p:sld>
-</file>
-
-<file path=ppt/slides/slide15.xml><?xml version="1.0" encoding="utf-8"?>
-<p:sld xmlns:a="http://schemas.openxmlformats.org/drawingml/2006/main" xmlns:r="http://schemas.openxmlformats.org/officeDocument/2006/relationships" xmlns:p="http://schemas.openxmlformats.org/presentationml/2006/main">
-  <p:cSld>
-    <p:spTree>
-      <p:nvGrpSpPr>
-        <p:cNvPr id="1" name=""/>
-        <p:cNvGrpSpPr/>
-        <p:nvPr/>
-      </p:nvGrpSpPr>
-      <p:grpSpPr>
-        <a:xfrm>
-          <a:off x="0" y="0"/>
-          <a:ext cx="0" cy="0"/>
-          <a:chOff x="0" y="0"/>
-          <a:chExt cx="0" cy="0"/>
-        </a:xfrm>
-      </p:grpSpPr>
-      <p:sp>
-        <p:nvSpPr>
-          <p:cNvPr id="2" name="Title 1">
-            <a:extLst>
-              <a:ext uri="{FF2B5EF4-FFF2-40B4-BE49-F238E27FC236}">
-                <a16:creationId xmlns:a16="http://schemas.microsoft.com/office/drawing/2014/main" xmlns="" id="{12CC3376-5069-4C7B-BE6B-A3776D1B47BA}"/>
-              </a:ext>
-            </a:extLst>
-          </p:cNvPr>
-          <p:cNvSpPr>
-            <a:spLocks noGrp="1"/>
-          </p:cNvSpPr>
-          <p:nvPr>
-            <p:ph type="title"/>
-          </p:nvPr>
-        </p:nvSpPr>
-        <p:spPr>
-          <a:xfrm>
-            <a:off x="6095999" y="35082"/>
-            <a:ext cx="5897218" cy="884238"/>
-          </a:xfrm>
-        </p:spPr>
-        <p:txBody>
-          <a:bodyPr/>
-          <a:lstStyle/>
-          <a:p>
-            <a:r>
-              <a:rPr lang="en-US" dirty="0"/>
-              <a:t>High Level Design</a:t>
-            </a:r>
-          </a:p>
-        </p:txBody>
-      </p:sp>
-      <p:pic>
-        <p:nvPicPr>
-          <p:cNvPr id="6" name="Picture Placeholder 5" descr="person staring at blueprints on a brick wall">
-            <a:extLst>
-              <a:ext uri="{FF2B5EF4-FFF2-40B4-BE49-F238E27FC236}">
-                <a16:creationId xmlns:a16="http://schemas.microsoft.com/office/drawing/2014/main" xmlns="" id="{C07C315A-7CD1-432C-92FA-6B62159B56CA}"/>
-              </a:ext>
-            </a:extLst>
-          </p:cNvPr>
-          <p:cNvPicPr>
-            <a:picLocks noGrp="1" noChangeAspect="1"/>
-          </p:cNvPicPr>
-          <p:nvPr>
-            <p:ph type="pic" sz="quarter" idx="14"/>
-          </p:nvPr>
-        </p:nvPicPr>
-        <p:blipFill rotWithShape="1">
-          <a:blip r:embed="rId3">
-            <a:extLst>
-              <a:ext uri="{BEBA8EAE-BF5A-486C-A8C5-ECC9F3942E4B}">
-                <a14:imgProps xmlns:a14="http://schemas.microsoft.com/office/drawing/2010/main" xmlns="">
-                  <a14:imgLayer r:embed="rId4">
-                    <a14:imgEffect>
-                      <a14:saturation sat="0"/>
-                    </a14:imgEffect>
-                  </a14:imgLayer>
-                </a14:imgProps>
-              </a:ext>
-            </a:extLst>
-          </a:blip>
-          <a:srcRect l="23552" t="1" r="23880" b="327"/>
-          <a:stretch/>
-        </p:blipFill>
-        <p:spPr>
-          <a:xfrm>
-            <a:off x="0" y="0"/>
-            <a:ext cx="5416550" cy="6858000"/>
-          </a:xfrm>
-        </p:spPr>
-      </p:pic>
-      <p:sp>
-        <p:nvSpPr>
-          <p:cNvPr id="14" name="Content Placeholder 13">
-            <a:extLst>
-              <a:ext uri="{FF2B5EF4-FFF2-40B4-BE49-F238E27FC236}">
-                <a16:creationId xmlns:a16="http://schemas.microsoft.com/office/drawing/2014/main" xmlns="" id="{79248A72-A597-48DF-A270-3389F5D209C0}"/>
-              </a:ext>
-            </a:extLst>
-          </p:cNvPr>
-          <p:cNvSpPr>
-            <a:spLocks noGrp="1"/>
-          </p:cNvSpPr>
-          <p:nvPr>
-            <p:ph idx="1"/>
-          </p:nvPr>
-        </p:nvSpPr>
-        <p:spPr>
-          <a:xfrm>
-            <a:off x="6096000" y="919320"/>
-            <a:ext cx="5690532" cy="4949971"/>
-          </a:xfrm>
-        </p:spPr>
-        <p:txBody>
-          <a:bodyPr>
-            <a:normAutofit/>
-          </a:bodyPr>
-          <a:lstStyle/>
-          <a:p>
             <a:pPr marL="0" marR="0" lvl="0" indent="0" algn="l" defTabSz="914400" rtl="0" eaLnBrk="1" fontAlgn="auto" latinLnBrk="0" hangingPunct="1">
-              <a:lnSpc>
-                <a:spcPct val="100000"/>
-              </a:lnSpc>
-              <a:spcBef>
-                <a:spcPts val="1000"/>
-              </a:spcBef>
-              <a:spcAft>
-                <a:spcPts val="0"/>
-              </a:spcAft>
-              <a:buClrTx/>
-              <a:buSzTx/>
-              <a:buFont typeface="Arial" panose="020B0604020202020204" pitchFamily="34" charset="0"/>
-              <a:buNone/>
-              <a:tabLst/>
-              <a:defRPr/>
-            </a:pPr>
-            <a:r>
-              <a:rPr kumimoji="0" lang="en-US" sz="2000" b="0" i="0" u="sng" strike="noStrike" kern="1200" cap="none" normalizeH="0" noProof="0" dirty="0">
-                <a:ln>
-                  <a:noFill/>
-                </a:ln>
-                <a:solidFill>
-                  <a:schemeClr val="tx1"/>
-                </a:solidFill>
-                <a:effectLst/>
-                <a:uLnTx/>
-                <a:uFillTx/>
-                <a:latin typeface="+mn-lt"/>
-                <a:ea typeface="+mn-ea"/>
-                <a:cs typeface="Biome Light" panose="020B0303030204020804" pitchFamily="34" charset="0"/>
-              </a:rPr>
-              <a:t>User Interface</a:t>
-            </a:r>
-          </a:p>
-          <a:p>
-            <a:pPr marL="0" marR="0" lvl="0" indent="0" algn="l" defTabSz="914400" rtl="0" eaLnBrk="1" fontAlgn="auto" latinLnBrk="0" hangingPunct="1">
-              <a:lnSpc>
-                <a:spcPct val="100000"/>
-              </a:lnSpc>
-              <a:spcBef>
-                <a:spcPts val="1000"/>
-              </a:spcBef>
-              <a:spcAft>
-                <a:spcPts val="0"/>
-              </a:spcAft>
-              <a:buClrTx/>
-              <a:buSzTx/>
-              <a:buFont typeface="Arial" panose="020B0604020202020204" pitchFamily="34" charset="0"/>
-              <a:buNone/>
-              <a:tabLst/>
-              <a:defRPr/>
-            </a:pPr>
-            <a:r>
-              <a:rPr kumimoji="0" lang="en-US" sz="1600" b="0" i="0" u="none" strike="noStrike" kern="1200" cap="none" normalizeH="0" noProof="0" dirty="0">
-                <a:ln>
-                  <a:noFill/>
-                </a:ln>
-                <a:solidFill>
-                  <a:schemeClr val="tx1"/>
-                </a:solidFill>
-                <a:effectLst/>
-                <a:uLnTx/>
-                <a:uFillTx/>
-                <a:latin typeface="+mn-lt"/>
-                <a:ea typeface="+mn-ea"/>
-                <a:cs typeface="Biome Light" panose="020B0303030204020804" pitchFamily="34" charset="0"/>
-              </a:rPr>
-              <a:t>Profits are up in the last quarter by 3%</a:t>
-            </a:r>
-          </a:p>
-          <a:p>
-            <a:pPr marL="0" indent="0">
-              <a:buNone/>
-            </a:pPr>
-            <a:endParaRPr lang="en-US" b="1" dirty="0"/>
-          </a:p>
-        </p:txBody>
-      </p:sp>
-      <p:sp>
-        <p:nvSpPr>
-          <p:cNvPr id="16" name="Slide Number Placeholder 15">
-            <a:extLst>
-              <a:ext uri="{FF2B5EF4-FFF2-40B4-BE49-F238E27FC236}">
-                <a16:creationId xmlns:a16="http://schemas.microsoft.com/office/drawing/2014/main" xmlns="" id="{7FA57D11-A25F-4772-8E50-DDB68BE8CB69}"/>
-              </a:ext>
-            </a:extLst>
-          </p:cNvPr>
-          <p:cNvSpPr>
-            <a:spLocks noGrp="1"/>
-          </p:cNvSpPr>
-          <p:nvPr>
-            <p:ph type="sldNum" sz="quarter" idx="4"/>
-          </p:nvPr>
-        </p:nvSpPr>
-        <p:spPr/>
-        <p:txBody>
-          <a:bodyPr/>
-          <a:lstStyle/>
-          <a:p>
-            <a:fld id="{8C2E478F-E849-4A8C-AF1F-CBCC78A7CBFA}" type="slidenum">
-              <a:rPr lang="en-US" smtClean="0"/>
-              <a:pPr/>
-              <a:t>15</a:t>
-            </a:fld>
-            <a:endParaRPr lang="en-US" dirty="0"/>
-          </a:p>
-        </p:txBody>
-      </p:sp>
-    </p:spTree>
-    <p:extLst>
-      <p:ext uri="{BB962C8B-B14F-4D97-AF65-F5344CB8AC3E}">
-        <p14:creationId xmlns:p14="http://schemas.microsoft.com/office/powerpoint/2010/main" xmlns="" val="1690341182"/>
-      </p:ext>
-    </p:extLst>
-  </p:cSld>
-  <p:clrMapOvr>
-    <a:masterClrMapping/>
-  </p:clrMapOvr>
-</p:sld>
-</file>
-
-<file path=ppt/slides/slide16.xml><?xml version="1.0" encoding="utf-8"?>
-<p:sld xmlns:a="http://schemas.openxmlformats.org/drawingml/2006/main" xmlns:r="http://schemas.openxmlformats.org/officeDocument/2006/relationships" xmlns:p="http://schemas.openxmlformats.org/presentationml/2006/main">
-  <p:cSld>
-    <p:spTree>
-      <p:nvGrpSpPr>
-        <p:cNvPr id="1" name=""/>
-        <p:cNvGrpSpPr/>
-        <p:nvPr/>
-      </p:nvGrpSpPr>
-      <p:grpSpPr>
-        <a:xfrm>
-          <a:off x="0" y="0"/>
-          <a:ext cx="0" cy="0"/>
-          <a:chOff x="0" y="0"/>
-          <a:chExt cx="0" cy="0"/>
-        </a:xfrm>
-      </p:grpSpPr>
-      <p:sp>
-        <p:nvSpPr>
-          <p:cNvPr id="2" name="Title 1">
-            <a:extLst>
-              <a:ext uri="{FF2B5EF4-FFF2-40B4-BE49-F238E27FC236}">
-                <a16:creationId xmlns:a16="http://schemas.microsoft.com/office/drawing/2014/main" xmlns="" id="{12CC3376-5069-4C7B-BE6B-A3776D1B47BA}"/>
-              </a:ext>
-            </a:extLst>
-          </p:cNvPr>
-          <p:cNvSpPr>
-            <a:spLocks noGrp="1"/>
-          </p:cNvSpPr>
-          <p:nvPr>
-            <p:ph type="title"/>
-          </p:nvPr>
-        </p:nvSpPr>
-        <p:spPr>
-          <a:xfrm>
-            <a:off x="6096000" y="0"/>
-            <a:ext cx="5816368" cy="599012"/>
-          </a:xfrm>
-        </p:spPr>
-        <p:txBody>
-          <a:bodyPr/>
-          <a:lstStyle/>
-          <a:p>
-            <a:r>
-              <a:rPr lang="en-US" u="sng" dirty="0"/>
-              <a:t>High Level Design</a:t>
-            </a:r>
-          </a:p>
-        </p:txBody>
-      </p:sp>
-      <p:pic>
-        <p:nvPicPr>
-          <p:cNvPr id="6" name="Picture Placeholder 5" descr="person staring at blueprints on a brick wall">
-            <a:extLst>
-              <a:ext uri="{FF2B5EF4-FFF2-40B4-BE49-F238E27FC236}">
-                <a16:creationId xmlns:a16="http://schemas.microsoft.com/office/drawing/2014/main" xmlns="" id="{C07C315A-7CD1-432C-92FA-6B62159B56CA}"/>
-              </a:ext>
-            </a:extLst>
-          </p:cNvPr>
-          <p:cNvPicPr>
-            <a:picLocks noGrp="1" noChangeAspect="1"/>
-          </p:cNvPicPr>
-          <p:nvPr>
-            <p:ph type="pic" sz="quarter" idx="14"/>
-          </p:nvPr>
-        </p:nvPicPr>
-        <p:blipFill rotWithShape="1">
-          <a:blip r:embed="rId3">
-            <a:extLst>
-              <a:ext uri="{BEBA8EAE-BF5A-486C-A8C5-ECC9F3942E4B}">
-                <a14:imgProps xmlns:a14="http://schemas.microsoft.com/office/drawing/2010/main" xmlns="">
-                  <a14:imgLayer r:embed="rId4">
-                    <a14:imgEffect>
-                      <a14:saturation sat="0"/>
-                    </a14:imgEffect>
-                  </a14:imgLayer>
-                </a14:imgProps>
-              </a:ext>
-            </a:extLst>
-          </a:blip>
-          <a:srcRect l="23552" t="1" r="23880" b="327"/>
-          <a:stretch/>
-        </p:blipFill>
-        <p:spPr>
-          <a:xfrm>
-            <a:off x="0" y="0"/>
-            <a:ext cx="5416550" cy="6858000"/>
-          </a:xfrm>
-        </p:spPr>
-      </p:pic>
-      <p:sp>
-        <p:nvSpPr>
-          <p:cNvPr id="14" name="Content Placeholder 13">
-            <a:extLst>
-              <a:ext uri="{FF2B5EF4-FFF2-40B4-BE49-F238E27FC236}">
-                <a16:creationId xmlns:a16="http://schemas.microsoft.com/office/drawing/2014/main" xmlns="" id="{79248A72-A597-48DF-A270-3389F5D209C0}"/>
-              </a:ext>
-            </a:extLst>
-          </p:cNvPr>
-          <p:cNvSpPr>
-            <a:spLocks noGrp="1"/>
-          </p:cNvSpPr>
-          <p:nvPr>
-            <p:ph idx="1"/>
-          </p:nvPr>
-        </p:nvSpPr>
-        <p:spPr>
-          <a:xfrm>
-            <a:off x="6096000" y="763398"/>
-            <a:ext cx="5690532" cy="5318620"/>
-          </a:xfrm>
-        </p:spPr>
-        <p:txBody>
-          <a:bodyPr>
-            <a:normAutofit/>
-          </a:bodyPr>
-          <a:lstStyle/>
-          <a:p>
-            <a:pPr marL="0" marR="0" lvl="0" indent="0" defTabSz="914400" rtl="0" eaLnBrk="1" fontAlgn="auto" latinLnBrk="0" hangingPunct="1">
-              <a:lnSpc>
-                <a:spcPct val="100000"/>
-              </a:lnSpc>
-              <a:spcBef>
-                <a:spcPts val="1000"/>
-              </a:spcBef>
-              <a:spcAft>
-                <a:spcPts val="0"/>
-              </a:spcAft>
-              <a:buClrTx/>
-              <a:buSzTx/>
-              <a:buFont typeface="Arial" panose="020B0604020202020204" pitchFamily="34" charset="0"/>
-              <a:buNone/>
-              <a:tabLst/>
-              <a:defRPr/>
-            </a:pPr>
-            <a:r>
-              <a:rPr kumimoji="0" lang="en-US" sz="2000" b="0" i="0" u="sng" strike="noStrike" kern="1200" cap="none" normalizeH="0" noProof="0" dirty="0">
-                <a:ln>
-                  <a:noFill/>
-                </a:ln>
-                <a:solidFill>
-                  <a:schemeClr val="tx1"/>
-                </a:solidFill>
-                <a:effectLst/>
-                <a:uLnTx/>
-                <a:uFillTx/>
-                <a:latin typeface="+mn-lt"/>
-                <a:ea typeface="+mn-ea"/>
-                <a:cs typeface="Biome Light" panose="020B0303030204020804" pitchFamily="34" charset="0"/>
-              </a:rPr>
-              <a:t>Architecture</a:t>
-            </a:r>
-          </a:p>
-          <a:p>
-            <a:pPr marL="0" marR="0" lvl="0" indent="0" defTabSz="914400" rtl="0" eaLnBrk="1" fontAlgn="auto" latinLnBrk="0" hangingPunct="1">
-              <a:lnSpc>
-                <a:spcPct val="100000"/>
-              </a:lnSpc>
-              <a:spcBef>
-                <a:spcPts val="1000"/>
-              </a:spcBef>
-              <a:spcAft>
-                <a:spcPts val="0"/>
-              </a:spcAft>
-              <a:buClrTx/>
-              <a:buSzTx/>
-              <a:buFont typeface="Arial" panose="020B0604020202020204" pitchFamily="34" charset="0"/>
-              <a:buNone/>
-              <a:tabLst/>
-              <a:defRPr/>
-            </a:pPr>
-            <a:r>
-              <a:rPr kumimoji="0" lang="en-US" sz="1600" b="0" i="0" u="none" strike="noStrike" kern="1200" cap="none" normalizeH="0" noProof="0" dirty="0">
-                <a:ln>
-                  <a:noFill/>
-                </a:ln>
-                <a:solidFill>
-                  <a:schemeClr val="tx1"/>
-                </a:solidFill>
-                <a:effectLst/>
-                <a:uLnTx/>
-                <a:uFillTx/>
-                <a:latin typeface="+mn-lt"/>
-                <a:ea typeface="+mn-ea"/>
-                <a:cs typeface="Biome Light" panose="020B0303030204020804" pitchFamily="34" charset="0"/>
-              </a:rPr>
-              <a:t>Event-driven:</a:t>
-            </a:r>
-          </a:p>
-          <a:p>
-            <a:pPr marL="0" marR="0" lvl="0" indent="0" defTabSz="914400" rtl="0" eaLnBrk="1" fontAlgn="auto" latinLnBrk="0" hangingPunct="1">
-              <a:lnSpc>
-                <a:spcPct val="100000"/>
-              </a:lnSpc>
-              <a:spcBef>
-                <a:spcPts val="1000"/>
-              </a:spcBef>
-              <a:spcAft>
-                <a:spcPts val="0"/>
-              </a:spcAft>
-              <a:buClrTx/>
-              <a:buSzTx/>
-              <a:buFont typeface="Arial" panose="020B0604020202020204" pitchFamily="34" charset="0"/>
-              <a:buNone/>
-              <a:tabLst/>
-              <a:defRPr/>
-            </a:pPr>
-            <a:r>
-              <a:rPr kumimoji="0" lang="en-US" sz="1600" b="0" i="0" u="none" strike="noStrike" kern="1200" cap="none" normalizeH="0" noProof="0" dirty="0">
-                <a:ln>
-                  <a:noFill/>
-                </a:ln>
-                <a:solidFill>
-                  <a:schemeClr val="tx1"/>
-                </a:solidFill>
-                <a:effectLst/>
-                <a:uLnTx/>
-                <a:uFillTx/>
-                <a:latin typeface="+mn-lt"/>
-                <a:ea typeface="+mn-ea"/>
-                <a:cs typeface="Biome Light" panose="020B0303030204020804" pitchFamily="34" charset="0"/>
-              </a:rPr>
-              <a:t>    CentRes will utilize time stamps for orders in and </a:t>
-            </a:r>
-            <a:r>
-              <a:rPr lang="en-US" dirty="0">
-                <a:cs typeface="Biome Light" panose="020B0303030204020804" pitchFamily="34" charset="0"/>
-              </a:rPr>
-              <a:t>orders out. </a:t>
-            </a:r>
-          </a:p>
-          <a:p>
-            <a:pPr marL="0" marR="0" lvl="0" indent="0" defTabSz="914400" rtl="0" eaLnBrk="1" fontAlgn="auto" latinLnBrk="0" hangingPunct="1">
               <a:lnSpc>
                 <a:spcPct val="100000"/>
               </a:lnSpc>
@@ -8033,7 +8532,7 @@
             </a:endParaRPr>
           </a:p>
           <a:p>
-            <a:pPr marL="0" marR="0" lvl="0" indent="0" defTabSz="914400" rtl="0" eaLnBrk="1" fontAlgn="auto" latinLnBrk="0" hangingPunct="1">
+            <a:pPr marL="0" marR="0" lvl="0" indent="0" algn="l" defTabSz="914400" rtl="0" eaLnBrk="1" fontAlgn="auto" latinLnBrk="0" hangingPunct="1">
               <a:lnSpc>
                 <a:spcPct val="100000"/>
               </a:lnSpc>
@@ -8050,158 +8549,9 @@
               <a:tabLst/>
               <a:defRPr/>
             </a:pPr>
-            <a:r>
-              <a:rPr kumimoji="0" lang="en-US" sz="1600" b="0" i="0" u="none" strike="noStrike" kern="1200" cap="none" normalizeH="0" noProof="0" dirty="0">
-                <a:ln>
-                  <a:noFill/>
-                </a:ln>
-                <a:solidFill>
-                  <a:schemeClr val="tx1"/>
-                </a:solidFill>
-                <a:effectLst/>
-                <a:uLnTx/>
-                <a:uFillTx/>
-                <a:latin typeface="+mn-lt"/>
-                <a:ea typeface="+mn-ea"/>
-                <a:cs typeface="Biome Light" panose="020B0303030204020804" pitchFamily="34" charset="0"/>
-              </a:rPr>
-              <a:t>Data-centric:</a:t>
-            </a:r>
-          </a:p>
-          <a:p>
-            <a:pPr marL="0" marR="0" lvl="0" indent="0" defTabSz="914400" rtl="0" eaLnBrk="1" fontAlgn="auto" latinLnBrk="0" hangingPunct="1">
-              <a:lnSpc>
-                <a:spcPct val="100000"/>
-              </a:lnSpc>
-              <a:spcBef>
-                <a:spcPts val="1000"/>
-              </a:spcBef>
-              <a:spcAft>
-                <a:spcPts val="0"/>
-              </a:spcAft>
-              <a:buClrTx/>
-              <a:buSzTx/>
-              <a:buFont typeface="Arial" panose="020B0604020202020204" pitchFamily="34" charset="0"/>
-              <a:buNone/>
-              <a:tabLst/>
-              <a:defRPr/>
-            </a:pPr>
-            <a:r>
-              <a:rPr lang="en-US" dirty="0">
-                <a:cs typeface="Biome Light" panose="020B0303030204020804" pitchFamily="34" charset="0"/>
-              </a:rPr>
-              <a:t>    Utilizes a database to track menu items, prices and inventory</a:t>
-            </a:r>
-            <a:endParaRPr kumimoji="0" lang="en-US" sz="1600" b="0" i="0" u="none" strike="noStrike" kern="1200" cap="none" normalizeH="0" noProof="0" dirty="0">
-              <a:ln>
-                <a:noFill/>
-              </a:ln>
-              <a:solidFill>
-                <a:schemeClr val="tx1"/>
-              </a:solidFill>
-              <a:effectLst/>
-              <a:uLnTx/>
-              <a:uFillTx/>
-              <a:latin typeface="+mn-lt"/>
-              <a:ea typeface="+mn-ea"/>
+            <a:endParaRPr lang="en-US" dirty="0">
               <a:cs typeface="Biome Light" panose="020B0303030204020804" pitchFamily="34" charset="0"/>
             </a:endParaRPr>
-          </a:p>
-          <a:p>
-            <a:pPr marL="0" marR="0" lvl="0" indent="0" defTabSz="914400" rtl="0" eaLnBrk="1" fontAlgn="auto" latinLnBrk="0" hangingPunct="1">
-              <a:lnSpc>
-                <a:spcPct val="100000"/>
-              </a:lnSpc>
-              <a:spcBef>
-                <a:spcPts val="1000"/>
-              </a:spcBef>
-              <a:spcAft>
-                <a:spcPts val="0"/>
-              </a:spcAft>
-              <a:buClrTx/>
-              <a:buSzTx/>
-              <a:buFont typeface="Arial" panose="020B0604020202020204" pitchFamily="34" charset="0"/>
-              <a:buNone/>
-              <a:tabLst/>
-              <a:defRPr/>
-            </a:pPr>
-            <a:endParaRPr kumimoji="0" lang="en-US" sz="1600" b="0" i="0" u="none" strike="noStrike" kern="1200" cap="none" normalizeH="0" noProof="0" dirty="0">
-              <a:ln>
-                <a:noFill/>
-              </a:ln>
-              <a:solidFill>
-                <a:schemeClr val="tx1"/>
-              </a:solidFill>
-              <a:effectLst/>
-              <a:uLnTx/>
-              <a:uFillTx/>
-              <a:latin typeface="+mn-lt"/>
-              <a:ea typeface="+mn-ea"/>
-              <a:cs typeface="Biome Light" panose="020B0303030204020804" pitchFamily="34" charset="0"/>
-            </a:endParaRPr>
-          </a:p>
-          <a:p>
-            <a:pPr marL="0" marR="0" lvl="0" indent="0" defTabSz="914400" rtl="0" eaLnBrk="1" fontAlgn="auto" latinLnBrk="0" hangingPunct="1">
-              <a:lnSpc>
-                <a:spcPct val="100000"/>
-              </a:lnSpc>
-              <a:spcBef>
-                <a:spcPts val="1000"/>
-              </a:spcBef>
-              <a:spcAft>
-                <a:spcPts val="0"/>
-              </a:spcAft>
-              <a:buClrTx/>
-              <a:buSzTx/>
-              <a:buFont typeface="Arial" panose="020B0604020202020204" pitchFamily="34" charset="0"/>
-              <a:buNone/>
-              <a:tabLst/>
-              <a:defRPr/>
-            </a:pPr>
-            <a:r>
-              <a:rPr kumimoji="0" lang="en-US" sz="2000" b="0" i="0" u="sng" strike="noStrike" kern="1200" cap="none" normalizeH="0" noProof="0" dirty="0">
-                <a:ln>
-                  <a:noFill/>
-                </a:ln>
-                <a:solidFill>
-                  <a:schemeClr val="tx1"/>
-                </a:solidFill>
-                <a:effectLst/>
-                <a:uLnTx/>
-                <a:uFillTx/>
-                <a:latin typeface="+mn-lt"/>
-                <a:ea typeface="+mn-ea"/>
-                <a:cs typeface="Biome Light" panose="020B0303030204020804" pitchFamily="34" charset="0"/>
-              </a:rPr>
-              <a:t>Database</a:t>
-            </a:r>
-          </a:p>
-          <a:p>
-            <a:pPr marL="0" marR="0" lvl="0" indent="0" defTabSz="914400" rtl="0" eaLnBrk="1" fontAlgn="auto" latinLnBrk="0" hangingPunct="1">
-              <a:lnSpc>
-                <a:spcPct val="100000"/>
-              </a:lnSpc>
-              <a:spcBef>
-                <a:spcPts val="1000"/>
-              </a:spcBef>
-              <a:spcAft>
-                <a:spcPts val="0"/>
-              </a:spcAft>
-              <a:buClrTx/>
-              <a:buSzTx/>
-              <a:buFont typeface="Arial" panose="020B0604020202020204" pitchFamily="34" charset="0"/>
-              <a:buNone/>
-              <a:tabLst/>
-              <a:defRPr/>
-            </a:pPr>
-            <a:r>
-              <a:rPr lang="en-US" sz="1600" dirty="0">
-                <a:effectLst/>
-                <a:ea typeface="Yu Mincho" panose="02020400000000000000" pitchFamily="18" charset="-128"/>
-                <a:cs typeface="Times New Roman" panose="02020603050405020304" pitchFamily="18" charset="0"/>
-              </a:rPr>
-              <a:t>CentRes will be using a MySQL relational database to store employee information and communicate information related to sales transactions and product inventory.  MySQL can help the restaurant to keep tracking the inventory. See what foods are selling more and which foods are selling less, and this can help to optimize the menu and minimize waste.</a:t>
-            </a:r>
           </a:p>
           <a:p>
             <a:pPr marL="0" marR="0" lvl="0" indent="0" algn="l" defTabSz="914400" rtl="0" eaLnBrk="1" fontAlgn="auto" latinLnBrk="0" hangingPunct="1">
@@ -8237,174 +8587,6 @@
             </a:endParaRPr>
           </a:p>
           <a:p>
-            <a:pPr marL="0" indent="0">
-              <a:buNone/>
-            </a:pPr>
-            <a:endParaRPr lang="en-US" b="1" dirty="0"/>
-          </a:p>
-        </p:txBody>
-      </p:sp>
-      <p:sp>
-        <p:nvSpPr>
-          <p:cNvPr id="16" name="Slide Number Placeholder 15">
-            <a:extLst>
-              <a:ext uri="{FF2B5EF4-FFF2-40B4-BE49-F238E27FC236}">
-                <a16:creationId xmlns:a16="http://schemas.microsoft.com/office/drawing/2014/main" xmlns="" id="{7FA57D11-A25F-4772-8E50-DDB68BE8CB69}"/>
-              </a:ext>
-            </a:extLst>
-          </p:cNvPr>
-          <p:cNvSpPr>
-            <a:spLocks noGrp="1"/>
-          </p:cNvSpPr>
-          <p:nvPr>
-            <p:ph type="sldNum" sz="quarter" idx="4"/>
-          </p:nvPr>
-        </p:nvSpPr>
-        <p:spPr/>
-        <p:txBody>
-          <a:bodyPr/>
-          <a:lstStyle/>
-          <a:p>
-            <a:fld id="{8C2E478F-E849-4A8C-AF1F-CBCC78A7CBFA}" type="slidenum">
-              <a:rPr lang="en-US" smtClean="0"/>
-              <a:pPr/>
-              <a:t>16</a:t>
-            </a:fld>
-            <a:endParaRPr lang="en-US" dirty="0"/>
-          </a:p>
-        </p:txBody>
-      </p:sp>
-    </p:spTree>
-    <p:extLst>
-      <p:ext uri="{BB962C8B-B14F-4D97-AF65-F5344CB8AC3E}">
-        <p14:creationId xmlns:p14="http://schemas.microsoft.com/office/powerpoint/2010/main" xmlns="" val="2107433842"/>
-      </p:ext>
-    </p:extLst>
-  </p:cSld>
-  <p:clrMapOvr>
-    <a:masterClrMapping/>
-  </p:clrMapOvr>
-</p:sld>
-</file>
-
-<file path=ppt/slides/slide17.xml><?xml version="1.0" encoding="utf-8"?>
-<p:sld xmlns:a="http://schemas.openxmlformats.org/drawingml/2006/main" xmlns:r="http://schemas.openxmlformats.org/officeDocument/2006/relationships" xmlns:p="http://schemas.openxmlformats.org/presentationml/2006/main">
-  <p:cSld>
-    <p:spTree>
-      <p:nvGrpSpPr>
-        <p:cNvPr id="1" name=""/>
-        <p:cNvGrpSpPr/>
-        <p:nvPr/>
-      </p:nvGrpSpPr>
-      <p:grpSpPr>
-        <a:xfrm>
-          <a:off x="0" y="0"/>
-          <a:ext cx="0" cy="0"/>
-          <a:chOff x="0" y="0"/>
-          <a:chExt cx="0" cy="0"/>
-        </a:xfrm>
-      </p:grpSpPr>
-      <p:sp>
-        <p:nvSpPr>
-          <p:cNvPr id="2" name="Title 1">
-            <a:extLst>
-              <a:ext uri="{FF2B5EF4-FFF2-40B4-BE49-F238E27FC236}">
-                <a16:creationId xmlns:a16="http://schemas.microsoft.com/office/drawing/2014/main" xmlns="" id="{12CC3376-5069-4C7B-BE6B-A3776D1B47BA}"/>
-              </a:ext>
-            </a:extLst>
-          </p:cNvPr>
-          <p:cNvSpPr>
-            <a:spLocks noGrp="1"/>
-          </p:cNvSpPr>
-          <p:nvPr>
-            <p:ph type="title"/>
-          </p:nvPr>
-        </p:nvSpPr>
-        <p:spPr>
-          <a:xfrm>
-            <a:off x="6095999" y="35082"/>
-            <a:ext cx="5897218" cy="884238"/>
-          </a:xfrm>
-        </p:spPr>
-        <p:txBody>
-          <a:bodyPr/>
-          <a:lstStyle/>
-          <a:p>
-            <a:r>
-              <a:rPr lang="en-US" dirty="0"/>
-              <a:t>High Level Design</a:t>
-            </a:r>
-          </a:p>
-        </p:txBody>
-      </p:sp>
-      <p:pic>
-        <p:nvPicPr>
-          <p:cNvPr id="6" name="Picture Placeholder 5" descr="person staring at blueprints on a brick wall">
-            <a:extLst>
-              <a:ext uri="{FF2B5EF4-FFF2-40B4-BE49-F238E27FC236}">
-                <a16:creationId xmlns:a16="http://schemas.microsoft.com/office/drawing/2014/main" xmlns="" id="{C07C315A-7CD1-432C-92FA-6B62159B56CA}"/>
-              </a:ext>
-            </a:extLst>
-          </p:cNvPr>
-          <p:cNvPicPr>
-            <a:picLocks noGrp="1" noChangeAspect="1"/>
-          </p:cNvPicPr>
-          <p:nvPr>
-            <p:ph type="pic" sz="quarter" idx="14"/>
-          </p:nvPr>
-        </p:nvPicPr>
-        <p:blipFill rotWithShape="1">
-          <a:blip r:embed="rId3">
-            <a:extLst>
-              <a:ext uri="{BEBA8EAE-BF5A-486C-A8C5-ECC9F3942E4B}">
-                <a14:imgProps xmlns:a14="http://schemas.microsoft.com/office/drawing/2010/main" xmlns="">
-                  <a14:imgLayer r:embed="rId4">
-                    <a14:imgEffect>
-                      <a14:saturation sat="0"/>
-                    </a14:imgEffect>
-                  </a14:imgLayer>
-                </a14:imgProps>
-              </a:ext>
-            </a:extLst>
-          </a:blip>
-          <a:srcRect l="23552" t="1" r="23880" b="327"/>
-          <a:stretch/>
-        </p:blipFill>
-        <p:spPr>
-          <a:xfrm>
-            <a:off x="0" y="0"/>
-            <a:ext cx="5416550" cy="6858000"/>
-          </a:xfrm>
-        </p:spPr>
-      </p:pic>
-      <p:sp>
-        <p:nvSpPr>
-          <p:cNvPr id="14" name="Content Placeholder 13">
-            <a:extLst>
-              <a:ext uri="{FF2B5EF4-FFF2-40B4-BE49-F238E27FC236}">
-                <a16:creationId xmlns:a16="http://schemas.microsoft.com/office/drawing/2014/main" xmlns="" id="{79248A72-A597-48DF-A270-3389F5D209C0}"/>
-              </a:ext>
-            </a:extLst>
-          </p:cNvPr>
-          <p:cNvSpPr>
-            <a:spLocks noGrp="1"/>
-          </p:cNvSpPr>
-          <p:nvPr>
-            <p:ph idx="1"/>
-          </p:nvPr>
-        </p:nvSpPr>
-        <p:spPr>
-          <a:xfrm>
-            <a:off x="6086167" y="673514"/>
-            <a:ext cx="5690532" cy="4949971"/>
-          </a:xfrm>
-        </p:spPr>
-        <p:txBody>
-          <a:bodyPr>
-            <a:normAutofit/>
-          </a:bodyPr>
-          <a:lstStyle/>
-          <a:p>
             <a:pPr marL="0" marR="0" lvl="0" indent="0" algn="l" defTabSz="914400" rtl="0" eaLnBrk="1" fontAlgn="auto" latinLnBrk="0" hangingPunct="1">
               <a:lnSpc>
                 <a:spcPct val="100000"/>
@@ -8422,8 +8604,69 @@
               <a:tabLst/>
               <a:defRPr/>
             </a:pPr>
-            <a:r>
-              <a:rPr kumimoji="0" lang="en-US" sz="2000" b="0" i="0" u="none" strike="noStrike" kern="1200" cap="none" normalizeH="0" noProof="0" dirty="0">
+            <a:endParaRPr lang="en-US" sz="2000" dirty="0">
+              <a:cs typeface="Biome Light" panose="020B0303030204020804" pitchFamily="34" charset="0"/>
+            </a:endParaRPr>
+          </a:p>
+          <a:p>
+            <a:pPr marL="0" marR="0" lvl="0" indent="0" algn="l" defTabSz="914400" rtl="0" eaLnBrk="1" fontAlgn="auto" latinLnBrk="0" hangingPunct="1">
+              <a:lnSpc>
+                <a:spcPct val="100000"/>
+              </a:lnSpc>
+              <a:spcBef>
+                <a:spcPts val="1000"/>
+              </a:spcBef>
+              <a:spcAft>
+                <a:spcPts val="0"/>
+              </a:spcAft>
+              <a:buClrTx/>
+              <a:buSzTx/>
+              <a:buFont typeface="Arial" panose="020B0604020202020204" pitchFamily="34" charset="0"/>
+              <a:buNone/>
+              <a:tabLst/>
+              <a:defRPr/>
+            </a:pPr>
+            <a:r>
+              <a:rPr lang="en-US" sz="2000" dirty="0">
+                <a:cs typeface="Biome Light" panose="020B0303030204020804" pitchFamily="34" charset="0"/>
+              </a:rPr>
+              <a:t>Data Flow Diagram</a:t>
+            </a:r>
+            <a:endParaRPr kumimoji="0" lang="en-US" sz="2000" b="0" i="0" u="none" strike="noStrike" kern="1200" cap="none" normalizeH="0" noProof="0" dirty="0">
+              <a:ln>
+                <a:noFill/>
+              </a:ln>
+              <a:solidFill>
+                <a:schemeClr val="tx1"/>
+              </a:solidFill>
+              <a:effectLst/>
+              <a:uLnTx/>
+              <a:uFillTx/>
+              <a:latin typeface="+mn-lt"/>
+              <a:ea typeface="+mn-ea"/>
+              <a:cs typeface="Biome Light" panose="020B0303030204020804" pitchFamily="34" charset="0"/>
+            </a:endParaRPr>
+          </a:p>
+          <a:p>
+            <a:pPr marL="0" marR="0" lvl="0" indent="0" algn="l" defTabSz="914400" rtl="0" eaLnBrk="1" fontAlgn="auto" latinLnBrk="0" hangingPunct="1">
+              <a:lnSpc>
+                <a:spcPct val="100000"/>
+              </a:lnSpc>
+              <a:spcBef>
+                <a:spcPts val="1000"/>
+              </a:spcBef>
+              <a:spcAft>
+                <a:spcPts val="0"/>
+              </a:spcAft>
+              <a:buClrTx/>
+              <a:buSzTx/>
+              <a:buFont typeface="Arial" panose="020B0604020202020204" pitchFamily="34" charset="0"/>
+              <a:buNone/>
+              <a:tabLst/>
+              <a:defRPr/>
+            </a:pPr>
+            <a:r>
+              <a:rPr kumimoji="0" lang="en-US" sz="1600" b="0" i="0" u="none" strike="noStrike" kern="1200" cap="none" normalizeH="0" noProof="0" dirty="0">
                 <a:ln>
                   <a:noFill/>
                 </a:ln>
@@ -8437,7 +8680,7 @@
                 <a:ea typeface="+mn-ea"/>
                 <a:cs typeface="Biome Light" panose="020B0303030204020804" pitchFamily="34" charset="0"/>
               </a:rPr>
-              <a:t>Class Diagram</a:t>
+              <a:t>Customer satisfaction increased from 70 to 80%</a:t>
             </a:r>
           </a:p>
           <a:p>
@@ -8474,252 +8717,6 @@
             </a:endParaRPr>
           </a:p>
           <a:p>
-            <a:pPr marL="0" marR="0" lvl="0" indent="0" algn="l" defTabSz="914400" rtl="0" eaLnBrk="1" fontAlgn="auto" latinLnBrk="0" hangingPunct="1">
-              <a:lnSpc>
-                <a:spcPct val="100000"/>
-              </a:lnSpc>
-              <a:spcBef>
-                <a:spcPts val="1000"/>
-              </a:spcBef>
-              <a:spcAft>
-                <a:spcPts val="0"/>
-              </a:spcAft>
-              <a:buClrTx/>
-              <a:buSzTx/>
-              <a:buFont typeface="Arial" panose="020B0604020202020204" pitchFamily="34" charset="0"/>
-              <a:buNone/>
-              <a:tabLst/>
-              <a:defRPr/>
-            </a:pPr>
-            <a:endParaRPr kumimoji="0" lang="en-US" sz="1600" b="0" i="0" u="none" strike="noStrike" kern="1200" cap="none" normalizeH="0" noProof="0" dirty="0">
-              <a:ln>
-                <a:noFill/>
-              </a:ln>
-              <a:solidFill>
-                <a:schemeClr val="tx1"/>
-              </a:solidFill>
-              <a:effectLst/>
-              <a:uLnTx/>
-              <a:uFillTx/>
-              <a:latin typeface="+mn-lt"/>
-              <a:ea typeface="+mn-ea"/>
-              <a:cs typeface="Biome Light" panose="020B0303030204020804" pitchFamily="34" charset="0"/>
-            </a:endParaRPr>
-          </a:p>
-          <a:p>
-            <a:pPr marL="0" marR="0" lvl="0" indent="0" algn="l" defTabSz="914400" rtl="0" eaLnBrk="1" fontAlgn="auto" latinLnBrk="0" hangingPunct="1">
-              <a:lnSpc>
-                <a:spcPct val="100000"/>
-              </a:lnSpc>
-              <a:spcBef>
-                <a:spcPts val="1000"/>
-              </a:spcBef>
-              <a:spcAft>
-                <a:spcPts val="0"/>
-              </a:spcAft>
-              <a:buClrTx/>
-              <a:buSzTx/>
-              <a:buFont typeface="Arial" panose="020B0604020202020204" pitchFamily="34" charset="0"/>
-              <a:buNone/>
-              <a:tabLst/>
-              <a:defRPr/>
-            </a:pPr>
-            <a:endParaRPr lang="en-US" dirty="0">
-              <a:cs typeface="Biome Light" panose="020B0303030204020804" pitchFamily="34" charset="0"/>
-            </a:endParaRPr>
-          </a:p>
-          <a:p>
-            <a:pPr marL="0" marR="0" lvl="0" indent="0" algn="l" defTabSz="914400" rtl="0" eaLnBrk="1" fontAlgn="auto" latinLnBrk="0" hangingPunct="1">
-              <a:lnSpc>
-                <a:spcPct val="100000"/>
-              </a:lnSpc>
-              <a:spcBef>
-                <a:spcPts val="1000"/>
-              </a:spcBef>
-              <a:spcAft>
-                <a:spcPts val="0"/>
-              </a:spcAft>
-              <a:buClrTx/>
-              <a:buSzTx/>
-              <a:buFont typeface="Arial" panose="020B0604020202020204" pitchFamily="34" charset="0"/>
-              <a:buNone/>
-              <a:tabLst/>
-              <a:defRPr/>
-            </a:pPr>
-            <a:endParaRPr lang="en-US" dirty="0">
-              <a:cs typeface="Biome Light" panose="020B0303030204020804" pitchFamily="34" charset="0"/>
-            </a:endParaRPr>
-          </a:p>
-          <a:p>
-            <a:pPr marL="0" marR="0" lvl="0" indent="0" algn="l" defTabSz="914400" rtl="0" eaLnBrk="1" fontAlgn="auto" latinLnBrk="0" hangingPunct="1">
-              <a:lnSpc>
-                <a:spcPct val="100000"/>
-              </a:lnSpc>
-              <a:spcBef>
-                <a:spcPts val="1000"/>
-              </a:spcBef>
-              <a:spcAft>
-                <a:spcPts val="0"/>
-              </a:spcAft>
-              <a:buClrTx/>
-              <a:buSzTx/>
-              <a:buFont typeface="Arial" panose="020B0604020202020204" pitchFamily="34" charset="0"/>
-              <a:buNone/>
-              <a:tabLst/>
-              <a:defRPr/>
-            </a:pPr>
-            <a:endParaRPr kumimoji="0" lang="en-US" sz="1600" b="0" i="0" u="none" strike="noStrike" kern="1200" cap="none" normalizeH="0" noProof="0" dirty="0">
-              <a:ln>
-                <a:noFill/>
-              </a:ln>
-              <a:solidFill>
-                <a:schemeClr val="tx1"/>
-              </a:solidFill>
-              <a:effectLst/>
-              <a:uLnTx/>
-              <a:uFillTx/>
-              <a:latin typeface="+mn-lt"/>
-              <a:ea typeface="+mn-ea"/>
-              <a:cs typeface="Biome Light" panose="020B0303030204020804" pitchFamily="34" charset="0"/>
-            </a:endParaRPr>
-          </a:p>
-          <a:p>
-            <a:pPr marL="0" marR="0" lvl="0" indent="0" algn="l" defTabSz="914400" rtl="0" eaLnBrk="1" fontAlgn="auto" latinLnBrk="0" hangingPunct="1">
-              <a:lnSpc>
-                <a:spcPct val="100000"/>
-              </a:lnSpc>
-              <a:spcBef>
-                <a:spcPts val="1000"/>
-              </a:spcBef>
-              <a:spcAft>
-                <a:spcPts val="0"/>
-              </a:spcAft>
-              <a:buClrTx/>
-              <a:buSzTx/>
-              <a:buFont typeface="Arial" panose="020B0604020202020204" pitchFamily="34" charset="0"/>
-              <a:buNone/>
-              <a:tabLst/>
-              <a:defRPr/>
-            </a:pPr>
-            <a:endParaRPr lang="en-US" sz="2000" dirty="0" smtClean="0">
-              <a:cs typeface="Biome Light" panose="020B0303030204020804" pitchFamily="34" charset="0"/>
-            </a:endParaRPr>
-          </a:p>
-          <a:p>
-            <a:pPr marL="0" marR="0" lvl="0" indent="0" algn="l" defTabSz="914400" rtl="0" eaLnBrk="1" fontAlgn="auto" latinLnBrk="0" hangingPunct="1">
-              <a:lnSpc>
-                <a:spcPct val="100000"/>
-              </a:lnSpc>
-              <a:spcBef>
-                <a:spcPts val="1000"/>
-              </a:spcBef>
-              <a:spcAft>
-                <a:spcPts val="0"/>
-              </a:spcAft>
-              <a:buClrTx/>
-              <a:buSzTx/>
-              <a:buFont typeface="Arial" panose="020B0604020202020204" pitchFamily="34" charset="0"/>
-              <a:buNone/>
-              <a:tabLst/>
-              <a:defRPr/>
-            </a:pPr>
-            <a:r>
-              <a:rPr lang="en-US" sz="2000" dirty="0" smtClean="0">
-                <a:cs typeface="Biome Light" panose="020B0303030204020804" pitchFamily="34" charset="0"/>
-              </a:rPr>
-              <a:t>Data </a:t>
-            </a:r>
-            <a:r>
-              <a:rPr lang="en-US" sz="2000" dirty="0">
-                <a:cs typeface="Biome Light" panose="020B0303030204020804" pitchFamily="34" charset="0"/>
-              </a:rPr>
-              <a:t>Flow Diagram</a:t>
-            </a:r>
-            <a:endParaRPr kumimoji="0" lang="en-US" sz="2000" b="0" i="0" u="none" strike="noStrike" kern="1200" cap="none" normalizeH="0" noProof="0" dirty="0">
-              <a:ln>
-                <a:noFill/>
-              </a:ln>
-              <a:solidFill>
-                <a:schemeClr val="tx1"/>
-              </a:solidFill>
-              <a:effectLst/>
-              <a:uLnTx/>
-              <a:uFillTx/>
-              <a:latin typeface="+mn-lt"/>
-              <a:ea typeface="+mn-ea"/>
-              <a:cs typeface="Biome Light" panose="020B0303030204020804" pitchFamily="34" charset="0"/>
-            </a:endParaRPr>
-          </a:p>
-          <a:p>
-            <a:pPr marL="0" marR="0" lvl="0" indent="0" algn="l" defTabSz="914400" rtl="0" eaLnBrk="1" fontAlgn="auto" latinLnBrk="0" hangingPunct="1">
-              <a:lnSpc>
-                <a:spcPct val="100000"/>
-              </a:lnSpc>
-              <a:spcBef>
-                <a:spcPts val="1000"/>
-              </a:spcBef>
-              <a:spcAft>
-                <a:spcPts val="0"/>
-              </a:spcAft>
-              <a:buClrTx/>
-              <a:buSzTx/>
-              <a:buFont typeface="Arial" panose="020B0604020202020204" pitchFamily="34" charset="0"/>
-              <a:buNone/>
-              <a:tabLst/>
-              <a:defRPr/>
-            </a:pPr>
-            <a:r>
-              <a:rPr kumimoji="0" lang="en-US" sz="1600" b="0" i="0" u="none" strike="noStrike" kern="1200" cap="none" normalizeH="0" noProof="0" dirty="0">
-                <a:ln>
-                  <a:noFill/>
-                </a:ln>
-                <a:solidFill>
-                  <a:schemeClr val="tx1"/>
-                </a:solidFill>
-                <a:effectLst/>
-                <a:uLnTx/>
-                <a:uFillTx/>
-                <a:latin typeface="+mn-lt"/>
-                <a:ea typeface="+mn-ea"/>
-                <a:cs typeface="Biome Light" panose="020B0303030204020804" pitchFamily="34" charset="0"/>
-              </a:rPr>
-              <a:t>Customer satisfaction increased from 70 to 80%</a:t>
-            </a:r>
-          </a:p>
-          <a:p>
-            <a:pPr marL="0" marR="0" lvl="0" indent="0" algn="l" defTabSz="914400" rtl="0" eaLnBrk="1" fontAlgn="auto" latinLnBrk="0" hangingPunct="1">
-              <a:lnSpc>
-                <a:spcPct val="100000"/>
-              </a:lnSpc>
-              <a:spcBef>
-                <a:spcPts val="1000"/>
-              </a:spcBef>
-              <a:spcAft>
-                <a:spcPts val="0"/>
-              </a:spcAft>
-              <a:buClrTx/>
-              <a:buSzTx/>
-              <a:buFont typeface="Arial" panose="020B0604020202020204" pitchFamily="34" charset="0"/>
-              <a:buNone/>
-              <a:tabLst/>
-              <a:defRPr/>
-            </a:pPr>
-            <a:endParaRPr kumimoji="0" lang="en-US" sz="1600" b="0" i="0" u="none" strike="noStrike" kern="1200" cap="none" normalizeH="0" noProof="0" dirty="0">
-              <a:ln>
-                <a:noFill/>
-              </a:ln>
-              <a:solidFill>
-                <a:schemeClr val="tx1"/>
-              </a:solidFill>
-              <a:effectLst/>
-              <a:uLnTx/>
-              <a:uFillTx/>
-              <a:latin typeface="+mn-lt"/>
-              <a:ea typeface="+mn-ea"/>
-              <a:cs typeface="Biome Light" panose="020B0303030204020804" pitchFamily="34" charset="0"/>
-            </a:endParaRPr>
-          </a:p>
-          <a:p>
             <a:pPr marL="0" indent="0">
               <a:buNone/>
             </a:pPr>
@@ -8732,7 +8729,7 @@
           <p:cNvPr id="16" name="Slide Number Placeholder 15">
             <a:extLst>
               <a:ext uri="{FF2B5EF4-FFF2-40B4-BE49-F238E27FC236}">
-                <a16:creationId xmlns:a16="http://schemas.microsoft.com/office/drawing/2014/main" xmlns="" id="{7FA57D11-A25F-4772-8E50-DDB68BE8CB69}"/>
+                <a16:creationId xmlns:a16="http://schemas.microsoft.com/office/drawing/2014/main" id="{7FA57D11-A25F-4772-8E50-DDB68BE8CB69}"/>
               </a:ext>
             </a:extLst>
           </p:cNvPr>
@@ -8767,7 +8764,7 @@
           <a:blip r:embed="rId5">
             <a:extLst>
               <a:ext uri="{28A0092B-C50C-407E-A947-70E740481C1C}">
-                <a14:useLocalDpi xmlns="" xmlns:wpc="http://schemas.microsoft.com/office/word/2010/wordprocessingCanvas" xmlns:cx="http://schemas.microsoft.com/office/drawing/2014/chartex" xmlns:cx1="http://schemas.microsoft.com/office/drawing/2015/9/8/chartex" xmlns:cx2="http://schemas.microsoft.com/office/drawing/2015/10/21/chartex" xmlns:cx3="http://schemas.microsoft.com/office/drawing/2016/5/9/chartex" xmlns:cx4="http://schemas.microsoft.com/office/drawing/2016/5/10/chartex" xmlns:cx5="http://schemas.microsoft.com/office/drawing/2016/5/11/chartex" xmlns:cx6="http://schemas.microsoft.com/office/drawing/2016/5/12/chartex" xmlns:cx7="http://schemas.microsoft.com/office/drawing/2016/5/13/chartex" xmlns:cx8="http://schemas.microsoft.com/office/drawing/2016/5/14/chartex" xmlns:mc="http://schemas.openxmlformats.org/markup-compatibility/2006" xmlns:aink="http://schemas.microsoft.com/office/drawing/2016/ink" xmlns:am3d="http://schemas.microsoft.com/office/drawing/2017/model3d" xmlns:o="urn:schemas-microsoft-com:office:office" xmlns:oel="http://schemas.microsoft.com/office/2019/extlst" xmlns:m="http://schemas.openxmlformats.org/officeDocument/2006/math" xmlns:v="urn:schemas-microsoft-com:vml" xmlns:wp14="http://schemas.microsoft.com/office/word/2010/wordprocessingDrawing" xmlns:wp="http://schemas.openxmlformats.org/drawingml/2006/wordprocessingDrawing" xmlns:w10="urn:schemas-microsoft-com:office:word" xmlns:w="http://schemas.openxmlformats.org/wordprocessingml/2006/main" xmlns:w14="http://schemas.microsoft.com/office/word/2010/wordml" xmlns:w15="http://schemas.microsoft.com/office/word/2012/wordml" xmlns:w16cex="http://schemas.microsoft.com/office/word/2018/wordml/cex" xmlns:w16cid="http://schemas.microsoft.com/office/word/2016/wordml/cid" xmlns:w16="http://schemas.microsoft.com/office/word/2018/wordml" xmlns:w16sdtdh="http://schemas.microsoft.com/office/word/2020/wordml/sdtdatahash" xmlns:w16se="http://schemas.microsoft.com/office/word/2015/wordml/symex" xmlns:wpg="http://schemas.microsoft.com/office/word/2010/wordprocessingGroup" xmlns:wpi="http://schemas.microsoft.com/office/word/2010/wordprocessingInk" xmlns:wne="http://schemas.microsoft.com/office/word/2006/wordml" xmlns:wps="http://schemas.microsoft.com/office/word/2010/wordprocessingShape" xmlns:a14="http://schemas.microsoft.com/office/drawing/2010/main" xmlns:pic="http://schemas.openxmlformats.org/drawingml/2006/picture" xmlns:lc="http://schemas.openxmlformats.org/drawingml/2006/lockedCanvas" val="0"/>
+                <a14:useLocalDpi xmlns:a14="http://schemas.microsoft.com/office/drawing/2010/main" val="0"/>
               </a:ext>
             </a:extLst>
           </a:blip>
@@ -8793,7 +8790,7 @@
     </p:spTree>
     <p:extLst>
       <p:ext uri="{BB962C8B-B14F-4D97-AF65-F5344CB8AC3E}">
-        <p14:creationId xmlns:p14="http://schemas.microsoft.com/office/powerpoint/2010/main" xmlns="" val="692636852"/>
+        <p14:creationId xmlns:p14="http://schemas.microsoft.com/office/powerpoint/2010/main" val="692636852"/>
       </p:ext>
     </p:extLst>
   </p:cSld>
@@ -8825,7 +8822,7 @@
           <p:cNvPr id="3" name="Title 2">
             <a:extLst>
               <a:ext uri="{FF2B5EF4-FFF2-40B4-BE49-F238E27FC236}">
-                <a16:creationId xmlns:a16="http://schemas.microsoft.com/office/drawing/2014/main" xmlns="" id="{1D24B42B-925B-494C-A986-BD85E8117E1E}"/>
+                <a16:creationId xmlns:a16="http://schemas.microsoft.com/office/drawing/2014/main" id="{1D24B42B-925B-494C-A986-BD85E8117E1E}"/>
               </a:ext>
             </a:extLst>
           </p:cNvPr>
@@ -8860,7 +8857,7 @@
           <p:cNvPr id="8" name="Picture Placeholder 7" descr="close up of computer code">
             <a:extLst>
               <a:ext uri="{FF2B5EF4-FFF2-40B4-BE49-F238E27FC236}">
-                <a16:creationId xmlns:a16="http://schemas.microsoft.com/office/drawing/2014/main" xmlns="" id="{A596BF19-CC58-4709-B5D6-3FC378FDC7BA}"/>
+                <a16:creationId xmlns:a16="http://schemas.microsoft.com/office/drawing/2014/main" id="{A596BF19-CC58-4709-B5D6-3FC378FDC7BA}"/>
               </a:ext>
             </a:extLst>
           </p:cNvPr>
@@ -8875,7 +8872,7 @@
           <a:blip r:embed="rId2">
             <a:extLst>
               <a:ext uri="{BEBA8EAE-BF5A-486C-A8C5-ECC9F3942E4B}">
-                <a14:imgProps xmlns:a14="http://schemas.microsoft.com/office/drawing/2010/main" xmlns="">
+                <a14:imgProps xmlns:a14="http://schemas.microsoft.com/office/drawing/2010/main">
                   <a14:imgLayer r:embed="rId3">
                     <a14:imgEffect>
                       <a14:saturation sat="0"/>
@@ -8900,7 +8897,7 @@
           <p:cNvPr id="2" name="Text Placeholder 1">
             <a:extLst>
               <a:ext uri="{FF2B5EF4-FFF2-40B4-BE49-F238E27FC236}">
-                <a16:creationId xmlns:a16="http://schemas.microsoft.com/office/drawing/2014/main" xmlns="" id="{B156CAF1-214F-4566-9B0D-DACA1063E8C8}"/>
+                <a16:creationId xmlns:a16="http://schemas.microsoft.com/office/drawing/2014/main" id="{B156CAF1-214F-4566-9B0D-DACA1063E8C8}"/>
               </a:ext>
             </a:extLst>
           </p:cNvPr>
@@ -9021,10 +9018,25 @@
               <a:buFont typeface="Arial" panose="020B0604020202020204" pitchFamily="34" charset="0"/>
               <a:buChar char="•"/>
             </a:pPr>
-            <a:endParaRPr lang="en-US" sz="1600" spc="0" dirty="0">
+            <a:endParaRPr lang="en-US" spc="0" dirty="0">
               <a:cs typeface="Arial" panose="020B0604020202020204" pitchFamily="34" charset="0"/>
             </a:endParaRPr>
           </a:p>
+          <a:p>
+            <a:pPr algn="l"/>
+            <a:endParaRPr lang="en-US" spc="0" dirty="0">
+              <a:cs typeface="Arial" panose="020B0604020202020204" pitchFamily="34" charset="0"/>
+            </a:endParaRPr>
+          </a:p>
+          <a:p>
+            <a:pPr marL="285750" indent="-285750" algn="l">
+              <a:buFont typeface="Arial" panose="020B0604020202020204" pitchFamily="34" charset="0"/>
+              <a:buChar char="•"/>
+            </a:pPr>
+            <a:endParaRPr lang="en-US" spc="0" dirty="0">
+              <a:cs typeface="Arial" panose="020B0604020202020204" pitchFamily="34" charset="0"/>
+            </a:endParaRPr>
+          </a:p>
         </p:txBody>
       </p:sp>
       <p:sp>
@@ -9032,7 +9044,7 @@
           <p:cNvPr id="6" name="Slide Number Placeholder 5">
             <a:extLst>
               <a:ext uri="{FF2B5EF4-FFF2-40B4-BE49-F238E27FC236}">
-                <a16:creationId xmlns:a16="http://schemas.microsoft.com/office/drawing/2014/main" xmlns="" id="{FC6A5C12-E784-444E-B868-DE2AE85742BB}"/>
+                <a16:creationId xmlns:a16="http://schemas.microsoft.com/office/drawing/2014/main" id="{FC6A5C12-E784-444E-B868-DE2AE85742BB}"/>
               </a:ext>
             </a:extLst>
           </p:cNvPr>
@@ -9060,7 +9072,7 @@
     </p:spTree>
     <p:extLst>
       <p:ext uri="{BB962C8B-B14F-4D97-AF65-F5344CB8AC3E}">
-        <p14:creationId xmlns:p14="http://schemas.microsoft.com/office/powerpoint/2010/main" xmlns="" val="2918897839"/>
+        <p14:creationId xmlns:p14="http://schemas.microsoft.com/office/powerpoint/2010/main" val="2918897839"/>
       </p:ext>
     </p:extLst>
   </p:cSld>
@@ -9092,7 +9104,7 @@
           <p:cNvPr id="3" name="Title 2">
             <a:extLst>
               <a:ext uri="{FF2B5EF4-FFF2-40B4-BE49-F238E27FC236}">
-                <a16:creationId xmlns:a16="http://schemas.microsoft.com/office/drawing/2014/main" xmlns="" id="{1D24B42B-925B-494C-A986-BD85E8117E1E}"/>
+                <a16:creationId xmlns:a16="http://schemas.microsoft.com/office/drawing/2014/main" id="{1D24B42B-925B-494C-A986-BD85E8117E1E}"/>
               </a:ext>
             </a:extLst>
           </p:cNvPr>
@@ -9127,7 +9139,7 @@
           <p:cNvPr id="8" name="Picture Placeholder 7" descr="close up of computer code">
             <a:extLst>
               <a:ext uri="{FF2B5EF4-FFF2-40B4-BE49-F238E27FC236}">
-                <a16:creationId xmlns:a16="http://schemas.microsoft.com/office/drawing/2014/main" xmlns="" id="{A596BF19-CC58-4709-B5D6-3FC378FDC7BA}"/>
+                <a16:creationId xmlns:a16="http://schemas.microsoft.com/office/drawing/2014/main" id="{A596BF19-CC58-4709-B5D6-3FC378FDC7BA}"/>
               </a:ext>
             </a:extLst>
           </p:cNvPr>
@@ -9142,7 +9154,7 @@
           <a:blip r:embed="rId2">
             <a:extLst>
               <a:ext uri="{BEBA8EAE-BF5A-486C-A8C5-ECC9F3942E4B}">
-                <a14:imgProps xmlns:a14="http://schemas.microsoft.com/office/drawing/2010/main" xmlns="">
+                <a14:imgProps xmlns:a14="http://schemas.microsoft.com/office/drawing/2010/main">
                   <a14:imgLayer r:embed="rId3">
                     <a14:imgEffect>
                       <a14:saturation sat="0"/>
@@ -9167,7 +9179,7 @@
           <p:cNvPr id="2" name="Text Placeholder 1">
             <a:extLst>
               <a:ext uri="{FF2B5EF4-FFF2-40B4-BE49-F238E27FC236}">
-                <a16:creationId xmlns:a16="http://schemas.microsoft.com/office/drawing/2014/main" xmlns="" id="{B156CAF1-214F-4566-9B0D-DACA1063E8C8}"/>
+                <a16:creationId xmlns:a16="http://schemas.microsoft.com/office/drawing/2014/main" id="{B156CAF1-214F-4566-9B0D-DACA1063E8C8}"/>
               </a:ext>
             </a:extLst>
           </p:cNvPr>
@@ -9227,7 +9239,7 @@
           <p:cNvPr id="6" name="Slide Number Placeholder 5">
             <a:extLst>
               <a:ext uri="{FF2B5EF4-FFF2-40B4-BE49-F238E27FC236}">
-                <a16:creationId xmlns:a16="http://schemas.microsoft.com/office/drawing/2014/main" xmlns="" id="{FC6A5C12-E784-444E-B868-DE2AE85742BB}"/>
+                <a16:creationId xmlns:a16="http://schemas.microsoft.com/office/drawing/2014/main" id="{FC6A5C12-E784-444E-B868-DE2AE85742BB}"/>
               </a:ext>
             </a:extLst>
           </p:cNvPr>
@@ -9255,7 +9267,7 @@
     </p:spTree>
     <p:extLst>
       <p:ext uri="{BB962C8B-B14F-4D97-AF65-F5344CB8AC3E}">
-        <p14:creationId xmlns:p14="http://schemas.microsoft.com/office/powerpoint/2010/main" xmlns="" val="3853358220"/>
+        <p14:creationId xmlns:p14="http://schemas.microsoft.com/office/powerpoint/2010/main" val="3853358220"/>
       </p:ext>
     </p:extLst>
   </p:cSld>
@@ -9287,7 +9299,7 @@
           <p:cNvPr id="2" name="Title 1">
             <a:extLst>
               <a:ext uri="{FF2B5EF4-FFF2-40B4-BE49-F238E27FC236}">
-                <a16:creationId xmlns:a16="http://schemas.microsoft.com/office/drawing/2014/main" xmlns="" id="{BE3A87B3-0A27-4EE9-979E-B69581E476F0}"/>
+                <a16:creationId xmlns:a16="http://schemas.microsoft.com/office/drawing/2014/main" id="{BE3A87B3-0A27-4EE9-979E-B69581E476F0}"/>
               </a:ext>
             </a:extLst>
           </p:cNvPr>
@@ -9320,7 +9332,7 @@
           <p:cNvPr id="8" name="Picture Placeholder 7" descr="group of people at a conference table">
             <a:extLst>
               <a:ext uri="{FF2B5EF4-FFF2-40B4-BE49-F238E27FC236}">
-                <a16:creationId xmlns:a16="http://schemas.microsoft.com/office/drawing/2014/main" xmlns="" id="{BB76F5AB-0940-46E1-85F9-6A870D7D04C9}"/>
+                <a16:creationId xmlns:a16="http://schemas.microsoft.com/office/drawing/2014/main" id="{BB76F5AB-0940-46E1-85F9-6A870D7D04C9}"/>
               </a:ext>
             </a:extLst>
           </p:cNvPr>
@@ -9335,7 +9347,7 @@
           <a:blip r:embed="rId2">
             <a:extLst>
               <a:ext uri="{BEBA8EAE-BF5A-486C-A8C5-ECC9F3942E4B}">
-                <a14:imgProps xmlns:a14="http://schemas.microsoft.com/office/drawing/2010/main" xmlns="">
+                <a14:imgProps xmlns:a14="http://schemas.microsoft.com/office/drawing/2010/main">
                   <a14:imgLayer r:embed="rId3">
                     <a14:imgEffect>
                       <a14:saturation sat="0"/>
@@ -9355,7 +9367,7 @@
           <p:cNvPr id="6" name="Text Placeholder 5">
             <a:extLst>
               <a:ext uri="{FF2B5EF4-FFF2-40B4-BE49-F238E27FC236}">
-                <a16:creationId xmlns:a16="http://schemas.microsoft.com/office/drawing/2014/main" xmlns="" id="{F3C89A40-EEAA-43AB-9A3A-B2CFDE450F1B}"/>
+                <a16:creationId xmlns:a16="http://schemas.microsoft.com/office/drawing/2014/main" id="{F3C89A40-EEAA-43AB-9A3A-B2CFDE450F1B}"/>
               </a:ext>
             </a:extLst>
           </p:cNvPr>
@@ -9469,7 +9481,7 @@
           <p:cNvPr id="7" name="Slide Number Placeholder 6">
             <a:extLst>
               <a:ext uri="{FF2B5EF4-FFF2-40B4-BE49-F238E27FC236}">
-                <a16:creationId xmlns:a16="http://schemas.microsoft.com/office/drawing/2014/main" xmlns="" id="{F29F8048-1E86-48F4-B246-D2F8C54B7EB1}"/>
+                <a16:creationId xmlns:a16="http://schemas.microsoft.com/office/drawing/2014/main" id="{F29F8048-1E86-48F4-B246-D2F8C54B7EB1}"/>
               </a:ext>
             </a:extLst>
           </p:cNvPr>
@@ -9497,7 +9509,7 @@
     </p:spTree>
     <p:extLst>
       <p:ext uri="{BB962C8B-B14F-4D97-AF65-F5344CB8AC3E}">
-        <p14:creationId xmlns:p14="http://schemas.microsoft.com/office/powerpoint/2010/main" xmlns="" val="1649098948"/>
+        <p14:creationId xmlns:p14="http://schemas.microsoft.com/office/powerpoint/2010/main" val="1649098948"/>
       </p:ext>
     </p:extLst>
   </p:cSld>
@@ -9537,7 +9549,7 @@
           <p:cNvPr id="40" name="Picture Placeholder 7" descr="abstract image">
             <a:extLst>
               <a:ext uri="{FF2B5EF4-FFF2-40B4-BE49-F238E27FC236}">
-                <a16:creationId xmlns:a16="http://schemas.microsoft.com/office/drawing/2014/main" xmlns="" id="{D5C5EA1B-F06D-4AD1-B526-89C2DF772232}"/>
+                <a16:creationId xmlns:a16="http://schemas.microsoft.com/office/drawing/2014/main" id="{D5C5EA1B-F06D-4AD1-B526-89C2DF772232}"/>
               </a:ext>
             </a:extLst>
           </p:cNvPr>
@@ -9551,7 +9563,7 @@
             <a:alphaModFix amt="52000"/>
             <a:extLst>
               <a:ext uri="{BEBA8EAE-BF5A-486C-A8C5-ECC9F3942E4B}">
-                <a14:imgProps xmlns:a14="http://schemas.microsoft.com/office/drawing/2010/main" xmlns="">
+                <a14:imgProps xmlns:a14="http://schemas.microsoft.com/office/drawing/2010/main">
                   <a14:imgLayer r:embed="rId3">
                     <a14:imgEffect>
                       <a14:saturation sat="0"/>
@@ -9580,7 +9592,7 @@
           <p:cNvPr id="6" name="Title 5">
             <a:extLst>
               <a:ext uri="{FF2B5EF4-FFF2-40B4-BE49-F238E27FC236}">
-                <a16:creationId xmlns:a16="http://schemas.microsoft.com/office/drawing/2014/main" xmlns="" id="{4F7706BE-EF2E-459C-8778-01DDD354C634}"/>
+                <a16:creationId xmlns:a16="http://schemas.microsoft.com/office/drawing/2014/main" id="{4F7706BE-EF2E-459C-8778-01DDD354C634}"/>
               </a:ext>
             </a:extLst>
           </p:cNvPr>
@@ -9615,7 +9627,7 @@
           <p:cNvPr id="3" name="Text Placeholder 2">
             <a:extLst>
               <a:ext uri="{FF2B5EF4-FFF2-40B4-BE49-F238E27FC236}">
-                <a16:creationId xmlns:a16="http://schemas.microsoft.com/office/drawing/2014/main" xmlns="" id="{C747C414-85D9-40D6-9BB3-5AF68A84F413}"/>
+                <a16:creationId xmlns:a16="http://schemas.microsoft.com/office/drawing/2014/main" id="{C747C414-85D9-40D6-9BB3-5AF68A84F413}"/>
               </a:ext>
             </a:extLst>
           </p:cNvPr>
@@ -9646,7 +9658,7 @@
     </p:spTree>
     <p:extLst>
       <p:ext uri="{BB962C8B-B14F-4D97-AF65-F5344CB8AC3E}">
-        <p14:creationId xmlns:p14="http://schemas.microsoft.com/office/powerpoint/2010/main" xmlns="" val="927727573"/>
+        <p14:creationId xmlns:p14="http://schemas.microsoft.com/office/powerpoint/2010/main" val="927727573"/>
       </p:ext>
     </p:extLst>
   </p:cSld>
@@ -9686,7 +9698,7 @@
           <p:cNvPr id="8" name="Picture Placeholder 7" descr="close up of computer code">
             <a:extLst>
               <a:ext uri="{FF2B5EF4-FFF2-40B4-BE49-F238E27FC236}">
-                <a16:creationId xmlns:a16="http://schemas.microsoft.com/office/drawing/2014/main" xmlns="" id="{1D5DB266-C804-437C-AED7-3D057820D244}"/>
+                <a16:creationId xmlns:a16="http://schemas.microsoft.com/office/drawing/2014/main" id="{1D5DB266-C804-437C-AED7-3D057820D244}"/>
               </a:ext>
             </a:extLst>
           </p:cNvPr>
@@ -9702,7 +9714,7 @@
             <a:alphaModFix amt="35000"/>
             <a:extLst>
               <a:ext uri="{BEBA8EAE-BF5A-486C-A8C5-ECC9F3942E4B}">
-                <a14:imgProps xmlns:a14="http://schemas.microsoft.com/office/drawing/2010/main" xmlns="">
+                <a14:imgProps xmlns:a14="http://schemas.microsoft.com/office/drawing/2010/main">
                   <a14:imgLayer r:embed="rId3">
                     <a14:imgEffect>
                       <a14:saturation sat="0"/>
@@ -9722,7 +9734,7 @@
           <p:cNvPr id="5" name="Title 4">
             <a:extLst>
               <a:ext uri="{FF2B5EF4-FFF2-40B4-BE49-F238E27FC236}">
-                <a16:creationId xmlns:a16="http://schemas.microsoft.com/office/drawing/2014/main" xmlns="" id="{14AB6F96-E5E8-4B40-A18C-2D078D1C2D4F}"/>
+                <a16:creationId xmlns:a16="http://schemas.microsoft.com/office/drawing/2014/main" id="{14AB6F96-E5E8-4B40-A18C-2D078D1C2D4F}"/>
               </a:ext>
             </a:extLst>
           </p:cNvPr>
@@ -9792,7 +9804,7 @@
           <p:cNvPr id="3" name="TextBox 2">
             <a:extLst>
               <a:ext uri="{FF2B5EF4-FFF2-40B4-BE49-F238E27FC236}">
-                <a16:creationId xmlns:a16="http://schemas.microsoft.com/office/drawing/2014/main" xmlns="" id="{00B88F18-6EAE-7043-9C4E-EFA02E006C10}"/>
+                <a16:creationId xmlns:a16="http://schemas.microsoft.com/office/drawing/2014/main" id="{00B88F18-6EAE-7043-9C4E-EFA02E006C10}"/>
               </a:ext>
             </a:extLst>
           </p:cNvPr>
@@ -9826,7 +9838,7 @@
     </p:spTree>
     <p:extLst>
       <p:ext uri="{BB962C8B-B14F-4D97-AF65-F5344CB8AC3E}">
-        <p14:creationId xmlns:p14="http://schemas.microsoft.com/office/powerpoint/2010/main" xmlns="" val="3499033097"/>
+        <p14:creationId xmlns:p14="http://schemas.microsoft.com/office/powerpoint/2010/main" val="3499033097"/>
       </p:ext>
     </p:extLst>
   </p:cSld>
@@ -9858,7 +9870,7 @@
           <p:cNvPr id="3" name="Title 2">
             <a:extLst>
               <a:ext uri="{FF2B5EF4-FFF2-40B4-BE49-F238E27FC236}">
-                <a16:creationId xmlns:a16="http://schemas.microsoft.com/office/drawing/2014/main" xmlns="" id="{1D24B42B-925B-494C-A986-BD85E8117E1E}"/>
+                <a16:creationId xmlns:a16="http://schemas.microsoft.com/office/drawing/2014/main" id="{1D24B42B-925B-494C-A986-BD85E8117E1E}"/>
               </a:ext>
             </a:extLst>
           </p:cNvPr>
@@ -9893,7 +9905,7 @@
           <p:cNvPr id="8" name="Picture Placeholder 7" descr="close up of computer code">
             <a:extLst>
               <a:ext uri="{FF2B5EF4-FFF2-40B4-BE49-F238E27FC236}">
-                <a16:creationId xmlns:a16="http://schemas.microsoft.com/office/drawing/2014/main" xmlns="" id="{A596BF19-CC58-4709-B5D6-3FC378FDC7BA}"/>
+                <a16:creationId xmlns:a16="http://schemas.microsoft.com/office/drawing/2014/main" id="{A596BF19-CC58-4709-B5D6-3FC378FDC7BA}"/>
               </a:ext>
             </a:extLst>
           </p:cNvPr>
@@ -9908,7 +9920,7 @@
           <a:blip r:embed="rId2">
             <a:extLst>
               <a:ext uri="{BEBA8EAE-BF5A-486C-A8C5-ECC9F3942E4B}">
-                <a14:imgProps xmlns:a14="http://schemas.microsoft.com/office/drawing/2010/main" xmlns="">
+                <a14:imgProps xmlns:a14="http://schemas.microsoft.com/office/drawing/2010/main">
                   <a14:imgLayer r:embed="rId3">
                     <a14:imgEffect>
                       <a14:saturation sat="0"/>
@@ -9933,7 +9945,7 @@
           <p:cNvPr id="2" name="Text Placeholder 1">
             <a:extLst>
               <a:ext uri="{FF2B5EF4-FFF2-40B4-BE49-F238E27FC236}">
-                <a16:creationId xmlns:a16="http://schemas.microsoft.com/office/drawing/2014/main" xmlns="" id="{B156CAF1-214F-4566-9B0D-DACA1063E8C8}"/>
+                <a16:creationId xmlns:a16="http://schemas.microsoft.com/office/drawing/2014/main" id="{B156CAF1-214F-4566-9B0D-DACA1063E8C8}"/>
               </a:ext>
             </a:extLst>
           </p:cNvPr>
@@ -10092,7 +10104,7 @@
           <p:cNvPr id="6" name="Slide Number Placeholder 5">
             <a:extLst>
               <a:ext uri="{FF2B5EF4-FFF2-40B4-BE49-F238E27FC236}">
-                <a16:creationId xmlns:a16="http://schemas.microsoft.com/office/drawing/2014/main" xmlns="" id="{FC6A5C12-E784-444E-B868-DE2AE85742BB}"/>
+                <a16:creationId xmlns:a16="http://schemas.microsoft.com/office/drawing/2014/main" id="{FC6A5C12-E784-444E-B868-DE2AE85742BB}"/>
               </a:ext>
             </a:extLst>
           </p:cNvPr>
@@ -10120,7 +10132,7 @@
     </p:spTree>
     <p:extLst>
       <p:ext uri="{BB962C8B-B14F-4D97-AF65-F5344CB8AC3E}">
-        <p14:creationId xmlns:p14="http://schemas.microsoft.com/office/powerpoint/2010/main" xmlns="" val="2944765398"/>
+        <p14:creationId xmlns:p14="http://schemas.microsoft.com/office/powerpoint/2010/main" val="2944765398"/>
       </p:ext>
     </p:extLst>
   </p:cSld>
@@ -10152,7 +10164,7 @@
           <p:cNvPr id="5" name="Picture Placeholder 4" descr="table with various people working on their laptops">
             <a:extLst>
               <a:ext uri="{FF2B5EF4-FFF2-40B4-BE49-F238E27FC236}">
-                <a16:creationId xmlns:a16="http://schemas.microsoft.com/office/drawing/2014/main" xmlns="" id="{A0280051-D7F1-4438-B815-F0FF4906D141}"/>
+                <a16:creationId xmlns:a16="http://schemas.microsoft.com/office/drawing/2014/main" id="{A0280051-D7F1-4438-B815-F0FF4906D141}"/>
               </a:ext>
             </a:extLst>
           </p:cNvPr>
@@ -10167,7 +10179,7 @@
           <a:blip r:embed="rId3" cstate="email">
             <a:extLst>
               <a:ext uri="{BEBA8EAE-BF5A-486C-A8C5-ECC9F3942E4B}">
-                <a14:imgProps xmlns:a14="http://schemas.microsoft.com/office/drawing/2010/main" xmlns="">
+                <a14:imgProps xmlns:a14="http://schemas.microsoft.com/office/drawing/2010/main">
                   <a14:imgLayer r:embed="rId4">
                     <a14:imgEffect>
                       <a14:saturation sat="0"/>
@@ -10176,7 +10188,7 @@
                 </a14:imgProps>
               </a:ext>
               <a:ext uri="{28A0092B-C50C-407E-A947-70E740481C1C}">
-                <a14:useLocalDpi xmlns:a14="http://schemas.microsoft.com/office/drawing/2010/main" xmlns=""/>
+                <a14:useLocalDpi xmlns:a14="http://schemas.microsoft.com/office/drawing/2010/main"/>
               </a:ext>
             </a:extLst>
           </a:blip>
@@ -10192,7 +10204,7 @@
           <p:cNvPr id="9" name="Content Placeholder 8">
             <a:extLst>
               <a:ext uri="{FF2B5EF4-FFF2-40B4-BE49-F238E27FC236}">
-                <a16:creationId xmlns:a16="http://schemas.microsoft.com/office/drawing/2014/main" xmlns="" id="{256319DF-036A-473B-95D3-C5F6FF849FD4}"/>
+                <a16:creationId xmlns:a16="http://schemas.microsoft.com/office/drawing/2014/main" id="{256319DF-036A-473B-95D3-C5F6FF849FD4}"/>
               </a:ext>
             </a:extLst>
           </p:cNvPr>
@@ -10251,7 +10263,7 @@
           <p:cNvPr id="4" name="Slide Number Placeholder 3">
             <a:extLst>
               <a:ext uri="{FF2B5EF4-FFF2-40B4-BE49-F238E27FC236}">
-                <a16:creationId xmlns:a16="http://schemas.microsoft.com/office/drawing/2014/main" xmlns="" id="{A4BADA18-8F0E-4249-A144-6CB8259BA65B}"/>
+                <a16:creationId xmlns:a16="http://schemas.microsoft.com/office/drawing/2014/main" id="{A4BADA18-8F0E-4249-A144-6CB8259BA65B}"/>
               </a:ext>
             </a:extLst>
           </p:cNvPr>
@@ -10281,7 +10293,7 @@
           <p:cNvPr id="3" name="Text Placeholder 2">
             <a:extLst>
               <a:ext uri="{FF2B5EF4-FFF2-40B4-BE49-F238E27FC236}">
-                <a16:creationId xmlns:a16="http://schemas.microsoft.com/office/drawing/2014/main" xmlns="" id="{DBF5275B-C1F9-0732-D4B5-3FCC925E2164}"/>
+                <a16:creationId xmlns:a16="http://schemas.microsoft.com/office/drawing/2014/main" id="{DBF5275B-C1F9-0732-D4B5-3FCC925E2164}"/>
               </a:ext>
             </a:extLst>
           </p:cNvPr>
@@ -10314,7 +10326,7 @@
     </p:spTree>
     <p:extLst>
       <p:ext uri="{BB962C8B-B14F-4D97-AF65-F5344CB8AC3E}">
-        <p14:creationId xmlns:p14="http://schemas.microsoft.com/office/powerpoint/2010/main" xmlns="" val="1325373587"/>
+        <p14:creationId xmlns:p14="http://schemas.microsoft.com/office/powerpoint/2010/main" val="1325373587"/>
       </p:ext>
     </p:extLst>
   </p:cSld>
@@ -10346,7 +10358,7 @@
           <p:cNvPr id="5" name="Picture Placeholder 4" descr="table with various people working on their laptops">
             <a:extLst>
               <a:ext uri="{FF2B5EF4-FFF2-40B4-BE49-F238E27FC236}">
-                <a16:creationId xmlns:a16="http://schemas.microsoft.com/office/drawing/2014/main" xmlns="" id="{A0280051-D7F1-4438-B815-F0FF4906D141}"/>
+                <a16:creationId xmlns:a16="http://schemas.microsoft.com/office/drawing/2014/main" id="{A0280051-D7F1-4438-B815-F0FF4906D141}"/>
               </a:ext>
             </a:extLst>
           </p:cNvPr>
@@ -10361,7 +10373,7 @@
           <a:blip r:embed="rId3" cstate="email">
             <a:extLst>
               <a:ext uri="{BEBA8EAE-BF5A-486C-A8C5-ECC9F3942E4B}">
-                <a14:imgProps xmlns:a14="http://schemas.microsoft.com/office/drawing/2010/main" xmlns="">
+                <a14:imgProps xmlns:a14="http://schemas.microsoft.com/office/drawing/2010/main">
                   <a14:imgLayer r:embed="rId4">
                     <a14:imgEffect>
                       <a14:saturation sat="0"/>
@@ -10370,7 +10382,7 @@
                 </a14:imgProps>
               </a:ext>
               <a:ext uri="{28A0092B-C50C-407E-A947-70E740481C1C}">
-                <a14:useLocalDpi xmlns:a14="http://schemas.microsoft.com/office/drawing/2010/main" xmlns=""/>
+                <a14:useLocalDpi xmlns:a14="http://schemas.microsoft.com/office/drawing/2010/main"/>
               </a:ext>
             </a:extLst>
           </a:blip>
@@ -10386,7 +10398,7 @@
           <p:cNvPr id="9" name="Content Placeholder 8">
             <a:extLst>
               <a:ext uri="{FF2B5EF4-FFF2-40B4-BE49-F238E27FC236}">
-                <a16:creationId xmlns:a16="http://schemas.microsoft.com/office/drawing/2014/main" xmlns="" id="{256319DF-036A-473B-95D3-C5F6FF849FD4}"/>
+                <a16:creationId xmlns:a16="http://schemas.microsoft.com/office/drawing/2014/main" id="{256319DF-036A-473B-95D3-C5F6FF849FD4}"/>
               </a:ext>
             </a:extLst>
           </p:cNvPr>
@@ -10430,7 +10442,7 @@
           <p:cNvPr id="4" name="Slide Number Placeholder 3">
             <a:extLst>
               <a:ext uri="{FF2B5EF4-FFF2-40B4-BE49-F238E27FC236}">
-                <a16:creationId xmlns:a16="http://schemas.microsoft.com/office/drawing/2014/main" xmlns="" id="{A4BADA18-8F0E-4249-A144-6CB8259BA65B}"/>
+                <a16:creationId xmlns:a16="http://schemas.microsoft.com/office/drawing/2014/main" id="{A4BADA18-8F0E-4249-A144-6CB8259BA65B}"/>
               </a:ext>
             </a:extLst>
           </p:cNvPr>
@@ -10460,7 +10472,7 @@
           <p:cNvPr id="7" name="Text Placeholder 2">
             <a:extLst>
               <a:ext uri="{FF2B5EF4-FFF2-40B4-BE49-F238E27FC236}">
-                <a16:creationId xmlns:a16="http://schemas.microsoft.com/office/drawing/2014/main" xmlns="" id="{CFDA9269-055C-5772-E8B6-BACBFA0AB992}"/>
+                <a16:creationId xmlns:a16="http://schemas.microsoft.com/office/drawing/2014/main" id="{CFDA9269-055C-5772-E8B6-BACBFA0AB992}"/>
               </a:ext>
             </a:extLst>
           </p:cNvPr>
@@ -10493,7 +10505,7 @@
     </p:spTree>
     <p:extLst>
       <p:ext uri="{BB962C8B-B14F-4D97-AF65-F5344CB8AC3E}">
-        <p14:creationId xmlns:p14="http://schemas.microsoft.com/office/powerpoint/2010/main" xmlns="" val="2758995049"/>
+        <p14:creationId xmlns:p14="http://schemas.microsoft.com/office/powerpoint/2010/main" val="2758995049"/>
       </p:ext>
     </p:extLst>
   </p:cSld>
@@ -10533,7 +10545,7 @@
           <p:cNvPr id="8" name="Picture Placeholder 7" descr="close up of computer code">
             <a:extLst>
               <a:ext uri="{FF2B5EF4-FFF2-40B4-BE49-F238E27FC236}">
-                <a16:creationId xmlns:a16="http://schemas.microsoft.com/office/drawing/2014/main" xmlns="" id="{1D5DB266-C804-437C-AED7-3D057820D244}"/>
+                <a16:creationId xmlns:a16="http://schemas.microsoft.com/office/drawing/2014/main" id="{1D5DB266-C804-437C-AED7-3D057820D244}"/>
               </a:ext>
             </a:extLst>
           </p:cNvPr>
@@ -10549,7 +10561,7 @@
             <a:alphaModFix amt="35000"/>
             <a:extLst>
               <a:ext uri="{BEBA8EAE-BF5A-486C-A8C5-ECC9F3942E4B}">
-                <a14:imgProps xmlns:a14="http://schemas.microsoft.com/office/drawing/2010/main" xmlns="">
+                <a14:imgProps xmlns:a14="http://schemas.microsoft.com/office/drawing/2010/main">
                   <a14:imgLayer r:embed="rId3">
                     <a14:imgEffect>
                       <a14:saturation sat="0"/>
@@ -10569,7 +10581,7 @@
           <p:cNvPr id="5" name="Title 4">
             <a:extLst>
               <a:ext uri="{FF2B5EF4-FFF2-40B4-BE49-F238E27FC236}">
-                <a16:creationId xmlns:a16="http://schemas.microsoft.com/office/drawing/2014/main" xmlns="" id="{14AB6F96-E5E8-4B40-A18C-2D078D1C2D4F}"/>
+                <a16:creationId xmlns:a16="http://schemas.microsoft.com/office/drawing/2014/main" id="{14AB6F96-E5E8-4B40-A18C-2D078D1C2D4F}"/>
               </a:ext>
             </a:extLst>
           </p:cNvPr>
@@ -10626,18 +10638,6 @@
                 <a:cs typeface="Times New Roman" panose="02020603050405020304" pitchFamily="18" charset="0"/>
               </a:rPr>
             </a:br>
-            <a:r>
-              <a:rPr lang="en-US" dirty="0">
-                <a:solidFill>
-                  <a:schemeClr val="tx1"/>
-                </a:solidFill>
-                <a:effectLst/>
-                <a:latin typeface="+mn-lt"/>
-                <a:ea typeface="Yu Mincho" panose="02020400000000000000" pitchFamily="18" charset="-128"/>
-                <a:cs typeface="Times New Roman" panose="02020603050405020304" pitchFamily="18" charset="0"/>
-              </a:rPr>
-              <a:t/>
-            </a:r>
             <a:br>
               <a:rPr lang="en-US" dirty="0">
                 <a:solidFill>
@@ -10672,18 +10672,6 @@
                 <a:cs typeface="Times New Roman" panose="02020603050405020304" pitchFamily="18" charset="0"/>
               </a:rPr>
             </a:br>
-            <a:r>
-              <a:rPr lang="en-US" dirty="0">
-                <a:solidFill>
-                  <a:schemeClr val="tx1"/>
-                </a:solidFill>
-                <a:effectLst/>
-                <a:latin typeface="+mn-lt"/>
-                <a:ea typeface="Yu Mincho" panose="02020400000000000000" pitchFamily="18" charset="-128"/>
-                <a:cs typeface="Times New Roman" panose="02020603050405020304" pitchFamily="18" charset="0"/>
-              </a:rPr>
-              <a:t/>
-            </a:r>
             <a:br>
               <a:rPr lang="en-US" dirty="0">
                 <a:solidFill>
@@ -10718,18 +10706,6 @@
                 <a:cs typeface="Times New Roman" panose="02020603050405020304" pitchFamily="18" charset="0"/>
               </a:rPr>
             </a:br>
-            <a:r>
-              <a:rPr lang="en-US" dirty="0">
-                <a:solidFill>
-                  <a:schemeClr val="tx1"/>
-                </a:solidFill>
-                <a:effectLst/>
-                <a:latin typeface="+mn-lt"/>
-                <a:ea typeface="Yu Mincho" panose="02020400000000000000" pitchFamily="18" charset="-128"/>
-                <a:cs typeface="Times New Roman" panose="02020603050405020304" pitchFamily="18" charset="0"/>
-              </a:rPr>
-              <a:t/>
-            </a:r>
             <a:br>
               <a:rPr lang="en-US" dirty="0">
                 <a:solidFill>
@@ -10770,7 +10746,7 @@
           <p:cNvPr id="2" name="Text Placeholder 1">
             <a:extLst>
               <a:ext uri="{FF2B5EF4-FFF2-40B4-BE49-F238E27FC236}">
-                <a16:creationId xmlns:a16="http://schemas.microsoft.com/office/drawing/2014/main" xmlns="" id="{DAF72BBC-FC90-4B63-96CA-ABED853DBAD0}"/>
+                <a16:creationId xmlns:a16="http://schemas.microsoft.com/office/drawing/2014/main" id="{DAF72BBC-FC90-4B63-96CA-ABED853DBAD0}"/>
               </a:ext>
             </a:extLst>
           </p:cNvPr>
@@ -10801,7 +10777,7 @@
     </p:spTree>
     <p:extLst>
       <p:ext uri="{BB962C8B-B14F-4D97-AF65-F5344CB8AC3E}">
-        <p14:creationId xmlns:p14="http://schemas.microsoft.com/office/powerpoint/2010/main" xmlns="" val="839779156"/>
+        <p14:creationId xmlns:p14="http://schemas.microsoft.com/office/powerpoint/2010/main" val="839779156"/>
       </p:ext>
     </p:extLst>
   </p:cSld>
@@ -10841,7 +10817,7 @@
           <p:cNvPr id="8" name="Picture Placeholder 7" descr="close up of computer code">
             <a:extLst>
               <a:ext uri="{FF2B5EF4-FFF2-40B4-BE49-F238E27FC236}">
-                <a16:creationId xmlns:a16="http://schemas.microsoft.com/office/drawing/2014/main" xmlns="" id="{1D5DB266-C804-437C-AED7-3D057820D244}"/>
+                <a16:creationId xmlns:a16="http://schemas.microsoft.com/office/drawing/2014/main" id="{1D5DB266-C804-437C-AED7-3D057820D244}"/>
               </a:ext>
             </a:extLst>
           </p:cNvPr>
@@ -10857,7 +10833,7 @@
             <a:alphaModFix amt="35000"/>
             <a:extLst>
               <a:ext uri="{BEBA8EAE-BF5A-486C-A8C5-ECC9F3942E4B}">
-                <a14:imgProps xmlns:a14="http://schemas.microsoft.com/office/drawing/2010/main" xmlns="">
+                <a14:imgProps xmlns:a14="http://schemas.microsoft.com/office/drawing/2010/main">
                   <a14:imgLayer r:embed="rId3">
                     <a14:imgEffect>
                       <a14:saturation sat="0"/>
@@ -10877,7 +10853,7 @@
           <p:cNvPr id="5" name="Title 4">
             <a:extLst>
               <a:ext uri="{FF2B5EF4-FFF2-40B4-BE49-F238E27FC236}">
-                <a16:creationId xmlns:a16="http://schemas.microsoft.com/office/drawing/2014/main" xmlns="" id="{14AB6F96-E5E8-4B40-A18C-2D078D1C2D4F}"/>
+                <a16:creationId xmlns:a16="http://schemas.microsoft.com/office/drawing/2014/main" id="{14AB6F96-E5E8-4B40-A18C-2D078D1C2D4F}"/>
               </a:ext>
             </a:extLst>
           </p:cNvPr>
@@ -10923,18 +10899,6 @@
               </a:rPr>
               <a:t>As a server, I want to only see available tables so I can reserve it for the customer.</a:t>
             </a:r>
-            <a:r>
-              <a:rPr lang="en-US" sz="1400" dirty="0">
-                <a:solidFill>
-                  <a:schemeClr val="tx1"/>
-                </a:solidFill>
-                <a:effectLst/>
-                <a:latin typeface="+mn-lt"/>
-                <a:ea typeface="Yu Mincho" panose="02020400000000000000" pitchFamily="18" charset="-128"/>
-                <a:cs typeface="Times New Roman" panose="02020603050405020304" pitchFamily="18" charset="0"/>
-              </a:rPr>
-              <a:t/>
-            </a:r>
             <a:br>
               <a:rPr lang="en-US" sz="1400" dirty="0">
                 <a:solidFill>
@@ -10958,18 +10922,6 @@
               </a:rPr>
               <a:t> </a:t>
             </a:r>
-            <a:r>
-              <a:rPr lang="en-US" sz="1400" dirty="0">
-                <a:solidFill>
-                  <a:schemeClr val="tx1"/>
-                </a:solidFill>
-                <a:effectLst/>
-                <a:latin typeface="+mn-lt"/>
-                <a:ea typeface="Yu Mincho" panose="02020400000000000000" pitchFamily="18" charset="-128"/>
-                <a:cs typeface="Times New Roman" panose="02020603050405020304" pitchFamily="18" charset="0"/>
-              </a:rPr>
-              <a:t/>
-            </a:r>
             <a:br>
               <a:rPr lang="en-US" sz="1400" dirty="0">
                 <a:solidFill>
@@ -10993,18 +10945,6 @@
               </a:rPr>
               <a:t>As a server, I want to place an order in my device and send it directly to the kitchen.</a:t>
             </a:r>
-            <a:r>
-              <a:rPr lang="en-US" sz="1400" dirty="0">
-                <a:solidFill>
-                  <a:schemeClr val="tx1"/>
-                </a:solidFill>
-                <a:effectLst/>
-                <a:latin typeface="+mn-lt"/>
-                <a:ea typeface="Yu Mincho" panose="02020400000000000000" pitchFamily="18" charset="-128"/>
-                <a:cs typeface="Times New Roman" panose="02020603050405020304" pitchFamily="18" charset="0"/>
-              </a:rPr>
-              <a:t/>
-            </a:r>
             <a:br>
               <a:rPr lang="en-US" sz="1400" dirty="0">
                 <a:solidFill>
@@ -11028,18 +10968,6 @@
               </a:rPr>
               <a:t> </a:t>
             </a:r>
-            <a:r>
-              <a:rPr lang="en-US" sz="1400" dirty="0">
-                <a:solidFill>
-                  <a:schemeClr val="tx1"/>
-                </a:solidFill>
-                <a:effectLst/>
-                <a:latin typeface="+mn-lt"/>
-                <a:ea typeface="Yu Mincho" panose="02020400000000000000" pitchFamily="18" charset="-128"/>
-                <a:cs typeface="Times New Roman" panose="02020603050405020304" pitchFamily="18" charset="0"/>
-              </a:rPr>
-              <a:t/>
-            </a:r>
             <a:br>
               <a:rPr lang="en-US" sz="1400" dirty="0">
                 <a:solidFill>
@@ -11063,18 +10991,6 @@
               </a:rPr>
               <a:t>As a line cook, I want to receive notification for every new order and can mark it ready after preparation.</a:t>
             </a:r>
-            <a:r>
-              <a:rPr lang="en-US" sz="1400" dirty="0">
-                <a:solidFill>
-                  <a:schemeClr val="tx1"/>
-                </a:solidFill>
-                <a:effectLst/>
-                <a:latin typeface="+mn-lt"/>
-                <a:ea typeface="Yu Mincho" panose="02020400000000000000" pitchFamily="18" charset="-128"/>
-                <a:cs typeface="Times New Roman" panose="02020603050405020304" pitchFamily="18" charset="0"/>
-              </a:rPr>
-              <a:t/>
-            </a:r>
             <a:br>
               <a:rPr lang="en-US" sz="1400" dirty="0">
                 <a:solidFill>
@@ -11098,18 +11014,6 @@
               </a:rPr>
               <a:t> </a:t>
             </a:r>
-            <a:r>
-              <a:rPr lang="en-US" sz="1400" dirty="0">
-                <a:solidFill>
-                  <a:schemeClr val="tx1"/>
-                </a:solidFill>
-                <a:effectLst/>
-                <a:latin typeface="+mn-lt"/>
-                <a:ea typeface="Yu Mincho" panose="02020400000000000000" pitchFamily="18" charset="-128"/>
-                <a:cs typeface="Times New Roman" panose="02020603050405020304" pitchFamily="18" charset="0"/>
-              </a:rPr>
-              <a:t/>
-            </a:r>
             <a:br>
               <a:rPr lang="en-US" sz="1400" dirty="0">
                 <a:solidFill>
@@ -11150,7 +11054,7 @@
           <p:cNvPr id="2" name="Text Placeholder 1">
             <a:extLst>
               <a:ext uri="{FF2B5EF4-FFF2-40B4-BE49-F238E27FC236}">
-                <a16:creationId xmlns:a16="http://schemas.microsoft.com/office/drawing/2014/main" xmlns="" id="{DAF72BBC-FC90-4B63-96CA-ABED853DBAD0}"/>
+                <a16:creationId xmlns:a16="http://schemas.microsoft.com/office/drawing/2014/main" id="{DAF72BBC-FC90-4B63-96CA-ABED853DBAD0}"/>
               </a:ext>
             </a:extLst>
           </p:cNvPr>
@@ -11181,7 +11085,7 @@
     </p:spTree>
     <p:extLst>
       <p:ext uri="{BB962C8B-B14F-4D97-AF65-F5344CB8AC3E}">
-        <p14:creationId xmlns:p14="http://schemas.microsoft.com/office/powerpoint/2010/main" xmlns="" val="809929743"/>
+        <p14:creationId xmlns:p14="http://schemas.microsoft.com/office/powerpoint/2010/main" val="809929743"/>
       </p:ext>
     </p:extLst>
   </p:cSld>
@@ -11213,7 +11117,7 @@
           <p:cNvPr id="8" name="Picture Placeholder 7" descr="close up of computer code">
             <a:extLst>
               <a:ext uri="{FF2B5EF4-FFF2-40B4-BE49-F238E27FC236}">
-                <a16:creationId xmlns:a16="http://schemas.microsoft.com/office/drawing/2014/main" xmlns="" id="{1D5DB266-C804-437C-AED7-3D057820D244}"/>
+                <a16:creationId xmlns:a16="http://schemas.microsoft.com/office/drawing/2014/main" id="{1D5DB266-C804-437C-AED7-3D057820D244}"/>
               </a:ext>
             </a:extLst>
           </p:cNvPr>
@@ -11229,7 +11133,7 @@
             <a:alphaModFix amt="35000"/>
             <a:extLst>
               <a:ext uri="{BEBA8EAE-BF5A-486C-A8C5-ECC9F3942E4B}">
-                <a14:imgProps xmlns:a14="http://schemas.microsoft.com/office/drawing/2010/main" xmlns="">
+                <a14:imgProps xmlns:a14="http://schemas.microsoft.com/office/drawing/2010/main">
                   <a14:imgLayer r:embed="rId3">
                     <a14:imgEffect>
                       <a14:saturation sat="0"/>
@@ -11254,7 +11158,7 @@
           <p:cNvPr id="5" name="Title 4">
             <a:extLst>
               <a:ext uri="{FF2B5EF4-FFF2-40B4-BE49-F238E27FC236}">
-                <a16:creationId xmlns:a16="http://schemas.microsoft.com/office/drawing/2014/main" xmlns="" id="{14AB6F96-E5E8-4B40-A18C-2D078D1C2D4F}"/>
+                <a16:creationId xmlns:a16="http://schemas.microsoft.com/office/drawing/2014/main" id="{14AB6F96-E5E8-4B40-A18C-2D078D1C2D4F}"/>
               </a:ext>
             </a:extLst>
           </p:cNvPr>
@@ -11288,17 +11192,6 @@
                 <a:spcPts val="0"/>
               </a:spcAft>
             </a:pPr>
-            <a:r>
-              <a:rPr lang="en-US" sz="1200" b="1" dirty="0">
-                <a:solidFill>
-                  <a:schemeClr val="tx1"/>
-                </a:solidFill>
-                <a:effectLst/>
-                <a:latin typeface="Times New Roman" panose="02020603050405020304" pitchFamily="18" charset="0"/>
-                <a:ea typeface="Times New Roman" panose="02020603050405020304" pitchFamily="18" charset="0"/>
-              </a:rPr>
-              <a:t/>
-            </a:r>
             <a:br>
               <a:rPr lang="en-US" sz="1200" b="1" dirty="0">
                 <a:solidFill>
@@ -11352,17 +11245,6 @@
               </a:rPr>
               <a:t>Basic Use Case Description: </a:t>
             </a:r>
-            <a:r>
-              <a:rPr lang="en-US" sz="1400" dirty="0">
-                <a:solidFill>
-                  <a:schemeClr val="tx1"/>
-                </a:solidFill>
-                <a:effectLst/>
-                <a:latin typeface="+mn-lt"/>
-                <a:ea typeface="Times New Roman" panose="02020603050405020304" pitchFamily="18" charset="0"/>
-              </a:rPr>
-              <a:t/>
-            </a:r>
             <a:br>
               <a:rPr lang="en-US" sz="1400" dirty="0">
                 <a:solidFill>
@@ -11478,17 +11360,6 @@
                 <a:ea typeface="Times New Roman" panose="02020603050405020304" pitchFamily="18" charset="0"/>
               </a:rPr>
             </a:br>
-            <a:r>
-              <a:rPr lang="en-US" sz="1400" dirty="0">
-                <a:solidFill>
-                  <a:schemeClr val="tx1"/>
-                </a:solidFill>
-                <a:effectLst/>
-                <a:latin typeface="+mn-lt"/>
-                <a:ea typeface="Times New Roman" panose="02020603050405020304" pitchFamily="18" charset="0"/>
-              </a:rPr>
-              <a:t/>
-            </a:r>
             <a:br>
               <a:rPr lang="en-US" sz="1400" dirty="0">
                 <a:solidFill>
@@ -11499,18 +11370,6 @@
                 <a:ea typeface="Times New Roman" panose="02020603050405020304" pitchFamily="18" charset="0"/>
               </a:rPr>
             </a:br>
-            <a:r>
-              <a:rPr lang="en-US" sz="1400" dirty="0">
-                <a:solidFill>
-                  <a:schemeClr val="tx1"/>
-                </a:solidFill>
-                <a:effectLst/>
-                <a:latin typeface="+mn-lt"/>
-                <a:ea typeface="Calibri" panose="020F0502020204030204" pitchFamily="34" charset="0"/>
-                <a:cs typeface="Times New Roman" panose="02020603050405020304" pitchFamily="18" charset="0"/>
-              </a:rPr>
-              <a:t/>
-            </a:r>
             <a:br>
               <a:rPr lang="en-US" sz="1400" dirty="0">
                 <a:solidFill>
@@ -11546,18 +11405,6 @@
               </a:rPr>
               <a:t> Line Cook </a:t>
             </a:r>
-            <a:r>
-              <a:rPr lang="en-US" sz="1400" dirty="0">
-                <a:solidFill>
-                  <a:schemeClr val="tx1"/>
-                </a:solidFill>
-                <a:effectLst/>
-                <a:latin typeface="+mn-lt"/>
-                <a:ea typeface="Yu Mincho" panose="02020400000000000000" pitchFamily="18" charset="-128"/>
-                <a:cs typeface="Times New Roman" panose="02020603050405020304" pitchFamily="18" charset="0"/>
-              </a:rPr>
-              <a:t/>
-            </a:r>
             <a:br>
               <a:rPr lang="en-US" sz="1400" dirty="0">
                 <a:solidFill>
@@ -11581,18 +11428,6 @@
               </a:rPr>
               <a:t>Basic Use Case Description:</a:t>
             </a:r>
-            <a:r>
-              <a:rPr lang="en-US" sz="1400" dirty="0">
-                <a:solidFill>
-                  <a:schemeClr val="tx1"/>
-                </a:solidFill>
-                <a:effectLst/>
-                <a:latin typeface="+mn-lt"/>
-                <a:ea typeface="Yu Mincho" panose="02020400000000000000" pitchFamily="18" charset="-128"/>
-                <a:cs typeface="Times New Roman" panose="02020603050405020304" pitchFamily="18" charset="0"/>
-              </a:rPr>
-              <a:t/>
-            </a:r>
             <a:br>
               <a:rPr lang="en-US" sz="1400" dirty="0">
                 <a:solidFill>
@@ -11657,14 +11492,6 @@
               </a:rPr>
               <a:t>Line cooks mark the order ready after all items within the order are prepared.</a:t>
             </a:r>
-            <a:r>
-              <a:rPr lang="en-US" sz="1000" dirty="0">
-                <a:effectLst/>
-                <a:latin typeface="Times New Roman" panose="02020603050405020304" pitchFamily="18" charset="0"/>
-                <a:ea typeface="Times New Roman" panose="02020603050405020304" pitchFamily="18" charset="0"/>
-              </a:rPr>
-              <a:t/>
-            </a:r>
             <a:br>
               <a:rPr lang="en-US" sz="1000" dirty="0">
                 <a:effectLst/>
@@ -11672,15 +11499,6 @@
                 <a:ea typeface="Times New Roman" panose="02020603050405020304" pitchFamily="18" charset="0"/>
               </a:rPr>
             </a:br>
-            <a:r>
-              <a:rPr lang="en-US" sz="1000" dirty="0">
-                <a:effectLst/>
-                <a:latin typeface="Calibri" panose="020F0502020204030204" pitchFamily="34" charset="0"/>
-                <a:ea typeface="Yu Mincho" panose="02020400000000000000" pitchFamily="18" charset="-128"/>
-                <a:cs typeface="Times New Roman" panose="02020603050405020304" pitchFamily="18" charset="0"/>
-              </a:rPr>
-              <a:t/>
-            </a:r>
             <a:br>
               <a:rPr lang="en-US" sz="1000" dirty="0">
                 <a:effectLst/>
@@ -11698,15 +11516,6 @@
               </a:rPr>
               <a:t> </a:t>
             </a:r>
-            <a:r>
-              <a:rPr lang="en-US" sz="800" dirty="0">
-                <a:effectLst/>
-                <a:latin typeface="Calibri" panose="020F0502020204030204" pitchFamily="34" charset="0"/>
-                <a:ea typeface="Yu Mincho" panose="02020400000000000000" pitchFamily="18" charset="-128"/>
-                <a:cs typeface="Times New Roman" panose="02020603050405020304" pitchFamily="18" charset="0"/>
-              </a:rPr>
-              <a:t/>
-            </a:r>
             <a:br>
               <a:rPr lang="en-US" sz="800" dirty="0">
                 <a:effectLst/>
@@ -11728,7 +11537,7 @@
           <p:cNvPr id="2" name="Text Placeholder 1">
             <a:extLst>
               <a:ext uri="{FF2B5EF4-FFF2-40B4-BE49-F238E27FC236}">
-                <a16:creationId xmlns:a16="http://schemas.microsoft.com/office/drawing/2014/main" xmlns="" id="{DAF72BBC-FC90-4B63-96CA-ABED853DBAD0}"/>
+                <a16:creationId xmlns:a16="http://schemas.microsoft.com/office/drawing/2014/main" id="{DAF72BBC-FC90-4B63-96CA-ABED853DBAD0}"/>
               </a:ext>
             </a:extLst>
           </p:cNvPr>
@@ -11761,7 +11570,7 @@
           <p:cNvPr id="7" name="Title 4">
             <a:extLst>
               <a:ext uri="{FF2B5EF4-FFF2-40B4-BE49-F238E27FC236}">
-                <a16:creationId xmlns:a16="http://schemas.microsoft.com/office/drawing/2014/main" xmlns="" id="{83FE275C-4F61-F349-D635-66C97E72ED83}"/>
+                <a16:creationId xmlns:a16="http://schemas.microsoft.com/office/drawing/2014/main" id="{83FE275C-4F61-F349-D635-66C97E72ED83}"/>
               </a:ext>
             </a:extLst>
           </p:cNvPr>
@@ -12039,17 +11848,6 @@
                 <a:spcPct val="107000"/>
               </a:lnSpc>
             </a:pPr>
-            <a:r>
-              <a:rPr lang="en-US" sz="1000" kern="0" dirty="0">
-                <a:solidFill>
-                  <a:sysClr val="windowText" lastClr="000000"/>
-                </a:solidFill>
-                <a:latin typeface="Calibri" panose="020F0502020204030204" pitchFamily="34" charset="0"/>
-                <a:ea typeface="Yu Mincho" panose="02020400000000000000" pitchFamily="18" charset="-128"/>
-                <a:cs typeface="Times New Roman" panose="02020603050405020304" pitchFamily="18" charset="0"/>
-              </a:rPr>
-              <a:t/>
-            </a:r>
             <a:br>
               <a:rPr lang="en-US" sz="1000" kern="0" dirty="0">
                 <a:solidFill>
@@ -12071,17 +11869,6 @@
               </a:rPr>
               <a:t> </a:t>
             </a:r>
-            <a:r>
-              <a:rPr lang="en-US" sz="800" kern="0" dirty="0">
-                <a:solidFill>
-                  <a:sysClr val="windowText" lastClr="000000"/>
-                </a:solidFill>
-                <a:latin typeface="Calibri" panose="020F0502020204030204" pitchFamily="34" charset="0"/>
-                <a:ea typeface="Yu Mincho" panose="02020400000000000000" pitchFamily="18" charset="-128"/>
-                <a:cs typeface="Times New Roman" panose="02020603050405020304" pitchFamily="18" charset="0"/>
-              </a:rPr>
-              <a:t/>
-            </a:r>
             <a:br>
               <a:rPr lang="en-US" sz="800" kern="0" dirty="0">
                 <a:solidFill>
@@ -12105,7 +11892,7 @@
     </p:spTree>
     <p:extLst>
       <p:ext uri="{BB962C8B-B14F-4D97-AF65-F5344CB8AC3E}">
-        <p14:creationId xmlns:p14="http://schemas.microsoft.com/office/powerpoint/2010/main" xmlns="" val="2573921310"/>
+        <p14:creationId xmlns:p14="http://schemas.microsoft.com/office/powerpoint/2010/main" val="2573921310"/>
       </p:ext>
     </p:extLst>
   </p:cSld>
@@ -12404,7 +12191,7 @@
   <a:extraClrSchemeLst/>
   <a:extLst>
     <a:ext uri="{05A4C25C-085E-4340-85A3-A5531E510DB2}">
-      <thm15:themeFamily xmlns:thm15="http://schemas.microsoft.com/office/thememl/2012/main" xmlns="" name="Tech presentation_Win32_LW_v2.potx" id="{3AEEB70B-72AA-432B-B699-7833EBF4B1FE}" vid="{14A49A59-25D4-4203-BE02-DE6939C7C5F6}"/>
+      <thm15:themeFamily xmlns:thm15="http://schemas.microsoft.com/office/thememl/2012/main" name="Tech presentation_Win32_LW_v2.potx" id="{3AEEB70B-72AA-432B-B699-7833EBF4B1FE}" vid="{14A49A59-25D4-4203-BE02-DE6939C7C5F6}"/>
     </a:ext>
   </a:extLst>
 </a:theme>
@@ -12699,7 +12486,7 @@
   <a:extraClrSchemeLst/>
   <a:extLst>
     <a:ext uri="{05A4C25C-085E-4340-85A3-A5531E510DB2}">
-      <thm15:themeFamily xmlns:thm15="http://schemas.microsoft.com/office/thememl/2012/main" xmlns="" name="Office Theme" id="{62F939B6-93AF-4DB8-9C6B-D6C7DFDC589F}" vid="{4A3C46E8-61CC-4603-A589-7422A47A8E4A}"/>
+      <thm15:themeFamily xmlns:thm15="http://schemas.microsoft.com/office/thememl/2012/main" name="Office Theme" id="{62F939B6-93AF-4DB8-9C6B-D6C7DFDC589F}" vid="{4A3C46E8-61CC-4603-A589-7422A47A8E4A}"/>
     </a:ext>
   </a:extLst>
 </a:theme>
@@ -12994,28 +12781,28 @@
   <a:extraClrSchemeLst/>
   <a:extLst>
     <a:ext uri="{05A4C25C-085E-4340-85A3-A5531E510DB2}">
-      <thm15:themeFamily xmlns:thm15="http://schemas.microsoft.com/office/thememl/2012/main" xmlns="" name="Office Theme" id="{62F939B6-93AF-4DB8-9C6B-D6C7DFDC589F}" vid="{4A3C46E8-61CC-4603-A589-7422A47A8E4A}"/>
+      <thm15:themeFamily xmlns:thm15="http://schemas.microsoft.com/office/thememl/2012/main" name="Office Theme" id="{62F939B6-93AF-4DB8-9C6B-D6C7DFDC589F}" vid="{4A3C46E8-61CC-4603-A589-7422A47A8E4A}"/>
     </a:ext>
   </a:extLst>
 </a:theme>
 </file>
 
 <file path=customXml/item1.xml><?xml version="1.0" encoding="utf-8"?>
+<?mso-contentType ?>
+<FormTemplates xmlns="http://schemas.microsoft.com/sharepoint/v3/contenttype/forms">
+  <Display>DocumentLibraryForm</Display>
+  <Edit>DocumentLibraryForm</Edit>
+  <New>DocumentLibraryForm</New>
+</FormTemplates>
+</file>
+
+<file path=customXml/item2.xml><?xml version="1.0" encoding="utf-8"?>
 <p:properties xmlns:p="http://schemas.microsoft.com/office/2006/metadata/properties" xmlns:xsi="http://www.w3.org/2001/XMLSchema-instance" xmlns:pc="http://schemas.microsoft.com/office/infopath/2007/PartnerControls">
   <documentManagement>
     <Status xmlns="71af3243-3dd4-4a8d-8c0d-dd76da1f02a5">Not started</Status>
     <MediaServiceKeyPoints xmlns="71af3243-3dd4-4a8d-8c0d-dd76da1f02a5" xsi:nil="true"/>
   </documentManagement>
 </p:properties>
-</file>
-
-<file path=customXml/item2.xml><?xml version="1.0" encoding="utf-8"?>
-<?mso-contentType ?>
-<FormTemplates xmlns="http://schemas.microsoft.com/sharepoint/v3/contenttype/forms">
-  <Display>DocumentLibraryForm</Display>
-  <Edit>DocumentLibraryForm</Edit>
-  <New>DocumentLibraryForm</New>
-</FormTemplates>
 </file>
 
 <file path=customXml/item3.xml><?xml version="1.0" encoding="utf-8"?>
@@ -13240,19 +13027,19 @@
 </file>
 
 <file path=customXml/itemProps1.xml><?xml version="1.0" encoding="utf-8"?>
+<ds:datastoreItem xmlns:ds="http://schemas.openxmlformats.org/officeDocument/2006/customXml" ds:itemID="{1B7E2D32-4FDD-4266-880C-17595B801432}">
+  <ds:schemaRefs>
+    <ds:schemaRef ds:uri="http://schemas.microsoft.com/sharepoint/v3/contenttype/forms"/>
+  </ds:schemaRefs>
+</ds:datastoreItem>
+</file>
+
+<file path=customXml/itemProps2.xml><?xml version="1.0" encoding="utf-8"?>
 <ds:datastoreItem xmlns:ds="http://schemas.openxmlformats.org/officeDocument/2006/customXml" ds:itemID="{E3D9F223-918A-45AF-9B53-56AB9E5E2182}">
   <ds:schemaRefs>
     <ds:schemaRef ds:uri="http://schemas.microsoft.com/office/2006/metadata/properties"/>
     <ds:schemaRef ds:uri="http://schemas.microsoft.com/office/infopath/2007/PartnerControls"/>
     <ds:schemaRef ds:uri="71af3243-3dd4-4a8d-8c0d-dd76da1f02a5"/>
-  </ds:schemaRefs>
-</ds:datastoreItem>
-</file>
-
-<file path=customXml/itemProps2.xml><?xml version="1.0" encoding="utf-8"?>
-<ds:datastoreItem xmlns:ds="http://schemas.openxmlformats.org/officeDocument/2006/customXml" ds:itemID="{1B7E2D32-4FDD-4266-880C-17595B801432}">
-  <ds:schemaRefs>
-    <ds:schemaRef ds:uri="http://schemas.microsoft.com/sharepoint/v3/contenttype/forms"/>
   </ds:schemaRefs>
 </ds:datastoreItem>
 </file>

--- a/CentRes.pptx
+++ b/CentRes.pptx
@@ -5,10 +5,10 @@
     <p:sldMasterId id="2147483648" r:id="rId4"/>
   </p:sldMasterIdLst>
   <p:notesMasterIdLst>
-    <p:notesMasterId r:id="rId25"/>
+    <p:notesMasterId r:id="rId27"/>
   </p:notesMasterIdLst>
   <p:handoutMasterIdLst>
-    <p:handoutMasterId r:id="rId26"/>
+    <p:handoutMasterId r:id="rId28"/>
   </p:handoutMasterIdLst>
   <p:sldIdLst>
     <p:sldId id="2448" r:id="rId5"/>
@@ -22,15 +22,17 @@
     <p:sldId id="2465" r:id="rId13"/>
     <p:sldId id="2467" r:id="rId14"/>
     <p:sldId id="2457" r:id="rId15"/>
-    <p:sldId id="2474" r:id="rId16"/>
-    <p:sldId id="2475" r:id="rId17"/>
-    <p:sldId id="2456" r:id="rId18"/>
-    <p:sldId id="2468" r:id="rId19"/>
-    <p:sldId id="2470" r:id="rId20"/>
-    <p:sldId id="2473" r:id="rId21"/>
-    <p:sldId id="2471" r:id="rId22"/>
-    <p:sldId id="2472" r:id="rId23"/>
-    <p:sldId id="2436" r:id="rId24"/>
+    <p:sldId id="2476" r:id="rId16"/>
+    <p:sldId id="2474" r:id="rId17"/>
+    <p:sldId id="2475" r:id="rId18"/>
+    <p:sldId id="2456" r:id="rId19"/>
+    <p:sldId id="2468" r:id="rId20"/>
+    <p:sldId id="2470" r:id="rId21"/>
+    <p:sldId id="2473" r:id="rId22"/>
+    <p:sldId id="2477" r:id="rId23"/>
+    <p:sldId id="2471" r:id="rId24"/>
+    <p:sldId id="2472" r:id="rId25"/>
+    <p:sldId id="2436" r:id="rId26"/>
   </p:sldIdLst>
   <p:sldSz cx="12192000" cy="6858000"/>
   <p:notesSz cx="6858000" cy="9144000"/>
@@ -934,7 +936,7 @@
             <a:fld id="{228B34ED-4CDD-41C9-90F7-D768D5559A6F}" type="slidenum">
               <a:rPr lang="en-US" smtClean="0"/>
               <a:pPr/>
-              <a:t>14</a:t>
+              <a:t>15</a:t>
             </a:fld>
             <a:endParaRPr lang="en-US" dirty="0"/>
           </a:p>
@@ -1019,7 +1021,7 @@
             <a:fld id="{228B34ED-4CDD-41C9-90F7-D768D5559A6F}" type="slidenum">
               <a:rPr lang="en-US" smtClean="0"/>
               <a:pPr/>
-              <a:t>15</a:t>
+              <a:t>16</a:t>
             </a:fld>
             <a:endParaRPr lang="en-US" dirty="0"/>
           </a:p>
@@ -1104,7 +1106,7 @@
             <a:fld id="{228B34ED-4CDD-41C9-90F7-D768D5559A6F}" type="slidenum">
               <a:rPr lang="en-US" smtClean="0"/>
               <a:pPr/>
-              <a:t>16</a:t>
+              <a:t>17</a:t>
             </a:fld>
             <a:endParaRPr lang="en-US" dirty="0"/>
           </a:p>
@@ -1189,7 +1191,7 @@
             <a:fld id="{228B34ED-4CDD-41C9-90F7-D768D5559A6F}" type="slidenum">
               <a:rPr lang="en-US" smtClean="0"/>
               <a:pPr/>
-              <a:t>17</a:t>
+              <a:t>18</a:t>
             </a:fld>
             <a:endParaRPr lang="en-US" dirty="0"/>
           </a:p>
@@ -1199,6 +1201,91 @@
     <p:extLst>
       <p:ext uri="{BB962C8B-B14F-4D97-AF65-F5344CB8AC3E}">
         <p14:creationId xmlns:p14="http://schemas.microsoft.com/office/powerpoint/2010/main" val="3809423074"/>
+      </p:ext>
+    </p:extLst>
+  </p:cSld>
+  <p:clrMapOvr>
+    <a:masterClrMapping/>
+  </p:clrMapOvr>
+</p:notes>
+</file>
+
+<file path=ppt/notesSlides/notesSlide7.xml><?xml version="1.0" encoding="utf-8"?>
+<p:notes xmlns:a="http://schemas.openxmlformats.org/drawingml/2006/main" xmlns:r="http://schemas.openxmlformats.org/officeDocument/2006/relationships" xmlns:p="http://schemas.openxmlformats.org/presentationml/2006/main">
+  <p:cSld>
+    <p:spTree>
+      <p:nvGrpSpPr>
+        <p:cNvPr id="1" name=""/>
+        <p:cNvGrpSpPr/>
+        <p:nvPr/>
+      </p:nvGrpSpPr>
+      <p:grpSpPr>
+        <a:xfrm>
+          <a:off x="0" y="0"/>
+          <a:ext cx="0" cy="0"/>
+          <a:chOff x="0" y="0"/>
+          <a:chExt cx="0" cy="0"/>
+        </a:xfrm>
+      </p:grpSpPr>
+      <p:sp>
+        <p:nvSpPr>
+          <p:cNvPr id="2" name="Slide Image Placeholder 1"/>
+          <p:cNvSpPr>
+            <a:spLocks noGrp="1" noRot="1" noChangeAspect="1"/>
+          </p:cNvSpPr>
+          <p:nvPr>
+            <p:ph type="sldImg"/>
+          </p:nvPr>
+        </p:nvSpPr>
+        <p:spPr/>
+      </p:sp>
+      <p:sp>
+        <p:nvSpPr>
+          <p:cNvPr id="3" name="Notes Placeholder 2"/>
+          <p:cNvSpPr>
+            <a:spLocks noGrp="1"/>
+          </p:cNvSpPr>
+          <p:nvPr>
+            <p:ph type="body" idx="1"/>
+          </p:nvPr>
+        </p:nvSpPr>
+        <p:spPr/>
+        <p:txBody>
+          <a:bodyPr/>
+          <a:lstStyle/>
+          <a:p>
+            <a:endParaRPr lang="en-US" dirty="0"/>
+          </a:p>
+        </p:txBody>
+      </p:sp>
+      <p:sp>
+        <p:nvSpPr>
+          <p:cNvPr id="4" name="Slide Number Placeholder 3"/>
+          <p:cNvSpPr>
+            <a:spLocks noGrp="1"/>
+          </p:cNvSpPr>
+          <p:nvPr>
+            <p:ph type="sldNum" sz="quarter" idx="5"/>
+          </p:nvPr>
+        </p:nvSpPr>
+        <p:spPr/>
+        <p:txBody>
+          <a:bodyPr/>
+          <a:lstStyle/>
+          <a:p>
+            <a:fld id="{228B34ED-4CDD-41C9-90F7-D768D5559A6F}" type="slidenum">
+              <a:rPr lang="en-US" smtClean="0"/>
+              <a:pPr/>
+              <a:t>19</a:t>
+            </a:fld>
+            <a:endParaRPr lang="en-US" dirty="0"/>
+          </a:p>
+        </p:txBody>
+      </p:sp>
+    </p:spTree>
+    <p:extLst>
+      <p:ext uri="{BB962C8B-B14F-4D97-AF65-F5344CB8AC3E}">
+        <p14:creationId xmlns:p14="http://schemas.microsoft.com/office/powerpoint/2010/main" val="2759226863"/>
       </p:ext>
     </p:extLst>
   </p:cSld>
@@ -5871,8 +5958,8 @@
         </p:nvSpPr>
         <p:spPr>
           <a:xfrm>
-            <a:off x="5707038" y="1651820"/>
-            <a:ext cx="6096000" cy="4886631"/>
+            <a:off x="5707038" y="1677798"/>
+            <a:ext cx="6096000" cy="4860654"/>
           </a:xfrm>
         </p:spPr>
         <p:txBody>
@@ -5938,55 +6025,6 @@
             <a:r>
               <a:rPr lang="en-US" sz="1200" cap="none" spc="0" dirty="0"/>
               <a:t>	- Keep long term data in a cloud or off-site server database with a data 	storage model allowing for frequent input of data but infrequent querying of 	that data (AWS)</a:t>
-            </a:r>
-          </a:p>
-          <a:p>
-            <a:pPr algn="l"/>
-            <a:r>
-              <a:rPr lang="en-US" sz="1200" u="sng" spc="0" dirty="0"/>
-              <a:t>User Requirements:</a:t>
-            </a:r>
-          </a:p>
-          <a:p>
-            <a:pPr algn="l">
-              <a:buFont typeface="Arial" pitchFamily="34" charset="0"/>
-              <a:buChar char="•"/>
-            </a:pPr>
-            <a:r>
-              <a:rPr lang="en-US" sz="1200" spc="0" dirty="0"/>
-              <a:t>        Must:</a:t>
-            </a:r>
-          </a:p>
-          <a:p>
-            <a:pPr algn="l"/>
-            <a:r>
-              <a:rPr lang="en-US" sz="1200" cap="none" spc="0" dirty="0"/>
-              <a:t>	- Manager can edit orders, alter bill, overview of wait times, view time stamps in 	order</a:t>
-            </a:r>
-          </a:p>
-          <a:p>
-            <a:pPr algn="l"/>
-            <a:r>
-              <a:rPr lang="en-US" sz="1200" cap="none" spc="0" dirty="0"/>
-              <a:t>	- Chef can view orders, time stamps for orders, and mark as ready</a:t>
-            </a:r>
-          </a:p>
-          <a:p>
-            <a:pPr algn="l"/>
-            <a:r>
-              <a:rPr lang="en-US" sz="1200" cap="none" spc="0" dirty="0"/>
-              <a:t>	- Waiter can view orders, view tables, time stamp for orders, alter bill, view 	menu</a:t>
-            </a:r>
-            <a:endParaRPr lang="en-US" sz="1800" cap="none" spc="0" dirty="0"/>
-          </a:p>
-          <a:p>
-            <a:pPr algn="l">
-              <a:buFont typeface="Arial" pitchFamily="34" charset="0"/>
-              <a:buChar char="•"/>
-            </a:pPr>
-            <a:r>
-              <a:rPr lang="en-US" sz="1200" spc="0" dirty="0"/>
-              <a:t>        Should:</a:t>
             </a:r>
           </a:p>
           <a:p>
@@ -6156,130 +6194,50 @@
           <a:p>
             <a:pPr algn="l"/>
             <a:r>
-              <a:rPr lang="en-US" sz="1200" b="1" u="sng" spc="0" dirty="0">
-                <a:cs typeface="Arial" panose="020B0604020202020204" pitchFamily="34" charset="0"/>
-              </a:rPr>
-              <a:t>Functional requirements</a:t>
-            </a:r>
-          </a:p>
-          <a:p>
-            <a:pPr marL="285750" indent="-285750" algn="l">
-              <a:buFont typeface="Arial" panose="020B0604020202020204" pitchFamily="34" charset="0"/>
+              <a:rPr lang="en-US" sz="1200" u="sng" spc="0" dirty="0"/>
+              <a:t>User Requirements:</a:t>
+            </a:r>
+          </a:p>
+          <a:p>
+            <a:pPr algn="l">
+              <a:buFont typeface="Arial" pitchFamily="34" charset="0"/>
               <a:buChar char="•"/>
             </a:pPr>
             <a:r>
-              <a:rPr lang="en-US" sz="1200" spc="0" dirty="0">
-                <a:cs typeface="Arial" panose="020B0604020202020204" pitchFamily="34" charset="0"/>
-              </a:rPr>
-              <a:t>Must:</a:t>
+              <a:rPr lang="en-US" sz="1200" spc="0" dirty="0"/>
+              <a:t>        Must:</a:t>
             </a:r>
           </a:p>
           <a:p>
             <a:pPr algn="l"/>
             <a:r>
-              <a:rPr lang="en-US" sz="1200" spc="0" dirty="0">
-                <a:cs typeface="Arial" panose="020B0604020202020204" pitchFamily="34" charset="0"/>
-              </a:rPr>
-              <a:t>	-</a:t>
-            </a:r>
-            <a:r>
-              <a:rPr lang="en-US" sz="1200" cap="none" spc="0" dirty="0">
-                <a:cs typeface="Arial" panose="020B0604020202020204" pitchFamily="34" charset="0"/>
-              </a:rPr>
-              <a:t>Display menu when requested</a:t>
+              <a:rPr lang="en-US" sz="1200" cap="none" spc="0" dirty="0"/>
+              <a:t>	- Manager can edit orders, alter bill, overview of wait times, view time stamps in 	order</a:t>
             </a:r>
           </a:p>
           <a:p>
             <a:pPr algn="l"/>
             <a:r>
-              <a:rPr lang="en-US" sz="1200" cap="none" spc="0" dirty="0">
-                <a:cs typeface="Arial" panose="020B0604020202020204" pitchFamily="34" charset="0"/>
-              </a:rPr>
-              <a:t>	-Display orders, bill, wait times,  and time stamps when requested</a:t>
+              <a:rPr lang="en-US" sz="1200" cap="none" spc="0" dirty="0"/>
+              <a:t>	- Chef can view orders, time stamps for orders, and mark as ready</a:t>
             </a:r>
           </a:p>
           <a:p>
             <a:pPr algn="l"/>
             <a:r>
-              <a:rPr lang="en-US" sz="1200" cap="none" spc="0" dirty="0">
-                <a:cs typeface="Arial" panose="020B0604020202020204" pitchFamily="34" charset="0"/>
-              </a:rPr>
-              <a:t>	-Allow user to login  when successfully entering in user and password</a:t>
-            </a:r>
-            <a:endParaRPr lang="en-US" sz="1200" spc="0" dirty="0">
-              <a:cs typeface="Arial" panose="020B0604020202020204" pitchFamily="34" charset="0"/>
-            </a:endParaRPr>
-          </a:p>
-          <a:p>
-            <a:pPr marL="285750" indent="-285750" algn="l">
-              <a:buFont typeface="Arial" panose="020B0604020202020204" pitchFamily="34" charset="0"/>
+              <a:rPr lang="en-US" sz="1200" cap="none" spc="0" dirty="0"/>
+              <a:t>	- Waiter can view orders, view tables, time stamp for orders, alter bill, view 	menu</a:t>
+            </a:r>
+            <a:endParaRPr lang="en-US" sz="1800" cap="none" spc="0" dirty="0"/>
+          </a:p>
+          <a:p>
+            <a:pPr algn="l">
+              <a:buFont typeface="Arial" pitchFamily="34" charset="0"/>
               <a:buChar char="•"/>
             </a:pPr>
             <a:r>
-              <a:rPr lang="en-US" sz="1200" spc="0" dirty="0">
-                <a:cs typeface="Arial" panose="020B0604020202020204" pitchFamily="34" charset="0"/>
-              </a:rPr>
-              <a:t>Should:</a:t>
-            </a:r>
-          </a:p>
-          <a:p>
-            <a:pPr algn="l"/>
-            <a:r>
-              <a:rPr lang="en-US" sz="1200" spc="0" dirty="0">
-                <a:cs typeface="Arial" panose="020B0604020202020204" pitchFamily="34" charset="0"/>
-              </a:rPr>
-              <a:t>	-</a:t>
-            </a:r>
-            <a:r>
-              <a:rPr lang="en-US" sz="1200" cap="none" spc="0" dirty="0">
-                <a:cs typeface="Arial" panose="020B0604020202020204" pitchFamily="34" charset="0"/>
-              </a:rPr>
-              <a:t>Use 2fa for manager login to secure admin privileges (two factor 	authentication)</a:t>
-            </a:r>
-          </a:p>
-          <a:p>
-            <a:pPr algn="l"/>
-            <a:r>
-              <a:rPr lang="en-US" sz="1200" cap="none" spc="0" dirty="0">
-                <a:cs typeface="Arial" panose="020B0604020202020204" pitchFamily="34" charset="0"/>
-              </a:rPr>
-              <a:t>	-Keep track of volume over time to create a predictive model for future use</a:t>
-            </a:r>
-          </a:p>
-          <a:p>
-            <a:pPr algn="l"/>
-            <a:r>
-              <a:rPr lang="en-US" sz="1200" cap="none" spc="0" dirty="0">
-                <a:cs typeface="Arial" panose="020B0604020202020204" pitchFamily="34" charset="0"/>
-              </a:rPr>
-              <a:t>	- Require user log back in after tablet/device is idle for more than 60 seconds</a:t>
-            </a:r>
-          </a:p>
-          <a:p>
-            <a:pPr marL="285750" indent="-285750" algn="l">
-              <a:buFont typeface="Arial" panose="020B0604020202020204" pitchFamily="34" charset="0"/>
-              <a:buChar char="•"/>
-            </a:pPr>
-            <a:r>
-              <a:rPr lang="en-US" sz="1200" spc="0" dirty="0">
-                <a:cs typeface="Arial" panose="020B0604020202020204" pitchFamily="34" charset="0"/>
-              </a:rPr>
-              <a:t>Could:</a:t>
-            </a:r>
-          </a:p>
-          <a:p>
-            <a:pPr algn="l"/>
-            <a:r>
-              <a:rPr lang="en-US" sz="1200" spc="0" dirty="0">
-                <a:cs typeface="Arial" panose="020B0604020202020204" pitchFamily="34" charset="0"/>
-              </a:rPr>
-              <a:t>	-</a:t>
-            </a:r>
-            <a:r>
-              <a:rPr lang="en-US" sz="1200" cap="none" spc="0" dirty="0">
-                <a:cs typeface="Arial" panose="020B0604020202020204" pitchFamily="34" charset="0"/>
-              </a:rPr>
-              <a:t>Customer rewards program</a:t>
+              <a:rPr lang="en-US" sz="1200" spc="0" dirty="0"/>
+              <a:t>        Should:</a:t>
             </a:r>
           </a:p>
           <a:p>
@@ -6444,7 +6402,7 @@
         </p:nvSpPr>
         <p:spPr>
           <a:xfrm>
-            <a:off x="5766032" y="1518408"/>
+            <a:off x="5697206" y="1656060"/>
             <a:ext cx="6096000" cy="4882392"/>
           </a:xfrm>
         </p:spPr>
@@ -6457,7 +6415,7 @@
               <a:rPr lang="en-US" sz="1200" b="1" u="sng" spc="0" dirty="0">
                 <a:cs typeface="Arial" panose="020B0604020202020204" pitchFamily="34" charset="0"/>
               </a:rPr>
-              <a:t>NON-Functional requirements</a:t>
+              <a:t>Functional requirements</a:t>
             </a:r>
           </a:p>
           <a:p>
@@ -6484,7 +6442,7 @@
               <a:rPr lang="en-US" sz="1200" cap="none" spc="0" dirty="0">
                 <a:cs typeface="Arial" panose="020B0604020202020204" pitchFamily="34" charset="0"/>
               </a:rPr>
-              <a:t>Database should update in a timely manner to keep communication between 	users accurate	-Display orders, bill, wait times,  and time stamps when requested</a:t>
+              <a:t>Display menu when requested</a:t>
             </a:r>
           </a:p>
           <a:p>
@@ -6493,7 +6451,7 @@
               <a:rPr lang="en-US" sz="1200" cap="none" spc="0" dirty="0">
                 <a:cs typeface="Arial" panose="020B0604020202020204" pitchFamily="34" charset="0"/>
               </a:rPr>
-              <a:t>	-Password must meet defined password criteria</a:t>
+              <a:t>	-Display orders, bill, wait times,  and time stamps when requested</a:t>
             </a:r>
           </a:p>
           <a:p>
@@ -6502,26 +6460,11 @@
               <a:rPr lang="en-US" sz="1200" cap="none" spc="0" dirty="0">
                 <a:cs typeface="Arial" panose="020B0604020202020204" pitchFamily="34" charset="0"/>
               </a:rPr>
-              <a:t>	-Must not allow fault input to a field</a:t>
-            </a:r>
-          </a:p>
-          <a:p>
-            <a:pPr algn="l"/>
-            <a:r>
-              <a:rPr lang="en-US" sz="1200" cap="none" spc="0" dirty="0">
-                <a:cs typeface="Arial" panose="020B0604020202020204" pitchFamily="34" charset="0"/>
-              </a:rPr>
-              <a:t>	-Users must only be able to access what they have permission to see</a:t>
-            </a:r>
-          </a:p>
-          <a:p>
-            <a:pPr algn="l"/>
-            <a:r>
-              <a:rPr lang="en-US" sz="1200" cap="none" spc="0" dirty="0">
-                <a:cs typeface="Arial" panose="020B0604020202020204" pitchFamily="34" charset="0"/>
-              </a:rPr>
-              <a:t>	-The system should support enough logged in users at any given time to satisfy 	the restaurants requirements for access frequency</a:t>
-            </a:r>
+              <a:t>	-Allow user to login  when successfully entering in user and password</a:t>
+            </a:r>
+            <a:endParaRPr lang="en-US" sz="1200" spc="0" dirty="0">
+              <a:cs typeface="Arial" panose="020B0604020202020204" pitchFamily="34" charset="0"/>
+            </a:endParaRPr>
           </a:p>
           <a:p>
             <a:pPr marL="285750" indent="-285750" algn="l">
@@ -6547,7 +6490,7 @@
               <a:rPr lang="en-US" sz="1200" cap="none" spc="0" dirty="0">
                 <a:cs typeface="Arial" panose="020B0604020202020204" pitchFamily="34" charset="0"/>
               </a:rPr>
-              <a:t>Can scale the restaurant table display volume and placement based on 	remodeling and rearrangement)</a:t>
+              <a:t>Use 2fa for manager login to secure admin privileges (two factor 	authentication)</a:t>
             </a:r>
           </a:p>
           <a:p>
@@ -6556,7 +6499,7 @@
               <a:rPr lang="en-US" sz="1200" cap="none" spc="0" dirty="0">
                 <a:cs typeface="Arial" panose="020B0604020202020204" pitchFamily="34" charset="0"/>
               </a:rPr>
-              <a:t>	-Use of local database for efficiency and external/cloud-based database for long 	term data collection for aggregation	</a:t>
+              <a:t>	-Keep track of volume over time to create a predictive model for future use</a:t>
             </a:r>
           </a:p>
           <a:p>
@@ -6565,14 +6508,44 @@
               <a:rPr lang="en-US" sz="1200" cap="none" spc="0" dirty="0">
                 <a:cs typeface="Arial" panose="020B0604020202020204" pitchFamily="34" charset="0"/>
               </a:rPr>
-              <a:t>	- Keep track of each table as an object with data attributes such as item orders 	per seat, bill cost, wait time</a:t>
+              <a:t>	- Require user log back in after tablet/device is idle for more than 60 seconds</a:t>
+            </a:r>
+          </a:p>
+          <a:p>
+            <a:pPr marL="285750" indent="-285750" algn="l">
+              <a:buFont typeface="Arial" panose="020B0604020202020204" pitchFamily="34" charset="0"/>
+              <a:buChar char="•"/>
+            </a:pPr>
+            <a:r>
+              <a:rPr lang="en-US" sz="1200" spc="0" dirty="0">
+                <a:cs typeface="Arial" panose="020B0604020202020204" pitchFamily="34" charset="0"/>
+              </a:rPr>
+              <a:t>Could:</a:t>
             </a:r>
           </a:p>
           <a:p>
             <a:pPr algn="l"/>
-            <a:endParaRPr lang="en-US" sz="1400" spc="0" dirty="0">
+            <a:r>
+              <a:rPr lang="en-US" sz="1200" spc="0" dirty="0">
+                <a:cs typeface="Arial" panose="020B0604020202020204" pitchFamily="34" charset="0"/>
+              </a:rPr>
+              <a:t>	-</a:t>
+            </a:r>
+            <a:r>
+              <a:rPr lang="en-US" sz="1200" cap="none" spc="0" dirty="0">
+                <a:cs typeface="Arial" panose="020B0604020202020204" pitchFamily="34" charset="0"/>
+              </a:rPr>
+              <a:t>Customer rewards program</a:t>
+            </a:r>
+          </a:p>
+          <a:p>
+            <a:pPr algn="l"/>
+            <a:endParaRPr lang="en-US" sz="1200" cap="none" spc="0" dirty="0">
               <a:cs typeface="Arial" panose="020B0604020202020204" pitchFamily="34" charset="0"/>
             </a:endParaRPr>
+          </a:p>
+          <a:p>
+            <a:endParaRPr lang="en-US" sz="1200" spc="0" dirty="0"/>
           </a:p>
         </p:txBody>
       </p:sp>
@@ -6609,7 +6582,7 @@
     </p:spTree>
     <p:extLst>
       <p:ext uri="{BB962C8B-B14F-4D97-AF65-F5344CB8AC3E}">
-        <p14:creationId xmlns:p14="http://schemas.microsoft.com/office/powerpoint/2010/main" val="3800372191"/>
+        <p14:creationId xmlns:p14="http://schemas.microsoft.com/office/powerpoint/2010/main" val="257715524"/>
       </p:ext>
     </p:extLst>
   </p:cSld>
@@ -6740,7 +6713,7 @@
               <a:rPr lang="en-US" sz="1200" b="1" u="sng" spc="0" dirty="0">
                 <a:cs typeface="Arial" panose="020B0604020202020204" pitchFamily="34" charset="0"/>
               </a:rPr>
-              <a:t>NON-Functional requirements (continued)</a:t>
+              <a:t>NON-Functional requirements</a:t>
             </a:r>
           </a:p>
           <a:p>
@@ -6752,35 +6725,110 @@
               <a:rPr lang="en-US" sz="1200" spc="0" dirty="0">
                 <a:cs typeface="Arial" panose="020B0604020202020204" pitchFamily="34" charset="0"/>
               </a:rPr>
-              <a:t>Could:</a:t>
-            </a:r>
-            <a:endParaRPr lang="en-US" sz="1200" cap="none" spc="0" dirty="0">
+              <a:t>Must:</a:t>
+            </a:r>
+          </a:p>
+          <a:p>
+            <a:pPr algn="l"/>
+            <a:r>
+              <a:rPr lang="en-US" sz="1200" spc="0" dirty="0">
+                <a:cs typeface="Arial" panose="020B0604020202020204" pitchFamily="34" charset="0"/>
+              </a:rPr>
+              <a:t>	-</a:t>
+            </a:r>
+            <a:r>
+              <a:rPr lang="en-US" sz="1200" cap="none" spc="0" dirty="0">
+                <a:cs typeface="Arial" panose="020B0604020202020204" pitchFamily="34" charset="0"/>
+              </a:rPr>
+              <a:t>Database should update in a timely manner to keep communication between 	users accurate	-Display orders, bill, wait times,  and time stamps when requested</a:t>
+            </a:r>
+          </a:p>
+          <a:p>
+            <a:pPr algn="l"/>
+            <a:r>
+              <a:rPr lang="en-US" sz="1200" cap="none" spc="0" dirty="0">
+                <a:cs typeface="Arial" panose="020B0604020202020204" pitchFamily="34" charset="0"/>
+              </a:rPr>
+              <a:t>	-Password must meet defined password criteria</a:t>
+            </a:r>
+          </a:p>
+          <a:p>
+            <a:pPr algn="l"/>
+            <a:r>
+              <a:rPr lang="en-US" sz="1200" cap="none" spc="0" dirty="0">
+                <a:cs typeface="Arial" panose="020B0604020202020204" pitchFamily="34" charset="0"/>
+              </a:rPr>
+              <a:t>	-Must not allow fault input to a field</a:t>
+            </a:r>
+          </a:p>
+          <a:p>
+            <a:pPr algn="l"/>
+            <a:r>
+              <a:rPr lang="en-US" sz="1200" cap="none" spc="0" dirty="0">
+                <a:cs typeface="Arial" panose="020B0604020202020204" pitchFamily="34" charset="0"/>
+              </a:rPr>
+              <a:t>	-Users must only be able to access what they have permission to see</a:t>
+            </a:r>
+          </a:p>
+          <a:p>
+            <a:pPr algn="l"/>
+            <a:r>
+              <a:rPr lang="en-US" sz="1200" cap="none" spc="0" dirty="0">
+                <a:cs typeface="Arial" panose="020B0604020202020204" pitchFamily="34" charset="0"/>
+              </a:rPr>
+              <a:t>	-The system should support enough logged in users at any given time to satisfy 	the restaurants requirements for access frequency</a:t>
+            </a:r>
+          </a:p>
+          <a:p>
+            <a:pPr marL="285750" indent="-285750" algn="l">
+              <a:buFont typeface="Arial" panose="020B0604020202020204" pitchFamily="34" charset="0"/>
+              <a:buChar char="•"/>
+            </a:pPr>
+            <a:r>
+              <a:rPr lang="en-US" sz="1200" spc="0" dirty="0">
+                <a:cs typeface="Arial" panose="020B0604020202020204" pitchFamily="34" charset="0"/>
+              </a:rPr>
+              <a:t>Should:</a:t>
+            </a:r>
+          </a:p>
+          <a:p>
+            <a:pPr algn="l"/>
+            <a:r>
+              <a:rPr lang="en-US" sz="1200" spc="0" dirty="0">
+                <a:cs typeface="Arial" panose="020B0604020202020204" pitchFamily="34" charset="0"/>
+              </a:rPr>
+              <a:t>	-</a:t>
+            </a:r>
+            <a:r>
+              <a:rPr lang="en-US" sz="1200" cap="none" spc="0" dirty="0">
+                <a:cs typeface="Arial" panose="020B0604020202020204" pitchFamily="34" charset="0"/>
+              </a:rPr>
+              <a:t>Can scale the restaurant table display volume and placement based on 	remodeling and rearrangement)</a:t>
+            </a:r>
+          </a:p>
+          <a:p>
+            <a:pPr algn="l"/>
+            <a:r>
+              <a:rPr lang="en-US" sz="1200" cap="none" spc="0" dirty="0">
+                <a:cs typeface="Arial" panose="020B0604020202020204" pitchFamily="34" charset="0"/>
+              </a:rPr>
+              <a:t>	-Use of local database for efficiency and external/cloud-based database for long 	term data collection for aggregation	</a:t>
+            </a:r>
+          </a:p>
+          <a:p>
+            <a:pPr algn="l"/>
+            <a:r>
+              <a:rPr lang="en-US" sz="1200" cap="none" spc="0" dirty="0">
+                <a:cs typeface="Arial" panose="020B0604020202020204" pitchFamily="34" charset="0"/>
+              </a:rPr>
+              <a:t>	- Keep track of each table as an object with data attributes such as item orders 	per seat, bill cost, wait time</a:t>
+            </a:r>
+          </a:p>
+          <a:p>
+            <a:pPr algn="l"/>
+            <a:endParaRPr lang="en-US" sz="1400" spc="0" dirty="0">
               <a:cs typeface="Arial" panose="020B0604020202020204" pitchFamily="34" charset="0"/>
             </a:endParaRPr>
-          </a:p>
-          <a:p>
-            <a:pPr algn="l"/>
-            <a:r>
-              <a:rPr lang="en-US" sz="1200" cap="none" spc="0" dirty="0">
-                <a:cs typeface="Arial" panose="020B0604020202020204" pitchFamily="34" charset="0"/>
-              </a:rPr>
-              <a:t>	-Use a third-party security/authentication system to avoid unwanted 	manipulation</a:t>
-            </a:r>
-          </a:p>
-          <a:p>
-            <a:pPr algn="l"/>
-            <a:r>
-              <a:rPr lang="en-US" sz="1400" spc="0" dirty="0">
-                <a:cs typeface="Arial" panose="020B0604020202020204" pitchFamily="34" charset="0"/>
-              </a:rPr>
-              <a:t>	- </a:t>
-            </a:r>
-            <a:r>
-              <a:rPr lang="en-US" sz="1200" cap="none" spc="0" dirty="0">
-                <a:cs typeface="Arial" panose="020B0604020202020204" pitchFamily="34" charset="0"/>
-              </a:rPr>
-              <a:t>Implement customer rewards program with customer email</a:t>
-            </a:r>
           </a:p>
         </p:txBody>
       </p:sp>
@@ -6809,6 +6857,214 @@
               <a:rPr lang="en-US" smtClean="0"/>
               <a:pPr/>
               <a:t>13</a:t>
+            </a:fld>
+            <a:endParaRPr lang="en-US" dirty="0"/>
+          </a:p>
+        </p:txBody>
+      </p:sp>
+    </p:spTree>
+    <p:extLst>
+      <p:ext uri="{BB962C8B-B14F-4D97-AF65-F5344CB8AC3E}">
+        <p14:creationId xmlns:p14="http://schemas.microsoft.com/office/powerpoint/2010/main" val="3800372191"/>
+      </p:ext>
+    </p:extLst>
+  </p:cSld>
+  <p:clrMapOvr>
+    <a:masterClrMapping/>
+  </p:clrMapOvr>
+</p:sld>
+</file>
+
+<file path=ppt/slides/slide14.xml><?xml version="1.0" encoding="utf-8"?>
+<p:sld xmlns:a="http://schemas.openxmlformats.org/drawingml/2006/main" xmlns:r="http://schemas.openxmlformats.org/officeDocument/2006/relationships" xmlns:p="http://schemas.openxmlformats.org/presentationml/2006/main">
+  <p:cSld>
+    <p:spTree>
+      <p:nvGrpSpPr>
+        <p:cNvPr id="1" name=""/>
+        <p:cNvGrpSpPr/>
+        <p:nvPr/>
+      </p:nvGrpSpPr>
+      <p:grpSpPr>
+        <a:xfrm>
+          <a:off x="0" y="0"/>
+          <a:ext cx="0" cy="0"/>
+          <a:chOff x="0" y="0"/>
+          <a:chExt cx="0" cy="0"/>
+        </a:xfrm>
+      </p:grpSpPr>
+      <p:sp>
+        <p:nvSpPr>
+          <p:cNvPr id="3" name="Title 2">
+            <a:extLst>
+              <a:ext uri="{FF2B5EF4-FFF2-40B4-BE49-F238E27FC236}">
+                <a16:creationId xmlns:a16="http://schemas.microsoft.com/office/drawing/2014/main" id="{1D24B42B-925B-494C-A986-BD85E8117E1E}"/>
+              </a:ext>
+            </a:extLst>
+          </p:cNvPr>
+          <p:cNvSpPr>
+            <a:spLocks noGrp="1"/>
+          </p:cNvSpPr>
+          <p:nvPr>
+            <p:ph type="title"/>
+          </p:nvPr>
+        </p:nvSpPr>
+        <p:spPr>
+          <a:xfrm>
+            <a:off x="6227184" y="142613"/>
+            <a:ext cx="5766033" cy="1231302"/>
+          </a:xfrm>
+        </p:spPr>
+        <p:txBody>
+          <a:bodyPr>
+            <a:normAutofit/>
+          </a:bodyPr>
+          <a:lstStyle/>
+          <a:p>
+            <a:r>
+              <a:rPr lang="en-US" sz="3600" dirty="0"/>
+              <a:t>Requirement Specifications</a:t>
+            </a:r>
+          </a:p>
+        </p:txBody>
+      </p:sp>
+      <p:pic>
+        <p:nvPicPr>
+          <p:cNvPr id="13" name="Picture Placeholder 12" descr="close up of computer on top of table against a brick wall">
+            <a:extLst>
+              <a:ext uri="{FF2B5EF4-FFF2-40B4-BE49-F238E27FC236}">
+                <a16:creationId xmlns:a16="http://schemas.microsoft.com/office/drawing/2014/main" id="{90BB9493-60B4-4B89-89CE-E1F8BF6C4D12}"/>
+              </a:ext>
+            </a:extLst>
+          </p:cNvPr>
+          <p:cNvPicPr>
+            <a:picLocks noGrp="1" noChangeAspect="1"/>
+          </p:cNvPicPr>
+          <p:nvPr>
+            <p:ph type="pic" sz="quarter" idx="13"/>
+          </p:nvPr>
+        </p:nvPicPr>
+        <p:blipFill rotWithShape="1">
+          <a:blip r:embed="rId2" cstate="email">
+            <a:extLst>
+              <a:ext uri="{BEBA8EAE-BF5A-486C-A8C5-ECC9F3942E4B}">
+                <a14:imgProps xmlns:a14="http://schemas.microsoft.com/office/drawing/2010/main">
+                  <a14:imgLayer r:embed="rId3">
+                    <a14:imgEffect>
+                      <a14:saturation sat="0"/>
+                    </a14:imgEffect>
+                  </a14:imgLayer>
+                </a14:imgProps>
+              </a:ext>
+              <a:ext uri="{28A0092B-C50C-407E-A947-70E740481C1C}">
+                <a14:useLocalDpi xmlns:a14="http://schemas.microsoft.com/office/drawing/2010/main"/>
+              </a:ext>
+            </a:extLst>
+          </a:blip>
+          <a:srcRect l="20370" r="20370"/>
+          <a:stretch/>
+        </p:blipFill>
+        <p:spPr/>
+      </p:pic>
+      <p:sp>
+        <p:nvSpPr>
+          <p:cNvPr id="5" name="Text Placeholder 4">
+            <a:extLst>
+              <a:ext uri="{FF2B5EF4-FFF2-40B4-BE49-F238E27FC236}">
+                <a16:creationId xmlns:a16="http://schemas.microsoft.com/office/drawing/2014/main" id="{AF9B872F-6332-408E-9135-B871F0C90C00}"/>
+              </a:ext>
+            </a:extLst>
+          </p:cNvPr>
+          <p:cNvSpPr>
+            <a:spLocks noGrp="1"/>
+          </p:cNvSpPr>
+          <p:nvPr>
+            <p:ph type="body" idx="1"/>
+          </p:nvPr>
+        </p:nvSpPr>
+        <p:spPr>
+          <a:xfrm>
+            <a:off x="5766032" y="1518408"/>
+            <a:ext cx="6096000" cy="4882392"/>
+          </a:xfrm>
+        </p:spPr>
+        <p:txBody>
+          <a:bodyPr/>
+          <a:lstStyle/>
+          <a:p>
+            <a:pPr algn="l"/>
+            <a:r>
+              <a:rPr lang="en-US" sz="1200" b="1" u="sng" spc="0" dirty="0">
+                <a:cs typeface="Arial" panose="020B0604020202020204" pitchFamily="34" charset="0"/>
+              </a:rPr>
+              <a:t>NON-Functional requirements (continued)</a:t>
+            </a:r>
+          </a:p>
+          <a:p>
+            <a:pPr marL="285750" indent="-285750" algn="l">
+              <a:buFont typeface="Arial" panose="020B0604020202020204" pitchFamily="34" charset="0"/>
+              <a:buChar char="•"/>
+            </a:pPr>
+            <a:r>
+              <a:rPr lang="en-US" sz="1200" spc="0" dirty="0">
+                <a:cs typeface="Arial" panose="020B0604020202020204" pitchFamily="34" charset="0"/>
+              </a:rPr>
+              <a:t>Could:</a:t>
+            </a:r>
+            <a:endParaRPr lang="en-US" sz="1200" cap="none" spc="0" dirty="0">
+              <a:cs typeface="Arial" panose="020B0604020202020204" pitchFamily="34" charset="0"/>
+            </a:endParaRPr>
+          </a:p>
+          <a:p>
+            <a:pPr algn="l"/>
+            <a:r>
+              <a:rPr lang="en-US" sz="1200" cap="none" spc="0" dirty="0">
+                <a:cs typeface="Arial" panose="020B0604020202020204" pitchFamily="34" charset="0"/>
+              </a:rPr>
+              <a:t>	-Use a third-party security/authentication system to avoid unwanted 	manipulation</a:t>
+            </a:r>
+          </a:p>
+          <a:p>
+            <a:pPr algn="l"/>
+            <a:r>
+              <a:rPr lang="en-US" sz="1400" spc="0" dirty="0">
+                <a:cs typeface="Arial" panose="020B0604020202020204" pitchFamily="34" charset="0"/>
+              </a:rPr>
+              <a:t>	- </a:t>
+            </a:r>
+            <a:r>
+              <a:rPr lang="en-US" sz="1200" cap="none" spc="0" dirty="0">
+                <a:cs typeface="Arial" panose="020B0604020202020204" pitchFamily="34" charset="0"/>
+              </a:rPr>
+              <a:t>Implement customer rewards program with customer email</a:t>
+            </a:r>
+          </a:p>
+        </p:txBody>
+      </p:sp>
+      <p:sp>
+        <p:nvSpPr>
+          <p:cNvPr id="2" name="Slide Number Placeholder 1">
+            <a:extLst>
+              <a:ext uri="{FF2B5EF4-FFF2-40B4-BE49-F238E27FC236}">
+                <a16:creationId xmlns:a16="http://schemas.microsoft.com/office/drawing/2014/main" id="{948DD8A0-BD53-4DBF-949B-0D64D12DADA9}"/>
+              </a:ext>
+            </a:extLst>
+          </p:cNvPr>
+          <p:cNvSpPr>
+            <a:spLocks noGrp="1"/>
+          </p:cNvSpPr>
+          <p:nvPr>
+            <p:ph type="sldNum" sz="quarter" idx="12"/>
+          </p:nvPr>
+        </p:nvSpPr>
+        <p:spPr/>
+        <p:txBody>
+          <a:bodyPr/>
+          <a:lstStyle/>
+          <a:p>
+            <a:fld id="{8C2E478F-E849-4A8C-AF1F-CBCC78A7CBFA}" type="slidenum">
+              <a:rPr lang="en-US" smtClean="0"/>
+              <a:pPr/>
+              <a:t>14</a:t>
             </a:fld>
             <a:endParaRPr lang="en-US" dirty="0"/>
           </a:p>
@@ -6827,7 +7083,7 @@
 </p:sld>
 </file>
 
-<file path=ppt/slides/slide14.xml><?xml version="1.0" encoding="utf-8"?>
+<file path=ppt/slides/slide15.xml><?xml version="1.0" encoding="utf-8"?>
 <p:sld xmlns:a="http://schemas.openxmlformats.org/drawingml/2006/main" xmlns:r="http://schemas.openxmlformats.org/officeDocument/2006/relationships" xmlns:p="http://schemas.openxmlformats.org/presentationml/2006/main">
   <p:cSld>
     <p:spTree>
@@ -7523,7 +7779,7 @@
             <a:fld id="{8C2E478F-E849-4A8C-AF1F-CBCC78A7CBFA}" type="slidenum">
               <a:rPr lang="en-US" smtClean="0"/>
               <a:pPr/>
-              <a:t>14</a:t>
+              <a:t>15</a:t>
             </a:fld>
             <a:endParaRPr lang="en-US" dirty="0"/>
           </a:p>
@@ -7542,7 +7798,7 @@
 </p:sld>
 </file>
 
-<file path=ppt/slides/slide15.xml><?xml version="1.0" encoding="utf-8"?>
+<file path=ppt/slides/slide16.xml><?xml version="1.0" encoding="utf-8"?>
 <p:sld xmlns:a="http://schemas.openxmlformats.org/drawingml/2006/main" xmlns:r="http://schemas.openxmlformats.org/officeDocument/2006/relationships" xmlns:p="http://schemas.openxmlformats.org/presentationml/2006/main">
   <p:cSld>
     <p:spTree>
@@ -7763,7 +8019,7 @@
             <a:fld id="{8C2E478F-E849-4A8C-AF1F-CBCC78A7CBFA}" type="slidenum">
               <a:rPr lang="en-US" smtClean="0"/>
               <a:pPr/>
-              <a:t>15</a:t>
+              <a:t>16</a:t>
             </a:fld>
             <a:endParaRPr lang="en-US" dirty="0"/>
           </a:p>
@@ -7782,7 +8038,7 @@
 </p:sld>
 </file>
 
-<file path=ppt/slides/slide16.xml><?xml version="1.0" encoding="utf-8"?>
+<file path=ppt/slides/slide17.xml><?xml version="1.0" encoding="utf-8"?>
 <p:sld xmlns:a="http://schemas.openxmlformats.org/drawingml/2006/main" xmlns:r="http://schemas.openxmlformats.org/officeDocument/2006/relationships" xmlns:p="http://schemas.openxmlformats.org/presentationml/2006/main">
   <p:cSld>
     <p:spTree>
@@ -8271,7 +8527,7 @@
             <a:fld id="{8C2E478F-E849-4A8C-AF1F-CBCC78A7CBFA}" type="slidenum">
               <a:rPr lang="en-US" smtClean="0"/>
               <a:pPr/>
-              <a:t>16</a:t>
+              <a:t>17</a:t>
             </a:fld>
             <a:endParaRPr lang="en-US" dirty="0"/>
           </a:p>
@@ -8290,7 +8546,7 @@
 </p:sld>
 </file>
 
-<file path=ppt/slides/slide17.xml><?xml version="1.0" encoding="utf-8"?>
+<file path=ppt/slides/slide18.xml><?xml version="1.0" encoding="utf-8"?>
 <p:sld xmlns:a="http://schemas.openxmlformats.org/drawingml/2006/main" xmlns:r="http://schemas.openxmlformats.org/officeDocument/2006/relationships" xmlns:p="http://schemas.openxmlformats.org/presentationml/2006/main">
   <p:cSld>
     <p:spTree>
@@ -8398,8 +8654,8 @@
         </p:nvSpPr>
         <p:spPr>
           <a:xfrm>
-            <a:off x="6086167" y="673514"/>
-            <a:ext cx="5690532" cy="4949971"/>
+            <a:off x="5734056" y="1061678"/>
+            <a:ext cx="6259161" cy="4668561"/>
           </a:xfrm>
         </p:spPr>
         <p:txBody>
@@ -8426,7 +8682,7 @@
               <a:defRPr/>
             </a:pPr>
             <a:r>
-              <a:rPr kumimoji="0" lang="en-US" sz="2000" b="0" i="0" u="none" strike="noStrike" kern="1200" cap="none" normalizeH="0" noProof="0" dirty="0">
+              <a:rPr kumimoji="0" lang="en-US" sz="2000" b="0" i="0" u="sng" strike="noStrike" kern="1200" cap="none" normalizeH="0" noProof="0" dirty="0">
                 <a:ln>
                   <a:noFill/>
                 </a:ln>
@@ -8626,13 +8882,7 @@
               <a:tabLst/>
               <a:defRPr/>
             </a:pPr>
-            <a:r>
-              <a:rPr lang="en-US" sz="2000" dirty="0">
-                <a:cs typeface="Biome Light" panose="020B0303030204020804" pitchFamily="34" charset="0"/>
-              </a:rPr>
-              <a:t>Data Flow Diagram</a:t>
-            </a:r>
-            <a:endParaRPr kumimoji="0" lang="en-US" sz="2000" b="0" i="0" u="none" strike="noStrike" kern="1200" cap="none" normalizeH="0" noProof="0" dirty="0">
+            <a:endParaRPr kumimoji="0" lang="en-US" sz="1600" b="0" i="0" u="none" strike="noStrike" kern="1200" cap="none" normalizeH="0" noProof="0" dirty="0">
               <a:ln>
                 <a:noFill/>
               </a:ln>
@@ -8648,41 +8898,206 @@
             </a:endParaRPr>
           </a:p>
           <a:p>
-            <a:pPr marL="0" marR="0" lvl="0" indent="0" algn="l" defTabSz="914400" rtl="0" eaLnBrk="1" fontAlgn="auto" latinLnBrk="0" hangingPunct="1">
-              <a:lnSpc>
-                <a:spcPct val="100000"/>
-              </a:lnSpc>
-              <a:spcBef>
-                <a:spcPts val="1000"/>
-              </a:spcBef>
-              <a:spcAft>
-                <a:spcPts val="0"/>
-              </a:spcAft>
-              <a:buClrTx/>
-              <a:buSzTx/>
-              <a:buFont typeface="Arial" panose="020B0604020202020204" pitchFamily="34" charset="0"/>
+            <a:pPr marL="0" indent="0">
               <a:buNone/>
-              <a:tabLst/>
-              <a:defRPr/>
             </a:pPr>
-            <a:r>
-              <a:rPr kumimoji="0" lang="en-US" sz="1600" b="0" i="0" u="none" strike="noStrike" kern="1200" cap="none" normalizeH="0" noProof="0" dirty="0">
-                <a:ln>
-                  <a:noFill/>
-                </a:ln>
-                <a:solidFill>
-                  <a:schemeClr val="tx1"/>
-                </a:solidFill>
-                <a:effectLst/>
-                <a:uLnTx/>
-                <a:uFillTx/>
-                <a:latin typeface="+mn-lt"/>
-                <a:ea typeface="+mn-ea"/>
-                <a:cs typeface="Biome Light" panose="020B0303030204020804" pitchFamily="34" charset="0"/>
-              </a:rPr>
-              <a:t>Customer satisfaction increased from 70 to 80%</a:t>
-            </a:r>
-          </a:p>
+            <a:endParaRPr lang="en-US" b="1" dirty="0"/>
+          </a:p>
+        </p:txBody>
+      </p:sp>
+      <p:sp>
+        <p:nvSpPr>
+          <p:cNvPr id="16" name="Slide Number Placeholder 15">
+            <a:extLst>
+              <a:ext uri="{FF2B5EF4-FFF2-40B4-BE49-F238E27FC236}">
+                <a16:creationId xmlns:a16="http://schemas.microsoft.com/office/drawing/2014/main" id="{7FA57D11-A25F-4772-8E50-DDB68BE8CB69}"/>
+              </a:ext>
+            </a:extLst>
+          </p:cNvPr>
+          <p:cNvSpPr>
+            <a:spLocks noGrp="1"/>
+          </p:cNvSpPr>
+          <p:nvPr>
+            <p:ph type="sldNum" sz="quarter" idx="4"/>
+          </p:nvPr>
+        </p:nvSpPr>
+        <p:spPr/>
+        <p:txBody>
+          <a:bodyPr/>
+          <a:lstStyle/>
+          <a:p>
+            <a:fld id="{8C2E478F-E849-4A8C-AF1F-CBCC78A7CBFA}" type="slidenum">
+              <a:rPr lang="en-US" smtClean="0"/>
+              <a:pPr/>
+              <a:t>18</a:t>
+            </a:fld>
+            <a:endParaRPr lang="en-US" dirty="0"/>
+          </a:p>
+        </p:txBody>
+      </p:sp>
+      <p:pic>
+        <p:nvPicPr>
+          <p:cNvPr id="7" name="Picture 6"/>
+          <p:cNvPicPr/>
+          <p:nvPr/>
+        </p:nvPicPr>
+        <p:blipFill>
+          <a:blip r:embed="rId5">
+            <a:extLst>
+              <a:ext uri="{28A0092B-C50C-407E-A947-70E740481C1C}">
+                <a14:useLocalDpi xmlns:a14="http://schemas.microsoft.com/office/drawing/2010/main" val="0"/>
+              </a:ext>
+            </a:extLst>
+          </a:blip>
+          <a:srcRect/>
+          <a:stretch>
+            <a:fillRect/>
+          </a:stretch>
+        </p:blipFill>
+        <p:spPr bwMode="auto">
+          <a:xfrm>
+            <a:off x="5870682" y="1658916"/>
+            <a:ext cx="6122535" cy="3801358"/>
+          </a:xfrm>
+          <a:prstGeom prst="rect">
+            <a:avLst/>
+          </a:prstGeom>
+          <a:noFill/>
+          <a:ln>
+            <a:noFill/>
+          </a:ln>
+        </p:spPr>
+      </p:pic>
+    </p:spTree>
+    <p:extLst>
+      <p:ext uri="{BB962C8B-B14F-4D97-AF65-F5344CB8AC3E}">
+        <p14:creationId xmlns:p14="http://schemas.microsoft.com/office/powerpoint/2010/main" val="692636852"/>
+      </p:ext>
+    </p:extLst>
+  </p:cSld>
+  <p:clrMapOvr>
+    <a:masterClrMapping/>
+  </p:clrMapOvr>
+</p:sld>
+</file>
+
+<file path=ppt/slides/slide19.xml><?xml version="1.0" encoding="utf-8"?>
+<p:sld xmlns:a="http://schemas.openxmlformats.org/drawingml/2006/main" xmlns:r="http://schemas.openxmlformats.org/officeDocument/2006/relationships" xmlns:p="http://schemas.openxmlformats.org/presentationml/2006/main">
+  <p:cSld>
+    <p:spTree>
+      <p:nvGrpSpPr>
+        <p:cNvPr id="1" name=""/>
+        <p:cNvGrpSpPr/>
+        <p:nvPr/>
+      </p:nvGrpSpPr>
+      <p:grpSpPr>
+        <a:xfrm>
+          <a:off x="0" y="0"/>
+          <a:ext cx="0" cy="0"/>
+          <a:chOff x="0" y="0"/>
+          <a:chExt cx="0" cy="0"/>
+        </a:xfrm>
+      </p:grpSpPr>
+      <p:sp>
+        <p:nvSpPr>
+          <p:cNvPr id="2" name="Title 1">
+            <a:extLst>
+              <a:ext uri="{FF2B5EF4-FFF2-40B4-BE49-F238E27FC236}">
+                <a16:creationId xmlns:a16="http://schemas.microsoft.com/office/drawing/2014/main" id="{12CC3376-5069-4C7B-BE6B-A3776D1B47BA}"/>
+              </a:ext>
+            </a:extLst>
+          </p:cNvPr>
+          <p:cNvSpPr>
+            <a:spLocks noGrp="1"/>
+          </p:cNvSpPr>
+          <p:nvPr>
+            <p:ph type="title"/>
+          </p:nvPr>
+        </p:nvSpPr>
+        <p:spPr>
+          <a:xfrm>
+            <a:off x="6095999" y="35082"/>
+            <a:ext cx="5897218" cy="884238"/>
+          </a:xfrm>
+        </p:spPr>
+        <p:txBody>
+          <a:bodyPr/>
+          <a:lstStyle/>
+          <a:p>
+            <a:r>
+              <a:rPr lang="en-US" dirty="0"/>
+              <a:t>High Level Design</a:t>
+            </a:r>
+          </a:p>
+        </p:txBody>
+      </p:sp>
+      <p:pic>
+        <p:nvPicPr>
+          <p:cNvPr id="6" name="Picture Placeholder 5" descr="person staring at blueprints on a brick wall">
+            <a:extLst>
+              <a:ext uri="{FF2B5EF4-FFF2-40B4-BE49-F238E27FC236}">
+                <a16:creationId xmlns:a16="http://schemas.microsoft.com/office/drawing/2014/main" id="{C07C315A-7CD1-432C-92FA-6B62159B56CA}"/>
+              </a:ext>
+            </a:extLst>
+          </p:cNvPr>
+          <p:cNvPicPr>
+            <a:picLocks noGrp="1" noChangeAspect="1"/>
+          </p:cNvPicPr>
+          <p:nvPr>
+            <p:ph type="pic" sz="quarter" idx="14"/>
+          </p:nvPr>
+        </p:nvPicPr>
+        <p:blipFill rotWithShape="1">
+          <a:blip r:embed="rId3">
+            <a:extLst>
+              <a:ext uri="{BEBA8EAE-BF5A-486C-A8C5-ECC9F3942E4B}">
+                <a14:imgProps xmlns:a14="http://schemas.microsoft.com/office/drawing/2010/main">
+                  <a14:imgLayer r:embed="rId4">
+                    <a14:imgEffect>
+                      <a14:saturation sat="0"/>
+                    </a14:imgEffect>
+                  </a14:imgLayer>
+                </a14:imgProps>
+              </a:ext>
+            </a:extLst>
+          </a:blip>
+          <a:srcRect l="23552" t="1" r="23880" b="327"/>
+          <a:stretch/>
+        </p:blipFill>
+        <p:spPr>
+          <a:xfrm>
+            <a:off x="0" y="0"/>
+            <a:ext cx="5416550" cy="6858000"/>
+          </a:xfrm>
+        </p:spPr>
+      </p:pic>
+      <p:sp>
+        <p:nvSpPr>
+          <p:cNvPr id="14" name="Content Placeholder 13">
+            <a:extLst>
+              <a:ext uri="{FF2B5EF4-FFF2-40B4-BE49-F238E27FC236}">
+                <a16:creationId xmlns:a16="http://schemas.microsoft.com/office/drawing/2014/main" id="{79248A72-A597-48DF-A270-3389F5D209C0}"/>
+              </a:ext>
+            </a:extLst>
+          </p:cNvPr>
+          <p:cNvSpPr>
+            <a:spLocks noGrp="1"/>
+          </p:cNvSpPr>
+          <p:nvPr>
+            <p:ph idx="1"/>
+          </p:nvPr>
+        </p:nvSpPr>
+        <p:spPr>
+          <a:xfrm>
+            <a:off x="6086167" y="1071154"/>
+            <a:ext cx="5690532" cy="4552331"/>
+          </a:xfrm>
+        </p:spPr>
+        <p:txBody>
+          <a:bodyPr>
+            <a:normAutofit/>
+          </a:bodyPr>
+          <a:lstStyle/>
           <a:p>
             <a:pPr marL="0" marR="0" lvl="0" indent="0" algn="l" defTabSz="914400" rtl="0" eaLnBrk="1" fontAlgn="auto" latinLnBrk="0" hangingPunct="1">
               <a:lnSpc>
@@ -8717,6 +9132,114 @@
             </a:endParaRPr>
           </a:p>
           <a:p>
+            <a:pPr marL="0" marR="0" lvl="0" indent="0" algn="l" defTabSz="914400" rtl="0" eaLnBrk="1" fontAlgn="auto" latinLnBrk="0" hangingPunct="1">
+              <a:lnSpc>
+                <a:spcPct val="100000"/>
+              </a:lnSpc>
+              <a:spcBef>
+                <a:spcPts val="1000"/>
+              </a:spcBef>
+              <a:spcAft>
+                <a:spcPts val="0"/>
+              </a:spcAft>
+              <a:buClrTx/>
+              <a:buSzTx/>
+              <a:buFont typeface="Arial" panose="020B0604020202020204" pitchFamily="34" charset="0"/>
+              <a:buNone/>
+              <a:tabLst/>
+              <a:defRPr/>
+            </a:pPr>
+            <a:r>
+              <a:rPr lang="en-US" sz="2000" dirty="0">
+                <a:cs typeface="Biome Light" panose="020B0303030204020804" pitchFamily="34" charset="0"/>
+              </a:rPr>
+              <a:t>Data Flow Diagram</a:t>
+            </a:r>
+            <a:endParaRPr kumimoji="0" lang="en-US" sz="2000" b="0" i="0" u="none" strike="noStrike" kern="1200" cap="none" normalizeH="0" noProof="0" dirty="0">
+              <a:ln>
+                <a:noFill/>
+              </a:ln>
+              <a:solidFill>
+                <a:schemeClr val="tx1"/>
+              </a:solidFill>
+              <a:effectLst/>
+              <a:uLnTx/>
+              <a:uFillTx/>
+              <a:latin typeface="+mn-lt"/>
+              <a:ea typeface="+mn-ea"/>
+              <a:cs typeface="Biome Light" panose="020B0303030204020804" pitchFamily="34" charset="0"/>
+            </a:endParaRPr>
+          </a:p>
+          <a:p>
+            <a:pPr marL="0" marR="0" lvl="0" indent="0" algn="l" defTabSz="914400" rtl="0" eaLnBrk="1" fontAlgn="auto" latinLnBrk="0" hangingPunct="1">
+              <a:lnSpc>
+                <a:spcPct val="100000"/>
+              </a:lnSpc>
+              <a:spcBef>
+                <a:spcPts val="1000"/>
+              </a:spcBef>
+              <a:spcAft>
+                <a:spcPts val="0"/>
+              </a:spcAft>
+              <a:buClrTx/>
+              <a:buSzTx/>
+              <a:buFont typeface="Arial" panose="020B0604020202020204" pitchFamily="34" charset="0"/>
+              <a:buNone/>
+              <a:tabLst/>
+              <a:defRPr/>
+            </a:pPr>
+            <a:r>
+              <a:rPr kumimoji="0" lang="en-US" sz="1600" b="0" i="0" u="none" strike="noStrike" kern="1200" cap="none" normalizeH="0" noProof="0" dirty="0">
+                <a:ln>
+                  <a:noFill/>
+                </a:ln>
+                <a:solidFill>
+                  <a:schemeClr val="tx1"/>
+                </a:solidFill>
+                <a:effectLst/>
+                <a:uLnTx/>
+                <a:uFillTx/>
+                <a:latin typeface="+mn-lt"/>
+                <a:ea typeface="+mn-ea"/>
+                <a:cs typeface="Biome Light" panose="020B0303030204020804" pitchFamily="34" charset="0"/>
+              </a:rPr>
+              <a:t>Customer satisfaction increased from 70 to 80%</a:t>
+            </a:r>
+          </a:p>
+          <a:p>
+            <a:pPr marL="0" marR="0" lvl="0" indent="0" algn="l" defTabSz="914400" rtl="0" eaLnBrk="1" fontAlgn="auto" latinLnBrk="0" hangingPunct="1">
+              <a:lnSpc>
+                <a:spcPct val="100000"/>
+              </a:lnSpc>
+              <a:spcBef>
+                <a:spcPts val="1000"/>
+              </a:spcBef>
+              <a:spcAft>
+                <a:spcPts val="0"/>
+              </a:spcAft>
+              <a:buClrTx/>
+              <a:buSzTx/>
+              <a:buFont typeface="Arial" panose="020B0604020202020204" pitchFamily="34" charset="0"/>
+              <a:buNone/>
+              <a:tabLst/>
+              <a:defRPr/>
+            </a:pPr>
+            <a:endParaRPr kumimoji="0" lang="en-US" sz="1600" b="0" i="0" u="none" strike="noStrike" kern="1200" cap="none" normalizeH="0" noProof="0" dirty="0">
+              <a:ln>
+                <a:noFill/>
+              </a:ln>
+              <a:solidFill>
+                <a:schemeClr val="tx1"/>
+              </a:solidFill>
+              <a:effectLst/>
+              <a:uLnTx/>
+              <a:uFillTx/>
+              <a:latin typeface="+mn-lt"/>
+              <a:ea typeface="+mn-ea"/>
+              <a:cs typeface="Biome Light" panose="020B0303030204020804" pitchFamily="34" charset="0"/>
+            </a:endParaRPr>
+          </a:p>
+          <a:p>
             <a:pPr marL="0" indent="0">
               <a:buNone/>
             </a:pPr>
@@ -8738,516 +9261,6 @@
           </p:cNvSpPr>
           <p:nvPr>
             <p:ph type="sldNum" sz="quarter" idx="4"/>
-          </p:nvPr>
-        </p:nvSpPr>
-        <p:spPr/>
-        <p:txBody>
-          <a:bodyPr/>
-          <a:lstStyle/>
-          <a:p>
-            <a:fld id="{8C2E478F-E849-4A8C-AF1F-CBCC78A7CBFA}" type="slidenum">
-              <a:rPr lang="en-US" smtClean="0"/>
-              <a:pPr/>
-              <a:t>17</a:t>
-            </a:fld>
-            <a:endParaRPr lang="en-US" dirty="0"/>
-          </a:p>
-        </p:txBody>
-      </p:sp>
-      <p:pic>
-        <p:nvPicPr>
-          <p:cNvPr id="7" name="Picture 6"/>
-          <p:cNvPicPr/>
-          <p:nvPr/>
-        </p:nvPicPr>
-        <p:blipFill>
-          <a:blip r:embed="rId5">
-            <a:extLst>
-              <a:ext uri="{28A0092B-C50C-407E-A947-70E740481C1C}">
-                <a14:useLocalDpi xmlns:a14="http://schemas.microsoft.com/office/drawing/2010/main" val="0"/>
-              </a:ext>
-            </a:extLst>
-          </a:blip>
-          <a:srcRect/>
-          <a:stretch>
-            <a:fillRect/>
-          </a:stretch>
-        </p:blipFill>
-        <p:spPr bwMode="auto">
-          <a:xfrm>
-            <a:off x="6657692" y="1061679"/>
-            <a:ext cx="3813664" cy="2182967"/>
-          </a:xfrm>
-          <a:prstGeom prst="rect">
-            <a:avLst/>
-          </a:prstGeom>
-          <a:noFill/>
-          <a:ln>
-            <a:noFill/>
-          </a:ln>
-        </p:spPr>
-      </p:pic>
-    </p:spTree>
-    <p:extLst>
-      <p:ext uri="{BB962C8B-B14F-4D97-AF65-F5344CB8AC3E}">
-        <p14:creationId xmlns:p14="http://schemas.microsoft.com/office/powerpoint/2010/main" val="692636852"/>
-      </p:ext>
-    </p:extLst>
-  </p:cSld>
-  <p:clrMapOvr>
-    <a:masterClrMapping/>
-  </p:clrMapOvr>
-</p:sld>
-</file>
-
-<file path=ppt/slides/slide18.xml><?xml version="1.0" encoding="utf-8"?>
-<p:sld xmlns:a="http://schemas.openxmlformats.org/drawingml/2006/main" xmlns:r="http://schemas.openxmlformats.org/officeDocument/2006/relationships" xmlns:p="http://schemas.openxmlformats.org/presentationml/2006/main">
-  <p:cSld>
-    <p:spTree>
-      <p:nvGrpSpPr>
-        <p:cNvPr id="1" name=""/>
-        <p:cNvGrpSpPr/>
-        <p:nvPr/>
-      </p:nvGrpSpPr>
-      <p:grpSpPr>
-        <a:xfrm>
-          <a:off x="0" y="0"/>
-          <a:ext cx="0" cy="0"/>
-          <a:chOff x="0" y="0"/>
-          <a:chExt cx="0" cy="0"/>
-        </a:xfrm>
-      </p:grpSpPr>
-      <p:sp>
-        <p:nvSpPr>
-          <p:cNvPr id="3" name="Title 2">
-            <a:extLst>
-              <a:ext uri="{FF2B5EF4-FFF2-40B4-BE49-F238E27FC236}">
-                <a16:creationId xmlns:a16="http://schemas.microsoft.com/office/drawing/2014/main" id="{1D24B42B-925B-494C-A986-BD85E8117E1E}"/>
-              </a:ext>
-            </a:extLst>
-          </p:cNvPr>
-          <p:cNvSpPr>
-            <a:spLocks noGrp="1"/>
-          </p:cNvSpPr>
-          <p:nvPr>
-            <p:ph type="title"/>
-          </p:nvPr>
-        </p:nvSpPr>
-        <p:spPr>
-          <a:xfrm>
-            <a:off x="6258991" y="151788"/>
-            <a:ext cx="5251450" cy="975869"/>
-          </a:xfrm>
-        </p:spPr>
-        <p:txBody>
-          <a:bodyPr>
-            <a:normAutofit/>
-          </a:bodyPr>
-          <a:lstStyle/>
-          <a:p>
-            <a:r>
-              <a:rPr lang="en-US" sz="2800" dirty="0"/>
-              <a:t>Achievements and challenges</a:t>
-            </a:r>
-          </a:p>
-        </p:txBody>
-      </p:sp>
-      <p:pic>
-        <p:nvPicPr>
-          <p:cNvPr id="8" name="Picture Placeholder 7" descr="close up of computer code">
-            <a:extLst>
-              <a:ext uri="{FF2B5EF4-FFF2-40B4-BE49-F238E27FC236}">
-                <a16:creationId xmlns:a16="http://schemas.microsoft.com/office/drawing/2014/main" id="{A596BF19-CC58-4709-B5D6-3FC378FDC7BA}"/>
-              </a:ext>
-            </a:extLst>
-          </p:cNvPr>
-          <p:cNvPicPr>
-            <a:picLocks noGrp="1" noChangeAspect="1"/>
-          </p:cNvPicPr>
-          <p:nvPr>
-            <p:ph type="pic" sz="quarter" idx="13"/>
-          </p:nvPr>
-        </p:nvPicPr>
-        <p:blipFill rotWithShape="1">
-          <a:blip r:embed="rId2">
-            <a:extLst>
-              <a:ext uri="{BEBA8EAE-BF5A-486C-A8C5-ECC9F3942E4B}">
-                <a14:imgProps xmlns:a14="http://schemas.microsoft.com/office/drawing/2010/main">
-                  <a14:imgLayer r:embed="rId3">
-                    <a14:imgEffect>
-                      <a14:saturation sat="0"/>
-                    </a14:imgEffect>
-                  </a14:imgLayer>
-                </a14:imgProps>
-              </a:ext>
-            </a:extLst>
-          </a:blip>
-          <a:srcRect l="20370" r="20370"/>
-          <a:stretch/>
-        </p:blipFill>
-        <p:spPr>
-          <a:xfrm>
-            <a:off x="0" y="-9922"/>
-            <a:ext cx="6096000" cy="6867922"/>
-          </a:xfrm>
-        </p:spPr>
-      </p:pic>
-      <p:sp>
-        <p:nvSpPr>
-          <p:cNvPr id="2" name="Text Placeholder 1">
-            <a:extLst>
-              <a:ext uri="{FF2B5EF4-FFF2-40B4-BE49-F238E27FC236}">
-                <a16:creationId xmlns:a16="http://schemas.microsoft.com/office/drawing/2014/main" id="{B156CAF1-214F-4566-9B0D-DACA1063E8C8}"/>
-              </a:ext>
-            </a:extLst>
-          </p:cNvPr>
-          <p:cNvSpPr>
-            <a:spLocks noGrp="1"/>
-          </p:cNvSpPr>
-          <p:nvPr>
-            <p:ph type="body" idx="1"/>
-          </p:nvPr>
-        </p:nvSpPr>
-        <p:spPr>
-          <a:xfrm>
-            <a:off x="5897218" y="1375873"/>
-            <a:ext cx="6095999" cy="5233911"/>
-          </a:xfrm>
-        </p:spPr>
-        <p:txBody>
-          <a:bodyPr/>
-          <a:lstStyle/>
-          <a:p>
-            <a:pPr algn="l"/>
-            <a:r>
-              <a:rPr lang="en-US" sz="1600" u="sng" spc="0" dirty="0">
-                <a:cs typeface="Arial" panose="020B0604020202020204" pitchFamily="34" charset="0"/>
-              </a:rPr>
-              <a:t>Achievements:</a:t>
-            </a:r>
-          </a:p>
-          <a:p>
-            <a:pPr marL="285750" indent="-285750" algn="l">
-              <a:buFont typeface="Arial" panose="020B0604020202020204" pitchFamily="34" charset="0"/>
-              <a:buChar char="•"/>
-            </a:pPr>
-            <a:r>
-              <a:rPr lang="en-US" spc="0" dirty="0">
-                <a:cs typeface="Arial" panose="020B0604020202020204" pitchFamily="34" charset="0"/>
-              </a:rPr>
-              <a:t>Successfully hosted sprint meetings with all members present weekly and participating</a:t>
-            </a:r>
-          </a:p>
-          <a:p>
-            <a:pPr marL="285750" indent="-285750" algn="l">
-              <a:buFont typeface="Arial" panose="020B0604020202020204" pitchFamily="34" charset="0"/>
-              <a:buChar char="•"/>
-            </a:pPr>
-            <a:r>
-              <a:rPr lang="en-US" spc="0" dirty="0">
-                <a:cs typeface="Arial" panose="020B0604020202020204" pitchFamily="34" charset="0"/>
-              </a:rPr>
-              <a:t>Individual team members feel more satisfied with their roles which gives them extra motivation to perform.</a:t>
-            </a:r>
-          </a:p>
-          <a:p>
-            <a:pPr marL="285750" indent="-285750" algn="l">
-              <a:buFont typeface="Arial" panose="020B0604020202020204" pitchFamily="34" charset="0"/>
-              <a:buChar char="•"/>
-            </a:pPr>
-            <a:r>
-              <a:rPr lang="en-US" spc="0" dirty="0">
-                <a:cs typeface="Arial" panose="020B0604020202020204" pitchFamily="34" charset="0"/>
-              </a:rPr>
-              <a:t>tasks are completed on time and in full.</a:t>
-            </a:r>
-          </a:p>
-          <a:p>
-            <a:pPr marL="285750" indent="-285750" algn="l">
-              <a:buFont typeface="Arial" panose="020B0604020202020204" pitchFamily="34" charset="0"/>
-              <a:buChar char="•"/>
-            </a:pPr>
-            <a:endParaRPr lang="en-US" spc="0" dirty="0">
-              <a:cs typeface="Arial" panose="020B0604020202020204" pitchFamily="34" charset="0"/>
-            </a:endParaRPr>
-          </a:p>
-          <a:p>
-            <a:pPr marL="285750" indent="-285750" algn="l">
-              <a:buFont typeface="Arial" panose="020B0604020202020204" pitchFamily="34" charset="0"/>
-              <a:buChar char="•"/>
-            </a:pPr>
-            <a:endParaRPr lang="en-US" spc="0" dirty="0">
-              <a:cs typeface="Arial" panose="020B0604020202020204" pitchFamily="34" charset="0"/>
-            </a:endParaRPr>
-          </a:p>
-          <a:p>
-            <a:pPr algn="l"/>
-            <a:endParaRPr lang="en-US" spc="0" dirty="0">
-              <a:cs typeface="Arial" panose="020B0604020202020204" pitchFamily="34" charset="0"/>
-            </a:endParaRPr>
-          </a:p>
-          <a:p>
-            <a:pPr algn="l"/>
-            <a:endParaRPr lang="en-US" spc="0" dirty="0">
-              <a:cs typeface="Arial" panose="020B0604020202020204" pitchFamily="34" charset="0"/>
-            </a:endParaRPr>
-          </a:p>
-          <a:p>
-            <a:pPr algn="l"/>
-            <a:r>
-              <a:rPr lang="en-US" sz="1600" u="sng" spc="0" dirty="0">
-                <a:cs typeface="Arial" panose="020B0604020202020204" pitchFamily="34" charset="0"/>
-              </a:rPr>
-              <a:t>Challenges:</a:t>
-            </a:r>
-          </a:p>
-          <a:p>
-            <a:pPr marL="285750" indent="-285750" algn="l">
-              <a:buFont typeface="Arial" panose="020B0604020202020204" pitchFamily="34" charset="0"/>
-              <a:buChar char="•"/>
-            </a:pPr>
-            <a:r>
-              <a:rPr lang="en-US" spc="0" dirty="0">
-                <a:cs typeface="Arial" panose="020B0604020202020204" pitchFamily="34" charset="0"/>
-              </a:rPr>
-              <a:t>Microsoft word formatting for SRS document </a:t>
-            </a:r>
-          </a:p>
-          <a:p>
-            <a:pPr marL="285750" indent="-285750" algn="l">
-              <a:buFont typeface="Arial" panose="020B0604020202020204" pitchFamily="34" charset="0"/>
-              <a:buChar char="•"/>
-            </a:pPr>
-            <a:endParaRPr lang="en-US" spc="0" dirty="0">
-              <a:cs typeface="Arial" panose="020B0604020202020204" pitchFamily="34" charset="0"/>
-            </a:endParaRPr>
-          </a:p>
-          <a:p>
-            <a:pPr algn="l"/>
-            <a:endParaRPr lang="en-US" spc="0" dirty="0">
-              <a:cs typeface="Arial" panose="020B0604020202020204" pitchFamily="34" charset="0"/>
-            </a:endParaRPr>
-          </a:p>
-          <a:p>
-            <a:pPr marL="285750" indent="-285750" algn="l">
-              <a:buFont typeface="Arial" panose="020B0604020202020204" pitchFamily="34" charset="0"/>
-              <a:buChar char="•"/>
-            </a:pPr>
-            <a:endParaRPr lang="en-US" spc="0" dirty="0">
-              <a:cs typeface="Arial" panose="020B0604020202020204" pitchFamily="34" charset="0"/>
-            </a:endParaRPr>
-          </a:p>
-        </p:txBody>
-      </p:sp>
-      <p:sp>
-        <p:nvSpPr>
-          <p:cNvPr id="6" name="Slide Number Placeholder 5">
-            <a:extLst>
-              <a:ext uri="{FF2B5EF4-FFF2-40B4-BE49-F238E27FC236}">
-                <a16:creationId xmlns:a16="http://schemas.microsoft.com/office/drawing/2014/main" id="{FC6A5C12-E784-444E-B868-DE2AE85742BB}"/>
-              </a:ext>
-            </a:extLst>
-          </p:cNvPr>
-          <p:cNvSpPr>
-            <a:spLocks noGrp="1"/>
-          </p:cNvSpPr>
-          <p:nvPr>
-            <p:ph type="sldNum" sz="quarter" idx="12"/>
-          </p:nvPr>
-        </p:nvSpPr>
-        <p:spPr/>
-        <p:txBody>
-          <a:bodyPr/>
-          <a:lstStyle/>
-          <a:p>
-            <a:fld id="{8C2E478F-E849-4A8C-AF1F-CBCC78A7CBFA}" type="slidenum">
-              <a:rPr lang="en-US" smtClean="0"/>
-              <a:pPr/>
-              <a:t>18</a:t>
-            </a:fld>
-            <a:endParaRPr lang="en-US" dirty="0"/>
-          </a:p>
-        </p:txBody>
-      </p:sp>
-    </p:spTree>
-    <p:extLst>
-      <p:ext uri="{BB962C8B-B14F-4D97-AF65-F5344CB8AC3E}">
-        <p14:creationId xmlns:p14="http://schemas.microsoft.com/office/powerpoint/2010/main" val="2918897839"/>
-      </p:ext>
-    </p:extLst>
-  </p:cSld>
-  <p:clrMapOvr>
-    <a:masterClrMapping/>
-  </p:clrMapOvr>
-</p:sld>
-</file>
-
-<file path=ppt/slides/slide19.xml><?xml version="1.0" encoding="utf-8"?>
-<p:sld xmlns:a="http://schemas.openxmlformats.org/drawingml/2006/main" xmlns:r="http://schemas.openxmlformats.org/officeDocument/2006/relationships" xmlns:p="http://schemas.openxmlformats.org/presentationml/2006/main">
-  <p:cSld>
-    <p:spTree>
-      <p:nvGrpSpPr>
-        <p:cNvPr id="1" name=""/>
-        <p:cNvGrpSpPr/>
-        <p:nvPr/>
-      </p:nvGrpSpPr>
-      <p:grpSpPr>
-        <a:xfrm>
-          <a:off x="0" y="0"/>
-          <a:ext cx="0" cy="0"/>
-          <a:chOff x="0" y="0"/>
-          <a:chExt cx="0" cy="0"/>
-        </a:xfrm>
-      </p:grpSpPr>
-      <p:sp>
-        <p:nvSpPr>
-          <p:cNvPr id="3" name="Title 2">
-            <a:extLst>
-              <a:ext uri="{FF2B5EF4-FFF2-40B4-BE49-F238E27FC236}">
-                <a16:creationId xmlns:a16="http://schemas.microsoft.com/office/drawing/2014/main" id="{1D24B42B-925B-494C-A986-BD85E8117E1E}"/>
-              </a:ext>
-            </a:extLst>
-          </p:cNvPr>
-          <p:cNvSpPr>
-            <a:spLocks noGrp="1"/>
-          </p:cNvSpPr>
-          <p:nvPr>
-            <p:ph type="title"/>
-          </p:nvPr>
-        </p:nvSpPr>
-        <p:spPr>
-          <a:xfrm>
-            <a:off x="6243087" y="58128"/>
-            <a:ext cx="5569486" cy="741763"/>
-          </a:xfrm>
-        </p:spPr>
-        <p:txBody>
-          <a:bodyPr>
-            <a:normAutofit/>
-          </a:bodyPr>
-          <a:lstStyle/>
-          <a:p>
-            <a:r>
-              <a:rPr lang="en-US" sz="2800" dirty="0"/>
-              <a:t>Future Development Plan</a:t>
-            </a:r>
-          </a:p>
-        </p:txBody>
-      </p:sp>
-      <p:pic>
-        <p:nvPicPr>
-          <p:cNvPr id="8" name="Picture Placeholder 7" descr="close up of computer code">
-            <a:extLst>
-              <a:ext uri="{FF2B5EF4-FFF2-40B4-BE49-F238E27FC236}">
-                <a16:creationId xmlns:a16="http://schemas.microsoft.com/office/drawing/2014/main" id="{A596BF19-CC58-4709-B5D6-3FC378FDC7BA}"/>
-              </a:ext>
-            </a:extLst>
-          </p:cNvPr>
-          <p:cNvPicPr>
-            <a:picLocks noGrp="1" noChangeAspect="1"/>
-          </p:cNvPicPr>
-          <p:nvPr>
-            <p:ph type="pic" sz="quarter" idx="13"/>
-          </p:nvPr>
-        </p:nvPicPr>
-        <p:blipFill rotWithShape="1">
-          <a:blip r:embed="rId2">
-            <a:extLst>
-              <a:ext uri="{BEBA8EAE-BF5A-486C-A8C5-ECC9F3942E4B}">
-                <a14:imgProps xmlns:a14="http://schemas.microsoft.com/office/drawing/2010/main">
-                  <a14:imgLayer r:embed="rId3">
-                    <a14:imgEffect>
-                      <a14:saturation sat="0"/>
-                    </a14:imgEffect>
-                  </a14:imgLayer>
-                </a14:imgProps>
-              </a:ext>
-            </a:extLst>
-          </a:blip>
-          <a:srcRect l="20370" r="20370"/>
-          <a:stretch/>
-        </p:blipFill>
-        <p:spPr>
-          <a:xfrm>
-            <a:off x="0" y="-9922"/>
-            <a:ext cx="6096000" cy="6867922"/>
-          </a:xfrm>
-        </p:spPr>
-      </p:pic>
-      <p:sp>
-        <p:nvSpPr>
-          <p:cNvPr id="2" name="Text Placeholder 1">
-            <a:extLst>
-              <a:ext uri="{FF2B5EF4-FFF2-40B4-BE49-F238E27FC236}">
-                <a16:creationId xmlns:a16="http://schemas.microsoft.com/office/drawing/2014/main" id="{B156CAF1-214F-4566-9B0D-DACA1063E8C8}"/>
-              </a:ext>
-            </a:extLst>
-          </p:cNvPr>
-          <p:cNvSpPr>
-            <a:spLocks noGrp="1"/>
-          </p:cNvSpPr>
-          <p:nvPr>
-            <p:ph type="body" idx="1"/>
-          </p:nvPr>
-        </p:nvSpPr>
-        <p:spPr>
-          <a:xfrm>
-            <a:off x="5897218" y="956345"/>
-            <a:ext cx="6095999" cy="5578679"/>
-          </a:xfrm>
-        </p:spPr>
-        <p:txBody>
-          <a:bodyPr/>
-          <a:lstStyle/>
-          <a:p>
-            <a:pPr marL="285750" indent="-285750" algn="l">
-              <a:buFont typeface="Arial" panose="020B0604020202020204" pitchFamily="34" charset="0"/>
-              <a:buChar char="•"/>
-            </a:pPr>
-            <a:r>
-              <a:rPr lang="en-US" sz="1600" spc="0" dirty="0">
-                <a:cs typeface="Arial" panose="020B0604020202020204" pitchFamily="34" charset="0"/>
-              </a:rPr>
-              <a:t>Create a Mobile application version to give restaurant owners the option to use either a web application or mobile application based on their needs. </a:t>
-            </a:r>
-          </a:p>
-          <a:p>
-            <a:pPr marL="285750" indent="-285750" algn="l">
-              <a:buFont typeface="Arial" panose="020B0604020202020204" pitchFamily="34" charset="0"/>
-              <a:buChar char="•"/>
-            </a:pPr>
-            <a:r>
-              <a:rPr lang="en-US" sz="1600" spc="0" dirty="0">
-                <a:cs typeface="Arial" panose="020B0604020202020204" pitchFamily="34" charset="0"/>
-              </a:rPr>
-              <a:t>add online reservation for customers .</a:t>
-            </a:r>
-          </a:p>
-          <a:p>
-            <a:pPr marL="285750" indent="-285750" algn="l">
-              <a:buFont typeface="Arial" panose="020B0604020202020204" pitchFamily="34" charset="0"/>
-              <a:buChar char="•"/>
-            </a:pPr>
-            <a:endParaRPr lang="en-US" sz="1600" spc="0" dirty="0">
-              <a:cs typeface="Arial" panose="020B0604020202020204" pitchFamily="34" charset="0"/>
-            </a:endParaRPr>
-          </a:p>
-        </p:txBody>
-      </p:sp>
-      <p:sp>
-        <p:nvSpPr>
-          <p:cNvPr id="6" name="Slide Number Placeholder 5">
-            <a:extLst>
-              <a:ext uri="{FF2B5EF4-FFF2-40B4-BE49-F238E27FC236}">
-                <a16:creationId xmlns:a16="http://schemas.microsoft.com/office/drawing/2014/main" id="{FC6A5C12-E784-444E-B868-DE2AE85742BB}"/>
-              </a:ext>
-            </a:extLst>
-          </p:cNvPr>
-          <p:cNvSpPr>
-            <a:spLocks noGrp="1"/>
-          </p:cNvSpPr>
-          <p:nvPr>
-            <p:ph type="sldNum" sz="quarter" idx="12"/>
           </p:nvPr>
         </p:nvSpPr>
         <p:spPr/>
@@ -9267,7 +9280,7 @@
     </p:spTree>
     <p:extLst>
       <p:ext uri="{BB962C8B-B14F-4D97-AF65-F5344CB8AC3E}">
-        <p14:creationId xmlns:p14="http://schemas.microsoft.com/office/powerpoint/2010/main" val="3853358220"/>
+        <p14:creationId xmlns:p14="http://schemas.microsoft.com/office/powerpoint/2010/main" val="494086945"/>
       </p:ext>
     </p:extLst>
   </p:cSld>
@@ -9520,6 +9533,483 @@
 </file>
 
 <file path=ppt/slides/slide20.xml><?xml version="1.0" encoding="utf-8"?>
+<p:sld xmlns:a="http://schemas.openxmlformats.org/drawingml/2006/main" xmlns:r="http://schemas.openxmlformats.org/officeDocument/2006/relationships" xmlns:p="http://schemas.openxmlformats.org/presentationml/2006/main">
+  <p:cSld>
+    <p:spTree>
+      <p:nvGrpSpPr>
+        <p:cNvPr id="1" name=""/>
+        <p:cNvGrpSpPr/>
+        <p:nvPr/>
+      </p:nvGrpSpPr>
+      <p:grpSpPr>
+        <a:xfrm>
+          <a:off x="0" y="0"/>
+          <a:ext cx="0" cy="0"/>
+          <a:chOff x="0" y="0"/>
+          <a:chExt cx="0" cy="0"/>
+        </a:xfrm>
+      </p:grpSpPr>
+      <p:sp>
+        <p:nvSpPr>
+          <p:cNvPr id="3" name="Title 2">
+            <a:extLst>
+              <a:ext uri="{FF2B5EF4-FFF2-40B4-BE49-F238E27FC236}">
+                <a16:creationId xmlns:a16="http://schemas.microsoft.com/office/drawing/2014/main" id="{1D24B42B-925B-494C-A986-BD85E8117E1E}"/>
+              </a:ext>
+            </a:extLst>
+          </p:cNvPr>
+          <p:cNvSpPr>
+            <a:spLocks noGrp="1"/>
+          </p:cNvSpPr>
+          <p:nvPr>
+            <p:ph type="title"/>
+          </p:nvPr>
+        </p:nvSpPr>
+        <p:spPr>
+          <a:xfrm>
+            <a:off x="6258991" y="151788"/>
+            <a:ext cx="5251450" cy="975869"/>
+          </a:xfrm>
+        </p:spPr>
+        <p:txBody>
+          <a:bodyPr>
+            <a:normAutofit/>
+          </a:bodyPr>
+          <a:lstStyle/>
+          <a:p>
+            <a:r>
+              <a:rPr lang="en-US" sz="2800" dirty="0"/>
+              <a:t>Achievements and challenges</a:t>
+            </a:r>
+          </a:p>
+        </p:txBody>
+      </p:sp>
+      <p:pic>
+        <p:nvPicPr>
+          <p:cNvPr id="8" name="Picture Placeholder 7" descr="close up of computer code">
+            <a:extLst>
+              <a:ext uri="{FF2B5EF4-FFF2-40B4-BE49-F238E27FC236}">
+                <a16:creationId xmlns:a16="http://schemas.microsoft.com/office/drawing/2014/main" id="{A596BF19-CC58-4709-B5D6-3FC378FDC7BA}"/>
+              </a:ext>
+            </a:extLst>
+          </p:cNvPr>
+          <p:cNvPicPr>
+            <a:picLocks noGrp="1" noChangeAspect="1"/>
+          </p:cNvPicPr>
+          <p:nvPr>
+            <p:ph type="pic" sz="quarter" idx="13"/>
+          </p:nvPr>
+        </p:nvPicPr>
+        <p:blipFill rotWithShape="1">
+          <a:blip r:embed="rId2">
+            <a:extLst>
+              <a:ext uri="{BEBA8EAE-BF5A-486C-A8C5-ECC9F3942E4B}">
+                <a14:imgProps xmlns:a14="http://schemas.microsoft.com/office/drawing/2010/main">
+                  <a14:imgLayer r:embed="rId3">
+                    <a14:imgEffect>
+                      <a14:saturation sat="0"/>
+                    </a14:imgEffect>
+                  </a14:imgLayer>
+                </a14:imgProps>
+              </a:ext>
+            </a:extLst>
+          </a:blip>
+          <a:srcRect l="20370" r="20370"/>
+          <a:stretch/>
+        </p:blipFill>
+        <p:spPr>
+          <a:xfrm>
+            <a:off x="0" y="-9922"/>
+            <a:ext cx="6096000" cy="6867922"/>
+          </a:xfrm>
+        </p:spPr>
+      </p:pic>
+      <p:sp>
+        <p:nvSpPr>
+          <p:cNvPr id="2" name="Text Placeholder 1">
+            <a:extLst>
+              <a:ext uri="{FF2B5EF4-FFF2-40B4-BE49-F238E27FC236}">
+                <a16:creationId xmlns:a16="http://schemas.microsoft.com/office/drawing/2014/main" id="{B156CAF1-214F-4566-9B0D-DACA1063E8C8}"/>
+              </a:ext>
+            </a:extLst>
+          </p:cNvPr>
+          <p:cNvSpPr>
+            <a:spLocks noGrp="1"/>
+          </p:cNvSpPr>
+          <p:nvPr>
+            <p:ph type="body" idx="1"/>
+          </p:nvPr>
+        </p:nvSpPr>
+        <p:spPr>
+          <a:xfrm>
+            <a:off x="5897218" y="1375873"/>
+            <a:ext cx="6095999" cy="5233911"/>
+          </a:xfrm>
+        </p:spPr>
+        <p:txBody>
+          <a:bodyPr/>
+          <a:lstStyle/>
+          <a:p>
+            <a:pPr algn="l"/>
+            <a:r>
+              <a:rPr lang="en-US" sz="1600" u="sng" spc="0" dirty="0">
+                <a:cs typeface="Arial" panose="020B0604020202020204" pitchFamily="34" charset="0"/>
+              </a:rPr>
+              <a:t>Achievements:</a:t>
+            </a:r>
+          </a:p>
+          <a:p>
+            <a:pPr marL="285750" indent="-285750" algn="l">
+              <a:buFont typeface="Arial" panose="020B0604020202020204" pitchFamily="34" charset="0"/>
+              <a:buChar char="•"/>
+            </a:pPr>
+            <a:r>
+              <a:rPr lang="en-US" spc="0" dirty="0">
+                <a:cs typeface="Arial" panose="020B0604020202020204" pitchFamily="34" charset="0"/>
+              </a:rPr>
+              <a:t>Successfully hosted sprint meetings with all members present weekly and participating</a:t>
+            </a:r>
+          </a:p>
+          <a:p>
+            <a:pPr marL="285750" indent="-285750" algn="l">
+              <a:buFont typeface="Arial" panose="020B0604020202020204" pitchFamily="34" charset="0"/>
+              <a:buChar char="•"/>
+            </a:pPr>
+            <a:r>
+              <a:rPr lang="en-US" spc="0" dirty="0">
+                <a:cs typeface="Arial" panose="020B0604020202020204" pitchFamily="34" charset="0"/>
+              </a:rPr>
+              <a:t>Individual team members feel more satisfied with their roles which gives them extra motivation to perform.</a:t>
+            </a:r>
+          </a:p>
+          <a:p>
+            <a:pPr marL="285750" indent="-285750" algn="l">
+              <a:buFont typeface="Arial" panose="020B0604020202020204" pitchFamily="34" charset="0"/>
+              <a:buChar char="•"/>
+            </a:pPr>
+            <a:r>
+              <a:rPr lang="en-US" spc="0" dirty="0">
+                <a:cs typeface="Arial" panose="020B0604020202020204" pitchFamily="34" charset="0"/>
+              </a:rPr>
+              <a:t>tasks are completed on time and in full.</a:t>
+            </a:r>
+          </a:p>
+          <a:p>
+            <a:pPr marL="285750" indent="-285750" algn="l">
+              <a:buFont typeface="Arial" panose="020B0604020202020204" pitchFamily="34" charset="0"/>
+              <a:buChar char="•"/>
+            </a:pPr>
+            <a:endParaRPr lang="en-US" spc="0" dirty="0">
+              <a:cs typeface="Arial" panose="020B0604020202020204" pitchFamily="34" charset="0"/>
+            </a:endParaRPr>
+          </a:p>
+          <a:p>
+            <a:pPr marL="285750" indent="-285750" algn="l">
+              <a:buFont typeface="Arial" panose="020B0604020202020204" pitchFamily="34" charset="0"/>
+              <a:buChar char="•"/>
+            </a:pPr>
+            <a:endParaRPr lang="en-US" spc="0" dirty="0">
+              <a:cs typeface="Arial" panose="020B0604020202020204" pitchFamily="34" charset="0"/>
+            </a:endParaRPr>
+          </a:p>
+          <a:p>
+            <a:pPr algn="l"/>
+            <a:endParaRPr lang="en-US" spc="0" dirty="0">
+              <a:cs typeface="Arial" panose="020B0604020202020204" pitchFamily="34" charset="0"/>
+            </a:endParaRPr>
+          </a:p>
+          <a:p>
+            <a:pPr algn="l"/>
+            <a:endParaRPr lang="en-US" spc="0" dirty="0">
+              <a:cs typeface="Arial" panose="020B0604020202020204" pitchFamily="34" charset="0"/>
+            </a:endParaRPr>
+          </a:p>
+          <a:p>
+            <a:pPr algn="l"/>
+            <a:r>
+              <a:rPr lang="en-US" sz="1600" u="sng" spc="0" dirty="0">
+                <a:cs typeface="Arial" panose="020B0604020202020204" pitchFamily="34" charset="0"/>
+              </a:rPr>
+              <a:t>Challenges:</a:t>
+            </a:r>
+          </a:p>
+          <a:p>
+            <a:pPr marL="285750" indent="-285750" algn="l">
+              <a:buFont typeface="Arial" panose="020B0604020202020204" pitchFamily="34" charset="0"/>
+              <a:buChar char="•"/>
+            </a:pPr>
+            <a:r>
+              <a:rPr lang="en-US" spc="0" dirty="0">
+                <a:cs typeface="Arial" panose="020B0604020202020204" pitchFamily="34" charset="0"/>
+              </a:rPr>
+              <a:t>Microsoft word formatting for SRS document </a:t>
+            </a:r>
+          </a:p>
+          <a:p>
+            <a:pPr marL="285750" indent="-285750" algn="l">
+              <a:buFont typeface="Arial" panose="020B0604020202020204" pitchFamily="34" charset="0"/>
+              <a:buChar char="•"/>
+            </a:pPr>
+            <a:endParaRPr lang="en-US" spc="0" dirty="0">
+              <a:cs typeface="Arial" panose="020B0604020202020204" pitchFamily="34" charset="0"/>
+            </a:endParaRPr>
+          </a:p>
+          <a:p>
+            <a:pPr algn="l"/>
+            <a:endParaRPr lang="en-US" spc="0" dirty="0">
+              <a:cs typeface="Arial" panose="020B0604020202020204" pitchFamily="34" charset="0"/>
+            </a:endParaRPr>
+          </a:p>
+          <a:p>
+            <a:pPr marL="285750" indent="-285750" algn="l">
+              <a:buFont typeface="Arial" panose="020B0604020202020204" pitchFamily="34" charset="0"/>
+              <a:buChar char="•"/>
+            </a:pPr>
+            <a:endParaRPr lang="en-US" spc="0" dirty="0">
+              <a:cs typeface="Arial" panose="020B0604020202020204" pitchFamily="34" charset="0"/>
+            </a:endParaRPr>
+          </a:p>
+        </p:txBody>
+      </p:sp>
+      <p:sp>
+        <p:nvSpPr>
+          <p:cNvPr id="6" name="Slide Number Placeholder 5">
+            <a:extLst>
+              <a:ext uri="{FF2B5EF4-FFF2-40B4-BE49-F238E27FC236}">
+                <a16:creationId xmlns:a16="http://schemas.microsoft.com/office/drawing/2014/main" id="{FC6A5C12-E784-444E-B868-DE2AE85742BB}"/>
+              </a:ext>
+            </a:extLst>
+          </p:cNvPr>
+          <p:cNvSpPr>
+            <a:spLocks noGrp="1"/>
+          </p:cNvSpPr>
+          <p:nvPr>
+            <p:ph type="sldNum" sz="quarter" idx="12"/>
+          </p:nvPr>
+        </p:nvSpPr>
+        <p:spPr/>
+        <p:txBody>
+          <a:bodyPr/>
+          <a:lstStyle/>
+          <a:p>
+            <a:fld id="{8C2E478F-E849-4A8C-AF1F-CBCC78A7CBFA}" type="slidenum">
+              <a:rPr lang="en-US" smtClean="0"/>
+              <a:pPr/>
+              <a:t>20</a:t>
+            </a:fld>
+            <a:endParaRPr lang="en-US" dirty="0"/>
+          </a:p>
+        </p:txBody>
+      </p:sp>
+    </p:spTree>
+    <p:extLst>
+      <p:ext uri="{BB962C8B-B14F-4D97-AF65-F5344CB8AC3E}">
+        <p14:creationId xmlns:p14="http://schemas.microsoft.com/office/powerpoint/2010/main" val="2918897839"/>
+      </p:ext>
+    </p:extLst>
+  </p:cSld>
+  <p:clrMapOvr>
+    <a:masterClrMapping/>
+  </p:clrMapOvr>
+</p:sld>
+</file>
+
+<file path=ppt/slides/slide21.xml><?xml version="1.0" encoding="utf-8"?>
+<p:sld xmlns:a="http://schemas.openxmlformats.org/drawingml/2006/main" xmlns:r="http://schemas.openxmlformats.org/officeDocument/2006/relationships" xmlns:p="http://schemas.openxmlformats.org/presentationml/2006/main">
+  <p:cSld>
+    <p:spTree>
+      <p:nvGrpSpPr>
+        <p:cNvPr id="1" name=""/>
+        <p:cNvGrpSpPr/>
+        <p:nvPr/>
+      </p:nvGrpSpPr>
+      <p:grpSpPr>
+        <a:xfrm>
+          <a:off x="0" y="0"/>
+          <a:ext cx="0" cy="0"/>
+          <a:chOff x="0" y="0"/>
+          <a:chExt cx="0" cy="0"/>
+        </a:xfrm>
+      </p:grpSpPr>
+      <p:sp>
+        <p:nvSpPr>
+          <p:cNvPr id="3" name="Title 2">
+            <a:extLst>
+              <a:ext uri="{FF2B5EF4-FFF2-40B4-BE49-F238E27FC236}">
+                <a16:creationId xmlns:a16="http://schemas.microsoft.com/office/drawing/2014/main" id="{1D24B42B-925B-494C-A986-BD85E8117E1E}"/>
+              </a:ext>
+            </a:extLst>
+          </p:cNvPr>
+          <p:cNvSpPr>
+            <a:spLocks noGrp="1"/>
+          </p:cNvSpPr>
+          <p:nvPr>
+            <p:ph type="title"/>
+          </p:nvPr>
+        </p:nvSpPr>
+        <p:spPr>
+          <a:xfrm>
+            <a:off x="6243087" y="58128"/>
+            <a:ext cx="5569486" cy="741763"/>
+          </a:xfrm>
+        </p:spPr>
+        <p:txBody>
+          <a:bodyPr>
+            <a:normAutofit/>
+          </a:bodyPr>
+          <a:lstStyle/>
+          <a:p>
+            <a:r>
+              <a:rPr lang="en-US" sz="2800" dirty="0"/>
+              <a:t>Future Development Plan</a:t>
+            </a:r>
+          </a:p>
+        </p:txBody>
+      </p:sp>
+      <p:pic>
+        <p:nvPicPr>
+          <p:cNvPr id="8" name="Picture Placeholder 7" descr="close up of computer code">
+            <a:extLst>
+              <a:ext uri="{FF2B5EF4-FFF2-40B4-BE49-F238E27FC236}">
+                <a16:creationId xmlns:a16="http://schemas.microsoft.com/office/drawing/2014/main" id="{A596BF19-CC58-4709-B5D6-3FC378FDC7BA}"/>
+              </a:ext>
+            </a:extLst>
+          </p:cNvPr>
+          <p:cNvPicPr>
+            <a:picLocks noGrp="1" noChangeAspect="1"/>
+          </p:cNvPicPr>
+          <p:nvPr>
+            <p:ph type="pic" sz="quarter" idx="13"/>
+          </p:nvPr>
+        </p:nvPicPr>
+        <p:blipFill rotWithShape="1">
+          <a:blip r:embed="rId2">
+            <a:extLst>
+              <a:ext uri="{BEBA8EAE-BF5A-486C-A8C5-ECC9F3942E4B}">
+                <a14:imgProps xmlns:a14="http://schemas.microsoft.com/office/drawing/2010/main">
+                  <a14:imgLayer r:embed="rId3">
+                    <a14:imgEffect>
+                      <a14:saturation sat="0"/>
+                    </a14:imgEffect>
+                  </a14:imgLayer>
+                </a14:imgProps>
+              </a:ext>
+            </a:extLst>
+          </a:blip>
+          <a:srcRect l="20370" r="20370"/>
+          <a:stretch/>
+        </p:blipFill>
+        <p:spPr>
+          <a:xfrm>
+            <a:off x="0" y="-9922"/>
+            <a:ext cx="6096000" cy="6867922"/>
+          </a:xfrm>
+        </p:spPr>
+      </p:pic>
+      <p:sp>
+        <p:nvSpPr>
+          <p:cNvPr id="2" name="Text Placeholder 1">
+            <a:extLst>
+              <a:ext uri="{FF2B5EF4-FFF2-40B4-BE49-F238E27FC236}">
+                <a16:creationId xmlns:a16="http://schemas.microsoft.com/office/drawing/2014/main" id="{B156CAF1-214F-4566-9B0D-DACA1063E8C8}"/>
+              </a:ext>
+            </a:extLst>
+          </p:cNvPr>
+          <p:cNvSpPr>
+            <a:spLocks noGrp="1"/>
+          </p:cNvSpPr>
+          <p:nvPr>
+            <p:ph type="body" idx="1"/>
+          </p:nvPr>
+        </p:nvSpPr>
+        <p:spPr>
+          <a:xfrm>
+            <a:off x="5897218" y="956345"/>
+            <a:ext cx="6095999" cy="5578679"/>
+          </a:xfrm>
+        </p:spPr>
+        <p:txBody>
+          <a:bodyPr/>
+          <a:lstStyle/>
+          <a:p>
+            <a:pPr marL="285750" indent="-285750" algn="l">
+              <a:buFont typeface="Arial" panose="020B0604020202020204" pitchFamily="34" charset="0"/>
+              <a:buChar char="•"/>
+            </a:pPr>
+            <a:r>
+              <a:rPr lang="en-US" sz="1600" spc="0" dirty="0">
+                <a:cs typeface="Arial" panose="020B0604020202020204" pitchFamily="34" charset="0"/>
+              </a:rPr>
+              <a:t>Create a Mobile application version to give restaurant owners the option to use either a web application or mobile application based on their needs. </a:t>
+            </a:r>
+          </a:p>
+          <a:p>
+            <a:pPr marL="285750" indent="-285750" algn="l">
+              <a:buFont typeface="Arial" panose="020B0604020202020204" pitchFamily="34" charset="0"/>
+              <a:buChar char="•"/>
+            </a:pPr>
+            <a:r>
+              <a:rPr lang="en-US" sz="1600" spc="0" dirty="0">
+                <a:cs typeface="Arial" panose="020B0604020202020204" pitchFamily="34" charset="0"/>
+              </a:rPr>
+              <a:t>add online reservation for customers .</a:t>
+            </a:r>
+          </a:p>
+          <a:p>
+            <a:pPr marL="285750" indent="-285750" algn="l">
+              <a:buFont typeface="Arial" panose="020B0604020202020204" pitchFamily="34" charset="0"/>
+              <a:buChar char="•"/>
+            </a:pPr>
+            <a:endParaRPr lang="en-US" sz="1600" spc="0" dirty="0">
+              <a:cs typeface="Arial" panose="020B0604020202020204" pitchFamily="34" charset="0"/>
+            </a:endParaRPr>
+          </a:p>
+        </p:txBody>
+      </p:sp>
+      <p:sp>
+        <p:nvSpPr>
+          <p:cNvPr id="6" name="Slide Number Placeholder 5">
+            <a:extLst>
+              <a:ext uri="{FF2B5EF4-FFF2-40B4-BE49-F238E27FC236}">
+                <a16:creationId xmlns:a16="http://schemas.microsoft.com/office/drawing/2014/main" id="{FC6A5C12-E784-444E-B868-DE2AE85742BB}"/>
+              </a:ext>
+            </a:extLst>
+          </p:cNvPr>
+          <p:cNvSpPr>
+            <a:spLocks noGrp="1"/>
+          </p:cNvSpPr>
+          <p:nvPr>
+            <p:ph type="sldNum" sz="quarter" idx="12"/>
+          </p:nvPr>
+        </p:nvSpPr>
+        <p:spPr/>
+        <p:txBody>
+          <a:bodyPr/>
+          <a:lstStyle/>
+          <a:p>
+            <a:fld id="{8C2E478F-E849-4A8C-AF1F-CBCC78A7CBFA}" type="slidenum">
+              <a:rPr lang="en-US" smtClean="0"/>
+              <a:pPr/>
+              <a:t>21</a:t>
+            </a:fld>
+            <a:endParaRPr lang="en-US" dirty="0"/>
+          </a:p>
+        </p:txBody>
+      </p:sp>
+    </p:spTree>
+    <p:extLst>
+      <p:ext uri="{BB962C8B-B14F-4D97-AF65-F5344CB8AC3E}">
+        <p14:creationId xmlns:p14="http://schemas.microsoft.com/office/powerpoint/2010/main" val="3853358220"/>
+      </p:ext>
+    </p:extLst>
+  </p:cSld>
+  <p:clrMapOvr>
+    <a:masterClrMapping/>
+  </p:clrMapOvr>
+</p:sld>
+</file>
+
+<file path=ppt/slides/slide22.xml><?xml version="1.0" encoding="utf-8"?>
 <p:sld xmlns:a="http://schemas.openxmlformats.org/drawingml/2006/main" xmlns:r="http://schemas.openxmlformats.org/officeDocument/2006/relationships" xmlns:p="http://schemas.openxmlformats.org/presentationml/2006/main">
   <p:cSld>
     <p:bg>
@@ -12797,15 +13287,6 @@
 </file>
 
 <file path=customXml/item2.xml><?xml version="1.0" encoding="utf-8"?>
-<p:properties xmlns:p="http://schemas.microsoft.com/office/2006/metadata/properties" xmlns:xsi="http://www.w3.org/2001/XMLSchema-instance" xmlns:pc="http://schemas.microsoft.com/office/infopath/2007/PartnerControls">
-  <documentManagement>
-    <Status xmlns="71af3243-3dd4-4a8d-8c0d-dd76da1f02a5">Not started</Status>
-    <MediaServiceKeyPoints xmlns="71af3243-3dd4-4a8d-8c0d-dd76da1f02a5" xsi:nil="true"/>
-  </documentManagement>
-</p:properties>
-</file>
-
-<file path=customXml/item3.xml><?xml version="1.0" encoding="utf-8"?>
 <ct:contentTypeSchema xmlns:ct="http://schemas.microsoft.com/office/2006/metadata/contentType" xmlns:ma="http://schemas.microsoft.com/office/2006/metadata/properties/metaAttributes" ct:_="" ma:_="" ma:contentTypeName="Document" ma:contentTypeID="0x01010079F111ED35F8CC479449609E8A0923A6" ma:contentTypeVersion="12" ma:contentTypeDescription="Create a new document." ma:contentTypeScope="" ma:versionID="426e97fa315356fffbdcd9876fe988c2">
   <xsd:schema xmlns:xsd="http://www.w3.org/2001/XMLSchema" xmlns:xs="http://www.w3.org/2001/XMLSchema" xmlns:p="http://schemas.microsoft.com/office/2006/metadata/properties" xmlns:ns2="71af3243-3dd4-4a8d-8c0d-dd76da1f02a5" xmlns:ns3="16c05727-aa75-4e4a-9b5f-8a80a1165891" targetNamespace="http://schemas.microsoft.com/office/2006/metadata/properties" ma:root="true" ma:fieldsID="14b8f0def80e6d70ce3def20c90759ae" ns2:_="" ns3:_="">
     <xsd:import namespace="71af3243-3dd4-4a8d-8c0d-dd76da1f02a5"/>
@@ -13026,6 +13507,15 @@
 </ct:contentTypeSchema>
 </file>
 
+<file path=customXml/item3.xml><?xml version="1.0" encoding="utf-8"?>
+<p:properties xmlns:p="http://schemas.microsoft.com/office/2006/metadata/properties" xmlns:xsi="http://www.w3.org/2001/XMLSchema-instance" xmlns:pc="http://schemas.microsoft.com/office/infopath/2007/PartnerControls">
+  <documentManagement>
+    <Status xmlns="71af3243-3dd4-4a8d-8c0d-dd76da1f02a5">Not started</Status>
+    <MediaServiceKeyPoints xmlns="71af3243-3dd4-4a8d-8c0d-dd76da1f02a5" xsi:nil="true"/>
+  </documentManagement>
+</p:properties>
+</file>
+
 <file path=customXml/itemProps1.xml><?xml version="1.0" encoding="utf-8"?>
 <ds:datastoreItem xmlns:ds="http://schemas.openxmlformats.org/officeDocument/2006/customXml" ds:itemID="{1B7E2D32-4FDD-4266-880C-17595B801432}">
   <ds:schemaRefs>
@@ -13035,16 +13525,6 @@
 </file>
 
 <file path=customXml/itemProps2.xml><?xml version="1.0" encoding="utf-8"?>
-<ds:datastoreItem xmlns:ds="http://schemas.openxmlformats.org/officeDocument/2006/customXml" ds:itemID="{E3D9F223-918A-45AF-9B53-56AB9E5E2182}">
-  <ds:schemaRefs>
-    <ds:schemaRef ds:uri="http://schemas.microsoft.com/office/2006/metadata/properties"/>
-    <ds:schemaRef ds:uri="http://schemas.microsoft.com/office/infopath/2007/PartnerControls"/>
-    <ds:schemaRef ds:uri="71af3243-3dd4-4a8d-8c0d-dd76da1f02a5"/>
-  </ds:schemaRefs>
-</ds:datastoreItem>
-</file>
-
-<file path=customXml/itemProps3.xml><?xml version="1.0" encoding="utf-8"?>
 <ds:datastoreItem xmlns:ds="http://schemas.openxmlformats.org/officeDocument/2006/customXml" ds:itemID="{55BB9993-D5F9-46FA-B2E5-80E3632E9820}">
   <ds:schemaRefs>
     <ds:schemaRef ds:uri="http://schemas.microsoft.com/office/2006/metadata/contentType"/>
@@ -13061,4 +13541,14 @@
     <ds:schemaRef ds:uri="http://schemas.microsoft.com/internal/obd"/>
   </ds:schemaRefs>
 </ds:datastoreItem>
+</file>
+
+<file path=customXml/itemProps3.xml><?xml version="1.0" encoding="utf-8"?>
+<ds:datastoreItem xmlns:ds="http://schemas.openxmlformats.org/officeDocument/2006/customXml" ds:itemID="{E3D9F223-918A-45AF-9B53-56AB9E5E2182}">
+  <ds:schemaRefs>
+    <ds:schemaRef ds:uri="http://schemas.microsoft.com/office/2006/metadata/properties"/>
+    <ds:schemaRef ds:uri="http://schemas.microsoft.com/office/infopath/2007/PartnerControls"/>
+    <ds:schemaRef ds:uri="71af3243-3dd4-4a8d-8c0d-dd76da1f02a5"/>
+  </ds:schemaRefs>
+</ds:datastoreItem>
 </file>
--- a/CentRes.pptx
+++ b/CentRes.pptx
@@ -7201,7 +7201,7 @@
         </p:spPr>
         <p:txBody>
           <a:bodyPr>
-            <a:normAutofit fontScale="77500" lnSpcReduction="20000"/>
+            <a:normAutofit fontScale="62500" lnSpcReduction="20000"/>
           </a:bodyPr>
           <a:lstStyle/>
           <a:p>
@@ -7259,7 +7259,7 @@
               <a:defRPr/>
             </a:pPr>
             <a:r>
-              <a:rPr kumimoji="0" lang="en-US" sz="1600" b="0" i="0" u="none" strike="noStrike" kern="1200" cap="none" normalizeH="0" noProof="0" dirty="0">
+              <a:rPr kumimoji="0" lang="en-US" sz="2100" b="0" i="0" u="none" strike="noStrike" kern="1200" cap="none" normalizeH="0" noProof="0" dirty="0">
                 <a:ln>
                   <a:noFill/>
                 </a:ln>
@@ -7295,7 +7295,7 @@
               <a:defRPr/>
             </a:pPr>
             <a:r>
-              <a:rPr kumimoji="0" lang="en-US" sz="1600" b="0" i="0" u="none" strike="noStrike" kern="1200" cap="none" normalizeH="0" noProof="0" dirty="0">
+              <a:rPr kumimoji="0" lang="en-US" sz="2100" b="0" i="0" u="none" strike="noStrike" kern="1200" cap="none" normalizeH="0" noProof="0" dirty="0">
                 <a:ln>
                   <a:noFill/>
                 </a:ln>
@@ -7331,7 +7331,7 @@
               <a:defRPr/>
             </a:pPr>
             <a:r>
-              <a:rPr kumimoji="0" lang="en-US" sz="1600" b="0" i="0" u="none" strike="noStrike" kern="1200" cap="none" normalizeH="0" noProof="0" dirty="0">
+              <a:rPr kumimoji="0" lang="en-US" sz="2100" b="0" i="0" u="none" strike="noStrike" kern="1200" cap="none" normalizeH="0" noProof="0" dirty="0">
                 <a:ln>
                   <a:noFill/>
                 </a:ln>
@@ -7367,7 +7367,7 @@
               <a:defRPr/>
             </a:pPr>
             <a:r>
-              <a:rPr kumimoji="0" lang="en-US" sz="1600" b="0" i="0" u="none" strike="noStrike" kern="1200" cap="none" normalizeH="0" noProof="0" dirty="0">
+              <a:rPr kumimoji="0" lang="en-US" sz="2100" b="0" i="0" u="none" strike="noStrike" kern="1200" cap="none" normalizeH="0" noProof="0" dirty="0">
                 <a:ln>
                   <a:noFill/>
                 </a:ln>
@@ -7403,7 +7403,7 @@
               <a:defRPr/>
             </a:pPr>
             <a:r>
-              <a:rPr kumimoji="0" lang="en-US" sz="1600" b="0" i="0" u="none" strike="noStrike" kern="1200" cap="none" normalizeH="0" noProof="0" dirty="0">
+              <a:rPr kumimoji="0" lang="en-US" sz="2100" b="0" i="0" u="none" strike="noStrike" kern="1200" cap="none" normalizeH="0" noProof="0" dirty="0">
                 <a:ln>
                   <a:noFill/>
                 </a:ln>
@@ -7439,7 +7439,7 @@
               <a:defRPr/>
             </a:pPr>
             <a:r>
-              <a:rPr kumimoji="0" lang="en-US" sz="1600" b="0" i="0" u="none" strike="noStrike" kern="1200" cap="none" normalizeH="0" noProof="0" dirty="0">
+              <a:rPr kumimoji="0" lang="en-US" sz="2100" b="0" i="0" u="none" strike="noStrike" kern="1200" cap="none" normalizeH="0" noProof="0" dirty="0">
                 <a:ln>
                   <a:noFill/>
                 </a:ln>
@@ -7475,7 +7475,7 @@
               <a:defRPr/>
             </a:pPr>
             <a:r>
-              <a:rPr kumimoji="0" lang="en-US" sz="1600" b="0" i="0" u="none" strike="noStrike" kern="1200" cap="none" normalizeH="0" noProof="0" dirty="0">
+              <a:rPr kumimoji="0" lang="en-US" sz="2100" b="0" i="0" u="none" strike="noStrike" kern="1200" cap="none" normalizeH="0" noProof="0" dirty="0">
                 <a:ln>
                   <a:noFill/>
                 </a:ln>
@@ -7580,7 +7580,7 @@
               <a:defRPr/>
             </a:pPr>
             <a:r>
-              <a:rPr kumimoji="0" lang="en-US" sz="1600" b="0" i="0" strike="noStrike" kern="1200" cap="none" normalizeH="0" noProof="0" dirty="0">
+              <a:rPr kumimoji="0" lang="en-US" sz="2300" b="0" i="0" strike="noStrike" kern="1200" cap="none" normalizeH="0" noProof="0" dirty="0">
                 <a:ln>
                   <a:noFill/>
                 </a:ln>
@@ -7616,7 +7616,7 @@
               <a:defRPr/>
             </a:pPr>
             <a:r>
-              <a:rPr kumimoji="0" lang="en-US" sz="1600" b="0" i="0" u="none" strike="noStrike" kern="1200" cap="none" normalizeH="0" noProof="0" dirty="0">
+              <a:rPr kumimoji="0" lang="en-US" sz="2300" b="0" i="0" u="none" strike="noStrike" kern="1200" cap="none" normalizeH="0" noProof="0" dirty="0">
                 <a:ln>
                   <a:noFill/>
                 </a:ln>
@@ -7652,7 +7652,7 @@
               <a:defRPr/>
             </a:pPr>
             <a:r>
-              <a:rPr lang="en-US" dirty="0">
+              <a:rPr lang="en-US" sz="2300" dirty="0">
                 <a:cs typeface="Biome Light" panose="020B0303030204020804" pitchFamily="34" charset="0"/>
               </a:rPr>
               <a:t>Tablet: </a:t>
@@ -7677,7 +7677,7 @@
               <a:defRPr/>
             </a:pPr>
             <a:r>
-              <a:rPr lang="en-US" dirty="0">
+              <a:rPr lang="en-US" sz="2300" dirty="0">
                 <a:cs typeface="Biome Light" panose="020B0303030204020804" pitchFamily="34" charset="0"/>
               </a:rPr>
               <a:t>    IOS, Android, or any OS that has web browser capability</a:t>
@@ -7702,7 +7702,7 @@
               <a:defRPr/>
             </a:pPr>
             <a:r>
-              <a:rPr lang="en-US" dirty="0">
+              <a:rPr lang="en-US" sz="2300" dirty="0">
                 <a:cs typeface="Biome Light" panose="020B0303030204020804" pitchFamily="34" charset="0"/>
               </a:rPr>
               <a:t>Printer: </a:t>
@@ -7727,12 +7727,12 @@
               <a:defRPr/>
             </a:pPr>
             <a:r>
-              <a:rPr lang="en-US" dirty="0">
+              <a:rPr lang="en-US" sz="2300" dirty="0">
                 <a:cs typeface="Biome Light" panose="020B0303030204020804" pitchFamily="34" charset="0"/>
               </a:rPr>
               <a:t>    Customer bills, server shift report, manager daily monetary report</a:t>
             </a:r>
-            <a:endParaRPr kumimoji="0" lang="en-US" sz="1600" b="0" i="0" u="none" strike="noStrike" kern="1200" cap="none" normalizeH="0" noProof="0" dirty="0">
+            <a:endParaRPr kumimoji="0" lang="en-US" sz="2300" b="0" i="0" u="none" strike="noStrike" kern="1200" cap="none" normalizeH="0" noProof="0" dirty="0">
               <a:ln>
                 <a:noFill/>
               </a:ln>
@@ -9150,12 +9150,12 @@
               <a:defRPr/>
             </a:pPr>
             <a:r>
-              <a:rPr lang="en-US" sz="2000" dirty="0">
+              <a:rPr lang="en-US" sz="2000" u="sng" dirty="0">
                 <a:cs typeface="Biome Light" panose="020B0303030204020804" pitchFamily="34" charset="0"/>
               </a:rPr>
               <a:t>Data Flow Diagram</a:t>
             </a:r>
-            <a:endParaRPr kumimoji="0" lang="en-US" sz="2000" b="0" i="0" u="none" strike="noStrike" kern="1200" cap="none" normalizeH="0" noProof="0" dirty="0">
+            <a:endParaRPr kumimoji="0" lang="en-US" sz="2000" b="0" i="0" u="sng" strike="noStrike" kern="1200" cap="none" normalizeH="0" noProof="0" dirty="0">
               <a:ln>
                 <a:noFill/>
               </a:ln>
@@ -9664,7 +9664,7 @@
               <a:buChar char="•"/>
             </a:pPr>
             <a:r>
-              <a:rPr lang="en-US" spc="0" dirty="0">
+              <a:rPr lang="en-US" cap="none" spc="0" dirty="0">
                 <a:cs typeface="Arial" panose="020B0604020202020204" pitchFamily="34" charset="0"/>
               </a:rPr>
               <a:t>Successfully hosted sprint meetings with all members present weekly and participating</a:t>
@@ -9676,7 +9676,7 @@
               <a:buChar char="•"/>
             </a:pPr>
             <a:r>
-              <a:rPr lang="en-US" spc="0" dirty="0">
+              <a:rPr lang="en-US" cap="none" spc="0" dirty="0">
                 <a:cs typeface="Arial" panose="020B0604020202020204" pitchFamily="34" charset="0"/>
               </a:rPr>
               <a:t>Individual team members feel more satisfied with their roles which gives them extra motivation to perform.</a:t>
@@ -9688,7 +9688,7 @@
               <a:buChar char="•"/>
             </a:pPr>
             <a:r>
-              <a:rPr lang="en-US" spc="0" dirty="0">
+              <a:rPr lang="en-US" cap="none" spc="0" dirty="0">
                 <a:cs typeface="Arial" panose="020B0604020202020204" pitchFamily="34" charset="0"/>
               </a:rPr>
               <a:t>tasks are completed on time and in full.</a:t>
@@ -9704,6 +9704,33 @@
             </a:endParaRPr>
           </a:p>
           <a:p>
+            <a:pPr algn="l"/>
+            <a:endParaRPr lang="en-US" spc="0" dirty="0">
+              <a:cs typeface="Arial" panose="020B0604020202020204" pitchFamily="34" charset="0"/>
+            </a:endParaRPr>
+          </a:p>
+          <a:p>
+            <a:pPr algn="l"/>
+            <a:r>
+              <a:rPr lang="en-US" sz="1600" u="sng" spc="0" dirty="0">
+                <a:cs typeface="Arial" panose="020B0604020202020204" pitchFamily="34" charset="0"/>
+              </a:rPr>
+              <a:t>Challenges:</a:t>
+            </a:r>
+          </a:p>
+          <a:p>
+            <a:pPr marL="285750" indent="-285750" algn="l">
+              <a:buFont typeface="Arial" panose="020B0604020202020204" pitchFamily="34" charset="0"/>
+              <a:buChar char="•"/>
+            </a:pPr>
+            <a:r>
+              <a:rPr lang="en-US" cap="none" spc="0" dirty="0">
+                <a:cs typeface="Arial" panose="020B0604020202020204" pitchFamily="34" charset="0"/>
+              </a:rPr>
+              <a:t>Microsoft word formatting for SRS document </a:t>
+            </a:r>
+          </a:p>
+          <a:p>
             <a:pPr marL="285750" indent="-285750" algn="l">
               <a:buFont typeface="Arial" panose="020B0604020202020204" pitchFamily="34" charset="0"/>
               <a:buChar char="•"/>
@@ -9713,37 +9740,13 @@
             </a:endParaRPr>
           </a:p>
           <a:p>
-            <a:pPr algn="l"/>
-            <a:endParaRPr lang="en-US" spc="0" dirty="0">
-              <a:cs typeface="Arial" panose="020B0604020202020204" pitchFamily="34" charset="0"/>
-            </a:endParaRPr>
-          </a:p>
-          <a:p>
-            <a:pPr algn="l"/>
-            <a:endParaRPr lang="en-US" spc="0" dirty="0">
-              <a:cs typeface="Arial" panose="020B0604020202020204" pitchFamily="34" charset="0"/>
-            </a:endParaRPr>
-          </a:p>
-          <a:p>
-            <a:pPr algn="l"/>
-            <a:r>
-              <a:rPr lang="en-US" sz="1600" u="sng" spc="0" dirty="0">
-                <a:cs typeface="Arial" panose="020B0604020202020204" pitchFamily="34" charset="0"/>
-              </a:rPr>
-              <a:t>Challenges:</a:t>
-            </a:r>
-          </a:p>
-          <a:p>
             <a:pPr marL="285750" indent="-285750" algn="l">
               <a:buFont typeface="Arial" panose="020B0604020202020204" pitchFamily="34" charset="0"/>
               <a:buChar char="•"/>
             </a:pPr>
-            <a:r>
-              <a:rPr lang="en-US" spc="0" dirty="0">
-                <a:cs typeface="Arial" panose="020B0604020202020204" pitchFamily="34" charset="0"/>
-              </a:rPr>
-              <a:t>Microsoft word formatting for SRS document </a:t>
-            </a:r>
+            <a:endParaRPr lang="en-US" spc="0" dirty="0">
+              <a:cs typeface="Arial" panose="020B0604020202020204" pitchFamily="34" charset="0"/>
+            </a:endParaRPr>
           </a:p>
           <a:p>
             <a:pPr marL="285750" indent="-285750" algn="l">
@@ -9937,7 +9940,7 @@
               <a:buChar char="•"/>
             </a:pPr>
             <a:r>
-              <a:rPr lang="en-US" sz="1600" spc="0" dirty="0">
+              <a:rPr lang="en-US" sz="1600" cap="none" spc="0" dirty="0">
                 <a:cs typeface="Arial" panose="020B0604020202020204" pitchFamily="34" charset="0"/>
               </a:rPr>
               <a:t>Create a Mobile application version to give restaurant owners the option to use either a web application or mobile application based on their needs. </a:t>
@@ -9949,11 +9952,41 @@
               <a:buChar char="•"/>
             </a:pPr>
             <a:r>
-              <a:rPr lang="en-US" sz="1600" spc="0" dirty="0">
+              <a:rPr lang="en-US" sz="1600" cap="none" spc="0" dirty="0">
                 <a:cs typeface="Arial" panose="020B0604020202020204" pitchFamily="34" charset="0"/>
               </a:rPr>
               <a:t>add online reservation for customers .</a:t>
             </a:r>
+          </a:p>
+          <a:p>
+            <a:pPr algn="l"/>
+            <a:endParaRPr lang="en-US" sz="1600" spc="0" dirty="0">
+              <a:cs typeface="Arial" panose="020B0604020202020204" pitchFamily="34" charset="0"/>
+            </a:endParaRPr>
+          </a:p>
+          <a:p>
+            <a:pPr marL="285750" indent="-285750" algn="l">
+              <a:buFont typeface="Arial" panose="020B0604020202020204" pitchFamily="34" charset="0"/>
+              <a:buChar char="•"/>
+            </a:pPr>
+            <a:endParaRPr lang="en-US" sz="1600" spc="0" dirty="0">
+              <a:cs typeface="Arial" panose="020B0604020202020204" pitchFamily="34" charset="0"/>
+            </a:endParaRPr>
+          </a:p>
+          <a:p>
+            <a:pPr marL="285750" indent="-285750" algn="l">
+              <a:buFont typeface="Arial" panose="020B0604020202020204" pitchFamily="34" charset="0"/>
+              <a:buChar char="•"/>
+            </a:pPr>
+            <a:endParaRPr lang="en-US" sz="1600" spc="0" dirty="0">
+              <a:cs typeface="Arial" panose="020B0604020202020204" pitchFamily="34" charset="0"/>
+            </a:endParaRPr>
+          </a:p>
+          <a:p>
+            <a:pPr algn="l"/>
+            <a:endParaRPr lang="en-US" sz="1600" spc="0" dirty="0">
+              <a:cs typeface="Arial" panose="020B0604020202020204" pitchFamily="34" charset="0"/>
+            </a:endParaRPr>
           </a:p>
           <a:p>
             <a:pPr marL="285750" indent="-285750" algn="l">
@@ -13287,6 +13320,15 @@
 </file>
 
 <file path=customXml/item2.xml><?xml version="1.0" encoding="utf-8"?>
+<p:properties xmlns:p="http://schemas.microsoft.com/office/2006/metadata/properties" xmlns:xsi="http://www.w3.org/2001/XMLSchema-instance" xmlns:pc="http://schemas.microsoft.com/office/infopath/2007/PartnerControls">
+  <documentManagement>
+    <Status xmlns="71af3243-3dd4-4a8d-8c0d-dd76da1f02a5">Not started</Status>
+    <MediaServiceKeyPoints xmlns="71af3243-3dd4-4a8d-8c0d-dd76da1f02a5" xsi:nil="true"/>
+  </documentManagement>
+</p:properties>
+</file>
+
+<file path=customXml/item3.xml><?xml version="1.0" encoding="utf-8"?>
 <ct:contentTypeSchema xmlns:ct="http://schemas.microsoft.com/office/2006/metadata/contentType" xmlns:ma="http://schemas.microsoft.com/office/2006/metadata/properties/metaAttributes" ct:_="" ma:_="" ma:contentTypeName="Document" ma:contentTypeID="0x01010079F111ED35F8CC479449609E8A0923A6" ma:contentTypeVersion="12" ma:contentTypeDescription="Create a new document." ma:contentTypeScope="" ma:versionID="426e97fa315356fffbdcd9876fe988c2">
   <xsd:schema xmlns:xsd="http://www.w3.org/2001/XMLSchema" xmlns:xs="http://www.w3.org/2001/XMLSchema" xmlns:p="http://schemas.microsoft.com/office/2006/metadata/properties" xmlns:ns2="71af3243-3dd4-4a8d-8c0d-dd76da1f02a5" xmlns:ns3="16c05727-aa75-4e4a-9b5f-8a80a1165891" targetNamespace="http://schemas.microsoft.com/office/2006/metadata/properties" ma:root="true" ma:fieldsID="14b8f0def80e6d70ce3def20c90759ae" ns2:_="" ns3:_="">
     <xsd:import namespace="71af3243-3dd4-4a8d-8c0d-dd76da1f02a5"/>
@@ -13507,15 +13549,6 @@
 </ct:contentTypeSchema>
 </file>
 
-<file path=customXml/item3.xml><?xml version="1.0" encoding="utf-8"?>
-<p:properties xmlns:p="http://schemas.microsoft.com/office/2006/metadata/properties" xmlns:xsi="http://www.w3.org/2001/XMLSchema-instance" xmlns:pc="http://schemas.microsoft.com/office/infopath/2007/PartnerControls">
-  <documentManagement>
-    <Status xmlns="71af3243-3dd4-4a8d-8c0d-dd76da1f02a5">Not started</Status>
-    <MediaServiceKeyPoints xmlns="71af3243-3dd4-4a8d-8c0d-dd76da1f02a5" xsi:nil="true"/>
-  </documentManagement>
-</p:properties>
-</file>
-
 <file path=customXml/itemProps1.xml><?xml version="1.0" encoding="utf-8"?>
 <ds:datastoreItem xmlns:ds="http://schemas.openxmlformats.org/officeDocument/2006/customXml" ds:itemID="{1B7E2D32-4FDD-4266-880C-17595B801432}">
   <ds:schemaRefs>
@@ -13525,6 +13558,16 @@
 </file>
 
 <file path=customXml/itemProps2.xml><?xml version="1.0" encoding="utf-8"?>
+<ds:datastoreItem xmlns:ds="http://schemas.openxmlformats.org/officeDocument/2006/customXml" ds:itemID="{E3D9F223-918A-45AF-9B53-56AB9E5E2182}">
+  <ds:schemaRefs>
+    <ds:schemaRef ds:uri="http://schemas.microsoft.com/office/2006/metadata/properties"/>
+    <ds:schemaRef ds:uri="http://schemas.microsoft.com/office/infopath/2007/PartnerControls"/>
+    <ds:schemaRef ds:uri="71af3243-3dd4-4a8d-8c0d-dd76da1f02a5"/>
+  </ds:schemaRefs>
+</ds:datastoreItem>
+</file>
+
+<file path=customXml/itemProps3.xml><?xml version="1.0" encoding="utf-8"?>
 <ds:datastoreItem xmlns:ds="http://schemas.openxmlformats.org/officeDocument/2006/customXml" ds:itemID="{55BB9993-D5F9-46FA-B2E5-80E3632E9820}">
   <ds:schemaRefs>
     <ds:schemaRef ds:uri="http://schemas.microsoft.com/office/2006/metadata/contentType"/>
@@ -13541,14 +13584,4 @@
     <ds:schemaRef ds:uri="http://schemas.microsoft.com/internal/obd"/>
   </ds:schemaRefs>
 </ds:datastoreItem>
-</file>
-
-<file path=customXml/itemProps3.xml><?xml version="1.0" encoding="utf-8"?>
-<ds:datastoreItem xmlns:ds="http://schemas.openxmlformats.org/officeDocument/2006/customXml" ds:itemID="{E3D9F223-918A-45AF-9B53-56AB9E5E2182}">
-  <ds:schemaRefs>
-    <ds:schemaRef ds:uri="http://schemas.microsoft.com/office/2006/metadata/properties"/>
-    <ds:schemaRef ds:uri="http://schemas.microsoft.com/office/infopath/2007/PartnerControls"/>
-    <ds:schemaRef ds:uri="71af3243-3dd4-4a8d-8c0d-dd76da1f02a5"/>
-  </ds:schemaRefs>
-</ds:datastoreItem>
 </file>
--- a/CentRes.pptx
+++ b/CentRes.pptx
@@ -9089,8 +9089,8 @@
         </p:nvSpPr>
         <p:spPr>
           <a:xfrm>
-            <a:off x="6086167" y="1071154"/>
-            <a:ext cx="5690532" cy="4552331"/>
+            <a:off x="5503178" y="1071154"/>
+            <a:ext cx="6273521" cy="4552331"/>
           </a:xfrm>
         </p:spPr>
         <p:txBody>
@@ -9098,6 +9098,45 @@
             <a:normAutofit/>
           </a:bodyPr>
           <a:lstStyle/>
+          <a:p>
+            <a:pPr marL="0" marR="0" lvl="0" indent="0" algn="l" defTabSz="914400" rtl="0" eaLnBrk="1" fontAlgn="auto" latinLnBrk="0" hangingPunct="1">
+              <a:lnSpc>
+                <a:spcPct val="100000"/>
+              </a:lnSpc>
+              <a:spcBef>
+                <a:spcPts val="1000"/>
+              </a:spcBef>
+              <a:spcAft>
+                <a:spcPts val="0"/>
+              </a:spcAft>
+              <a:buClrTx/>
+              <a:buSzTx/>
+              <a:buFont typeface="Arial" panose="020B0604020202020204" pitchFamily="34" charset="0"/>
+              <a:buNone/>
+              <a:tabLst/>
+              <a:defRPr/>
+            </a:pPr>
+            <a:r>
+              <a:rPr lang="en-US" sz="2000" u="sng" dirty="0">
+                <a:cs typeface="Biome Light" panose="020B0303030204020804" pitchFamily="34" charset="0"/>
+              </a:rPr>
+              <a:t>Data Flow Diagram</a:t>
+            </a:r>
+            <a:endParaRPr kumimoji="0" lang="en-US" sz="2000" b="0" i="0" u="sng" strike="noStrike" kern="1200" cap="none" normalizeH="0" noProof="0" dirty="0">
+              <a:ln>
+                <a:noFill/>
+              </a:ln>
+              <a:solidFill>
+                <a:schemeClr val="tx1"/>
+              </a:solidFill>
+              <a:effectLst/>
+              <a:uLnTx/>
+              <a:uFillTx/>
+              <a:latin typeface="+mn-lt"/>
+              <a:ea typeface="+mn-ea"/>
+              <a:cs typeface="Biome Light" panose="020B0303030204020804" pitchFamily="34" charset="0"/>
+            </a:endParaRPr>
+          </a:p>
           <a:p>
             <a:pPr marL="0" marR="0" lvl="0" indent="0" algn="l" defTabSz="914400" rtl="0" eaLnBrk="1" fontAlgn="auto" latinLnBrk="0" hangingPunct="1">
               <a:lnSpc>
@@ -9132,114 +9171,6 @@
             </a:endParaRPr>
           </a:p>
           <a:p>
-            <a:pPr marL="0" marR="0" lvl="0" indent="0" algn="l" defTabSz="914400" rtl="0" eaLnBrk="1" fontAlgn="auto" latinLnBrk="0" hangingPunct="1">
-              <a:lnSpc>
-                <a:spcPct val="100000"/>
-              </a:lnSpc>
-              <a:spcBef>
-                <a:spcPts val="1000"/>
-              </a:spcBef>
-              <a:spcAft>
-                <a:spcPts val="0"/>
-              </a:spcAft>
-              <a:buClrTx/>
-              <a:buSzTx/>
-              <a:buFont typeface="Arial" panose="020B0604020202020204" pitchFamily="34" charset="0"/>
-              <a:buNone/>
-              <a:tabLst/>
-              <a:defRPr/>
-            </a:pPr>
-            <a:r>
-              <a:rPr lang="en-US" sz="2000" u="sng" dirty="0">
-                <a:cs typeface="Biome Light" panose="020B0303030204020804" pitchFamily="34" charset="0"/>
-              </a:rPr>
-              <a:t>Data Flow Diagram</a:t>
-            </a:r>
-            <a:endParaRPr kumimoji="0" lang="en-US" sz="2000" b="0" i="0" u="sng" strike="noStrike" kern="1200" cap="none" normalizeH="0" noProof="0" dirty="0">
-              <a:ln>
-                <a:noFill/>
-              </a:ln>
-              <a:solidFill>
-                <a:schemeClr val="tx1"/>
-              </a:solidFill>
-              <a:effectLst/>
-              <a:uLnTx/>
-              <a:uFillTx/>
-              <a:latin typeface="+mn-lt"/>
-              <a:ea typeface="+mn-ea"/>
-              <a:cs typeface="Biome Light" panose="020B0303030204020804" pitchFamily="34" charset="0"/>
-            </a:endParaRPr>
-          </a:p>
-          <a:p>
-            <a:pPr marL="0" marR="0" lvl="0" indent="0" algn="l" defTabSz="914400" rtl="0" eaLnBrk="1" fontAlgn="auto" latinLnBrk="0" hangingPunct="1">
-              <a:lnSpc>
-                <a:spcPct val="100000"/>
-              </a:lnSpc>
-              <a:spcBef>
-                <a:spcPts val="1000"/>
-              </a:spcBef>
-              <a:spcAft>
-                <a:spcPts val="0"/>
-              </a:spcAft>
-              <a:buClrTx/>
-              <a:buSzTx/>
-              <a:buFont typeface="Arial" panose="020B0604020202020204" pitchFamily="34" charset="0"/>
-              <a:buNone/>
-              <a:tabLst/>
-              <a:defRPr/>
-            </a:pPr>
-            <a:r>
-              <a:rPr kumimoji="0" lang="en-US" sz="1600" b="0" i="0" u="none" strike="noStrike" kern="1200" cap="none" normalizeH="0" noProof="0" dirty="0">
-                <a:ln>
-                  <a:noFill/>
-                </a:ln>
-                <a:solidFill>
-                  <a:schemeClr val="tx1"/>
-                </a:solidFill>
-                <a:effectLst/>
-                <a:uLnTx/>
-                <a:uFillTx/>
-                <a:latin typeface="+mn-lt"/>
-                <a:ea typeface="+mn-ea"/>
-                <a:cs typeface="Biome Light" panose="020B0303030204020804" pitchFamily="34" charset="0"/>
-              </a:rPr>
-              <a:t>Customer satisfaction increased from 70 to 80%</a:t>
-            </a:r>
-          </a:p>
-          <a:p>
-            <a:pPr marL="0" marR="0" lvl="0" indent="0" algn="l" defTabSz="914400" rtl="0" eaLnBrk="1" fontAlgn="auto" latinLnBrk="0" hangingPunct="1">
-              <a:lnSpc>
-                <a:spcPct val="100000"/>
-              </a:lnSpc>
-              <a:spcBef>
-                <a:spcPts val="1000"/>
-              </a:spcBef>
-              <a:spcAft>
-                <a:spcPts val="0"/>
-              </a:spcAft>
-              <a:buClrTx/>
-              <a:buSzTx/>
-              <a:buFont typeface="Arial" panose="020B0604020202020204" pitchFamily="34" charset="0"/>
-              <a:buNone/>
-              <a:tabLst/>
-              <a:defRPr/>
-            </a:pPr>
-            <a:endParaRPr kumimoji="0" lang="en-US" sz="1600" b="0" i="0" u="none" strike="noStrike" kern="1200" cap="none" normalizeH="0" noProof="0" dirty="0">
-              <a:ln>
-                <a:noFill/>
-              </a:ln>
-              <a:solidFill>
-                <a:schemeClr val="tx1"/>
-              </a:solidFill>
-              <a:effectLst/>
-              <a:uLnTx/>
-              <a:uFillTx/>
-              <a:latin typeface="+mn-lt"/>
-              <a:ea typeface="+mn-ea"/>
-              <a:cs typeface="Biome Light" panose="020B0303030204020804" pitchFamily="34" charset="0"/>
-            </a:endParaRPr>
-          </a:p>
-          <a:p>
             <a:pPr marL="0" indent="0">
               <a:buNone/>
             </a:pPr>
@@ -9277,6 +9208,36 @@
           </a:p>
         </p:txBody>
       </p:sp>
+      <p:pic>
+        <p:nvPicPr>
+          <p:cNvPr id="3" name="Picture 2" descr="Diagram&#10;&#10;Description automatically generated">
+            <a:extLst>
+              <a:ext uri="{FF2B5EF4-FFF2-40B4-BE49-F238E27FC236}">
+                <a16:creationId xmlns:a16="http://schemas.microsoft.com/office/drawing/2014/main" id="{A3E05FD5-E2AA-90FE-0FCD-E0F58E8BC633}"/>
+              </a:ext>
+            </a:extLst>
+          </p:cNvPr>
+          <p:cNvPicPr>
+            <a:picLocks noChangeAspect="1"/>
+          </p:cNvPicPr>
+          <p:nvPr/>
+        </p:nvPicPr>
+        <p:blipFill>
+          <a:blip r:embed="rId5"/>
+          <a:stretch>
+            <a:fillRect/>
+          </a:stretch>
+        </p:blipFill>
+        <p:spPr>
+          <a:xfrm>
+            <a:off x="5416550" y="1764138"/>
+            <a:ext cx="6688822" cy="3981338"/>
+          </a:xfrm>
+          <a:prstGeom prst="rect">
+            <a:avLst/>
+          </a:prstGeom>
+        </p:spPr>
+      </p:pic>
     </p:spTree>
     <p:extLst>
       <p:ext uri="{BB962C8B-B14F-4D97-AF65-F5344CB8AC3E}">
@@ -13320,15 +13281,6 @@
 </file>
 
 <file path=customXml/item2.xml><?xml version="1.0" encoding="utf-8"?>
-<p:properties xmlns:p="http://schemas.microsoft.com/office/2006/metadata/properties" xmlns:xsi="http://www.w3.org/2001/XMLSchema-instance" xmlns:pc="http://schemas.microsoft.com/office/infopath/2007/PartnerControls">
-  <documentManagement>
-    <Status xmlns="71af3243-3dd4-4a8d-8c0d-dd76da1f02a5">Not started</Status>
-    <MediaServiceKeyPoints xmlns="71af3243-3dd4-4a8d-8c0d-dd76da1f02a5" xsi:nil="true"/>
-  </documentManagement>
-</p:properties>
-</file>
-
-<file path=customXml/item3.xml><?xml version="1.0" encoding="utf-8"?>
 <ct:contentTypeSchema xmlns:ct="http://schemas.microsoft.com/office/2006/metadata/contentType" xmlns:ma="http://schemas.microsoft.com/office/2006/metadata/properties/metaAttributes" ct:_="" ma:_="" ma:contentTypeName="Document" ma:contentTypeID="0x01010079F111ED35F8CC479449609E8A0923A6" ma:contentTypeVersion="12" ma:contentTypeDescription="Create a new document." ma:contentTypeScope="" ma:versionID="426e97fa315356fffbdcd9876fe988c2">
   <xsd:schema xmlns:xsd="http://www.w3.org/2001/XMLSchema" xmlns:xs="http://www.w3.org/2001/XMLSchema" xmlns:p="http://schemas.microsoft.com/office/2006/metadata/properties" xmlns:ns2="71af3243-3dd4-4a8d-8c0d-dd76da1f02a5" xmlns:ns3="16c05727-aa75-4e4a-9b5f-8a80a1165891" targetNamespace="http://schemas.microsoft.com/office/2006/metadata/properties" ma:root="true" ma:fieldsID="14b8f0def80e6d70ce3def20c90759ae" ns2:_="" ns3:_="">
     <xsd:import namespace="71af3243-3dd4-4a8d-8c0d-dd76da1f02a5"/>
@@ -13549,6 +13501,15 @@
 </ct:contentTypeSchema>
 </file>
 
+<file path=customXml/item3.xml><?xml version="1.0" encoding="utf-8"?>
+<p:properties xmlns:p="http://schemas.microsoft.com/office/2006/metadata/properties" xmlns:xsi="http://www.w3.org/2001/XMLSchema-instance" xmlns:pc="http://schemas.microsoft.com/office/infopath/2007/PartnerControls">
+  <documentManagement>
+    <Status xmlns="71af3243-3dd4-4a8d-8c0d-dd76da1f02a5">Not started</Status>
+    <MediaServiceKeyPoints xmlns="71af3243-3dd4-4a8d-8c0d-dd76da1f02a5" xsi:nil="true"/>
+  </documentManagement>
+</p:properties>
+</file>
+
 <file path=customXml/itemProps1.xml><?xml version="1.0" encoding="utf-8"?>
 <ds:datastoreItem xmlns:ds="http://schemas.openxmlformats.org/officeDocument/2006/customXml" ds:itemID="{1B7E2D32-4FDD-4266-880C-17595B801432}">
   <ds:schemaRefs>
@@ -13558,16 +13519,6 @@
 </file>
 
 <file path=customXml/itemProps2.xml><?xml version="1.0" encoding="utf-8"?>
-<ds:datastoreItem xmlns:ds="http://schemas.openxmlformats.org/officeDocument/2006/customXml" ds:itemID="{E3D9F223-918A-45AF-9B53-56AB9E5E2182}">
-  <ds:schemaRefs>
-    <ds:schemaRef ds:uri="http://schemas.microsoft.com/office/2006/metadata/properties"/>
-    <ds:schemaRef ds:uri="http://schemas.microsoft.com/office/infopath/2007/PartnerControls"/>
-    <ds:schemaRef ds:uri="71af3243-3dd4-4a8d-8c0d-dd76da1f02a5"/>
-  </ds:schemaRefs>
-</ds:datastoreItem>
-</file>
-
-<file path=customXml/itemProps3.xml><?xml version="1.0" encoding="utf-8"?>
 <ds:datastoreItem xmlns:ds="http://schemas.openxmlformats.org/officeDocument/2006/customXml" ds:itemID="{55BB9993-D5F9-46FA-B2E5-80E3632E9820}">
   <ds:schemaRefs>
     <ds:schemaRef ds:uri="http://schemas.microsoft.com/office/2006/metadata/contentType"/>
@@ -13584,4 +13535,14 @@
     <ds:schemaRef ds:uri="http://schemas.microsoft.com/internal/obd"/>
   </ds:schemaRefs>
 </ds:datastoreItem>
+</file>
+
+<file path=customXml/itemProps3.xml><?xml version="1.0" encoding="utf-8"?>
+<ds:datastoreItem xmlns:ds="http://schemas.openxmlformats.org/officeDocument/2006/customXml" ds:itemID="{E3D9F223-918A-45AF-9B53-56AB9E5E2182}">
+  <ds:schemaRefs>
+    <ds:schemaRef ds:uri="http://schemas.microsoft.com/office/2006/metadata/properties"/>
+    <ds:schemaRef ds:uri="http://schemas.microsoft.com/office/infopath/2007/PartnerControls"/>
+    <ds:schemaRef ds:uri="71af3243-3dd4-4a8d-8c0d-dd76da1f02a5"/>
+  </ds:schemaRefs>
+</ds:datastoreItem>
 </file>
--- a/CentRes.pptx
+++ b/CentRes.pptx
@@ -7952,46 +7952,46 @@
             </a:r>
           </a:p>
           <a:p>
-            <a:pPr marL="0" marR="0" lvl="0" indent="0" algn="l" defTabSz="914400" rtl="0" eaLnBrk="1" fontAlgn="auto" latinLnBrk="0" hangingPunct="1">
-              <a:lnSpc>
-                <a:spcPct val="100000"/>
-              </a:lnSpc>
-              <a:spcBef>
-                <a:spcPts val="1000"/>
-              </a:spcBef>
-              <a:spcAft>
-                <a:spcPts val="0"/>
-              </a:spcAft>
-              <a:buClrTx/>
-              <a:buSzTx/>
-              <a:buFont typeface="Arial" panose="020B0604020202020204" pitchFamily="34" charset="0"/>
-              <a:buNone/>
-              <a:tabLst/>
-              <a:defRPr/>
-            </a:pPr>
-            <a:r>
-              <a:rPr kumimoji="0" lang="en-US" sz="1600" b="0" i="0" u="none" strike="noStrike" kern="1200" cap="none" normalizeH="0" noProof="0" dirty="0">
-                <a:ln>
-                  <a:noFill/>
-                </a:ln>
-                <a:solidFill>
-                  <a:schemeClr val="tx1"/>
-                </a:solidFill>
+            <a:r>
+              <a:rPr lang="en-US" sz="1100" dirty="0">
                 <a:effectLst/>
-                <a:uLnTx/>
-                <a:uFillTx/>
-                <a:latin typeface="+mn-lt"/>
-                <a:ea typeface="+mn-ea"/>
-                <a:cs typeface="Biome Light" panose="020B0303030204020804" pitchFamily="34" charset="0"/>
-              </a:rPr>
-              <a:t>Profits are up in the last quarter by 3%</a:t>
-            </a:r>
-          </a:p>
-          <a:p>
-            <a:pPr marL="0" indent="0">
-              <a:buNone/>
-            </a:pPr>
-            <a:endParaRPr lang="en-US" b="1" dirty="0"/>
+                <a:latin typeface="Times New Roman" panose="02020603050405020304" pitchFamily="18" charset="0"/>
+                <a:ea typeface="Calibri" panose="020F0502020204030204" pitchFamily="34" charset="0"/>
+              </a:rPr>
+              <a:t>Each user type will have their own interface that will automatically refresh periodically and allow for manual page refreshing.</a:t>
+            </a:r>
+          </a:p>
+          <a:p>
+            <a:r>
+              <a:rPr lang="en-US" sz="1100" dirty="0">
+                <a:effectLst/>
+                <a:latin typeface="Times New Roman" panose="02020603050405020304" pitchFamily="18" charset="0"/>
+                <a:ea typeface="Calibri" panose="020F0502020204030204" pitchFamily="34" charset="0"/>
+              </a:rPr>
+              <a:t>Once the URL is opened, a user will need to enter their unique ID/Username as well as password to access their interface. </a:t>
+            </a:r>
+          </a:p>
+          <a:p>
+            <a:r>
+              <a:rPr lang="en-US" sz="1100" dirty="0">
+                <a:latin typeface="Times New Roman" panose="02020603050405020304" pitchFamily="18" charset="0"/>
+              </a:rPr>
+              <a:t>There will be four unique versions of the UI: Manager, Server, Hosting Staff, Kitchen Line.</a:t>
+            </a:r>
+          </a:p>
+          <a:p>
+            <a:r>
+              <a:rPr lang="en-US" sz="1100" dirty="0">
+                <a:latin typeface="Times New Roman" panose="02020603050405020304" pitchFamily="18" charset="0"/>
+              </a:rPr>
+              <a:t>There will be a main login screen UI that is accessed through a common URL. This will be where the user logs in and their version of the UI is opened.</a:t>
+            </a:r>
+          </a:p>
+          <a:p>
+            <a:r>
+              <a:rPr lang="en-US" sz="1100" dirty="0"/>
+              <a:t>Example of the manager’s UI once logged in through the first page portal.</a:t>
+            </a:r>
           </a:p>
         </p:txBody>
       </p:sp>
@@ -8025,6 +8025,47 @@
           </a:p>
         </p:txBody>
       </p:sp>
+      <p:pic>
+        <p:nvPicPr>
+          <p:cNvPr id="3" name="Picture 2" descr="Graphical user interface&#10;&#10;Description automatically generated">
+            <a:extLst>
+              <a:ext uri="{FF2B5EF4-FFF2-40B4-BE49-F238E27FC236}">
+                <a16:creationId xmlns:a16="http://schemas.microsoft.com/office/drawing/2014/main" id="{54019D09-1075-79C6-34E1-00A7374A994E}"/>
+              </a:ext>
+            </a:extLst>
+          </p:cNvPr>
+          <p:cNvPicPr>
+            <a:picLocks noChangeAspect="1"/>
+          </p:cNvPicPr>
+          <p:nvPr/>
+        </p:nvPicPr>
+        <p:blipFill>
+          <a:blip r:embed="rId5">
+            <a:extLst>
+              <a:ext uri="{28A0092B-C50C-407E-A947-70E740481C1C}">
+                <a14:useLocalDpi xmlns:a14="http://schemas.microsoft.com/office/drawing/2010/main" val="0"/>
+              </a:ext>
+            </a:extLst>
+          </a:blip>
+          <a:srcRect/>
+          <a:stretch>
+            <a:fillRect/>
+          </a:stretch>
+        </p:blipFill>
+        <p:spPr bwMode="auto">
+          <a:xfrm>
+            <a:off x="7501299" y="3960281"/>
+            <a:ext cx="3086618" cy="1909010"/>
+          </a:xfrm>
+          <a:prstGeom prst="rect">
+            <a:avLst/>
+          </a:prstGeom>
+          <a:noFill/>
+          <a:ln>
+            <a:noFill/>
+          </a:ln>
+        </p:spPr>
+      </p:pic>
     </p:spTree>
     <p:extLst>
       <p:ext uri="{BB962C8B-B14F-4D97-AF65-F5344CB8AC3E}">
@@ -9612,6 +9653,24 @@
           <a:lstStyle/>
           <a:p>
             <a:pPr algn="l"/>
+            <a:endParaRPr lang="en-US" sz="1600" u="sng" spc="0" dirty="0">
+              <a:cs typeface="Arial" panose="020B0604020202020204" pitchFamily="34" charset="0"/>
+            </a:endParaRPr>
+          </a:p>
+          <a:p>
+            <a:pPr algn="l"/>
+            <a:endParaRPr lang="en-US" sz="1600" u="sng" spc="0" dirty="0">
+              <a:cs typeface="Arial" panose="020B0604020202020204" pitchFamily="34" charset="0"/>
+            </a:endParaRPr>
+          </a:p>
+          <a:p>
+            <a:pPr algn="l"/>
+            <a:endParaRPr lang="en-US" sz="1600" u="sng" spc="0" dirty="0">
+              <a:cs typeface="Arial" panose="020B0604020202020204" pitchFamily="34" charset="0"/>
+            </a:endParaRPr>
+          </a:p>
+          <a:p>
+            <a:pPr algn="l"/>
             <a:r>
               <a:rPr lang="en-US" sz="1600" u="sng" spc="0" dirty="0">
                 <a:cs typeface="Arial" panose="020B0604020202020204" pitchFamily="34" charset="0"/>
@@ -9652,7 +9711,7 @@
               <a:rPr lang="en-US" cap="none" spc="0" dirty="0">
                 <a:cs typeface="Arial" panose="020B0604020202020204" pitchFamily="34" charset="0"/>
               </a:rPr>
-              <a:t>tasks are completed on time and in full.</a:t>
+              <a:t>Tasks are completed on time and in full.</a:t>
             </a:r>
           </a:p>
           <a:p>
@@ -9688,7 +9747,31 @@
               <a:rPr lang="en-US" cap="none" spc="0" dirty="0">
                 <a:cs typeface="Arial" panose="020B0604020202020204" pitchFamily="34" charset="0"/>
               </a:rPr>
-              <a:t>Microsoft word formatting for SRS document </a:t>
+              <a:t>Microsoft word formatting for SRS document.</a:t>
+            </a:r>
+          </a:p>
+          <a:p>
+            <a:pPr marL="285750" indent="-285750" algn="l">
+              <a:buFont typeface="Arial" panose="020B0604020202020204" pitchFamily="34" charset="0"/>
+              <a:buChar char="•"/>
+            </a:pPr>
+            <a:r>
+              <a:rPr lang="en-US" cap="none" spc="0" dirty="0">
+                <a:cs typeface="Arial" panose="020B0604020202020204" pitchFamily="34" charset="0"/>
+              </a:rPr>
+              <a:t>Solving the compatibility issue by choosing a web-based application.</a:t>
+            </a:r>
+          </a:p>
+          <a:p>
+            <a:pPr marL="285750" indent="-285750" algn="l">
+              <a:buFont typeface="Arial" panose="020B0604020202020204" pitchFamily="34" charset="0"/>
+              <a:buChar char="•"/>
+            </a:pPr>
+            <a:r>
+              <a:rPr lang="en-US" cap="none" spc="0" dirty="0">
+                <a:cs typeface="Arial" panose="020B0604020202020204" pitchFamily="34" charset="0"/>
+              </a:rPr>
+              <a:t>Choosing the priority of the requirements specification using the MOSCOW method. All requirements would be nice to have so it is difficult to consider a rating for each one.</a:t>
             </a:r>
           </a:p>
           <a:p>
@@ -9900,24 +9983,138 @@
               <a:buFont typeface="Arial" panose="020B0604020202020204" pitchFamily="34" charset="0"/>
               <a:buChar char="•"/>
             </a:pPr>
-            <a:r>
-              <a:rPr lang="en-US" sz="1600" cap="none" spc="0" dirty="0">
-                <a:cs typeface="Arial" panose="020B0604020202020204" pitchFamily="34" charset="0"/>
-              </a:rPr>
-              <a:t>Create a Mobile application version to give restaurant owners the option to use either a web application or mobile application based on their needs. </a:t>
-            </a:r>
+            <a:endParaRPr lang="en-US" sz="1600" cap="none" spc="0" dirty="0">
+              <a:cs typeface="Arial" panose="020B0604020202020204" pitchFamily="34" charset="0"/>
+            </a:endParaRPr>
           </a:p>
           <a:p>
             <a:pPr marL="285750" indent="-285750" algn="l">
               <a:buFont typeface="Arial" panose="020B0604020202020204" pitchFamily="34" charset="0"/>
               <a:buChar char="•"/>
             </a:pPr>
+            <a:endParaRPr lang="en-US" sz="1600" cap="none" spc="0" dirty="0">
+              <a:cs typeface="Arial" panose="020B0604020202020204" pitchFamily="34" charset="0"/>
+            </a:endParaRPr>
+          </a:p>
+          <a:p>
+            <a:pPr marL="285750" indent="-285750" algn="l">
+              <a:buFont typeface="Arial" panose="020B0604020202020204" pitchFamily="34" charset="0"/>
+              <a:buChar char="•"/>
+            </a:pPr>
+            <a:endParaRPr lang="en-US" sz="1600" cap="none" spc="0" dirty="0">
+              <a:cs typeface="Arial" panose="020B0604020202020204" pitchFamily="34" charset="0"/>
+            </a:endParaRPr>
+          </a:p>
+          <a:p>
+            <a:pPr marL="285750" indent="-285750" algn="l">
+              <a:buFont typeface="Arial" panose="020B0604020202020204" pitchFamily="34" charset="0"/>
+              <a:buChar char="•"/>
+            </a:pPr>
+            <a:endParaRPr lang="en-US" sz="1600" cap="none" spc="0" dirty="0">
+              <a:cs typeface="Arial" panose="020B0604020202020204" pitchFamily="34" charset="0"/>
+            </a:endParaRPr>
+          </a:p>
+          <a:p>
+            <a:pPr marL="285750" indent="-285750" algn="l">
+              <a:buFont typeface="Arial" panose="020B0604020202020204" pitchFamily="34" charset="0"/>
+              <a:buChar char="•"/>
+            </a:pPr>
             <a:r>
               <a:rPr lang="en-US" sz="1600" cap="none" spc="0" dirty="0">
                 <a:cs typeface="Arial" panose="020B0604020202020204" pitchFamily="34" charset="0"/>
               </a:rPr>
-              <a:t>add online reservation for customers .</a:t>
-            </a:r>
+              <a:t>Create a Mobile application version to give restaurant owners the option to use either a web application or mobile application based on their needs. </a:t>
+            </a:r>
+          </a:p>
+          <a:p>
+            <a:pPr marL="285750" indent="-285750" algn="l">
+              <a:buFont typeface="Arial" panose="020B0604020202020204" pitchFamily="34" charset="0"/>
+              <a:buChar char="•"/>
+            </a:pPr>
+            <a:r>
+              <a:rPr lang="en-US" sz="1600" cap="none" spc="0" dirty="0">
+                <a:cs typeface="Arial" panose="020B0604020202020204" pitchFamily="34" charset="0"/>
+              </a:rPr>
+              <a:t>Add online reservation for customers .</a:t>
+            </a:r>
+          </a:p>
+          <a:p>
+            <a:pPr marL="285750" indent="-285750" algn="l">
+              <a:buFont typeface="Arial" panose="020B0604020202020204" pitchFamily="34" charset="0"/>
+              <a:buChar char="•"/>
+            </a:pPr>
+            <a:r>
+              <a:rPr lang="en-US" sz="1600" cap="none" spc="0" dirty="0">
+                <a:cs typeface="Arial" panose="020B0604020202020204" pitchFamily="34" charset="0"/>
+              </a:rPr>
+              <a:t>Implement 2FA for user logins.</a:t>
+            </a:r>
+          </a:p>
+          <a:p>
+            <a:pPr marL="285750" indent="-285750" algn="l">
+              <a:buFont typeface="Arial" panose="020B0604020202020204" pitchFamily="34" charset="0"/>
+              <a:buChar char="•"/>
+            </a:pPr>
+            <a:r>
+              <a:rPr lang="en-US" sz="1600" cap="none" spc="0" dirty="0">
+                <a:cs typeface="Arial" panose="020B0604020202020204" pitchFamily="34" charset="0"/>
+              </a:rPr>
+              <a:t>Create another UI that is accessible by managers that allows them to change the restaurant’s table layout and modify the server’s menu selection buttons on their own without the need to contact the developer for an update to the predefined interface.</a:t>
+            </a:r>
+          </a:p>
+          <a:p>
+            <a:pPr marL="285750" indent="-285750" algn="l">
+              <a:buFont typeface="Arial" panose="020B0604020202020204" pitchFamily="34" charset="0"/>
+              <a:buChar char="•"/>
+            </a:pPr>
+            <a:r>
+              <a:rPr lang="en-US" sz="1600" cap="none" spc="0" dirty="0">
+                <a:cs typeface="Arial" panose="020B0604020202020204" pitchFamily="34" charset="0"/>
+              </a:rPr>
+              <a:t>Add another UI for take-out orders as described below.</a:t>
+            </a:r>
+          </a:p>
+          <a:p>
+            <a:pPr marL="742950" lvl="1" indent="-285750">
+              <a:buFont typeface="Arial" panose="020B0604020202020204" pitchFamily="34" charset="0"/>
+              <a:buChar char="•"/>
+            </a:pPr>
+            <a:r>
+              <a:rPr lang="en-US" sz="1200" cap="none" spc="0" dirty="0">
+                <a:solidFill>
+                  <a:schemeClr val="bg1"/>
+                </a:solidFill>
+                <a:cs typeface="Arial" panose="020B0604020202020204" pitchFamily="34" charset="0"/>
+              </a:rPr>
+              <a:t>Allow for take-out orders to be processed. These can come from an individual on the restaurant’s website or from services such as Uber Eats, </a:t>
+            </a:r>
+            <a:r>
+              <a:rPr lang="en-US" sz="1200" cap="none" spc="0" dirty="0" err="1">
+                <a:solidFill>
+                  <a:schemeClr val="bg1"/>
+                </a:solidFill>
+                <a:cs typeface="Arial" panose="020B0604020202020204" pitchFamily="34" charset="0"/>
+              </a:rPr>
+              <a:t>GrubHub</a:t>
+            </a:r>
+            <a:r>
+              <a:rPr lang="en-US" sz="1200" cap="none" spc="0" dirty="0">
+                <a:solidFill>
+                  <a:schemeClr val="bg1"/>
+                </a:solidFill>
+                <a:cs typeface="Arial" panose="020B0604020202020204" pitchFamily="34" charset="0"/>
+              </a:rPr>
+              <a:t>, etc.  </a:t>
+            </a:r>
+          </a:p>
+          <a:p>
+            <a:pPr lvl="1"/>
+            <a:endParaRPr lang="en-US" sz="1200" cap="none" spc="0" dirty="0">
+              <a:solidFill>
+                <a:schemeClr val="bg1"/>
+              </a:solidFill>
+              <a:cs typeface="Arial" panose="020B0604020202020204" pitchFamily="34" charset="0"/>
+            </a:endParaRPr>
           </a:p>
           <a:p>
             <a:pPr algn="l"/>

--- a/CentRes.pptx
+++ b/CentRes.pptx
@@ -133,7 +133,7 @@
   </p:defaultTextStyle>
   <p:extLst>
     <p:ext uri="{EFAFB233-063F-42B5-8137-9DF3F51BA10A}">
-      <p15:sldGuideLst xmlns:p15="http://schemas.microsoft.com/office/powerpoint/2012/main">
+      <p15:sldGuideLst xmlns:p15="http://schemas.microsoft.com/office/powerpoint/2012/main" xmlns="">
         <p15:guide id="1" orient="horz" pos="1992" userDrawn="1">
           <p15:clr>
             <a:srgbClr val="A4A3A4"/>
@@ -152,7 +152,7 @@
       </p15:sldGuideLst>
     </p:ext>
     <p:ext uri="{2D200454-40CA-4A62-9FC3-DE9A4176ACB9}">
-      <p15:notesGuideLst xmlns:p15="http://schemas.microsoft.com/office/powerpoint/2012/main"/>
+      <p15:notesGuideLst xmlns:p15="http://schemas.microsoft.com/office/powerpoint/2012/main" xmlns=""/>
     </p:ext>
   </p:extLst>
 </p:presentation>
@@ -185,7 +185,7 @@
           <p:cNvPr id="2" name="Header Placeholder 1">
             <a:extLst>
               <a:ext uri="{FF2B5EF4-FFF2-40B4-BE49-F238E27FC236}">
-                <a16:creationId xmlns:a16="http://schemas.microsoft.com/office/drawing/2014/main" id="{0F97DFCF-F890-A143-9133-C8B65C9B01EF}"/>
+                <a16:creationId xmlns:a16="http://schemas.microsoft.com/office/drawing/2014/main" xmlns="" id="{0F97DFCF-F890-A143-9133-C8B65C9B01EF}"/>
               </a:ext>
             </a:extLst>
           </p:cNvPr>
@@ -222,7 +222,7 @@
           <p:cNvPr id="3" name="Date Placeholder 2">
             <a:extLst>
               <a:ext uri="{FF2B5EF4-FFF2-40B4-BE49-F238E27FC236}">
-                <a16:creationId xmlns:a16="http://schemas.microsoft.com/office/drawing/2014/main" id="{EFE2C281-2434-D94F-B4BD-BA3CD4DB8440}"/>
+                <a16:creationId xmlns:a16="http://schemas.microsoft.com/office/drawing/2014/main" xmlns="" id="{EFE2C281-2434-D94F-B4BD-BA3CD4DB8440}"/>
               </a:ext>
             </a:extLst>
           </p:cNvPr>
@@ -253,7 +253,7 @@
             <a:fld id="{966D5B4E-BF3E-3B45-A4BA-D6C3B92870D7}" type="datetimeFigureOut">
               <a:rPr lang="en-US" smtClean="0"/>
               <a:pPr/>
-              <a:t>11/10/2022</a:t>
+              <a:t>11/12/2022</a:t>
             </a:fld>
             <a:endParaRPr lang="en-US" dirty="0"/>
           </a:p>
@@ -264,7 +264,7 @@
           <p:cNvPr id="4" name="Footer Placeholder 3">
             <a:extLst>
               <a:ext uri="{FF2B5EF4-FFF2-40B4-BE49-F238E27FC236}">
-                <a16:creationId xmlns:a16="http://schemas.microsoft.com/office/drawing/2014/main" id="{5C17CBFA-633D-5540-AFAA-BE1F495EC62F}"/>
+                <a16:creationId xmlns:a16="http://schemas.microsoft.com/office/drawing/2014/main" xmlns="" id="{5C17CBFA-633D-5540-AFAA-BE1F495EC62F}"/>
               </a:ext>
             </a:extLst>
           </p:cNvPr>
@@ -301,7 +301,7 @@
           <p:cNvPr id="5" name="Slide Number Placeholder 4">
             <a:extLst>
               <a:ext uri="{FF2B5EF4-FFF2-40B4-BE49-F238E27FC236}">
-                <a16:creationId xmlns:a16="http://schemas.microsoft.com/office/drawing/2014/main" id="{826B5631-D714-AD41-853B-A883ADC344D5}"/>
+                <a16:creationId xmlns:a16="http://schemas.microsoft.com/office/drawing/2014/main" xmlns="" id="{826B5631-D714-AD41-853B-A883ADC344D5}"/>
               </a:ext>
             </a:extLst>
           </p:cNvPr>
@@ -341,7 +341,7 @@
     </p:spTree>
     <p:extLst>
       <p:ext uri="{BB962C8B-B14F-4D97-AF65-F5344CB8AC3E}">
-        <p14:creationId xmlns:p14="http://schemas.microsoft.com/office/powerpoint/2010/main" val="4273987054"/>
+        <p14:creationId xmlns:p14="http://schemas.microsoft.com/office/powerpoint/2010/main" xmlns="" val="4273987054"/>
       </p:ext>
     </p:extLst>
   </p:cSld>
@@ -432,7 +432,7 @@
             <a:fld id="{F5A8621B-8C8E-49BA-8772-41D0FE75A082}" type="datetimeFigureOut">
               <a:rPr lang="en-US" smtClean="0"/>
               <a:pPr/>
-              <a:t>11/10/2022</a:t>
+              <a:t>11/12/2022</a:t>
             </a:fld>
             <a:endParaRPr lang="en-US" dirty="0"/>
           </a:p>
@@ -600,7 +600,7 @@
     </p:spTree>
     <p:extLst>
       <p:ext uri="{BB962C8B-B14F-4D97-AF65-F5344CB8AC3E}">
-        <p14:creationId xmlns:p14="http://schemas.microsoft.com/office/powerpoint/2010/main" val="4225970632"/>
+        <p14:creationId xmlns:p14="http://schemas.microsoft.com/office/powerpoint/2010/main" xmlns="" val="4225970632"/>
       </p:ext>
     </p:extLst>
   </p:cSld>
@@ -775,7 +775,7 @@
     </p:spTree>
     <p:extLst>
       <p:ext uri="{BB962C8B-B14F-4D97-AF65-F5344CB8AC3E}">
-        <p14:creationId xmlns:p14="http://schemas.microsoft.com/office/powerpoint/2010/main" val="1632949142"/>
+        <p14:creationId xmlns:p14="http://schemas.microsoft.com/office/powerpoint/2010/main" xmlns="" val="1632949142"/>
       </p:ext>
     </p:extLst>
   </p:cSld>
@@ -860,7 +860,7 @@
     </p:spTree>
     <p:extLst>
       <p:ext uri="{BB962C8B-B14F-4D97-AF65-F5344CB8AC3E}">
-        <p14:creationId xmlns:p14="http://schemas.microsoft.com/office/powerpoint/2010/main" val="444968136"/>
+        <p14:creationId xmlns:p14="http://schemas.microsoft.com/office/powerpoint/2010/main" xmlns="" val="444968136"/>
       </p:ext>
     </p:extLst>
   </p:cSld>
@@ -945,7 +945,7 @@
     </p:spTree>
     <p:extLst>
       <p:ext uri="{BB962C8B-B14F-4D97-AF65-F5344CB8AC3E}">
-        <p14:creationId xmlns:p14="http://schemas.microsoft.com/office/powerpoint/2010/main" val="1632949142"/>
+        <p14:creationId xmlns:p14="http://schemas.microsoft.com/office/powerpoint/2010/main" xmlns="" val="1632949142"/>
       </p:ext>
     </p:extLst>
   </p:cSld>
@@ -1030,7 +1030,7 @@
     </p:spTree>
     <p:extLst>
       <p:ext uri="{BB962C8B-B14F-4D97-AF65-F5344CB8AC3E}">
-        <p14:creationId xmlns:p14="http://schemas.microsoft.com/office/powerpoint/2010/main" val="2477358710"/>
+        <p14:creationId xmlns:p14="http://schemas.microsoft.com/office/powerpoint/2010/main" xmlns="" val="2477358710"/>
       </p:ext>
     </p:extLst>
   </p:cSld>
@@ -1115,7 +1115,7 @@
     </p:spTree>
     <p:extLst>
       <p:ext uri="{BB962C8B-B14F-4D97-AF65-F5344CB8AC3E}">
-        <p14:creationId xmlns:p14="http://schemas.microsoft.com/office/powerpoint/2010/main" val="1852594838"/>
+        <p14:creationId xmlns:p14="http://schemas.microsoft.com/office/powerpoint/2010/main" xmlns="" val="1852594838"/>
       </p:ext>
     </p:extLst>
   </p:cSld>
@@ -1200,7 +1200,7 @@
     </p:spTree>
     <p:extLst>
       <p:ext uri="{BB962C8B-B14F-4D97-AF65-F5344CB8AC3E}">
-        <p14:creationId xmlns:p14="http://schemas.microsoft.com/office/powerpoint/2010/main" val="3809423074"/>
+        <p14:creationId xmlns:p14="http://schemas.microsoft.com/office/powerpoint/2010/main" xmlns="" val="3809423074"/>
       </p:ext>
     </p:extLst>
   </p:cSld>
@@ -1285,7 +1285,7 @@
     </p:spTree>
     <p:extLst>
       <p:ext uri="{BB962C8B-B14F-4D97-AF65-F5344CB8AC3E}">
-        <p14:creationId xmlns:p14="http://schemas.microsoft.com/office/powerpoint/2010/main" val="2759226863"/>
+        <p14:creationId xmlns:p14="http://schemas.microsoft.com/office/powerpoint/2010/main" xmlns="" val="2759226863"/>
       </p:ext>
     </p:extLst>
   </p:cSld>
@@ -1322,7 +1322,7 @@
           <p:cNvPr id="3" name="Picture Placeholder 2">
             <a:extLst>
               <a:ext uri="{FF2B5EF4-FFF2-40B4-BE49-F238E27FC236}">
-                <a16:creationId xmlns:a16="http://schemas.microsoft.com/office/drawing/2014/main" id="{DE635FD8-712D-4EE2-A5B6-3DD8DE9C25E9}"/>
+                <a16:creationId xmlns:a16="http://schemas.microsoft.com/office/drawing/2014/main" xmlns="" id="{DE635FD8-712D-4EE2-A5B6-3DD8DE9C25E9}"/>
               </a:ext>
             </a:extLst>
           </p:cNvPr>
@@ -1361,7 +1361,7 @@
           <p:cNvPr id="14" name="Text Placeholder 13">
             <a:extLst>
               <a:ext uri="{FF2B5EF4-FFF2-40B4-BE49-F238E27FC236}">
-                <a16:creationId xmlns:a16="http://schemas.microsoft.com/office/drawing/2014/main" id="{F80209DF-C4D9-43B8-AA05-F53619153042}"/>
+                <a16:creationId xmlns:a16="http://schemas.microsoft.com/office/drawing/2014/main" xmlns="" id="{F80209DF-C4D9-43B8-AA05-F53619153042}"/>
               </a:ext>
             </a:extLst>
           </p:cNvPr>
@@ -1410,7 +1410,7 @@
           <p:cNvPr id="7" name="Text Placeholder 6">
             <a:extLst>
               <a:ext uri="{FF2B5EF4-FFF2-40B4-BE49-F238E27FC236}">
-                <a16:creationId xmlns:a16="http://schemas.microsoft.com/office/drawing/2014/main" id="{758235C5-25B1-4243-9762-4AAD3C08E8BE}"/>
+                <a16:creationId xmlns:a16="http://schemas.microsoft.com/office/drawing/2014/main" xmlns="" id="{758235C5-25B1-4243-9762-4AAD3C08E8BE}"/>
               </a:ext>
             </a:extLst>
           </p:cNvPr>
@@ -1468,7 +1468,7 @@
           <p:cNvPr id="2" name="Title 1">
             <a:extLst>
               <a:ext uri="{FF2B5EF4-FFF2-40B4-BE49-F238E27FC236}">
-                <a16:creationId xmlns:a16="http://schemas.microsoft.com/office/drawing/2014/main" id="{298B2C6E-DB6F-4476-8E95-9F6EC79392FD}"/>
+                <a16:creationId xmlns:a16="http://schemas.microsoft.com/office/drawing/2014/main" xmlns="" id="{298B2C6E-DB6F-4476-8E95-9F6EC79392FD}"/>
               </a:ext>
             </a:extLst>
           </p:cNvPr>
@@ -1511,7 +1511,7 @@
     </p:spTree>
     <p:extLst>
       <p:ext uri="{BB962C8B-B14F-4D97-AF65-F5344CB8AC3E}">
-        <p14:creationId xmlns:p14="http://schemas.microsoft.com/office/powerpoint/2010/main" val="3182303122"/>
+        <p14:creationId xmlns:p14="http://schemas.microsoft.com/office/powerpoint/2010/main" xmlns="" val="3182303122"/>
       </p:ext>
     </p:extLst>
   </p:cSld>
@@ -1543,7 +1543,7 @@
           <p:cNvPr id="9" name="Picture Placeholder 8">
             <a:extLst>
               <a:ext uri="{FF2B5EF4-FFF2-40B4-BE49-F238E27FC236}">
-                <a16:creationId xmlns:a16="http://schemas.microsoft.com/office/drawing/2014/main" id="{186FE9B2-6286-484B-8943-95EE0B6B0267}"/>
+                <a16:creationId xmlns:a16="http://schemas.microsoft.com/office/drawing/2014/main" xmlns="" id="{186FE9B2-6286-484B-8943-95EE0B6B0267}"/>
               </a:ext>
             </a:extLst>
           </p:cNvPr>
@@ -1583,7 +1583,7 @@
           <p:cNvPr id="11" name="Slide Number Placeholder 5">
             <a:extLst>
               <a:ext uri="{FF2B5EF4-FFF2-40B4-BE49-F238E27FC236}">
-                <a16:creationId xmlns:a16="http://schemas.microsoft.com/office/drawing/2014/main" id="{7D4E8708-8565-4A5B-9D9E-1D4F40EAF909}"/>
+                <a16:creationId xmlns:a16="http://schemas.microsoft.com/office/drawing/2014/main" xmlns="" id="{7D4E8708-8565-4A5B-9D9E-1D4F40EAF909}"/>
               </a:ext>
             </a:extLst>
           </p:cNvPr>
@@ -1631,7 +1631,7 @@
           <p:cNvPr id="16" name="Content Placeholder 8">
             <a:extLst>
               <a:ext uri="{FF2B5EF4-FFF2-40B4-BE49-F238E27FC236}">
-                <a16:creationId xmlns:a16="http://schemas.microsoft.com/office/drawing/2014/main" id="{42436126-0370-4532-A8AD-D20897982AD2}"/>
+                <a16:creationId xmlns:a16="http://schemas.microsoft.com/office/drawing/2014/main" xmlns="" id="{42436126-0370-4532-A8AD-D20897982AD2}"/>
               </a:ext>
             </a:extLst>
           </p:cNvPr>
@@ -1684,7 +1684,7 @@
           <p:cNvPr id="17" name="Slide Number Placeholder 70">
             <a:extLst>
               <a:ext uri="{FF2B5EF4-FFF2-40B4-BE49-F238E27FC236}">
-                <a16:creationId xmlns:a16="http://schemas.microsoft.com/office/drawing/2014/main" id="{AEC105AD-E933-4969-B038-0ABD6F013167}"/>
+                <a16:creationId xmlns:a16="http://schemas.microsoft.com/office/drawing/2014/main" xmlns="" id="{AEC105AD-E933-4969-B038-0ABD6F013167}"/>
               </a:ext>
             </a:extLst>
           </p:cNvPr>
@@ -1816,7 +1816,7 @@
           <p:cNvPr id="7" name="Title 1">
             <a:extLst>
               <a:ext uri="{FF2B5EF4-FFF2-40B4-BE49-F238E27FC236}">
-                <a16:creationId xmlns:a16="http://schemas.microsoft.com/office/drawing/2014/main" id="{76CDEBF2-B5C9-4887-B717-81C3D1A73CA9}"/>
+                <a16:creationId xmlns:a16="http://schemas.microsoft.com/office/drawing/2014/main" xmlns="" id="{76CDEBF2-B5C9-4887-B717-81C3D1A73CA9}"/>
               </a:ext>
             </a:extLst>
           </p:cNvPr>
@@ -1866,10 +1866,10 @@
           <p:cNvPr id="2" name="Rectangle 1">
             <a:extLst>
               <a:ext uri="{FF2B5EF4-FFF2-40B4-BE49-F238E27FC236}">
-                <a16:creationId xmlns:a16="http://schemas.microsoft.com/office/drawing/2014/main" id="{016A7FA3-8C13-4E5A-88C4-4357C8ACD73E}"/>
+                <a16:creationId xmlns:a16="http://schemas.microsoft.com/office/drawing/2014/main" xmlns="" id="{016A7FA3-8C13-4E5A-88C4-4357C8ACD73E}"/>
               </a:ext>
               <a:ext uri="{C183D7F6-B498-43B3-948B-1728B52AA6E4}">
-                <adec:decorative xmlns:adec="http://schemas.microsoft.com/office/drawing/2017/decorative" val="1"/>
+                <adec:decorative xmlns:adec="http://schemas.microsoft.com/office/drawing/2017/decorative" xmlns="" val="1"/>
               </a:ext>
             </a:extLst>
           </p:cNvPr>
@@ -1934,7 +1934,7 @@
     </p:spTree>
     <p:extLst>
       <p:ext uri="{BB962C8B-B14F-4D97-AF65-F5344CB8AC3E}">
-        <p14:creationId xmlns:p14="http://schemas.microsoft.com/office/powerpoint/2010/main" val="3713196804"/>
+        <p14:creationId xmlns:p14="http://schemas.microsoft.com/office/powerpoint/2010/main" xmlns="" val="3713196804"/>
       </p:ext>
     </p:extLst>
   </p:cSld>
@@ -1971,7 +1971,7 @@
           <p:cNvPr id="3" name="Picture Placeholder 2">
             <a:extLst>
               <a:ext uri="{FF2B5EF4-FFF2-40B4-BE49-F238E27FC236}">
-                <a16:creationId xmlns:a16="http://schemas.microsoft.com/office/drawing/2014/main" id="{DE635FD8-712D-4EE2-A5B6-3DD8DE9C25E9}"/>
+                <a16:creationId xmlns:a16="http://schemas.microsoft.com/office/drawing/2014/main" xmlns="" id="{DE635FD8-712D-4EE2-A5B6-3DD8DE9C25E9}"/>
               </a:ext>
             </a:extLst>
           </p:cNvPr>
@@ -2010,7 +2010,7 @@
           <p:cNvPr id="6" name="Title 5">
             <a:extLst>
               <a:ext uri="{FF2B5EF4-FFF2-40B4-BE49-F238E27FC236}">
-                <a16:creationId xmlns:a16="http://schemas.microsoft.com/office/drawing/2014/main" id="{D9074D0F-754F-4F2C-A410-F222D2D2346E}"/>
+                <a16:creationId xmlns:a16="http://schemas.microsoft.com/office/drawing/2014/main" xmlns="" id="{D9074D0F-754F-4F2C-A410-F222D2D2346E}"/>
               </a:ext>
             </a:extLst>
           </p:cNvPr>
@@ -2046,7 +2046,7 @@
           <p:cNvPr id="14" name="Text Placeholder 13">
             <a:extLst>
               <a:ext uri="{FF2B5EF4-FFF2-40B4-BE49-F238E27FC236}">
-                <a16:creationId xmlns:a16="http://schemas.microsoft.com/office/drawing/2014/main" id="{F80209DF-C4D9-43B8-AA05-F53619153042}"/>
+                <a16:creationId xmlns:a16="http://schemas.microsoft.com/office/drawing/2014/main" xmlns="" id="{F80209DF-C4D9-43B8-AA05-F53619153042}"/>
               </a:ext>
             </a:extLst>
           </p:cNvPr>
@@ -2113,7 +2113,7 @@
           <p:cNvPr id="31" name="Text Placeholder 13">
             <a:extLst>
               <a:ext uri="{FF2B5EF4-FFF2-40B4-BE49-F238E27FC236}">
-                <a16:creationId xmlns:a16="http://schemas.microsoft.com/office/drawing/2014/main" id="{1D89734B-03E0-4ADE-8F62-C819F3E976D5}"/>
+                <a16:creationId xmlns:a16="http://schemas.microsoft.com/office/drawing/2014/main" xmlns="" id="{1D89734B-03E0-4ADE-8F62-C819F3E976D5}"/>
               </a:ext>
             </a:extLst>
           </p:cNvPr>
@@ -2162,7 +2162,7 @@
           <p:cNvPr id="32" name="Text Placeholder 13">
             <a:extLst>
               <a:ext uri="{FF2B5EF4-FFF2-40B4-BE49-F238E27FC236}">
-                <a16:creationId xmlns:a16="http://schemas.microsoft.com/office/drawing/2014/main" id="{85971F4D-8B59-4B3E-9169-64E0EF1BA85F}"/>
+                <a16:creationId xmlns:a16="http://schemas.microsoft.com/office/drawing/2014/main" xmlns="" id="{85971F4D-8B59-4B3E-9169-64E0EF1BA85F}"/>
               </a:ext>
             </a:extLst>
           </p:cNvPr>
@@ -2211,7 +2211,7 @@
           <p:cNvPr id="33" name="Text Placeholder 13">
             <a:extLst>
               <a:ext uri="{FF2B5EF4-FFF2-40B4-BE49-F238E27FC236}">
-                <a16:creationId xmlns:a16="http://schemas.microsoft.com/office/drawing/2014/main" id="{90B19777-E2ED-419C-B486-857117FD081B}"/>
+                <a16:creationId xmlns:a16="http://schemas.microsoft.com/office/drawing/2014/main" xmlns="" id="{90B19777-E2ED-419C-B486-857117FD081B}"/>
               </a:ext>
             </a:extLst>
           </p:cNvPr>
@@ -2260,7 +2260,7 @@
           <p:cNvPr id="34" name="Online Image Placeholder 33">
             <a:extLst>
               <a:ext uri="{FF2B5EF4-FFF2-40B4-BE49-F238E27FC236}">
-                <a16:creationId xmlns:a16="http://schemas.microsoft.com/office/drawing/2014/main" id="{1A58EB44-F532-4998-B316-61C738C37BF5}"/>
+                <a16:creationId xmlns:a16="http://schemas.microsoft.com/office/drawing/2014/main" xmlns="" id="{1A58EB44-F532-4998-B316-61C738C37BF5}"/>
               </a:ext>
             </a:extLst>
           </p:cNvPr>
@@ -2300,7 +2300,7 @@
           <p:cNvPr id="35" name="Online Image Placeholder 33">
             <a:extLst>
               <a:ext uri="{FF2B5EF4-FFF2-40B4-BE49-F238E27FC236}">
-                <a16:creationId xmlns:a16="http://schemas.microsoft.com/office/drawing/2014/main" id="{33763C3C-3545-40BD-9B2C-DC4C0E4CE819}"/>
+                <a16:creationId xmlns:a16="http://schemas.microsoft.com/office/drawing/2014/main" xmlns="" id="{33763C3C-3545-40BD-9B2C-DC4C0E4CE819}"/>
               </a:ext>
             </a:extLst>
           </p:cNvPr>
@@ -2340,7 +2340,7 @@
           <p:cNvPr id="36" name="Online Image Placeholder 33">
             <a:extLst>
               <a:ext uri="{FF2B5EF4-FFF2-40B4-BE49-F238E27FC236}">
-                <a16:creationId xmlns:a16="http://schemas.microsoft.com/office/drawing/2014/main" id="{1C5D3777-17F3-4225-8C52-2EF1DB4FD54A}"/>
+                <a16:creationId xmlns:a16="http://schemas.microsoft.com/office/drawing/2014/main" xmlns="" id="{1C5D3777-17F3-4225-8C52-2EF1DB4FD54A}"/>
               </a:ext>
             </a:extLst>
           </p:cNvPr>
@@ -2378,7 +2378,7 @@
     </p:spTree>
     <p:extLst>
       <p:ext uri="{BB962C8B-B14F-4D97-AF65-F5344CB8AC3E}">
-        <p14:creationId xmlns:p14="http://schemas.microsoft.com/office/powerpoint/2010/main" val="3173740392"/>
+        <p14:creationId xmlns:p14="http://schemas.microsoft.com/office/powerpoint/2010/main" xmlns="" val="3173740392"/>
       </p:ext>
     </p:extLst>
   </p:cSld>
@@ -2410,7 +2410,7 @@
           <p:cNvPr id="11" name="Picture Placeholder 10">
             <a:extLst>
               <a:ext uri="{FF2B5EF4-FFF2-40B4-BE49-F238E27FC236}">
-                <a16:creationId xmlns:a16="http://schemas.microsoft.com/office/drawing/2014/main" id="{912AA41C-A030-4521-8130-6A8E4543F277}"/>
+                <a16:creationId xmlns:a16="http://schemas.microsoft.com/office/drawing/2014/main" xmlns="" id="{912AA41C-A030-4521-8130-6A8E4543F277}"/>
               </a:ext>
             </a:extLst>
           </p:cNvPr>
@@ -2453,7 +2453,7 @@
           <p:cNvPr id="2" name="Title 1">
             <a:extLst>
               <a:ext uri="{FF2B5EF4-FFF2-40B4-BE49-F238E27FC236}">
-                <a16:creationId xmlns:a16="http://schemas.microsoft.com/office/drawing/2014/main" id="{7C83D428-B974-43F4-9246-0A2EECA11A5B}"/>
+                <a16:creationId xmlns:a16="http://schemas.microsoft.com/office/drawing/2014/main" xmlns="" id="{7C83D428-B974-43F4-9246-0A2EECA11A5B}"/>
               </a:ext>
             </a:extLst>
           </p:cNvPr>
@@ -2498,7 +2498,7 @@
           <p:cNvPr id="5" name="Footer Placeholder 4">
             <a:extLst>
               <a:ext uri="{FF2B5EF4-FFF2-40B4-BE49-F238E27FC236}">
-                <a16:creationId xmlns:a16="http://schemas.microsoft.com/office/drawing/2014/main" id="{BC79732E-D749-40DD-8365-05028518765D}"/>
+                <a16:creationId xmlns:a16="http://schemas.microsoft.com/office/drawing/2014/main" xmlns="" id="{BC79732E-D749-40DD-8365-05028518765D}"/>
               </a:ext>
             </a:extLst>
           </p:cNvPr>
@@ -2526,7 +2526,7 @@
           <p:cNvPr id="6" name="Slide Number Placeholder 5">
             <a:extLst>
               <a:ext uri="{FF2B5EF4-FFF2-40B4-BE49-F238E27FC236}">
-                <a16:creationId xmlns:a16="http://schemas.microsoft.com/office/drawing/2014/main" id="{88F55E23-C4CC-4E9B-80F4-C4BEA6E2DD84}"/>
+                <a16:creationId xmlns:a16="http://schemas.microsoft.com/office/drawing/2014/main" xmlns="" id="{88F55E23-C4CC-4E9B-80F4-C4BEA6E2DD84}"/>
               </a:ext>
             </a:extLst>
           </p:cNvPr>
@@ -2556,7 +2556,7 @@
           <p:cNvPr id="13" name="Text Placeholder 12">
             <a:extLst>
               <a:ext uri="{FF2B5EF4-FFF2-40B4-BE49-F238E27FC236}">
-                <a16:creationId xmlns:a16="http://schemas.microsoft.com/office/drawing/2014/main" id="{9D00A38D-CFE8-4333-B9D2-D3E7EACA4F0E}"/>
+                <a16:creationId xmlns:a16="http://schemas.microsoft.com/office/drawing/2014/main" xmlns="" id="{9D00A38D-CFE8-4333-B9D2-D3E7EACA4F0E}"/>
               </a:ext>
             </a:extLst>
           </p:cNvPr>
@@ -2597,10 +2597,10 @@
           <p:cNvPr id="3" name="Rectangle 2">
             <a:extLst>
               <a:ext uri="{FF2B5EF4-FFF2-40B4-BE49-F238E27FC236}">
-                <a16:creationId xmlns:a16="http://schemas.microsoft.com/office/drawing/2014/main" id="{1AA8588E-221D-4931-A290-C5C4184435AD}"/>
+                <a16:creationId xmlns:a16="http://schemas.microsoft.com/office/drawing/2014/main" xmlns="" id="{1AA8588E-221D-4931-A290-C5C4184435AD}"/>
               </a:ext>
               <a:ext uri="{C183D7F6-B498-43B3-948B-1728B52AA6E4}">
-                <adec:decorative xmlns:adec="http://schemas.microsoft.com/office/drawing/2017/decorative" val="1"/>
+                <adec:decorative xmlns:adec="http://schemas.microsoft.com/office/drawing/2017/decorative" xmlns="" val="1"/>
               </a:ext>
             </a:extLst>
           </p:cNvPr>
@@ -2667,7 +2667,7 @@
     </p:spTree>
     <p:extLst>
       <p:ext uri="{BB962C8B-B14F-4D97-AF65-F5344CB8AC3E}">
-        <p14:creationId xmlns:p14="http://schemas.microsoft.com/office/powerpoint/2010/main" val="1629115292"/>
+        <p14:creationId xmlns:p14="http://schemas.microsoft.com/office/powerpoint/2010/main" xmlns="" val="1629115292"/>
       </p:ext>
     </p:extLst>
   </p:cSld>
@@ -2699,7 +2699,7 @@
           <p:cNvPr id="20" name="Text Placeholder 19">
             <a:extLst>
               <a:ext uri="{FF2B5EF4-FFF2-40B4-BE49-F238E27FC236}">
-                <a16:creationId xmlns:a16="http://schemas.microsoft.com/office/drawing/2014/main" id="{E5539E44-E270-49B4-8B0A-07870325AA91}"/>
+                <a16:creationId xmlns:a16="http://schemas.microsoft.com/office/drawing/2014/main" xmlns="" id="{E5539E44-E270-49B4-8B0A-07870325AA91}"/>
               </a:ext>
             </a:extLst>
           </p:cNvPr>
@@ -2789,7 +2789,7 @@
           <p:cNvPr id="9" name="Picture Placeholder 8">
             <a:extLst>
               <a:ext uri="{FF2B5EF4-FFF2-40B4-BE49-F238E27FC236}">
-                <a16:creationId xmlns:a16="http://schemas.microsoft.com/office/drawing/2014/main" id="{186FE9B2-6286-484B-8943-95EE0B6B0267}"/>
+                <a16:creationId xmlns:a16="http://schemas.microsoft.com/office/drawing/2014/main" xmlns="" id="{186FE9B2-6286-484B-8943-95EE0B6B0267}"/>
               </a:ext>
             </a:extLst>
           </p:cNvPr>
@@ -2829,7 +2829,7 @@
           <p:cNvPr id="11" name="Slide Number Placeholder 5">
             <a:extLst>
               <a:ext uri="{FF2B5EF4-FFF2-40B4-BE49-F238E27FC236}">
-                <a16:creationId xmlns:a16="http://schemas.microsoft.com/office/drawing/2014/main" id="{7D4E8708-8565-4A5B-9D9E-1D4F40EAF909}"/>
+                <a16:creationId xmlns:a16="http://schemas.microsoft.com/office/drawing/2014/main" xmlns="" id="{7D4E8708-8565-4A5B-9D9E-1D4F40EAF909}"/>
               </a:ext>
             </a:extLst>
           </p:cNvPr>
@@ -2877,7 +2877,7 @@
           <p:cNvPr id="16" name="Content Placeholder 8">
             <a:extLst>
               <a:ext uri="{FF2B5EF4-FFF2-40B4-BE49-F238E27FC236}">
-                <a16:creationId xmlns:a16="http://schemas.microsoft.com/office/drawing/2014/main" id="{42436126-0370-4532-A8AD-D20897982AD2}"/>
+                <a16:creationId xmlns:a16="http://schemas.microsoft.com/office/drawing/2014/main" xmlns="" id="{42436126-0370-4532-A8AD-D20897982AD2}"/>
               </a:ext>
             </a:extLst>
           </p:cNvPr>
@@ -2930,7 +2930,7 @@
           <p:cNvPr id="17" name="Slide Number Placeholder 70">
             <a:extLst>
               <a:ext uri="{FF2B5EF4-FFF2-40B4-BE49-F238E27FC236}">
-                <a16:creationId xmlns:a16="http://schemas.microsoft.com/office/drawing/2014/main" id="{AEC105AD-E933-4969-B038-0ABD6F013167}"/>
+                <a16:creationId xmlns:a16="http://schemas.microsoft.com/office/drawing/2014/main" xmlns="" id="{AEC105AD-E933-4969-B038-0ABD6F013167}"/>
               </a:ext>
             </a:extLst>
           </p:cNvPr>
@@ -3062,7 +3062,7 @@
           <p:cNvPr id="2" name="Title 1">
             <a:extLst>
               <a:ext uri="{FF2B5EF4-FFF2-40B4-BE49-F238E27FC236}">
-                <a16:creationId xmlns:a16="http://schemas.microsoft.com/office/drawing/2014/main" id="{3CB0E4A3-5566-43FE-A59F-2C4F4FE7F32A}"/>
+                <a16:creationId xmlns:a16="http://schemas.microsoft.com/office/drawing/2014/main" xmlns="" id="{3CB0E4A3-5566-43FE-A59F-2C4F4FE7F32A}"/>
               </a:ext>
             </a:extLst>
           </p:cNvPr>
@@ -3110,7 +3110,7 @@
     </p:spTree>
     <p:extLst>
       <p:ext uri="{BB962C8B-B14F-4D97-AF65-F5344CB8AC3E}">
-        <p14:creationId xmlns:p14="http://schemas.microsoft.com/office/powerpoint/2010/main" val="1247832795"/>
+        <p14:creationId xmlns:p14="http://schemas.microsoft.com/office/powerpoint/2010/main" xmlns="" val="1247832795"/>
       </p:ext>
     </p:extLst>
   </p:cSld>
@@ -3142,7 +3142,7 @@
           <p:cNvPr id="11" name="Picture Placeholder 10">
             <a:extLst>
               <a:ext uri="{FF2B5EF4-FFF2-40B4-BE49-F238E27FC236}">
-                <a16:creationId xmlns:a16="http://schemas.microsoft.com/office/drawing/2014/main" id="{912AA41C-A030-4521-8130-6A8E4543F277}"/>
+                <a16:creationId xmlns:a16="http://schemas.microsoft.com/office/drawing/2014/main" xmlns="" id="{912AA41C-A030-4521-8130-6A8E4543F277}"/>
               </a:ext>
             </a:extLst>
           </p:cNvPr>
@@ -3256,7 +3256,7 @@
           <p:cNvPr id="8" name="Title 1">
             <a:extLst>
               <a:ext uri="{FF2B5EF4-FFF2-40B4-BE49-F238E27FC236}">
-                <a16:creationId xmlns:a16="http://schemas.microsoft.com/office/drawing/2014/main" id="{AABA725B-4BCB-1D48-9C5D-46706B18719E}"/>
+                <a16:creationId xmlns:a16="http://schemas.microsoft.com/office/drawing/2014/main" xmlns="" id="{AABA725B-4BCB-1D48-9C5D-46706B18719E}"/>
               </a:ext>
             </a:extLst>
           </p:cNvPr>
@@ -3293,7 +3293,7 @@
           <p:cNvPr id="3" name="Text Placeholder 2">
             <a:extLst>
               <a:ext uri="{FF2B5EF4-FFF2-40B4-BE49-F238E27FC236}">
-                <a16:creationId xmlns:a16="http://schemas.microsoft.com/office/drawing/2014/main" id="{893C356F-E483-4AFD-856C-13BB8E8A5605}"/>
+                <a16:creationId xmlns:a16="http://schemas.microsoft.com/office/drawing/2014/main" xmlns="" id="{893C356F-E483-4AFD-856C-13BB8E8A5605}"/>
               </a:ext>
             </a:extLst>
           </p:cNvPr>
@@ -3439,7 +3439,7 @@
           <p:cNvPr id="5" name="Footer Placeholder 4">
             <a:extLst>
               <a:ext uri="{FF2B5EF4-FFF2-40B4-BE49-F238E27FC236}">
-                <a16:creationId xmlns:a16="http://schemas.microsoft.com/office/drawing/2014/main" id="{BC79732E-D749-40DD-8365-05028518765D}"/>
+                <a16:creationId xmlns:a16="http://schemas.microsoft.com/office/drawing/2014/main" xmlns="" id="{BC79732E-D749-40DD-8365-05028518765D}"/>
               </a:ext>
             </a:extLst>
           </p:cNvPr>
@@ -3467,7 +3467,7 @@
           <p:cNvPr id="6" name="Slide Number Placeholder 5">
             <a:extLst>
               <a:ext uri="{FF2B5EF4-FFF2-40B4-BE49-F238E27FC236}">
-                <a16:creationId xmlns:a16="http://schemas.microsoft.com/office/drawing/2014/main" id="{88F55E23-C4CC-4E9B-80F4-C4BEA6E2DD84}"/>
+                <a16:creationId xmlns:a16="http://schemas.microsoft.com/office/drawing/2014/main" xmlns="" id="{88F55E23-C4CC-4E9B-80F4-C4BEA6E2DD84}"/>
               </a:ext>
             </a:extLst>
           </p:cNvPr>
@@ -3495,7 +3495,7 @@
     </p:spTree>
     <p:extLst>
       <p:ext uri="{BB962C8B-B14F-4D97-AF65-F5344CB8AC3E}">
-        <p14:creationId xmlns:p14="http://schemas.microsoft.com/office/powerpoint/2010/main" val="52890133"/>
+        <p14:creationId xmlns:p14="http://schemas.microsoft.com/office/powerpoint/2010/main" xmlns="" val="52890133"/>
       </p:ext>
     </p:extLst>
   </p:cSld>
@@ -3527,7 +3527,7 @@
           <p:cNvPr id="2" name="Title 1">
             <a:extLst>
               <a:ext uri="{FF2B5EF4-FFF2-40B4-BE49-F238E27FC236}">
-                <a16:creationId xmlns:a16="http://schemas.microsoft.com/office/drawing/2014/main" id="{004074E6-E39E-4D19-B91F-8E84F37CBF3C}"/>
+                <a16:creationId xmlns:a16="http://schemas.microsoft.com/office/drawing/2014/main" xmlns="" id="{004074E6-E39E-4D19-B91F-8E84F37CBF3C}"/>
               </a:ext>
             </a:extLst>
           </p:cNvPr>
@@ -3566,7 +3566,7 @@
           <p:cNvPr id="3" name="Content Placeholder 2">
             <a:extLst>
               <a:ext uri="{FF2B5EF4-FFF2-40B4-BE49-F238E27FC236}">
-                <a16:creationId xmlns:a16="http://schemas.microsoft.com/office/drawing/2014/main" id="{607D1B16-7058-45AD-9B19-E19CAF96683B}"/>
+                <a16:creationId xmlns:a16="http://schemas.microsoft.com/office/drawing/2014/main" xmlns="" id="{607D1B16-7058-45AD-9B19-E19CAF96683B}"/>
               </a:ext>
             </a:extLst>
           </p:cNvPr>
@@ -3677,7 +3677,7 @@
           <p:cNvPr id="59" name="Slide Number Placeholder 5">
             <a:extLst>
               <a:ext uri="{FF2B5EF4-FFF2-40B4-BE49-F238E27FC236}">
-                <a16:creationId xmlns:a16="http://schemas.microsoft.com/office/drawing/2014/main" id="{3DEB48E0-328C-45EE-A8BD-90E6AB261082}"/>
+                <a16:creationId xmlns:a16="http://schemas.microsoft.com/office/drawing/2014/main" xmlns="" id="{3DEB48E0-328C-45EE-A8BD-90E6AB261082}"/>
               </a:ext>
             </a:extLst>
           </p:cNvPr>
@@ -3727,7 +3727,7 @@
           <p:cNvPr id="5" name="Picture Placeholder 4">
             <a:extLst>
               <a:ext uri="{FF2B5EF4-FFF2-40B4-BE49-F238E27FC236}">
-                <a16:creationId xmlns:a16="http://schemas.microsoft.com/office/drawing/2014/main" id="{D7CA175D-816E-4F70-96CC-8A1FD0EB16CE}"/>
+                <a16:creationId xmlns:a16="http://schemas.microsoft.com/office/drawing/2014/main" xmlns="" id="{D7CA175D-816E-4F70-96CC-8A1FD0EB16CE}"/>
               </a:ext>
             </a:extLst>
           </p:cNvPr>
@@ -3763,7 +3763,7 @@
           <p:cNvPr id="9" name="Picture Placeholder 4">
             <a:extLst>
               <a:ext uri="{FF2B5EF4-FFF2-40B4-BE49-F238E27FC236}">
-                <a16:creationId xmlns:a16="http://schemas.microsoft.com/office/drawing/2014/main" id="{323519C8-24DE-471D-85A9-7A8AFACEC456}"/>
+                <a16:creationId xmlns:a16="http://schemas.microsoft.com/office/drawing/2014/main" xmlns="" id="{323519C8-24DE-471D-85A9-7A8AFACEC456}"/>
               </a:ext>
             </a:extLst>
           </p:cNvPr>
@@ -3799,7 +3799,7 @@
           <p:cNvPr id="10" name="Picture Placeholder 4">
             <a:extLst>
               <a:ext uri="{FF2B5EF4-FFF2-40B4-BE49-F238E27FC236}">
-                <a16:creationId xmlns:a16="http://schemas.microsoft.com/office/drawing/2014/main" id="{547F0F1E-7AF5-4B76-928C-7B28010C4F93}"/>
+                <a16:creationId xmlns:a16="http://schemas.microsoft.com/office/drawing/2014/main" xmlns="" id="{547F0F1E-7AF5-4B76-928C-7B28010C4F93}"/>
               </a:ext>
             </a:extLst>
           </p:cNvPr>
@@ -3835,7 +3835,7 @@
           <p:cNvPr id="11" name="Picture Placeholder 4">
             <a:extLst>
               <a:ext uri="{FF2B5EF4-FFF2-40B4-BE49-F238E27FC236}">
-                <a16:creationId xmlns:a16="http://schemas.microsoft.com/office/drawing/2014/main" id="{063D0E8E-9491-4AF0-918D-A0B782C5FD68}"/>
+                <a16:creationId xmlns:a16="http://schemas.microsoft.com/office/drawing/2014/main" xmlns="" id="{063D0E8E-9491-4AF0-918D-A0B782C5FD68}"/>
               </a:ext>
             </a:extLst>
           </p:cNvPr>
@@ -3871,7 +3871,7 @@
           <p:cNvPr id="12" name="Picture Placeholder 4">
             <a:extLst>
               <a:ext uri="{FF2B5EF4-FFF2-40B4-BE49-F238E27FC236}">
-                <a16:creationId xmlns:a16="http://schemas.microsoft.com/office/drawing/2014/main" id="{042F54CB-9200-4D74-968A-0A3E5871D9E5}"/>
+                <a16:creationId xmlns:a16="http://schemas.microsoft.com/office/drawing/2014/main" xmlns="" id="{042F54CB-9200-4D74-968A-0A3E5871D9E5}"/>
               </a:ext>
             </a:extLst>
           </p:cNvPr>
@@ -3907,7 +3907,7 @@
           <p:cNvPr id="13" name="Picture Placeholder 4">
             <a:extLst>
               <a:ext uri="{FF2B5EF4-FFF2-40B4-BE49-F238E27FC236}">
-                <a16:creationId xmlns:a16="http://schemas.microsoft.com/office/drawing/2014/main" id="{1D925119-27E3-496E-86BC-23416F94FB61}"/>
+                <a16:creationId xmlns:a16="http://schemas.microsoft.com/office/drawing/2014/main" xmlns="" id="{1D925119-27E3-496E-86BC-23416F94FB61}"/>
               </a:ext>
             </a:extLst>
           </p:cNvPr>
@@ -3943,10 +3943,10 @@
           <p:cNvPr id="4" name="Rectangle 3">
             <a:extLst>
               <a:ext uri="{FF2B5EF4-FFF2-40B4-BE49-F238E27FC236}">
-                <a16:creationId xmlns:a16="http://schemas.microsoft.com/office/drawing/2014/main" id="{9DF93AF7-D4DC-42B5-8A4F-B5F3ABBB031F}"/>
+                <a16:creationId xmlns:a16="http://schemas.microsoft.com/office/drawing/2014/main" xmlns="" id="{9DF93AF7-D4DC-42B5-8A4F-B5F3ABBB031F}"/>
               </a:ext>
               <a:ext uri="{C183D7F6-B498-43B3-948B-1728B52AA6E4}">
-                <adec:decorative xmlns:adec="http://schemas.microsoft.com/office/drawing/2017/decorative" val="1"/>
+                <adec:decorative xmlns:adec="http://schemas.microsoft.com/office/drawing/2017/decorative" xmlns="" val="1"/>
               </a:ext>
             </a:extLst>
           </p:cNvPr>
@@ -4013,7 +4013,7 @@
     </p:spTree>
     <p:extLst>
       <p:ext uri="{BB962C8B-B14F-4D97-AF65-F5344CB8AC3E}">
-        <p14:creationId xmlns:p14="http://schemas.microsoft.com/office/powerpoint/2010/main" val="1753968095"/>
+        <p14:creationId xmlns:p14="http://schemas.microsoft.com/office/powerpoint/2010/main" xmlns="" val="1753968095"/>
       </p:ext>
     </p:extLst>
   </p:cSld>
@@ -4022,7 +4022,7 @@
   </p:clrMapOvr>
   <p:extLst>
     <p:ext uri="{DCECCB84-F9BA-43D5-87BE-67443E8EF086}">
-      <p15:sldGuideLst xmlns:p15="http://schemas.microsoft.com/office/powerpoint/2012/main">
+      <p15:sldGuideLst xmlns:p15="http://schemas.microsoft.com/office/powerpoint/2012/main" xmlns="">
         <p15:guide id="1" orient="horz" pos="2160" userDrawn="1">
           <p15:clr>
             <a:srgbClr val="FBAE40"/>
@@ -4061,7 +4061,7 @@
           <p:cNvPr id="2" name="Title 1">
             <a:extLst>
               <a:ext uri="{FF2B5EF4-FFF2-40B4-BE49-F238E27FC236}">
-                <a16:creationId xmlns:a16="http://schemas.microsoft.com/office/drawing/2014/main" id="{53345D17-D652-4766-B11C-2E8D8390D957}"/>
+                <a16:creationId xmlns:a16="http://schemas.microsoft.com/office/drawing/2014/main" xmlns="" id="{53345D17-D652-4766-B11C-2E8D8390D957}"/>
               </a:ext>
             </a:extLst>
           </p:cNvPr>
@@ -4101,7 +4101,7 @@
           <p:cNvPr id="3" name="Footer Placeholder 2">
             <a:extLst>
               <a:ext uri="{FF2B5EF4-FFF2-40B4-BE49-F238E27FC236}">
-                <a16:creationId xmlns:a16="http://schemas.microsoft.com/office/drawing/2014/main" id="{6BC7A58C-70BA-43E5-BD90-83ADB63B0C00}"/>
+                <a16:creationId xmlns:a16="http://schemas.microsoft.com/office/drawing/2014/main" xmlns="" id="{6BC7A58C-70BA-43E5-BD90-83ADB63B0C00}"/>
               </a:ext>
             </a:extLst>
           </p:cNvPr>
@@ -4129,7 +4129,7 @@
           <p:cNvPr id="4" name="Slide Number Placeholder 3">
             <a:extLst>
               <a:ext uri="{FF2B5EF4-FFF2-40B4-BE49-F238E27FC236}">
-                <a16:creationId xmlns:a16="http://schemas.microsoft.com/office/drawing/2014/main" id="{0F8A60B7-2499-42C6-8A74-ACDAE245746D}"/>
+                <a16:creationId xmlns:a16="http://schemas.microsoft.com/office/drawing/2014/main" xmlns="" id="{0F8A60B7-2499-42C6-8A74-ACDAE245746D}"/>
               </a:ext>
             </a:extLst>
           </p:cNvPr>
@@ -4157,7 +4157,7 @@
     </p:spTree>
     <p:extLst>
       <p:ext uri="{BB962C8B-B14F-4D97-AF65-F5344CB8AC3E}">
-        <p14:creationId xmlns:p14="http://schemas.microsoft.com/office/powerpoint/2010/main" val="3452634009"/>
+        <p14:creationId xmlns:p14="http://schemas.microsoft.com/office/powerpoint/2010/main" xmlns="" val="3452634009"/>
       </p:ext>
     </p:extLst>
   </p:cSld>
@@ -4194,7 +4194,7 @@
           <p:cNvPr id="3" name="Picture Placeholder 2">
             <a:extLst>
               <a:ext uri="{FF2B5EF4-FFF2-40B4-BE49-F238E27FC236}">
-                <a16:creationId xmlns:a16="http://schemas.microsoft.com/office/drawing/2014/main" id="{DE635FD8-712D-4EE2-A5B6-3DD8DE9C25E9}"/>
+                <a16:creationId xmlns:a16="http://schemas.microsoft.com/office/drawing/2014/main" xmlns="" id="{DE635FD8-712D-4EE2-A5B6-3DD8DE9C25E9}"/>
               </a:ext>
             </a:extLst>
           </p:cNvPr>
@@ -4233,7 +4233,7 @@
           <p:cNvPr id="2" name="Title 1">
             <a:extLst>
               <a:ext uri="{FF2B5EF4-FFF2-40B4-BE49-F238E27FC236}">
-                <a16:creationId xmlns:a16="http://schemas.microsoft.com/office/drawing/2014/main" id="{4C179BAC-E989-4203-B9B4-66280365481B}"/>
+                <a16:creationId xmlns:a16="http://schemas.microsoft.com/office/drawing/2014/main" xmlns="" id="{4C179BAC-E989-4203-B9B4-66280365481B}"/>
               </a:ext>
             </a:extLst>
           </p:cNvPr>
@@ -4293,7 +4293,7 @@
           <p:cNvPr id="7" name="Text Placeholder 6">
             <a:extLst>
               <a:ext uri="{FF2B5EF4-FFF2-40B4-BE49-F238E27FC236}">
-                <a16:creationId xmlns:a16="http://schemas.microsoft.com/office/drawing/2014/main" id="{60CCC81E-A013-4315-AD13-97BA3AA95596}"/>
+                <a16:creationId xmlns:a16="http://schemas.microsoft.com/office/drawing/2014/main" xmlns="" id="{60CCC81E-A013-4315-AD13-97BA3AA95596}"/>
               </a:ext>
             </a:extLst>
           </p:cNvPr>
@@ -4332,7 +4332,7 @@
     </p:spTree>
     <p:extLst>
       <p:ext uri="{BB962C8B-B14F-4D97-AF65-F5344CB8AC3E}">
-        <p14:creationId xmlns:p14="http://schemas.microsoft.com/office/powerpoint/2010/main" val="79555376"/>
+        <p14:creationId xmlns:p14="http://schemas.microsoft.com/office/powerpoint/2010/main" xmlns="" val="79555376"/>
       </p:ext>
     </p:extLst>
   </p:cSld>
@@ -4364,7 +4364,7 @@
           <p:cNvPr id="17" name="Title 2">
             <a:extLst>
               <a:ext uri="{FF2B5EF4-FFF2-40B4-BE49-F238E27FC236}">
-                <a16:creationId xmlns:a16="http://schemas.microsoft.com/office/drawing/2014/main" id="{0EF11611-8537-47CC-87AC-2E25428B72BA}"/>
+                <a16:creationId xmlns:a16="http://schemas.microsoft.com/office/drawing/2014/main" xmlns="" id="{0EF11611-8537-47CC-87AC-2E25428B72BA}"/>
               </a:ext>
             </a:extLst>
           </p:cNvPr>
@@ -4401,7 +4401,7 @@
           <p:cNvPr id="19" name="Picture Placeholder 17">
             <a:extLst>
               <a:ext uri="{FF2B5EF4-FFF2-40B4-BE49-F238E27FC236}">
-                <a16:creationId xmlns:a16="http://schemas.microsoft.com/office/drawing/2014/main" id="{D1A63A52-1E65-414B-BBC3-D31F515791AC}"/>
+                <a16:creationId xmlns:a16="http://schemas.microsoft.com/office/drawing/2014/main" xmlns="" id="{D1A63A52-1E65-414B-BBC3-D31F515791AC}"/>
               </a:ext>
             </a:extLst>
           </p:cNvPr>
@@ -4437,7 +4437,7 @@
           <p:cNvPr id="18" name="Picture Placeholder 17">
             <a:extLst>
               <a:ext uri="{FF2B5EF4-FFF2-40B4-BE49-F238E27FC236}">
-                <a16:creationId xmlns:a16="http://schemas.microsoft.com/office/drawing/2014/main" id="{ED7E0E1A-1E64-4A9A-9C8B-69486BD1123B}"/>
+                <a16:creationId xmlns:a16="http://schemas.microsoft.com/office/drawing/2014/main" xmlns="" id="{ED7E0E1A-1E64-4A9A-9C8B-69486BD1123B}"/>
               </a:ext>
             </a:extLst>
           </p:cNvPr>
@@ -4473,7 +4473,7 @@
           <p:cNvPr id="10" name="Text Placeholder 3">
             <a:extLst>
               <a:ext uri="{FF2B5EF4-FFF2-40B4-BE49-F238E27FC236}">
-                <a16:creationId xmlns:a16="http://schemas.microsoft.com/office/drawing/2014/main" id="{1E462965-19D7-4A65-B394-9AE76A5B4805}"/>
+                <a16:creationId xmlns:a16="http://schemas.microsoft.com/office/drawing/2014/main" xmlns="" id="{1E462965-19D7-4A65-B394-9AE76A5B4805}"/>
               </a:ext>
             </a:extLst>
           </p:cNvPr>
@@ -4518,7 +4518,7 @@
           <p:cNvPr id="11" name="Content Placeholder 4">
             <a:extLst>
               <a:ext uri="{FF2B5EF4-FFF2-40B4-BE49-F238E27FC236}">
-                <a16:creationId xmlns:a16="http://schemas.microsoft.com/office/drawing/2014/main" id="{FAEC14D1-0BEA-4D9A-9D96-A56B6A9B07AC}"/>
+                <a16:creationId xmlns:a16="http://schemas.microsoft.com/office/drawing/2014/main" xmlns="" id="{FAEC14D1-0BEA-4D9A-9D96-A56B6A9B07AC}"/>
               </a:ext>
             </a:extLst>
           </p:cNvPr>
@@ -4564,7 +4564,7 @@
           <p:cNvPr id="12" name="Text Placeholder 5">
             <a:extLst>
               <a:ext uri="{FF2B5EF4-FFF2-40B4-BE49-F238E27FC236}">
-                <a16:creationId xmlns:a16="http://schemas.microsoft.com/office/drawing/2014/main" id="{1507BB47-1AB4-42F2-99FF-453A0622B815}"/>
+                <a16:creationId xmlns:a16="http://schemas.microsoft.com/office/drawing/2014/main" xmlns="" id="{1507BB47-1AB4-42F2-99FF-453A0622B815}"/>
               </a:ext>
             </a:extLst>
           </p:cNvPr>
@@ -4609,7 +4609,7 @@
           <p:cNvPr id="14" name="Content Placeholder 6">
             <a:extLst>
               <a:ext uri="{FF2B5EF4-FFF2-40B4-BE49-F238E27FC236}">
-                <a16:creationId xmlns:a16="http://schemas.microsoft.com/office/drawing/2014/main" id="{438D6EEA-A0DB-4B5F-8F41-A9C1F2C094C0}"/>
+                <a16:creationId xmlns:a16="http://schemas.microsoft.com/office/drawing/2014/main" xmlns="" id="{438D6EEA-A0DB-4B5F-8F41-A9C1F2C094C0}"/>
               </a:ext>
             </a:extLst>
           </p:cNvPr>
@@ -4655,7 +4655,7 @@
           <p:cNvPr id="20" name="Slide Number Placeholder 5">
             <a:extLst>
               <a:ext uri="{FF2B5EF4-FFF2-40B4-BE49-F238E27FC236}">
-                <a16:creationId xmlns:a16="http://schemas.microsoft.com/office/drawing/2014/main" id="{A4909F59-7529-454A-A1EF-3CC1EADEFC1F}"/>
+                <a16:creationId xmlns:a16="http://schemas.microsoft.com/office/drawing/2014/main" xmlns="" id="{A4909F59-7529-454A-A1EF-3CC1EADEFC1F}"/>
               </a:ext>
             </a:extLst>
           </p:cNvPr>
@@ -4690,7 +4690,7 @@
     </p:spTree>
     <p:extLst>
       <p:ext uri="{BB962C8B-B14F-4D97-AF65-F5344CB8AC3E}">
-        <p14:creationId xmlns:p14="http://schemas.microsoft.com/office/powerpoint/2010/main" val="1270834507"/>
+        <p14:creationId xmlns:p14="http://schemas.microsoft.com/office/powerpoint/2010/main" xmlns="" val="1270834507"/>
       </p:ext>
     </p:extLst>
   </p:cSld>
@@ -4722,7 +4722,7 @@
           <p:cNvPr id="22" name="Title 2">
             <a:extLst>
               <a:ext uri="{FF2B5EF4-FFF2-40B4-BE49-F238E27FC236}">
-                <a16:creationId xmlns:a16="http://schemas.microsoft.com/office/drawing/2014/main" id="{6186F91B-547E-43BC-9BCE-04619DAAFEC2}"/>
+                <a16:creationId xmlns:a16="http://schemas.microsoft.com/office/drawing/2014/main" xmlns="" id="{6186F91B-547E-43BC-9BCE-04619DAAFEC2}"/>
               </a:ext>
             </a:extLst>
           </p:cNvPr>
@@ -4759,7 +4759,7 @@
           <p:cNvPr id="28" name="Text Placeholder 27">
             <a:extLst>
               <a:ext uri="{FF2B5EF4-FFF2-40B4-BE49-F238E27FC236}">
-                <a16:creationId xmlns:a16="http://schemas.microsoft.com/office/drawing/2014/main" id="{D635DFA1-45D2-4EFE-8BB2-BE966346691E}"/>
+                <a16:creationId xmlns:a16="http://schemas.microsoft.com/office/drawing/2014/main" xmlns="" id="{D635DFA1-45D2-4EFE-8BB2-BE966346691E}"/>
               </a:ext>
             </a:extLst>
           </p:cNvPr>
@@ -4849,7 +4849,7 @@
           <p:cNvPr id="24" name="Picture Placeholder 23">
             <a:extLst>
               <a:ext uri="{FF2B5EF4-FFF2-40B4-BE49-F238E27FC236}">
-                <a16:creationId xmlns:a16="http://schemas.microsoft.com/office/drawing/2014/main" id="{2F2918FE-A84E-4303-AEF3-4FD66CDD733E}"/>
+                <a16:creationId xmlns:a16="http://schemas.microsoft.com/office/drawing/2014/main" xmlns="" id="{2F2918FE-A84E-4303-AEF3-4FD66CDD733E}"/>
               </a:ext>
             </a:extLst>
           </p:cNvPr>
@@ -4885,7 +4885,7 @@
           <p:cNvPr id="25" name="Picture Placeholder 23">
             <a:extLst>
               <a:ext uri="{FF2B5EF4-FFF2-40B4-BE49-F238E27FC236}">
-                <a16:creationId xmlns:a16="http://schemas.microsoft.com/office/drawing/2014/main" id="{E2401025-9BC9-4BDD-97DA-CA763CF846BB}"/>
+                <a16:creationId xmlns:a16="http://schemas.microsoft.com/office/drawing/2014/main" xmlns="" id="{E2401025-9BC9-4BDD-97DA-CA763CF846BB}"/>
               </a:ext>
             </a:extLst>
           </p:cNvPr>
@@ -4921,7 +4921,7 @@
           <p:cNvPr id="26" name="Picture Placeholder 23">
             <a:extLst>
               <a:ext uri="{FF2B5EF4-FFF2-40B4-BE49-F238E27FC236}">
-                <a16:creationId xmlns:a16="http://schemas.microsoft.com/office/drawing/2014/main" id="{B7C4AAB6-897A-4ABD-AD50-2D86B197E914}"/>
+                <a16:creationId xmlns:a16="http://schemas.microsoft.com/office/drawing/2014/main" xmlns="" id="{B7C4AAB6-897A-4ABD-AD50-2D86B197E914}"/>
               </a:ext>
             </a:extLst>
           </p:cNvPr>
@@ -4957,7 +4957,7 @@
           <p:cNvPr id="29" name="Text Placeholder 27">
             <a:extLst>
               <a:ext uri="{FF2B5EF4-FFF2-40B4-BE49-F238E27FC236}">
-                <a16:creationId xmlns:a16="http://schemas.microsoft.com/office/drawing/2014/main" id="{790D65EC-6EB4-4594-91E9-5C3DE7C3BA89}"/>
+                <a16:creationId xmlns:a16="http://schemas.microsoft.com/office/drawing/2014/main" xmlns="" id="{790D65EC-6EB4-4594-91E9-5C3DE7C3BA89}"/>
               </a:ext>
             </a:extLst>
           </p:cNvPr>
@@ -5047,7 +5047,7 @@
           <p:cNvPr id="30" name="Text Placeholder 27">
             <a:extLst>
               <a:ext uri="{FF2B5EF4-FFF2-40B4-BE49-F238E27FC236}">
-                <a16:creationId xmlns:a16="http://schemas.microsoft.com/office/drawing/2014/main" id="{611CF730-D055-47C2-A626-299F429D41B2}"/>
+                <a16:creationId xmlns:a16="http://schemas.microsoft.com/office/drawing/2014/main" xmlns="" id="{611CF730-D055-47C2-A626-299F429D41B2}"/>
               </a:ext>
             </a:extLst>
           </p:cNvPr>
@@ -5137,7 +5137,7 @@
           <p:cNvPr id="31" name="Slide Number Placeholder 5">
             <a:extLst>
               <a:ext uri="{FF2B5EF4-FFF2-40B4-BE49-F238E27FC236}">
-                <a16:creationId xmlns:a16="http://schemas.microsoft.com/office/drawing/2014/main" id="{F09E06A6-BFDD-42BD-BA69-2CD3BEF0F73D}"/>
+                <a16:creationId xmlns:a16="http://schemas.microsoft.com/office/drawing/2014/main" xmlns="" id="{F09E06A6-BFDD-42BD-BA69-2CD3BEF0F73D}"/>
               </a:ext>
             </a:extLst>
           </p:cNvPr>
@@ -5172,7 +5172,7 @@
     </p:spTree>
     <p:extLst>
       <p:ext uri="{BB962C8B-B14F-4D97-AF65-F5344CB8AC3E}">
-        <p14:creationId xmlns:p14="http://schemas.microsoft.com/office/powerpoint/2010/main" val="4145592085"/>
+        <p14:creationId xmlns:p14="http://schemas.microsoft.com/office/powerpoint/2010/main" xmlns="" val="4145592085"/>
       </p:ext>
     </p:extLst>
   </p:cSld>
@@ -5209,7 +5209,7 @@
           <p:cNvPr id="2" name="Title Placeholder 1">
             <a:extLst>
               <a:ext uri="{FF2B5EF4-FFF2-40B4-BE49-F238E27FC236}">
-                <a16:creationId xmlns:a16="http://schemas.microsoft.com/office/drawing/2014/main" id="{9305F96C-D634-4A69-95EC-3D002BD68752}"/>
+                <a16:creationId xmlns:a16="http://schemas.microsoft.com/office/drawing/2014/main" xmlns="" id="{9305F96C-D634-4A69-95EC-3D002BD68752}"/>
               </a:ext>
             </a:extLst>
           </p:cNvPr>
@@ -5248,7 +5248,7 @@
           <p:cNvPr id="3" name="Text Placeholder 2">
             <a:extLst>
               <a:ext uri="{FF2B5EF4-FFF2-40B4-BE49-F238E27FC236}">
-                <a16:creationId xmlns:a16="http://schemas.microsoft.com/office/drawing/2014/main" id="{37757E98-D0FB-43E3-98BC-711F6A2F5372}"/>
+                <a16:creationId xmlns:a16="http://schemas.microsoft.com/office/drawing/2014/main" xmlns="" id="{37757E98-D0FB-43E3-98BC-711F6A2F5372}"/>
               </a:ext>
             </a:extLst>
           </p:cNvPr>
@@ -5316,7 +5316,7 @@
           <p:cNvPr id="5" name="Footer Placeholder 4">
             <a:extLst>
               <a:ext uri="{FF2B5EF4-FFF2-40B4-BE49-F238E27FC236}">
-                <a16:creationId xmlns:a16="http://schemas.microsoft.com/office/drawing/2014/main" id="{BFA65B72-2E86-4BA3-94F2-3ADFA40B7AEE}"/>
+                <a16:creationId xmlns:a16="http://schemas.microsoft.com/office/drawing/2014/main" xmlns="" id="{BFA65B72-2E86-4BA3-94F2-3ADFA40B7AEE}"/>
               </a:ext>
             </a:extLst>
           </p:cNvPr>
@@ -5362,7 +5362,7 @@
           <p:cNvPr id="6" name="Slide Number Placeholder 5">
             <a:extLst>
               <a:ext uri="{FF2B5EF4-FFF2-40B4-BE49-F238E27FC236}">
-                <a16:creationId xmlns:a16="http://schemas.microsoft.com/office/drawing/2014/main" id="{73C1F3FD-3DB9-46B7-85E1-E8B8878A4012}"/>
+                <a16:creationId xmlns:a16="http://schemas.microsoft.com/office/drawing/2014/main" xmlns="" id="{73C1F3FD-3DB9-46B7-85E1-E8B8878A4012}"/>
               </a:ext>
             </a:extLst>
           </p:cNvPr>
@@ -5408,7 +5408,7 @@
     </p:spTree>
     <p:extLst>
       <p:ext uri="{BB962C8B-B14F-4D97-AF65-F5344CB8AC3E}">
-        <p14:creationId xmlns:p14="http://schemas.microsoft.com/office/powerpoint/2010/main" val="692820"/>
+        <p14:creationId xmlns:p14="http://schemas.microsoft.com/office/powerpoint/2010/main" xmlns="" val="692820"/>
       </p:ext>
     </p:extLst>
   </p:cSld>
@@ -5740,7 +5740,7 @@
           <p:cNvPr id="8" name="Picture Placeholder 7" descr="abstract image">
             <a:extLst>
               <a:ext uri="{FF2B5EF4-FFF2-40B4-BE49-F238E27FC236}">
-                <a16:creationId xmlns:a16="http://schemas.microsoft.com/office/drawing/2014/main" id="{9AB29DBC-55D3-49D9-BB44-4936739C4B57}"/>
+                <a16:creationId xmlns:a16="http://schemas.microsoft.com/office/drawing/2014/main" xmlns="" id="{9AB29DBC-55D3-49D9-BB44-4936739C4B57}"/>
               </a:ext>
             </a:extLst>
           </p:cNvPr>
@@ -5756,7 +5756,7 @@
             <a:alphaModFix amt="52000"/>
             <a:extLst>
               <a:ext uri="{BEBA8EAE-BF5A-486C-A8C5-ECC9F3942E4B}">
-                <a14:imgProps xmlns:a14="http://schemas.microsoft.com/office/drawing/2010/main">
+                <a14:imgProps xmlns:a14="http://schemas.microsoft.com/office/drawing/2010/main" xmlns="">
                   <a14:imgLayer r:embed="rId3">
                     <a14:imgEffect>
                       <a14:saturation sat="0"/>
@@ -5776,7 +5776,7 @@
           <p:cNvPr id="9" name="Title 8">
             <a:extLst>
               <a:ext uri="{FF2B5EF4-FFF2-40B4-BE49-F238E27FC236}">
-                <a16:creationId xmlns:a16="http://schemas.microsoft.com/office/drawing/2014/main" id="{79DC1498-E692-42BA-B69F-6D37E6CFACA0}"/>
+                <a16:creationId xmlns:a16="http://schemas.microsoft.com/office/drawing/2014/main" xmlns="" id="{79DC1498-E692-42BA-B69F-6D37E6CFACA0}"/>
               </a:ext>
             </a:extLst>
           </p:cNvPr>
@@ -5809,7 +5809,7 @@
           <p:cNvPr id="7" name="Text Placeholder 6">
             <a:extLst>
               <a:ext uri="{FF2B5EF4-FFF2-40B4-BE49-F238E27FC236}">
-                <a16:creationId xmlns:a16="http://schemas.microsoft.com/office/drawing/2014/main" id="{5D865526-EC39-4780-A2A8-274A80A5C19B}"/>
+                <a16:creationId xmlns:a16="http://schemas.microsoft.com/office/drawing/2014/main" xmlns="" id="{5D865526-EC39-4780-A2A8-274A80A5C19B}"/>
               </a:ext>
             </a:extLst>
           </p:cNvPr>
@@ -5840,7 +5840,7 @@
     </p:spTree>
     <p:extLst>
       <p:ext uri="{BB962C8B-B14F-4D97-AF65-F5344CB8AC3E}">
-        <p14:creationId xmlns:p14="http://schemas.microsoft.com/office/powerpoint/2010/main" val="3927832306"/>
+        <p14:creationId xmlns:p14="http://schemas.microsoft.com/office/powerpoint/2010/main" xmlns="" val="3927832306"/>
       </p:ext>
     </p:extLst>
   </p:cSld>
@@ -5872,7 +5872,7 @@
           <p:cNvPr id="3" name="Title 2">
             <a:extLst>
               <a:ext uri="{FF2B5EF4-FFF2-40B4-BE49-F238E27FC236}">
-                <a16:creationId xmlns:a16="http://schemas.microsoft.com/office/drawing/2014/main" id="{1D24B42B-925B-494C-A986-BD85E8117E1E}"/>
+                <a16:creationId xmlns:a16="http://schemas.microsoft.com/office/drawing/2014/main" xmlns="" id="{1D24B42B-925B-494C-A986-BD85E8117E1E}"/>
               </a:ext>
             </a:extLst>
           </p:cNvPr>
@@ -5907,7 +5907,7 @@
           <p:cNvPr id="13" name="Picture Placeholder 12" descr="close up of computer on top of table against a brick wall">
             <a:extLst>
               <a:ext uri="{FF2B5EF4-FFF2-40B4-BE49-F238E27FC236}">
-                <a16:creationId xmlns:a16="http://schemas.microsoft.com/office/drawing/2014/main" id="{90BB9493-60B4-4B89-89CE-E1F8BF6C4D12}"/>
+                <a16:creationId xmlns:a16="http://schemas.microsoft.com/office/drawing/2014/main" xmlns="" id="{90BB9493-60B4-4B89-89CE-E1F8BF6C4D12}"/>
               </a:ext>
             </a:extLst>
           </p:cNvPr>
@@ -5922,7 +5922,7 @@
           <a:blip r:embed="rId2" cstate="email">
             <a:extLst>
               <a:ext uri="{BEBA8EAE-BF5A-486C-A8C5-ECC9F3942E4B}">
-                <a14:imgProps xmlns:a14="http://schemas.microsoft.com/office/drawing/2010/main">
+                <a14:imgProps xmlns:a14="http://schemas.microsoft.com/office/drawing/2010/main" xmlns="">
                   <a14:imgLayer r:embed="rId3">
                     <a14:imgEffect>
                       <a14:saturation sat="0"/>
@@ -5931,7 +5931,7 @@
                 </a14:imgProps>
               </a:ext>
               <a:ext uri="{28A0092B-C50C-407E-A947-70E740481C1C}">
-                <a14:useLocalDpi xmlns:a14="http://schemas.microsoft.com/office/drawing/2010/main"/>
+                <a14:useLocalDpi xmlns:a14="http://schemas.microsoft.com/office/drawing/2010/main" xmlns=""/>
               </a:ext>
             </a:extLst>
           </a:blip>
@@ -5945,7 +5945,7 @@
           <p:cNvPr id="5" name="Text Placeholder 4">
             <a:extLst>
               <a:ext uri="{FF2B5EF4-FFF2-40B4-BE49-F238E27FC236}">
-                <a16:creationId xmlns:a16="http://schemas.microsoft.com/office/drawing/2014/main" id="{AF9B872F-6332-408E-9135-B871F0C90C00}"/>
+                <a16:creationId xmlns:a16="http://schemas.microsoft.com/office/drawing/2014/main" xmlns="" id="{AF9B872F-6332-408E-9135-B871F0C90C00}"/>
               </a:ext>
             </a:extLst>
           </p:cNvPr>
@@ -6024,8 +6024,24 @@
             <a:pPr algn="l"/>
             <a:r>
               <a:rPr lang="en-US" sz="1200" cap="none" spc="0" dirty="0"/>
-              <a:t>	- Keep long term data in a cloud or off-site server database with a data 	storage model allowing for frequent input of data but infrequent querying of 	that data (AWS)</a:t>
-            </a:r>
+              <a:t>	- Keep long term data in a cloud or off-site server database with a data 	storage model allowing for frequent input of data but infrequent querying of 	that data (AWS</a:t>
+            </a:r>
+            <a:r>
+              <a:rPr lang="en-US" sz="1200" cap="none" spc="0" dirty="0" smtClean="0"/>
+              <a:t>)</a:t>
+            </a:r>
+          </a:p>
+          <a:p>
+            <a:pPr algn="l"/>
+            <a:r>
+              <a:rPr lang="en-US" sz="1200" cap="none" spc="0" dirty="0" smtClean="0"/>
+              <a:t>	- Rolling out special opportunities and events for customers in the rewards </a:t>
+            </a:r>
+            <a:r>
+              <a:rPr lang="en-US" sz="1200" cap="none" spc="0" dirty="0" smtClean="0"/>
+              <a:t>	program</a:t>
+            </a:r>
+            <a:endParaRPr lang="en-US" sz="1200" cap="none" spc="0" dirty="0"/>
           </a:p>
           <a:p>
             <a:pPr algn="l"/>
@@ -6038,7 +6054,7 @@
           <p:cNvPr id="2" name="Slide Number Placeholder 1">
             <a:extLst>
               <a:ext uri="{FF2B5EF4-FFF2-40B4-BE49-F238E27FC236}">
-                <a16:creationId xmlns:a16="http://schemas.microsoft.com/office/drawing/2014/main" id="{948DD8A0-BD53-4DBF-949B-0D64D12DADA9}"/>
+                <a16:creationId xmlns:a16="http://schemas.microsoft.com/office/drawing/2014/main" xmlns="" id="{948DD8A0-BD53-4DBF-949B-0D64D12DADA9}"/>
               </a:ext>
             </a:extLst>
           </p:cNvPr>
@@ -6066,7 +6082,7 @@
     </p:spTree>
     <p:extLst>
       <p:ext uri="{BB962C8B-B14F-4D97-AF65-F5344CB8AC3E}">
-        <p14:creationId xmlns:p14="http://schemas.microsoft.com/office/powerpoint/2010/main" val="2692241771"/>
+        <p14:creationId xmlns:p14="http://schemas.microsoft.com/office/powerpoint/2010/main" xmlns="" val="2692241771"/>
       </p:ext>
     </p:extLst>
   </p:cSld>
@@ -6098,7 +6114,7 @@
           <p:cNvPr id="3" name="Title 2">
             <a:extLst>
               <a:ext uri="{FF2B5EF4-FFF2-40B4-BE49-F238E27FC236}">
-                <a16:creationId xmlns:a16="http://schemas.microsoft.com/office/drawing/2014/main" id="{1D24B42B-925B-494C-A986-BD85E8117E1E}"/>
+                <a16:creationId xmlns:a16="http://schemas.microsoft.com/office/drawing/2014/main" xmlns="" id="{1D24B42B-925B-494C-A986-BD85E8117E1E}"/>
               </a:ext>
             </a:extLst>
           </p:cNvPr>
@@ -6133,7 +6149,7 @@
           <p:cNvPr id="13" name="Picture Placeholder 12" descr="close up of computer on top of table against a brick wall">
             <a:extLst>
               <a:ext uri="{FF2B5EF4-FFF2-40B4-BE49-F238E27FC236}">
-                <a16:creationId xmlns:a16="http://schemas.microsoft.com/office/drawing/2014/main" id="{90BB9493-60B4-4B89-89CE-E1F8BF6C4D12}"/>
+                <a16:creationId xmlns:a16="http://schemas.microsoft.com/office/drawing/2014/main" xmlns="" id="{90BB9493-60B4-4B89-89CE-E1F8BF6C4D12}"/>
               </a:ext>
             </a:extLst>
           </p:cNvPr>
@@ -6148,7 +6164,7 @@
           <a:blip r:embed="rId2" cstate="email">
             <a:extLst>
               <a:ext uri="{BEBA8EAE-BF5A-486C-A8C5-ECC9F3942E4B}">
-                <a14:imgProps xmlns:a14="http://schemas.microsoft.com/office/drawing/2010/main">
+                <a14:imgProps xmlns:a14="http://schemas.microsoft.com/office/drawing/2010/main" xmlns="">
                   <a14:imgLayer r:embed="rId3">
                     <a14:imgEffect>
                       <a14:saturation sat="0"/>
@@ -6157,7 +6173,7 @@
                 </a14:imgProps>
               </a:ext>
               <a:ext uri="{28A0092B-C50C-407E-A947-70E740481C1C}">
-                <a14:useLocalDpi xmlns:a14="http://schemas.microsoft.com/office/drawing/2010/main"/>
+                <a14:useLocalDpi xmlns:a14="http://schemas.microsoft.com/office/drawing/2010/main" xmlns=""/>
               </a:ext>
             </a:extLst>
           </a:blip>
@@ -6171,7 +6187,7 @@
           <p:cNvPr id="5" name="Text Placeholder 4">
             <a:extLst>
               <a:ext uri="{FF2B5EF4-FFF2-40B4-BE49-F238E27FC236}">
-                <a16:creationId xmlns:a16="http://schemas.microsoft.com/office/drawing/2014/main" id="{AF9B872F-6332-408E-9135-B871F0C90C00}"/>
+                <a16:creationId xmlns:a16="http://schemas.microsoft.com/office/drawing/2014/main" xmlns="" id="{AF9B872F-6332-408E-9135-B871F0C90C00}"/>
               </a:ext>
             </a:extLst>
           </p:cNvPr>
@@ -6226,7 +6242,30 @@
             <a:pPr algn="l"/>
             <a:r>
               <a:rPr lang="en-US" sz="1200" cap="none" spc="0" dirty="0"/>
-              <a:t>	- Waiter can view orders, view tables, time stamp for orders, alter bill, view 	menu</a:t>
+              <a:t>	- Waiter can view orders, view tables, time stamp for orders, alter bill, view 	</a:t>
+            </a:r>
+            <a:r>
+              <a:rPr lang="en-US" sz="1200" cap="none" spc="0" dirty="0" smtClean="0"/>
+              <a:t>menu</a:t>
+            </a:r>
+          </a:p>
+          <a:p>
+            <a:pPr algn="l"/>
+            <a:r>
+              <a:rPr lang="en-US" sz="1200" cap="none" spc="0" dirty="0" smtClean="0"/>
+              <a:t>	- Waiter can add to order, print </a:t>
+            </a:r>
+            <a:r>
+              <a:rPr lang="en-US" sz="1200" cap="none" spc="0" dirty="0" smtClean="0"/>
+              <a:t>check</a:t>
+            </a:r>
+            <a:endParaRPr lang="en-US" sz="1200" cap="none" spc="0" dirty="0" smtClean="0"/>
+          </a:p>
+          <a:p>
+            <a:pPr algn="l"/>
+            <a:r>
+              <a:rPr lang="en-US" sz="1200" cap="none" spc="0" dirty="0" smtClean="0"/>
+              <a:t>	- User can login with username and password</a:t>
             </a:r>
             <a:endParaRPr lang="en-US" sz="1800" cap="none" spc="0" dirty="0"/>
           </a:p>
@@ -6237,8 +6276,40 @@
             </a:pPr>
             <a:r>
               <a:rPr lang="en-US" sz="1200" spc="0" dirty="0"/>
-              <a:t>        Should:</a:t>
-            </a:r>
+              <a:t>        Should</a:t>
+            </a:r>
+            <a:r>
+              <a:rPr lang="en-US" sz="1200" spc="0" dirty="0" smtClean="0"/>
+              <a:t>:</a:t>
+            </a:r>
+          </a:p>
+          <a:p>
+            <a:pPr algn="l"/>
+            <a:r>
+              <a:rPr lang="en-US" sz="1200" spc="0" dirty="0" smtClean="0"/>
+              <a:t>	</a:t>
+            </a:r>
+            <a:r>
+              <a:rPr lang="en-US" sz="1200" spc="0" dirty="0" smtClean="0"/>
+              <a:t>- </a:t>
+            </a:r>
+            <a:r>
+              <a:rPr lang="en-US" sz="1200" cap="none" spc="0" dirty="0" smtClean="0"/>
+              <a:t>Host </a:t>
+            </a:r>
+            <a:r>
+              <a:rPr lang="en-US" sz="1200" cap="none" spc="0" dirty="0" smtClean="0"/>
+              <a:t>staff can manually mark tables as: a) Open for seating.  b) </a:t>
+            </a:r>
+            <a:r>
+              <a:rPr lang="en-US" sz="1200" cap="none" spc="0" dirty="0" smtClean="0"/>
+              <a:t>	Seated</a:t>
+            </a:r>
+            <a:r>
+              <a:rPr lang="en-US" sz="1200" cap="none" spc="0" dirty="0" smtClean="0"/>
+              <a:t>.  c) Need bussing.</a:t>
+            </a:r>
+            <a:endParaRPr lang="en-US" sz="1200" cap="none" spc="0" dirty="0"/>
           </a:p>
           <a:p>
             <a:pPr algn="l"/>
@@ -6256,7 +6327,7 @@
           <p:cNvPr id="2" name="Slide Number Placeholder 1">
             <a:extLst>
               <a:ext uri="{FF2B5EF4-FFF2-40B4-BE49-F238E27FC236}">
-                <a16:creationId xmlns:a16="http://schemas.microsoft.com/office/drawing/2014/main" id="{948DD8A0-BD53-4DBF-949B-0D64D12DADA9}"/>
+                <a16:creationId xmlns:a16="http://schemas.microsoft.com/office/drawing/2014/main" xmlns="" id="{948DD8A0-BD53-4DBF-949B-0D64D12DADA9}"/>
               </a:ext>
             </a:extLst>
           </p:cNvPr>
@@ -6284,7 +6355,7 @@
     </p:spTree>
     <p:extLst>
       <p:ext uri="{BB962C8B-B14F-4D97-AF65-F5344CB8AC3E}">
-        <p14:creationId xmlns:p14="http://schemas.microsoft.com/office/powerpoint/2010/main" val="3164405530"/>
+        <p14:creationId xmlns:p14="http://schemas.microsoft.com/office/powerpoint/2010/main" xmlns="" val="3164405530"/>
       </p:ext>
     </p:extLst>
   </p:cSld>
@@ -6316,7 +6387,7 @@
           <p:cNvPr id="3" name="Title 2">
             <a:extLst>
               <a:ext uri="{FF2B5EF4-FFF2-40B4-BE49-F238E27FC236}">
-                <a16:creationId xmlns:a16="http://schemas.microsoft.com/office/drawing/2014/main" id="{1D24B42B-925B-494C-A986-BD85E8117E1E}"/>
+                <a16:creationId xmlns:a16="http://schemas.microsoft.com/office/drawing/2014/main" xmlns="" id="{1D24B42B-925B-494C-A986-BD85E8117E1E}"/>
               </a:ext>
             </a:extLst>
           </p:cNvPr>
@@ -6351,7 +6422,7 @@
           <p:cNvPr id="13" name="Picture Placeholder 12" descr="close up of computer on top of table against a brick wall">
             <a:extLst>
               <a:ext uri="{FF2B5EF4-FFF2-40B4-BE49-F238E27FC236}">
-                <a16:creationId xmlns:a16="http://schemas.microsoft.com/office/drawing/2014/main" id="{90BB9493-60B4-4B89-89CE-E1F8BF6C4D12}"/>
+                <a16:creationId xmlns:a16="http://schemas.microsoft.com/office/drawing/2014/main" xmlns="" id="{90BB9493-60B4-4B89-89CE-E1F8BF6C4D12}"/>
               </a:ext>
             </a:extLst>
           </p:cNvPr>
@@ -6366,7 +6437,7 @@
           <a:blip r:embed="rId2" cstate="email">
             <a:extLst>
               <a:ext uri="{BEBA8EAE-BF5A-486C-A8C5-ECC9F3942E4B}">
-                <a14:imgProps xmlns:a14="http://schemas.microsoft.com/office/drawing/2010/main">
+                <a14:imgProps xmlns:a14="http://schemas.microsoft.com/office/drawing/2010/main" xmlns="">
                   <a14:imgLayer r:embed="rId3">
                     <a14:imgEffect>
                       <a14:saturation sat="0"/>
@@ -6375,7 +6446,7 @@
                 </a14:imgProps>
               </a:ext>
               <a:ext uri="{28A0092B-C50C-407E-A947-70E740481C1C}">
-                <a14:useLocalDpi xmlns:a14="http://schemas.microsoft.com/office/drawing/2010/main"/>
+                <a14:useLocalDpi xmlns:a14="http://schemas.microsoft.com/office/drawing/2010/main" xmlns=""/>
               </a:ext>
             </a:extLst>
           </a:blip>
@@ -6389,7 +6460,7 @@
           <p:cNvPr id="5" name="Text Placeholder 4">
             <a:extLst>
               <a:ext uri="{FF2B5EF4-FFF2-40B4-BE49-F238E27FC236}">
-                <a16:creationId xmlns:a16="http://schemas.microsoft.com/office/drawing/2014/main" id="{AF9B872F-6332-408E-9135-B871F0C90C00}"/>
+                <a16:creationId xmlns:a16="http://schemas.microsoft.com/office/drawing/2014/main" xmlns="" id="{AF9B872F-6332-408E-9135-B871F0C90C00}"/>
               </a:ext>
             </a:extLst>
           </p:cNvPr>
@@ -6436,13 +6507,25 @@
               <a:rPr lang="en-US" sz="1200" spc="0" dirty="0">
                 <a:cs typeface="Arial" panose="020B0604020202020204" pitchFamily="34" charset="0"/>
               </a:rPr>
-              <a:t>	-</a:t>
+              <a:t>	</a:t>
+            </a:r>
+            <a:r>
+              <a:rPr lang="en-US" sz="1200" spc="0" dirty="0" smtClean="0">
+                <a:cs typeface="Arial" panose="020B0604020202020204" pitchFamily="34" charset="0"/>
+              </a:rPr>
+              <a:t>- </a:t>
+            </a:r>
+            <a:r>
+              <a:rPr lang="en-US" sz="1200" cap="none" spc="0" dirty="0" smtClean="0">
+                <a:cs typeface="Arial" panose="020B0604020202020204" pitchFamily="34" charset="0"/>
+              </a:rPr>
+              <a:t>Display </a:t>
             </a:r>
             <a:r>
               <a:rPr lang="en-US" sz="1200" cap="none" spc="0" dirty="0">
                 <a:cs typeface="Arial" panose="020B0604020202020204" pitchFamily="34" charset="0"/>
               </a:rPr>
-              <a:t>Display menu when requested</a:t>
+              <a:t>menu when requested</a:t>
             </a:r>
           </a:p>
           <a:p>
@@ -6451,16 +6534,40 @@
               <a:rPr lang="en-US" sz="1200" cap="none" spc="0" dirty="0">
                 <a:cs typeface="Arial" panose="020B0604020202020204" pitchFamily="34" charset="0"/>
               </a:rPr>
-              <a:t>	-Display orders, bill, wait times,  and time stamps when requested</a:t>
-            </a:r>
-          </a:p>
-          <a:p>
-            <a:pPr algn="l"/>
+              <a:t>	</a:t>
+            </a:r>
+            <a:r>
+              <a:rPr lang="en-US" sz="1200" cap="none" spc="0" dirty="0" smtClean="0">
+                <a:cs typeface="Arial" panose="020B0604020202020204" pitchFamily="34" charset="0"/>
+              </a:rPr>
+              <a:t>- Display </a:t>
+            </a:r>
             <a:r>
               <a:rPr lang="en-US" sz="1200" cap="none" spc="0" dirty="0">
                 <a:cs typeface="Arial" panose="020B0604020202020204" pitchFamily="34" charset="0"/>
               </a:rPr>
-              <a:t>	-Allow user to login  when successfully entering in user and password</a:t>
+              <a:t>orders, bill, wait times,  and time stamps when requested</a:t>
+            </a:r>
+          </a:p>
+          <a:p>
+            <a:pPr algn="l"/>
+            <a:r>
+              <a:rPr lang="en-US" sz="1200" cap="none" spc="0" dirty="0">
+                <a:cs typeface="Arial" panose="020B0604020202020204" pitchFamily="34" charset="0"/>
+              </a:rPr>
+              <a:t>	</a:t>
+            </a:r>
+            <a:r>
+              <a:rPr lang="en-US" sz="1200" cap="none" spc="0" dirty="0" smtClean="0">
+                <a:cs typeface="Arial" panose="020B0604020202020204" pitchFamily="34" charset="0"/>
+              </a:rPr>
+              <a:t>- Allow </a:t>
+            </a:r>
+            <a:r>
+              <a:rPr lang="en-US" sz="1200" cap="none" spc="0" dirty="0">
+                <a:cs typeface="Arial" panose="020B0604020202020204" pitchFamily="34" charset="0"/>
+              </a:rPr>
+              <a:t>user to login  when successfully entering in user and password</a:t>
             </a:r>
             <a:endParaRPr lang="en-US" sz="1200" spc="0" dirty="0">
               <a:cs typeface="Arial" panose="020B0604020202020204" pitchFamily="34" charset="0"/>
@@ -6484,13 +6591,25 @@
               <a:rPr lang="en-US" sz="1200" spc="0" dirty="0">
                 <a:cs typeface="Arial" panose="020B0604020202020204" pitchFamily="34" charset="0"/>
               </a:rPr>
-              <a:t>	-</a:t>
+              <a:t>	</a:t>
+            </a:r>
+            <a:r>
+              <a:rPr lang="en-US" sz="1200" spc="0" dirty="0" smtClean="0">
+                <a:cs typeface="Arial" panose="020B0604020202020204" pitchFamily="34" charset="0"/>
+              </a:rPr>
+              <a:t>- </a:t>
+            </a:r>
+            <a:r>
+              <a:rPr lang="en-US" sz="1200" cap="none" spc="0" dirty="0" smtClean="0">
+                <a:cs typeface="Arial" panose="020B0604020202020204" pitchFamily="34" charset="0"/>
+              </a:rPr>
+              <a:t>Use </a:t>
             </a:r>
             <a:r>
               <a:rPr lang="en-US" sz="1200" cap="none" spc="0" dirty="0">
                 <a:cs typeface="Arial" panose="020B0604020202020204" pitchFamily="34" charset="0"/>
               </a:rPr>
-              <a:t>Use 2fa for manager login to secure admin privileges (two factor 	authentication)</a:t>
+              <a:t>2fa for manager login to secure admin privileges (two factor 	authentication)</a:t>
             </a:r>
           </a:p>
           <a:p>
@@ -6499,7 +6618,19 @@
               <a:rPr lang="en-US" sz="1200" cap="none" spc="0" dirty="0">
                 <a:cs typeface="Arial" panose="020B0604020202020204" pitchFamily="34" charset="0"/>
               </a:rPr>
-              <a:t>	-Keep track of volume over time to create a predictive model for future use</a:t>
+              <a:t>	</a:t>
+            </a:r>
+            <a:r>
+              <a:rPr lang="en-US" sz="1200" cap="none" spc="0" dirty="0" smtClean="0">
+                <a:cs typeface="Arial" panose="020B0604020202020204" pitchFamily="34" charset="0"/>
+              </a:rPr>
+              <a:t>- Keep </a:t>
+            </a:r>
+            <a:r>
+              <a:rPr lang="en-US" sz="1200" cap="none" spc="0" dirty="0">
+                <a:cs typeface="Arial" panose="020B0604020202020204" pitchFamily="34" charset="0"/>
+              </a:rPr>
+              <a:t>track of volume over time to create a predictive model for future use</a:t>
             </a:r>
           </a:p>
           <a:p>
@@ -6529,13 +6660,25 @@
               <a:rPr lang="en-US" sz="1200" spc="0" dirty="0">
                 <a:cs typeface="Arial" panose="020B0604020202020204" pitchFamily="34" charset="0"/>
               </a:rPr>
-              <a:t>	-</a:t>
+              <a:t>	</a:t>
+            </a:r>
+            <a:r>
+              <a:rPr lang="en-US" sz="1200" spc="0" dirty="0" smtClean="0">
+                <a:cs typeface="Arial" panose="020B0604020202020204" pitchFamily="34" charset="0"/>
+              </a:rPr>
+              <a:t>- </a:t>
+            </a:r>
+            <a:r>
+              <a:rPr lang="en-US" sz="1200" cap="none" spc="0" dirty="0" smtClean="0">
+                <a:cs typeface="Arial" panose="020B0604020202020204" pitchFamily="34" charset="0"/>
+              </a:rPr>
+              <a:t>Customer </a:t>
             </a:r>
             <a:r>
               <a:rPr lang="en-US" sz="1200" cap="none" spc="0" dirty="0">
                 <a:cs typeface="Arial" panose="020B0604020202020204" pitchFamily="34" charset="0"/>
               </a:rPr>
-              <a:t>Customer rewards program</a:t>
+              <a:t>rewards program</a:t>
             </a:r>
           </a:p>
           <a:p>
@@ -6554,7 +6697,7 @@
           <p:cNvPr id="2" name="Slide Number Placeholder 1">
             <a:extLst>
               <a:ext uri="{FF2B5EF4-FFF2-40B4-BE49-F238E27FC236}">
-                <a16:creationId xmlns:a16="http://schemas.microsoft.com/office/drawing/2014/main" id="{948DD8A0-BD53-4DBF-949B-0D64D12DADA9}"/>
+                <a16:creationId xmlns:a16="http://schemas.microsoft.com/office/drawing/2014/main" xmlns="" id="{948DD8A0-BD53-4DBF-949B-0D64D12DADA9}"/>
               </a:ext>
             </a:extLst>
           </p:cNvPr>
@@ -6582,7 +6725,7 @@
     </p:spTree>
     <p:extLst>
       <p:ext uri="{BB962C8B-B14F-4D97-AF65-F5344CB8AC3E}">
-        <p14:creationId xmlns:p14="http://schemas.microsoft.com/office/powerpoint/2010/main" val="257715524"/>
+        <p14:creationId xmlns:p14="http://schemas.microsoft.com/office/powerpoint/2010/main" xmlns="" val="257715524"/>
       </p:ext>
     </p:extLst>
   </p:cSld>
@@ -6614,7 +6757,7 @@
           <p:cNvPr id="3" name="Title 2">
             <a:extLst>
               <a:ext uri="{FF2B5EF4-FFF2-40B4-BE49-F238E27FC236}">
-                <a16:creationId xmlns:a16="http://schemas.microsoft.com/office/drawing/2014/main" id="{1D24B42B-925B-494C-A986-BD85E8117E1E}"/>
+                <a16:creationId xmlns:a16="http://schemas.microsoft.com/office/drawing/2014/main" xmlns="" id="{1D24B42B-925B-494C-A986-BD85E8117E1E}"/>
               </a:ext>
             </a:extLst>
           </p:cNvPr>
@@ -6649,7 +6792,7 @@
           <p:cNvPr id="13" name="Picture Placeholder 12" descr="close up of computer on top of table against a brick wall">
             <a:extLst>
               <a:ext uri="{FF2B5EF4-FFF2-40B4-BE49-F238E27FC236}">
-                <a16:creationId xmlns:a16="http://schemas.microsoft.com/office/drawing/2014/main" id="{90BB9493-60B4-4B89-89CE-E1F8BF6C4D12}"/>
+                <a16:creationId xmlns:a16="http://schemas.microsoft.com/office/drawing/2014/main" xmlns="" id="{90BB9493-60B4-4B89-89CE-E1F8BF6C4D12}"/>
               </a:ext>
             </a:extLst>
           </p:cNvPr>
@@ -6664,7 +6807,7 @@
           <a:blip r:embed="rId2" cstate="email">
             <a:extLst>
               <a:ext uri="{BEBA8EAE-BF5A-486C-A8C5-ECC9F3942E4B}">
-                <a14:imgProps xmlns:a14="http://schemas.microsoft.com/office/drawing/2010/main">
+                <a14:imgProps xmlns:a14="http://schemas.microsoft.com/office/drawing/2010/main" xmlns="">
                   <a14:imgLayer r:embed="rId3">
                     <a14:imgEffect>
                       <a14:saturation sat="0"/>
@@ -6673,7 +6816,7 @@
                 </a14:imgProps>
               </a:ext>
               <a:ext uri="{28A0092B-C50C-407E-A947-70E740481C1C}">
-                <a14:useLocalDpi xmlns:a14="http://schemas.microsoft.com/office/drawing/2010/main"/>
+                <a14:useLocalDpi xmlns:a14="http://schemas.microsoft.com/office/drawing/2010/main" xmlns=""/>
               </a:ext>
             </a:extLst>
           </a:blip>
@@ -6687,7 +6830,7 @@
           <p:cNvPr id="5" name="Text Placeholder 4">
             <a:extLst>
               <a:ext uri="{FF2B5EF4-FFF2-40B4-BE49-F238E27FC236}">
-                <a16:creationId xmlns:a16="http://schemas.microsoft.com/office/drawing/2014/main" id="{AF9B872F-6332-408E-9135-B871F0C90C00}"/>
+                <a16:creationId xmlns:a16="http://schemas.microsoft.com/office/drawing/2014/main" xmlns="" id="{AF9B872F-6332-408E-9135-B871F0C90C00}"/>
               </a:ext>
             </a:extLst>
           </p:cNvPr>
@@ -6837,7 +6980,7 @@
           <p:cNvPr id="2" name="Slide Number Placeholder 1">
             <a:extLst>
               <a:ext uri="{FF2B5EF4-FFF2-40B4-BE49-F238E27FC236}">
-                <a16:creationId xmlns:a16="http://schemas.microsoft.com/office/drawing/2014/main" id="{948DD8A0-BD53-4DBF-949B-0D64D12DADA9}"/>
+                <a16:creationId xmlns:a16="http://schemas.microsoft.com/office/drawing/2014/main" xmlns="" id="{948DD8A0-BD53-4DBF-949B-0D64D12DADA9}"/>
               </a:ext>
             </a:extLst>
           </p:cNvPr>
@@ -6865,7 +7008,7 @@
     </p:spTree>
     <p:extLst>
       <p:ext uri="{BB962C8B-B14F-4D97-AF65-F5344CB8AC3E}">
-        <p14:creationId xmlns:p14="http://schemas.microsoft.com/office/powerpoint/2010/main" val="3800372191"/>
+        <p14:creationId xmlns:p14="http://schemas.microsoft.com/office/powerpoint/2010/main" xmlns="" val="3800372191"/>
       </p:ext>
     </p:extLst>
   </p:cSld>
@@ -6897,7 +7040,7 @@
           <p:cNvPr id="3" name="Title 2">
             <a:extLst>
               <a:ext uri="{FF2B5EF4-FFF2-40B4-BE49-F238E27FC236}">
-                <a16:creationId xmlns:a16="http://schemas.microsoft.com/office/drawing/2014/main" id="{1D24B42B-925B-494C-A986-BD85E8117E1E}"/>
+                <a16:creationId xmlns:a16="http://schemas.microsoft.com/office/drawing/2014/main" xmlns="" id="{1D24B42B-925B-494C-A986-BD85E8117E1E}"/>
               </a:ext>
             </a:extLst>
           </p:cNvPr>
@@ -6932,7 +7075,7 @@
           <p:cNvPr id="13" name="Picture Placeholder 12" descr="close up of computer on top of table against a brick wall">
             <a:extLst>
               <a:ext uri="{FF2B5EF4-FFF2-40B4-BE49-F238E27FC236}">
-                <a16:creationId xmlns:a16="http://schemas.microsoft.com/office/drawing/2014/main" id="{90BB9493-60B4-4B89-89CE-E1F8BF6C4D12}"/>
+                <a16:creationId xmlns:a16="http://schemas.microsoft.com/office/drawing/2014/main" xmlns="" id="{90BB9493-60B4-4B89-89CE-E1F8BF6C4D12}"/>
               </a:ext>
             </a:extLst>
           </p:cNvPr>
@@ -6947,7 +7090,7 @@
           <a:blip r:embed="rId2" cstate="email">
             <a:extLst>
               <a:ext uri="{BEBA8EAE-BF5A-486C-A8C5-ECC9F3942E4B}">
-                <a14:imgProps xmlns:a14="http://schemas.microsoft.com/office/drawing/2010/main">
+                <a14:imgProps xmlns:a14="http://schemas.microsoft.com/office/drawing/2010/main" xmlns="">
                   <a14:imgLayer r:embed="rId3">
                     <a14:imgEffect>
                       <a14:saturation sat="0"/>
@@ -6956,7 +7099,7 @@
                 </a14:imgProps>
               </a:ext>
               <a:ext uri="{28A0092B-C50C-407E-A947-70E740481C1C}">
-                <a14:useLocalDpi xmlns:a14="http://schemas.microsoft.com/office/drawing/2010/main"/>
+                <a14:useLocalDpi xmlns:a14="http://schemas.microsoft.com/office/drawing/2010/main" xmlns=""/>
               </a:ext>
             </a:extLst>
           </a:blip>
@@ -6970,7 +7113,7 @@
           <p:cNvPr id="5" name="Text Placeholder 4">
             <a:extLst>
               <a:ext uri="{FF2B5EF4-FFF2-40B4-BE49-F238E27FC236}">
-                <a16:creationId xmlns:a16="http://schemas.microsoft.com/office/drawing/2014/main" id="{AF9B872F-6332-408E-9135-B871F0C90C00}"/>
+                <a16:creationId xmlns:a16="http://schemas.microsoft.com/office/drawing/2014/main" xmlns="" id="{AF9B872F-6332-408E-9135-B871F0C90C00}"/>
               </a:ext>
             </a:extLst>
           </p:cNvPr>
@@ -7045,7 +7188,7 @@
           <p:cNvPr id="2" name="Slide Number Placeholder 1">
             <a:extLst>
               <a:ext uri="{FF2B5EF4-FFF2-40B4-BE49-F238E27FC236}">
-                <a16:creationId xmlns:a16="http://schemas.microsoft.com/office/drawing/2014/main" id="{948DD8A0-BD53-4DBF-949B-0D64D12DADA9}"/>
+                <a16:creationId xmlns:a16="http://schemas.microsoft.com/office/drawing/2014/main" xmlns="" id="{948DD8A0-BD53-4DBF-949B-0D64D12DADA9}"/>
               </a:ext>
             </a:extLst>
           </p:cNvPr>
@@ -7073,7 +7216,7 @@
     </p:spTree>
     <p:extLst>
       <p:ext uri="{BB962C8B-B14F-4D97-AF65-F5344CB8AC3E}">
-        <p14:creationId xmlns:p14="http://schemas.microsoft.com/office/powerpoint/2010/main" val="2280711133"/>
+        <p14:creationId xmlns:p14="http://schemas.microsoft.com/office/powerpoint/2010/main" xmlns="" val="2280711133"/>
       </p:ext>
     </p:extLst>
   </p:cSld>
@@ -7105,7 +7248,7 @@
           <p:cNvPr id="2" name="Title 1">
             <a:extLst>
               <a:ext uri="{FF2B5EF4-FFF2-40B4-BE49-F238E27FC236}">
-                <a16:creationId xmlns:a16="http://schemas.microsoft.com/office/drawing/2014/main" id="{12CC3376-5069-4C7B-BE6B-A3776D1B47BA}"/>
+                <a16:creationId xmlns:a16="http://schemas.microsoft.com/office/drawing/2014/main" xmlns="" id="{12CC3376-5069-4C7B-BE6B-A3776D1B47BA}"/>
               </a:ext>
             </a:extLst>
           </p:cNvPr>
@@ -7142,7 +7285,7 @@
           <p:cNvPr id="6" name="Picture Placeholder 5" descr="person staring at blueprints on a brick wall">
             <a:extLst>
               <a:ext uri="{FF2B5EF4-FFF2-40B4-BE49-F238E27FC236}">
-                <a16:creationId xmlns:a16="http://schemas.microsoft.com/office/drawing/2014/main" id="{C07C315A-7CD1-432C-92FA-6B62159B56CA}"/>
+                <a16:creationId xmlns:a16="http://schemas.microsoft.com/office/drawing/2014/main" xmlns="" id="{C07C315A-7CD1-432C-92FA-6B62159B56CA}"/>
               </a:ext>
             </a:extLst>
           </p:cNvPr>
@@ -7157,7 +7300,7 @@
           <a:blip r:embed="rId3">
             <a:extLst>
               <a:ext uri="{BEBA8EAE-BF5A-486C-A8C5-ECC9F3942E4B}">
-                <a14:imgProps xmlns:a14="http://schemas.microsoft.com/office/drawing/2010/main">
+                <a14:imgProps xmlns:a14="http://schemas.microsoft.com/office/drawing/2010/main" xmlns="">
                   <a14:imgLayer r:embed="rId4">
                     <a14:imgEffect>
                       <a14:saturation sat="0"/>
@@ -7182,7 +7325,7 @@
           <p:cNvPr id="14" name="Content Placeholder 13">
             <a:extLst>
               <a:ext uri="{FF2B5EF4-FFF2-40B4-BE49-F238E27FC236}">
-                <a16:creationId xmlns:a16="http://schemas.microsoft.com/office/drawing/2014/main" id="{79248A72-A597-48DF-A270-3389F5D209C0}"/>
+                <a16:creationId xmlns:a16="http://schemas.microsoft.com/office/drawing/2014/main" xmlns="" id="{79248A72-A597-48DF-A270-3389F5D209C0}"/>
               </a:ext>
             </a:extLst>
           </p:cNvPr>
@@ -7760,7 +7903,7 @@
           <p:cNvPr id="16" name="Slide Number Placeholder 15">
             <a:extLst>
               <a:ext uri="{FF2B5EF4-FFF2-40B4-BE49-F238E27FC236}">
-                <a16:creationId xmlns:a16="http://schemas.microsoft.com/office/drawing/2014/main" id="{7FA57D11-A25F-4772-8E50-DDB68BE8CB69}"/>
+                <a16:creationId xmlns:a16="http://schemas.microsoft.com/office/drawing/2014/main" xmlns="" id="{7FA57D11-A25F-4772-8E50-DDB68BE8CB69}"/>
               </a:ext>
             </a:extLst>
           </p:cNvPr>
@@ -7788,7 +7931,7 @@
     </p:spTree>
     <p:extLst>
       <p:ext uri="{BB962C8B-B14F-4D97-AF65-F5344CB8AC3E}">
-        <p14:creationId xmlns:p14="http://schemas.microsoft.com/office/powerpoint/2010/main" val="3516891798"/>
+        <p14:creationId xmlns:p14="http://schemas.microsoft.com/office/powerpoint/2010/main" xmlns="" val="3516891798"/>
       </p:ext>
     </p:extLst>
   </p:cSld>
@@ -7820,7 +7963,7 @@
           <p:cNvPr id="2" name="Title 1">
             <a:extLst>
               <a:ext uri="{FF2B5EF4-FFF2-40B4-BE49-F238E27FC236}">
-                <a16:creationId xmlns:a16="http://schemas.microsoft.com/office/drawing/2014/main" id="{12CC3376-5069-4C7B-BE6B-A3776D1B47BA}"/>
+                <a16:creationId xmlns:a16="http://schemas.microsoft.com/office/drawing/2014/main" xmlns="" id="{12CC3376-5069-4C7B-BE6B-A3776D1B47BA}"/>
               </a:ext>
             </a:extLst>
           </p:cNvPr>
@@ -7853,7 +7996,7 @@
           <p:cNvPr id="6" name="Picture Placeholder 5" descr="person staring at blueprints on a brick wall">
             <a:extLst>
               <a:ext uri="{FF2B5EF4-FFF2-40B4-BE49-F238E27FC236}">
-                <a16:creationId xmlns:a16="http://schemas.microsoft.com/office/drawing/2014/main" id="{C07C315A-7CD1-432C-92FA-6B62159B56CA}"/>
+                <a16:creationId xmlns:a16="http://schemas.microsoft.com/office/drawing/2014/main" xmlns="" id="{C07C315A-7CD1-432C-92FA-6B62159B56CA}"/>
               </a:ext>
             </a:extLst>
           </p:cNvPr>
@@ -7868,7 +8011,7 @@
           <a:blip r:embed="rId3">
             <a:extLst>
               <a:ext uri="{BEBA8EAE-BF5A-486C-A8C5-ECC9F3942E4B}">
-                <a14:imgProps xmlns:a14="http://schemas.microsoft.com/office/drawing/2010/main">
+                <a14:imgProps xmlns:a14="http://schemas.microsoft.com/office/drawing/2010/main" xmlns="">
                   <a14:imgLayer r:embed="rId4">
                     <a14:imgEffect>
                       <a14:saturation sat="0"/>
@@ -7893,7 +8036,7 @@
           <p:cNvPr id="14" name="Content Placeholder 13">
             <a:extLst>
               <a:ext uri="{FF2B5EF4-FFF2-40B4-BE49-F238E27FC236}">
-                <a16:creationId xmlns:a16="http://schemas.microsoft.com/office/drawing/2014/main" id="{79248A72-A597-48DF-A270-3389F5D209C0}"/>
+                <a16:creationId xmlns:a16="http://schemas.microsoft.com/office/drawing/2014/main" xmlns="" id="{79248A72-A597-48DF-A270-3389F5D209C0}"/>
               </a:ext>
             </a:extLst>
           </p:cNvPr>
@@ -8000,7 +8143,7 @@
           <p:cNvPr id="16" name="Slide Number Placeholder 15">
             <a:extLst>
               <a:ext uri="{FF2B5EF4-FFF2-40B4-BE49-F238E27FC236}">
-                <a16:creationId xmlns:a16="http://schemas.microsoft.com/office/drawing/2014/main" id="{7FA57D11-A25F-4772-8E50-DDB68BE8CB69}"/>
+                <a16:creationId xmlns:a16="http://schemas.microsoft.com/office/drawing/2014/main" xmlns="" id="{7FA57D11-A25F-4772-8E50-DDB68BE8CB69}"/>
               </a:ext>
             </a:extLst>
           </p:cNvPr>
@@ -8030,7 +8173,7 @@
           <p:cNvPr id="3" name="Picture 2" descr="Graphical user interface&#10;&#10;Description automatically generated">
             <a:extLst>
               <a:ext uri="{FF2B5EF4-FFF2-40B4-BE49-F238E27FC236}">
-                <a16:creationId xmlns:a16="http://schemas.microsoft.com/office/drawing/2014/main" id="{54019D09-1075-79C6-34E1-00A7374A994E}"/>
+                <a16:creationId xmlns:a16="http://schemas.microsoft.com/office/drawing/2014/main" xmlns="" id="{54019D09-1075-79C6-34E1-00A7374A994E}"/>
               </a:ext>
             </a:extLst>
           </p:cNvPr>
@@ -8043,7 +8186,7 @@
           <a:blip r:embed="rId5">
             <a:extLst>
               <a:ext uri="{28A0092B-C50C-407E-A947-70E740481C1C}">
-                <a14:useLocalDpi xmlns:a14="http://schemas.microsoft.com/office/drawing/2010/main" val="0"/>
+                <a14:useLocalDpi xmlns:a14="http://schemas.microsoft.com/office/drawing/2010/main" xmlns="" val="0"/>
               </a:ext>
             </a:extLst>
           </a:blip>
@@ -8069,7 +8212,7 @@
     </p:spTree>
     <p:extLst>
       <p:ext uri="{BB962C8B-B14F-4D97-AF65-F5344CB8AC3E}">
-        <p14:creationId xmlns:p14="http://schemas.microsoft.com/office/powerpoint/2010/main" val="1690341182"/>
+        <p14:creationId xmlns:p14="http://schemas.microsoft.com/office/powerpoint/2010/main" xmlns="" val="1690341182"/>
       </p:ext>
     </p:extLst>
   </p:cSld>
@@ -8101,7 +8244,7 @@
           <p:cNvPr id="2" name="Title 1">
             <a:extLst>
               <a:ext uri="{FF2B5EF4-FFF2-40B4-BE49-F238E27FC236}">
-                <a16:creationId xmlns:a16="http://schemas.microsoft.com/office/drawing/2014/main" id="{12CC3376-5069-4C7B-BE6B-A3776D1B47BA}"/>
+                <a16:creationId xmlns:a16="http://schemas.microsoft.com/office/drawing/2014/main" xmlns="" id="{12CC3376-5069-4C7B-BE6B-A3776D1B47BA}"/>
               </a:ext>
             </a:extLst>
           </p:cNvPr>
@@ -8134,7 +8277,7 @@
           <p:cNvPr id="6" name="Picture Placeholder 5" descr="person staring at blueprints on a brick wall">
             <a:extLst>
               <a:ext uri="{FF2B5EF4-FFF2-40B4-BE49-F238E27FC236}">
-                <a16:creationId xmlns:a16="http://schemas.microsoft.com/office/drawing/2014/main" id="{C07C315A-7CD1-432C-92FA-6B62159B56CA}"/>
+                <a16:creationId xmlns:a16="http://schemas.microsoft.com/office/drawing/2014/main" xmlns="" id="{C07C315A-7CD1-432C-92FA-6B62159B56CA}"/>
               </a:ext>
             </a:extLst>
           </p:cNvPr>
@@ -8149,7 +8292,7 @@
           <a:blip r:embed="rId3">
             <a:extLst>
               <a:ext uri="{BEBA8EAE-BF5A-486C-A8C5-ECC9F3942E4B}">
-                <a14:imgProps xmlns:a14="http://schemas.microsoft.com/office/drawing/2010/main">
+                <a14:imgProps xmlns:a14="http://schemas.microsoft.com/office/drawing/2010/main" xmlns="">
                   <a14:imgLayer r:embed="rId4">
                     <a14:imgEffect>
                       <a14:saturation sat="0"/>
@@ -8174,7 +8317,7 @@
           <p:cNvPr id="14" name="Content Placeholder 13">
             <a:extLst>
               <a:ext uri="{FF2B5EF4-FFF2-40B4-BE49-F238E27FC236}">
-                <a16:creationId xmlns:a16="http://schemas.microsoft.com/office/drawing/2014/main" id="{79248A72-A597-48DF-A270-3389F5D209C0}"/>
+                <a16:creationId xmlns:a16="http://schemas.microsoft.com/office/drawing/2014/main" xmlns="" id="{79248A72-A597-48DF-A270-3389F5D209C0}"/>
               </a:ext>
             </a:extLst>
           </p:cNvPr>
@@ -8549,7 +8692,7 @@
           <p:cNvPr id="16" name="Slide Number Placeholder 15">
             <a:extLst>
               <a:ext uri="{FF2B5EF4-FFF2-40B4-BE49-F238E27FC236}">
-                <a16:creationId xmlns:a16="http://schemas.microsoft.com/office/drawing/2014/main" id="{7FA57D11-A25F-4772-8E50-DDB68BE8CB69}"/>
+                <a16:creationId xmlns:a16="http://schemas.microsoft.com/office/drawing/2014/main" xmlns="" id="{7FA57D11-A25F-4772-8E50-DDB68BE8CB69}"/>
               </a:ext>
             </a:extLst>
           </p:cNvPr>
@@ -8577,7 +8720,7 @@
     </p:spTree>
     <p:extLst>
       <p:ext uri="{BB962C8B-B14F-4D97-AF65-F5344CB8AC3E}">
-        <p14:creationId xmlns:p14="http://schemas.microsoft.com/office/powerpoint/2010/main" val="2107433842"/>
+        <p14:creationId xmlns:p14="http://schemas.microsoft.com/office/powerpoint/2010/main" xmlns="" val="2107433842"/>
       </p:ext>
     </p:extLst>
   </p:cSld>
@@ -8609,7 +8752,7 @@
           <p:cNvPr id="2" name="Title 1">
             <a:extLst>
               <a:ext uri="{FF2B5EF4-FFF2-40B4-BE49-F238E27FC236}">
-                <a16:creationId xmlns:a16="http://schemas.microsoft.com/office/drawing/2014/main" id="{12CC3376-5069-4C7B-BE6B-A3776D1B47BA}"/>
+                <a16:creationId xmlns:a16="http://schemas.microsoft.com/office/drawing/2014/main" xmlns="" id="{12CC3376-5069-4C7B-BE6B-A3776D1B47BA}"/>
               </a:ext>
             </a:extLst>
           </p:cNvPr>
@@ -8642,7 +8785,7 @@
           <p:cNvPr id="6" name="Picture Placeholder 5" descr="person staring at blueprints on a brick wall">
             <a:extLst>
               <a:ext uri="{FF2B5EF4-FFF2-40B4-BE49-F238E27FC236}">
-                <a16:creationId xmlns:a16="http://schemas.microsoft.com/office/drawing/2014/main" id="{C07C315A-7CD1-432C-92FA-6B62159B56CA}"/>
+                <a16:creationId xmlns:a16="http://schemas.microsoft.com/office/drawing/2014/main" xmlns="" id="{C07C315A-7CD1-432C-92FA-6B62159B56CA}"/>
               </a:ext>
             </a:extLst>
           </p:cNvPr>
@@ -8657,7 +8800,7 @@
           <a:blip r:embed="rId3">
             <a:extLst>
               <a:ext uri="{BEBA8EAE-BF5A-486C-A8C5-ECC9F3942E4B}">
-                <a14:imgProps xmlns:a14="http://schemas.microsoft.com/office/drawing/2010/main">
+                <a14:imgProps xmlns:a14="http://schemas.microsoft.com/office/drawing/2010/main" xmlns="">
                   <a14:imgLayer r:embed="rId4">
                     <a14:imgEffect>
                       <a14:saturation sat="0"/>
@@ -8682,7 +8825,7 @@
           <p:cNvPr id="14" name="Content Placeholder 13">
             <a:extLst>
               <a:ext uri="{FF2B5EF4-FFF2-40B4-BE49-F238E27FC236}">
-                <a16:creationId xmlns:a16="http://schemas.microsoft.com/office/drawing/2014/main" id="{79248A72-A597-48DF-A270-3389F5D209C0}"/>
+                <a16:creationId xmlns:a16="http://schemas.microsoft.com/office/drawing/2014/main" xmlns="" id="{79248A72-A597-48DF-A270-3389F5D209C0}"/>
               </a:ext>
             </a:extLst>
           </p:cNvPr>
@@ -8951,7 +9094,7 @@
           <p:cNvPr id="16" name="Slide Number Placeholder 15">
             <a:extLst>
               <a:ext uri="{FF2B5EF4-FFF2-40B4-BE49-F238E27FC236}">
-                <a16:creationId xmlns:a16="http://schemas.microsoft.com/office/drawing/2014/main" id="{7FA57D11-A25F-4772-8E50-DDB68BE8CB69}"/>
+                <a16:creationId xmlns:a16="http://schemas.microsoft.com/office/drawing/2014/main" xmlns="" id="{7FA57D11-A25F-4772-8E50-DDB68BE8CB69}"/>
               </a:ext>
             </a:extLst>
           </p:cNvPr>
@@ -8986,7 +9129,7 @@
           <a:blip r:embed="rId5">
             <a:extLst>
               <a:ext uri="{28A0092B-C50C-407E-A947-70E740481C1C}">
-                <a14:useLocalDpi xmlns:a14="http://schemas.microsoft.com/office/drawing/2010/main" val="0"/>
+                <a14:useLocalDpi xmlns:a14="http://schemas.microsoft.com/office/drawing/2010/main" xmlns="" val="0"/>
               </a:ext>
             </a:extLst>
           </a:blip>
@@ -9012,7 +9155,7 @@
     </p:spTree>
     <p:extLst>
       <p:ext uri="{BB962C8B-B14F-4D97-AF65-F5344CB8AC3E}">
-        <p14:creationId xmlns:p14="http://schemas.microsoft.com/office/powerpoint/2010/main" val="692636852"/>
+        <p14:creationId xmlns:p14="http://schemas.microsoft.com/office/powerpoint/2010/main" xmlns="" val="692636852"/>
       </p:ext>
     </p:extLst>
   </p:cSld>
@@ -9044,7 +9187,7 @@
           <p:cNvPr id="2" name="Title 1">
             <a:extLst>
               <a:ext uri="{FF2B5EF4-FFF2-40B4-BE49-F238E27FC236}">
-                <a16:creationId xmlns:a16="http://schemas.microsoft.com/office/drawing/2014/main" id="{12CC3376-5069-4C7B-BE6B-A3776D1B47BA}"/>
+                <a16:creationId xmlns:a16="http://schemas.microsoft.com/office/drawing/2014/main" xmlns="" id="{12CC3376-5069-4C7B-BE6B-A3776D1B47BA}"/>
               </a:ext>
             </a:extLst>
           </p:cNvPr>
@@ -9077,7 +9220,7 @@
           <p:cNvPr id="6" name="Picture Placeholder 5" descr="person staring at blueprints on a brick wall">
             <a:extLst>
               <a:ext uri="{FF2B5EF4-FFF2-40B4-BE49-F238E27FC236}">
-                <a16:creationId xmlns:a16="http://schemas.microsoft.com/office/drawing/2014/main" id="{C07C315A-7CD1-432C-92FA-6B62159B56CA}"/>
+                <a16:creationId xmlns:a16="http://schemas.microsoft.com/office/drawing/2014/main" xmlns="" id="{C07C315A-7CD1-432C-92FA-6B62159B56CA}"/>
               </a:ext>
             </a:extLst>
           </p:cNvPr>
@@ -9092,7 +9235,7 @@
           <a:blip r:embed="rId3">
             <a:extLst>
               <a:ext uri="{BEBA8EAE-BF5A-486C-A8C5-ECC9F3942E4B}">
-                <a14:imgProps xmlns:a14="http://schemas.microsoft.com/office/drawing/2010/main">
+                <a14:imgProps xmlns:a14="http://schemas.microsoft.com/office/drawing/2010/main" xmlns="">
                   <a14:imgLayer r:embed="rId4">
                     <a14:imgEffect>
                       <a14:saturation sat="0"/>
@@ -9117,7 +9260,7 @@
           <p:cNvPr id="14" name="Content Placeholder 13">
             <a:extLst>
               <a:ext uri="{FF2B5EF4-FFF2-40B4-BE49-F238E27FC236}">
-                <a16:creationId xmlns:a16="http://schemas.microsoft.com/office/drawing/2014/main" id="{79248A72-A597-48DF-A270-3389F5D209C0}"/>
+                <a16:creationId xmlns:a16="http://schemas.microsoft.com/office/drawing/2014/main" xmlns="" id="{79248A72-A597-48DF-A270-3389F5D209C0}"/>
               </a:ext>
             </a:extLst>
           </p:cNvPr>
@@ -9224,7 +9367,7 @@
           <p:cNvPr id="16" name="Slide Number Placeholder 15">
             <a:extLst>
               <a:ext uri="{FF2B5EF4-FFF2-40B4-BE49-F238E27FC236}">
-                <a16:creationId xmlns:a16="http://schemas.microsoft.com/office/drawing/2014/main" id="{7FA57D11-A25F-4772-8E50-DDB68BE8CB69}"/>
+                <a16:creationId xmlns:a16="http://schemas.microsoft.com/office/drawing/2014/main" xmlns="" id="{7FA57D11-A25F-4772-8E50-DDB68BE8CB69}"/>
               </a:ext>
             </a:extLst>
           </p:cNvPr>
@@ -9254,7 +9397,7 @@
           <p:cNvPr id="3" name="Picture 2" descr="Diagram&#10;&#10;Description automatically generated">
             <a:extLst>
               <a:ext uri="{FF2B5EF4-FFF2-40B4-BE49-F238E27FC236}">
-                <a16:creationId xmlns:a16="http://schemas.microsoft.com/office/drawing/2014/main" id="{A3E05FD5-E2AA-90FE-0FCD-E0F58E8BC633}"/>
+                <a16:creationId xmlns:a16="http://schemas.microsoft.com/office/drawing/2014/main" xmlns="" id="{A3E05FD5-E2AA-90FE-0FCD-E0F58E8BC633}"/>
               </a:ext>
             </a:extLst>
           </p:cNvPr>
@@ -9282,7 +9425,7 @@
     </p:spTree>
     <p:extLst>
       <p:ext uri="{BB962C8B-B14F-4D97-AF65-F5344CB8AC3E}">
-        <p14:creationId xmlns:p14="http://schemas.microsoft.com/office/powerpoint/2010/main" val="494086945"/>
+        <p14:creationId xmlns:p14="http://schemas.microsoft.com/office/powerpoint/2010/main" xmlns="" val="494086945"/>
       </p:ext>
     </p:extLst>
   </p:cSld>
@@ -9314,7 +9457,7 @@
           <p:cNvPr id="2" name="Title 1">
             <a:extLst>
               <a:ext uri="{FF2B5EF4-FFF2-40B4-BE49-F238E27FC236}">
-                <a16:creationId xmlns:a16="http://schemas.microsoft.com/office/drawing/2014/main" id="{BE3A87B3-0A27-4EE9-979E-B69581E476F0}"/>
+                <a16:creationId xmlns:a16="http://schemas.microsoft.com/office/drawing/2014/main" xmlns="" id="{BE3A87B3-0A27-4EE9-979E-B69581E476F0}"/>
               </a:ext>
             </a:extLst>
           </p:cNvPr>
@@ -9347,7 +9490,7 @@
           <p:cNvPr id="8" name="Picture Placeholder 7" descr="group of people at a conference table">
             <a:extLst>
               <a:ext uri="{FF2B5EF4-FFF2-40B4-BE49-F238E27FC236}">
-                <a16:creationId xmlns:a16="http://schemas.microsoft.com/office/drawing/2014/main" id="{BB76F5AB-0940-46E1-85F9-6A870D7D04C9}"/>
+                <a16:creationId xmlns:a16="http://schemas.microsoft.com/office/drawing/2014/main" xmlns="" id="{BB76F5AB-0940-46E1-85F9-6A870D7D04C9}"/>
               </a:ext>
             </a:extLst>
           </p:cNvPr>
@@ -9362,7 +9505,7 @@
           <a:blip r:embed="rId2">
             <a:extLst>
               <a:ext uri="{BEBA8EAE-BF5A-486C-A8C5-ECC9F3942E4B}">
-                <a14:imgProps xmlns:a14="http://schemas.microsoft.com/office/drawing/2010/main">
+                <a14:imgProps xmlns:a14="http://schemas.microsoft.com/office/drawing/2010/main" xmlns="">
                   <a14:imgLayer r:embed="rId3">
                     <a14:imgEffect>
                       <a14:saturation sat="0"/>
@@ -9382,7 +9525,7 @@
           <p:cNvPr id="6" name="Text Placeholder 5">
             <a:extLst>
               <a:ext uri="{FF2B5EF4-FFF2-40B4-BE49-F238E27FC236}">
-                <a16:creationId xmlns:a16="http://schemas.microsoft.com/office/drawing/2014/main" id="{F3C89A40-EEAA-43AB-9A3A-B2CFDE450F1B}"/>
+                <a16:creationId xmlns:a16="http://schemas.microsoft.com/office/drawing/2014/main" xmlns="" id="{F3C89A40-EEAA-43AB-9A3A-B2CFDE450F1B}"/>
               </a:ext>
             </a:extLst>
           </p:cNvPr>
@@ -9496,7 +9639,7 @@
           <p:cNvPr id="7" name="Slide Number Placeholder 6">
             <a:extLst>
               <a:ext uri="{FF2B5EF4-FFF2-40B4-BE49-F238E27FC236}">
-                <a16:creationId xmlns:a16="http://schemas.microsoft.com/office/drawing/2014/main" id="{F29F8048-1E86-48F4-B246-D2F8C54B7EB1}"/>
+                <a16:creationId xmlns:a16="http://schemas.microsoft.com/office/drawing/2014/main" xmlns="" id="{F29F8048-1E86-48F4-B246-D2F8C54B7EB1}"/>
               </a:ext>
             </a:extLst>
           </p:cNvPr>
@@ -9524,7 +9667,7 @@
     </p:spTree>
     <p:extLst>
       <p:ext uri="{BB962C8B-B14F-4D97-AF65-F5344CB8AC3E}">
-        <p14:creationId xmlns:p14="http://schemas.microsoft.com/office/powerpoint/2010/main" val="1649098948"/>
+        <p14:creationId xmlns:p14="http://schemas.microsoft.com/office/powerpoint/2010/main" xmlns="" val="1649098948"/>
       </p:ext>
     </p:extLst>
   </p:cSld>
@@ -9556,7 +9699,7 @@
           <p:cNvPr id="3" name="Title 2">
             <a:extLst>
               <a:ext uri="{FF2B5EF4-FFF2-40B4-BE49-F238E27FC236}">
-                <a16:creationId xmlns:a16="http://schemas.microsoft.com/office/drawing/2014/main" id="{1D24B42B-925B-494C-A986-BD85E8117E1E}"/>
+                <a16:creationId xmlns:a16="http://schemas.microsoft.com/office/drawing/2014/main" xmlns="" id="{1D24B42B-925B-494C-A986-BD85E8117E1E}"/>
               </a:ext>
             </a:extLst>
           </p:cNvPr>
@@ -9591,7 +9734,7 @@
           <p:cNvPr id="8" name="Picture Placeholder 7" descr="close up of computer code">
             <a:extLst>
               <a:ext uri="{FF2B5EF4-FFF2-40B4-BE49-F238E27FC236}">
-                <a16:creationId xmlns:a16="http://schemas.microsoft.com/office/drawing/2014/main" id="{A596BF19-CC58-4709-B5D6-3FC378FDC7BA}"/>
+                <a16:creationId xmlns:a16="http://schemas.microsoft.com/office/drawing/2014/main" xmlns="" id="{A596BF19-CC58-4709-B5D6-3FC378FDC7BA}"/>
               </a:ext>
             </a:extLst>
           </p:cNvPr>
@@ -9606,7 +9749,7 @@
           <a:blip r:embed="rId2">
             <a:extLst>
               <a:ext uri="{BEBA8EAE-BF5A-486C-A8C5-ECC9F3942E4B}">
-                <a14:imgProps xmlns:a14="http://schemas.microsoft.com/office/drawing/2010/main">
+                <a14:imgProps xmlns:a14="http://schemas.microsoft.com/office/drawing/2010/main" xmlns="">
                   <a14:imgLayer r:embed="rId3">
                     <a14:imgEffect>
                       <a14:saturation sat="0"/>
@@ -9631,7 +9774,7 @@
           <p:cNvPr id="2" name="Text Placeholder 1">
             <a:extLst>
               <a:ext uri="{FF2B5EF4-FFF2-40B4-BE49-F238E27FC236}">
-                <a16:creationId xmlns:a16="http://schemas.microsoft.com/office/drawing/2014/main" id="{B156CAF1-214F-4566-9B0D-DACA1063E8C8}"/>
+                <a16:creationId xmlns:a16="http://schemas.microsoft.com/office/drawing/2014/main" xmlns="" id="{B156CAF1-214F-4566-9B0D-DACA1063E8C8}"/>
               </a:ext>
             </a:extLst>
           </p:cNvPr>
@@ -9823,7 +9966,7 @@
           <p:cNvPr id="6" name="Slide Number Placeholder 5">
             <a:extLst>
               <a:ext uri="{FF2B5EF4-FFF2-40B4-BE49-F238E27FC236}">
-                <a16:creationId xmlns:a16="http://schemas.microsoft.com/office/drawing/2014/main" id="{FC6A5C12-E784-444E-B868-DE2AE85742BB}"/>
+                <a16:creationId xmlns:a16="http://schemas.microsoft.com/office/drawing/2014/main" xmlns="" id="{FC6A5C12-E784-444E-B868-DE2AE85742BB}"/>
               </a:ext>
             </a:extLst>
           </p:cNvPr>
@@ -9851,7 +9994,7 @@
     </p:spTree>
     <p:extLst>
       <p:ext uri="{BB962C8B-B14F-4D97-AF65-F5344CB8AC3E}">
-        <p14:creationId xmlns:p14="http://schemas.microsoft.com/office/powerpoint/2010/main" val="2918897839"/>
+        <p14:creationId xmlns:p14="http://schemas.microsoft.com/office/powerpoint/2010/main" xmlns="" val="2918897839"/>
       </p:ext>
     </p:extLst>
   </p:cSld>
@@ -9883,7 +10026,7 @@
           <p:cNvPr id="3" name="Title 2">
             <a:extLst>
               <a:ext uri="{FF2B5EF4-FFF2-40B4-BE49-F238E27FC236}">
-                <a16:creationId xmlns:a16="http://schemas.microsoft.com/office/drawing/2014/main" id="{1D24B42B-925B-494C-A986-BD85E8117E1E}"/>
+                <a16:creationId xmlns:a16="http://schemas.microsoft.com/office/drawing/2014/main" xmlns="" id="{1D24B42B-925B-494C-A986-BD85E8117E1E}"/>
               </a:ext>
             </a:extLst>
           </p:cNvPr>
@@ -9918,7 +10061,7 @@
           <p:cNvPr id="8" name="Picture Placeholder 7" descr="close up of computer code">
             <a:extLst>
               <a:ext uri="{FF2B5EF4-FFF2-40B4-BE49-F238E27FC236}">
-                <a16:creationId xmlns:a16="http://schemas.microsoft.com/office/drawing/2014/main" id="{A596BF19-CC58-4709-B5D6-3FC378FDC7BA}"/>
+                <a16:creationId xmlns:a16="http://schemas.microsoft.com/office/drawing/2014/main" xmlns="" id="{A596BF19-CC58-4709-B5D6-3FC378FDC7BA}"/>
               </a:ext>
             </a:extLst>
           </p:cNvPr>
@@ -9933,7 +10076,7 @@
           <a:blip r:embed="rId2">
             <a:extLst>
               <a:ext uri="{BEBA8EAE-BF5A-486C-A8C5-ECC9F3942E4B}">
-                <a14:imgProps xmlns:a14="http://schemas.microsoft.com/office/drawing/2010/main">
+                <a14:imgProps xmlns:a14="http://schemas.microsoft.com/office/drawing/2010/main" xmlns="">
                   <a14:imgLayer r:embed="rId3">
                     <a14:imgEffect>
                       <a14:saturation sat="0"/>
@@ -9958,7 +10101,7 @@
           <p:cNvPr id="2" name="Text Placeholder 1">
             <a:extLst>
               <a:ext uri="{FF2B5EF4-FFF2-40B4-BE49-F238E27FC236}">
-                <a16:creationId xmlns:a16="http://schemas.microsoft.com/office/drawing/2014/main" id="{B156CAF1-214F-4566-9B0D-DACA1063E8C8}"/>
+                <a16:creationId xmlns:a16="http://schemas.microsoft.com/office/drawing/2014/main" xmlns="" id="{B156CAF1-214F-4566-9B0D-DACA1063E8C8}"/>
               </a:ext>
             </a:extLst>
           </p:cNvPr>
@@ -10162,7 +10305,7 @@
           <p:cNvPr id="6" name="Slide Number Placeholder 5">
             <a:extLst>
               <a:ext uri="{FF2B5EF4-FFF2-40B4-BE49-F238E27FC236}">
-                <a16:creationId xmlns:a16="http://schemas.microsoft.com/office/drawing/2014/main" id="{FC6A5C12-E784-444E-B868-DE2AE85742BB}"/>
+                <a16:creationId xmlns:a16="http://schemas.microsoft.com/office/drawing/2014/main" xmlns="" id="{FC6A5C12-E784-444E-B868-DE2AE85742BB}"/>
               </a:ext>
             </a:extLst>
           </p:cNvPr>
@@ -10190,7 +10333,7 @@
     </p:spTree>
     <p:extLst>
       <p:ext uri="{BB962C8B-B14F-4D97-AF65-F5344CB8AC3E}">
-        <p14:creationId xmlns:p14="http://schemas.microsoft.com/office/powerpoint/2010/main" val="3853358220"/>
+        <p14:creationId xmlns:p14="http://schemas.microsoft.com/office/powerpoint/2010/main" xmlns="" val="3853358220"/>
       </p:ext>
     </p:extLst>
   </p:cSld>
@@ -10230,7 +10373,7 @@
           <p:cNvPr id="40" name="Picture Placeholder 7" descr="abstract image">
             <a:extLst>
               <a:ext uri="{FF2B5EF4-FFF2-40B4-BE49-F238E27FC236}">
-                <a16:creationId xmlns:a16="http://schemas.microsoft.com/office/drawing/2014/main" id="{D5C5EA1B-F06D-4AD1-B526-89C2DF772232}"/>
+                <a16:creationId xmlns:a16="http://schemas.microsoft.com/office/drawing/2014/main" xmlns="" id="{D5C5EA1B-F06D-4AD1-B526-89C2DF772232}"/>
               </a:ext>
             </a:extLst>
           </p:cNvPr>
@@ -10244,7 +10387,7 @@
             <a:alphaModFix amt="52000"/>
             <a:extLst>
               <a:ext uri="{BEBA8EAE-BF5A-486C-A8C5-ECC9F3942E4B}">
-                <a14:imgProps xmlns:a14="http://schemas.microsoft.com/office/drawing/2010/main">
+                <a14:imgProps xmlns:a14="http://schemas.microsoft.com/office/drawing/2010/main" xmlns="">
                   <a14:imgLayer r:embed="rId3">
                     <a14:imgEffect>
                       <a14:saturation sat="0"/>
@@ -10273,7 +10416,7 @@
           <p:cNvPr id="6" name="Title 5">
             <a:extLst>
               <a:ext uri="{FF2B5EF4-FFF2-40B4-BE49-F238E27FC236}">
-                <a16:creationId xmlns:a16="http://schemas.microsoft.com/office/drawing/2014/main" id="{4F7706BE-EF2E-459C-8778-01DDD354C634}"/>
+                <a16:creationId xmlns:a16="http://schemas.microsoft.com/office/drawing/2014/main" xmlns="" id="{4F7706BE-EF2E-459C-8778-01DDD354C634}"/>
               </a:ext>
             </a:extLst>
           </p:cNvPr>
@@ -10308,7 +10451,7 @@
           <p:cNvPr id="3" name="Text Placeholder 2">
             <a:extLst>
               <a:ext uri="{FF2B5EF4-FFF2-40B4-BE49-F238E27FC236}">
-                <a16:creationId xmlns:a16="http://schemas.microsoft.com/office/drawing/2014/main" id="{C747C414-85D9-40D6-9BB3-5AF68A84F413}"/>
+                <a16:creationId xmlns:a16="http://schemas.microsoft.com/office/drawing/2014/main" xmlns="" id="{C747C414-85D9-40D6-9BB3-5AF68A84F413}"/>
               </a:ext>
             </a:extLst>
           </p:cNvPr>
@@ -10339,7 +10482,7 @@
     </p:spTree>
     <p:extLst>
       <p:ext uri="{BB962C8B-B14F-4D97-AF65-F5344CB8AC3E}">
-        <p14:creationId xmlns:p14="http://schemas.microsoft.com/office/powerpoint/2010/main" val="927727573"/>
+        <p14:creationId xmlns:p14="http://schemas.microsoft.com/office/powerpoint/2010/main" xmlns="" val="927727573"/>
       </p:ext>
     </p:extLst>
   </p:cSld>
@@ -10379,7 +10522,7 @@
           <p:cNvPr id="8" name="Picture Placeholder 7" descr="close up of computer code">
             <a:extLst>
               <a:ext uri="{FF2B5EF4-FFF2-40B4-BE49-F238E27FC236}">
-                <a16:creationId xmlns:a16="http://schemas.microsoft.com/office/drawing/2014/main" id="{1D5DB266-C804-437C-AED7-3D057820D244}"/>
+                <a16:creationId xmlns:a16="http://schemas.microsoft.com/office/drawing/2014/main" xmlns="" id="{1D5DB266-C804-437C-AED7-3D057820D244}"/>
               </a:ext>
             </a:extLst>
           </p:cNvPr>
@@ -10395,7 +10538,7 @@
             <a:alphaModFix amt="35000"/>
             <a:extLst>
               <a:ext uri="{BEBA8EAE-BF5A-486C-A8C5-ECC9F3942E4B}">
-                <a14:imgProps xmlns:a14="http://schemas.microsoft.com/office/drawing/2010/main">
+                <a14:imgProps xmlns:a14="http://schemas.microsoft.com/office/drawing/2010/main" xmlns="">
                   <a14:imgLayer r:embed="rId3">
                     <a14:imgEffect>
                       <a14:saturation sat="0"/>
@@ -10415,7 +10558,7 @@
           <p:cNvPr id="5" name="Title 4">
             <a:extLst>
               <a:ext uri="{FF2B5EF4-FFF2-40B4-BE49-F238E27FC236}">
-                <a16:creationId xmlns:a16="http://schemas.microsoft.com/office/drawing/2014/main" id="{14AB6F96-E5E8-4B40-A18C-2D078D1C2D4F}"/>
+                <a16:creationId xmlns:a16="http://schemas.microsoft.com/office/drawing/2014/main" xmlns="" id="{14AB6F96-E5E8-4B40-A18C-2D078D1C2D4F}"/>
               </a:ext>
             </a:extLst>
           </p:cNvPr>
@@ -10485,7 +10628,7 @@
           <p:cNvPr id="3" name="TextBox 2">
             <a:extLst>
               <a:ext uri="{FF2B5EF4-FFF2-40B4-BE49-F238E27FC236}">
-                <a16:creationId xmlns:a16="http://schemas.microsoft.com/office/drawing/2014/main" id="{00B88F18-6EAE-7043-9C4E-EFA02E006C10}"/>
+                <a16:creationId xmlns:a16="http://schemas.microsoft.com/office/drawing/2014/main" xmlns="" id="{00B88F18-6EAE-7043-9C4E-EFA02E006C10}"/>
               </a:ext>
             </a:extLst>
           </p:cNvPr>
@@ -10519,7 +10662,7 @@
     </p:spTree>
     <p:extLst>
       <p:ext uri="{BB962C8B-B14F-4D97-AF65-F5344CB8AC3E}">
-        <p14:creationId xmlns:p14="http://schemas.microsoft.com/office/powerpoint/2010/main" val="3499033097"/>
+        <p14:creationId xmlns:p14="http://schemas.microsoft.com/office/powerpoint/2010/main" xmlns="" val="3499033097"/>
       </p:ext>
     </p:extLst>
   </p:cSld>
@@ -10551,7 +10694,7 @@
           <p:cNvPr id="3" name="Title 2">
             <a:extLst>
               <a:ext uri="{FF2B5EF4-FFF2-40B4-BE49-F238E27FC236}">
-                <a16:creationId xmlns:a16="http://schemas.microsoft.com/office/drawing/2014/main" id="{1D24B42B-925B-494C-A986-BD85E8117E1E}"/>
+                <a16:creationId xmlns:a16="http://schemas.microsoft.com/office/drawing/2014/main" xmlns="" id="{1D24B42B-925B-494C-A986-BD85E8117E1E}"/>
               </a:ext>
             </a:extLst>
           </p:cNvPr>
@@ -10586,7 +10729,7 @@
           <p:cNvPr id="8" name="Picture Placeholder 7" descr="close up of computer code">
             <a:extLst>
               <a:ext uri="{FF2B5EF4-FFF2-40B4-BE49-F238E27FC236}">
-                <a16:creationId xmlns:a16="http://schemas.microsoft.com/office/drawing/2014/main" id="{A596BF19-CC58-4709-B5D6-3FC378FDC7BA}"/>
+                <a16:creationId xmlns:a16="http://schemas.microsoft.com/office/drawing/2014/main" xmlns="" id="{A596BF19-CC58-4709-B5D6-3FC378FDC7BA}"/>
               </a:ext>
             </a:extLst>
           </p:cNvPr>
@@ -10601,7 +10744,7 @@
           <a:blip r:embed="rId2">
             <a:extLst>
               <a:ext uri="{BEBA8EAE-BF5A-486C-A8C5-ECC9F3942E4B}">
-                <a14:imgProps xmlns:a14="http://schemas.microsoft.com/office/drawing/2010/main">
+                <a14:imgProps xmlns:a14="http://schemas.microsoft.com/office/drawing/2010/main" xmlns="">
                   <a14:imgLayer r:embed="rId3">
                     <a14:imgEffect>
                       <a14:saturation sat="0"/>
@@ -10626,7 +10769,7 @@
           <p:cNvPr id="2" name="Text Placeholder 1">
             <a:extLst>
               <a:ext uri="{FF2B5EF4-FFF2-40B4-BE49-F238E27FC236}">
-                <a16:creationId xmlns:a16="http://schemas.microsoft.com/office/drawing/2014/main" id="{B156CAF1-214F-4566-9B0D-DACA1063E8C8}"/>
+                <a16:creationId xmlns:a16="http://schemas.microsoft.com/office/drawing/2014/main" xmlns="" id="{B156CAF1-214F-4566-9B0D-DACA1063E8C8}"/>
               </a:ext>
             </a:extLst>
           </p:cNvPr>
@@ -10785,7 +10928,7 @@
           <p:cNvPr id="6" name="Slide Number Placeholder 5">
             <a:extLst>
               <a:ext uri="{FF2B5EF4-FFF2-40B4-BE49-F238E27FC236}">
-                <a16:creationId xmlns:a16="http://schemas.microsoft.com/office/drawing/2014/main" id="{FC6A5C12-E784-444E-B868-DE2AE85742BB}"/>
+                <a16:creationId xmlns:a16="http://schemas.microsoft.com/office/drawing/2014/main" xmlns="" id="{FC6A5C12-E784-444E-B868-DE2AE85742BB}"/>
               </a:ext>
             </a:extLst>
           </p:cNvPr>
@@ -10813,7 +10956,7 @@
     </p:spTree>
     <p:extLst>
       <p:ext uri="{BB962C8B-B14F-4D97-AF65-F5344CB8AC3E}">
-        <p14:creationId xmlns:p14="http://schemas.microsoft.com/office/powerpoint/2010/main" val="2944765398"/>
+        <p14:creationId xmlns:p14="http://schemas.microsoft.com/office/powerpoint/2010/main" xmlns="" val="2944765398"/>
       </p:ext>
     </p:extLst>
   </p:cSld>
@@ -10845,7 +10988,7 @@
           <p:cNvPr id="5" name="Picture Placeholder 4" descr="table with various people working on their laptops">
             <a:extLst>
               <a:ext uri="{FF2B5EF4-FFF2-40B4-BE49-F238E27FC236}">
-                <a16:creationId xmlns:a16="http://schemas.microsoft.com/office/drawing/2014/main" id="{A0280051-D7F1-4438-B815-F0FF4906D141}"/>
+                <a16:creationId xmlns:a16="http://schemas.microsoft.com/office/drawing/2014/main" xmlns="" id="{A0280051-D7F1-4438-B815-F0FF4906D141}"/>
               </a:ext>
             </a:extLst>
           </p:cNvPr>
@@ -10860,7 +11003,7 @@
           <a:blip r:embed="rId3" cstate="email">
             <a:extLst>
               <a:ext uri="{BEBA8EAE-BF5A-486C-A8C5-ECC9F3942E4B}">
-                <a14:imgProps xmlns:a14="http://schemas.microsoft.com/office/drawing/2010/main">
+                <a14:imgProps xmlns:a14="http://schemas.microsoft.com/office/drawing/2010/main" xmlns="">
                   <a14:imgLayer r:embed="rId4">
                     <a14:imgEffect>
                       <a14:saturation sat="0"/>
@@ -10869,7 +11012,7 @@
                 </a14:imgProps>
               </a:ext>
               <a:ext uri="{28A0092B-C50C-407E-A947-70E740481C1C}">
-                <a14:useLocalDpi xmlns:a14="http://schemas.microsoft.com/office/drawing/2010/main"/>
+                <a14:useLocalDpi xmlns:a14="http://schemas.microsoft.com/office/drawing/2010/main" xmlns=""/>
               </a:ext>
             </a:extLst>
           </a:blip>
@@ -10885,7 +11028,7 @@
           <p:cNvPr id="9" name="Content Placeholder 8">
             <a:extLst>
               <a:ext uri="{FF2B5EF4-FFF2-40B4-BE49-F238E27FC236}">
-                <a16:creationId xmlns:a16="http://schemas.microsoft.com/office/drawing/2014/main" id="{256319DF-036A-473B-95D3-C5F6FF849FD4}"/>
+                <a16:creationId xmlns:a16="http://schemas.microsoft.com/office/drawing/2014/main" xmlns="" id="{256319DF-036A-473B-95D3-C5F6FF849FD4}"/>
               </a:ext>
             </a:extLst>
           </p:cNvPr>
@@ -10944,7 +11087,7 @@
           <p:cNvPr id="4" name="Slide Number Placeholder 3">
             <a:extLst>
               <a:ext uri="{FF2B5EF4-FFF2-40B4-BE49-F238E27FC236}">
-                <a16:creationId xmlns:a16="http://schemas.microsoft.com/office/drawing/2014/main" id="{A4BADA18-8F0E-4249-A144-6CB8259BA65B}"/>
+                <a16:creationId xmlns:a16="http://schemas.microsoft.com/office/drawing/2014/main" xmlns="" id="{A4BADA18-8F0E-4249-A144-6CB8259BA65B}"/>
               </a:ext>
             </a:extLst>
           </p:cNvPr>
@@ -10974,7 +11117,7 @@
           <p:cNvPr id="3" name="Text Placeholder 2">
             <a:extLst>
               <a:ext uri="{FF2B5EF4-FFF2-40B4-BE49-F238E27FC236}">
-                <a16:creationId xmlns:a16="http://schemas.microsoft.com/office/drawing/2014/main" id="{DBF5275B-C1F9-0732-D4B5-3FCC925E2164}"/>
+                <a16:creationId xmlns:a16="http://schemas.microsoft.com/office/drawing/2014/main" xmlns="" id="{DBF5275B-C1F9-0732-D4B5-3FCC925E2164}"/>
               </a:ext>
             </a:extLst>
           </p:cNvPr>
@@ -11007,7 +11150,7 @@
     </p:spTree>
     <p:extLst>
       <p:ext uri="{BB962C8B-B14F-4D97-AF65-F5344CB8AC3E}">
-        <p14:creationId xmlns:p14="http://schemas.microsoft.com/office/powerpoint/2010/main" val="1325373587"/>
+        <p14:creationId xmlns:p14="http://schemas.microsoft.com/office/powerpoint/2010/main" xmlns="" val="1325373587"/>
       </p:ext>
     </p:extLst>
   </p:cSld>
@@ -11039,7 +11182,7 @@
           <p:cNvPr id="5" name="Picture Placeholder 4" descr="table with various people working on their laptops">
             <a:extLst>
               <a:ext uri="{FF2B5EF4-FFF2-40B4-BE49-F238E27FC236}">
-                <a16:creationId xmlns:a16="http://schemas.microsoft.com/office/drawing/2014/main" id="{A0280051-D7F1-4438-B815-F0FF4906D141}"/>
+                <a16:creationId xmlns:a16="http://schemas.microsoft.com/office/drawing/2014/main" xmlns="" id="{A0280051-D7F1-4438-B815-F0FF4906D141}"/>
               </a:ext>
             </a:extLst>
           </p:cNvPr>
@@ -11054,7 +11197,7 @@
           <a:blip r:embed="rId3" cstate="email">
             <a:extLst>
               <a:ext uri="{BEBA8EAE-BF5A-486C-A8C5-ECC9F3942E4B}">
-                <a14:imgProps xmlns:a14="http://schemas.microsoft.com/office/drawing/2010/main">
+                <a14:imgProps xmlns:a14="http://schemas.microsoft.com/office/drawing/2010/main" xmlns="">
                   <a14:imgLayer r:embed="rId4">
                     <a14:imgEffect>
                       <a14:saturation sat="0"/>
@@ -11063,7 +11206,7 @@
                 </a14:imgProps>
               </a:ext>
               <a:ext uri="{28A0092B-C50C-407E-A947-70E740481C1C}">
-                <a14:useLocalDpi xmlns:a14="http://schemas.microsoft.com/office/drawing/2010/main"/>
+                <a14:useLocalDpi xmlns:a14="http://schemas.microsoft.com/office/drawing/2010/main" xmlns=""/>
               </a:ext>
             </a:extLst>
           </a:blip>
@@ -11079,7 +11222,7 @@
           <p:cNvPr id="9" name="Content Placeholder 8">
             <a:extLst>
               <a:ext uri="{FF2B5EF4-FFF2-40B4-BE49-F238E27FC236}">
-                <a16:creationId xmlns:a16="http://schemas.microsoft.com/office/drawing/2014/main" id="{256319DF-036A-473B-95D3-C5F6FF849FD4}"/>
+                <a16:creationId xmlns:a16="http://schemas.microsoft.com/office/drawing/2014/main" xmlns="" id="{256319DF-036A-473B-95D3-C5F6FF849FD4}"/>
               </a:ext>
             </a:extLst>
           </p:cNvPr>
@@ -11123,7 +11266,7 @@
           <p:cNvPr id="4" name="Slide Number Placeholder 3">
             <a:extLst>
               <a:ext uri="{FF2B5EF4-FFF2-40B4-BE49-F238E27FC236}">
-                <a16:creationId xmlns:a16="http://schemas.microsoft.com/office/drawing/2014/main" id="{A4BADA18-8F0E-4249-A144-6CB8259BA65B}"/>
+                <a16:creationId xmlns:a16="http://schemas.microsoft.com/office/drawing/2014/main" xmlns="" id="{A4BADA18-8F0E-4249-A144-6CB8259BA65B}"/>
               </a:ext>
             </a:extLst>
           </p:cNvPr>
@@ -11153,7 +11296,7 @@
           <p:cNvPr id="7" name="Text Placeholder 2">
             <a:extLst>
               <a:ext uri="{FF2B5EF4-FFF2-40B4-BE49-F238E27FC236}">
-                <a16:creationId xmlns:a16="http://schemas.microsoft.com/office/drawing/2014/main" id="{CFDA9269-055C-5772-E8B6-BACBFA0AB992}"/>
+                <a16:creationId xmlns:a16="http://schemas.microsoft.com/office/drawing/2014/main" xmlns="" id="{CFDA9269-055C-5772-E8B6-BACBFA0AB992}"/>
               </a:ext>
             </a:extLst>
           </p:cNvPr>
@@ -11186,7 +11329,7 @@
     </p:spTree>
     <p:extLst>
       <p:ext uri="{BB962C8B-B14F-4D97-AF65-F5344CB8AC3E}">
-        <p14:creationId xmlns:p14="http://schemas.microsoft.com/office/powerpoint/2010/main" val="2758995049"/>
+        <p14:creationId xmlns:p14="http://schemas.microsoft.com/office/powerpoint/2010/main" xmlns="" val="2758995049"/>
       </p:ext>
     </p:extLst>
   </p:cSld>
@@ -11226,7 +11369,7 @@
           <p:cNvPr id="8" name="Picture Placeholder 7" descr="close up of computer code">
             <a:extLst>
               <a:ext uri="{FF2B5EF4-FFF2-40B4-BE49-F238E27FC236}">
-                <a16:creationId xmlns:a16="http://schemas.microsoft.com/office/drawing/2014/main" id="{1D5DB266-C804-437C-AED7-3D057820D244}"/>
+                <a16:creationId xmlns:a16="http://schemas.microsoft.com/office/drawing/2014/main" xmlns="" id="{1D5DB266-C804-437C-AED7-3D057820D244}"/>
               </a:ext>
             </a:extLst>
           </p:cNvPr>
@@ -11242,7 +11385,7 @@
             <a:alphaModFix amt="35000"/>
             <a:extLst>
               <a:ext uri="{BEBA8EAE-BF5A-486C-A8C5-ECC9F3942E4B}">
-                <a14:imgProps xmlns:a14="http://schemas.microsoft.com/office/drawing/2010/main">
+                <a14:imgProps xmlns:a14="http://schemas.microsoft.com/office/drawing/2010/main" xmlns="">
                   <a14:imgLayer r:embed="rId3">
                     <a14:imgEffect>
                       <a14:saturation sat="0"/>
@@ -11262,7 +11405,7 @@
           <p:cNvPr id="5" name="Title 4">
             <a:extLst>
               <a:ext uri="{FF2B5EF4-FFF2-40B4-BE49-F238E27FC236}">
-                <a16:creationId xmlns:a16="http://schemas.microsoft.com/office/drawing/2014/main" id="{14AB6F96-E5E8-4B40-A18C-2D078D1C2D4F}"/>
+                <a16:creationId xmlns:a16="http://schemas.microsoft.com/office/drawing/2014/main" xmlns="" id="{14AB6F96-E5E8-4B40-A18C-2D078D1C2D4F}"/>
               </a:ext>
             </a:extLst>
           </p:cNvPr>
@@ -11319,6 +11462,18 @@
                 <a:cs typeface="Times New Roman" panose="02020603050405020304" pitchFamily="18" charset="0"/>
               </a:rPr>
             </a:br>
+            <a:r>
+              <a:rPr lang="en-US" dirty="0">
+                <a:solidFill>
+                  <a:schemeClr val="tx1"/>
+                </a:solidFill>
+                <a:effectLst/>
+                <a:latin typeface="+mn-lt"/>
+                <a:ea typeface="Yu Mincho" panose="02020400000000000000" pitchFamily="18" charset="-128"/>
+                <a:cs typeface="Times New Roman" panose="02020603050405020304" pitchFamily="18" charset="0"/>
+              </a:rPr>
+              <a:t/>
+            </a:r>
             <a:br>
               <a:rPr lang="en-US" dirty="0">
                 <a:solidFill>
@@ -11353,6 +11508,18 @@
                 <a:cs typeface="Times New Roman" panose="02020603050405020304" pitchFamily="18" charset="0"/>
               </a:rPr>
             </a:br>
+            <a:r>
+              <a:rPr lang="en-US" dirty="0">
+                <a:solidFill>
+                  <a:schemeClr val="tx1"/>
+                </a:solidFill>
+                <a:effectLst/>
+                <a:latin typeface="+mn-lt"/>
+                <a:ea typeface="Yu Mincho" panose="02020400000000000000" pitchFamily="18" charset="-128"/>
+                <a:cs typeface="Times New Roman" panose="02020603050405020304" pitchFamily="18" charset="0"/>
+              </a:rPr>
+              <a:t/>
+            </a:r>
             <a:br>
               <a:rPr lang="en-US" dirty="0">
                 <a:solidFill>
@@ -11387,6 +11554,18 @@
                 <a:cs typeface="Times New Roman" panose="02020603050405020304" pitchFamily="18" charset="0"/>
               </a:rPr>
             </a:br>
+            <a:r>
+              <a:rPr lang="en-US" dirty="0">
+                <a:solidFill>
+                  <a:schemeClr val="tx1"/>
+                </a:solidFill>
+                <a:effectLst/>
+                <a:latin typeface="+mn-lt"/>
+                <a:ea typeface="Yu Mincho" panose="02020400000000000000" pitchFamily="18" charset="-128"/>
+                <a:cs typeface="Times New Roman" panose="02020603050405020304" pitchFamily="18" charset="0"/>
+              </a:rPr>
+              <a:t/>
+            </a:r>
             <a:br>
               <a:rPr lang="en-US" dirty="0">
                 <a:solidFill>
@@ -11427,7 +11606,7 @@
           <p:cNvPr id="2" name="Text Placeholder 1">
             <a:extLst>
               <a:ext uri="{FF2B5EF4-FFF2-40B4-BE49-F238E27FC236}">
-                <a16:creationId xmlns:a16="http://schemas.microsoft.com/office/drawing/2014/main" id="{DAF72BBC-FC90-4B63-96CA-ABED853DBAD0}"/>
+                <a16:creationId xmlns:a16="http://schemas.microsoft.com/office/drawing/2014/main" xmlns="" id="{DAF72BBC-FC90-4B63-96CA-ABED853DBAD0}"/>
               </a:ext>
             </a:extLst>
           </p:cNvPr>
@@ -11458,7 +11637,7 @@
     </p:spTree>
     <p:extLst>
       <p:ext uri="{BB962C8B-B14F-4D97-AF65-F5344CB8AC3E}">
-        <p14:creationId xmlns:p14="http://schemas.microsoft.com/office/powerpoint/2010/main" val="839779156"/>
+        <p14:creationId xmlns:p14="http://schemas.microsoft.com/office/powerpoint/2010/main" xmlns="" val="839779156"/>
       </p:ext>
     </p:extLst>
   </p:cSld>
@@ -11498,7 +11677,7 @@
           <p:cNvPr id="8" name="Picture Placeholder 7" descr="close up of computer code">
             <a:extLst>
               <a:ext uri="{FF2B5EF4-FFF2-40B4-BE49-F238E27FC236}">
-                <a16:creationId xmlns:a16="http://schemas.microsoft.com/office/drawing/2014/main" id="{1D5DB266-C804-437C-AED7-3D057820D244}"/>
+                <a16:creationId xmlns:a16="http://schemas.microsoft.com/office/drawing/2014/main" xmlns="" id="{1D5DB266-C804-437C-AED7-3D057820D244}"/>
               </a:ext>
             </a:extLst>
           </p:cNvPr>
@@ -11514,7 +11693,7 @@
             <a:alphaModFix amt="35000"/>
             <a:extLst>
               <a:ext uri="{BEBA8EAE-BF5A-486C-A8C5-ECC9F3942E4B}">
-                <a14:imgProps xmlns:a14="http://schemas.microsoft.com/office/drawing/2010/main">
+                <a14:imgProps xmlns:a14="http://schemas.microsoft.com/office/drawing/2010/main" xmlns="">
                   <a14:imgLayer r:embed="rId3">
                     <a14:imgEffect>
                       <a14:saturation sat="0"/>
@@ -11534,7 +11713,7 @@
           <p:cNvPr id="5" name="Title 4">
             <a:extLst>
               <a:ext uri="{FF2B5EF4-FFF2-40B4-BE49-F238E27FC236}">
-                <a16:creationId xmlns:a16="http://schemas.microsoft.com/office/drawing/2014/main" id="{14AB6F96-E5E8-4B40-A18C-2D078D1C2D4F}"/>
+                <a16:creationId xmlns:a16="http://schemas.microsoft.com/office/drawing/2014/main" xmlns="" id="{14AB6F96-E5E8-4B40-A18C-2D078D1C2D4F}"/>
               </a:ext>
             </a:extLst>
           </p:cNvPr>
@@ -11580,6 +11759,18 @@
               </a:rPr>
               <a:t>As a server, I want to only see available tables so I can reserve it for the customer.</a:t>
             </a:r>
+            <a:r>
+              <a:rPr lang="en-US" sz="1400" dirty="0">
+                <a:solidFill>
+                  <a:schemeClr val="tx1"/>
+                </a:solidFill>
+                <a:effectLst/>
+                <a:latin typeface="+mn-lt"/>
+                <a:ea typeface="Yu Mincho" panose="02020400000000000000" pitchFamily="18" charset="-128"/>
+                <a:cs typeface="Times New Roman" panose="02020603050405020304" pitchFamily="18" charset="0"/>
+              </a:rPr>
+              <a:t/>
+            </a:r>
             <a:br>
               <a:rPr lang="en-US" sz="1400" dirty="0">
                 <a:solidFill>
@@ -11603,6 +11794,18 @@
               </a:rPr>
               <a:t> </a:t>
             </a:r>
+            <a:r>
+              <a:rPr lang="en-US" sz="1400" dirty="0">
+                <a:solidFill>
+                  <a:schemeClr val="tx1"/>
+                </a:solidFill>
+                <a:effectLst/>
+                <a:latin typeface="+mn-lt"/>
+                <a:ea typeface="Yu Mincho" panose="02020400000000000000" pitchFamily="18" charset="-128"/>
+                <a:cs typeface="Times New Roman" panose="02020603050405020304" pitchFamily="18" charset="0"/>
+              </a:rPr>
+              <a:t/>
+            </a:r>
             <a:br>
               <a:rPr lang="en-US" sz="1400" dirty="0">
                 <a:solidFill>
@@ -11626,6 +11829,18 @@
               </a:rPr>
               <a:t>As a server, I want to place an order in my device and send it directly to the kitchen.</a:t>
             </a:r>
+            <a:r>
+              <a:rPr lang="en-US" sz="1400" dirty="0">
+                <a:solidFill>
+                  <a:schemeClr val="tx1"/>
+                </a:solidFill>
+                <a:effectLst/>
+                <a:latin typeface="+mn-lt"/>
+                <a:ea typeface="Yu Mincho" panose="02020400000000000000" pitchFamily="18" charset="-128"/>
+                <a:cs typeface="Times New Roman" panose="02020603050405020304" pitchFamily="18" charset="0"/>
+              </a:rPr>
+              <a:t/>
+            </a:r>
             <a:br>
               <a:rPr lang="en-US" sz="1400" dirty="0">
                 <a:solidFill>
@@ -11649,6 +11864,18 @@
               </a:rPr>
               <a:t> </a:t>
             </a:r>
+            <a:r>
+              <a:rPr lang="en-US" sz="1400" dirty="0">
+                <a:solidFill>
+                  <a:schemeClr val="tx1"/>
+                </a:solidFill>
+                <a:effectLst/>
+                <a:latin typeface="+mn-lt"/>
+                <a:ea typeface="Yu Mincho" panose="02020400000000000000" pitchFamily="18" charset="-128"/>
+                <a:cs typeface="Times New Roman" panose="02020603050405020304" pitchFamily="18" charset="0"/>
+              </a:rPr>
+              <a:t/>
+            </a:r>
             <a:br>
               <a:rPr lang="en-US" sz="1400" dirty="0">
                 <a:solidFill>
@@ -11672,6 +11899,18 @@
               </a:rPr>
               <a:t>As a line cook, I want to receive notification for every new order and can mark it ready after preparation.</a:t>
             </a:r>
+            <a:r>
+              <a:rPr lang="en-US" sz="1400" dirty="0">
+                <a:solidFill>
+                  <a:schemeClr val="tx1"/>
+                </a:solidFill>
+                <a:effectLst/>
+                <a:latin typeface="+mn-lt"/>
+                <a:ea typeface="Yu Mincho" panose="02020400000000000000" pitchFamily="18" charset="-128"/>
+                <a:cs typeface="Times New Roman" panose="02020603050405020304" pitchFamily="18" charset="0"/>
+              </a:rPr>
+              <a:t/>
+            </a:r>
             <a:br>
               <a:rPr lang="en-US" sz="1400" dirty="0">
                 <a:solidFill>
@@ -11695,6 +11934,18 @@
               </a:rPr>
               <a:t> </a:t>
             </a:r>
+            <a:r>
+              <a:rPr lang="en-US" sz="1400" dirty="0">
+                <a:solidFill>
+                  <a:schemeClr val="tx1"/>
+                </a:solidFill>
+                <a:effectLst/>
+                <a:latin typeface="+mn-lt"/>
+                <a:ea typeface="Yu Mincho" panose="02020400000000000000" pitchFamily="18" charset="-128"/>
+                <a:cs typeface="Times New Roman" panose="02020603050405020304" pitchFamily="18" charset="0"/>
+              </a:rPr>
+              <a:t/>
+            </a:r>
             <a:br>
               <a:rPr lang="en-US" sz="1400" dirty="0">
                 <a:solidFill>
@@ -11735,7 +11986,7 @@
           <p:cNvPr id="2" name="Text Placeholder 1">
             <a:extLst>
               <a:ext uri="{FF2B5EF4-FFF2-40B4-BE49-F238E27FC236}">
-                <a16:creationId xmlns:a16="http://schemas.microsoft.com/office/drawing/2014/main" id="{DAF72BBC-FC90-4B63-96CA-ABED853DBAD0}"/>
+                <a16:creationId xmlns:a16="http://schemas.microsoft.com/office/drawing/2014/main" xmlns="" id="{DAF72BBC-FC90-4B63-96CA-ABED853DBAD0}"/>
               </a:ext>
             </a:extLst>
           </p:cNvPr>
@@ -11766,7 +12017,7 @@
     </p:spTree>
     <p:extLst>
       <p:ext uri="{BB962C8B-B14F-4D97-AF65-F5344CB8AC3E}">
-        <p14:creationId xmlns:p14="http://schemas.microsoft.com/office/powerpoint/2010/main" val="809929743"/>
+        <p14:creationId xmlns:p14="http://schemas.microsoft.com/office/powerpoint/2010/main" xmlns="" val="809929743"/>
       </p:ext>
     </p:extLst>
   </p:cSld>
@@ -11798,7 +12049,7 @@
           <p:cNvPr id="8" name="Picture Placeholder 7" descr="close up of computer code">
             <a:extLst>
               <a:ext uri="{FF2B5EF4-FFF2-40B4-BE49-F238E27FC236}">
-                <a16:creationId xmlns:a16="http://schemas.microsoft.com/office/drawing/2014/main" id="{1D5DB266-C804-437C-AED7-3D057820D244}"/>
+                <a16:creationId xmlns:a16="http://schemas.microsoft.com/office/drawing/2014/main" xmlns="" id="{1D5DB266-C804-437C-AED7-3D057820D244}"/>
               </a:ext>
             </a:extLst>
           </p:cNvPr>
@@ -11814,7 +12065,7 @@
             <a:alphaModFix amt="35000"/>
             <a:extLst>
               <a:ext uri="{BEBA8EAE-BF5A-486C-A8C5-ECC9F3942E4B}">
-                <a14:imgProps xmlns:a14="http://schemas.microsoft.com/office/drawing/2010/main">
+                <a14:imgProps xmlns:a14="http://schemas.microsoft.com/office/drawing/2010/main" xmlns="">
                   <a14:imgLayer r:embed="rId3">
                     <a14:imgEffect>
                       <a14:saturation sat="0"/>
@@ -11839,7 +12090,7 @@
           <p:cNvPr id="5" name="Title 4">
             <a:extLst>
               <a:ext uri="{FF2B5EF4-FFF2-40B4-BE49-F238E27FC236}">
-                <a16:creationId xmlns:a16="http://schemas.microsoft.com/office/drawing/2014/main" id="{14AB6F96-E5E8-4B40-A18C-2D078D1C2D4F}"/>
+                <a16:creationId xmlns:a16="http://schemas.microsoft.com/office/drawing/2014/main" xmlns="" id="{14AB6F96-E5E8-4B40-A18C-2D078D1C2D4F}"/>
               </a:ext>
             </a:extLst>
           </p:cNvPr>
@@ -11873,6 +12124,17 @@
                 <a:spcPts val="0"/>
               </a:spcAft>
             </a:pPr>
+            <a:r>
+              <a:rPr lang="en-US" sz="1200" b="1" dirty="0">
+                <a:solidFill>
+                  <a:schemeClr val="tx1"/>
+                </a:solidFill>
+                <a:effectLst/>
+                <a:latin typeface="Times New Roman" panose="02020603050405020304" pitchFamily="18" charset="0"/>
+                <a:ea typeface="Times New Roman" panose="02020603050405020304" pitchFamily="18" charset="0"/>
+              </a:rPr>
+              <a:t/>
+            </a:r>
             <a:br>
               <a:rPr lang="en-US" sz="1200" b="1" dirty="0">
                 <a:solidFill>
@@ -11926,6 +12188,17 @@
               </a:rPr>
               <a:t>Basic Use Case Description: </a:t>
             </a:r>
+            <a:r>
+              <a:rPr lang="en-US" sz="1400" dirty="0">
+                <a:solidFill>
+                  <a:schemeClr val="tx1"/>
+                </a:solidFill>
+                <a:effectLst/>
+                <a:latin typeface="+mn-lt"/>
+                <a:ea typeface="Times New Roman" panose="02020603050405020304" pitchFamily="18" charset="0"/>
+              </a:rPr>
+              <a:t/>
+            </a:r>
             <a:br>
               <a:rPr lang="en-US" sz="1400" dirty="0">
                 <a:solidFill>
@@ -12041,6 +12314,17 @@
                 <a:ea typeface="Times New Roman" panose="02020603050405020304" pitchFamily="18" charset="0"/>
               </a:rPr>
             </a:br>
+            <a:r>
+              <a:rPr lang="en-US" sz="1400" dirty="0">
+                <a:solidFill>
+                  <a:schemeClr val="tx1"/>
+                </a:solidFill>
+                <a:effectLst/>
+                <a:latin typeface="+mn-lt"/>
+                <a:ea typeface="Times New Roman" panose="02020603050405020304" pitchFamily="18" charset="0"/>
+              </a:rPr>
+              <a:t/>
+            </a:r>
             <a:br>
               <a:rPr lang="en-US" sz="1400" dirty="0">
                 <a:solidFill>
@@ -12051,6 +12335,18 @@
                 <a:ea typeface="Times New Roman" panose="02020603050405020304" pitchFamily="18" charset="0"/>
               </a:rPr>
             </a:br>
+            <a:r>
+              <a:rPr lang="en-US" sz="1400" dirty="0">
+                <a:solidFill>
+                  <a:schemeClr val="tx1"/>
+                </a:solidFill>
+                <a:effectLst/>
+                <a:latin typeface="+mn-lt"/>
+                <a:ea typeface="Calibri" panose="020F0502020204030204" pitchFamily="34" charset="0"/>
+                <a:cs typeface="Times New Roman" panose="02020603050405020304" pitchFamily="18" charset="0"/>
+              </a:rPr>
+              <a:t/>
+            </a:r>
             <a:br>
               <a:rPr lang="en-US" sz="1400" dirty="0">
                 <a:solidFill>
@@ -12086,6 +12382,18 @@
               </a:rPr>
               <a:t> Line Cook </a:t>
             </a:r>
+            <a:r>
+              <a:rPr lang="en-US" sz="1400" dirty="0">
+                <a:solidFill>
+                  <a:schemeClr val="tx1"/>
+                </a:solidFill>
+                <a:effectLst/>
+                <a:latin typeface="+mn-lt"/>
+                <a:ea typeface="Yu Mincho" panose="02020400000000000000" pitchFamily="18" charset="-128"/>
+                <a:cs typeface="Times New Roman" panose="02020603050405020304" pitchFamily="18" charset="0"/>
+              </a:rPr>
+              <a:t/>
+            </a:r>
             <a:br>
               <a:rPr lang="en-US" sz="1400" dirty="0">
                 <a:solidFill>
@@ -12109,6 +12417,18 @@
               </a:rPr>
               <a:t>Basic Use Case Description:</a:t>
             </a:r>
+            <a:r>
+              <a:rPr lang="en-US" sz="1400" dirty="0">
+                <a:solidFill>
+                  <a:schemeClr val="tx1"/>
+                </a:solidFill>
+                <a:effectLst/>
+                <a:latin typeface="+mn-lt"/>
+                <a:ea typeface="Yu Mincho" panose="02020400000000000000" pitchFamily="18" charset="-128"/>
+                <a:cs typeface="Times New Roman" panose="02020603050405020304" pitchFamily="18" charset="0"/>
+              </a:rPr>
+              <a:t/>
+            </a:r>
             <a:br>
               <a:rPr lang="en-US" sz="1400" dirty="0">
                 <a:solidFill>
@@ -12173,6 +12493,14 @@
               </a:rPr>
               <a:t>Line cooks mark the order ready after all items within the order are prepared.</a:t>
             </a:r>
+            <a:r>
+              <a:rPr lang="en-US" sz="1000" dirty="0">
+                <a:effectLst/>
+                <a:latin typeface="Times New Roman" panose="02020603050405020304" pitchFamily="18" charset="0"/>
+                <a:ea typeface="Times New Roman" panose="02020603050405020304" pitchFamily="18" charset="0"/>
+              </a:rPr>
+              <a:t/>
+            </a:r>
             <a:br>
               <a:rPr lang="en-US" sz="1000" dirty="0">
                 <a:effectLst/>
@@ -12180,6 +12508,15 @@
                 <a:ea typeface="Times New Roman" panose="02020603050405020304" pitchFamily="18" charset="0"/>
               </a:rPr>
             </a:br>
+            <a:r>
+              <a:rPr lang="en-US" sz="1000" dirty="0">
+                <a:effectLst/>
+                <a:latin typeface="Calibri" panose="020F0502020204030204" pitchFamily="34" charset="0"/>
+                <a:ea typeface="Yu Mincho" panose="02020400000000000000" pitchFamily="18" charset="-128"/>
+                <a:cs typeface="Times New Roman" panose="02020603050405020304" pitchFamily="18" charset="0"/>
+              </a:rPr>
+              <a:t/>
+            </a:r>
             <a:br>
               <a:rPr lang="en-US" sz="1000" dirty="0">
                 <a:effectLst/>
@@ -12197,6 +12534,15 @@
               </a:rPr>
               <a:t> </a:t>
             </a:r>
+            <a:r>
+              <a:rPr lang="en-US" sz="800" dirty="0">
+                <a:effectLst/>
+                <a:latin typeface="Calibri" panose="020F0502020204030204" pitchFamily="34" charset="0"/>
+                <a:ea typeface="Yu Mincho" panose="02020400000000000000" pitchFamily="18" charset="-128"/>
+                <a:cs typeface="Times New Roman" panose="02020603050405020304" pitchFamily="18" charset="0"/>
+              </a:rPr>
+              <a:t/>
+            </a:r>
             <a:br>
               <a:rPr lang="en-US" sz="800" dirty="0">
                 <a:effectLst/>
@@ -12218,7 +12564,7 @@
           <p:cNvPr id="2" name="Text Placeholder 1">
             <a:extLst>
               <a:ext uri="{FF2B5EF4-FFF2-40B4-BE49-F238E27FC236}">
-                <a16:creationId xmlns:a16="http://schemas.microsoft.com/office/drawing/2014/main" id="{DAF72BBC-FC90-4B63-96CA-ABED853DBAD0}"/>
+                <a16:creationId xmlns:a16="http://schemas.microsoft.com/office/drawing/2014/main" xmlns="" id="{DAF72BBC-FC90-4B63-96CA-ABED853DBAD0}"/>
               </a:ext>
             </a:extLst>
           </p:cNvPr>
@@ -12251,7 +12597,7 @@
           <p:cNvPr id="7" name="Title 4">
             <a:extLst>
               <a:ext uri="{FF2B5EF4-FFF2-40B4-BE49-F238E27FC236}">
-                <a16:creationId xmlns:a16="http://schemas.microsoft.com/office/drawing/2014/main" id="{83FE275C-4F61-F349-D635-66C97E72ED83}"/>
+                <a16:creationId xmlns:a16="http://schemas.microsoft.com/office/drawing/2014/main" xmlns="" id="{83FE275C-4F61-F349-D635-66C97E72ED83}"/>
               </a:ext>
             </a:extLst>
           </p:cNvPr>
@@ -12529,6 +12875,17 @@
                 <a:spcPct val="107000"/>
               </a:lnSpc>
             </a:pPr>
+            <a:r>
+              <a:rPr lang="en-US" sz="1000" kern="0" dirty="0">
+                <a:solidFill>
+                  <a:sysClr val="windowText" lastClr="000000"/>
+                </a:solidFill>
+                <a:latin typeface="Calibri" panose="020F0502020204030204" pitchFamily="34" charset="0"/>
+                <a:ea typeface="Yu Mincho" panose="02020400000000000000" pitchFamily="18" charset="-128"/>
+                <a:cs typeface="Times New Roman" panose="02020603050405020304" pitchFamily="18" charset="0"/>
+              </a:rPr>
+              <a:t/>
+            </a:r>
             <a:br>
               <a:rPr lang="en-US" sz="1000" kern="0" dirty="0">
                 <a:solidFill>
@@ -12550,6 +12907,17 @@
               </a:rPr>
               <a:t> </a:t>
             </a:r>
+            <a:r>
+              <a:rPr lang="en-US" sz="800" kern="0" dirty="0">
+                <a:solidFill>
+                  <a:sysClr val="windowText" lastClr="000000"/>
+                </a:solidFill>
+                <a:latin typeface="Calibri" panose="020F0502020204030204" pitchFamily="34" charset="0"/>
+                <a:ea typeface="Yu Mincho" panose="02020400000000000000" pitchFamily="18" charset="-128"/>
+                <a:cs typeface="Times New Roman" panose="02020603050405020304" pitchFamily="18" charset="0"/>
+              </a:rPr>
+              <a:t/>
+            </a:r>
             <a:br>
               <a:rPr lang="en-US" sz="800" kern="0" dirty="0">
                 <a:solidFill>
@@ -12573,7 +12941,7 @@
     </p:spTree>
     <p:extLst>
       <p:ext uri="{BB962C8B-B14F-4D97-AF65-F5344CB8AC3E}">
-        <p14:creationId xmlns:p14="http://schemas.microsoft.com/office/powerpoint/2010/main" val="2573921310"/>
+        <p14:creationId xmlns:p14="http://schemas.microsoft.com/office/powerpoint/2010/main" xmlns="" val="2573921310"/>
       </p:ext>
     </p:extLst>
   </p:cSld>
@@ -12872,7 +13240,7 @@
   <a:extraClrSchemeLst/>
   <a:extLst>
     <a:ext uri="{05A4C25C-085E-4340-85A3-A5531E510DB2}">
-      <thm15:themeFamily xmlns:thm15="http://schemas.microsoft.com/office/thememl/2012/main" name="Tech presentation_Win32_LW_v2.potx" id="{3AEEB70B-72AA-432B-B699-7833EBF4B1FE}" vid="{14A49A59-25D4-4203-BE02-DE6939C7C5F6}"/>
+      <thm15:themeFamily xmlns:thm15="http://schemas.microsoft.com/office/thememl/2012/main" xmlns="" name="Tech presentation_Win32_LW_v2.potx" id="{3AEEB70B-72AA-432B-B699-7833EBF4B1FE}" vid="{14A49A59-25D4-4203-BE02-DE6939C7C5F6}"/>
     </a:ext>
   </a:extLst>
 </a:theme>
@@ -13167,7 +13535,7 @@
   <a:extraClrSchemeLst/>
   <a:extLst>
     <a:ext uri="{05A4C25C-085E-4340-85A3-A5531E510DB2}">
-      <thm15:themeFamily xmlns:thm15="http://schemas.microsoft.com/office/thememl/2012/main" name="Office Theme" id="{62F939B6-93AF-4DB8-9C6B-D6C7DFDC589F}" vid="{4A3C46E8-61CC-4603-A589-7422A47A8E4A}"/>
+      <thm15:themeFamily xmlns:thm15="http://schemas.microsoft.com/office/thememl/2012/main" xmlns="" name="Office Theme" id="{62F939B6-93AF-4DB8-9C6B-D6C7DFDC589F}" vid="{4A3C46E8-61CC-4603-A589-7422A47A8E4A}"/>
     </a:ext>
   </a:extLst>
 </a:theme>
@@ -13462,19 +13830,19 @@
   <a:extraClrSchemeLst/>
   <a:extLst>
     <a:ext uri="{05A4C25C-085E-4340-85A3-A5531E510DB2}">
-      <thm15:themeFamily xmlns:thm15="http://schemas.microsoft.com/office/thememl/2012/main" name="Office Theme" id="{62F939B6-93AF-4DB8-9C6B-D6C7DFDC589F}" vid="{4A3C46E8-61CC-4603-A589-7422A47A8E4A}"/>
+      <thm15:themeFamily xmlns:thm15="http://schemas.microsoft.com/office/thememl/2012/main" xmlns="" name="Office Theme" id="{62F939B6-93AF-4DB8-9C6B-D6C7DFDC589F}" vid="{4A3C46E8-61CC-4603-A589-7422A47A8E4A}"/>
     </a:ext>
   </a:extLst>
 </a:theme>
 </file>
 
 <file path=customXml/item1.xml><?xml version="1.0" encoding="utf-8"?>
-<?mso-contentType ?>
-<FormTemplates xmlns="http://schemas.microsoft.com/sharepoint/v3/contenttype/forms">
-  <Display>DocumentLibraryForm</Display>
-  <Edit>DocumentLibraryForm</Edit>
-  <New>DocumentLibraryForm</New>
-</FormTemplates>
+<p:properties xmlns:p="http://schemas.microsoft.com/office/2006/metadata/properties" xmlns:xsi="http://www.w3.org/2001/XMLSchema-instance" xmlns:pc="http://schemas.microsoft.com/office/infopath/2007/PartnerControls">
+  <documentManagement>
+    <Status xmlns="71af3243-3dd4-4a8d-8c0d-dd76da1f02a5">Not started</Status>
+    <MediaServiceKeyPoints xmlns="71af3243-3dd4-4a8d-8c0d-dd76da1f02a5" xsi:nil="true"/>
+  </documentManagement>
+</p:properties>
 </file>
 
 <file path=customXml/item2.xml><?xml version="1.0" encoding="utf-8"?>
@@ -13699,18 +14067,20 @@
 </file>
 
 <file path=customXml/item3.xml><?xml version="1.0" encoding="utf-8"?>
-<p:properties xmlns:p="http://schemas.microsoft.com/office/2006/metadata/properties" xmlns:xsi="http://www.w3.org/2001/XMLSchema-instance" xmlns:pc="http://schemas.microsoft.com/office/infopath/2007/PartnerControls">
-  <documentManagement>
-    <Status xmlns="71af3243-3dd4-4a8d-8c0d-dd76da1f02a5">Not started</Status>
-    <MediaServiceKeyPoints xmlns="71af3243-3dd4-4a8d-8c0d-dd76da1f02a5" xsi:nil="true"/>
-  </documentManagement>
-</p:properties>
+<?mso-contentType ?>
+<FormTemplates xmlns="http://schemas.microsoft.com/sharepoint/v3/contenttype/forms">
+  <Display>DocumentLibraryForm</Display>
+  <Edit>DocumentLibraryForm</Edit>
+  <New>DocumentLibraryForm</New>
+</FormTemplates>
 </file>
 
 <file path=customXml/itemProps1.xml><?xml version="1.0" encoding="utf-8"?>
-<ds:datastoreItem xmlns:ds="http://schemas.openxmlformats.org/officeDocument/2006/customXml" ds:itemID="{1B7E2D32-4FDD-4266-880C-17595B801432}">
+<ds:datastoreItem xmlns:ds="http://schemas.openxmlformats.org/officeDocument/2006/customXml" ds:itemID="{E3D9F223-918A-45AF-9B53-56AB9E5E2182}">
   <ds:schemaRefs>
-    <ds:schemaRef ds:uri="http://schemas.microsoft.com/sharepoint/v3/contenttype/forms"/>
+    <ds:schemaRef ds:uri="http://schemas.microsoft.com/office/2006/metadata/properties"/>
+    <ds:schemaRef ds:uri="http://schemas.microsoft.com/office/infopath/2007/PartnerControls"/>
+    <ds:schemaRef ds:uri="71af3243-3dd4-4a8d-8c0d-dd76da1f02a5"/>
   </ds:schemaRefs>
 </ds:datastoreItem>
 </file>
@@ -13735,11 +14105,9 @@
 </file>
 
 <file path=customXml/itemProps3.xml><?xml version="1.0" encoding="utf-8"?>
-<ds:datastoreItem xmlns:ds="http://schemas.openxmlformats.org/officeDocument/2006/customXml" ds:itemID="{E3D9F223-918A-45AF-9B53-56AB9E5E2182}">
+<ds:datastoreItem xmlns:ds="http://schemas.openxmlformats.org/officeDocument/2006/customXml" ds:itemID="{1B7E2D32-4FDD-4266-880C-17595B801432}">
   <ds:schemaRefs>
-    <ds:schemaRef ds:uri="http://schemas.microsoft.com/office/2006/metadata/properties"/>
-    <ds:schemaRef ds:uri="http://schemas.microsoft.com/office/infopath/2007/PartnerControls"/>
-    <ds:schemaRef ds:uri="71af3243-3dd4-4a8d-8c0d-dd76da1f02a5"/>
+    <ds:schemaRef ds:uri="http://schemas.microsoft.com/sharepoint/v3/contenttype/forms"/>
   </ds:schemaRefs>
 </ds:datastoreItem>
 </file>
--- a/CentRes.pptx
+++ b/CentRes.pptx
@@ -5,10 +5,10 @@
     <p:sldMasterId id="2147483648" r:id="rId4"/>
   </p:sldMasterIdLst>
   <p:notesMasterIdLst>
-    <p:notesMasterId r:id="rId27"/>
+    <p:notesMasterId r:id="rId29"/>
   </p:notesMasterIdLst>
   <p:handoutMasterIdLst>
-    <p:handoutMasterId r:id="rId28"/>
+    <p:handoutMasterId r:id="rId30"/>
   </p:handoutMasterIdLst>
   <p:sldIdLst>
     <p:sldId id="2448" r:id="rId5"/>
@@ -26,13 +26,15 @@
     <p:sldId id="2474" r:id="rId17"/>
     <p:sldId id="2475" r:id="rId18"/>
     <p:sldId id="2456" r:id="rId19"/>
-    <p:sldId id="2468" r:id="rId20"/>
-    <p:sldId id="2470" r:id="rId21"/>
-    <p:sldId id="2473" r:id="rId22"/>
-    <p:sldId id="2477" r:id="rId23"/>
-    <p:sldId id="2471" r:id="rId24"/>
-    <p:sldId id="2472" r:id="rId25"/>
-    <p:sldId id="2436" r:id="rId26"/>
+    <p:sldId id="2478" r:id="rId20"/>
+    <p:sldId id="2468" r:id="rId21"/>
+    <p:sldId id="2479" r:id="rId22"/>
+    <p:sldId id="2470" r:id="rId23"/>
+    <p:sldId id="2473" r:id="rId24"/>
+    <p:sldId id="2477" r:id="rId25"/>
+    <p:sldId id="2471" r:id="rId26"/>
+    <p:sldId id="2472" r:id="rId27"/>
+    <p:sldId id="2436" r:id="rId28"/>
   </p:sldIdLst>
   <p:sldSz cx="12192000" cy="6858000"/>
   <p:notesSz cx="6858000" cy="9144000"/>
@@ -133,7 +135,7 @@
   </p:defaultTextStyle>
   <p:extLst>
     <p:ext uri="{EFAFB233-063F-42B5-8137-9DF3F51BA10A}">
-      <p15:sldGuideLst xmlns:p15="http://schemas.microsoft.com/office/powerpoint/2012/main" xmlns="">
+      <p15:sldGuideLst xmlns:p15="http://schemas.microsoft.com/office/powerpoint/2012/main">
         <p15:guide id="1" orient="horz" pos="1992" userDrawn="1">
           <p15:clr>
             <a:srgbClr val="A4A3A4"/>
@@ -152,7 +154,7 @@
       </p15:sldGuideLst>
     </p:ext>
     <p:ext uri="{2D200454-40CA-4A62-9FC3-DE9A4176ACB9}">
-      <p15:notesGuideLst xmlns:p15="http://schemas.microsoft.com/office/powerpoint/2012/main" xmlns=""/>
+      <p15:notesGuideLst xmlns:p15="http://schemas.microsoft.com/office/powerpoint/2012/main"/>
     </p:ext>
   </p:extLst>
 </p:presentation>
@@ -185,7 +187,7 @@
           <p:cNvPr id="2" name="Header Placeholder 1">
             <a:extLst>
               <a:ext uri="{FF2B5EF4-FFF2-40B4-BE49-F238E27FC236}">
-                <a16:creationId xmlns:a16="http://schemas.microsoft.com/office/drawing/2014/main" xmlns="" id="{0F97DFCF-F890-A143-9133-C8B65C9B01EF}"/>
+                <a16:creationId xmlns:a16="http://schemas.microsoft.com/office/drawing/2014/main" id="{0F97DFCF-F890-A143-9133-C8B65C9B01EF}"/>
               </a:ext>
             </a:extLst>
           </p:cNvPr>
@@ -222,7 +224,7 @@
           <p:cNvPr id="3" name="Date Placeholder 2">
             <a:extLst>
               <a:ext uri="{FF2B5EF4-FFF2-40B4-BE49-F238E27FC236}">
-                <a16:creationId xmlns:a16="http://schemas.microsoft.com/office/drawing/2014/main" xmlns="" id="{EFE2C281-2434-D94F-B4BD-BA3CD4DB8440}"/>
+                <a16:creationId xmlns:a16="http://schemas.microsoft.com/office/drawing/2014/main" id="{EFE2C281-2434-D94F-B4BD-BA3CD4DB8440}"/>
               </a:ext>
             </a:extLst>
           </p:cNvPr>
@@ -253,7 +255,7 @@
             <a:fld id="{966D5B4E-BF3E-3B45-A4BA-D6C3B92870D7}" type="datetimeFigureOut">
               <a:rPr lang="en-US" smtClean="0"/>
               <a:pPr/>
-              <a:t>11/12/2022</a:t>
+              <a:t>11/13/2022</a:t>
             </a:fld>
             <a:endParaRPr lang="en-US" dirty="0"/>
           </a:p>
@@ -264,7 +266,7 @@
           <p:cNvPr id="4" name="Footer Placeholder 3">
             <a:extLst>
               <a:ext uri="{FF2B5EF4-FFF2-40B4-BE49-F238E27FC236}">
-                <a16:creationId xmlns:a16="http://schemas.microsoft.com/office/drawing/2014/main" xmlns="" id="{5C17CBFA-633D-5540-AFAA-BE1F495EC62F}"/>
+                <a16:creationId xmlns:a16="http://schemas.microsoft.com/office/drawing/2014/main" id="{5C17CBFA-633D-5540-AFAA-BE1F495EC62F}"/>
               </a:ext>
             </a:extLst>
           </p:cNvPr>
@@ -301,7 +303,7 @@
           <p:cNvPr id="5" name="Slide Number Placeholder 4">
             <a:extLst>
               <a:ext uri="{FF2B5EF4-FFF2-40B4-BE49-F238E27FC236}">
-                <a16:creationId xmlns:a16="http://schemas.microsoft.com/office/drawing/2014/main" xmlns="" id="{826B5631-D714-AD41-853B-A883ADC344D5}"/>
+                <a16:creationId xmlns:a16="http://schemas.microsoft.com/office/drawing/2014/main" id="{826B5631-D714-AD41-853B-A883ADC344D5}"/>
               </a:ext>
             </a:extLst>
           </p:cNvPr>
@@ -341,7 +343,7 @@
     </p:spTree>
     <p:extLst>
       <p:ext uri="{BB962C8B-B14F-4D97-AF65-F5344CB8AC3E}">
-        <p14:creationId xmlns:p14="http://schemas.microsoft.com/office/powerpoint/2010/main" xmlns="" val="4273987054"/>
+        <p14:creationId xmlns:p14="http://schemas.microsoft.com/office/powerpoint/2010/main" val="4273987054"/>
       </p:ext>
     </p:extLst>
   </p:cSld>
@@ -432,7 +434,7 @@
             <a:fld id="{F5A8621B-8C8E-49BA-8772-41D0FE75A082}" type="datetimeFigureOut">
               <a:rPr lang="en-US" smtClean="0"/>
               <a:pPr/>
-              <a:t>11/12/2022</a:t>
+              <a:t>11/13/2022</a:t>
             </a:fld>
             <a:endParaRPr lang="en-US" dirty="0"/>
           </a:p>
@@ -600,7 +602,7 @@
     </p:spTree>
     <p:extLst>
       <p:ext uri="{BB962C8B-B14F-4D97-AF65-F5344CB8AC3E}">
-        <p14:creationId xmlns:p14="http://schemas.microsoft.com/office/powerpoint/2010/main" xmlns="" val="4225970632"/>
+        <p14:creationId xmlns:p14="http://schemas.microsoft.com/office/powerpoint/2010/main" val="4225970632"/>
       </p:ext>
     </p:extLst>
   </p:cSld>
@@ -775,7 +777,7 @@
     </p:spTree>
     <p:extLst>
       <p:ext uri="{BB962C8B-B14F-4D97-AF65-F5344CB8AC3E}">
-        <p14:creationId xmlns:p14="http://schemas.microsoft.com/office/powerpoint/2010/main" xmlns="" val="1632949142"/>
+        <p14:creationId xmlns:p14="http://schemas.microsoft.com/office/powerpoint/2010/main" val="1632949142"/>
       </p:ext>
     </p:extLst>
   </p:cSld>
@@ -860,7 +862,7 @@
     </p:spTree>
     <p:extLst>
       <p:ext uri="{BB962C8B-B14F-4D97-AF65-F5344CB8AC3E}">
-        <p14:creationId xmlns:p14="http://schemas.microsoft.com/office/powerpoint/2010/main" xmlns="" val="444968136"/>
+        <p14:creationId xmlns:p14="http://schemas.microsoft.com/office/powerpoint/2010/main" val="444968136"/>
       </p:ext>
     </p:extLst>
   </p:cSld>
@@ -945,7 +947,7 @@
     </p:spTree>
     <p:extLst>
       <p:ext uri="{BB962C8B-B14F-4D97-AF65-F5344CB8AC3E}">
-        <p14:creationId xmlns:p14="http://schemas.microsoft.com/office/powerpoint/2010/main" xmlns="" val="1632949142"/>
+        <p14:creationId xmlns:p14="http://schemas.microsoft.com/office/powerpoint/2010/main" val="1632949142"/>
       </p:ext>
     </p:extLst>
   </p:cSld>
@@ -1030,7 +1032,7 @@
     </p:spTree>
     <p:extLst>
       <p:ext uri="{BB962C8B-B14F-4D97-AF65-F5344CB8AC3E}">
-        <p14:creationId xmlns:p14="http://schemas.microsoft.com/office/powerpoint/2010/main" xmlns="" val="2477358710"/>
+        <p14:creationId xmlns:p14="http://schemas.microsoft.com/office/powerpoint/2010/main" val="2247021034"/>
       </p:ext>
     </p:extLst>
   </p:cSld>
@@ -1115,7 +1117,7 @@
     </p:spTree>
     <p:extLst>
       <p:ext uri="{BB962C8B-B14F-4D97-AF65-F5344CB8AC3E}">
-        <p14:creationId xmlns:p14="http://schemas.microsoft.com/office/powerpoint/2010/main" xmlns="" val="1852594838"/>
+        <p14:creationId xmlns:p14="http://schemas.microsoft.com/office/powerpoint/2010/main" val="2477358710"/>
       </p:ext>
     </p:extLst>
   </p:cSld>
@@ -1200,7 +1202,7 @@
     </p:spTree>
     <p:extLst>
       <p:ext uri="{BB962C8B-B14F-4D97-AF65-F5344CB8AC3E}">
-        <p14:creationId xmlns:p14="http://schemas.microsoft.com/office/powerpoint/2010/main" xmlns="" val="3809423074"/>
+        <p14:creationId xmlns:p14="http://schemas.microsoft.com/office/powerpoint/2010/main" val="565402537"/>
       </p:ext>
     </p:extLst>
   </p:cSld>
@@ -1285,7 +1287,177 @@
     </p:spTree>
     <p:extLst>
       <p:ext uri="{BB962C8B-B14F-4D97-AF65-F5344CB8AC3E}">
-        <p14:creationId xmlns:p14="http://schemas.microsoft.com/office/powerpoint/2010/main" xmlns="" val="2759226863"/>
+        <p14:creationId xmlns:p14="http://schemas.microsoft.com/office/powerpoint/2010/main" val="1852594838"/>
+      </p:ext>
+    </p:extLst>
+  </p:cSld>
+  <p:clrMapOvr>
+    <a:masterClrMapping/>
+  </p:clrMapOvr>
+</p:notes>
+</file>
+
+<file path=ppt/notesSlides/notesSlide8.xml><?xml version="1.0" encoding="utf-8"?>
+<p:notes xmlns:a="http://schemas.openxmlformats.org/drawingml/2006/main" xmlns:r="http://schemas.openxmlformats.org/officeDocument/2006/relationships" xmlns:p="http://schemas.openxmlformats.org/presentationml/2006/main">
+  <p:cSld>
+    <p:spTree>
+      <p:nvGrpSpPr>
+        <p:cNvPr id="1" name=""/>
+        <p:cNvGrpSpPr/>
+        <p:nvPr/>
+      </p:nvGrpSpPr>
+      <p:grpSpPr>
+        <a:xfrm>
+          <a:off x="0" y="0"/>
+          <a:ext cx="0" cy="0"/>
+          <a:chOff x="0" y="0"/>
+          <a:chExt cx="0" cy="0"/>
+        </a:xfrm>
+      </p:grpSpPr>
+      <p:sp>
+        <p:nvSpPr>
+          <p:cNvPr id="2" name="Slide Image Placeholder 1"/>
+          <p:cNvSpPr>
+            <a:spLocks noGrp="1" noRot="1" noChangeAspect="1"/>
+          </p:cNvSpPr>
+          <p:nvPr>
+            <p:ph type="sldImg"/>
+          </p:nvPr>
+        </p:nvSpPr>
+        <p:spPr/>
+      </p:sp>
+      <p:sp>
+        <p:nvSpPr>
+          <p:cNvPr id="3" name="Notes Placeholder 2"/>
+          <p:cNvSpPr>
+            <a:spLocks noGrp="1"/>
+          </p:cNvSpPr>
+          <p:nvPr>
+            <p:ph type="body" idx="1"/>
+          </p:nvPr>
+        </p:nvSpPr>
+        <p:spPr/>
+        <p:txBody>
+          <a:bodyPr/>
+          <a:lstStyle/>
+          <a:p>
+            <a:endParaRPr lang="en-US" dirty="0"/>
+          </a:p>
+        </p:txBody>
+      </p:sp>
+      <p:sp>
+        <p:nvSpPr>
+          <p:cNvPr id="4" name="Slide Number Placeholder 3"/>
+          <p:cNvSpPr>
+            <a:spLocks noGrp="1"/>
+          </p:cNvSpPr>
+          <p:nvPr>
+            <p:ph type="sldNum" sz="quarter" idx="5"/>
+          </p:nvPr>
+        </p:nvSpPr>
+        <p:spPr/>
+        <p:txBody>
+          <a:bodyPr/>
+          <a:lstStyle/>
+          <a:p>
+            <a:fld id="{228B34ED-4CDD-41C9-90F7-D768D5559A6F}" type="slidenum">
+              <a:rPr lang="en-US" smtClean="0"/>
+              <a:pPr/>
+              <a:t>20</a:t>
+            </a:fld>
+            <a:endParaRPr lang="en-US" dirty="0"/>
+          </a:p>
+        </p:txBody>
+      </p:sp>
+    </p:spTree>
+    <p:extLst>
+      <p:ext uri="{BB962C8B-B14F-4D97-AF65-F5344CB8AC3E}">
+        <p14:creationId xmlns:p14="http://schemas.microsoft.com/office/powerpoint/2010/main" val="3809423074"/>
+      </p:ext>
+    </p:extLst>
+  </p:cSld>
+  <p:clrMapOvr>
+    <a:masterClrMapping/>
+  </p:clrMapOvr>
+</p:notes>
+</file>
+
+<file path=ppt/notesSlides/notesSlide9.xml><?xml version="1.0" encoding="utf-8"?>
+<p:notes xmlns:a="http://schemas.openxmlformats.org/drawingml/2006/main" xmlns:r="http://schemas.openxmlformats.org/officeDocument/2006/relationships" xmlns:p="http://schemas.openxmlformats.org/presentationml/2006/main">
+  <p:cSld>
+    <p:spTree>
+      <p:nvGrpSpPr>
+        <p:cNvPr id="1" name=""/>
+        <p:cNvGrpSpPr/>
+        <p:nvPr/>
+      </p:nvGrpSpPr>
+      <p:grpSpPr>
+        <a:xfrm>
+          <a:off x="0" y="0"/>
+          <a:ext cx="0" cy="0"/>
+          <a:chOff x="0" y="0"/>
+          <a:chExt cx="0" cy="0"/>
+        </a:xfrm>
+      </p:grpSpPr>
+      <p:sp>
+        <p:nvSpPr>
+          <p:cNvPr id="2" name="Slide Image Placeholder 1"/>
+          <p:cNvSpPr>
+            <a:spLocks noGrp="1" noRot="1" noChangeAspect="1"/>
+          </p:cNvSpPr>
+          <p:nvPr>
+            <p:ph type="sldImg"/>
+          </p:nvPr>
+        </p:nvSpPr>
+        <p:spPr/>
+      </p:sp>
+      <p:sp>
+        <p:nvSpPr>
+          <p:cNvPr id="3" name="Notes Placeholder 2"/>
+          <p:cNvSpPr>
+            <a:spLocks noGrp="1"/>
+          </p:cNvSpPr>
+          <p:nvPr>
+            <p:ph type="body" idx="1"/>
+          </p:nvPr>
+        </p:nvSpPr>
+        <p:spPr/>
+        <p:txBody>
+          <a:bodyPr/>
+          <a:lstStyle/>
+          <a:p>
+            <a:endParaRPr lang="en-US" dirty="0"/>
+          </a:p>
+        </p:txBody>
+      </p:sp>
+      <p:sp>
+        <p:nvSpPr>
+          <p:cNvPr id="4" name="Slide Number Placeholder 3"/>
+          <p:cNvSpPr>
+            <a:spLocks noGrp="1"/>
+          </p:cNvSpPr>
+          <p:nvPr>
+            <p:ph type="sldNum" sz="quarter" idx="5"/>
+          </p:nvPr>
+        </p:nvSpPr>
+        <p:spPr/>
+        <p:txBody>
+          <a:bodyPr/>
+          <a:lstStyle/>
+          <a:p>
+            <a:fld id="{228B34ED-4CDD-41C9-90F7-D768D5559A6F}" type="slidenum">
+              <a:rPr lang="en-US" smtClean="0"/>
+              <a:pPr/>
+              <a:t>21</a:t>
+            </a:fld>
+            <a:endParaRPr lang="en-US" dirty="0"/>
+          </a:p>
+        </p:txBody>
+      </p:sp>
+    </p:spTree>
+    <p:extLst>
+      <p:ext uri="{BB962C8B-B14F-4D97-AF65-F5344CB8AC3E}">
+        <p14:creationId xmlns:p14="http://schemas.microsoft.com/office/powerpoint/2010/main" val="2759226863"/>
       </p:ext>
     </p:extLst>
   </p:cSld>
@@ -1322,7 +1494,7 @@
           <p:cNvPr id="3" name="Picture Placeholder 2">
             <a:extLst>
               <a:ext uri="{FF2B5EF4-FFF2-40B4-BE49-F238E27FC236}">
-                <a16:creationId xmlns:a16="http://schemas.microsoft.com/office/drawing/2014/main" xmlns="" id="{DE635FD8-712D-4EE2-A5B6-3DD8DE9C25E9}"/>
+                <a16:creationId xmlns:a16="http://schemas.microsoft.com/office/drawing/2014/main" id="{DE635FD8-712D-4EE2-A5B6-3DD8DE9C25E9}"/>
               </a:ext>
             </a:extLst>
           </p:cNvPr>
@@ -1361,7 +1533,7 @@
           <p:cNvPr id="14" name="Text Placeholder 13">
             <a:extLst>
               <a:ext uri="{FF2B5EF4-FFF2-40B4-BE49-F238E27FC236}">
-                <a16:creationId xmlns:a16="http://schemas.microsoft.com/office/drawing/2014/main" xmlns="" id="{F80209DF-C4D9-43B8-AA05-F53619153042}"/>
+                <a16:creationId xmlns:a16="http://schemas.microsoft.com/office/drawing/2014/main" id="{F80209DF-C4D9-43B8-AA05-F53619153042}"/>
               </a:ext>
             </a:extLst>
           </p:cNvPr>
@@ -1410,7 +1582,7 @@
           <p:cNvPr id="7" name="Text Placeholder 6">
             <a:extLst>
               <a:ext uri="{FF2B5EF4-FFF2-40B4-BE49-F238E27FC236}">
-                <a16:creationId xmlns:a16="http://schemas.microsoft.com/office/drawing/2014/main" xmlns="" id="{758235C5-25B1-4243-9762-4AAD3C08E8BE}"/>
+                <a16:creationId xmlns:a16="http://schemas.microsoft.com/office/drawing/2014/main" id="{758235C5-25B1-4243-9762-4AAD3C08E8BE}"/>
               </a:ext>
             </a:extLst>
           </p:cNvPr>
@@ -1468,7 +1640,7 @@
           <p:cNvPr id="2" name="Title 1">
             <a:extLst>
               <a:ext uri="{FF2B5EF4-FFF2-40B4-BE49-F238E27FC236}">
-                <a16:creationId xmlns:a16="http://schemas.microsoft.com/office/drawing/2014/main" xmlns="" id="{298B2C6E-DB6F-4476-8E95-9F6EC79392FD}"/>
+                <a16:creationId xmlns:a16="http://schemas.microsoft.com/office/drawing/2014/main" id="{298B2C6E-DB6F-4476-8E95-9F6EC79392FD}"/>
               </a:ext>
             </a:extLst>
           </p:cNvPr>
@@ -1511,7 +1683,7 @@
     </p:spTree>
     <p:extLst>
       <p:ext uri="{BB962C8B-B14F-4D97-AF65-F5344CB8AC3E}">
-        <p14:creationId xmlns:p14="http://schemas.microsoft.com/office/powerpoint/2010/main" xmlns="" val="3182303122"/>
+        <p14:creationId xmlns:p14="http://schemas.microsoft.com/office/powerpoint/2010/main" val="3182303122"/>
       </p:ext>
     </p:extLst>
   </p:cSld>
@@ -1543,7 +1715,7 @@
           <p:cNvPr id="9" name="Picture Placeholder 8">
             <a:extLst>
               <a:ext uri="{FF2B5EF4-FFF2-40B4-BE49-F238E27FC236}">
-                <a16:creationId xmlns:a16="http://schemas.microsoft.com/office/drawing/2014/main" xmlns="" id="{186FE9B2-6286-484B-8943-95EE0B6B0267}"/>
+                <a16:creationId xmlns:a16="http://schemas.microsoft.com/office/drawing/2014/main" id="{186FE9B2-6286-484B-8943-95EE0B6B0267}"/>
               </a:ext>
             </a:extLst>
           </p:cNvPr>
@@ -1583,7 +1755,7 @@
           <p:cNvPr id="11" name="Slide Number Placeholder 5">
             <a:extLst>
               <a:ext uri="{FF2B5EF4-FFF2-40B4-BE49-F238E27FC236}">
-                <a16:creationId xmlns:a16="http://schemas.microsoft.com/office/drawing/2014/main" xmlns="" id="{7D4E8708-8565-4A5B-9D9E-1D4F40EAF909}"/>
+                <a16:creationId xmlns:a16="http://schemas.microsoft.com/office/drawing/2014/main" id="{7D4E8708-8565-4A5B-9D9E-1D4F40EAF909}"/>
               </a:ext>
             </a:extLst>
           </p:cNvPr>
@@ -1631,7 +1803,7 @@
           <p:cNvPr id="16" name="Content Placeholder 8">
             <a:extLst>
               <a:ext uri="{FF2B5EF4-FFF2-40B4-BE49-F238E27FC236}">
-                <a16:creationId xmlns:a16="http://schemas.microsoft.com/office/drawing/2014/main" xmlns="" id="{42436126-0370-4532-A8AD-D20897982AD2}"/>
+                <a16:creationId xmlns:a16="http://schemas.microsoft.com/office/drawing/2014/main" id="{42436126-0370-4532-A8AD-D20897982AD2}"/>
               </a:ext>
             </a:extLst>
           </p:cNvPr>
@@ -1684,7 +1856,7 @@
           <p:cNvPr id="17" name="Slide Number Placeholder 70">
             <a:extLst>
               <a:ext uri="{FF2B5EF4-FFF2-40B4-BE49-F238E27FC236}">
-                <a16:creationId xmlns:a16="http://schemas.microsoft.com/office/drawing/2014/main" xmlns="" id="{AEC105AD-E933-4969-B038-0ABD6F013167}"/>
+                <a16:creationId xmlns:a16="http://schemas.microsoft.com/office/drawing/2014/main" id="{AEC105AD-E933-4969-B038-0ABD6F013167}"/>
               </a:ext>
             </a:extLst>
           </p:cNvPr>
@@ -1816,7 +1988,7 @@
           <p:cNvPr id="7" name="Title 1">
             <a:extLst>
               <a:ext uri="{FF2B5EF4-FFF2-40B4-BE49-F238E27FC236}">
-                <a16:creationId xmlns:a16="http://schemas.microsoft.com/office/drawing/2014/main" xmlns="" id="{76CDEBF2-B5C9-4887-B717-81C3D1A73CA9}"/>
+                <a16:creationId xmlns:a16="http://schemas.microsoft.com/office/drawing/2014/main" id="{76CDEBF2-B5C9-4887-B717-81C3D1A73CA9}"/>
               </a:ext>
             </a:extLst>
           </p:cNvPr>
@@ -1866,10 +2038,10 @@
           <p:cNvPr id="2" name="Rectangle 1">
             <a:extLst>
               <a:ext uri="{FF2B5EF4-FFF2-40B4-BE49-F238E27FC236}">
-                <a16:creationId xmlns:a16="http://schemas.microsoft.com/office/drawing/2014/main" xmlns="" id="{016A7FA3-8C13-4E5A-88C4-4357C8ACD73E}"/>
+                <a16:creationId xmlns:a16="http://schemas.microsoft.com/office/drawing/2014/main" id="{016A7FA3-8C13-4E5A-88C4-4357C8ACD73E}"/>
               </a:ext>
               <a:ext uri="{C183D7F6-B498-43B3-948B-1728B52AA6E4}">
-                <adec:decorative xmlns:adec="http://schemas.microsoft.com/office/drawing/2017/decorative" xmlns="" val="1"/>
+                <adec:decorative xmlns:adec="http://schemas.microsoft.com/office/drawing/2017/decorative" val="1"/>
               </a:ext>
             </a:extLst>
           </p:cNvPr>
@@ -1934,7 +2106,7 @@
     </p:spTree>
     <p:extLst>
       <p:ext uri="{BB962C8B-B14F-4D97-AF65-F5344CB8AC3E}">
-        <p14:creationId xmlns:p14="http://schemas.microsoft.com/office/powerpoint/2010/main" xmlns="" val="3713196804"/>
+        <p14:creationId xmlns:p14="http://schemas.microsoft.com/office/powerpoint/2010/main" val="3713196804"/>
       </p:ext>
     </p:extLst>
   </p:cSld>
@@ -1971,7 +2143,7 @@
           <p:cNvPr id="3" name="Picture Placeholder 2">
             <a:extLst>
               <a:ext uri="{FF2B5EF4-FFF2-40B4-BE49-F238E27FC236}">
-                <a16:creationId xmlns:a16="http://schemas.microsoft.com/office/drawing/2014/main" xmlns="" id="{DE635FD8-712D-4EE2-A5B6-3DD8DE9C25E9}"/>
+                <a16:creationId xmlns:a16="http://schemas.microsoft.com/office/drawing/2014/main" id="{DE635FD8-712D-4EE2-A5B6-3DD8DE9C25E9}"/>
               </a:ext>
             </a:extLst>
           </p:cNvPr>
@@ -2010,7 +2182,7 @@
           <p:cNvPr id="6" name="Title 5">
             <a:extLst>
               <a:ext uri="{FF2B5EF4-FFF2-40B4-BE49-F238E27FC236}">
-                <a16:creationId xmlns:a16="http://schemas.microsoft.com/office/drawing/2014/main" xmlns="" id="{D9074D0F-754F-4F2C-A410-F222D2D2346E}"/>
+                <a16:creationId xmlns:a16="http://schemas.microsoft.com/office/drawing/2014/main" id="{D9074D0F-754F-4F2C-A410-F222D2D2346E}"/>
               </a:ext>
             </a:extLst>
           </p:cNvPr>
@@ -2046,7 +2218,7 @@
           <p:cNvPr id="14" name="Text Placeholder 13">
             <a:extLst>
               <a:ext uri="{FF2B5EF4-FFF2-40B4-BE49-F238E27FC236}">
-                <a16:creationId xmlns:a16="http://schemas.microsoft.com/office/drawing/2014/main" xmlns="" id="{F80209DF-C4D9-43B8-AA05-F53619153042}"/>
+                <a16:creationId xmlns:a16="http://schemas.microsoft.com/office/drawing/2014/main" id="{F80209DF-C4D9-43B8-AA05-F53619153042}"/>
               </a:ext>
             </a:extLst>
           </p:cNvPr>
@@ -2113,7 +2285,7 @@
           <p:cNvPr id="31" name="Text Placeholder 13">
             <a:extLst>
               <a:ext uri="{FF2B5EF4-FFF2-40B4-BE49-F238E27FC236}">
-                <a16:creationId xmlns:a16="http://schemas.microsoft.com/office/drawing/2014/main" xmlns="" id="{1D89734B-03E0-4ADE-8F62-C819F3E976D5}"/>
+                <a16:creationId xmlns:a16="http://schemas.microsoft.com/office/drawing/2014/main" id="{1D89734B-03E0-4ADE-8F62-C819F3E976D5}"/>
               </a:ext>
             </a:extLst>
           </p:cNvPr>
@@ -2162,7 +2334,7 @@
           <p:cNvPr id="32" name="Text Placeholder 13">
             <a:extLst>
               <a:ext uri="{FF2B5EF4-FFF2-40B4-BE49-F238E27FC236}">
-                <a16:creationId xmlns:a16="http://schemas.microsoft.com/office/drawing/2014/main" xmlns="" id="{85971F4D-8B59-4B3E-9169-64E0EF1BA85F}"/>
+                <a16:creationId xmlns:a16="http://schemas.microsoft.com/office/drawing/2014/main" id="{85971F4D-8B59-4B3E-9169-64E0EF1BA85F}"/>
               </a:ext>
             </a:extLst>
           </p:cNvPr>
@@ -2211,7 +2383,7 @@
           <p:cNvPr id="33" name="Text Placeholder 13">
             <a:extLst>
               <a:ext uri="{FF2B5EF4-FFF2-40B4-BE49-F238E27FC236}">
-                <a16:creationId xmlns:a16="http://schemas.microsoft.com/office/drawing/2014/main" xmlns="" id="{90B19777-E2ED-419C-B486-857117FD081B}"/>
+                <a16:creationId xmlns:a16="http://schemas.microsoft.com/office/drawing/2014/main" id="{90B19777-E2ED-419C-B486-857117FD081B}"/>
               </a:ext>
             </a:extLst>
           </p:cNvPr>
@@ -2260,7 +2432,7 @@
           <p:cNvPr id="34" name="Online Image Placeholder 33">
             <a:extLst>
               <a:ext uri="{FF2B5EF4-FFF2-40B4-BE49-F238E27FC236}">
-                <a16:creationId xmlns:a16="http://schemas.microsoft.com/office/drawing/2014/main" xmlns="" id="{1A58EB44-F532-4998-B316-61C738C37BF5}"/>
+                <a16:creationId xmlns:a16="http://schemas.microsoft.com/office/drawing/2014/main" id="{1A58EB44-F532-4998-B316-61C738C37BF5}"/>
               </a:ext>
             </a:extLst>
           </p:cNvPr>
@@ -2300,7 +2472,7 @@
           <p:cNvPr id="35" name="Online Image Placeholder 33">
             <a:extLst>
               <a:ext uri="{FF2B5EF4-FFF2-40B4-BE49-F238E27FC236}">
-                <a16:creationId xmlns:a16="http://schemas.microsoft.com/office/drawing/2014/main" xmlns="" id="{33763C3C-3545-40BD-9B2C-DC4C0E4CE819}"/>
+                <a16:creationId xmlns:a16="http://schemas.microsoft.com/office/drawing/2014/main" id="{33763C3C-3545-40BD-9B2C-DC4C0E4CE819}"/>
               </a:ext>
             </a:extLst>
           </p:cNvPr>
@@ -2340,7 +2512,7 @@
           <p:cNvPr id="36" name="Online Image Placeholder 33">
             <a:extLst>
               <a:ext uri="{FF2B5EF4-FFF2-40B4-BE49-F238E27FC236}">
-                <a16:creationId xmlns:a16="http://schemas.microsoft.com/office/drawing/2014/main" xmlns="" id="{1C5D3777-17F3-4225-8C52-2EF1DB4FD54A}"/>
+                <a16:creationId xmlns:a16="http://schemas.microsoft.com/office/drawing/2014/main" id="{1C5D3777-17F3-4225-8C52-2EF1DB4FD54A}"/>
               </a:ext>
             </a:extLst>
           </p:cNvPr>
@@ -2378,7 +2550,7 @@
     </p:spTree>
     <p:extLst>
       <p:ext uri="{BB962C8B-B14F-4D97-AF65-F5344CB8AC3E}">
-        <p14:creationId xmlns:p14="http://schemas.microsoft.com/office/powerpoint/2010/main" xmlns="" val="3173740392"/>
+        <p14:creationId xmlns:p14="http://schemas.microsoft.com/office/powerpoint/2010/main" val="3173740392"/>
       </p:ext>
     </p:extLst>
   </p:cSld>
@@ -2410,7 +2582,7 @@
           <p:cNvPr id="11" name="Picture Placeholder 10">
             <a:extLst>
               <a:ext uri="{FF2B5EF4-FFF2-40B4-BE49-F238E27FC236}">
-                <a16:creationId xmlns:a16="http://schemas.microsoft.com/office/drawing/2014/main" xmlns="" id="{912AA41C-A030-4521-8130-6A8E4543F277}"/>
+                <a16:creationId xmlns:a16="http://schemas.microsoft.com/office/drawing/2014/main" id="{912AA41C-A030-4521-8130-6A8E4543F277}"/>
               </a:ext>
             </a:extLst>
           </p:cNvPr>
@@ -2453,7 +2625,7 @@
           <p:cNvPr id="2" name="Title 1">
             <a:extLst>
               <a:ext uri="{FF2B5EF4-FFF2-40B4-BE49-F238E27FC236}">
-                <a16:creationId xmlns:a16="http://schemas.microsoft.com/office/drawing/2014/main" xmlns="" id="{7C83D428-B974-43F4-9246-0A2EECA11A5B}"/>
+                <a16:creationId xmlns:a16="http://schemas.microsoft.com/office/drawing/2014/main" id="{7C83D428-B974-43F4-9246-0A2EECA11A5B}"/>
               </a:ext>
             </a:extLst>
           </p:cNvPr>
@@ -2498,7 +2670,7 @@
           <p:cNvPr id="5" name="Footer Placeholder 4">
             <a:extLst>
               <a:ext uri="{FF2B5EF4-FFF2-40B4-BE49-F238E27FC236}">
-                <a16:creationId xmlns:a16="http://schemas.microsoft.com/office/drawing/2014/main" xmlns="" id="{BC79732E-D749-40DD-8365-05028518765D}"/>
+                <a16:creationId xmlns:a16="http://schemas.microsoft.com/office/drawing/2014/main" id="{BC79732E-D749-40DD-8365-05028518765D}"/>
               </a:ext>
             </a:extLst>
           </p:cNvPr>
@@ -2526,7 +2698,7 @@
           <p:cNvPr id="6" name="Slide Number Placeholder 5">
             <a:extLst>
               <a:ext uri="{FF2B5EF4-FFF2-40B4-BE49-F238E27FC236}">
-                <a16:creationId xmlns:a16="http://schemas.microsoft.com/office/drawing/2014/main" xmlns="" id="{88F55E23-C4CC-4E9B-80F4-C4BEA6E2DD84}"/>
+                <a16:creationId xmlns:a16="http://schemas.microsoft.com/office/drawing/2014/main" id="{88F55E23-C4CC-4E9B-80F4-C4BEA6E2DD84}"/>
               </a:ext>
             </a:extLst>
           </p:cNvPr>
@@ -2556,7 +2728,7 @@
           <p:cNvPr id="13" name="Text Placeholder 12">
             <a:extLst>
               <a:ext uri="{FF2B5EF4-FFF2-40B4-BE49-F238E27FC236}">
-                <a16:creationId xmlns:a16="http://schemas.microsoft.com/office/drawing/2014/main" xmlns="" id="{9D00A38D-CFE8-4333-B9D2-D3E7EACA4F0E}"/>
+                <a16:creationId xmlns:a16="http://schemas.microsoft.com/office/drawing/2014/main" id="{9D00A38D-CFE8-4333-B9D2-D3E7EACA4F0E}"/>
               </a:ext>
             </a:extLst>
           </p:cNvPr>
@@ -2597,10 +2769,10 @@
           <p:cNvPr id="3" name="Rectangle 2">
             <a:extLst>
               <a:ext uri="{FF2B5EF4-FFF2-40B4-BE49-F238E27FC236}">
-                <a16:creationId xmlns:a16="http://schemas.microsoft.com/office/drawing/2014/main" xmlns="" id="{1AA8588E-221D-4931-A290-C5C4184435AD}"/>
+                <a16:creationId xmlns:a16="http://schemas.microsoft.com/office/drawing/2014/main" id="{1AA8588E-221D-4931-A290-C5C4184435AD}"/>
               </a:ext>
               <a:ext uri="{C183D7F6-B498-43B3-948B-1728B52AA6E4}">
-                <adec:decorative xmlns:adec="http://schemas.microsoft.com/office/drawing/2017/decorative" xmlns="" val="1"/>
+                <adec:decorative xmlns:adec="http://schemas.microsoft.com/office/drawing/2017/decorative" val="1"/>
               </a:ext>
             </a:extLst>
           </p:cNvPr>
@@ -2667,7 +2839,7 @@
     </p:spTree>
     <p:extLst>
       <p:ext uri="{BB962C8B-B14F-4D97-AF65-F5344CB8AC3E}">
-        <p14:creationId xmlns:p14="http://schemas.microsoft.com/office/powerpoint/2010/main" xmlns="" val="1629115292"/>
+        <p14:creationId xmlns:p14="http://schemas.microsoft.com/office/powerpoint/2010/main" val="1629115292"/>
       </p:ext>
     </p:extLst>
   </p:cSld>
@@ -2699,7 +2871,7 @@
           <p:cNvPr id="20" name="Text Placeholder 19">
             <a:extLst>
               <a:ext uri="{FF2B5EF4-FFF2-40B4-BE49-F238E27FC236}">
-                <a16:creationId xmlns:a16="http://schemas.microsoft.com/office/drawing/2014/main" xmlns="" id="{E5539E44-E270-49B4-8B0A-07870325AA91}"/>
+                <a16:creationId xmlns:a16="http://schemas.microsoft.com/office/drawing/2014/main" id="{E5539E44-E270-49B4-8B0A-07870325AA91}"/>
               </a:ext>
             </a:extLst>
           </p:cNvPr>
@@ -2789,7 +2961,7 @@
           <p:cNvPr id="9" name="Picture Placeholder 8">
             <a:extLst>
               <a:ext uri="{FF2B5EF4-FFF2-40B4-BE49-F238E27FC236}">
-                <a16:creationId xmlns:a16="http://schemas.microsoft.com/office/drawing/2014/main" xmlns="" id="{186FE9B2-6286-484B-8943-95EE0B6B0267}"/>
+                <a16:creationId xmlns:a16="http://schemas.microsoft.com/office/drawing/2014/main" id="{186FE9B2-6286-484B-8943-95EE0B6B0267}"/>
               </a:ext>
             </a:extLst>
           </p:cNvPr>
@@ -2829,7 +3001,7 @@
           <p:cNvPr id="11" name="Slide Number Placeholder 5">
             <a:extLst>
               <a:ext uri="{FF2B5EF4-FFF2-40B4-BE49-F238E27FC236}">
-                <a16:creationId xmlns:a16="http://schemas.microsoft.com/office/drawing/2014/main" xmlns="" id="{7D4E8708-8565-4A5B-9D9E-1D4F40EAF909}"/>
+                <a16:creationId xmlns:a16="http://schemas.microsoft.com/office/drawing/2014/main" id="{7D4E8708-8565-4A5B-9D9E-1D4F40EAF909}"/>
               </a:ext>
             </a:extLst>
           </p:cNvPr>
@@ -2877,7 +3049,7 @@
           <p:cNvPr id="16" name="Content Placeholder 8">
             <a:extLst>
               <a:ext uri="{FF2B5EF4-FFF2-40B4-BE49-F238E27FC236}">
-                <a16:creationId xmlns:a16="http://schemas.microsoft.com/office/drawing/2014/main" xmlns="" id="{42436126-0370-4532-A8AD-D20897982AD2}"/>
+                <a16:creationId xmlns:a16="http://schemas.microsoft.com/office/drawing/2014/main" id="{42436126-0370-4532-A8AD-D20897982AD2}"/>
               </a:ext>
             </a:extLst>
           </p:cNvPr>
@@ -2930,7 +3102,7 @@
           <p:cNvPr id="17" name="Slide Number Placeholder 70">
             <a:extLst>
               <a:ext uri="{FF2B5EF4-FFF2-40B4-BE49-F238E27FC236}">
-                <a16:creationId xmlns:a16="http://schemas.microsoft.com/office/drawing/2014/main" xmlns="" id="{AEC105AD-E933-4969-B038-0ABD6F013167}"/>
+                <a16:creationId xmlns:a16="http://schemas.microsoft.com/office/drawing/2014/main" id="{AEC105AD-E933-4969-B038-0ABD6F013167}"/>
               </a:ext>
             </a:extLst>
           </p:cNvPr>
@@ -3062,7 +3234,7 @@
           <p:cNvPr id="2" name="Title 1">
             <a:extLst>
               <a:ext uri="{FF2B5EF4-FFF2-40B4-BE49-F238E27FC236}">
-                <a16:creationId xmlns:a16="http://schemas.microsoft.com/office/drawing/2014/main" xmlns="" id="{3CB0E4A3-5566-43FE-A59F-2C4F4FE7F32A}"/>
+                <a16:creationId xmlns:a16="http://schemas.microsoft.com/office/drawing/2014/main" id="{3CB0E4A3-5566-43FE-A59F-2C4F4FE7F32A}"/>
               </a:ext>
             </a:extLst>
           </p:cNvPr>
@@ -3110,7 +3282,7 @@
     </p:spTree>
     <p:extLst>
       <p:ext uri="{BB962C8B-B14F-4D97-AF65-F5344CB8AC3E}">
-        <p14:creationId xmlns:p14="http://schemas.microsoft.com/office/powerpoint/2010/main" xmlns="" val="1247832795"/>
+        <p14:creationId xmlns:p14="http://schemas.microsoft.com/office/powerpoint/2010/main" val="1247832795"/>
       </p:ext>
     </p:extLst>
   </p:cSld>
@@ -3142,7 +3314,7 @@
           <p:cNvPr id="11" name="Picture Placeholder 10">
             <a:extLst>
               <a:ext uri="{FF2B5EF4-FFF2-40B4-BE49-F238E27FC236}">
-                <a16:creationId xmlns:a16="http://schemas.microsoft.com/office/drawing/2014/main" xmlns="" id="{912AA41C-A030-4521-8130-6A8E4543F277}"/>
+                <a16:creationId xmlns:a16="http://schemas.microsoft.com/office/drawing/2014/main" id="{912AA41C-A030-4521-8130-6A8E4543F277}"/>
               </a:ext>
             </a:extLst>
           </p:cNvPr>
@@ -3256,7 +3428,7 @@
           <p:cNvPr id="8" name="Title 1">
             <a:extLst>
               <a:ext uri="{FF2B5EF4-FFF2-40B4-BE49-F238E27FC236}">
-                <a16:creationId xmlns:a16="http://schemas.microsoft.com/office/drawing/2014/main" xmlns="" id="{AABA725B-4BCB-1D48-9C5D-46706B18719E}"/>
+                <a16:creationId xmlns:a16="http://schemas.microsoft.com/office/drawing/2014/main" id="{AABA725B-4BCB-1D48-9C5D-46706B18719E}"/>
               </a:ext>
             </a:extLst>
           </p:cNvPr>
@@ -3293,7 +3465,7 @@
           <p:cNvPr id="3" name="Text Placeholder 2">
             <a:extLst>
               <a:ext uri="{FF2B5EF4-FFF2-40B4-BE49-F238E27FC236}">
-                <a16:creationId xmlns:a16="http://schemas.microsoft.com/office/drawing/2014/main" xmlns="" id="{893C356F-E483-4AFD-856C-13BB8E8A5605}"/>
+                <a16:creationId xmlns:a16="http://schemas.microsoft.com/office/drawing/2014/main" id="{893C356F-E483-4AFD-856C-13BB8E8A5605}"/>
               </a:ext>
             </a:extLst>
           </p:cNvPr>
@@ -3439,7 +3611,7 @@
           <p:cNvPr id="5" name="Footer Placeholder 4">
             <a:extLst>
               <a:ext uri="{FF2B5EF4-FFF2-40B4-BE49-F238E27FC236}">
-                <a16:creationId xmlns:a16="http://schemas.microsoft.com/office/drawing/2014/main" xmlns="" id="{BC79732E-D749-40DD-8365-05028518765D}"/>
+                <a16:creationId xmlns:a16="http://schemas.microsoft.com/office/drawing/2014/main" id="{BC79732E-D749-40DD-8365-05028518765D}"/>
               </a:ext>
             </a:extLst>
           </p:cNvPr>
@@ -3467,7 +3639,7 @@
           <p:cNvPr id="6" name="Slide Number Placeholder 5">
             <a:extLst>
               <a:ext uri="{FF2B5EF4-FFF2-40B4-BE49-F238E27FC236}">
-                <a16:creationId xmlns:a16="http://schemas.microsoft.com/office/drawing/2014/main" xmlns="" id="{88F55E23-C4CC-4E9B-80F4-C4BEA6E2DD84}"/>
+                <a16:creationId xmlns:a16="http://schemas.microsoft.com/office/drawing/2014/main" id="{88F55E23-C4CC-4E9B-80F4-C4BEA6E2DD84}"/>
               </a:ext>
             </a:extLst>
           </p:cNvPr>
@@ -3495,7 +3667,7 @@
     </p:spTree>
     <p:extLst>
       <p:ext uri="{BB962C8B-B14F-4D97-AF65-F5344CB8AC3E}">
-        <p14:creationId xmlns:p14="http://schemas.microsoft.com/office/powerpoint/2010/main" xmlns="" val="52890133"/>
+        <p14:creationId xmlns:p14="http://schemas.microsoft.com/office/powerpoint/2010/main" val="52890133"/>
       </p:ext>
     </p:extLst>
   </p:cSld>
@@ -3527,7 +3699,7 @@
           <p:cNvPr id="2" name="Title 1">
             <a:extLst>
               <a:ext uri="{FF2B5EF4-FFF2-40B4-BE49-F238E27FC236}">
-                <a16:creationId xmlns:a16="http://schemas.microsoft.com/office/drawing/2014/main" xmlns="" id="{004074E6-E39E-4D19-B91F-8E84F37CBF3C}"/>
+                <a16:creationId xmlns:a16="http://schemas.microsoft.com/office/drawing/2014/main" id="{004074E6-E39E-4D19-B91F-8E84F37CBF3C}"/>
               </a:ext>
             </a:extLst>
           </p:cNvPr>
@@ -3566,7 +3738,7 @@
           <p:cNvPr id="3" name="Content Placeholder 2">
             <a:extLst>
               <a:ext uri="{FF2B5EF4-FFF2-40B4-BE49-F238E27FC236}">
-                <a16:creationId xmlns:a16="http://schemas.microsoft.com/office/drawing/2014/main" xmlns="" id="{607D1B16-7058-45AD-9B19-E19CAF96683B}"/>
+                <a16:creationId xmlns:a16="http://schemas.microsoft.com/office/drawing/2014/main" id="{607D1B16-7058-45AD-9B19-E19CAF96683B}"/>
               </a:ext>
             </a:extLst>
           </p:cNvPr>
@@ -3677,7 +3849,7 @@
           <p:cNvPr id="59" name="Slide Number Placeholder 5">
             <a:extLst>
               <a:ext uri="{FF2B5EF4-FFF2-40B4-BE49-F238E27FC236}">
-                <a16:creationId xmlns:a16="http://schemas.microsoft.com/office/drawing/2014/main" xmlns="" id="{3DEB48E0-328C-45EE-A8BD-90E6AB261082}"/>
+                <a16:creationId xmlns:a16="http://schemas.microsoft.com/office/drawing/2014/main" id="{3DEB48E0-328C-45EE-A8BD-90E6AB261082}"/>
               </a:ext>
             </a:extLst>
           </p:cNvPr>
@@ -3727,7 +3899,7 @@
           <p:cNvPr id="5" name="Picture Placeholder 4">
             <a:extLst>
               <a:ext uri="{FF2B5EF4-FFF2-40B4-BE49-F238E27FC236}">
-                <a16:creationId xmlns:a16="http://schemas.microsoft.com/office/drawing/2014/main" xmlns="" id="{D7CA175D-816E-4F70-96CC-8A1FD0EB16CE}"/>
+                <a16:creationId xmlns:a16="http://schemas.microsoft.com/office/drawing/2014/main" id="{D7CA175D-816E-4F70-96CC-8A1FD0EB16CE}"/>
               </a:ext>
             </a:extLst>
           </p:cNvPr>
@@ -3763,7 +3935,7 @@
           <p:cNvPr id="9" name="Picture Placeholder 4">
             <a:extLst>
               <a:ext uri="{FF2B5EF4-FFF2-40B4-BE49-F238E27FC236}">
-                <a16:creationId xmlns:a16="http://schemas.microsoft.com/office/drawing/2014/main" xmlns="" id="{323519C8-24DE-471D-85A9-7A8AFACEC456}"/>
+                <a16:creationId xmlns:a16="http://schemas.microsoft.com/office/drawing/2014/main" id="{323519C8-24DE-471D-85A9-7A8AFACEC456}"/>
               </a:ext>
             </a:extLst>
           </p:cNvPr>
@@ -3799,7 +3971,7 @@
           <p:cNvPr id="10" name="Picture Placeholder 4">
             <a:extLst>
               <a:ext uri="{FF2B5EF4-FFF2-40B4-BE49-F238E27FC236}">
-                <a16:creationId xmlns:a16="http://schemas.microsoft.com/office/drawing/2014/main" xmlns="" id="{547F0F1E-7AF5-4B76-928C-7B28010C4F93}"/>
+                <a16:creationId xmlns:a16="http://schemas.microsoft.com/office/drawing/2014/main" id="{547F0F1E-7AF5-4B76-928C-7B28010C4F93}"/>
               </a:ext>
             </a:extLst>
           </p:cNvPr>
@@ -3835,7 +4007,7 @@
           <p:cNvPr id="11" name="Picture Placeholder 4">
             <a:extLst>
               <a:ext uri="{FF2B5EF4-FFF2-40B4-BE49-F238E27FC236}">
-                <a16:creationId xmlns:a16="http://schemas.microsoft.com/office/drawing/2014/main" xmlns="" id="{063D0E8E-9491-4AF0-918D-A0B782C5FD68}"/>
+                <a16:creationId xmlns:a16="http://schemas.microsoft.com/office/drawing/2014/main" id="{063D0E8E-9491-4AF0-918D-A0B782C5FD68}"/>
               </a:ext>
             </a:extLst>
           </p:cNvPr>
@@ -3871,7 +4043,7 @@
           <p:cNvPr id="12" name="Picture Placeholder 4">
             <a:extLst>
               <a:ext uri="{FF2B5EF4-FFF2-40B4-BE49-F238E27FC236}">
-                <a16:creationId xmlns:a16="http://schemas.microsoft.com/office/drawing/2014/main" xmlns="" id="{042F54CB-9200-4D74-968A-0A3E5871D9E5}"/>
+                <a16:creationId xmlns:a16="http://schemas.microsoft.com/office/drawing/2014/main" id="{042F54CB-9200-4D74-968A-0A3E5871D9E5}"/>
               </a:ext>
             </a:extLst>
           </p:cNvPr>
@@ -3907,7 +4079,7 @@
           <p:cNvPr id="13" name="Picture Placeholder 4">
             <a:extLst>
               <a:ext uri="{FF2B5EF4-FFF2-40B4-BE49-F238E27FC236}">
-                <a16:creationId xmlns:a16="http://schemas.microsoft.com/office/drawing/2014/main" xmlns="" id="{1D925119-27E3-496E-86BC-23416F94FB61}"/>
+                <a16:creationId xmlns:a16="http://schemas.microsoft.com/office/drawing/2014/main" id="{1D925119-27E3-496E-86BC-23416F94FB61}"/>
               </a:ext>
             </a:extLst>
           </p:cNvPr>
@@ -3943,10 +4115,10 @@
           <p:cNvPr id="4" name="Rectangle 3">
             <a:extLst>
               <a:ext uri="{FF2B5EF4-FFF2-40B4-BE49-F238E27FC236}">
-                <a16:creationId xmlns:a16="http://schemas.microsoft.com/office/drawing/2014/main" xmlns="" id="{9DF93AF7-D4DC-42B5-8A4F-B5F3ABBB031F}"/>
+                <a16:creationId xmlns:a16="http://schemas.microsoft.com/office/drawing/2014/main" id="{9DF93AF7-D4DC-42B5-8A4F-B5F3ABBB031F}"/>
               </a:ext>
               <a:ext uri="{C183D7F6-B498-43B3-948B-1728B52AA6E4}">
-                <adec:decorative xmlns:adec="http://schemas.microsoft.com/office/drawing/2017/decorative" xmlns="" val="1"/>
+                <adec:decorative xmlns:adec="http://schemas.microsoft.com/office/drawing/2017/decorative" val="1"/>
               </a:ext>
             </a:extLst>
           </p:cNvPr>
@@ -4013,7 +4185,7 @@
     </p:spTree>
     <p:extLst>
       <p:ext uri="{BB962C8B-B14F-4D97-AF65-F5344CB8AC3E}">
-        <p14:creationId xmlns:p14="http://schemas.microsoft.com/office/powerpoint/2010/main" xmlns="" val="1753968095"/>
+        <p14:creationId xmlns:p14="http://schemas.microsoft.com/office/powerpoint/2010/main" val="1753968095"/>
       </p:ext>
     </p:extLst>
   </p:cSld>
@@ -4022,7 +4194,7 @@
   </p:clrMapOvr>
   <p:extLst>
     <p:ext uri="{DCECCB84-F9BA-43D5-87BE-67443E8EF086}">
-      <p15:sldGuideLst xmlns:p15="http://schemas.microsoft.com/office/powerpoint/2012/main" xmlns="">
+      <p15:sldGuideLst xmlns:p15="http://schemas.microsoft.com/office/powerpoint/2012/main">
         <p15:guide id="1" orient="horz" pos="2160" userDrawn="1">
           <p15:clr>
             <a:srgbClr val="FBAE40"/>
@@ -4061,7 +4233,7 @@
           <p:cNvPr id="2" name="Title 1">
             <a:extLst>
               <a:ext uri="{FF2B5EF4-FFF2-40B4-BE49-F238E27FC236}">
-                <a16:creationId xmlns:a16="http://schemas.microsoft.com/office/drawing/2014/main" xmlns="" id="{53345D17-D652-4766-B11C-2E8D8390D957}"/>
+                <a16:creationId xmlns:a16="http://schemas.microsoft.com/office/drawing/2014/main" id="{53345D17-D652-4766-B11C-2E8D8390D957}"/>
               </a:ext>
             </a:extLst>
           </p:cNvPr>
@@ -4101,7 +4273,7 @@
           <p:cNvPr id="3" name="Footer Placeholder 2">
             <a:extLst>
               <a:ext uri="{FF2B5EF4-FFF2-40B4-BE49-F238E27FC236}">
-                <a16:creationId xmlns:a16="http://schemas.microsoft.com/office/drawing/2014/main" xmlns="" id="{6BC7A58C-70BA-43E5-BD90-83ADB63B0C00}"/>
+                <a16:creationId xmlns:a16="http://schemas.microsoft.com/office/drawing/2014/main" id="{6BC7A58C-70BA-43E5-BD90-83ADB63B0C00}"/>
               </a:ext>
             </a:extLst>
           </p:cNvPr>
@@ -4129,7 +4301,7 @@
           <p:cNvPr id="4" name="Slide Number Placeholder 3">
             <a:extLst>
               <a:ext uri="{FF2B5EF4-FFF2-40B4-BE49-F238E27FC236}">
-                <a16:creationId xmlns:a16="http://schemas.microsoft.com/office/drawing/2014/main" xmlns="" id="{0F8A60B7-2499-42C6-8A74-ACDAE245746D}"/>
+                <a16:creationId xmlns:a16="http://schemas.microsoft.com/office/drawing/2014/main" id="{0F8A60B7-2499-42C6-8A74-ACDAE245746D}"/>
               </a:ext>
             </a:extLst>
           </p:cNvPr>
@@ -4157,7 +4329,7 @@
     </p:spTree>
     <p:extLst>
       <p:ext uri="{BB962C8B-B14F-4D97-AF65-F5344CB8AC3E}">
-        <p14:creationId xmlns:p14="http://schemas.microsoft.com/office/powerpoint/2010/main" xmlns="" val="3452634009"/>
+        <p14:creationId xmlns:p14="http://schemas.microsoft.com/office/powerpoint/2010/main" val="3452634009"/>
       </p:ext>
     </p:extLst>
   </p:cSld>
@@ -4194,7 +4366,7 @@
           <p:cNvPr id="3" name="Picture Placeholder 2">
             <a:extLst>
               <a:ext uri="{FF2B5EF4-FFF2-40B4-BE49-F238E27FC236}">
-                <a16:creationId xmlns:a16="http://schemas.microsoft.com/office/drawing/2014/main" xmlns="" id="{DE635FD8-712D-4EE2-A5B6-3DD8DE9C25E9}"/>
+                <a16:creationId xmlns:a16="http://schemas.microsoft.com/office/drawing/2014/main" id="{DE635FD8-712D-4EE2-A5B6-3DD8DE9C25E9}"/>
               </a:ext>
             </a:extLst>
           </p:cNvPr>
@@ -4233,7 +4405,7 @@
           <p:cNvPr id="2" name="Title 1">
             <a:extLst>
               <a:ext uri="{FF2B5EF4-FFF2-40B4-BE49-F238E27FC236}">
-                <a16:creationId xmlns:a16="http://schemas.microsoft.com/office/drawing/2014/main" xmlns="" id="{4C179BAC-E989-4203-B9B4-66280365481B}"/>
+                <a16:creationId xmlns:a16="http://schemas.microsoft.com/office/drawing/2014/main" id="{4C179BAC-E989-4203-B9B4-66280365481B}"/>
               </a:ext>
             </a:extLst>
           </p:cNvPr>
@@ -4293,7 +4465,7 @@
           <p:cNvPr id="7" name="Text Placeholder 6">
             <a:extLst>
               <a:ext uri="{FF2B5EF4-FFF2-40B4-BE49-F238E27FC236}">
-                <a16:creationId xmlns:a16="http://schemas.microsoft.com/office/drawing/2014/main" xmlns="" id="{60CCC81E-A013-4315-AD13-97BA3AA95596}"/>
+                <a16:creationId xmlns:a16="http://schemas.microsoft.com/office/drawing/2014/main" id="{60CCC81E-A013-4315-AD13-97BA3AA95596}"/>
               </a:ext>
             </a:extLst>
           </p:cNvPr>
@@ -4332,7 +4504,7 @@
     </p:spTree>
     <p:extLst>
       <p:ext uri="{BB962C8B-B14F-4D97-AF65-F5344CB8AC3E}">
-        <p14:creationId xmlns:p14="http://schemas.microsoft.com/office/powerpoint/2010/main" xmlns="" val="79555376"/>
+        <p14:creationId xmlns:p14="http://schemas.microsoft.com/office/powerpoint/2010/main" val="79555376"/>
       </p:ext>
     </p:extLst>
   </p:cSld>
@@ -4364,7 +4536,7 @@
           <p:cNvPr id="17" name="Title 2">
             <a:extLst>
               <a:ext uri="{FF2B5EF4-FFF2-40B4-BE49-F238E27FC236}">
-                <a16:creationId xmlns:a16="http://schemas.microsoft.com/office/drawing/2014/main" xmlns="" id="{0EF11611-8537-47CC-87AC-2E25428B72BA}"/>
+                <a16:creationId xmlns:a16="http://schemas.microsoft.com/office/drawing/2014/main" id="{0EF11611-8537-47CC-87AC-2E25428B72BA}"/>
               </a:ext>
             </a:extLst>
           </p:cNvPr>
@@ -4401,7 +4573,7 @@
           <p:cNvPr id="19" name="Picture Placeholder 17">
             <a:extLst>
               <a:ext uri="{FF2B5EF4-FFF2-40B4-BE49-F238E27FC236}">
-                <a16:creationId xmlns:a16="http://schemas.microsoft.com/office/drawing/2014/main" xmlns="" id="{D1A63A52-1E65-414B-BBC3-D31F515791AC}"/>
+                <a16:creationId xmlns:a16="http://schemas.microsoft.com/office/drawing/2014/main" id="{D1A63A52-1E65-414B-BBC3-D31F515791AC}"/>
               </a:ext>
             </a:extLst>
           </p:cNvPr>
@@ -4437,7 +4609,7 @@
           <p:cNvPr id="18" name="Picture Placeholder 17">
             <a:extLst>
               <a:ext uri="{FF2B5EF4-FFF2-40B4-BE49-F238E27FC236}">
-                <a16:creationId xmlns:a16="http://schemas.microsoft.com/office/drawing/2014/main" xmlns="" id="{ED7E0E1A-1E64-4A9A-9C8B-69486BD1123B}"/>
+                <a16:creationId xmlns:a16="http://schemas.microsoft.com/office/drawing/2014/main" id="{ED7E0E1A-1E64-4A9A-9C8B-69486BD1123B}"/>
               </a:ext>
             </a:extLst>
           </p:cNvPr>
@@ -4473,7 +4645,7 @@
           <p:cNvPr id="10" name="Text Placeholder 3">
             <a:extLst>
               <a:ext uri="{FF2B5EF4-FFF2-40B4-BE49-F238E27FC236}">
-                <a16:creationId xmlns:a16="http://schemas.microsoft.com/office/drawing/2014/main" xmlns="" id="{1E462965-19D7-4A65-B394-9AE76A5B4805}"/>
+                <a16:creationId xmlns:a16="http://schemas.microsoft.com/office/drawing/2014/main" id="{1E462965-19D7-4A65-B394-9AE76A5B4805}"/>
               </a:ext>
             </a:extLst>
           </p:cNvPr>
@@ -4518,7 +4690,7 @@
           <p:cNvPr id="11" name="Content Placeholder 4">
             <a:extLst>
               <a:ext uri="{FF2B5EF4-FFF2-40B4-BE49-F238E27FC236}">
-                <a16:creationId xmlns:a16="http://schemas.microsoft.com/office/drawing/2014/main" xmlns="" id="{FAEC14D1-0BEA-4D9A-9D96-A56B6A9B07AC}"/>
+                <a16:creationId xmlns:a16="http://schemas.microsoft.com/office/drawing/2014/main" id="{FAEC14D1-0BEA-4D9A-9D96-A56B6A9B07AC}"/>
               </a:ext>
             </a:extLst>
           </p:cNvPr>
@@ -4564,7 +4736,7 @@
           <p:cNvPr id="12" name="Text Placeholder 5">
             <a:extLst>
               <a:ext uri="{FF2B5EF4-FFF2-40B4-BE49-F238E27FC236}">
-                <a16:creationId xmlns:a16="http://schemas.microsoft.com/office/drawing/2014/main" xmlns="" id="{1507BB47-1AB4-42F2-99FF-453A0622B815}"/>
+                <a16:creationId xmlns:a16="http://schemas.microsoft.com/office/drawing/2014/main" id="{1507BB47-1AB4-42F2-99FF-453A0622B815}"/>
               </a:ext>
             </a:extLst>
           </p:cNvPr>
@@ -4609,7 +4781,7 @@
           <p:cNvPr id="14" name="Content Placeholder 6">
             <a:extLst>
               <a:ext uri="{FF2B5EF4-FFF2-40B4-BE49-F238E27FC236}">
-                <a16:creationId xmlns:a16="http://schemas.microsoft.com/office/drawing/2014/main" xmlns="" id="{438D6EEA-A0DB-4B5F-8F41-A9C1F2C094C0}"/>
+                <a16:creationId xmlns:a16="http://schemas.microsoft.com/office/drawing/2014/main" id="{438D6EEA-A0DB-4B5F-8F41-A9C1F2C094C0}"/>
               </a:ext>
             </a:extLst>
           </p:cNvPr>
@@ -4655,7 +4827,7 @@
           <p:cNvPr id="20" name="Slide Number Placeholder 5">
             <a:extLst>
               <a:ext uri="{FF2B5EF4-FFF2-40B4-BE49-F238E27FC236}">
-                <a16:creationId xmlns:a16="http://schemas.microsoft.com/office/drawing/2014/main" xmlns="" id="{A4909F59-7529-454A-A1EF-3CC1EADEFC1F}"/>
+                <a16:creationId xmlns:a16="http://schemas.microsoft.com/office/drawing/2014/main" id="{A4909F59-7529-454A-A1EF-3CC1EADEFC1F}"/>
               </a:ext>
             </a:extLst>
           </p:cNvPr>
@@ -4690,7 +4862,7 @@
     </p:spTree>
     <p:extLst>
       <p:ext uri="{BB962C8B-B14F-4D97-AF65-F5344CB8AC3E}">
-        <p14:creationId xmlns:p14="http://schemas.microsoft.com/office/powerpoint/2010/main" xmlns="" val="1270834507"/>
+        <p14:creationId xmlns:p14="http://schemas.microsoft.com/office/powerpoint/2010/main" val="1270834507"/>
       </p:ext>
     </p:extLst>
   </p:cSld>
@@ -4722,7 +4894,7 @@
           <p:cNvPr id="22" name="Title 2">
             <a:extLst>
               <a:ext uri="{FF2B5EF4-FFF2-40B4-BE49-F238E27FC236}">
-                <a16:creationId xmlns:a16="http://schemas.microsoft.com/office/drawing/2014/main" xmlns="" id="{6186F91B-547E-43BC-9BCE-04619DAAFEC2}"/>
+                <a16:creationId xmlns:a16="http://schemas.microsoft.com/office/drawing/2014/main" id="{6186F91B-547E-43BC-9BCE-04619DAAFEC2}"/>
               </a:ext>
             </a:extLst>
           </p:cNvPr>
@@ -4759,7 +4931,7 @@
           <p:cNvPr id="28" name="Text Placeholder 27">
             <a:extLst>
               <a:ext uri="{FF2B5EF4-FFF2-40B4-BE49-F238E27FC236}">
-                <a16:creationId xmlns:a16="http://schemas.microsoft.com/office/drawing/2014/main" xmlns="" id="{D635DFA1-45D2-4EFE-8BB2-BE966346691E}"/>
+                <a16:creationId xmlns:a16="http://schemas.microsoft.com/office/drawing/2014/main" id="{D635DFA1-45D2-4EFE-8BB2-BE966346691E}"/>
               </a:ext>
             </a:extLst>
           </p:cNvPr>
@@ -4849,7 +5021,7 @@
           <p:cNvPr id="24" name="Picture Placeholder 23">
             <a:extLst>
               <a:ext uri="{FF2B5EF4-FFF2-40B4-BE49-F238E27FC236}">
-                <a16:creationId xmlns:a16="http://schemas.microsoft.com/office/drawing/2014/main" xmlns="" id="{2F2918FE-A84E-4303-AEF3-4FD66CDD733E}"/>
+                <a16:creationId xmlns:a16="http://schemas.microsoft.com/office/drawing/2014/main" id="{2F2918FE-A84E-4303-AEF3-4FD66CDD733E}"/>
               </a:ext>
             </a:extLst>
           </p:cNvPr>
@@ -4885,7 +5057,7 @@
           <p:cNvPr id="25" name="Picture Placeholder 23">
             <a:extLst>
               <a:ext uri="{FF2B5EF4-FFF2-40B4-BE49-F238E27FC236}">
-                <a16:creationId xmlns:a16="http://schemas.microsoft.com/office/drawing/2014/main" xmlns="" id="{E2401025-9BC9-4BDD-97DA-CA763CF846BB}"/>
+                <a16:creationId xmlns:a16="http://schemas.microsoft.com/office/drawing/2014/main" id="{E2401025-9BC9-4BDD-97DA-CA763CF846BB}"/>
               </a:ext>
             </a:extLst>
           </p:cNvPr>
@@ -4921,7 +5093,7 @@
           <p:cNvPr id="26" name="Picture Placeholder 23">
             <a:extLst>
               <a:ext uri="{FF2B5EF4-FFF2-40B4-BE49-F238E27FC236}">
-                <a16:creationId xmlns:a16="http://schemas.microsoft.com/office/drawing/2014/main" xmlns="" id="{B7C4AAB6-897A-4ABD-AD50-2D86B197E914}"/>
+                <a16:creationId xmlns:a16="http://schemas.microsoft.com/office/drawing/2014/main" id="{B7C4AAB6-897A-4ABD-AD50-2D86B197E914}"/>
               </a:ext>
             </a:extLst>
           </p:cNvPr>
@@ -4957,7 +5129,7 @@
           <p:cNvPr id="29" name="Text Placeholder 27">
             <a:extLst>
               <a:ext uri="{FF2B5EF4-FFF2-40B4-BE49-F238E27FC236}">
-                <a16:creationId xmlns:a16="http://schemas.microsoft.com/office/drawing/2014/main" xmlns="" id="{790D65EC-6EB4-4594-91E9-5C3DE7C3BA89}"/>
+                <a16:creationId xmlns:a16="http://schemas.microsoft.com/office/drawing/2014/main" id="{790D65EC-6EB4-4594-91E9-5C3DE7C3BA89}"/>
               </a:ext>
             </a:extLst>
           </p:cNvPr>
@@ -5047,7 +5219,7 @@
           <p:cNvPr id="30" name="Text Placeholder 27">
             <a:extLst>
               <a:ext uri="{FF2B5EF4-FFF2-40B4-BE49-F238E27FC236}">
-                <a16:creationId xmlns:a16="http://schemas.microsoft.com/office/drawing/2014/main" xmlns="" id="{611CF730-D055-47C2-A626-299F429D41B2}"/>
+                <a16:creationId xmlns:a16="http://schemas.microsoft.com/office/drawing/2014/main" id="{611CF730-D055-47C2-A626-299F429D41B2}"/>
               </a:ext>
             </a:extLst>
           </p:cNvPr>
@@ -5137,7 +5309,7 @@
           <p:cNvPr id="31" name="Slide Number Placeholder 5">
             <a:extLst>
               <a:ext uri="{FF2B5EF4-FFF2-40B4-BE49-F238E27FC236}">
-                <a16:creationId xmlns:a16="http://schemas.microsoft.com/office/drawing/2014/main" xmlns="" id="{F09E06A6-BFDD-42BD-BA69-2CD3BEF0F73D}"/>
+                <a16:creationId xmlns:a16="http://schemas.microsoft.com/office/drawing/2014/main" id="{F09E06A6-BFDD-42BD-BA69-2CD3BEF0F73D}"/>
               </a:ext>
             </a:extLst>
           </p:cNvPr>
@@ -5172,7 +5344,7 @@
     </p:spTree>
     <p:extLst>
       <p:ext uri="{BB962C8B-B14F-4D97-AF65-F5344CB8AC3E}">
-        <p14:creationId xmlns:p14="http://schemas.microsoft.com/office/powerpoint/2010/main" xmlns="" val="4145592085"/>
+        <p14:creationId xmlns:p14="http://schemas.microsoft.com/office/powerpoint/2010/main" val="4145592085"/>
       </p:ext>
     </p:extLst>
   </p:cSld>
@@ -5209,7 +5381,7 @@
           <p:cNvPr id="2" name="Title Placeholder 1">
             <a:extLst>
               <a:ext uri="{FF2B5EF4-FFF2-40B4-BE49-F238E27FC236}">
-                <a16:creationId xmlns:a16="http://schemas.microsoft.com/office/drawing/2014/main" xmlns="" id="{9305F96C-D634-4A69-95EC-3D002BD68752}"/>
+                <a16:creationId xmlns:a16="http://schemas.microsoft.com/office/drawing/2014/main" id="{9305F96C-D634-4A69-95EC-3D002BD68752}"/>
               </a:ext>
             </a:extLst>
           </p:cNvPr>
@@ -5248,7 +5420,7 @@
           <p:cNvPr id="3" name="Text Placeholder 2">
             <a:extLst>
               <a:ext uri="{FF2B5EF4-FFF2-40B4-BE49-F238E27FC236}">
-                <a16:creationId xmlns:a16="http://schemas.microsoft.com/office/drawing/2014/main" xmlns="" id="{37757E98-D0FB-43E3-98BC-711F6A2F5372}"/>
+                <a16:creationId xmlns:a16="http://schemas.microsoft.com/office/drawing/2014/main" id="{37757E98-D0FB-43E3-98BC-711F6A2F5372}"/>
               </a:ext>
             </a:extLst>
           </p:cNvPr>
@@ -5316,7 +5488,7 @@
           <p:cNvPr id="5" name="Footer Placeholder 4">
             <a:extLst>
               <a:ext uri="{FF2B5EF4-FFF2-40B4-BE49-F238E27FC236}">
-                <a16:creationId xmlns:a16="http://schemas.microsoft.com/office/drawing/2014/main" xmlns="" id="{BFA65B72-2E86-4BA3-94F2-3ADFA40B7AEE}"/>
+                <a16:creationId xmlns:a16="http://schemas.microsoft.com/office/drawing/2014/main" id="{BFA65B72-2E86-4BA3-94F2-3ADFA40B7AEE}"/>
               </a:ext>
             </a:extLst>
           </p:cNvPr>
@@ -5362,7 +5534,7 @@
           <p:cNvPr id="6" name="Slide Number Placeholder 5">
             <a:extLst>
               <a:ext uri="{FF2B5EF4-FFF2-40B4-BE49-F238E27FC236}">
-                <a16:creationId xmlns:a16="http://schemas.microsoft.com/office/drawing/2014/main" xmlns="" id="{73C1F3FD-3DB9-46B7-85E1-E8B8878A4012}"/>
+                <a16:creationId xmlns:a16="http://schemas.microsoft.com/office/drawing/2014/main" id="{73C1F3FD-3DB9-46B7-85E1-E8B8878A4012}"/>
               </a:ext>
             </a:extLst>
           </p:cNvPr>
@@ -5408,7 +5580,7 @@
     </p:spTree>
     <p:extLst>
       <p:ext uri="{BB962C8B-B14F-4D97-AF65-F5344CB8AC3E}">
-        <p14:creationId xmlns:p14="http://schemas.microsoft.com/office/powerpoint/2010/main" xmlns="" val="692820"/>
+        <p14:creationId xmlns:p14="http://schemas.microsoft.com/office/powerpoint/2010/main" val="692820"/>
       </p:ext>
     </p:extLst>
   </p:cSld>
@@ -5740,7 +5912,7 @@
           <p:cNvPr id="8" name="Picture Placeholder 7" descr="abstract image">
             <a:extLst>
               <a:ext uri="{FF2B5EF4-FFF2-40B4-BE49-F238E27FC236}">
-                <a16:creationId xmlns:a16="http://schemas.microsoft.com/office/drawing/2014/main" xmlns="" id="{9AB29DBC-55D3-49D9-BB44-4936739C4B57}"/>
+                <a16:creationId xmlns:a16="http://schemas.microsoft.com/office/drawing/2014/main" id="{9AB29DBC-55D3-49D9-BB44-4936739C4B57}"/>
               </a:ext>
             </a:extLst>
           </p:cNvPr>
@@ -5756,7 +5928,7 @@
             <a:alphaModFix amt="52000"/>
             <a:extLst>
               <a:ext uri="{BEBA8EAE-BF5A-486C-A8C5-ECC9F3942E4B}">
-                <a14:imgProps xmlns:a14="http://schemas.microsoft.com/office/drawing/2010/main" xmlns="">
+                <a14:imgProps xmlns:a14="http://schemas.microsoft.com/office/drawing/2010/main">
                   <a14:imgLayer r:embed="rId3">
                     <a14:imgEffect>
                       <a14:saturation sat="0"/>
@@ -5776,7 +5948,7 @@
           <p:cNvPr id="9" name="Title 8">
             <a:extLst>
               <a:ext uri="{FF2B5EF4-FFF2-40B4-BE49-F238E27FC236}">
-                <a16:creationId xmlns:a16="http://schemas.microsoft.com/office/drawing/2014/main" xmlns="" id="{79DC1498-E692-42BA-B69F-6D37E6CFACA0}"/>
+                <a16:creationId xmlns:a16="http://schemas.microsoft.com/office/drawing/2014/main" id="{79DC1498-E692-42BA-B69F-6D37E6CFACA0}"/>
               </a:ext>
             </a:extLst>
           </p:cNvPr>
@@ -5809,7 +5981,7 @@
           <p:cNvPr id="7" name="Text Placeholder 6">
             <a:extLst>
               <a:ext uri="{FF2B5EF4-FFF2-40B4-BE49-F238E27FC236}">
-                <a16:creationId xmlns:a16="http://schemas.microsoft.com/office/drawing/2014/main" xmlns="" id="{5D865526-EC39-4780-A2A8-274A80A5C19B}"/>
+                <a16:creationId xmlns:a16="http://schemas.microsoft.com/office/drawing/2014/main" id="{5D865526-EC39-4780-A2A8-274A80A5C19B}"/>
               </a:ext>
             </a:extLst>
           </p:cNvPr>
@@ -5840,7 +6012,7 @@
     </p:spTree>
     <p:extLst>
       <p:ext uri="{BB962C8B-B14F-4D97-AF65-F5344CB8AC3E}">
-        <p14:creationId xmlns:p14="http://schemas.microsoft.com/office/powerpoint/2010/main" xmlns="" val="3927832306"/>
+        <p14:creationId xmlns:p14="http://schemas.microsoft.com/office/powerpoint/2010/main" val="3927832306"/>
       </p:ext>
     </p:extLst>
   </p:cSld>
@@ -5872,7 +6044,7 @@
           <p:cNvPr id="3" name="Title 2">
             <a:extLst>
               <a:ext uri="{FF2B5EF4-FFF2-40B4-BE49-F238E27FC236}">
-                <a16:creationId xmlns:a16="http://schemas.microsoft.com/office/drawing/2014/main" xmlns="" id="{1D24B42B-925B-494C-A986-BD85E8117E1E}"/>
+                <a16:creationId xmlns:a16="http://schemas.microsoft.com/office/drawing/2014/main" id="{1D24B42B-925B-494C-A986-BD85E8117E1E}"/>
               </a:ext>
             </a:extLst>
           </p:cNvPr>
@@ -5907,7 +6079,7 @@
           <p:cNvPr id="13" name="Picture Placeholder 12" descr="close up of computer on top of table against a brick wall">
             <a:extLst>
               <a:ext uri="{FF2B5EF4-FFF2-40B4-BE49-F238E27FC236}">
-                <a16:creationId xmlns:a16="http://schemas.microsoft.com/office/drawing/2014/main" xmlns="" id="{90BB9493-60B4-4B89-89CE-E1F8BF6C4D12}"/>
+                <a16:creationId xmlns:a16="http://schemas.microsoft.com/office/drawing/2014/main" id="{90BB9493-60B4-4B89-89CE-E1F8BF6C4D12}"/>
               </a:ext>
             </a:extLst>
           </p:cNvPr>
@@ -5922,7 +6094,7 @@
           <a:blip r:embed="rId2" cstate="email">
             <a:extLst>
               <a:ext uri="{BEBA8EAE-BF5A-486C-A8C5-ECC9F3942E4B}">
-                <a14:imgProps xmlns:a14="http://schemas.microsoft.com/office/drawing/2010/main" xmlns="">
+                <a14:imgProps xmlns:a14="http://schemas.microsoft.com/office/drawing/2010/main">
                   <a14:imgLayer r:embed="rId3">
                     <a14:imgEffect>
                       <a14:saturation sat="0"/>
@@ -5931,7 +6103,7 @@
                 </a14:imgProps>
               </a:ext>
               <a:ext uri="{28A0092B-C50C-407E-A947-70E740481C1C}">
-                <a14:useLocalDpi xmlns:a14="http://schemas.microsoft.com/office/drawing/2010/main" xmlns=""/>
+                <a14:useLocalDpi xmlns:a14="http://schemas.microsoft.com/office/drawing/2010/main"/>
               </a:ext>
             </a:extLst>
           </a:blip>
@@ -5945,7 +6117,7 @@
           <p:cNvPr id="5" name="Text Placeholder 4">
             <a:extLst>
               <a:ext uri="{FF2B5EF4-FFF2-40B4-BE49-F238E27FC236}">
-                <a16:creationId xmlns:a16="http://schemas.microsoft.com/office/drawing/2014/main" xmlns="" id="{AF9B872F-6332-408E-9135-B871F0C90C00}"/>
+                <a16:creationId xmlns:a16="http://schemas.microsoft.com/office/drawing/2014/main" id="{AF9B872F-6332-408E-9135-B871F0C90C00}"/>
               </a:ext>
             </a:extLst>
           </p:cNvPr>
@@ -5968,7 +6140,7 @@
           <a:p>
             <a:pPr algn="l"/>
             <a:r>
-              <a:rPr lang="en-US" sz="1200" u="sng" spc="0" dirty="0"/>
+              <a:rPr lang="en-US" sz="1600" u="sng" spc="0" dirty="0"/>
               <a:t>Business requirements:</a:t>
             </a:r>
           </a:p>
@@ -5978,36 +6150,36 @@
               <a:buChar char="•"/>
             </a:pPr>
             <a:r>
-              <a:rPr lang="en-US" sz="1200" spc="0" dirty="0"/>
+              <a:rPr lang="en-US" sz="1600" spc="0" dirty="0"/>
               <a:t>       Must:</a:t>
             </a:r>
           </a:p>
           <a:p>
             <a:pPr algn="l"/>
             <a:r>
-              <a:rPr lang="en-US" sz="1200" cap="none" spc="0" dirty="0"/>
+              <a:rPr lang="en-US" sz="1600" cap="none" spc="0" dirty="0"/>
               <a:t>	- System must be available on both IOS and Android</a:t>
             </a:r>
           </a:p>
           <a:p>
             <a:pPr algn="l"/>
             <a:r>
-              <a:rPr lang="en-US" sz="1200" cap="none" spc="0" dirty="0"/>
+              <a:rPr lang="en-US" sz="1600" cap="none" spc="0" dirty="0"/>
               <a:t>	- Effectively manage tables and orders</a:t>
             </a:r>
           </a:p>
           <a:p>
             <a:pPr algn="l"/>
             <a:r>
-              <a:rPr lang="en-US" sz="1200" cap="none" spc="0" dirty="0"/>
+              <a:rPr lang="en-US" sz="1600" cap="none" spc="0" dirty="0"/>
               <a:t>	- Weekly efficiency reports are generated</a:t>
             </a:r>
           </a:p>
           <a:p>
             <a:pPr algn="l"/>
             <a:r>
-              <a:rPr lang="en-US" sz="1200" cap="none" spc="0" dirty="0"/>
-              <a:t>	- Provide real-time business metrics to track sales, operations, and 	customer service performance. </a:t>
+              <a:rPr lang="en-US" sz="1600" cap="none" spc="0" dirty="0"/>
+              <a:t>	- Provide real-time business metrics to track sales, 	operations, and customer service performance. </a:t>
             </a:r>
           </a:p>
           <a:p>
@@ -6016,32 +6188,23 @@
               <a:buChar char="•"/>
             </a:pPr>
             <a:r>
-              <a:rPr lang="en-US" sz="1200" spc="0" dirty="0"/>
+              <a:rPr lang="en-US" sz="1600" spc="0" dirty="0"/>
               <a:t>        Should:</a:t>
             </a:r>
           </a:p>
           <a:p>
             <a:pPr algn="l"/>
             <a:r>
-              <a:rPr lang="en-US" sz="1200" cap="none" spc="0" dirty="0"/>
-              <a:t>	- Keep long term data in a cloud or off-site server database with a data 	storage model allowing for frequent input of data but infrequent querying of 	that data (AWS</a:t>
-            </a:r>
-            <a:r>
-              <a:rPr lang="en-US" sz="1200" cap="none" spc="0" dirty="0" smtClean="0"/>
-              <a:t>)</a:t>
+              <a:rPr lang="en-US" sz="1600" cap="none" spc="0" dirty="0"/>
+              <a:t>	- Keep long term data in a cloud or off-site server database 	with a data storage model allowing for frequent input of 	data but infrequent querying of that data (AWS)</a:t>
             </a:r>
           </a:p>
           <a:p>
             <a:pPr algn="l"/>
             <a:r>
-              <a:rPr lang="en-US" sz="1200" cap="none" spc="0" dirty="0" smtClean="0"/>
-              <a:t>	- Rolling out special opportunities and events for customers in the rewards </a:t>
-            </a:r>
-            <a:r>
-              <a:rPr lang="en-US" sz="1200" cap="none" spc="0" dirty="0" smtClean="0"/>
-              <a:t>	program</a:t>
-            </a:r>
-            <a:endParaRPr lang="en-US" sz="1200" cap="none" spc="0" dirty="0"/>
+              <a:rPr lang="en-US" sz="1600" cap="none" spc="0" dirty="0"/>
+              <a:t>	- Rolling out special opportunities and events for customers 	in the rewards program</a:t>
+            </a:r>
           </a:p>
           <a:p>
             <a:pPr algn="l"/>
@@ -6054,7 +6217,7 @@
           <p:cNvPr id="2" name="Slide Number Placeholder 1">
             <a:extLst>
               <a:ext uri="{FF2B5EF4-FFF2-40B4-BE49-F238E27FC236}">
-                <a16:creationId xmlns:a16="http://schemas.microsoft.com/office/drawing/2014/main" xmlns="" id="{948DD8A0-BD53-4DBF-949B-0D64D12DADA9}"/>
+                <a16:creationId xmlns:a16="http://schemas.microsoft.com/office/drawing/2014/main" id="{948DD8A0-BD53-4DBF-949B-0D64D12DADA9}"/>
               </a:ext>
             </a:extLst>
           </p:cNvPr>
@@ -6082,7 +6245,7 @@
     </p:spTree>
     <p:extLst>
       <p:ext uri="{BB962C8B-B14F-4D97-AF65-F5344CB8AC3E}">
-        <p14:creationId xmlns:p14="http://schemas.microsoft.com/office/powerpoint/2010/main" xmlns="" val="2692241771"/>
+        <p14:creationId xmlns:p14="http://schemas.microsoft.com/office/powerpoint/2010/main" val="2692241771"/>
       </p:ext>
     </p:extLst>
   </p:cSld>
@@ -6114,7 +6277,7 @@
           <p:cNvPr id="3" name="Title 2">
             <a:extLst>
               <a:ext uri="{FF2B5EF4-FFF2-40B4-BE49-F238E27FC236}">
-                <a16:creationId xmlns:a16="http://schemas.microsoft.com/office/drawing/2014/main" xmlns="" id="{1D24B42B-925B-494C-A986-BD85E8117E1E}"/>
+                <a16:creationId xmlns:a16="http://schemas.microsoft.com/office/drawing/2014/main" id="{1D24B42B-925B-494C-A986-BD85E8117E1E}"/>
               </a:ext>
             </a:extLst>
           </p:cNvPr>
@@ -6149,7 +6312,7 @@
           <p:cNvPr id="13" name="Picture Placeholder 12" descr="close up of computer on top of table against a brick wall">
             <a:extLst>
               <a:ext uri="{FF2B5EF4-FFF2-40B4-BE49-F238E27FC236}">
-                <a16:creationId xmlns:a16="http://schemas.microsoft.com/office/drawing/2014/main" xmlns="" id="{90BB9493-60B4-4B89-89CE-E1F8BF6C4D12}"/>
+                <a16:creationId xmlns:a16="http://schemas.microsoft.com/office/drawing/2014/main" id="{90BB9493-60B4-4B89-89CE-E1F8BF6C4D12}"/>
               </a:ext>
             </a:extLst>
           </p:cNvPr>
@@ -6164,7 +6327,7 @@
           <a:blip r:embed="rId2" cstate="email">
             <a:extLst>
               <a:ext uri="{BEBA8EAE-BF5A-486C-A8C5-ECC9F3942E4B}">
-                <a14:imgProps xmlns:a14="http://schemas.microsoft.com/office/drawing/2010/main" xmlns="">
+                <a14:imgProps xmlns:a14="http://schemas.microsoft.com/office/drawing/2010/main">
                   <a14:imgLayer r:embed="rId3">
                     <a14:imgEffect>
                       <a14:saturation sat="0"/>
@@ -6173,7 +6336,7 @@
                 </a14:imgProps>
               </a:ext>
               <a:ext uri="{28A0092B-C50C-407E-A947-70E740481C1C}">
-                <a14:useLocalDpi xmlns:a14="http://schemas.microsoft.com/office/drawing/2010/main" xmlns=""/>
+                <a14:useLocalDpi xmlns:a14="http://schemas.microsoft.com/office/drawing/2010/main"/>
               </a:ext>
             </a:extLst>
           </a:blip>
@@ -6187,7 +6350,7 @@
           <p:cNvPr id="5" name="Text Placeholder 4">
             <a:extLst>
               <a:ext uri="{FF2B5EF4-FFF2-40B4-BE49-F238E27FC236}">
-                <a16:creationId xmlns:a16="http://schemas.microsoft.com/office/drawing/2014/main" xmlns="" id="{AF9B872F-6332-408E-9135-B871F0C90C00}"/>
+                <a16:creationId xmlns:a16="http://schemas.microsoft.com/office/drawing/2014/main" id="{AF9B872F-6332-408E-9135-B871F0C90C00}"/>
               </a:ext>
             </a:extLst>
           </p:cNvPr>
@@ -6210,7 +6373,7 @@
           <a:p>
             <a:pPr algn="l"/>
             <a:r>
-              <a:rPr lang="en-US" sz="1200" u="sng" spc="0" dirty="0"/>
+              <a:rPr lang="en-US" sz="1600" u="sng" spc="0" dirty="0"/>
               <a:t>User Requirements:</a:t>
             </a:r>
           </a:p>
@@ -6220,54 +6383,44 @@
               <a:buChar char="•"/>
             </a:pPr>
             <a:r>
-              <a:rPr lang="en-US" sz="1200" spc="0" dirty="0"/>
+              <a:rPr lang="en-US" sz="1600" spc="0" dirty="0"/>
               <a:t>        Must:</a:t>
             </a:r>
           </a:p>
           <a:p>
             <a:pPr algn="l"/>
             <a:r>
-              <a:rPr lang="en-US" sz="1200" cap="none" spc="0" dirty="0"/>
-              <a:t>	- Manager can edit orders, alter bill, overview of wait times, view time stamps in 	order</a:t>
+              <a:rPr lang="en-US" sz="1600" cap="none" spc="0" dirty="0"/>
+              <a:t>	- Manager can edit orders, alter bill, overview of wait times, 	view time stamps in order</a:t>
             </a:r>
           </a:p>
           <a:p>
             <a:pPr algn="l"/>
             <a:r>
-              <a:rPr lang="en-US" sz="1200" cap="none" spc="0" dirty="0"/>
-              <a:t>	- Chef can view orders, time stamps for orders, and mark as ready</a:t>
+              <a:rPr lang="en-US" sz="1600" cap="none" spc="0" dirty="0"/>
+              <a:t>	- Chef can view orders, time stamps for orders, and mark as 	ready</a:t>
             </a:r>
           </a:p>
           <a:p>
             <a:pPr algn="l"/>
             <a:r>
-              <a:rPr lang="en-US" sz="1200" cap="none" spc="0" dirty="0"/>
-              <a:t>	- Waiter can view orders, view tables, time stamp for orders, alter bill, view 	</a:t>
-            </a:r>
-            <a:r>
-              <a:rPr lang="en-US" sz="1200" cap="none" spc="0" dirty="0" smtClean="0"/>
-              <a:t>menu</a:t>
+              <a:rPr lang="en-US" sz="1600" cap="none" spc="0" dirty="0"/>
+              <a:t>	- Waiter can view orders, view tables, time stamp for orders, 	alter bill, view menu</a:t>
             </a:r>
           </a:p>
           <a:p>
             <a:pPr algn="l"/>
             <a:r>
-              <a:rPr lang="en-US" sz="1200" cap="none" spc="0" dirty="0" smtClean="0"/>
-              <a:t>	- Waiter can add to order, print </a:t>
-            </a:r>
-            <a:r>
-              <a:rPr lang="en-US" sz="1200" cap="none" spc="0" dirty="0" smtClean="0"/>
-              <a:t>check</a:t>
-            </a:r>
-            <a:endParaRPr lang="en-US" sz="1200" cap="none" spc="0" dirty="0" smtClean="0"/>
+              <a:rPr lang="en-US" sz="1600" cap="none" spc="0" dirty="0"/>
+              <a:t>	- Waiter can add to order, print check</a:t>
+            </a:r>
           </a:p>
           <a:p>
             <a:pPr algn="l"/>
             <a:r>
-              <a:rPr lang="en-US" sz="1200" cap="none" spc="0" dirty="0" smtClean="0"/>
+              <a:rPr lang="en-US" sz="1600" cap="none" spc="0" dirty="0"/>
               <a:t>	- User can login with username and password</a:t>
             </a:r>
-            <a:endParaRPr lang="en-US" sz="1800" cap="none" spc="0" dirty="0"/>
           </a:p>
           <a:p>
             <a:pPr algn="l">
@@ -6275,41 +6428,20 @@
               <a:buChar char="•"/>
             </a:pPr>
             <a:r>
-              <a:rPr lang="en-US" sz="1200" spc="0" dirty="0"/>
-              <a:t>        Should</a:t>
-            </a:r>
-            <a:r>
-              <a:rPr lang="en-US" sz="1200" spc="0" dirty="0" smtClean="0"/>
-              <a:t>:</a:t>
+              <a:rPr lang="en-US" sz="1600" spc="0" dirty="0"/>
+              <a:t>        Should:</a:t>
             </a:r>
           </a:p>
           <a:p>
             <a:pPr algn="l"/>
             <a:r>
-              <a:rPr lang="en-US" sz="1200" spc="0" dirty="0" smtClean="0"/>
-              <a:t>	</a:t>
-            </a:r>
-            <a:r>
-              <a:rPr lang="en-US" sz="1200" spc="0" dirty="0" smtClean="0"/>
-              <a:t>- </a:t>
-            </a:r>
-            <a:r>
-              <a:rPr lang="en-US" sz="1200" cap="none" spc="0" dirty="0" smtClean="0"/>
-              <a:t>Host </a:t>
-            </a:r>
-            <a:r>
-              <a:rPr lang="en-US" sz="1200" cap="none" spc="0" dirty="0" smtClean="0"/>
-              <a:t>staff can manually mark tables as: a) Open for seating.  b) </a:t>
-            </a:r>
-            <a:r>
-              <a:rPr lang="en-US" sz="1200" cap="none" spc="0" dirty="0" smtClean="0"/>
-              <a:t>	Seated</a:t>
-            </a:r>
-            <a:r>
-              <a:rPr lang="en-US" sz="1200" cap="none" spc="0" dirty="0" smtClean="0"/>
-              <a:t>.  c) Need bussing.</a:t>
-            </a:r>
-            <a:endParaRPr lang="en-US" sz="1200" cap="none" spc="0" dirty="0"/>
+              <a:rPr lang="en-US" sz="1600" spc="0" dirty="0"/>
+              <a:t>	- </a:t>
+            </a:r>
+            <a:r>
+              <a:rPr lang="en-US" sz="1600" cap="none" spc="0" dirty="0"/>
+              <a:t>Host staff can manually mark tables as: a) Open for seating.  	b) Seated.  c) Need bussing.</a:t>
+            </a:r>
           </a:p>
           <a:p>
             <a:pPr algn="l"/>
@@ -6327,7 +6459,7 @@
           <p:cNvPr id="2" name="Slide Number Placeholder 1">
             <a:extLst>
               <a:ext uri="{FF2B5EF4-FFF2-40B4-BE49-F238E27FC236}">
-                <a16:creationId xmlns:a16="http://schemas.microsoft.com/office/drawing/2014/main" xmlns="" id="{948DD8A0-BD53-4DBF-949B-0D64D12DADA9}"/>
+                <a16:creationId xmlns:a16="http://schemas.microsoft.com/office/drawing/2014/main" id="{948DD8A0-BD53-4DBF-949B-0D64D12DADA9}"/>
               </a:ext>
             </a:extLst>
           </p:cNvPr>
@@ -6355,7 +6487,7 @@
     </p:spTree>
     <p:extLst>
       <p:ext uri="{BB962C8B-B14F-4D97-AF65-F5344CB8AC3E}">
-        <p14:creationId xmlns:p14="http://schemas.microsoft.com/office/powerpoint/2010/main" xmlns="" val="3164405530"/>
+        <p14:creationId xmlns:p14="http://schemas.microsoft.com/office/powerpoint/2010/main" val="3164405530"/>
       </p:ext>
     </p:extLst>
   </p:cSld>
@@ -6387,7 +6519,7 @@
           <p:cNvPr id="3" name="Title 2">
             <a:extLst>
               <a:ext uri="{FF2B5EF4-FFF2-40B4-BE49-F238E27FC236}">
-                <a16:creationId xmlns:a16="http://schemas.microsoft.com/office/drawing/2014/main" xmlns="" id="{1D24B42B-925B-494C-A986-BD85E8117E1E}"/>
+                <a16:creationId xmlns:a16="http://schemas.microsoft.com/office/drawing/2014/main" id="{1D24B42B-925B-494C-A986-BD85E8117E1E}"/>
               </a:ext>
             </a:extLst>
           </p:cNvPr>
@@ -6422,7 +6554,7 @@
           <p:cNvPr id="13" name="Picture Placeholder 12" descr="close up of computer on top of table against a brick wall">
             <a:extLst>
               <a:ext uri="{FF2B5EF4-FFF2-40B4-BE49-F238E27FC236}">
-                <a16:creationId xmlns:a16="http://schemas.microsoft.com/office/drawing/2014/main" xmlns="" id="{90BB9493-60B4-4B89-89CE-E1F8BF6C4D12}"/>
+                <a16:creationId xmlns:a16="http://schemas.microsoft.com/office/drawing/2014/main" id="{90BB9493-60B4-4B89-89CE-E1F8BF6C4D12}"/>
               </a:ext>
             </a:extLst>
           </p:cNvPr>
@@ -6437,7 +6569,7 @@
           <a:blip r:embed="rId2" cstate="email">
             <a:extLst>
               <a:ext uri="{BEBA8EAE-BF5A-486C-A8C5-ECC9F3942E4B}">
-                <a14:imgProps xmlns:a14="http://schemas.microsoft.com/office/drawing/2010/main" xmlns="">
+                <a14:imgProps xmlns:a14="http://schemas.microsoft.com/office/drawing/2010/main">
                   <a14:imgLayer r:embed="rId3">
                     <a14:imgEffect>
                       <a14:saturation sat="0"/>
@@ -6446,7 +6578,7 @@
                 </a14:imgProps>
               </a:ext>
               <a:ext uri="{28A0092B-C50C-407E-A947-70E740481C1C}">
-                <a14:useLocalDpi xmlns:a14="http://schemas.microsoft.com/office/drawing/2010/main" xmlns=""/>
+                <a14:useLocalDpi xmlns:a14="http://schemas.microsoft.com/office/drawing/2010/main"/>
               </a:ext>
             </a:extLst>
           </a:blip>
@@ -6460,7 +6592,7 @@
           <p:cNvPr id="5" name="Text Placeholder 4">
             <a:extLst>
               <a:ext uri="{FF2B5EF4-FFF2-40B4-BE49-F238E27FC236}">
-                <a16:creationId xmlns:a16="http://schemas.microsoft.com/office/drawing/2014/main" xmlns="" id="{AF9B872F-6332-408E-9135-B871F0C90C00}"/>
+                <a16:creationId xmlns:a16="http://schemas.microsoft.com/office/drawing/2014/main" id="{AF9B872F-6332-408E-9135-B871F0C90C00}"/>
               </a:ext>
             </a:extLst>
           </p:cNvPr>
@@ -6473,8 +6605,8 @@
         </p:nvSpPr>
         <p:spPr>
           <a:xfrm>
-            <a:off x="5697206" y="1656060"/>
-            <a:ext cx="6096000" cy="4882392"/>
+            <a:off x="5697206" y="1728132"/>
+            <a:ext cx="6096000" cy="4840447"/>
           </a:xfrm>
         </p:spPr>
         <p:txBody>
@@ -6483,7 +6615,7 @@
           <a:p>
             <a:pPr algn="l"/>
             <a:r>
-              <a:rPr lang="en-US" sz="1200" b="1" u="sng" spc="0" dirty="0">
+              <a:rPr lang="en-US" sz="1600" b="1" u="sng" spc="0" dirty="0">
                 <a:cs typeface="Arial" panose="020B0604020202020204" pitchFamily="34" charset="0"/>
               </a:rPr>
               <a:t>Functional requirements</a:t>
@@ -6495,7 +6627,7 @@
               <a:buChar char="•"/>
             </a:pPr>
             <a:r>
-              <a:rPr lang="en-US" sz="1200" spc="0" dirty="0">
+              <a:rPr lang="en-US" sz="1600" spc="0" dirty="0">
                 <a:cs typeface="Arial" panose="020B0604020202020204" pitchFamily="34" charset="0"/>
               </a:rPr>
               <a:t>Must:</a:t>
@@ -6504,72 +6636,36 @@
           <a:p>
             <a:pPr algn="l"/>
             <a:r>
-              <a:rPr lang="en-US" sz="1200" spc="0" dirty="0">
+              <a:rPr lang="en-US" sz="1600" spc="0" dirty="0">
                 <a:cs typeface="Arial" panose="020B0604020202020204" pitchFamily="34" charset="0"/>
               </a:rPr>
-              <a:t>	</a:t>
-            </a:r>
-            <a:r>
-              <a:rPr lang="en-US" sz="1200" spc="0" dirty="0" smtClean="0">
+              <a:t>	- </a:t>
+            </a:r>
+            <a:r>
+              <a:rPr lang="en-US" sz="1600" cap="none" spc="0" dirty="0">
                 <a:cs typeface="Arial" panose="020B0604020202020204" pitchFamily="34" charset="0"/>
               </a:rPr>
-              <a:t>- </a:t>
-            </a:r>
-            <a:r>
-              <a:rPr lang="en-US" sz="1200" cap="none" spc="0" dirty="0" smtClean="0">
+              <a:t>Display menu when requested</a:t>
+            </a:r>
+          </a:p>
+          <a:p>
+            <a:pPr algn="l"/>
+            <a:r>
+              <a:rPr lang="en-US" sz="1600" cap="none" spc="0" dirty="0">
                 <a:cs typeface="Arial" panose="020B0604020202020204" pitchFamily="34" charset="0"/>
               </a:rPr>
-              <a:t>Display </a:t>
-            </a:r>
-            <a:r>
-              <a:rPr lang="en-US" sz="1200" cap="none" spc="0" dirty="0">
+              <a:t>	- Display orders, bill, wait times,  and time stamps when 	requested</a:t>
+            </a:r>
+          </a:p>
+          <a:p>
+            <a:pPr algn="l"/>
+            <a:r>
+              <a:rPr lang="en-US" sz="1600" cap="none" spc="0" dirty="0">
                 <a:cs typeface="Arial" panose="020B0604020202020204" pitchFamily="34" charset="0"/>
               </a:rPr>
-              <a:t>menu when requested</a:t>
-            </a:r>
-          </a:p>
-          <a:p>
-            <a:pPr algn="l"/>
-            <a:r>
-              <a:rPr lang="en-US" sz="1200" cap="none" spc="0" dirty="0">
-                <a:cs typeface="Arial" panose="020B0604020202020204" pitchFamily="34" charset="0"/>
-              </a:rPr>
-              <a:t>	</a:t>
-            </a:r>
-            <a:r>
-              <a:rPr lang="en-US" sz="1200" cap="none" spc="0" dirty="0" smtClean="0">
-                <a:cs typeface="Arial" panose="020B0604020202020204" pitchFamily="34" charset="0"/>
-              </a:rPr>
-              <a:t>- Display </a:t>
-            </a:r>
-            <a:r>
-              <a:rPr lang="en-US" sz="1200" cap="none" spc="0" dirty="0">
-                <a:cs typeface="Arial" panose="020B0604020202020204" pitchFamily="34" charset="0"/>
-              </a:rPr>
-              <a:t>orders, bill, wait times,  and time stamps when requested</a:t>
-            </a:r>
-          </a:p>
-          <a:p>
-            <a:pPr algn="l"/>
-            <a:r>
-              <a:rPr lang="en-US" sz="1200" cap="none" spc="0" dirty="0">
-                <a:cs typeface="Arial" panose="020B0604020202020204" pitchFamily="34" charset="0"/>
-              </a:rPr>
-              <a:t>	</a:t>
-            </a:r>
-            <a:r>
-              <a:rPr lang="en-US" sz="1200" cap="none" spc="0" dirty="0" smtClean="0">
-                <a:cs typeface="Arial" panose="020B0604020202020204" pitchFamily="34" charset="0"/>
-              </a:rPr>
-              <a:t>- Allow </a:t>
-            </a:r>
-            <a:r>
-              <a:rPr lang="en-US" sz="1200" cap="none" spc="0" dirty="0">
-                <a:cs typeface="Arial" panose="020B0604020202020204" pitchFamily="34" charset="0"/>
-              </a:rPr>
-              <a:t>user to login  when successfully entering in user and password</a:t>
-            </a:r>
-            <a:endParaRPr lang="en-US" sz="1200" spc="0" dirty="0">
+              <a:t>	- Allow user to login  when successfully entering in user and 	password</a:t>
+            </a:r>
+            <a:endParaRPr lang="en-US" sz="1600" spc="0" dirty="0">
               <a:cs typeface="Arial" panose="020B0604020202020204" pitchFamily="34" charset="0"/>
             </a:endParaRPr>
           </a:p>
@@ -6579,7 +6675,7 @@
               <a:buChar char="•"/>
             </a:pPr>
             <a:r>
-              <a:rPr lang="en-US" sz="1200" spc="0" dirty="0">
+              <a:rPr lang="en-US" sz="1600" spc="0" dirty="0">
                 <a:cs typeface="Arial" panose="020B0604020202020204" pitchFamily="34" charset="0"/>
               </a:rPr>
               <a:t>Should:</a:t>
@@ -6588,101 +6684,35 @@
           <a:p>
             <a:pPr algn="l"/>
             <a:r>
-              <a:rPr lang="en-US" sz="1200" spc="0" dirty="0">
+              <a:rPr lang="en-US" sz="1600" spc="0" dirty="0">
                 <a:cs typeface="Arial" panose="020B0604020202020204" pitchFamily="34" charset="0"/>
               </a:rPr>
-              <a:t>	</a:t>
-            </a:r>
-            <a:r>
-              <a:rPr lang="en-US" sz="1200" spc="0" dirty="0" smtClean="0">
+              <a:t>	- </a:t>
+            </a:r>
+            <a:r>
+              <a:rPr lang="en-US" sz="1600" cap="none" spc="0" dirty="0">
                 <a:cs typeface="Arial" panose="020B0604020202020204" pitchFamily="34" charset="0"/>
               </a:rPr>
-              <a:t>- </a:t>
-            </a:r>
-            <a:r>
-              <a:rPr lang="en-US" sz="1200" cap="none" spc="0" dirty="0" smtClean="0">
+              <a:t>Use 2fa for manager login to secure admin privileges (two 	factor authentication)</a:t>
+            </a:r>
+          </a:p>
+          <a:p>
+            <a:pPr algn="l"/>
+            <a:r>
+              <a:rPr lang="en-US" sz="1600" cap="none" spc="0" dirty="0">
                 <a:cs typeface="Arial" panose="020B0604020202020204" pitchFamily="34" charset="0"/>
               </a:rPr>
-              <a:t>Use </a:t>
-            </a:r>
-            <a:r>
-              <a:rPr lang="en-US" sz="1200" cap="none" spc="0" dirty="0">
+              <a:t>	- Keep track of volume over time to create a predictive 	model for future use</a:t>
+            </a:r>
+          </a:p>
+          <a:p>
+            <a:pPr algn="l"/>
+            <a:r>
+              <a:rPr lang="en-US" sz="1600" cap="none" spc="0" dirty="0">
                 <a:cs typeface="Arial" panose="020B0604020202020204" pitchFamily="34" charset="0"/>
               </a:rPr>
-              <a:t>2fa for manager login to secure admin privileges (two factor 	authentication)</a:t>
-            </a:r>
-          </a:p>
-          <a:p>
-            <a:pPr algn="l"/>
-            <a:r>
-              <a:rPr lang="en-US" sz="1200" cap="none" spc="0" dirty="0">
-                <a:cs typeface="Arial" panose="020B0604020202020204" pitchFamily="34" charset="0"/>
-              </a:rPr>
-              <a:t>	</a:t>
-            </a:r>
-            <a:r>
-              <a:rPr lang="en-US" sz="1200" cap="none" spc="0" dirty="0" smtClean="0">
-                <a:cs typeface="Arial" panose="020B0604020202020204" pitchFamily="34" charset="0"/>
-              </a:rPr>
-              <a:t>- Keep </a:t>
-            </a:r>
-            <a:r>
-              <a:rPr lang="en-US" sz="1200" cap="none" spc="0" dirty="0">
-                <a:cs typeface="Arial" panose="020B0604020202020204" pitchFamily="34" charset="0"/>
-              </a:rPr>
-              <a:t>track of volume over time to create a predictive model for future use</a:t>
-            </a:r>
-          </a:p>
-          <a:p>
-            <a:pPr algn="l"/>
-            <a:r>
-              <a:rPr lang="en-US" sz="1200" cap="none" spc="0" dirty="0">
-                <a:cs typeface="Arial" panose="020B0604020202020204" pitchFamily="34" charset="0"/>
-              </a:rPr>
-              <a:t>	- Require user log back in after tablet/device is idle for more than 60 seconds</a:t>
-            </a:r>
-          </a:p>
-          <a:p>
-            <a:pPr marL="285750" indent="-285750" algn="l">
-              <a:buFont typeface="Arial" panose="020B0604020202020204" pitchFamily="34" charset="0"/>
-              <a:buChar char="•"/>
-            </a:pPr>
-            <a:r>
-              <a:rPr lang="en-US" sz="1200" spc="0" dirty="0">
-                <a:cs typeface="Arial" panose="020B0604020202020204" pitchFamily="34" charset="0"/>
-              </a:rPr>
-              <a:t>Could:</a:t>
-            </a:r>
-          </a:p>
-          <a:p>
-            <a:pPr algn="l"/>
-            <a:r>
-              <a:rPr lang="en-US" sz="1200" spc="0" dirty="0">
-                <a:cs typeface="Arial" panose="020B0604020202020204" pitchFamily="34" charset="0"/>
-              </a:rPr>
-              <a:t>	</a:t>
-            </a:r>
-            <a:r>
-              <a:rPr lang="en-US" sz="1200" spc="0" dirty="0" smtClean="0">
-                <a:cs typeface="Arial" panose="020B0604020202020204" pitchFamily="34" charset="0"/>
-              </a:rPr>
-              <a:t>- </a:t>
-            </a:r>
-            <a:r>
-              <a:rPr lang="en-US" sz="1200" cap="none" spc="0" dirty="0" smtClean="0">
-                <a:cs typeface="Arial" panose="020B0604020202020204" pitchFamily="34" charset="0"/>
-              </a:rPr>
-              <a:t>Customer </a:t>
-            </a:r>
-            <a:r>
-              <a:rPr lang="en-US" sz="1200" cap="none" spc="0" dirty="0">
-                <a:cs typeface="Arial" panose="020B0604020202020204" pitchFamily="34" charset="0"/>
-              </a:rPr>
-              <a:t>rewards program</a:t>
-            </a:r>
-          </a:p>
-          <a:p>
-            <a:pPr algn="l"/>
+              <a:t>	- Require user log back in after tablet/device is idle for more 	than 60 seconds</a:t>
+            </a:r>
             <a:endParaRPr lang="en-US" sz="1200" cap="none" spc="0" dirty="0">
               <a:cs typeface="Arial" panose="020B0604020202020204" pitchFamily="34" charset="0"/>
             </a:endParaRPr>
@@ -6697,7 +6727,7 @@
           <p:cNvPr id="2" name="Slide Number Placeholder 1">
             <a:extLst>
               <a:ext uri="{FF2B5EF4-FFF2-40B4-BE49-F238E27FC236}">
-                <a16:creationId xmlns:a16="http://schemas.microsoft.com/office/drawing/2014/main" xmlns="" id="{948DD8A0-BD53-4DBF-949B-0D64D12DADA9}"/>
+                <a16:creationId xmlns:a16="http://schemas.microsoft.com/office/drawing/2014/main" id="{948DD8A0-BD53-4DBF-949B-0D64D12DADA9}"/>
               </a:ext>
             </a:extLst>
           </p:cNvPr>
@@ -6725,7 +6755,7 @@
     </p:spTree>
     <p:extLst>
       <p:ext uri="{BB962C8B-B14F-4D97-AF65-F5344CB8AC3E}">
-        <p14:creationId xmlns:p14="http://schemas.microsoft.com/office/powerpoint/2010/main" xmlns="" val="257715524"/>
+        <p14:creationId xmlns:p14="http://schemas.microsoft.com/office/powerpoint/2010/main" val="257715524"/>
       </p:ext>
     </p:extLst>
   </p:cSld>
@@ -6757,7 +6787,7 @@
           <p:cNvPr id="3" name="Title 2">
             <a:extLst>
               <a:ext uri="{FF2B5EF4-FFF2-40B4-BE49-F238E27FC236}">
-                <a16:creationId xmlns:a16="http://schemas.microsoft.com/office/drawing/2014/main" xmlns="" id="{1D24B42B-925B-494C-A986-BD85E8117E1E}"/>
+                <a16:creationId xmlns:a16="http://schemas.microsoft.com/office/drawing/2014/main" id="{1D24B42B-925B-494C-A986-BD85E8117E1E}"/>
               </a:ext>
             </a:extLst>
           </p:cNvPr>
@@ -6792,7 +6822,7 @@
           <p:cNvPr id="13" name="Picture Placeholder 12" descr="close up of computer on top of table against a brick wall">
             <a:extLst>
               <a:ext uri="{FF2B5EF4-FFF2-40B4-BE49-F238E27FC236}">
-                <a16:creationId xmlns:a16="http://schemas.microsoft.com/office/drawing/2014/main" xmlns="" id="{90BB9493-60B4-4B89-89CE-E1F8BF6C4D12}"/>
+                <a16:creationId xmlns:a16="http://schemas.microsoft.com/office/drawing/2014/main" id="{90BB9493-60B4-4B89-89CE-E1F8BF6C4D12}"/>
               </a:ext>
             </a:extLst>
           </p:cNvPr>
@@ -6807,7 +6837,7 @@
           <a:blip r:embed="rId2" cstate="email">
             <a:extLst>
               <a:ext uri="{BEBA8EAE-BF5A-486C-A8C5-ECC9F3942E4B}">
-                <a14:imgProps xmlns:a14="http://schemas.microsoft.com/office/drawing/2010/main" xmlns="">
+                <a14:imgProps xmlns:a14="http://schemas.microsoft.com/office/drawing/2010/main">
                   <a14:imgLayer r:embed="rId3">
                     <a14:imgEffect>
                       <a14:saturation sat="0"/>
@@ -6816,7 +6846,7 @@
                 </a14:imgProps>
               </a:ext>
               <a:ext uri="{28A0092B-C50C-407E-A947-70E740481C1C}">
-                <a14:useLocalDpi xmlns:a14="http://schemas.microsoft.com/office/drawing/2010/main" xmlns=""/>
+                <a14:useLocalDpi xmlns:a14="http://schemas.microsoft.com/office/drawing/2010/main"/>
               </a:ext>
             </a:extLst>
           </a:blip>
@@ -6830,7 +6860,7 @@
           <p:cNvPr id="5" name="Text Placeholder 4">
             <a:extLst>
               <a:ext uri="{FF2B5EF4-FFF2-40B4-BE49-F238E27FC236}">
-                <a16:creationId xmlns:a16="http://schemas.microsoft.com/office/drawing/2014/main" xmlns="" id="{AF9B872F-6332-408E-9135-B871F0C90C00}"/>
+                <a16:creationId xmlns:a16="http://schemas.microsoft.com/office/drawing/2014/main" id="{AF9B872F-6332-408E-9135-B871F0C90C00}"/>
               </a:ext>
             </a:extLst>
           </p:cNvPr>
@@ -6853,7 +6883,7 @@
           <a:p>
             <a:pPr algn="l"/>
             <a:r>
-              <a:rPr lang="en-US" sz="1200" b="1" u="sng" spc="0" dirty="0">
+              <a:rPr lang="en-US" sz="1600" b="1" u="sng" spc="0" dirty="0">
                 <a:cs typeface="Arial" panose="020B0604020202020204" pitchFamily="34" charset="0"/>
               </a:rPr>
               <a:t>NON-Functional requirements</a:t>
@@ -6865,7 +6895,7 @@
               <a:buChar char="•"/>
             </a:pPr>
             <a:r>
-              <a:rPr lang="en-US" sz="1200" spc="0" dirty="0">
+              <a:rPr lang="en-US" sz="1600" spc="0" dirty="0">
                 <a:cs typeface="Arial" panose="020B0604020202020204" pitchFamily="34" charset="0"/>
               </a:rPr>
               <a:t>Must:</a:t>
@@ -6874,31 +6904,40 @@
           <a:p>
             <a:pPr algn="l"/>
             <a:r>
-              <a:rPr lang="en-US" sz="1200" spc="0" dirty="0">
+              <a:rPr lang="en-US" sz="1600" spc="0" dirty="0">
                 <a:cs typeface="Arial" panose="020B0604020202020204" pitchFamily="34" charset="0"/>
               </a:rPr>
               <a:t>	-</a:t>
             </a:r>
             <a:r>
-              <a:rPr lang="en-US" sz="1200" cap="none" spc="0" dirty="0">
+              <a:rPr lang="en-US" sz="1600" cap="none" spc="0" dirty="0">
                 <a:cs typeface="Arial" panose="020B0604020202020204" pitchFamily="34" charset="0"/>
               </a:rPr>
-              <a:t>Database should update in a timely manner to keep communication between 	users accurate	-Display orders, bill, wait times,  and time stamps when requested</a:t>
+              <a:t>Database should update in a timely manner to keep 	communication between users accurate	</a:t>
             </a:r>
           </a:p>
           <a:p>
             <a:pPr algn="l"/>
             <a:r>
-              <a:rPr lang="en-US" sz="1200" cap="none" spc="0" dirty="0">
+              <a:rPr lang="en-US" sz="1600" cap="none" spc="0" dirty="0">
                 <a:cs typeface="Arial" panose="020B0604020202020204" pitchFamily="34" charset="0"/>
               </a:rPr>
+              <a:t>	-Display orders, bill, wait times,  and time stamps when 	requested</a:t>
+            </a:r>
+          </a:p>
+          <a:p>
+            <a:pPr algn="l"/>
+            <a:r>
+              <a:rPr lang="en-US" sz="1600" cap="none" spc="0" dirty="0">
+                <a:cs typeface="Arial" panose="020B0604020202020204" pitchFamily="34" charset="0"/>
+              </a:rPr>
               <a:t>	-Password must meet defined password criteria</a:t>
             </a:r>
           </a:p>
           <a:p>
             <a:pPr algn="l"/>
             <a:r>
-              <a:rPr lang="en-US" sz="1200" cap="none" spc="0" dirty="0">
+              <a:rPr lang="en-US" sz="1600" cap="none" spc="0" dirty="0">
                 <a:cs typeface="Arial" panose="020B0604020202020204" pitchFamily="34" charset="0"/>
               </a:rPr>
               <a:t>	-Must not allow fault input to a field</a:t>
@@ -6907,64 +6946,19 @@
           <a:p>
             <a:pPr algn="l"/>
             <a:r>
-              <a:rPr lang="en-US" sz="1200" cap="none" spc="0" dirty="0">
+              <a:rPr lang="en-US" sz="1600" cap="none" spc="0" dirty="0">
                 <a:cs typeface="Arial" panose="020B0604020202020204" pitchFamily="34" charset="0"/>
               </a:rPr>
-              <a:t>	-Users must only be able to access what they have permission to see</a:t>
+              <a:t>	-Users must only be able to access what they have 	permission to see</a:t>
             </a:r>
           </a:p>
           <a:p>
             <a:pPr algn="l"/>
             <a:r>
-              <a:rPr lang="en-US" sz="1200" cap="none" spc="0" dirty="0">
+              <a:rPr lang="en-US" sz="1600" cap="none" spc="0" dirty="0">
                 <a:cs typeface="Arial" panose="020B0604020202020204" pitchFamily="34" charset="0"/>
               </a:rPr>
-              <a:t>	-The system should support enough logged in users at any given time to satisfy 	the restaurants requirements for access frequency</a:t>
-            </a:r>
-          </a:p>
-          <a:p>
-            <a:pPr marL="285750" indent="-285750" algn="l">
-              <a:buFont typeface="Arial" panose="020B0604020202020204" pitchFamily="34" charset="0"/>
-              <a:buChar char="•"/>
-            </a:pPr>
-            <a:r>
-              <a:rPr lang="en-US" sz="1200" spc="0" dirty="0">
-                <a:cs typeface="Arial" panose="020B0604020202020204" pitchFamily="34" charset="0"/>
-              </a:rPr>
-              <a:t>Should:</a:t>
-            </a:r>
-          </a:p>
-          <a:p>
-            <a:pPr algn="l"/>
-            <a:r>
-              <a:rPr lang="en-US" sz="1200" spc="0" dirty="0">
-                <a:cs typeface="Arial" panose="020B0604020202020204" pitchFamily="34" charset="0"/>
-              </a:rPr>
-              <a:t>	-</a:t>
-            </a:r>
-            <a:r>
-              <a:rPr lang="en-US" sz="1200" cap="none" spc="0" dirty="0">
-                <a:cs typeface="Arial" panose="020B0604020202020204" pitchFamily="34" charset="0"/>
-              </a:rPr>
-              <a:t>Can scale the restaurant table display volume and placement based on 	remodeling and rearrangement)</a:t>
-            </a:r>
-          </a:p>
-          <a:p>
-            <a:pPr algn="l"/>
-            <a:r>
-              <a:rPr lang="en-US" sz="1200" cap="none" spc="0" dirty="0">
-                <a:cs typeface="Arial" panose="020B0604020202020204" pitchFamily="34" charset="0"/>
-              </a:rPr>
-              <a:t>	-Use of local database for efficiency and external/cloud-based database for long 	term data collection for aggregation	</a:t>
-            </a:r>
-          </a:p>
-          <a:p>
-            <a:pPr algn="l"/>
-            <a:r>
-              <a:rPr lang="en-US" sz="1200" cap="none" spc="0" dirty="0">
-                <a:cs typeface="Arial" panose="020B0604020202020204" pitchFamily="34" charset="0"/>
-              </a:rPr>
-              <a:t>	- Keep track of each table as an object with data attributes such as item orders 	per seat, bill cost, wait time</a:t>
+              <a:t>	-The system should support enough logged in users at any 	given time to satisfy 	the restaurants requirements for 	access frequency</a:t>
             </a:r>
           </a:p>
           <a:p>
@@ -6980,7 +6974,7 @@
           <p:cNvPr id="2" name="Slide Number Placeholder 1">
             <a:extLst>
               <a:ext uri="{FF2B5EF4-FFF2-40B4-BE49-F238E27FC236}">
-                <a16:creationId xmlns:a16="http://schemas.microsoft.com/office/drawing/2014/main" xmlns="" id="{948DD8A0-BD53-4DBF-949B-0D64D12DADA9}"/>
+                <a16:creationId xmlns:a16="http://schemas.microsoft.com/office/drawing/2014/main" id="{948DD8A0-BD53-4DBF-949B-0D64D12DADA9}"/>
               </a:ext>
             </a:extLst>
           </p:cNvPr>
@@ -7008,7 +7002,7 @@
     </p:spTree>
     <p:extLst>
       <p:ext uri="{BB962C8B-B14F-4D97-AF65-F5344CB8AC3E}">
-        <p14:creationId xmlns:p14="http://schemas.microsoft.com/office/powerpoint/2010/main" xmlns="" val="3800372191"/>
+        <p14:creationId xmlns:p14="http://schemas.microsoft.com/office/powerpoint/2010/main" val="3800372191"/>
       </p:ext>
     </p:extLst>
   </p:cSld>
@@ -7040,7 +7034,7 @@
           <p:cNvPr id="3" name="Title 2">
             <a:extLst>
               <a:ext uri="{FF2B5EF4-FFF2-40B4-BE49-F238E27FC236}">
-                <a16:creationId xmlns:a16="http://schemas.microsoft.com/office/drawing/2014/main" xmlns="" id="{1D24B42B-925B-494C-A986-BD85E8117E1E}"/>
+                <a16:creationId xmlns:a16="http://schemas.microsoft.com/office/drawing/2014/main" id="{1D24B42B-925B-494C-A986-BD85E8117E1E}"/>
               </a:ext>
             </a:extLst>
           </p:cNvPr>
@@ -7075,7 +7069,7 @@
           <p:cNvPr id="13" name="Picture Placeholder 12" descr="close up of computer on top of table against a brick wall">
             <a:extLst>
               <a:ext uri="{FF2B5EF4-FFF2-40B4-BE49-F238E27FC236}">
-                <a16:creationId xmlns:a16="http://schemas.microsoft.com/office/drawing/2014/main" xmlns="" id="{90BB9493-60B4-4B89-89CE-E1F8BF6C4D12}"/>
+                <a16:creationId xmlns:a16="http://schemas.microsoft.com/office/drawing/2014/main" id="{90BB9493-60B4-4B89-89CE-E1F8BF6C4D12}"/>
               </a:ext>
             </a:extLst>
           </p:cNvPr>
@@ -7090,7 +7084,7 @@
           <a:blip r:embed="rId2" cstate="email">
             <a:extLst>
               <a:ext uri="{BEBA8EAE-BF5A-486C-A8C5-ECC9F3942E4B}">
-                <a14:imgProps xmlns:a14="http://schemas.microsoft.com/office/drawing/2010/main" xmlns="">
+                <a14:imgProps xmlns:a14="http://schemas.microsoft.com/office/drawing/2010/main">
                   <a14:imgLayer r:embed="rId3">
                     <a14:imgEffect>
                       <a14:saturation sat="0"/>
@@ -7099,7 +7093,7 @@
                 </a14:imgProps>
               </a:ext>
               <a:ext uri="{28A0092B-C50C-407E-A947-70E740481C1C}">
-                <a14:useLocalDpi xmlns:a14="http://schemas.microsoft.com/office/drawing/2010/main" xmlns=""/>
+                <a14:useLocalDpi xmlns:a14="http://schemas.microsoft.com/office/drawing/2010/main"/>
               </a:ext>
             </a:extLst>
           </a:blip>
@@ -7113,7 +7107,7 @@
           <p:cNvPr id="5" name="Text Placeholder 4">
             <a:extLst>
               <a:ext uri="{FF2B5EF4-FFF2-40B4-BE49-F238E27FC236}">
-                <a16:creationId xmlns:a16="http://schemas.microsoft.com/office/drawing/2014/main" xmlns="" id="{AF9B872F-6332-408E-9135-B871F0C90C00}"/>
+                <a16:creationId xmlns:a16="http://schemas.microsoft.com/office/drawing/2014/main" id="{AF9B872F-6332-408E-9135-B871F0C90C00}"/>
               </a:ext>
             </a:extLst>
           </p:cNvPr>
@@ -7127,7 +7121,7 @@
         <p:spPr>
           <a:xfrm>
             <a:off x="5766032" y="1518408"/>
-            <a:ext cx="6096000" cy="4882392"/>
+            <a:ext cx="6096000" cy="5016616"/>
           </a:xfrm>
         </p:spPr>
         <p:txBody>
@@ -7136,7 +7130,7 @@
           <a:p>
             <a:pPr algn="l"/>
             <a:r>
-              <a:rPr lang="en-US" sz="1200" b="1" u="sng" spc="0" dirty="0">
+              <a:rPr lang="en-US" sz="1600" b="1" u="sng" spc="0" dirty="0">
                 <a:cs typeface="Arial" panose="020B0604020202020204" pitchFamily="34" charset="0"/>
               </a:rPr>
               <a:t>NON-Functional requirements (continued)</a:t>
@@ -7148,37 +7142,100 @@
               <a:buChar char="•"/>
             </a:pPr>
             <a:r>
-              <a:rPr lang="en-US" sz="1200" spc="0" dirty="0">
+              <a:rPr lang="en-US" sz="1600" spc="0" dirty="0">
                 <a:cs typeface="Arial" panose="020B0604020202020204" pitchFamily="34" charset="0"/>
               </a:rPr>
-              <a:t>Could:</a:t>
-            </a:r>
-            <a:endParaRPr lang="en-US" sz="1200" cap="none" spc="0" dirty="0">
+              <a:t>Should:</a:t>
+            </a:r>
+          </a:p>
+          <a:p>
+            <a:pPr algn="l"/>
+            <a:r>
+              <a:rPr lang="en-US" sz="1600" spc="0" dirty="0">
+                <a:cs typeface="Arial" panose="020B0604020202020204" pitchFamily="34" charset="0"/>
+              </a:rPr>
+              <a:t>	-</a:t>
+            </a:r>
+            <a:r>
+              <a:rPr lang="en-US" sz="1600" cap="none" spc="0" dirty="0">
+                <a:cs typeface="Arial" panose="020B0604020202020204" pitchFamily="34" charset="0"/>
+              </a:rPr>
+              <a:t>Can scale the restaurant table display volume and 	placement based on remodeling and rearrangement</a:t>
+            </a:r>
+          </a:p>
+          <a:p>
+            <a:pPr algn="l"/>
+            <a:r>
+              <a:rPr lang="en-US" sz="1600" cap="none" spc="0" dirty="0">
+                <a:cs typeface="Arial" panose="020B0604020202020204" pitchFamily="34" charset="0"/>
+              </a:rPr>
+              <a:t>	-Use of local database for efficiency and external/cloud-	based database for long </a:t>
+            </a:r>
+            <a:r>
+              <a:rPr lang="en-US" sz="1600" cap="none" spc="0" dirty="0" err="1">
+                <a:cs typeface="Arial" panose="020B0604020202020204" pitchFamily="34" charset="0"/>
+              </a:rPr>
+              <a:t>hterm</a:t>
+            </a:r>
+            <a:r>
+              <a:rPr lang="en-US" sz="1600" cap="none" spc="0" dirty="0">
+                <a:cs typeface="Arial" panose="020B0604020202020204" pitchFamily="34" charset="0"/>
+              </a:rPr>
+              <a:t> data collection for 	aggregation	</a:t>
+            </a:r>
+          </a:p>
+          <a:p>
+            <a:pPr algn="l"/>
+            <a:r>
+              <a:rPr lang="en-US" sz="1600" cap="none" spc="0" dirty="0">
+                <a:cs typeface="Arial" panose="020B0604020202020204" pitchFamily="34" charset="0"/>
+              </a:rPr>
+              <a:t>	- Keep track of each table as an object with data attributes 	such as item orders per seat, bill cost, wait time</a:t>
+            </a:r>
+          </a:p>
+          <a:p>
+            <a:pPr algn="l"/>
+            <a:endParaRPr lang="en-US" sz="1600" b="1" u="sng" spc="0" dirty="0">
               <a:cs typeface="Arial" panose="020B0604020202020204" pitchFamily="34" charset="0"/>
             </a:endParaRPr>
           </a:p>
           <a:p>
+            <a:pPr marL="285750" indent="-285750" algn="l">
+              <a:buFont typeface="Arial" panose="020B0604020202020204" pitchFamily="34" charset="0"/>
+              <a:buChar char="•"/>
+            </a:pPr>
+            <a:r>
+              <a:rPr lang="en-US" sz="1600" spc="0" dirty="0">
+                <a:cs typeface="Arial" panose="020B0604020202020204" pitchFamily="34" charset="0"/>
+              </a:rPr>
+              <a:t>Could:</a:t>
+            </a:r>
+            <a:endParaRPr lang="en-US" sz="1600" cap="none" spc="0" dirty="0">
+              <a:cs typeface="Arial" panose="020B0604020202020204" pitchFamily="34" charset="0"/>
+            </a:endParaRPr>
+          </a:p>
+          <a:p>
             <a:pPr algn="l"/>
             <a:r>
-              <a:rPr lang="en-US" sz="1200" cap="none" spc="0" dirty="0">
+              <a:rPr lang="en-US" sz="1600" cap="none" spc="0" dirty="0">
                 <a:cs typeface="Arial" panose="020B0604020202020204" pitchFamily="34" charset="0"/>
               </a:rPr>
-              <a:t>	-Use a third-party security/authentication system to avoid unwanted 	manipulation</a:t>
+              <a:t>	-Use a third-party security/authentication system to avoid 	unwanted 	manipulation</a:t>
             </a:r>
           </a:p>
           <a:p>
             <a:pPr algn="l"/>
             <a:r>
-              <a:rPr lang="en-US" sz="1400" spc="0" dirty="0">
+              <a:rPr lang="en-US" sz="1600" spc="0" dirty="0">
                 <a:cs typeface="Arial" panose="020B0604020202020204" pitchFamily="34" charset="0"/>
               </a:rPr>
               <a:t>	- </a:t>
             </a:r>
             <a:r>
-              <a:rPr lang="en-US" sz="1200" cap="none" spc="0" dirty="0">
+              <a:rPr lang="en-US" sz="1600" cap="none" spc="0" dirty="0">
                 <a:cs typeface="Arial" panose="020B0604020202020204" pitchFamily="34" charset="0"/>
               </a:rPr>
-              <a:t>Implement customer rewards program with customer email</a:t>
+              <a:t>Implement customer rewards program with customer 	email</a:t>
             </a:r>
           </a:p>
         </p:txBody>
@@ -7188,7 +7245,7 @@
           <p:cNvPr id="2" name="Slide Number Placeholder 1">
             <a:extLst>
               <a:ext uri="{FF2B5EF4-FFF2-40B4-BE49-F238E27FC236}">
-                <a16:creationId xmlns:a16="http://schemas.microsoft.com/office/drawing/2014/main" xmlns="" id="{948DD8A0-BD53-4DBF-949B-0D64D12DADA9}"/>
+                <a16:creationId xmlns:a16="http://schemas.microsoft.com/office/drawing/2014/main" id="{948DD8A0-BD53-4DBF-949B-0D64D12DADA9}"/>
               </a:ext>
             </a:extLst>
           </p:cNvPr>
@@ -7216,7 +7273,7 @@
     </p:spTree>
     <p:extLst>
       <p:ext uri="{BB962C8B-B14F-4D97-AF65-F5344CB8AC3E}">
-        <p14:creationId xmlns:p14="http://schemas.microsoft.com/office/powerpoint/2010/main" xmlns="" val="2280711133"/>
+        <p14:creationId xmlns:p14="http://schemas.microsoft.com/office/powerpoint/2010/main" val="2280711133"/>
       </p:ext>
     </p:extLst>
   </p:cSld>
@@ -7248,7 +7305,7 @@
           <p:cNvPr id="2" name="Title 1">
             <a:extLst>
               <a:ext uri="{FF2B5EF4-FFF2-40B4-BE49-F238E27FC236}">
-                <a16:creationId xmlns:a16="http://schemas.microsoft.com/office/drawing/2014/main" xmlns="" id="{12CC3376-5069-4C7B-BE6B-A3776D1B47BA}"/>
+                <a16:creationId xmlns:a16="http://schemas.microsoft.com/office/drawing/2014/main" id="{12CC3376-5069-4C7B-BE6B-A3776D1B47BA}"/>
               </a:ext>
             </a:extLst>
           </p:cNvPr>
@@ -7285,7 +7342,7 @@
           <p:cNvPr id="6" name="Picture Placeholder 5" descr="person staring at blueprints on a brick wall">
             <a:extLst>
               <a:ext uri="{FF2B5EF4-FFF2-40B4-BE49-F238E27FC236}">
-                <a16:creationId xmlns:a16="http://schemas.microsoft.com/office/drawing/2014/main" xmlns="" id="{C07C315A-7CD1-432C-92FA-6B62159B56CA}"/>
+                <a16:creationId xmlns:a16="http://schemas.microsoft.com/office/drawing/2014/main" id="{C07C315A-7CD1-432C-92FA-6B62159B56CA}"/>
               </a:ext>
             </a:extLst>
           </p:cNvPr>
@@ -7300,7 +7357,7 @@
           <a:blip r:embed="rId3">
             <a:extLst>
               <a:ext uri="{BEBA8EAE-BF5A-486C-A8C5-ECC9F3942E4B}">
-                <a14:imgProps xmlns:a14="http://schemas.microsoft.com/office/drawing/2010/main" xmlns="">
+                <a14:imgProps xmlns:a14="http://schemas.microsoft.com/office/drawing/2010/main">
                   <a14:imgLayer r:embed="rId4">
                     <a14:imgEffect>
                       <a14:saturation sat="0"/>
@@ -7325,7 +7382,7 @@
           <p:cNvPr id="14" name="Content Placeholder 13">
             <a:extLst>
               <a:ext uri="{FF2B5EF4-FFF2-40B4-BE49-F238E27FC236}">
-                <a16:creationId xmlns:a16="http://schemas.microsoft.com/office/drawing/2014/main" xmlns="" id="{79248A72-A597-48DF-A270-3389F5D209C0}"/>
+                <a16:creationId xmlns:a16="http://schemas.microsoft.com/office/drawing/2014/main" id="{79248A72-A597-48DF-A270-3389F5D209C0}"/>
               </a:ext>
             </a:extLst>
           </p:cNvPr>
@@ -7344,7 +7401,7 @@
         </p:spPr>
         <p:txBody>
           <a:bodyPr>
-            <a:normAutofit fontScale="62500" lnSpcReduction="20000"/>
+            <a:normAutofit/>
           </a:bodyPr>
           <a:lstStyle/>
           <a:p>
@@ -7365,23 +7422,20 @@
               <a:tabLst/>
               <a:defRPr/>
             </a:pPr>
-            <a:r>
-              <a:rPr kumimoji="0" lang="en-US" sz="2000" b="0" i="0" u="sng" strike="noStrike" kern="1200" cap="none" normalizeH="0" noProof="0" dirty="0">
-                <a:ln>
-                  <a:noFill/>
-                </a:ln>
-                <a:solidFill>
-                  <a:schemeClr val="tx1"/>
-                </a:solidFill>
-                <a:effectLst/>
-                <a:uLnTx/>
-                <a:uFillTx/>
-                <a:latin typeface="+mn-lt"/>
-                <a:ea typeface="+mn-ea"/>
-                <a:cs typeface="Biome Light" panose="020B0303030204020804" pitchFamily="34" charset="0"/>
-              </a:rPr>
-              <a:t>Security</a:t>
-            </a:r>
+            <a:endParaRPr kumimoji="0" lang="en-US" sz="1700" b="0" i="0" u="sng" strike="noStrike" kern="1200" cap="all" normalizeH="0" noProof="0" dirty="0">
+              <a:ln>
+                <a:noFill/>
+              </a:ln>
+              <a:solidFill>
+                <a:schemeClr val="tx1"/>
+              </a:solidFill>
+              <a:effectLst/>
+              <a:uLnTx/>
+              <a:uFillTx/>
+              <a:latin typeface="+mn-lt"/>
+              <a:ea typeface="+mn-ea"/>
+              <a:cs typeface="Biome Light" panose="020B0303030204020804" pitchFamily="34" charset="0"/>
+            </a:endParaRPr>
           </a:p>
           <a:p>
             <a:pPr marL="0" marR="0" lvl="0" indent="0" algn="l" defTabSz="914400" rtl="0" eaLnBrk="1" fontAlgn="auto" latinLnBrk="0" hangingPunct="1">
@@ -7402,7 +7456,7 @@
               <a:defRPr/>
             </a:pPr>
             <a:r>
-              <a:rPr kumimoji="0" lang="en-US" sz="2100" b="0" i="0" u="none" strike="noStrike" kern="1200" cap="none" normalizeH="0" noProof="0" dirty="0">
+              <a:rPr kumimoji="0" lang="en-US" i="0" u="sng" strike="noStrike" kern="1200" cap="all" normalizeH="0" noProof="0" dirty="0">
                 <a:ln>
                   <a:noFill/>
                 </a:ln>
@@ -7416,7 +7470,7 @@
                 <a:ea typeface="+mn-ea"/>
                 <a:cs typeface="Biome Light" panose="020B0303030204020804" pitchFamily="34" charset="0"/>
               </a:rPr>
-              <a:t>Data Security:</a:t>
+              <a:t>Security</a:t>
             </a:r>
           </a:p>
           <a:p>
@@ -7437,23 +7491,20 @@
               <a:tabLst/>
               <a:defRPr/>
             </a:pPr>
-            <a:r>
-              <a:rPr kumimoji="0" lang="en-US" sz="2100" b="0" i="0" u="none" strike="noStrike" kern="1200" cap="none" normalizeH="0" noProof="0" dirty="0">
-                <a:ln>
-                  <a:noFill/>
-                </a:ln>
-                <a:solidFill>
-                  <a:schemeClr val="tx1"/>
-                </a:solidFill>
-                <a:effectLst/>
-                <a:uLnTx/>
-                <a:uFillTx/>
-                <a:latin typeface="+mn-lt"/>
-                <a:ea typeface="+mn-ea"/>
-                <a:cs typeface="Biome Light" panose="020B0303030204020804" pitchFamily="34" charset="0"/>
-              </a:rPr>
-              <a:t>  Ensure that the cloud service encrypts all stored data(Data in rest).</a:t>
-            </a:r>
+            <a:endParaRPr kumimoji="0" lang="en-US" b="0" i="0" u="sng" strike="noStrike" kern="1200" cap="all" normalizeH="0" noProof="0" dirty="0">
+              <a:ln>
+                <a:noFill/>
+              </a:ln>
+              <a:solidFill>
+                <a:schemeClr val="tx1"/>
+              </a:solidFill>
+              <a:effectLst/>
+              <a:uLnTx/>
+              <a:uFillTx/>
+              <a:latin typeface="+mn-lt"/>
+              <a:ea typeface="+mn-ea"/>
+              <a:cs typeface="Biome Light" panose="020B0303030204020804" pitchFamily="34" charset="0"/>
+            </a:endParaRPr>
           </a:p>
           <a:p>
             <a:pPr marL="0" marR="0" lvl="0" indent="0" algn="l" defTabSz="914400" rtl="0" eaLnBrk="1" fontAlgn="auto" latinLnBrk="0" hangingPunct="1">
@@ -7474,7 +7525,7 @@
               <a:defRPr/>
             </a:pPr>
             <a:r>
-              <a:rPr kumimoji="0" lang="en-US" sz="2100" b="0" i="0" u="none" strike="noStrike" kern="1200" cap="none" normalizeH="0" noProof="0" dirty="0">
+              <a:rPr kumimoji="0" lang="en-US" b="0" i="0" u="none" strike="noStrike" kern="1200" cap="all" normalizeH="0" noProof="0" dirty="0">
                 <a:ln>
                   <a:noFill/>
                 </a:ln>
@@ -7488,7 +7539,7 @@
                 <a:ea typeface="+mn-ea"/>
                 <a:cs typeface="Biome Light" panose="020B0303030204020804" pitchFamily="34" charset="0"/>
               </a:rPr>
-              <a:t>  Control access to viewable data using least privileged access determined by user roles (Data in use). </a:t>
+              <a:t>Data Security:</a:t>
             </a:r>
           </a:p>
           <a:p>
@@ -7510,7 +7561,7 @@
               <a:defRPr/>
             </a:pPr>
             <a:r>
-              <a:rPr kumimoji="0" lang="en-US" sz="2100" b="0" i="0" u="none" strike="noStrike" kern="1200" cap="none" normalizeH="0" noProof="0" dirty="0">
+              <a:rPr kumimoji="0" lang="en-US" b="0" i="0" u="none" strike="noStrike" kern="1200" cap="none" normalizeH="0" noProof="0" dirty="0">
                 <a:ln>
                   <a:noFill/>
                 </a:ln>
@@ -7524,7 +7575,30 @@
                 <a:ea typeface="+mn-ea"/>
                 <a:cs typeface="Biome Light" panose="020B0303030204020804" pitchFamily="34" charset="0"/>
               </a:rPr>
-              <a:t>  Usage of a cloud VPN to protect trafficked data (Data in transit)</a:t>
+              <a:t>  </a:t>
+            </a:r>
+            <a:r>
+              <a:rPr lang="en-US" dirty="0">
+                <a:cs typeface="Biome Light" panose="020B0303030204020804" pitchFamily="34" charset="0"/>
+              </a:rPr>
+              <a:t>  </a:t>
+            </a:r>
+            <a:r>
+              <a:rPr kumimoji="0" lang="en-US" b="0" i="0" u="none" strike="noStrike" kern="1200" cap="none" normalizeH="0" noProof="0" dirty="0">
+                <a:ln>
+                  <a:noFill/>
+                </a:ln>
+                <a:solidFill>
+                  <a:schemeClr val="tx1"/>
+                </a:solidFill>
+                <a:effectLst/>
+                <a:uLnTx/>
+                <a:uFillTx/>
+                <a:latin typeface="+mn-lt"/>
+                <a:ea typeface="+mn-ea"/>
+                <a:cs typeface="Biome Light" panose="020B0303030204020804" pitchFamily="34" charset="0"/>
+              </a:rPr>
+              <a:t>Ensure that the cloud service encrypts all stored data(Data in rest).</a:t>
             </a:r>
           </a:p>
           <a:p>
@@ -7546,7 +7620,7 @@
               <a:defRPr/>
             </a:pPr>
             <a:r>
-              <a:rPr kumimoji="0" lang="en-US" sz="2100" b="0" i="0" u="none" strike="noStrike" kern="1200" cap="none" normalizeH="0" noProof="0" dirty="0">
+              <a:rPr kumimoji="0" lang="en-US" b="0" i="0" u="none" strike="noStrike" kern="1200" cap="none" normalizeH="0" noProof="0" dirty="0">
                 <a:ln>
                   <a:noFill/>
                 </a:ln>
@@ -7560,7 +7634,7 @@
                 <a:ea typeface="+mn-ea"/>
                 <a:cs typeface="Biome Light" panose="020B0303030204020804" pitchFamily="34" charset="0"/>
               </a:rPr>
-              <a:t>Network Security:</a:t>
+              <a:t>  Control access to viewable data using least privileged access determined by user roles (Data in use). </a:t>
             </a:r>
           </a:p>
           <a:p>
@@ -7582,7 +7656,7 @@
               <a:defRPr/>
             </a:pPr>
             <a:r>
-              <a:rPr kumimoji="0" lang="en-US" sz="2100" b="0" i="0" u="none" strike="noStrike" kern="1200" cap="none" normalizeH="0" noProof="0" dirty="0">
+              <a:rPr kumimoji="0" lang="en-US" b="0" i="0" u="none" strike="noStrike" kern="1200" cap="none" normalizeH="0" noProof="0" dirty="0">
                 <a:ln>
                   <a:noFill/>
                 </a:ln>
@@ -7596,7 +7670,7 @@
                 <a:ea typeface="+mn-ea"/>
                 <a:cs typeface="Biome Light" panose="020B0303030204020804" pitchFamily="34" charset="0"/>
               </a:rPr>
-              <a:t>   Firewall rules to allow employee only access the application  </a:t>
+              <a:t>    Usage of a cloud VPN to protect trafficked data (Data in transit)</a:t>
             </a:r>
           </a:p>
           <a:p>
@@ -7617,8 +7691,41 @@
               <a:tabLst/>
               <a:defRPr/>
             </a:pPr>
-            <a:r>
-              <a:rPr kumimoji="0" lang="en-US" sz="2100" b="0" i="0" u="none" strike="noStrike" kern="1200" cap="none" normalizeH="0" noProof="0" dirty="0">
+            <a:endParaRPr kumimoji="0" lang="en-US" b="0" i="0" u="none" strike="noStrike" kern="1200" cap="none" normalizeH="0" noProof="0" dirty="0">
+              <a:ln>
+                <a:noFill/>
+              </a:ln>
+              <a:solidFill>
+                <a:schemeClr val="tx1"/>
+              </a:solidFill>
+              <a:effectLst/>
+              <a:uLnTx/>
+              <a:uFillTx/>
+              <a:latin typeface="+mn-lt"/>
+              <a:ea typeface="+mn-ea"/>
+              <a:cs typeface="Biome Light" panose="020B0303030204020804" pitchFamily="34" charset="0"/>
+            </a:endParaRPr>
+          </a:p>
+          <a:p>
+            <a:pPr marL="0" marR="0" lvl="0" indent="0" algn="l" defTabSz="914400" rtl="0" eaLnBrk="1" fontAlgn="auto" latinLnBrk="0" hangingPunct="1">
+              <a:lnSpc>
+                <a:spcPct val="100000"/>
+              </a:lnSpc>
+              <a:spcBef>
+                <a:spcPts val="1000"/>
+              </a:spcBef>
+              <a:spcAft>
+                <a:spcPts val="0"/>
+              </a:spcAft>
+              <a:buClrTx/>
+              <a:buSzTx/>
+              <a:buFont typeface="Arial" panose="020B0604020202020204" pitchFamily="34" charset="0"/>
+              <a:buNone/>
+              <a:tabLst/>
+              <a:defRPr/>
+            </a:pPr>
+            <a:r>
+              <a:rPr kumimoji="0" lang="en-US" b="0" i="0" u="none" strike="noStrike" kern="1200" cap="all" normalizeH="0" noProof="0" dirty="0">
                 <a:ln>
                   <a:noFill/>
                 </a:ln>
@@ -7632,7 +7739,79 @@
                 <a:ea typeface="+mn-ea"/>
                 <a:cs typeface="Biome Light" panose="020B0303030204020804" pitchFamily="34" charset="0"/>
               </a:rPr>
-              <a:t>   Ensure access to website is limited to only tcp port 443 </a:t>
+              <a:t>Network Security:</a:t>
+            </a:r>
+          </a:p>
+          <a:p>
+            <a:pPr marL="0" marR="0" lvl="0" indent="0" algn="l" defTabSz="914400" rtl="0" eaLnBrk="1" fontAlgn="auto" latinLnBrk="0" hangingPunct="1">
+              <a:lnSpc>
+                <a:spcPct val="100000"/>
+              </a:lnSpc>
+              <a:spcBef>
+                <a:spcPts val="1000"/>
+              </a:spcBef>
+              <a:spcAft>
+                <a:spcPts val="0"/>
+              </a:spcAft>
+              <a:buClrTx/>
+              <a:buSzTx/>
+              <a:buFont typeface="Arial" panose="020B0604020202020204" pitchFamily="34" charset="0"/>
+              <a:buNone/>
+              <a:tabLst/>
+              <a:defRPr/>
+            </a:pPr>
+            <a:r>
+              <a:rPr kumimoji="0" lang="en-US" b="0" i="0" u="none" strike="noStrike" kern="1200" cap="none" normalizeH="0" noProof="0" dirty="0">
+                <a:ln>
+                  <a:noFill/>
+                </a:ln>
+                <a:solidFill>
+                  <a:schemeClr val="tx1"/>
+                </a:solidFill>
+                <a:effectLst/>
+                <a:uLnTx/>
+                <a:uFillTx/>
+                <a:latin typeface="+mn-lt"/>
+                <a:ea typeface="+mn-ea"/>
+                <a:cs typeface="Biome Light" panose="020B0303030204020804" pitchFamily="34" charset="0"/>
+              </a:rPr>
+              <a:t>     Firewall rules to allow employee only access the application  </a:t>
+            </a:r>
+          </a:p>
+          <a:p>
+            <a:pPr marL="0" marR="0" lvl="0" indent="0" algn="l" defTabSz="914400" rtl="0" eaLnBrk="1" fontAlgn="auto" latinLnBrk="0" hangingPunct="1">
+              <a:lnSpc>
+                <a:spcPct val="100000"/>
+              </a:lnSpc>
+              <a:spcBef>
+                <a:spcPts val="1000"/>
+              </a:spcBef>
+              <a:spcAft>
+                <a:spcPts val="0"/>
+              </a:spcAft>
+              <a:buClrTx/>
+              <a:buSzTx/>
+              <a:buFont typeface="Arial" panose="020B0604020202020204" pitchFamily="34" charset="0"/>
+              <a:buNone/>
+              <a:tabLst/>
+              <a:defRPr/>
+            </a:pPr>
+            <a:r>
+              <a:rPr kumimoji="0" lang="en-US" b="0" i="0" u="none" strike="noStrike" kern="1200" cap="none" normalizeH="0" noProof="0" dirty="0">
+                <a:ln>
+                  <a:noFill/>
+                </a:ln>
+                <a:solidFill>
+                  <a:schemeClr val="tx1"/>
+                </a:solidFill>
+                <a:effectLst/>
+                <a:uLnTx/>
+                <a:uFillTx/>
+                <a:latin typeface="+mn-lt"/>
+                <a:ea typeface="+mn-ea"/>
+                <a:cs typeface="Biome Light" panose="020B0303030204020804" pitchFamily="34" charset="0"/>
+              </a:rPr>
+              <a:t>     Ensure access to website is limited to only tcp port 443 </a:t>
             </a:r>
           </a:p>
           <a:p>
@@ -7669,228 +7848,6 @@
             </a:endParaRPr>
           </a:p>
           <a:p>
-            <a:pPr marL="0" marR="0" lvl="0" indent="0" algn="l" defTabSz="914400" rtl="0" eaLnBrk="1" fontAlgn="auto" latinLnBrk="0" hangingPunct="1">
-              <a:lnSpc>
-                <a:spcPct val="100000"/>
-              </a:lnSpc>
-              <a:spcBef>
-                <a:spcPts val="1000"/>
-              </a:spcBef>
-              <a:spcAft>
-                <a:spcPts val="0"/>
-              </a:spcAft>
-              <a:buClrTx/>
-              <a:buSzTx/>
-              <a:buFont typeface="Arial" panose="020B0604020202020204" pitchFamily="34" charset="0"/>
-              <a:buNone/>
-              <a:tabLst/>
-              <a:defRPr/>
-            </a:pPr>
-            <a:r>
-              <a:rPr kumimoji="0" lang="en-US" sz="2000" b="0" i="0" u="sng" strike="noStrike" kern="1200" cap="none" normalizeH="0" noProof="0" dirty="0">
-                <a:ln>
-                  <a:noFill/>
-                </a:ln>
-                <a:solidFill>
-                  <a:schemeClr val="tx1"/>
-                </a:solidFill>
-                <a:effectLst/>
-                <a:uLnTx/>
-                <a:uFillTx/>
-                <a:latin typeface="+mn-lt"/>
-                <a:ea typeface="+mn-ea"/>
-                <a:cs typeface="Biome Light" panose="020B0303030204020804" pitchFamily="34" charset="0"/>
-              </a:rPr>
-              <a:t>Hardware</a:t>
-            </a:r>
-          </a:p>
-          <a:p>
-            <a:pPr marL="0" marR="0" lvl="0" indent="0" algn="l" defTabSz="914400" rtl="0" eaLnBrk="1" fontAlgn="auto" latinLnBrk="0" hangingPunct="1">
-              <a:lnSpc>
-                <a:spcPct val="100000"/>
-              </a:lnSpc>
-              <a:spcBef>
-                <a:spcPts val="1000"/>
-              </a:spcBef>
-              <a:spcAft>
-                <a:spcPts val="0"/>
-              </a:spcAft>
-              <a:buClrTx/>
-              <a:buSzTx/>
-              <a:buFont typeface="Arial" panose="020B0604020202020204" pitchFamily="34" charset="0"/>
-              <a:buNone/>
-              <a:tabLst/>
-              <a:defRPr/>
-            </a:pPr>
-            <a:r>
-              <a:rPr kumimoji="0" lang="en-US" sz="2300" b="0" i="0" strike="noStrike" kern="1200" cap="none" normalizeH="0" noProof="0" dirty="0">
-                <a:ln>
-                  <a:noFill/>
-                </a:ln>
-                <a:solidFill>
-                  <a:schemeClr val="tx1"/>
-                </a:solidFill>
-                <a:effectLst/>
-                <a:uLnTx/>
-                <a:uFillTx/>
-                <a:latin typeface="+mn-lt"/>
-                <a:ea typeface="+mn-ea"/>
-                <a:cs typeface="Biome Light" panose="020B0303030204020804" pitchFamily="34" charset="0"/>
-              </a:rPr>
-              <a:t>Network: </a:t>
-            </a:r>
-          </a:p>
-          <a:p>
-            <a:pPr marL="0" marR="0" lvl="0" indent="0" algn="l" defTabSz="914400" rtl="0" eaLnBrk="1" fontAlgn="auto" latinLnBrk="0" hangingPunct="1">
-              <a:lnSpc>
-                <a:spcPct val="100000"/>
-              </a:lnSpc>
-              <a:spcBef>
-                <a:spcPts val="1000"/>
-              </a:spcBef>
-              <a:spcAft>
-                <a:spcPts val="0"/>
-              </a:spcAft>
-              <a:buClrTx/>
-              <a:buSzTx/>
-              <a:buFont typeface="Arial" panose="020B0604020202020204" pitchFamily="34" charset="0"/>
-              <a:buNone/>
-              <a:tabLst/>
-              <a:defRPr/>
-            </a:pPr>
-            <a:r>
-              <a:rPr kumimoji="0" lang="en-US" sz="2300" b="0" i="0" u="none" strike="noStrike" kern="1200" cap="none" normalizeH="0" noProof="0" dirty="0">
-                <a:ln>
-                  <a:noFill/>
-                </a:ln>
-                <a:solidFill>
-                  <a:schemeClr val="tx1"/>
-                </a:solidFill>
-                <a:effectLst/>
-                <a:uLnTx/>
-                <a:uFillTx/>
-                <a:latin typeface="+mn-lt"/>
-                <a:ea typeface="+mn-ea"/>
-                <a:cs typeface="Biome Light" panose="020B0303030204020804" pitchFamily="34" charset="0"/>
-              </a:rPr>
-              <a:t>    Switch, Cabling, CAT6, Universal Power Supply (UPS)</a:t>
-            </a:r>
-          </a:p>
-          <a:p>
-            <a:pPr marL="0" marR="0" lvl="0" indent="0" algn="l" defTabSz="914400" rtl="0" eaLnBrk="1" fontAlgn="auto" latinLnBrk="0" hangingPunct="1">
-              <a:lnSpc>
-                <a:spcPct val="100000"/>
-              </a:lnSpc>
-              <a:spcBef>
-                <a:spcPts val="1000"/>
-              </a:spcBef>
-              <a:spcAft>
-                <a:spcPts val="0"/>
-              </a:spcAft>
-              <a:buClrTx/>
-              <a:buSzTx/>
-              <a:buFont typeface="Arial" panose="020B0604020202020204" pitchFamily="34" charset="0"/>
-              <a:buNone/>
-              <a:tabLst/>
-              <a:defRPr/>
-            </a:pPr>
-            <a:r>
-              <a:rPr lang="en-US" sz="2300" dirty="0">
-                <a:cs typeface="Biome Light" panose="020B0303030204020804" pitchFamily="34" charset="0"/>
-              </a:rPr>
-              <a:t>Tablet: </a:t>
-            </a:r>
-          </a:p>
-          <a:p>
-            <a:pPr marL="0" marR="0" lvl="0" indent="0" algn="l" defTabSz="914400" rtl="0" eaLnBrk="1" fontAlgn="auto" latinLnBrk="0" hangingPunct="1">
-              <a:lnSpc>
-                <a:spcPct val="100000"/>
-              </a:lnSpc>
-              <a:spcBef>
-                <a:spcPts val="1000"/>
-              </a:spcBef>
-              <a:spcAft>
-                <a:spcPts val="0"/>
-              </a:spcAft>
-              <a:buClrTx/>
-              <a:buSzTx/>
-              <a:buFont typeface="Arial" panose="020B0604020202020204" pitchFamily="34" charset="0"/>
-              <a:buNone/>
-              <a:tabLst/>
-              <a:defRPr/>
-            </a:pPr>
-            <a:r>
-              <a:rPr lang="en-US" sz="2300" dirty="0">
-                <a:cs typeface="Biome Light" panose="020B0303030204020804" pitchFamily="34" charset="0"/>
-              </a:rPr>
-              <a:t>    IOS, Android, or any OS that has web browser capability</a:t>
-            </a:r>
-          </a:p>
-          <a:p>
-            <a:pPr marL="0" marR="0" lvl="0" indent="0" algn="l" defTabSz="914400" rtl="0" eaLnBrk="1" fontAlgn="auto" latinLnBrk="0" hangingPunct="1">
-              <a:lnSpc>
-                <a:spcPct val="100000"/>
-              </a:lnSpc>
-              <a:spcBef>
-                <a:spcPts val="1000"/>
-              </a:spcBef>
-              <a:spcAft>
-                <a:spcPts val="0"/>
-              </a:spcAft>
-              <a:buClrTx/>
-              <a:buSzTx/>
-              <a:buFont typeface="Arial" panose="020B0604020202020204" pitchFamily="34" charset="0"/>
-              <a:buNone/>
-              <a:tabLst/>
-              <a:defRPr/>
-            </a:pPr>
-            <a:r>
-              <a:rPr lang="en-US" sz="2300" dirty="0">
-                <a:cs typeface="Biome Light" panose="020B0303030204020804" pitchFamily="34" charset="0"/>
-              </a:rPr>
-              <a:t>Printer: </a:t>
-            </a:r>
-          </a:p>
-          <a:p>
-            <a:pPr marL="0" marR="0" lvl="0" indent="0" algn="l" defTabSz="914400" rtl="0" eaLnBrk="1" fontAlgn="auto" latinLnBrk="0" hangingPunct="1">
-              <a:lnSpc>
-                <a:spcPct val="100000"/>
-              </a:lnSpc>
-              <a:spcBef>
-                <a:spcPts val="1000"/>
-              </a:spcBef>
-              <a:spcAft>
-                <a:spcPts val="0"/>
-              </a:spcAft>
-              <a:buClrTx/>
-              <a:buSzTx/>
-              <a:buFont typeface="Arial" panose="020B0604020202020204" pitchFamily="34" charset="0"/>
-              <a:buNone/>
-              <a:tabLst/>
-              <a:defRPr/>
-            </a:pPr>
-            <a:r>
-              <a:rPr lang="en-US" sz="2300" dirty="0">
-                <a:cs typeface="Biome Light" panose="020B0303030204020804" pitchFamily="34" charset="0"/>
-              </a:rPr>
-              <a:t>    Customer bills, server shift report, manager daily monetary report</a:t>
-            </a:r>
-            <a:endParaRPr kumimoji="0" lang="en-US" sz="2300" b="0" i="0" u="none" strike="noStrike" kern="1200" cap="none" normalizeH="0" noProof="0" dirty="0">
-              <a:ln>
-                <a:noFill/>
-              </a:ln>
-              <a:solidFill>
-                <a:schemeClr val="tx1"/>
-              </a:solidFill>
-              <a:effectLst/>
-              <a:uLnTx/>
-              <a:uFillTx/>
-              <a:latin typeface="+mn-lt"/>
-              <a:ea typeface="+mn-ea"/>
-              <a:cs typeface="Biome Light" panose="020B0303030204020804" pitchFamily="34" charset="0"/>
-            </a:endParaRPr>
-          </a:p>
-          <a:p>
             <a:pPr marL="0" indent="0">
               <a:buNone/>
             </a:pPr>
@@ -7903,7 +7860,7 @@
           <p:cNvPr id="16" name="Slide Number Placeholder 15">
             <a:extLst>
               <a:ext uri="{FF2B5EF4-FFF2-40B4-BE49-F238E27FC236}">
-                <a16:creationId xmlns:a16="http://schemas.microsoft.com/office/drawing/2014/main" xmlns="" id="{7FA57D11-A25F-4772-8E50-DDB68BE8CB69}"/>
+                <a16:creationId xmlns:a16="http://schemas.microsoft.com/office/drawing/2014/main" id="{7FA57D11-A25F-4772-8E50-DDB68BE8CB69}"/>
               </a:ext>
             </a:extLst>
           </p:cNvPr>
@@ -7931,7 +7888,7 @@
     </p:spTree>
     <p:extLst>
       <p:ext uri="{BB962C8B-B14F-4D97-AF65-F5344CB8AC3E}">
-        <p14:creationId xmlns:p14="http://schemas.microsoft.com/office/powerpoint/2010/main" xmlns="" val="3516891798"/>
+        <p14:creationId xmlns:p14="http://schemas.microsoft.com/office/powerpoint/2010/main" val="3516891798"/>
       </p:ext>
     </p:extLst>
   </p:cSld>
@@ -7963,7 +7920,7 @@
           <p:cNvPr id="2" name="Title 1">
             <a:extLst>
               <a:ext uri="{FF2B5EF4-FFF2-40B4-BE49-F238E27FC236}">
-                <a16:creationId xmlns:a16="http://schemas.microsoft.com/office/drawing/2014/main" xmlns="" id="{12CC3376-5069-4C7B-BE6B-A3776D1B47BA}"/>
+                <a16:creationId xmlns:a16="http://schemas.microsoft.com/office/drawing/2014/main" id="{12CC3376-5069-4C7B-BE6B-A3776D1B47BA}"/>
               </a:ext>
             </a:extLst>
           </p:cNvPr>
@@ -7988,6 +7945,10 @@
               <a:rPr lang="en-US" dirty="0"/>
               <a:t>High Level Design</a:t>
             </a:r>
+            <a:br>
+              <a:rPr lang="en-US" dirty="0"/>
+            </a:br>
+            <a:endParaRPr lang="en-US" dirty="0"/>
           </a:p>
         </p:txBody>
       </p:sp>
@@ -7996,7 +7957,7 @@
           <p:cNvPr id="6" name="Picture Placeholder 5" descr="person staring at blueprints on a brick wall">
             <a:extLst>
               <a:ext uri="{FF2B5EF4-FFF2-40B4-BE49-F238E27FC236}">
-                <a16:creationId xmlns:a16="http://schemas.microsoft.com/office/drawing/2014/main" xmlns="" id="{C07C315A-7CD1-432C-92FA-6B62159B56CA}"/>
+                <a16:creationId xmlns:a16="http://schemas.microsoft.com/office/drawing/2014/main" id="{C07C315A-7CD1-432C-92FA-6B62159B56CA}"/>
               </a:ext>
             </a:extLst>
           </p:cNvPr>
@@ -8011,7 +7972,7 @@
           <a:blip r:embed="rId3">
             <a:extLst>
               <a:ext uri="{BEBA8EAE-BF5A-486C-A8C5-ECC9F3942E4B}">
-                <a14:imgProps xmlns:a14="http://schemas.microsoft.com/office/drawing/2010/main" xmlns="">
+                <a14:imgProps xmlns:a14="http://schemas.microsoft.com/office/drawing/2010/main">
                   <a14:imgLayer r:embed="rId4">
                     <a14:imgEffect>
                       <a14:saturation sat="0"/>
@@ -8036,7 +7997,7 @@
           <p:cNvPr id="14" name="Content Placeholder 13">
             <a:extLst>
               <a:ext uri="{FF2B5EF4-FFF2-40B4-BE49-F238E27FC236}">
-                <a16:creationId xmlns:a16="http://schemas.microsoft.com/office/drawing/2014/main" xmlns="" id="{79248A72-A597-48DF-A270-3389F5D209C0}"/>
+                <a16:creationId xmlns:a16="http://schemas.microsoft.com/office/drawing/2014/main" id="{79248A72-A597-48DF-A270-3389F5D209C0}"/>
               </a:ext>
             </a:extLst>
           </p:cNvPr>
@@ -8076,271 +8037,23 @@
               <a:tabLst/>
               <a:defRPr/>
             </a:pPr>
-            <a:r>
-              <a:rPr kumimoji="0" lang="en-US" sz="2000" b="0" i="0" u="sng" strike="noStrike" kern="1200" cap="none" normalizeH="0" noProof="0" dirty="0">
-                <a:ln>
-                  <a:noFill/>
-                </a:ln>
-                <a:solidFill>
-                  <a:schemeClr val="tx1"/>
-                </a:solidFill>
-                <a:effectLst/>
-                <a:uLnTx/>
-                <a:uFillTx/>
-                <a:latin typeface="+mn-lt"/>
-                <a:ea typeface="+mn-ea"/>
-                <a:cs typeface="Biome Light" panose="020B0303030204020804" pitchFamily="34" charset="0"/>
-              </a:rPr>
-              <a:t>User Interface</a:t>
-            </a:r>
-          </a:p>
-          <a:p>
-            <a:r>
-              <a:rPr lang="en-US" sz="1100" dirty="0">
-                <a:effectLst/>
-                <a:latin typeface="Times New Roman" panose="02020603050405020304" pitchFamily="18" charset="0"/>
-                <a:ea typeface="Calibri" panose="020F0502020204030204" pitchFamily="34" charset="0"/>
-              </a:rPr>
-              <a:t>Each user type will have their own interface that will automatically refresh periodically and allow for manual page refreshing.</a:t>
-            </a:r>
-          </a:p>
-          <a:p>
-            <a:r>
-              <a:rPr lang="en-US" sz="1100" dirty="0">
-                <a:effectLst/>
-                <a:latin typeface="Times New Roman" panose="02020603050405020304" pitchFamily="18" charset="0"/>
-                <a:ea typeface="Calibri" panose="020F0502020204030204" pitchFamily="34" charset="0"/>
-              </a:rPr>
-              <a:t>Once the URL is opened, a user will need to enter their unique ID/Username as well as password to access their interface. </a:t>
-            </a:r>
-          </a:p>
-          <a:p>
-            <a:r>
-              <a:rPr lang="en-US" sz="1100" dirty="0">
-                <a:latin typeface="Times New Roman" panose="02020603050405020304" pitchFamily="18" charset="0"/>
-              </a:rPr>
-              <a:t>There will be four unique versions of the UI: Manager, Server, Hosting Staff, Kitchen Line.</a:t>
-            </a:r>
-          </a:p>
-          <a:p>
-            <a:r>
-              <a:rPr lang="en-US" sz="1100" dirty="0">
-                <a:latin typeface="Times New Roman" panose="02020603050405020304" pitchFamily="18" charset="0"/>
-              </a:rPr>
-              <a:t>There will be a main login screen UI that is accessed through a common URL. This will be where the user logs in and their version of the UI is opened.</a:t>
-            </a:r>
-          </a:p>
-          <a:p>
-            <a:r>
-              <a:rPr lang="en-US" sz="1100" dirty="0"/>
-              <a:t>Example of the manager’s UI once logged in through the first page portal.</a:t>
-            </a:r>
-          </a:p>
-        </p:txBody>
-      </p:sp>
-      <p:sp>
-        <p:nvSpPr>
-          <p:cNvPr id="16" name="Slide Number Placeholder 15">
-            <a:extLst>
-              <a:ext uri="{FF2B5EF4-FFF2-40B4-BE49-F238E27FC236}">
-                <a16:creationId xmlns:a16="http://schemas.microsoft.com/office/drawing/2014/main" xmlns="" id="{7FA57D11-A25F-4772-8E50-DDB68BE8CB69}"/>
-              </a:ext>
-            </a:extLst>
-          </p:cNvPr>
-          <p:cNvSpPr>
-            <a:spLocks noGrp="1"/>
-          </p:cNvSpPr>
-          <p:nvPr>
-            <p:ph type="sldNum" sz="quarter" idx="4"/>
-          </p:nvPr>
-        </p:nvSpPr>
-        <p:spPr/>
-        <p:txBody>
-          <a:bodyPr/>
-          <a:lstStyle/>
-          <a:p>
-            <a:fld id="{8C2E478F-E849-4A8C-AF1F-CBCC78A7CBFA}" type="slidenum">
-              <a:rPr lang="en-US" smtClean="0"/>
-              <a:pPr/>
-              <a:t>16</a:t>
-            </a:fld>
-            <a:endParaRPr lang="en-US" dirty="0"/>
-          </a:p>
-        </p:txBody>
-      </p:sp>
-      <p:pic>
-        <p:nvPicPr>
-          <p:cNvPr id="3" name="Picture 2" descr="Graphical user interface&#10;&#10;Description automatically generated">
-            <a:extLst>
-              <a:ext uri="{FF2B5EF4-FFF2-40B4-BE49-F238E27FC236}">
-                <a16:creationId xmlns:a16="http://schemas.microsoft.com/office/drawing/2014/main" xmlns="" id="{54019D09-1075-79C6-34E1-00A7374A994E}"/>
-              </a:ext>
-            </a:extLst>
-          </p:cNvPr>
-          <p:cNvPicPr>
-            <a:picLocks noChangeAspect="1"/>
-          </p:cNvPicPr>
-          <p:nvPr/>
-        </p:nvPicPr>
-        <p:blipFill>
-          <a:blip r:embed="rId5">
-            <a:extLst>
-              <a:ext uri="{28A0092B-C50C-407E-A947-70E740481C1C}">
-                <a14:useLocalDpi xmlns:a14="http://schemas.microsoft.com/office/drawing/2010/main" xmlns="" val="0"/>
-              </a:ext>
-            </a:extLst>
-          </a:blip>
-          <a:srcRect/>
-          <a:stretch>
-            <a:fillRect/>
-          </a:stretch>
-        </p:blipFill>
-        <p:spPr bwMode="auto">
-          <a:xfrm>
-            <a:off x="7501299" y="3960281"/>
-            <a:ext cx="3086618" cy="1909010"/>
-          </a:xfrm>
-          <a:prstGeom prst="rect">
-            <a:avLst/>
-          </a:prstGeom>
-          <a:noFill/>
-          <a:ln>
-            <a:noFill/>
-          </a:ln>
-        </p:spPr>
-      </p:pic>
-    </p:spTree>
-    <p:extLst>
-      <p:ext uri="{BB962C8B-B14F-4D97-AF65-F5344CB8AC3E}">
-        <p14:creationId xmlns:p14="http://schemas.microsoft.com/office/powerpoint/2010/main" xmlns="" val="1690341182"/>
-      </p:ext>
-    </p:extLst>
-  </p:cSld>
-  <p:clrMapOvr>
-    <a:masterClrMapping/>
-  </p:clrMapOvr>
-</p:sld>
-</file>
-
-<file path=ppt/slides/slide17.xml><?xml version="1.0" encoding="utf-8"?>
-<p:sld xmlns:a="http://schemas.openxmlformats.org/drawingml/2006/main" xmlns:r="http://schemas.openxmlformats.org/officeDocument/2006/relationships" xmlns:p="http://schemas.openxmlformats.org/presentationml/2006/main">
-  <p:cSld>
-    <p:spTree>
-      <p:nvGrpSpPr>
-        <p:cNvPr id="1" name=""/>
-        <p:cNvGrpSpPr/>
-        <p:nvPr/>
-      </p:nvGrpSpPr>
-      <p:grpSpPr>
-        <a:xfrm>
-          <a:off x="0" y="0"/>
-          <a:ext cx="0" cy="0"/>
-          <a:chOff x="0" y="0"/>
-          <a:chExt cx="0" cy="0"/>
-        </a:xfrm>
-      </p:grpSpPr>
-      <p:sp>
-        <p:nvSpPr>
-          <p:cNvPr id="2" name="Title 1">
-            <a:extLst>
-              <a:ext uri="{FF2B5EF4-FFF2-40B4-BE49-F238E27FC236}">
-                <a16:creationId xmlns:a16="http://schemas.microsoft.com/office/drawing/2014/main" xmlns="" id="{12CC3376-5069-4C7B-BE6B-A3776D1B47BA}"/>
-              </a:ext>
-            </a:extLst>
-          </p:cNvPr>
-          <p:cNvSpPr>
-            <a:spLocks noGrp="1"/>
-          </p:cNvSpPr>
-          <p:nvPr>
-            <p:ph type="title"/>
-          </p:nvPr>
-        </p:nvSpPr>
-        <p:spPr>
-          <a:xfrm>
-            <a:off x="6096000" y="0"/>
-            <a:ext cx="5816368" cy="599012"/>
-          </a:xfrm>
-        </p:spPr>
-        <p:txBody>
-          <a:bodyPr/>
-          <a:lstStyle/>
-          <a:p>
-            <a:r>
-              <a:rPr lang="en-US" u="sng" dirty="0"/>
-              <a:t>High Level Design</a:t>
-            </a:r>
-          </a:p>
-        </p:txBody>
-      </p:sp>
-      <p:pic>
-        <p:nvPicPr>
-          <p:cNvPr id="6" name="Picture Placeholder 5" descr="person staring at blueprints on a brick wall">
-            <a:extLst>
-              <a:ext uri="{FF2B5EF4-FFF2-40B4-BE49-F238E27FC236}">
-                <a16:creationId xmlns:a16="http://schemas.microsoft.com/office/drawing/2014/main" xmlns="" id="{C07C315A-7CD1-432C-92FA-6B62159B56CA}"/>
-              </a:ext>
-            </a:extLst>
-          </p:cNvPr>
-          <p:cNvPicPr>
-            <a:picLocks noGrp="1" noChangeAspect="1"/>
-          </p:cNvPicPr>
-          <p:nvPr>
-            <p:ph type="pic" sz="quarter" idx="14"/>
-          </p:nvPr>
-        </p:nvPicPr>
-        <p:blipFill rotWithShape="1">
-          <a:blip r:embed="rId3">
-            <a:extLst>
-              <a:ext uri="{BEBA8EAE-BF5A-486C-A8C5-ECC9F3942E4B}">
-                <a14:imgProps xmlns:a14="http://schemas.microsoft.com/office/drawing/2010/main" xmlns="">
-                  <a14:imgLayer r:embed="rId4">
-                    <a14:imgEffect>
-                      <a14:saturation sat="0"/>
-                    </a14:imgEffect>
-                  </a14:imgLayer>
-                </a14:imgProps>
-              </a:ext>
-            </a:extLst>
-          </a:blip>
-          <a:srcRect l="23552" t="1" r="23880" b="327"/>
-          <a:stretch/>
-        </p:blipFill>
-        <p:spPr>
-          <a:xfrm>
-            <a:off x="0" y="0"/>
-            <a:ext cx="5416550" cy="6858000"/>
-          </a:xfrm>
-        </p:spPr>
-      </p:pic>
-      <p:sp>
-        <p:nvSpPr>
-          <p:cNvPr id="14" name="Content Placeholder 13">
-            <a:extLst>
-              <a:ext uri="{FF2B5EF4-FFF2-40B4-BE49-F238E27FC236}">
-                <a16:creationId xmlns:a16="http://schemas.microsoft.com/office/drawing/2014/main" xmlns="" id="{79248A72-A597-48DF-A270-3389F5D209C0}"/>
-              </a:ext>
-            </a:extLst>
-          </p:cNvPr>
-          <p:cNvSpPr>
-            <a:spLocks noGrp="1"/>
-          </p:cNvSpPr>
-          <p:nvPr>
-            <p:ph idx="1"/>
-          </p:nvPr>
-        </p:nvSpPr>
-        <p:spPr>
-          <a:xfrm>
-            <a:off x="6096000" y="763398"/>
-            <a:ext cx="5690532" cy="5318620"/>
-          </a:xfrm>
-        </p:spPr>
-        <p:txBody>
-          <a:bodyPr>
-            <a:normAutofit/>
-          </a:bodyPr>
-          <a:lstStyle/>
-          <a:p>
-            <a:pPr marL="0" marR="0" lvl="0" indent="0" defTabSz="914400" rtl="0" eaLnBrk="1" fontAlgn="auto" latinLnBrk="0" hangingPunct="1">
+            <a:endParaRPr kumimoji="0" lang="en-US" b="0" i="0" u="sng" strike="noStrike" kern="1200" cap="all" normalizeH="0" noProof="0" dirty="0">
+              <a:ln>
+                <a:noFill/>
+              </a:ln>
+              <a:solidFill>
+                <a:schemeClr val="tx1"/>
+              </a:solidFill>
+              <a:effectLst/>
+              <a:uLnTx/>
+              <a:uFillTx/>
+              <a:latin typeface="+mn-lt"/>
+              <a:ea typeface="+mn-ea"/>
+              <a:cs typeface="Biome Light" panose="020B0303030204020804" pitchFamily="34" charset="0"/>
+            </a:endParaRPr>
+          </a:p>
+          <a:p>
+            <a:pPr marL="0" marR="0" lvl="0" indent="0" algn="l" defTabSz="914400" rtl="0" eaLnBrk="1" fontAlgn="auto" latinLnBrk="0" hangingPunct="1">
               <a:lnSpc>
                 <a:spcPct val="100000"/>
               </a:lnSpc>
@@ -8357,26 +8070,12 @@
               <a:tabLst/>
               <a:defRPr/>
             </a:pPr>
-            <a:r>
-              <a:rPr kumimoji="0" lang="en-US" sz="2000" b="0" i="0" u="sng" strike="noStrike" kern="1200" cap="none" normalizeH="0" noProof="0" dirty="0">
-                <a:ln>
-                  <a:noFill/>
-                </a:ln>
-                <a:solidFill>
-                  <a:schemeClr val="tx1"/>
-                </a:solidFill>
-                <a:effectLst/>
-                <a:uLnTx/>
-                <a:uFillTx/>
-                <a:latin typeface="+mn-lt"/>
-                <a:ea typeface="+mn-ea"/>
-                <a:cs typeface="Biome Light" panose="020B0303030204020804" pitchFamily="34" charset="0"/>
-              </a:rPr>
-              <a:t>Architecture</a:t>
-            </a:r>
-          </a:p>
-          <a:p>
-            <a:pPr marL="0" marR="0" lvl="0" indent="0" defTabSz="914400" rtl="0" eaLnBrk="1" fontAlgn="auto" latinLnBrk="0" hangingPunct="1">
+            <a:endParaRPr lang="en-US" u="sng" cap="all" dirty="0">
+              <a:cs typeface="Biome Light" panose="020B0303030204020804" pitchFamily="34" charset="0"/>
+            </a:endParaRPr>
+          </a:p>
+          <a:p>
+            <a:pPr marL="0" marR="0" lvl="0" indent="0" algn="l" defTabSz="914400" rtl="0" eaLnBrk="1" fontAlgn="auto" latinLnBrk="0" hangingPunct="1">
               <a:lnSpc>
                 <a:spcPct val="100000"/>
               </a:lnSpc>
@@ -8394,7 +8093,7 @@
               <a:defRPr/>
             </a:pPr>
             <a:r>
-              <a:rPr kumimoji="0" lang="en-US" sz="1600" b="0" i="0" u="none" strike="noStrike" kern="1200" cap="none" normalizeH="0" noProof="0" dirty="0">
+              <a:rPr kumimoji="0" lang="en-US" b="0" i="0" u="sng" strike="noStrike" kern="1200" cap="all" normalizeH="0" noProof="0" dirty="0">
                 <a:ln>
                   <a:noFill/>
                 </a:ln>
@@ -8408,11 +8107,11 @@
                 <a:ea typeface="+mn-ea"/>
                 <a:cs typeface="Biome Light" panose="020B0303030204020804" pitchFamily="34" charset="0"/>
               </a:rPr>
-              <a:t>Event-driven:</a:t>
-            </a:r>
-          </a:p>
-          <a:p>
-            <a:pPr marL="0" marR="0" lvl="0" indent="0" defTabSz="914400" rtl="0" eaLnBrk="1" fontAlgn="auto" latinLnBrk="0" hangingPunct="1">
+              <a:t>Hardware</a:t>
+            </a:r>
+          </a:p>
+          <a:p>
+            <a:pPr marL="0" marR="0" lvl="0" indent="0" algn="l" defTabSz="914400" rtl="0" eaLnBrk="1" fontAlgn="auto" latinLnBrk="0" hangingPunct="1">
               <a:lnSpc>
                 <a:spcPct val="100000"/>
               </a:lnSpc>
@@ -8429,32 +8128,23 @@
               <a:tabLst/>
               <a:defRPr/>
             </a:pPr>
-            <a:r>
-              <a:rPr kumimoji="0" lang="en-US" sz="1600" b="0" i="0" u="none" strike="noStrike" kern="1200" cap="none" normalizeH="0" noProof="0" dirty="0">
-                <a:ln>
-                  <a:noFill/>
-                </a:ln>
-                <a:solidFill>
-                  <a:schemeClr val="tx1"/>
-                </a:solidFill>
-                <a:effectLst/>
-                <a:uLnTx/>
-                <a:uFillTx/>
-                <a:latin typeface="+mn-lt"/>
-                <a:ea typeface="+mn-ea"/>
-                <a:cs typeface="Biome Light" panose="020B0303030204020804" pitchFamily="34" charset="0"/>
-              </a:rPr>
-              <a:t>    CentRes will utilize time stamps for orders in and </a:t>
-            </a:r>
-            <a:r>
-              <a:rPr lang="en-US" dirty="0">
-                <a:cs typeface="Biome Light" panose="020B0303030204020804" pitchFamily="34" charset="0"/>
-              </a:rPr>
-              <a:t>orders out. </a:t>
-            </a:r>
-          </a:p>
-          <a:p>
-            <a:pPr marL="0" marR="0" lvl="0" indent="0" defTabSz="914400" rtl="0" eaLnBrk="1" fontAlgn="auto" latinLnBrk="0" hangingPunct="1">
+            <a:endParaRPr kumimoji="0" lang="en-US" b="0" i="0" u="sng" strike="noStrike" kern="1200" cap="all" normalizeH="0" noProof="0" dirty="0">
+              <a:ln>
+                <a:noFill/>
+              </a:ln>
+              <a:solidFill>
+                <a:schemeClr val="tx1"/>
+              </a:solidFill>
+              <a:effectLst/>
+              <a:uLnTx/>
+              <a:uFillTx/>
+              <a:latin typeface="+mn-lt"/>
+              <a:ea typeface="+mn-ea"/>
+              <a:cs typeface="Biome Light" panose="020B0303030204020804" pitchFamily="34" charset="0"/>
+            </a:endParaRPr>
+          </a:p>
+          <a:p>
+            <a:pPr marL="0" marR="0" lvl="0" indent="0" algn="l" defTabSz="914400" rtl="0" eaLnBrk="1" fontAlgn="auto" latinLnBrk="0" hangingPunct="1">
               <a:lnSpc>
                 <a:spcPct val="100000"/>
               </a:lnSpc>
@@ -8471,12 +8161,26 @@
               <a:tabLst/>
               <a:defRPr/>
             </a:pPr>
-            <a:endParaRPr lang="en-US" dirty="0">
-              <a:cs typeface="Biome Light" panose="020B0303030204020804" pitchFamily="34" charset="0"/>
-            </a:endParaRPr>
-          </a:p>
-          <a:p>
-            <a:pPr marL="0" marR="0" lvl="0" indent="0" defTabSz="914400" rtl="0" eaLnBrk="1" fontAlgn="auto" latinLnBrk="0" hangingPunct="1">
+            <a:r>
+              <a:rPr kumimoji="0" lang="en-US" sz="1600" b="0" i="0" strike="noStrike" kern="1200" cap="all" normalizeH="0" noProof="0" dirty="0">
+                <a:ln>
+                  <a:noFill/>
+                </a:ln>
+                <a:solidFill>
+                  <a:schemeClr val="tx1"/>
+                </a:solidFill>
+                <a:effectLst/>
+                <a:uLnTx/>
+                <a:uFillTx/>
+                <a:latin typeface="+mn-lt"/>
+                <a:ea typeface="+mn-ea"/>
+                <a:cs typeface="Biome Light" panose="020B0303030204020804" pitchFamily="34" charset="0"/>
+              </a:rPr>
+              <a:t>Network: </a:t>
+            </a:r>
+          </a:p>
+          <a:p>
+            <a:pPr marL="0" marR="0" lvl="0" indent="0" algn="l" defTabSz="914400" rtl="0" eaLnBrk="1" fontAlgn="auto" latinLnBrk="0" hangingPunct="1">
               <a:lnSpc>
                 <a:spcPct val="100000"/>
               </a:lnSpc>
@@ -8508,11 +8212,11 @@
                 <a:ea typeface="+mn-ea"/>
                 <a:cs typeface="Biome Light" panose="020B0303030204020804" pitchFamily="34" charset="0"/>
               </a:rPr>
-              <a:t>Data-centric:</a:t>
-            </a:r>
-          </a:p>
-          <a:p>
-            <a:pPr marL="0" marR="0" lvl="0" indent="0" defTabSz="914400" rtl="0" eaLnBrk="1" fontAlgn="auto" latinLnBrk="0" hangingPunct="1">
+              <a:t>    Switch, Cabling, CAT6, Universal Power Supply (UPS)</a:t>
+            </a:r>
+          </a:p>
+          <a:p>
+            <a:pPr marL="0" marR="0" lvl="0" indent="0" algn="l" defTabSz="914400" rtl="0" eaLnBrk="1" fontAlgn="auto" latinLnBrk="0" hangingPunct="1">
               <a:lnSpc>
                 <a:spcPct val="100000"/>
               </a:lnSpc>
@@ -8530,28 +8234,14 @@
               <a:defRPr/>
             </a:pPr>
             <a:r>
-              <a:rPr lang="en-US" dirty="0">
+              <a:rPr lang="en-US" sz="1600" cap="all" dirty="0">
                 <a:cs typeface="Biome Light" panose="020B0303030204020804" pitchFamily="34" charset="0"/>
               </a:rPr>
-              <a:t>    Utilizes a database to track menu items, prices and inventory</a:t>
-            </a:r>
-            <a:endParaRPr kumimoji="0" lang="en-US" sz="1600" b="0" i="0" u="none" strike="noStrike" kern="1200" cap="none" normalizeH="0" noProof="0" dirty="0">
-              <a:ln>
-                <a:noFill/>
-              </a:ln>
-              <a:solidFill>
-                <a:schemeClr val="tx1"/>
-              </a:solidFill>
-              <a:effectLst/>
-              <a:uLnTx/>
-              <a:uFillTx/>
-              <a:latin typeface="+mn-lt"/>
-              <a:ea typeface="+mn-ea"/>
-              <a:cs typeface="Biome Light" panose="020B0303030204020804" pitchFamily="34" charset="0"/>
-            </a:endParaRPr>
-          </a:p>
-          <a:p>
-            <a:pPr marL="0" marR="0" lvl="0" indent="0" defTabSz="914400" rtl="0" eaLnBrk="1" fontAlgn="auto" latinLnBrk="0" hangingPunct="1">
+              <a:t>Tablet: </a:t>
+            </a:r>
+          </a:p>
+          <a:p>
+            <a:pPr marL="0" marR="0" lvl="0" indent="0" algn="l" defTabSz="914400" rtl="0" eaLnBrk="1" fontAlgn="auto" latinLnBrk="0" hangingPunct="1">
               <a:lnSpc>
                 <a:spcPct val="100000"/>
               </a:lnSpc>
@@ -8568,23 +8258,15 @@
               <a:tabLst/>
               <a:defRPr/>
             </a:pPr>
-            <a:endParaRPr kumimoji="0" lang="en-US" sz="1600" b="0" i="0" u="none" strike="noStrike" kern="1200" cap="none" normalizeH="0" noProof="0" dirty="0">
-              <a:ln>
-                <a:noFill/>
-              </a:ln>
-              <a:solidFill>
-                <a:schemeClr val="tx1"/>
-              </a:solidFill>
-              <a:effectLst/>
-              <a:uLnTx/>
-              <a:uFillTx/>
-              <a:latin typeface="+mn-lt"/>
-              <a:ea typeface="+mn-ea"/>
-              <a:cs typeface="Biome Light" panose="020B0303030204020804" pitchFamily="34" charset="0"/>
-            </a:endParaRPr>
-          </a:p>
-          <a:p>
-            <a:pPr marL="0" marR="0" lvl="0" indent="0" defTabSz="914400" rtl="0" eaLnBrk="1" fontAlgn="auto" latinLnBrk="0" hangingPunct="1">
+            <a:r>
+              <a:rPr lang="en-US" sz="1600" dirty="0">
+                <a:cs typeface="Biome Light" panose="020B0303030204020804" pitchFamily="34" charset="0"/>
+              </a:rPr>
+              <a:t>    IOS, Android, or any OS that has web browser capability</a:t>
+            </a:r>
+          </a:p>
+          <a:p>
+            <a:pPr marL="0" marR="0" lvl="0" indent="0" algn="l" defTabSz="914400" rtl="0" eaLnBrk="1" fontAlgn="auto" latinLnBrk="0" hangingPunct="1">
               <a:lnSpc>
                 <a:spcPct val="100000"/>
               </a:lnSpc>
@@ -8602,25 +8284,14 @@
               <a:defRPr/>
             </a:pPr>
             <a:r>
-              <a:rPr kumimoji="0" lang="en-US" sz="2000" b="0" i="0" u="sng" strike="noStrike" kern="1200" cap="none" normalizeH="0" noProof="0" dirty="0">
-                <a:ln>
-                  <a:noFill/>
-                </a:ln>
-                <a:solidFill>
-                  <a:schemeClr val="tx1"/>
-                </a:solidFill>
-                <a:effectLst/>
-                <a:uLnTx/>
-                <a:uFillTx/>
-                <a:latin typeface="+mn-lt"/>
-                <a:ea typeface="+mn-ea"/>
+              <a:rPr lang="en-US" sz="1600" cap="all" dirty="0">
                 <a:cs typeface="Biome Light" panose="020B0303030204020804" pitchFamily="34" charset="0"/>
               </a:rPr>
-              <a:t>Database</a:t>
-            </a:r>
-          </a:p>
-          <a:p>
-            <a:pPr marL="0" marR="0" lvl="0" indent="0" defTabSz="914400" rtl="0" eaLnBrk="1" fontAlgn="auto" latinLnBrk="0" hangingPunct="1">
+              <a:t>Printer: </a:t>
+            </a:r>
+          </a:p>
+          <a:p>
+            <a:pPr marL="0" marR="0" lvl="0" indent="0" algn="l" defTabSz="914400" rtl="0" eaLnBrk="1" fontAlgn="auto" latinLnBrk="0" hangingPunct="1">
               <a:lnSpc>
                 <a:spcPct val="100000"/>
               </a:lnSpc>
@@ -8639,12 +8310,24 @@
             </a:pPr>
             <a:r>
               <a:rPr lang="en-US" sz="1600" dirty="0">
-                <a:effectLst/>
-                <a:ea typeface="Yu Mincho" panose="02020400000000000000" pitchFamily="18" charset="-128"/>
-                <a:cs typeface="Times New Roman" panose="02020603050405020304" pitchFamily="18" charset="0"/>
-              </a:rPr>
-              <a:t>CentRes will be using a MySQL relational database to store employee information and communicate information related to sales transactions and product inventory.  MySQL can help the restaurant to keep tracking the inventory. See what foods are selling more and which foods are selling less, and this can help to optimize the menu and minimize waste.</a:t>
-            </a:r>
+                <a:cs typeface="Biome Light" panose="020B0303030204020804" pitchFamily="34" charset="0"/>
+              </a:rPr>
+              <a:t>    Customer bills, server shift report, manager daily monetary report</a:t>
+            </a:r>
+            <a:endParaRPr kumimoji="0" lang="en-US" sz="1600" b="0" i="0" u="none" strike="noStrike" kern="1200" cap="none" normalizeH="0" noProof="0" dirty="0">
+              <a:ln>
+                <a:noFill/>
+              </a:ln>
+              <a:solidFill>
+                <a:schemeClr val="tx1"/>
+              </a:solidFill>
+              <a:effectLst/>
+              <a:uLnTx/>
+              <a:uFillTx/>
+              <a:latin typeface="+mn-lt"/>
+              <a:ea typeface="+mn-ea"/>
+              <a:cs typeface="Biome Light" panose="020B0303030204020804" pitchFamily="34" charset="0"/>
+            </a:endParaRPr>
           </a:p>
           <a:p>
             <a:pPr marL="0" marR="0" lvl="0" indent="0" algn="l" defTabSz="914400" rtl="0" eaLnBrk="1" fontAlgn="auto" latinLnBrk="0" hangingPunct="1">
@@ -8692,7 +8375,240 @@
           <p:cNvPr id="16" name="Slide Number Placeholder 15">
             <a:extLst>
               <a:ext uri="{FF2B5EF4-FFF2-40B4-BE49-F238E27FC236}">
-                <a16:creationId xmlns:a16="http://schemas.microsoft.com/office/drawing/2014/main" xmlns="" id="{7FA57D11-A25F-4772-8E50-DDB68BE8CB69}"/>
+                <a16:creationId xmlns:a16="http://schemas.microsoft.com/office/drawing/2014/main" id="{7FA57D11-A25F-4772-8E50-DDB68BE8CB69}"/>
+              </a:ext>
+            </a:extLst>
+          </p:cNvPr>
+          <p:cNvSpPr>
+            <a:spLocks noGrp="1"/>
+          </p:cNvSpPr>
+          <p:nvPr>
+            <p:ph type="sldNum" sz="quarter" idx="4"/>
+          </p:nvPr>
+        </p:nvSpPr>
+        <p:spPr/>
+        <p:txBody>
+          <a:bodyPr/>
+          <a:lstStyle/>
+          <a:p>
+            <a:fld id="{8C2E478F-E849-4A8C-AF1F-CBCC78A7CBFA}" type="slidenum">
+              <a:rPr lang="en-US" smtClean="0"/>
+              <a:pPr/>
+              <a:t>16</a:t>
+            </a:fld>
+            <a:endParaRPr lang="en-US" dirty="0"/>
+          </a:p>
+        </p:txBody>
+      </p:sp>
+    </p:spTree>
+    <p:extLst>
+      <p:ext uri="{BB962C8B-B14F-4D97-AF65-F5344CB8AC3E}">
+        <p14:creationId xmlns:p14="http://schemas.microsoft.com/office/powerpoint/2010/main" val="3433389847"/>
+      </p:ext>
+    </p:extLst>
+  </p:cSld>
+  <p:clrMapOvr>
+    <a:masterClrMapping/>
+  </p:clrMapOvr>
+</p:sld>
+</file>
+
+<file path=ppt/slides/slide17.xml><?xml version="1.0" encoding="utf-8"?>
+<p:sld xmlns:a="http://schemas.openxmlformats.org/drawingml/2006/main" xmlns:r="http://schemas.openxmlformats.org/officeDocument/2006/relationships" xmlns:p="http://schemas.openxmlformats.org/presentationml/2006/main">
+  <p:cSld>
+    <p:spTree>
+      <p:nvGrpSpPr>
+        <p:cNvPr id="1" name=""/>
+        <p:cNvGrpSpPr/>
+        <p:nvPr/>
+      </p:nvGrpSpPr>
+      <p:grpSpPr>
+        <a:xfrm>
+          <a:off x="0" y="0"/>
+          <a:ext cx="0" cy="0"/>
+          <a:chOff x="0" y="0"/>
+          <a:chExt cx="0" cy="0"/>
+        </a:xfrm>
+      </p:grpSpPr>
+      <p:sp>
+        <p:nvSpPr>
+          <p:cNvPr id="2" name="Title 1">
+            <a:extLst>
+              <a:ext uri="{FF2B5EF4-FFF2-40B4-BE49-F238E27FC236}">
+                <a16:creationId xmlns:a16="http://schemas.microsoft.com/office/drawing/2014/main" id="{12CC3376-5069-4C7B-BE6B-A3776D1B47BA}"/>
+              </a:ext>
+            </a:extLst>
+          </p:cNvPr>
+          <p:cNvSpPr>
+            <a:spLocks noGrp="1"/>
+          </p:cNvSpPr>
+          <p:nvPr>
+            <p:ph type="title"/>
+          </p:nvPr>
+        </p:nvSpPr>
+        <p:spPr>
+          <a:xfrm>
+            <a:off x="6095999" y="35082"/>
+            <a:ext cx="5897218" cy="884238"/>
+          </a:xfrm>
+        </p:spPr>
+        <p:txBody>
+          <a:bodyPr/>
+          <a:lstStyle/>
+          <a:p>
+            <a:r>
+              <a:rPr lang="en-US" dirty="0"/>
+              <a:t>High Level Design</a:t>
+            </a:r>
+          </a:p>
+        </p:txBody>
+      </p:sp>
+      <p:pic>
+        <p:nvPicPr>
+          <p:cNvPr id="6" name="Picture Placeholder 5" descr="person staring at blueprints on a brick wall">
+            <a:extLst>
+              <a:ext uri="{FF2B5EF4-FFF2-40B4-BE49-F238E27FC236}">
+                <a16:creationId xmlns:a16="http://schemas.microsoft.com/office/drawing/2014/main" id="{C07C315A-7CD1-432C-92FA-6B62159B56CA}"/>
+              </a:ext>
+            </a:extLst>
+          </p:cNvPr>
+          <p:cNvPicPr>
+            <a:picLocks noGrp="1" noChangeAspect="1"/>
+          </p:cNvPicPr>
+          <p:nvPr>
+            <p:ph type="pic" sz="quarter" idx="14"/>
+          </p:nvPr>
+        </p:nvPicPr>
+        <p:blipFill rotWithShape="1">
+          <a:blip r:embed="rId3">
+            <a:extLst>
+              <a:ext uri="{BEBA8EAE-BF5A-486C-A8C5-ECC9F3942E4B}">
+                <a14:imgProps xmlns:a14="http://schemas.microsoft.com/office/drawing/2010/main">
+                  <a14:imgLayer r:embed="rId4">
+                    <a14:imgEffect>
+                      <a14:saturation sat="0"/>
+                    </a14:imgEffect>
+                  </a14:imgLayer>
+                </a14:imgProps>
+              </a:ext>
+            </a:extLst>
+          </a:blip>
+          <a:srcRect l="23552" t="1" r="23880" b="327"/>
+          <a:stretch/>
+        </p:blipFill>
+        <p:spPr>
+          <a:xfrm>
+            <a:off x="0" y="0"/>
+            <a:ext cx="5416550" cy="6858000"/>
+          </a:xfrm>
+        </p:spPr>
+      </p:pic>
+      <p:sp>
+        <p:nvSpPr>
+          <p:cNvPr id="14" name="Content Placeholder 13">
+            <a:extLst>
+              <a:ext uri="{FF2B5EF4-FFF2-40B4-BE49-F238E27FC236}">
+                <a16:creationId xmlns:a16="http://schemas.microsoft.com/office/drawing/2014/main" id="{79248A72-A597-48DF-A270-3389F5D209C0}"/>
+              </a:ext>
+            </a:extLst>
+          </p:cNvPr>
+          <p:cNvSpPr>
+            <a:spLocks noGrp="1"/>
+          </p:cNvSpPr>
+          <p:nvPr>
+            <p:ph idx="1"/>
+          </p:nvPr>
+        </p:nvSpPr>
+        <p:spPr>
+          <a:xfrm>
+            <a:off x="6096000" y="919320"/>
+            <a:ext cx="5690532" cy="5338867"/>
+          </a:xfrm>
+        </p:spPr>
+        <p:txBody>
+          <a:bodyPr>
+            <a:noAutofit/>
+          </a:bodyPr>
+          <a:lstStyle/>
+          <a:p>
+            <a:pPr marL="0" marR="0" lvl="0" indent="0" algn="l" defTabSz="914400" rtl="0" eaLnBrk="1" fontAlgn="auto" latinLnBrk="0" hangingPunct="1">
+              <a:lnSpc>
+                <a:spcPct val="100000"/>
+              </a:lnSpc>
+              <a:spcBef>
+                <a:spcPts val="1000"/>
+              </a:spcBef>
+              <a:spcAft>
+                <a:spcPts val="0"/>
+              </a:spcAft>
+              <a:buClrTx/>
+              <a:buSzTx/>
+              <a:buFont typeface="Arial" panose="020B0604020202020204" pitchFamily="34" charset="0"/>
+              <a:buNone/>
+              <a:tabLst/>
+              <a:defRPr/>
+            </a:pPr>
+            <a:r>
+              <a:rPr kumimoji="0" lang="en-US" b="0" i="0" u="sng" strike="noStrike" kern="1200" cap="all" normalizeH="0" noProof="0" dirty="0">
+                <a:ln>
+                  <a:noFill/>
+                </a:ln>
+                <a:solidFill>
+                  <a:schemeClr val="tx1"/>
+                </a:solidFill>
+                <a:effectLst/>
+                <a:uLnTx/>
+                <a:uFillTx/>
+                <a:ea typeface="+mn-ea"/>
+                <a:cs typeface="Biome Light" panose="020B0303030204020804" pitchFamily="34" charset="0"/>
+              </a:rPr>
+              <a:t>User Interface</a:t>
+            </a:r>
+          </a:p>
+          <a:p>
+            <a:r>
+              <a:rPr lang="en-US" dirty="0">
+                <a:effectLst/>
+                <a:ea typeface="Calibri" panose="020F0502020204030204" pitchFamily="34" charset="0"/>
+              </a:rPr>
+              <a:t>Each user type will have their own interface that will automatically refresh periodically and allow for manual page refreshing.</a:t>
+            </a:r>
+          </a:p>
+          <a:p>
+            <a:r>
+              <a:rPr lang="en-US" dirty="0">
+                <a:effectLst/>
+                <a:ea typeface="Calibri" panose="020F0502020204030204" pitchFamily="34" charset="0"/>
+              </a:rPr>
+              <a:t>Once the URL is opened, a user will need to enter their unique ID/Username as well as password to access their interface. </a:t>
+            </a:r>
+          </a:p>
+          <a:p>
+            <a:r>
+              <a:rPr lang="en-US" dirty="0"/>
+              <a:t>There will be four unique versions of the UI: Manager, Server, Hosting Staff, Kitchen Line.</a:t>
+            </a:r>
+          </a:p>
+          <a:p>
+            <a:r>
+              <a:rPr lang="en-US" dirty="0"/>
+              <a:t>There will be a main login screen UI that is accessed through a common URL. This will be where the user logs in and their version of the UI is opened.</a:t>
+            </a:r>
+          </a:p>
+          <a:p>
+            <a:r>
+              <a:rPr lang="en-US" dirty="0"/>
+              <a:t>Example of the manager’s UI once logged in through the first page portal.</a:t>
+            </a:r>
+          </a:p>
+        </p:txBody>
+      </p:sp>
+      <p:sp>
+        <p:nvSpPr>
+          <p:cNvPr id="16" name="Slide Number Placeholder 15">
+            <a:extLst>
+              <a:ext uri="{FF2B5EF4-FFF2-40B4-BE49-F238E27FC236}">
+                <a16:creationId xmlns:a16="http://schemas.microsoft.com/office/drawing/2014/main" id="{7FA57D11-A25F-4772-8E50-DDB68BE8CB69}"/>
               </a:ext>
             </a:extLst>
           </p:cNvPr>
@@ -8720,7 +8636,7 @@
     </p:spTree>
     <p:extLst>
       <p:ext uri="{BB962C8B-B14F-4D97-AF65-F5344CB8AC3E}">
-        <p14:creationId xmlns:p14="http://schemas.microsoft.com/office/powerpoint/2010/main" xmlns="" val="2107433842"/>
+        <p14:creationId xmlns:p14="http://schemas.microsoft.com/office/powerpoint/2010/main" val="1690341182"/>
       </p:ext>
     </p:extLst>
   </p:cSld>
@@ -8752,7 +8668,7 @@
           <p:cNvPr id="2" name="Title 1">
             <a:extLst>
               <a:ext uri="{FF2B5EF4-FFF2-40B4-BE49-F238E27FC236}">
-                <a16:creationId xmlns:a16="http://schemas.microsoft.com/office/drawing/2014/main" xmlns="" id="{12CC3376-5069-4C7B-BE6B-A3776D1B47BA}"/>
+                <a16:creationId xmlns:a16="http://schemas.microsoft.com/office/drawing/2014/main" id="{12CC3376-5069-4C7B-BE6B-A3776D1B47BA}"/>
               </a:ext>
             </a:extLst>
           </p:cNvPr>
@@ -8785,7 +8701,7 @@
           <p:cNvPr id="6" name="Picture Placeholder 5" descr="person staring at blueprints on a brick wall">
             <a:extLst>
               <a:ext uri="{FF2B5EF4-FFF2-40B4-BE49-F238E27FC236}">
-                <a16:creationId xmlns:a16="http://schemas.microsoft.com/office/drawing/2014/main" xmlns="" id="{C07C315A-7CD1-432C-92FA-6B62159B56CA}"/>
+                <a16:creationId xmlns:a16="http://schemas.microsoft.com/office/drawing/2014/main" id="{C07C315A-7CD1-432C-92FA-6B62159B56CA}"/>
               </a:ext>
             </a:extLst>
           </p:cNvPr>
@@ -8800,7 +8716,7 @@
           <a:blip r:embed="rId3">
             <a:extLst>
               <a:ext uri="{BEBA8EAE-BF5A-486C-A8C5-ECC9F3942E4B}">
-                <a14:imgProps xmlns:a14="http://schemas.microsoft.com/office/drawing/2010/main" xmlns="">
+                <a14:imgProps xmlns:a14="http://schemas.microsoft.com/office/drawing/2010/main">
                   <a14:imgLayer r:embed="rId4">
                     <a14:imgEffect>
                       <a14:saturation sat="0"/>
@@ -8825,7 +8741,7 @@
           <p:cNvPr id="14" name="Content Placeholder 13">
             <a:extLst>
               <a:ext uri="{FF2B5EF4-FFF2-40B4-BE49-F238E27FC236}">
-                <a16:creationId xmlns:a16="http://schemas.microsoft.com/office/drawing/2014/main" xmlns="" id="{79248A72-A597-48DF-A270-3389F5D209C0}"/>
+                <a16:creationId xmlns:a16="http://schemas.microsoft.com/office/drawing/2014/main" id="{79248A72-A597-48DF-A270-3389F5D209C0}"/>
               </a:ext>
             </a:extLst>
           </p:cNvPr>
@@ -8838,13 +8754,13 @@
         </p:nvSpPr>
         <p:spPr>
           <a:xfrm>
-            <a:off x="5734056" y="1061678"/>
-            <a:ext cx="6259161" cy="4668561"/>
+            <a:off x="6096000" y="919320"/>
+            <a:ext cx="5690532" cy="5338867"/>
           </a:xfrm>
         </p:spPr>
         <p:txBody>
           <a:bodyPr>
-            <a:normAutofit/>
+            <a:noAutofit/>
           </a:bodyPr>
           <a:lstStyle/>
           <a:p>
@@ -8866,7 +8782,331 @@
               <a:defRPr/>
             </a:pPr>
             <a:r>
-              <a:rPr kumimoji="0" lang="en-US" sz="2000" b="0" i="0" u="sng" strike="noStrike" kern="1200" cap="none" normalizeH="0" noProof="0" dirty="0">
+              <a:rPr kumimoji="0" lang="en-US" b="0" i="0" u="sng" strike="noStrike" kern="1200" cap="all" normalizeH="0" noProof="0" dirty="0">
+                <a:ln>
+                  <a:noFill/>
+                </a:ln>
+                <a:solidFill>
+                  <a:schemeClr val="tx1"/>
+                </a:solidFill>
+                <a:effectLst/>
+                <a:uLnTx/>
+                <a:uFillTx/>
+                <a:ea typeface="+mn-ea"/>
+                <a:cs typeface="Biome Light" panose="020B0303030204020804" pitchFamily="34" charset="0"/>
+              </a:rPr>
+              <a:t>User Interface Wireframe</a:t>
+            </a:r>
+          </a:p>
+          <a:p>
+            <a:pPr marL="0" marR="0" lvl="0" indent="0" algn="l" defTabSz="914400" rtl="0" eaLnBrk="1" fontAlgn="auto" latinLnBrk="0" hangingPunct="1">
+              <a:lnSpc>
+                <a:spcPct val="100000"/>
+              </a:lnSpc>
+              <a:spcBef>
+                <a:spcPts val="1000"/>
+              </a:spcBef>
+              <a:spcAft>
+                <a:spcPts val="0"/>
+              </a:spcAft>
+              <a:buClrTx/>
+              <a:buSzTx/>
+              <a:buFont typeface="Arial" panose="020B0604020202020204" pitchFamily="34" charset="0"/>
+              <a:buNone/>
+              <a:tabLst/>
+              <a:defRPr/>
+            </a:pPr>
+            <a:endParaRPr lang="en-US" u="sng" dirty="0">
+              <a:cs typeface="Biome Light" panose="020B0303030204020804" pitchFamily="34" charset="0"/>
+            </a:endParaRPr>
+          </a:p>
+          <a:p>
+            <a:pPr marL="0" marR="0" lvl="0" indent="0" algn="l" defTabSz="914400" rtl="0" eaLnBrk="1" fontAlgn="auto" latinLnBrk="0" hangingPunct="1">
+              <a:lnSpc>
+                <a:spcPct val="100000"/>
+              </a:lnSpc>
+              <a:spcBef>
+                <a:spcPts val="1000"/>
+              </a:spcBef>
+              <a:spcAft>
+                <a:spcPts val="0"/>
+              </a:spcAft>
+              <a:buClrTx/>
+              <a:buSzTx/>
+              <a:buFont typeface="Arial" panose="020B0604020202020204" pitchFamily="34" charset="0"/>
+              <a:buNone/>
+              <a:tabLst/>
+              <a:defRPr/>
+            </a:pPr>
+            <a:endParaRPr kumimoji="0" lang="en-US" b="0" i="0" u="sng" strike="noStrike" kern="1200" cap="none" normalizeH="0" noProof="0" dirty="0">
+              <a:ln>
+                <a:noFill/>
+              </a:ln>
+              <a:solidFill>
+                <a:schemeClr val="tx1"/>
+              </a:solidFill>
+              <a:effectLst/>
+              <a:uLnTx/>
+              <a:uFillTx/>
+              <a:ea typeface="+mn-ea"/>
+              <a:cs typeface="Biome Light" panose="020B0303030204020804" pitchFamily="34" charset="0"/>
+            </a:endParaRPr>
+          </a:p>
+          <a:p>
+            <a:pPr marL="0" marR="0" lvl="0" indent="0" algn="l" defTabSz="914400" rtl="0" eaLnBrk="1" fontAlgn="auto" latinLnBrk="0" hangingPunct="1">
+              <a:lnSpc>
+                <a:spcPct val="100000"/>
+              </a:lnSpc>
+              <a:spcBef>
+                <a:spcPts val="1000"/>
+              </a:spcBef>
+              <a:spcAft>
+                <a:spcPts val="0"/>
+              </a:spcAft>
+              <a:buClrTx/>
+              <a:buSzTx/>
+              <a:buFont typeface="Arial" panose="020B0604020202020204" pitchFamily="34" charset="0"/>
+              <a:buNone/>
+              <a:tabLst/>
+              <a:defRPr/>
+            </a:pPr>
+            <a:endParaRPr kumimoji="0" lang="en-US" b="0" i="0" u="sng" strike="noStrike" kern="1200" cap="none" normalizeH="0" noProof="0" dirty="0">
+              <a:ln>
+                <a:noFill/>
+              </a:ln>
+              <a:solidFill>
+                <a:schemeClr val="tx1"/>
+              </a:solidFill>
+              <a:effectLst/>
+              <a:uLnTx/>
+              <a:uFillTx/>
+              <a:ea typeface="+mn-ea"/>
+              <a:cs typeface="Biome Light" panose="020B0303030204020804" pitchFamily="34" charset="0"/>
+            </a:endParaRPr>
+          </a:p>
+        </p:txBody>
+      </p:sp>
+      <p:sp>
+        <p:nvSpPr>
+          <p:cNvPr id="16" name="Slide Number Placeholder 15">
+            <a:extLst>
+              <a:ext uri="{FF2B5EF4-FFF2-40B4-BE49-F238E27FC236}">
+                <a16:creationId xmlns:a16="http://schemas.microsoft.com/office/drawing/2014/main" id="{7FA57D11-A25F-4772-8E50-DDB68BE8CB69}"/>
+              </a:ext>
+            </a:extLst>
+          </p:cNvPr>
+          <p:cNvSpPr>
+            <a:spLocks noGrp="1"/>
+          </p:cNvSpPr>
+          <p:nvPr>
+            <p:ph type="sldNum" sz="quarter" idx="4"/>
+          </p:nvPr>
+        </p:nvSpPr>
+        <p:spPr/>
+        <p:txBody>
+          <a:bodyPr/>
+          <a:lstStyle/>
+          <a:p>
+            <a:fld id="{8C2E478F-E849-4A8C-AF1F-CBCC78A7CBFA}" type="slidenum">
+              <a:rPr lang="en-US" smtClean="0"/>
+              <a:pPr/>
+              <a:t>18</a:t>
+            </a:fld>
+            <a:endParaRPr lang="en-US" dirty="0"/>
+          </a:p>
+        </p:txBody>
+      </p:sp>
+      <p:pic>
+        <p:nvPicPr>
+          <p:cNvPr id="3" name="Picture 2" descr="Graphical user interface&#10;&#10;Description automatically generated">
+            <a:extLst>
+              <a:ext uri="{FF2B5EF4-FFF2-40B4-BE49-F238E27FC236}">
+                <a16:creationId xmlns:a16="http://schemas.microsoft.com/office/drawing/2014/main" id="{B18D1999-A5BB-336B-9ADC-A101EE1CCD87}"/>
+              </a:ext>
+            </a:extLst>
+          </p:cNvPr>
+          <p:cNvPicPr>
+            <a:picLocks noChangeAspect="1"/>
+          </p:cNvPicPr>
+          <p:nvPr/>
+        </p:nvPicPr>
+        <p:blipFill>
+          <a:blip r:embed="rId5">
+            <a:extLst>
+              <a:ext uri="{28A0092B-C50C-407E-A947-70E740481C1C}">
+                <a14:useLocalDpi xmlns:a14="http://schemas.microsoft.com/office/drawing/2010/main" val="0"/>
+              </a:ext>
+            </a:extLst>
+          </a:blip>
+          <a:srcRect/>
+          <a:stretch>
+            <a:fillRect/>
+          </a:stretch>
+        </p:blipFill>
+        <p:spPr bwMode="auto">
+          <a:xfrm>
+            <a:off x="5594719" y="1587616"/>
+            <a:ext cx="6398498" cy="3957340"/>
+          </a:xfrm>
+          <a:prstGeom prst="rect">
+            <a:avLst/>
+          </a:prstGeom>
+          <a:noFill/>
+          <a:ln>
+            <a:noFill/>
+          </a:ln>
+        </p:spPr>
+      </p:pic>
+    </p:spTree>
+    <p:extLst>
+      <p:ext uri="{BB962C8B-B14F-4D97-AF65-F5344CB8AC3E}">
+        <p14:creationId xmlns:p14="http://schemas.microsoft.com/office/powerpoint/2010/main" val="615125603"/>
+      </p:ext>
+    </p:extLst>
+  </p:cSld>
+  <p:clrMapOvr>
+    <a:masterClrMapping/>
+  </p:clrMapOvr>
+</p:sld>
+</file>
+
+<file path=ppt/slides/slide19.xml><?xml version="1.0" encoding="utf-8"?>
+<p:sld xmlns:a="http://schemas.openxmlformats.org/drawingml/2006/main" xmlns:r="http://schemas.openxmlformats.org/officeDocument/2006/relationships" xmlns:p="http://schemas.openxmlformats.org/presentationml/2006/main">
+  <p:cSld>
+    <p:spTree>
+      <p:nvGrpSpPr>
+        <p:cNvPr id="1" name=""/>
+        <p:cNvGrpSpPr/>
+        <p:nvPr/>
+      </p:nvGrpSpPr>
+      <p:grpSpPr>
+        <a:xfrm>
+          <a:off x="0" y="0"/>
+          <a:ext cx="0" cy="0"/>
+          <a:chOff x="0" y="0"/>
+          <a:chExt cx="0" cy="0"/>
+        </a:xfrm>
+      </p:grpSpPr>
+      <p:sp>
+        <p:nvSpPr>
+          <p:cNvPr id="2" name="Title 1">
+            <a:extLst>
+              <a:ext uri="{FF2B5EF4-FFF2-40B4-BE49-F238E27FC236}">
+                <a16:creationId xmlns:a16="http://schemas.microsoft.com/office/drawing/2014/main" id="{12CC3376-5069-4C7B-BE6B-A3776D1B47BA}"/>
+              </a:ext>
+            </a:extLst>
+          </p:cNvPr>
+          <p:cNvSpPr>
+            <a:spLocks noGrp="1"/>
+          </p:cNvSpPr>
+          <p:nvPr>
+            <p:ph type="title"/>
+          </p:nvPr>
+        </p:nvSpPr>
+        <p:spPr>
+          <a:xfrm>
+            <a:off x="6096000" y="0"/>
+            <a:ext cx="5816368" cy="599012"/>
+          </a:xfrm>
+        </p:spPr>
+        <p:txBody>
+          <a:bodyPr/>
+          <a:lstStyle/>
+          <a:p>
+            <a:r>
+              <a:rPr lang="en-US" u="sng" dirty="0"/>
+              <a:t>High Level Design</a:t>
+            </a:r>
+          </a:p>
+        </p:txBody>
+      </p:sp>
+      <p:pic>
+        <p:nvPicPr>
+          <p:cNvPr id="6" name="Picture Placeholder 5" descr="person staring at blueprints on a brick wall">
+            <a:extLst>
+              <a:ext uri="{FF2B5EF4-FFF2-40B4-BE49-F238E27FC236}">
+                <a16:creationId xmlns:a16="http://schemas.microsoft.com/office/drawing/2014/main" id="{C07C315A-7CD1-432C-92FA-6B62159B56CA}"/>
+              </a:ext>
+            </a:extLst>
+          </p:cNvPr>
+          <p:cNvPicPr>
+            <a:picLocks noGrp="1" noChangeAspect="1"/>
+          </p:cNvPicPr>
+          <p:nvPr>
+            <p:ph type="pic" sz="quarter" idx="14"/>
+          </p:nvPr>
+        </p:nvPicPr>
+        <p:blipFill rotWithShape="1">
+          <a:blip r:embed="rId3">
+            <a:extLst>
+              <a:ext uri="{BEBA8EAE-BF5A-486C-A8C5-ECC9F3942E4B}">
+                <a14:imgProps xmlns:a14="http://schemas.microsoft.com/office/drawing/2010/main">
+                  <a14:imgLayer r:embed="rId4">
+                    <a14:imgEffect>
+                      <a14:saturation sat="0"/>
+                    </a14:imgEffect>
+                  </a14:imgLayer>
+                </a14:imgProps>
+              </a:ext>
+            </a:extLst>
+          </a:blip>
+          <a:srcRect l="23552" t="1" r="23880" b="327"/>
+          <a:stretch/>
+        </p:blipFill>
+        <p:spPr>
+          <a:xfrm>
+            <a:off x="0" y="0"/>
+            <a:ext cx="5416550" cy="6858000"/>
+          </a:xfrm>
+        </p:spPr>
+      </p:pic>
+      <p:sp>
+        <p:nvSpPr>
+          <p:cNvPr id="14" name="Content Placeholder 13">
+            <a:extLst>
+              <a:ext uri="{FF2B5EF4-FFF2-40B4-BE49-F238E27FC236}">
+                <a16:creationId xmlns:a16="http://schemas.microsoft.com/office/drawing/2014/main" id="{79248A72-A597-48DF-A270-3389F5D209C0}"/>
+              </a:ext>
+            </a:extLst>
+          </p:cNvPr>
+          <p:cNvSpPr>
+            <a:spLocks noGrp="1"/>
+          </p:cNvSpPr>
+          <p:nvPr>
+            <p:ph idx="1"/>
+          </p:nvPr>
+        </p:nvSpPr>
+        <p:spPr>
+          <a:xfrm>
+            <a:off x="6096000" y="763398"/>
+            <a:ext cx="5690532" cy="5318620"/>
+          </a:xfrm>
+        </p:spPr>
+        <p:txBody>
+          <a:bodyPr>
+            <a:normAutofit/>
+          </a:bodyPr>
+          <a:lstStyle/>
+          <a:p>
+            <a:pPr marL="0" marR="0" lvl="0" indent="0" defTabSz="914400" rtl="0" eaLnBrk="1" fontAlgn="auto" latinLnBrk="0" hangingPunct="1">
+              <a:lnSpc>
+                <a:spcPct val="100000"/>
+              </a:lnSpc>
+              <a:spcBef>
+                <a:spcPts val="1000"/>
+              </a:spcBef>
+              <a:spcAft>
+                <a:spcPts val="0"/>
+              </a:spcAft>
+              <a:buClrTx/>
+              <a:buSzTx/>
+              <a:buFont typeface="Arial" panose="020B0604020202020204" pitchFamily="34" charset="0"/>
+              <a:buNone/>
+              <a:tabLst/>
+              <a:defRPr/>
+            </a:pPr>
+            <a:r>
+              <a:rPr kumimoji="0" lang="en-US" b="0" i="0" u="sng" strike="noStrike" kern="1200" cap="all" normalizeH="0" noProof="0" dirty="0">
                 <a:ln>
                   <a:noFill/>
                 </a:ln>
@@ -8880,7 +9120,278 @@
                 <a:ea typeface="+mn-ea"/>
                 <a:cs typeface="Biome Light" panose="020B0303030204020804" pitchFamily="34" charset="0"/>
               </a:rPr>
-              <a:t>Class Diagram</a:t>
+              <a:t>Architecture</a:t>
+            </a:r>
+          </a:p>
+          <a:p>
+            <a:pPr marL="0" marR="0" lvl="0" indent="0" defTabSz="914400" rtl="0" eaLnBrk="1" fontAlgn="auto" latinLnBrk="0" hangingPunct="1">
+              <a:lnSpc>
+                <a:spcPct val="100000"/>
+              </a:lnSpc>
+              <a:spcBef>
+                <a:spcPts val="1000"/>
+              </a:spcBef>
+              <a:spcAft>
+                <a:spcPts val="0"/>
+              </a:spcAft>
+              <a:buClrTx/>
+              <a:buSzTx/>
+              <a:buFont typeface="Arial" panose="020B0604020202020204" pitchFamily="34" charset="0"/>
+              <a:buNone/>
+              <a:tabLst/>
+              <a:defRPr/>
+            </a:pPr>
+            <a:r>
+              <a:rPr kumimoji="0" lang="en-US" b="0" i="0" u="none" strike="noStrike" kern="1200" cap="all" normalizeH="0" noProof="0" dirty="0">
+                <a:ln>
+                  <a:noFill/>
+                </a:ln>
+                <a:solidFill>
+                  <a:schemeClr val="tx1"/>
+                </a:solidFill>
+                <a:effectLst/>
+                <a:uLnTx/>
+                <a:uFillTx/>
+                <a:latin typeface="+mn-lt"/>
+                <a:ea typeface="+mn-ea"/>
+                <a:cs typeface="Biome Light" panose="020B0303030204020804" pitchFamily="34" charset="0"/>
+              </a:rPr>
+              <a:t>Event-driven:</a:t>
+            </a:r>
+          </a:p>
+          <a:p>
+            <a:pPr marL="0" marR="0" lvl="0" indent="0" defTabSz="914400" rtl="0" eaLnBrk="1" fontAlgn="auto" latinLnBrk="0" hangingPunct="1">
+              <a:lnSpc>
+                <a:spcPct val="100000"/>
+              </a:lnSpc>
+              <a:spcBef>
+                <a:spcPts val="1000"/>
+              </a:spcBef>
+              <a:spcAft>
+                <a:spcPts val="0"/>
+              </a:spcAft>
+              <a:buClrTx/>
+              <a:buSzTx/>
+              <a:buFont typeface="Arial" panose="020B0604020202020204" pitchFamily="34" charset="0"/>
+              <a:buNone/>
+              <a:tabLst/>
+              <a:defRPr/>
+            </a:pPr>
+            <a:r>
+              <a:rPr kumimoji="0" lang="en-US" b="0" i="0" u="none" strike="noStrike" kern="1200" cap="none" normalizeH="0" noProof="0" dirty="0">
+                <a:ln>
+                  <a:noFill/>
+                </a:ln>
+                <a:solidFill>
+                  <a:schemeClr val="tx1"/>
+                </a:solidFill>
+                <a:effectLst/>
+                <a:uLnTx/>
+                <a:uFillTx/>
+                <a:latin typeface="+mn-lt"/>
+                <a:ea typeface="+mn-ea"/>
+                <a:cs typeface="Biome Light" panose="020B0303030204020804" pitchFamily="34" charset="0"/>
+              </a:rPr>
+              <a:t>    CentRes will utilize time stamps for orders in and </a:t>
+            </a:r>
+            <a:r>
+              <a:rPr lang="en-US" dirty="0">
+                <a:cs typeface="Biome Light" panose="020B0303030204020804" pitchFamily="34" charset="0"/>
+              </a:rPr>
+              <a:t>orders out. </a:t>
+            </a:r>
+          </a:p>
+          <a:p>
+            <a:pPr marL="0" marR="0" lvl="0" indent="0" defTabSz="914400" rtl="0" eaLnBrk="1" fontAlgn="auto" latinLnBrk="0" hangingPunct="1">
+              <a:lnSpc>
+                <a:spcPct val="100000"/>
+              </a:lnSpc>
+              <a:spcBef>
+                <a:spcPts val="1000"/>
+              </a:spcBef>
+              <a:spcAft>
+                <a:spcPts val="0"/>
+              </a:spcAft>
+              <a:buClrTx/>
+              <a:buSzTx/>
+              <a:buFont typeface="Arial" panose="020B0604020202020204" pitchFamily="34" charset="0"/>
+              <a:buNone/>
+              <a:tabLst/>
+              <a:defRPr/>
+            </a:pPr>
+            <a:endParaRPr lang="en-US" dirty="0">
+              <a:cs typeface="Biome Light" panose="020B0303030204020804" pitchFamily="34" charset="0"/>
+            </a:endParaRPr>
+          </a:p>
+          <a:p>
+            <a:pPr marL="0" marR="0" lvl="0" indent="0" defTabSz="914400" rtl="0" eaLnBrk="1" fontAlgn="auto" latinLnBrk="0" hangingPunct="1">
+              <a:lnSpc>
+                <a:spcPct val="100000"/>
+              </a:lnSpc>
+              <a:spcBef>
+                <a:spcPts val="1000"/>
+              </a:spcBef>
+              <a:spcAft>
+                <a:spcPts val="0"/>
+              </a:spcAft>
+              <a:buClrTx/>
+              <a:buSzTx/>
+              <a:buFont typeface="Arial" panose="020B0604020202020204" pitchFamily="34" charset="0"/>
+              <a:buNone/>
+              <a:tabLst/>
+              <a:defRPr/>
+            </a:pPr>
+            <a:r>
+              <a:rPr kumimoji="0" lang="en-US" b="0" i="0" u="none" strike="noStrike" kern="1200" cap="all" normalizeH="0" noProof="0" dirty="0">
+                <a:ln>
+                  <a:noFill/>
+                </a:ln>
+                <a:solidFill>
+                  <a:schemeClr val="tx1"/>
+                </a:solidFill>
+                <a:effectLst/>
+                <a:uLnTx/>
+                <a:uFillTx/>
+                <a:latin typeface="+mn-lt"/>
+                <a:ea typeface="+mn-ea"/>
+                <a:cs typeface="Biome Light" panose="020B0303030204020804" pitchFamily="34" charset="0"/>
+              </a:rPr>
+              <a:t>Data-centric:</a:t>
+            </a:r>
+          </a:p>
+          <a:p>
+            <a:pPr marL="0" marR="0" lvl="0" indent="0" defTabSz="914400" rtl="0" eaLnBrk="1" fontAlgn="auto" latinLnBrk="0" hangingPunct="1">
+              <a:lnSpc>
+                <a:spcPct val="100000"/>
+              </a:lnSpc>
+              <a:spcBef>
+                <a:spcPts val="1000"/>
+              </a:spcBef>
+              <a:spcAft>
+                <a:spcPts val="0"/>
+              </a:spcAft>
+              <a:buClrTx/>
+              <a:buSzTx/>
+              <a:buFont typeface="Arial" panose="020B0604020202020204" pitchFamily="34" charset="0"/>
+              <a:buNone/>
+              <a:tabLst/>
+              <a:defRPr/>
+            </a:pPr>
+            <a:r>
+              <a:rPr lang="en-US" dirty="0">
+                <a:cs typeface="Biome Light" panose="020B0303030204020804" pitchFamily="34" charset="0"/>
+              </a:rPr>
+              <a:t>    Utilizes a database to track menu items, prices and inventory</a:t>
+            </a:r>
+            <a:endParaRPr kumimoji="0" lang="en-US" b="0" i="0" u="none" strike="noStrike" kern="1200" cap="none" normalizeH="0" noProof="0" dirty="0">
+              <a:ln>
+                <a:noFill/>
+              </a:ln>
+              <a:solidFill>
+                <a:schemeClr val="tx1"/>
+              </a:solidFill>
+              <a:effectLst/>
+              <a:uLnTx/>
+              <a:uFillTx/>
+              <a:latin typeface="+mn-lt"/>
+              <a:ea typeface="+mn-ea"/>
+              <a:cs typeface="Biome Light" panose="020B0303030204020804" pitchFamily="34" charset="0"/>
+            </a:endParaRPr>
+          </a:p>
+          <a:p>
+            <a:pPr marL="0" marR="0" lvl="0" indent="0" defTabSz="914400" rtl="0" eaLnBrk="1" fontAlgn="auto" latinLnBrk="0" hangingPunct="1">
+              <a:lnSpc>
+                <a:spcPct val="100000"/>
+              </a:lnSpc>
+              <a:spcBef>
+                <a:spcPts val="1000"/>
+              </a:spcBef>
+              <a:spcAft>
+                <a:spcPts val="0"/>
+              </a:spcAft>
+              <a:buClrTx/>
+              <a:buSzTx/>
+              <a:buFont typeface="Arial" panose="020B0604020202020204" pitchFamily="34" charset="0"/>
+              <a:buNone/>
+              <a:tabLst/>
+              <a:defRPr/>
+            </a:pPr>
+            <a:endParaRPr kumimoji="0" lang="en-US" b="0" i="0" u="none" strike="noStrike" kern="1200" cap="none" normalizeH="0" noProof="0" dirty="0">
+              <a:ln>
+                <a:noFill/>
+              </a:ln>
+              <a:solidFill>
+                <a:schemeClr val="tx1"/>
+              </a:solidFill>
+              <a:effectLst/>
+              <a:uLnTx/>
+              <a:uFillTx/>
+              <a:latin typeface="+mn-lt"/>
+              <a:ea typeface="+mn-ea"/>
+              <a:cs typeface="Biome Light" panose="020B0303030204020804" pitchFamily="34" charset="0"/>
+            </a:endParaRPr>
+          </a:p>
+          <a:p>
+            <a:pPr marL="0" marR="0" lvl="0" indent="0" defTabSz="914400" rtl="0" eaLnBrk="1" fontAlgn="auto" latinLnBrk="0" hangingPunct="1">
+              <a:lnSpc>
+                <a:spcPct val="100000"/>
+              </a:lnSpc>
+              <a:spcBef>
+                <a:spcPts val="1000"/>
+              </a:spcBef>
+              <a:spcAft>
+                <a:spcPts val="0"/>
+              </a:spcAft>
+              <a:buClrTx/>
+              <a:buSzTx/>
+              <a:buFont typeface="Arial" panose="020B0604020202020204" pitchFamily="34" charset="0"/>
+              <a:buNone/>
+              <a:tabLst/>
+              <a:defRPr/>
+            </a:pPr>
+            <a:r>
+              <a:rPr kumimoji="0" lang="en-US" b="0" i="0" u="sng" strike="noStrike" kern="1200" cap="all" normalizeH="0" noProof="0" dirty="0">
+                <a:ln>
+                  <a:noFill/>
+                </a:ln>
+                <a:solidFill>
+                  <a:schemeClr val="tx1"/>
+                </a:solidFill>
+                <a:effectLst/>
+                <a:uLnTx/>
+                <a:uFillTx/>
+                <a:latin typeface="+mn-lt"/>
+                <a:ea typeface="+mn-ea"/>
+                <a:cs typeface="Biome Light" panose="020B0303030204020804" pitchFamily="34" charset="0"/>
+              </a:rPr>
+              <a:t>Database</a:t>
+            </a:r>
+          </a:p>
+          <a:p>
+            <a:pPr marL="0" marR="0" lvl="0" indent="0" defTabSz="914400" rtl="0" eaLnBrk="1" fontAlgn="auto" latinLnBrk="0" hangingPunct="1">
+              <a:lnSpc>
+                <a:spcPct val="100000"/>
+              </a:lnSpc>
+              <a:spcBef>
+                <a:spcPts val="1000"/>
+              </a:spcBef>
+              <a:spcAft>
+                <a:spcPts val="0"/>
+              </a:spcAft>
+              <a:buClrTx/>
+              <a:buSzTx/>
+              <a:buFont typeface="Arial" panose="020B0604020202020204" pitchFamily="34" charset="0"/>
+              <a:buNone/>
+              <a:tabLst/>
+              <a:defRPr/>
+            </a:pPr>
+            <a:r>
+              <a:rPr lang="en-US" dirty="0">
+                <a:effectLst/>
+                <a:ea typeface="Yu Mincho" panose="02020400000000000000" pitchFamily="18" charset="-128"/>
+                <a:cs typeface="Times New Roman" panose="02020603050405020304" pitchFamily="18" charset="0"/>
+              </a:rPr>
+              <a:t>CentRes will be using a MySQL relational database to store employee information and communicate information related to sales transactions and product inventory.  MySQL can help the restaurant to keep tracking the inventory. See what foods are selling more and which foods are selling less, and this can help to optimize the menu and minimize waste.</a:t>
             </a:r>
           </a:p>
           <a:p>
@@ -8917,6 +9428,452 @@
             </a:endParaRPr>
           </a:p>
           <a:p>
+            <a:pPr marL="0" indent="0">
+              <a:buNone/>
+            </a:pPr>
+            <a:endParaRPr lang="en-US" b="1" dirty="0"/>
+          </a:p>
+        </p:txBody>
+      </p:sp>
+      <p:sp>
+        <p:nvSpPr>
+          <p:cNvPr id="16" name="Slide Number Placeholder 15">
+            <a:extLst>
+              <a:ext uri="{FF2B5EF4-FFF2-40B4-BE49-F238E27FC236}">
+                <a16:creationId xmlns:a16="http://schemas.microsoft.com/office/drawing/2014/main" id="{7FA57D11-A25F-4772-8E50-DDB68BE8CB69}"/>
+              </a:ext>
+            </a:extLst>
+          </p:cNvPr>
+          <p:cNvSpPr>
+            <a:spLocks noGrp="1"/>
+          </p:cNvSpPr>
+          <p:nvPr>
+            <p:ph type="sldNum" sz="quarter" idx="4"/>
+          </p:nvPr>
+        </p:nvSpPr>
+        <p:spPr/>
+        <p:txBody>
+          <a:bodyPr/>
+          <a:lstStyle/>
+          <a:p>
+            <a:fld id="{8C2E478F-E849-4A8C-AF1F-CBCC78A7CBFA}" type="slidenum">
+              <a:rPr lang="en-US" smtClean="0"/>
+              <a:pPr/>
+              <a:t>19</a:t>
+            </a:fld>
+            <a:endParaRPr lang="en-US" dirty="0"/>
+          </a:p>
+        </p:txBody>
+      </p:sp>
+    </p:spTree>
+    <p:extLst>
+      <p:ext uri="{BB962C8B-B14F-4D97-AF65-F5344CB8AC3E}">
+        <p14:creationId xmlns:p14="http://schemas.microsoft.com/office/powerpoint/2010/main" val="2107433842"/>
+      </p:ext>
+    </p:extLst>
+  </p:cSld>
+  <p:clrMapOvr>
+    <a:masterClrMapping/>
+  </p:clrMapOvr>
+</p:sld>
+</file>
+
+<file path=ppt/slides/slide2.xml><?xml version="1.0" encoding="utf-8"?>
+<p:sld xmlns:a="http://schemas.openxmlformats.org/drawingml/2006/main" xmlns:r="http://schemas.openxmlformats.org/officeDocument/2006/relationships" xmlns:p="http://schemas.openxmlformats.org/presentationml/2006/main">
+  <p:cSld>
+    <p:spTree>
+      <p:nvGrpSpPr>
+        <p:cNvPr id="1" name=""/>
+        <p:cNvGrpSpPr/>
+        <p:nvPr/>
+      </p:nvGrpSpPr>
+      <p:grpSpPr>
+        <a:xfrm>
+          <a:off x="0" y="0"/>
+          <a:ext cx="0" cy="0"/>
+          <a:chOff x="0" y="0"/>
+          <a:chExt cx="0" cy="0"/>
+        </a:xfrm>
+      </p:grpSpPr>
+      <p:sp>
+        <p:nvSpPr>
+          <p:cNvPr id="2" name="Title 1">
+            <a:extLst>
+              <a:ext uri="{FF2B5EF4-FFF2-40B4-BE49-F238E27FC236}">
+                <a16:creationId xmlns:a16="http://schemas.microsoft.com/office/drawing/2014/main" id="{BE3A87B3-0A27-4EE9-979E-B69581E476F0}"/>
+              </a:ext>
+            </a:extLst>
+          </p:cNvPr>
+          <p:cNvSpPr>
+            <a:spLocks noGrp="1"/>
+          </p:cNvSpPr>
+          <p:nvPr>
+            <p:ph type="title"/>
+          </p:nvPr>
+        </p:nvSpPr>
+        <p:spPr>
+          <a:xfrm>
+            <a:off x="6862588" y="24572"/>
+            <a:ext cx="4846320" cy="1210613"/>
+          </a:xfrm>
+        </p:spPr>
+        <p:txBody>
+          <a:bodyPr/>
+          <a:lstStyle/>
+          <a:p>
+            <a:r>
+              <a:rPr lang="en-US" dirty="0"/>
+              <a:t>Contents</a:t>
+            </a:r>
+          </a:p>
+        </p:txBody>
+      </p:sp>
+      <p:pic>
+        <p:nvPicPr>
+          <p:cNvPr id="8" name="Picture Placeholder 7" descr="group of people at a conference table">
+            <a:extLst>
+              <a:ext uri="{FF2B5EF4-FFF2-40B4-BE49-F238E27FC236}">
+                <a16:creationId xmlns:a16="http://schemas.microsoft.com/office/drawing/2014/main" id="{BB76F5AB-0940-46E1-85F9-6A870D7D04C9}"/>
+              </a:ext>
+            </a:extLst>
+          </p:cNvPr>
+          <p:cNvPicPr>
+            <a:picLocks noGrp="1" noChangeAspect="1"/>
+          </p:cNvPicPr>
+          <p:nvPr>
+            <p:ph type="pic" sz="quarter" idx="13"/>
+          </p:nvPr>
+        </p:nvPicPr>
+        <p:blipFill rotWithShape="1">
+          <a:blip r:embed="rId2">
+            <a:extLst>
+              <a:ext uri="{BEBA8EAE-BF5A-486C-A8C5-ECC9F3942E4B}">
+                <a14:imgProps xmlns:a14="http://schemas.microsoft.com/office/drawing/2010/main">
+                  <a14:imgLayer r:embed="rId3">
+                    <a14:imgEffect>
+                      <a14:saturation sat="0"/>
+                    </a14:imgEffect>
+                  </a14:imgLayer>
+                </a14:imgProps>
+              </a:ext>
+            </a:extLst>
+          </a:blip>
+          <a:srcRect l="20370" r="20370"/>
+          <a:stretch/>
+        </p:blipFill>
+        <p:spPr/>
+      </p:pic>
+      <p:sp>
+        <p:nvSpPr>
+          <p:cNvPr id="6" name="Text Placeholder 5">
+            <a:extLst>
+              <a:ext uri="{FF2B5EF4-FFF2-40B4-BE49-F238E27FC236}">
+                <a16:creationId xmlns:a16="http://schemas.microsoft.com/office/drawing/2014/main" id="{F3C89A40-EEAA-43AB-9A3A-B2CFDE450F1B}"/>
+              </a:ext>
+            </a:extLst>
+          </p:cNvPr>
+          <p:cNvSpPr>
+            <a:spLocks noGrp="1"/>
+          </p:cNvSpPr>
+          <p:nvPr>
+            <p:ph type="body" sz="quarter" idx="15"/>
+          </p:nvPr>
+        </p:nvSpPr>
+        <p:spPr>
+          <a:xfrm>
+            <a:off x="6862588" y="1387135"/>
+            <a:ext cx="4908655" cy="4552192"/>
+          </a:xfrm>
+        </p:spPr>
+        <p:txBody>
+          <a:bodyPr/>
+          <a:lstStyle/>
+          <a:p>
+            <a:pPr marL="285750" indent="-285750">
+              <a:buFont typeface="Arial" panose="020B0604020202020204" pitchFamily="34" charset="0"/>
+              <a:buChar char="•"/>
+            </a:pPr>
+            <a:r>
+              <a:rPr lang="en-US" spc="0" dirty="0"/>
+              <a:t>Team Introduction</a:t>
+            </a:r>
+          </a:p>
+          <a:p>
+            <a:pPr marL="285750" indent="-285750">
+              <a:buFont typeface="Arial" panose="020B0604020202020204" pitchFamily="34" charset="0"/>
+              <a:buChar char="•"/>
+            </a:pPr>
+            <a:r>
+              <a:rPr lang="en-US" spc="0" dirty="0"/>
+              <a:t>Team Collaboration and Project Management</a:t>
+            </a:r>
+          </a:p>
+          <a:p>
+            <a:pPr marL="285750" indent="-285750">
+              <a:buFont typeface="Arial" panose="020B0604020202020204" pitchFamily="34" charset="0"/>
+              <a:buChar char="•"/>
+            </a:pPr>
+            <a:r>
+              <a:rPr lang="en-US" spc="0" dirty="0"/>
+              <a:t>Project Overview and descriptions</a:t>
+            </a:r>
+          </a:p>
+          <a:p>
+            <a:pPr marL="285750" indent="-285750">
+              <a:buFont typeface="Arial" panose="020B0604020202020204" pitchFamily="34" charset="0"/>
+              <a:buChar char="•"/>
+            </a:pPr>
+            <a:r>
+              <a:rPr lang="en-US" spc="0" dirty="0"/>
+              <a:t>Project Features and User Stories</a:t>
+            </a:r>
+          </a:p>
+          <a:p>
+            <a:pPr marL="285750" indent="-285750">
+              <a:buFont typeface="Arial" panose="020B0604020202020204" pitchFamily="34" charset="0"/>
+              <a:buChar char="•"/>
+            </a:pPr>
+            <a:r>
+              <a:rPr lang="en-US" spc="0" dirty="0"/>
+              <a:t>Requirements Specifications</a:t>
+            </a:r>
+          </a:p>
+          <a:p>
+            <a:pPr marL="285750" indent="-285750">
+              <a:buFont typeface="Arial" panose="020B0604020202020204" pitchFamily="34" charset="0"/>
+              <a:buChar char="•"/>
+            </a:pPr>
+            <a:r>
+              <a:rPr lang="en-US" spc="0" dirty="0"/>
+              <a:t>High Level Design</a:t>
+            </a:r>
+          </a:p>
+          <a:p>
+            <a:pPr marL="285750" indent="-285750">
+              <a:buFont typeface="Arial" panose="020B0604020202020204" pitchFamily="34" charset="0"/>
+              <a:buChar char="•"/>
+            </a:pPr>
+            <a:r>
+              <a:rPr lang="en-US" spc="0" dirty="0"/>
+              <a:t>Achievements and Challenges</a:t>
+            </a:r>
+          </a:p>
+          <a:p>
+            <a:pPr marL="285750" indent="-285750">
+              <a:buFont typeface="Arial" panose="020B0604020202020204" pitchFamily="34" charset="0"/>
+              <a:buChar char="•"/>
+            </a:pPr>
+            <a:r>
+              <a:rPr lang="en-US" spc="0" dirty="0"/>
+              <a:t>Future Development Plan and Q&amp;A</a:t>
+            </a:r>
+          </a:p>
+          <a:p>
+            <a:pPr marL="285750" indent="-285750">
+              <a:buFont typeface="Arial" panose="020B0604020202020204" pitchFamily="34" charset="0"/>
+              <a:buChar char="•"/>
+            </a:pPr>
+            <a:endParaRPr lang="en-US" dirty="0"/>
+          </a:p>
+        </p:txBody>
+      </p:sp>
+      <p:sp>
+        <p:nvSpPr>
+          <p:cNvPr id="7" name="Slide Number Placeholder 6">
+            <a:extLst>
+              <a:ext uri="{FF2B5EF4-FFF2-40B4-BE49-F238E27FC236}">
+                <a16:creationId xmlns:a16="http://schemas.microsoft.com/office/drawing/2014/main" id="{F29F8048-1E86-48F4-B246-D2F8C54B7EB1}"/>
+              </a:ext>
+            </a:extLst>
+          </p:cNvPr>
+          <p:cNvSpPr>
+            <a:spLocks noGrp="1"/>
+          </p:cNvSpPr>
+          <p:nvPr>
+            <p:ph type="sldNum" sz="quarter" idx="12"/>
+          </p:nvPr>
+        </p:nvSpPr>
+        <p:spPr/>
+        <p:txBody>
+          <a:bodyPr/>
+          <a:lstStyle/>
+          <a:p>
+            <a:fld id="{8C2E478F-E849-4A8C-AF1F-CBCC78A7CBFA}" type="slidenum">
+              <a:rPr lang="en-US" smtClean="0"/>
+              <a:pPr/>
+              <a:t>2</a:t>
+            </a:fld>
+            <a:endParaRPr lang="en-US" dirty="0"/>
+          </a:p>
+        </p:txBody>
+      </p:sp>
+    </p:spTree>
+    <p:extLst>
+      <p:ext uri="{BB962C8B-B14F-4D97-AF65-F5344CB8AC3E}">
+        <p14:creationId xmlns:p14="http://schemas.microsoft.com/office/powerpoint/2010/main" val="1649098948"/>
+      </p:ext>
+    </p:extLst>
+  </p:cSld>
+  <p:clrMapOvr>
+    <a:masterClrMapping/>
+  </p:clrMapOvr>
+</p:sld>
+</file>
+
+<file path=ppt/slides/slide20.xml><?xml version="1.0" encoding="utf-8"?>
+<p:sld xmlns:a="http://schemas.openxmlformats.org/drawingml/2006/main" xmlns:r="http://schemas.openxmlformats.org/officeDocument/2006/relationships" xmlns:p="http://schemas.openxmlformats.org/presentationml/2006/main">
+  <p:cSld>
+    <p:spTree>
+      <p:nvGrpSpPr>
+        <p:cNvPr id="1" name=""/>
+        <p:cNvGrpSpPr/>
+        <p:nvPr/>
+      </p:nvGrpSpPr>
+      <p:grpSpPr>
+        <a:xfrm>
+          <a:off x="0" y="0"/>
+          <a:ext cx="0" cy="0"/>
+          <a:chOff x="0" y="0"/>
+          <a:chExt cx="0" cy="0"/>
+        </a:xfrm>
+      </p:grpSpPr>
+      <p:sp>
+        <p:nvSpPr>
+          <p:cNvPr id="2" name="Title 1">
+            <a:extLst>
+              <a:ext uri="{FF2B5EF4-FFF2-40B4-BE49-F238E27FC236}">
+                <a16:creationId xmlns:a16="http://schemas.microsoft.com/office/drawing/2014/main" id="{12CC3376-5069-4C7B-BE6B-A3776D1B47BA}"/>
+              </a:ext>
+            </a:extLst>
+          </p:cNvPr>
+          <p:cNvSpPr>
+            <a:spLocks noGrp="1"/>
+          </p:cNvSpPr>
+          <p:nvPr>
+            <p:ph type="title"/>
+          </p:nvPr>
+        </p:nvSpPr>
+        <p:spPr>
+          <a:xfrm>
+            <a:off x="6095999" y="35082"/>
+            <a:ext cx="5897218" cy="884238"/>
+          </a:xfrm>
+        </p:spPr>
+        <p:txBody>
+          <a:bodyPr/>
+          <a:lstStyle/>
+          <a:p>
+            <a:r>
+              <a:rPr lang="en-US" dirty="0"/>
+              <a:t>High Level Design</a:t>
+            </a:r>
+          </a:p>
+        </p:txBody>
+      </p:sp>
+      <p:pic>
+        <p:nvPicPr>
+          <p:cNvPr id="6" name="Picture Placeholder 5" descr="person staring at blueprints on a brick wall">
+            <a:extLst>
+              <a:ext uri="{FF2B5EF4-FFF2-40B4-BE49-F238E27FC236}">
+                <a16:creationId xmlns:a16="http://schemas.microsoft.com/office/drawing/2014/main" id="{C07C315A-7CD1-432C-92FA-6B62159B56CA}"/>
+              </a:ext>
+            </a:extLst>
+          </p:cNvPr>
+          <p:cNvPicPr>
+            <a:picLocks noGrp="1" noChangeAspect="1"/>
+          </p:cNvPicPr>
+          <p:nvPr>
+            <p:ph type="pic" sz="quarter" idx="14"/>
+          </p:nvPr>
+        </p:nvPicPr>
+        <p:blipFill rotWithShape="1">
+          <a:blip r:embed="rId3">
+            <a:extLst>
+              <a:ext uri="{BEBA8EAE-BF5A-486C-A8C5-ECC9F3942E4B}">
+                <a14:imgProps xmlns:a14="http://schemas.microsoft.com/office/drawing/2010/main">
+                  <a14:imgLayer r:embed="rId4">
+                    <a14:imgEffect>
+                      <a14:saturation sat="0"/>
+                    </a14:imgEffect>
+                  </a14:imgLayer>
+                </a14:imgProps>
+              </a:ext>
+            </a:extLst>
+          </a:blip>
+          <a:srcRect l="23552" t="1" r="23880" b="327"/>
+          <a:stretch/>
+        </p:blipFill>
+        <p:spPr>
+          <a:xfrm>
+            <a:off x="0" y="0"/>
+            <a:ext cx="5416550" cy="6858000"/>
+          </a:xfrm>
+        </p:spPr>
+      </p:pic>
+      <p:sp>
+        <p:nvSpPr>
+          <p:cNvPr id="14" name="Content Placeholder 13">
+            <a:extLst>
+              <a:ext uri="{FF2B5EF4-FFF2-40B4-BE49-F238E27FC236}">
+                <a16:creationId xmlns:a16="http://schemas.microsoft.com/office/drawing/2014/main" id="{79248A72-A597-48DF-A270-3389F5D209C0}"/>
+              </a:ext>
+            </a:extLst>
+          </p:cNvPr>
+          <p:cNvSpPr>
+            <a:spLocks noGrp="1"/>
+          </p:cNvSpPr>
+          <p:nvPr>
+            <p:ph idx="1"/>
+          </p:nvPr>
+        </p:nvSpPr>
+        <p:spPr>
+          <a:xfrm>
+            <a:off x="5734056" y="1061678"/>
+            <a:ext cx="6259161" cy="4668561"/>
+          </a:xfrm>
+        </p:spPr>
+        <p:txBody>
+          <a:bodyPr>
+            <a:normAutofit/>
+          </a:bodyPr>
+          <a:lstStyle/>
+          <a:p>
+            <a:pPr marL="0" marR="0" lvl="0" indent="0" algn="l" defTabSz="914400" rtl="0" eaLnBrk="1" fontAlgn="auto" latinLnBrk="0" hangingPunct="1">
+              <a:lnSpc>
+                <a:spcPct val="100000"/>
+              </a:lnSpc>
+              <a:spcBef>
+                <a:spcPts val="1000"/>
+              </a:spcBef>
+              <a:spcAft>
+                <a:spcPts val="0"/>
+              </a:spcAft>
+              <a:buClrTx/>
+              <a:buSzTx/>
+              <a:buFont typeface="Arial" panose="020B0604020202020204" pitchFamily="34" charset="0"/>
+              <a:buNone/>
+              <a:tabLst/>
+              <a:defRPr/>
+            </a:pPr>
+            <a:r>
+              <a:rPr kumimoji="0" lang="en-US" sz="2000" b="0" i="0" u="sng" strike="noStrike" kern="1200" cap="all" normalizeH="0" noProof="0" dirty="0">
+                <a:ln>
+                  <a:noFill/>
+                </a:ln>
+                <a:solidFill>
+                  <a:schemeClr val="tx1"/>
+                </a:solidFill>
+                <a:effectLst/>
+                <a:uLnTx/>
+                <a:uFillTx/>
+                <a:latin typeface="+mn-lt"/>
+                <a:ea typeface="+mn-ea"/>
+                <a:cs typeface="Biome Light" panose="020B0303030204020804" pitchFamily="34" charset="0"/>
+              </a:rPr>
+              <a:t>Class Diagram</a:t>
+            </a:r>
+          </a:p>
+          <a:p>
             <a:pPr marL="0" marR="0" lvl="0" indent="0" algn="l" defTabSz="914400" rtl="0" eaLnBrk="1" fontAlgn="auto" latinLnBrk="0" hangingPunct="1">
               <a:lnSpc>
                 <a:spcPct val="100000"/>
@@ -8967,6 +9924,39 @@
               <a:tabLst/>
               <a:defRPr/>
             </a:pPr>
+            <a:endParaRPr kumimoji="0" lang="en-US" sz="1600" b="0" i="0" u="none" strike="noStrike" kern="1200" cap="none" normalizeH="0" noProof="0" dirty="0">
+              <a:ln>
+                <a:noFill/>
+              </a:ln>
+              <a:solidFill>
+                <a:schemeClr val="tx1"/>
+              </a:solidFill>
+              <a:effectLst/>
+              <a:uLnTx/>
+              <a:uFillTx/>
+              <a:latin typeface="+mn-lt"/>
+              <a:ea typeface="+mn-ea"/>
+              <a:cs typeface="Biome Light" panose="020B0303030204020804" pitchFamily="34" charset="0"/>
+            </a:endParaRPr>
+          </a:p>
+          <a:p>
+            <a:pPr marL="0" marR="0" lvl="0" indent="0" algn="l" defTabSz="914400" rtl="0" eaLnBrk="1" fontAlgn="auto" latinLnBrk="0" hangingPunct="1">
+              <a:lnSpc>
+                <a:spcPct val="100000"/>
+              </a:lnSpc>
+              <a:spcBef>
+                <a:spcPts val="1000"/>
+              </a:spcBef>
+              <a:spcAft>
+                <a:spcPts val="0"/>
+              </a:spcAft>
+              <a:buClrTx/>
+              <a:buSzTx/>
+              <a:buFont typeface="Arial" panose="020B0604020202020204" pitchFamily="34" charset="0"/>
+              <a:buNone/>
+              <a:tabLst/>
+              <a:defRPr/>
+            </a:pPr>
             <a:endParaRPr lang="en-US" dirty="0">
               <a:cs typeface="Biome Light" panose="020B0303030204020804" pitchFamily="34" charset="0"/>
             </a:endParaRPr>
@@ -9094,7 +10084,7 @@
           <p:cNvPr id="16" name="Slide Number Placeholder 15">
             <a:extLst>
               <a:ext uri="{FF2B5EF4-FFF2-40B4-BE49-F238E27FC236}">
-                <a16:creationId xmlns:a16="http://schemas.microsoft.com/office/drawing/2014/main" xmlns="" id="{7FA57D11-A25F-4772-8E50-DDB68BE8CB69}"/>
+                <a16:creationId xmlns:a16="http://schemas.microsoft.com/office/drawing/2014/main" id="{7FA57D11-A25F-4772-8E50-DDB68BE8CB69}"/>
               </a:ext>
             </a:extLst>
           </p:cNvPr>
@@ -9113,7 +10103,7 @@
             <a:fld id="{8C2E478F-E849-4A8C-AF1F-CBCC78A7CBFA}" type="slidenum">
               <a:rPr lang="en-US" smtClean="0"/>
               <a:pPr/>
-              <a:t>18</a:t>
+              <a:t>20</a:t>
             </a:fld>
             <a:endParaRPr lang="en-US" dirty="0"/>
           </a:p>
@@ -9129,7 +10119,7 @@
           <a:blip r:embed="rId5">
             <a:extLst>
               <a:ext uri="{28A0092B-C50C-407E-A947-70E740481C1C}">
-                <a14:useLocalDpi xmlns:a14="http://schemas.microsoft.com/office/drawing/2010/main" xmlns="" val="0"/>
+                <a14:useLocalDpi xmlns:a14="http://schemas.microsoft.com/office/drawing/2010/main" val="0"/>
               </a:ext>
             </a:extLst>
           </a:blip>
@@ -9155,7 +10145,7 @@
     </p:spTree>
     <p:extLst>
       <p:ext uri="{BB962C8B-B14F-4D97-AF65-F5344CB8AC3E}">
-        <p14:creationId xmlns:p14="http://schemas.microsoft.com/office/powerpoint/2010/main" xmlns="" val="692636852"/>
+        <p14:creationId xmlns:p14="http://schemas.microsoft.com/office/powerpoint/2010/main" val="692636852"/>
       </p:ext>
     </p:extLst>
   </p:cSld>
@@ -9165,7 +10155,7 @@
 </p:sld>
 </file>
 
-<file path=ppt/slides/slide19.xml><?xml version="1.0" encoding="utf-8"?>
+<file path=ppt/slides/slide21.xml><?xml version="1.0" encoding="utf-8"?>
 <p:sld xmlns:a="http://schemas.openxmlformats.org/drawingml/2006/main" xmlns:r="http://schemas.openxmlformats.org/officeDocument/2006/relationships" xmlns:p="http://schemas.openxmlformats.org/presentationml/2006/main">
   <p:cSld>
     <p:spTree>
@@ -9187,7 +10177,7 @@
           <p:cNvPr id="2" name="Title 1">
             <a:extLst>
               <a:ext uri="{FF2B5EF4-FFF2-40B4-BE49-F238E27FC236}">
-                <a16:creationId xmlns:a16="http://schemas.microsoft.com/office/drawing/2014/main" xmlns="" id="{12CC3376-5069-4C7B-BE6B-A3776D1B47BA}"/>
+                <a16:creationId xmlns:a16="http://schemas.microsoft.com/office/drawing/2014/main" id="{12CC3376-5069-4C7B-BE6B-A3776D1B47BA}"/>
               </a:ext>
             </a:extLst>
           </p:cNvPr>
@@ -9220,7 +10210,7 @@
           <p:cNvPr id="6" name="Picture Placeholder 5" descr="person staring at blueprints on a brick wall">
             <a:extLst>
               <a:ext uri="{FF2B5EF4-FFF2-40B4-BE49-F238E27FC236}">
-                <a16:creationId xmlns:a16="http://schemas.microsoft.com/office/drawing/2014/main" xmlns="" id="{C07C315A-7CD1-432C-92FA-6B62159B56CA}"/>
+                <a16:creationId xmlns:a16="http://schemas.microsoft.com/office/drawing/2014/main" id="{C07C315A-7CD1-432C-92FA-6B62159B56CA}"/>
               </a:ext>
             </a:extLst>
           </p:cNvPr>
@@ -9235,7 +10225,7 @@
           <a:blip r:embed="rId3">
             <a:extLst>
               <a:ext uri="{BEBA8EAE-BF5A-486C-A8C5-ECC9F3942E4B}">
-                <a14:imgProps xmlns:a14="http://schemas.microsoft.com/office/drawing/2010/main" xmlns="">
+                <a14:imgProps xmlns:a14="http://schemas.microsoft.com/office/drawing/2010/main">
                   <a14:imgLayer r:embed="rId4">
                     <a14:imgEffect>
                       <a14:saturation sat="0"/>
@@ -9260,7 +10250,7 @@
           <p:cNvPr id="14" name="Content Placeholder 13">
             <a:extLst>
               <a:ext uri="{FF2B5EF4-FFF2-40B4-BE49-F238E27FC236}">
-                <a16:creationId xmlns:a16="http://schemas.microsoft.com/office/drawing/2014/main" xmlns="" id="{79248A72-A597-48DF-A270-3389F5D209C0}"/>
+                <a16:creationId xmlns:a16="http://schemas.microsoft.com/office/drawing/2014/main" id="{79248A72-A597-48DF-A270-3389F5D209C0}"/>
               </a:ext>
             </a:extLst>
           </p:cNvPr>
@@ -9301,12 +10291,12 @@
               <a:defRPr/>
             </a:pPr>
             <a:r>
-              <a:rPr lang="en-US" sz="2000" u="sng" dirty="0">
+              <a:rPr lang="en-US" sz="2000" u="sng" cap="all" dirty="0">
                 <a:cs typeface="Biome Light" panose="020B0303030204020804" pitchFamily="34" charset="0"/>
               </a:rPr>
               <a:t>Data Flow Diagram</a:t>
             </a:r>
-            <a:endParaRPr kumimoji="0" lang="en-US" sz="2000" b="0" i="0" u="sng" strike="noStrike" kern="1200" cap="none" normalizeH="0" noProof="0" dirty="0">
+            <a:endParaRPr kumimoji="0" lang="en-US" sz="2000" b="0" i="0" u="sng" strike="noStrike" kern="1200" cap="all" normalizeH="0" noProof="0" dirty="0">
               <a:ln>
                 <a:noFill/>
               </a:ln>
@@ -9367,7 +10357,7 @@
           <p:cNvPr id="16" name="Slide Number Placeholder 15">
             <a:extLst>
               <a:ext uri="{FF2B5EF4-FFF2-40B4-BE49-F238E27FC236}">
-                <a16:creationId xmlns:a16="http://schemas.microsoft.com/office/drawing/2014/main" xmlns="" id="{7FA57D11-A25F-4772-8E50-DDB68BE8CB69}"/>
+                <a16:creationId xmlns:a16="http://schemas.microsoft.com/office/drawing/2014/main" id="{7FA57D11-A25F-4772-8E50-DDB68BE8CB69}"/>
               </a:ext>
             </a:extLst>
           </p:cNvPr>
@@ -9386,7 +10376,7 @@
             <a:fld id="{8C2E478F-E849-4A8C-AF1F-CBCC78A7CBFA}" type="slidenum">
               <a:rPr lang="en-US" smtClean="0"/>
               <a:pPr/>
-              <a:t>19</a:t>
+              <a:t>21</a:t>
             </a:fld>
             <a:endParaRPr lang="en-US" dirty="0"/>
           </a:p>
@@ -9397,7 +10387,7 @@
           <p:cNvPr id="3" name="Picture 2" descr="Diagram&#10;&#10;Description automatically generated">
             <a:extLst>
               <a:ext uri="{FF2B5EF4-FFF2-40B4-BE49-F238E27FC236}">
-                <a16:creationId xmlns:a16="http://schemas.microsoft.com/office/drawing/2014/main" xmlns="" id="{A3E05FD5-E2AA-90FE-0FCD-E0F58E8BC633}"/>
+                <a16:creationId xmlns:a16="http://schemas.microsoft.com/office/drawing/2014/main" id="{A3E05FD5-E2AA-90FE-0FCD-E0F58E8BC633}"/>
               </a:ext>
             </a:extLst>
           </p:cNvPr>
@@ -9425,7 +10415,7 @@
     </p:spTree>
     <p:extLst>
       <p:ext uri="{BB962C8B-B14F-4D97-AF65-F5344CB8AC3E}">
-        <p14:creationId xmlns:p14="http://schemas.microsoft.com/office/powerpoint/2010/main" xmlns="" val="494086945"/>
+        <p14:creationId xmlns:p14="http://schemas.microsoft.com/office/powerpoint/2010/main" val="494086945"/>
       </p:ext>
     </p:extLst>
   </p:cSld>
@@ -9435,7 +10425,7 @@
 </p:sld>
 </file>
 
-<file path=ppt/slides/slide2.xml><?xml version="1.0" encoding="utf-8"?>
+<file path=ppt/slides/slide22.xml><?xml version="1.0" encoding="utf-8"?>
 <p:sld xmlns:a="http://schemas.openxmlformats.org/drawingml/2006/main" xmlns:r="http://schemas.openxmlformats.org/officeDocument/2006/relationships" xmlns:p="http://schemas.openxmlformats.org/presentationml/2006/main">
   <p:cSld>
     <p:spTree>
@@ -9454,10 +10444,10 @@
       </p:grpSpPr>
       <p:sp>
         <p:nvSpPr>
-          <p:cNvPr id="2" name="Title 1">
-            <a:extLst>
-              <a:ext uri="{FF2B5EF4-FFF2-40B4-BE49-F238E27FC236}">
-                <a16:creationId xmlns:a16="http://schemas.microsoft.com/office/drawing/2014/main" xmlns="" id="{BE3A87B3-0A27-4EE9-979E-B69581E476F0}"/>
+          <p:cNvPr id="3" name="Title 2">
+            <a:extLst>
+              <a:ext uri="{FF2B5EF4-FFF2-40B4-BE49-F238E27FC236}">
+                <a16:creationId xmlns:a16="http://schemas.microsoft.com/office/drawing/2014/main" id="{1D24B42B-925B-494C-A986-BD85E8117E1E}"/>
               </a:ext>
             </a:extLst>
           </p:cNvPr>
@@ -9470,27 +10460,29 @@
         </p:nvSpPr>
         <p:spPr>
           <a:xfrm>
-            <a:off x="6862588" y="24572"/>
-            <a:ext cx="4846320" cy="1210613"/>
+            <a:off x="6258991" y="151788"/>
+            <a:ext cx="5251450" cy="975869"/>
           </a:xfrm>
         </p:spPr>
         <p:txBody>
-          <a:bodyPr/>
+          <a:bodyPr>
+            <a:normAutofit/>
+          </a:bodyPr>
           <a:lstStyle/>
           <a:p>
             <a:r>
-              <a:rPr lang="en-US" dirty="0"/>
-              <a:t>Contents</a:t>
+              <a:rPr lang="en-US" sz="2800" dirty="0"/>
+              <a:t>Achievements and challenges</a:t>
             </a:r>
           </a:p>
         </p:txBody>
       </p:sp>
       <p:pic>
         <p:nvPicPr>
-          <p:cNvPr id="8" name="Picture Placeholder 7" descr="group of people at a conference table">
-            <a:extLst>
-              <a:ext uri="{FF2B5EF4-FFF2-40B4-BE49-F238E27FC236}">
-                <a16:creationId xmlns:a16="http://schemas.microsoft.com/office/drawing/2014/main" xmlns="" id="{BB76F5AB-0940-46E1-85F9-6A870D7D04C9}"/>
+          <p:cNvPr id="8" name="Picture Placeholder 7" descr="close up of computer code">
+            <a:extLst>
+              <a:ext uri="{FF2B5EF4-FFF2-40B4-BE49-F238E27FC236}">
+                <a16:creationId xmlns:a16="http://schemas.microsoft.com/office/drawing/2014/main" id="{A596BF19-CC58-4709-B5D6-3FC378FDC7BA}"/>
               </a:ext>
             </a:extLst>
           </p:cNvPr>
@@ -9505,7 +10497,7 @@
           <a:blip r:embed="rId2">
             <a:extLst>
               <a:ext uri="{BEBA8EAE-BF5A-486C-A8C5-ECC9F3942E4B}">
-                <a14:imgProps xmlns:a14="http://schemas.microsoft.com/office/drawing/2010/main" xmlns="">
+                <a14:imgProps xmlns:a14="http://schemas.microsoft.com/office/drawing/2010/main">
                   <a14:imgLayer r:embed="rId3">
                     <a14:imgEffect>
                       <a14:saturation sat="0"/>
@@ -9518,128 +10510,217 @@
           <a:srcRect l="20370" r="20370"/>
           <a:stretch/>
         </p:blipFill>
-        <p:spPr/>
-      </p:pic>
-      <p:sp>
-        <p:nvSpPr>
-          <p:cNvPr id="6" name="Text Placeholder 5">
-            <a:extLst>
-              <a:ext uri="{FF2B5EF4-FFF2-40B4-BE49-F238E27FC236}">
-                <a16:creationId xmlns:a16="http://schemas.microsoft.com/office/drawing/2014/main" xmlns="" id="{F3C89A40-EEAA-43AB-9A3A-B2CFDE450F1B}"/>
-              </a:ext>
-            </a:extLst>
-          </p:cNvPr>
-          <p:cNvSpPr>
-            <a:spLocks noGrp="1"/>
-          </p:cNvSpPr>
-          <p:nvPr>
-            <p:ph type="body" sz="quarter" idx="15"/>
-          </p:nvPr>
-        </p:nvSpPr>
         <p:spPr>
           <a:xfrm>
-            <a:off x="6862588" y="1387135"/>
-            <a:ext cx="4908655" cy="4552192"/>
+            <a:off x="0" y="-9922"/>
+            <a:ext cx="6096000" cy="6867922"/>
           </a:xfrm>
         </p:spPr>
+      </p:pic>
+      <p:sp>
+        <p:nvSpPr>
+          <p:cNvPr id="2" name="Text Placeholder 1">
+            <a:extLst>
+              <a:ext uri="{FF2B5EF4-FFF2-40B4-BE49-F238E27FC236}">
+                <a16:creationId xmlns:a16="http://schemas.microsoft.com/office/drawing/2014/main" id="{B156CAF1-214F-4566-9B0D-DACA1063E8C8}"/>
+              </a:ext>
+            </a:extLst>
+          </p:cNvPr>
+          <p:cNvSpPr>
+            <a:spLocks noGrp="1"/>
+          </p:cNvSpPr>
+          <p:nvPr>
+            <p:ph type="body" idx="1"/>
+          </p:nvPr>
+        </p:nvSpPr>
+        <p:spPr>
+          <a:xfrm>
+            <a:off x="5897218" y="1375873"/>
+            <a:ext cx="6095999" cy="5233911"/>
+          </a:xfrm>
+        </p:spPr>
         <p:txBody>
           <a:bodyPr/>
           <a:lstStyle/>
           <a:p>
-            <a:pPr marL="285750" indent="-285750">
+            <a:pPr algn="l"/>
+            <a:endParaRPr lang="en-US" sz="1600" u="sng" spc="0" dirty="0">
+              <a:cs typeface="Arial" panose="020B0604020202020204" pitchFamily="34" charset="0"/>
+            </a:endParaRPr>
+          </a:p>
+          <a:p>
+            <a:pPr algn="l"/>
+            <a:endParaRPr lang="en-US" sz="1600" u="sng" spc="0" dirty="0">
+              <a:cs typeface="Arial" panose="020B0604020202020204" pitchFamily="34" charset="0"/>
+            </a:endParaRPr>
+          </a:p>
+          <a:p>
+            <a:pPr algn="l"/>
+            <a:endParaRPr lang="en-US" sz="1600" u="sng" spc="0" dirty="0">
+              <a:cs typeface="Arial" panose="020B0604020202020204" pitchFamily="34" charset="0"/>
+            </a:endParaRPr>
+          </a:p>
+          <a:p>
+            <a:pPr algn="l"/>
+            <a:endParaRPr lang="en-US" sz="1600" u="sng" spc="0" dirty="0">
+              <a:cs typeface="Arial" panose="020B0604020202020204" pitchFamily="34" charset="0"/>
+            </a:endParaRPr>
+          </a:p>
+          <a:p>
+            <a:pPr algn="l"/>
+            <a:r>
+              <a:rPr lang="en-US" sz="1600" u="sng" spc="0" dirty="0">
+                <a:cs typeface="Arial" panose="020B0604020202020204" pitchFamily="34" charset="0"/>
+              </a:rPr>
+              <a:t>Achievements:</a:t>
+            </a:r>
+          </a:p>
+          <a:p>
+            <a:pPr marL="285750" indent="-285750" algn="l">
               <a:buFont typeface="Arial" panose="020B0604020202020204" pitchFamily="34" charset="0"/>
               <a:buChar char="•"/>
             </a:pPr>
             <a:r>
-              <a:rPr lang="en-US" spc="0" dirty="0"/>
-              <a:t>Team Introduction</a:t>
-            </a:r>
-          </a:p>
-          <a:p>
-            <a:pPr marL="285750" indent="-285750">
+              <a:rPr lang="en-US" cap="none" spc="0" dirty="0">
+                <a:cs typeface="Arial" panose="020B0604020202020204" pitchFamily="34" charset="0"/>
+              </a:rPr>
+              <a:t>Successfully hosted sprint meetings with all members present weekly and participating</a:t>
+            </a:r>
+          </a:p>
+          <a:p>
+            <a:pPr marL="285750" indent="-285750" algn="l">
               <a:buFont typeface="Arial" panose="020B0604020202020204" pitchFamily="34" charset="0"/>
               <a:buChar char="•"/>
             </a:pPr>
             <a:r>
-              <a:rPr lang="en-US" spc="0" dirty="0"/>
-              <a:t>Team Collaboration and Project Management</a:t>
-            </a:r>
-          </a:p>
-          <a:p>
-            <a:pPr marL="285750" indent="-285750">
+              <a:rPr lang="en-US" cap="none" spc="0" dirty="0">
+                <a:cs typeface="Arial" panose="020B0604020202020204" pitchFamily="34" charset="0"/>
+              </a:rPr>
+              <a:t>Individual team members feel more satisfied with their roles which gives them extra motivation to perform.</a:t>
+            </a:r>
+          </a:p>
+          <a:p>
+            <a:pPr marL="285750" indent="-285750" algn="l">
               <a:buFont typeface="Arial" panose="020B0604020202020204" pitchFamily="34" charset="0"/>
               <a:buChar char="•"/>
             </a:pPr>
             <a:r>
-              <a:rPr lang="en-US" spc="0" dirty="0"/>
-              <a:t>Project Overview and descriptions</a:t>
-            </a:r>
-          </a:p>
-          <a:p>
-            <a:pPr marL="285750" indent="-285750">
+              <a:rPr lang="en-US" cap="none" spc="0" dirty="0">
+                <a:cs typeface="Arial" panose="020B0604020202020204" pitchFamily="34" charset="0"/>
+              </a:rPr>
+              <a:t>Tasks are completed on time and in full.</a:t>
+            </a:r>
+          </a:p>
+          <a:p>
+            <a:pPr marL="285750" indent="-285750" algn="l">
               <a:buFont typeface="Arial" panose="020B0604020202020204" pitchFamily="34" charset="0"/>
               <a:buChar char="•"/>
             </a:pPr>
-            <a:r>
-              <a:rPr lang="en-US" spc="0" dirty="0"/>
-              <a:t>Project Features and User Stories</a:t>
-            </a:r>
-          </a:p>
-          <a:p>
-            <a:pPr marL="285750" indent="-285750">
+            <a:endParaRPr lang="en-US" spc="0" dirty="0">
+              <a:cs typeface="Arial" panose="020B0604020202020204" pitchFamily="34" charset="0"/>
+            </a:endParaRPr>
+          </a:p>
+          <a:p>
+            <a:pPr algn="l"/>
+            <a:endParaRPr lang="en-US" spc="0" dirty="0">
+              <a:cs typeface="Arial" panose="020B0604020202020204" pitchFamily="34" charset="0"/>
+            </a:endParaRPr>
+          </a:p>
+          <a:p>
+            <a:pPr algn="l"/>
+            <a:r>
+              <a:rPr lang="en-US" sz="1600" u="sng" spc="0" dirty="0">
+                <a:cs typeface="Arial" panose="020B0604020202020204" pitchFamily="34" charset="0"/>
+              </a:rPr>
+              <a:t>Challenges:</a:t>
+            </a:r>
+          </a:p>
+          <a:p>
+            <a:pPr marL="285750" indent="-285750" algn="l">
               <a:buFont typeface="Arial" panose="020B0604020202020204" pitchFamily="34" charset="0"/>
               <a:buChar char="•"/>
             </a:pPr>
             <a:r>
-              <a:rPr lang="en-US" spc="0" dirty="0"/>
-              <a:t>Requirements Specifications</a:t>
-            </a:r>
-          </a:p>
-          <a:p>
-            <a:pPr marL="285750" indent="-285750">
+              <a:rPr lang="en-US" cap="none" spc="0" dirty="0">
+                <a:cs typeface="Arial" panose="020B0604020202020204" pitchFamily="34" charset="0"/>
+              </a:rPr>
+              <a:t>Microsoft word formatting for SRS document.</a:t>
+            </a:r>
+          </a:p>
+          <a:p>
+            <a:pPr marL="285750" indent="-285750" algn="l">
               <a:buFont typeface="Arial" panose="020B0604020202020204" pitchFamily="34" charset="0"/>
               <a:buChar char="•"/>
             </a:pPr>
             <a:r>
-              <a:rPr lang="en-US" spc="0" dirty="0"/>
-              <a:t>High Level Design</a:t>
-            </a:r>
-          </a:p>
-          <a:p>
-            <a:pPr marL="285750" indent="-285750">
+              <a:rPr lang="en-US" cap="none" spc="0" dirty="0">
+                <a:cs typeface="Arial" panose="020B0604020202020204" pitchFamily="34" charset="0"/>
+              </a:rPr>
+              <a:t>Solving the compatibility issue by choosing a web-based application.</a:t>
+            </a:r>
+          </a:p>
+          <a:p>
+            <a:pPr marL="285750" indent="-285750" algn="l">
               <a:buFont typeface="Arial" panose="020B0604020202020204" pitchFamily="34" charset="0"/>
               <a:buChar char="•"/>
             </a:pPr>
             <a:r>
-              <a:rPr lang="en-US" spc="0" dirty="0"/>
-              <a:t>Achievements and Challenges</a:t>
-            </a:r>
-          </a:p>
-          <a:p>
-            <a:pPr marL="285750" indent="-285750">
+              <a:rPr lang="en-US" cap="none" spc="0" dirty="0">
+                <a:cs typeface="Arial" panose="020B0604020202020204" pitchFamily="34" charset="0"/>
+              </a:rPr>
+              <a:t>Choosing the priority of the requirements specification using the MOSCOW method. All requirements would be nice to have so it is difficult to consider a rating for each one.</a:t>
+            </a:r>
+          </a:p>
+          <a:p>
+            <a:pPr marL="285750" indent="-285750" algn="l">
               <a:buFont typeface="Arial" panose="020B0604020202020204" pitchFamily="34" charset="0"/>
               <a:buChar char="•"/>
             </a:pPr>
-            <a:r>
-              <a:rPr lang="en-US" spc="0" dirty="0"/>
-              <a:t>Future Development Plan and Q&amp;A</a:t>
-            </a:r>
-          </a:p>
-          <a:p>
-            <a:pPr marL="285750" indent="-285750">
+            <a:endParaRPr lang="en-US" spc="0" dirty="0">
+              <a:cs typeface="Arial" panose="020B0604020202020204" pitchFamily="34" charset="0"/>
+            </a:endParaRPr>
+          </a:p>
+          <a:p>
+            <a:pPr marL="285750" indent="-285750" algn="l">
               <a:buFont typeface="Arial" panose="020B0604020202020204" pitchFamily="34" charset="0"/>
               <a:buChar char="•"/>
             </a:pPr>
-            <a:endParaRPr lang="en-US" dirty="0"/>
-          </a:p>
-        </p:txBody>
-      </p:sp>
-      <p:sp>
-        <p:nvSpPr>
-          <p:cNvPr id="7" name="Slide Number Placeholder 6">
-            <a:extLst>
-              <a:ext uri="{FF2B5EF4-FFF2-40B4-BE49-F238E27FC236}">
-                <a16:creationId xmlns:a16="http://schemas.microsoft.com/office/drawing/2014/main" xmlns="" id="{F29F8048-1E86-48F4-B246-D2F8C54B7EB1}"/>
+            <a:endParaRPr lang="en-US" spc="0" dirty="0">
+              <a:cs typeface="Arial" panose="020B0604020202020204" pitchFamily="34" charset="0"/>
+            </a:endParaRPr>
+          </a:p>
+          <a:p>
+            <a:pPr marL="285750" indent="-285750" algn="l">
+              <a:buFont typeface="Arial" panose="020B0604020202020204" pitchFamily="34" charset="0"/>
+              <a:buChar char="•"/>
+            </a:pPr>
+            <a:endParaRPr lang="en-US" spc="0" dirty="0">
+              <a:cs typeface="Arial" panose="020B0604020202020204" pitchFamily="34" charset="0"/>
+            </a:endParaRPr>
+          </a:p>
+          <a:p>
+            <a:pPr algn="l"/>
+            <a:endParaRPr lang="en-US" spc="0" dirty="0">
+              <a:cs typeface="Arial" panose="020B0604020202020204" pitchFamily="34" charset="0"/>
+            </a:endParaRPr>
+          </a:p>
+          <a:p>
+            <a:pPr marL="285750" indent="-285750" algn="l">
+              <a:buFont typeface="Arial" panose="020B0604020202020204" pitchFamily="34" charset="0"/>
+              <a:buChar char="•"/>
+            </a:pPr>
+            <a:endParaRPr lang="en-US" spc="0" dirty="0">
+              <a:cs typeface="Arial" panose="020B0604020202020204" pitchFamily="34" charset="0"/>
+            </a:endParaRPr>
+          </a:p>
+        </p:txBody>
+      </p:sp>
+      <p:sp>
+        <p:nvSpPr>
+          <p:cNvPr id="6" name="Slide Number Placeholder 5">
+            <a:extLst>
+              <a:ext uri="{FF2B5EF4-FFF2-40B4-BE49-F238E27FC236}">
+                <a16:creationId xmlns:a16="http://schemas.microsoft.com/office/drawing/2014/main" id="{FC6A5C12-E784-444E-B868-DE2AE85742BB}"/>
               </a:ext>
             </a:extLst>
           </p:cNvPr>
@@ -9658,7 +10739,7 @@
             <a:fld id="{8C2E478F-E849-4A8C-AF1F-CBCC78A7CBFA}" type="slidenum">
               <a:rPr lang="en-US" smtClean="0"/>
               <a:pPr/>
-              <a:t>2</a:t>
+              <a:t>22</a:t>
             </a:fld>
             <a:endParaRPr lang="en-US" dirty="0"/>
           </a:p>
@@ -9667,7 +10748,7 @@
     </p:spTree>
     <p:extLst>
       <p:ext uri="{BB962C8B-B14F-4D97-AF65-F5344CB8AC3E}">
-        <p14:creationId xmlns:p14="http://schemas.microsoft.com/office/powerpoint/2010/main" xmlns="" val="1649098948"/>
+        <p14:creationId xmlns:p14="http://schemas.microsoft.com/office/powerpoint/2010/main" val="2918897839"/>
       </p:ext>
     </p:extLst>
   </p:cSld>
@@ -9677,7 +10758,7 @@
 </p:sld>
 </file>
 
-<file path=ppt/slides/slide20.xml><?xml version="1.0" encoding="utf-8"?>
+<file path=ppt/slides/slide23.xml><?xml version="1.0" encoding="utf-8"?>
 <p:sld xmlns:a="http://schemas.openxmlformats.org/drawingml/2006/main" xmlns:r="http://schemas.openxmlformats.org/officeDocument/2006/relationships" xmlns:p="http://schemas.openxmlformats.org/presentationml/2006/main">
   <p:cSld>
     <p:spTree>
@@ -9699,7 +10780,7 @@
           <p:cNvPr id="3" name="Title 2">
             <a:extLst>
               <a:ext uri="{FF2B5EF4-FFF2-40B4-BE49-F238E27FC236}">
-                <a16:creationId xmlns:a16="http://schemas.microsoft.com/office/drawing/2014/main" xmlns="" id="{1D24B42B-925B-494C-A986-BD85E8117E1E}"/>
+                <a16:creationId xmlns:a16="http://schemas.microsoft.com/office/drawing/2014/main" id="{1D24B42B-925B-494C-A986-BD85E8117E1E}"/>
               </a:ext>
             </a:extLst>
           </p:cNvPr>
@@ -9712,8 +10793,8 @@
         </p:nvSpPr>
         <p:spPr>
           <a:xfrm>
-            <a:off x="6258991" y="151788"/>
-            <a:ext cx="5251450" cy="975869"/>
+            <a:off x="6243087" y="58128"/>
+            <a:ext cx="5569486" cy="741763"/>
           </a:xfrm>
         </p:spPr>
         <p:txBody>
@@ -9724,7 +10805,7 @@
           <a:p>
             <a:r>
               <a:rPr lang="en-US" sz="2800" dirty="0"/>
-              <a:t>Achievements and challenges</a:t>
+              <a:t>Future Development Plan</a:t>
             </a:r>
           </a:p>
         </p:txBody>
@@ -9734,7 +10815,7 @@
           <p:cNvPr id="8" name="Picture Placeholder 7" descr="close up of computer code">
             <a:extLst>
               <a:ext uri="{FF2B5EF4-FFF2-40B4-BE49-F238E27FC236}">
-                <a16:creationId xmlns:a16="http://schemas.microsoft.com/office/drawing/2014/main" xmlns="" id="{A596BF19-CC58-4709-B5D6-3FC378FDC7BA}"/>
+                <a16:creationId xmlns:a16="http://schemas.microsoft.com/office/drawing/2014/main" id="{A596BF19-CC58-4709-B5D6-3FC378FDC7BA}"/>
               </a:ext>
             </a:extLst>
           </p:cNvPr>
@@ -9749,7 +10830,7 @@
           <a:blip r:embed="rId2">
             <a:extLst>
               <a:ext uri="{BEBA8EAE-BF5A-486C-A8C5-ECC9F3942E4B}">
-                <a14:imgProps xmlns:a14="http://schemas.microsoft.com/office/drawing/2010/main" xmlns="">
+                <a14:imgProps xmlns:a14="http://schemas.microsoft.com/office/drawing/2010/main">
                   <a14:imgLayer r:embed="rId3">
                     <a14:imgEffect>
                       <a14:saturation sat="0"/>
@@ -9774,7 +10855,7 @@
           <p:cNvPr id="2" name="Text Placeholder 1">
             <a:extLst>
               <a:ext uri="{FF2B5EF4-FFF2-40B4-BE49-F238E27FC236}">
-                <a16:creationId xmlns:a16="http://schemas.microsoft.com/office/drawing/2014/main" xmlns="" id="{B156CAF1-214F-4566-9B0D-DACA1063E8C8}"/>
+                <a16:creationId xmlns:a16="http://schemas.microsoft.com/office/drawing/2014/main" id="{B156CAF1-214F-4566-9B0D-DACA1063E8C8}"/>
               </a:ext>
             </a:extLst>
           </p:cNvPr>
@@ -9787,123 +10868,66 @@
         </p:nvSpPr>
         <p:spPr>
           <a:xfrm>
-            <a:off x="5897218" y="1375873"/>
-            <a:ext cx="6095999" cy="5233911"/>
+            <a:off x="5897218" y="956345"/>
+            <a:ext cx="6095999" cy="5578679"/>
           </a:xfrm>
         </p:spPr>
         <p:txBody>
           <a:bodyPr/>
           <a:lstStyle/>
-          <a:p>
-            <a:pPr algn="l"/>
-            <a:endParaRPr lang="en-US" sz="1600" u="sng" spc="0" dirty="0">
-              <a:cs typeface="Arial" panose="020B0604020202020204" pitchFamily="34" charset="0"/>
-            </a:endParaRPr>
-          </a:p>
-          <a:p>
-            <a:pPr algn="l"/>
-            <a:endParaRPr lang="en-US" sz="1600" u="sng" spc="0" dirty="0">
-              <a:cs typeface="Arial" panose="020B0604020202020204" pitchFamily="34" charset="0"/>
-            </a:endParaRPr>
-          </a:p>
-          <a:p>
-            <a:pPr algn="l"/>
-            <a:endParaRPr lang="en-US" sz="1600" u="sng" spc="0" dirty="0">
-              <a:cs typeface="Arial" panose="020B0604020202020204" pitchFamily="34" charset="0"/>
-            </a:endParaRPr>
-          </a:p>
-          <a:p>
-            <a:pPr algn="l"/>
-            <a:r>
-              <a:rPr lang="en-US" sz="1600" u="sng" spc="0" dirty="0">
-                <a:cs typeface="Arial" panose="020B0604020202020204" pitchFamily="34" charset="0"/>
-              </a:rPr>
-              <a:t>Achievements:</a:t>
-            </a:r>
-          </a:p>
           <a:p>
             <a:pPr marL="285750" indent="-285750" algn="l">
               <a:buFont typeface="Arial" panose="020B0604020202020204" pitchFamily="34" charset="0"/>
               <a:buChar char="•"/>
             </a:pPr>
-            <a:r>
-              <a:rPr lang="en-US" cap="none" spc="0" dirty="0">
-                <a:cs typeface="Arial" panose="020B0604020202020204" pitchFamily="34" charset="0"/>
-              </a:rPr>
-              <a:t>Successfully hosted sprint meetings with all members present weekly and participating</a:t>
-            </a:r>
+            <a:endParaRPr lang="en-US" sz="1600" cap="none" spc="0" dirty="0">
+              <a:cs typeface="Arial" panose="020B0604020202020204" pitchFamily="34" charset="0"/>
+            </a:endParaRPr>
           </a:p>
           <a:p>
             <a:pPr marL="285750" indent="-285750" algn="l">
               <a:buFont typeface="Arial" panose="020B0604020202020204" pitchFamily="34" charset="0"/>
               <a:buChar char="•"/>
             </a:pPr>
-            <a:r>
-              <a:rPr lang="en-US" cap="none" spc="0" dirty="0">
-                <a:cs typeface="Arial" panose="020B0604020202020204" pitchFamily="34" charset="0"/>
-              </a:rPr>
-              <a:t>Individual team members feel more satisfied with their roles which gives them extra motivation to perform.</a:t>
-            </a:r>
+            <a:endParaRPr lang="en-US" sz="1600" cap="none" spc="0" dirty="0">
+              <a:cs typeface="Arial" panose="020B0604020202020204" pitchFamily="34" charset="0"/>
+            </a:endParaRPr>
           </a:p>
           <a:p>
             <a:pPr marL="285750" indent="-285750" algn="l">
               <a:buFont typeface="Arial" panose="020B0604020202020204" pitchFamily="34" charset="0"/>
               <a:buChar char="•"/>
             </a:pPr>
-            <a:r>
-              <a:rPr lang="en-US" cap="none" spc="0" dirty="0">
-                <a:cs typeface="Arial" panose="020B0604020202020204" pitchFamily="34" charset="0"/>
-              </a:rPr>
-              <a:t>Tasks are completed on time and in full.</a:t>
-            </a:r>
+            <a:endParaRPr lang="en-US" sz="1600" cap="none" spc="0" dirty="0">
+              <a:cs typeface="Arial" panose="020B0604020202020204" pitchFamily="34" charset="0"/>
+            </a:endParaRPr>
           </a:p>
           <a:p>
             <a:pPr marL="285750" indent="-285750" algn="l">
               <a:buFont typeface="Arial" panose="020B0604020202020204" pitchFamily="34" charset="0"/>
               <a:buChar char="•"/>
             </a:pPr>
-            <a:endParaRPr lang="en-US" spc="0" dirty="0">
+            <a:endParaRPr lang="en-US" sz="1600" cap="none" spc="0" dirty="0">
               <a:cs typeface="Arial" panose="020B0604020202020204" pitchFamily="34" charset="0"/>
             </a:endParaRPr>
-          </a:p>
-          <a:p>
-            <a:pPr algn="l"/>
-            <a:endParaRPr lang="en-US" spc="0" dirty="0">
-              <a:cs typeface="Arial" panose="020B0604020202020204" pitchFamily="34" charset="0"/>
-            </a:endParaRPr>
-          </a:p>
-          <a:p>
-            <a:pPr algn="l"/>
-            <a:r>
-              <a:rPr lang="en-US" sz="1600" u="sng" spc="0" dirty="0">
-                <a:cs typeface="Arial" panose="020B0604020202020204" pitchFamily="34" charset="0"/>
-              </a:rPr>
-              <a:t>Challenges:</a:t>
-            </a:r>
           </a:p>
           <a:p>
             <a:pPr marL="285750" indent="-285750" algn="l">
               <a:buFont typeface="Arial" panose="020B0604020202020204" pitchFamily="34" charset="0"/>
               <a:buChar char="•"/>
             </a:pPr>
-            <a:r>
-              <a:rPr lang="en-US" cap="none" spc="0" dirty="0">
-                <a:cs typeface="Arial" panose="020B0604020202020204" pitchFamily="34" charset="0"/>
-              </a:rPr>
-              <a:t>Microsoft word formatting for SRS document.</a:t>
-            </a:r>
+            <a:endParaRPr lang="en-US" sz="1600" cap="none" spc="0" dirty="0">
+              <a:cs typeface="Arial" panose="020B0604020202020204" pitchFamily="34" charset="0"/>
+            </a:endParaRPr>
           </a:p>
           <a:p>
             <a:pPr marL="285750" indent="-285750" algn="l">
               <a:buFont typeface="Arial" panose="020B0604020202020204" pitchFamily="34" charset="0"/>
               <a:buChar char="•"/>
             </a:pPr>
-            <a:r>
-              <a:rPr lang="en-US" cap="none" spc="0" dirty="0">
-                <a:cs typeface="Arial" panose="020B0604020202020204" pitchFamily="34" charset="0"/>
-              </a:rPr>
-              <a:t>Solving the compatibility issue by choosing a web-based application.</a:t>
-            </a:r>
+            <a:endParaRPr lang="en-US" sz="1600" cap="none" spc="0" dirty="0">
+              <a:cs typeface="Arial" panose="020B0604020202020204" pitchFamily="34" charset="0"/>
+            </a:endParaRPr>
           </a:p>
           <a:p>
             <a:pPr marL="285750" indent="-285750" algn="l">
@@ -9911,10 +10935,10 @@
               <a:buChar char="•"/>
             </a:pPr>
             <a:r>
-              <a:rPr lang="en-US" cap="none" spc="0" dirty="0">
+              <a:rPr lang="en-US" sz="1600" cap="none" spc="0" dirty="0">
                 <a:cs typeface="Arial" panose="020B0604020202020204" pitchFamily="34" charset="0"/>
               </a:rPr>
-              <a:t>Choosing the priority of the requirements specification using the MOSCOW method. All requirements would be nice to have so it is difficult to consider a rating for each one.</a:t>
+              <a:t>Create a Mobile application version to give restaurant owners the option to use either a web application or mobile application based on their needs. </a:t>
             </a:r>
           </a:p>
           <a:p>
@@ -9922,43 +10946,130 @@
               <a:buFont typeface="Arial" panose="020B0604020202020204" pitchFamily="34" charset="0"/>
               <a:buChar char="•"/>
             </a:pPr>
-            <a:endParaRPr lang="en-US" spc="0" dirty="0">
-              <a:cs typeface="Arial" panose="020B0604020202020204" pitchFamily="34" charset="0"/>
-            </a:endParaRPr>
+            <a:r>
+              <a:rPr lang="en-US" sz="1600" cap="none" spc="0" dirty="0">
+                <a:cs typeface="Arial" panose="020B0604020202020204" pitchFamily="34" charset="0"/>
+              </a:rPr>
+              <a:t>Add online reservation for customers .</a:t>
+            </a:r>
           </a:p>
           <a:p>
             <a:pPr marL="285750" indent="-285750" algn="l">
               <a:buFont typeface="Arial" panose="020B0604020202020204" pitchFamily="34" charset="0"/>
               <a:buChar char="•"/>
             </a:pPr>
-            <a:endParaRPr lang="en-US" spc="0" dirty="0">
-              <a:cs typeface="Arial" panose="020B0604020202020204" pitchFamily="34" charset="0"/>
-            </a:endParaRPr>
+            <a:r>
+              <a:rPr lang="en-US" sz="1600" cap="none" spc="0" dirty="0">
+                <a:cs typeface="Arial" panose="020B0604020202020204" pitchFamily="34" charset="0"/>
+              </a:rPr>
+              <a:t>Implement 2FA for user logins.</a:t>
+            </a:r>
           </a:p>
           <a:p>
             <a:pPr marL="285750" indent="-285750" algn="l">
               <a:buFont typeface="Arial" panose="020B0604020202020204" pitchFamily="34" charset="0"/>
               <a:buChar char="•"/>
             </a:pPr>
-            <a:endParaRPr lang="en-US" spc="0" dirty="0">
-              <a:cs typeface="Arial" panose="020B0604020202020204" pitchFamily="34" charset="0"/>
-            </a:endParaRPr>
-          </a:p>
-          <a:p>
-            <a:pPr algn="l"/>
-            <a:endParaRPr lang="en-US" spc="0" dirty="0">
-              <a:cs typeface="Arial" panose="020B0604020202020204" pitchFamily="34" charset="0"/>
-            </a:endParaRPr>
+            <a:r>
+              <a:rPr lang="en-US" sz="1600" cap="none" spc="0" dirty="0">
+                <a:cs typeface="Arial" panose="020B0604020202020204" pitchFamily="34" charset="0"/>
+              </a:rPr>
+              <a:t>Create another UI that is accessible by managers that allows them to change the restaurant’s table layout and modify the server’s menu selection buttons on their own without the need to contact the developer for an update to the predefined interface.</a:t>
+            </a:r>
           </a:p>
           <a:p>
             <a:pPr marL="285750" indent="-285750" algn="l">
               <a:buFont typeface="Arial" panose="020B0604020202020204" pitchFamily="34" charset="0"/>
               <a:buChar char="•"/>
             </a:pPr>
-            <a:endParaRPr lang="en-US" spc="0" dirty="0">
+            <a:r>
+              <a:rPr lang="en-US" sz="1600" cap="none" spc="0" dirty="0">
+                <a:cs typeface="Arial" panose="020B0604020202020204" pitchFamily="34" charset="0"/>
+              </a:rPr>
+              <a:t>Add another UI for take-out orders as described below.</a:t>
+            </a:r>
+          </a:p>
+          <a:p>
+            <a:pPr marL="742950" lvl="1" indent="-285750">
+              <a:buFont typeface="Arial" panose="020B0604020202020204" pitchFamily="34" charset="0"/>
+              <a:buChar char="•"/>
+            </a:pPr>
+            <a:r>
+              <a:rPr lang="en-US" sz="1600" cap="none" spc="0" dirty="0">
+                <a:solidFill>
+                  <a:schemeClr val="bg1"/>
+                </a:solidFill>
+                <a:cs typeface="Arial" panose="020B0604020202020204" pitchFamily="34" charset="0"/>
+              </a:rPr>
+              <a:t>Allow for take-out orders to be processed. These can come from an individual on the restaurant’s website or from services such as Uber Eats, </a:t>
+            </a:r>
+            <a:r>
+              <a:rPr lang="en-US" sz="1600" cap="none" spc="0" dirty="0" err="1">
+                <a:solidFill>
+                  <a:schemeClr val="bg1"/>
+                </a:solidFill>
+                <a:cs typeface="Arial" panose="020B0604020202020204" pitchFamily="34" charset="0"/>
+              </a:rPr>
+              <a:t>GrubHub</a:t>
+            </a:r>
+            <a:r>
+              <a:rPr lang="en-US" sz="1600" cap="none" spc="0" dirty="0">
+                <a:solidFill>
+                  <a:schemeClr val="bg1"/>
+                </a:solidFill>
+                <a:cs typeface="Arial" panose="020B0604020202020204" pitchFamily="34" charset="0"/>
+              </a:rPr>
+              <a:t>, etc.  </a:t>
+            </a:r>
+          </a:p>
+          <a:p>
+            <a:pPr lvl="1"/>
+            <a:endParaRPr lang="en-US" sz="1200" cap="none" spc="0" dirty="0">
+              <a:solidFill>
+                <a:schemeClr val="bg1"/>
+              </a:solidFill>
               <a:cs typeface="Arial" panose="020B0604020202020204" pitchFamily="34" charset="0"/>
             </a:endParaRPr>
           </a:p>
+          <a:p>
+            <a:pPr algn="l"/>
+            <a:endParaRPr lang="en-US" sz="1600" spc="0" dirty="0">
+              <a:cs typeface="Arial" panose="020B0604020202020204" pitchFamily="34" charset="0"/>
+            </a:endParaRPr>
+          </a:p>
+          <a:p>
+            <a:pPr marL="285750" indent="-285750" algn="l">
+              <a:buFont typeface="Arial" panose="020B0604020202020204" pitchFamily="34" charset="0"/>
+              <a:buChar char="•"/>
+            </a:pPr>
+            <a:endParaRPr lang="en-US" sz="1600" spc="0" dirty="0">
+              <a:cs typeface="Arial" panose="020B0604020202020204" pitchFamily="34" charset="0"/>
+            </a:endParaRPr>
+          </a:p>
+          <a:p>
+            <a:pPr marL="285750" indent="-285750" algn="l">
+              <a:buFont typeface="Arial" panose="020B0604020202020204" pitchFamily="34" charset="0"/>
+              <a:buChar char="•"/>
+            </a:pPr>
+            <a:endParaRPr lang="en-US" sz="1600" spc="0" dirty="0">
+              <a:cs typeface="Arial" panose="020B0604020202020204" pitchFamily="34" charset="0"/>
+            </a:endParaRPr>
+          </a:p>
+          <a:p>
+            <a:pPr algn="l"/>
+            <a:endParaRPr lang="en-US" sz="1600" spc="0" dirty="0">
+              <a:cs typeface="Arial" panose="020B0604020202020204" pitchFamily="34" charset="0"/>
+            </a:endParaRPr>
+          </a:p>
+          <a:p>
+            <a:pPr marL="285750" indent="-285750" algn="l">
+              <a:buFont typeface="Arial" panose="020B0604020202020204" pitchFamily="34" charset="0"/>
+              <a:buChar char="•"/>
+            </a:pPr>
+            <a:endParaRPr lang="en-US" sz="1600" spc="0" dirty="0">
+              <a:cs typeface="Arial" panose="020B0604020202020204" pitchFamily="34" charset="0"/>
+            </a:endParaRPr>
+          </a:p>
         </p:txBody>
       </p:sp>
       <p:sp>
@@ -9966,7 +11077,7 @@
           <p:cNvPr id="6" name="Slide Number Placeholder 5">
             <a:extLst>
               <a:ext uri="{FF2B5EF4-FFF2-40B4-BE49-F238E27FC236}">
-                <a16:creationId xmlns:a16="http://schemas.microsoft.com/office/drawing/2014/main" xmlns="" id="{FC6A5C12-E784-444E-B868-DE2AE85742BB}"/>
+                <a16:creationId xmlns:a16="http://schemas.microsoft.com/office/drawing/2014/main" id="{FC6A5C12-E784-444E-B868-DE2AE85742BB}"/>
               </a:ext>
             </a:extLst>
           </p:cNvPr>
@@ -9985,7 +11096,7 @@
             <a:fld id="{8C2E478F-E849-4A8C-AF1F-CBCC78A7CBFA}" type="slidenum">
               <a:rPr lang="en-US" smtClean="0"/>
               <a:pPr/>
-              <a:t>20</a:t>
+              <a:t>23</a:t>
             </a:fld>
             <a:endParaRPr lang="en-US" dirty="0"/>
           </a:p>
@@ -9994,7 +11105,7 @@
     </p:spTree>
     <p:extLst>
       <p:ext uri="{BB962C8B-B14F-4D97-AF65-F5344CB8AC3E}">
-        <p14:creationId xmlns:p14="http://schemas.microsoft.com/office/powerpoint/2010/main" xmlns="" val="2918897839"/>
+        <p14:creationId xmlns:p14="http://schemas.microsoft.com/office/powerpoint/2010/main" val="3853358220"/>
       </p:ext>
     </p:extLst>
   </p:cSld>
@@ -10004,346 +11115,7 @@
 </p:sld>
 </file>
 
-<file path=ppt/slides/slide21.xml><?xml version="1.0" encoding="utf-8"?>
-<p:sld xmlns:a="http://schemas.openxmlformats.org/drawingml/2006/main" xmlns:r="http://schemas.openxmlformats.org/officeDocument/2006/relationships" xmlns:p="http://schemas.openxmlformats.org/presentationml/2006/main">
-  <p:cSld>
-    <p:spTree>
-      <p:nvGrpSpPr>
-        <p:cNvPr id="1" name=""/>
-        <p:cNvGrpSpPr/>
-        <p:nvPr/>
-      </p:nvGrpSpPr>
-      <p:grpSpPr>
-        <a:xfrm>
-          <a:off x="0" y="0"/>
-          <a:ext cx="0" cy="0"/>
-          <a:chOff x="0" y="0"/>
-          <a:chExt cx="0" cy="0"/>
-        </a:xfrm>
-      </p:grpSpPr>
-      <p:sp>
-        <p:nvSpPr>
-          <p:cNvPr id="3" name="Title 2">
-            <a:extLst>
-              <a:ext uri="{FF2B5EF4-FFF2-40B4-BE49-F238E27FC236}">
-                <a16:creationId xmlns:a16="http://schemas.microsoft.com/office/drawing/2014/main" xmlns="" id="{1D24B42B-925B-494C-A986-BD85E8117E1E}"/>
-              </a:ext>
-            </a:extLst>
-          </p:cNvPr>
-          <p:cNvSpPr>
-            <a:spLocks noGrp="1"/>
-          </p:cNvSpPr>
-          <p:nvPr>
-            <p:ph type="title"/>
-          </p:nvPr>
-        </p:nvSpPr>
-        <p:spPr>
-          <a:xfrm>
-            <a:off x="6243087" y="58128"/>
-            <a:ext cx="5569486" cy="741763"/>
-          </a:xfrm>
-        </p:spPr>
-        <p:txBody>
-          <a:bodyPr>
-            <a:normAutofit/>
-          </a:bodyPr>
-          <a:lstStyle/>
-          <a:p>
-            <a:r>
-              <a:rPr lang="en-US" sz="2800" dirty="0"/>
-              <a:t>Future Development Plan</a:t>
-            </a:r>
-          </a:p>
-        </p:txBody>
-      </p:sp>
-      <p:pic>
-        <p:nvPicPr>
-          <p:cNvPr id="8" name="Picture Placeholder 7" descr="close up of computer code">
-            <a:extLst>
-              <a:ext uri="{FF2B5EF4-FFF2-40B4-BE49-F238E27FC236}">
-                <a16:creationId xmlns:a16="http://schemas.microsoft.com/office/drawing/2014/main" xmlns="" id="{A596BF19-CC58-4709-B5D6-3FC378FDC7BA}"/>
-              </a:ext>
-            </a:extLst>
-          </p:cNvPr>
-          <p:cNvPicPr>
-            <a:picLocks noGrp="1" noChangeAspect="1"/>
-          </p:cNvPicPr>
-          <p:nvPr>
-            <p:ph type="pic" sz="quarter" idx="13"/>
-          </p:nvPr>
-        </p:nvPicPr>
-        <p:blipFill rotWithShape="1">
-          <a:blip r:embed="rId2">
-            <a:extLst>
-              <a:ext uri="{BEBA8EAE-BF5A-486C-A8C5-ECC9F3942E4B}">
-                <a14:imgProps xmlns:a14="http://schemas.microsoft.com/office/drawing/2010/main" xmlns="">
-                  <a14:imgLayer r:embed="rId3">
-                    <a14:imgEffect>
-                      <a14:saturation sat="0"/>
-                    </a14:imgEffect>
-                  </a14:imgLayer>
-                </a14:imgProps>
-              </a:ext>
-            </a:extLst>
-          </a:blip>
-          <a:srcRect l="20370" r="20370"/>
-          <a:stretch/>
-        </p:blipFill>
-        <p:spPr>
-          <a:xfrm>
-            <a:off x="0" y="-9922"/>
-            <a:ext cx="6096000" cy="6867922"/>
-          </a:xfrm>
-        </p:spPr>
-      </p:pic>
-      <p:sp>
-        <p:nvSpPr>
-          <p:cNvPr id="2" name="Text Placeholder 1">
-            <a:extLst>
-              <a:ext uri="{FF2B5EF4-FFF2-40B4-BE49-F238E27FC236}">
-                <a16:creationId xmlns:a16="http://schemas.microsoft.com/office/drawing/2014/main" xmlns="" id="{B156CAF1-214F-4566-9B0D-DACA1063E8C8}"/>
-              </a:ext>
-            </a:extLst>
-          </p:cNvPr>
-          <p:cNvSpPr>
-            <a:spLocks noGrp="1"/>
-          </p:cNvSpPr>
-          <p:nvPr>
-            <p:ph type="body" idx="1"/>
-          </p:nvPr>
-        </p:nvSpPr>
-        <p:spPr>
-          <a:xfrm>
-            <a:off x="5897218" y="956345"/>
-            <a:ext cx="6095999" cy="5578679"/>
-          </a:xfrm>
-        </p:spPr>
-        <p:txBody>
-          <a:bodyPr/>
-          <a:lstStyle/>
-          <a:p>
-            <a:pPr marL="285750" indent="-285750" algn="l">
-              <a:buFont typeface="Arial" panose="020B0604020202020204" pitchFamily="34" charset="0"/>
-              <a:buChar char="•"/>
-            </a:pPr>
-            <a:endParaRPr lang="en-US" sz="1600" cap="none" spc="0" dirty="0">
-              <a:cs typeface="Arial" panose="020B0604020202020204" pitchFamily="34" charset="0"/>
-            </a:endParaRPr>
-          </a:p>
-          <a:p>
-            <a:pPr marL="285750" indent="-285750" algn="l">
-              <a:buFont typeface="Arial" panose="020B0604020202020204" pitchFamily="34" charset="0"/>
-              <a:buChar char="•"/>
-            </a:pPr>
-            <a:endParaRPr lang="en-US" sz="1600" cap="none" spc="0" dirty="0">
-              <a:cs typeface="Arial" panose="020B0604020202020204" pitchFamily="34" charset="0"/>
-            </a:endParaRPr>
-          </a:p>
-          <a:p>
-            <a:pPr marL="285750" indent="-285750" algn="l">
-              <a:buFont typeface="Arial" panose="020B0604020202020204" pitchFamily="34" charset="0"/>
-              <a:buChar char="•"/>
-            </a:pPr>
-            <a:endParaRPr lang="en-US" sz="1600" cap="none" spc="0" dirty="0">
-              <a:cs typeface="Arial" panose="020B0604020202020204" pitchFamily="34" charset="0"/>
-            </a:endParaRPr>
-          </a:p>
-          <a:p>
-            <a:pPr marL="285750" indent="-285750" algn="l">
-              <a:buFont typeface="Arial" panose="020B0604020202020204" pitchFamily="34" charset="0"/>
-              <a:buChar char="•"/>
-            </a:pPr>
-            <a:endParaRPr lang="en-US" sz="1600" cap="none" spc="0" dirty="0">
-              <a:cs typeface="Arial" panose="020B0604020202020204" pitchFamily="34" charset="0"/>
-            </a:endParaRPr>
-          </a:p>
-          <a:p>
-            <a:pPr marL="285750" indent="-285750" algn="l">
-              <a:buFont typeface="Arial" panose="020B0604020202020204" pitchFamily="34" charset="0"/>
-              <a:buChar char="•"/>
-            </a:pPr>
-            <a:r>
-              <a:rPr lang="en-US" sz="1600" cap="none" spc="0" dirty="0">
-                <a:cs typeface="Arial" panose="020B0604020202020204" pitchFamily="34" charset="0"/>
-              </a:rPr>
-              <a:t>Create a Mobile application version to give restaurant owners the option to use either a web application or mobile application based on their needs. </a:t>
-            </a:r>
-          </a:p>
-          <a:p>
-            <a:pPr marL="285750" indent="-285750" algn="l">
-              <a:buFont typeface="Arial" panose="020B0604020202020204" pitchFamily="34" charset="0"/>
-              <a:buChar char="•"/>
-            </a:pPr>
-            <a:r>
-              <a:rPr lang="en-US" sz="1600" cap="none" spc="0" dirty="0">
-                <a:cs typeface="Arial" panose="020B0604020202020204" pitchFamily="34" charset="0"/>
-              </a:rPr>
-              <a:t>Add online reservation for customers .</a:t>
-            </a:r>
-          </a:p>
-          <a:p>
-            <a:pPr marL="285750" indent="-285750" algn="l">
-              <a:buFont typeface="Arial" panose="020B0604020202020204" pitchFamily="34" charset="0"/>
-              <a:buChar char="•"/>
-            </a:pPr>
-            <a:r>
-              <a:rPr lang="en-US" sz="1600" cap="none" spc="0" dirty="0">
-                <a:cs typeface="Arial" panose="020B0604020202020204" pitchFamily="34" charset="0"/>
-              </a:rPr>
-              <a:t>Implement 2FA for user logins.</a:t>
-            </a:r>
-          </a:p>
-          <a:p>
-            <a:pPr marL="285750" indent="-285750" algn="l">
-              <a:buFont typeface="Arial" panose="020B0604020202020204" pitchFamily="34" charset="0"/>
-              <a:buChar char="•"/>
-            </a:pPr>
-            <a:r>
-              <a:rPr lang="en-US" sz="1600" cap="none" spc="0" dirty="0">
-                <a:cs typeface="Arial" panose="020B0604020202020204" pitchFamily="34" charset="0"/>
-              </a:rPr>
-              <a:t>Create another UI that is accessible by managers that allows them to change the restaurant’s table layout and modify the server’s menu selection buttons on their own without the need to contact the developer for an update to the predefined interface.</a:t>
-            </a:r>
-          </a:p>
-          <a:p>
-            <a:pPr marL="285750" indent="-285750" algn="l">
-              <a:buFont typeface="Arial" panose="020B0604020202020204" pitchFamily="34" charset="0"/>
-              <a:buChar char="•"/>
-            </a:pPr>
-            <a:r>
-              <a:rPr lang="en-US" sz="1600" cap="none" spc="0" dirty="0">
-                <a:cs typeface="Arial" panose="020B0604020202020204" pitchFamily="34" charset="0"/>
-              </a:rPr>
-              <a:t>Add another UI for take-out orders as described below.</a:t>
-            </a:r>
-          </a:p>
-          <a:p>
-            <a:pPr marL="742950" lvl="1" indent="-285750">
-              <a:buFont typeface="Arial" panose="020B0604020202020204" pitchFamily="34" charset="0"/>
-              <a:buChar char="•"/>
-            </a:pPr>
-            <a:r>
-              <a:rPr lang="en-US" sz="1200" cap="none" spc="0" dirty="0">
-                <a:solidFill>
-                  <a:schemeClr val="bg1"/>
-                </a:solidFill>
-                <a:cs typeface="Arial" panose="020B0604020202020204" pitchFamily="34" charset="0"/>
-              </a:rPr>
-              <a:t>Allow for take-out orders to be processed. These can come from an individual on the restaurant’s website or from services such as Uber Eats, </a:t>
-            </a:r>
-            <a:r>
-              <a:rPr lang="en-US" sz="1200" cap="none" spc="0" dirty="0" err="1">
-                <a:solidFill>
-                  <a:schemeClr val="bg1"/>
-                </a:solidFill>
-                <a:cs typeface="Arial" panose="020B0604020202020204" pitchFamily="34" charset="0"/>
-              </a:rPr>
-              <a:t>GrubHub</a:t>
-            </a:r>
-            <a:r>
-              <a:rPr lang="en-US" sz="1200" cap="none" spc="0" dirty="0">
-                <a:solidFill>
-                  <a:schemeClr val="bg1"/>
-                </a:solidFill>
-                <a:cs typeface="Arial" panose="020B0604020202020204" pitchFamily="34" charset="0"/>
-              </a:rPr>
-              <a:t>, etc.  </a:t>
-            </a:r>
-          </a:p>
-          <a:p>
-            <a:pPr lvl="1"/>
-            <a:endParaRPr lang="en-US" sz="1200" cap="none" spc="0" dirty="0">
-              <a:solidFill>
-                <a:schemeClr val="bg1"/>
-              </a:solidFill>
-              <a:cs typeface="Arial" panose="020B0604020202020204" pitchFamily="34" charset="0"/>
-            </a:endParaRPr>
-          </a:p>
-          <a:p>
-            <a:pPr algn="l"/>
-            <a:endParaRPr lang="en-US" sz="1600" spc="0" dirty="0">
-              <a:cs typeface="Arial" panose="020B0604020202020204" pitchFamily="34" charset="0"/>
-            </a:endParaRPr>
-          </a:p>
-          <a:p>
-            <a:pPr marL="285750" indent="-285750" algn="l">
-              <a:buFont typeface="Arial" panose="020B0604020202020204" pitchFamily="34" charset="0"/>
-              <a:buChar char="•"/>
-            </a:pPr>
-            <a:endParaRPr lang="en-US" sz="1600" spc="0" dirty="0">
-              <a:cs typeface="Arial" panose="020B0604020202020204" pitchFamily="34" charset="0"/>
-            </a:endParaRPr>
-          </a:p>
-          <a:p>
-            <a:pPr marL="285750" indent="-285750" algn="l">
-              <a:buFont typeface="Arial" panose="020B0604020202020204" pitchFamily="34" charset="0"/>
-              <a:buChar char="•"/>
-            </a:pPr>
-            <a:endParaRPr lang="en-US" sz="1600" spc="0" dirty="0">
-              <a:cs typeface="Arial" panose="020B0604020202020204" pitchFamily="34" charset="0"/>
-            </a:endParaRPr>
-          </a:p>
-          <a:p>
-            <a:pPr algn="l"/>
-            <a:endParaRPr lang="en-US" sz="1600" spc="0" dirty="0">
-              <a:cs typeface="Arial" panose="020B0604020202020204" pitchFamily="34" charset="0"/>
-            </a:endParaRPr>
-          </a:p>
-          <a:p>
-            <a:pPr marL="285750" indent="-285750" algn="l">
-              <a:buFont typeface="Arial" panose="020B0604020202020204" pitchFamily="34" charset="0"/>
-              <a:buChar char="•"/>
-            </a:pPr>
-            <a:endParaRPr lang="en-US" sz="1600" spc="0" dirty="0">
-              <a:cs typeface="Arial" panose="020B0604020202020204" pitchFamily="34" charset="0"/>
-            </a:endParaRPr>
-          </a:p>
-        </p:txBody>
-      </p:sp>
-      <p:sp>
-        <p:nvSpPr>
-          <p:cNvPr id="6" name="Slide Number Placeholder 5">
-            <a:extLst>
-              <a:ext uri="{FF2B5EF4-FFF2-40B4-BE49-F238E27FC236}">
-                <a16:creationId xmlns:a16="http://schemas.microsoft.com/office/drawing/2014/main" xmlns="" id="{FC6A5C12-E784-444E-B868-DE2AE85742BB}"/>
-              </a:ext>
-            </a:extLst>
-          </p:cNvPr>
-          <p:cNvSpPr>
-            <a:spLocks noGrp="1"/>
-          </p:cNvSpPr>
-          <p:nvPr>
-            <p:ph type="sldNum" sz="quarter" idx="12"/>
-          </p:nvPr>
-        </p:nvSpPr>
-        <p:spPr/>
-        <p:txBody>
-          <a:bodyPr/>
-          <a:lstStyle/>
-          <a:p>
-            <a:fld id="{8C2E478F-E849-4A8C-AF1F-CBCC78A7CBFA}" type="slidenum">
-              <a:rPr lang="en-US" smtClean="0"/>
-              <a:pPr/>
-              <a:t>21</a:t>
-            </a:fld>
-            <a:endParaRPr lang="en-US" dirty="0"/>
-          </a:p>
-        </p:txBody>
-      </p:sp>
-    </p:spTree>
-    <p:extLst>
-      <p:ext uri="{BB962C8B-B14F-4D97-AF65-F5344CB8AC3E}">
-        <p14:creationId xmlns:p14="http://schemas.microsoft.com/office/powerpoint/2010/main" xmlns="" val="3853358220"/>
-      </p:ext>
-    </p:extLst>
-  </p:cSld>
-  <p:clrMapOvr>
-    <a:masterClrMapping/>
-  </p:clrMapOvr>
-</p:sld>
-</file>
-
-<file path=ppt/slides/slide22.xml><?xml version="1.0" encoding="utf-8"?>
+<file path=ppt/slides/slide24.xml><?xml version="1.0" encoding="utf-8"?>
 <p:sld xmlns:a="http://schemas.openxmlformats.org/drawingml/2006/main" xmlns:r="http://schemas.openxmlformats.org/officeDocument/2006/relationships" xmlns:p="http://schemas.openxmlformats.org/presentationml/2006/main">
   <p:cSld>
     <p:bg>
@@ -10373,7 +11145,7 @@
           <p:cNvPr id="40" name="Picture Placeholder 7" descr="abstract image">
             <a:extLst>
               <a:ext uri="{FF2B5EF4-FFF2-40B4-BE49-F238E27FC236}">
-                <a16:creationId xmlns:a16="http://schemas.microsoft.com/office/drawing/2014/main" xmlns="" id="{D5C5EA1B-F06D-4AD1-B526-89C2DF772232}"/>
+                <a16:creationId xmlns:a16="http://schemas.microsoft.com/office/drawing/2014/main" id="{D5C5EA1B-F06D-4AD1-B526-89C2DF772232}"/>
               </a:ext>
             </a:extLst>
           </p:cNvPr>
@@ -10387,7 +11159,7 @@
             <a:alphaModFix amt="52000"/>
             <a:extLst>
               <a:ext uri="{BEBA8EAE-BF5A-486C-A8C5-ECC9F3942E4B}">
-                <a14:imgProps xmlns:a14="http://schemas.microsoft.com/office/drawing/2010/main" xmlns="">
+                <a14:imgProps xmlns:a14="http://schemas.microsoft.com/office/drawing/2010/main">
                   <a14:imgLayer r:embed="rId3">
                     <a14:imgEffect>
                       <a14:saturation sat="0"/>
@@ -10416,7 +11188,7 @@
           <p:cNvPr id="6" name="Title 5">
             <a:extLst>
               <a:ext uri="{FF2B5EF4-FFF2-40B4-BE49-F238E27FC236}">
-                <a16:creationId xmlns:a16="http://schemas.microsoft.com/office/drawing/2014/main" xmlns="" id="{4F7706BE-EF2E-459C-8778-01DDD354C634}"/>
+                <a16:creationId xmlns:a16="http://schemas.microsoft.com/office/drawing/2014/main" id="{4F7706BE-EF2E-459C-8778-01DDD354C634}"/>
               </a:ext>
             </a:extLst>
           </p:cNvPr>
@@ -10451,7 +11223,7 @@
           <p:cNvPr id="3" name="Text Placeholder 2">
             <a:extLst>
               <a:ext uri="{FF2B5EF4-FFF2-40B4-BE49-F238E27FC236}">
-                <a16:creationId xmlns:a16="http://schemas.microsoft.com/office/drawing/2014/main" xmlns="" id="{C747C414-85D9-40D6-9BB3-5AF68A84F413}"/>
+                <a16:creationId xmlns:a16="http://schemas.microsoft.com/office/drawing/2014/main" id="{C747C414-85D9-40D6-9BB3-5AF68A84F413}"/>
               </a:ext>
             </a:extLst>
           </p:cNvPr>
@@ -10482,7 +11254,7 @@
     </p:spTree>
     <p:extLst>
       <p:ext uri="{BB962C8B-B14F-4D97-AF65-F5344CB8AC3E}">
-        <p14:creationId xmlns:p14="http://schemas.microsoft.com/office/powerpoint/2010/main" xmlns="" val="927727573"/>
+        <p14:creationId xmlns:p14="http://schemas.microsoft.com/office/powerpoint/2010/main" val="927727573"/>
       </p:ext>
     </p:extLst>
   </p:cSld>
@@ -10522,7 +11294,7 @@
           <p:cNvPr id="8" name="Picture Placeholder 7" descr="close up of computer code">
             <a:extLst>
               <a:ext uri="{FF2B5EF4-FFF2-40B4-BE49-F238E27FC236}">
-                <a16:creationId xmlns:a16="http://schemas.microsoft.com/office/drawing/2014/main" xmlns="" id="{1D5DB266-C804-437C-AED7-3D057820D244}"/>
+                <a16:creationId xmlns:a16="http://schemas.microsoft.com/office/drawing/2014/main" id="{1D5DB266-C804-437C-AED7-3D057820D244}"/>
               </a:ext>
             </a:extLst>
           </p:cNvPr>
@@ -10538,7 +11310,7 @@
             <a:alphaModFix amt="35000"/>
             <a:extLst>
               <a:ext uri="{BEBA8EAE-BF5A-486C-A8C5-ECC9F3942E4B}">
-                <a14:imgProps xmlns:a14="http://schemas.microsoft.com/office/drawing/2010/main" xmlns="">
+                <a14:imgProps xmlns:a14="http://schemas.microsoft.com/office/drawing/2010/main">
                   <a14:imgLayer r:embed="rId3">
                     <a14:imgEffect>
                       <a14:saturation sat="0"/>
@@ -10558,7 +11330,7 @@
           <p:cNvPr id="5" name="Title 4">
             <a:extLst>
               <a:ext uri="{FF2B5EF4-FFF2-40B4-BE49-F238E27FC236}">
-                <a16:creationId xmlns:a16="http://schemas.microsoft.com/office/drawing/2014/main" xmlns="" id="{14AB6F96-E5E8-4B40-A18C-2D078D1C2D4F}"/>
+                <a16:creationId xmlns:a16="http://schemas.microsoft.com/office/drawing/2014/main" id="{14AB6F96-E5E8-4B40-A18C-2D078D1C2D4F}"/>
               </a:ext>
             </a:extLst>
           </p:cNvPr>
@@ -10582,42 +11354,42 @@
           <a:lstStyle/>
           <a:p>
             <a:r>
-              <a:rPr lang="en-US" sz="2000" spc="0" dirty="0"/>
+              <a:rPr lang="en-US" sz="2000" cap="none" spc="0" dirty="0"/>
               <a:t>Carson Pribble </a:t>
             </a:r>
             <a:br>
-              <a:rPr lang="en-US" sz="2000" spc="0" dirty="0"/>
+              <a:rPr lang="en-US" sz="2000" cap="none" spc="0" dirty="0"/>
             </a:br>
             <a:r>
-              <a:rPr lang="en-US" sz="2000" spc="0" dirty="0"/>
+              <a:rPr lang="en-US" sz="2000" cap="none" spc="0" dirty="0"/>
               <a:t> Chase Jamison</a:t>
             </a:r>
             <a:br>
-              <a:rPr lang="en-US" sz="2000" spc="0" dirty="0"/>
+              <a:rPr lang="en-US" sz="2000" cap="none" spc="0" dirty="0"/>
             </a:br>
             <a:r>
-              <a:rPr lang="en-US" sz="2000" spc="0" dirty="0"/>
+              <a:rPr lang="en-US" sz="2000" cap="none" spc="0" dirty="0"/>
               <a:t> David Utshudiema</a:t>
             </a:r>
             <a:br>
-              <a:rPr lang="en-US" sz="2000" spc="0" dirty="0"/>
+              <a:rPr lang="en-US" sz="2000" cap="none" spc="0" dirty="0"/>
             </a:br>
             <a:r>
-              <a:rPr lang="en-US" sz="2000" spc="0" dirty="0"/>
+              <a:rPr lang="en-US" sz="2000" cap="none" spc="0" dirty="0"/>
               <a:t> Katherine Landsman</a:t>
             </a:r>
             <a:br>
-              <a:rPr lang="en-US" sz="2000" spc="0" dirty="0"/>
+              <a:rPr lang="en-US" sz="2000" cap="none" spc="0" dirty="0"/>
             </a:br>
             <a:r>
-              <a:rPr lang="en-US" sz="2000" spc="0" dirty="0"/>
+              <a:rPr lang="en-US" sz="2000" cap="none" spc="0" dirty="0"/>
               <a:t> Mohamed Ibensilalen</a:t>
             </a:r>
             <a:br>
-              <a:rPr lang="en-US" sz="2000" spc="0" dirty="0"/>
+              <a:rPr lang="en-US" sz="2000" cap="none" spc="0" dirty="0"/>
             </a:br>
             <a:r>
-              <a:rPr lang="en-US" sz="2000" spc="0" dirty="0"/>
+              <a:rPr lang="en-US" sz="2000" cap="none" spc="0" dirty="0"/>
               <a:t> Sergio Mainville</a:t>
             </a:r>
           </a:p>
@@ -10628,7 +11400,7 @@
           <p:cNvPr id="3" name="TextBox 2">
             <a:extLst>
               <a:ext uri="{FF2B5EF4-FFF2-40B4-BE49-F238E27FC236}">
-                <a16:creationId xmlns:a16="http://schemas.microsoft.com/office/drawing/2014/main" xmlns="" id="{00B88F18-6EAE-7043-9C4E-EFA02E006C10}"/>
+                <a16:creationId xmlns:a16="http://schemas.microsoft.com/office/drawing/2014/main" id="{00B88F18-6EAE-7043-9C4E-EFA02E006C10}"/>
               </a:ext>
             </a:extLst>
           </p:cNvPr>
@@ -10662,7 +11434,7 @@
     </p:spTree>
     <p:extLst>
       <p:ext uri="{BB962C8B-B14F-4D97-AF65-F5344CB8AC3E}">
-        <p14:creationId xmlns:p14="http://schemas.microsoft.com/office/powerpoint/2010/main" xmlns="" val="3499033097"/>
+        <p14:creationId xmlns:p14="http://schemas.microsoft.com/office/powerpoint/2010/main" val="3499033097"/>
       </p:ext>
     </p:extLst>
   </p:cSld>
@@ -10694,7 +11466,7 @@
           <p:cNvPr id="3" name="Title 2">
             <a:extLst>
               <a:ext uri="{FF2B5EF4-FFF2-40B4-BE49-F238E27FC236}">
-                <a16:creationId xmlns:a16="http://schemas.microsoft.com/office/drawing/2014/main" xmlns="" id="{1D24B42B-925B-494C-A986-BD85E8117E1E}"/>
+                <a16:creationId xmlns:a16="http://schemas.microsoft.com/office/drawing/2014/main" id="{1D24B42B-925B-494C-A986-BD85E8117E1E}"/>
               </a:ext>
             </a:extLst>
           </p:cNvPr>
@@ -10729,7 +11501,7 @@
           <p:cNvPr id="8" name="Picture Placeholder 7" descr="close up of computer code">
             <a:extLst>
               <a:ext uri="{FF2B5EF4-FFF2-40B4-BE49-F238E27FC236}">
-                <a16:creationId xmlns:a16="http://schemas.microsoft.com/office/drawing/2014/main" xmlns="" id="{A596BF19-CC58-4709-B5D6-3FC378FDC7BA}"/>
+                <a16:creationId xmlns:a16="http://schemas.microsoft.com/office/drawing/2014/main" id="{A596BF19-CC58-4709-B5D6-3FC378FDC7BA}"/>
               </a:ext>
             </a:extLst>
           </p:cNvPr>
@@ -10744,7 +11516,7 @@
           <a:blip r:embed="rId2">
             <a:extLst>
               <a:ext uri="{BEBA8EAE-BF5A-486C-A8C5-ECC9F3942E4B}">
-                <a14:imgProps xmlns:a14="http://schemas.microsoft.com/office/drawing/2010/main" xmlns="">
+                <a14:imgProps xmlns:a14="http://schemas.microsoft.com/office/drawing/2010/main">
                   <a14:imgLayer r:embed="rId3">
                     <a14:imgEffect>
                       <a14:saturation sat="0"/>
@@ -10769,7 +11541,7 @@
           <p:cNvPr id="2" name="Text Placeholder 1">
             <a:extLst>
               <a:ext uri="{FF2B5EF4-FFF2-40B4-BE49-F238E27FC236}">
-                <a16:creationId xmlns:a16="http://schemas.microsoft.com/office/drawing/2014/main" xmlns="" id="{B156CAF1-214F-4566-9B0D-DACA1063E8C8}"/>
+                <a16:creationId xmlns:a16="http://schemas.microsoft.com/office/drawing/2014/main" id="{B156CAF1-214F-4566-9B0D-DACA1063E8C8}"/>
               </a:ext>
             </a:extLst>
           </p:cNvPr>
@@ -10804,7 +11576,7 @@
               <a:buChar char="•"/>
             </a:pPr>
             <a:r>
-              <a:rPr lang="en-US" sz="1600" spc="0" dirty="0">
+              <a:rPr lang="en-US" sz="1600" cap="none" spc="0" dirty="0">
                 <a:cs typeface="Arial" panose="020B0604020202020204" pitchFamily="34" charset="0"/>
               </a:rPr>
               <a:t>GitHub</a:t>
@@ -10813,7 +11585,7 @@
           <a:p>
             <a:pPr algn="l"/>
             <a:r>
-              <a:rPr lang="en-US" sz="1600" spc="0" dirty="0">
+              <a:rPr lang="en-US" sz="1600" cap="none" spc="0" dirty="0">
                 <a:cs typeface="Arial" panose="020B0604020202020204" pitchFamily="34" charset="0"/>
               </a:rPr>
               <a:t>	-version control system</a:t>
@@ -10825,7 +11597,7 @@
               <a:buChar char="•"/>
             </a:pPr>
             <a:r>
-              <a:rPr lang="en-US" sz="1600" spc="0" dirty="0">
+              <a:rPr lang="en-US" sz="1600" cap="none" spc="0" dirty="0">
                 <a:cs typeface="Arial" panose="020B0604020202020204" pitchFamily="34" charset="0"/>
               </a:rPr>
               <a:t>GitHub Projects</a:t>
@@ -10834,7 +11606,7 @@
           <a:p>
             <a:pPr algn="l"/>
             <a:r>
-              <a:rPr lang="en-US" sz="1600" spc="0" dirty="0">
+              <a:rPr lang="en-US" sz="1600" cap="none" spc="0" dirty="0">
                 <a:cs typeface="Arial" panose="020B0604020202020204" pitchFamily="34" charset="0"/>
               </a:rPr>
               <a:t>	-Track tasks in a Centralized location</a:t>
@@ -10846,7 +11618,7 @@
               <a:buChar char="•"/>
             </a:pPr>
             <a:r>
-              <a:rPr lang="en-US" sz="1600" spc="0" dirty="0">
+              <a:rPr lang="en-US" sz="1600" cap="none" spc="0" dirty="0">
                 <a:cs typeface="Arial" panose="020B0604020202020204" pitchFamily="34" charset="0"/>
               </a:rPr>
               <a:t>Microsoft teams</a:t>
@@ -10855,7 +11627,7 @@
           <a:p>
             <a:pPr algn="l"/>
             <a:r>
-              <a:rPr lang="en-US" sz="1600" spc="0" dirty="0">
+              <a:rPr lang="en-US" sz="1600" cap="none" spc="0" dirty="0">
                 <a:cs typeface="Arial" panose="020B0604020202020204" pitchFamily="34" charset="0"/>
               </a:rPr>
               <a:t>	-Project communication</a:t>
@@ -10885,7 +11657,7 @@
               <a:buChar char="•"/>
             </a:pPr>
             <a:r>
-              <a:rPr lang="en-US" sz="1600" spc="0" dirty="0">
+              <a:rPr lang="en-US" sz="1600" cap="none" spc="0" dirty="0">
                 <a:cs typeface="Arial" panose="020B0604020202020204" pitchFamily="34" charset="0"/>
               </a:rPr>
               <a:t>Agile Principles</a:t>
@@ -10894,7 +11666,7 @@
           <a:p>
             <a:pPr algn="l"/>
             <a:r>
-              <a:rPr lang="en-US" sz="1600" spc="0" dirty="0">
+              <a:rPr lang="en-US" sz="1600" cap="none" spc="0" dirty="0">
                 <a:cs typeface="Arial" panose="020B0604020202020204" pitchFamily="34" charset="0"/>
               </a:rPr>
               <a:t>	-Allows for project transparency and task optimization</a:t>
@@ -10906,7 +11678,7 @@
               <a:buChar char="•"/>
             </a:pPr>
             <a:r>
-              <a:rPr lang="en-US" sz="1600" spc="0" dirty="0">
+              <a:rPr lang="en-US" sz="1600" cap="none" spc="0" dirty="0">
                 <a:cs typeface="Arial" panose="020B0604020202020204" pitchFamily="34" charset="0"/>
               </a:rPr>
               <a:t>Scum Methodology </a:t>
@@ -10915,7 +11687,7 @@
           <a:p>
             <a:pPr algn="l"/>
             <a:r>
-              <a:rPr lang="en-US" sz="1600" spc="0" dirty="0">
+              <a:rPr lang="en-US" sz="1600" cap="none" spc="0" dirty="0">
                 <a:cs typeface="Arial" panose="020B0604020202020204" pitchFamily="34" charset="0"/>
               </a:rPr>
               <a:t>	-Encourages higher productivity</a:t>
@@ -10928,7 +11700,7 @@
           <p:cNvPr id="6" name="Slide Number Placeholder 5">
             <a:extLst>
               <a:ext uri="{FF2B5EF4-FFF2-40B4-BE49-F238E27FC236}">
-                <a16:creationId xmlns:a16="http://schemas.microsoft.com/office/drawing/2014/main" xmlns="" id="{FC6A5C12-E784-444E-B868-DE2AE85742BB}"/>
+                <a16:creationId xmlns:a16="http://schemas.microsoft.com/office/drawing/2014/main" id="{FC6A5C12-E784-444E-B868-DE2AE85742BB}"/>
               </a:ext>
             </a:extLst>
           </p:cNvPr>
@@ -10956,7 +11728,7 @@
     </p:spTree>
     <p:extLst>
       <p:ext uri="{BB962C8B-B14F-4D97-AF65-F5344CB8AC3E}">
-        <p14:creationId xmlns:p14="http://schemas.microsoft.com/office/powerpoint/2010/main" xmlns="" val="2944765398"/>
+        <p14:creationId xmlns:p14="http://schemas.microsoft.com/office/powerpoint/2010/main" val="2944765398"/>
       </p:ext>
     </p:extLst>
   </p:cSld>
@@ -10988,7 +11760,7 @@
           <p:cNvPr id="5" name="Picture Placeholder 4" descr="table with various people working on their laptops">
             <a:extLst>
               <a:ext uri="{FF2B5EF4-FFF2-40B4-BE49-F238E27FC236}">
-                <a16:creationId xmlns:a16="http://schemas.microsoft.com/office/drawing/2014/main" xmlns="" id="{A0280051-D7F1-4438-B815-F0FF4906D141}"/>
+                <a16:creationId xmlns:a16="http://schemas.microsoft.com/office/drawing/2014/main" id="{A0280051-D7F1-4438-B815-F0FF4906D141}"/>
               </a:ext>
             </a:extLst>
           </p:cNvPr>
@@ -11003,7 +11775,7 @@
           <a:blip r:embed="rId3" cstate="email">
             <a:extLst>
               <a:ext uri="{BEBA8EAE-BF5A-486C-A8C5-ECC9F3942E4B}">
-                <a14:imgProps xmlns:a14="http://schemas.microsoft.com/office/drawing/2010/main" xmlns="">
+                <a14:imgProps xmlns:a14="http://schemas.microsoft.com/office/drawing/2010/main">
                   <a14:imgLayer r:embed="rId4">
                     <a14:imgEffect>
                       <a14:saturation sat="0"/>
@@ -11012,7 +11784,7 @@
                 </a14:imgProps>
               </a:ext>
               <a:ext uri="{28A0092B-C50C-407E-A947-70E740481C1C}">
-                <a14:useLocalDpi xmlns:a14="http://schemas.microsoft.com/office/drawing/2010/main" xmlns=""/>
+                <a14:useLocalDpi xmlns:a14="http://schemas.microsoft.com/office/drawing/2010/main"/>
               </a:ext>
             </a:extLst>
           </a:blip>
@@ -11028,7 +11800,7 @@
           <p:cNvPr id="9" name="Content Placeholder 8">
             <a:extLst>
               <a:ext uri="{FF2B5EF4-FFF2-40B4-BE49-F238E27FC236}">
-                <a16:creationId xmlns:a16="http://schemas.microsoft.com/office/drawing/2014/main" xmlns="" id="{256319DF-036A-473B-95D3-C5F6FF849FD4}"/>
+                <a16:creationId xmlns:a16="http://schemas.microsoft.com/office/drawing/2014/main" id="{256319DF-036A-473B-95D3-C5F6FF849FD4}"/>
               </a:ext>
             </a:extLst>
           </p:cNvPr>
@@ -11087,7 +11859,7 @@
           <p:cNvPr id="4" name="Slide Number Placeholder 3">
             <a:extLst>
               <a:ext uri="{FF2B5EF4-FFF2-40B4-BE49-F238E27FC236}">
-                <a16:creationId xmlns:a16="http://schemas.microsoft.com/office/drawing/2014/main" xmlns="" id="{A4BADA18-8F0E-4249-A144-6CB8259BA65B}"/>
+                <a16:creationId xmlns:a16="http://schemas.microsoft.com/office/drawing/2014/main" id="{A4BADA18-8F0E-4249-A144-6CB8259BA65B}"/>
               </a:ext>
             </a:extLst>
           </p:cNvPr>
@@ -11117,7 +11889,7 @@
           <p:cNvPr id="3" name="Text Placeholder 2">
             <a:extLst>
               <a:ext uri="{FF2B5EF4-FFF2-40B4-BE49-F238E27FC236}">
-                <a16:creationId xmlns:a16="http://schemas.microsoft.com/office/drawing/2014/main" xmlns="" id="{DBF5275B-C1F9-0732-D4B5-3FCC925E2164}"/>
+                <a16:creationId xmlns:a16="http://schemas.microsoft.com/office/drawing/2014/main" id="{DBF5275B-C1F9-0732-D4B5-3FCC925E2164}"/>
               </a:ext>
             </a:extLst>
           </p:cNvPr>
@@ -11150,7 +11922,7 @@
     </p:spTree>
     <p:extLst>
       <p:ext uri="{BB962C8B-B14F-4D97-AF65-F5344CB8AC3E}">
-        <p14:creationId xmlns:p14="http://schemas.microsoft.com/office/powerpoint/2010/main" xmlns="" val="1325373587"/>
+        <p14:creationId xmlns:p14="http://schemas.microsoft.com/office/powerpoint/2010/main" val="1325373587"/>
       </p:ext>
     </p:extLst>
   </p:cSld>
@@ -11182,7 +11954,7 @@
           <p:cNvPr id="5" name="Picture Placeholder 4" descr="table with various people working on their laptops">
             <a:extLst>
               <a:ext uri="{FF2B5EF4-FFF2-40B4-BE49-F238E27FC236}">
-                <a16:creationId xmlns:a16="http://schemas.microsoft.com/office/drawing/2014/main" xmlns="" id="{A0280051-D7F1-4438-B815-F0FF4906D141}"/>
+                <a16:creationId xmlns:a16="http://schemas.microsoft.com/office/drawing/2014/main" id="{A0280051-D7F1-4438-B815-F0FF4906D141}"/>
               </a:ext>
             </a:extLst>
           </p:cNvPr>
@@ -11197,7 +11969,7 @@
           <a:blip r:embed="rId3" cstate="email">
             <a:extLst>
               <a:ext uri="{BEBA8EAE-BF5A-486C-A8C5-ECC9F3942E4B}">
-                <a14:imgProps xmlns:a14="http://schemas.microsoft.com/office/drawing/2010/main" xmlns="">
+                <a14:imgProps xmlns:a14="http://schemas.microsoft.com/office/drawing/2010/main">
                   <a14:imgLayer r:embed="rId4">
                     <a14:imgEffect>
                       <a14:saturation sat="0"/>
@@ -11206,7 +11978,7 @@
                 </a14:imgProps>
               </a:ext>
               <a:ext uri="{28A0092B-C50C-407E-A947-70E740481C1C}">
-                <a14:useLocalDpi xmlns:a14="http://schemas.microsoft.com/office/drawing/2010/main" xmlns=""/>
+                <a14:useLocalDpi xmlns:a14="http://schemas.microsoft.com/office/drawing/2010/main"/>
               </a:ext>
             </a:extLst>
           </a:blip>
@@ -11222,7 +11994,7 @@
           <p:cNvPr id="9" name="Content Placeholder 8">
             <a:extLst>
               <a:ext uri="{FF2B5EF4-FFF2-40B4-BE49-F238E27FC236}">
-                <a16:creationId xmlns:a16="http://schemas.microsoft.com/office/drawing/2014/main" xmlns="" id="{256319DF-036A-473B-95D3-C5F6FF849FD4}"/>
+                <a16:creationId xmlns:a16="http://schemas.microsoft.com/office/drawing/2014/main" id="{256319DF-036A-473B-95D3-C5F6FF849FD4}"/>
               </a:ext>
             </a:extLst>
           </p:cNvPr>
@@ -11266,7 +12038,7 @@
           <p:cNvPr id="4" name="Slide Number Placeholder 3">
             <a:extLst>
               <a:ext uri="{FF2B5EF4-FFF2-40B4-BE49-F238E27FC236}">
-                <a16:creationId xmlns:a16="http://schemas.microsoft.com/office/drawing/2014/main" xmlns="" id="{A4BADA18-8F0E-4249-A144-6CB8259BA65B}"/>
+                <a16:creationId xmlns:a16="http://schemas.microsoft.com/office/drawing/2014/main" id="{A4BADA18-8F0E-4249-A144-6CB8259BA65B}"/>
               </a:ext>
             </a:extLst>
           </p:cNvPr>
@@ -11296,7 +12068,7 @@
           <p:cNvPr id="7" name="Text Placeholder 2">
             <a:extLst>
               <a:ext uri="{FF2B5EF4-FFF2-40B4-BE49-F238E27FC236}">
-                <a16:creationId xmlns:a16="http://schemas.microsoft.com/office/drawing/2014/main" xmlns="" id="{CFDA9269-055C-5772-E8B6-BACBFA0AB992}"/>
+                <a16:creationId xmlns:a16="http://schemas.microsoft.com/office/drawing/2014/main" id="{CFDA9269-055C-5772-E8B6-BACBFA0AB992}"/>
               </a:ext>
             </a:extLst>
           </p:cNvPr>
@@ -11329,7 +12101,7 @@
     </p:spTree>
     <p:extLst>
       <p:ext uri="{BB962C8B-B14F-4D97-AF65-F5344CB8AC3E}">
-        <p14:creationId xmlns:p14="http://schemas.microsoft.com/office/powerpoint/2010/main" xmlns="" val="2758995049"/>
+        <p14:creationId xmlns:p14="http://schemas.microsoft.com/office/powerpoint/2010/main" val="2758995049"/>
       </p:ext>
     </p:extLst>
   </p:cSld>
@@ -11369,7 +12141,7 @@
           <p:cNvPr id="8" name="Picture Placeholder 7" descr="close up of computer code">
             <a:extLst>
               <a:ext uri="{FF2B5EF4-FFF2-40B4-BE49-F238E27FC236}">
-                <a16:creationId xmlns:a16="http://schemas.microsoft.com/office/drawing/2014/main" xmlns="" id="{1D5DB266-C804-437C-AED7-3D057820D244}"/>
+                <a16:creationId xmlns:a16="http://schemas.microsoft.com/office/drawing/2014/main" id="{1D5DB266-C804-437C-AED7-3D057820D244}"/>
               </a:ext>
             </a:extLst>
           </p:cNvPr>
@@ -11385,7 +12157,7 @@
             <a:alphaModFix amt="35000"/>
             <a:extLst>
               <a:ext uri="{BEBA8EAE-BF5A-486C-A8C5-ECC9F3942E4B}">
-                <a14:imgProps xmlns:a14="http://schemas.microsoft.com/office/drawing/2010/main" xmlns="">
+                <a14:imgProps xmlns:a14="http://schemas.microsoft.com/office/drawing/2010/main">
                   <a14:imgLayer r:embed="rId3">
                     <a14:imgEffect>
                       <a14:saturation sat="0"/>
@@ -11405,7 +12177,7 @@
           <p:cNvPr id="5" name="Title 4">
             <a:extLst>
               <a:ext uri="{FF2B5EF4-FFF2-40B4-BE49-F238E27FC236}">
-                <a16:creationId xmlns:a16="http://schemas.microsoft.com/office/drawing/2014/main" xmlns="" id="{14AB6F96-E5E8-4B40-A18C-2D078D1C2D4F}"/>
+                <a16:creationId xmlns:a16="http://schemas.microsoft.com/office/drawing/2014/main" id="{14AB6F96-E5E8-4B40-A18C-2D078D1C2D4F}"/>
               </a:ext>
             </a:extLst>
           </p:cNvPr>
@@ -11418,8 +12190,8 @@
         </p:nvSpPr>
         <p:spPr>
           <a:xfrm>
-            <a:off x="1586917" y="1493240"/>
-            <a:ext cx="9018165" cy="4655890"/>
+            <a:off x="2317458" y="1400961"/>
+            <a:ext cx="7557083" cy="4655890"/>
           </a:xfrm>
         </p:spPr>
         <p:txBody>
@@ -11440,7 +12212,7 @@
               </a:spcAft>
             </a:pPr>
             <a:r>
-              <a:rPr lang="en-US" dirty="0">
+              <a:rPr lang="en-US" sz="1600" dirty="0">
                 <a:solidFill>
                   <a:schemeClr val="tx1"/>
                 </a:solidFill>
@@ -11452,7 +12224,7 @@
               <a:t>Server management (allows host to assign tables)</a:t>
             </a:r>
             <a:br>
-              <a:rPr lang="en-US" dirty="0">
+              <a:rPr lang="en-US" sz="1600" dirty="0">
                 <a:solidFill>
                   <a:schemeClr val="tx1"/>
                 </a:solidFill>
@@ -11462,8 +12234,8 @@
                 <a:cs typeface="Times New Roman" panose="02020603050405020304" pitchFamily="18" charset="0"/>
               </a:rPr>
             </a:br>
-            <a:r>
-              <a:rPr lang="en-US" dirty="0">
+            <a:br>
+              <a:rPr lang="en-US" sz="1600" dirty="0">
                 <a:solidFill>
                   <a:schemeClr val="tx1"/>
                 </a:solidFill>
@@ -11472,10 +12244,32 @@
                 <a:ea typeface="Yu Mincho" panose="02020400000000000000" pitchFamily="18" charset="-128"/>
                 <a:cs typeface="Times New Roman" panose="02020603050405020304" pitchFamily="18" charset="0"/>
               </a:rPr>
-              <a:t/>
+            </a:br>
+            <a:r>
+              <a:rPr lang="en-US" sz="1600" dirty="0">
+                <a:solidFill>
+                  <a:schemeClr val="tx1"/>
+                </a:solidFill>
+                <a:effectLst/>
+                <a:latin typeface="+mn-lt"/>
+                <a:ea typeface="Calibri" panose="020F0502020204030204" pitchFamily="34" charset="0"/>
+                <a:cs typeface="Times New Roman" panose="02020603050405020304" pitchFamily="18" charset="0"/>
+              </a:rPr>
+              <a:t>Table management (track customer orders, and generate itemized bill)</a:t>
             </a:r>
             <a:br>
-              <a:rPr lang="en-US" dirty="0">
+              <a:rPr lang="en-US" sz="1600" dirty="0">
+                <a:solidFill>
+                  <a:schemeClr val="tx1"/>
+                </a:solidFill>
+                <a:effectLst/>
+                <a:latin typeface="+mn-lt"/>
+                <a:ea typeface="Calibri" panose="020F0502020204030204" pitchFamily="34" charset="0"/>
+                <a:cs typeface="Times New Roman" panose="02020603050405020304" pitchFamily="18" charset="0"/>
+              </a:rPr>
+            </a:br>
+            <a:br>
+              <a:rPr lang="en-US" sz="1600" dirty="0">
                 <a:solidFill>
                   <a:schemeClr val="tx1"/>
                 </a:solidFill>
@@ -11486,7 +12280,7 @@
               </a:rPr>
             </a:br>
             <a:r>
-              <a:rPr lang="en-US" dirty="0">
+              <a:rPr lang="en-US" sz="1600" dirty="0">
                 <a:solidFill>
                   <a:schemeClr val="tx1"/>
                 </a:solidFill>
@@ -11495,10 +12289,10 @@
                 <a:ea typeface="Calibri" panose="020F0502020204030204" pitchFamily="34" charset="0"/>
                 <a:cs typeface="Times New Roman" panose="02020603050405020304" pitchFamily="18" charset="0"/>
               </a:rPr>
-              <a:t>Table management (track customer orders, and generate itemized bill)</a:t>
+              <a:t>Order management (server/kitchen order tracking)</a:t>
             </a:r>
             <a:br>
-              <a:rPr lang="en-US" dirty="0">
+              <a:rPr lang="en-US" sz="1600" dirty="0">
                 <a:solidFill>
                   <a:schemeClr val="tx1"/>
                 </a:solidFill>
@@ -11508,8 +12302,8 @@
                 <a:cs typeface="Times New Roman" panose="02020603050405020304" pitchFamily="18" charset="0"/>
               </a:rPr>
             </a:br>
-            <a:r>
-              <a:rPr lang="en-US" dirty="0">
+            <a:br>
+              <a:rPr lang="en-US" sz="1600" dirty="0">
                 <a:solidFill>
                   <a:schemeClr val="tx1"/>
                 </a:solidFill>
@@ -11518,21 +12312,9 @@
                 <a:ea typeface="Yu Mincho" panose="02020400000000000000" pitchFamily="18" charset="-128"/>
                 <a:cs typeface="Times New Roman" panose="02020603050405020304" pitchFamily="18" charset="0"/>
               </a:rPr>
-              <a:t/>
-            </a:r>
-            <a:br>
-              <a:rPr lang="en-US" dirty="0">
-                <a:solidFill>
-                  <a:schemeClr val="tx1"/>
-                </a:solidFill>
-                <a:effectLst/>
-                <a:latin typeface="+mn-lt"/>
-                <a:ea typeface="Yu Mincho" panose="02020400000000000000" pitchFamily="18" charset="-128"/>
-                <a:cs typeface="Times New Roman" panose="02020603050405020304" pitchFamily="18" charset="0"/>
-              </a:rPr>
             </a:br>
             <a:r>
-              <a:rPr lang="en-US" dirty="0">
+              <a:rPr lang="en-US" sz="1600" dirty="0">
                 <a:solidFill>
                   <a:schemeClr val="tx1"/>
                 </a:solidFill>
@@ -11541,55 +12323,9 @@
                 <a:ea typeface="Calibri" panose="020F0502020204030204" pitchFamily="34" charset="0"/>
                 <a:cs typeface="Times New Roman" panose="02020603050405020304" pitchFamily="18" charset="0"/>
               </a:rPr>
-              <a:t>Order management (server/kitchen order tracking)</a:t>
-            </a:r>
-            <a:br>
-              <a:rPr lang="en-US" dirty="0">
-                <a:solidFill>
-                  <a:schemeClr val="tx1"/>
-                </a:solidFill>
-                <a:effectLst/>
-                <a:latin typeface="+mn-lt"/>
-                <a:ea typeface="Calibri" panose="020F0502020204030204" pitchFamily="34" charset="0"/>
-                <a:cs typeface="Times New Roman" panose="02020603050405020304" pitchFamily="18" charset="0"/>
-              </a:rPr>
-            </a:br>
-            <a:r>
-              <a:rPr lang="en-US" dirty="0">
-                <a:solidFill>
-                  <a:schemeClr val="tx1"/>
-                </a:solidFill>
-                <a:effectLst/>
-                <a:latin typeface="+mn-lt"/>
-                <a:ea typeface="Yu Mincho" panose="02020400000000000000" pitchFamily="18" charset="-128"/>
-                <a:cs typeface="Times New Roman" panose="02020603050405020304" pitchFamily="18" charset="0"/>
-              </a:rPr>
-              <a:t/>
-            </a:r>
-            <a:br>
-              <a:rPr lang="en-US" dirty="0">
-                <a:solidFill>
-                  <a:schemeClr val="tx1"/>
-                </a:solidFill>
-                <a:effectLst/>
-                <a:latin typeface="+mn-lt"/>
-                <a:ea typeface="Yu Mincho" panose="02020400000000000000" pitchFamily="18" charset="-128"/>
-                <a:cs typeface="Times New Roman" panose="02020603050405020304" pitchFamily="18" charset="0"/>
-              </a:rPr>
-            </a:br>
-            <a:r>
-              <a:rPr lang="en-US" dirty="0">
-                <a:solidFill>
-                  <a:schemeClr val="tx1"/>
-                </a:solidFill>
-                <a:effectLst/>
-                <a:latin typeface="+mn-lt"/>
-                <a:ea typeface="Calibri" panose="020F0502020204030204" pitchFamily="34" charset="0"/>
-                <a:cs typeface="Times New Roman" panose="02020603050405020304" pitchFamily="18" charset="0"/>
-              </a:rPr>
               <a:t>Menu management (CRUD operations)</a:t>
             </a:r>
-            <a:endParaRPr lang="en-US" dirty="0">
+            <a:endParaRPr lang="en-US" sz="1600" dirty="0">
               <a:solidFill>
                 <a:schemeClr val="tx1"/>
               </a:solidFill>
@@ -11606,7 +12342,7 @@
           <p:cNvPr id="2" name="Text Placeholder 1">
             <a:extLst>
               <a:ext uri="{FF2B5EF4-FFF2-40B4-BE49-F238E27FC236}">
-                <a16:creationId xmlns:a16="http://schemas.microsoft.com/office/drawing/2014/main" xmlns="" id="{DAF72BBC-FC90-4B63-96CA-ABED853DBAD0}"/>
+                <a16:creationId xmlns:a16="http://schemas.microsoft.com/office/drawing/2014/main" id="{DAF72BBC-FC90-4B63-96CA-ABED853DBAD0}"/>
               </a:ext>
             </a:extLst>
           </p:cNvPr>
@@ -11637,7 +12373,7 @@
     </p:spTree>
     <p:extLst>
       <p:ext uri="{BB962C8B-B14F-4D97-AF65-F5344CB8AC3E}">
-        <p14:creationId xmlns:p14="http://schemas.microsoft.com/office/powerpoint/2010/main" xmlns="" val="839779156"/>
+        <p14:creationId xmlns:p14="http://schemas.microsoft.com/office/powerpoint/2010/main" val="839779156"/>
       </p:ext>
     </p:extLst>
   </p:cSld>
@@ -11677,7 +12413,7 @@
           <p:cNvPr id="8" name="Picture Placeholder 7" descr="close up of computer code">
             <a:extLst>
               <a:ext uri="{FF2B5EF4-FFF2-40B4-BE49-F238E27FC236}">
-                <a16:creationId xmlns:a16="http://schemas.microsoft.com/office/drawing/2014/main" xmlns="" id="{1D5DB266-C804-437C-AED7-3D057820D244}"/>
+                <a16:creationId xmlns:a16="http://schemas.microsoft.com/office/drawing/2014/main" id="{1D5DB266-C804-437C-AED7-3D057820D244}"/>
               </a:ext>
             </a:extLst>
           </p:cNvPr>
@@ -11693,7 +12429,7 @@
             <a:alphaModFix amt="35000"/>
             <a:extLst>
               <a:ext uri="{BEBA8EAE-BF5A-486C-A8C5-ECC9F3942E4B}">
-                <a14:imgProps xmlns:a14="http://schemas.microsoft.com/office/drawing/2010/main" xmlns="">
+                <a14:imgProps xmlns:a14="http://schemas.microsoft.com/office/drawing/2010/main">
                   <a14:imgLayer r:embed="rId3">
                     <a14:imgEffect>
                       <a14:saturation sat="0"/>
@@ -11713,7 +12449,7 @@
           <p:cNvPr id="5" name="Title 4">
             <a:extLst>
               <a:ext uri="{FF2B5EF4-FFF2-40B4-BE49-F238E27FC236}">
-                <a16:creationId xmlns:a16="http://schemas.microsoft.com/office/drawing/2014/main" xmlns="" id="{14AB6F96-E5E8-4B40-A18C-2D078D1C2D4F}"/>
+                <a16:creationId xmlns:a16="http://schemas.microsoft.com/office/drawing/2014/main" id="{14AB6F96-E5E8-4B40-A18C-2D078D1C2D4F}"/>
               </a:ext>
             </a:extLst>
           </p:cNvPr>
@@ -11726,8 +12462,8 @@
         </p:nvSpPr>
         <p:spPr>
           <a:xfrm>
-            <a:off x="1586917" y="1493240"/>
-            <a:ext cx="9018165" cy="4655890"/>
+            <a:off x="1143000" y="1510018"/>
+            <a:ext cx="9906000" cy="4655890"/>
           </a:xfrm>
         </p:spPr>
         <p:txBody>
@@ -11748,7 +12484,7 @@
               </a:spcAft>
             </a:pPr>
             <a:r>
-              <a:rPr lang="en-US" sz="1400" dirty="0">
+              <a:rPr lang="en-US" sz="1600" dirty="0">
                 <a:solidFill>
                   <a:schemeClr val="tx1"/>
                 </a:solidFill>
@@ -11759,8 +12495,8 @@
               </a:rPr>
               <a:t>As a server, I want to only see available tables so I can reserve it for the customer.</a:t>
             </a:r>
-            <a:r>
-              <a:rPr lang="en-US" sz="1400" dirty="0">
+            <a:br>
+              <a:rPr lang="en-US" sz="1600" dirty="0">
                 <a:solidFill>
                   <a:schemeClr val="tx1"/>
                 </a:solidFill>
@@ -11769,10 +12505,21 @@
                 <a:ea typeface="Yu Mincho" panose="02020400000000000000" pitchFamily="18" charset="-128"/>
                 <a:cs typeface="Times New Roman" panose="02020603050405020304" pitchFamily="18" charset="0"/>
               </a:rPr>
-              <a:t/>
+            </a:br>
+            <a:r>
+              <a:rPr lang="en-US" sz="1600" dirty="0">
+                <a:solidFill>
+                  <a:schemeClr val="tx1"/>
+                </a:solidFill>
+                <a:effectLst/>
+                <a:latin typeface="+mn-lt"/>
+                <a:ea typeface="Calibri" panose="020F0502020204030204" pitchFamily="34" charset="0"/>
+                <a:cs typeface="Times New Roman" panose="02020603050405020304" pitchFamily="18" charset="0"/>
+              </a:rPr>
+              <a:t> </a:t>
             </a:r>
             <a:br>
-              <a:rPr lang="en-US" sz="1400" dirty="0">
+              <a:rPr lang="en-US" sz="1600" dirty="0">
                 <a:solidFill>
                   <a:schemeClr val="tx1"/>
                 </a:solidFill>
@@ -11783,7 +12530,7 @@
               </a:rPr>
             </a:br>
             <a:r>
-              <a:rPr lang="en-US" sz="1400" dirty="0">
+              <a:rPr lang="en-US" sz="1600" dirty="0">
                 <a:solidFill>
                   <a:schemeClr val="tx1"/>
                 </a:solidFill>
@@ -11792,10 +12539,10 @@
                 <a:ea typeface="Calibri" panose="020F0502020204030204" pitchFamily="34" charset="0"/>
                 <a:cs typeface="Times New Roman" panose="02020603050405020304" pitchFamily="18" charset="0"/>
               </a:rPr>
-              <a:t> </a:t>
-            </a:r>
-            <a:r>
-              <a:rPr lang="en-US" sz="1400" dirty="0">
+              <a:t>As a server, I want to place an order in my device and send it directly to the kitchen.</a:t>
+            </a:r>
+            <a:br>
+              <a:rPr lang="en-US" sz="1600" dirty="0">
                 <a:solidFill>
                   <a:schemeClr val="tx1"/>
                 </a:solidFill>
@@ -11804,10 +12551,21 @@
                 <a:ea typeface="Yu Mincho" panose="02020400000000000000" pitchFamily="18" charset="-128"/>
                 <a:cs typeface="Times New Roman" panose="02020603050405020304" pitchFamily="18" charset="0"/>
               </a:rPr>
-              <a:t/>
+            </a:br>
+            <a:r>
+              <a:rPr lang="en-US" sz="1600" dirty="0">
+                <a:solidFill>
+                  <a:schemeClr val="tx1"/>
+                </a:solidFill>
+                <a:effectLst/>
+                <a:latin typeface="+mn-lt"/>
+                <a:ea typeface="Calibri" panose="020F0502020204030204" pitchFamily="34" charset="0"/>
+                <a:cs typeface="Times New Roman" panose="02020603050405020304" pitchFamily="18" charset="0"/>
+              </a:rPr>
+              <a:t> </a:t>
             </a:r>
             <a:br>
-              <a:rPr lang="en-US" sz="1400" dirty="0">
+              <a:rPr lang="en-US" sz="1600" dirty="0">
                 <a:solidFill>
                   <a:schemeClr val="tx1"/>
                 </a:solidFill>
@@ -11818,7 +12576,7 @@
               </a:rPr>
             </a:br>
             <a:r>
-              <a:rPr lang="en-US" sz="1400" dirty="0">
+              <a:rPr lang="en-US" sz="1600" dirty="0">
                 <a:solidFill>
                   <a:schemeClr val="tx1"/>
                 </a:solidFill>
@@ -11827,10 +12585,10 @@
                 <a:ea typeface="Calibri" panose="020F0502020204030204" pitchFamily="34" charset="0"/>
                 <a:cs typeface="Times New Roman" panose="02020603050405020304" pitchFamily="18" charset="0"/>
               </a:rPr>
-              <a:t>As a server, I want to place an order in my device and send it directly to the kitchen.</a:t>
-            </a:r>
-            <a:r>
-              <a:rPr lang="en-US" sz="1400" dirty="0">
+              <a:t>As a line cook, I want to receive notification for every new order and can mark it ready after preparation.</a:t>
+            </a:r>
+            <a:br>
+              <a:rPr lang="en-US" sz="1600" dirty="0">
                 <a:solidFill>
                   <a:schemeClr val="tx1"/>
                 </a:solidFill>
@@ -11839,10 +12597,21 @@
                 <a:ea typeface="Yu Mincho" panose="02020400000000000000" pitchFamily="18" charset="-128"/>
                 <a:cs typeface="Times New Roman" panose="02020603050405020304" pitchFamily="18" charset="0"/>
               </a:rPr>
-              <a:t/>
+            </a:br>
+            <a:r>
+              <a:rPr lang="en-US" sz="1600" dirty="0">
+                <a:solidFill>
+                  <a:schemeClr val="tx1"/>
+                </a:solidFill>
+                <a:effectLst/>
+                <a:latin typeface="+mn-lt"/>
+                <a:ea typeface="Calibri" panose="020F0502020204030204" pitchFamily="34" charset="0"/>
+                <a:cs typeface="Times New Roman" panose="02020603050405020304" pitchFamily="18" charset="0"/>
+              </a:rPr>
+              <a:t> </a:t>
             </a:r>
             <a:br>
-              <a:rPr lang="en-US" sz="1400" dirty="0">
+              <a:rPr lang="en-US" sz="1600" dirty="0">
                 <a:solidFill>
                   <a:schemeClr val="tx1"/>
                 </a:solidFill>
@@ -11853,7 +12622,7 @@
               </a:rPr>
             </a:br>
             <a:r>
-              <a:rPr lang="en-US" sz="1400" dirty="0">
+              <a:rPr lang="en-US" sz="1600" dirty="0">
                 <a:solidFill>
                   <a:schemeClr val="tx1"/>
                 </a:solidFill>
@@ -11862,114 +12631,9 @@
                 <a:ea typeface="Calibri" panose="020F0502020204030204" pitchFamily="34" charset="0"/>
                 <a:cs typeface="Times New Roman" panose="02020603050405020304" pitchFamily="18" charset="0"/>
               </a:rPr>
-              <a:t> </a:t>
-            </a:r>
-            <a:r>
-              <a:rPr lang="en-US" sz="1400" dirty="0">
-                <a:solidFill>
-                  <a:schemeClr val="tx1"/>
-                </a:solidFill>
-                <a:effectLst/>
-                <a:latin typeface="+mn-lt"/>
-                <a:ea typeface="Yu Mincho" panose="02020400000000000000" pitchFamily="18" charset="-128"/>
-                <a:cs typeface="Times New Roman" panose="02020603050405020304" pitchFamily="18" charset="0"/>
-              </a:rPr>
-              <a:t/>
-            </a:r>
-            <a:br>
-              <a:rPr lang="en-US" sz="1400" dirty="0">
-                <a:solidFill>
-                  <a:schemeClr val="tx1"/>
-                </a:solidFill>
-                <a:effectLst/>
-                <a:latin typeface="+mn-lt"/>
-                <a:ea typeface="Yu Mincho" panose="02020400000000000000" pitchFamily="18" charset="-128"/>
-                <a:cs typeface="Times New Roman" panose="02020603050405020304" pitchFamily="18" charset="0"/>
-              </a:rPr>
-            </a:br>
-            <a:r>
-              <a:rPr lang="en-US" sz="1400" dirty="0">
-                <a:solidFill>
-                  <a:schemeClr val="tx1"/>
-                </a:solidFill>
-                <a:effectLst/>
-                <a:latin typeface="+mn-lt"/>
-                <a:ea typeface="Calibri" panose="020F0502020204030204" pitchFamily="34" charset="0"/>
-                <a:cs typeface="Times New Roman" panose="02020603050405020304" pitchFamily="18" charset="0"/>
-              </a:rPr>
-              <a:t>As a line cook, I want to receive notification for every new order and can mark it ready after preparation.</a:t>
-            </a:r>
-            <a:r>
-              <a:rPr lang="en-US" sz="1400" dirty="0">
-                <a:solidFill>
-                  <a:schemeClr val="tx1"/>
-                </a:solidFill>
-                <a:effectLst/>
-                <a:latin typeface="+mn-lt"/>
-                <a:ea typeface="Yu Mincho" panose="02020400000000000000" pitchFamily="18" charset="-128"/>
-                <a:cs typeface="Times New Roman" panose="02020603050405020304" pitchFamily="18" charset="0"/>
-              </a:rPr>
-              <a:t/>
-            </a:r>
-            <a:br>
-              <a:rPr lang="en-US" sz="1400" dirty="0">
-                <a:solidFill>
-                  <a:schemeClr val="tx1"/>
-                </a:solidFill>
-                <a:effectLst/>
-                <a:latin typeface="+mn-lt"/>
-                <a:ea typeface="Yu Mincho" panose="02020400000000000000" pitchFamily="18" charset="-128"/>
-                <a:cs typeface="Times New Roman" panose="02020603050405020304" pitchFamily="18" charset="0"/>
-              </a:rPr>
-            </a:br>
-            <a:r>
-              <a:rPr lang="en-US" sz="1400" dirty="0">
-                <a:solidFill>
-                  <a:schemeClr val="tx1"/>
-                </a:solidFill>
-                <a:effectLst/>
-                <a:latin typeface="+mn-lt"/>
-                <a:ea typeface="Calibri" panose="020F0502020204030204" pitchFamily="34" charset="0"/>
-                <a:cs typeface="Times New Roman" panose="02020603050405020304" pitchFamily="18" charset="0"/>
-              </a:rPr>
-              <a:t> </a:t>
-            </a:r>
-            <a:r>
-              <a:rPr lang="en-US" sz="1400" dirty="0">
-                <a:solidFill>
-                  <a:schemeClr val="tx1"/>
-                </a:solidFill>
-                <a:effectLst/>
-                <a:latin typeface="+mn-lt"/>
-                <a:ea typeface="Yu Mincho" panose="02020400000000000000" pitchFamily="18" charset="-128"/>
-                <a:cs typeface="Times New Roman" panose="02020603050405020304" pitchFamily="18" charset="0"/>
-              </a:rPr>
-              <a:t/>
-            </a:r>
-            <a:br>
-              <a:rPr lang="en-US" sz="1400" dirty="0">
-                <a:solidFill>
-                  <a:schemeClr val="tx1"/>
-                </a:solidFill>
-                <a:effectLst/>
-                <a:latin typeface="+mn-lt"/>
-                <a:ea typeface="Yu Mincho" panose="02020400000000000000" pitchFamily="18" charset="-128"/>
-                <a:cs typeface="Times New Roman" panose="02020603050405020304" pitchFamily="18" charset="0"/>
-              </a:rPr>
-            </a:br>
-            <a:r>
-              <a:rPr lang="en-US" sz="1400" dirty="0">
-                <a:solidFill>
-                  <a:schemeClr val="tx1"/>
-                </a:solidFill>
-                <a:effectLst/>
-                <a:latin typeface="+mn-lt"/>
-                <a:ea typeface="Calibri" panose="020F0502020204030204" pitchFamily="34" charset="0"/>
-                <a:cs typeface="Times New Roman" panose="02020603050405020304" pitchFamily="18" charset="0"/>
-              </a:rPr>
               <a:t>As a server, I want to receive notification from the kitchen on every order that is ready so I can mark it completed after serving it to the right table.</a:t>
             </a:r>
-            <a:endParaRPr lang="en-US" sz="1400" dirty="0">
+            <a:endParaRPr lang="en-US" sz="1600" dirty="0">
               <a:solidFill>
                 <a:schemeClr val="tx1"/>
               </a:solidFill>
@@ -11986,7 +12650,7 @@
           <p:cNvPr id="2" name="Text Placeholder 1">
             <a:extLst>
               <a:ext uri="{FF2B5EF4-FFF2-40B4-BE49-F238E27FC236}">
-                <a16:creationId xmlns:a16="http://schemas.microsoft.com/office/drawing/2014/main" xmlns="" id="{DAF72BBC-FC90-4B63-96CA-ABED853DBAD0}"/>
+                <a16:creationId xmlns:a16="http://schemas.microsoft.com/office/drawing/2014/main" id="{DAF72BBC-FC90-4B63-96CA-ABED853DBAD0}"/>
               </a:ext>
             </a:extLst>
           </p:cNvPr>
@@ -12017,7 +12681,7 @@
     </p:spTree>
     <p:extLst>
       <p:ext uri="{BB962C8B-B14F-4D97-AF65-F5344CB8AC3E}">
-        <p14:creationId xmlns:p14="http://schemas.microsoft.com/office/powerpoint/2010/main" xmlns="" val="809929743"/>
+        <p14:creationId xmlns:p14="http://schemas.microsoft.com/office/powerpoint/2010/main" val="809929743"/>
       </p:ext>
     </p:extLst>
   </p:cSld>
@@ -12049,7 +12713,7 @@
           <p:cNvPr id="8" name="Picture Placeholder 7" descr="close up of computer code">
             <a:extLst>
               <a:ext uri="{FF2B5EF4-FFF2-40B4-BE49-F238E27FC236}">
-                <a16:creationId xmlns:a16="http://schemas.microsoft.com/office/drawing/2014/main" xmlns="" id="{1D5DB266-C804-437C-AED7-3D057820D244}"/>
+                <a16:creationId xmlns:a16="http://schemas.microsoft.com/office/drawing/2014/main" id="{1D5DB266-C804-437C-AED7-3D057820D244}"/>
               </a:ext>
             </a:extLst>
           </p:cNvPr>
@@ -12065,7 +12729,7 @@
             <a:alphaModFix amt="35000"/>
             <a:extLst>
               <a:ext uri="{BEBA8EAE-BF5A-486C-A8C5-ECC9F3942E4B}">
-                <a14:imgProps xmlns:a14="http://schemas.microsoft.com/office/drawing/2010/main" xmlns="">
+                <a14:imgProps xmlns:a14="http://schemas.microsoft.com/office/drawing/2010/main">
                   <a14:imgLayer r:embed="rId3">
                     <a14:imgEffect>
                       <a14:saturation sat="0"/>
@@ -12090,7 +12754,7 @@
           <p:cNvPr id="5" name="Title 4">
             <a:extLst>
               <a:ext uri="{FF2B5EF4-FFF2-40B4-BE49-F238E27FC236}">
-                <a16:creationId xmlns:a16="http://schemas.microsoft.com/office/drawing/2014/main" xmlns="" id="{14AB6F96-E5E8-4B40-A18C-2D078D1C2D4F}"/>
+                <a16:creationId xmlns:a16="http://schemas.microsoft.com/office/drawing/2014/main" id="{14AB6F96-E5E8-4B40-A18C-2D078D1C2D4F}"/>
               </a:ext>
             </a:extLst>
           </p:cNvPr>
@@ -12103,13 +12767,13 @@
         </p:nvSpPr>
         <p:spPr>
           <a:xfrm>
-            <a:off x="719940" y="1661686"/>
-            <a:ext cx="4860250" cy="4655890"/>
+            <a:off x="719940" y="1031847"/>
+            <a:ext cx="4860250" cy="5561900"/>
           </a:xfrm>
         </p:spPr>
         <p:txBody>
           <a:bodyPr>
-            <a:normAutofit/>
+            <a:normAutofit fontScale="90000"/>
           </a:bodyPr>
           <a:lstStyle/>
           <a:p>
@@ -12124,8 +12788,8 @@
                 <a:spcPts val="0"/>
               </a:spcAft>
             </a:pPr>
-            <a:r>
-              <a:rPr lang="en-US" sz="1200" b="1" dirty="0">
+            <a:br>
+              <a:rPr lang="en-US" b="1" dirty="0">
                 <a:solidFill>
                   <a:schemeClr val="tx1"/>
                 </a:solidFill>
@@ -12133,20 +12797,9 @@
                 <a:latin typeface="Times New Roman" panose="02020603050405020304" pitchFamily="18" charset="0"/>
                 <a:ea typeface="Times New Roman" panose="02020603050405020304" pitchFamily="18" charset="0"/>
               </a:rPr>
-              <a:t/>
-            </a:r>
-            <a:br>
-              <a:rPr lang="en-US" sz="1200" b="1" dirty="0">
-                <a:solidFill>
-                  <a:schemeClr val="tx1"/>
-                </a:solidFill>
-                <a:effectLst/>
-                <a:latin typeface="Times New Roman" panose="02020603050405020304" pitchFamily="18" charset="0"/>
-                <a:ea typeface="Times New Roman" panose="02020603050405020304" pitchFamily="18" charset="0"/>
-              </a:rPr>
             </a:br>
             <a:r>
-              <a:rPr lang="en-US" sz="1400" b="1" dirty="0">
+              <a:rPr lang="en-US" b="1" dirty="0">
                 <a:solidFill>
                   <a:schemeClr val="tx1"/>
                 </a:solidFill>
@@ -12157,7 +12810,7 @@
               <a:t>Actor: </a:t>
             </a:r>
             <a:r>
-              <a:rPr lang="en-US" sz="1400" dirty="0">
+              <a:rPr lang="en-US" dirty="0">
                 <a:solidFill>
                   <a:schemeClr val="tx1"/>
                 </a:solidFill>
@@ -12168,7 +12821,7 @@
               <a:t>Server</a:t>
             </a:r>
             <a:br>
-              <a:rPr lang="en-US" sz="1400" dirty="0">
+              <a:rPr lang="en-US" dirty="0">
                 <a:solidFill>
                   <a:schemeClr val="tx1"/>
                 </a:solidFill>
@@ -12178,7 +12831,7 @@
               </a:rPr>
             </a:br>
             <a:r>
-              <a:rPr lang="en-US" sz="1400" b="1" dirty="0">
+              <a:rPr lang="en-US" b="1" dirty="0">
                 <a:solidFill>
                   <a:schemeClr val="tx1"/>
                 </a:solidFill>
@@ -12188,8 +12841,8 @@
               </a:rPr>
               <a:t>Basic Use Case Description: </a:t>
             </a:r>
-            <a:r>
-              <a:rPr lang="en-US" sz="1400" dirty="0">
+            <a:br>
+              <a:rPr lang="en-US" dirty="0">
                 <a:solidFill>
                   <a:schemeClr val="tx1"/>
                 </a:solidFill>
@@ -12197,10 +12850,9 @@
                 <a:latin typeface="+mn-lt"/>
                 <a:ea typeface="Times New Roman" panose="02020603050405020304" pitchFamily="18" charset="0"/>
               </a:rPr>
-              <a:t/>
-            </a:r>
-            <a:br>
-              <a:rPr lang="en-US" sz="1400" dirty="0">
+            </a:br>
+            <a:r>
+              <a:rPr lang="en-US" dirty="0">
                 <a:solidFill>
                   <a:schemeClr val="tx1"/>
                 </a:solidFill>
@@ -12208,9 +12860,10 @@
                 <a:latin typeface="+mn-lt"/>
                 <a:ea typeface="Times New Roman" panose="02020603050405020304" pitchFamily="18" charset="0"/>
               </a:rPr>
-            </a:br>
-            <a:r>
-              <a:rPr lang="en-US" sz="1400" dirty="0">
+              <a:t>Server reserves available table for the customer.</a:t>
+            </a:r>
+            <a:br>
+              <a:rPr lang="en-US" dirty="0">
                 <a:solidFill>
                   <a:schemeClr val="tx1"/>
                 </a:solidFill>
@@ -12218,10 +12871,9 @@
                 <a:latin typeface="+mn-lt"/>
                 <a:ea typeface="Times New Roman" panose="02020603050405020304" pitchFamily="18" charset="0"/>
               </a:rPr>
-              <a:t>Server reserves available table for the customer.</a:t>
-            </a:r>
-            <a:br>
-              <a:rPr lang="en-US" sz="1400" dirty="0">
+            </a:br>
+            <a:r>
+              <a:rPr lang="en-US" dirty="0">
                 <a:solidFill>
                   <a:schemeClr val="tx1"/>
                 </a:solidFill>
@@ -12229,9 +12881,10 @@
                 <a:latin typeface="+mn-lt"/>
                 <a:ea typeface="Times New Roman" panose="02020603050405020304" pitchFamily="18" charset="0"/>
               </a:rPr>
-            </a:br>
-            <a:r>
-              <a:rPr lang="en-US" sz="1400" dirty="0">
+              <a:t>Server sends order to the kitchen.</a:t>
+            </a:r>
+            <a:br>
+              <a:rPr lang="en-US" dirty="0">
                 <a:solidFill>
                   <a:schemeClr val="tx1"/>
                 </a:solidFill>
@@ -12239,10 +12892,9 @@
                 <a:latin typeface="+mn-lt"/>
                 <a:ea typeface="Times New Roman" panose="02020603050405020304" pitchFamily="18" charset="0"/>
               </a:rPr>
-              <a:t>Server sends order to the kitchen.</a:t>
-            </a:r>
-            <a:br>
-              <a:rPr lang="en-US" sz="1400" dirty="0">
+            </a:br>
+            <a:r>
+              <a:rPr lang="en-US" dirty="0">
                 <a:solidFill>
                   <a:schemeClr val="tx1"/>
                 </a:solidFill>
@@ -12250,9 +12902,10 @@
                 <a:latin typeface="+mn-lt"/>
                 <a:ea typeface="Times New Roman" panose="02020603050405020304" pitchFamily="18" charset="0"/>
               </a:rPr>
-            </a:br>
-            <a:r>
-              <a:rPr lang="en-US" sz="1400" dirty="0">
+              <a:t>Server gets notification of order completion</a:t>
+            </a:r>
+            <a:br>
+              <a:rPr lang="en-US" dirty="0">
                 <a:solidFill>
                   <a:schemeClr val="tx1"/>
                 </a:solidFill>
@@ -12260,10 +12913,9 @@
                 <a:latin typeface="+mn-lt"/>
                 <a:ea typeface="Times New Roman" panose="02020603050405020304" pitchFamily="18" charset="0"/>
               </a:rPr>
-              <a:t>Server gets notification of order completion</a:t>
-            </a:r>
-            <a:br>
-              <a:rPr lang="en-US" sz="1400" dirty="0">
+            </a:br>
+            <a:r>
+              <a:rPr lang="en-US" dirty="0">
                 <a:solidFill>
                   <a:schemeClr val="tx1"/>
                 </a:solidFill>
@@ -12271,9 +12923,10 @@
                 <a:latin typeface="+mn-lt"/>
                 <a:ea typeface="Times New Roman" panose="02020603050405020304" pitchFamily="18" charset="0"/>
               </a:rPr>
-            </a:br>
-            <a:r>
-              <a:rPr lang="en-US" sz="1400" dirty="0">
+              <a:t>and marks the order complete after order is </a:t>
+            </a:r>
+            <a:br>
+              <a:rPr lang="en-US" dirty="0">
                 <a:solidFill>
                   <a:schemeClr val="tx1"/>
                 </a:solidFill>
@@ -12281,10 +12934,9 @@
                 <a:latin typeface="+mn-lt"/>
                 <a:ea typeface="Times New Roman" panose="02020603050405020304" pitchFamily="18" charset="0"/>
               </a:rPr>
-              <a:t>and marks the order complete after order is </a:t>
-            </a:r>
-            <a:br>
-              <a:rPr lang="en-US" sz="1400" dirty="0">
+            </a:br>
+            <a:r>
+              <a:rPr lang="en-US" dirty="0">
                 <a:solidFill>
                   <a:schemeClr val="tx1"/>
                 </a:solidFill>
@@ -12292,9 +12944,10 @@
                 <a:latin typeface="+mn-lt"/>
                 <a:ea typeface="Times New Roman" panose="02020603050405020304" pitchFamily="18" charset="0"/>
               </a:rPr>
-            </a:br>
-            <a:r>
-              <a:rPr lang="en-US" sz="1400" dirty="0">
+              <a:t>served to the customer. </a:t>
+            </a:r>
+            <a:br>
+              <a:rPr lang="en-US" dirty="0">
                 <a:solidFill>
                   <a:schemeClr val="tx1"/>
                 </a:solidFill>
@@ -12302,10 +12955,9 @@
                 <a:latin typeface="+mn-lt"/>
                 <a:ea typeface="Times New Roman" panose="02020603050405020304" pitchFamily="18" charset="0"/>
               </a:rPr>
-              <a:t>served to the customer. </a:t>
-            </a:r>
+            </a:br>
             <a:br>
-              <a:rPr lang="en-US" sz="1400" dirty="0">
+              <a:rPr lang="en-US" dirty="0">
                 <a:solidFill>
                   <a:schemeClr val="tx1"/>
                 </a:solidFill>
@@ -12314,29 +12966,8 @@
                 <a:ea typeface="Times New Roman" panose="02020603050405020304" pitchFamily="18" charset="0"/>
               </a:rPr>
             </a:br>
-            <a:r>
-              <a:rPr lang="en-US" sz="1400" dirty="0">
-                <a:solidFill>
-                  <a:schemeClr val="tx1"/>
-                </a:solidFill>
-                <a:effectLst/>
-                <a:latin typeface="+mn-lt"/>
-                <a:ea typeface="Times New Roman" panose="02020603050405020304" pitchFamily="18" charset="0"/>
-              </a:rPr>
-              <a:t/>
-            </a:r>
             <a:br>
-              <a:rPr lang="en-US" sz="1400" dirty="0">
-                <a:solidFill>
-                  <a:schemeClr val="tx1"/>
-                </a:solidFill>
-                <a:effectLst/>
-                <a:latin typeface="+mn-lt"/>
-                <a:ea typeface="Times New Roman" panose="02020603050405020304" pitchFamily="18" charset="0"/>
-              </a:rPr>
-            </a:br>
-            <a:r>
-              <a:rPr lang="en-US" sz="1400" dirty="0">
+              <a:rPr lang="en-US" dirty="0">
                 <a:solidFill>
                   <a:schemeClr val="tx1"/>
                 </a:solidFill>
@@ -12345,10 +12976,9 @@
                 <a:ea typeface="Calibri" panose="020F0502020204030204" pitchFamily="34" charset="0"/>
                 <a:cs typeface="Times New Roman" panose="02020603050405020304" pitchFamily="18" charset="0"/>
               </a:rPr>
-              <a:t/>
-            </a:r>
-            <a:br>
-              <a:rPr lang="en-US" sz="1400" dirty="0">
+            </a:br>
+            <a:r>
+              <a:rPr lang="en-US" b="1" dirty="0">
                 <a:solidFill>
                   <a:schemeClr val="tx1"/>
                 </a:solidFill>
@@ -12357,9 +12987,10 @@
                 <a:ea typeface="Calibri" panose="020F0502020204030204" pitchFamily="34" charset="0"/>
                 <a:cs typeface="Times New Roman" panose="02020603050405020304" pitchFamily="18" charset="0"/>
               </a:rPr>
-            </a:br>
-            <a:r>
-              <a:rPr lang="en-US" sz="1400" b="1" dirty="0">
+              <a:t>Actor:</a:t>
+            </a:r>
+            <a:r>
+              <a:rPr lang="en-US" dirty="0">
                 <a:solidFill>
                   <a:schemeClr val="tx1"/>
                 </a:solidFill>
@@ -12368,10 +12999,21 @@
                 <a:ea typeface="Calibri" panose="020F0502020204030204" pitchFamily="34" charset="0"/>
                 <a:cs typeface="Times New Roman" panose="02020603050405020304" pitchFamily="18" charset="0"/>
               </a:rPr>
-              <a:t>Actor:</a:t>
-            </a:r>
-            <a:r>
-              <a:rPr lang="en-US" sz="1400" dirty="0">
+              <a:t> Line Cook </a:t>
+            </a:r>
+            <a:br>
+              <a:rPr lang="en-US" dirty="0">
+                <a:solidFill>
+                  <a:schemeClr val="tx1"/>
+                </a:solidFill>
+                <a:effectLst/>
+                <a:latin typeface="+mn-lt"/>
+                <a:ea typeface="Yu Mincho" panose="02020400000000000000" pitchFamily="18" charset="-128"/>
+                <a:cs typeface="Times New Roman" panose="02020603050405020304" pitchFamily="18" charset="0"/>
+              </a:rPr>
+            </a:br>
+            <a:r>
+              <a:rPr lang="en-US" b="1" dirty="0">
                 <a:solidFill>
                   <a:schemeClr val="tx1"/>
                 </a:solidFill>
@@ -12380,10 +13022,10 @@
                 <a:ea typeface="Calibri" panose="020F0502020204030204" pitchFamily="34" charset="0"/>
                 <a:cs typeface="Times New Roman" panose="02020603050405020304" pitchFamily="18" charset="0"/>
               </a:rPr>
-              <a:t> Line Cook </a:t>
-            </a:r>
-            <a:r>
-              <a:rPr lang="en-US" sz="1400" dirty="0">
+              <a:t>Basic Use Case Description:</a:t>
+            </a:r>
+            <a:br>
+              <a:rPr lang="en-US" dirty="0">
                 <a:solidFill>
                   <a:schemeClr val="tx1"/>
                 </a:solidFill>
@@ -12392,56 +13034,9 @@
                 <a:ea typeface="Yu Mincho" panose="02020400000000000000" pitchFamily="18" charset="-128"/>
                 <a:cs typeface="Times New Roman" panose="02020603050405020304" pitchFamily="18" charset="0"/>
               </a:rPr>
-              <a:t/>
-            </a:r>
-            <a:br>
-              <a:rPr lang="en-US" sz="1400" dirty="0">
-                <a:solidFill>
-                  <a:schemeClr val="tx1"/>
-                </a:solidFill>
-                <a:effectLst/>
-                <a:latin typeface="+mn-lt"/>
-                <a:ea typeface="Yu Mincho" panose="02020400000000000000" pitchFamily="18" charset="-128"/>
-                <a:cs typeface="Times New Roman" panose="02020603050405020304" pitchFamily="18" charset="0"/>
-              </a:rPr>
             </a:br>
             <a:r>
-              <a:rPr lang="en-US" sz="1400" b="1" dirty="0">
-                <a:solidFill>
-                  <a:schemeClr val="tx1"/>
-                </a:solidFill>
-                <a:effectLst/>
-                <a:latin typeface="+mn-lt"/>
-                <a:ea typeface="Calibri" panose="020F0502020204030204" pitchFamily="34" charset="0"/>
-                <a:cs typeface="Times New Roman" panose="02020603050405020304" pitchFamily="18" charset="0"/>
-              </a:rPr>
-              <a:t>Basic Use Case Description:</a:t>
-            </a:r>
-            <a:r>
-              <a:rPr lang="en-US" sz="1400" dirty="0">
-                <a:solidFill>
-                  <a:schemeClr val="tx1"/>
-                </a:solidFill>
-                <a:effectLst/>
-                <a:latin typeface="+mn-lt"/>
-                <a:ea typeface="Yu Mincho" panose="02020400000000000000" pitchFamily="18" charset="-128"/>
-                <a:cs typeface="Times New Roman" panose="02020603050405020304" pitchFamily="18" charset="0"/>
-              </a:rPr>
-              <a:t/>
-            </a:r>
-            <a:br>
-              <a:rPr lang="en-US" sz="1400" dirty="0">
-                <a:solidFill>
-                  <a:schemeClr val="tx1"/>
-                </a:solidFill>
-                <a:effectLst/>
-                <a:latin typeface="+mn-lt"/>
-                <a:ea typeface="Yu Mincho" panose="02020400000000000000" pitchFamily="18" charset="-128"/>
-                <a:cs typeface="Times New Roman" panose="02020603050405020304" pitchFamily="18" charset="0"/>
-              </a:rPr>
-            </a:br>
-            <a:r>
-              <a:rPr lang="en-US" sz="1400" dirty="0">
+              <a:rPr lang="en-US" dirty="0">
                 <a:solidFill>
                   <a:schemeClr val="tx1"/>
                 </a:solidFill>
@@ -12452,7 +13047,7 @@
               <a:t>Line cooks receive placed order with time stamps.</a:t>
             </a:r>
             <a:br>
-              <a:rPr lang="en-US" sz="1400" dirty="0">
+              <a:rPr lang="en-US" dirty="0">
                 <a:solidFill>
                   <a:schemeClr val="tx1"/>
                 </a:solidFill>
@@ -12462,7 +13057,7 @@
               </a:rPr>
             </a:br>
             <a:r>
-              <a:rPr lang="en-US" sz="1400" dirty="0">
+              <a:rPr lang="en-US" dirty="0">
                 <a:solidFill>
                   <a:schemeClr val="tx1"/>
                 </a:solidFill>
@@ -12473,7 +13068,7 @@
               <a:t>Line cooks check off individual items within order.</a:t>
             </a:r>
             <a:br>
-              <a:rPr lang="en-US" sz="1400" dirty="0">
+              <a:rPr lang="en-US" dirty="0">
                 <a:solidFill>
                   <a:schemeClr val="tx1"/>
                 </a:solidFill>
@@ -12483,7 +13078,7 @@
               </a:rPr>
             </a:br>
             <a:r>
-              <a:rPr lang="en-US" sz="1400" dirty="0">
+              <a:rPr lang="en-US" dirty="0">
                 <a:solidFill>
                   <a:schemeClr val="tx1"/>
                 </a:solidFill>
@@ -12493,14 +13088,6 @@
               </a:rPr>
               <a:t>Line cooks mark the order ready after all items within the order are prepared.</a:t>
             </a:r>
-            <a:r>
-              <a:rPr lang="en-US" sz="1000" dirty="0">
-                <a:effectLst/>
-                <a:latin typeface="Times New Roman" panose="02020603050405020304" pitchFamily="18" charset="0"/>
-                <a:ea typeface="Times New Roman" panose="02020603050405020304" pitchFamily="18" charset="0"/>
-              </a:rPr>
-              <a:t/>
-            </a:r>
             <a:br>
               <a:rPr lang="en-US" sz="1000" dirty="0">
                 <a:effectLst/>
@@ -12508,15 +13095,6 @@
                 <a:ea typeface="Times New Roman" panose="02020603050405020304" pitchFamily="18" charset="0"/>
               </a:rPr>
             </a:br>
-            <a:r>
-              <a:rPr lang="en-US" sz="1000" dirty="0">
-                <a:effectLst/>
-                <a:latin typeface="Calibri" panose="020F0502020204030204" pitchFamily="34" charset="0"/>
-                <a:ea typeface="Yu Mincho" panose="02020400000000000000" pitchFamily="18" charset="-128"/>
-                <a:cs typeface="Times New Roman" panose="02020603050405020304" pitchFamily="18" charset="0"/>
-              </a:rPr>
-              <a:t/>
-            </a:r>
             <a:br>
               <a:rPr lang="en-US" sz="1000" dirty="0">
                 <a:effectLst/>
@@ -12534,15 +13112,6 @@
               </a:rPr>
               <a:t> </a:t>
             </a:r>
-            <a:r>
-              <a:rPr lang="en-US" sz="800" dirty="0">
-                <a:effectLst/>
-                <a:latin typeface="Calibri" panose="020F0502020204030204" pitchFamily="34" charset="0"/>
-                <a:ea typeface="Yu Mincho" panose="02020400000000000000" pitchFamily="18" charset="-128"/>
-                <a:cs typeface="Times New Roman" panose="02020603050405020304" pitchFamily="18" charset="0"/>
-              </a:rPr>
-              <a:t/>
-            </a:r>
             <a:br>
               <a:rPr lang="en-US" sz="800" dirty="0">
                 <a:effectLst/>
@@ -12564,7 +13133,7 @@
           <p:cNvPr id="2" name="Text Placeholder 1">
             <a:extLst>
               <a:ext uri="{FF2B5EF4-FFF2-40B4-BE49-F238E27FC236}">
-                <a16:creationId xmlns:a16="http://schemas.microsoft.com/office/drawing/2014/main" xmlns="" id="{DAF72BBC-FC90-4B63-96CA-ABED853DBAD0}"/>
+                <a16:creationId xmlns:a16="http://schemas.microsoft.com/office/drawing/2014/main" id="{DAF72BBC-FC90-4B63-96CA-ABED853DBAD0}"/>
               </a:ext>
             </a:extLst>
           </p:cNvPr>
@@ -12577,7 +13146,7 @@
         </p:nvSpPr>
         <p:spPr>
           <a:xfrm>
-            <a:off x="1246178" y="672451"/>
+            <a:off x="1137122" y="-66780"/>
             <a:ext cx="9234488" cy="897622"/>
           </a:xfrm>
         </p:spPr>
@@ -12597,7 +13166,7 @@
           <p:cNvPr id="7" name="Title 4">
             <a:extLst>
               <a:ext uri="{FF2B5EF4-FFF2-40B4-BE49-F238E27FC236}">
-                <a16:creationId xmlns:a16="http://schemas.microsoft.com/office/drawing/2014/main" xmlns="" id="{83FE275C-4F61-F349-D635-66C97E72ED83}"/>
+                <a16:creationId xmlns:a16="http://schemas.microsoft.com/office/drawing/2014/main" id="{83FE275C-4F61-F349-D635-66C97E72ED83}"/>
               </a:ext>
             </a:extLst>
           </p:cNvPr>
@@ -12608,8 +13177,8 @@
         </p:nvSpPr>
         <p:spPr>
           <a:xfrm>
-            <a:off x="6300130" y="1661686"/>
-            <a:ext cx="5171930" cy="4655890"/>
+            <a:off x="6300130" y="1031846"/>
+            <a:ext cx="5171930" cy="5561900"/>
           </a:xfrm>
           <a:prstGeom prst="rect">
             <a:avLst/>
@@ -12663,7 +13232,7 @@
               </a:lnSpc>
             </a:pPr>
             <a:r>
-              <a:rPr lang="en-US" sz="1400" b="1" kern="0" dirty="0">
+              <a:rPr lang="en-US" sz="1600" b="1" kern="0" dirty="0">
                 <a:latin typeface="Calibri" panose="020F0502020204030204" pitchFamily="34" charset="0"/>
                 <a:ea typeface="Yu Mincho" panose="02020400000000000000" pitchFamily="18" charset="-128"/>
                 <a:cs typeface="Times New Roman" panose="02020603050405020304" pitchFamily="18" charset="0"/>
@@ -12671,7 +13240,7 @@
               <a:t>Actor</a:t>
             </a:r>
             <a:r>
-              <a:rPr lang="en-US" sz="1400" kern="0" dirty="0">
+              <a:rPr lang="en-US" sz="1600" kern="0" dirty="0">
                 <a:latin typeface="Calibri" panose="020F0502020204030204" pitchFamily="34" charset="0"/>
                 <a:ea typeface="Yu Mincho" panose="02020400000000000000" pitchFamily="18" charset="-128"/>
                 <a:cs typeface="Times New Roman" panose="02020603050405020304" pitchFamily="18" charset="0"/>
@@ -12686,7 +13255,7 @@
               </a:lnSpc>
             </a:pPr>
             <a:r>
-              <a:rPr lang="en-US" sz="1400" b="1" kern="0" dirty="0">
+              <a:rPr lang="en-US" sz="1600" b="1" kern="0" dirty="0">
                 <a:latin typeface="Calibri" panose="020F0502020204030204" pitchFamily="34" charset="0"/>
                 <a:ea typeface="Yu Mincho" panose="02020400000000000000" pitchFamily="18" charset="-128"/>
                 <a:cs typeface="Times New Roman" panose="02020603050405020304" pitchFamily="18" charset="0"/>
@@ -12701,7 +13270,7 @@
               </a:lnSpc>
             </a:pPr>
             <a:r>
-              <a:rPr lang="en-US" sz="1400" kern="0" dirty="0">
+              <a:rPr lang="en-US" sz="1600" kern="0" dirty="0">
                 <a:latin typeface="Calibri" panose="020F0502020204030204" pitchFamily="34" charset="0"/>
                 <a:ea typeface="Yu Mincho" panose="02020400000000000000" pitchFamily="18" charset="-128"/>
                 <a:cs typeface="Times New Roman" panose="02020603050405020304" pitchFamily="18" charset="0"/>
@@ -12716,7 +13285,7 @@
               </a:lnSpc>
             </a:pPr>
             <a:r>
-              <a:rPr lang="en-US" sz="1400" kern="0" dirty="0">
+              <a:rPr lang="en-US" sz="1600" kern="0" dirty="0">
                 <a:latin typeface="Calibri" panose="020F0502020204030204" pitchFamily="34" charset="0"/>
                 <a:ea typeface="Yu Mincho" panose="02020400000000000000" pitchFamily="18" charset="-128"/>
                 <a:cs typeface="Times New Roman" panose="02020603050405020304" pitchFamily="18" charset="0"/>
@@ -12730,7 +13299,7 @@
                 <a:spcPct val="107000"/>
               </a:lnSpc>
             </a:pPr>
-            <a:endParaRPr lang="en-US" sz="1400" kern="0" dirty="0">
+            <a:endParaRPr lang="en-US" sz="1600" kern="0" dirty="0">
               <a:latin typeface="Calibri" panose="020F0502020204030204" pitchFamily="34" charset="0"/>
               <a:ea typeface="Yu Mincho" panose="02020400000000000000" pitchFamily="18" charset="-128"/>
               <a:cs typeface="Times New Roman" panose="02020603050405020304" pitchFamily="18" charset="0"/>
@@ -12742,7 +13311,7 @@
                 <a:spcPct val="107000"/>
               </a:lnSpc>
             </a:pPr>
-            <a:endParaRPr lang="en-US" sz="1400" kern="0" dirty="0">
+            <a:endParaRPr lang="en-US" sz="1600" kern="0" dirty="0">
               <a:latin typeface="Calibri" panose="020F0502020204030204" pitchFamily="34" charset="0"/>
               <a:ea typeface="Yu Mincho" panose="02020400000000000000" pitchFamily="18" charset="-128"/>
               <a:cs typeface="Times New Roman" panose="02020603050405020304" pitchFamily="18" charset="0"/>
@@ -12755,7 +13324,7 @@
               </a:lnSpc>
             </a:pPr>
             <a:r>
-              <a:rPr lang="en-US" sz="1400" b="1" kern="0" dirty="0">
+              <a:rPr lang="en-US" sz="1600" b="1" kern="0" dirty="0">
                 <a:latin typeface="Calibri" panose="020F0502020204030204" pitchFamily="34" charset="0"/>
                 <a:ea typeface="Yu Mincho" panose="02020400000000000000" pitchFamily="18" charset="-128"/>
                 <a:cs typeface="Times New Roman" panose="02020603050405020304" pitchFamily="18" charset="0"/>
@@ -12763,7 +13332,7 @@
               <a:t>Actor</a:t>
             </a:r>
             <a:r>
-              <a:rPr lang="en-US" sz="1400" kern="0" dirty="0">
+              <a:rPr lang="en-US" sz="1600" kern="0" dirty="0">
                 <a:latin typeface="Calibri" panose="020F0502020204030204" pitchFamily="34" charset="0"/>
                 <a:ea typeface="Yu Mincho" panose="02020400000000000000" pitchFamily="18" charset="-128"/>
                 <a:cs typeface="Times New Roman" panose="02020603050405020304" pitchFamily="18" charset="0"/>
@@ -12778,7 +13347,7 @@
               </a:lnSpc>
             </a:pPr>
             <a:r>
-              <a:rPr lang="en-US" sz="1400" b="1" kern="0" dirty="0">
+              <a:rPr lang="en-US" sz="1600" b="1" kern="0" dirty="0">
                 <a:latin typeface="Calibri" panose="020F0502020204030204" pitchFamily="34" charset="0"/>
                 <a:ea typeface="Yu Mincho" panose="02020400000000000000" pitchFamily="18" charset="-128"/>
                 <a:cs typeface="Times New Roman" panose="02020603050405020304" pitchFamily="18" charset="0"/>
@@ -12786,7 +13355,7 @@
               <a:t>Basic Use Case Description</a:t>
             </a:r>
             <a:r>
-              <a:rPr lang="en-US" sz="1400" kern="0" dirty="0">
+              <a:rPr lang="en-US" sz="1600" kern="0" dirty="0">
                 <a:latin typeface="Calibri" panose="020F0502020204030204" pitchFamily="34" charset="0"/>
                 <a:ea typeface="Yu Mincho" panose="02020400000000000000" pitchFamily="18" charset="-128"/>
                 <a:cs typeface="Times New Roman" panose="02020603050405020304" pitchFamily="18" charset="0"/>
@@ -12801,7 +13370,7 @@
               </a:lnSpc>
             </a:pPr>
             <a:r>
-              <a:rPr lang="en-US" sz="1400" kern="0" dirty="0">
+              <a:rPr lang="en-US" sz="1600" kern="0" dirty="0">
                 <a:latin typeface="Calibri" panose="020F0502020204030204" pitchFamily="34" charset="0"/>
                 <a:ea typeface="Yu Mincho" panose="02020400000000000000" pitchFamily="18" charset="-128"/>
                 <a:cs typeface="Times New Roman" panose="02020603050405020304" pitchFamily="18" charset="0"/>
@@ -12816,7 +13385,7 @@
               </a:lnSpc>
             </a:pPr>
             <a:r>
-              <a:rPr lang="en-US" sz="1400" kern="0" dirty="0">
+              <a:rPr lang="en-US" sz="1600" kern="0" dirty="0">
                 <a:latin typeface="Calibri" panose="020F0502020204030204" pitchFamily="34" charset="0"/>
                 <a:ea typeface="Yu Mincho" panose="02020400000000000000" pitchFamily="18" charset="-128"/>
                 <a:cs typeface="Times New Roman" panose="02020603050405020304" pitchFamily="18" charset="0"/>
@@ -12831,7 +13400,7 @@
               </a:lnSpc>
             </a:pPr>
             <a:r>
-              <a:rPr lang="en-US" sz="1400" kern="0" dirty="0">
+              <a:rPr lang="en-US" sz="1600" kern="0" dirty="0">
                 <a:latin typeface="Calibri" panose="020F0502020204030204" pitchFamily="34" charset="0"/>
                 <a:ea typeface="Yu Mincho" panose="02020400000000000000" pitchFamily="18" charset="-128"/>
                 <a:cs typeface="Times New Roman" panose="02020603050405020304" pitchFamily="18" charset="0"/>
@@ -12846,7 +13415,7 @@
               </a:lnSpc>
             </a:pPr>
             <a:r>
-              <a:rPr lang="en-US" sz="1400" kern="0" dirty="0">
+              <a:rPr lang="en-US" sz="1600" kern="0" dirty="0">
                 <a:latin typeface="Calibri" panose="020F0502020204030204" pitchFamily="34" charset="0"/>
                 <a:ea typeface="Yu Mincho" panose="02020400000000000000" pitchFamily="18" charset="-128"/>
                 <a:cs typeface="Times New Roman" panose="02020603050405020304" pitchFamily="18" charset="0"/>
@@ -12861,7 +13430,7 @@
               </a:lnSpc>
             </a:pPr>
             <a:r>
-              <a:rPr lang="en-US" sz="1400" kern="0" dirty="0">
+              <a:rPr lang="en-US" sz="1600" kern="0" dirty="0">
                 <a:latin typeface="Calibri" panose="020F0502020204030204" pitchFamily="34" charset="0"/>
                 <a:ea typeface="Yu Mincho" panose="02020400000000000000" pitchFamily="18" charset="-128"/>
                 <a:cs typeface="Times New Roman" panose="02020603050405020304" pitchFamily="18" charset="0"/>
@@ -12875,17 +13444,6 @@
                 <a:spcPct val="107000"/>
               </a:lnSpc>
             </a:pPr>
-            <a:r>
-              <a:rPr lang="en-US" sz="1000" kern="0" dirty="0">
-                <a:solidFill>
-                  <a:sysClr val="windowText" lastClr="000000"/>
-                </a:solidFill>
-                <a:latin typeface="Calibri" panose="020F0502020204030204" pitchFamily="34" charset="0"/>
-                <a:ea typeface="Yu Mincho" panose="02020400000000000000" pitchFamily="18" charset="-128"/>
-                <a:cs typeface="Times New Roman" panose="02020603050405020304" pitchFamily="18" charset="0"/>
-              </a:rPr>
-              <a:t/>
-            </a:r>
             <a:br>
               <a:rPr lang="en-US" sz="1000" kern="0" dirty="0">
                 <a:solidFill>
@@ -12907,17 +13465,6 @@
               </a:rPr>
               <a:t> </a:t>
             </a:r>
-            <a:r>
-              <a:rPr lang="en-US" sz="800" kern="0" dirty="0">
-                <a:solidFill>
-                  <a:sysClr val="windowText" lastClr="000000"/>
-                </a:solidFill>
-                <a:latin typeface="Calibri" panose="020F0502020204030204" pitchFamily="34" charset="0"/>
-                <a:ea typeface="Yu Mincho" panose="02020400000000000000" pitchFamily="18" charset="-128"/>
-                <a:cs typeface="Times New Roman" panose="02020603050405020304" pitchFamily="18" charset="0"/>
-              </a:rPr>
-              <a:t/>
-            </a:r>
             <a:br>
               <a:rPr lang="en-US" sz="800" kern="0" dirty="0">
                 <a:solidFill>
@@ -12941,7 +13488,7 @@
     </p:spTree>
     <p:extLst>
       <p:ext uri="{BB962C8B-B14F-4D97-AF65-F5344CB8AC3E}">
-        <p14:creationId xmlns:p14="http://schemas.microsoft.com/office/powerpoint/2010/main" xmlns="" val="2573921310"/>
+        <p14:creationId xmlns:p14="http://schemas.microsoft.com/office/powerpoint/2010/main" val="2573921310"/>
       </p:ext>
     </p:extLst>
   </p:cSld>
@@ -13240,7 +13787,7 @@
   <a:extraClrSchemeLst/>
   <a:extLst>
     <a:ext uri="{05A4C25C-085E-4340-85A3-A5531E510DB2}">
-      <thm15:themeFamily xmlns:thm15="http://schemas.microsoft.com/office/thememl/2012/main" xmlns="" name="Tech presentation_Win32_LW_v2.potx" id="{3AEEB70B-72AA-432B-B699-7833EBF4B1FE}" vid="{14A49A59-25D4-4203-BE02-DE6939C7C5F6}"/>
+      <thm15:themeFamily xmlns:thm15="http://schemas.microsoft.com/office/thememl/2012/main" name="Tech presentation_Win32_LW_v2.potx" id="{3AEEB70B-72AA-432B-B699-7833EBF4B1FE}" vid="{14A49A59-25D4-4203-BE02-DE6939C7C5F6}"/>
     </a:ext>
   </a:extLst>
 </a:theme>
@@ -13535,7 +14082,7 @@
   <a:extraClrSchemeLst/>
   <a:extLst>
     <a:ext uri="{05A4C25C-085E-4340-85A3-A5531E510DB2}">
-      <thm15:themeFamily xmlns:thm15="http://schemas.microsoft.com/office/thememl/2012/main" xmlns="" name="Office Theme" id="{62F939B6-93AF-4DB8-9C6B-D6C7DFDC589F}" vid="{4A3C46E8-61CC-4603-A589-7422A47A8E4A}"/>
+      <thm15:themeFamily xmlns:thm15="http://schemas.microsoft.com/office/thememl/2012/main" name="Office Theme" id="{62F939B6-93AF-4DB8-9C6B-D6C7DFDC589F}" vid="{4A3C46E8-61CC-4603-A589-7422A47A8E4A}"/>
     </a:ext>
   </a:extLst>
 </a:theme>
@@ -13830,7 +14377,7 @@
   <a:extraClrSchemeLst/>
   <a:extLst>
     <a:ext uri="{05A4C25C-085E-4340-85A3-A5531E510DB2}">
-      <thm15:themeFamily xmlns:thm15="http://schemas.microsoft.com/office/thememl/2012/main" xmlns="" name="Office Theme" id="{62F939B6-93AF-4DB8-9C6B-D6C7DFDC589F}" vid="{4A3C46E8-61CC-4603-A589-7422A47A8E4A}"/>
+      <thm15:themeFamily xmlns:thm15="http://schemas.microsoft.com/office/thememl/2012/main" name="Office Theme" id="{62F939B6-93AF-4DB8-9C6B-D6C7DFDC589F}" vid="{4A3C46E8-61CC-4603-A589-7422A47A8E4A}"/>
     </a:ext>
   </a:extLst>
 </a:theme>
@@ -13846,6 +14393,15 @@
 </file>
 
 <file path=customXml/item2.xml><?xml version="1.0" encoding="utf-8"?>
+<?mso-contentType ?>
+<FormTemplates xmlns="http://schemas.microsoft.com/sharepoint/v3/contenttype/forms">
+  <Display>DocumentLibraryForm</Display>
+  <Edit>DocumentLibraryForm</Edit>
+  <New>DocumentLibraryForm</New>
+</FormTemplates>
+</file>
+
+<file path=customXml/item3.xml><?xml version="1.0" encoding="utf-8"?>
 <ct:contentTypeSchema xmlns:ct="http://schemas.microsoft.com/office/2006/metadata/contentType" xmlns:ma="http://schemas.microsoft.com/office/2006/metadata/properties/metaAttributes" ct:_="" ma:_="" ma:contentTypeName="Document" ma:contentTypeID="0x01010079F111ED35F8CC479449609E8A0923A6" ma:contentTypeVersion="12" ma:contentTypeDescription="Create a new document." ma:contentTypeScope="" ma:versionID="426e97fa315356fffbdcd9876fe988c2">
   <xsd:schema xmlns:xsd="http://www.w3.org/2001/XMLSchema" xmlns:xs="http://www.w3.org/2001/XMLSchema" xmlns:p="http://schemas.microsoft.com/office/2006/metadata/properties" xmlns:ns2="71af3243-3dd4-4a8d-8c0d-dd76da1f02a5" xmlns:ns3="16c05727-aa75-4e4a-9b5f-8a80a1165891" targetNamespace="http://schemas.microsoft.com/office/2006/metadata/properties" ma:root="true" ma:fieldsID="14b8f0def80e6d70ce3def20c90759ae" ns2:_="" ns3:_="">
     <xsd:import namespace="71af3243-3dd4-4a8d-8c0d-dd76da1f02a5"/>
@@ -14066,15 +14622,6 @@
 </ct:contentTypeSchema>
 </file>
 
-<file path=customXml/item3.xml><?xml version="1.0" encoding="utf-8"?>
-<?mso-contentType ?>
-<FormTemplates xmlns="http://schemas.microsoft.com/sharepoint/v3/contenttype/forms">
-  <Display>DocumentLibraryForm</Display>
-  <Edit>DocumentLibraryForm</Edit>
-  <New>DocumentLibraryForm</New>
-</FormTemplates>
-</file>
-
 <file path=customXml/itemProps1.xml><?xml version="1.0" encoding="utf-8"?>
 <ds:datastoreItem xmlns:ds="http://schemas.openxmlformats.org/officeDocument/2006/customXml" ds:itemID="{E3D9F223-918A-45AF-9B53-56AB9E5E2182}">
   <ds:schemaRefs>
@@ -14086,6 +14633,14 @@
 </file>
 
 <file path=customXml/itemProps2.xml><?xml version="1.0" encoding="utf-8"?>
+<ds:datastoreItem xmlns:ds="http://schemas.openxmlformats.org/officeDocument/2006/customXml" ds:itemID="{1B7E2D32-4FDD-4266-880C-17595B801432}">
+  <ds:schemaRefs>
+    <ds:schemaRef ds:uri="http://schemas.microsoft.com/sharepoint/v3/contenttype/forms"/>
+  </ds:schemaRefs>
+</ds:datastoreItem>
+</file>
+
+<file path=customXml/itemProps3.xml><?xml version="1.0" encoding="utf-8"?>
 <ds:datastoreItem xmlns:ds="http://schemas.openxmlformats.org/officeDocument/2006/customXml" ds:itemID="{55BB9993-D5F9-46FA-B2E5-80E3632E9820}">
   <ds:schemaRefs>
     <ds:schemaRef ds:uri="http://schemas.microsoft.com/office/2006/metadata/contentType"/>
@@ -14102,12 +14657,4 @@
     <ds:schemaRef ds:uri="http://schemas.microsoft.com/internal/obd"/>
   </ds:schemaRefs>
 </ds:datastoreItem>
-</file>
-
-<file path=customXml/itemProps3.xml><?xml version="1.0" encoding="utf-8"?>
-<ds:datastoreItem xmlns:ds="http://schemas.openxmlformats.org/officeDocument/2006/customXml" ds:itemID="{1B7E2D32-4FDD-4266-880C-17595B801432}">
-  <ds:schemaRefs>
-    <ds:schemaRef ds:uri="http://schemas.microsoft.com/sharepoint/v3/contenttype/forms"/>
-  </ds:schemaRefs>
-</ds:datastoreItem>
 </file>
--- a/CentRes.pptx
+++ b/CentRes.pptx
@@ -5,36 +5,35 @@
     <p:sldMasterId id="2147483648" r:id="rId4"/>
   </p:sldMasterIdLst>
   <p:notesMasterIdLst>
-    <p:notesMasterId r:id="rId29"/>
+    <p:notesMasterId r:id="rId28"/>
   </p:notesMasterIdLst>
   <p:handoutMasterIdLst>
-    <p:handoutMasterId r:id="rId30"/>
+    <p:handoutMasterId r:id="rId29"/>
   </p:handoutMasterIdLst>
   <p:sldIdLst>
     <p:sldId id="2448" r:id="rId5"/>
     <p:sldId id="2462" r:id="rId6"/>
-    <p:sldId id="2463" r:id="rId7"/>
-    <p:sldId id="2451" r:id="rId8"/>
-    <p:sldId id="259" r:id="rId9"/>
-    <p:sldId id="2464" r:id="rId10"/>
-    <p:sldId id="2450" r:id="rId11"/>
-    <p:sldId id="2466" r:id="rId12"/>
-    <p:sldId id="2465" r:id="rId13"/>
-    <p:sldId id="2467" r:id="rId14"/>
-    <p:sldId id="2457" r:id="rId15"/>
-    <p:sldId id="2476" r:id="rId16"/>
-    <p:sldId id="2474" r:id="rId17"/>
-    <p:sldId id="2475" r:id="rId18"/>
-    <p:sldId id="2456" r:id="rId19"/>
-    <p:sldId id="2478" r:id="rId20"/>
-    <p:sldId id="2468" r:id="rId21"/>
-    <p:sldId id="2479" r:id="rId22"/>
-    <p:sldId id="2470" r:id="rId23"/>
-    <p:sldId id="2473" r:id="rId24"/>
-    <p:sldId id="2477" r:id="rId25"/>
-    <p:sldId id="2471" r:id="rId26"/>
-    <p:sldId id="2472" r:id="rId27"/>
-    <p:sldId id="2436" r:id="rId28"/>
+    <p:sldId id="2451" r:id="rId7"/>
+    <p:sldId id="259" r:id="rId8"/>
+    <p:sldId id="2464" r:id="rId9"/>
+    <p:sldId id="2450" r:id="rId10"/>
+    <p:sldId id="2466" r:id="rId11"/>
+    <p:sldId id="2465" r:id="rId12"/>
+    <p:sldId id="2467" r:id="rId13"/>
+    <p:sldId id="2457" r:id="rId14"/>
+    <p:sldId id="2476" r:id="rId15"/>
+    <p:sldId id="2474" r:id="rId16"/>
+    <p:sldId id="2475" r:id="rId17"/>
+    <p:sldId id="2456" r:id="rId18"/>
+    <p:sldId id="2478" r:id="rId19"/>
+    <p:sldId id="2468" r:id="rId20"/>
+    <p:sldId id="2479" r:id="rId21"/>
+    <p:sldId id="2470" r:id="rId22"/>
+    <p:sldId id="2473" r:id="rId23"/>
+    <p:sldId id="2477" r:id="rId24"/>
+    <p:sldId id="2471" r:id="rId25"/>
+    <p:sldId id="2472" r:id="rId26"/>
+    <p:sldId id="2436" r:id="rId27"/>
   </p:sldIdLst>
   <p:sldSz cx="12192000" cy="6858000"/>
   <p:notesSz cx="6858000" cy="9144000"/>
@@ -255,7 +254,7 @@
             <a:fld id="{966D5B4E-BF3E-3B45-A4BA-D6C3B92870D7}" type="datetimeFigureOut">
               <a:rPr lang="en-US" smtClean="0"/>
               <a:pPr/>
-              <a:t>11/13/2022</a:t>
+              <a:t>11/15/2022</a:t>
             </a:fld>
             <a:endParaRPr lang="en-US" dirty="0"/>
           </a:p>
@@ -434,7 +433,7 @@
             <a:fld id="{F5A8621B-8C8E-49BA-8772-41D0FE75A082}" type="datetimeFigureOut">
               <a:rPr lang="en-US" smtClean="0"/>
               <a:pPr/>
-              <a:t>11/13/2022</a:t>
+              <a:t>11/15/2022</a:t>
             </a:fld>
             <a:endParaRPr lang="en-US" dirty="0"/>
           </a:p>
@@ -768,7 +767,7 @@
             <a:fld id="{228B34ED-4CDD-41C9-90F7-D768D5559A6F}" type="slidenum">
               <a:rPr lang="en-US" smtClean="0"/>
               <a:pPr/>
-              <a:t>5</a:t>
+              <a:t>4</a:t>
             </a:fld>
             <a:endParaRPr lang="en-US" dirty="0"/>
           </a:p>
@@ -853,7 +852,7 @@
             <a:fld id="{228B34ED-4CDD-41C9-90F7-D768D5559A6F}" type="slidenum">
               <a:rPr lang="en-US" smtClean="0"/>
               <a:pPr/>
-              <a:t>6</a:t>
+              <a:t>5</a:t>
             </a:fld>
             <a:endParaRPr lang="en-US" dirty="0"/>
           </a:p>
@@ -938,7 +937,7 @@
             <a:fld id="{228B34ED-4CDD-41C9-90F7-D768D5559A6F}" type="slidenum">
               <a:rPr lang="en-US" smtClean="0"/>
               <a:pPr/>
-              <a:t>15</a:t>
+              <a:t>14</a:t>
             </a:fld>
             <a:endParaRPr lang="en-US" dirty="0"/>
           </a:p>
@@ -1023,7 +1022,7 @@
             <a:fld id="{228B34ED-4CDD-41C9-90F7-D768D5559A6F}" type="slidenum">
               <a:rPr lang="en-US" smtClean="0"/>
               <a:pPr/>
-              <a:t>16</a:t>
+              <a:t>15</a:t>
             </a:fld>
             <a:endParaRPr lang="en-US" dirty="0"/>
           </a:p>
@@ -1108,7 +1107,7 @@
             <a:fld id="{228B34ED-4CDD-41C9-90F7-D768D5559A6F}" type="slidenum">
               <a:rPr lang="en-US" smtClean="0"/>
               <a:pPr/>
-              <a:t>17</a:t>
+              <a:t>16</a:t>
             </a:fld>
             <a:endParaRPr lang="en-US" dirty="0"/>
           </a:p>
@@ -1193,7 +1192,7 @@
             <a:fld id="{228B34ED-4CDD-41C9-90F7-D768D5559A6F}" type="slidenum">
               <a:rPr lang="en-US" smtClean="0"/>
               <a:pPr/>
-              <a:t>18</a:t>
+              <a:t>17</a:t>
             </a:fld>
             <a:endParaRPr lang="en-US" dirty="0"/>
           </a:p>
@@ -1278,7 +1277,7 @@
             <a:fld id="{228B34ED-4CDD-41C9-90F7-D768D5559A6F}" type="slidenum">
               <a:rPr lang="en-US" smtClean="0"/>
               <a:pPr/>
-              <a:t>19</a:t>
+              <a:t>18</a:t>
             </a:fld>
             <a:endParaRPr lang="en-US" dirty="0"/>
           </a:p>
@@ -1363,7 +1362,7 @@
             <a:fld id="{228B34ED-4CDD-41C9-90F7-D768D5559A6F}" type="slidenum">
               <a:rPr lang="en-US" smtClean="0"/>
               <a:pPr/>
-              <a:t>20</a:t>
+              <a:t>19</a:t>
             </a:fld>
             <a:endParaRPr lang="en-US" dirty="0"/>
           </a:p>
@@ -1448,7 +1447,7 @@
             <a:fld id="{228B34ED-4CDD-41C9-90F7-D768D5559A6F}" type="slidenum">
               <a:rPr lang="en-US" smtClean="0"/>
               <a:pPr/>
-              <a:t>21</a:t>
+              <a:t>20</a:t>
             </a:fld>
             <a:endParaRPr lang="en-US" dirty="0"/>
           </a:p>
@@ -6130,8 +6129,8 @@
         </p:nvSpPr>
         <p:spPr>
           <a:xfrm>
-            <a:off x="5707038" y="1677798"/>
-            <a:ext cx="6096000" cy="4860654"/>
+            <a:off x="5697206" y="1656060"/>
+            <a:ext cx="6096000" cy="4882392"/>
           </a:xfrm>
         </p:spPr>
         <p:txBody>
@@ -6141,74 +6140,77 @@
             <a:pPr algn="l"/>
             <a:r>
               <a:rPr lang="en-US" sz="1600" u="sng" spc="0" dirty="0"/>
-              <a:t>Business requirements:</a:t>
-            </a:r>
-          </a:p>
-          <a:p>
-            <a:pPr algn="l">
-              <a:buFont typeface="Arial" pitchFamily="34" charset="0"/>
+              <a:t>User Requirements:</a:t>
+            </a:r>
+          </a:p>
+          <a:p>
+            <a:pPr marL="285750" indent="-285750" algn="l">
+              <a:buFont typeface="Arial" panose="020B0604020202020204" pitchFamily="34" charset="0"/>
               <a:buChar char="•"/>
             </a:pPr>
             <a:r>
-              <a:rPr lang="en-US" sz="1600" spc="0" dirty="0"/>
-              <a:t>       Must:</a:t>
+              <a:rPr lang="en-US" sz="1600" cap="none" spc="0" dirty="0"/>
+              <a:t>Must allow manager to edit orders, alter bill, overview of wait times, view time stamps in order</a:t>
+            </a:r>
+          </a:p>
+          <a:p>
+            <a:pPr marL="285750" indent="-285750" algn="l">
+              <a:buFont typeface="Arial" panose="020B0604020202020204" pitchFamily="34" charset="0"/>
+              <a:buChar char="•"/>
+            </a:pPr>
+            <a:r>
+              <a:rPr lang="en-US" sz="1600" cap="none" spc="0" dirty="0"/>
+              <a:t>Must allow chef to view orders, time stamps for orders, and mark as ready</a:t>
+            </a:r>
+          </a:p>
+          <a:p>
+            <a:pPr marL="285750" indent="-285750" algn="l">
+              <a:buFont typeface="Arial" panose="020B0604020202020204" pitchFamily="34" charset="0"/>
+              <a:buChar char="•"/>
+            </a:pPr>
+            <a:r>
+              <a:rPr lang="en-US" sz="1600" cap="none" spc="0" dirty="0"/>
+              <a:t>Must allow chef to view orders, view tables, time stamp for orders, alter bill, view menu</a:t>
+            </a:r>
+          </a:p>
+          <a:p>
+            <a:pPr marL="285750" indent="-285750" algn="l">
+              <a:buFont typeface="Arial" panose="020B0604020202020204" pitchFamily="34" charset="0"/>
+              <a:buChar char="•"/>
+            </a:pPr>
+            <a:r>
+              <a:rPr lang="en-US" sz="1600" cap="none" spc="0" dirty="0"/>
+              <a:t>Must allow server to add to order, print check</a:t>
+            </a:r>
+          </a:p>
+          <a:p>
+            <a:pPr marL="285750" indent="-285750" algn="l">
+              <a:buFont typeface="Arial" panose="020B0604020202020204" pitchFamily="34" charset="0"/>
+              <a:buChar char="•"/>
+            </a:pPr>
+            <a:r>
+              <a:rPr lang="en-US" sz="1600" cap="none" spc="0" dirty="0"/>
+              <a:t>Must allow user to login with username and password</a:t>
+            </a:r>
+          </a:p>
+          <a:p>
+            <a:pPr marL="285750" indent="-285750" algn="l">
+              <a:buFont typeface="Arial" panose="020B0604020202020204" pitchFamily="34" charset="0"/>
+              <a:buChar char="•"/>
+            </a:pPr>
+            <a:r>
+              <a:rPr lang="en-US" sz="1600" cap="none" spc="0" dirty="0"/>
+              <a:t>Should allow host to manually mark tables as: a) Open for seating b) Seated  c) Need bussing.</a:t>
             </a:r>
           </a:p>
           <a:p>
             <a:pPr algn="l"/>
-            <a:r>
-              <a:rPr lang="en-US" sz="1600" cap="none" spc="0" dirty="0"/>
-              <a:t>	- System must be available on both IOS and Android</a:t>
-            </a:r>
-          </a:p>
-          <a:p>
-            <a:pPr algn="l"/>
-            <a:r>
-              <a:rPr lang="en-US" sz="1600" cap="none" spc="0" dirty="0"/>
-              <a:t>	- Effectively manage tables and orders</a:t>
-            </a:r>
-          </a:p>
-          <a:p>
-            <a:pPr algn="l"/>
-            <a:r>
-              <a:rPr lang="en-US" sz="1600" cap="none" spc="0" dirty="0"/>
-              <a:t>	- Weekly efficiency reports are generated</a:t>
-            </a:r>
-          </a:p>
-          <a:p>
-            <a:pPr algn="l"/>
-            <a:r>
-              <a:rPr lang="en-US" sz="1600" cap="none" spc="0" dirty="0"/>
-              <a:t>	- Provide real-time business metrics to track sales, 	operations, and customer service performance. </a:t>
-            </a:r>
-          </a:p>
-          <a:p>
-            <a:pPr algn="l">
-              <a:buFont typeface="Arial" pitchFamily="34" charset="0"/>
-              <a:buChar char="•"/>
-            </a:pPr>
-            <a:r>
-              <a:rPr lang="en-US" sz="1600" spc="0" dirty="0"/>
-              <a:t>        Should:</a:t>
-            </a:r>
-          </a:p>
-          <a:p>
-            <a:pPr algn="l"/>
-            <a:r>
-              <a:rPr lang="en-US" sz="1600" cap="none" spc="0" dirty="0"/>
-              <a:t>	- Keep long term data in a cloud or off-site server database 	with a data storage model allowing for frequent input of 	data but infrequent querying of that data (AWS)</a:t>
-            </a:r>
-          </a:p>
-          <a:p>
-            <a:pPr algn="l"/>
-            <a:r>
-              <a:rPr lang="en-US" sz="1600" cap="none" spc="0" dirty="0"/>
-              <a:t>	- Rolling out special opportunities and events for customers 	in the rewards program</a:t>
-            </a:r>
-          </a:p>
-          <a:p>
-            <a:pPr algn="l"/>
-            <a:endParaRPr lang="en-US" spc="0" dirty="0"/>
+            <a:endParaRPr lang="en-US" sz="1200" cap="none" spc="0" dirty="0">
+              <a:cs typeface="Arial" panose="020B0604020202020204" pitchFamily="34" charset="0"/>
+            </a:endParaRPr>
+          </a:p>
+          <a:p>
+            <a:endParaRPr lang="en-US" sz="1200" spc="0" dirty="0"/>
           </a:p>
         </p:txBody>
       </p:sp>
@@ -6245,7 +6247,7 @@
     </p:spTree>
     <p:extLst>
       <p:ext uri="{BB962C8B-B14F-4D97-AF65-F5344CB8AC3E}">
-        <p14:creationId xmlns:p14="http://schemas.microsoft.com/office/powerpoint/2010/main" val="2692241771"/>
+        <p14:creationId xmlns:p14="http://schemas.microsoft.com/office/powerpoint/2010/main" val="3164405530"/>
       </p:ext>
     </p:extLst>
   </p:cSld>
@@ -6363,8 +6365,8 @@
         </p:nvSpPr>
         <p:spPr>
           <a:xfrm>
-            <a:off x="5697206" y="1656060"/>
-            <a:ext cx="6096000" cy="4882392"/>
+            <a:off x="5697206" y="1728132"/>
+            <a:ext cx="6096000" cy="4840447"/>
           </a:xfrm>
         </p:spPr>
         <p:txBody>
@@ -6373,78 +6375,92 @@
           <a:p>
             <a:pPr algn="l"/>
             <a:r>
-              <a:rPr lang="en-US" sz="1600" u="sng" spc="0" dirty="0"/>
-              <a:t>User Requirements:</a:t>
-            </a:r>
-          </a:p>
-          <a:p>
-            <a:pPr algn="l">
-              <a:buFont typeface="Arial" pitchFamily="34" charset="0"/>
+              <a:rPr lang="en-US" sz="1600" b="1" u="sng" spc="0" dirty="0">
+                <a:cs typeface="Arial" panose="020B0604020202020204" pitchFamily="34" charset="0"/>
+              </a:rPr>
+              <a:t>Functional requirements</a:t>
+            </a:r>
+          </a:p>
+          <a:p>
+            <a:pPr marL="285750" indent="-285750" algn="l">
+              <a:buFont typeface="Arial" panose="020B0604020202020204" pitchFamily="34" charset="0"/>
               <a:buChar char="•"/>
             </a:pPr>
             <a:r>
-              <a:rPr lang="en-US" sz="1600" spc="0" dirty="0"/>
-              <a:t>        Must:</a:t>
-            </a:r>
-          </a:p>
-          <a:p>
-            <a:pPr algn="l"/>
-            <a:r>
-              <a:rPr lang="en-US" sz="1600" cap="none" spc="0" dirty="0"/>
-              <a:t>	- Manager can edit orders, alter bill, overview of wait times, 	view time stamps in order</a:t>
-            </a:r>
-          </a:p>
-          <a:p>
-            <a:pPr algn="l"/>
-            <a:r>
-              <a:rPr lang="en-US" sz="1600" cap="none" spc="0" dirty="0"/>
-              <a:t>	- Chef can view orders, time stamps for orders, and mark as 	ready</a:t>
-            </a:r>
-          </a:p>
-          <a:p>
-            <a:pPr algn="l"/>
-            <a:r>
-              <a:rPr lang="en-US" sz="1600" cap="none" spc="0" dirty="0"/>
-              <a:t>	- Waiter can view orders, view tables, time stamp for orders, 	alter bill, view menu</a:t>
-            </a:r>
-          </a:p>
-          <a:p>
-            <a:pPr algn="l"/>
-            <a:r>
-              <a:rPr lang="en-US" sz="1600" cap="none" spc="0" dirty="0"/>
-              <a:t>	- Waiter can add to order, print check</a:t>
-            </a:r>
-          </a:p>
-          <a:p>
-            <a:pPr algn="l"/>
-            <a:r>
-              <a:rPr lang="en-US" sz="1600" cap="none" spc="0" dirty="0"/>
-              <a:t>	- User can login with username and password</a:t>
-            </a:r>
-          </a:p>
-          <a:p>
-            <a:pPr algn="l">
-              <a:buFont typeface="Arial" pitchFamily="34" charset="0"/>
+              <a:rPr lang="en-US" sz="1600" b="1" cap="none" spc="0" dirty="0">
+                <a:cs typeface="Arial" panose="020B0604020202020204" pitchFamily="34" charset="0"/>
+              </a:rPr>
+              <a:t>Must display </a:t>
+            </a:r>
+            <a:r>
+              <a:rPr lang="en-US" sz="1600" cap="none" spc="0" dirty="0">
+                <a:cs typeface="Arial" panose="020B0604020202020204" pitchFamily="34" charset="0"/>
+              </a:rPr>
+              <a:t>menu when requested</a:t>
+            </a:r>
+          </a:p>
+          <a:p>
+            <a:pPr marL="285750" indent="-285750" algn="l">
+              <a:buFont typeface="Arial" panose="020B0604020202020204" pitchFamily="34" charset="0"/>
               <a:buChar char="•"/>
             </a:pPr>
             <a:r>
-              <a:rPr lang="en-US" sz="1600" spc="0" dirty="0"/>
-              <a:t>        Should:</a:t>
-            </a:r>
-          </a:p>
-          <a:p>
-            <a:pPr algn="l"/>
-            <a:r>
-              <a:rPr lang="en-US" sz="1600" spc="0" dirty="0"/>
-              <a:t>	- </a:t>
-            </a:r>
-            <a:r>
-              <a:rPr lang="en-US" sz="1600" cap="none" spc="0" dirty="0"/>
-              <a:t>Host staff can manually mark tables as: a) Open for seating.  	b) Seated.  c) Need bussing.</a:t>
-            </a:r>
-          </a:p>
-          <a:p>
-            <a:pPr algn="l"/>
+              <a:rPr lang="en-US" sz="1600" cap="none" spc="0" dirty="0">
+                <a:cs typeface="Arial" panose="020B0604020202020204" pitchFamily="34" charset="0"/>
+              </a:rPr>
+              <a:t>Must display orders, bill, wait times,  and time stamps when requested</a:t>
+            </a:r>
+          </a:p>
+          <a:p>
+            <a:pPr marL="285750" indent="-285750" algn="l">
+              <a:buFont typeface="Arial" panose="020B0604020202020204" pitchFamily="34" charset="0"/>
+              <a:buChar char="•"/>
+            </a:pPr>
+            <a:r>
+              <a:rPr lang="en-US" sz="1600" cap="none" spc="0" dirty="0">
+                <a:cs typeface="Arial" panose="020B0604020202020204" pitchFamily="34" charset="0"/>
+              </a:rPr>
+              <a:t>Must allow user to login  when successfully entering in user an password</a:t>
+            </a:r>
+            <a:endParaRPr lang="en-US" sz="1600" spc="0" dirty="0">
+              <a:cs typeface="Arial" panose="020B0604020202020204" pitchFamily="34" charset="0"/>
+            </a:endParaRPr>
+          </a:p>
+          <a:p>
+            <a:pPr marL="285750" indent="-285750" algn="l">
+              <a:buFont typeface="Arial" panose="020B0604020202020204" pitchFamily="34" charset="0"/>
+              <a:buChar char="•"/>
+            </a:pPr>
+            <a:r>
+              <a:rPr lang="en-US" sz="1600" cap="none" spc="0" dirty="0">
+                <a:cs typeface="Arial" panose="020B0604020202020204" pitchFamily="34" charset="0"/>
+              </a:rPr>
+              <a:t>Should use 2fa for manager login to secure admin privileges (two factor authentication)</a:t>
+            </a:r>
+          </a:p>
+          <a:p>
+            <a:pPr marL="285750" indent="-285750" algn="l">
+              <a:buFont typeface="Arial" panose="020B0604020202020204" pitchFamily="34" charset="0"/>
+              <a:buChar char="•"/>
+            </a:pPr>
+            <a:r>
+              <a:rPr lang="en-US" sz="1600" cap="none" spc="0" dirty="0">
+                <a:cs typeface="Arial" panose="020B0604020202020204" pitchFamily="34" charset="0"/>
+              </a:rPr>
+              <a:t>Should keep track of volume over time to create a predictive model for future use</a:t>
+            </a:r>
+          </a:p>
+          <a:p>
+            <a:pPr marL="285750" indent="-285750" algn="l">
+              <a:buFont typeface="Arial" panose="020B0604020202020204" pitchFamily="34" charset="0"/>
+              <a:buChar char="•"/>
+            </a:pPr>
+            <a:r>
+              <a:rPr lang="en-US" sz="1600" cap="none" spc="0" dirty="0">
+                <a:cs typeface="Arial" panose="020B0604020202020204" pitchFamily="34" charset="0"/>
+              </a:rPr>
+              <a:t>Should require user log back in after tablet/device is idle for more than 60 seconds</a:t>
+            </a:r>
             <a:endParaRPr lang="en-US" sz="1200" cap="none" spc="0" dirty="0">
               <a:cs typeface="Arial" panose="020B0604020202020204" pitchFamily="34" charset="0"/>
             </a:endParaRPr>
@@ -6487,7 +6503,7 @@
     </p:spTree>
     <p:extLst>
       <p:ext uri="{BB962C8B-B14F-4D97-AF65-F5344CB8AC3E}">
-        <p14:creationId xmlns:p14="http://schemas.microsoft.com/office/powerpoint/2010/main" val="3164405530"/>
+        <p14:creationId xmlns:p14="http://schemas.microsoft.com/office/powerpoint/2010/main" val="257715524"/>
       </p:ext>
     </p:extLst>
   </p:cSld>
@@ -6605,8 +6621,8 @@
         </p:nvSpPr>
         <p:spPr>
           <a:xfrm>
-            <a:off x="5697206" y="1728132"/>
-            <a:ext cx="6096000" cy="4840447"/>
+            <a:off x="5766032" y="1493241"/>
+            <a:ext cx="6096000" cy="4882392"/>
           </a:xfrm>
         </p:spPr>
         <p:txBody>
@@ -6618,8 +6634,11 @@
               <a:rPr lang="en-US" sz="1600" b="1" u="sng" spc="0" dirty="0">
                 <a:cs typeface="Arial" panose="020B0604020202020204" pitchFamily="34" charset="0"/>
               </a:rPr>
-              <a:t>Functional requirements</a:t>
-            </a:r>
+              <a:t>NON-Functional requirements</a:t>
+            </a:r>
+            <a:endParaRPr lang="en-US" sz="1600" spc="0" dirty="0">
+              <a:cs typeface="Arial" panose="020B0604020202020204" pitchFamily="34" charset="0"/>
+            </a:endParaRPr>
           </a:p>
           <a:p>
             <a:pPr marL="285750" indent="-285750" algn="l">
@@ -6627,47 +6646,11 @@
               <a:buChar char="•"/>
             </a:pPr>
             <a:r>
-              <a:rPr lang="en-US" sz="1600" spc="0" dirty="0">
-                <a:cs typeface="Arial" panose="020B0604020202020204" pitchFamily="34" charset="0"/>
-              </a:rPr>
-              <a:t>Must:</a:t>
-            </a:r>
-          </a:p>
-          <a:p>
-            <a:pPr algn="l"/>
-            <a:r>
-              <a:rPr lang="en-US" sz="1600" spc="0" dirty="0">
-                <a:cs typeface="Arial" panose="020B0604020202020204" pitchFamily="34" charset="0"/>
-              </a:rPr>
-              <a:t>	- </a:t>
-            </a:r>
-            <a:r>
               <a:rPr lang="en-US" sz="1600" cap="none" spc="0" dirty="0">
                 <a:cs typeface="Arial" panose="020B0604020202020204" pitchFamily="34" charset="0"/>
               </a:rPr>
-              <a:t>Display menu when requested</a:t>
-            </a:r>
-          </a:p>
-          <a:p>
-            <a:pPr algn="l"/>
-            <a:r>
-              <a:rPr lang="en-US" sz="1600" cap="none" spc="0" dirty="0">
-                <a:cs typeface="Arial" panose="020B0604020202020204" pitchFamily="34" charset="0"/>
-              </a:rPr>
-              <a:t>	- Display orders, bill, wait times,  and time stamps when 	requested</a:t>
-            </a:r>
-          </a:p>
-          <a:p>
-            <a:pPr algn="l"/>
-            <a:r>
-              <a:rPr lang="en-US" sz="1600" cap="none" spc="0" dirty="0">
-                <a:cs typeface="Arial" panose="020B0604020202020204" pitchFamily="34" charset="0"/>
-              </a:rPr>
-              <a:t>	- Allow user to login  when successfully entering in user and 	password</a:t>
-            </a:r>
-            <a:endParaRPr lang="en-US" sz="1600" spc="0" dirty="0">
-              <a:cs typeface="Arial" panose="020B0604020202020204" pitchFamily="34" charset="0"/>
-            </a:endParaRPr>
+              <a:t>Must have database that will update in a timely manner to keep communication between users accurate	</a:t>
+            </a:r>
           </a:p>
           <a:p>
             <a:pPr marL="285750" indent="-285750" algn="l">
@@ -6675,50 +6658,65 @@
               <a:buChar char="•"/>
             </a:pPr>
             <a:r>
-              <a:rPr lang="en-US" sz="1600" spc="0" dirty="0">
-                <a:cs typeface="Arial" panose="020B0604020202020204" pitchFamily="34" charset="0"/>
-              </a:rPr>
-              <a:t>Should:</a:t>
-            </a:r>
-          </a:p>
-          <a:p>
-            <a:pPr algn="l"/>
-            <a:r>
-              <a:rPr lang="en-US" sz="1600" spc="0" dirty="0">
-                <a:cs typeface="Arial" panose="020B0604020202020204" pitchFamily="34" charset="0"/>
-              </a:rPr>
-              <a:t>	- </a:t>
-            </a:r>
-            <a:r>
               <a:rPr lang="en-US" sz="1600" cap="none" spc="0" dirty="0">
                 <a:cs typeface="Arial" panose="020B0604020202020204" pitchFamily="34" charset="0"/>
               </a:rPr>
-              <a:t>Use 2fa for manager login to secure admin privileges (two 	factor authentication)</a:t>
-            </a:r>
-          </a:p>
-          <a:p>
-            <a:pPr algn="l"/>
+              <a:t>Must display orders, bill, wait times,  and time stamps when requested</a:t>
+            </a:r>
+          </a:p>
+          <a:p>
+            <a:pPr marL="285750" indent="-285750" algn="l">
+              <a:buFont typeface="Arial" panose="020B0604020202020204" pitchFamily="34" charset="0"/>
+              <a:buChar char="•"/>
+            </a:pPr>
             <a:r>
               <a:rPr lang="en-US" sz="1600" cap="none" spc="0" dirty="0">
                 <a:cs typeface="Arial" panose="020B0604020202020204" pitchFamily="34" charset="0"/>
               </a:rPr>
-              <a:t>	- Keep track of volume over time to create a predictive 	model for future use</a:t>
-            </a:r>
-          </a:p>
-          <a:p>
-            <a:pPr algn="l"/>
+              <a:t>Must have password that meets defined criteria</a:t>
+            </a:r>
+          </a:p>
+          <a:p>
+            <a:pPr marL="285750" indent="-285750" algn="l">
+              <a:buFont typeface="Arial" panose="020B0604020202020204" pitchFamily="34" charset="0"/>
+              <a:buChar char="•"/>
+            </a:pPr>
             <a:r>
               <a:rPr lang="en-US" sz="1600" cap="none" spc="0" dirty="0">
                 <a:cs typeface="Arial" panose="020B0604020202020204" pitchFamily="34" charset="0"/>
               </a:rPr>
-              <a:t>	- Require user log back in after tablet/device is idle for more 	than 60 seconds</a:t>
-            </a:r>
-            <a:endParaRPr lang="en-US" sz="1200" cap="none" spc="0" dirty="0">
+              <a:t>Must not allow fault input to a field</a:t>
+            </a:r>
+          </a:p>
+          <a:p>
+            <a:pPr marL="285750" indent="-285750" algn="l">
+              <a:buFont typeface="Arial" panose="020B0604020202020204" pitchFamily="34" charset="0"/>
+              <a:buChar char="•"/>
+            </a:pPr>
+            <a:r>
+              <a:rPr lang="en-US" sz="1600" cap="none" spc="0" dirty="0">
+                <a:cs typeface="Arial" panose="020B0604020202020204" pitchFamily="34" charset="0"/>
+              </a:rPr>
+              <a:t>Must allow users to be able to access what they have permission to see</a:t>
+            </a:r>
+          </a:p>
+          <a:p>
+            <a:pPr marL="285750" indent="-285750" algn="l">
+              <a:buFont typeface="Arial" panose="020B0604020202020204" pitchFamily="34" charset="0"/>
+              <a:buChar char="•"/>
+            </a:pPr>
+            <a:r>
+              <a:rPr lang="en-US" sz="1600" cap="none" spc="0" dirty="0">
+                <a:cs typeface="Arial" panose="020B0604020202020204" pitchFamily="34" charset="0"/>
+              </a:rPr>
+              <a:t>Must allow the system to support enough logged in users at any given time to satisfy the restaurants requirements for access frequency</a:t>
+            </a:r>
+          </a:p>
+          <a:p>
+            <a:pPr algn="l"/>
+            <a:endParaRPr lang="en-US" sz="1400" spc="0" dirty="0">
               <a:cs typeface="Arial" panose="020B0604020202020204" pitchFamily="34" charset="0"/>
             </a:endParaRPr>
-          </a:p>
-          <a:p>
-            <a:endParaRPr lang="en-US" sz="1200" spc="0" dirty="0"/>
           </a:p>
         </p:txBody>
       </p:sp>
@@ -6755,7 +6753,7 @@
     </p:spTree>
     <p:extLst>
       <p:ext uri="{BB962C8B-B14F-4D97-AF65-F5344CB8AC3E}">
-        <p14:creationId xmlns:p14="http://schemas.microsoft.com/office/powerpoint/2010/main" val="257715524"/>
+        <p14:creationId xmlns:p14="http://schemas.microsoft.com/office/powerpoint/2010/main" val="3800372191"/>
       </p:ext>
     </p:extLst>
   </p:cSld>
@@ -6874,7 +6872,7 @@
         <p:spPr>
           <a:xfrm>
             <a:off x="5766032" y="1518408"/>
-            <a:ext cx="6096000" cy="4882392"/>
+            <a:ext cx="6096000" cy="5016616"/>
           </a:xfrm>
         </p:spPr>
         <p:txBody>
@@ -6886,7 +6884,7 @@
               <a:rPr lang="en-US" sz="1600" b="1" u="sng" spc="0" dirty="0">
                 <a:cs typeface="Arial" panose="020B0604020202020204" pitchFamily="34" charset="0"/>
               </a:rPr>
-              <a:t>NON-Functional requirements</a:t>
+              <a:t>NON-Functional requirements (continued)</a:t>
             </a:r>
           </a:p>
           <a:p>
@@ -6895,77 +6893,74 @@
               <a:buChar char="•"/>
             </a:pPr>
             <a:r>
+              <a:rPr lang="en-US" sz="1600" cap="none" spc="0" dirty="0">
+                <a:cs typeface="Arial" panose="020B0604020202020204" pitchFamily="34" charset="0"/>
+              </a:rPr>
+              <a:t>Should</a:t>
+            </a:r>
+            <a:r>
               <a:rPr lang="en-US" sz="1600" spc="0" dirty="0">
                 <a:cs typeface="Arial" panose="020B0604020202020204" pitchFamily="34" charset="0"/>
               </a:rPr>
-              <a:t>Must:</a:t>
-            </a:r>
-          </a:p>
-          <a:p>
-            <a:pPr algn="l"/>
-            <a:r>
-              <a:rPr lang="en-US" sz="1600" spc="0" dirty="0">
-                <a:cs typeface="Arial" panose="020B0604020202020204" pitchFamily="34" charset="0"/>
-              </a:rPr>
-              <a:t>	-</a:t>
+              <a:t> </a:t>
             </a:r>
             <a:r>
               <a:rPr lang="en-US" sz="1600" cap="none" spc="0" dirty="0">
                 <a:cs typeface="Arial" panose="020B0604020202020204" pitchFamily="34" charset="0"/>
               </a:rPr>
-              <a:t>Database should update in a timely manner to keep 	communication between users accurate	</a:t>
-            </a:r>
-          </a:p>
-          <a:p>
-            <a:pPr algn="l"/>
+              <a:t>scale the restaurant table display volume and placement based on remodeling and rearrangement</a:t>
+            </a:r>
+          </a:p>
+          <a:p>
+            <a:pPr marL="285750" indent="-285750" algn="l">
+              <a:buFont typeface="Arial" panose="020B0604020202020204" pitchFamily="34" charset="0"/>
+              <a:buChar char="•"/>
+            </a:pPr>
             <a:r>
               <a:rPr lang="en-US" sz="1600" cap="none" spc="0" dirty="0">
                 <a:cs typeface="Arial" panose="020B0604020202020204" pitchFamily="34" charset="0"/>
               </a:rPr>
-              <a:t>	-Display orders, bill, wait times,  and time stamps when 	requested</a:t>
-            </a:r>
-          </a:p>
-          <a:p>
-            <a:pPr algn="l"/>
+              <a:t>Should use  local database for efficiency and external/cloud-based database for long term data collection for aggregation	</a:t>
+            </a:r>
+          </a:p>
+          <a:p>
+            <a:pPr marL="285750" indent="-285750" algn="l">
+              <a:buFont typeface="Arial" panose="020B0604020202020204" pitchFamily="34" charset="0"/>
+              <a:buChar char="•"/>
+            </a:pPr>
             <a:r>
               <a:rPr lang="en-US" sz="1600" cap="none" spc="0" dirty="0">
                 <a:cs typeface="Arial" panose="020B0604020202020204" pitchFamily="34" charset="0"/>
               </a:rPr>
-              <a:t>	-Password must meet defined password criteria</a:t>
-            </a:r>
-          </a:p>
-          <a:p>
-            <a:pPr algn="l"/>
+              <a:t>Should keep track of each table as an object with data attributes such as item orders per seat, bill cost, wait time</a:t>
+            </a:r>
+            <a:endParaRPr lang="en-US" sz="1600" b="1" u="sng" spc="0" dirty="0">
+              <a:cs typeface="Arial" panose="020B0604020202020204" pitchFamily="34" charset="0"/>
+            </a:endParaRPr>
+          </a:p>
+          <a:p>
+            <a:pPr marL="285750" indent="-285750" algn="l">
+              <a:buFont typeface="Arial" panose="020B0604020202020204" pitchFamily="34" charset="0"/>
+              <a:buChar char="•"/>
+            </a:pPr>
             <a:r>
               <a:rPr lang="en-US" sz="1600" cap="none" spc="0" dirty="0">
                 <a:cs typeface="Arial" panose="020B0604020202020204" pitchFamily="34" charset="0"/>
               </a:rPr>
-              <a:t>	-Must not allow fault input to a field</a:t>
-            </a:r>
-          </a:p>
-          <a:p>
-            <a:pPr algn="l"/>
+              <a:t>Could use a third-party security/authentication system to avoid unwanted manipulation</a:t>
+            </a:r>
+          </a:p>
+          <a:p>
+            <a:pPr marL="285750" indent="-285750" algn="l">
+              <a:buFont typeface="Arial" panose="020B0604020202020204" pitchFamily="34" charset="0"/>
+              <a:buChar char="•"/>
+            </a:pPr>
             <a:r>
               <a:rPr lang="en-US" sz="1600" cap="none" spc="0" dirty="0">
                 <a:cs typeface="Arial" panose="020B0604020202020204" pitchFamily="34" charset="0"/>
               </a:rPr>
-              <a:t>	-Users must only be able to access what they have 	permission to see</a:t>
-            </a:r>
-          </a:p>
-          <a:p>
-            <a:pPr algn="l"/>
-            <a:r>
-              <a:rPr lang="en-US" sz="1600" cap="none" spc="0" dirty="0">
-                <a:cs typeface="Arial" panose="020B0604020202020204" pitchFamily="34" charset="0"/>
-              </a:rPr>
-              <a:t>	-The system should support enough logged in users at any 	given time to satisfy 	the restaurants requirements for 	access frequency</a:t>
-            </a:r>
-          </a:p>
-          <a:p>
-            <a:pPr algn="l"/>
-            <a:endParaRPr lang="en-US" sz="1400" spc="0" dirty="0">
-              <a:cs typeface="Arial" panose="020B0604020202020204" pitchFamily="34" charset="0"/>
-            </a:endParaRPr>
+              <a:t>Could implement customer rewards program with customer email</a:t>
+            </a:r>
           </a:p>
         </p:txBody>
       </p:sp>
@@ -7002,7 +6997,7 @@
     </p:spTree>
     <p:extLst>
       <p:ext uri="{BB962C8B-B14F-4D97-AF65-F5344CB8AC3E}">
-        <p14:creationId xmlns:p14="http://schemas.microsoft.com/office/powerpoint/2010/main" val="3800372191"/>
+        <p14:creationId xmlns:p14="http://schemas.microsoft.com/office/powerpoint/2010/main" val="2280711133"/>
       </p:ext>
     </p:extLst>
   </p:cSld>
@@ -7031,10 +7026,10 @@
       </p:grpSpPr>
       <p:sp>
         <p:nvSpPr>
-          <p:cNvPr id="3" name="Title 2">
-            <a:extLst>
-              <a:ext uri="{FF2B5EF4-FFF2-40B4-BE49-F238E27FC236}">
-                <a16:creationId xmlns:a16="http://schemas.microsoft.com/office/drawing/2014/main" id="{1D24B42B-925B-494C-A986-BD85E8117E1E}"/>
+          <p:cNvPr id="2" name="Title 1">
+            <a:extLst>
+              <a:ext uri="{FF2B5EF4-FFF2-40B4-BE49-F238E27FC236}">
+                <a16:creationId xmlns:a16="http://schemas.microsoft.com/office/drawing/2014/main" id="{12CC3376-5069-4C7B-BE6B-A3776D1B47BA}"/>
               </a:ext>
             </a:extLst>
           </p:cNvPr>
@@ -7047,29 +7042,31 @@
         </p:nvSpPr>
         <p:spPr>
           <a:xfrm>
-            <a:off x="6227184" y="142613"/>
-            <a:ext cx="5766033" cy="1231302"/>
+            <a:off x="6095999" y="35082"/>
+            <a:ext cx="5897218" cy="884238"/>
           </a:xfrm>
         </p:spPr>
         <p:txBody>
-          <a:bodyPr>
-            <a:normAutofit/>
-          </a:bodyPr>
+          <a:bodyPr/>
           <a:lstStyle/>
           <a:p>
             <a:r>
-              <a:rPr lang="en-US" sz="3600" dirty="0"/>
-              <a:t>Requirement Specifications</a:t>
-            </a:r>
+              <a:rPr lang="en-US" dirty="0"/>
+              <a:t>High Level Design</a:t>
+            </a:r>
+            <a:br>
+              <a:rPr lang="en-US" dirty="0"/>
+            </a:br>
+            <a:endParaRPr lang="en-US" dirty="0"/>
           </a:p>
         </p:txBody>
       </p:sp>
       <p:pic>
         <p:nvPicPr>
-          <p:cNvPr id="13" name="Picture Placeholder 12" descr="close up of computer on top of table against a brick wall">
-            <a:extLst>
-              <a:ext uri="{FF2B5EF4-FFF2-40B4-BE49-F238E27FC236}">
-                <a16:creationId xmlns:a16="http://schemas.microsoft.com/office/drawing/2014/main" id="{90BB9493-60B4-4B89-89CE-E1F8BF6C4D12}"/>
+          <p:cNvPr id="6" name="Picture Placeholder 5" descr="person staring at blueprints on a brick wall">
+            <a:extLst>
+              <a:ext uri="{FF2B5EF4-FFF2-40B4-BE49-F238E27FC236}">
+                <a16:creationId xmlns:a16="http://schemas.microsoft.com/office/drawing/2014/main" id="{C07C315A-7CD1-432C-92FA-6B62159B56CA}"/>
               </a:ext>
             </a:extLst>
           </p:cNvPr>
@@ -7077,183 +7074,525 @@
             <a:picLocks noGrp="1" noChangeAspect="1"/>
           </p:cNvPicPr>
           <p:nvPr>
-            <p:ph type="pic" sz="quarter" idx="13"/>
+            <p:ph type="pic" sz="quarter" idx="14"/>
           </p:nvPr>
         </p:nvPicPr>
         <p:blipFill rotWithShape="1">
-          <a:blip r:embed="rId2" cstate="email">
+          <a:blip r:embed="rId3">
             <a:extLst>
               <a:ext uri="{BEBA8EAE-BF5A-486C-A8C5-ECC9F3942E4B}">
                 <a14:imgProps xmlns:a14="http://schemas.microsoft.com/office/drawing/2010/main">
-                  <a14:imgLayer r:embed="rId3">
+                  <a14:imgLayer r:embed="rId4">
                     <a14:imgEffect>
                       <a14:saturation sat="0"/>
                     </a14:imgEffect>
                   </a14:imgLayer>
                 </a14:imgProps>
               </a:ext>
-              <a:ext uri="{28A0092B-C50C-407E-A947-70E740481C1C}">
-                <a14:useLocalDpi xmlns:a14="http://schemas.microsoft.com/office/drawing/2010/main"/>
-              </a:ext>
             </a:extLst>
           </a:blip>
-          <a:srcRect l="20370" r="20370"/>
+          <a:srcRect l="23552" t="1" r="23880" b="327"/>
           <a:stretch/>
         </p:blipFill>
-        <p:spPr/>
-      </p:pic>
-      <p:sp>
-        <p:nvSpPr>
-          <p:cNvPr id="5" name="Text Placeholder 4">
-            <a:extLst>
-              <a:ext uri="{FF2B5EF4-FFF2-40B4-BE49-F238E27FC236}">
-                <a16:creationId xmlns:a16="http://schemas.microsoft.com/office/drawing/2014/main" id="{AF9B872F-6332-408E-9135-B871F0C90C00}"/>
-              </a:ext>
-            </a:extLst>
-          </p:cNvPr>
-          <p:cNvSpPr>
-            <a:spLocks noGrp="1"/>
-          </p:cNvSpPr>
-          <p:nvPr>
-            <p:ph type="body" idx="1"/>
-          </p:nvPr>
-        </p:nvSpPr>
         <p:spPr>
           <a:xfrm>
-            <a:off x="5766032" y="1518408"/>
-            <a:ext cx="6096000" cy="5016616"/>
+            <a:off x="0" y="0"/>
+            <a:ext cx="5416550" cy="6858000"/>
           </a:xfrm>
         </p:spPr>
-        <p:txBody>
-          <a:bodyPr/>
+      </p:pic>
+      <p:sp>
+        <p:nvSpPr>
+          <p:cNvPr id="14" name="Content Placeholder 13">
+            <a:extLst>
+              <a:ext uri="{FF2B5EF4-FFF2-40B4-BE49-F238E27FC236}">
+                <a16:creationId xmlns:a16="http://schemas.microsoft.com/office/drawing/2014/main" id="{79248A72-A597-48DF-A270-3389F5D209C0}"/>
+              </a:ext>
+            </a:extLst>
+          </p:cNvPr>
+          <p:cNvSpPr>
+            <a:spLocks noGrp="1"/>
+          </p:cNvSpPr>
+          <p:nvPr>
+            <p:ph idx="1"/>
+          </p:nvPr>
+        </p:nvSpPr>
+        <p:spPr>
+          <a:xfrm>
+            <a:off x="6096000" y="919320"/>
+            <a:ext cx="5690532" cy="4949971"/>
+          </a:xfrm>
+        </p:spPr>
+        <p:txBody>
+          <a:bodyPr>
+            <a:normAutofit/>
+          </a:bodyPr>
           <a:lstStyle/>
           <a:p>
-            <a:pPr algn="l"/>
-            <a:r>
-              <a:rPr lang="en-US" sz="1600" b="1" u="sng" spc="0" dirty="0">
-                <a:cs typeface="Arial" panose="020B0604020202020204" pitchFamily="34" charset="0"/>
-              </a:rPr>
-              <a:t>NON-Functional requirements (continued)</a:t>
-            </a:r>
-          </a:p>
-          <a:p>
-            <a:pPr marL="285750" indent="-285750" algn="l">
+            <a:pPr marL="0" marR="0" lvl="0" indent="0" algn="l" defTabSz="914400" rtl="0" eaLnBrk="1" fontAlgn="auto" latinLnBrk="0" hangingPunct="1">
+              <a:lnSpc>
+                <a:spcPct val="100000"/>
+              </a:lnSpc>
+              <a:spcBef>
+                <a:spcPts val="1000"/>
+              </a:spcBef>
+              <a:spcAft>
+                <a:spcPts val="0"/>
+              </a:spcAft>
+              <a:buClrTx/>
+              <a:buSzTx/>
               <a:buFont typeface="Arial" panose="020B0604020202020204" pitchFamily="34" charset="0"/>
-              <a:buChar char="•"/>
-            </a:pPr>
-            <a:r>
-              <a:rPr lang="en-US" sz="1600" spc="0" dirty="0">
-                <a:cs typeface="Arial" panose="020B0604020202020204" pitchFamily="34" charset="0"/>
-              </a:rPr>
-              <a:t>Should:</a:t>
-            </a:r>
-          </a:p>
-          <a:p>
-            <a:pPr algn="l"/>
-            <a:r>
-              <a:rPr lang="en-US" sz="1600" spc="0" dirty="0">
-                <a:cs typeface="Arial" panose="020B0604020202020204" pitchFamily="34" charset="0"/>
-              </a:rPr>
-              <a:t>	-</a:t>
-            </a:r>
-            <a:r>
-              <a:rPr lang="en-US" sz="1600" cap="none" spc="0" dirty="0">
-                <a:cs typeface="Arial" panose="020B0604020202020204" pitchFamily="34" charset="0"/>
-              </a:rPr>
-              <a:t>Can scale the restaurant table display volume and 	placement based on remodeling and rearrangement</a:t>
-            </a:r>
-          </a:p>
-          <a:p>
-            <a:pPr algn="l"/>
-            <a:r>
-              <a:rPr lang="en-US" sz="1600" cap="none" spc="0" dirty="0">
-                <a:cs typeface="Arial" panose="020B0604020202020204" pitchFamily="34" charset="0"/>
-              </a:rPr>
-              <a:t>	-Use of local database for efficiency and external/cloud-	based database for long </a:t>
-            </a:r>
-            <a:r>
-              <a:rPr lang="en-US" sz="1600" cap="none" spc="0" dirty="0" err="1">
-                <a:cs typeface="Arial" panose="020B0604020202020204" pitchFamily="34" charset="0"/>
-              </a:rPr>
-              <a:t>hterm</a:t>
-            </a:r>
-            <a:r>
-              <a:rPr lang="en-US" sz="1600" cap="none" spc="0" dirty="0">
-                <a:cs typeface="Arial" panose="020B0604020202020204" pitchFamily="34" charset="0"/>
-              </a:rPr>
-              <a:t> data collection for 	aggregation	</a:t>
-            </a:r>
-          </a:p>
-          <a:p>
-            <a:pPr algn="l"/>
-            <a:r>
-              <a:rPr lang="en-US" sz="1600" cap="none" spc="0" dirty="0">
-                <a:cs typeface="Arial" panose="020B0604020202020204" pitchFamily="34" charset="0"/>
-              </a:rPr>
-              <a:t>	- Keep track of each table as an object with data attributes 	such as item orders per seat, bill cost, wait time</a:t>
-            </a:r>
-          </a:p>
-          <a:p>
-            <a:pPr algn="l"/>
-            <a:endParaRPr lang="en-US" sz="1600" b="1" u="sng" spc="0" dirty="0">
-              <a:cs typeface="Arial" panose="020B0604020202020204" pitchFamily="34" charset="0"/>
+              <a:buNone/>
+              <a:tabLst/>
+              <a:defRPr/>
+            </a:pPr>
+            <a:endParaRPr kumimoji="0" lang="en-US" sz="1700" b="0" i="0" u="sng" strike="noStrike" kern="1200" cap="all" normalizeH="0" noProof="0" dirty="0">
+              <a:ln>
+                <a:noFill/>
+              </a:ln>
+              <a:solidFill>
+                <a:schemeClr val="tx1"/>
+              </a:solidFill>
+              <a:effectLst/>
+              <a:uLnTx/>
+              <a:uFillTx/>
+              <a:latin typeface="+mn-lt"/>
+              <a:ea typeface="+mn-ea"/>
+              <a:cs typeface="Biome Light" panose="020B0303030204020804" pitchFamily="34" charset="0"/>
             </a:endParaRPr>
           </a:p>
           <a:p>
-            <a:pPr marL="285750" indent="-285750" algn="l">
+            <a:pPr marL="0" marR="0" lvl="0" indent="0" algn="l" defTabSz="914400" rtl="0" eaLnBrk="1" fontAlgn="auto" latinLnBrk="0" hangingPunct="1">
+              <a:lnSpc>
+                <a:spcPct val="100000"/>
+              </a:lnSpc>
+              <a:spcBef>
+                <a:spcPts val="1000"/>
+              </a:spcBef>
+              <a:spcAft>
+                <a:spcPts val="0"/>
+              </a:spcAft>
+              <a:buClrTx/>
+              <a:buSzTx/>
               <a:buFont typeface="Arial" panose="020B0604020202020204" pitchFamily="34" charset="0"/>
-              <a:buChar char="•"/>
-            </a:pPr>
-            <a:r>
-              <a:rPr lang="en-US" sz="1600" spc="0" dirty="0">
-                <a:cs typeface="Arial" panose="020B0604020202020204" pitchFamily="34" charset="0"/>
-              </a:rPr>
-              <a:t>Could:</a:t>
-            </a:r>
-            <a:endParaRPr lang="en-US" sz="1600" cap="none" spc="0" dirty="0">
-              <a:cs typeface="Arial" panose="020B0604020202020204" pitchFamily="34" charset="0"/>
+              <a:buNone/>
+              <a:tabLst/>
+              <a:defRPr/>
+            </a:pPr>
+            <a:r>
+              <a:rPr kumimoji="0" lang="en-US" sz="1800" i="0" u="sng" strike="noStrike" kern="1200" cap="all" normalizeH="0" noProof="0" dirty="0">
+                <a:ln>
+                  <a:noFill/>
+                </a:ln>
+                <a:solidFill>
+                  <a:schemeClr val="tx1"/>
+                </a:solidFill>
+                <a:effectLst/>
+                <a:uLnTx/>
+                <a:uFillTx/>
+                <a:latin typeface="+mn-lt"/>
+                <a:ea typeface="+mn-ea"/>
+                <a:cs typeface="Biome Light" panose="020B0303030204020804" pitchFamily="34" charset="0"/>
+              </a:rPr>
+              <a:t>Security</a:t>
+            </a:r>
+          </a:p>
+          <a:p>
+            <a:pPr marL="0" marR="0" lvl="0" indent="0" algn="l" defTabSz="914400" rtl="0" eaLnBrk="1" fontAlgn="auto" latinLnBrk="0" hangingPunct="1">
+              <a:lnSpc>
+                <a:spcPct val="100000"/>
+              </a:lnSpc>
+              <a:spcBef>
+                <a:spcPts val="1000"/>
+              </a:spcBef>
+              <a:spcAft>
+                <a:spcPts val="0"/>
+              </a:spcAft>
+              <a:buClrTx/>
+              <a:buSzTx/>
+              <a:buFont typeface="Arial" panose="020B0604020202020204" pitchFamily="34" charset="0"/>
+              <a:buNone/>
+              <a:tabLst/>
+              <a:defRPr/>
+            </a:pPr>
+            <a:endParaRPr kumimoji="0" lang="en-US" b="0" i="0" u="sng" strike="noStrike" kern="1200" cap="all" normalizeH="0" noProof="0" dirty="0">
+              <a:ln>
+                <a:noFill/>
+              </a:ln>
+              <a:solidFill>
+                <a:schemeClr val="tx1"/>
+              </a:solidFill>
+              <a:effectLst/>
+              <a:uLnTx/>
+              <a:uFillTx/>
+              <a:latin typeface="+mn-lt"/>
+              <a:ea typeface="+mn-ea"/>
+              <a:cs typeface="Biome Light" panose="020B0303030204020804" pitchFamily="34" charset="0"/>
             </a:endParaRPr>
           </a:p>
           <a:p>
-            <a:pPr algn="l"/>
-            <a:r>
-              <a:rPr lang="en-US" sz="1600" cap="none" spc="0" dirty="0">
-                <a:cs typeface="Arial" panose="020B0604020202020204" pitchFamily="34" charset="0"/>
-              </a:rPr>
-              <a:t>	-Use a third-party security/authentication system to avoid 	unwanted 	manipulation</a:t>
-            </a:r>
-          </a:p>
-          <a:p>
-            <a:pPr algn="l"/>
-            <a:r>
-              <a:rPr lang="en-US" sz="1600" spc="0" dirty="0">
-                <a:cs typeface="Arial" panose="020B0604020202020204" pitchFamily="34" charset="0"/>
-              </a:rPr>
-              <a:t>	- </a:t>
-            </a:r>
-            <a:r>
-              <a:rPr lang="en-US" sz="1600" cap="none" spc="0" dirty="0">
-                <a:cs typeface="Arial" panose="020B0604020202020204" pitchFamily="34" charset="0"/>
-              </a:rPr>
-              <a:t>Implement customer rewards program with customer 	email</a:t>
-            </a:r>
-          </a:p>
-        </p:txBody>
-      </p:sp>
-      <p:sp>
-        <p:nvSpPr>
-          <p:cNvPr id="2" name="Slide Number Placeholder 1">
-            <a:extLst>
-              <a:ext uri="{FF2B5EF4-FFF2-40B4-BE49-F238E27FC236}">
-                <a16:creationId xmlns:a16="http://schemas.microsoft.com/office/drawing/2014/main" id="{948DD8A0-BD53-4DBF-949B-0D64D12DADA9}"/>
-              </a:ext>
-            </a:extLst>
-          </p:cNvPr>
-          <p:cNvSpPr>
-            <a:spLocks noGrp="1"/>
-          </p:cNvSpPr>
-          <p:nvPr>
-            <p:ph type="sldNum" sz="quarter" idx="12"/>
+            <a:pPr marL="0" marR="0" lvl="0" indent="0" algn="l" defTabSz="914400" rtl="0" eaLnBrk="1" fontAlgn="auto" latinLnBrk="0" hangingPunct="1">
+              <a:lnSpc>
+                <a:spcPct val="100000"/>
+              </a:lnSpc>
+              <a:spcBef>
+                <a:spcPts val="1000"/>
+              </a:spcBef>
+              <a:spcAft>
+                <a:spcPts val="0"/>
+              </a:spcAft>
+              <a:buClrTx/>
+              <a:buSzTx/>
+              <a:buFont typeface="Arial" panose="020B0604020202020204" pitchFamily="34" charset="0"/>
+              <a:buNone/>
+              <a:tabLst/>
+              <a:defRPr/>
+            </a:pPr>
+            <a:r>
+              <a:rPr kumimoji="0" lang="en-US" b="0" i="0" u="none" strike="noStrike" kern="1200" cap="all" normalizeH="0" noProof="0" dirty="0">
+                <a:ln>
+                  <a:noFill/>
+                </a:ln>
+                <a:solidFill>
+                  <a:schemeClr val="tx1"/>
+                </a:solidFill>
+                <a:effectLst/>
+                <a:uLnTx/>
+                <a:uFillTx/>
+                <a:latin typeface="+mn-lt"/>
+                <a:ea typeface="+mn-ea"/>
+                <a:cs typeface="Biome Light" panose="020B0303030204020804" pitchFamily="34" charset="0"/>
+              </a:rPr>
+              <a:t>Data Security:</a:t>
+            </a:r>
+          </a:p>
+          <a:p>
+            <a:pPr marL="0" marR="0" lvl="0" indent="0" algn="l" defTabSz="914400" rtl="0" eaLnBrk="1" fontAlgn="auto" latinLnBrk="0" hangingPunct="1">
+              <a:lnSpc>
+                <a:spcPct val="100000"/>
+              </a:lnSpc>
+              <a:spcBef>
+                <a:spcPts val="1000"/>
+              </a:spcBef>
+              <a:spcAft>
+                <a:spcPts val="0"/>
+              </a:spcAft>
+              <a:buClrTx/>
+              <a:buSzTx/>
+              <a:buFont typeface="Arial" panose="020B0604020202020204" pitchFamily="34" charset="0"/>
+              <a:buNone/>
+              <a:tabLst/>
+              <a:defRPr/>
+            </a:pPr>
+            <a:r>
+              <a:rPr kumimoji="0" lang="en-US" b="0" i="0" u="none" strike="noStrike" kern="1200" cap="none" normalizeH="0" noProof="0" dirty="0">
+                <a:ln>
+                  <a:noFill/>
+                </a:ln>
+                <a:solidFill>
+                  <a:schemeClr val="tx1"/>
+                </a:solidFill>
+                <a:effectLst/>
+                <a:uLnTx/>
+                <a:uFillTx/>
+                <a:latin typeface="+mn-lt"/>
+                <a:ea typeface="+mn-ea"/>
+                <a:cs typeface="Biome Light" panose="020B0303030204020804" pitchFamily="34" charset="0"/>
+              </a:rPr>
+              <a:t>  </a:t>
+            </a:r>
+            <a:r>
+              <a:rPr lang="en-US" dirty="0">
+                <a:cs typeface="Biome Light" panose="020B0303030204020804" pitchFamily="34" charset="0"/>
+              </a:rPr>
+              <a:t>  </a:t>
+            </a:r>
+            <a:r>
+              <a:rPr kumimoji="0" lang="en-US" b="0" i="0" u="none" strike="noStrike" kern="1200" cap="none" normalizeH="0" noProof="0" dirty="0">
+                <a:ln>
+                  <a:noFill/>
+                </a:ln>
+                <a:solidFill>
+                  <a:schemeClr val="tx1"/>
+                </a:solidFill>
+                <a:effectLst/>
+                <a:uLnTx/>
+                <a:uFillTx/>
+                <a:latin typeface="+mn-lt"/>
+                <a:ea typeface="+mn-ea"/>
+                <a:cs typeface="Biome Light" panose="020B0303030204020804" pitchFamily="34" charset="0"/>
+              </a:rPr>
+              <a:t>Ensure that the cloud service encrypts all stored data(Data in rest).</a:t>
+            </a:r>
+          </a:p>
+          <a:p>
+            <a:pPr marL="0" marR="0" lvl="0" indent="0" algn="l" defTabSz="914400" rtl="0" eaLnBrk="1" fontAlgn="auto" latinLnBrk="0" hangingPunct="1">
+              <a:lnSpc>
+                <a:spcPct val="100000"/>
+              </a:lnSpc>
+              <a:spcBef>
+                <a:spcPts val="1000"/>
+              </a:spcBef>
+              <a:spcAft>
+                <a:spcPts val="0"/>
+              </a:spcAft>
+              <a:buClrTx/>
+              <a:buSzTx/>
+              <a:buFont typeface="Arial" panose="020B0604020202020204" pitchFamily="34" charset="0"/>
+              <a:buNone/>
+              <a:tabLst/>
+              <a:defRPr/>
+            </a:pPr>
+            <a:r>
+              <a:rPr kumimoji="0" lang="en-US" b="0" i="0" u="none" strike="noStrike" kern="1200" cap="none" normalizeH="0" noProof="0" dirty="0">
+                <a:ln>
+                  <a:noFill/>
+                </a:ln>
+                <a:solidFill>
+                  <a:schemeClr val="tx1"/>
+                </a:solidFill>
+                <a:effectLst/>
+                <a:uLnTx/>
+                <a:uFillTx/>
+                <a:latin typeface="+mn-lt"/>
+                <a:ea typeface="+mn-ea"/>
+                <a:cs typeface="Biome Light" panose="020B0303030204020804" pitchFamily="34" charset="0"/>
+              </a:rPr>
+              <a:t>  Control access to viewable data using least privileged access determined by user roles (Data in use). </a:t>
+            </a:r>
+          </a:p>
+          <a:p>
+            <a:pPr marL="0" marR="0" lvl="0" indent="0" algn="l" defTabSz="914400" rtl="0" eaLnBrk="1" fontAlgn="auto" latinLnBrk="0" hangingPunct="1">
+              <a:lnSpc>
+                <a:spcPct val="100000"/>
+              </a:lnSpc>
+              <a:spcBef>
+                <a:spcPts val="1000"/>
+              </a:spcBef>
+              <a:spcAft>
+                <a:spcPts val="0"/>
+              </a:spcAft>
+              <a:buClrTx/>
+              <a:buSzTx/>
+              <a:buFont typeface="Arial" panose="020B0604020202020204" pitchFamily="34" charset="0"/>
+              <a:buNone/>
+              <a:tabLst/>
+              <a:defRPr/>
+            </a:pPr>
+            <a:r>
+              <a:rPr kumimoji="0" lang="en-US" b="0" i="0" u="none" strike="noStrike" kern="1200" cap="none" normalizeH="0" noProof="0" dirty="0">
+                <a:ln>
+                  <a:noFill/>
+                </a:ln>
+                <a:solidFill>
+                  <a:schemeClr val="tx1"/>
+                </a:solidFill>
+                <a:effectLst/>
+                <a:uLnTx/>
+                <a:uFillTx/>
+                <a:latin typeface="+mn-lt"/>
+                <a:ea typeface="+mn-ea"/>
+                <a:cs typeface="Biome Light" panose="020B0303030204020804" pitchFamily="34" charset="0"/>
+              </a:rPr>
+              <a:t>    Usage of a cloud VPN to protect trafficked data (Data in transit)</a:t>
+            </a:r>
+          </a:p>
+          <a:p>
+            <a:pPr marL="0" marR="0" lvl="0" indent="0" algn="l" defTabSz="914400" rtl="0" eaLnBrk="1" fontAlgn="auto" latinLnBrk="0" hangingPunct="1">
+              <a:lnSpc>
+                <a:spcPct val="100000"/>
+              </a:lnSpc>
+              <a:spcBef>
+                <a:spcPts val="1000"/>
+              </a:spcBef>
+              <a:spcAft>
+                <a:spcPts val="0"/>
+              </a:spcAft>
+              <a:buClrTx/>
+              <a:buSzTx/>
+              <a:buFont typeface="Arial" panose="020B0604020202020204" pitchFamily="34" charset="0"/>
+              <a:buNone/>
+              <a:tabLst/>
+              <a:defRPr/>
+            </a:pPr>
+            <a:endParaRPr kumimoji="0" lang="en-US" b="0" i="0" u="none" strike="noStrike" kern="1200" cap="none" normalizeH="0" noProof="0" dirty="0">
+              <a:ln>
+                <a:noFill/>
+              </a:ln>
+              <a:solidFill>
+                <a:schemeClr val="tx1"/>
+              </a:solidFill>
+              <a:effectLst/>
+              <a:uLnTx/>
+              <a:uFillTx/>
+              <a:latin typeface="+mn-lt"/>
+              <a:ea typeface="+mn-ea"/>
+              <a:cs typeface="Biome Light" panose="020B0303030204020804" pitchFamily="34" charset="0"/>
+            </a:endParaRPr>
+          </a:p>
+          <a:p>
+            <a:pPr marL="0" marR="0" lvl="0" indent="0" algn="l" defTabSz="914400" rtl="0" eaLnBrk="1" fontAlgn="auto" latinLnBrk="0" hangingPunct="1">
+              <a:lnSpc>
+                <a:spcPct val="100000"/>
+              </a:lnSpc>
+              <a:spcBef>
+                <a:spcPts val="1000"/>
+              </a:spcBef>
+              <a:spcAft>
+                <a:spcPts val="0"/>
+              </a:spcAft>
+              <a:buClrTx/>
+              <a:buSzTx/>
+              <a:buFont typeface="Arial" panose="020B0604020202020204" pitchFamily="34" charset="0"/>
+              <a:buNone/>
+              <a:tabLst/>
+              <a:defRPr/>
+            </a:pPr>
+            <a:r>
+              <a:rPr kumimoji="0" lang="en-US" b="0" i="0" u="none" strike="noStrike" kern="1200" cap="all" normalizeH="0" noProof="0" dirty="0">
+                <a:ln>
+                  <a:noFill/>
+                </a:ln>
+                <a:solidFill>
+                  <a:schemeClr val="tx1"/>
+                </a:solidFill>
+                <a:effectLst/>
+                <a:uLnTx/>
+                <a:uFillTx/>
+                <a:latin typeface="+mn-lt"/>
+                <a:ea typeface="+mn-ea"/>
+                <a:cs typeface="Biome Light" panose="020B0303030204020804" pitchFamily="34" charset="0"/>
+              </a:rPr>
+              <a:t>Network Security:</a:t>
+            </a:r>
+          </a:p>
+          <a:p>
+            <a:pPr marL="0" marR="0" lvl="0" indent="0" algn="l" defTabSz="914400" rtl="0" eaLnBrk="1" fontAlgn="auto" latinLnBrk="0" hangingPunct="1">
+              <a:lnSpc>
+                <a:spcPct val="100000"/>
+              </a:lnSpc>
+              <a:spcBef>
+                <a:spcPts val="1000"/>
+              </a:spcBef>
+              <a:spcAft>
+                <a:spcPts val="0"/>
+              </a:spcAft>
+              <a:buClrTx/>
+              <a:buSzTx/>
+              <a:buFont typeface="Arial" panose="020B0604020202020204" pitchFamily="34" charset="0"/>
+              <a:buNone/>
+              <a:tabLst/>
+              <a:defRPr/>
+            </a:pPr>
+            <a:r>
+              <a:rPr kumimoji="0" lang="en-US" b="0" i="0" u="none" strike="noStrike" kern="1200" cap="none" normalizeH="0" noProof="0" dirty="0">
+                <a:ln>
+                  <a:noFill/>
+                </a:ln>
+                <a:solidFill>
+                  <a:schemeClr val="tx1"/>
+                </a:solidFill>
+                <a:effectLst/>
+                <a:uLnTx/>
+                <a:uFillTx/>
+                <a:latin typeface="+mn-lt"/>
+                <a:ea typeface="+mn-ea"/>
+                <a:cs typeface="Biome Light" panose="020B0303030204020804" pitchFamily="34" charset="0"/>
+              </a:rPr>
+              <a:t>     Firewall rules to allow employee only access the application  </a:t>
+            </a:r>
+          </a:p>
+          <a:p>
+            <a:pPr marL="0" marR="0" lvl="0" indent="0" algn="l" defTabSz="914400" rtl="0" eaLnBrk="1" fontAlgn="auto" latinLnBrk="0" hangingPunct="1">
+              <a:lnSpc>
+                <a:spcPct val="100000"/>
+              </a:lnSpc>
+              <a:spcBef>
+                <a:spcPts val="1000"/>
+              </a:spcBef>
+              <a:spcAft>
+                <a:spcPts val="0"/>
+              </a:spcAft>
+              <a:buClrTx/>
+              <a:buSzTx/>
+              <a:buFont typeface="Arial" panose="020B0604020202020204" pitchFamily="34" charset="0"/>
+              <a:buNone/>
+              <a:tabLst/>
+              <a:defRPr/>
+            </a:pPr>
+            <a:r>
+              <a:rPr kumimoji="0" lang="en-US" b="0" i="0" u="none" strike="noStrike" kern="1200" cap="none" normalizeH="0" noProof="0" dirty="0">
+                <a:ln>
+                  <a:noFill/>
+                </a:ln>
+                <a:solidFill>
+                  <a:schemeClr val="tx1"/>
+                </a:solidFill>
+                <a:effectLst/>
+                <a:uLnTx/>
+                <a:uFillTx/>
+                <a:latin typeface="+mn-lt"/>
+                <a:ea typeface="+mn-ea"/>
+                <a:cs typeface="Biome Light" panose="020B0303030204020804" pitchFamily="34" charset="0"/>
+              </a:rPr>
+              <a:t>     Ensure access to website is limited to only tcp port 443 </a:t>
+            </a:r>
+          </a:p>
+          <a:p>
+            <a:pPr marL="0" marR="0" lvl="0" indent="0" algn="l" defTabSz="914400" rtl="0" eaLnBrk="1" fontAlgn="auto" latinLnBrk="0" hangingPunct="1">
+              <a:lnSpc>
+                <a:spcPct val="100000"/>
+              </a:lnSpc>
+              <a:spcBef>
+                <a:spcPts val="1000"/>
+              </a:spcBef>
+              <a:spcAft>
+                <a:spcPts val="0"/>
+              </a:spcAft>
+              <a:buClrTx/>
+              <a:buSzTx/>
+              <a:buFont typeface="Arial" panose="020B0604020202020204" pitchFamily="34" charset="0"/>
+              <a:buNone/>
+              <a:tabLst/>
+              <a:defRPr/>
+            </a:pPr>
+            <a:endParaRPr kumimoji="0" lang="en-US" sz="1600" b="0" i="0" u="none" strike="noStrike" kern="1200" cap="none" normalizeH="0" noProof="0" dirty="0">
+              <a:ln>
+                <a:noFill/>
+              </a:ln>
+              <a:solidFill>
+                <a:schemeClr val="tx1"/>
+              </a:solidFill>
+              <a:effectLst/>
+              <a:uLnTx/>
+              <a:uFillTx/>
+              <a:latin typeface="+mn-lt"/>
+              <a:ea typeface="+mn-ea"/>
+              <a:cs typeface="Biome Light" panose="020B0303030204020804" pitchFamily="34" charset="0"/>
+            </a:endParaRPr>
+          </a:p>
+          <a:p>
+            <a:pPr marL="0" indent="0">
+              <a:buNone/>
+            </a:pPr>
+            <a:endParaRPr lang="en-US" b="1" dirty="0"/>
+          </a:p>
+        </p:txBody>
+      </p:sp>
+      <p:sp>
+        <p:nvSpPr>
+          <p:cNvPr id="16" name="Slide Number Placeholder 15">
+            <a:extLst>
+              <a:ext uri="{FF2B5EF4-FFF2-40B4-BE49-F238E27FC236}">
+                <a16:creationId xmlns:a16="http://schemas.microsoft.com/office/drawing/2014/main" id="{7FA57D11-A25F-4772-8E50-DDB68BE8CB69}"/>
+              </a:ext>
+            </a:extLst>
+          </p:cNvPr>
+          <p:cNvSpPr>
+            <a:spLocks noGrp="1"/>
+          </p:cNvSpPr>
+          <p:nvPr>
+            <p:ph type="sldNum" sz="quarter" idx="4"/>
           </p:nvPr>
         </p:nvSpPr>
         <p:spPr/>
@@ -7273,7 +7612,7 @@
     </p:spTree>
     <p:extLst>
       <p:ext uri="{BB962C8B-B14F-4D97-AF65-F5344CB8AC3E}">
-        <p14:creationId xmlns:p14="http://schemas.microsoft.com/office/powerpoint/2010/main" val="2280711133"/>
+        <p14:creationId xmlns:p14="http://schemas.microsoft.com/office/powerpoint/2010/main" val="3516891798"/>
       </p:ext>
     </p:extLst>
   </p:cSld>
@@ -7422,7 +7761,7 @@
               <a:tabLst/>
               <a:defRPr/>
             </a:pPr>
-            <a:endParaRPr kumimoji="0" lang="en-US" sz="1700" b="0" i="0" u="sng" strike="noStrike" kern="1200" cap="all" normalizeH="0" noProof="0" dirty="0">
+            <a:endParaRPr kumimoji="0" lang="en-US" b="0" i="0" u="sng" strike="noStrike" kern="1200" cap="all" normalizeH="0" noProof="0" dirty="0">
               <a:ln>
                 <a:noFill/>
               </a:ln>
@@ -7455,23 +7794,9 @@
               <a:tabLst/>
               <a:defRPr/>
             </a:pPr>
-            <a:r>
-              <a:rPr kumimoji="0" lang="en-US" i="0" u="sng" strike="noStrike" kern="1200" cap="all" normalizeH="0" noProof="0" dirty="0">
-                <a:ln>
-                  <a:noFill/>
-                </a:ln>
-                <a:solidFill>
-                  <a:schemeClr val="tx1"/>
-                </a:solidFill>
-                <a:effectLst/>
-                <a:uLnTx/>
-                <a:uFillTx/>
-                <a:latin typeface="+mn-lt"/>
-                <a:ea typeface="+mn-ea"/>
-                <a:cs typeface="Biome Light" panose="020B0303030204020804" pitchFamily="34" charset="0"/>
-              </a:rPr>
-              <a:t>Security</a:t>
-            </a:r>
+            <a:endParaRPr lang="en-US" u="sng" cap="all" dirty="0">
+              <a:cs typeface="Biome Light" panose="020B0303030204020804" pitchFamily="34" charset="0"/>
+            </a:endParaRPr>
           </a:p>
           <a:p>
             <a:pPr marL="0" marR="0" lvl="0" indent="0" algn="l" defTabSz="914400" rtl="0" eaLnBrk="1" fontAlgn="auto" latinLnBrk="0" hangingPunct="1">
@@ -7491,20 +7816,23 @@
               <a:tabLst/>
               <a:defRPr/>
             </a:pPr>
-            <a:endParaRPr kumimoji="0" lang="en-US" b="0" i="0" u="sng" strike="noStrike" kern="1200" cap="all" normalizeH="0" noProof="0" dirty="0">
-              <a:ln>
-                <a:noFill/>
-              </a:ln>
-              <a:solidFill>
-                <a:schemeClr val="tx1"/>
-              </a:solidFill>
-              <a:effectLst/>
-              <a:uLnTx/>
-              <a:uFillTx/>
-              <a:latin typeface="+mn-lt"/>
-              <a:ea typeface="+mn-ea"/>
-              <a:cs typeface="Biome Light" panose="020B0303030204020804" pitchFamily="34" charset="0"/>
-            </a:endParaRPr>
+            <a:r>
+              <a:rPr kumimoji="0" lang="en-US" sz="1800" b="0" i="0" u="sng" strike="noStrike" kern="1200" cap="all" normalizeH="0" noProof="0" dirty="0">
+                <a:ln>
+                  <a:noFill/>
+                </a:ln>
+                <a:solidFill>
+                  <a:schemeClr val="tx1"/>
+                </a:solidFill>
+                <a:effectLst/>
+                <a:uLnTx/>
+                <a:uFillTx/>
+                <a:latin typeface="+mn-lt"/>
+                <a:ea typeface="+mn-ea"/>
+                <a:cs typeface="Biome Light" panose="020B0303030204020804" pitchFamily="34" charset="0"/>
+              </a:rPr>
+              <a:t>Hardware</a:t>
+            </a:r>
           </a:p>
           <a:p>
             <a:pPr marL="0" marR="0" lvl="0" indent="0" algn="l" defTabSz="914400" rtl="0" eaLnBrk="1" fontAlgn="auto" latinLnBrk="0" hangingPunct="1">
@@ -7524,23 +7852,20 @@
               <a:tabLst/>
               <a:defRPr/>
             </a:pPr>
-            <a:r>
-              <a:rPr kumimoji="0" lang="en-US" b="0" i="0" u="none" strike="noStrike" kern="1200" cap="all" normalizeH="0" noProof="0" dirty="0">
-                <a:ln>
-                  <a:noFill/>
-                </a:ln>
-                <a:solidFill>
-                  <a:schemeClr val="tx1"/>
-                </a:solidFill>
-                <a:effectLst/>
-                <a:uLnTx/>
-                <a:uFillTx/>
-                <a:latin typeface="+mn-lt"/>
-                <a:ea typeface="+mn-ea"/>
-                <a:cs typeface="Biome Light" panose="020B0303030204020804" pitchFamily="34" charset="0"/>
-              </a:rPr>
-              <a:t>Data Security:</a:t>
-            </a:r>
+            <a:endParaRPr kumimoji="0" lang="en-US" b="0" i="0" u="sng" strike="noStrike" kern="1200" cap="all" normalizeH="0" noProof="0" dirty="0">
+              <a:ln>
+                <a:noFill/>
+              </a:ln>
+              <a:solidFill>
+                <a:schemeClr val="tx1"/>
+              </a:solidFill>
+              <a:effectLst/>
+              <a:uLnTx/>
+              <a:uFillTx/>
+              <a:latin typeface="+mn-lt"/>
+              <a:ea typeface="+mn-ea"/>
+              <a:cs typeface="Biome Light" panose="020B0303030204020804" pitchFamily="34" charset="0"/>
+            </a:endParaRPr>
           </a:p>
           <a:p>
             <a:pPr marL="0" marR="0" lvl="0" indent="0" algn="l" defTabSz="914400" rtl="0" eaLnBrk="1" fontAlgn="auto" latinLnBrk="0" hangingPunct="1">
@@ -7561,7 +7886,7 @@
               <a:defRPr/>
             </a:pPr>
             <a:r>
-              <a:rPr kumimoji="0" lang="en-US" b="0" i="0" u="none" strike="noStrike" kern="1200" cap="none" normalizeH="0" noProof="0" dirty="0">
+              <a:rPr kumimoji="0" lang="en-US" sz="1600" b="0" i="0" strike="noStrike" kern="1200" cap="all" normalizeH="0" noProof="0" dirty="0">
                 <a:ln>
                   <a:noFill/>
                 </a:ln>
@@ -7575,30 +7900,7 @@
                 <a:ea typeface="+mn-ea"/>
                 <a:cs typeface="Biome Light" panose="020B0303030204020804" pitchFamily="34" charset="0"/>
               </a:rPr>
-              <a:t>  </a:t>
-            </a:r>
-            <a:r>
-              <a:rPr lang="en-US" dirty="0">
-                <a:cs typeface="Biome Light" panose="020B0303030204020804" pitchFamily="34" charset="0"/>
-              </a:rPr>
-              <a:t>  </a:t>
-            </a:r>
-            <a:r>
-              <a:rPr kumimoji="0" lang="en-US" b="0" i="0" u="none" strike="noStrike" kern="1200" cap="none" normalizeH="0" noProof="0" dirty="0">
-                <a:ln>
-                  <a:noFill/>
-                </a:ln>
-                <a:solidFill>
-                  <a:schemeClr val="tx1"/>
-                </a:solidFill>
-                <a:effectLst/>
-                <a:uLnTx/>
-                <a:uFillTx/>
-                <a:latin typeface="+mn-lt"/>
-                <a:ea typeface="+mn-ea"/>
-                <a:cs typeface="Biome Light" panose="020B0303030204020804" pitchFamily="34" charset="0"/>
-              </a:rPr>
-              <a:t>Ensure that the cloud service encrypts all stored data(Data in rest).</a:t>
+              <a:t>Network: </a:t>
             </a:r>
           </a:p>
           <a:p>
@@ -7620,7 +7922,7 @@
               <a:defRPr/>
             </a:pPr>
             <a:r>
-              <a:rPr kumimoji="0" lang="en-US" b="0" i="0" u="none" strike="noStrike" kern="1200" cap="none" normalizeH="0" noProof="0" dirty="0">
+              <a:rPr kumimoji="0" lang="en-US" sz="1600" b="0" i="0" u="none" strike="noStrike" kern="1200" cap="none" normalizeH="0" noProof="0" dirty="0">
                 <a:ln>
                   <a:noFill/>
                 </a:ln>
@@ -7634,7 +7936,7 @@
                 <a:ea typeface="+mn-ea"/>
                 <a:cs typeface="Biome Light" panose="020B0303030204020804" pitchFamily="34" charset="0"/>
               </a:rPr>
-              <a:t>  Control access to viewable data using least privileged access determined by user roles (Data in use). </a:t>
+              <a:t>    Switch, Cabling, CAT6, Universal Power Supply (UPS)</a:t>
             </a:r>
           </a:p>
           <a:p>
@@ -7656,21 +7958,10 @@
               <a:defRPr/>
             </a:pPr>
             <a:r>
-              <a:rPr kumimoji="0" lang="en-US" b="0" i="0" u="none" strike="noStrike" kern="1200" cap="none" normalizeH="0" noProof="0" dirty="0">
-                <a:ln>
-                  <a:noFill/>
-                </a:ln>
-                <a:solidFill>
-                  <a:schemeClr val="tx1"/>
-                </a:solidFill>
-                <a:effectLst/>
-                <a:uLnTx/>
-                <a:uFillTx/>
-                <a:latin typeface="+mn-lt"/>
-                <a:ea typeface="+mn-ea"/>
+              <a:rPr lang="en-US" sz="1600" cap="all" dirty="0">
                 <a:cs typeface="Biome Light" panose="020B0303030204020804" pitchFamily="34" charset="0"/>
               </a:rPr>
-              <a:t>    Usage of a cloud VPN to protect trafficked data (Data in transit)</a:t>
+              <a:t>Tablet: </a:t>
             </a:r>
           </a:p>
           <a:p>
@@ -7691,20 +7982,12 @@
               <a:tabLst/>
               <a:defRPr/>
             </a:pPr>
-            <a:endParaRPr kumimoji="0" lang="en-US" b="0" i="0" u="none" strike="noStrike" kern="1200" cap="none" normalizeH="0" noProof="0" dirty="0">
-              <a:ln>
-                <a:noFill/>
-              </a:ln>
-              <a:solidFill>
-                <a:schemeClr val="tx1"/>
-              </a:solidFill>
-              <a:effectLst/>
-              <a:uLnTx/>
-              <a:uFillTx/>
-              <a:latin typeface="+mn-lt"/>
-              <a:ea typeface="+mn-ea"/>
-              <a:cs typeface="Biome Light" panose="020B0303030204020804" pitchFamily="34" charset="0"/>
-            </a:endParaRPr>
+            <a:r>
+              <a:rPr lang="en-US" sz="1600" dirty="0">
+                <a:cs typeface="Biome Light" panose="020B0303030204020804" pitchFamily="34" charset="0"/>
+              </a:rPr>
+              <a:t>    IOS, Android, or any OS that has web browser capability</a:t>
+            </a:r>
           </a:p>
           <a:p>
             <a:pPr marL="0" marR="0" lvl="0" indent="0" algn="l" defTabSz="914400" rtl="0" eaLnBrk="1" fontAlgn="auto" latinLnBrk="0" hangingPunct="1">
@@ -7725,21 +8008,10 @@
               <a:defRPr/>
             </a:pPr>
             <a:r>
-              <a:rPr kumimoji="0" lang="en-US" b="0" i="0" u="none" strike="noStrike" kern="1200" cap="all" normalizeH="0" noProof="0" dirty="0">
-                <a:ln>
-                  <a:noFill/>
-                </a:ln>
-                <a:solidFill>
-                  <a:schemeClr val="tx1"/>
-                </a:solidFill>
-                <a:effectLst/>
-                <a:uLnTx/>
-                <a:uFillTx/>
-                <a:latin typeface="+mn-lt"/>
-                <a:ea typeface="+mn-ea"/>
+              <a:rPr lang="en-US" sz="1600" cap="all" dirty="0">
                 <a:cs typeface="Biome Light" panose="020B0303030204020804" pitchFamily="34" charset="0"/>
               </a:rPr>
-              <a:t>Network Security:</a:t>
+              <a:t>Printer: </a:t>
             </a:r>
           </a:p>
           <a:p>
@@ -7761,22 +8033,25 @@
               <a:defRPr/>
             </a:pPr>
             <a:r>
-              <a:rPr kumimoji="0" lang="en-US" b="0" i="0" u="none" strike="noStrike" kern="1200" cap="none" normalizeH="0" noProof="0" dirty="0">
-                <a:ln>
-                  <a:noFill/>
-                </a:ln>
-                <a:solidFill>
-                  <a:schemeClr val="tx1"/>
-                </a:solidFill>
-                <a:effectLst/>
-                <a:uLnTx/>
-                <a:uFillTx/>
-                <a:latin typeface="+mn-lt"/>
-                <a:ea typeface="+mn-ea"/>
+              <a:rPr lang="en-US" sz="1600" dirty="0">
                 <a:cs typeface="Biome Light" panose="020B0303030204020804" pitchFamily="34" charset="0"/>
               </a:rPr>
-              <a:t>     Firewall rules to allow employee only access the application  </a:t>
-            </a:r>
+              <a:t>    Customer bills, server shift report, manager daily monetary report</a:t>
+            </a:r>
+            <a:endParaRPr kumimoji="0" lang="en-US" sz="1600" b="0" i="0" u="none" strike="noStrike" kern="1200" cap="none" normalizeH="0" noProof="0" dirty="0">
+              <a:ln>
+                <a:noFill/>
+              </a:ln>
+              <a:solidFill>
+                <a:schemeClr val="tx1"/>
+              </a:solidFill>
+              <a:effectLst/>
+              <a:uLnTx/>
+              <a:uFillTx/>
+              <a:latin typeface="+mn-lt"/>
+              <a:ea typeface="+mn-ea"/>
+              <a:cs typeface="Biome Light" panose="020B0303030204020804" pitchFamily="34" charset="0"/>
+            </a:endParaRPr>
           </a:p>
           <a:p>
             <a:pPr marL="0" marR="0" lvl="0" indent="0" algn="l" defTabSz="914400" rtl="0" eaLnBrk="1" fontAlgn="auto" latinLnBrk="0" hangingPunct="1">
@@ -7796,42 +8071,6 @@
               <a:tabLst/>
               <a:defRPr/>
             </a:pPr>
-            <a:r>
-              <a:rPr kumimoji="0" lang="en-US" b="0" i="0" u="none" strike="noStrike" kern="1200" cap="none" normalizeH="0" noProof="0" dirty="0">
-                <a:ln>
-                  <a:noFill/>
-                </a:ln>
-                <a:solidFill>
-                  <a:schemeClr val="tx1"/>
-                </a:solidFill>
-                <a:effectLst/>
-                <a:uLnTx/>
-                <a:uFillTx/>
-                <a:latin typeface="+mn-lt"/>
-                <a:ea typeface="+mn-ea"/>
-                <a:cs typeface="Biome Light" panose="020B0303030204020804" pitchFamily="34" charset="0"/>
-              </a:rPr>
-              <a:t>     Ensure access to website is limited to only tcp port 443 </a:t>
-            </a:r>
-          </a:p>
-          <a:p>
-            <a:pPr marL="0" marR="0" lvl="0" indent="0" algn="l" defTabSz="914400" rtl="0" eaLnBrk="1" fontAlgn="auto" latinLnBrk="0" hangingPunct="1">
-              <a:lnSpc>
-                <a:spcPct val="100000"/>
-              </a:lnSpc>
-              <a:spcBef>
-                <a:spcPts val="1000"/>
-              </a:spcBef>
-              <a:spcAft>
-                <a:spcPts val="0"/>
-              </a:spcAft>
-              <a:buClrTx/>
-              <a:buSzTx/>
-              <a:buFont typeface="Arial" panose="020B0604020202020204" pitchFamily="34" charset="0"/>
-              <a:buNone/>
-              <a:tabLst/>
-              <a:defRPr/>
-            </a:pPr>
             <a:endParaRPr kumimoji="0" lang="en-US" sz="1600" b="0" i="0" u="none" strike="noStrike" kern="1200" cap="none" normalizeH="0" noProof="0" dirty="0">
               <a:ln>
                 <a:noFill/>
@@ -7888,7 +8127,7 @@
     </p:spTree>
     <p:extLst>
       <p:ext uri="{BB962C8B-B14F-4D97-AF65-F5344CB8AC3E}">
-        <p14:creationId xmlns:p14="http://schemas.microsoft.com/office/powerpoint/2010/main" val="3516891798"/>
+        <p14:creationId xmlns:p14="http://schemas.microsoft.com/office/powerpoint/2010/main" val="3433389847"/>
       </p:ext>
     </p:extLst>
   </p:cSld>
@@ -7945,10 +8184,6 @@
               <a:rPr lang="en-US" dirty="0"/>
               <a:t>High Level Design</a:t>
             </a:r>
-            <a:br>
-              <a:rPr lang="en-US" dirty="0"/>
-            </a:br>
-            <a:endParaRPr lang="en-US" dirty="0"/>
           </a:p>
         </p:txBody>
       </p:sp>
@@ -8011,12 +8246,12 @@
         <p:spPr>
           <a:xfrm>
             <a:off x="6096000" y="919320"/>
-            <a:ext cx="5690532" cy="4949971"/>
+            <a:ext cx="5690532" cy="5338867"/>
           </a:xfrm>
         </p:spPr>
         <p:txBody>
           <a:bodyPr>
-            <a:normAutofit/>
+            <a:noAutofit/>
           </a:bodyPr>
           <a:lstStyle/>
           <a:p>
@@ -8037,63 +8272,8 @@
               <a:tabLst/>
               <a:defRPr/>
             </a:pPr>
-            <a:endParaRPr kumimoji="0" lang="en-US" b="0" i="0" u="sng" strike="noStrike" kern="1200" cap="all" normalizeH="0" noProof="0" dirty="0">
-              <a:ln>
-                <a:noFill/>
-              </a:ln>
-              <a:solidFill>
-                <a:schemeClr val="tx1"/>
-              </a:solidFill>
-              <a:effectLst/>
-              <a:uLnTx/>
-              <a:uFillTx/>
-              <a:latin typeface="+mn-lt"/>
-              <a:ea typeface="+mn-ea"/>
-              <a:cs typeface="Biome Light" panose="020B0303030204020804" pitchFamily="34" charset="0"/>
-            </a:endParaRPr>
-          </a:p>
-          <a:p>
-            <a:pPr marL="0" marR="0" lvl="0" indent="0" algn="l" defTabSz="914400" rtl="0" eaLnBrk="1" fontAlgn="auto" latinLnBrk="0" hangingPunct="1">
-              <a:lnSpc>
-                <a:spcPct val="100000"/>
-              </a:lnSpc>
-              <a:spcBef>
-                <a:spcPts val="1000"/>
-              </a:spcBef>
-              <a:spcAft>
-                <a:spcPts val="0"/>
-              </a:spcAft>
-              <a:buClrTx/>
-              <a:buSzTx/>
-              <a:buFont typeface="Arial" panose="020B0604020202020204" pitchFamily="34" charset="0"/>
-              <a:buNone/>
-              <a:tabLst/>
-              <a:defRPr/>
-            </a:pPr>
-            <a:endParaRPr lang="en-US" u="sng" cap="all" dirty="0">
-              <a:cs typeface="Biome Light" panose="020B0303030204020804" pitchFamily="34" charset="0"/>
-            </a:endParaRPr>
-          </a:p>
-          <a:p>
-            <a:pPr marL="0" marR="0" lvl="0" indent="0" algn="l" defTabSz="914400" rtl="0" eaLnBrk="1" fontAlgn="auto" latinLnBrk="0" hangingPunct="1">
-              <a:lnSpc>
-                <a:spcPct val="100000"/>
-              </a:lnSpc>
-              <a:spcBef>
-                <a:spcPts val="1000"/>
-              </a:spcBef>
-              <a:spcAft>
-                <a:spcPts val="0"/>
-              </a:spcAft>
-              <a:buClrTx/>
-              <a:buSzTx/>
-              <a:buFont typeface="Arial" panose="020B0604020202020204" pitchFamily="34" charset="0"/>
-              <a:buNone/>
-              <a:tabLst/>
-              <a:defRPr/>
-            </a:pPr>
-            <a:r>
-              <a:rPr kumimoji="0" lang="en-US" b="0" i="0" u="sng" strike="noStrike" kern="1200" cap="all" normalizeH="0" noProof="0" dirty="0">
+            <a:r>
+              <a:rPr kumimoji="0" lang="en-US" sz="1800" b="0" i="0" u="sng" strike="noStrike" kern="1200" cap="all" normalizeH="0" noProof="0" dirty="0">
                 <a:ln>
                   <a:noFill/>
                 </a:ln>
@@ -8103,270 +8283,41 @@
                 <a:effectLst/>
                 <a:uLnTx/>
                 <a:uFillTx/>
-                <a:latin typeface="+mn-lt"/>
                 <a:ea typeface="+mn-ea"/>
                 <a:cs typeface="Biome Light" panose="020B0303030204020804" pitchFamily="34" charset="0"/>
               </a:rPr>
-              <a:t>Hardware</a:t>
-            </a:r>
-          </a:p>
-          <a:p>
-            <a:pPr marL="0" marR="0" lvl="0" indent="0" algn="l" defTabSz="914400" rtl="0" eaLnBrk="1" fontAlgn="auto" latinLnBrk="0" hangingPunct="1">
-              <a:lnSpc>
-                <a:spcPct val="100000"/>
-              </a:lnSpc>
-              <a:spcBef>
-                <a:spcPts val="1000"/>
-              </a:spcBef>
-              <a:spcAft>
-                <a:spcPts val="0"/>
-              </a:spcAft>
-              <a:buClrTx/>
-              <a:buSzTx/>
-              <a:buFont typeface="Arial" panose="020B0604020202020204" pitchFamily="34" charset="0"/>
-              <a:buNone/>
-              <a:tabLst/>
-              <a:defRPr/>
-            </a:pPr>
-            <a:endParaRPr kumimoji="0" lang="en-US" b="0" i="0" u="sng" strike="noStrike" kern="1200" cap="all" normalizeH="0" noProof="0" dirty="0">
-              <a:ln>
-                <a:noFill/>
-              </a:ln>
-              <a:solidFill>
-                <a:schemeClr val="tx1"/>
-              </a:solidFill>
-              <a:effectLst/>
-              <a:uLnTx/>
-              <a:uFillTx/>
-              <a:latin typeface="+mn-lt"/>
-              <a:ea typeface="+mn-ea"/>
-              <a:cs typeface="Biome Light" panose="020B0303030204020804" pitchFamily="34" charset="0"/>
-            </a:endParaRPr>
-          </a:p>
-          <a:p>
-            <a:pPr marL="0" marR="0" lvl="0" indent="0" algn="l" defTabSz="914400" rtl="0" eaLnBrk="1" fontAlgn="auto" latinLnBrk="0" hangingPunct="1">
-              <a:lnSpc>
-                <a:spcPct val="100000"/>
-              </a:lnSpc>
-              <a:spcBef>
-                <a:spcPts val="1000"/>
-              </a:spcBef>
-              <a:spcAft>
-                <a:spcPts val="0"/>
-              </a:spcAft>
-              <a:buClrTx/>
-              <a:buSzTx/>
-              <a:buFont typeface="Arial" panose="020B0604020202020204" pitchFamily="34" charset="0"/>
-              <a:buNone/>
-              <a:tabLst/>
-              <a:defRPr/>
-            </a:pPr>
-            <a:r>
-              <a:rPr kumimoji="0" lang="en-US" sz="1600" b="0" i="0" strike="noStrike" kern="1200" cap="all" normalizeH="0" noProof="0" dirty="0">
-                <a:ln>
-                  <a:noFill/>
-                </a:ln>
-                <a:solidFill>
-                  <a:schemeClr val="tx1"/>
-                </a:solidFill>
+              <a:t>User Interface</a:t>
+            </a:r>
+          </a:p>
+          <a:p>
+            <a:r>
+              <a:rPr lang="en-US" dirty="0">
                 <a:effectLst/>
-                <a:uLnTx/>
-                <a:uFillTx/>
-                <a:latin typeface="+mn-lt"/>
-                <a:ea typeface="+mn-ea"/>
-                <a:cs typeface="Biome Light" panose="020B0303030204020804" pitchFamily="34" charset="0"/>
-              </a:rPr>
-              <a:t>Network: </a:t>
-            </a:r>
-          </a:p>
-          <a:p>
-            <a:pPr marL="0" marR="0" lvl="0" indent="0" algn="l" defTabSz="914400" rtl="0" eaLnBrk="1" fontAlgn="auto" latinLnBrk="0" hangingPunct="1">
-              <a:lnSpc>
-                <a:spcPct val="100000"/>
-              </a:lnSpc>
-              <a:spcBef>
-                <a:spcPts val="1000"/>
-              </a:spcBef>
-              <a:spcAft>
-                <a:spcPts val="0"/>
-              </a:spcAft>
-              <a:buClrTx/>
-              <a:buSzTx/>
-              <a:buFont typeface="Arial" panose="020B0604020202020204" pitchFamily="34" charset="0"/>
-              <a:buNone/>
-              <a:tabLst/>
-              <a:defRPr/>
-            </a:pPr>
-            <a:r>
-              <a:rPr kumimoji="0" lang="en-US" sz="1600" b="0" i="0" u="none" strike="noStrike" kern="1200" cap="none" normalizeH="0" noProof="0" dirty="0">
-                <a:ln>
-                  <a:noFill/>
-                </a:ln>
-                <a:solidFill>
-                  <a:schemeClr val="tx1"/>
-                </a:solidFill>
+                <a:ea typeface="Calibri" panose="020F0502020204030204" pitchFamily="34" charset="0"/>
+              </a:rPr>
+              <a:t>Each user type will have their own interface that will automatically refresh periodically and allow for manual page refreshing.</a:t>
+            </a:r>
+          </a:p>
+          <a:p>
+            <a:r>
+              <a:rPr lang="en-US" dirty="0">
                 <a:effectLst/>
-                <a:uLnTx/>
-                <a:uFillTx/>
-                <a:latin typeface="+mn-lt"/>
-                <a:ea typeface="+mn-ea"/>
-                <a:cs typeface="Biome Light" panose="020B0303030204020804" pitchFamily="34" charset="0"/>
-              </a:rPr>
-              <a:t>    Switch, Cabling, CAT6, Universal Power Supply (UPS)</a:t>
-            </a:r>
-          </a:p>
-          <a:p>
-            <a:pPr marL="0" marR="0" lvl="0" indent="0" algn="l" defTabSz="914400" rtl="0" eaLnBrk="1" fontAlgn="auto" latinLnBrk="0" hangingPunct="1">
-              <a:lnSpc>
-                <a:spcPct val="100000"/>
-              </a:lnSpc>
-              <a:spcBef>
-                <a:spcPts val="1000"/>
-              </a:spcBef>
-              <a:spcAft>
-                <a:spcPts val="0"/>
-              </a:spcAft>
-              <a:buClrTx/>
-              <a:buSzTx/>
-              <a:buFont typeface="Arial" panose="020B0604020202020204" pitchFamily="34" charset="0"/>
-              <a:buNone/>
-              <a:tabLst/>
-              <a:defRPr/>
-            </a:pPr>
-            <a:r>
-              <a:rPr lang="en-US" sz="1600" cap="all" dirty="0">
-                <a:cs typeface="Biome Light" panose="020B0303030204020804" pitchFamily="34" charset="0"/>
-              </a:rPr>
-              <a:t>Tablet: </a:t>
-            </a:r>
-          </a:p>
-          <a:p>
-            <a:pPr marL="0" marR="0" lvl="0" indent="0" algn="l" defTabSz="914400" rtl="0" eaLnBrk="1" fontAlgn="auto" latinLnBrk="0" hangingPunct="1">
-              <a:lnSpc>
-                <a:spcPct val="100000"/>
-              </a:lnSpc>
-              <a:spcBef>
-                <a:spcPts val="1000"/>
-              </a:spcBef>
-              <a:spcAft>
-                <a:spcPts val="0"/>
-              </a:spcAft>
-              <a:buClrTx/>
-              <a:buSzTx/>
-              <a:buFont typeface="Arial" panose="020B0604020202020204" pitchFamily="34" charset="0"/>
-              <a:buNone/>
-              <a:tabLst/>
-              <a:defRPr/>
-            </a:pPr>
-            <a:r>
-              <a:rPr lang="en-US" sz="1600" dirty="0">
-                <a:cs typeface="Biome Light" panose="020B0303030204020804" pitchFamily="34" charset="0"/>
-              </a:rPr>
-              <a:t>    IOS, Android, or any OS that has web browser capability</a:t>
-            </a:r>
-          </a:p>
-          <a:p>
-            <a:pPr marL="0" marR="0" lvl="0" indent="0" algn="l" defTabSz="914400" rtl="0" eaLnBrk="1" fontAlgn="auto" latinLnBrk="0" hangingPunct="1">
-              <a:lnSpc>
-                <a:spcPct val="100000"/>
-              </a:lnSpc>
-              <a:spcBef>
-                <a:spcPts val="1000"/>
-              </a:spcBef>
-              <a:spcAft>
-                <a:spcPts val="0"/>
-              </a:spcAft>
-              <a:buClrTx/>
-              <a:buSzTx/>
-              <a:buFont typeface="Arial" panose="020B0604020202020204" pitchFamily="34" charset="0"/>
-              <a:buNone/>
-              <a:tabLst/>
-              <a:defRPr/>
-            </a:pPr>
-            <a:r>
-              <a:rPr lang="en-US" sz="1600" cap="all" dirty="0">
-                <a:cs typeface="Biome Light" panose="020B0303030204020804" pitchFamily="34" charset="0"/>
-              </a:rPr>
-              <a:t>Printer: </a:t>
-            </a:r>
-          </a:p>
-          <a:p>
-            <a:pPr marL="0" marR="0" lvl="0" indent="0" algn="l" defTabSz="914400" rtl="0" eaLnBrk="1" fontAlgn="auto" latinLnBrk="0" hangingPunct="1">
-              <a:lnSpc>
-                <a:spcPct val="100000"/>
-              </a:lnSpc>
-              <a:spcBef>
-                <a:spcPts val="1000"/>
-              </a:spcBef>
-              <a:spcAft>
-                <a:spcPts val="0"/>
-              </a:spcAft>
-              <a:buClrTx/>
-              <a:buSzTx/>
-              <a:buFont typeface="Arial" panose="020B0604020202020204" pitchFamily="34" charset="0"/>
-              <a:buNone/>
-              <a:tabLst/>
-              <a:defRPr/>
-            </a:pPr>
-            <a:r>
-              <a:rPr lang="en-US" sz="1600" dirty="0">
-                <a:cs typeface="Biome Light" panose="020B0303030204020804" pitchFamily="34" charset="0"/>
-              </a:rPr>
-              <a:t>    Customer bills, server shift report, manager daily monetary report</a:t>
-            </a:r>
-            <a:endParaRPr kumimoji="0" lang="en-US" sz="1600" b="0" i="0" u="none" strike="noStrike" kern="1200" cap="none" normalizeH="0" noProof="0" dirty="0">
-              <a:ln>
-                <a:noFill/>
-              </a:ln>
-              <a:solidFill>
-                <a:schemeClr val="tx1"/>
-              </a:solidFill>
-              <a:effectLst/>
-              <a:uLnTx/>
-              <a:uFillTx/>
-              <a:latin typeface="+mn-lt"/>
-              <a:ea typeface="+mn-ea"/>
-              <a:cs typeface="Biome Light" panose="020B0303030204020804" pitchFamily="34" charset="0"/>
-            </a:endParaRPr>
-          </a:p>
-          <a:p>
-            <a:pPr marL="0" marR="0" lvl="0" indent="0" algn="l" defTabSz="914400" rtl="0" eaLnBrk="1" fontAlgn="auto" latinLnBrk="0" hangingPunct="1">
-              <a:lnSpc>
-                <a:spcPct val="100000"/>
-              </a:lnSpc>
-              <a:spcBef>
-                <a:spcPts val="1000"/>
-              </a:spcBef>
-              <a:spcAft>
-                <a:spcPts val="0"/>
-              </a:spcAft>
-              <a:buClrTx/>
-              <a:buSzTx/>
-              <a:buFont typeface="Arial" panose="020B0604020202020204" pitchFamily="34" charset="0"/>
-              <a:buNone/>
-              <a:tabLst/>
-              <a:defRPr/>
-            </a:pPr>
-            <a:endParaRPr kumimoji="0" lang="en-US" sz="1600" b="0" i="0" u="none" strike="noStrike" kern="1200" cap="none" normalizeH="0" noProof="0" dirty="0">
-              <a:ln>
-                <a:noFill/>
-              </a:ln>
-              <a:solidFill>
-                <a:schemeClr val="tx1"/>
-              </a:solidFill>
-              <a:effectLst/>
-              <a:uLnTx/>
-              <a:uFillTx/>
-              <a:latin typeface="+mn-lt"/>
-              <a:ea typeface="+mn-ea"/>
-              <a:cs typeface="Biome Light" panose="020B0303030204020804" pitchFamily="34" charset="0"/>
-            </a:endParaRPr>
-          </a:p>
-          <a:p>
-            <a:pPr marL="0" indent="0">
-              <a:buNone/>
-            </a:pPr>
-            <a:endParaRPr lang="en-US" b="1" dirty="0"/>
+                <a:ea typeface="Calibri" panose="020F0502020204030204" pitchFamily="34" charset="0"/>
+              </a:rPr>
+              <a:t>Once the URL is opened, a user will need to enter their unique ID/Username as well as password to access their interface. </a:t>
+            </a:r>
+          </a:p>
+          <a:p>
+            <a:r>
+              <a:rPr lang="en-US" dirty="0"/>
+              <a:t>There will be four unique versions of the UI: Manager, Server, Hosting Staff, Kitchen Line.</a:t>
+            </a:r>
+          </a:p>
+          <a:p>
+            <a:r>
+              <a:rPr lang="en-US" dirty="0"/>
+              <a:t>There will be a main login screen UI that is accessed through a common URL. This will be where the user logs in and their version of the UI is opened.</a:t>
+            </a:r>
           </a:p>
         </p:txBody>
       </p:sp>
@@ -8403,7 +8354,7 @@
     </p:spTree>
     <p:extLst>
       <p:ext uri="{BB962C8B-B14F-4D97-AF65-F5344CB8AC3E}">
-        <p14:creationId xmlns:p14="http://schemas.microsoft.com/office/powerpoint/2010/main" val="3433389847"/>
+        <p14:creationId xmlns:p14="http://schemas.microsoft.com/office/powerpoint/2010/main" val="1690341182"/>
       </p:ext>
     </p:extLst>
   </p:cSld>
@@ -8521,8 +8472,8 @@
         </p:nvSpPr>
         <p:spPr>
           <a:xfrm>
-            <a:off x="6096000" y="919320"/>
-            <a:ext cx="5690532" cy="5338867"/>
+            <a:off x="5594719" y="1124125"/>
+            <a:ext cx="6191812" cy="5134062"/>
           </a:xfrm>
         </p:spPr>
         <p:txBody>
@@ -8562,207 +8513,9 @@
                 <a:ea typeface="+mn-ea"/>
                 <a:cs typeface="Biome Light" panose="020B0303030204020804" pitchFamily="34" charset="0"/>
               </a:rPr>
-              <a:t>User Interface</a:t>
-            </a:r>
-          </a:p>
-          <a:p>
-            <a:r>
-              <a:rPr lang="en-US" dirty="0">
-                <a:effectLst/>
-                <a:ea typeface="Calibri" panose="020F0502020204030204" pitchFamily="34" charset="0"/>
-              </a:rPr>
-              <a:t>Each user type will have their own interface that will automatically refresh periodically and allow for manual page refreshing.</a:t>
-            </a:r>
-          </a:p>
-          <a:p>
-            <a:r>
-              <a:rPr lang="en-US" dirty="0">
-                <a:effectLst/>
-                <a:ea typeface="Calibri" panose="020F0502020204030204" pitchFamily="34" charset="0"/>
-              </a:rPr>
-              <a:t>Once the URL is opened, a user will need to enter their unique ID/Username as well as password to access their interface. </a:t>
-            </a:r>
-          </a:p>
-          <a:p>
-            <a:r>
-              <a:rPr lang="en-US" dirty="0"/>
-              <a:t>There will be four unique versions of the UI: Manager, Server, Hosting Staff, Kitchen Line.</a:t>
-            </a:r>
-          </a:p>
-          <a:p>
-            <a:r>
-              <a:rPr lang="en-US" dirty="0"/>
-              <a:t>There will be a main login screen UI that is accessed through a common URL. This will be where the user logs in and their version of the UI is opened.</a:t>
-            </a:r>
-          </a:p>
-          <a:p>
-            <a:r>
-              <a:rPr lang="en-US" dirty="0"/>
-              <a:t>Example of the manager’s UI once logged in through the first page portal.</a:t>
-            </a:r>
-          </a:p>
-        </p:txBody>
-      </p:sp>
-      <p:sp>
-        <p:nvSpPr>
-          <p:cNvPr id="16" name="Slide Number Placeholder 15">
-            <a:extLst>
-              <a:ext uri="{FF2B5EF4-FFF2-40B4-BE49-F238E27FC236}">
-                <a16:creationId xmlns:a16="http://schemas.microsoft.com/office/drawing/2014/main" id="{7FA57D11-A25F-4772-8E50-DDB68BE8CB69}"/>
-              </a:ext>
-            </a:extLst>
-          </p:cNvPr>
-          <p:cNvSpPr>
-            <a:spLocks noGrp="1"/>
-          </p:cNvSpPr>
-          <p:nvPr>
-            <p:ph type="sldNum" sz="quarter" idx="4"/>
-          </p:nvPr>
-        </p:nvSpPr>
-        <p:spPr/>
-        <p:txBody>
-          <a:bodyPr/>
-          <a:lstStyle/>
-          <a:p>
-            <a:fld id="{8C2E478F-E849-4A8C-AF1F-CBCC78A7CBFA}" type="slidenum">
-              <a:rPr lang="en-US" smtClean="0"/>
-              <a:pPr/>
-              <a:t>17</a:t>
-            </a:fld>
-            <a:endParaRPr lang="en-US" dirty="0"/>
-          </a:p>
-        </p:txBody>
-      </p:sp>
-    </p:spTree>
-    <p:extLst>
-      <p:ext uri="{BB962C8B-B14F-4D97-AF65-F5344CB8AC3E}">
-        <p14:creationId xmlns:p14="http://schemas.microsoft.com/office/powerpoint/2010/main" val="1690341182"/>
-      </p:ext>
-    </p:extLst>
-  </p:cSld>
-  <p:clrMapOvr>
-    <a:masterClrMapping/>
-  </p:clrMapOvr>
-</p:sld>
-</file>
-
-<file path=ppt/slides/slide18.xml><?xml version="1.0" encoding="utf-8"?>
-<p:sld xmlns:a="http://schemas.openxmlformats.org/drawingml/2006/main" xmlns:r="http://schemas.openxmlformats.org/officeDocument/2006/relationships" xmlns:p="http://schemas.openxmlformats.org/presentationml/2006/main">
-  <p:cSld>
-    <p:spTree>
-      <p:nvGrpSpPr>
-        <p:cNvPr id="1" name=""/>
-        <p:cNvGrpSpPr/>
-        <p:nvPr/>
-      </p:nvGrpSpPr>
-      <p:grpSpPr>
-        <a:xfrm>
-          <a:off x="0" y="0"/>
-          <a:ext cx="0" cy="0"/>
-          <a:chOff x="0" y="0"/>
-          <a:chExt cx="0" cy="0"/>
-        </a:xfrm>
-      </p:grpSpPr>
-      <p:sp>
-        <p:nvSpPr>
-          <p:cNvPr id="2" name="Title 1">
-            <a:extLst>
-              <a:ext uri="{FF2B5EF4-FFF2-40B4-BE49-F238E27FC236}">
-                <a16:creationId xmlns:a16="http://schemas.microsoft.com/office/drawing/2014/main" id="{12CC3376-5069-4C7B-BE6B-A3776D1B47BA}"/>
-              </a:ext>
-            </a:extLst>
-          </p:cNvPr>
-          <p:cNvSpPr>
-            <a:spLocks noGrp="1"/>
-          </p:cNvSpPr>
-          <p:nvPr>
-            <p:ph type="title"/>
-          </p:nvPr>
-        </p:nvSpPr>
-        <p:spPr>
-          <a:xfrm>
-            <a:off x="6095999" y="35082"/>
-            <a:ext cx="5897218" cy="884238"/>
-          </a:xfrm>
-        </p:spPr>
-        <p:txBody>
-          <a:bodyPr/>
-          <a:lstStyle/>
-          <a:p>
-            <a:r>
-              <a:rPr lang="en-US" dirty="0"/>
-              <a:t>High Level Design</a:t>
-            </a:r>
-          </a:p>
-        </p:txBody>
-      </p:sp>
-      <p:pic>
-        <p:nvPicPr>
-          <p:cNvPr id="6" name="Picture Placeholder 5" descr="person staring at blueprints on a brick wall">
-            <a:extLst>
-              <a:ext uri="{FF2B5EF4-FFF2-40B4-BE49-F238E27FC236}">
-                <a16:creationId xmlns:a16="http://schemas.microsoft.com/office/drawing/2014/main" id="{C07C315A-7CD1-432C-92FA-6B62159B56CA}"/>
-              </a:ext>
-            </a:extLst>
-          </p:cNvPr>
-          <p:cNvPicPr>
-            <a:picLocks noGrp="1" noChangeAspect="1"/>
-          </p:cNvPicPr>
-          <p:nvPr>
-            <p:ph type="pic" sz="quarter" idx="14"/>
-          </p:nvPr>
-        </p:nvPicPr>
-        <p:blipFill rotWithShape="1">
-          <a:blip r:embed="rId3">
-            <a:extLst>
-              <a:ext uri="{BEBA8EAE-BF5A-486C-A8C5-ECC9F3942E4B}">
-                <a14:imgProps xmlns:a14="http://schemas.microsoft.com/office/drawing/2010/main">
-                  <a14:imgLayer r:embed="rId4">
-                    <a14:imgEffect>
-                      <a14:saturation sat="0"/>
-                    </a14:imgEffect>
-                  </a14:imgLayer>
-                </a14:imgProps>
-              </a:ext>
-            </a:extLst>
-          </a:blip>
-          <a:srcRect l="23552" t="1" r="23880" b="327"/>
-          <a:stretch/>
-        </p:blipFill>
-        <p:spPr>
-          <a:xfrm>
-            <a:off x="0" y="0"/>
-            <a:ext cx="5416550" cy="6858000"/>
-          </a:xfrm>
-        </p:spPr>
-      </p:pic>
-      <p:sp>
-        <p:nvSpPr>
-          <p:cNvPr id="14" name="Content Placeholder 13">
-            <a:extLst>
-              <a:ext uri="{FF2B5EF4-FFF2-40B4-BE49-F238E27FC236}">
-                <a16:creationId xmlns:a16="http://schemas.microsoft.com/office/drawing/2014/main" id="{79248A72-A597-48DF-A270-3389F5D209C0}"/>
-              </a:ext>
-            </a:extLst>
-          </p:cNvPr>
-          <p:cNvSpPr>
-            <a:spLocks noGrp="1"/>
-          </p:cNvSpPr>
-          <p:nvPr>
-            <p:ph idx="1"/>
-          </p:nvPr>
-        </p:nvSpPr>
-        <p:spPr>
-          <a:xfrm>
-            <a:off x="6096000" y="919320"/>
-            <a:ext cx="5690532" cy="5338867"/>
-          </a:xfrm>
-        </p:spPr>
-        <p:txBody>
-          <a:bodyPr>
-            <a:noAutofit/>
-          </a:bodyPr>
-          <a:lstStyle/>
+              <a:t>User Interface Wireframe</a:t>
+            </a:r>
+          </a:p>
           <a:p>
             <a:pPr marL="0" marR="0" lvl="0" indent="0" algn="l" defTabSz="914400" rtl="0" eaLnBrk="1" fontAlgn="auto" latinLnBrk="0" hangingPunct="1">
               <a:lnSpc>
@@ -8781,22 +8534,9 @@
               <a:tabLst/>
               <a:defRPr/>
             </a:pPr>
-            <a:r>
-              <a:rPr kumimoji="0" lang="en-US" b="0" i="0" u="sng" strike="noStrike" kern="1200" cap="all" normalizeH="0" noProof="0" dirty="0">
-                <a:ln>
-                  <a:noFill/>
-                </a:ln>
-                <a:solidFill>
-                  <a:schemeClr val="tx1"/>
-                </a:solidFill>
-                <a:effectLst/>
-                <a:uLnTx/>
-                <a:uFillTx/>
-                <a:ea typeface="+mn-ea"/>
-                <a:cs typeface="Biome Light" panose="020B0303030204020804" pitchFamily="34" charset="0"/>
-              </a:rPr>
-              <a:t>User Interface Wireframe</a:t>
-            </a:r>
+            <a:endParaRPr lang="en-US" u="sng" dirty="0">
+              <a:cs typeface="Biome Light" panose="020B0303030204020804" pitchFamily="34" charset="0"/>
+            </a:endParaRPr>
           </a:p>
           <a:p>
             <a:pPr marL="0" marR="0" lvl="0" indent="0" algn="l" defTabSz="914400" rtl="0" eaLnBrk="1" fontAlgn="auto" latinLnBrk="0" hangingPunct="1">
@@ -8816,7 +8556,17 @@
               <a:tabLst/>
               <a:defRPr/>
             </a:pPr>
-            <a:endParaRPr lang="en-US" u="sng" dirty="0">
+            <a:endParaRPr kumimoji="0" lang="en-US" b="0" i="0" u="sng" strike="noStrike" kern="1200" cap="none" normalizeH="0" noProof="0" dirty="0">
+              <a:ln>
+                <a:noFill/>
+              </a:ln>
+              <a:solidFill>
+                <a:schemeClr val="tx1"/>
+              </a:solidFill>
+              <a:effectLst/>
+              <a:uLnTx/>
+              <a:uFillTx/>
+              <a:ea typeface="+mn-ea"/>
               <a:cs typeface="Biome Light" panose="020B0303030204020804" pitchFamily="34" charset="0"/>
             </a:endParaRPr>
           </a:p>
@@ -8852,38 +8602,6 @@
               <a:cs typeface="Biome Light" panose="020B0303030204020804" pitchFamily="34" charset="0"/>
             </a:endParaRPr>
           </a:p>
-          <a:p>
-            <a:pPr marL="0" marR="0" lvl="0" indent="0" algn="l" defTabSz="914400" rtl="0" eaLnBrk="1" fontAlgn="auto" latinLnBrk="0" hangingPunct="1">
-              <a:lnSpc>
-                <a:spcPct val="100000"/>
-              </a:lnSpc>
-              <a:spcBef>
-                <a:spcPts val="1000"/>
-              </a:spcBef>
-              <a:spcAft>
-                <a:spcPts val="0"/>
-              </a:spcAft>
-              <a:buClrTx/>
-              <a:buSzTx/>
-              <a:buFont typeface="Arial" panose="020B0604020202020204" pitchFamily="34" charset="0"/>
-              <a:buNone/>
-              <a:tabLst/>
-              <a:defRPr/>
-            </a:pPr>
-            <a:endParaRPr kumimoji="0" lang="en-US" b="0" i="0" u="sng" strike="noStrike" kern="1200" cap="none" normalizeH="0" noProof="0" dirty="0">
-              <a:ln>
-                <a:noFill/>
-              </a:ln>
-              <a:solidFill>
-                <a:schemeClr val="tx1"/>
-              </a:solidFill>
-              <a:effectLst/>
-              <a:uLnTx/>
-              <a:uFillTx/>
-              <a:ea typeface="+mn-ea"/>
-              <a:cs typeface="Biome Light" panose="020B0303030204020804" pitchFamily="34" charset="0"/>
-            </a:endParaRPr>
-          </a:p>
         </p:txBody>
       </p:sp>
       <p:sp>
@@ -8910,7 +8628,7 @@
             <a:fld id="{8C2E478F-E849-4A8C-AF1F-CBCC78A7CBFA}" type="slidenum">
               <a:rPr lang="en-US" smtClean="0"/>
               <a:pPr/>
-              <a:t>18</a:t>
+              <a:t>17</a:t>
             </a:fld>
             <a:endParaRPr lang="en-US" dirty="0"/>
           </a:p>
@@ -8970,6 +8688,514 @@
 </p:sld>
 </file>
 
+<file path=ppt/slides/slide18.xml><?xml version="1.0" encoding="utf-8"?>
+<p:sld xmlns:a="http://schemas.openxmlformats.org/drawingml/2006/main" xmlns:r="http://schemas.openxmlformats.org/officeDocument/2006/relationships" xmlns:p="http://schemas.openxmlformats.org/presentationml/2006/main">
+  <p:cSld>
+    <p:spTree>
+      <p:nvGrpSpPr>
+        <p:cNvPr id="1" name=""/>
+        <p:cNvGrpSpPr/>
+        <p:nvPr/>
+      </p:nvGrpSpPr>
+      <p:grpSpPr>
+        <a:xfrm>
+          <a:off x="0" y="0"/>
+          <a:ext cx="0" cy="0"/>
+          <a:chOff x="0" y="0"/>
+          <a:chExt cx="0" cy="0"/>
+        </a:xfrm>
+      </p:grpSpPr>
+      <p:sp>
+        <p:nvSpPr>
+          <p:cNvPr id="2" name="Title 1">
+            <a:extLst>
+              <a:ext uri="{FF2B5EF4-FFF2-40B4-BE49-F238E27FC236}">
+                <a16:creationId xmlns:a16="http://schemas.microsoft.com/office/drawing/2014/main" id="{12CC3376-5069-4C7B-BE6B-A3776D1B47BA}"/>
+              </a:ext>
+            </a:extLst>
+          </p:cNvPr>
+          <p:cNvSpPr>
+            <a:spLocks noGrp="1"/>
+          </p:cNvSpPr>
+          <p:nvPr>
+            <p:ph type="title"/>
+          </p:nvPr>
+        </p:nvSpPr>
+        <p:spPr>
+          <a:xfrm>
+            <a:off x="6096000" y="0"/>
+            <a:ext cx="5816368" cy="599012"/>
+          </a:xfrm>
+        </p:spPr>
+        <p:txBody>
+          <a:bodyPr/>
+          <a:lstStyle/>
+          <a:p>
+            <a:r>
+              <a:rPr lang="en-US" u="sng" dirty="0"/>
+              <a:t>High Level Design</a:t>
+            </a:r>
+          </a:p>
+        </p:txBody>
+      </p:sp>
+      <p:pic>
+        <p:nvPicPr>
+          <p:cNvPr id="6" name="Picture Placeholder 5" descr="person staring at blueprints on a brick wall">
+            <a:extLst>
+              <a:ext uri="{FF2B5EF4-FFF2-40B4-BE49-F238E27FC236}">
+                <a16:creationId xmlns:a16="http://schemas.microsoft.com/office/drawing/2014/main" id="{C07C315A-7CD1-432C-92FA-6B62159B56CA}"/>
+              </a:ext>
+            </a:extLst>
+          </p:cNvPr>
+          <p:cNvPicPr>
+            <a:picLocks noGrp="1" noChangeAspect="1"/>
+          </p:cNvPicPr>
+          <p:nvPr>
+            <p:ph type="pic" sz="quarter" idx="14"/>
+          </p:nvPr>
+        </p:nvPicPr>
+        <p:blipFill rotWithShape="1">
+          <a:blip r:embed="rId3">
+            <a:extLst>
+              <a:ext uri="{BEBA8EAE-BF5A-486C-A8C5-ECC9F3942E4B}">
+                <a14:imgProps xmlns:a14="http://schemas.microsoft.com/office/drawing/2010/main">
+                  <a14:imgLayer r:embed="rId4">
+                    <a14:imgEffect>
+                      <a14:saturation sat="0"/>
+                    </a14:imgEffect>
+                  </a14:imgLayer>
+                </a14:imgProps>
+              </a:ext>
+            </a:extLst>
+          </a:blip>
+          <a:srcRect l="23552" t="1" r="23880" b="327"/>
+          <a:stretch/>
+        </p:blipFill>
+        <p:spPr>
+          <a:xfrm>
+            <a:off x="0" y="0"/>
+            <a:ext cx="5416550" cy="6858000"/>
+          </a:xfrm>
+        </p:spPr>
+      </p:pic>
+      <p:sp>
+        <p:nvSpPr>
+          <p:cNvPr id="14" name="Content Placeholder 13">
+            <a:extLst>
+              <a:ext uri="{FF2B5EF4-FFF2-40B4-BE49-F238E27FC236}">
+                <a16:creationId xmlns:a16="http://schemas.microsoft.com/office/drawing/2014/main" id="{79248A72-A597-48DF-A270-3389F5D209C0}"/>
+              </a:ext>
+            </a:extLst>
+          </p:cNvPr>
+          <p:cNvSpPr>
+            <a:spLocks noGrp="1"/>
+          </p:cNvSpPr>
+          <p:nvPr>
+            <p:ph idx="1"/>
+          </p:nvPr>
+        </p:nvSpPr>
+        <p:spPr>
+          <a:xfrm>
+            <a:off x="6096000" y="763398"/>
+            <a:ext cx="5690532" cy="5318620"/>
+          </a:xfrm>
+        </p:spPr>
+        <p:txBody>
+          <a:bodyPr>
+            <a:normAutofit/>
+          </a:bodyPr>
+          <a:lstStyle/>
+          <a:p>
+            <a:pPr marL="0" marR="0" lvl="0" indent="0" defTabSz="914400" rtl="0" eaLnBrk="1" fontAlgn="auto" latinLnBrk="0" hangingPunct="1">
+              <a:lnSpc>
+                <a:spcPct val="100000"/>
+              </a:lnSpc>
+              <a:spcBef>
+                <a:spcPts val="1000"/>
+              </a:spcBef>
+              <a:spcAft>
+                <a:spcPts val="0"/>
+              </a:spcAft>
+              <a:buClrTx/>
+              <a:buSzTx/>
+              <a:buFont typeface="Arial" panose="020B0604020202020204" pitchFamily="34" charset="0"/>
+              <a:buNone/>
+              <a:tabLst/>
+              <a:defRPr/>
+            </a:pPr>
+            <a:r>
+              <a:rPr kumimoji="0" lang="en-US" b="0" i="0" u="sng" strike="noStrike" kern="1200" cap="all" normalizeH="0" noProof="0" dirty="0">
+                <a:ln>
+                  <a:noFill/>
+                </a:ln>
+                <a:solidFill>
+                  <a:schemeClr val="tx1"/>
+                </a:solidFill>
+                <a:effectLst/>
+                <a:uLnTx/>
+                <a:uFillTx/>
+                <a:latin typeface="+mn-lt"/>
+                <a:ea typeface="+mn-ea"/>
+                <a:cs typeface="Biome Light" panose="020B0303030204020804" pitchFamily="34" charset="0"/>
+              </a:rPr>
+              <a:t>Architecture</a:t>
+            </a:r>
+          </a:p>
+          <a:p>
+            <a:pPr marL="0" marR="0" lvl="0" indent="0" defTabSz="914400" rtl="0" eaLnBrk="1" fontAlgn="auto" latinLnBrk="0" hangingPunct="1">
+              <a:lnSpc>
+                <a:spcPct val="100000"/>
+              </a:lnSpc>
+              <a:spcBef>
+                <a:spcPts val="1000"/>
+              </a:spcBef>
+              <a:spcAft>
+                <a:spcPts val="0"/>
+              </a:spcAft>
+              <a:buClrTx/>
+              <a:buSzTx/>
+              <a:buFont typeface="Arial" panose="020B0604020202020204" pitchFamily="34" charset="0"/>
+              <a:buNone/>
+              <a:tabLst/>
+              <a:defRPr/>
+            </a:pPr>
+            <a:r>
+              <a:rPr kumimoji="0" lang="en-US" b="0" i="0" u="none" strike="noStrike" kern="1200" cap="all" normalizeH="0" noProof="0" dirty="0">
+                <a:ln>
+                  <a:noFill/>
+                </a:ln>
+                <a:solidFill>
+                  <a:schemeClr val="tx1"/>
+                </a:solidFill>
+                <a:effectLst/>
+                <a:uLnTx/>
+                <a:uFillTx/>
+                <a:latin typeface="+mn-lt"/>
+                <a:ea typeface="+mn-ea"/>
+                <a:cs typeface="Biome Light" panose="020B0303030204020804" pitchFamily="34" charset="0"/>
+              </a:rPr>
+              <a:t>Event-driven:</a:t>
+            </a:r>
+          </a:p>
+          <a:p>
+            <a:pPr marL="0" marR="0" lvl="0" indent="0" defTabSz="914400" rtl="0" eaLnBrk="1" fontAlgn="auto" latinLnBrk="0" hangingPunct="1">
+              <a:lnSpc>
+                <a:spcPct val="100000"/>
+              </a:lnSpc>
+              <a:spcBef>
+                <a:spcPts val="1000"/>
+              </a:spcBef>
+              <a:spcAft>
+                <a:spcPts val="0"/>
+              </a:spcAft>
+              <a:buClrTx/>
+              <a:buSzTx/>
+              <a:buFont typeface="Arial" panose="020B0604020202020204" pitchFamily="34" charset="0"/>
+              <a:buNone/>
+              <a:tabLst/>
+              <a:defRPr/>
+            </a:pPr>
+            <a:r>
+              <a:rPr kumimoji="0" lang="en-US" b="0" i="0" u="none" strike="noStrike" kern="1200" cap="none" normalizeH="0" noProof="0" dirty="0">
+                <a:ln>
+                  <a:noFill/>
+                </a:ln>
+                <a:solidFill>
+                  <a:schemeClr val="tx1"/>
+                </a:solidFill>
+                <a:effectLst/>
+                <a:uLnTx/>
+                <a:uFillTx/>
+                <a:latin typeface="+mn-lt"/>
+                <a:ea typeface="+mn-ea"/>
+                <a:cs typeface="Biome Light" panose="020B0303030204020804" pitchFamily="34" charset="0"/>
+              </a:rPr>
+              <a:t>    CentRes will utilize time stamps for orders in and </a:t>
+            </a:r>
+            <a:r>
+              <a:rPr lang="en-US" dirty="0">
+                <a:cs typeface="Biome Light" panose="020B0303030204020804" pitchFamily="34" charset="0"/>
+              </a:rPr>
+              <a:t>orders out. </a:t>
+            </a:r>
+          </a:p>
+          <a:p>
+            <a:pPr marL="0" marR="0" lvl="0" indent="0" defTabSz="914400" rtl="0" eaLnBrk="1" fontAlgn="auto" latinLnBrk="0" hangingPunct="1">
+              <a:lnSpc>
+                <a:spcPct val="100000"/>
+              </a:lnSpc>
+              <a:spcBef>
+                <a:spcPts val="1000"/>
+              </a:spcBef>
+              <a:spcAft>
+                <a:spcPts val="0"/>
+              </a:spcAft>
+              <a:buClrTx/>
+              <a:buSzTx/>
+              <a:buFont typeface="Arial" panose="020B0604020202020204" pitchFamily="34" charset="0"/>
+              <a:buNone/>
+              <a:tabLst/>
+              <a:defRPr/>
+            </a:pPr>
+            <a:endParaRPr lang="en-US" dirty="0">
+              <a:cs typeface="Biome Light" panose="020B0303030204020804" pitchFamily="34" charset="0"/>
+            </a:endParaRPr>
+          </a:p>
+          <a:p>
+            <a:pPr marL="0" marR="0" lvl="0" indent="0" defTabSz="914400" rtl="0" eaLnBrk="1" fontAlgn="auto" latinLnBrk="0" hangingPunct="1">
+              <a:lnSpc>
+                <a:spcPct val="100000"/>
+              </a:lnSpc>
+              <a:spcBef>
+                <a:spcPts val="1000"/>
+              </a:spcBef>
+              <a:spcAft>
+                <a:spcPts val="0"/>
+              </a:spcAft>
+              <a:buClrTx/>
+              <a:buSzTx/>
+              <a:buFont typeface="Arial" panose="020B0604020202020204" pitchFamily="34" charset="0"/>
+              <a:buNone/>
+              <a:tabLst/>
+              <a:defRPr/>
+            </a:pPr>
+            <a:r>
+              <a:rPr kumimoji="0" lang="en-US" b="0" i="0" u="none" strike="noStrike" kern="1200" cap="all" normalizeH="0" noProof="0" dirty="0">
+                <a:ln>
+                  <a:noFill/>
+                </a:ln>
+                <a:solidFill>
+                  <a:schemeClr val="tx1"/>
+                </a:solidFill>
+                <a:effectLst/>
+                <a:uLnTx/>
+                <a:uFillTx/>
+                <a:latin typeface="+mn-lt"/>
+                <a:ea typeface="+mn-ea"/>
+                <a:cs typeface="Biome Light" panose="020B0303030204020804" pitchFamily="34" charset="0"/>
+              </a:rPr>
+              <a:t>Data-centric:</a:t>
+            </a:r>
+          </a:p>
+          <a:p>
+            <a:pPr marL="0" marR="0" lvl="0" indent="0" defTabSz="914400" rtl="0" eaLnBrk="1" fontAlgn="auto" latinLnBrk="0" hangingPunct="1">
+              <a:lnSpc>
+                <a:spcPct val="100000"/>
+              </a:lnSpc>
+              <a:spcBef>
+                <a:spcPts val="1000"/>
+              </a:spcBef>
+              <a:spcAft>
+                <a:spcPts val="0"/>
+              </a:spcAft>
+              <a:buClrTx/>
+              <a:buSzTx/>
+              <a:buFont typeface="Arial" panose="020B0604020202020204" pitchFamily="34" charset="0"/>
+              <a:buNone/>
+              <a:tabLst/>
+              <a:defRPr/>
+            </a:pPr>
+            <a:r>
+              <a:rPr lang="en-US" dirty="0">
+                <a:cs typeface="Biome Light" panose="020B0303030204020804" pitchFamily="34" charset="0"/>
+              </a:rPr>
+              <a:t>    Utilizes a database to track menu items, prices and inventory</a:t>
+            </a:r>
+            <a:endParaRPr kumimoji="0" lang="en-US" b="0" i="0" u="none" strike="noStrike" kern="1200" cap="none" normalizeH="0" noProof="0" dirty="0">
+              <a:ln>
+                <a:noFill/>
+              </a:ln>
+              <a:solidFill>
+                <a:schemeClr val="tx1"/>
+              </a:solidFill>
+              <a:effectLst/>
+              <a:uLnTx/>
+              <a:uFillTx/>
+              <a:latin typeface="+mn-lt"/>
+              <a:ea typeface="+mn-ea"/>
+              <a:cs typeface="Biome Light" panose="020B0303030204020804" pitchFamily="34" charset="0"/>
+            </a:endParaRPr>
+          </a:p>
+          <a:p>
+            <a:pPr marL="0" marR="0" lvl="0" indent="0" defTabSz="914400" rtl="0" eaLnBrk="1" fontAlgn="auto" latinLnBrk="0" hangingPunct="1">
+              <a:lnSpc>
+                <a:spcPct val="100000"/>
+              </a:lnSpc>
+              <a:spcBef>
+                <a:spcPts val="1000"/>
+              </a:spcBef>
+              <a:spcAft>
+                <a:spcPts val="0"/>
+              </a:spcAft>
+              <a:buClrTx/>
+              <a:buSzTx/>
+              <a:buFont typeface="Arial" panose="020B0604020202020204" pitchFamily="34" charset="0"/>
+              <a:buNone/>
+              <a:tabLst/>
+              <a:defRPr/>
+            </a:pPr>
+            <a:endParaRPr kumimoji="0" lang="en-US" b="0" i="0" u="none" strike="noStrike" kern="1200" cap="none" normalizeH="0" noProof="0" dirty="0">
+              <a:ln>
+                <a:noFill/>
+              </a:ln>
+              <a:solidFill>
+                <a:schemeClr val="tx1"/>
+              </a:solidFill>
+              <a:effectLst/>
+              <a:uLnTx/>
+              <a:uFillTx/>
+              <a:latin typeface="+mn-lt"/>
+              <a:ea typeface="+mn-ea"/>
+              <a:cs typeface="Biome Light" panose="020B0303030204020804" pitchFamily="34" charset="0"/>
+            </a:endParaRPr>
+          </a:p>
+          <a:p>
+            <a:pPr marL="0" marR="0" lvl="0" indent="0" defTabSz="914400" rtl="0" eaLnBrk="1" fontAlgn="auto" latinLnBrk="0" hangingPunct="1">
+              <a:lnSpc>
+                <a:spcPct val="100000"/>
+              </a:lnSpc>
+              <a:spcBef>
+                <a:spcPts val="1000"/>
+              </a:spcBef>
+              <a:spcAft>
+                <a:spcPts val="0"/>
+              </a:spcAft>
+              <a:buClrTx/>
+              <a:buSzTx/>
+              <a:buFont typeface="Arial" panose="020B0604020202020204" pitchFamily="34" charset="0"/>
+              <a:buNone/>
+              <a:tabLst/>
+              <a:defRPr/>
+            </a:pPr>
+            <a:r>
+              <a:rPr kumimoji="0" lang="en-US" b="0" i="0" u="sng" strike="noStrike" kern="1200" cap="all" normalizeH="0" noProof="0" dirty="0">
+                <a:ln>
+                  <a:noFill/>
+                </a:ln>
+                <a:solidFill>
+                  <a:schemeClr val="tx1"/>
+                </a:solidFill>
+                <a:effectLst/>
+                <a:uLnTx/>
+                <a:uFillTx/>
+                <a:latin typeface="+mn-lt"/>
+                <a:ea typeface="+mn-ea"/>
+                <a:cs typeface="Biome Light" panose="020B0303030204020804" pitchFamily="34" charset="0"/>
+              </a:rPr>
+              <a:t>Database</a:t>
+            </a:r>
+          </a:p>
+          <a:p>
+            <a:pPr marL="0" marR="0" lvl="0" indent="0" defTabSz="914400" rtl="0" eaLnBrk="1" fontAlgn="auto" latinLnBrk="0" hangingPunct="1">
+              <a:lnSpc>
+                <a:spcPct val="100000"/>
+              </a:lnSpc>
+              <a:spcBef>
+                <a:spcPts val="1000"/>
+              </a:spcBef>
+              <a:spcAft>
+                <a:spcPts val="0"/>
+              </a:spcAft>
+              <a:buClrTx/>
+              <a:buSzTx/>
+              <a:buFont typeface="Arial" panose="020B0604020202020204" pitchFamily="34" charset="0"/>
+              <a:buNone/>
+              <a:tabLst/>
+              <a:defRPr/>
+            </a:pPr>
+            <a:r>
+              <a:rPr lang="en-US" dirty="0">
+                <a:effectLst/>
+                <a:ea typeface="Yu Mincho" panose="02020400000000000000" pitchFamily="18" charset="-128"/>
+                <a:cs typeface="Times New Roman" panose="02020603050405020304" pitchFamily="18" charset="0"/>
+              </a:rPr>
+              <a:t>CentRes will be using a MySQL relational database to store employee information and communicate information related to sales transactions and product inventory.  MySQL can help the restaurant to keep tracking the inventory. See what foods are selling more and which foods are selling less, and this can help to optimize the menu and minimize waste.</a:t>
+            </a:r>
+          </a:p>
+          <a:p>
+            <a:pPr marL="0" marR="0" lvl="0" indent="0" algn="l" defTabSz="914400" rtl="0" eaLnBrk="1" fontAlgn="auto" latinLnBrk="0" hangingPunct="1">
+              <a:lnSpc>
+                <a:spcPct val="100000"/>
+              </a:lnSpc>
+              <a:spcBef>
+                <a:spcPts val="1000"/>
+              </a:spcBef>
+              <a:spcAft>
+                <a:spcPts val="0"/>
+              </a:spcAft>
+              <a:buClrTx/>
+              <a:buSzTx/>
+              <a:buFont typeface="Arial" panose="020B0604020202020204" pitchFamily="34" charset="0"/>
+              <a:buNone/>
+              <a:tabLst/>
+              <a:defRPr/>
+            </a:pPr>
+            <a:endParaRPr kumimoji="0" lang="en-US" sz="1600" b="0" i="0" u="none" strike="noStrike" kern="1200" cap="none" normalizeH="0" noProof="0" dirty="0">
+              <a:ln>
+                <a:noFill/>
+              </a:ln>
+              <a:solidFill>
+                <a:schemeClr val="tx1"/>
+              </a:solidFill>
+              <a:effectLst/>
+              <a:uLnTx/>
+              <a:uFillTx/>
+              <a:latin typeface="+mn-lt"/>
+              <a:ea typeface="+mn-ea"/>
+              <a:cs typeface="Biome Light" panose="020B0303030204020804" pitchFamily="34" charset="0"/>
+            </a:endParaRPr>
+          </a:p>
+          <a:p>
+            <a:pPr marL="0" indent="0">
+              <a:buNone/>
+            </a:pPr>
+            <a:endParaRPr lang="en-US" b="1" dirty="0"/>
+          </a:p>
+        </p:txBody>
+      </p:sp>
+      <p:sp>
+        <p:nvSpPr>
+          <p:cNvPr id="16" name="Slide Number Placeholder 15">
+            <a:extLst>
+              <a:ext uri="{FF2B5EF4-FFF2-40B4-BE49-F238E27FC236}">
+                <a16:creationId xmlns:a16="http://schemas.microsoft.com/office/drawing/2014/main" id="{7FA57D11-A25F-4772-8E50-DDB68BE8CB69}"/>
+              </a:ext>
+            </a:extLst>
+          </p:cNvPr>
+          <p:cNvSpPr>
+            <a:spLocks noGrp="1"/>
+          </p:cNvSpPr>
+          <p:nvPr>
+            <p:ph type="sldNum" sz="quarter" idx="4"/>
+          </p:nvPr>
+        </p:nvSpPr>
+        <p:spPr/>
+        <p:txBody>
+          <a:bodyPr/>
+          <a:lstStyle/>
+          <a:p>
+            <a:fld id="{8C2E478F-E849-4A8C-AF1F-CBCC78A7CBFA}" type="slidenum">
+              <a:rPr lang="en-US" smtClean="0"/>
+              <a:pPr/>
+              <a:t>18</a:t>
+            </a:fld>
+            <a:endParaRPr lang="en-US" dirty="0"/>
+          </a:p>
+        </p:txBody>
+      </p:sp>
+    </p:spTree>
+    <p:extLst>
+      <p:ext uri="{BB962C8B-B14F-4D97-AF65-F5344CB8AC3E}">
+        <p14:creationId xmlns:p14="http://schemas.microsoft.com/office/powerpoint/2010/main" val="2107433842"/>
+      </p:ext>
+    </p:extLst>
+  </p:cSld>
+  <p:clrMapOvr>
+    <a:masterClrMapping/>
+  </p:clrMapOvr>
+</p:sld>
+</file>
+
 <file path=ppt/slides/slide19.xml><?xml version="1.0" encoding="utf-8"?>
 <p:sld xmlns:a="http://schemas.openxmlformats.org/drawingml/2006/main" xmlns:r="http://schemas.openxmlformats.org/officeDocument/2006/relationships" xmlns:p="http://schemas.openxmlformats.org/presentationml/2006/main">
   <p:cSld>
@@ -9005,8 +9231,8 @@
         </p:nvSpPr>
         <p:spPr>
           <a:xfrm>
-            <a:off x="6096000" y="0"/>
-            <a:ext cx="5816368" cy="599012"/>
+            <a:off x="6095999" y="35082"/>
+            <a:ext cx="5897218" cy="884238"/>
           </a:xfrm>
         </p:spPr>
         <p:txBody>
@@ -9014,7 +9240,7 @@
           <a:lstStyle/>
           <a:p>
             <a:r>
-              <a:rPr lang="en-US" u="sng" dirty="0"/>
+              <a:rPr lang="en-US" dirty="0"/>
               <a:t>High Level Design</a:t>
             </a:r>
           </a:p>
@@ -9078,8 +9304,8 @@
         </p:nvSpPr>
         <p:spPr>
           <a:xfrm>
-            <a:off x="6096000" y="763398"/>
-            <a:ext cx="5690532" cy="5318620"/>
+            <a:off x="5734056" y="1061678"/>
+            <a:ext cx="6259161" cy="4668561"/>
           </a:xfrm>
         </p:spPr>
         <p:txBody>
@@ -9087,313 +9313,6 @@
             <a:normAutofit/>
           </a:bodyPr>
           <a:lstStyle/>
-          <a:p>
-            <a:pPr marL="0" marR="0" lvl="0" indent="0" defTabSz="914400" rtl="0" eaLnBrk="1" fontAlgn="auto" latinLnBrk="0" hangingPunct="1">
-              <a:lnSpc>
-                <a:spcPct val="100000"/>
-              </a:lnSpc>
-              <a:spcBef>
-                <a:spcPts val="1000"/>
-              </a:spcBef>
-              <a:spcAft>
-                <a:spcPts val="0"/>
-              </a:spcAft>
-              <a:buClrTx/>
-              <a:buSzTx/>
-              <a:buFont typeface="Arial" panose="020B0604020202020204" pitchFamily="34" charset="0"/>
-              <a:buNone/>
-              <a:tabLst/>
-              <a:defRPr/>
-            </a:pPr>
-            <a:r>
-              <a:rPr kumimoji="0" lang="en-US" b="0" i="0" u="sng" strike="noStrike" kern="1200" cap="all" normalizeH="0" noProof="0" dirty="0">
-                <a:ln>
-                  <a:noFill/>
-                </a:ln>
-                <a:solidFill>
-                  <a:schemeClr val="tx1"/>
-                </a:solidFill>
-                <a:effectLst/>
-                <a:uLnTx/>
-                <a:uFillTx/>
-                <a:latin typeface="+mn-lt"/>
-                <a:ea typeface="+mn-ea"/>
-                <a:cs typeface="Biome Light" panose="020B0303030204020804" pitchFamily="34" charset="0"/>
-              </a:rPr>
-              <a:t>Architecture</a:t>
-            </a:r>
-          </a:p>
-          <a:p>
-            <a:pPr marL="0" marR="0" lvl="0" indent="0" defTabSz="914400" rtl="0" eaLnBrk="1" fontAlgn="auto" latinLnBrk="0" hangingPunct="1">
-              <a:lnSpc>
-                <a:spcPct val="100000"/>
-              </a:lnSpc>
-              <a:spcBef>
-                <a:spcPts val="1000"/>
-              </a:spcBef>
-              <a:spcAft>
-                <a:spcPts val="0"/>
-              </a:spcAft>
-              <a:buClrTx/>
-              <a:buSzTx/>
-              <a:buFont typeface="Arial" panose="020B0604020202020204" pitchFamily="34" charset="0"/>
-              <a:buNone/>
-              <a:tabLst/>
-              <a:defRPr/>
-            </a:pPr>
-            <a:r>
-              <a:rPr kumimoji="0" lang="en-US" b="0" i="0" u="none" strike="noStrike" kern="1200" cap="all" normalizeH="0" noProof="0" dirty="0">
-                <a:ln>
-                  <a:noFill/>
-                </a:ln>
-                <a:solidFill>
-                  <a:schemeClr val="tx1"/>
-                </a:solidFill>
-                <a:effectLst/>
-                <a:uLnTx/>
-                <a:uFillTx/>
-                <a:latin typeface="+mn-lt"/>
-                <a:ea typeface="+mn-ea"/>
-                <a:cs typeface="Biome Light" panose="020B0303030204020804" pitchFamily="34" charset="0"/>
-              </a:rPr>
-              <a:t>Event-driven:</a:t>
-            </a:r>
-          </a:p>
-          <a:p>
-            <a:pPr marL="0" marR="0" lvl="0" indent="0" defTabSz="914400" rtl="0" eaLnBrk="1" fontAlgn="auto" latinLnBrk="0" hangingPunct="1">
-              <a:lnSpc>
-                <a:spcPct val="100000"/>
-              </a:lnSpc>
-              <a:spcBef>
-                <a:spcPts val="1000"/>
-              </a:spcBef>
-              <a:spcAft>
-                <a:spcPts val="0"/>
-              </a:spcAft>
-              <a:buClrTx/>
-              <a:buSzTx/>
-              <a:buFont typeface="Arial" panose="020B0604020202020204" pitchFamily="34" charset="0"/>
-              <a:buNone/>
-              <a:tabLst/>
-              <a:defRPr/>
-            </a:pPr>
-            <a:r>
-              <a:rPr kumimoji="0" lang="en-US" b="0" i="0" u="none" strike="noStrike" kern="1200" cap="none" normalizeH="0" noProof="0" dirty="0">
-                <a:ln>
-                  <a:noFill/>
-                </a:ln>
-                <a:solidFill>
-                  <a:schemeClr val="tx1"/>
-                </a:solidFill>
-                <a:effectLst/>
-                <a:uLnTx/>
-                <a:uFillTx/>
-                <a:latin typeface="+mn-lt"/>
-                <a:ea typeface="+mn-ea"/>
-                <a:cs typeface="Biome Light" panose="020B0303030204020804" pitchFamily="34" charset="0"/>
-              </a:rPr>
-              <a:t>    CentRes will utilize time stamps for orders in and </a:t>
-            </a:r>
-            <a:r>
-              <a:rPr lang="en-US" dirty="0">
-                <a:cs typeface="Biome Light" panose="020B0303030204020804" pitchFamily="34" charset="0"/>
-              </a:rPr>
-              <a:t>orders out. </a:t>
-            </a:r>
-          </a:p>
-          <a:p>
-            <a:pPr marL="0" marR="0" lvl="0" indent="0" defTabSz="914400" rtl="0" eaLnBrk="1" fontAlgn="auto" latinLnBrk="0" hangingPunct="1">
-              <a:lnSpc>
-                <a:spcPct val="100000"/>
-              </a:lnSpc>
-              <a:spcBef>
-                <a:spcPts val="1000"/>
-              </a:spcBef>
-              <a:spcAft>
-                <a:spcPts val="0"/>
-              </a:spcAft>
-              <a:buClrTx/>
-              <a:buSzTx/>
-              <a:buFont typeface="Arial" panose="020B0604020202020204" pitchFamily="34" charset="0"/>
-              <a:buNone/>
-              <a:tabLst/>
-              <a:defRPr/>
-            </a:pPr>
-            <a:endParaRPr lang="en-US" dirty="0">
-              <a:cs typeface="Biome Light" panose="020B0303030204020804" pitchFamily="34" charset="0"/>
-            </a:endParaRPr>
-          </a:p>
-          <a:p>
-            <a:pPr marL="0" marR="0" lvl="0" indent="0" defTabSz="914400" rtl="0" eaLnBrk="1" fontAlgn="auto" latinLnBrk="0" hangingPunct="1">
-              <a:lnSpc>
-                <a:spcPct val="100000"/>
-              </a:lnSpc>
-              <a:spcBef>
-                <a:spcPts val="1000"/>
-              </a:spcBef>
-              <a:spcAft>
-                <a:spcPts val="0"/>
-              </a:spcAft>
-              <a:buClrTx/>
-              <a:buSzTx/>
-              <a:buFont typeface="Arial" panose="020B0604020202020204" pitchFamily="34" charset="0"/>
-              <a:buNone/>
-              <a:tabLst/>
-              <a:defRPr/>
-            </a:pPr>
-            <a:r>
-              <a:rPr kumimoji="0" lang="en-US" b="0" i="0" u="none" strike="noStrike" kern="1200" cap="all" normalizeH="0" noProof="0" dirty="0">
-                <a:ln>
-                  <a:noFill/>
-                </a:ln>
-                <a:solidFill>
-                  <a:schemeClr val="tx1"/>
-                </a:solidFill>
-                <a:effectLst/>
-                <a:uLnTx/>
-                <a:uFillTx/>
-                <a:latin typeface="+mn-lt"/>
-                <a:ea typeface="+mn-ea"/>
-                <a:cs typeface="Biome Light" panose="020B0303030204020804" pitchFamily="34" charset="0"/>
-              </a:rPr>
-              <a:t>Data-centric:</a:t>
-            </a:r>
-          </a:p>
-          <a:p>
-            <a:pPr marL="0" marR="0" lvl="0" indent="0" defTabSz="914400" rtl="0" eaLnBrk="1" fontAlgn="auto" latinLnBrk="0" hangingPunct="1">
-              <a:lnSpc>
-                <a:spcPct val="100000"/>
-              </a:lnSpc>
-              <a:spcBef>
-                <a:spcPts val="1000"/>
-              </a:spcBef>
-              <a:spcAft>
-                <a:spcPts val="0"/>
-              </a:spcAft>
-              <a:buClrTx/>
-              <a:buSzTx/>
-              <a:buFont typeface="Arial" panose="020B0604020202020204" pitchFamily="34" charset="0"/>
-              <a:buNone/>
-              <a:tabLst/>
-              <a:defRPr/>
-            </a:pPr>
-            <a:r>
-              <a:rPr lang="en-US" dirty="0">
-                <a:cs typeface="Biome Light" panose="020B0303030204020804" pitchFamily="34" charset="0"/>
-              </a:rPr>
-              <a:t>    Utilizes a database to track menu items, prices and inventory</a:t>
-            </a:r>
-            <a:endParaRPr kumimoji="0" lang="en-US" b="0" i="0" u="none" strike="noStrike" kern="1200" cap="none" normalizeH="0" noProof="0" dirty="0">
-              <a:ln>
-                <a:noFill/>
-              </a:ln>
-              <a:solidFill>
-                <a:schemeClr val="tx1"/>
-              </a:solidFill>
-              <a:effectLst/>
-              <a:uLnTx/>
-              <a:uFillTx/>
-              <a:latin typeface="+mn-lt"/>
-              <a:ea typeface="+mn-ea"/>
-              <a:cs typeface="Biome Light" panose="020B0303030204020804" pitchFamily="34" charset="0"/>
-            </a:endParaRPr>
-          </a:p>
-          <a:p>
-            <a:pPr marL="0" marR="0" lvl="0" indent="0" defTabSz="914400" rtl="0" eaLnBrk="1" fontAlgn="auto" latinLnBrk="0" hangingPunct="1">
-              <a:lnSpc>
-                <a:spcPct val="100000"/>
-              </a:lnSpc>
-              <a:spcBef>
-                <a:spcPts val="1000"/>
-              </a:spcBef>
-              <a:spcAft>
-                <a:spcPts val="0"/>
-              </a:spcAft>
-              <a:buClrTx/>
-              <a:buSzTx/>
-              <a:buFont typeface="Arial" panose="020B0604020202020204" pitchFamily="34" charset="0"/>
-              <a:buNone/>
-              <a:tabLst/>
-              <a:defRPr/>
-            </a:pPr>
-            <a:endParaRPr kumimoji="0" lang="en-US" b="0" i="0" u="none" strike="noStrike" kern="1200" cap="none" normalizeH="0" noProof="0" dirty="0">
-              <a:ln>
-                <a:noFill/>
-              </a:ln>
-              <a:solidFill>
-                <a:schemeClr val="tx1"/>
-              </a:solidFill>
-              <a:effectLst/>
-              <a:uLnTx/>
-              <a:uFillTx/>
-              <a:latin typeface="+mn-lt"/>
-              <a:ea typeface="+mn-ea"/>
-              <a:cs typeface="Biome Light" panose="020B0303030204020804" pitchFamily="34" charset="0"/>
-            </a:endParaRPr>
-          </a:p>
-          <a:p>
-            <a:pPr marL="0" marR="0" lvl="0" indent="0" defTabSz="914400" rtl="0" eaLnBrk="1" fontAlgn="auto" latinLnBrk="0" hangingPunct="1">
-              <a:lnSpc>
-                <a:spcPct val="100000"/>
-              </a:lnSpc>
-              <a:spcBef>
-                <a:spcPts val="1000"/>
-              </a:spcBef>
-              <a:spcAft>
-                <a:spcPts val="0"/>
-              </a:spcAft>
-              <a:buClrTx/>
-              <a:buSzTx/>
-              <a:buFont typeface="Arial" panose="020B0604020202020204" pitchFamily="34" charset="0"/>
-              <a:buNone/>
-              <a:tabLst/>
-              <a:defRPr/>
-            </a:pPr>
-            <a:r>
-              <a:rPr kumimoji="0" lang="en-US" b="0" i="0" u="sng" strike="noStrike" kern="1200" cap="all" normalizeH="0" noProof="0" dirty="0">
-                <a:ln>
-                  <a:noFill/>
-                </a:ln>
-                <a:solidFill>
-                  <a:schemeClr val="tx1"/>
-                </a:solidFill>
-                <a:effectLst/>
-                <a:uLnTx/>
-                <a:uFillTx/>
-                <a:latin typeface="+mn-lt"/>
-                <a:ea typeface="+mn-ea"/>
-                <a:cs typeface="Biome Light" panose="020B0303030204020804" pitchFamily="34" charset="0"/>
-              </a:rPr>
-              <a:t>Database</a:t>
-            </a:r>
-          </a:p>
-          <a:p>
-            <a:pPr marL="0" marR="0" lvl="0" indent="0" defTabSz="914400" rtl="0" eaLnBrk="1" fontAlgn="auto" latinLnBrk="0" hangingPunct="1">
-              <a:lnSpc>
-                <a:spcPct val="100000"/>
-              </a:lnSpc>
-              <a:spcBef>
-                <a:spcPts val="1000"/>
-              </a:spcBef>
-              <a:spcAft>
-                <a:spcPts val="0"/>
-              </a:spcAft>
-              <a:buClrTx/>
-              <a:buSzTx/>
-              <a:buFont typeface="Arial" panose="020B0604020202020204" pitchFamily="34" charset="0"/>
-              <a:buNone/>
-              <a:tabLst/>
-              <a:defRPr/>
-            </a:pPr>
-            <a:r>
-              <a:rPr lang="en-US" dirty="0">
-                <a:effectLst/>
-                <a:ea typeface="Yu Mincho" panose="02020400000000000000" pitchFamily="18" charset="-128"/>
-                <a:cs typeface="Times New Roman" panose="02020603050405020304" pitchFamily="18" charset="0"/>
-              </a:rPr>
-              <a:t>CentRes will be using a MySQL relational database to store employee information and communicate information related to sales transactions and product inventory.  MySQL can help the restaurant to keep tracking the inventory. See what foods are selling more and which foods are selling less, and this can help to optimize the menu and minimize waste.</a:t>
-            </a:r>
-          </a:p>
           <a:p>
             <a:pPr marL="0" marR="0" lvl="0" indent="0" algn="l" defTabSz="914400" rtl="0" eaLnBrk="1" fontAlgn="auto" latinLnBrk="0" hangingPunct="1">
               <a:lnSpc>
@@ -9412,431 +9331,24 @@
               <a:tabLst/>
               <a:defRPr/>
             </a:pPr>
-            <a:endParaRPr kumimoji="0" lang="en-US" sz="1600" b="0" i="0" u="none" strike="noStrike" kern="1200" cap="none" normalizeH="0" noProof="0" dirty="0">
-              <a:ln>
-                <a:noFill/>
-              </a:ln>
-              <a:solidFill>
-                <a:schemeClr val="tx1"/>
-              </a:solidFill>
-              <a:effectLst/>
-              <a:uLnTx/>
-              <a:uFillTx/>
-              <a:latin typeface="+mn-lt"/>
-              <a:ea typeface="+mn-ea"/>
-              <a:cs typeface="Biome Light" panose="020B0303030204020804" pitchFamily="34" charset="0"/>
-            </a:endParaRPr>
-          </a:p>
-          <a:p>
-            <a:pPr marL="0" indent="0">
-              <a:buNone/>
-            </a:pPr>
-            <a:endParaRPr lang="en-US" b="1" dirty="0"/>
-          </a:p>
-        </p:txBody>
-      </p:sp>
-      <p:sp>
-        <p:nvSpPr>
-          <p:cNvPr id="16" name="Slide Number Placeholder 15">
-            <a:extLst>
-              <a:ext uri="{FF2B5EF4-FFF2-40B4-BE49-F238E27FC236}">
-                <a16:creationId xmlns:a16="http://schemas.microsoft.com/office/drawing/2014/main" id="{7FA57D11-A25F-4772-8E50-DDB68BE8CB69}"/>
-              </a:ext>
-            </a:extLst>
-          </p:cNvPr>
-          <p:cNvSpPr>
-            <a:spLocks noGrp="1"/>
-          </p:cNvSpPr>
-          <p:nvPr>
-            <p:ph type="sldNum" sz="quarter" idx="4"/>
-          </p:nvPr>
-        </p:nvSpPr>
-        <p:spPr/>
-        <p:txBody>
-          <a:bodyPr/>
-          <a:lstStyle/>
-          <a:p>
-            <a:fld id="{8C2E478F-E849-4A8C-AF1F-CBCC78A7CBFA}" type="slidenum">
-              <a:rPr lang="en-US" smtClean="0"/>
-              <a:pPr/>
-              <a:t>19</a:t>
-            </a:fld>
-            <a:endParaRPr lang="en-US" dirty="0"/>
-          </a:p>
-        </p:txBody>
-      </p:sp>
-    </p:spTree>
-    <p:extLst>
-      <p:ext uri="{BB962C8B-B14F-4D97-AF65-F5344CB8AC3E}">
-        <p14:creationId xmlns:p14="http://schemas.microsoft.com/office/powerpoint/2010/main" val="2107433842"/>
-      </p:ext>
-    </p:extLst>
-  </p:cSld>
-  <p:clrMapOvr>
-    <a:masterClrMapping/>
-  </p:clrMapOvr>
-</p:sld>
-</file>
-
-<file path=ppt/slides/slide2.xml><?xml version="1.0" encoding="utf-8"?>
-<p:sld xmlns:a="http://schemas.openxmlformats.org/drawingml/2006/main" xmlns:r="http://schemas.openxmlformats.org/officeDocument/2006/relationships" xmlns:p="http://schemas.openxmlformats.org/presentationml/2006/main">
-  <p:cSld>
-    <p:spTree>
-      <p:nvGrpSpPr>
-        <p:cNvPr id="1" name=""/>
-        <p:cNvGrpSpPr/>
-        <p:nvPr/>
-      </p:nvGrpSpPr>
-      <p:grpSpPr>
-        <a:xfrm>
-          <a:off x="0" y="0"/>
-          <a:ext cx="0" cy="0"/>
-          <a:chOff x="0" y="0"/>
-          <a:chExt cx="0" cy="0"/>
-        </a:xfrm>
-      </p:grpSpPr>
-      <p:sp>
-        <p:nvSpPr>
-          <p:cNvPr id="2" name="Title 1">
-            <a:extLst>
-              <a:ext uri="{FF2B5EF4-FFF2-40B4-BE49-F238E27FC236}">
-                <a16:creationId xmlns:a16="http://schemas.microsoft.com/office/drawing/2014/main" id="{BE3A87B3-0A27-4EE9-979E-B69581E476F0}"/>
-              </a:ext>
-            </a:extLst>
-          </p:cNvPr>
-          <p:cNvSpPr>
-            <a:spLocks noGrp="1"/>
-          </p:cNvSpPr>
-          <p:nvPr>
-            <p:ph type="title"/>
-          </p:nvPr>
-        </p:nvSpPr>
-        <p:spPr>
-          <a:xfrm>
-            <a:off x="6862588" y="24572"/>
-            <a:ext cx="4846320" cy="1210613"/>
-          </a:xfrm>
-        </p:spPr>
-        <p:txBody>
-          <a:bodyPr/>
-          <a:lstStyle/>
-          <a:p>
-            <a:r>
-              <a:rPr lang="en-US" dirty="0"/>
-              <a:t>Contents</a:t>
-            </a:r>
-          </a:p>
-        </p:txBody>
-      </p:sp>
-      <p:pic>
-        <p:nvPicPr>
-          <p:cNvPr id="8" name="Picture Placeholder 7" descr="group of people at a conference table">
-            <a:extLst>
-              <a:ext uri="{FF2B5EF4-FFF2-40B4-BE49-F238E27FC236}">
-                <a16:creationId xmlns:a16="http://schemas.microsoft.com/office/drawing/2014/main" id="{BB76F5AB-0940-46E1-85F9-6A870D7D04C9}"/>
-              </a:ext>
-            </a:extLst>
-          </p:cNvPr>
-          <p:cNvPicPr>
-            <a:picLocks noGrp="1" noChangeAspect="1"/>
-          </p:cNvPicPr>
-          <p:nvPr>
-            <p:ph type="pic" sz="quarter" idx="13"/>
-          </p:nvPr>
-        </p:nvPicPr>
-        <p:blipFill rotWithShape="1">
-          <a:blip r:embed="rId2">
-            <a:extLst>
-              <a:ext uri="{BEBA8EAE-BF5A-486C-A8C5-ECC9F3942E4B}">
-                <a14:imgProps xmlns:a14="http://schemas.microsoft.com/office/drawing/2010/main">
-                  <a14:imgLayer r:embed="rId3">
-                    <a14:imgEffect>
-                      <a14:saturation sat="0"/>
-                    </a14:imgEffect>
-                  </a14:imgLayer>
-                </a14:imgProps>
-              </a:ext>
-            </a:extLst>
-          </a:blip>
-          <a:srcRect l="20370" r="20370"/>
-          <a:stretch/>
-        </p:blipFill>
-        <p:spPr/>
-      </p:pic>
-      <p:sp>
-        <p:nvSpPr>
-          <p:cNvPr id="6" name="Text Placeholder 5">
-            <a:extLst>
-              <a:ext uri="{FF2B5EF4-FFF2-40B4-BE49-F238E27FC236}">
-                <a16:creationId xmlns:a16="http://schemas.microsoft.com/office/drawing/2014/main" id="{F3C89A40-EEAA-43AB-9A3A-B2CFDE450F1B}"/>
-              </a:ext>
-            </a:extLst>
-          </p:cNvPr>
-          <p:cNvSpPr>
-            <a:spLocks noGrp="1"/>
-          </p:cNvSpPr>
-          <p:nvPr>
-            <p:ph type="body" sz="quarter" idx="15"/>
-          </p:nvPr>
-        </p:nvSpPr>
-        <p:spPr>
-          <a:xfrm>
-            <a:off x="6862588" y="1387135"/>
-            <a:ext cx="4908655" cy="4552192"/>
-          </a:xfrm>
-        </p:spPr>
-        <p:txBody>
-          <a:bodyPr/>
-          <a:lstStyle/>
-          <a:p>
-            <a:pPr marL="285750" indent="-285750">
-              <a:buFont typeface="Arial" panose="020B0604020202020204" pitchFamily="34" charset="0"/>
-              <a:buChar char="•"/>
-            </a:pPr>
-            <a:r>
-              <a:rPr lang="en-US" spc="0" dirty="0"/>
-              <a:t>Team Introduction</a:t>
-            </a:r>
-          </a:p>
-          <a:p>
-            <a:pPr marL="285750" indent="-285750">
-              <a:buFont typeface="Arial" panose="020B0604020202020204" pitchFamily="34" charset="0"/>
-              <a:buChar char="•"/>
-            </a:pPr>
-            <a:r>
-              <a:rPr lang="en-US" spc="0" dirty="0"/>
-              <a:t>Team Collaboration and Project Management</a:t>
-            </a:r>
-          </a:p>
-          <a:p>
-            <a:pPr marL="285750" indent="-285750">
-              <a:buFont typeface="Arial" panose="020B0604020202020204" pitchFamily="34" charset="0"/>
-              <a:buChar char="•"/>
-            </a:pPr>
-            <a:r>
-              <a:rPr lang="en-US" spc="0" dirty="0"/>
-              <a:t>Project Overview and descriptions</a:t>
-            </a:r>
-          </a:p>
-          <a:p>
-            <a:pPr marL="285750" indent="-285750">
-              <a:buFont typeface="Arial" panose="020B0604020202020204" pitchFamily="34" charset="0"/>
-              <a:buChar char="•"/>
-            </a:pPr>
-            <a:r>
-              <a:rPr lang="en-US" spc="0" dirty="0"/>
-              <a:t>Project Features and User Stories</a:t>
-            </a:r>
-          </a:p>
-          <a:p>
-            <a:pPr marL="285750" indent="-285750">
-              <a:buFont typeface="Arial" panose="020B0604020202020204" pitchFamily="34" charset="0"/>
-              <a:buChar char="•"/>
-            </a:pPr>
-            <a:r>
-              <a:rPr lang="en-US" spc="0" dirty="0"/>
-              <a:t>Requirements Specifications</a:t>
-            </a:r>
-          </a:p>
-          <a:p>
-            <a:pPr marL="285750" indent="-285750">
-              <a:buFont typeface="Arial" panose="020B0604020202020204" pitchFamily="34" charset="0"/>
-              <a:buChar char="•"/>
-            </a:pPr>
-            <a:r>
-              <a:rPr lang="en-US" spc="0" dirty="0"/>
-              <a:t>High Level Design</a:t>
-            </a:r>
-          </a:p>
-          <a:p>
-            <a:pPr marL="285750" indent="-285750">
-              <a:buFont typeface="Arial" panose="020B0604020202020204" pitchFamily="34" charset="0"/>
-              <a:buChar char="•"/>
-            </a:pPr>
-            <a:r>
-              <a:rPr lang="en-US" spc="0" dirty="0"/>
-              <a:t>Achievements and Challenges</a:t>
-            </a:r>
-          </a:p>
-          <a:p>
-            <a:pPr marL="285750" indent="-285750">
-              <a:buFont typeface="Arial" panose="020B0604020202020204" pitchFamily="34" charset="0"/>
-              <a:buChar char="•"/>
-            </a:pPr>
-            <a:r>
-              <a:rPr lang="en-US" spc="0" dirty="0"/>
-              <a:t>Future Development Plan and Q&amp;A</a:t>
-            </a:r>
-          </a:p>
-          <a:p>
-            <a:pPr marL="285750" indent="-285750">
-              <a:buFont typeface="Arial" panose="020B0604020202020204" pitchFamily="34" charset="0"/>
-              <a:buChar char="•"/>
-            </a:pPr>
-            <a:endParaRPr lang="en-US" dirty="0"/>
-          </a:p>
-        </p:txBody>
-      </p:sp>
-      <p:sp>
-        <p:nvSpPr>
-          <p:cNvPr id="7" name="Slide Number Placeholder 6">
-            <a:extLst>
-              <a:ext uri="{FF2B5EF4-FFF2-40B4-BE49-F238E27FC236}">
-                <a16:creationId xmlns:a16="http://schemas.microsoft.com/office/drawing/2014/main" id="{F29F8048-1E86-48F4-B246-D2F8C54B7EB1}"/>
-              </a:ext>
-            </a:extLst>
-          </p:cNvPr>
-          <p:cNvSpPr>
-            <a:spLocks noGrp="1"/>
-          </p:cNvSpPr>
-          <p:nvPr>
-            <p:ph type="sldNum" sz="quarter" idx="12"/>
-          </p:nvPr>
-        </p:nvSpPr>
-        <p:spPr/>
-        <p:txBody>
-          <a:bodyPr/>
-          <a:lstStyle/>
-          <a:p>
-            <a:fld id="{8C2E478F-E849-4A8C-AF1F-CBCC78A7CBFA}" type="slidenum">
-              <a:rPr lang="en-US" smtClean="0"/>
-              <a:pPr/>
-              <a:t>2</a:t>
-            </a:fld>
-            <a:endParaRPr lang="en-US" dirty="0"/>
-          </a:p>
-        </p:txBody>
-      </p:sp>
-    </p:spTree>
-    <p:extLst>
-      <p:ext uri="{BB962C8B-B14F-4D97-AF65-F5344CB8AC3E}">
-        <p14:creationId xmlns:p14="http://schemas.microsoft.com/office/powerpoint/2010/main" val="1649098948"/>
-      </p:ext>
-    </p:extLst>
-  </p:cSld>
-  <p:clrMapOvr>
-    <a:masterClrMapping/>
-  </p:clrMapOvr>
-</p:sld>
-</file>
-
-<file path=ppt/slides/slide20.xml><?xml version="1.0" encoding="utf-8"?>
-<p:sld xmlns:a="http://schemas.openxmlformats.org/drawingml/2006/main" xmlns:r="http://schemas.openxmlformats.org/officeDocument/2006/relationships" xmlns:p="http://schemas.openxmlformats.org/presentationml/2006/main">
-  <p:cSld>
-    <p:spTree>
-      <p:nvGrpSpPr>
-        <p:cNvPr id="1" name=""/>
-        <p:cNvGrpSpPr/>
-        <p:nvPr/>
-      </p:nvGrpSpPr>
-      <p:grpSpPr>
-        <a:xfrm>
-          <a:off x="0" y="0"/>
-          <a:ext cx="0" cy="0"/>
-          <a:chOff x="0" y="0"/>
-          <a:chExt cx="0" cy="0"/>
-        </a:xfrm>
-      </p:grpSpPr>
-      <p:sp>
-        <p:nvSpPr>
-          <p:cNvPr id="2" name="Title 1">
-            <a:extLst>
-              <a:ext uri="{FF2B5EF4-FFF2-40B4-BE49-F238E27FC236}">
-                <a16:creationId xmlns:a16="http://schemas.microsoft.com/office/drawing/2014/main" id="{12CC3376-5069-4C7B-BE6B-A3776D1B47BA}"/>
-              </a:ext>
-            </a:extLst>
-          </p:cNvPr>
-          <p:cNvSpPr>
-            <a:spLocks noGrp="1"/>
-          </p:cNvSpPr>
-          <p:nvPr>
-            <p:ph type="title"/>
-          </p:nvPr>
-        </p:nvSpPr>
-        <p:spPr>
-          <a:xfrm>
-            <a:off x="6095999" y="35082"/>
-            <a:ext cx="5897218" cy="884238"/>
-          </a:xfrm>
-        </p:spPr>
-        <p:txBody>
-          <a:bodyPr/>
-          <a:lstStyle/>
-          <a:p>
-            <a:r>
-              <a:rPr lang="en-US" dirty="0"/>
-              <a:t>High Level Design</a:t>
-            </a:r>
-          </a:p>
-        </p:txBody>
-      </p:sp>
-      <p:pic>
-        <p:nvPicPr>
-          <p:cNvPr id="6" name="Picture Placeholder 5" descr="person staring at blueprints on a brick wall">
-            <a:extLst>
-              <a:ext uri="{FF2B5EF4-FFF2-40B4-BE49-F238E27FC236}">
-                <a16:creationId xmlns:a16="http://schemas.microsoft.com/office/drawing/2014/main" id="{C07C315A-7CD1-432C-92FA-6B62159B56CA}"/>
-              </a:ext>
-            </a:extLst>
-          </p:cNvPr>
-          <p:cNvPicPr>
-            <a:picLocks noGrp="1" noChangeAspect="1"/>
-          </p:cNvPicPr>
-          <p:nvPr>
-            <p:ph type="pic" sz="quarter" idx="14"/>
-          </p:nvPr>
-        </p:nvPicPr>
-        <p:blipFill rotWithShape="1">
-          <a:blip r:embed="rId3">
-            <a:extLst>
-              <a:ext uri="{BEBA8EAE-BF5A-486C-A8C5-ECC9F3942E4B}">
-                <a14:imgProps xmlns:a14="http://schemas.microsoft.com/office/drawing/2010/main">
-                  <a14:imgLayer r:embed="rId4">
-                    <a14:imgEffect>
-                      <a14:saturation sat="0"/>
-                    </a14:imgEffect>
-                  </a14:imgLayer>
-                </a14:imgProps>
-              </a:ext>
-            </a:extLst>
-          </a:blip>
-          <a:srcRect l="23552" t="1" r="23880" b="327"/>
-          <a:stretch/>
-        </p:blipFill>
-        <p:spPr>
-          <a:xfrm>
-            <a:off x="0" y="0"/>
-            <a:ext cx="5416550" cy="6858000"/>
-          </a:xfrm>
-        </p:spPr>
-      </p:pic>
-      <p:sp>
-        <p:nvSpPr>
-          <p:cNvPr id="14" name="Content Placeholder 13">
-            <a:extLst>
-              <a:ext uri="{FF2B5EF4-FFF2-40B4-BE49-F238E27FC236}">
-                <a16:creationId xmlns:a16="http://schemas.microsoft.com/office/drawing/2014/main" id="{79248A72-A597-48DF-A270-3389F5D209C0}"/>
-              </a:ext>
-            </a:extLst>
-          </p:cNvPr>
-          <p:cNvSpPr>
-            <a:spLocks noGrp="1"/>
-          </p:cNvSpPr>
-          <p:nvPr>
-            <p:ph idx="1"/>
-          </p:nvPr>
-        </p:nvSpPr>
-        <p:spPr>
-          <a:xfrm>
-            <a:off x="5734056" y="1061678"/>
-            <a:ext cx="6259161" cy="4668561"/>
-          </a:xfrm>
-        </p:spPr>
-        <p:txBody>
-          <a:bodyPr>
-            <a:normAutofit/>
-          </a:bodyPr>
-          <a:lstStyle/>
+            <a:r>
+              <a:rPr kumimoji="0" lang="en-US" sz="2000" b="0" i="0" u="sng" strike="noStrike" kern="1200" cap="all" normalizeH="0" noProof="0" dirty="0">
+                <a:ln>
+                  <a:noFill/>
+                </a:ln>
+                <a:solidFill>
+                  <a:schemeClr val="tx1"/>
+                </a:solidFill>
+                <a:effectLst/>
+                <a:uLnTx/>
+                <a:uFillTx/>
+                <a:latin typeface="+mn-lt"/>
+                <a:ea typeface="+mn-ea"/>
+                <a:cs typeface="Biome Light" panose="020B0303030204020804" pitchFamily="34" charset="0"/>
+              </a:rPr>
+              <a:t>Class Diagram</a:t>
+            </a:r>
+          </a:p>
           <a:p>
             <a:pPr marL="0" marR="0" lvl="0" indent="0" algn="l" defTabSz="914400" rtl="0" eaLnBrk="1" fontAlgn="auto" latinLnBrk="0" hangingPunct="1">
               <a:lnSpc>
@@ -9855,23 +9367,20 @@
               <a:tabLst/>
               <a:defRPr/>
             </a:pPr>
-            <a:r>
-              <a:rPr kumimoji="0" lang="en-US" sz="2000" b="0" i="0" u="sng" strike="noStrike" kern="1200" cap="all" normalizeH="0" noProof="0" dirty="0">
-                <a:ln>
-                  <a:noFill/>
-                </a:ln>
-                <a:solidFill>
-                  <a:schemeClr val="tx1"/>
-                </a:solidFill>
-                <a:effectLst/>
-                <a:uLnTx/>
-                <a:uFillTx/>
-                <a:latin typeface="+mn-lt"/>
-                <a:ea typeface="+mn-ea"/>
-                <a:cs typeface="Biome Light" panose="020B0303030204020804" pitchFamily="34" charset="0"/>
-              </a:rPr>
-              <a:t>Class Diagram</a:t>
-            </a:r>
+            <a:endParaRPr kumimoji="0" lang="en-US" sz="1600" b="0" i="0" u="none" strike="noStrike" kern="1200" cap="none" normalizeH="0" noProof="0" dirty="0">
+              <a:ln>
+                <a:noFill/>
+              </a:ln>
+              <a:solidFill>
+                <a:schemeClr val="tx1"/>
+              </a:solidFill>
+              <a:effectLst/>
+              <a:uLnTx/>
+              <a:uFillTx/>
+              <a:latin typeface="+mn-lt"/>
+              <a:ea typeface="+mn-ea"/>
+              <a:cs typeface="Biome Light" panose="020B0303030204020804" pitchFamily="34" charset="0"/>
+            </a:endParaRPr>
           </a:p>
           <a:p>
             <a:pPr marL="0" marR="0" lvl="0" indent="0" algn="l" defTabSz="914400" rtl="0" eaLnBrk="1" fontAlgn="auto" latinLnBrk="0" hangingPunct="1">
@@ -9924,18 +9433,7 @@
               <a:tabLst/>
               <a:defRPr/>
             </a:pPr>
-            <a:endParaRPr kumimoji="0" lang="en-US" sz="1600" b="0" i="0" u="none" strike="noStrike" kern="1200" cap="none" normalizeH="0" noProof="0" dirty="0">
-              <a:ln>
-                <a:noFill/>
-              </a:ln>
-              <a:solidFill>
-                <a:schemeClr val="tx1"/>
-              </a:solidFill>
-              <a:effectLst/>
-              <a:uLnTx/>
-              <a:uFillTx/>
-              <a:latin typeface="+mn-lt"/>
-              <a:ea typeface="+mn-ea"/>
+            <a:endParaRPr lang="en-US" dirty="0">
               <a:cs typeface="Biome Light" panose="020B0303030204020804" pitchFamily="34" charset="0"/>
             </a:endParaRPr>
           </a:p>
@@ -9979,7 +9477,18 @@
               <a:tabLst/>
               <a:defRPr/>
             </a:pPr>
-            <a:endParaRPr lang="en-US" dirty="0">
+            <a:endParaRPr kumimoji="0" lang="en-US" sz="1600" b="0" i="0" u="none" strike="noStrike" kern="1200" cap="none" normalizeH="0" noProof="0" dirty="0">
+              <a:ln>
+                <a:noFill/>
+              </a:ln>
+              <a:solidFill>
+                <a:schemeClr val="tx1"/>
+              </a:solidFill>
+              <a:effectLst/>
+              <a:uLnTx/>
+              <a:uFillTx/>
+              <a:latin typeface="+mn-lt"/>
+              <a:ea typeface="+mn-ea"/>
               <a:cs typeface="Biome Light" panose="020B0303030204020804" pitchFamily="34" charset="0"/>
             </a:endParaRPr>
           </a:p>
@@ -10001,18 +9510,7 @@
               <a:tabLst/>
               <a:defRPr/>
             </a:pPr>
-            <a:endParaRPr kumimoji="0" lang="en-US" sz="1600" b="0" i="0" u="none" strike="noStrike" kern="1200" cap="none" normalizeH="0" noProof="0" dirty="0">
-              <a:ln>
-                <a:noFill/>
-              </a:ln>
-              <a:solidFill>
-                <a:schemeClr val="tx1"/>
-              </a:solidFill>
-              <a:effectLst/>
-              <a:uLnTx/>
-              <a:uFillTx/>
-              <a:latin typeface="+mn-lt"/>
-              <a:ea typeface="+mn-ea"/>
+            <a:endParaRPr lang="en-US" sz="2000" dirty="0">
               <a:cs typeface="Biome Light" panose="020B0303030204020804" pitchFamily="34" charset="0"/>
             </a:endParaRPr>
           </a:p>
@@ -10034,28 +9532,6 @@
               <a:tabLst/>
               <a:defRPr/>
             </a:pPr>
-            <a:endParaRPr lang="en-US" sz="2000" dirty="0">
-              <a:cs typeface="Biome Light" panose="020B0303030204020804" pitchFamily="34" charset="0"/>
-            </a:endParaRPr>
-          </a:p>
-          <a:p>
-            <a:pPr marL="0" marR="0" lvl="0" indent="0" algn="l" defTabSz="914400" rtl="0" eaLnBrk="1" fontAlgn="auto" latinLnBrk="0" hangingPunct="1">
-              <a:lnSpc>
-                <a:spcPct val="100000"/>
-              </a:lnSpc>
-              <a:spcBef>
-                <a:spcPts val="1000"/>
-              </a:spcBef>
-              <a:spcAft>
-                <a:spcPts val="0"/>
-              </a:spcAft>
-              <a:buClrTx/>
-              <a:buSzTx/>
-              <a:buFont typeface="Arial" panose="020B0604020202020204" pitchFamily="34" charset="0"/>
-              <a:buNone/>
-              <a:tabLst/>
-              <a:defRPr/>
-            </a:pPr>
             <a:endParaRPr kumimoji="0" lang="en-US" sz="1600" b="0" i="0" u="none" strike="noStrike" kern="1200" cap="none" normalizeH="0" noProof="0" dirty="0">
               <a:ln>
                 <a:noFill/>
@@ -10103,7 +9579,7 @@
             <a:fld id="{8C2E478F-E849-4A8C-AF1F-CBCC78A7CBFA}" type="slidenum">
               <a:rPr lang="en-US" smtClean="0"/>
               <a:pPr/>
-              <a:t>20</a:t>
+              <a:t>19</a:t>
             </a:fld>
             <a:endParaRPr lang="en-US" dirty="0"/>
           </a:p>
@@ -10155,7 +9631,7 @@
 </p:sld>
 </file>
 
-<file path=ppt/slides/slide21.xml><?xml version="1.0" encoding="utf-8"?>
+<file path=ppt/slides/slide2.xml><?xml version="1.0" encoding="utf-8"?>
 <p:sld xmlns:a="http://schemas.openxmlformats.org/drawingml/2006/main" xmlns:r="http://schemas.openxmlformats.org/officeDocument/2006/relationships" xmlns:p="http://schemas.openxmlformats.org/presentationml/2006/main">
   <p:cSld>
     <p:spTree>
@@ -10177,6 +9653,228 @@
           <p:cNvPr id="2" name="Title 1">
             <a:extLst>
               <a:ext uri="{FF2B5EF4-FFF2-40B4-BE49-F238E27FC236}">
+                <a16:creationId xmlns:a16="http://schemas.microsoft.com/office/drawing/2014/main" id="{BE3A87B3-0A27-4EE9-979E-B69581E476F0}"/>
+              </a:ext>
+            </a:extLst>
+          </p:cNvPr>
+          <p:cNvSpPr>
+            <a:spLocks noGrp="1"/>
+          </p:cNvSpPr>
+          <p:nvPr>
+            <p:ph type="title"/>
+          </p:nvPr>
+        </p:nvSpPr>
+        <p:spPr>
+          <a:xfrm>
+            <a:off x="6862588" y="24572"/>
+            <a:ext cx="4846320" cy="1210613"/>
+          </a:xfrm>
+        </p:spPr>
+        <p:txBody>
+          <a:bodyPr/>
+          <a:lstStyle/>
+          <a:p>
+            <a:r>
+              <a:rPr lang="en-US" dirty="0"/>
+              <a:t>Meet the Team</a:t>
+            </a:r>
+          </a:p>
+        </p:txBody>
+      </p:sp>
+      <p:pic>
+        <p:nvPicPr>
+          <p:cNvPr id="8" name="Picture Placeholder 7" descr="group of people at a conference table">
+            <a:extLst>
+              <a:ext uri="{FF2B5EF4-FFF2-40B4-BE49-F238E27FC236}">
+                <a16:creationId xmlns:a16="http://schemas.microsoft.com/office/drawing/2014/main" id="{BB76F5AB-0940-46E1-85F9-6A870D7D04C9}"/>
+              </a:ext>
+            </a:extLst>
+          </p:cNvPr>
+          <p:cNvPicPr>
+            <a:picLocks noGrp="1" noChangeAspect="1"/>
+          </p:cNvPicPr>
+          <p:nvPr>
+            <p:ph type="pic" sz="quarter" idx="13"/>
+          </p:nvPr>
+        </p:nvPicPr>
+        <p:blipFill rotWithShape="1">
+          <a:blip r:embed="rId2">
+            <a:extLst>
+              <a:ext uri="{BEBA8EAE-BF5A-486C-A8C5-ECC9F3942E4B}">
+                <a14:imgProps xmlns:a14="http://schemas.microsoft.com/office/drawing/2010/main">
+                  <a14:imgLayer r:embed="rId3">
+                    <a14:imgEffect>
+                      <a14:saturation sat="0"/>
+                    </a14:imgEffect>
+                  </a14:imgLayer>
+                </a14:imgProps>
+              </a:ext>
+            </a:extLst>
+          </a:blip>
+          <a:srcRect l="20370" r="20370"/>
+          <a:stretch/>
+        </p:blipFill>
+        <p:spPr/>
+      </p:pic>
+      <p:sp>
+        <p:nvSpPr>
+          <p:cNvPr id="6" name="Text Placeholder 5">
+            <a:extLst>
+              <a:ext uri="{FF2B5EF4-FFF2-40B4-BE49-F238E27FC236}">
+                <a16:creationId xmlns:a16="http://schemas.microsoft.com/office/drawing/2014/main" id="{F3C89A40-EEAA-43AB-9A3A-B2CFDE450F1B}"/>
+              </a:ext>
+            </a:extLst>
+          </p:cNvPr>
+          <p:cNvSpPr>
+            <a:spLocks noGrp="1"/>
+          </p:cNvSpPr>
+          <p:nvPr>
+            <p:ph type="body" sz="quarter" idx="15"/>
+          </p:nvPr>
+        </p:nvSpPr>
+        <p:spPr>
+          <a:xfrm>
+            <a:off x="6862588" y="1387135"/>
+            <a:ext cx="4908655" cy="4552192"/>
+          </a:xfrm>
+        </p:spPr>
+        <p:txBody>
+          <a:bodyPr/>
+          <a:lstStyle/>
+          <a:p>
+            <a:br>
+              <a:rPr lang="en-US" sz="1800" cap="none" spc="0" dirty="0"/>
+            </a:br>
+            <a:r>
+              <a:rPr lang="en-US" sz="1800" u="sng" cap="none" spc="0" dirty="0"/>
+              <a:t>Mentor:</a:t>
+            </a:r>
+            <a:r>
+              <a:rPr lang="en-US" sz="1800" cap="none" spc="0" dirty="0"/>
+              <a:t> Susan Rizzo</a:t>
+            </a:r>
+            <a:br>
+              <a:rPr lang="en-US" sz="1800" cap="none" spc="0" dirty="0"/>
+            </a:br>
+            <a:r>
+              <a:rPr lang="en-US" sz="1800" u="sng" cap="none" spc="0" dirty="0"/>
+              <a:t>Project Manager:</a:t>
+            </a:r>
+            <a:r>
+              <a:rPr lang="en-US" sz="1800" cap="none" spc="0" dirty="0"/>
+              <a:t> Katherine Landsman</a:t>
+            </a:r>
+            <a:br>
+              <a:rPr lang="en-US" sz="1800" cap="none" spc="0" dirty="0"/>
+            </a:br>
+            <a:r>
+              <a:rPr lang="en-US" u="sng" cap="none" spc="0" dirty="0"/>
+              <a:t>Team Members</a:t>
+            </a:r>
+            <a:br>
+              <a:rPr lang="en-US" sz="1800" cap="none" spc="0" dirty="0"/>
+            </a:br>
+            <a:r>
+              <a:rPr lang="en-US" sz="1800" cap="none" spc="0" dirty="0"/>
+              <a:t>Carson Pribble </a:t>
+            </a:r>
+            <a:br>
+              <a:rPr lang="en-US" sz="1800" cap="none" spc="0" dirty="0"/>
+            </a:br>
+            <a:r>
+              <a:rPr lang="en-US" sz="1800" cap="none" spc="0" dirty="0"/>
+              <a:t> Chase Jamison</a:t>
+            </a:r>
+            <a:br>
+              <a:rPr lang="en-US" sz="1800" cap="none" spc="0" dirty="0"/>
+            </a:br>
+            <a:r>
+              <a:rPr lang="en-US" sz="1800" cap="none" spc="0" dirty="0"/>
+              <a:t> David Utshudiema</a:t>
+            </a:r>
+            <a:br>
+              <a:rPr lang="en-US" sz="1800" cap="none" spc="0" dirty="0"/>
+            </a:br>
+            <a:r>
+              <a:rPr lang="en-US" sz="1800" cap="none" spc="0" dirty="0"/>
+              <a:t> Mohamed Ibensilalen</a:t>
+            </a:r>
+            <a:br>
+              <a:rPr lang="en-US" sz="1800" cap="none" spc="0" dirty="0"/>
+            </a:br>
+            <a:r>
+              <a:rPr lang="en-US" sz="1800" cap="none" spc="0" dirty="0"/>
+              <a:t> Sergio Mainville</a:t>
+            </a:r>
+            <a:endParaRPr lang="en-US" dirty="0"/>
+          </a:p>
+        </p:txBody>
+      </p:sp>
+      <p:sp>
+        <p:nvSpPr>
+          <p:cNvPr id="7" name="Slide Number Placeholder 6">
+            <a:extLst>
+              <a:ext uri="{FF2B5EF4-FFF2-40B4-BE49-F238E27FC236}">
+                <a16:creationId xmlns:a16="http://schemas.microsoft.com/office/drawing/2014/main" id="{F29F8048-1E86-48F4-B246-D2F8C54B7EB1}"/>
+              </a:ext>
+            </a:extLst>
+          </p:cNvPr>
+          <p:cNvSpPr>
+            <a:spLocks noGrp="1"/>
+          </p:cNvSpPr>
+          <p:nvPr>
+            <p:ph type="sldNum" sz="quarter" idx="12"/>
+          </p:nvPr>
+        </p:nvSpPr>
+        <p:spPr/>
+        <p:txBody>
+          <a:bodyPr/>
+          <a:lstStyle/>
+          <a:p>
+            <a:fld id="{8C2E478F-E849-4A8C-AF1F-CBCC78A7CBFA}" type="slidenum">
+              <a:rPr lang="en-US" smtClean="0"/>
+              <a:pPr/>
+              <a:t>2</a:t>
+            </a:fld>
+            <a:endParaRPr lang="en-US" dirty="0"/>
+          </a:p>
+        </p:txBody>
+      </p:sp>
+    </p:spTree>
+    <p:extLst>
+      <p:ext uri="{BB962C8B-B14F-4D97-AF65-F5344CB8AC3E}">
+        <p14:creationId xmlns:p14="http://schemas.microsoft.com/office/powerpoint/2010/main" val="1649098948"/>
+      </p:ext>
+    </p:extLst>
+  </p:cSld>
+  <p:clrMapOvr>
+    <a:masterClrMapping/>
+  </p:clrMapOvr>
+</p:sld>
+</file>
+
+<file path=ppt/slides/slide20.xml><?xml version="1.0" encoding="utf-8"?>
+<p:sld xmlns:a="http://schemas.openxmlformats.org/drawingml/2006/main" xmlns:r="http://schemas.openxmlformats.org/officeDocument/2006/relationships" xmlns:p="http://schemas.openxmlformats.org/presentationml/2006/main">
+  <p:cSld>
+    <p:spTree>
+      <p:nvGrpSpPr>
+        <p:cNvPr id="1" name=""/>
+        <p:cNvGrpSpPr/>
+        <p:nvPr/>
+      </p:nvGrpSpPr>
+      <p:grpSpPr>
+        <a:xfrm>
+          <a:off x="0" y="0"/>
+          <a:ext cx="0" cy="0"/>
+          <a:chOff x="0" y="0"/>
+          <a:chExt cx="0" cy="0"/>
+        </a:xfrm>
+      </p:grpSpPr>
+      <p:sp>
+        <p:nvSpPr>
+          <p:cNvPr id="2" name="Title 1">
+            <a:extLst>
+              <a:ext uri="{FF2B5EF4-FFF2-40B4-BE49-F238E27FC236}">
                 <a16:creationId xmlns:a16="http://schemas.microsoft.com/office/drawing/2014/main" id="{12CC3376-5069-4C7B-BE6B-A3776D1B47BA}"/>
               </a:ext>
             </a:extLst>
@@ -10376,7 +10074,7 @@
             <a:fld id="{8C2E478F-E849-4A8C-AF1F-CBCC78A7CBFA}" type="slidenum">
               <a:rPr lang="en-US" smtClean="0"/>
               <a:pPr/>
-              <a:t>21</a:t>
+              <a:t>20</a:t>
             </a:fld>
             <a:endParaRPr lang="en-US" dirty="0"/>
           </a:p>
@@ -10425,6 +10123,339 @@
 </p:sld>
 </file>
 
+<file path=ppt/slides/slide21.xml><?xml version="1.0" encoding="utf-8"?>
+<p:sld xmlns:a="http://schemas.openxmlformats.org/drawingml/2006/main" xmlns:r="http://schemas.openxmlformats.org/officeDocument/2006/relationships" xmlns:p="http://schemas.openxmlformats.org/presentationml/2006/main">
+  <p:cSld>
+    <p:spTree>
+      <p:nvGrpSpPr>
+        <p:cNvPr id="1" name=""/>
+        <p:cNvGrpSpPr/>
+        <p:nvPr/>
+      </p:nvGrpSpPr>
+      <p:grpSpPr>
+        <a:xfrm>
+          <a:off x="0" y="0"/>
+          <a:ext cx="0" cy="0"/>
+          <a:chOff x="0" y="0"/>
+          <a:chExt cx="0" cy="0"/>
+        </a:xfrm>
+      </p:grpSpPr>
+      <p:sp>
+        <p:nvSpPr>
+          <p:cNvPr id="3" name="Title 2">
+            <a:extLst>
+              <a:ext uri="{FF2B5EF4-FFF2-40B4-BE49-F238E27FC236}">
+                <a16:creationId xmlns:a16="http://schemas.microsoft.com/office/drawing/2014/main" id="{1D24B42B-925B-494C-A986-BD85E8117E1E}"/>
+              </a:ext>
+            </a:extLst>
+          </p:cNvPr>
+          <p:cNvSpPr>
+            <a:spLocks noGrp="1"/>
+          </p:cNvSpPr>
+          <p:nvPr>
+            <p:ph type="title"/>
+          </p:nvPr>
+        </p:nvSpPr>
+        <p:spPr>
+          <a:xfrm>
+            <a:off x="6258991" y="151788"/>
+            <a:ext cx="5251450" cy="975869"/>
+          </a:xfrm>
+        </p:spPr>
+        <p:txBody>
+          <a:bodyPr>
+            <a:normAutofit/>
+          </a:bodyPr>
+          <a:lstStyle/>
+          <a:p>
+            <a:r>
+              <a:rPr lang="en-US" sz="2800" dirty="0"/>
+              <a:t>Achievements and challenges</a:t>
+            </a:r>
+          </a:p>
+        </p:txBody>
+      </p:sp>
+      <p:pic>
+        <p:nvPicPr>
+          <p:cNvPr id="8" name="Picture Placeholder 7" descr="close up of computer code">
+            <a:extLst>
+              <a:ext uri="{FF2B5EF4-FFF2-40B4-BE49-F238E27FC236}">
+                <a16:creationId xmlns:a16="http://schemas.microsoft.com/office/drawing/2014/main" id="{A596BF19-CC58-4709-B5D6-3FC378FDC7BA}"/>
+              </a:ext>
+            </a:extLst>
+          </p:cNvPr>
+          <p:cNvPicPr>
+            <a:picLocks noGrp="1" noChangeAspect="1"/>
+          </p:cNvPicPr>
+          <p:nvPr>
+            <p:ph type="pic" sz="quarter" idx="13"/>
+          </p:nvPr>
+        </p:nvPicPr>
+        <p:blipFill rotWithShape="1">
+          <a:blip r:embed="rId2">
+            <a:extLst>
+              <a:ext uri="{BEBA8EAE-BF5A-486C-A8C5-ECC9F3942E4B}">
+                <a14:imgProps xmlns:a14="http://schemas.microsoft.com/office/drawing/2010/main">
+                  <a14:imgLayer r:embed="rId3">
+                    <a14:imgEffect>
+                      <a14:saturation sat="0"/>
+                    </a14:imgEffect>
+                  </a14:imgLayer>
+                </a14:imgProps>
+              </a:ext>
+            </a:extLst>
+          </a:blip>
+          <a:srcRect l="20370" r="20370"/>
+          <a:stretch/>
+        </p:blipFill>
+        <p:spPr>
+          <a:xfrm>
+            <a:off x="0" y="-9922"/>
+            <a:ext cx="6096000" cy="6867922"/>
+          </a:xfrm>
+        </p:spPr>
+      </p:pic>
+      <p:sp>
+        <p:nvSpPr>
+          <p:cNvPr id="2" name="Text Placeholder 1">
+            <a:extLst>
+              <a:ext uri="{FF2B5EF4-FFF2-40B4-BE49-F238E27FC236}">
+                <a16:creationId xmlns:a16="http://schemas.microsoft.com/office/drawing/2014/main" id="{B156CAF1-214F-4566-9B0D-DACA1063E8C8}"/>
+              </a:ext>
+            </a:extLst>
+          </p:cNvPr>
+          <p:cNvSpPr>
+            <a:spLocks noGrp="1"/>
+          </p:cNvSpPr>
+          <p:nvPr>
+            <p:ph type="body" idx="1"/>
+          </p:nvPr>
+        </p:nvSpPr>
+        <p:spPr>
+          <a:xfrm>
+            <a:off x="5897218" y="1375873"/>
+            <a:ext cx="6095999" cy="5233911"/>
+          </a:xfrm>
+        </p:spPr>
+        <p:txBody>
+          <a:bodyPr/>
+          <a:lstStyle/>
+          <a:p>
+            <a:pPr algn="l"/>
+            <a:endParaRPr lang="en-US" sz="1600" u="sng" spc="0" dirty="0">
+              <a:cs typeface="Arial" panose="020B0604020202020204" pitchFamily="34" charset="0"/>
+            </a:endParaRPr>
+          </a:p>
+          <a:p>
+            <a:pPr algn="l"/>
+            <a:endParaRPr lang="en-US" sz="1600" u="sng" spc="0" dirty="0">
+              <a:cs typeface="Arial" panose="020B0604020202020204" pitchFamily="34" charset="0"/>
+            </a:endParaRPr>
+          </a:p>
+          <a:p>
+            <a:pPr algn="l"/>
+            <a:endParaRPr lang="en-US" sz="1600" u="sng" spc="0" dirty="0">
+              <a:cs typeface="Arial" panose="020B0604020202020204" pitchFamily="34" charset="0"/>
+            </a:endParaRPr>
+          </a:p>
+          <a:p>
+            <a:pPr algn="l"/>
+            <a:endParaRPr lang="en-US" sz="1600" u="sng" spc="0" dirty="0">
+              <a:cs typeface="Arial" panose="020B0604020202020204" pitchFamily="34" charset="0"/>
+            </a:endParaRPr>
+          </a:p>
+          <a:p>
+            <a:pPr algn="l"/>
+            <a:r>
+              <a:rPr lang="en-US" sz="1600" u="sng" spc="0" dirty="0">
+                <a:cs typeface="Arial" panose="020B0604020202020204" pitchFamily="34" charset="0"/>
+              </a:rPr>
+              <a:t>Achievements:</a:t>
+            </a:r>
+          </a:p>
+          <a:p>
+            <a:pPr marL="285750" indent="-285750" algn="l">
+              <a:buFont typeface="Arial" panose="020B0604020202020204" pitchFamily="34" charset="0"/>
+              <a:buChar char="•"/>
+            </a:pPr>
+            <a:r>
+              <a:rPr lang="en-US" cap="none" spc="0" dirty="0">
+                <a:cs typeface="Arial" panose="020B0604020202020204" pitchFamily="34" charset="0"/>
+              </a:rPr>
+              <a:t>Successfully hosted sprint meetings with all members present weekly and participating</a:t>
+            </a:r>
+          </a:p>
+          <a:p>
+            <a:pPr marL="285750" indent="-285750" algn="l">
+              <a:buFont typeface="Arial" panose="020B0604020202020204" pitchFamily="34" charset="0"/>
+              <a:buChar char="•"/>
+            </a:pPr>
+            <a:r>
+              <a:rPr lang="en-US" cap="none" spc="0" dirty="0">
+                <a:cs typeface="Arial" panose="020B0604020202020204" pitchFamily="34" charset="0"/>
+              </a:rPr>
+              <a:t>Individual team members feel more satisfied with their roles which gives them extra motivation to perform.</a:t>
+            </a:r>
+          </a:p>
+          <a:p>
+            <a:pPr marL="285750" indent="-285750" algn="l">
+              <a:buFont typeface="Arial" panose="020B0604020202020204" pitchFamily="34" charset="0"/>
+              <a:buChar char="•"/>
+            </a:pPr>
+            <a:r>
+              <a:rPr lang="en-US" cap="none" spc="0" dirty="0">
+                <a:cs typeface="Arial" panose="020B0604020202020204" pitchFamily="34" charset="0"/>
+              </a:rPr>
+              <a:t>Tasks are completed on time and in full.</a:t>
+            </a:r>
+          </a:p>
+          <a:p>
+            <a:pPr marL="285750" indent="-285750" algn="l">
+              <a:buFont typeface="Arial" panose="020B0604020202020204" pitchFamily="34" charset="0"/>
+              <a:buChar char="•"/>
+            </a:pPr>
+            <a:endParaRPr lang="en-US" spc="0" dirty="0">
+              <a:cs typeface="Arial" panose="020B0604020202020204" pitchFamily="34" charset="0"/>
+            </a:endParaRPr>
+          </a:p>
+          <a:p>
+            <a:pPr algn="l"/>
+            <a:endParaRPr lang="en-US" spc="0" dirty="0">
+              <a:cs typeface="Arial" panose="020B0604020202020204" pitchFamily="34" charset="0"/>
+            </a:endParaRPr>
+          </a:p>
+          <a:p>
+            <a:pPr algn="l"/>
+            <a:r>
+              <a:rPr lang="en-US" sz="1600" u="sng" spc="0" dirty="0">
+                <a:cs typeface="Arial" panose="020B0604020202020204" pitchFamily="34" charset="0"/>
+              </a:rPr>
+              <a:t>Challenges:</a:t>
+            </a:r>
+          </a:p>
+          <a:p>
+            <a:pPr marL="285750" indent="-285750" algn="l">
+              <a:buFont typeface="Arial" panose="020B0604020202020204" pitchFamily="34" charset="0"/>
+              <a:buChar char="•"/>
+            </a:pPr>
+            <a:r>
+              <a:rPr lang="en-US" cap="none" spc="0" dirty="0">
+                <a:cs typeface="Arial" panose="020B0604020202020204" pitchFamily="34" charset="0"/>
+              </a:rPr>
+              <a:t>Microsoft word formatting for SRS document.</a:t>
+            </a:r>
+          </a:p>
+          <a:p>
+            <a:pPr marL="285750" indent="-285750" algn="l">
+              <a:buFont typeface="Arial" panose="020B0604020202020204" pitchFamily="34" charset="0"/>
+              <a:buChar char="•"/>
+            </a:pPr>
+            <a:r>
+              <a:rPr lang="en-US" cap="none" spc="0" dirty="0">
+                <a:cs typeface="Arial" panose="020B0604020202020204" pitchFamily="34" charset="0"/>
+              </a:rPr>
+              <a:t>Solving the compatibility issue by choosing a web-based application.</a:t>
+            </a:r>
+          </a:p>
+          <a:p>
+            <a:pPr marL="285750" indent="-285750" algn="l">
+              <a:buFont typeface="Arial" panose="020B0604020202020204" pitchFamily="34" charset="0"/>
+              <a:buChar char="•"/>
+            </a:pPr>
+            <a:r>
+              <a:rPr lang="en-US" cap="none" spc="0" dirty="0">
+                <a:cs typeface="Arial" panose="020B0604020202020204" pitchFamily="34" charset="0"/>
+              </a:rPr>
+              <a:t>Choosing the priority of the requirements specification using the MOSCOW method. All requirements would be nice to have so it is difficult to consider a rating for each one.</a:t>
+            </a:r>
+          </a:p>
+          <a:p>
+            <a:pPr marL="285750" indent="-285750" algn="l">
+              <a:buFont typeface="Arial" panose="020B0604020202020204" pitchFamily="34" charset="0"/>
+              <a:buChar char="•"/>
+            </a:pPr>
+            <a:endParaRPr lang="en-US" spc="0" dirty="0">
+              <a:cs typeface="Arial" panose="020B0604020202020204" pitchFamily="34" charset="0"/>
+            </a:endParaRPr>
+          </a:p>
+          <a:p>
+            <a:pPr marL="285750" indent="-285750" algn="l">
+              <a:buFont typeface="Arial" panose="020B0604020202020204" pitchFamily="34" charset="0"/>
+              <a:buChar char="•"/>
+            </a:pPr>
+            <a:endParaRPr lang="en-US" spc="0" dirty="0">
+              <a:cs typeface="Arial" panose="020B0604020202020204" pitchFamily="34" charset="0"/>
+            </a:endParaRPr>
+          </a:p>
+          <a:p>
+            <a:pPr marL="285750" indent="-285750" algn="l">
+              <a:buFont typeface="Arial" panose="020B0604020202020204" pitchFamily="34" charset="0"/>
+              <a:buChar char="•"/>
+            </a:pPr>
+            <a:endParaRPr lang="en-US" spc="0" dirty="0">
+              <a:cs typeface="Arial" panose="020B0604020202020204" pitchFamily="34" charset="0"/>
+            </a:endParaRPr>
+          </a:p>
+          <a:p>
+            <a:pPr algn="l"/>
+            <a:endParaRPr lang="en-US" spc="0" dirty="0">
+              <a:cs typeface="Arial" panose="020B0604020202020204" pitchFamily="34" charset="0"/>
+            </a:endParaRPr>
+          </a:p>
+          <a:p>
+            <a:pPr marL="285750" indent="-285750" algn="l">
+              <a:buFont typeface="Arial" panose="020B0604020202020204" pitchFamily="34" charset="0"/>
+              <a:buChar char="•"/>
+            </a:pPr>
+            <a:endParaRPr lang="en-US" spc="0" dirty="0">
+              <a:cs typeface="Arial" panose="020B0604020202020204" pitchFamily="34" charset="0"/>
+            </a:endParaRPr>
+          </a:p>
+        </p:txBody>
+      </p:sp>
+      <p:sp>
+        <p:nvSpPr>
+          <p:cNvPr id="6" name="Slide Number Placeholder 5">
+            <a:extLst>
+              <a:ext uri="{FF2B5EF4-FFF2-40B4-BE49-F238E27FC236}">
+                <a16:creationId xmlns:a16="http://schemas.microsoft.com/office/drawing/2014/main" id="{FC6A5C12-E784-444E-B868-DE2AE85742BB}"/>
+              </a:ext>
+            </a:extLst>
+          </p:cNvPr>
+          <p:cNvSpPr>
+            <a:spLocks noGrp="1"/>
+          </p:cNvSpPr>
+          <p:nvPr>
+            <p:ph type="sldNum" sz="quarter" idx="12"/>
+          </p:nvPr>
+        </p:nvSpPr>
+        <p:spPr/>
+        <p:txBody>
+          <a:bodyPr/>
+          <a:lstStyle/>
+          <a:p>
+            <a:fld id="{8C2E478F-E849-4A8C-AF1F-CBCC78A7CBFA}" type="slidenum">
+              <a:rPr lang="en-US" smtClean="0"/>
+              <a:pPr/>
+              <a:t>21</a:t>
+            </a:fld>
+            <a:endParaRPr lang="en-US" dirty="0"/>
+          </a:p>
+        </p:txBody>
+      </p:sp>
+    </p:spTree>
+    <p:extLst>
+      <p:ext uri="{BB962C8B-B14F-4D97-AF65-F5344CB8AC3E}">
+        <p14:creationId xmlns:p14="http://schemas.microsoft.com/office/powerpoint/2010/main" val="2918897839"/>
+      </p:ext>
+    </p:extLst>
+  </p:cSld>
+  <p:clrMapOvr>
+    <a:masterClrMapping/>
+  </p:clrMapOvr>
+</p:sld>
+</file>
+
 <file path=ppt/slides/slide22.xml><?xml version="1.0" encoding="utf-8"?>
 <p:sld xmlns:a="http://schemas.openxmlformats.org/drawingml/2006/main" xmlns:r="http://schemas.openxmlformats.org/officeDocument/2006/relationships" xmlns:p="http://schemas.openxmlformats.org/presentationml/2006/main">
   <p:cSld>
@@ -10460,8 +10491,8 @@
         </p:nvSpPr>
         <p:spPr>
           <a:xfrm>
-            <a:off x="6258991" y="151788"/>
-            <a:ext cx="5251450" cy="975869"/>
+            <a:off x="6243087" y="58128"/>
+            <a:ext cx="5569486" cy="741763"/>
           </a:xfrm>
         </p:spPr>
         <p:txBody>
@@ -10472,7 +10503,7 @@
           <a:p>
             <a:r>
               <a:rPr lang="en-US" sz="2800" dirty="0"/>
-              <a:t>Achievements and challenges</a:t>
+              <a:t>Future Development Plan</a:t>
             </a:r>
           </a:p>
         </p:txBody>
@@ -10535,339 +10566,6 @@
         </p:nvSpPr>
         <p:spPr>
           <a:xfrm>
-            <a:off x="5897218" y="1375873"/>
-            <a:ext cx="6095999" cy="5233911"/>
-          </a:xfrm>
-        </p:spPr>
-        <p:txBody>
-          <a:bodyPr/>
-          <a:lstStyle/>
-          <a:p>
-            <a:pPr algn="l"/>
-            <a:endParaRPr lang="en-US" sz="1600" u="sng" spc="0" dirty="0">
-              <a:cs typeface="Arial" panose="020B0604020202020204" pitchFamily="34" charset="0"/>
-            </a:endParaRPr>
-          </a:p>
-          <a:p>
-            <a:pPr algn="l"/>
-            <a:endParaRPr lang="en-US" sz="1600" u="sng" spc="0" dirty="0">
-              <a:cs typeface="Arial" panose="020B0604020202020204" pitchFamily="34" charset="0"/>
-            </a:endParaRPr>
-          </a:p>
-          <a:p>
-            <a:pPr algn="l"/>
-            <a:endParaRPr lang="en-US" sz="1600" u="sng" spc="0" dirty="0">
-              <a:cs typeface="Arial" panose="020B0604020202020204" pitchFamily="34" charset="0"/>
-            </a:endParaRPr>
-          </a:p>
-          <a:p>
-            <a:pPr algn="l"/>
-            <a:endParaRPr lang="en-US" sz="1600" u="sng" spc="0" dirty="0">
-              <a:cs typeface="Arial" panose="020B0604020202020204" pitchFamily="34" charset="0"/>
-            </a:endParaRPr>
-          </a:p>
-          <a:p>
-            <a:pPr algn="l"/>
-            <a:r>
-              <a:rPr lang="en-US" sz="1600" u="sng" spc="0" dirty="0">
-                <a:cs typeface="Arial" panose="020B0604020202020204" pitchFamily="34" charset="0"/>
-              </a:rPr>
-              <a:t>Achievements:</a:t>
-            </a:r>
-          </a:p>
-          <a:p>
-            <a:pPr marL="285750" indent="-285750" algn="l">
-              <a:buFont typeface="Arial" panose="020B0604020202020204" pitchFamily="34" charset="0"/>
-              <a:buChar char="•"/>
-            </a:pPr>
-            <a:r>
-              <a:rPr lang="en-US" cap="none" spc="0" dirty="0">
-                <a:cs typeface="Arial" panose="020B0604020202020204" pitchFamily="34" charset="0"/>
-              </a:rPr>
-              <a:t>Successfully hosted sprint meetings with all members present weekly and participating</a:t>
-            </a:r>
-          </a:p>
-          <a:p>
-            <a:pPr marL="285750" indent="-285750" algn="l">
-              <a:buFont typeface="Arial" panose="020B0604020202020204" pitchFamily="34" charset="0"/>
-              <a:buChar char="•"/>
-            </a:pPr>
-            <a:r>
-              <a:rPr lang="en-US" cap="none" spc="0" dirty="0">
-                <a:cs typeface="Arial" panose="020B0604020202020204" pitchFamily="34" charset="0"/>
-              </a:rPr>
-              <a:t>Individual team members feel more satisfied with their roles which gives them extra motivation to perform.</a:t>
-            </a:r>
-          </a:p>
-          <a:p>
-            <a:pPr marL="285750" indent="-285750" algn="l">
-              <a:buFont typeface="Arial" panose="020B0604020202020204" pitchFamily="34" charset="0"/>
-              <a:buChar char="•"/>
-            </a:pPr>
-            <a:r>
-              <a:rPr lang="en-US" cap="none" spc="0" dirty="0">
-                <a:cs typeface="Arial" panose="020B0604020202020204" pitchFamily="34" charset="0"/>
-              </a:rPr>
-              <a:t>Tasks are completed on time and in full.</a:t>
-            </a:r>
-          </a:p>
-          <a:p>
-            <a:pPr marL="285750" indent="-285750" algn="l">
-              <a:buFont typeface="Arial" panose="020B0604020202020204" pitchFamily="34" charset="0"/>
-              <a:buChar char="•"/>
-            </a:pPr>
-            <a:endParaRPr lang="en-US" spc="0" dirty="0">
-              <a:cs typeface="Arial" panose="020B0604020202020204" pitchFamily="34" charset="0"/>
-            </a:endParaRPr>
-          </a:p>
-          <a:p>
-            <a:pPr algn="l"/>
-            <a:endParaRPr lang="en-US" spc="0" dirty="0">
-              <a:cs typeface="Arial" panose="020B0604020202020204" pitchFamily="34" charset="0"/>
-            </a:endParaRPr>
-          </a:p>
-          <a:p>
-            <a:pPr algn="l"/>
-            <a:r>
-              <a:rPr lang="en-US" sz="1600" u="sng" spc="0" dirty="0">
-                <a:cs typeface="Arial" panose="020B0604020202020204" pitchFamily="34" charset="0"/>
-              </a:rPr>
-              <a:t>Challenges:</a:t>
-            </a:r>
-          </a:p>
-          <a:p>
-            <a:pPr marL="285750" indent="-285750" algn="l">
-              <a:buFont typeface="Arial" panose="020B0604020202020204" pitchFamily="34" charset="0"/>
-              <a:buChar char="•"/>
-            </a:pPr>
-            <a:r>
-              <a:rPr lang="en-US" cap="none" spc="0" dirty="0">
-                <a:cs typeface="Arial" panose="020B0604020202020204" pitchFamily="34" charset="0"/>
-              </a:rPr>
-              <a:t>Microsoft word formatting for SRS document.</a:t>
-            </a:r>
-          </a:p>
-          <a:p>
-            <a:pPr marL="285750" indent="-285750" algn="l">
-              <a:buFont typeface="Arial" panose="020B0604020202020204" pitchFamily="34" charset="0"/>
-              <a:buChar char="•"/>
-            </a:pPr>
-            <a:r>
-              <a:rPr lang="en-US" cap="none" spc="0" dirty="0">
-                <a:cs typeface="Arial" panose="020B0604020202020204" pitchFamily="34" charset="0"/>
-              </a:rPr>
-              <a:t>Solving the compatibility issue by choosing a web-based application.</a:t>
-            </a:r>
-          </a:p>
-          <a:p>
-            <a:pPr marL="285750" indent="-285750" algn="l">
-              <a:buFont typeface="Arial" panose="020B0604020202020204" pitchFamily="34" charset="0"/>
-              <a:buChar char="•"/>
-            </a:pPr>
-            <a:r>
-              <a:rPr lang="en-US" cap="none" spc="0" dirty="0">
-                <a:cs typeface="Arial" panose="020B0604020202020204" pitchFamily="34" charset="0"/>
-              </a:rPr>
-              <a:t>Choosing the priority of the requirements specification using the MOSCOW method. All requirements would be nice to have so it is difficult to consider a rating for each one.</a:t>
-            </a:r>
-          </a:p>
-          <a:p>
-            <a:pPr marL="285750" indent="-285750" algn="l">
-              <a:buFont typeface="Arial" panose="020B0604020202020204" pitchFamily="34" charset="0"/>
-              <a:buChar char="•"/>
-            </a:pPr>
-            <a:endParaRPr lang="en-US" spc="0" dirty="0">
-              <a:cs typeface="Arial" panose="020B0604020202020204" pitchFamily="34" charset="0"/>
-            </a:endParaRPr>
-          </a:p>
-          <a:p>
-            <a:pPr marL="285750" indent="-285750" algn="l">
-              <a:buFont typeface="Arial" panose="020B0604020202020204" pitchFamily="34" charset="0"/>
-              <a:buChar char="•"/>
-            </a:pPr>
-            <a:endParaRPr lang="en-US" spc="0" dirty="0">
-              <a:cs typeface="Arial" panose="020B0604020202020204" pitchFamily="34" charset="0"/>
-            </a:endParaRPr>
-          </a:p>
-          <a:p>
-            <a:pPr marL="285750" indent="-285750" algn="l">
-              <a:buFont typeface="Arial" panose="020B0604020202020204" pitchFamily="34" charset="0"/>
-              <a:buChar char="•"/>
-            </a:pPr>
-            <a:endParaRPr lang="en-US" spc="0" dirty="0">
-              <a:cs typeface="Arial" panose="020B0604020202020204" pitchFamily="34" charset="0"/>
-            </a:endParaRPr>
-          </a:p>
-          <a:p>
-            <a:pPr algn="l"/>
-            <a:endParaRPr lang="en-US" spc="0" dirty="0">
-              <a:cs typeface="Arial" panose="020B0604020202020204" pitchFamily="34" charset="0"/>
-            </a:endParaRPr>
-          </a:p>
-          <a:p>
-            <a:pPr marL="285750" indent="-285750" algn="l">
-              <a:buFont typeface="Arial" panose="020B0604020202020204" pitchFamily="34" charset="0"/>
-              <a:buChar char="•"/>
-            </a:pPr>
-            <a:endParaRPr lang="en-US" spc="0" dirty="0">
-              <a:cs typeface="Arial" panose="020B0604020202020204" pitchFamily="34" charset="0"/>
-            </a:endParaRPr>
-          </a:p>
-        </p:txBody>
-      </p:sp>
-      <p:sp>
-        <p:nvSpPr>
-          <p:cNvPr id="6" name="Slide Number Placeholder 5">
-            <a:extLst>
-              <a:ext uri="{FF2B5EF4-FFF2-40B4-BE49-F238E27FC236}">
-                <a16:creationId xmlns:a16="http://schemas.microsoft.com/office/drawing/2014/main" id="{FC6A5C12-E784-444E-B868-DE2AE85742BB}"/>
-              </a:ext>
-            </a:extLst>
-          </p:cNvPr>
-          <p:cNvSpPr>
-            <a:spLocks noGrp="1"/>
-          </p:cNvSpPr>
-          <p:nvPr>
-            <p:ph type="sldNum" sz="quarter" idx="12"/>
-          </p:nvPr>
-        </p:nvSpPr>
-        <p:spPr/>
-        <p:txBody>
-          <a:bodyPr/>
-          <a:lstStyle/>
-          <a:p>
-            <a:fld id="{8C2E478F-E849-4A8C-AF1F-CBCC78A7CBFA}" type="slidenum">
-              <a:rPr lang="en-US" smtClean="0"/>
-              <a:pPr/>
-              <a:t>22</a:t>
-            </a:fld>
-            <a:endParaRPr lang="en-US" dirty="0"/>
-          </a:p>
-        </p:txBody>
-      </p:sp>
-    </p:spTree>
-    <p:extLst>
-      <p:ext uri="{BB962C8B-B14F-4D97-AF65-F5344CB8AC3E}">
-        <p14:creationId xmlns:p14="http://schemas.microsoft.com/office/powerpoint/2010/main" val="2918897839"/>
-      </p:ext>
-    </p:extLst>
-  </p:cSld>
-  <p:clrMapOvr>
-    <a:masterClrMapping/>
-  </p:clrMapOvr>
-</p:sld>
-</file>
-
-<file path=ppt/slides/slide23.xml><?xml version="1.0" encoding="utf-8"?>
-<p:sld xmlns:a="http://schemas.openxmlformats.org/drawingml/2006/main" xmlns:r="http://schemas.openxmlformats.org/officeDocument/2006/relationships" xmlns:p="http://schemas.openxmlformats.org/presentationml/2006/main">
-  <p:cSld>
-    <p:spTree>
-      <p:nvGrpSpPr>
-        <p:cNvPr id="1" name=""/>
-        <p:cNvGrpSpPr/>
-        <p:nvPr/>
-      </p:nvGrpSpPr>
-      <p:grpSpPr>
-        <a:xfrm>
-          <a:off x="0" y="0"/>
-          <a:ext cx="0" cy="0"/>
-          <a:chOff x="0" y="0"/>
-          <a:chExt cx="0" cy="0"/>
-        </a:xfrm>
-      </p:grpSpPr>
-      <p:sp>
-        <p:nvSpPr>
-          <p:cNvPr id="3" name="Title 2">
-            <a:extLst>
-              <a:ext uri="{FF2B5EF4-FFF2-40B4-BE49-F238E27FC236}">
-                <a16:creationId xmlns:a16="http://schemas.microsoft.com/office/drawing/2014/main" id="{1D24B42B-925B-494C-A986-BD85E8117E1E}"/>
-              </a:ext>
-            </a:extLst>
-          </p:cNvPr>
-          <p:cNvSpPr>
-            <a:spLocks noGrp="1"/>
-          </p:cNvSpPr>
-          <p:nvPr>
-            <p:ph type="title"/>
-          </p:nvPr>
-        </p:nvSpPr>
-        <p:spPr>
-          <a:xfrm>
-            <a:off x="6243087" y="58128"/>
-            <a:ext cx="5569486" cy="741763"/>
-          </a:xfrm>
-        </p:spPr>
-        <p:txBody>
-          <a:bodyPr>
-            <a:normAutofit/>
-          </a:bodyPr>
-          <a:lstStyle/>
-          <a:p>
-            <a:r>
-              <a:rPr lang="en-US" sz="2800" dirty="0"/>
-              <a:t>Future Development Plan</a:t>
-            </a:r>
-          </a:p>
-        </p:txBody>
-      </p:sp>
-      <p:pic>
-        <p:nvPicPr>
-          <p:cNvPr id="8" name="Picture Placeholder 7" descr="close up of computer code">
-            <a:extLst>
-              <a:ext uri="{FF2B5EF4-FFF2-40B4-BE49-F238E27FC236}">
-                <a16:creationId xmlns:a16="http://schemas.microsoft.com/office/drawing/2014/main" id="{A596BF19-CC58-4709-B5D6-3FC378FDC7BA}"/>
-              </a:ext>
-            </a:extLst>
-          </p:cNvPr>
-          <p:cNvPicPr>
-            <a:picLocks noGrp="1" noChangeAspect="1"/>
-          </p:cNvPicPr>
-          <p:nvPr>
-            <p:ph type="pic" sz="quarter" idx="13"/>
-          </p:nvPr>
-        </p:nvPicPr>
-        <p:blipFill rotWithShape="1">
-          <a:blip r:embed="rId2">
-            <a:extLst>
-              <a:ext uri="{BEBA8EAE-BF5A-486C-A8C5-ECC9F3942E4B}">
-                <a14:imgProps xmlns:a14="http://schemas.microsoft.com/office/drawing/2010/main">
-                  <a14:imgLayer r:embed="rId3">
-                    <a14:imgEffect>
-                      <a14:saturation sat="0"/>
-                    </a14:imgEffect>
-                  </a14:imgLayer>
-                </a14:imgProps>
-              </a:ext>
-            </a:extLst>
-          </a:blip>
-          <a:srcRect l="20370" r="20370"/>
-          <a:stretch/>
-        </p:blipFill>
-        <p:spPr>
-          <a:xfrm>
-            <a:off x="0" y="-9922"/>
-            <a:ext cx="6096000" cy="6867922"/>
-          </a:xfrm>
-        </p:spPr>
-      </p:pic>
-      <p:sp>
-        <p:nvSpPr>
-          <p:cNvPr id="2" name="Text Placeholder 1">
-            <a:extLst>
-              <a:ext uri="{FF2B5EF4-FFF2-40B4-BE49-F238E27FC236}">
-                <a16:creationId xmlns:a16="http://schemas.microsoft.com/office/drawing/2014/main" id="{B156CAF1-214F-4566-9B0D-DACA1063E8C8}"/>
-              </a:ext>
-            </a:extLst>
-          </p:cNvPr>
-          <p:cNvSpPr>
-            <a:spLocks noGrp="1"/>
-          </p:cNvSpPr>
-          <p:nvPr>
-            <p:ph type="body" idx="1"/>
-          </p:nvPr>
-        </p:nvSpPr>
-        <p:spPr>
-          <a:xfrm>
             <a:off x="5897218" y="956345"/>
             <a:ext cx="6095999" cy="5578679"/>
           </a:xfrm>
@@ -11096,7 +10794,7 @@
             <a:fld id="{8C2E478F-E849-4A8C-AF1F-CBCC78A7CBFA}" type="slidenum">
               <a:rPr lang="en-US" smtClean="0"/>
               <a:pPr/>
-              <a:t>23</a:t>
+              <a:t>22</a:t>
             </a:fld>
             <a:endParaRPr lang="en-US" dirty="0"/>
           </a:p>
@@ -11115,7 +10813,7 @@
 </p:sld>
 </file>
 
-<file path=ppt/slides/slide24.xml><?xml version="1.0" encoding="utf-8"?>
+<file path=ppt/slides/slide23.xml><?xml version="1.0" encoding="utf-8"?>
 <p:sld xmlns:a="http://schemas.openxmlformats.org/drawingml/2006/main" xmlns:r="http://schemas.openxmlformats.org/officeDocument/2006/relationships" xmlns:p="http://schemas.openxmlformats.org/presentationml/2006/main">
   <p:cSld>
     <p:bg>
@@ -11267,14 +10965,6 @@
 <file path=ppt/slides/slide3.xml><?xml version="1.0" encoding="utf-8"?>
 <p:sld xmlns:a="http://schemas.openxmlformats.org/drawingml/2006/main" xmlns:r="http://schemas.openxmlformats.org/officeDocument/2006/relationships" xmlns:p="http://schemas.openxmlformats.org/presentationml/2006/main">
   <p:cSld>
-    <p:bg>
-      <p:bgPr>
-        <a:solidFill>
-          <a:schemeClr val="bg1"/>
-        </a:solidFill>
-        <a:effectLst/>
-      </p:bgPr>
-    </p:bg>
     <p:spTree>
       <p:nvGrpSpPr>
         <p:cNvPr id="1" name=""/>
@@ -11289,12 +10979,47 @@
           <a:chExt cx="0" cy="0"/>
         </a:xfrm>
       </p:grpSpPr>
+      <p:sp>
+        <p:nvSpPr>
+          <p:cNvPr id="3" name="Title 2">
+            <a:extLst>
+              <a:ext uri="{FF2B5EF4-FFF2-40B4-BE49-F238E27FC236}">
+                <a16:creationId xmlns:a16="http://schemas.microsoft.com/office/drawing/2014/main" id="{1D24B42B-925B-494C-A986-BD85E8117E1E}"/>
+              </a:ext>
+            </a:extLst>
+          </p:cNvPr>
+          <p:cNvSpPr>
+            <a:spLocks noGrp="1"/>
+          </p:cNvSpPr>
+          <p:nvPr>
+            <p:ph type="title"/>
+          </p:nvPr>
+        </p:nvSpPr>
+        <p:spPr>
+          <a:xfrm>
+            <a:off x="6258991" y="151788"/>
+            <a:ext cx="5251450" cy="975869"/>
+          </a:xfrm>
+        </p:spPr>
+        <p:txBody>
+          <a:bodyPr>
+            <a:normAutofit/>
+          </a:bodyPr>
+          <a:lstStyle/>
+          <a:p>
+            <a:r>
+              <a:rPr lang="en-US" sz="2800" dirty="0"/>
+              <a:t>Team Collaboration and project Management</a:t>
+            </a:r>
+          </a:p>
+        </p:txBody>
+      </p:sp>
       <p:pic>
         <p:nvPicPr>
           <p:cNvPr id="8" name="Picture Placeholder 7" descr="close up of computer code">
             <a:extLst>
               <a:ext uri="{FF2B5EF4-FFF2-40B4-BE49-F238E27FC236}">
-                <a16:creationId xmlns:a16="http://schemas.microsoft.com/office/drawing/2014/main" id="{1D5DB266-C804-437C-AED7-3D057820D244}"/>
+                <a16:creationId xmlns:a16="http://schemas.microsoft.com/office/drawing/2014/main" id="{A596BF19-CC58-4709-B5D6-3FC378FDC7BA}"/>
               </a:ext>
             </a:extLst>
           </p:cNvPr>
@@ -11302,12 +11027,11 @@
             <a:picLocks noGrp="1" noChangeAspect="1"/>
           </p:cNvPicPr>
           <p:nvPr>
-            <p:ph type="pic" sz="quarter" idx="10"/>
+            <p:ph type="pic" sz="quarter" idx="13"/>
           </p:nvPr>
         </p:nvPicPr>
         <p:blipFill rotWithShape="1">
           <a:blip r:embed="rId2">
-            <a:alphaModFix amt="35000"/>
             <a:extLst>
               <a:ext uri="{BEBA8EAE-BF5A-486C-A8C5-ECC9F3942E4B}">
                 <a14:imgProps xmlns:a14="http://schemas.microsoft.com/office/drawing/2010/main">
@@ -11320,121 +11044,200 @@
               </a:ext>
             </a:extLst>
           </a:blip>
-          <a:srcRect t="7813" b="7813"/>
+          <a:srcRect l="20370" r="20370"/>
           <a:stretch/>
         </p:blipFill>
-        <p:spPr/>
-      </p:pic>
-      <p:sp>
-        <p:nvSpPr>
-          <p:cNvPr id="5" name="Title 4">
-            <a:extLst>
-              <a:ext uri="{FF2B5EF4-FFF2-40B4-BE49-F238E27FC236}">
-                <a16:creationId xmlns:a16="http://schemas.microsoft.com/office/drawing/2014/main" id="{14AB6F96-E5E8-4B40-A18C-2D078D1C2D4F}"/>
-              </a:ext>
-            </a:extLst>
-          </p:cNvPr>
-          <p:cNvSpPr>
-            <a:spLocks noGrp="1"/>
-          </p:cNvSpPr>
-          <p:nvPr>
-            <p:ph type="title"/>
-          </p:nvPr>
-        </p:nvSpPr>
         <p:spPr>
           <a:xfrm>
-            <a:off x="3349532" y="2130970"/>
-            <a:ext cx="5492935" cy="2596059"/>
+            <a:off x="0" y="-9922"/>
+            <a:ext cx="6096000" cy="6867922"/>
           </a:xfrm>
         </p:spPr>
-        <p:txBody>
-          <a:bodyPr>
-            <a:noAutofit/>
-          </a:bodyPr>
-          <a:lstStyle/>
-          <a:p>
-            <a:r>
-              <a:rPr lang="en-US" sz="2000" cap="none" spc="0" dirty="0"/>
-              <a:t>Carson Pribble </a:t>
-            </a:r>
-            <a:br>
-              <a:rPr lang="en-US" sz="2000" cap="none" spc="0" dirty="0"/>
-            </a:br>
-            <a:r>
-              <a:rPr lang="en-US" sz="2000" cap="none" spc="0" dirty="0"/>
-              <a:t> Chase Jamison</a:t>
-            </a:r>
-            <a:br>
-              <a:rPr lang="en-US" sz="2000" cap="none" spc="0" dirty="0"/>
-            </a:br>
-            <a:r>
-              <a:rPr lang="en-US" sz="2000" cap="none" spc="0" dirty="0"/>
-              <a:t> David Utshudiema</a:t>
-            </a:r>
-            <a:br>
-              <a:rPr lang="en-US" sz="2000" cap="none" spc="0" dirty="0"/>
-            </a:br>
-            <a:r>
-              <a:rPr lang="en-US" sz="2000" cap="none" spc="0" dirty="0"/>
-              <a:t> Katherine Landsman</a:t>
-            </a:r>
-            <a:br>
-              <a:rPr lang="en-US" sz="2000" cap="none" spc="0" dirty="0"/>
-            </a:br>
-            <a:r>
-              <a:rPr lang="en-US" sz="2000" cap="none" spc="0" dirty="0"/>
-              <a:t> Mohamed Ibensilalen</a:t>
-            </a:r>
-            <a:br>
-              <a:rPr lang="en-US" sz="2000" cap="none" spc="0" dirty="0"/>
-            </a:br>
-            <a:r>
-              <a:rPr lang="en-US" sz="2000" cap="none" spc="0" dirty="0"/>
-              <a:t> Sergio Mainville</a:t>
-            </a:r>
-          </a:p>
-        </p:txBody>
-      </p:sp>
-      <p:sp>
-        <p:nvSpPr>
-          <p:cNvPr id="3" name="TextBox 2">
-            <a:extLst>
-              <a:ext uri="{FF2B5EF4-FFF2-40B4-BE49-F238E27FC236}">
-                <a16:creationId xmlns:a16="http://schemas.microsoft.com/office/drawing/2014/main" id="{00B88F18-6EAE-7043-9C4E-EFA02E006C10}"/>
-              </a:ext>
-            </a:extLst>
-          </p:cNvPr>
-          <p:cNvSpPr txBox="1"/>
-          <p:nvPr/>
+      </p:pic>
+      <p:sp>
+        <p:nvSpPr>
+          <p:cNvPr id="2" name="Text Placeholder 1">
+            <a:extLst>
+              <a:ext uri="{FF2B5EF4-FFF2-40B4-BE49-F238E27FC236}">
+                <a16:creationId xmlns:a16="http://schemas.microsoft.com/office/drawing/2014/main" id="{B156CAF1-214F-4566-9B0D-DACA1063E8C8}"/>
+              </a:ext>
+            </a:extLst>
+          </p:cNvPr>
+          <p:cNvSpPr>
+            <a:spLocks noGrp="1"/>
+          </p:cNvSpPr>
+          <p:nvPr>
+            <p:ph type="body" idx="1"/>
+          </p:nvPr>
         </p:nvSpPr>
         <p:spPr>
           <a:xfrm>
-            <a:off x="3247938" y="645028"/>
-            <a:ext cx="5696124" cy="923330"/>
+            <a:off x="5897218" y="1375873"/>
+            <a:ext cx="6095999" cy="5233911"/>
           </a:xfrm>
-          <a:prstGeom prst="rect">
-            <a:avLst/>
-          </a:prstGeom>
-          <a:noFill/>
         </p:spPr>
         <p:txBody>
-          <a:bodyPr wrap="square" rtlCol="0">
-            <a:spAutoFit/>
-          </a:bodyPr>
+          <a:bodyPr/>
           <a:lstStyle/>
           <a:p>
-            <a:pPr algn="ctr"/>
-            <a:r>
-              <a:rPr lang="en-US" sz="5400" dirty="0"/>
-              <a:t>Meet the Team!</a:t>
-            </a:r>
+            <a:pPr algn="l"/>
+            <a:r>
+              <a:rPr lang="en-US" sz="1600" b="1" u="sng" spc="0" dirty="0">
+                <a:cs typeface="Arial" panose="020B0604020202020204" pitchFamily="34" charset="0"/>
+              </a:rPr>
+              <a:t>Team Collaboration</a:t>
+            </a:r>
+          </a:p>
+          <a:p>
+            <a:pPr marL="285750" indent="-285750" algn="l">
+              <a:buFont typeface="Arial" panose="020B0604020202020204" pitchFamily="34" charset="0"/>
+              <a:buChar char="•"/>
+            </a:pPr>
+            <a:r>
+              <a:rPr lang="en-US" sz="1600" cap="none" spc="0" dirty="0">
+                <a:cs typeface="Arial" panose="020B0604020202020204" pitchFamily="34" charset="0"/>
+              </a:rPr>
+              <a:t>GitHub</a:t>
+            </a:r>
+          </a:p>
+          <a:p>
+            <a:pPr marL="285750" indent="-285750" algn="l">
+              <a:buFont typeface="Arial" panose="020B0604020202020204" pitchFamily="34" charset="0"/>
+              <a:buChar char="•"/>
+            </a:pPr>
+            <a:endParaRPr lang="en-US" sz="1600" cap="none" spc="0" dirty="0">
+              <a:cs typeface="Arial" panose="020B0604020202020204" pitchFamily="34" charset="0"/>
+            </a:endParaRPr>
+          </a:p>
+          <a:p>
+            <a:pPr marL="285750" indent="-285750" algn="l">
+              <a:buFont typeface="Arial" panose="020B0604020202020204" pitchFamily="34" charset="0"/>
+              <a:buChar char="•"/>
+            </a:pPr>
+            <a:r>
+              <a:rPr lang="en-US" sz="1600" cap="none" spc="0" dirty="0">
+                <a:cs typeface="Arial" panose="020B0604020202020204" pitchFamily="34" charset="0"/>
+              </a:rPr>
+              <a:t>GitHub Projects</a:t>
+            </a:r>
+          </a:p>
+          <a:p>
+            <a:pPr marL="285750" indent="-285750" algn="l">
+              <a:buFont typeface="Arial" panose="020B0604020202020204" pitchFamily="34" charset="0"/>
+              <a:buChar char="•"/>
+            </a:pPr>
+            <a:endParaRPr lang="en-US" sz="1600" cap="none" spc="0" dirty="0">
+              <a:cs typeface="Arial" panose="020B0604020202020204" pitchFamily="34" charset="0"/>
+            </a:endParaRPr>
+          </a:p>
+          <a:p>
+            <a:pPr marL="285750" indent="-285750" algn="l">
+              <a:buFont typeface="Arial" panose="020B0604020202020204" pitchFamily="34" charset="0"/>
+              <a:buChar char="•"/>
+            </a:pPr>
+            <a:r>
+              <a:rPr lang="en-US" sz="1600" cap="none" spc="0" dirty="0">
+                <a:cs typeface="Arial" panose="020B0604020202020204" pitchFamily="34" charset="0"/>
+              </a:rPr>
+              <a:t>Microsoft teams</a:t>
+            </a:r>
+          </a:p>
+          <a:p>
+            <a:pPr algn="l"/>
+            <a:r>
+              <a:rPr lang="en-US" sz="1600" cap="none" spc="0" dirty="0">
+                <a:cs typeface="Arial" panose="020B0604020202020204" pitchFamily="34" charset="0"/>
+              </a:rPr>
+              <a:t>	</a:t>
+            </a:r>
+            <a:endParaRPr lang="en-US" sz="1600" spc="0" dirty="0">
+              <a:cs typeface="Arial" panose="020B0604020202020204" pitchFamily="34" charset="0"/>
+            </a:endParaRPr>
+          </a:p>
+          <a:p>
+            <a:pPr algn="l"/>
+            <a:r>
+              <a:rPr lang="en-US" sz="1600" b="1" u="sng" spc="0" dirty="0">
+                <a:cs typeface="Arial" panose="020B0604020202020204" pitchFamily="34" charset="0"/>
+              </a:rPr>
+              <a:t>Project Management Plan</a:t>
+            </a:r>
+          </a:p>
+          <a:p>
+            <a:pPr marL="285750" indent="-285750" algn="l">
+              <a:buFont typeface="Arial" panose="020B0604020202020204" pitchFamily="34" charset="0"/>
+              <a:buChar char="•"/>
+            </a:pPr>
+            <a:r>
+              <a:rPr lang="en-US" sz="1600" cap="none" spc="0" dirty="0">
+                <a:cs typeface="Arial" panose="020B0604020202020204" pitchFamily="34" charset="0"/>
+              </a:rPr>
+              <a:t>Agile Principles</a:t>
+            </a:r>
+          </a:p>
+          <a:p>
+            <a:pPr marL="285750" indent="-285750" algn="l">
+              <a:buFont typeface="Arial" panose="020B0604020202020204" pitchFamily="34" charset="0"/>
+              <a:buChar char="•"/>
+            </a:pPr>
+            <a:endParaRPr lang="en-US" sz="1600" cap="none" spc="0" dirty="0">
+              <a:cs typeface="Arial" panose="020B0604020202020204" pitchFamily="34" charset="0"/>
+            </a:endParaRPr>
+          </a:p>
+          <a:p>
+            <a:pPr marL="285750" indent="-285750" algn="l">
+              <a:buFont typeface="Arial" panose="020B0604020202020204" pitchFamily="34" charset="0"/>
+              <a:buChar char="•"/>
+            </a:pPr>
+            <a:r>
+              <a:rPr lang="en-US" sz="1600" cap="none" spc="0" dirty="0">
+                <a:cs typeface="Arial" panose="020B0604020202020204" pitchFamily="34" charset="0"/>
+              </a:rPr>
+              <a:t>Scum Methodology </a:t>
+            </a:r>
+          </a:p>
+          <a:p>
+            <a:pPr algn="l"/>
+            <a:endParaRPr lang="en-US" sz="1600" cap="none" spc="0" dirty="0">
+              <a:cs typeface="Arial" panose="020B0604020202020204" pitchFamily="34" charset="0"/>
+            </a:endParaRPr>
+          </a:p>
+        </p:txBody>
+      </p:sp>
+      <p:sp>
+        <p:nvSpPr>
+          <p:cNvPr id="6" name="Slide Number Placeholder 5">
+            <a:extLst>
+              <a:ext uri="{FF2B5EF4-FFF2-40B4-BE49-F238E27FC236}">
+                <a16:creationId xmlns:a16="http://schemas.microsoft.com/office/drawing/2014/main" id="{FC6A5C12-E784-444E-B868-DE2AE85742BB}"/>
+              </a:ext>
+            </a:extLst>
+          </p:cNvPr>
+          <p:cNvSpPr>
+            <a:spLocks noGrp="1"/>
+          </p:cNvSpPr>
+          <p:nvPr>
+            <p:ph type="sldNum" sz="quarter" idx="12"/>
+          </p:nvPr>
+        </p:nvSpPr>
+        <p:spPr/>
+        <p:txBody>
+          <a:bodyPr/>
+          <a:lstStyle/>
+          <a:p>
+            <a:fld id="{8C2E478F-E849-4A8C-AF1F-CBCC78A7CBFA}" type="slidenum">
+              <a:rPr lang="en-US" smtClean="0"/>
+              <a:pPr/>
+              <a:t>3</a:t>
+            </a:fld>
+            <a:endParaRPr lang="en-US" dirty="0"/>
           </a:p>
         </p:txBody>
       </p:sp>
     </p:spTree>
     <p:extLst>
       <p:ext uri="{BB962C8B-B14F-4D97-AF65-F5344CB8AC3E}">
-        <p14:creationId xmlns:p14="http://schemas.microsoft.com/office/powerpoint/2010/main" val="3499033097"/>
+        <p14:creationId xmlns:p14="http://schemas.microsoft.com/office/powerpoint/2010/main" val="2944765398"/>
       </p:ext>
     </p:extLst>
   </p:cSld>
@@ -11461,47 +11264,12 @@
           <a:chExt cx="0" cy="0"/>
         </a:xfrm>
       </p:grpSpPr>
-      <p:sp>
-        <p:nvSpPr>
-          <p:cNvPr id="3" name="Title 2">
-            <a:extLst>
-              <a:ext uri="{FF2B5EF4-FFF2-40B4-BE49-F238E27FC236}">
-                <a16:creationId xmlns:a16="http://schemas.microsoft.com/office/drawing/2014/main" id="{1D24B42B-925B-494C-A986-BD85E8117E1E}"/>
-              </a:ext>
-            </a:extLst>
-          </p:cNvPr>
-          <p:cNvSpPr>
-            <a:spLocks noGrp="1"/>
-          </p:cNvSpPr>
-          <p:nvPr>
-            <p:ph type="title"/>
-          </p:nvPr>
-        </p:nvSpPr>
-        <p:spPr>
-          <a:xfrm>
-            <a:off x="6258991" y="151788"/>
-            <a:ext cx="5251450" cy="975869"/>
-          </a:xfrm>
-        </p:spPr>
-        <p:txBody>
-          <a:bodyPr>
-            <a:normAutofit/>
-          </a:bodyPr>
-          <a:lstStyle/>
-          <a:p>
-            <a:r>
-              <a:rPr lang="en-US" sz="2800" dirty="0"/>
-              <a:t>Team Collaboration and project Management</a:t>
-            </a:r>
-          </a:p>
-        </p:txBody>
-      </p:sp>
       <p:pic>
         <p:nvPicPr>
-          <p:cNvPr id="8" name="Picture Placeholder 7" descr="close up of computer code">
-            <a:extLst>
-              <a:ext uri="{FF2B5EF4-FFF2-40B4-BE49-F238E27FC236}">
-                <a16:creationId xmlns:a16="http://schemas.microsoft.com/office/drawing/2014/main" id="{A596BF19-CC58-4709-B5D6-3FC378FDC7BA}"/>
+          <p:cNvPr id="5" name="Picture Placeholder 4" descr="table with various people working on their laptops">
+            <a:extLst>
+              <a:ext uri="{FF2B5EF4-FFF2-40B4-BE49-F238E27FC236}">
+                <a16:creationId xmlns:a16="http://schemas.microsoft.com/office/drawing/2014/main" id="{A0280051-D7F1-4438-B815-F0FF4906D141}"/>
               </a:ext>
             </a:extLst>
           </p:cNvPr>
@@ -11509,206 +11277,138 @@
             <a:picLocks noGrp="1" noChangeAspect="1"/>
           </p:cNvPicPr>
           <p:nvPr>
-            <p:ph type="pic" sz="quarter" idx="13"/>
+            <p:ph type="pic" sz="quarter" idx="14"/>
           </p:nvPr>
         </p:nvPicPr>
         <p:blipFill rotWithShape="1">
-          <a:blip r:embed="rId2">
+          <a:blip r:embed="rId3" cstate="email">
             <a:extLst>
               <a:ext uri="{BEBA8EAE-BF5A-486C-A8C5-ECC9F3942E4B}">
                 <a14:imgProps xmlns:a14="http://schemas.microsoft.com/office/drawing/2010/main">
-                  <a14:imgLayer r:embed="rId3">
+                  <a14:imgLayer r:embed="rId4">
                     <a14:imgEffect>
                       <a14:saturation sat="0"/>
                     </a14:imgEffect>
                   </a14:imgLayer>
                 </a14:imgProps>
               </a:ext>
+              <a:ext uri="{28A0092B-C50C-407E-A947-70E740481C1C}">
+                <a14:useLocalDpi xmlns:a14="http://schemas.microsoft.com/office/drawing/2010/main"/>
+              </a:ext>
             </a:extLst>
           </a:blip>
-          <a:srcRect l="20370" r="20370"/>
+          <a:srcRect l="23617" r="23617"/>
           <a:stretch/>
         </p:blipFill>
         <p:spPr>
+          <a:noFill/>
+        </p:spPr>
+      </p:pic>
+      <p:sp>
+        <p:nvSpPr>
+          <p:cNvPr id="9" name="Content Placeholder 8">
+            <a:extLst>
+              <a:ext uri="{FF2B5EF4-FFF2-40B4-BE49-F238E27FC236}">
+                <a16:creationId xmlns:a16="http://schemas.microsoft.com/office/drawing/2014/main" id="{256319DF-036A-473B-95D3-C5F6FF849FD4}"/>
+              </a:ext>
+            </a:extLst>
+          </p:cNvPr>
+          <p:cNvSpPr>
+            <a:spLocks noGrp="1"/>
+          </p:cNvSpPr>
+          <p:nvPr>
+            <p:ph idx="1"/>
+          </p:nvPr>
+        </p:nvSpPr>
+        <p:spPr>
           <a:xfrm>
-            <a:off x="0" y="-9922"/>
-            <a:ext cx="6096000" cy="6867922"/>
+            <a:off x="6336334" y="1552549"/>
+            <a:ext cx="5416550" cy="4557919"/>
           </a:xfrm>
         </p:spPr>
-      </p:pic>
-      <p:sp>
-        <p:nvSpPr>
-          <p:cNvPr id="2" name="Text Placeholder 1">
-            <a:extLst>
-              <a:ext uri="{FF2B5EF4-FFF2-40B4-BE49-F238E27FC236}">
-                <a16:creationId xmlns:a16="http://schemas.microsoft.com/office/drawing/2014/main" id="{B156CAF1-214F-4566-9B0D-DACA1063E8C8}"/>
-              </a:ext>
-            </a:extLst>
-          </p:cNvPr>
-          <p:cNvSpPr>
-            <a:spLocks noGrp="1"/>
-          </p:cNvSpPr>
-          <p:nvPr>
-            <p:ph type="body" idx="1"/>
-          </p:nvPr>
-        </p:nvSpPr>
-        <p:spPr>
-          <a:xfrm>
-            <a:off x="5897218" y="1375873"/>
-            <a:ext cx="6095999" cy="5233911"/>
-          </a:xfrm>
-        </p:spPr>
-        <p:txBody>
-          <a:bodyPr/>
+        <p:txBody>
+          <a:bodyPr>
+            <a:normAutofit/>
+          </a:bodyPr>
           <a:lstStyle/>
           <a:p>
-            <a:pPr algn="l"/>
-            <a:r>
-              <a:rPr lang="en-US" sz="1600" b="1" u="sng" spc="0" dirty="0">
-                <a:cs typeface="Arial" panose="020B0604020202020204" pitchFamily="34" charset="0"/>
-              </a:rPr>
-              <a:t>Team Collaboration</a:t>
-            </a:r>
-          </a:p>
-          <a:p>
-            <a:pPr marL="285750" indent="-285750" algn="l">
-              <a:buFont typeface="Arial" panose="020B0604020202020204" pitchFamily="34" charset="0"/>
-              <a:buChar char="•"/>
-            </a:pPr>
-            <a:r>
-              <a:rPr lang="en-US" sz="1600" cap="none" spc="0" dirty="0">
-                <a:cs typeface="Arial" panose="020B0604020202020204" pitchFamily="34" charset="0"/>
-              </a:rPr>
-              <a:t>GitHub</a:t>
-            </a:r>
-          </a:p>
-          <a:p>
-            <a:pPr algn="l"/>
-            <a:r>
-              <a:rPr lang="en-US" sz="1600" cap="none" spc="0" dirty="0">
-                <a:cs typeface="Arial" panose="020B0604020202020204" pitchFamily="34" charset="0"/>
-              </a:rPr>
-              <a:t>	-version control system</a:t>
-            </a:r>
-          </a:p>
-          <a:p>
-            <a:pPr marL="285750" indent="-285750" algn="l">
-              <a:buFont typeface="Arial" panose="020B0604020202020204" pitchFamily="34" charset="0"/>
-              <a:buChar char="•"/>
-            </a:pPr>
-            <a:r>
-              <a:rPr lang="en-US" sz="1600" cap="none" spc="0" dirty="0">
-                <a:cs typeface="Arial" panose="020B0604020202020204" pitchFamily="34" charset="0"/>
-              </a:rPr>
-              <a:t>GitHub Projects</a:t>
-            </a:r>
-          </a:p>
-          <a:p>
-            <a:pPr algn="l"/>
-            <a:r>
-              <a:rPr lang="en-US" sz="1600" cap="none" spc="0" dirty="0">
-                <a:cs typeface="Arial" panose="020B0604020202020204" pitchFamily="34" charset="0"/>
-              </a:rPr>
-              <a:t>	-Track tasks in a Centralized location</a:t>
-            </a:r>
-          </a:p>
-          <a:p>
-            <a:pPr marL="285750" indent="-285750" algn="l">
-              <a:buFont typeface="Arial" panose="020B0604020202020204" pitchFamily="34" charset="0"/>
-              <a:buChar char="•"/>
-            </a:pPr>
-            <a:r>
-              <a:rPr lang="en-US" sz="1600" cap="none" spc="0" dirty="0">
-                <a:cs typeface="Arial" panose="020B0604020202020204" pitchFamily="34" charset="0"/>
-              </a:rPr>
-              <a:t>Microsoft teams</a:t>
-            </a:r>
-          </a:p>
-          <a:p>
-            <a:pPr algn="l"/>
-            <a:r>
-              <a:rPr lang="en-US" sz="1600" cap="none" spc="0" dirty="0">
-                <a:cs typeface="Arial" panose="020B0604020202020204" pitchFamily="34" charset="0"/>
-              </a:rPr>
-              <a:t>	-Project communication</a:t>
-            </a:r>
-          </a:p>
-          <a:p>
-            <a:pPr marL="285750" indent="-285750" algn="l">
-              <a:buFont typeface="Arial" panose="020B0604020202020204" pitchFamily="34" charset="0"/>
-              <a:buChar char="•"/>
-            </a:pPr>
-            <a:endParaRPr lang="en-US" sz="1600" spc="0" dirty="0">
-              <a:cs typeface="Arial" panose="020B0604020202020204" pitchFamily="34" charset="0"/>
-            </a:endParaRPr>
-          </a:p>
-          <a:p>
-            <a:pPr algn="l"/>
-            <a:r>
-              <a:rPr lang="en-US" sz="1600" b="1" u="sng" spc="0" dirty="0">
-                <a:cs typeface="Arial" panose="020B0604020202020204" pitchFamily="34" charset="0"/>
-              </a:rPr>
-              <a:t>Project Management Plan</a:t>
-            </a:r>
-          </a:p>
-          <a:p>
-            <a:pPr marL="285750" indent="-285750" algn="l">
-              <a:buFont typeface="Arial" panose="020B0604020202020204" pitchFamily="34" charset="0"/>
-              <a:buChar char="•"/>
-            </a:pPr>
-            <a:r>
-              <a:rPr lang="en-US" sz="1600" cap="none" spc="0" dirty="0">
-                <a:cs typeface="Arial" panose="020B0604020202020204" pitchFamily="34" charset="0"/>
-              </a:rPr>
-              <a:t>Agile Principles</a:t>
-            </a:r>
-          </a:p>
-          <a:p>
-            <a:pPr algn="l"/>
-            <a:r>
-              <a:rPr lang="en-US" sz="1600" cap="none" spc="0" dirty="0">
-                <a:cs typeface="Arial" panose="020B0604020202020204" pitchFamily="34" charset="0"/>
-              </a:rPr>
-              <a:t>	-Allows for project transparency and task optimization</a:t>
-            </a:r>
-          </a:p>
-          <a:p>
-            <a:pPr marL="285750" indent="-285750" algn="l">
-              <a:buFont typeface="Arial" panose="020B0604020202020204" pitchFamily="34" charset="0"/>
-              <a:buChar char="•"/>
-            </a:pPr>
-            <a:r>
-              <a:rPr lang="en-US" sz="1600" cap="none" spc="0" dirty="0">
-                <a:cs typeface="Arial" panose="020B0604020202020204" pitchFamily="34" charset="0"/>
-              </a:rPr>
-              <a:t>Scum Methodology </a:t>
-            </a:r>
-          </a:p>
-          <a:p>
-            <a:pPr algn="l"/>
-            <a:r>
-              <a:rPr lang="en-US" sz="1600" cap="none" spc="0" dirty="0">
-                <a:cs typeface="Arial" panose="020B0604020202020204" pitchFamily="34" charset="0"/>
-              </a:rPr>
-              <a:t>	-Encourages higher productivity</a:t>
-            </a:r>
-          </a:p>
-        </p:txBody>
-      </p:sp>
-      <p:sp>
-        <p:nvSpPr>
-          <p:cNvPr id="6" name="Slide Number Placeholder 5">
-            <a:extLst>
-              <a:ext uri="{FF2B5EF4-FFF2-40B4-BE49-F238E27FC236}">
-                <a16:creationId xmlns:a16="http://schemas.microsoft.com/office/drawing/2014/main" id="{FC6A5C12-E784-444E-B868-DE2AE85742BB}"/>
-              </a:ext>
-            </a:extLst>
-          </p:cNvPr>
-          <p:cNvSpPr>
-            <a:spLocks noGrp="1"/>
-          </p:cNvSpPr>
-          <p:nvPr>
-            <p:ph type="sldNum" sz="quarter" idx="12"/>
+            <a:pPr marL="0" indent="0">
+              <a:buNone/>
+            </a:pPr>
+            <a:endParaRPr lang="en-US" dirty="0"/>
+          </a:p>
+          <a:p>
+            <a:pPr marL="0" indent="0">
+              <a:buNone/>
+            </a:pPr>
+            <a:r>
+              <a:rPr lang="en-US" dirty="0"/>
+              <a:t>CentRes is a software for small restaurant owners that:</a:t>
+            </a:r>
+          </a:p>
+          <a:p>
+            <a:pPr lvl="1"/>
+            <a:r>
+              <a:rPr lang="en-US" dirty="0"/>
+              <a:t>Helps employees streamline the order process</a:t>
+            </a:r>
+          </a:p>
+          <a:p>
+            <a:pPr lvl="1"/>
+            <a:r>
+              <a:rPr lang="en-US" dirty="0"/>
+              <a:t>Helps employees manage tables easily. </a:t>
+            </a:r>
+          </a:p>
+          <a:p>
+            <a:endParaRPr lang="en-US" dirty="0"/>
+          </a:p>
+          <a:p>
+            <a:pPr marL="0" indent="0">
+              <a:buNone/>
+            </a:pPr>
+            <a:r>
+              <a:rPr lang="en-US" dirty="0"/>
+              <a:t>CentRes allows employees to:</a:t>
+            </a:r>
+          </a:p>
+          <a:p>
+            <a:pPr lvl="1"/>
+            <a:r>
+              <a:rPr lang="en-US" dirty="0"/>
+              <a:t>Easily interact with customers’ orders </a:t>
+            </a:r>
+          </a:p>
+          <a:p>
+            <a:pPr lvl="1"/>
+            <a:r>
+              <a:rPr lang="en-US" dirty="0"/>
+              <a:t>Reduces miscommunication</a:t>
+            </a:r>
+          </a:p>
+          <a:p>
+            <a:pPr lvl="1"/>
+            <a:r>
+              <a:rPr lang="en-US" dirty="0"/>
+              <a:t>Transmits orders directly to the kitchen. </a:t>
+            </a:r>
+          </a:p>
+        </p:txBody>
+      </p:sp>
+      <p:sp>
+        <p:nvSpPr>
+          <p:cNvPr id="4" name="Slide Number Placeholder 3">
+            <a:extLst>
+              <a:ext uri="{FF2B5EF4-FFF2-40B4-BE49-F238E27FC236}">
+                <a16:creationId xmlns:a16="http://schemas.microsoft.com/office/drawing/2014/main" id="{A4BADA18-8F0E-4249-A144-6CB8259BA65B}"/>
+              </a:ext>
+            </a:extLst>
+          </p:cNvPr>
+          <p:cNvSpPr>
+            <a:spLocks noGrp="1"/>
+          </p:cNvSpPr>
+          <p:nvPr>
+            <p:ph type="sldNum" sz="quarter" idx="4"/>
           </p:nvPr>
         </p:nvSpPr>
         <p:spPr/>
@@ -11725,10 +11425,45 @@
           </a:p>
         </p:txBody>
       </p:sp>
+      <p:sp>
+        <p:nvSpPr>
+          <p:cNvPr id="3" name="Text Placeholder 2">
+            <a:extLst>
+              <a:ext uri="{FF2B5EF4-FFF2-40B4-BE49-F238E27FC236}">
+                <a16:creationId xmlns:a16="http://schemas.microsoft.com/office/drawing/2014/main" id="{DBF5275B-C1F9-0732-D4B5-3FCC925E2164}"/>
+              </a:ext>
+            </a:extLst>
+          </p:cNvPr>
+          <p:cNvSpPr>
+            <a:spLocks noGrp="1"/>
+          </p:cNvSpPr>
+          <p:nvPr>
+            <p:ph type="body" sz="quarter" idx="16"/>
+          </p:nvPr>
+        </p:nvSpPr>
+        <p:spPr>
+          <a:xfrm>
+            <a:off x="6336335" y="346229"/>
+            <a:ext cx="5212934" cy="976544"/>
+          </a:xfrm>
+        </p:spPr>
+        <p:txBody>
+          <a:bodyPr/>
+          <a:lstStyle/>
+          <a:p>
+            <a:r>
+              <a:rPr lang="en-US" sz="3600" spc="100" dirty="0">
+                <a:latin typeface="+mj-lt"/>
+              </a:rPr>
+              <a:t>Project Overview</a:t>
+            </a:r>
+          </a:p>
+        </p:txBody>
+      </p:sp>
     </p:spTree>
     <p:extLst>
       <p:ext uri="{BB962C8B-B14F-4D97-AF65-F5344CB8AC3E}">
-        <p14:creationId xmlns:p14="http://schemas.microsoft.com/office/powerpoint/2010/main" val="2944765398"/>
+        <p14:creationId xmlns:p14="http://schemas.microsoft.com/office/powerpoint/2010/main" val="1325373587"/>
       </p:ext>
     </p:extLst>
   </p:cSld>
@@ -11813,13 +11548,13 @@
         </p:nvSpPr>
         <p:spPr>
           <a:xfrm>
-            <a:off x="6336334" y="1552549"/>
+            <a:off x="6336334" y="1705284"/>
             <a:ext cx="5416550" cy="4557919"/>
           </a:xfrm>
         </p:spPr>
         <p:txBody>
           <a:bodyPr>
-            <a:normAutofit/>
+            <a:normAutofit fontScale="92500"/>
           </a:bodyPr>
           <a:lstStyle/>
           <a:p>
@@ -11834,7 +11569,7 @@
             </a:pPr>
             <a:r>
               <a:rPr lang="en-US" dirty="0"/>
-              <a:t>CentRes is a software for small restaurant owners that helps their employees streamline the order process and manage tables easily. The main goal of CentRes is restaurant centralization. </a:t>
+              <a:t>Servers will have an easy-to-read display that keeps track of things such as menu items, prices, order times and order status. </a:t>
             </a:r>
           </a:p>
           <a:p>
@@ -11849,7 +11584,22 @@
             </a:pPr>
             <a:r>
               <a:rPr lang="en-US" dirty="0"/>
-              <a:t>CentRes allows employees to easily interact with customers’ orders and reduces miscommunication. Customer wait times are reduced by transmitting orders directly to the kitchen. </a:t>
+              <a:t>Chefs will have access to real time order data and will have the ability to provide status updates to servers. </a:t>
+            </a:r>
+          </a:p>
+          <a:p>
+            <a:pPr marL="0" indent="0">
+              <a:buNone/>
+            </a:pPr>
+            <a:endParaRPr lang="en-US" dirty="0"/>
+          </a:p>
+          <a:p>
+            <a:pPr marL="0" indent="0">
+              <a:buNone/>
+            </a:pPr>
+            <a:r>
+              <a:rPr lang="en-US" dirty="0"/>
+              <a:t>Hosts can manage the restaurant flow via table assignments and can view server availability. Managers have the ability to update the menu, edit orders, alter the bill, view wait times and more!</a:t>
             </a:r>
           </a:p>
         </p:txBody>
@@ -11886,10 +11636,10 @@
       </p:sp>
       <p:sp>
         <p:nvSpPr>
-          <p:cNvPr id="3" name="Text Placeholder 2">
-            <a:extLst>
-              <a:ext uri="{FF2B5EF4-FFF2-40B4-BE49-F238E27FC236}">
-                <a16:creationId xmlns:a16="http://schemas.microsoft.com/office/drawing/2014/main" id="{DBF5275B-C1F9-0732-D4B5-3FCC925E2164}"/>
+          <p:cNvPr id="7" name="Text Placeholder 2">
+            <a:extLst>
+              <a:ext uri="{FF2B5EF4-FFF2-40B4-BE49-F238E27FC236}">
+                <a16:creationId xmlns:a16="http://schemas.microsoft.com/office/drawing/2014/main" id="{CFDA9269-055C-5772-E8B6-BACBFA0AB992}"/>
               </a:ext>
             </a:extLst>
           </p:cNvPr>
@@ -11902,8 +11652,8 @@
         </p:nvSpPr>
         <p:spPr>
           <a:xfrm>
-            <a:off x="6336335" y="346229"/>
-            <a:ext cx="5212934" cy="976544"/>
+            <a:off x="6336334" y="390618"/>
+            <a:ext cx="5416550" cy="994299"/>
           </a:xfrm>
         </p:spPr>
         <p:txBody>
@@ -11914,7 +11664,7 @@
               <a:rPr lang="en-US" sz="3600" spc="100" dirty="0">
                 <a:latin typeface="+mj-lt"/>
               </a:rPr>
-              <a:t>Project Overview</a:t>
+              <a:t>Project Description</a:t>
             </a:r>
           </a:p>
         </p:txBody>
@@ -11922,7 +11672,7 @@
     </p:spTree>
     <p:extLst>
       <p:ext uri="{BB962C8B-B14F-4D97-AF65-F5344CB8AC3E}">
-        <p14:creationId xmlns:p14="http://schemas.microsoft.com/office/powerpoint/2010/main" val="1325373587"/>
+        <p14:creationId xmlns:p14="http://schemas.microsoft.com/office/powerpoint/2010/main" val="2758995049"/>
       </p:ext>
     </p:extLst>
   </p:cSld>
@@ -11935,6 +11685,14 @@
 <file path=ppt/slides/slide6.xml><?xml version="1.0" encoding="utf-8"?>
 <p:sld xmlns:a="http://schemas.openxmlformats.org/drawingml/2006/main" xmlns:r="http://schemas.openxmlformats.org/officeDocument/2006/relationships" xmlns:p="http://schemas.openxmlformats.org/presentationml/2006/main">
   <p:cSld>
+    <p:bg>
+      <p:bgPr>
+        <a:solidFill>
+          <a:schemeClr val="bg1"/>
+        </a:solidFill>
+        <a:effectLst/>
+      </p:bgPr>
+    </p:bg>
     <p:spTree>
       <p:nvGrpSpPr>
         <p:cNvPr id="1" name=""/>
@@ -11951,10 +11709,10 @@
       </p:grpSpPr>
       <p:pic>
         <p:nvPicPr>
-          <p:cNvPr id="5" name="Picture Placeholder 4" descr="table with various people working on their laptops">
-            <a:extLst>
-              <a:ext uri="{FF2B5EF4-FFF2-40B4-BE49-F238E27FC236}">
-                <a16:creationId xmlns:a16="http://schemas.microsoft.com/office/drawing/2014/main" id="{A0280051-D7F1-4438-B815-F0FF4906D141}"/>
+          <p:cNvPr id="8" name="Picture Placeholder 7" descr="close up of computer code">
+            <a:extLst>
+              <a:ext uri="{FF2B5EF4-FFF2-40B4-BE49-F238E27FC236}">
+                <a16:creationId xmlns:a16="http://schemas.microsoft.com/office/drawing/2014/main" id="{1D5DB266-C804-437C-AED7-3D057820D244}"/>
               </a:ext>
             </a:extLst>
           </p:cNvPr>
@@ -11962,53 +11720,49 @@
             <a:picLocks noGrp="1" noChangeAspect="1"/>
           </p:cNvPicPr>
           <p:nvPr>
-            <p:ph type="pic" sz="quarter" idx="14"/>
+            <p:ph type="pic" sz="quarter" idx="10"/>
           </p:nvPr>
         </p:nvPicPr>
         <p:blipFill rotWithShape="1">
-          <a:blip r:embed="rId3" cstate="email">
+          <a:blip r:embed="rId2">
+            <a:alphaModFix amt="35000"/>
             <a:extLst>
               <a:ext uri="{BEBA8EAE-BF5A-486C-A8C5-ECC9F3942E4B}">
                 <a14:imgProps xmlns:a14="http://schemas.microsoft.com/office/drawing/2010/main">
-                  <a14:imgLayer r:embed="rId4">
+                  <a14:imgLayer r:embed="rId3">
                     <a14:imgEffect>
                       <a14:saturation sat="0"/>
                     </a14:imgEffect>
                   </a14:imgLayer>
                 </a14:imgProps>
               </a:ext>
-              <a:ext uri="{28A0092B-C50C-407E-A947-70E740481C1C}">
-                <a14:useLocalDpi xmlns:a14="http://schemas.microsoft.com/office/drawing/2010/main"/>
-              </a:ext>
             </a:extLst>
           </a:blip>
-          <a:srcRect l="23617" r="23617"/>
+          <a:srcRect t="7813" b="7813"/>
           <a:stretch/>
         </p:blipFill>
-        <p:spPr>
-          <a:noFill/>
-        </p:spPr>
+        <p:spPr/>
       </p:pic>
       <p:sp>
         <p:nvSpPr>
-          <p:cNvPr id="9" name="Content Placeholder 8">
-            <a:extLst>
-              <a:ext uri="{FF2B5EF4-FFF2-40B4-BE49-F238E27FC236}">
-                <a16:creationId xmlns:a16="http://schemas.microsoft.com/office/drawing/2014/main" id="{256319DF-036A-473B-95D3-C5F6FF849FD4}"/>
-              </a:ext>
-            </a:extLst>
-          </p:cNvPr>
-          <p:cNvSpPr>
-            <a:spLocks noGrp="1"/>
-          </p:cNvSpPr>
-          <p:nvPr>
-            <p:ph idx="1"/>
+          <p:cNvPr id="5" name="Title 4">
+            <a:extLst>
+              <a:ext uri="{FF2B5EF4-FFF2-40B4-BE49-F238E27FC236}">
+                <a16:creationId xmlns:a16="http://schemas.microsoft.com/office/drawing/2014/main" id="{14AB6F96-E5E8-4B40-A18C-2D078D1C2D4F}"/>
+              </a:ext>
+            </a:extLst>
+          </p:cNvPr>
+          <p:cNvSpPr>
+            <a:spLocks noGrp="1"/>
+          </p:cNvSpPr>
+          <p:nvPr>
+            <p:ph type="title"/>
           </p:nvPr>
         </p:nvSpPr>
         <p:spPr>
           <a:xfrm>
-            <a:off x="6336334" y="1705284"/>
-            <a:ext cx="5416550" cy="4557919"/>
+            <a:off x="2317458" y="1400961"/>
+            <a:ext cx="7557083" cy="4655890"/>
           </a:xfrm>
         </p:spPr>
         <p:txBody>
@@ -12017,83 +11771,172 @@
           </a:bodyPr>
           <a:lstStyle/>
           <a:p>
-            <a:pPr marL="0" indent="0">
-              <a:buNone/>
-            </a:pPr>
-            <a:endParaRPr lang="en-US" dirty="0"/>
-          </a:p>
-          <a:p>
-            <a:pPr marL="0" indent="0">
-              <a:buNone/>
-            </a:pPr>
-            <a:r>
-              <a:rPr lang="en-US" dirty="0"/>
-              <a:t>Servers will have an easy-to-read display that keeps track of things such as menu items, prices, order times and order status. Chefs will have access to real time order data and will have the ability to provide status updates to servers. Hosts can manage the restaurant flow via table assignments and can view server availability. Managers have the ability to update the menu, edit orders, alter the bill, view wait times and more!</a:t>
-            </a:r>
-          </a:p>
-        </p:txBody>
-      </p:sp>
-      <p:sp>
-        <p:nvSpPr>
-          <p:cNvPr id="4" name="Slide Number Placeholder 3">
-            <a:extLst>
-              <a:ext uri="{FF2B5EF4-FFF2-40B4-BE49-F238E27FC236}">
-                <a16:creationId xmlns:a16="http://schemas.microsoft.com/office/drawing/2014/main" id="{A4BADA18-8F0E-4249-A144-6CB8259BA65B}"/>
-              </a:ext>
-            </a:extLst>
-          </p:cNvPr>
-          <p:cNvSpPr>
-            <a:spLocks noGrp="1"/>
-          </p:cNvSpPr>
-          <p:nvPr>
-            <p:ph type="sldNum" sz="quarter" idx="4"/>
-          </p:nvPr>
-        </p:nvSpPr>
-        <p:spPr/>
+            <a:pPr marL="914400" marR="0" lvl="2" algn="l">
+              <a:lnSpc>
+                <a:spcPct val="107000"/>
+              </a:lnSpc>
+              <a:spcBef>
+                <a:spcPts val="0"/>
+              </a:spcBef>
+              <a:spcAft>
+                <a:spcPts val="0"/>
+              </a:spcAft>
+            </a:pPr>
+            <a:r>
+              <a:rPr lang="en-US" sz="1600" dirty="0">
+                <a:solidFill>
+                  <a:schemeClr val="tx1"/>
+                </a:solidFill>
+                <a:effectLst/>
+                <a:latin typeface="+mn-lt"/>
+                <a:ea typeface="Calibri" panose="020F0502020204030204" pitchFamily="34" charset="0"/>
+                <a:cs typeface="Times New Roman" panose="02020603050405020304" pitchFamily="18" charset="0"/>
+              </a:rPr>
+              <a:t>Server management (allows host to assign tables)</a:t>
+            </a:r>
+            <a:br>
+              <a:rPr lang="en-US" sz="1600" dirty="0">
+                <a:solidFill>
+                  <a:schemeClr val="tx1"/>
+                </a:solidFill>
+                <a:effectLst/>
+                <a:latin typeface="+mn-lt"/>
+                <a:ea typeface="Calibri" panose="020F0502020204030204" pitchFamily="34" charset="0"/>
+                <a:cs typeface="Times New Roman" panose="02020603050405020304" pitchFamily="18" charset="0"/>
+              </a:rPr>
+            </a:br>
+            <a:br>
+              <a:rPr lang="en-US" sz="1600" dirty="0">
+                <a:solidFill>
+                  <a:schemeClr val="tx1"/>
+                </a:solidFill>
+                <a:effectLst/>
+                <a:latin typeface="+mn-lt"/>
+                <a:ea typeface="Yu Mincho" panose="02020400000000000000" pitchFamily="18" charset="-128"/>
+                <a:cs typeface="Times New Roman" panose="02020603050405020304" pitchFamily="18" charset="0"/>
+              </a:rPr>
+            </a:br>
+            <a:r>
+              <a:rPr lang="en-US" sz="1600" dirty="0">
+                <a:solidFill>
+                  <a:schemeClr val="tx1"/>
+                </a:solidFill>
+                <a:effectLst/>
+                <a:latin typeface="+mn-lt"/>
+                <a:ea typeface="Calibri" panose="020F0502020204030204" pitchFamily="34" charset="0"/>
+                <a:cs typeface="Times New Roman" panose="02020603050405020304" pitchFamily="18" charset="0"/>
+              </a:rPr>
+              <a:t>Table management (track customer orders, and generate itemized bill)</a:t>
+            </a:r>
+            <a:br>
+              <a:rPr lang="en-US" sz="1600" dirty="0">
+                <a:solidFill>
+                  <a:schemeClr val="tx1"/>
+                </a:solidFill>
+                <a:effectLst/>
+                <a:latin typeface="+mn-lt"/>
+                <a:ea typeface="Calibri" panose="020F0502020204030204" pitchFamily="34" charset="0"/>
+                <a:cs typeface="Times New Roman" panose="02020603050405020304" pitchFamily="18" charset="0"/>
+              </a:rPr>
+            </a:br>
+            <a:br>
+              <a:rPr lang="en-US" sz="1600" dirty="0">
+                <a:solidFill>
+                  <a:schemeClr val="tx1"/>
+                </a:solidFill>
+                <a:effectLst/>
+                <a:latin typeface="+mn-lt"/>
+                <a:ea typeface="Yu Mincho" panose="02020400000000000000" pitchFamily="18" charset="-128"/>
+                <a:cs typeface="Times New Roman" panose="02020603050405020304" pitchFamily="18" charset="0"/>
+              </a:rPr>
+            </a:br>
+            <a:r>
+              <a:rPr lang="en-US" sz="1600" dirty="0">
+                <a:solidFill>
+                  <a:schemeClr val="tx1"/>
+                </a:solidFill>
+                <a:effectLst/>
+                <a:latin typeface="+mn-lt"/>
+                <a:ea typeface="Calibri" panose="020F0502020204030204" pitchFamily="34" charset="0"/>
+                <a:cs typeface="Times New Roman" panose="02020603050405020304" pitchFamily="18" charset="0"/>
+              </a:rPr>
+              <a:t>Order management (server/kitchen order tracking)</a:t>
+            </a:r>
+            <a:br>
+              <a:rPr lang="en-US" sz="1600" dirty="0">
+                <a:solidFill>
+                  <a:schemeClr val="tx1"/>
+                </a:solidFill>
+                <a:effectLst/>
+                <a:latin typeface="+mn-lt"/>
+                <a:ea typeface="Calibri" panose="020F0502020204030204" pitchFamily="34" charset="0"/>
+                <a:cs typeface="Times New Roman" panose="02020603050405020304" pitchFamily="18" charset="0"/>
+              </a:rPr>
+            </a:br>
+            <a:br>
+              <a:rPr lang="en-US" sz="1600" dirty="0">
+                <a:solidFill>
+                  <a:schemeClr val="tx1"/>
+                </a:solidFill>
+                <a:effectLst/>
+                <a:latin typeface="+mn-lt"/>
+                <a:ea typeface="Yu Mincho" panose="02020400000000000000" pitchFamily="18" charset="-128"/>
+                <a:cs typeface="Times New Roman" panose="02020603050405020304" pitchFamily="18" charset="0"/>
+              </a:rPr>
+            </a:br>
+            <a:r>
+              <a:rPr lang="en-US" sz="1600" dirty="0">
+                <a:solidFill>
+                  <a:schemeClr val="tx1"/>
+                </a:solidFill>
+                <a:effectLst/>
+                <a:latin typeface="+mn-lt"/>
+                <a:ea typeface="Calibri" panose="020F0502020204030204" pitchFamily="34" charset="0"/>
+                <a:cs typeface="Times New Roman" panose="02020603050405020304" pitchFamily="18" charset="0"/>
+              </a:rPr>
+              <a:t>Menu management (CRUD operations)</a:t>
+            </a:r>
+            <a:endParaRPr lang="en-US" sz="1600" dirty="0">
+              <a:solidFill>
+                <a:schemeClr val="tx1"/>
+              </a:solidFill>
+              <a:effectLst/>
+              <a:latin typeface="+mn-lt"/>
+              <a:ea typeface="Yu Mincho" panose="02020400000000000000" pitchFamily="18" charset="-128"/>
+              <a:cs typeface="Times New Roman" panose="02020603050405020304" pitchFamily="18" charset="0"/>
+            </a:endParaRPr>
+          </a:p>
+        </p:txBody>
+      </p:sp>
+      <p:sp>
+        <p:nvSpPr>
+          <p:cNvPr id="2" name="Text Placeholder 1">
+            <a:extLst>
+              <a:ext uri="{FF2B5EF4-FFF2-40B4-BE49-F238E27FC236}">
+                <a16:creationId xmlns:a16="http://schemas.microsoft.com/office/drawing/2014/main" id="{DAF72BBC-FC90-4B63-96CA-ABED853DBAD0}"/>
+              </a:ext>
+            </a:extLst>
+          </p:cNvPr>
+          <p:cNvSpPr>
+            <a:spLocks noGrp="1"/>
+          </p:cNvSpPr>
+          <p:nvPr>
+            <p:ph type="body" sz="quarter" idx="11"/>
+          </p:nvPr>
+        </p:nvSpPr>
+        <p:spPr>
+          <a:xfrm>
+            <a:off x="1478756" y="201336"/>
+            <a:ext cx="9234488" cy="897622"/>
+          </a:xfrm>
+        </p:spPr>
         <p:txBody>
           <a:bodyPr/>
           <a:lstStyle/>
           <a:p>
-            <a:fld id="{8C2E478F-E849-4A8C-AF1F-CBCC78A7CBFA}" type="slidenum">
-              <a:rPr lang="en-US" smtClean="0"/>
-              <a:pPr/>
-              <a:t>6</a:t>
-            </a:fld>
-            <a:endParaRPr lang="en-US" dirty="0"/>
-          </a:p>
-        </p:txBody>
-      </p:sp>
-      <p:sp>
-        <p:nvSpPr>
-          <p:cNvPr id="7" name="Text Placeholder 2">
-            <a:extLst>
-              <a:ext uri="{FF2B5EF4-FFF2-40B4-BE49-F238E27FC236}">
-                <a16:creationId xmlns:a16="http://schemas.microsoft.com/office/drawing/2014/main" id="{CFDA9269-055C-5772-E8B6-BACBFA0AB992}"/>
-              </a:ext>
-            </a:extLst>
-          </p:cNvPr>
-          <p:cNvSpPr>
-            <a:spLocks noGrp="1"/>
-          </p:cNvSpPr>
-          <p:nvPr>
-            <p:ph type="body" sz="quarter" idx="16"/>
-          </p:nvPr>
-        </p:nvSpPr>
-        <p:spPr>
-          <a:xfrm>
-            <a:off x="6336334" y="390618"/>
-            <a:ext cx="5416550" cy="994299"/>
-          </a:xfrm>
-        </p:spPr>
-        <p:txBody>
-          <a:bodyPr/>
-          <a:lstStyle/>
-          <a:p>
-            <a:r>
-              <a:rPr lang="en-US" sz="3600" spc="100" dirty="0">
-                <a:latin typeface="+mj-lt"/>
-              </a:rPr>
-              <a:t>Project Description</a:t>
+            <a:r>
+              <a:rPr lang="en-US" sz="3600" spc="100" dirty="0"/>
+              <a:t>Project Features</a:t>
             </a:r>
           </a:p>
         </p:txBody>
@@ -12101,7 +11944,7 @@
     </p:spTree>
     <p:extLst>
       <p:ext uri="{BB962C8B-B14F-4D97-AF65-F5344CB8AC3E}">
-        <p14:creationId xmlns:p14="http://schemas.microsoft.com/office/powerpoint/2010/main" val="2758995049"/>
+        <p14:creationId xmlns:p14="http://schemas.microsoft.com/office/powerpoint/2010/main" val="839779156"/>
       </p:ext>
     </p:extLst>
   </p:cSld>
@@ -12190,278 +12033,6 @@
         </p:nvSpPr>
         <p:spPr>
           <a:xfrm>
-            <a:off x="2317458" y="1400961"/>
-            <a:ext cx="7557083" cy="4655890"/>
-          </a:xfrm>
-        </p:spPr>
-        <p:txBody>
-          <a:bodyPr>
-            <a:normAutofit/>
-          </a:bodyPr>
-          <a:lstStyle/>
-          <a:p>
-            <a:pPr marL="914400" marR="0" lvl="2" algn="l">
-              <a:lnSpc>
-                <a:spcPct val="107000"/>
-              </a:lnSpc>
-              <a:spcBef>
-                <a:spcPts val="0"/>
-              </a:spcBef>
-              <a:spcAft>
-                <a:spcPts val="0"/>
-              </a:spcAft>
-            </a:pPr>
-            <a:r>
-              <a:rPr lang="en-US" sz="1600" dirty="0">
-                <a:solidFill>
-                  <a:schemeClr val="tx1"/>
-                </a:solidFill>
-                <a:effectLst/>
-                <a:latin typeface="+mn-lt"/>
-                <a:ea typeface="Calibri" panose="020F0502020204030204" pitchFamily="34" charset="0"/>
-                <a:cs typeface="Times New Roman" panose="02020603050405020304" pitchFamily="18" charset="0"/>
-              </a:rPr>
-              <a:t>Server management (allows host to assign tables)</a:t>
-            </a:r>
-            <a:br>
-              <a:rPr lang="en-US" sz="1600" dirty="0">
-                <a:solidFill>
-                  <a:schemeClr val="tx1"/>
-                </a:solidFill>
-                <a:effectLst/>
-                <a:latin typeface="+mn-lt"/>
-                <a:ea typeface="Calibri" panose="020F0502020204030204" pitchFamily="34" charset="0"/>
-                <a:cs typeface="Times New Roman" panose="02020603050405020304" pitchFamily="18" charset="0"/>
-              </a:rPr>
-            </a:br>
-            <a:br>
-              <a:rPr lang="en-US" sz="1600" dirty="0">
-                <a:solidFill>
-                  <a:schemeClr val="tx1"/>
-                </a:solidFill>
-                <a:effectLst/>
-                <a:latin typeface="+mn-lt"/>
-                <a:ea typeface="Yu Mincho" panose="02020400000000000000" pitchFamily="18" charset="-128"/>
-                <a:cs typeface="Times New Roman" panose="02020603050405020304" pitchFamily="18" charset="0"/>
-              </a:rPr>
-            </a:br>
-            <a:r>
-              <a:rPr lang="en-US" sz="1600" dirty="0">
-                <a:solidFill>
-                  <a:schemeClr val="tx1"/>
-                </a:solidFill>
-                <a:effectLst/>
-                <a:latin typeface="+mn-lt"/>
-                <a:ea typeface="Calibri" panose="020F0502020204030204" pitchFamily="34" charset="0"/>
-                <a:cs typeface="Times New Roman" panose="02020603050405020304" pitchFamily="18" charset="0"/>
-              </a:rPr>
-              <a:t>Table management (track customer orders, and generate itemized bill)</a:t>
-            </a:r>
-            <a:br>
-              <a:rPr lang="en-US" sz="1600" dirty="0">
-                <a:solidFill>
-                  <a:schemeClr val="tx1"/>
-                </a:solidFill>
-                <a:effectLst/>
-                <a:latin typeface="+mn-lt"/>
-                <a:ea typeface="Calibri" panose="020F0502020204030204" pitchFamily="34" charset="0"/>
-                <a:cs typeface="Times New Roman" panose="02020603050405020304" pitchFamily="18" charset="0"/>
-              </a:rPr>
-            </a:br>
-            <a:br>
-              <a:rPr lang="en-US" sz="1600" dirty="0">
-                <a:solidFill>
-                  <a:schemeClr val="tx1"/>
-                </a:solidFill>
-                <a:effectLst/>
-                <a:latin typeface="+mn-lt"/>
-                <a:ea typeface="Yu Mincho" panose="02020400000000000000" pitchFamily="18" charset="-128"/>
-                <a:cs typeface="Times New Roman" panose="02020603050405020304" pitchFamily="18" charset="0"/>
-              </a:rPr>
-            </a:br>
-            <a:r>
-              <a:rPr lang="en-US" sz="1600" dirty="0">
-                <a:solidFill>
-                  <a:schemeClr val="tx1"/>
-                </a:solidFill>
-                <a:effectLst/>
-                <a:latin typeface="+mn-lt"/>
-                <a:ea typeface="Calibri" panose="020F0502020204030204" pitchFamily="34" charset="0"/>
-                <a:cs typeface="Times New Roman" panose="02020603050405020304" pitchFamily="18" charset="0"/>
-              </a:rPr>
-              <a:t>Order management (server/kitchen order tracking)</a:t>
-            </a:r>
-            <a:br>
-              <a:rPr lang="en-US" sz="1600" dirty="0">
-                <a:solidFill>
-                  <a:schemeClr val="tx1"/>
-                </a:solidFill>
-                <a:effectLst/>
-                <a:latin typeface="+mn-lt"/>
-                <a:ea typeface="Calibri" panose="020F0502020204030204" pitchFamily="34" charset="0"/>
-                <a:cs typeface="Times New Roman" panose="02020603050405020304" pitchFamily="18" charset="0"/>
-              </a:rPr>
-            </a:br>
-            <a:br>
-              <a:rPr lang="en-US" sz="1600" dirty="0">
-                <a:solidFill>
-                  <a:schemeClr val="tx1"/>
-                </a:solidFill>
-                <a:effectLst/>
-                <a:latin typeface="+mn-lt"/>
-                <a:ea typeface="Yu Mincho" panose="02020400000000000000" pitchFamily="18" charset="-128"/>
-                <a:cs typeface="Times New Roman" panose="02020603050405020304" pitchFamily="18" charset="0"/>
-              </a:rPr>
-            </a:br>
-            <a:r>
-              <a:rPr lang="en-US" sz="1600" dirty="0">
-                <a:solidFill>
-                  <a:schemeClr val="tx1"/>
-                </a:solidFill>
-                <a:effectLst/>
-                <a:latin typeface="+mn-lt"/>
-                <a:ea typeface="Calibri" panose="020F0502020204030204" pitchFamily="34" charset="0"/>
-                <a:cs typeface="Times New Roman" panose="02020603050405020304" pitchFamily="18" charset="0"/>
-              </a:rPr>
-              <a:t>Menu management (CRUD operations)</a:t>
-            </a:r>
-            <a:endParaRPr lang="en-US" sz="1600" dirty="0">
-              <a:solidFill>
-                <a:schemeClr val="tx1"/>
-              </a:solidFill>
-              <a:effectLst/>
-              <a:latin typeface="+mn-lt"/>
-              <a:ea typeface="Yu Mincho" panose="02020400000000000000" pitchFamily="18" charset="-128"/>
-              <a:cs typeface="Times New Roman" panose="02020603050405020304" pitchFamily="18" charset="0"/>
-            </a:endParaRPr>
-          </a:p>
-        </p:txBody>
-      </p:sp>
-      <p:sp>
-        <p:nvSpPr>
-          <p:cNvPr id="2" name="Text Placeholder 1">
-            <a:extLst>
-              <a:ext uri="{FF2B5EF4-FFF2-40B4-BE49-F238E27FC236}">
-                <a16:creationId xmlns:a16="http://schemas.microsoft.com/office/drawing/2014/main" id="{DAF72BBC-FC90-4B63-96CA-ABED853DBAD0}"/>
-              </a:ext>
-            </a:extLst>
-          </p:cNvPr>
-          <p:cNvSpPr>
-            <a:spLocks noGrp="1"/>
-          </p:cNvSpPr>
-          <p:nvPr>
-            <p:ph type="body" sz="quarter" idx="11"/>
-          </p:nvPr>
-        </p:nvSpPr>
-        <p:spPr>
-          <a:xfrm>
-            <a:off x="1478756" y="201336"/>
-            <a:ext cx="9234488" cy="897622"/>
-          </a:xfrm>
-        </p:spPr>
-        <p:txBody>
-          <a:bodyPr/>
-          <a:lstStyle/>
-          <a:p>
-            <a:r>
-              <a:rPr lang="en-US" sz="3600" spc="100" dirty="0"/>
-              <a:t>Project Features</a:t>
-            </a:r>
-          </a:p>
-        </p:txBody>
-      </p:sp>
-    </p:spTree>
-    <p:extLst>
-      <p:ext uri="{BB962C8B-B14F-4D97-AF65-F5344CB8AC3E}">
-        <p14:creationId xmlns:p14="http://schemas.microsoft.com/office/powerpoint/2010/main" val="839779156"/>
-      </p:ext>
-    </p:extLst>
-  </p:cSld>
-  <p:clrMapOvr>
-    <a:masterClrMapping/>
-  </p:clrMapOvr>
-</p:sld>
-</file>
-
-<file path=ppt/slides/slide8.xml><?xml version="1.0" encoding="utf-8"?>
-<p:sld xmlns:a="http://schemas.openxmlformats.org/drawingml/2006/main" xmlns:r="http://schemas.openxmlformats.org/officeDocument/2006/relationships" xmlns:p="http://schemas.openxmlformats.org/presentationml/2006/main">
-  <p:cSld>
-    <p:bg>
-      <p:bgPr>
-        <a:solidFill>
-          <a:schemeClr val="bg1"/>
-        </a:solidFill>
-        <a:effectLst/>
-      </p:bgPr>
-    </p:bg>
-    <p:spTree>
-      <p:nvGrpSpPr>
-        <p:cNvPr id="1" name=""/>
-        <p:cNvGrpSpPr/>
-        <p:nvPr/>
-      </p:nvGrpSpPr>
-      <p:grpSpPr>
-        <a:xfrm>
-          <a:off x="0" y="0"/>
-          <a:ext cx="0" cy="0"/>
-          <a:chOff x="0" y="0"/>
-          <a:chExt cx="0" cy="0"/>
-        </a:xfrm>
-      </p:grpSpPr>
-      <p:pic>
-        <p:nvPicPr>
-          <p:cNvPr id="8" name="Picture Placeholder 7" descr="close up of computer code">
-            <a:extLst>
-              <a:ext uri="{FF2B5EF4-FFF2-40B4-BE49-F238E27FC236}">
-                <a16:creationId xmlns:a16="http://schemas.microsoft.com/office/drawing/2014/main" id="{1D5DB266-C804-437C-AED7-3D057820D244}"/>
-              </a:ext>
-            </a:extLst>
-          </p:cNvPr>
-          <p:cNvPicPr>
-            <a:picLocks noGrp="1" noChangeAspect="1"/>
-          </p:cNvPicPr>
-          <p:nvPr>
-            <p:ph type="pic" sz="quarter" idx="10"/>
-          </p:nvPr>
-        </p:nvPicPr>
-        <p:blipFill rotWithShape="1">
-          <a:blip r:embed="rId2">
-            <a:alphaModFix amt="35000"/>
-            <a:extLst>
-              <a:ext uri="{BEBA8EAE-BF5A-486C-A8C5-ECC9F3942E4B}">
-                <a14:imgProps xmlns:a14="http://schemas.microsoft.com/office/drawing/2010/main">
-                  <a14:imgLayer r:embed="rId3">
-                    <a14:imgEffect>
-                      <a14:saturation sat="0"/>
-                    </a14:imgEffect>
-                  </a14:imgLayer>
-                </a14:imgProps>
-              </a:ext>
-            </a:extLst>
-          </a:blip>
-          <a:srcRect t="7813" b="7813"/>
-          <a:stretch/>
-        </p:blipFill>
-        <p:spPr/>
-      </p:pic>
-      <p:sp>
-        <p:nvSpPr>
-          <p:cNvPr id="5" name="Title 4">
-            <a:extLst>
-              <a:ext uri="{FF2B5EF4-FFF2-40B4-BE49-F238E27FC236}">
-                <a16:creationId xmlns:a16="http://schemas.microsoft.com/office/drawing/2014/main" id="{14AB6F96-E5E8-4B40-A18C-2D078D1C2D4F}"/>
-              </a:ext>
-            </a:extLst>
-          </p:cNvPr>
-          <p:cNvSpPr>
-            <a:spLocks noGrp="1"/>
-          </p:cNvSpPr>
-          <p:nvPr>
-            <p:ph type="title"/>
-          </p:nvPr>
-        </p:nvSpPr>
-        <p:spPr>
-          <a:xfrm>
             <a:off x="1143000" y="1510018"/>
             <a:ext cx="9906000" cy="4655890"/>
           </a:xfrm>
@@ -12691,7 +12262,7 @@
 </p:sld>
 </file>
 
-<file path=ppt/slides/slide9.xml><?xml version="1.0" encoding="utf-8"?>
+<file path=ppt/slides/slide8.xml><?xml version="1.0" encoding="utf-8"?>
 <p:sld xmlns:a="http://schemas.openxmlformats.org/drawingml/2006/main" xmlns:r="http://schemas.openxmlformats.org/officeDocument/2006/relationships" xmlns:p="http://schemas.openxmlformats.org/presentationml/2006/main">
   <p:cSld>
     <p:spTree>
@@ -13156,7 +12727,7 @@
           <a:p>
             <a:r>
               <a:rPr lang="en-US" sz="3600" spc="100" dirty="0"/>
-              <a:t>Use Case</a:t>
+              <a:t>Use Cases</a:t>
             </a:r>
           </a:p>
         </p:txBody>
@@ -13489,6 +13060,238 @@
     <p:extLst>
       <p:ext uri="{BB962C8B-B14F-4D97-AF65-F5344CB8AC3E}">
         <p14:creationId xmlns:p14="http://schemas.microsoft.com/office/powerpoint/2010/main" val="2573921310"/>
+      </p:ext>
+    </p:extLst>
+  </p:cSld>
+  <p:clrMapOvr>
+    <a:masterClrMapping/>
+  </p:clrMapOvr>
+</p:sld>
+</file>
+
+<file path=ppt/slides/slide9.xml><?xml version="1.0" encoding="utf-8"?>
+<p:sld xmlns:a="http://schemas.openxmlformats.org/drawingml/2006/main" xmlns:r="http://schemas.openxmlformats.org/officeDocument/2006/relationships" xmlns:p="http://schemas.openxmlformats.org/presentationml/2006/main">
+  <p:cSld>
+    <p:spTree>
+      <p:nvGrpSpPr>
+        <p:cNvPr id="1" name=""/>
+        <p:cNvGrpSpPr/>
+        <p:nvPr/>
+      </p:nvGrpSpPr>
+      <p:grpSpPr>
+        <a:xfrm>
+          <a:off x="0" y="0"/>
+          <a:ext cx="0" cy="0"/>
+          <a:chOff x="0" y="0"/>
+          <a:chExt cx="0" cy="0"/>
+        </a:xfrm>
+      </p:grpSpPr>
+      <p:sp>
+        <p:nvSpPr>
+          <p:cNvPr id="3" name="Title 2">
+            <a:extLst>
+              <a:ext uri="{FF2B5EF4-FFF2-40B4-BE49-F238E27FC236}">
+                <a16:creationId xmlns:a16="http://schemas.microsoft.com/office/drawing/2014/main" id="{1D24B42B-925B-494C-A986-BD85E8117E1E}"/>
+              </a:ext>
+            </a:extLst>
+          </p:cNvPr>
+          <p:cNvSpPr>
+            <a:spLocks noGrp="1"/>
+          </p:cNvSpPr>
+          <p:nvPr>
+            <p:ph type="title"/>
+          </p:nvPr>
+        </p:nvSpPr>
+        <p:spPr>
+          <a:xfrm>
+            <a:off x="6227184" y="142613"/>
+            <a:ext cx="5766033" cy="1231302"/>
+          </a:xfrm>
+        </p:spPr>
+        <p:txBody>
+          <a:bodyPr>
+            <a:normAutofit/>
+          </a:bodyPr>
+          <a:lstStyle/>
+          <a:p>
+            <a:r>
+              <a:rPr lang="en-US" sz="3600" dirty="0"/>
+              <a:t>Requirement Specifications</a:t>
+            </a:r>
+          </a:p>
+        </p:txBody>
+      </p:sp>
+      <p:pic>
+        <p:nvPicPr>
+          <p:cNvPr id="13" name="Picture Placeholder 12" descr="close up of computer on top of table against a brick wall">
+            <a:extLst>
+              <a:ext uri="{FF2B5EF4-FFF2-40B4-BE49-F238E27FC236}">
+                <a16:creationId xmlns:a16="http://schemas.microsoft.com/office/drawing/2014/main" id="{90BB9493-60B4-4B89-89CE-E1F8BF6C4D12}"/>
+              </a:ext>
+            </a:extLst>
+          </p:cNvPr>
+          <p:cNvPicPr>
+            <a:picLocks noGrp="1" noChangeAspect="1"/>
+          </p:cNvPicPr>
+          <p:nvPr>
+            <p:ph type="pic" sz="quarter" idx="13"/>
+          </p:nvPr>
+        </p:nvPicPr>
+        <p:blipFill rotWithShape="1">
+          <a:blip r:embed="rId2" cstate="email">
+            <a:extLst>
+              <a:ext uri="{BEBA8EAE-BF5A-486C-A8C5-ECC9F3942E4B}">
+                <a14:imgProps xmlns:a14="http://schemas.microsoft.com/office/drawing/2010/main">
+                  <a14:imgLayer r:embed="rId3">
+                    <a14:imgEffect>
+                      <a14:saturation sat="0"/>
+                    </a14:imgEffect>
+                  </a14:imgLayer>
+                </a14:imgProps>
+              </a:ext>
+              <a:ext uri="{28A0092B-C50C-407E-A947-70E740481C1C}">
+                <a14:useLocalDpi xmlns:a14="http://schemas.microsoft.com/office/drawing/2010/main"/>
+              </a:ext>
+            </a:extLst>
+          </a:blip>
+          <a:srcRect l="20370" r="20370"/>
+          <a:stretch/>
+        </p:blipFill>
+        <p:spPr/>
+      </p:pic>
+      <p:sp>
+        <p:nvSpPr>
+          <p:cNvPr id="5" name="Text Placeholder 4">
+            <a:extLst>
+              <a:ext uri="{FF2B5EF4-FFF2-40B4-BE49-F238E27FC236}">
+                <a16:creationId xmlns:a16="http://schemas.microsoft.com/office/drawing/2014/main" id="{AF9B872F-6332-408E-9135-B871F0C90C00}"/>
+              </a:ext>
+            </a:extLst>
+          </p:cNvPr>
+          <p:cNvSpPr>
+            <a:spLocks noGrp="1"/>
+          </p:cNvSpPr>
+          <p:nvPr>
+            <p:ph type="body" idx="1"/>
+          </p:nvPr>
+        </p:nvSpPr>
+        <p:spPr>
+          <a:xfrm>
+            <a:off x="5707038" y="1677798"/>
+            <a:ext cx="6096000" cy="4860654"/>
+          </a:xfrm>
+        </p:spPr>
+        <p:txBody>
+          <a:bodyPr/>
+          <a:lstStyle/>
+          <a:p>
+            <a:pPr algn="l"/>
+            <a:r>
+              <a:rPr lang="en-US" sz="1600" u="sng" spc="0" dirty="0"/>
+              <a:t>Business requirements:</a:t>
+            </a:r>
+            <a:endParaRPr lang="en-US" sz="1600" spc="0" dirty="0"/>
+          </a:p>
+          <a:p>
+            <a:pPr marL="285750" indent="-285750" algn="l">
+              <a:buFont typeface="Arial" panose="020B0604020202020204" pitchFamily="34" charset="0"/>
+              <a:buChar char="•"/>
+            </a:pPr>
+            <a:r>
+              <a:rPr lang="en-US" sz="1600" cap="none" spc="0" dirty="0"/>
+              <a:t>Must be available on both IOS and Android</a:t>
+            </a:r>
+          </a:p>
+          <a:p>
+            <a:pPr marL="285750" indent="-285750" algn="l">
+              <a:buFont typeface="Arial" panose="020B0604020202020204" pitchFamily="34" charset="0"/>
+              <a:buChar char="•"/>
+            </a:pPr>
+            <a:r>
+              <a:rPr lang="en-US" sz="1600" cap="none" spc="0" dirty="0"/>
+              <a:t>Must Effectively manage tables and orders</a:t>
+            </a:r>
+          </a:p>
+          <a:p>
+            <a:pPr marL="285750" indent="-285750" algn="l">
+              <a:buFont typeface="Arial" panose="020B0604020202020204" pitchFamily="34" charset="0"/>
+              <a:buChar char="•"/>
+            </a:pPr>
+            <a:r>
+              <a:rPr lang="en-US" sz="1600" cap="none" spc="0" dirty="0"/>
+              <a:t>Must generate weekly efficiency reports </a:t>
+            </a:r>
+          </a:p>
+          <a:p>
+            <a:pPr marL="285750" indent="-285750" algn="l">
+              <a:buFont typeface="Arial" panose="020B0604020202020204" pitchFamily="34" charset="0"/>
+              <a:buChar char="•"/>
+            </a:pPr>
+            <a:r>
+              <a:rPr lang="en-US" sz="1600" cap="none" spc="0" dirty="0"/>
+              <a:t>Must provide real-time business metrics to track sales, operations, and customer service performance. </a:t>
+            </a:r>
+          </a:p>
+          <a:p>
+            <a:pPr marL="285750" indent="-285750" algn="l">
+              <a:buFont typeface="Arial" panose="020B0604020202020204" pitchFamily="34" charset="0"/>
+              <a:buChar char="•"/>
+            </a:pPr>
+            <a:r>
+              <a:rPr lang="en-US" sz="1600" cap="none" spc="0" dirty="0"/>
+              <a:t>Should keep long term data in a cloud or off-site server database with a data storage model allowing for frequent input of data but infrequent querying of that data (AWS)</a:t>
+            </a:r>
+          </a:p>
+          <a:p>
+            <a:pPr marL="285750" indent="-285750" algn="l">
+              <a:buFont typeface="Arial" panose="020B0604020202020204" pitchFamily="34" charset="0"/>
+              <a:buChar char="•"/>
+            </a:pPr>
+            <a:r>
+              <a:rPr lang="en-US" sz="1600" cap="none" spc="0" dirty="0"/>
+              <a:t>Should roll out special opportunities and events for customers 	in the rewards program</a:t>
+            </a:r>
+          </a:p>
+          <a:p>
+            <a:pPr algn="l"/>
+            <a:endParaRPr lang="en-US" spc="0" dirty="0"/>
+          </a:p>
+        </p:txBody>
+      </p:sp>
+      <p:sp>
+        <p:nvSpPr>
+          <p:cNvPr id="2" name="Slide Number Placeholder 1">
+            <a:extLst>
+              <a:ext uri="{FF2B5EF4-FFF2-40B4-BE49-F238E27FC236}">
+                <a16:creationId xmlns:a16="http://schemas.microsoft.com/office/drawing/2014/main" id="{948DD8A0-BD53-4DBF-949B-0D64D12DADA9}"/>
+              </a:ext>
+            </a:extLst>
+          </p:cNvPr>
+          <p:cNvSpPr>
+            <a:spLocks noGrp="1"/>
+          </p:cNvSpPr>
+          <p:nvPr>
+            <p:ph type="sldNum" sz="quarter" idx="12"/>
+          </p:nvPr>
+        </p:nvSpPr>
+        <p:spPr/>
+        <p:txBody>
+          <a:bodyPr/>
+          <a:lstStyle/>
+          <a:p>
+            <a:fld id="{8C2E478F-E849-4A8C-AF1F-CBCC78A7CBFA}" type="slidenum">
+              <a:rPr lang="en-US" smtClean="0"/>
+              <a:pPr/>
+              <a:t>9</a:t>
+            </a:fld>
+            <a:endParaRPr lang="en-US" dirty="0"/>
+          </a:p>
+        </p:txBody>
+      </p:sp>
+    </p:spTree>
+    <p:extLst>
+      <p:ext uri="{BB962C8B-B14F-4D97-AF65-F5344CB8AC3E}">
+        <p14:creationId xmlns:p14="http://schemas.microsoft.com/office/powerpoint/2010/main" val="2692241771"/>
       </p:ext>
     </p:extLst>
   </p:cSld>
@@ -14393,15 +14196,6 @@
 </file>
 
 <file path=customXml/item2.xml><?xml version="1.0" encoding="utf-8"?>
-<?mso-contentType ?>
-<FormTemplates xmlns="http://schemas.microsoft.com/sharepoint/v3/contenttype/forms">
-  <Display>DocumentLibraryForm</Display>
-  <Edit>DocumentLibraryForm</Edit>
-  <New>DocumentLibraryForm</New>
-</FormTemplates>
-</file>
-
-<file path=customXml/item3.xml><?xml version="1.0" encoding="utf-8"?>
 <ct:contentTypeSchema xmlns:ct="http://schemas.microsoft.com/office/2006/metadata/contentType" xmlns:ma="http://schemas.microsoft.com/office/2006/metadata/properties/metaAttributes" ct:_="" ma:_="" ma:contentTypeName="Document" ma:contentTypeID="0x01010079F111ED35F8CC479449609E8A0923A6" ma:contentTypeVersion="12" ma:contentTypeDescription="Create a new document." ma:contentTypeScope="" ma:versionID="426e97fa315356fffbdcd9876fe988c2">
   <xsd:schema xmlns:xsd="http://www.w3.org/2001/XMLSchema" xmlns:xs="http://www.w3.org/2001/XMLSchema" xmlns:p="http://schemas.microsoft.com/office/2006/metadata/properties" xmlns:ns2="71af3243-3dd4-4a8d-8c0d-dd76da1f02a5" xmlns:ns3="16c05727-aa75-4e4a-9b5f-8a80a1165891" targetNamespace="http://schemas.microsoft.com/office/2006/metadata/properties" ma:root="true" ma:fieldsID="14b8f0def80e6d70ce3def20c90759ae" ns2:_="" ns3:_="">
     <xsd:import namespace="71af3243-3dd4-4a8d-8c0d-dd76da1f02a5"/>
@@ -14622,6 +14416,15 @@
 </ct:contentTypeSchema>
 </file>
 
+<file path=customXml/item3.xml><?xml version="1.0" encoding="utf-8"?>
+<?mso-contentType ?>
+<FormTemplates xmlns="http://schemas.microsoft.com/sharepoint/v3/contenttype/forms">
+  <Display>DocumentLibraryForm</Display>
+  <Edit>DocumentLibraryForm</Edit>
+  <New>DocumentLibraryForm</New>
+</FormTemplates>
+</file>
+
 <file path=customXml/itemProps1.xml><?xml version="1.0" encoding="utf-8"?>
 <ds:datastoreItem xmlns:ds="http://schemas.openxmlformats.org/officeDocument/2006/customXml" ds:itemID="{E3D9F223-918A-45AF-9B53-56AB9E5E2182}">
   <ds:schemaRefs>
@@ -14633,14 +14436,6 @@
 </file>
 
 <file path=customXml/itemProps2.xml><?xml version="1.0" encoding="utf-8"?>
-<ds:datastoreItem xmlns:ds="http://schemas.openxmlformats.org/officeDocument/2006/customXml" ds:itemID="{1B7E2D32-4FDD-4266-880C-17595B801432}">
-  <ds:schemaRefs>
-    <ds:schemaRef ds:uri="http://schemas.microsoft.com/sharepoint/v3/contenttype/forms"/>
-  </ds:schemaRefs>
-</ds:datastoreItem>
-</file>
-
-<file path=customXml/itemProps3.xml><?xml version="1.0" encoding="utf-8"?>
 <ds:datastoreItem xmlns:ds="http://schemas.openxmlformats.org/officeDocument/2006/customXml" ds:itemID="{55BB9993-D5F9-46FA-B2E5-80E3632E9820}">
   <ds:schemaRefs>
     <ds:schemaRef ds:uri="http://schemas.microsoft.com/office/2006/metadata/contentType"/>
@@ -14657,4 +14452,12 @@
     <ds:schemaRef ds:uri="http://schemas.microsoft.com/internal/obd"/>
   </ds:schemaRefs>
 </ds:datastoreItem>
+</file>
+
+<file path=customXml/itemProps3.xml><?xml version="1.0" encoding="utf-8"?>
+<ds:datastoreItem xmlns:ds="http://schemas.openxmlformats.org/officeDocument/2006/customXml" ds:itemID="{1B7E2D32-4FDD-4266-880C-17595B801432}">
+  <ds:schemaRefs>
+    <ds:schemaRef ds:uri="http://schemas.microsoft.com/sharepoint/v3/contenttype/forms"/>
+  </ds:schemaRefs>
+</ds:datastoreItem>
 </file>
--- a/CentRes.pptx
+++ b/CentRes.pptx
@@ -8828,9 +8828,6 @@
                 <a:ln>
                   <a:noFill/>
                 </a:ln>
-                <a:solidFill>
-                  <a:schemeClr val="tx1"/>
-                </a:solidFill>
                 <a:effectLst/>
                 <a:uLnTx/>
                 <a:uFillTx/>
@@ -10934,7 +10931,7 @@
         </p:nvSpPr>
         <p:spPr>
           <a:xfrm>
-            <a:off x="4042171" y="2910204"/>
+            <a:off x="4042172" y="2910205"/>
             <a:ext cx="4107655" cy="518795"/>
           </a:xfrm>
         </p:spPr>
@@ -14196,6 +14193,15 @@
 </file>
 
 <file path=customXml/item2.xml><?xml version="1.0" encoding="utf-8"?>
+<?mso-contentType ?>
+<FormTemplates xmlns="http://schemas.microsoft.com/sharepoint/v3/contenttype/forms">
+  <Display>DocumentLibraryForm</Display>
+  <Edit>DocumentLibraryForm</Edit>
+  <New>DocumentLibraryForm</New>
+</FormTemplates>
+</file>
+
+<file path=customXml/item3.xml><?xml version="1.0" encoding="utf-8"?>
 <ct:contentTypeSchema xmlns:ct="http://schemas.microsoft.com/office/2006/metadata/contentType" xmlns:ma="http://schemas.microsoft.com/office/2006/metadata/properties/metaAttributes" ct:_="" ma:_="" ma:contentTypeName="Document" ma:contentTypeID="0x01010079F111ED35F8CC479449609E8A0923A6" ma:contentTypeVersion="12" ma:contentTypeDescription="Create a new document." ma:contentTypeScope="" ma:versionID="426e97fa315356fffbdcd9876fe988c2">
   <xsd:schema xmlns:xsd="http://www.w3.org/2001/XMLSchema" xmlns:xs="http://www.w3.org/2001/XMLSchema" xmlns:p="http://schemas.microsoft.com/office/2006/metadata/properties" xmlns:ns2="71af3243-3dd4-4a8d-8c0d-dd76da1f02a5" xmlns:ns3="16c05727-aa75-4e4a-9b5f-8a80a1165891" targetNamespace="http://schemas.microsoft.com/office/2006/metadata/properties" ma:root="true" ma:fieldsID="14b8f0def80e6d70ce3def20c90759ae" ns2:_="" ns3:_="">
     <xsd:import namespace="71af3243-3dd4-4a8d-8c0d-dd76da1f02a5"/>
@@ -14416,15 +14422,6 @@
 </ct:contentTypeSchema>
 </file>
 
-<file path=customXml/item3.xml><?xml version="1.0" encoding="utf-8"?>
-<?mso-contentType ?>
-<FormTemplates xmlns="http://schemas.microsoft.com/sharepoint/v3/contenttype/forms">
-  <Display>DocumentLibraryForm</Display>
-  <Edit>DocumentLibraryForm</Edit>
-  <New>DocumentLibraryForm</New>
-</FormTemplates>
-</file>
-
 <file path=customXml/itemProps1.xml><?xml version="1.0" encoding="utf-8"?>
 <ds:datastoreItem xmlns:ds="http://schemas.openxmlformats.org/officeDocument/2006/customXml" ds:itemID="{E3D9F223-918A-45AF-9B53-56AB9E5E2182}">
   <ds:schemaRefs>
@@ -14436,6 +14433,14 @@
 </file>
 
 <file path=customXml/itemProps2.xml><?xml version="1.0" encoding="utf-8"?>
+<ds:datastoreItem xmlns:ds="http://schemas.openxmlformats.org/officeDocument/2006/customXml" ds:itemID="{1B7E2D32-4FDD-4266-880C-17595B801432}">
+  <ds:schemaRefs>
+    <ds:schemaRef ds:uri="http://schemas.microsoft.com/sharepoint/v3/contenttype/forms"/>
+  </ds:schemaRefs>
+</ds:datastoreItem>
+</file>
+
+<file path=customXml/itemProps3.xml><?xml version="1.0" encoding="utf-8"?>
 <ds:datastoreItem xmlns:ds="http://schemas.openxmlformats.org/officeDocument/2006/customXml" ds:itemID="{55BB9993-D5F9-46FA-B2E5-80E3632E9820}">
   <ds:schemaRefs>
     <ds:schemaRef ds:uri="http://schemas.microsoft.com/office/2006/metadata/contentType"/>
@@ -14452,12 +14457,4 @@
     <ds:schemaRef ds:uri="http://schemas.microsoft.com/internal/obd"/>
   </ds:schemaRefs>
 </ds:datastoreItem>
-</file>
-
-<file path=customXml/itemProps3.xml><?xml version="1.0" encoding="utf-8"?>
-<ds:datastoreItem xmlns:ds="http://schemas.openxmlformats.org/officeDocument/2006/customXml" ds:itemID="{1B7E2D32-4FDD-4266-880C-17595B801432}">
-  <ds:schemaRefs>
-    <ds:schemaRef ds:uri="http://schemas.microsoft.com/sharepoint/v3/contenttype/forms"/>
-  </ds:schemaRefs>
-</ds:datastoreItem>
 </file>
--- a/CentRes.pptx
+++ b/CentRes.pptx
@@ -5,10 +5,10 @@
     <p:sldMasterId id="2147483648" r:id="rId4"/>
   </p:sldMasterIdLst>
   <p:notesMasterIdLst>
-    <p:notesMasterId r:id="rId28"/>
+    <p:notesMasterId r:id="rId29"/>
   </p:notesMasterIdLst>
   <p:handoutMasterIdLst>
-    <p:handoutMasterId r:id="rId29"/>
+    <p:handoutMasterId r:id="rId30"/>
   </p:handoutMasterIdLst>
   <p:sldIdLst>
     <p:sldId id="2448" r:id="rId5"/>
@@ -28,12 +28,13 @@
     <p:sldId id="2478" r:id="rId19"/>
     <p:sldId id="2468" r:id="rId20"/>
     <p:sldId id="2479" r:id="rId21"/>
-    <p:sldId id="2470" r:id="rId22"/>
-    <p:sldId id="2473" r:id="rId23"/>
-    <p:sldId id="2477" r:id="rId24"/>
-    <p:sldId id="2471" r:id="rId25"/>
-    <p:sldId id="2472" r:id="rId26"/>
-    <p:sldId id="2436" r:id="rId27"/>
+    <p:sldId id="2480" r:id="rId22"/>
+    <p:sldId id="2470" r:id="rId23"/>
+    <p:sldId id="2473" r:id="rId24"/>
+    <p:sldId id="2477" r:id="rId25"/>
+    <p:sldId id="2471" r:id="rId26"/>
+    <p:sldId id="2472" r:id="rId27"/>
+    <p:sldId id="2436" r:id="rId28"/>
   </p:sldIdLst>
   <p:sldSz cx="12192000" cy="6858000"/>
   <p:notesSz cx="6858000" cy="9144000"/>
@@ -786,6 +787,91 @@
 </p:notes>
 </file>
 
+<file path=ppt/notesSlides/notesSlide10.xml><?xml version="1.0" encoding="utf-8"?>
+<p:notes xmlns:a="http://schemas.openxmlformats.org/drawingml/2006/main" xmlns:r="http://schemas.openxmlformats.org/officeDocument/2006/relationships" xmlns:p="http://schemas.openxmlformats.org/presentationml/2006/main">
+  <p:cSld>
+    <p:spTree>
+      <p:nvGrpSpPr>
+        <p:cNvPr id="1" name=""/>
+        <p:cNvGrpSpPr/>
+        <p:nvPr/>
+      </p:nvGrpSpPr>
+      <p:grpSpPr>
+        <a:xfrm>
+          <a:off x="0" y="0"/>
+          <a:ext cx="0" cy="0"/>
+          <a:chOff x="0" y="0"/>
+          <a:chExt cx="0" cy="0"/>
+        </a:xfrm>
+      </p:grpSpPr>
+      <p:sp>
+        <p:nvSpPr>
+          <p:cNvPr id="2" name="Slide Image Placeholder 1"/>
+          <p:cNvSpPr>
+            <a:spLocks noGrp="1" noRot="1" noChangeAspect="1"/>
+          </p:cNvSpPr>
+          <p:nvPr>
+            <p:ph type="sldImg"/>
+          </p:nvPr>
+        </p:nvSpPr>
+        <p:spPr/>
+      </p:sp>
+      <p:sp>
+        <p:nvSpPr>
+          <p:cNvPr id="3" name="Notes Placeholder 2"/>
+          <p:cNvSpPr>
+            <a:spLocks noGrp="1"/>
+          </p:cNvSpPr>
+          <p:nvPr>
+            <p:ph type="body" idx="1"/>
+          </p:nvPr>
+        </p:nvSpPr>
+        <p:spPr/>
+        <p:txBody>
+          <a:bodyPr/>
+          <a:lstStyle/>
+          <a:p>
+            <a:endParaRPr lang="en-US" dirty="0"/>
+          </a:p>
+        </p:txBody>
+      </p:sp>
+      <p:sp>
+        <p:nvSpPr>
+          <p:cNvPr id="4" name="Slide Number Placeholder 3"/>
+          <p:cNvSpPr>
+            <a:spLocks noGrp="1"/>
+          </p:cNvSpPr>
+          <p:nvPr>
+            <p:ph type="sldNum" sz="quarter" idx="5"/>
+          </p:nvPr>
+        </p:nvSpPr>
+        <p:spPr/>
+        <p:txBody>
+          <a:bodyPr/>
+          <a:lstStyle/>
+          <a:p>
+            <a:fld id="{228B34ED-4CDD-41C9-90F7-D768D5559A6F}" type="slidenum">
+              <a:rPr lang="en-US" smtClean="0"/>
+              <a:pPr/>
+              <a:t>21</a:t>
+            </a:fld>
+            <a:endParaRPr lang="en-US" dirty="0"/>
+          </a:p>
+        </p:txBody>
+      </p:sp>
+    </p:spTree>
+    <p:extLst>
+      <p:ext uri="{BB962C8B-B14F-4D97-AF65-F5344CB8AC3E}">
+        <p14:creationId xmlns:p14="http://schemas.microsoft.com/office/powerpoint/2010/main" val="2759226863"/>
+      </p:ext>
+    </p:extLst>
+  </p:cSld>
+  <p:clrMapOvr>
+    <a:masterClrMapping/>
+  </p:clrMapOvr>
+</p:notes>
+</file>
+
 <file path=ppt/notesSlides/notesSlide2.xml><?xml version="1.0" encoding="utf-8"?>
 <p:notes xmlns:a="http://schemas.openxmlformats.org/drawingml/2006/main" xmlns:r="http://schemas.openxmlformats.org/officeDocument/2006/relationships" xmlns:p="http://schemas.openxmlformats.org/presentationml/2006/main">
   <p:cSld>
@@ -1286,7 +1372,7 @@
     </p:spTree>
     <p:extLst>
       <p:ext uri="{BB962C8B-B14F-4D97-AF65-F5344CB8AC3E}">
-        <p14:creationId xmlns:p14="http://schemas.microsoft.com/office/powerpoint/2010/main" val="1852594838"/>
+        <p14:creationId xmlns:p14="http://schemas.microsoft.com/office/powerpoint/2010/main" val="1952927664"/>
       </p:ext>
     </p:extLst>
   </p:cSld>
@@ -1371,7 +1457,7 @@
     </p:spTree>
     <p:extLst>
       <p:ext uri="{BB962C8B-B14F-4D97-AF65-F5344CB8AC3E}">
-        <p14:creationId xmlns:p14="http://schemas.microsoft.com/office/powerpoint/2010/main" val="3809423074"/>
+        <p14:creationId xmlns:p14="http://schemas.microsoft.com/office/powerpoint/2010/main" val="1852594838"/>
       </p:ext>
     </p:extLst>
   </p:cSld>
@@ -1456,7 +1542,7 @@
     </p:spTree>
     <p:extLst>
       <p:ext uri="{BB962C8B-B14F-4D97-AF65-F5344CB8AC3E}">
-        <p14:creationId xmlns:p14="http://schemas.microsoft.com/office/powerpoint/2010/main" val="2759226863"/>
+        <p14:creationId xmlns:p14="http://schemas.microsoft.com/office/powerpoint/2010/main" val="3809423074"/>
       </p:ext>
     </p:extLst>
   </p:cSld>
@@ -8513,8 +8599,37 @@
                 <a:ea typeface="+mn-ea"/>
                 <a:cs typeface="Biome Light" panose="020B0303030204020804" pitchFamily="34" charset="0"/>
               </a:rPr>
-              <a:t>User Interface Wireframe</a:t>
-            </a:r>
+              <a:t>User Interface Wireframe:</a:t>
+            </a:r>
+            <a:r>
+              <a:rPr kumimoji="0" lang="en-US" b="0" i="0" strike="noStrike" kern="1200" cap="all" normalizeH="0" noProof="0" dirty="0">
+                <a:ln>
+                  <a:noFill/>
+                </a:ln>
+                <a:solidFill>
+                  <a:schemeClr val="tx1"/>
+                </a:solidFill>
+                <a:effectLst/>
+                <a:uLnTx/>
+                <a:uFillTx/>
+                <a:ea typeface="+mn-ea"/>
+                <a:cs typeface="Biome Light" panose="020B0303030204020804" pitchFamily="34" charset="0"/>
+              </a:rPr>
+              <a:t> manager</a:t>
+            </a:r>
+            <a:endParaRPr kumimoji="0" lang="en-US" b="0" i="0" u="sng" strike="noStrike" kern="1200" cap="all" normalizeH="0" noProof="0" dirty="0">
+              <a:ln>
+                <a:noFill/>
+              </a:ln>
+              <a:solidFill>
+                <a:schemeClr val="tx1"/>
+              </a:solidFill>
+              <a:effectLst/>
+              <a:uLnTx/>
+              <a:uFillTx/>
+              <a:ea typeface="+mn-ea"/>
+              <a:cs typeface="Biome Light" panose="020B0303030204020804" pitchFamily="34" charset="0"/>
+            </a:endParaRPr>
           </a:p>
           <a:p>
             <a:pPr marL="0" marR="0" lvl="0" indent="0" algn="l" defTabSz="914400" rtl="0" eaLnBrk="1" fontAlgn="auto" latinLnBrk="0" hangingPunct="1">
@@ -8663,7 +8778,7 @@
         </p:blipFill>
         <p:spPr bwMode="auto">
           <a:xfrm>
-            <a:off x="5594719" y="1587616"/>
+            <a:off x="5594719" y="1596005"/>
             <a:ext cx="6398498" cy="3957340"/>
           </a:xfrm>
           <a:prstGeom prst="rect">
@@ -8723,8 +8838,8 @@
         </p:nvSpPr>
         <p:spPr>
           <a:xfrm>
-            <a:off x="6096000" y="0"/>
-            <a:ext cx="5816368" cy="599012"/>
+            <a:off x="6095999" y="35082"/>
+            <a:ext cx="5897218" cy="884238"/>
           </a:xfrm>
         </p:spPr>
         <p:txBody>
@@ -8732,7 +8847,7 @@
           <a:lstStyle/>
           <a:p>
             <a:r>
-              <a:rPr lang="en-US" u="sng" dirty="0"/>
+              <a:rPr lang="en-US" dirty="0"/>
               <a:t>High Level Design</a:t>
             </a:r>
           </a:p>
@@ -8796,319 +8911,15 @@
         </p:nvSpPr>
         <p:spPr>
           <a:xfrm>
-            <a:off x="6096000" y="763398"/>
-            <a:ext cx="5690532" cy="5318620"/>
+            <a:off x="5594719" y="1124125"/>
+            <a:ext cx="6191812" cy="5134062"/>
           </a:xfrm>
         </p:spPr>
         <p:txBody>
           <a:bodyPr>
-            <a:normAutofit/>
+            <a:noAutofit/>
           </a:bodyPr>
           <a:lstStyle/>
-          <a:p>
-            <a:pPr marL="0" marR="0" lvl="0" indent="0" defTabSz="914400" rtl="0" eaLnBrk="1" fontAlgn="auto" latinLnBrk="0" hangingPunct="1">
-              <a:lnSpc>
-                <a:spcPct val="100000"/>
-              </a:lnSpc>
-              <a:spcBef>
-                <a:spcPts val="1000"/>
-              </a:spcBef>
-              <a:spcAft>
-                <a:spcPts val="0"/>
-              </a:spcAft>
-              <a:buClrTx/>
-              <a:buSzTx/>
-              <a:buFont typeface="Arial" panose="020B0604020202020204" pitchFamily="34" charset="0"/>
-              <a:buNone/>
-              <a:tabLst/>
-              <a:defRPr/>
-            </a:pPr>
-            <a:r>
-              <a:rPr kumimoji="0" lang="en-US" b="0" i="0" u="sng" strike="noStrike" kern="1200" cap="all" normalizeH="0" noProof="0" dirty="0">
-                <a:ln>
-                  <a:noFill/>
-                </a:ln>
-                <a:effectLst/>
-                <a:uLnTx/>
-                <a:uFillTx/>
-                <a:latin typeface="+mn-lt"/>
-                <a:ea typeface="+mn-ea"/>
-                <a:cs typeface="Biome Light" panose="020B0303030204020804" pitchFamily="34" charset="0"/>
-              </a:rPr>
-              <a:t>Architecture</a:t>
-            </a:r>
-          </a:p>
-          <a:p>
-            <a:pPr marL="0" marR="0" lvl="0" indent="0" defTabSz="914400" rtl="0" eaLnBrk="1" fontAlgn="auto" latinLnBrk="0" hangingPunct="1">
-              <a:lnSpc>
-                <a:spcPct val="100000"/>
-              </a:lnSpc>
-              <a:spcBef>
-                <a:spcPts val="1000"/>
-              </a:spcBef>
-              <a:spcAft>
-                <a:spcPts val="0"/>
-              </a:spcAft>
-              <a:buClrTx/>
-              <a:buSzTx/>
-              <a:buFont typeface="Arial" panose="020B0604020202020204" pitchFamily="34" charset="0"/>
-              <a:buNone/>
-              <a:tabLst/>
-              <a:defRPr/>
-            </a:pPr>
-            <a:r>
-              <a:rPr kumimoji="0" lang="en-US" b="0" i="0" u="none" strike="noStrike" kern="1200" cap="all" normalizeH="0" noProof="0" dirty="0">
-                <a:ln>
-                  <a:noFill/>
-                </a:ln>
-                <a:solidFill>
-                  <a:schemeClr val="tx1"/>
-                </a:solidFill>
-                <a:effectLst/>
-                <a:uLnTx/>
-                <a:uFillTx/>
-                <a:latin typeface="+mn-lt"/>
-                <a:ea typeface="+mn-ea"/>
-                <a:cs typeface="Biome Light" panose="020B0303030204020804" pitchFamily="34" charset="0"/>
-              </a:rPr>
-              <a:t>Event-driven:</a:t>
-            </a:r>
-          </a:p>
-          <a:p>
-            <a:pPr marL="0" marR="0" lvl="0" indent="0" defTabSz="914400" rtl="0" eaLnBrk="1" fontAlgn="auto" latinLnBrk="0" hangingPunct="1">
-              <a:lnSpc>
-                <a:spcPct val="100000"/>
-              </a:lnSpc>
-              <a:spcBef>
-                <a:spcPts val="1000"/>
-              </a:spcBef>
-              <a:spcAft>
-                <a:spcPts val="0"/>
-              </a:spcAft>
-              <a:buClrTx/>
-              <a:buSzTx/>
-              <a:buFont typeface="Arial" panose="020B0604020202020204" pitchFamily="34" charset="0"/>
-              <a:buNone/>
-              <a:tabLst/>
-              <a:defRPr/>
-            </a:pPr>
-            <a:r>
-              <a:rPr kumimoji="0" lang="en-US" b="0" i="0" u="none" strike="noStrike" kern="1200" cap="none" normalizeH="0" noProof="0" dirty="0">
-                <a:ln>
-                  <a:noFill/>
-                </a:ln>
-                <a:solidFill>
-                  <a:schemeClr val="tx1"/>
-                </a:solidFill>
-                <a:effectLst/>
-                <a:uLnTx/>
-                <a:uFillTx/>
-                <a:latin typeface="+mn-lt"/>
-                <a:ea typeface="+mn-ea"/>
-                <a:cs typeface="Biome Light" panose="020B0303030204020804" pitchFamily="34" charset="0"/>
-              </a:rPr>
-              <a:t>    CentRes will utilize time stamps for orders in and </a:t>
-            </a:r>
-            <a:r>
-              <a:rPr lang="en-US" dirty="0">
-                <a:cs typeface="Biome Light" panose="020B0303030204020804" pitchFamily="34" charset="0"/>
-              </a:rPr>
-              <a:t>orders out. </a:t>
-            </a:r>
-          </a:p>
-          <a:p>
-            <a:pPr marL="0" marR="0" lvl="0" indent="0" defTabSz="914400" rtl="0" eaLnBrk="1" fontAlgn="auto" latinLnBrk="0" hangingPunct="1">
-              <a:lnSpc>
-                <a:spcPct val="100000"/>
-              </a:lnSpc>
-              <a:spcBef>
-                <a:spcPts val="1000"/>
-              </a:spcBef>
-              <a:spcAft>
-                <a:spcPts val="0"/>
-              </a:spcAft>
-              <a:buClrTx/>
-              <a:buSzTx/>
-              <a:buFont typeface="Arial" panose="020B0604020202020204" pitchFamily="34" charset="0"/>
-              <a:buNone/>
-              <a:tabLst/>
-              <a:defRPr/>
-            </a:pPr>
-            <a:endParaRPr lang="en-US" dirty="0">
-              <a:cs typeface="Biome Light" panose="020B0303030204020804" pitchFamily="34" charset="0"/>
-            </a:endParaRPr>
-          </a:p>
-          <a:p>
-            <a:pPr marL="0" marR="0" lvl="0" indent="0" defTabSz="914400" rtl="0" eaLnBrk="1" fontAlgn="auto" latinLnBrk="0" hangingPunct="1">
-              <a:lnSpc>
-                <a:spcPct val="100000"/>
-              </a:lnSpc>
-              <a:spcBef>
-                <a:spcPts val="1000"/>
-              </a:spcBef>
-              <a:spcAft>
-                <a:spcPts val="0"/>
-              </a:spcAft>
-              <a:buClrTx/>
-              <a:buSzTx/>
-              <a:buFont typeface="Arial" panose="020B0604020202020204" pitchFamily="34" charset="0"/>
-              <a:buNone/>
-              <a:tabLst/>
-              <a:defRPr/>
-            </a:pPr>
-            <a:r>
-              <a:rPr kumimoji="0" lang="en-US" b="0" i="0" u="none" strike="noStrike" kern="1200" cap="all" normalizeH="0" noProof="0" dirty="0">
-                <a:ln>
-                  <a:noFill/>
-                </a:ln>
-                <a:solidFill>
-                  <a:schemeClr val="tx1"/>
-                </a:solidFill>
-                <a:effectLst/>
-                <a:uLnTx/>
-                <a:uFillTx/>
-                <a:latin typeface="+mn-lt"/>
-                <a:ea typeface="+mn-ea"/>
-                <a:cs typeface="Biome Light" panose="020B0303030204020804" pitchFamily="34" charset="0"/>
-              </a:rPr>
-              <a:t>Data-centric:</a:t>
-            </a:r>
-          </a:p>
-          <a:p>
-            <a:pPr marL="0" marR="0" lvl="0" indent="0" defTabSz="914400" rtl="0" eaLnBrk="1" fontAlgn="auto" latinLnBrk="0" hangingPunct="1">
-              <a:lnSpc>
-                <a:spcPct val="100000"/>
-              </a:lnSpc>
-              <a:spcBef>
-                <a:spcPts val="1000"/>
-              </a:spcBef>
-              <a:spcAft>
-                <a:spcPts val="0"/>
-              </a:spcAft>
-              <a:buClrTx/>
-              <a:buSzTx/>
-              <a:buFont typeface="Arial" panose="020B0604020202020204" pitchFamily="34" charset="0"/>
-              <a:buNone/>
-              <a:tabLst/>
-              <a:defRPr/>
-            </a:pPr>
-            <a:r>
-              <a:rPr lang="en-US" dirty="0">
-                <a:cs typeface="Biome Light" panose="020B0303030204020804" pitchFamily="34" charset="0"/>
-              </a:rPr>
-              <a:t>    Utilizes a database to track menu items, prices and inventory</a:t>
-            </a:r>
-            <a:endParaRPr kumimoji="0" lang="en-US" b="0" i="0" u="none" strike="noStrike" kern="1200" cap="none" normalizeH="0" noProof="0" dirty="0">
-              <a:ln>
-                <a:noFill/>
-              </a:ln>
-              <a:solidFill>
-                <a:schemeClr val="tx1"/>
-              </a:solidFill>
-              <a:effectLst/>
-              <a:uLnTx/>
-              <a:uFillTx/>
-              <a:latin typeface="+mn-lt"/>
-              <a:ea typeface="+mn-ea"/>
-              <a:cs typeface="Biome Light" panose="020B0303030204020804" pitchFamily="34" charset="0"/>
-            </a:endParaRPr>
-          </a:p>
-          <a:p>
-            <a:pPr marL="0" marR="0" lvl="0" indent="0" defTabSz="914400" rtl="0" eaLnBrk="1" fontAlgn="auto" latinLnBrk="0" hangingPunct="1">
-              <a:lnSpc>
-                <a:spcPct val="100000"/>
-              </a:lnSpc>
-              <a:spcBef>
-                <a:spcPts val="1000"/>
-              </a:spcBef>
-              <a:spcAft>
-                <a:spcPts val="0"/>
-              </a:spcAft>
-              <a:buClrTx/>
-              <a:buSzTx/>
-              <a:buFont typeface="Arial" panose="020B0604020202020204" pitchFamily="34" charset="0"/>
-              <a:buNone/>
-              <a:tabLst/>
-              <a:defRPr/>
-            </a:pPr>
-            <a:endParaRPr kumimoji="0" lang="en-US" b="0" i="0" u="none" strike="noStrike" kern="1200" cap="none" normalizeH="0" noProof="0" dirty="0">
-              <a:ln>
-                <a:noFill/>
-              </a:ln>
-              <a:solidFill>
-                <a:schemeClr val="tx1"/>
-              </a:solidFill>
-              <a:effectLst/>
-              <a:uLnTx/>
-              <a:uFillTx/>
-              <a:latin typeface="+mn-lt"/>
-              <a:ea typeface="+mn-ea"/>
-              <a:cs typeface="Biome Light" panose="020B0303030204020804" pitchFamily="34" charset="0"/>
-            </a:endParaRPr>
-          </a:p>
-          <a:p>
-            <a:pPr marL="0" marR="0" lvl="0" indent="0" defTabSz="914400" rtl="0" eaLnBrk="1" fontAlgn="auto" latinLnBrk="0" hangingPunct="1">
-              <a:lnSpc>
-                <a:spcPct val="100000"/>
-              </a:lnSpc>
-              <a:spcBef>
-                <a:spcPts val="1000"/>
-              </a:spcBef>
-              <a:spcAft>
-                <a:spcPts val="0"/>
-              </a:spcAft>
-              <a:buClrTx/>
-              <a:buSzTx/>
-              <a:buFont typeface="Arial" panose="020B0604020202020204" pitchFamily="34" charset="0"/>
-              <a:buNone/>
-              <a:tabLst/>
-              <a:defRPr/>
-            </a:pPr>
-            <a:r>
-              <a:rPr kumimoji="0" lang="en-US" b="0" i="0" u="sng" strike="noStrike" kern="1200" cap="all" normalizeH="0" noProof="0" dirty="0">
-                <a:ln>
-                  <a:noFill/>
-                </a:ln>
-                <a:solidFill>
-                  <a:schemeClr val="tx1"/>
-                </a:solidFill>
-                <a:effectLst/>
-                <a:uLnTx/>
-                <a:uFillTx/>
-                <a:latin typeface="+mn-lt"/>
-                <a:ea typeface="+mn-ea"/>
-                <a:cs typeface="Biome Light" panose="020B0303030204020804" pitchFamily="34" charset="0"/>
-              </a:rPr>
-              <a:t>Database</a:t>
-            </a:r>
-          </a:p>
-          <a:p>
-            <a:pPr marL="0" marR="0" lvl="0" indent="0" defTabSz="914400" rtl="0" eaLnBrk="1" fontAlgn="auto" latinLnBrk="0" hangingPunct="1">
-              <a:lnSpc>
-                <a:spcPct val="100000"/>
-              </a:lnSpc>
-              <a:spcBef>
-                <a:spcPts val="1000"/>
-              </a:spcBef>
-              <a:spcAft>
-                <a:spcPts val="0"/>
-              </a:spcAft>
-              <a:buClrTx/>
-              <a:buSzTx/>
-              <a:buFont typeface="Arial" panose="020B0604020202020204" pitchFamily="34" charset="0"/>
-              <a:buNone/>
-              <a:tabLst/>
-              <a:defRPr/>
-            </a:pPr>
-            <a:r>
-              <a:rPr lang="en-US" dirty="0">
-                <a:effectLst/>
-                <a:ea typeface="Yu Mincho" panose="02020400000000000000" pitchFamily="18" charset="-128"/>
-                <a:cs typeface="Times New Roman" panose="02020603050405020304" pitchFamily="18" charset="0"/>
-              </a:rPr>
-              <a:t>CentRes will be using a MySQL relational database to store employee information and communicate information related to sales transactions and product inventory.  MySQL can help the restaurant to keep tracking the inventory. See what foods are selling more and which foods are selling less, and this can help to optimize the menu and minimize waste.</a:t>
-            </a:r>
-          </a:p>
           <a:p>
             <a:pPr marL="0" marR="0" lvl="0" indent="0" algn="l" defTabSz="914400" rtl="0" eaLnBrk="1" fontAlgn="auto" latinLnBrk="0" hangingPunct="1">
               <a:lnSpc>
@@ -9127,7 +8938,39 @@
               <a:tabLst/>
               <a:defRPr/>
             </a:pPr>
-            <a:endParaRPr kumimoji="0" lang="en-US" sz="1600" b="0" i="0" u="none" strike="noStrike" kern="1200" cap="none" normalizeH="0" noProof="0" dirty="0">
+            <a:r>
+              <a:rPr kumimoji="0" lang="en-US" b="0" i="0" u="sng" strike="noStrike" kern="1200" cap="all" normalizeH="0" noProof="0" dirty="0">
+                <a:ln>
+                  <a:noFill/>
+                </a:ln>
+                <a:solidFill>
+                  <a:schemeClr val="tx1"/>
+                </a:solidFill>
+                <a:effectLst/>
+                <a:uLnTx/>
+                <a:uFillTx/>
+                <a:ea typeface="+mn-ea"/>
+                <a:cs typeface="Biome Light" panose="020B0303030204020804" pitchFamily="34" charset="0"/>
+              </a:rPr>
+              <a:t>User Interface Wireframe:</a:t>
+            </a:r>
+            <a:r>
+              <a:rPr kumimoji="0" lang="en-US" b="0" i="0" strike="noStrike" kern="1200" cap="all" normalizeH="0" noProof="0" dirty="0">
+                <a:ln>
+                  <a:noFill/>
+                </a:ln>
+                <a:solidFill>
+                  <a:schemeClr val="tx1"/>
+                </a:solidFill>
+                <a:effectLst/>
+                <a:uLnTx/>
+                <a:uFillTx/>
+                <a:ea typeface="+mn-ea"/>
+                <a:cs typeface="Biome Light" panose="020B0303030204020804" pitchFamily="34" charset="0"/>
+              </a:rPr>
+              <a:t> Server</a:t>
+            </a:r>
+            <a:endParaRPr kumimoji="0" lang="en-US" b="0" i="0" u="sng" strike="noStrike" kern="1200" cap="all" normalizeH="0" noProof="0" dirty="0">
               <a:ln>
                 <a:noFill/>
               </a:ln>
@@ -9137,16 +8980,95 @@
               <a:effectLst/>
               <a:uLnTx/>
               <a:uFillTx/>
-              <a:latin typeface="+mn-lt"/>
               <a:ea typeface="+mn-ea"/>
               <a:cs typeface="Biome Light" panose="020B0303030204020804" pitchFamily="34" charset="0"/>
             </a:endParaRPr>
           </a:p>
           <a:p>
-            <a:pPr marL="0" indent="0">
+            <a:pPr marL="0" marR="0" lvl="0" indent="0" algn="l" defTabSz="914400" rtl="0" eaLnBrk="1" fontAlgn="auto" latinLnBrk="0" hangingPunct="1">
+              <a:lnSpc>
+                <a:spcPct val="100000"/>
+              </a:lnSpc>
+              <a:spcBef>
+                <a:spcPts val="1000"/>
+              </a:spcBef>
+              <a:spcAft>
+                <a:spcPts val="0"/>
+              </a:spcAft>
+              <a:buClrTx/>
+              <a:buSzTx/>
+              <a:buFont typeface="Arial" panose="020B0604020202020204" pitchFamily="34" charset="0"/>
               <a:buNone/>
-            </a:pPr>
-            <a:endParaRPr lang="en-US" b="1" dirty="0"/>
+              <a:tabLst/>
+              <a:defRPr/>
+            </a:pPr>
+            <a:endParaRPr lang="en-US" u="sng" dirty="0">
+              <a:cs typeface="Biome Light" panose="020B0303030204020804" pitchFamily="34" charset="0"/>
+            </a:endParaRPr>
+          </a:p>
+          <a:p>
+            <a:pPr marL="0" marR="0" lvl="0" indent="0" algn="l" defTabSz="914400" rtl="0" eaLnBrk="1" fontAlgn="auto" latinLnBrk="0" hangingPunct="1">
+              <a:lnSpc>
+                <a:spcPct val="100000"/>
+              </a:lnSpc>
+              <a:spcBef>
+                <a:spcPts val="1000"/>
+              </a:spcBef>
+              <a:spcAft>
+                <a:spcPts val="0"/>
+              </a:spcAft>
+              <a:buClrTx/>
+              <a:buSzTx/>
+              <a:buFont typeface="Arial" panose="020B0604020202020204" pitchFamily="34" charset="0"/>
+              <a:buNone/>
+              <a:tabLst/>
+              <a:defRPr/>
+            </a:pPr>
+            <a:endParaRPr kumimoji="0" lang="en-US" b="0" i="0" u="sng" strike="noStrike" kern="1200" cap="none" normalizeH="0" noProof="0" dirty="0">
+              <a:ln>
+                <a:noFill/>
+              </a:ln>
+              <a:solidFill>
+                <a:schemeClr val="tx1"/>
+              </a:solidFill>
+              <a:effectLst/>
+              <a:uLnTx/>
+              <a:uFillTx/>
+              <a:ea typeface="+mn-ea"/>
+              <a:cs typeface="Biome Light" panose="020B0303030204020804" pitchFamily="34" charset="0"/>
+            </a:endParaRPr>
+          </a:p>
+          <a:p>
+            <a:pPr marL="0" marR="0" lvl="0" indent="0" algn="l" defTabSz="914400" rtl="0" eaLnBrk="1" fontAlgn="auto" latinLnBrk="0" hangingPunct="1">
+              <a:lnSpc>
+                <a:spcPct val="100000"/>
+              </a:lnSpc>
+              <a:spcBef>
+                <a:spcPts val="1000"/>
+              </a:spcBef>
+              <a:spcAft>
+                <a:spcPts val="0"/>
+              </a:spcAft>
+              <a:buClrTx/>
+              <a:buSzTx/>
+              <a:buFont typeface="Arial" panose="020B0604020202020204" pitchFamily="34" charset="0"/>
+              <a:buNone/>
+              <a:tabLst/>
+              <a:defRPr/>
+            </a:pPr>
+            <a:endParaRPr kumimoji="0" lang="en-US" b="0" i="0" u="sng" strike="noStrike" kern="1200" cap="none" normalizeH="0" noProof="0" dirty="0">
+              <a:ln>
+                <a:noFill/>
+              </a:ln>
+              <a:solidFill>
+                <a:schemeClr val="tx1"/>
+              </a:solidFill>
+              <a:effectLst/>
+              <a:uLnTx/>
+              <a:uFillTx/>
+              <a:ea typeface="+mn-ea"/>
+              <a:cs typeface="Biome Light" panose="020B0303030204020804" pitchFamily="34" charset="0"/>
+            </a:endParaRPr>
           </a:p>
         </p:txBody>
       </p:sp>
@@ -9180,10 +9102,40 @@
           </a:p>
         </p:txBody>
       </p:sp>
+      <p:pic>
+        <p:nvPicPr>
+          <p:cNvPr id="11" name="Picture 10" descr="Table&#10;&#10;Description automatically generated with low confidence">
+            <a:extLst>
+              <a:ext uri="{FF2B5EF4-FFF2-40B4-BE49-F238E27FC236}">
+                <a16:creationId xmlns:a16="http://schemas.microsoft.com/office/drawing/2014/main" id="{0A7BE2DF-44C8-1AB1-D256-9D67E12C016F}"/>
+              </a:ext>
+            </a:extLst>
+          </p:cNvPr>
+          <p:cNvPicPr>
+            <a:picLocks noChangeAspect="1"/>
+          </p:cNvPicPr>
+          <p:nvPr/>
+        </p:nvPicPr>
+        <p:blipFill>
+          <a:blip r:embed="rId5"/>
+          <a:stretch>
+            <a:fillRect/>
+          </a:stretch>
+        </p:blipFill>
+        <p:spPr>
+          <a:xfrm>
+            <a:off x="5594719" y="1606211"/>
+            <a:ext cx="6398498" cy="3968554"/>
+          </a:xfrm>
+          <a:prstGeom prst="rect">
+            <a:avLst/>
+          </a:prstGeom>
+        </p:spPr>
+      </p:pic>
     </p:spTree>
     <p:extLst>
       <p:ext uri="{BB962C8B-B14F-4D97-AF65-F5344CB8AC3E}">
-        <p14:creationId xmlns:p14="http://schemas.microsoft.com/office/powerpoint/2010/main" val="2107433842"/>
+        <p14:creationId xmlns:p14="http://schemas.microsoft.com/office/powerpoint/2010/main" val="2046355681"/>
       </p:ext>
     </p:extLst>
   </p:cSld>
@@ -9228,8 +9180,8 @@
         </p:nvSpPr>
         <p:spPr>
           <a:xfrm>
-            <a:off x="6095999" y="35082"/>
-            <a:ext cx="5897218" cy="884238"/>
+            <a:off x="6096000" y="0"/>
+            <a:ext cx="5816368" cy="599012"/>
           </a:xfrm>
         </p:spPr>
         <p:txBody>
@@ -9237,7 +9189,7 @@
           <a:lstStyle/>
           <a:p>
             <a:r>
-              <a:rPr lang="en-US" dirty="0"/>
+              <a:rPr lang="en-US" u="sng" dirty="0"/>
               <a:t>High Level Design</a:t>
             </a:r>
           </a:p>
@@ -9301,8 +9253,8 @@
         </p:nvSpPr>
         <p:spPr>
           <a:xfrm>
-            <a:off x="5734056" y="1061678"/>
-            <a:ext cx="6259161" cy="4668561"/>
+            <a:off x="6096000" y="763398"/>
+            <a:ext cx="5690532" cy="5318620"/>
           </a:xfrm>
         </p:spPr>
         <p:txBody>
@@ -9310,6 +9262,310 @@
             <a:normAutofit/>
           </a:bodyPr>
           <a:lstStyle/>
+          <a:p>
+            <a:pPr marL="0" marR="0" lvl="0" indent="0" defTabSz="914400" rtl="0" eaLnBrk="1" fontAlgn="auto" latinLnBrk="0" hangingPunct="1">
+              <a:lnSpc>
+                <a:spcPct val="100000"/>
+              </a:lnSpc>
+              <a:spcBef>
+                <a:spcPts val="1000"/>
+              </a:spcBef>
+              <a:spcAft>
+                <a:spcPts val="0"/>
+              </a:spcAft>
+              <a:buClrTx/>
+              <a:buSzTx/>
+              <a:buFont typeface="Arial" panose="020B0604020202020204" pitchFamily="34" charset="0"/>
+              <a:buNone/>
+              <a:tabLst/>
+              <a:defRPr/>
+            </a:pPr>
+            <a:r>
+              <a:rPr kumimoji="0" lang="en-US" b="0" i="0" u="sng" strike="noStrike" kern="1200" cap="all" normalizeH="0" noProof="0" dirty="0">
+                <a:ln>
+                  <a:noFill/>
+                </a:ln>
+                <a:effectLst/>
+                <a:uLnTx/>
+                <a:uFillTx/>
+                <a:latin typeface="+mn-lt"/>
+                <a:ea typeface="+mn-ea"/>
+                <a:cs typeface="Biome Light" panose="020B0303030204020804" pitchFamily="34" charset="0"/>
+              </a:rPr>
+              <a:t>Architecture</a:t>
+            </a:r>
+          </a:p>
+          <a:p>
+            <a:pPr marL="0" marR="0" lvl="0" indent="0" defTabSz="914400" rtl="0" eaLnBrk="1" fontAlgn="auto" latinLnBrk="0" hangingPunct="1">
+              <a:lnSpc>
+                <a:spcPct val="100000"/>
+              </a:lnSpc>
+              <a:spcBef>
+                <a:spcPts val="1000"/>
+              </a:spcBef>
+              <a:spcAft>
+                <a:spcPts val="0"/>
+              </a:spcAft>
+              <a:buClrTx/>
+              <a:buSzTx/>
+              <a:buFont typeface="Arial" panose="020B0604020202020204" pitchFamily="34" charset="0"/>
+              <a:buNone/>
+              <a:tabLst/>
+              <a:defRPr/>
+            </a:pPr>
+            <a:r>
+              <a:rPr kumimoji="0" lang="en-US" b="0" i="0" u="none" strike="noStrike" kern="1200" cap="all" normalizeH="0" noProof="0" dirty="0">
+                <a:ln>
+                  <a:noFill/>
+                </a:ln>
+                <a:solidFill>
+                  <a:schemeClr val="tx1"/>
+                </a:solidFill>
+                <a:effectLst/>
+                <a:uLnTx/>
+                <a:uFillTx/>
+                <a:latin typeface="+mn-lt"/>
+                <a:ea typeface="+mn-ea"/>
+                <a:cs typeface="Biome Light" panose="020B0303030204020804" pitchFamily="34" charset="0"/>
+              </a:rPr>
+              <a:t>Event-driven:</a:t>
+            </a:r>
+          </a:p>
+          <a:p>
+            <a:pPr marL="0" marR="0" lvl="0" indent="0" defTabSz="914400" rtl="0" eaLnBrk="1" fontAlgn="auto" latinLnBrk="0" hangingPunct="1">
+              <a:lnSpc>
+                <a:spcPct val="100000"/>
+              </a:lnSpc>
+              <a:spcBef>
+                <a:spcPts val="1000"/>
+              </a:spcBef>
+              <a:spcAft>
+                <a:spcPts val="0"/>
+              </a:spcAft>
+              <a:buClrTx/>
+              <a:buSzTx/>
+              <a:buFont typeface="Arial" panose="020B0604020202020204" pitchFamily="34" charset="0"/>
+              <a:buNone/>
+              <a:tabLst/>
+              <a:defRPr/>
+            </a:pPr>
+            <a:r>
+              <a:rPr kumimoji="0" lang="en-US" b="0" i="0" u="none" strike="noStrike" kern="1200" cap="none" normalizeH="0" noProof="0" dirty="0">
+                <a:ln>
+                  <a:noFill/>
+                </a:ln>
+                <a:solidFill>
+                  <a:schemeClr val="tx1"/>
+                </a:solidFill>
+                <a:effectLst/>
+                <a:uLnTx/>
+                <a:uFillTx/>
+                <a:latin typeface="+mn-lt"/>
+                <a:ea typeface="+mn-ea"/>
+                <a:cs typeface="Biome Light" panose="020B0303030204020804" pitchFamily="34" charset="0"/>
+              </a:rPr>
+              <a:t>    CentRes will utilize time stamps for orders in and </a:t>
+            </a:r>
+            <a:r>
+              <a:rPr lang="en-US" dirty="0">
+                <a:cs typeface="Biome Light" panose="020B0303030204020804" pitchFamily="34" charset="0"/>
+              </a:rPr>
+              <a:t>orders out. </a:t>
+            </a:r>
+          </a:p>
+          <a:p>
+            <a:pPr marL="0" marR="0" lvl="0" indent="0" defTabSz="914400" rtl="0" eaLnBrk="1" fontAlgn="auto" latinLnBrk="0" hangingPunct="1">
+              <a:lnSpc>
+                <a:spcPct val="100000"/>
+              </a:lnSpc>
+              <a:spcBef>
+                <a:spcPts val="1000"/>
+              </a:spcBef>
+              <a:spcAft>
+                <a:spcPts val="0"/>
+              </a:spcAft>
+              <a:buClrTx/>
+              <a:buSzTx/>
+              <a:buFont typeface="Arial" panose="020B0604020202020204" pitchFamily="34" charset="0"/>
+              <a:buNone/>
+              <a:tabLst/>
+              <a:defRPr/>
+            </a:pPr>
+            <a:endParaRPr lang="en-US" dirty="0">
+              <a:cs typeface="Biome Light" panose="020B0303030204020804" pitchFamily="34" charset="0"/>
+            </a:endParaRPr>
+          </a:p>
+          <a:p>
+            <a:pPr marL="0" marR="0" lvl="0" indent="0" defTabSz="914400" rtl="0" eaLnBrk="1" fontAlgn="auto" latinLnBrk="0" hangingPunct="1">
+              <a:lnSpc>
+                <a:spcPct val="100000"/>
+              </a:lnSpc>
+              <a:spcBef>
+                <a:spcPts val="1000"/>
+              </a:spcBef>
+              <a:spcAft>
+                <a:spcPts val="0"/>
+              </a:spcAft>
+              <a:buClrTx/>
+              <a:buSzTx/>
+              <a:buFont typeface="Arial" panose="020B0604020202020204" pitchFamily="34" charset="0"/>
+              <a:buNone/>
+              <a:tabLst/>
+              <a:defRPr/>
+            </a:pPr>
+            <a:r>
+              <a:rPr kumimoji="0" lang="en-US" b="0" i="0" u="none" strike="noStrike" kern="1200" cap="all" normalizeH="0" noProof="0" dirty="0">
+                <a:ln>
+                  <a:noFill/>
+                </a:ln>
+                <a:solidFill>
+                  <a:schemeClr val="tx1"/>
+                </a:solidFill>
+                <a:effectLst/>
+                <a:uLnTx/>
+                <a:uFillTx/>
+                <a:latin typeface="+mn-lt"/>
+                <a:ea typeface="+mn-ea"/>
+                <a:cs typeface="Biome Light" panose="020B0303030204020804" pitchFamily="34" charset="0"/>
+              </a:rPr>
+              <a:t>Data-centric:</a:t>
+            </a:r>
+          </a:p>
+          <a:p>
+            <a:pPr marL="0" marR="0" lvl="0" indent="0" defTabSz="914400" rtl="0" eaLnBrk="1" fontAlgn="auto" latinLnBrk="0" hangingPunct="1">
+              <a:lnSpc>
+                <a:spcPct val="100000"/>
+              </a:lnSpc>
+              <a:spcBef>
+                <a:spcPts val="1000"/>
+              </a:spcBef>
+              <a:spcAft>
+                <a:spcPts val="0"/>
+              </a:spcAft>
+              <a:buClrTx/>
+              <a:buSzTx/>
+              <a:buFont typeface="Arial" panose="020B0604020202020204" pitchFamily="34" charset="0"/>
+              <a:buNone/>
+              <a:tabLst/>
+              <a:defRPr/>
+            </a:pPr>
+            <a:r>
+              <a:rPr lang="en-US" dirty="0">
+                <a:cs typeface="Biome Light" panose="020B0303030204020804" pitchFamily="34" charset="0"/>
+              </a:rPr>
+              <a:t>    Utilizes a database to track menu items, prices and inventory</a:t>
+            </a:r>
+            <a:endParaRPr kumimoji="0" lang="en-US" b="0" i="0" u="none" strike="noStrike" kern="1200" cap="none" normalizeH="0" noProof="0" dirty="0">
+              <a:ln>
+                <a:noFill/>
+              </a:ln>
+              <a:solidFill>
+                <a:schemeClr val="tx1"/>
+              </a:solidFill>
+              <a:effectLst/>
+              <a:uLnTx/>
+              <a:uFillTx/>
+              <a:latin typeface="+mn-lt"/>
+              <a:ea typeface="+mn-ea"/>
+              <a:cs typeface="Biome Light" panose="020B0303030204020804" pitchFamily="34" charset="0"/>
+            </a:endParaRPr>
+          </a:p>
+          <a:p>
+            <a:pPr marL="0" marR="0" lvl="0" indent="0" defTabSz="914400" rtl="0" eaLnBrk="1" fontAlgn="auto" latinLnBrk="0" hangingPunct="1">
+              <a:lnSpc>
+                <a:spcPct val="100000"/>
+              </a:lnSpc>
+              <a:spcBef>
+                <a:spcPts val="1000"/>
+              </a:spcBef>
+              <a:spcAft>
+                <a:spcPts val="0"/>
+              </a:spcAft>
+              <a:buClrTx/>
+              <a:buSzTx/>
+              <a:buFont typeface="Arial" panose="020B0604020202020204" pitchFamily="34" charset="0"/>
+              <a:buNone/>
+              <a:tabLst/>
+              <a:defRPr/>
+            </a:pPr>
+            <a:endParaRPr kumimoji="0" lang="en-US" b="0" i="0" u="none" strike="noStrike" kern="1200" cap="none" normalizeH="0" noProof="0" dirty="0">
+              <a:ln>
+                <a:noFill/>
+              </a:ln>
+              <a:solidFill>
+                <a:schemeClr val="tx1"/>
+              </a:solidFill>
+              <a:effectLst/>
+              <a:uLnTx/>
+              <a:uFillTx/>
+              <a:latin typeface="+mn-lt"/>
+              <a:ea typeface="+mn-ea"/>
+              <a:cs typeface="Biome Light" panose="020B0303030204020804" pitchFamily="34" charset="0"/>
+            </a:endParaRPr>
+          </a:p>
+          <a:p>
+            <a:pPr marL="0" marR="0" lvl="0" indent="0" defTabSz="914400" rtl="0" eaLnBrk="1" fontAlgn="auto" latinLnBrk="0" hangingPunct="1">
+              <a:lnSpc>
+                <a:spcPct val="100000"/>
+              </a:lnSpc>
+              <a:spcBef>
+                <a:spcPts val="1000"/>
+              </a:spcBef>
+              <a:spcAft>
+                <a:spcPts val="0"/>
+              </a:spcAft>
+              <a:buClrTx/>
+              <a:buSzTx/>
+              <a:buFont typeface="Arial" panose="020B0604020202020204" pitchFamily="34" charset="0"/>
+              <a:buNone/>
+              <a:tabLst/>
+              <a:defRPr/>
+            </a:pPr>
+            <a:r>
+              <a:rPr kumimoji="0" lang="en-US" b="0" i="0" u="sng" strike="noStrike" kern="1200" cap="all" normalizeH="0" noProof="0" dirty="0">
+                <a:ln>
+                  <a:noFill/>
+                </a:ln>
+                <a:solidFill>
+                  <a:schemeClr val="tx1"/>
+                </a:solidFill>
+                <a:effectLst/>
+                <a:uLnTx/>
+                <a:uFillTx/>
+                <a:latin typeface="+mn-lt"/>
+                <a:ea typeface="+mn-ea"/>
+                <a:cs typeface="Biome Light" panose="020B0303030204020804" pitchFamily="34" charset="0"/>
+              </a:rPr>
+              <a:t>Database</a:t>
+            </a:r>
+          </a:p>
+          <a:p>
+            <a:pPr marL="0" marR="0" lvl="0" indent="0" defTabSz="914400" rtl="0" eaLnBrk="1" fontAlgn="auto" latinLnBrk="0" hangingPunct="1">
+              <a:lnSpc>
+                <a:spcPct val="100000"/>
+              </a:lnSpc>
+              <a:spcBef>
+                <a:spcPts val="1000"/>
+              </a:spcBef>
+              <a:spcAft>
+                <a:spcPts val="0"/>
+              </a:spcAft>
+              <a:buClrTx/>
+              <a:buSzTx/>
+              <a:buFont typeface="Arial" panose="020B0604020202020204" pitchFamily="34" charset="0"/>
+              <a:buNone/>
+              <a:tabLst/>
+              <a:defRPr/>
+            </a:pPr>
+            <a:r>
+              <a:rPr lang="en-US" dirty="0">
+                <a:effectLst/>
+                <a:ea typeface="Yu Mincho" panose="02020400000000000000" pitchFamily="18" charset="-128"/>
+                <a:cs typeface="Times New Roman" panose="02020603050405020304" pitchFamily="18" charset="0"/>
+              </a:rPr>
+              <a:t>CentRes will be using a MySQL relational database to store employee information and communicate information related to sales transactions and product inventory.  MySQL can help the restaurant to keep tracking the inventory. See what foods are selling more and which foods are selling less, and this can help to optimize the menu and minimize waste.</a:t>
+            </a:r>
+          </a:p>
           <a:p>
             <a:pPr marL="0" marR="0" lvl="0" indent="0" algn="l" defTabSz="914400" rtl="0" eaLnBrk="1" fontAlgn="auto" latinLnBrk="0" hangingPunct="1">
               <a:lnSpc>
@@ -9328,24 +9584,411 @@
               <a:tabLst/>
               <a:defRPr/>
             </a:pPr>
-            <a:r>
-              <a:rPr kumimoji="0" lang="en-US" sz="2000" b="0" i="0" u="sng" strike="noStrike" kern="1200" cap="all" normalizeH="0" noProof="0" dirty="0">
-                <a:ln>
-                  <a:noFill/>
-                </a:ln>
-                <a:solidFill>
-                  <a:schemeClr val="tx1"/>
-                </a:solidFill>
-                <a:effectLst/>
-                <a:uLnTx/>
-                <a:uFillTx/>
-                <a:latin typeface="+mn-lt"/>
-                <a:ea typeface="+mn-ea"/>
-                <a:cs typeface="Biome Light" panose="020B0303030204020804" pitchFamily="34" charset="0"/>
-              </a:rPr>
-              <a:t>Class Diagram</a:t>
-            </a:r>
-          </a:p>
+            <a:endParaRPr kumimoji="0" lang="en-US" sz="1600" b="0" i="0" u="none" strike="noStrike" kern="1200" cap="none" normalizeH="0" noProof="0" dirty="0">
+              <a:ln>
+                <a:noFill/>
+              </a:ln>
+              <a:solidFill>
+                <a:schemeClr val="tx1"/>
+              </a:solidFill>
+              <a:effectLst/>
+              <a:uLnTx/>
+              <a:uFillTx/>
+              <a:latin typeface="+mn-lt"/>
+              <a:ea typeface="+mn-ea"/>
+              <a:cs typeface="Biome Light" panose="020B0303030204020804" pitchFamily="34" charset="0"/>
+            </a:endParaRPr>
+          </a:p>
+          <a:p>
+            <a:pPr marL="0" indent="0">
+              <a:buNone/>
+            </a:pPr>
+            <a:endParaRPr lang="en-US" b="1" dirty="0"/>
+          </a:p>
+        </p:txBody>
+      </p:sp>
+      <p:sp>
+        <p:nvSpPr>
+          <p:cNvPr id="16" name="Slide Number Placeholder 15">
+            <a:extLst>
+              <a:ext uri="{FF2B5EF4-FFF2-40B4-BE49-F238E27FC236}">
+                <a16:creationId xmlns:a16="http://schemas.microsoft.com/office/drawing/2014/main" id="{7FA57D11-A25F-4772-8E50-DDB68BE8CB69}"/>
+              </a:ext>
+            </a:extLst>
+          </p:cNvPr>
+          <p:cNvSpPr>
+            <a:spLocks noGrp="1"/>
+          </p:cNvSpPr>
+          <p:nvPr>
+            <p:ph type="sldNum" sz="quarter" idx="4"/>
+          </p:nvPr>
+        </p:nvSpPr>
+        <p:spPr/>
+        <p:txBody>
+          <a:bodyPr/>
+          <a:lstStyle/>
+          <a:p>
+            <a:fld id="{8C2E478F-E849-4A8C-AF1F-CBCC78A7CBFA}" type="slidenum">
+              <a:rPr lang="en-US" smtClean="0"/>
+              <a:pPr/>
+              <a:t>19</a:t>
+            </a:fld>
+            <a:endParaRPr lang="en-US" dirty="0"/>
+          </a:p>
+        </p:txBody>
+      </p:sp>
+    </p:spTree>
+    <p:extLst>
+      <p:ext uri="{BB962C8B-B14F-4D97-AF65-F5344CB8AC3E}">
+        <p14:creationId xmlns:p14="http://schemas.microsoft.com/office/powerpoint/2010/main" val="2107433842"/>
+      </p:ext>
+    </p:extLst>
+  </p:cSld>
+  <p:clrMapOvr>
+    <a:masterClrMapping/>
+  </p:clrMapOvr>
+</p:sld>
+</file>
+
+<file path=ppt/slides/slide2.xml><?xml version="1.0" encoding="utf-8"?>
+<p:sld xmlns:a="http://schemas.openxmlformats.org/drawingml/2006/main" xmlns:r="http://schemas.openxmlformats.org/officeDocument/2006/relationships" xmlns:p="http://schemas.openxmlformats.org/presentationml/2006/main">
+  <p:cSld>
+    <p:spTree>
+      <p:nvGrpSpPr>
+        <p:cNvPr id="1" name=""/>
+        <p:cNvGrpSpPr/>
+        <p:nvPr/>
+      </p:nvGrpSpPr>
+      <p:grpSpPr>
+        <a:xfrm>
+          <a:off x="0" y="0"/>
+          <a:ext cx="0" cy="0"/>
+          <a:chOff x="0" y="0"/>
+          <a:chExt cx="0" cy="0"/>
+        </a:xfrm>
+      </p:grpSpPr>
+      <p:sp>
+        <p:nvSpPr>
+          <p:cNvPr id="2" name="Title 1">
+            <a:extLst>
+              <a:ext uri="{FF2B5EF4-FFF2-40B4-BE49-F238E27FC236}">
+                <a16:creationId xmlns:a16="http://schemas.microsoft.com/office/drawing/2014/main" id="{BE3A87B3-0A27-4EE9-979E-B69581E476F0}"/>
+              </a:ext>
+            </a:extLst>
+          </p:cNvPr>
+          <p:cNvSpPr>
+            <a:spLocks noGrp="1"/>
+          </p:cNvSpPr>
+          <p:nvPr>
+            <p:ph type="title"/>
+          </p:nvPr>
+        </p:nvSpPr>
+        <p:spPr>
+          <a:xfrm>
+            <a:off x="6862588" y="24572"/>
+            <a:ext cx="4846320" cy="1210613"/>
+          </a:xfrm>
+        </p:spPr>
+        <p:txBody>
+          <a:bodyPr/>
+          <a:lstStyle/>
+          <a:p>
+            <a:r>
+              <a:rPr lang="en-US" dirty="0"/>
+              <a:t>Meet the Team</a:t>
+            </a:r>
+          </a:p>
+        </p:txBody>
+      </p:sp>
+      <p:pic>
+        <p:nvPicPr>
+          <p:cNvPr id="8" name="Picture Placeholder 7" descr="group of people at a conference table">
+            <a:extLst>
+              <a:ext uri="{FF2B5EF4-FFF2-40B4-BE49-F238E27FC236}">
+                <a16:creationId xmlns:a16="http://schemas.microsoft.com/office/drawing/2014/main" id="{BB76F5AB-0940-46E1-85F9-6A870D7D04C9}"/>
+              </a:ext>
+            </a:extLst>
+          </p:cNvPr>
+          <p:cNvPicPr>
+            <a:picLocks noGrp="1" noChangeAspect="1"/>
+          </p:cNvPicPr>
+          <p:nvPr>
+            <p:ph type="pic" sz="quarter" idx="13"/>
+          </p:nvPr>
+        </p:nvPicPr>
+        <p:blipFill rotWithShape="1">
+          <a:blip r:embed="rId2">
+            <a:extLst>
+              <a:ext uri="{BEBA8EAE-BF5A-486C-A8C5-ECC9F3942E4B}">
+                <a14:imgProps xmlns:a14="http://schemas.microsoft.com/office/drawing/2010/main">
+                  <a14:imgLayer r:embed="rId3">
+                    <a14:imgEffect>
+                      <a14:saturation sat="0"/>
+                    </a14:imgEffect>
+                  </a14:imgLayer>
+                </a14:imgProps>
+              </a:ext>
+            </a:extLst>
+          </a:blip>
+          <a:srcRect l="20370" r="20370"/>
+          <a:stretch/>
+        </p:blipFill>
+        <p:spPr/>
+      </p:pic>
+      <p:sp>
+        <p:nvSpPr>
+          <p:cNvPr id="6" name="Text Placeholder 5">
+            <a:extLst>
+              <a:ext uri="{FF2B5EF4-FFF2-40B4-BE49-F238E27FC236}">
+                <a16:creationId xmlns:a16="http://schemas.microsoft.com/office/drawing/2014/main" id="{F3C89A40-EEAA-43AB-9A3A-B2CFDE450F1B}"/>
+              </a:ext>
+            </a:extLst>
+          </p:cNvPr>
+          <p:cNvSpPr>
+            <a:spLocks noGrp="1"/>
+          </p:cNvSpPr>
+          <p:nvPr>
+            <p:ph type="body" sz="quarter" idx="15"/>
+          </p:nvPr>
+        </p:nvSpPr>
+        <p:spPr>
+          <a:xfrm>
+            <a:off x="6862588" y="1387135"/>
+            <a:ext cx="4908655" cy="4552192"/>
+          </a:xfrm>
+        </p:spPr>
+        <p:txBody>
+          <a:bodyPr/>
+          <a:lstStyle/>
+          <a:p>
+            <a:br>
+              <a:rPr lang="en-US" sz="1800" cap="none" spc="0" dirty="0"/>
+            </a:br>
+            <a:r>
+              <a:rPr lang="en-US" sz="1800" u="sng" cap="none" spc="0" dirty="0"/>
+              <a:t>Mentor:</a:t>
+            </a:r>
+            <a:r>
+              <a:rPr lang="en-US" sz="1800" cap="none" spc="0" dirty="0"/>
+              <a:t> Susan Rizzo</a:t>
+            </a:r>
+            <a:br>
+              <a:rPr lang="en-US" sz="1800" cap="none" spc="0" dirty="0"/>
+            </a:br>
+            <a:r>
+              <a:rPr lang="en-US" sz="1800" u="sng" cap="none" spc="0" dirty="0"/>
+              <a:t>Project Manager:</a:t>
+            </a:r>
+            <a:r>
+              <a:rPr lang="en-US" sz="1800" cap="none" spc="0" dirty="0"/>
+              <a:t> Katherine Landsman</a:t>
+            </a:r>
+            <a:br>
+              <a:rPr lang="en-US" sz="1800" cap="none" spc="0" dirty="0"/>
+            </a:br>
+            <a:r>
+              <a:rPr lang="en-US" u="sng" cap="none" spc="0" dirty="0"/>
+              <a:t>Team Members</a:t>
+            </a:r>
+            <a:br>
+              <a:rPr lang="en-US" sz="1800" cap="none" spc="0" dirty="0"/>
+            </a:br>
+            <a:r>
+              <a:rPr lang="en-US" sz="1800" cap="none" spc="0" dirty="0"/>
+              <a:t>Carson Pribble </a:t>
+            </a:r>
+            <a:br>
+              <a:rPr lang="en-US" sz="1800" cap="none" spc="0" dirty="0"/>
+            </a:br>
+            <a:r>
+              <a:rPr lang="en-US" sz="1800" cap="none" spc="0" dirty="0"/>
+              <a:t> Chase Jamison</a:t>
+            </a:r>
+            <a:br>
+              <a:rPr lang="en-US" sz="1800" cap="none" spc="0" dirty="0"/>
+            </a:br>
+            <a:r>
+              <a:rPr lang="en-US" sz="1800" cap="none" spc="0" dirty="0"/>
+              <a:t> David Utshudiema</a:t>
+            </a:r>
+            <a:br>
+              <a:rPr lang="en-US" sz="1800" cap="none" spc="0" dirty="0"/>
+            </a:br>
+            <a:r>
+              <a:rPr lang="en-US" sz="1800" cap="none" spc="0" dirty="0"/>
+              <a:t> Mohamed Ibensilalen</a:t>
+            </a:r>
+            <a:br>
+              <a:rPr lang="en-US" sz="1800" cap="none" spc="0" dirty="0"/>
+            </a:br>
+            <a:r>
+              <a:rPr lang="en-US" sz="1800" cap="none" spc="0" dirty="0"/>
+              <a:t> Sergio Mainville</a:t>
+            </a:r>
+            <a:endParaRPr lang="en-US" dirty="0"/>
+          </a:p>
+        </p:txBody>
+      </p:sp>
+      <p:sp>
+        <p:nvSpPr>
+          <p:cNvPr id="7" name="Slide Number Placeholder 6">
+            <a:extLst>
+              <a:ext uri="{FF2B5EF4-FFF2-40B4-BE49-F238E27FC236}">
+                <a16:creationId xmlns:a16="http://schemas.microsoft.com/office/drawing/2014/main" id="{F29F8048-1E86-48F4-B246-D2F8C54B7EB1}"/>
+              </a:ext>
+            </a:extLst>
+          </p:cNvPr>
+          <p:cNvSpPr>
+            <a:spLocks noGrp="1"/>
+          </p:cNvSpPr>
+          <p:nvPr>
+            <p:ph type="sldNum" sz="quarter" idx="12"/>
+          </p:nvPr>
+        </p:nvSpPr>
+        <p:spPr/>
+        <p:txBody>
+          <a:bodyPr/>
+          <a:lstStyle/>
+          <a:p>
+            <a:fld id="{8C2E478F-E849-4A8C-AF1F-CBCC78A7CBFA}" type="slidenum">
+              <a:rPr lang="en-US" smtClean="0"/>
+              <a:pPr/>
+              <a:t>2</a:t>
+            </a:fld>
+            <a:endParaRPr lang="en-US" dirty="0"/>
+          </a:p>
+        </p:txBody>
+      </p:sp>
+    </p:spTree>
+    <p:extLst>
+      <p:ext uri="{BB962C8B-B14F-4D97-AF65-F5344CB8AC3E}">
+        <p14:creationId xmlns:p14="http://schemas.microsoft.com/office/powerpoint/2010/main" val="1649098948"/>
+      </p:ext>
+    </p:extLst>
+  </p:cSld>
+  <p:clrMapOvr>
+    <a:masterClrMapping/>
+  </p:clrMapOvr>
+</p:sld>
+</file>
+
+<file path=ppt/slides/slide20.xml><?xml version="1.0" encoding="utf-8"?>
+<p:sld xmlns:a="http://schemas.openxmlformats.org/drawingml/2006/main" xmlns:r="http://schemas.openxmlformats.org/officeDocument/2006/relationships" xmlns:p="http://schemas.openxmlformats.org/presentationml/2006/main">
+  <p:cSld>
+    <p:spTree>
+      <p:nvGrpSpPr>
+        <p:cNvPr id="1" name=""/>
+        <p:cNvGrpSpPr/>
+        <p:nvPr/>
+      </p:nvGrpSpPr>
+      <p:grpSpPr>
+        <a:xfrm>
+          <a:off x="0" y="0"/>
+          <a:ext cx="0" cy="0"/>
+          <a:chOff x="0" y="0"/>
+          <a:chExt cx="0" cy="0"/>
+        </a:xfrm>
+      </p:grpSpPr>
+      <p:sp>
+        <p:nvSpPr>
+          <p:cNvPr id="2" name="Title 1">
+            <a:extLst>
+              <a:ext uri="{FF2B5EF4-FFF2-40B4-BE49-F238E27FC236}">
+                <a16:creationId xmlns:a16="http://schemas.microsoft.com/office/drawing/2014/main" id="{12CC3376-5069-4C7B-BE6B-A3776D1B47BA}"/>
+              </a:ext>
+            </a:extLst>
+          </p:cNvPr>
+          <p:cNvSpPr>
+            <a:spLocks noGrp="1"/>
+          </p:cNvSpPr>
+          <p:nvPr>
+            <p:ph type="title"/>
+          </p:nvPr>
+        </p:nvSpPr>
+        <p:spPr>
+          <a:xfrm>
+            <a:off x="6095999" y="35082"/>
+            <a:ext cx="5897218" cy="884238"/>
+          </a:xfrm>
+        </p:spPr>
+        <p:txBody>
+          <a:bodyPr/>
+          <a:lstStyle/>
+          <a:p>
+            <a:r>
+              <a:rPr lang="en-US" dirty="0"/>
+              <a:t>High Level Design</a:t>
+            </a:r>
+          </a:p>
+        </p:txBody>
+      </p:sp>
+      <p:pic>
+        <p:nvPicPr>
+          <p:cNvPr id="6" name="Picture Placeholder 5" descr="person staring at blueprints on a brick wall">
+            <a:extLst>
+              <a:ext uri="{FF2B5EF4-FFF2-40B4-BE49-F238E27FC236}">
+                <a16:creationId xmlns:a16="http://schemas.microsoft.com/office/drawing/2014/main" id="{C07C315A-7CD1-432C-92FA-6B62159B56CA}"/>
+              </a:ext>
+            </a:extLst>
+          </p:cNvPr>
+          <p:cNvPicPr>
+            <a:picLocks noGrp="1" noChangeAspect="1"/>
+          </p:cNvPicPr>
+          <p:nvPr>
+            <p:ph type="pic" sz="quarter" idx="14"/>
+          </p:nvPr>
+        </p:nvPicPr>
+        <p:blipFill rotWithShape="1">
+          <a:blip r:embed="rId3">
+            <a:extLst>
+              <a:ext uri="{BEBA8EAE-BF5A-486C-A8C5-ECC9F3942E4B}">
+                <a14:imgProps xmlns:a14="http://schemas.microsoft.com/office/drawing/2010/main">
+                  <a14:imgLayer r:embed="rId4">
+                    <a14:imgEffect>
+                      <a14:saturation sat="0"/>
+                    </a14:imgEffect>
+                  </a14:imgLayer>
+                </a14:imgProps>
+              </a:ext>
+            </a:extLst>
+          </a:blip>
+          <a:srcRect l="23552" t="1" r="23880" b="327"/>
+          <a:stretch/>
+        </p:blipFill>
+        <p:spPr>
+          <a:xfrm>
+            <a:off x="0" y="0"/>
+            <a:ext cx="5416550" cy="6858000"/>
+          </a:xfrm>
+        </p:spPr>
+      </p:pic>
+      <p:sp>
+        <p:nvSpPr>
+          <p:cNvPr id="14" name="Content Placeholder 13">
+            <a:extLst>
+              <a:ext uri="{FF2B5EF4-FFF2-40B4-BE49-F238E27FC236}">
+                <a16:creationId xmlns:a16="http://schemas.microsoft.com/office/drawing/2014/main" id="{79248A72-A597-48DF-A270-3389F5D209C0}"/>
+              </a:ext>
+            </a:extLst>
+          </p:cNvPr>
+          <p:cNvSpPr>
+            <a:spLocks noGrp="1"/>
+          </p:cNvSpPr>
+          <p:nvPr>
+            <p:ph idx="1"/>
+          </p:nvPr>
+        </p:nvSpPr>
+        <p:spPr>
+          <a:xfrm>
+            <a:off x="5734056" y="1061678"/>
+            <a:ext cx="6259161" cy="4668561"/>
+          </a:xfrm>
+        </p:spPr>
+        <p:txBody>
+          <a:bodyPr>
+            <a:normAutofit/>
+          </a:bodyPr>
+          <a:lstStyle/>
           <a:p>
             <a:pPr marL="0" marR="0" lvl="0" indent="0" algn="l" defTabSz="914400" rtl="0" eaLnBrk="1" fontAlgn="auto" latinLnBrk="0" hangingPunct="1">
               <a:lnSpc>
@@ -9364,20 +10007,23 @@
               <a:tabLst/>
               <a:defRPr/>
             </a:pPr>
-            <a:endParaRPr kumimoji="0" lang="en-US" sz="1600" b="0" i="0" u="none" strike="noStrike" kern="1200" cap="none" normalizeH="0" noProof="0" dirty="0">
-              <a:ln>
-                <a:noFill/>
-              </a:ln>
-              <a:solidFill>
-                <a:schemeClr val="tx1"/>
-              </a:solidFill>
-              <a:effectLst/>
-              <a:uLnTx/>
-              <a:uFillTx/>
-              <a:latin typeface="+mn-lt"/>
-              <a:ea typeface="+mn-ea"/>
-              <a:cs typeface="Biome Light" panose="020B0303030204020804" pitchFamily="34" charset="0"/>
-            </a:endParaRPr>
+            <a:r>
+              <a:rPr kumimoji="0" lang="en-US" sz="2000" b="0" i="0" u="sng" strike="noStrike" kern="1200" cap="all" normalizeH="0" noProof="0" dirty="0">
+                <a:ln>
+                  <a:noFill/>
+                </a:ln>
+                <a:solidFill>
+                  <a:schemeClr val="tx1"/>
+                </a:solidFill>
+                <a:effectLst/>
+                <a:uLnTx/>
+                <a:uFillTx/>
+                <a:latin typeface="+mn-lt"/>
+                <a:ea typeface="+mn-ea"/>
+                <a:cs typeface="Biome Light" panose="020B0303030204020804" pitchFamily="34" charset="0"/>
+              </a:rPr>
+              <a:t>Class Diagram</a:t>
+            </a:r>
           </a:p>
           <a:p>
             <a:pPr marL="0" marR="0" lvl="0" indent="0" algn="l" defTabSz="914400" rtl="0" eaLnBrk="1" fontAlgn="auto" latinLnBrk="0" hangingPunct="1">
@@ -9430,7 +10076,18 @@
               <a:tabLst/>
               <a:defRPr/>
             </a:pPr>
-            <a:endParaRPr lang="en-US" dirty="0">
+            <a:endParaRPr kumimoji="0" lang="en-US" sz="1600" b="0" i="0" u="none" strike="noStrike" kern="1200" cap="none" normalizeH="0" noProof="0" dirty="0">
+              <a:ln>
+                <a:noFill/>
+              </a:ln>
+              <a:solidFill>
+                <a:schemeClr val="tx1"/>
+              </a:solidFill>
+              <a:effectLst/>
+              <a:uLnTx/>
+              <a:uFillTx/>
+              <a:latin typeface="+mn-lt"/>
+              <a:ea typeface="+mn-ea"/>
               <a:cs typeface="Biome Light" panose="020B0303030204020804" pitchFamily="34" charset="0"/>
             </a:endParaRPr>
           </a:p>
@@ -9474,18 +10131,7 @@
               <a:tabLst/>
               <a:defRPr/>
             </a:pPr>
-            <a:endParaRPr kumimoji="0" lang="en-US" sz="1600" b="0" i="0" u="none" strike="noStrike" kern="1200" cap="none" normalizeH="0" noProof="0" dirty="0">
-              <a:ln>
-                <a:noFill/>
-              </a:ln>
-              <a:solidFill>
-                <a:schemeClr val="tx1"/>
-              </a:solidFill>
-              <a:effectLst/>
-              <a:uLnTx/>
-              <a:uFillTx/>
-              <a:latin typeface="+mn-lt"/>
-              <a:ea typeface="+mn-ea"/>
+            <a:endParaRPr lang="en-US" dirty="0">
               <a:cs typeface="Biome Light" panose="020B0303030204020804" pitchFamily="34" charset="0"/>
             </a:endParaRPr>
           </a:p>
@@ -9507,7 +10153,18 @@
               <a:tabLst/>
               <a:defRPr/>
             </a:pPr>
-            <a:endParaRPr lang="en-US" sz="2000" dirty="0">
+            <a:endParaRPr kumimoji="0" lang="en-US" sz="1600" b="0" i="0" u="none" strike="noStrike" kern="1200" cap="none" normalizeH="0" noProof="0" dirty="0">
+              <a:ln>
+                <a:noFill/>
+              </a:ln>
+              <a:solidFill>
+                <a:schemeClr val="tx1"/>
+              </a:solidFill>
+              <a:effectLst/>
+              <a:uLnTx/>
+              <a:uFillTx/>
+              <a:latin typeface="+mn-lt"/>
+              <a:ea typeface="+mn-ea"/>
               <a:cs typeface="Biome Light" panose="020B0303030204020804" pitchFamily="34" charset="0"/>
             </a:endParaRPr>
           </a:p>
@@ -9529,6 +10186,28 @@
               <a:tabLst/>
               <a:defRPr/>
             </a:pPr>
+            <a:endParaRPr lang="en-US" sz="2000" dirty="0">
+              <a:cs typeface="Biome Light" panose="020B0303030204020804" pitchFamily="34" charset="0"/>
+            </a:endParaRPr>
+          </a:p>
+          <a:p>
+            <a:pPr marL="0" marR="0" lvl="0" indent="0" algn="l" defTabSz="914400" rtl="0" eaLnBrk="1" fontAlgn="auto" latinLnBrk="0" hangingPunct="1">
+              <a:lnSpc>
+                <a:spcPct val="100000"/>
+              </a:lnSpc>
+              <a:spcBef>
+                <a:spcPts val="1000"/>
+              </a:spcBef>
+              <a:spcAft>
+                <a:spcPts val="0"/>
+              </a:spcAft>
+              <a:buClrTx/>
+              <a:buSzTx/>
+              <a:buFont typeface="Arial" panose="020B0604020202020204" pitchFamily="34" charset="0"/>
+              <a:buNone/>
+              <a:tabLst/>
+              <a:defRPr/>
+            </a:pPr>
             <a:endParaRPr kumimoji="0" lang="en-US" sz="1600" b="0" i="0" u="none" strike="noStrike" kern="1200" cap="none" normalizeH="0" noProof="0" dirty="0">
               <a:ln>
                 <a:noFill/>
@@ -9576,7 +10255,7 @@
             <a:fld id="{8C2E478F-E849-4A8C-AF1F-CBCC78A7CBFA}" type="slidenum">
               <a:rPr lang="en-US" smtClean="0"/>
               <a:pPr/>
-              <a:t>19</a:t>
+              <a:t>20</a:t>
             </a:fld>
             <a:endParaRPr lang="en-US" dirty="0"/>
           </a:p>
@@ -9628,7 +10307,7 @@
 </p:sld>
 </file>
 
-<file path=ppt/slides/slide2.xml><?xml version="1.0" encoding="utf-8"?>
+<file path=ppt/slides/slide21.xml><?xml version="1.0" encoding="utf-8"?>
 <p:sld xmlns:a="http://schemas.openxmlformats.org/drawingml/2006/main" xmlns:r="http://schemas.openxmlformats.org/officeDocument/2006/relationships" xmlns:p="http://schemas.openxmlformats.org/presentationml/2006/main">
   <p:cSld>
     <p:spTree>
@@ -9650,228 +10329,6 @@
           <p:cNvPr id="2" name="Title 1">
             <a:extLst>
               <a:ext uri="{FF2B5EF4-FFF2-40B4-BE49-F238E27FC236}">
-                <a16:creationId xmlns:a16="http://schemas.microsoft.com/office/drawing/2014/main" id="{BE3A87B3-0A27-4EE9-979E-B69581E476F0}"/>
-              </a:ext>
-            </a:extLst>
-          </p:cNvPr>
-          <p:cNvSpPr>
-            <a:spLocks noGrp="1"/>
-          </p:cNvSpPr>
-          <p:nvPr>
-            <p:ph type="title"/>
-          </p:nvPr>
-        </p:nvSpPr>
-        <p:spPr>
-          <a:xfrm>
-            <a:off x="6862588" y="24572"/>
-            <a:ext cx="4846320" cy="1210613"/>
-          </a:xfrm>
-        </p:spPr>
-        <p:txBody>
-          <a:bodyPr/>
-          <a:lstStyle/>
-          <a:p>
-            <a:r>
-              <a:rPr lang="en-US" dirty="0"/>
-              <a:t>Meet the Team</a:t>
-            </a:r>
-          </a:p>
-        </p:txBody>
-      </p:sp>
-      <p:pic>
-        <p:nvPicPr>
-          <p:cNvPr id="8" name="Picture Placeholder 7" descr="group of people at a conference table">
-            <a:extLst>
-              <a:ext uri="{FF2B5EF4-FFF2-40B4-BE49-F238E27FC236}">
-                <a16:creationId xmlns:a16="http://schemas.microsoft.com/office/drawing/2014/main" id="{BB76F5AB-0940-46E1-85F9-6A870D7D04C9}"/>
-              </a:ext>
-            </a:extLst>
-          </p:cNvPr>
-          <p:cNvPicPr>
-            <a:picLocks noGrp="1" noChangeAspect="1"/>
-          </p:cNvPicPr>
-          <p:nvPr>
-            <p:ph type="pic" sz="quarter" idx="13"/>
-          </p:nvPr>
-        </p:nvPicPr>
-        <p:blipFill rotWithShape="1">
-          <a:blip r:embed="rId2">
-            <a:extLst>
-              <a:ext uri="{BEBA8EAE-BF5A-486C-A8C5-ECC9F3942E4B}">
-                <a14:imgProps xmlns:a14="http://schemas.microsoft.com/office/drawing/2010/main">
-                  <a14:imgLayer r:embed="rId3">
-                    <a14:imgEffect>
-                      <a14:saturation sat="0"/>
-                    </a14:imgEffect>
-                  </a14:imgLayer>
-                </a14:imgProps>
-              </a:ext>
-            </a:extLst>
-          </a:blip>
-          <a:srcRect l="20370" r="20370"/>
-          <a:stretch/>
-        </p:blipFill>
-        <p:spPr/>
-      </p:pic>
-      <p:sp>
-        <p:nvSpPr>
-          <p:cNvPr id="6" name="Text Placeholder 5">
-            <a:extLst>
-              <a:ext uri="{FF2B5EF4-FFF2-40B4-BE49-F238E27FC236}">
-                <a16:creationId xmlns:a16="http://schemas.microsoft.com/office/drawing/2014/main" id="{F3C89A40-EEAA-43AB-9A3A-B2CFDE450F1B}"/>
-              </a:ext>
-            </a:extLst>
-          </p:cNvPr>
-          <p:cNvSpPr>
-            <a:spLocks noGrp="1"/>
-          </p:cNvSpPr>
-          <p:nvPr>
-            <p:ph type="body" sz="quarter" idx="15"/>
-          </p:nvPr>
-        </p:nvSpPr>
-        <p:spPr>
-          <a:xfrm>
-            <a:off x="6862588" y="1387135"/>
-            <a:ext cx="4908655" cy="4552192"/>
-          </a:xfrm>
-        </p:spPr>
-        <p:txBody>
-          <a:bodyPr/>
-          <a:lstStyle/>
-          <a:p>
-            <a:br>
-              <a:rPr lang="en-US" sz="1800" cap="none" spc="0" dirty="0"/>
-            </a:br>
-            <a:r>
-              <a:rPr lang="en-US" sz="1800" u="sng" cap="none" spc="0" dirty="0"/>
-              <a:t>Mentor:</a:t>
-            </a:r>
-            <a:r>
-              <a:rPr lang="en-US" sz="1800" cap="none" spc="0" dirty="0"/>
-              <a:t> Susan Rizzo</a:t>
-            </a:r>
-            <a:br>
-              <a:rPr lang="en-US" sz="1800" cap="none" spc="0" dirty="0"/>
-            </a:br>
-            <a:r>
-              <a:rPr lang="en-US" sz="1800" u="sng" cap="none" spc="0" dirty="0"/>
-              <a:t>Project Manager:</a:t>
-            </a:r>
-            <a:r>
-              <a:rPr lang="en-US" sz="1800" cap="none" spc="0" dirty="0"/>
-              <a:t> Katherine Landsman</a:t>
-            </a:r>
-            <a:br>
-              <a:rPr lang="en-US" sz="1800" cap="none" spc="0" dirty="0"/>
-            </a:br>
-            <a:r>
-              <a:rPr lang="en-US" u="sng" cap="none" spc="0" dirty="0"/>
-              <a:t>Team Members</a:t>
-            </a:r>
-            <a:br>
-              <a:rPr lang="en-US" sz="1800" cap="none" spc="0" dirty="0"/>
-            </a:br>
-            <a:r>
-              <a:rPr lang="en-US" sz="1800" cap="none" spc="0" dirty="0"/>
-              <a:t>Carson Pribble </a:t>
-            </a:r>
-            <a:br>
-              <a:rPr lang="en-US" sz="1800" cap="none" spc="0" dirty="0"/>
-            </a:br>
-            <a:r>
-              <a:rPr lang="en-US" sz="1800" cap="none" spc="0" dirty="0"/>
-              <a:t> Chase Jamison</a:t>
-            </a:r>
-            <a:br>
-              <a:rPr lang="en-US" sz="1800" cap="none" spc="0" dirty="0"/>
-            </a:br>
-            <a:r>
-              <a:rPr lang="en-US" sz="1800" cap="none" spc="0" dirty="0"/>
-              <a:t> David Utshudiema</a:t>
-            </a:r>
-            <a:br>
-              <a:rPr lang="en-US" sz="1800" cap="none" spc="0" dirty="0"/>
-            </a:br>
-            <a:r>
-              <a:rPr lang="en-US" sz="1800" cap="none" spc="0" dirty="0"/>
-              <a:t> Mohamed Ibensilalen</a:t>
-            </a:r>
-            <a:br>
-              <a:rPr lang="en-US" sz="1800" cap="none" spc="0" dirty="0"/>
-            </a:br>
-            <a:r>
-              <a:rPr lang="en-US" sz="1800" cap="none" spc="0" dirty="0"/>
-              <a:t> Sergio Mainville</a:t>
-            </a:r>
-            <a:endParaRPr lang="en-US" dirty="0"/>
-          </a:p>
-        </p:txBody>
-      </p:sp>
-      <p:sp>
-        <p:nvSpPr>
-          <p:cNvPr id="7" name="Slide Number Placeholder 6">
-            <a:extLst>
-              <a:ext uri="{FF2B5EF4-FFF2-40B4-BE49-F238E27FC236}">
-                <a16:creationId xmlns:a16="http://schemas.microsoft.com/office/drawing/2014/main" id="{F29F8048-1E86-48F4-B246-D2F8C54B7EB1}"/>
-              </a:ext>
-            </a:extLst>
-          </p:cNvPr>
-          <p:cNvSpPr>
-            <a:spLocks noGrp="1"/>
-          </p:cNvSpPr>
-          <p:nvPr>
-            <p:ph type="sldNum" sz="quarter" idx="12"/>
-          </p:nvPr>
-        </p:nvSpPr>
-        <p:spPr/>
-        <p:txBody>
-          <a:bodyPr/>
-          <a:lstStyle/>
-          <a:p>
-            <a:fld id="{8C2E478F-E849-4A8C-AF1F-CBCC78A7CBFA}" type="slidenum">
-              <a:rPr lang="en-US" smtClean="0"/>
-              <a:pPr/>
-              <a:t>2</a:t>
-            </a:fld>
-            <a:endParaRPr lang="en-US" dirty="0"/>
-          </a:p>
-        </p:txBody>
-      </p:sp>
-    </p:spTree>
-    <p:extLst>
-      <p:ext uri="{BB962C8B-B14F-4D97-AF65-F5344CB8AC3E}">
-        <p14:creationId xmlns:p14="http://schemas.microsoft.com/office/powerpoint/2010/main" val="1649098948"/>
-      </p:ext>
-    </p:extLst>
-  </p:cSld>
-  <p:clrMapOvr>
-    <a:masterClrMapping/>
-  </p:clrMapOvr>
-</p:sld>
-</file>
-
-<file path=ppt/slides/slide20.xml><?xml version="1.0" encoding="utf-8"?>
-<p:sld xmlns:a="http://schemas.openxmlformats.org/drawingml/2006/main" xmlns:r="http://schemas.openxmlformats.org/officeDocument/2006/relationships" xmlns:p="http://schemas.openxmlformats.org/presentationml/2006/main">
-  <p:cSld>
-    <p:spTree>
-      <p:nvGrpSpPr>
-        <p:cNvPr id="1" name=""/>
-        <p:cNvGrpSpPr/>
-        <p:nvPr/>
-      </p:nvGrpSpPr>
-      <p:grpSpPr>
-        <a:xfrm>
-          <a:off x="0" y="0"/>
-          <a:ext cx="0" cy="0"/>
-          <a:chOff x="0" y="0"/>
-          <a:chExt cx="0" cy="0"/>
-        </a:xfrm>
-      </p:grpSpPr>
-      <p:sp>
-        <p:nvSpPr>
-          <p:cNvPr id="2" name="Title 1">
-            <a:extLst>
-              <a:ext uri="{FF2B5EF4-FFF2-40B4-BE49-F238E27FC236}">
                 <a16:creationId xmlns:a16="http://schemas.microsoft.com/office/drawing/2014/main" id="{12CC3376-5069-4C7B-BE6B-A3776D1B47BA}"/>
               </a:ext>
             </a:extLst>
@@ -10071,7 +10528,7 @@
             <a:fld id="{8C2E478F-E849-4A8C-AF1F-CBCC78A7CBFA}" type="slidenum">
               <a:rPr lang="en-US" smtClean="0"/>
               <a:pPr/>
-              <a:t>20</a:t>
+              <a:t>21</a:t>
             </a:fld>
             <a:endParaRPr lang="en-US" dirty="0"/>
           </a:p>
@@ -10120,339 +10577,6 @@
 </p:sld>
 </file>
 
-<file path=ppt/slides/slide21.xml><?xml version="1.0" encoding="utf-8"?>
-<p:sld xmlns:a="http://schemas.openxmlformats.org/drawingml/2006/main" xmlns:r="http://schemas.openxmlformats.org/officeDocument/2006/relationships" xmlns:p="http://schemas.openxmlformats.org/presentationml/2006/main">
-  <p:cSld>
-    <p:spTree>
-      <p:nvGrpSpPr>
-        <p:cNvPr id="1" name=""/>
-        <p:cNvGrpSpPr/>
-        <p:nvPr/>
-      </p:nvGrpSpPr>
-      <p:grpSpPr>
-        <a:xfrm>
-          <a:off x="0" y="0"/>
-          <a:ext cx="0" cy="0"/>
-          <a:chOff x="0" y="0"/>
-          <a:chExt cx="0" cy="0"/>
-        </a:xfrm>
-      </p:grpSpPr>
-      <p:sp>
-        <p:nvSpPr>
-          <p:cNvPr id="3" name="Title 2">
-            <a:extLst>
-              <a:ext uri="{FF2B5EF4-FFF2-40B4-BE49-F238E27FC236}">
-                <a16:creationId xmlns:a16="http://schemas.microsoft.com/office/drawing/2014/main" id="{1D24B42B-925B-494C-A986-BD85E8117E1E}"/>
-              </a:ext>
-            </a:extLst>
-          </p:cNvPr>
-          <p:cNvSpPr>
-            <a:spLocks noGrp="1"/>
-          </p:cNvSpPr>
-          <p:nvPr>
-            <p:ph type="title"/>
-          </p:nvPr>
-        </p:nvSpPr>
-        <p:spPr>
-          <a:xfrm>
-            <a:off x="6258991" y="151788"/>
-            <a:ext cx="5251450" cy="975869"/>
-          </a:xfrm>
-        </p:spPr>
-        <p:txBody>
-          <a:bodyPr>
-            <a:normAutofit/>
-          </a:bodyPr>
-          <a:lstStyle/>
-          <a:p>
-            <a:r>
-              <a:rPr lang="en-US" sz="2800" dirty="0"/>
-              <a:t>Achievements and challenges</a:t>
-            </a:r>
-          </a:p>
-        </p:txBody>
-      </p:sp>
-      <p:pic>
-        <p:nvPicPr>
-          <p:cNvPr id="8" name="Picture Placeholder 7" descr="close up of computer code">
-            <a:extLst>
-              <a:ext uri="{FF2B5EF4-FFF2-40B4-BE49-F238E27FC236}">
-                <a16:creationId xmlns:a16="http://schemas.microsoft.com/office/drawing/2014/main" id="{A596BF19-CC58-4709-B5D6-3FC378FDC7BA}"/>
-              </a:ext>
-            </a:extLst>
-          </p:cNvPr>
-          <p:cNvPicPr>
-            <a:picLocks noGrp="1" noChangeAspect="1"/>
-          </p:cNvPicPr>
-          <p:nvPr>
-            <p:ph type="pic" sz="quarter" idx="13"/>
-          </p:nvPr>
-        </p:nvPicPr>
-        <p:blipFill rotWithShape="1">
-          <a:blip r:embed="rId2">
-            <a:extLst>
-              <a:ext uri="{BEBA8EAE-BF5A-486C-A8C5-ECC9F3942E4B}">
-                <a14:imgProps xmlns:a14="http://schemas.microsoft.com/office/drawing/2010/main">
-                  <a14:imgLayer r:embed="rId3">
-                    <a14:imgEffect>
-                      <a14:saturation sat="0"/>
-                    </a14:imgEffect>
-                  </a14:imgLayer>
-                </a14:imgProps>
-              </a:ext>
-            </a:extLst>
-          </a:blip>
-          <a:srcRect l="20370" r="20370"/>
-          <a:stretch/>
-        </p:blipFill>
-        <p:spPr>
-          <a:xfrm>
-            <a:off x="0" y="-9922"/>
-            <a:ext cx="6096000" cy="6867922"/>
-          </a:xfrm>
-        </p:spPr>
-      </p:pic>
-      <p:sp>
-        <p:nvSpPr>
-          <p:cNvPr id="2" name="Text Placeholder 1">
-            <a:extLst>
-              <a:ext uri="{FF2B5EF4-FFF2-40B4-BE49-F238E27FC236}">
-                <a16:creationId xmlns:a16="http://schemas.microsoft.com/office/drawing/2014/main" id="{B156CAF1-214F-4566-9B0D-DACA1063E8C8}"/>
-              </a:ext>
-            </a:extLst>
-          </p:cNvPr>
-          <p:cNvSpPr>
-            <a:spLocks noGrp="1"/>
-          </p:cNvSpPr>
-          <p:nvPr>
-            <p:ph type="body" idx="1"/>
-          </p:nvPr>
-        </p:nvSpPr>
-        <p:spPr>
-          <a:xfrm>
-            <a:off x="5897218" y="1375873"/>
-            <a:ext cx="6095999" cy="5233911"/>
-          </a:xfrm>
-        </p:spPr>
-        <p:txBody>
-          <a:bodyPr/>
-          <a:lstStyle/>
-          <a:p>
-            <a:pPr algn="l"/>
-            <a:endParaRPr lang="en-US" sz="1600" u="sng" spc="0" dirty="0">
-              <a:cs typeface="Arial" panose="020B0604020202020204" pitchFamily="34" charset="0"/>
-            </a:endParaRPr>
-          </a:p>
-          <a:p>
-            <a:pPr algn="l"/>
-            <a:endParaRPr lang="en-US" sz="1600" u="sng" spc="0" dirty="0">
-              <a:cs typeface="Arial" panose="020B0604020202020204" pitchFamily="34" charset="0"/>
-            </a:endParaRPr>
-          </a:p>
-          <a:p>
-            <a:pPr algn="l"/>
-            <a:endParaRPr lang="en-US" sz="1600" u="sng" spc="0" dirty="0">
-              <a:cs typeface="Arial" panose="020B0604020202020204" pitchFamily="34" charset="0"/>
-            </a:endParaRPr>
-          </a:p>
-          <a:p>
-            <a:pPr algn="l"/>
-            <a:endParaRPr lang="en-US" sz="1600" u="sng" spc="0" dirty="0">
-              <a:cs typeface="Arial" panose="020B0604020202020204" pitchFamily="34" charset="0"/>
-            </a:endParaRPr>
-          </a:p>
-          <a:p>
-            <a:pPr algn="l"/>
-            <a:r>
-              <a:rPr lang="en-US" sz="1600" u="sng" spc="0" dirty="0">
-                <a:cs typeface="Arial" panose="020B0604020202020204" pitchFamily="34" charset="0"/>
-              </a:rPr>
-              <a:t>Achievements:</a:t>
-            </a:r>
-          </a:p>
-          <a:p>
-            <a:pPr marL="285750" indent="-285750" algn="l">
-              <a:buFont typeface="Arial" panose="020B0604020202020204" pitchFamily="34" charset="0"/>
-              <a:buChar char="•"/>
-            </a:pPr>
-            <a:r>
-              <a:rPr lang="en-US" cap="none" spc="0" dirty="0">
-                <a:cs typeface="Arial" panose="020B0604020202020204" pitchFamily="34" charset="0"/>
-              </a:rPr>
-              <a:t>Successfully hosted sprint meetings with all members present weekly and participating</a:t>
-            </a:r>
-          </a:p>
-          <a:p>
-            <a:pPr marL="285750" indent="-285750" algn="l">
-              <a:buFont typeface="Arial" panose="020B0604020202020204" pitchFamily="34" charset="0"/>
-              <a:buChar char="•"/>
-            </a:pPr>
-            <a:r>
-              <a:rPr lang="en-US" cap="none" spc="0" dirty="0">
-                <a:cs typeface="Arial" panose="020B0604020202020204" pitchFamily="34" charset="0"/>
-              </a:rPr>
-              <a:t>Individual team members feel more satisfied with their roles which gives them extra motivation to perform.</a:t>
-            </a:r>
-          </a:p>
-          <a:p>
-            <a:pPr marL="285750" indent="-285750" algn="l">
-              <a:buFont typeface="Arial" panose="020B0604020202020204" pitchFamily="34" charset="0"/>
-              <a:buChar char="•"/>
-            </a:pPr>
-            <a:r>
-              <a:rPr lang="en-US" cap="none" spc="0" dirty="0">
-                <a:cs typeface="Arial" panose="020B0604020202020204" pitchFamily="34" charset="0"/>
-              </a:rPr>
-              <a:t>Tasks are completed on time and in full.</a:t>
-            </a:r>
-          </a:p>
-          <a:p>
-            <a:pPr marL="285750" indent="-285750" algn="l">
-              <a:buFont typeface="Arial" panose="020B0604020202020204" pitchFamily="34" charset="0"/>
-              <a:buChar char="•"/>
-            </a:pPr>
-            <a:endParaRPr lang="en-US" spc="0" dirty="0">
-              <a:cs typeface="Arial" panose="020B0604020202020204" pitchFamily="34" charset="0"/>
-            </a:endParaRPr>
-          </a:p>
-          <a:p>
-            <a:pPr algn="l"/>
-            <a:endParaRPr lang="en-US" spc="0" dirty="0">
-              <a:cs typeface="Arial" panose="020B0604020202020204" pitchFamily="34" charset="0"/>
-            </a:endParaRPr>
-          </a:p>
-          <a:p>
-            <a:pPr algn="l"/>
-            <a:r>
-              <a:rPr lang="en-US" sz="1600" u="sng" spc="0" dirty="0">
-                <a:cs typeface="Arial" panose="020B0604020202020204" pitchFamily="34" charset="0"/>
-              </a:rPr>
-              <a:t>Challenges:</a:t>
-            </a:r>
-          </a:p>
-          <a:p>
-            <a:pPr marL="285750" indent="-285750" algn="l">
-              <a:buFont typeface="Arial" panose="020B0604020202020204" pitchFamily="34" charset="0"/>
-              <a:buChar char="•"/>
-            </a:pPr>
-            <a:r>
-              <a:rPr lang="en-US" cap="none" spc="0" dirty="0">
-                <a:cs typeface="Arial" panose="020B0604020202020204" pitchFamily="34" charset="0"/>
-              </a:rPr>
-              <a:t>Microsoft word formatting for SRS document.</a:t>
-            </a:r>
-          </a:p>
-          <a:p>
-            <a:pPr marL="285750" indent="-285750" algn="l">
-              <a:buFont typeface="Arial" panose="020B0604020202020204" pitchFamily="34" charset="0"/>
-              <a:buChar char="•"/>
-            </a:pPr>
-            <a:r>
-              <a:rPr lang="en-US" cap="none" spc="0" dirty="0">
-                <a:cs typeface="Arial" panose="020B0604020202020204" pitchFamily="34" charset="0"/>
-              </a:rPr>
-              <a:t>Solving the compatibility issue by choosing a web-based application.</a:t>
-            </a:r>
-          </a:p>
-          <a:p>
-            <a:pPr marL="285750" indent="-285750" algn="l">
-              <a:buFont typeface="Arial" panose="020B0604020202020204" pitchFamily="34" charset="0"/>
-              <a:buChar char="•"/>
-            </a:pPr>
-            <a:r>
-              <a:rPr lang="en-US" cap="none" spc="0" dirty="0">
-                <a:cs typeface="Arial" panose="020B0604020202020204" pitchFamily="34" charset="0"/>
-              </a:rPr>
-              <a:t>Choosing the priority of the requirements specification using the MOSCOW method. All requirements would be nice to have so it is difficult to consider a rating for each one.</a:t>
-            </a:r>
-          </a:p>
-          <a:p>
-            <a:pPr marL="285750" indent="-285750" algn="l">
-              <a:buFont typeface="Arial" panose="020B0604020202020204" pitchFamily="34" charset="0"/>
-              <a:buChar char="•"/>
-            </a:pPr>
-            <a:endParaRPr lang="en-US" spc="0" dirty="0">
-              <a:cs typeface="Arial" panose="020B0604020202020204" pitchFamily="34" charset="0"/>
-            </a:endParaRPr>
-          </a:p>
-          <a:p>
-            <a:pPr marL="285750" indent="-285750" algn="l">
-              <a:buFont typeface="Arial" panose="020B0604020202020204" pitchFamily="34" charset="0"/>
-              <a:buChar char="•"/>
-            </a:pPr>
-            <a:endParaRPr lang="en-US" spc="0" dirty="0">
-              <a:cs typeface="Arial" panose="020B0604020202020204" pitchFamily="34" charset="0"/>
-            </a:endParaRPr>
-          </a:p>
-          <a:p>
-            <a:pPr marL="285750" indent="-285750" algn="l">
-              <a:buFont typeface="Arial" panose="020B0604020202020204" pitchFamily="34" charset="0"/>
-              <a:buChar char="•"/>
-            </a:pPr>
-            <a:endParaRPr lang="en-US" spc="0" dirty="0">
-              <a:cs typeface="Arial" panose="020B0604020202020204" pitchFamily="34" charset="0"/>
-            </a:endParaRPr>
-          </a:p>
-          <a:p>
-            <a:pPr algn="l"/>
-            <a:endParaRPr lang="en-US" spc="0" dirty="0">
-              <a:cs typeface="Arial" panose="020B0604020202020204" pitchFamily="34" charset="0"/>
-            </a:endParaRPr>
-          </a:p>
-          <a:p>
-            <a:pPr marL="285750" indent="-285750" algn="l">
-              <a:buFont typeface="Arial" panose="020B0604020202020204" pitchFamily="34" charset="0"/>
-              <a:buChar char="•"/>
-            </a:pPr>
-            <a:endParaRPr lang="en-US" spc="0" dirty="0">
-              <a:cs typeface="Arial" panose="020B0604020202020204" pitchFamily="34" charset="0"/>
-            </a:endParaRPr>
-          </a:p>
-        </p:txBody>
-      </p:sp>
-      <p:sp>
-        <p:nvSpPr>
-          <p:cNvPr id="6" name="Slide Number Placeholder 5">
-            <a:extLst>
-              <a:ext uri="{FF2B5EF4-FFF2-40B4-BE49-F238E27FC236}">
-                <a16:creationId xmlns:a16="http://schemas.microsoft.com/office/drawing/2014/main" id="{FC6A5C12-E784-444E-B868-DE2AE85742BB}"/>
-              </a:ext>
-            </a:extLst>
-          </p:cNvPr>
-          <p:cNvSpPr>
-            <a:spLocks noGrp="1"/>
-          </p:cNvSpPr>
-          <p:nvPr>
-            <p:ph type="sldNum" sz="quarter" idx="12"/>
-          </p:nvPr>
-        </p:nvSpPr>
-        <p:spPr/>
-        <p:txBody>
-          <a:bodyPr/>
-          <a:lstStyle/>
-          <a:p>
-            <a:fld id="{8C2E478F-E849-4A8C-AF1F-CBCC78A7CBFA}" type="slidenum">
-              <a:rPr lang="en-US" smtClean="0"/>
-              <a:pPr/>
-              <a:t>21</a:t>
-            </a:fld>
-            <a:endParaRPr lang="en-US" dirty="0"/>
-          </a:p>
-        </p:txBody>
-      </p:sp>
-    </p:spTree>
-    <p:extLst>
-      <p:ext uri="{BB962C8B-B14F-4D97-AF65-F5344CB8AC3E}">
-        <p14:creationId xmlns:p14="http://schemas.microsoft.com/office/powerpoint/2010/main" val="2918897839"/>
-      </p:ext>
-    </p:extLst>
-  </p:cSld>
-  <p:clrMapOvr>
-    <a:masterClrMapping/>
-  </p:clrMapOvr>
-</p:sld>
-</file>
-
 <file path=ppt/slides/slide22.xml><?xml version="1.0" encoding="utf-8"?>
 <p:sld xmlns:a="http://schemas.openxmlformats.org/drawingml/2006/main" xmlns:r="http://schemas.openxmlformats.org/officeDocument/2006/relationships" xmlns:p="http://schemas.openxmlformats.org/presentationml/2006/main">
   <p:cSld>
@@ -10488,8 +10612,8 @@
         </p:nvSpPr>
         <p:spPr>
           <a:xfrm>
-            <a:off x="6243087" y="58128"/>
-            <a:ext cx="5569486" cy="741763"/>
+            <a:off x="6258991" y="151788"/>
+            <a:ext cx="5251450" cy="975869"/>
           </a:xfrm>
         </p:spPr>
         <p:txBody>
@@ -10500,7 +10624,7 @@
           <a:p>
             <a:r>
               <a:rPr lang="en-US" sz="2800" dirty="0"/>
-              <a:t>Future Development Plan</a:t>
+              <a:t>Achievements and challenges</a:t>
             </a:r>
           </a:p>
         </p:txBody>
@@ -10563,6 +10687,339 @@
         </p:nvSpPr>
         <p:spPr>
           <a:xfrm>
+            <a:off x="5897218" y="1375873"/>
+            <a:ext cx="6095999" cy="5233911"/>
+          </a:xfrm>
+        </p:spPr>
+        <p:txBody>
+          <a:bodyPr/>
+          <a:lstStyle/>
+          <a:p>
+            <a:pPr algn="l"/>
+            <a:endParaRPr lang="en-US" sz="1600" u="sng" spc="0" dirty="0">
+              <a:cs typeface="Arial" panose="020B0604020202020204" pitchFamily="34" charset="0"/>
+            </a:endParaRPr>
+          </a:p>
+          <a:p>
+            <a:pPr algn="l"/>
+            <a:endParaRPr lang="en-US" sz="1600" u="sng" spc="0" dirty="0">
+              <a:cs typeface="Arial" panose="020B0604020202020204" pitchFamily="34" charset="0"/>
+            </a:endParaRPr>
+          </a:p>
+          <a:p>
+            <a:pPr algn="l"/>
+            <a:endParaRPr lang="en-US" sz="1600" u="sng" spc="0" dirty="0">
+              <a:cs typeface="Arial" panose="020B0604020202020204" pitchFamily="34" charset="0"/>
+            </a:endParaRPr>
+          </a:p>
+          <a:p>
+            <a:pPr algn="l"/>
+            <a:endParaRPr lang="en-US" sz="1600" u="sng" spc="0" dirty="0">
+              <a:cs typeface="Arial" panose="020B0604020202020204" pitchFamily="34" charset="0"/>
+            </a:endParaRPr>
+          </a:p>
+          <a:p>
+            <a:pPr algn="l"/>
+            <a:r>
+              <a:rPr lang="en-US" sz="1600" u="sng" spc="0" dirty="0">
+                <a:cs typeface="Arial" panose="020B0604020202020204" pitchFamily="34" charset="0"/>
+              </a:rPr>
+              <a:t>Achievements:</a:t>
+            </a:r>
+          </a:p>
+          <a:p>
+            <a:pPr marL="285750" indent="-285750" algn="l">
+              <a:buFont typeface="Arial" panose="020B0604020202020204" pitchFamily="34" charset="0"/>
+              <a:buChar char="•"/>
+            </a:pPr>
+            <a:r>
+              <a:rPr lang="en-US" cap="none" spc="0" dirty="0">
+                <a:cs typeface="Arial" panose="020B0604020202020204" pitchFamily="34" charset="0"/>
+              </a:rPr>
+              <a:t>Successfully hosted sprint meetings with all members present weekly and participating</a:t>
+            </a:r>
+          </a:p>
+          <a:p>
+            <a:pPr marL="285750" indent="-285750" algn="l">
+              <a:buFont typeface="Arial" panose="020B0604020202020204" pitchFamily="34" charset="0"/>
+              <a:buChar char="•"/>
+            </a:pPr>
+            <a:r>
+              <a:rPr lang="en-US" cap="none" spc="0" dirty="0">
+                <a:cs typeface="Arial" panose="020B0604020202020204" pitchFamily="34" charset="0"/>
+              </a:rPr>
+              <a:t>Individual team members feel more satisfied with their roles which gives them extra motivation to perform.</a:t>
+            </a:r>
+          </a:p>
+          <a:p>
+            <a:pPr marL="285750" indent="-285750" algn="l">
+              <a:buFont typeface="Arial" panose="020B0604020202020204" pitchFamily="34" charset="0"/>
+              <a:buChar char="•"/>
+            </a:pPr>
+            <a:r>
+              <a:rPr lang="en-US" cap="none" spc="0" dirty="0">
+                <a:cs typeface="Arial" panose="020B0604020202020204" pitchFamily="34" charset="0"/>
+              </a:rPr>
+              <a:t>Tasks are completed on time and in full.</a:t>
+            </a:r>
+          </a:p>
+          <a:p>
+            <a:pPr marL="285750" indent="-285750" algn="l">
+              <a:buFont typeface="Arial" panose="020B0604020202020204" pitchFamily="34" charset="0"/>
+              <a:buChar char="•"/>
+            </a:pPr>
+            <a:endParaRPr lang="en-US" spc="0" dirty="0">
+              <a:cs typeface="Arial" panose="020B0604020202020204" pitchFamily="34" charset="0"/>
+            </a:endParaRPr>
+          </a:p>
+          <a:p>
+            <a:pPr algn="l"/>
+            <a:endParaRPr lang="en-US" spc="0" dirty="0">
+              <a:cs typeface="Arial" panose="020B0604020202020204" pitchFamily="34" charset="0"/>
+            </a:endParaRPr>
+          </a:p>
+          <a:p>
+            <a:pPr algn="l"/>
+            <a:r>
+              <a:rPr lang="en-US" sz="1600" u="sng" spc="0" dirty="0">
+                <a:cs typeface="Arial" panose="020B0604020202020204" pitchFamily="34" charset="0"/>
+              </a:rPr>
+              <a:t>Challenges:</a:t>
+            </a:r>
+          </a:p>
+          <a:p>
+            <a:pPr marL="285750" indent="-285750" algn="l">
+              <a:buFont typeface="Arial" panose="020B0604020202020204" pitchFamily="34" charset="0"/>
+              <a:buChar char="•"/>
+            </a:pPr>
+            <a:r>
+              <a:rPr lang="en-US" cap="none" spc="0" dirty="0">
+                <a:cs typeface="Arial" panose="020B0604020202020204" pitchFamily="34" charset="0"/>
+              </a:rPr>
+              <a:t>Microsoft word formatting for SRS document.</a:t>
+            </a:r>
+          </a:p>
+          <a:p>
+            <a:pPr marL="285750" indent="-285750" algn="l">
+              <a:buFont typeface="Arial" panose="020B0604020202020204" pitchFamily="34" charset="0"/>
+              <a:buChar char="•"/>
+            </a:pPr>
+            <a:r>
+              <a:rPr lang="en-US" cap="none" spc="0" dirty="0">
+                <a:cs typeface="Arial" panose="020B0604020202020204" pitchFamily="34" charset="0"/>
+              </a:rPr>
+              <a:t>Solving the compatibility issue by choosing a web-based application.</a:t>
+            </a:r>
+          </a:p>
+          <a:p>
+            <a:pPr marL="285750" indent="-285750" algn="l">
+              <a:buFont typeface="Arial" panose="020B0604020202020204" pitchFamily="34" charset="0"/>
+              <a:buChar char="•"/>
+            </a:pPr>
+            <a:r>
+              <a:rPr lang="en-US" cap="none" spc="0" dirty="0">
+                <a:cs typeface="Arial" panose="020B0604020202020204" pitchFamily="34" charset="0"/>
+              </a:rPr>
+              <a:t>Choosing the priority of the requirements specification using the MOSCOW method. All requirements would be nice to have so it is difficult to consider a rating for each one.</a:t>
+            </a:r>
+          </a:p>
+          <a:p>
+            <a:pPr marL="285750" indent="-285750" algn="l">
+              <a:buFont typeface="Arial" panose="020B0604020202020204" pitchFamily="34" charset="0"/>
+              <a:buChar char="•"/>
+            </a:pPr>
+            <a:endParaRPr lang="en-US" spc="0" dirty="0">
+              <a:cs typeface="Arial" panose="020B0604020202020204" pitchFamily="34" charset="0"/>
+            </a:endParaRPr>
+          </a:p>
+          <a:p>
+            <a:pPr marL="285750" indent="-285750" algn="l">
+              <a:buFont typeface="Arial" panose="020B0604020202020204" pitchFamily="34" charset="0"/>
+              <a:buChar char="•"/>
+            </a:pPr>
+            <a:endParaRPr lang="en-US" spc="0" dirty="0">
+              <a:cs typeface="Arial" panose="020B0604020202020204" pitchFamily="34" charset="0"/>
+            </a:endParaRPr>
+          </a:p>
+          <a:p>
+            <a:pPr marL="285750" indent="-285750" algn="l">
+              <a:buFont typeface="Arial" panose="020B0604020202020204" pitchFamily="34" charset="0"/>
+              <a:buChar char="•"/>
+            </a:pPr>
+            <a:endParaRPr lang="en-US" spc="0" dirty="0">
+              <a:cs typeface="Arial" panose="020B0604020202020204" pitchFamily="34" charset="0"/>
+            </a:endParaRPr>
+          </a:p>
+          <a:p>
+            <a:pPr algn="l"/>
+            <a:endParaRPr lang="en-US" spc="0" dirty="0">
+              <a:cs typeface="Arial" panose="020B0604020202020204" pitchFamily="34" charset="0"/>
+            </a:endParaRPr>
+          </a:p>
+          <a:p>
+            <a:pPr marL="285750" indent="-285750" algn="l">
+              <a:buFont typeface="Arial" panose="020B0604020202020204" pitchFamily="34" charset="0"/>
+              <a:buChar char="•"/>
+            </a:pPr>
+            <a:endParaRPr lang="en-US" spc="0" dirty="0">
+              <a:cs typeface="Arial" panose="020B0604020202020204" pitchFamily="34" charset="0"/>
+            </a:endParaRPr>
+          </a:p>
+        </p:txBody>
+      </p:sp>
+      <p:sp>
+        <p:nvSpPr>
+          <p:cNvPr id="6" name="Slide Number Placeholder 5">
+            <a:extLst>
+              <a:ext uri="{FF2B5EF4-FFF2-40B4-BE49-F238E27FC236}">
+                <a16:creationId xmlns:a16="http://schemas.microsoft.com/office/drawing/2014/main" id="{FC6A5C12-E784-444E-B868-DE2AE85742BB}"/>
+              </a:ext>
+            </a:extLst>
+          </p:cNvPr>
+          <p:cNvSpPr>
+            <a:spLocks noGrp="1"/>
+          </p:cNvSpPr>
+          <p:nvPr>
+            <p:ph type="sldNum" sz="quarter" idx="12"/>
+          </p:nvPr>
+        </p:nvSpPr>
+        <p:spPr/>
+        <p:txBody>
+          <a:bodyPr/>
+          <a:lstStyle/>
+          <a:p>
+            <a:fld id="{8C2E478F-E849-4A8C-AF1F-CBCC78A7CBFA}" type="slidenum">
+              <a:rPr lang="en-US" smtClean="0"/>
+              <a:pPr/>
+              <a:t>22</a:t>
+            </a:fld>
+            <a:endParaRPr lang="en-US" dirty="0"/>
+          </a:p>
+        </p:txBody>
+      </p:sp>
+    </p:spTree>
+    <p:extLst>
+      <p:ext uri="{BB962C8B-B14F-4D97-AF65-F5344CB8AC3E}">
+        <p14:creationId xmlns:p14="http://schemas.microsoft.com/office/powerpoint/2010/main" val="2918897839"/>
+      </p:ext>
+    </p:extLst>
+  </p:cSld>
+  <p:clrMapOvr>
+    <a:masterClrMapping/>
+  </p:clrMapOvr>
+</p:sld>
+</file>
+
+<file path=ppt/slides/slide23.xml><?xml version="1.0" encoding="utf-8"?>
+<p:sld xmlns:a="http://schemas.openxmlformats.org/drawingml/2006/main" xmlns:r="http://schemas.openxmlformats.org/officeDocument/2006/relationships" xmlns:p="http://schemas.openxmlformats.org/presentationml/2006/main">
+  <p:cSld>
+    <p:spTree>
+      <p:nvGrpSpPr>
+        <p:cNvPr id="1" name=""/>
+        <p:cNvGrpSpPr/>
+        <p:nvPr/>
+      </p:nvGrpSpPr>
+      <p:grpSpPr>
+        <a:xfrm>
+          <a:off x="0" y="0"/>
+          <a:ext cx="0" cy="0"/>
+          <a:chOff x="0" y="0"/>
+          <a:chExt cx="0" cy="0"/>
+        </a:xfrm>
+      </p:grpSpPr>
+      <p:sp>
+        <p:nvSpPr>
+          <p:cNvPr id="3" name="Title 2">
+            <a:extLst>
+              <a:ext uri="{FF2B5EF4-FFF2-40B4-BE49-F238E27FC236}">
+                <a16:creationId xmlns:a16="http://schemas.microsoft.com/office/drawing/2014/main" id="{1D24B42B-925B-494C-A986-BD85E8117E1E}"/>
+              </a:ext>
+            </a:extLst>
+          </p:cNvPr>
+          <p:cNvSpPr>
+            <a:spLocks noGrp="1"/>
+          </p:cNvSpPr>
+          <p:nvPr>
+            <p:ph type="title"/>
+          </p:nvPr>
+        </p:nvSpPr>
+        <p:spPr>
+          <a:xfrm>
+            <a:off x="6243087" y="58128"/>
+            <a:ext cx="5569486" cy="741763"/>
+          </a:xfrm>
+        </p:spPr>
+        <p:txBody>
+          <a:bodyPr>
+            <a:normAutofit/>
+          </a:bodyPr>
+          <a:lstStyle/>
+          <a:p>
+            <a:r>
+              <a:rPr lang="en-US" sz="2800" dirty="0"/>
+              <a:t>Future Development Plan</a:t>
+            </a:r>
+          </a:p>
+        </p:txBody>
+      </p:sp>
+      <p:pic>
+        <p:nvPicPr>
+          <p:cNvPr id="8" name="Picture Placeholder 7" descr="close up of computer code">
+            <a:extLst>
+              <a:ext uri="{FF2B5EF4-FFF2-40B4-BE49-F238E27FC236}">
+                <a16:creationId xmlns:a16="http://schemas.microsoft.com/office/drawing/2014/main" id="{A596BF19-CC58-4709-B5D6-3FC378FDC7BA}"/>
+              </a:ext>
+            </a:extLst>
+          </p:cNvPr>
+          <p:cNvPicPr>
+            <a:picLocks noGrp="1" noChangeAspect="1"/>
+          </p:cNvPicPr>
+          <p:nvPr>
+            <p:ph type="pic" sz="quarter" idx="13"/>
+          </p:nvPr>
+        </p:nvPicPr>
+        <p:blipFill rotWithShape="1">
+          <a:blip r:embed="rId2">
+            <a:extLst>
+              <a:ext uri="{BEBA8EAE-BF5A-486C-A8C5-ECC9F3942E4B}">
+                <a14:imgProps xmlns:a14="http://schemas.microsoft.com/office/drawing/2010/main">
+                  <a14:imgLayer r:embed="rId3">
+                    <a14:imgEffect>
+                      <a14:saturation sat="0"/>
+                    </a14:imgEffect>
+                  </a14:imgLayer>
+                </a14:imgProps>
+              </a:ext>
+            </a:extLst>
+          </a:blip>
+          <a:srcRect l="20370" r="20370"/>
+          <a:stretch/>
+        </p:blipFill>
+        <p:spPr>
+          <a:xfrm>
+            <a:off x="0" y="-9922"/>
+            <a:ext cx="6096000" cy="6867922"/>
+          </a:xfrm>
+        </p:spPr>
+      </p:pic>
+      <p:sp>
+        <p:nvSpPr>
+          <p:cNvPr id="2" name="Text Placeholder 1">
+            <a:extLst>
+              <a:ext uri="{FF2B5EF4-FFF2-40B4-BE49-F238E27FC236}">
+                <a16:creationId xmlns:a16="http://schemas.microsoft.com/office/drawing/2014/main" id="{B156CAF1-214F-4566-9B0D-DACA1063E8C8}"/>
+              </a:ext>
+            </a:extLst>
+          </p:cNvPr>
+          <p:cNvSpPr>
+            <a:spLocks noGrp="1"/>
+          </p:cNvSpPr>
+          <p:nvPr>
+            <p:ph type="body" idx="1"/>
+          </p:nvPr>
+        </p:nvSpPr>
+        <p:spPr>
+          <a:xfrm>
             <a:off x="5897218" y="956345"/>
             <a:ext cx="6095999" cy="5578679"/>
           </a:xfrm>
@@ -10791,7 +11248,7 @@
             <a:fld id="{8C2E478F-E849-4A8C-AF1F-CBCC78A7CBFA}" type="slidenum">
               <a:rPr lang="en-US" smtClean="0"/>
               <a:pPr/>
-              <a:t>22</a:t>
+              <a:t>23</a:t>
             </a:fld>
             <a:endParaRPr lang="en-US" dirty="0"/>
           </a:p>
@@ -10810,7 +11267,7 @@
 </p:sld>
 </file>
 
-<file path=ppt/slides/slide23.xml><?xml version="1.0" encoding="utf-8"?>
+<file path=ppt/slides/slide24.xml><?xml version="1.0" encoding="utf-8"?>
 <p:sld xmlns:a="http://schemas.openxmlformats.org/drawingml/2006/main" xmlns:r="http://schemas.openxmlformats.org/officeDocument/2006/relationships" xmlns:p="http://schemas.openxmlformats.org/presentationml/2006/main">
   <p:cSld>
     <p:bg>
@@ -14184,21 +14641,21 @@
 </file>
 
 <file path=customXml/item1.xml><?xml version="1.0" encoding="utf-8"?>
+<?mso-contentType ?>
+<FormTemplates xmlns="http://schemas.microsoft.com/sharepoint/v3/contenttype/forms">
+  <Display>DocumentLibraryForm</Display>
+  <Edit>DocumentLibraryForm</Edit>
+  <New>DocumentLibraryForm</New>
+</FormTemplates>
+</file>
+
+<file path=customXml/item2.xml><?xml version="1.0" encoding="utf-8"?>
 <p:properties xmlns:p="http://schemas.microsoft.com/office/2006/metadata/properties" xmlns:xsi="http://www.w3.org/2001/XMLSchema-instance" xmlns:pc="http://schemas.microsoft.com/office/infopath/2007/PartnerControls">
   <documentManagement>
     <Status xmlns="71af3243-3dd4-4a8d-8c0d-dd76da1f02a5">Not started</Status>
     <MediaServiceKeyPoints xmlns="71af3243-3dd4-4a8d-8c0d-dd76da1f02a5" xsi:nil="true"/>
   </documentManagement>
 </p:properties>
-</file>
-
-<file path=customXml/item2.xml><?xml version="1.0" encoding="utf-8"?>
-<?mso-contentType ?>
-<FormTemplates xmlns="http://schemas.microsoft.com/sharepoint/v3/contenttype/forms">
-  <Display>DocumentLibraryForm</Display>
-  <Edit>DocumentLibraryForm</Edit>
-  <New>DocumentLibraryForm</New>
-</FormTemplates>
 </file>
 
 <file path=customXml/item3.xml><?xml version="1.0" encoding="utf-8"?>
@@ -14423,19 +14880,19 @@
 </file>
 
 <file path=customXml/itemProps1.xml><?xml version="1.0" encoding="utf-8"?>
+<ds:datastoreItem xmlns:ds="http://schemas.openxmlformats.org/officeDocument/2006/customXml" ds:itemID="{1B7E2D32-4FDD-4266-880C-17595B801432}">
+  <ds:schemaRefs>
+    <ds:schemaRef ds:uri="http://schemas.microsoft.com/sharepoint/v3/contenttype/forms"/>
+  </ds:schemaRefs>
+</ds:datastoreItem>
+</file>
+
+<file path=customXml/itemProps2.xml><?xml version="1.0" encoding="utf-8"?>
 <ds:datastoreItem xmlns:ds="http://schemas.openxmlformats.org/officeDocument/2006/customXml" ds:itemID="{E3D9F223-918A-45AF-9B53-56AB9E5E2182}">
   <ds:schemaRefs>
     <ds:schemaRef ds:uri="http://schemas.microsoft.com/office/2006/metadata/properties"/>
     <ds:schemaRef ds:uri="http://schemas.microsoft.com/office/infopath/2007/PartnerControls"/>
     <ds:schemaRef ds:uri="71af3243-3dd4-4a8d-8c0d-dd76da1f02a5"/>
-  </ds:schemaRefs>
-</ds:datastoreItem>
-</file>
-
-<file path=customXml/itemProps2.xml><?xml version="1.0" encoding="utf-8"?>
-<ds:datastoreItem xmlns:ds="http://schemas.openxmlformats.org/officeDocument/2006/customXml" ds:itemID="{1B7E2D32-4FDD-4266-880C-17595B801432}">
-  <ds:schemaRefs>
-    <ds:schemaRef ds:uri="http://schemas.microsoft.com/sharepoint/v3/contenttype/forms"/>
   </ds:schemaRefs>
 </ds:datastoreItem>
 </file>
